--- a/DesignPatterns/Behavioral Design Patterns/Behavioral Design Patterns - WTG.pptx
+++ b/DesignPatterns/Behavioral Design Patterns/Behavioral Design Patterns - WTG.pptx
@@ -5,10 +5,10 @@
     <p:sldMasterId id="2147483648" r:id="rId4"/>
   </p:sldMasterIdLst>
   <p:notesMasterIdLst>
-    <p:notesMasterId r:id="rId20"/>
+    <p:notesMasterId r:id="rId26"/>
   </p:notesMasterIdLst>
   <p:handoutMasterIdLst>
-    <p:handoutMasterId r:id="rId21"/>
+    <p:handoutMasterId r:id="rId27"/>
   </p:handoutMasterIdLst>
   <p:sldIdLst>
     <p:sldId id="264" r:id="rId5"/>
@@ -23,9 +23,15 @@
     <p:sldId id="309" r:id="rId14"/>
     <p:sldId id="312" r:id="rId15"/>
     <p:sldId id="311" r:id="rId16"/>
-    <p:sldId id="290" r:id="rId17"/>
-    <p:sldId id="303" r:id="rId18"/>
-    <p:sldId id="304" r:id="rId19"/>
+    <p:sldId id="313" r:id="rId17"/>
+    <p:sldId id="314" r:id="rId18"/>
+    <p:sldId id="315" r:id="rId19"/>
+    <p:sldId id="316" r:id="rId20"/>
+    <p:sldId id="318" r:id="rId21"/>
+    <p:sldId id="317" r:id="rId22"/>
+    <p:sldId id="290" r:id="rId23"/>
+    <p:sldId id="303" r:id="rId24"/>
+    <p:sldId id="304" r:id="rId25"/>
   </p:sldIdLst>
   <p:sldSz cx="24384000" cy="13716000"/>
   <p:notesSz cx="6858000" cy="9144000"/>
@@ -149,7 +155,7 @@
 <file path=ppt/revisionInfo.xml><?xml version="1.0" encoding="utf-8"?>
 <p1510:revInfo xmlns:a="http://schemas.openxmlformats.org/drawingml/2006/main" xmlns:r="http://schemas.openxmlformats.org/officeDocument/2006/relationships" xmlns:p1510="http://schemas.microsoft.com/office/powerpoint/2015/10/main">
   <p1510:revLst>
-    <p1510:client id="{E3AB844A-4AD4-46FB-BD64-7A68A14F278F}" v="207" dt="2023-08-07T04:12:18.808"/>
+    <p1510:client id="{E3AB844A-4AD4-46FB-BD64-7A68A14F278F}" v="318" dt="2023-08-07T04:27:53.959"/>
   </p1510:revLst>
 </p1510:revInfo>
 </file>
@@ -159,7 +165,7 @@
   <pc:docChgLst>
     <pc:chgData name="Nancy Li" userId="afc5209a-cf39-48d8-a57f-08cc8b772ec9" providerId="ADAL" clId="{E3AB844A-4AD4-46FB-BD64-7A68A14F278F}"/>
     <pc:docChg chg="undo custSel addSld delSld modSld sldOrd">
-      <pc:chgData name="Nancy Li" userId="afc5209a-cf39-48d8-a57f-08cc8b772ec9" providerId="ADAL" clId="{E3AB844A-4AD4-46FB-BD64-7A68A14F278F}" dt="2023-08-07T04:12:47.239" v="371" actId="1076"/>
+      <pc:chgData name="Nancy Li" userId="afc5209a-cf39-48d8-a57f-08cc8b772ec9" providerId="ADAL" clId="{E3AB844A-4AD4-46FB-BD64-7A68A14F278F}" dt="2023-08-07T04:27:56.343" v="527" actId="14100"/>
       <pc:docMkLst>
         <pc:docMk/>
       </pc:docMkLst>
@@ -482,8 +488,8 @@
           <pc:sldMk cId="3686350167" sldId="288"/>
         </pc:sldMkLst>
       </pc:sldChg>
-      <pc:sldChg chg="modSp add del mod">
-        <pc:chgData name="Nancy Li" userId="afc5209a-cf39-48d8-a57f-08cc8b772ec9" providerId="ADAL" clId="{E3AB844A-4AD4-46FB-BD64-7A68A14F278F}" dt="2023-08-07T04:08:45.575" v="318"/>
+      <pc:sldChg chg="modSp add del mod modNotesTx">
+        <pc:chgData name="Nancy Li" userId="afc5209a-cf39-48d8-a57f-08cc8b772ec9" providerId="ADAL" clId="{E3AB844A-4AD4-46FB-BD64-7A68A14F278F}" dt="2023-08-07T04:22:03.741" v="463" actId="20577"/>
         <pc:sldMkLst>
           <pc:docMk/>
           <pc:sldMk cId="291393146" sldId="290"/>
@@ -497,7 +503,7 @@
           </ac:spMkLst>
         </pc:spChg>
         <pc:graphicFrameChg chg="mod">
-          <ac:chgData name="Nancy Li" userId="afc5209a-cf39-48d8-a57f-08cc8b772ec9" providerId="ADAL" clId="{E3AB844A-4AD4-46FB-BD64-7A68A14F278F}" dt="2023-08-07T04:08:45.575" v="318"/>
+          <ac:chgData name="Nancy Li" userId="afc5209a-cf39-48d8-a57f-08cc8b772ec9" providerId="ADAL" clId="{E3AB844A-4AD4-46FB-BD64-7A68A14F278F}" dt="2023-08-07T04:21:55.171" v="457"/>
           <ac:graphicFrameMkLst>
             <pc:docMk/>
             <pc:sldMk cId="291393146" sldId="290"/>
@@ -700,6 +706,238 @@
           <pc:docMk/>
           <pc:sldMk cId="382068623" sldId="312"/>
         </pc:sldMkLst>
+      </pc:sldChg>
+      <pc:sldChg chg="addSp delSp modSp add mod ord">
+        <pc:chgData name="Nancy Li" userId="afc5209a-cf39-48d8-a57f-08cc8b772ec9" providerId="ADAL" clId="{E3AB844A-4AD4-46FB-BD64-7A68A14F278F}" dt="2023-08-07T04:20:05.687" v="430" actId="1076"/>
+        <pc:sldMkLst>
+          <pc:docMk/>
+          <pc:sldMk cId="3735070334" sldId="313"/>
+        </pc:sldMkLst>
+        <pc:spChg chg="add mod">
+          <ac:chgData name="Nancy Li" userId="afc5209a-cf39-48d8-a57f-08cc8b772ec9" providerId="ADAL" clId="{E3AB844A-4AD4-46FB-BD64-7A68A14F278F}" dt="2023-08-07T04:20:05.687" v="430" actId="1076"/>
+          <ac:spMkLst>
+            <pc:docMk/>
+            <pc:sldMk cId="3735070334" sldId="313"/>
+            <ac:spMk id="6" creationId="{29B3E2C0-6587-B64D-B030-79A3B120D83D}"/>
+          </ac:spMkLst>
+        </pc:spChg>
+        <pc:spChg chg="mod">
+          <ac:chgData name="Nancy Li" userId="afc5209a-cf39-48d8-a57f-08cc8b772ec9" providerId="ADAL" clId="{E3AB844A-4AD4-46FB-BD64-7A68A14F278F}" dt="2023-08-07T04:18:20.139" v="400" actId="20577"/>
+          <ac:spMkLst>
+            <pc:docMk/>
+            <pc:sldMk cId="3735070334" sldId="313"/>
+            <ac:spMk id="13" creationId="{3BAEBDBD-7B50-9F58-BD3C-27FF4C445264}"/>
+          </ac:spMkLst>
+        </pc:spChg>
+        <pc:graphicFrameChg chg="add del mod">
+          <ac:chgData name="Nancy Li" userId="afc5209a-cf39-48d8-a57f-08cc8b772ec9" providerId="ADAL" clId="{E3AB844A-4AD4-46FB-BD64-7A68A14F278F}" dt="2023-08-07T04:18:29.708" v="403" actId="478"/>
+          <ac:graphicFrameMkLst>
+            <pc:docMk/>
+            <pc:sldMk cId="3735070334" sldId="313"/>
+            <ac:graphicFrameMk id="4" creationId="{B47080E8-0602-993C-35A2-C52214EE5B2A}"/>
+          </ac:graphicFrameMkLst>
+        </pc:graphicFrameChg>
+        <pc:picChg chg="add del mod">
+          <ac:chgData name="Nancy Li" userId="afc5209a-cf39-48d8-a57f-08cc8b772ec9" providerId="ADAL" clId="{E3AB844A-4AD4-46FB-BD64-7A68A14F278F}" dt="2023-08-07T04:18:28.910" v="402" actId="478"/>
+          <ac:picMkLst>
+            <pc:docMk/>
+            <pc:sldMk cId="3735070334" sldId="313"/>
+            <ac:picMk id="1026" creationId="{0AEF86A3-A8BB-9C13-0590-702E1B309194}"/>
+          </ac:picMkLst>
+        </pc:picChg>
+        <pc:picChg chg="add del mod">
+          <ac:chgData name="Nancy Li" userId="afc5209a-cf39-48d8-a57f-08cc8b772ec9" providerId="ADAL" clId="{E3AB844A-4AD4-46FB-BD64-7A68A14F278F}" dt="2023-08-07T04:19:04.021" v="409" actId="478"/>
+          <ac:picMkLst>
+            <pc:docMk/>
+            <pc:sldMk cId="3735070334" sldId="313"/>
+            <ac:picMk id="1028" creationId="{00CFB238-1F83-F60F-D8C8-6E8F4C615634}"/>
+          </ac:picMkLst>
+        </pc:picChg>
+        <pc:picChg chg="add mod">
+          <ac:chgData name="Nancy Li" userId="afc5209a-cf39-48d8-a57f-08cc8b772ec9" providerId="ADAL" clId="{E3AB844A-4AD4-46FB-BD64-7A68A14F278F}" dt="2023-08-07T04:20:00.717" v="428" actId="1076"/>
+          <ac:picMkLst>
+            <pc:docMk/>
+            <pc:sldMk cId="3735070334" sldId="313"/>
+            <ac:picMk id="1030" creationId="{5FE7F1D1-D57A-8D02-30F2-E2B4982C08AE}"/>
+          </ac:picMkLst>
+        </pc:picChg>
+        <pc:picChg chg="add mod">
+          <ac:chgData name="Nancy Li" userId="afc5209a-cf39-48d8-a57f-08cc8b772ec9" providerId="ADAL" clId="{E3AB844A-4AD4-46FB-BD64-7A68A14F278F}" dt="2023-08-07T04:20:01.856" v="429" actId="1076"/>
+          <ac:picMkLst>
+            <pc:docMk/>
+            <pc:sldMk cId="3735070334" sldId="313"/>
+            <ac:picMk id="1032" creationId="{FA13AA82-585F-CAF8-983E-890D794FB78F}"/>
+          </ac:picMkLst>
+        </pc:picChg>
+        <pc:picChg chg="del">
+          <ac:chgData name="Nancy Li" userId="afc5209a-cf39-48d8-a57f-08cc8b772ec9" providerId="ADAL" clId="{E3AB844A-4AD4-46FB-BD64-7A68A14F278F}" dt="2023-08-07T04:16:47.850" v="375" actId="478"/>
+          <ac:picMkLst>
+            <pc:docMk/>
+            <pc:sldMk cId="3735070334" sldId="313"/>
+            <ac:picMk id="4100" creationId="{20EB5A51-4E99-2E1E-FD97-5B2E01A8C9E8}"/>
+          </ac:picMkLst>
+        </pc:picChg>
+      </pc:sldChg>
+      <pc:sldChg chg="add">
+        <pc:chgData name="Nancy Li" userId="afc5209a-cf39-48d8-a57f-08cc8b772ec9" providerId="ADAL" clId="{E3AB844A-4AD4-46FB-BD64-7A68A14F278F}" dt="2023-08-07T04:18:25.062" v="401"/>
+        <pc:sldMkLst>
+          <pc:docMk/>
+          <pc:sldMk cId="1534296091" sldId="314"/>
+        </pc:sldMkLst>
+      </pc:sldChg>
+      <pc:sldChg chg="add del">
+        <pc:chgData name="Nancy Li" userId="afc5209a-cf39-48d8-a57f-08cc8b772ec9" providerId="ADAL" clId="{E3AB844A-4AD4-46FB-BD64-7A68A14F278F}" dt="2023-08-07T04:16:50.029" v="377"/>
+        <pc:sldMkLst>
+          <pc:docMk/>
+          <pc:sldMk cId="1595193900" sldId="314"/>
+        </pc:sldMkLst>
+      </pc:sldChg>
+      <pc:sldChg chg="addSp delSp modSp add mod">
+        <pc:chgData name="Nancy Li" userId="afc5209a-cf39-48d8-a57f-08cc8b772ec9" providerId="ADAL" clId="{E3AB844A-4AD4-46FB-BD64-7A68A14F278F}" dt="2023-08-07T04:20:56.232" v="444" actId="1076"/>
+        <pc:sldMkLst>
+          <pc:docMk/>
+          <pc:sldMk cId="2396239640" sldId="315"/>
+        </pc:sldMkLst>
+        <pc:graphicFrameChg chg="del mod">
+          <ac:chgData name="Nancy Li" userId="afc5209a-cf39-48d8-a57f-08cc8b772ec9" providerId="ADAL" clId="{E3AB844A-4AD4-46FB-BD64-7A68A14F278F}" dt="2023-08-07T04:20:24.015" v="434" actId="478"/>
+          <ac:graphicFrameMkLst>
+            <pc:docMk/>
+            <pc:sldMk cId="2396239640" sldId="315"/>
+            <ac:graphicFrameMk id="4" creationId="{B47080E8-0602-993C-35A2-C52214EE5B2A}"/>
+          </ac:graphicFrameMkLst>
+        </pc:graphicFrameChg>
+        <pc:picChg chg="add del mod">
+          <ac:chgData name="Nancy Li" userId="afc5209a-cf39-48d8-a57f-08cc8b772ec9" providerId="ADAL" clId="{E3AB844A-4AD4-46FB-BD64-7A68A14F278F}" dt="2023-08-07T04:20:43.417" v="439" actId="478"/>
+          <ac:picMkLst>
+            <pc:docMk/>
+            <pc:sldMk cId="2396239640" sldId="315"/>
+            <ac:picMk id="6" creationId="{859CC4F1-F2D8-8420-9923-43B59BE19587}"/>
+          </ac:picMkLst>
+        </pc:picChg>
+        <pc:picChg chg="add mod">
+          <ac:chgData name="Nancy Li" userId="afc5209a-cf39-48d8-a57f-08cc8b772ec9" providerId="ADAL" clId="{E3AB844A-4AD4-46FB-BD64-7A68A14F278F}" dt="2023-08-07T04:20:56.232" v="444" actId="1076"/>
+          <ac:picMkLst>
+            <pc:docMk/>
+            <pc:sldMk cId="2396239640" sldId="315"/>
+            <ac:picMk id="8" creationId="{6A4313A0-CFB9-5430-6BC7-B17683B17DD3}"/>
+          </ac:picMkLst>
+        </pc:picChg>
+        <pc:picChg chg="del">
+          <ac:chgData name="Nancy Li" userId="afc5209a-cf39-48d8-a57f-08cc8b772ec9" providerId="ADAL" clId="{E3AB844A-4AD4-46FB-BD64-7A68A14F278F}" dt="2023-08-07T04:20:20.197" v="432" actId="478"/>
+          <ac:picMkLst>
+            <pc:docMk/>
+            <pc:sldMk cId="2396239640" sldId="315"/>
+            <ac:picMk id="1026" creationId="{0AEF86A3-A8BB-9C13-0590-702E1B309194}"/>
+          </ac:picMkLst>
+        </pc:picChg>
+      </pc:sldChg>
+      <pc:sldChg chg="addSp delSp modSp add mod">
+        <pc:chgData name="Nancy Li" userId="afc5209a-cf39-48d8-a57f-08cc8b772ec9" providerId="ADAL" clId="{E3AB844A-4AD4-46FB-BD64-7A68A14F278F}" dt="2023-08-07T04:27:02.334" v="501" actId="1036"/>
+        <pc:sldMkLst>
+          <pc:docMk/>
+          <pc:sldMk cId="2312788854" sldId="316"/>
+        </pc:sldMkLst>
+        <pc:spChg chg="mod">
+          <ac:chgData name="Nancy Li" userId="afc5209a-cf39-48d8-a57f-08cc8b772ec9" providerId="ADAL" clId="{E3AB844A-4AD4-46FB-BD64-7A68A14F278F}" dt="2023-08-07T04:21:48.138" v="455"/>
+          <ac:spMkLst>
+            <pc:docMk/>
+            <pc:sldMk cId="2312788854" sldId="316"/>
+            <ac:spMk id="13" creationId="{3BAEBDBD-7B50-9F58-BD3C-27FF4C445264}"/>
+          </ac:spMkLst>
+        </pc:spChg>
+        <pc:picChg chg="add del mod">
+          <ac:chgData name="Nancy Li" userId="afc5209a-cf39-48d8-a57f-08cc8b772ec9" providerId="ADAL" clId="{E3AB844A-4AD4-46FB-BD64-7A68A14F278F}" dt="2023-08-07T04:23:37.616" v="470"/>
+          <ac:picMkLst>
+            <pc:docMk/>
+            <pc:sldMk cId="2312788854" sldId="316"/>
+            <ac:picMk id="4" creationId="{7568A932-B797-B8AB-3EC3-0F6F46FB1581}"/>
+          </ac:picMkLst>
+        </pc:picChg>
+        <pc:picChg chg="add del mod">
+          <ac:chgData name="Nancy Li" userId="afc5209a-cf39-48d8-a57f-08cc8b772ec9" providerId="ADAL" clId="{E3AB844A-4AD4-46FB-BD64-7A68A14F278F}" dt="2023-08-07T04:26:36.236" v="494" actId="478"/>
+          <ac:picMkLst>
+            <pc:docMk/>
+            <pc:sldMk cId="2312788854" sldId="316"/>
+            <ac:picMk id="6" creationId="{3B3A5810-F4B6-7D95-8A88-488CA0B7A211}"/>
+          </ac:picMkLst>
+        </pc:picChg>
+        <pc:picChg chg="del">
+          <ac:chgData name="Nancy Li" userId="afc5209a-cf39-48d8-a57f-08cc8b772ec9" providerId="ADAL" clId="{E3AB844A-4AD4-46FB-BD64-7A68A14F278F}" dt="2023-08-07T04:21:41.164" v="454" actId="478"/>
+          <ac:picMkLst>
+            <pc:docMk/>
+            <pc:sldMk cId="2312788854" sldId="316"/>
+            <ac:picMk id="8" creationId="{6A4313A0-CFB9-5430-6BC7-B17683B17DD3}"/>
+          </ac:picMkLst>
+        </pc:picChg>
+        <pc:picChg chg="add del mod">
+          <ac:chgData name="Nancy Li" userId="afc5209a-cf39-48d8-a57f-08cc8b772ec9" providerId="ADAL" clId="{E3AB844A-4AD4-46FB-BD64-7A68A14F278F}" dt="2023-08-07T04:23:41.680" v="472" actId="478"/>
+          <ac:picMkLst>
+            <pc:docMk/>
+            <pc:sldMk cId="2312788854" sldId="316"/>
+            <ac:picMk id="3074" creationId="{02B59D1B-459F-9F25-0EEA-2B9A89CDA84D}"/>
+          </ac:picMkLst>
+        </pc:picChg>
+        <pc:picChg chg="add mod">
+          <ac:chgData name="Nancy Li" userId="afc5209a-cf39-48d8-a57f-08cc8b772ec9" providerId="ADAL" clId="{E3AB844A-4AD4-46FB-BD64-7A68A14F278F}" dt="2023-08-07T04:27:02.334" v="501" actId="1036"/>
+          <ac:picMkLst>
+            <pc:docMk/>
+            <pc:sldMk cId="2312788854" sldId="316"/>
+            <ac:picMk id="3076" creationId="{703D5C34-F594-D2EF-2D01-5BDAADFAE550}"/>
+          </ac:picMkLst>
+        </pc:picChg>
+      </pc:sldChg>
+      <pc:sldChg chg="add del">
+        <pc:chgData name="Nancy Li" userId="afc5209a-cf39-48d8-a57f-08cc8b772ec9" providerId="ADAL" clId="{E3AB844A-4AD4-46FB-BD64-7A68A14F278F}" dt="2023-08-07T04:21:38.599" v="453"/>
+        <pc:sldMkLst>
+          <pc:docMk/>
+          <pc:sldMk cId="1907138204" sldId="317"/>
+        </pc:sldMkLst>
+      </pc:sldChg>
+      <pc:sldChg chg="addSp delSp modSp add">
+        <pc:chgData name="Nancy Li" userId="afc5209a-cf39-48d8-a57f-08cc8b772ec9" providerId="ADAL" clId="{E3AB844A-4AD4-46FB-BD64-7A68A14F278F}" dt="2023-08-07T04:26:34.182" v="493"/>
+        <pc:sldMkLst>
+          <pc:docMk/>
+          <pc:sldMk cId="3101352317" sldId="317"/>
+        </pc:sldMkLst>
+        <pc:picChg chg="add mod">
+          <ac:chgData name="Nancy Li" userId="afc5209a-cf39-48d8-a57f-08cc8b772ec9" providerId="ADAL" clId="{E3AB844A-4AD4-46FB-BD64-7A68A14F278F}" dt="2023-08-07T04:26:34.182" v="493"/>
+          <ac:picMkLst>
+            <pc:docMk/>
+            <pc:sldMk cId="3101352317" sldId="317"/>
+            <ac:picMk id="4" creationId="{F17740F9-1F9E-E3F8-26ED-64C1F8C19DE8}"/>
+          </ac:picMkLst>
+        </pc:picChg>
+        <pc:picChg chg="del">
+          <ac:chgData name="Nancy Li" userId="afc5209a-cf39-48d8-a57f-08cc8b772ec9" providerId="ADAL" clId="{E3AB844A-4AD4-46FB-BD64-7A68A14F278F}" dt="2023-08-07T04:23:49.811" v="474" actId="478"/>
+          <ac:picMkLst>
+            <pc:docMk/>
+            <pc:sldMk cId="3101352317" sldId="317"/>
+            <ac:picMk id="3074" creationId="{02B59D1B-459F-9F25-0EEA-2B9A89CDA84D}"/>
+          </ac:picMkLst>
+        </pc:picChg>
+      </pc:sldChg>
+      <pc:sldChg chg="addSp modSp add mod">
+        <pc:chgData name="Nancy Li" userId="afc5209a-cf39-48d8-a57f-08cc8b772ec9" providerId="ADAL" clId="{E3AB844A-4AD4-46FB-BD64-7A68A14F278F}" dt="2023-08-07T04:27:56.343" v="527" actId="14100"/>
+        <pc:sldMkLst>
+          <pc:docMk/>
+          <pc:sldMk cId="4168125830" sldId="318"/>
+        </pc:sldMkLst>
+        <pc:graphicFrameChg chg="add mod">
+          <ac:chgData name="Nancy Li" userId="afc5209a-cf39-48d8-a57f-08cc8b772ec9" providerId="ADAL" clId="{E3AB844A-4AD4-46FB-BD64-7A68A14F278F}" dt="2023-08-07T04:27:56.343" v="527" actId="14100"/>
+          <ac:graphicFrameMkLst>
+            <pc:docMk/>
+            <pc:sldMk cId="4168125830" sldId="318"/>
+            <ac:graphicFrameMk id="4" creationId="{484DBF80-53B6-7CC3-AA1F-32FFC8562937}"/>
+          </ac:graphicFrameMkLst>
+        </pc:graphicFrameChg>
+        <pc:picChg chg="mod">
+          <ac:chgData name="Nancy Li" userId="afc5209a-cf39-48d8-a57f-08cc8b772ec9" providerId="ADAL" clId="{E3AB844A-4AD4-46FB-BD64-7A68A14F278F}" dt="2023-08-07T04:26:27.973" v="492" actId="1038"/>
+          <ac:picMkLst>
+            <pc:docMk/>
+            <pc:sldMk cId="4168125830" sldId="318"/>
+            <ac:picMk id="3074" creationId="{02B59D1B-459F-9F25-0EEA-2B9A89CDA84D}"/>
+          </ac:picMkLst>
+        </pc:picChg>
       </pc:sldChg>
     </pc:docChg>
   </pc:docChgLst>
@@ -5654,6 +5892,1500 @@
 </file>
 
 <file path=ppt/diagrams/colors5.xml><?xml version="1.0" encoding="utf-8"?>
+<dgm:colorsDef xmlns:dgm="http://schemas.openxmlformats.org/drawingml/2006/diagram" xmlns:a="http://schemas.openxmlformats.org/drawingml/2006/main" uniqueId="urn:microsoft.com/office/officeart/2005/8/colors/accent1_2">
+  <dgm:title val=""/>
+  <dgm:desc val=""/>
+  <dgm:catLst>
+    <dgm:cat type="accent1" pri="11200"/>
+  </dgm:catLst>
+  <dgm:styleLbl name="node0">
+    <dgm:fillClrLst meth="repeat">
+      <a:schemeClr val="accent1"/>
+    </dgm:fillClrLst>
+    <dgm:linClrLst meth="repeat">
+      <a:schemeClr val="lt1"/>
+    </dgm:linClrLst>
+    <dgm:effectClrLst/>
+    <dgm:txLinClrLst/>
+    <dgm:txFillClrLst/>
+    <dgm:txEffectClrLst/>
+  </dgm:styleLbl>
+  <dgm:styleLbl name="alignNode1">
+    <dgm:fillClrLst meth="repeat">
+      <a:schemeClr val="accent1"/>
+    </dgm:fillClrLst>
+    <dgm:linClrLst meth="repeat">
+      <a:schemeClr val="accent1"/>
+    </dgm:linClrLst>
+    <dgm:effectClrLst/>
+    <dgm:txLinClrLst/>
+    <dgm:txFillClrLst/>
+    <dgm:txEffectClrLst/>
+  </dgm:styleLbl>
+  <dgm:styleLbl name="node1">
+    <dgm:fillClrLst meth="repeat">
+      <a:schemeClr val="accent1"/>
+    </dgm:fillClrLst>
+    <dgm:linClrLst meth="repeat">
+      <a:schemeClr val="lt1"/>
+    </dgm:linClrLst>
+    <dgm:effectClrLst/>
+    <dgm:txLinClrLst/>
+    <dgm:txFillClrLst/>
+    <dgm:txEffectClrLst/>
+  </dgm:styleLbl>
+  <dgm:styleLbl name="lnNode1">
+    <dgm:fillClrLst meth="repeat">
+      <a:schemeClr val="accent1"/>
+    </dgm:fillClrLst>
+    <dgm:linClrLst meth="repeat">
+      <a:schemeClr val="lt1"/>
+    </dgm:linClrLst>
+    <dgm:effectClrLst/>
+    <dgm:txLinClrLst/>
+    <dgm:txFillClrLst/>
+    <dgm:txEffectClrLst/>
+  </dgm:styleLbl>
+  <dgm:styleLbl name="vennNode1">
+    <dgm:fillClrLst meth="repeat">
+      <a:schemeClr val="accent1">
+        <a:alpha val="50000"/>
+      </a:schemeClr>
+    </dgm:fillClrLst>
+    <dgm:linClrLst meth="repeat">
+      <a:schemeClr val="lt1"/>
+    </dgm:linClrLst>
+    <dgm:effectClrLst/>
+    <dgm:txLinClrLst/>
+    <dgm:txFillClrLst/>
+    <dgm:txEffectClrLst/>
+  </dgm:styleLbl>
+  <dgm:styleLbl name="node2">
+    <dgm:fillClrLst meth="repeat">
+      <a:schemeClr val="accent1"/>
+    </dgm:fillClrLst>
+    <dgm:linClrLst meth="repeat">
+      <a:schemeClr val="lt1"/>
+    </dgm:linClrLst>
+    <dgm:effectClrLst/>
+    <dgm:txLinClrLst/>
+    <dgm:txFillClrLst/>
+    <dgm:txEffectClrLst/>
+  </dgm:styleLbl>
+  <dgm:styleLbl name="node3">
+    <dgm:fillClrLst meth="repeat">
+      <a:schemeClr val="accent1"/>
+    </dgm:fillClrLst>
+    <dgm:linClrLst meth="repeat">
+      <a:schemeClr val="lt1"/>
+    </dgm:linClrLst>
+    <dgm:effectClrLst/>
+    <dgm:txLinClrLst/>
+    <dgm:txFillClrLst/>
+    <dgm:txEffectClrLst/>
+  </dgm:styleLbl>
+  <dgm:styleLbl name="node4">
+    <dgm:fillClrLst meth="repeat">
+      <a:schemeClr val="accent1"/>
+    </dgm:fillClrLst>
+    <dgm:linClrLst meth="repeat">
+      <a:schemeClr val="lt1"/>
+    </dgm:linClrLst>
+    <dgm:effectClrLst/>
+    <dgm:txLinClrLst/>
+    <dgm:txFillClrLst/>
+    <dgm:txEffectClrLst/>
+  </dgm:styleLbl>
+  <dgm:styleLbl name="fgImgPlace1">
+    <dgm:fillClrLst meth="repeat">
+      <a:schemeClr val="accent1">
+        <a:tint val="50000"/>
+      </a:schemeClr>
+    </dgm:fillClrLst>
+    <dgm:linClrLst meth="repeat">
+      <a:schemeClr val="lt1"/>
+    </dgm:linClrLst>
+    <dgm:effectClrLst/>
+    <dgm:txLinClrLst/>
+    <dgm:txFillClrLst meth="repeat">
+      <a:schemeClr val="lt1"/>
+    </dgm:txFillClrLst>
+    <dgm:txEffectClrLst/>
+  </dgm:styleLbl>
+  <dgm:styleLbl name="alignImgPlace1">
+    <dgm:fillClrLst meth="repeat">
+      <a:schemeClr val="accent1">
+        <a:tint val="50000"/>
+      </a:schemeClr>
+    </dgm:fillClrLst>
+    <dgm:linClrLst meth="repeat">
+      <a:schemeClr val="lt1"/>
+    </dgm:linClrLst>
+    <dgm:effectClrLst/>
+    <dgm:txLinClrLst/>
+    <dgm:txFillClrLst meth="repeat">
+      <a:schemeClr val="lt1"/>
+    </dgm:txFillClrLst>
+    <dgm:txEffectClrLst/>
+  </dgm:styleLbl>
+  <dgm:styleLbl name="bgImgPlace1">
+    <dgm:fillClrLst meth="repeat">
+      <a:schemeClr val="accent1">
+        <a:tint val="50000"/>
+      </a:schemeClr>
+    </dgm:fillClrLst>
+    <dgm:linClrLst meth="repeat">
+      <a:schemeClr val="lt1"/>
+    </dgm:linClrLst>
+    <dgm:effectClrLst/>
+    <dgm:txLinClrLst/>
+    <dgm:txFillClrLst meth="repeat">
+      <a:schemeClr val="lt1"/>
+    </dgm:txFillClrLst>
+    <dgm:txEffectClrLst/>
+  </dgm:styleLbl>
+  <dgm:styleLbl name="sibTrans2D1">
+    <dgm:fillClrLst meth="repeat">
+      <a:schemeClr val="accent1">
+        <a:tint val="60000"/>
+      </a:schemeClr>
+    </dgm:fillClrLst>
+    <dgm:linClrLst meth="repeat">
+      <a:schemeClr val="accent1">
+        <a:tint val="60000"/>
+      </a:schemeClr>
+    </dgm:linClrLst>
+    <dgm:effectClrLst/>
+    <dgm:txLinClrLst/>
+    <dgm:txFillClrLst/>
+    <dgm:txEffectClrLst/>
+  </dgm:styleLbl>
+  <dgm:styleLbl name="fgSibTrans2D1">
+    <dgm:fillClrLst meth="repeat">
+      <a:schemeClr val="accent1">
+        <a:tint val="60000"/>
+      </a:schemeClr>
+    </dgm:fillClrLst>
+    <dgm:linClrLst meth="repeat">
+      <a:schemeClr val="accent1">
+        <a:tint val="60000"/>
+      </a:schemeClr>
+    </dgm:linClrLst>
+    <dgm:effectClrLst/>
+    <dgm:txLinClrLst/>
+    <dgm:txFillClrLst/>
+    <dgm:txEffectClrLst/>
+  </dgm:styleLbl>
+  <dgm:styleLbl name="bgSibTrans2D1">
+    <dgm:fillClrLst meth="repeat">
+      <a:schemeClr val="accent1">
+        <a:tint val="60000"/>
+      </a:schemeClr>
+    </dgm:fillClrLst>
+    <dgm:linClrLst meth="repeat">
+      <a:schemeClr val="accent1">
+        <a:tint val="60000"/>
+      </a:schemeClr>
+    </dgm:linClrLst>
+    <dgm:effectClrLst/>
+    <dgm:txLinClrLst/>
+    <dgm:txFillClrLst/>
+    <dgm:txEffectClrLst/>
+  </dgm:styleLbl>
+  <dgm:styleLbl name="sibTrans1D1">
+    <dgm:fillClrLst meth="repeat">
+      <a:schemeClr val="accent1"/>
+    </dgm:fillClrLst>
+    <dgm:linClrLst meth="repeat">
+      <a:schemeClr val="accent1"/>
+    </dgm:linClrLst>
+    <dgm:effectClrLst/>
+    <dgm:txLinClrLst/>
+    <dgm:txFillClrLst meth="repeat">
+      <a:schemeClr val="tx1"/>
+    </dgm:txFillClrLst>
+    <dgm:txEffectClrLst/>
+  </dgm:styleLbl>
+  <dgm:styleLbl name="callout">
+    <dgm:fillClrLst meth="repeat">
+      <a:schemeClr val="accent1"/>
+    </dgm:fillClrLst>
+    <dgm:linClrLst meth="repeat">
+      <a:schemeClr val="accent1">
+        <a:tint val="50000"/>
+      </a:schemeClr>
+    </dgm:linClrLst>
+    <dgm:effectClrLst/>
+    <dgm:txLinClrLst/>
+    <dgm:txFillClrLst meth="repeat">
+      <a:schemeClr val="tx1"/>
+    </dgm:txFillClrLst>
+    <dgm:txEffectClrLst/>
+  </dgm:styleLbl>
+  <dgm:styleLbl name="asst0">
+    <dgm:fillClrLst meth="repeat">
+      <a:schemeClr val="accent1"/>
+    </dgm:fillClrLst>
+    <dgm:linClrLst meth="repeat">
+      <a:schemeClr val="lt1"/>
+    </dgm:linClrLst>
+    <dgm:effectClrLst/>
+    <dgm:txLinClrLst/>
+    <dgm:txFillClrLst/>
+    <dgm:txEffectClrLst/>
+  </dgm:styleLbl>
+  <dgm:styleLbl name="asst1">
+    <dgm:fillClrLst meth="repeat">
+      <a:schemeClr val="accent1"/>
+    </dgm:fillClrLst>
+    <dgm:linClrLst meth="repeat">
+      <a:schemeClr val="lt1"/>
+    </dgm:linClrLst>
+    <dgm:effectClrLst/>
+    <dgm:txLinClrLst/>
+    <dgm:txFillClrLst/>
+    <dgm:txEffectClrLst/>
+  </dgm:styleLbl>
+  <dgm:styleLbl name="asst2">
+    <dgm:fillClrLst meth="repeat">
+      <a:schemeClr val="accent1"/>
+    </dgm:fillClrLst>
+    <dgm:linClrLst meth="repeat">
+      <a:schemeClr val="lt1"/>
+    </dgm:linClrLst>
+    <dgm:effectClrLst/>
+    <dgm:txLinClrLst/>
+    <dgm:txFillClrLst/>
+    <dgm:txEffectClrLst/>
+  </dgm:styleLbl>
+  <dgm:styleLbl name="asst3">
+    <dgm:fillClrLst meth="repeat">
+      <a:schemeClr val="accent1"/>
+    </dgm:fillClrLst>
+    <dgm:linClrLst meth="repeat">
+      <a:schemeClr val="lt1"/>
+    </dgm:linClrLst>
+    <dgm:effectClrLst/>
+    <dgm:txLinClrLst/>
+    <dgm:txFillClrLst/>
+    <dgm:txEffectClrLst/>
+  </dgm:styleLbl>
+  <dgm:styleLbl name="asst4">
+    <dgm:fillClrLst meth="repeat">
+      <a:schemeClr val="accent1"/>
+    </dgm:fillClrLst>
+    <dgm:linClrLst meth="repeat">
+      <a:schemeClr val="lt1"/>
+    </dgm:linClrLst>
+    <dgm:effectClrLst/>
+    <dgm:txLinClrLst/>
+    <dgm:txFillClrLst/>
+    <dgm:txEffectClrLst/>
+  </dgm:styleLbl>
+  <dgm:styleLbl name="parChTrans2D1">
+    <dgm:fillClrLst meth="repeat">
+      <a:schemeClr val="accent1">
+        <a:tint val="60000"/>
+      </a:schemeClr>
+    </dgm:fillClrLst>
+    <dgm:linClrLst meth="repeat">
+      <a:schemeClr val="accent1">
+        <a:tint val="60000"/>
+      </a:schemeClr>
+    </dgm:linClrLst>
+    <dgm:effectClrLst/>
+    <dgm:txLinClrLst/>
+    <dgm:txFillClrLst meth="repeat">
+      <a:schemeClr val="lt1"/>
+    </dgm:txFillClrLst>
+    <dgm:txEffectClrLst/>
+  </dgm:styleLbl>
+  <dgm:styleLbl name="parChTrans2D2">
+    <dgm:fillClrLst meth="repeat">
+      <a:schemeClr val="accent1"/>
+    </dgm:fillClrLst>
+    <dgm:linClrLst meth="repeat">
+      <a:schemeClr val="accent1"/>
+    </dgm:linClrLst>
+    <dgm:effectClrLst/>
+    <dgm:txLinClrLst/>
+    <dgm:txFillClrLst meth="repeat">
+      <a:schemeClr val="lt1"/>
+    </dgm:txFillClrLst>
+    <dgm:txEffectClrLst/>
+  </dgm:styleLbl>
+  <dgm:styleLbl name="parChTrans2D3">
+    <dgm:fillClrLst meth="repeat">
+      <a:schemeClr val="accent1"/>
+    </dgm:fillClrLst>
+    <dgm:linClrLst meth="repeat">
+      <a:schemeClr val="accent1"/>
+    </dgm:linClrLst>
+    <dgm:effectClrLst/>
+    <dgm:txLinClrLst/>
+    <dgm:txFillClrLst meth="repeat">
+      <a:schemeClr val="lt1"/>
+    </dgm:txFillClrLst>
+    <dgm:txEffectClrLst/>
+  </dgm:styleLbl>
+  <dgm:styleLbl name="parChTrans2D4">
+    <dgm:fillClrLst meth="repeat">
+      <a:schemeClr val="accent1"/>
+    </dgm:fillClrLst>
+    <dgm:linClrLst meth="repeat">
+      <a:schemeClr val="accent1"/>
+    </dgm:linClrLst>
+    <dgm:effectClrLst/>
+    <dgm:txLinClrLst/>
+    <dgm:txFillClrLst meth="repeat">
+      <a:schemeClr val="lt1"/>
+    </dgm:txFillClrLst>
+    <dgm:txEffectClrLst/>
+  </dgm:styleLbl>
+  <dgm:styleLbl name="parChTrans1D1">
+    <dgm:fillClrLst meth="repeat">
+      <a:schemeClr val="accent1"/>
+    </dgm:fillClrLst>
+    <dgm:linClrLst meth="repeat">
+      <a:schemeClr val="accent1">
+        <a:shade val="60000"/>
+      </a:schemeClr>
+    </dgm:linClrLst>
+    <dgm:effectClrLst/>
+    <dgm:txLinClrLst/>
+    <dgm:txFillClrLst meth="repeat">
+      <a:schemeClr val="tx1"/>
+    </dgm:txFillClrLst>
+    <dgm:txEffectClrLst/>
+  </dgm:styleLbl>
+  <dgm:styleLbl name="parChTrans1D2">
+    <dgm:fillClrLst meth="repeat">
+      <a:schemeClr val="accent1"/>
+    </dgm:fillClrLst>
+    <dgm:linClrLst meth="repeat">
+      <a:schemeClr val="accent1">
+        <a:shade val="60000"/>
+      </a:schemeClr>
+    </dgm:linClrLst>
+    <dgm:effectClrLst/>
+    <dgm:txLinClrLst/>
+    <dgm:txFillClrLst meth="repeat">
+      <a:schemeClr val="tx1"/>
+    </dgm:txFillClrLst>
+    <dgm:txEffectClrLst/>
+  </dgm:styleLbl>
+  <dgm:styleLbl name="parChTrans1D3">
+    <dgm:fillClrLst meth="repeat">
+      <a:schemeClr val="accent1"/>
+    </dgm:fillClrLst>
+    <dgm:linClrLst meth="repeat">
+      <a:schemeClr val="accent1">
+        <a:shade val="80000"/>
+      </a:schemeClr>
+    </dgm:linClrLst>
+    <dgm:effectClrLst/>
+    <dgm:txLinClrLst/>
+    <dgm:txFillClrLst meth="repeat">
+      <a:schemeClr val="tx1"/>
+    </dgm:txFillClrLst>
+    <dgm:txEffectClrLst/>
+  </dgm:styleLbl>
+  <dgm:styleLbl name="parChTrans1D4">
+    <dgm:fillClrLst meth="repeat">
+      <a:schemeClr val="accent1"/>
+    </dgm:fillClrLst>
+    <dgm:linClrLst meth="repeat">
+      <a:schemeClr val="accent1">
+        <a:shade val="80000"/>
+      </a:schemeClr>
+    </dgm:linClrLst>
+    <dgm:effectClrLst/>
+    <dgm:txLinClrLst/>
+    <dgm:txFillClrLst meth="repeat">
+      <a:schemeClr val="tx1"/>
+    </dgm:txFillClrLst>
+    <dgm:txEffectClrLst/>
+  </dgm:styleLbl>
+  <dgm:styleLbl name="fgAcc1">
+    <dgm:fillClrLst meth="repeat">
+      <a:schemeClr val="lt1">
+        <a:alpha val="90000"/>
+      </a:schemeClr>
+    </dgm:fillClrLst>
+    <dgm:linClrLst meth="repeat">
+      <a:schemeClr val="accent1"/>
+    </dgm:linClrLst>
+    <dgm:effectClrLst/>
+    <dgm:txLinClrLst/>
+    <dgm:txFillClrLst meth="repeat">
+      <a:schemeClr val="dk1"/>
+    </dgm:txFillClrLst>
+    <dgm:txEffectClrLst/>
+  </dgm:styleLbl>
+  <dgm:styleLbl name="conFgAcc1">
+    <dgm:fillClrLst meth="repeat">
+      <a:schemeClr val="lt1">
+        <a:alpha val="90000"/>
+      </a:schemeClr>
+    </dgm:fillClrLst>
+    <dgm:linClrLst meth="repeat">
+      <a:schemeClr val="accent1"/>
+    </dgm:linClrLst>
+    <dgm:effectClrLst/>
+    <dgm:txLinClrLst/>
+    <dgm:txFillClrLst meth="repeat">
+      <a:schemeClr val="dk1"/>
+    </dgm:txFillClrLst>
+    <dgm:txEffectClrLst/>
+  </dgm:styleLbl>
+  <dgm:styleLbl name="alignAcc1">
+    <dgm:fillClrLst meth="repeat">
+      <a:schemeClr val="lt1">
+        <a:alpha val="90000"/>
+      </a:schemeClr>
+    </dgm:fillClrLst>
+    <dgm:linClrLst meth="repeat">
+      <a:schemeClr val="accent1"/>
+    </dgm:linClrLst>
+    <dgm:effectClrLst/>
+    <dgm:txLinClrLst/>
+    <dgm:txFillClrLst meth="repeat">
+      <a:schemeClr val="dk1"/>
+    </dgm:txFillClrLst>
+    <dgm:txEffectClrLst/>
+  </dgm:styleLbl>
+  <dgm:styleLbl name="trAlignAcc1">
+    <dgm:fillClrLst meth="repeat">
+      <a:schemeClr val="lt1">
+        <a:alpha val="40000"/>
+      </a:schemeClr>
+    </dgm:fillClrLst>
+    <dgm:linClrLst meth="repeat">
+      <a:schemeClr val="accent1"/>
+    </dgm:linClrLst>
+    <dgm:effectClrLst/>
+    <dgm:txLinClrLst/>
+    <dgm:txFillClrLst meth="repeat">
+      <a:schemeClr val="dk1"/>
+    </dgm:txFillClrLst>
+    <dgm:txEffectClrLst/>
+  </dgm:styleLbl>
+  <dgm:styleLbl name="bgAcc1">
+    <dgm:fillClrLst meth="repeat">
+      <a:schemeClr val="lt1">
+        <a:alpha val="90000"/>
+      </a:schemeClr>
+    </dgm:fillClrLst>
+    <dgm:linClrLst meth="repeat">
+      <a:schemeClr val="accent1"/>
+    </dgm:linClrLst>
+    <dgm:effectClrLst/>
+    <dgm:txLinClrLst/>
+    <dgm:txFillClrLst meth="repeat">
+      <a:schemeClr val="dk1"/>
+    </dgm:txFillClrLst>
+    <dgm:txEffectClrLst/>
+  </dgm:styleLbl>
+  <dgm:styleLbl name="solidFgAcc1">
+    <dgm:fillClrLst meth="repeat">
+      <a:schemeClr val="lt1"/>
+    </dgm:fillClrLst>
+    <dgm:linClrLst meth="repeat">
+      <a:schemeClr val="accent1"/>
+    </dgm:linClrLst>
+    <dgm:effectClrLst/>
+    <dgm:txLinClrLst/>
+    <dgm:txFillClrLst meth="repeat">
+      <a:schemeClr val="dk1"/>
+    </dgm:txFillClrLst>
+    <dgm:txEffectClrLst/>
+  </dgm:styleLbl>
+  <dgm:styleLbl name="solidAlignAcc1">
+    <dgm:fillClrLst meth="repeat">
+      <a:schemeClr val="lt1"/>
+    </dgm:fillClrLst>
+    <dgm:linClrLst meth="repeat">
+      <a:schemeClr val="accent1"/>
+    </dgm:linClrLst>
+    <dgm:effectClrLst/>
+    <dgm:txLinClrLst/>
+    <dgm:txFillClrLst meth="repeat">
+      <a:schemeClr val="dk1"/>
+    </dgm:txFillClrLst>
+    <dgm:txEffectClrLst/>
+  </dgm:styleLbl>
+  <dgm:styleLbl name="solidBgAcc1">
+    <dgm:fillClrLst meth="repeat">
+      <a:schemeClr val="lt1"/>
+    </dgm:fillClrLst>
+    <dgm:linClrLst meth="repeat">
+      <a:schemeClr val="accent1"/>
+    </dgm:linClrLst>
+    <dgm:effectClrLst/>
+    <dgm:txLinClrLst/>
+    <dgm:txFillClrLst meth="repeat">
+      <a:schemeClr val="dk1"/>
+    </dgm:txFillClrLst>
+    <dgm:txEffectClrLst/>
+  </dgm:styleLbl>
+  <dgm:styleLbl name="fgAccFollowNode1">
+    <dgm:fillClrLst meth="repeat">
+      <a:schemeClr val="accent1">
+        <a:alpha val="90000"/>
+        <a:tint val="40000"/>
+      </a:schemeClr>
+    </dgm:fillClrLst>
+    <dgm:linClrLst meth="repeat">
+      <a:schemeClr val="accent1">
+        <a:alpha val="90000"/>
+        <a:tint val="40000"/>
+      </a:schemeClr>
+    </dgm:linClrLst>
+    <dgm:effectClrLst/>
+    <dgm:txLinClrLst/>
+    <dgm:txFillClrLst meth="repeat">
+      <a:schemeClr val="dk1"/>
+    </dgm:txFillClrLst>
+    <dgm:txEffectClrLst/>
+  </dgm:styleLbl>
+  <dgm:styleLbl name="alignAccFollowNode1">
+    <dgm:fillClrLst meth="repeat">
+      <a:schemeClr val="accent1">
+        <a:alpha val="90000"/>
+        <a:tint val="40000"/>
+      </a:schemeClr>
+    </dgm:fillClrLst>
+    <dgm:linClrLst meth="repeat">
+      <a:schemeClr val="accent1">
+        <a:alpha val="90000"/>
+        <a:tint val="40000"/>
+      </a:schemeClr>
+    </dgm:linClrLst>
+    <dgm:effectClrLst/>
+    <dgm:txLinClrLst/>
+    <dgm:txFillClrLst meth="repeat">
+      <a:schemeClr val="dk1"/>
+    </dgm:txFillClrLst>
+    <dgm:txEffectClrLst/>
+  </dgm:styleLbl>
+  <dgm:styleLbl name="bgAccFollowNode1">
+    <dgm:fillClrLst meth="repeat">
+      <a:schemeClr val="accent1">
+        <a:alpha val="90000"/>
+        <a:tint val="40000"/>
+      </a:schemeClr>
+    </dgm:fillClrLst>
+    <dgm:linClrLst meth="repeat">
+      <a:schemeClr val="accent1">
+        <a:alpha val="90000"/>
+        <a:tint val="40000"/>
+      </a:schemeClr>
+    </dgm:linClrLst>
+    <dgm:effectClrLst/>
+    <dgm:txLinClrLst/>
+    <dgm:txFillClrLst meth="repeat">
+      <a:schemeClr val="dk1"/>
+    </dgm:txFillClrLst>
+    <dgm:txEffectClrLst/>
+  </dgm:styleLbl>
+  <dgm:styleLbl name="fgAcc0">
+    <dgm:fillClrLst meth="repeat">
+      <a:schemeClr val="lt1">
+        <a:alpha val="90000"/>
+      </a:schemeClr>
+    </dgm:fillClrLst>
+    <dgm:linClrLst meth="repeat">
+      <a:schemeClr val="accent1"/>
+    </dgm:linClrLst>
+    <dgm:effectClrLst/>
+    <dgm:txLinClrLst/>
+    <dgm:txFillClrLst meth="repeat">
+      <a:schemeClr val="dk1"/>
+    </dgm:txFillClrLst>
+    <dgm:txEffectClrLst/>
+  </dgm:styleLbl>
+  <dgm:styleLbl name="fgAcc2">
+    <dgm:fillClrLst meth="repeat">
+      <a:schemeClr val="lt1">
+        <a:alpha val="90000"/>
+      </a:schemeClr>
+    </dgm:fillClrLst>
+    <dgm:linClrLst meth="repeat">
+      <a:schemeClr val="accent1"/>
+    </dgm:linClrLst>
+    <dgm:effectClrLst/>
+    <dgm:txLinClrLst/>
+    <dgm:txFillClrLst meth="repeat">
+      <a:schemeClr val="dk1"/>
+    </dgm:txFillClrLst>
+    <dgm:txEffectClrLst/>
+  </dgm:styleLbl>
+  <dgm:styleLbl name="fgAcc3">
+    <dgm:fillClrLst meth="repeat">
+      <a:schemeClr val="lt1">
+        <a:alpha val="90000"/>
+      </a:schemeClr>
+    </dgm:fillClrLst>
+    <dgm:linClrLst meth="repeat">
+      <a:schemeClr val="accent1"/>
+    </dgm:linClrLst>
+    <dgm:effectClrLst/>
+    <dgm:txLinClrLst/>
+    <dgm:txFillClrLst meth="repeat">
+      <a:schemeClr val="dk1"/>
+    </dgm:txFillClrLst>
+    <dgm:txEffectClrLst/>
+  </dgm:styleLbl>
+  <dgm:styleLbl name="fgAcc4">
+    <dgm:fillClrLst meth="repeat">
+      <a:schemeClr val="lt1">
+        <a:alpha val="90000"/>
+      </a:schemeClr>
+    </dgm:fillClrLst>
+    <dgm:linClrLst meth="repeat">
+      <a:schemeClr val="accent1"/>
+    </dgm:linClrLst>
+    <dgm:effectClrLst/>
+    <dgm:txLinClrLst/>
+    <dgm:txFillClrLst meth="repeat">
+      <a:schemeClr val="dk1"/>
+    </dgm:txFillClrLst>
+    <dgm:txEffectClrLst/>
+  </dgm:styleLbl>
+  <dgm:styleLbl name="bgShp">
+    <dgm:fillClrLst meth="repeat">
+      <a:schemeClr val="accent1">
+        <a:tint val="40000"/>
+      </a:schemeClr>
+    </dgm:fillClrLst>
+    <dgm:linClrLst meth="repeat">
+      <a:schemeClr val="accent1"/>
+    </dgm:linClrLst>
+    <dgm:effectClrLst/>
+    <dgm:txLinClrLst/>
+    <dgm:txFillClrLst meth="repeat">
+      <a:schemeClr val="dk1"/>
+    </dgm:txFillClrLst>
+    <dgm:txEffectClrLst/>
+  </dgm:styleLbl>
+  <dgm:styleLbl name="dkBgShp">
+    <dgm:fillClrLst meth="repeat">
+      <a:schemeClr val="accent1">
+        <a:shade val="80000"/>
+      </a:schemeClr>
+    </dgm:fillClrLst>
+    <dgm:linClrLst meth="repeat">
+      <a:schemeClr val="accent1"/>
+    </dgm:linClrLst>
+    <dgm:effectClrLst/>
+    <dgm:txLinClrLst/>
+    <dgm:txFillClrLst meth="repeat">
+      <a:schemeClr val="lt1"/>
+    </dgm:txFillClrLst>
+    <dgm:txEffectClrLst/>
+  </dgm:styleLbl>
+  <dgm:styleLbl name="trBgShp">
+    <dgm:fillClrLst meth="repeat">
+      <a:schemeClr val="accent1">
+        <a:tint val="50000"/>
+        <a:alpha val="40000"/>
+      </a:schemeClr>
+    </dgm:fillClrLst>
+    <dgm:linClrLst meth="repeat">
+      <a:schemeClr val="accent1"/>
+    </dgm:linClrLst>
+    <dgm:effectClrLst/>
+    <dgm:txLinClrLst/>
+    <dgm:txFillClrLst meth="repeat">
+      <a:schemeClr val="lt1"/>
+    </dgm:txFillClrLst>
+    <dgm:txEffectClrLst/>
+  </dgm:styleLbl>
+  <dgm:styleLbl name="fgShp">
+    <dgm:fillClrLst meth="repeat">
+      <a:schemeClr val="accent1">
+        <a:tint val="60000"/>
+      </a:schemeClr>
+    </dgm:fillClrLst>
+    <dgm:linClrLst meth="repeat">
+      <a:schemeClr val="lt1"/>
+    </dgm:linClrLst>
+    <dgm:effectClrLst/>
+    <dgm:txLinClrLst/>
+    <dgm:txFillClrLst meth="repeat">
+      <a:schemeClr val="dk1"/>
+    </dgm:txFillClrLst>
+    <dgm:txEffectClrLst/>
+  </dgm:styleLbl>
+  <dgm:styleLbl name="revTx">
+    <dgm:fillClrLst meth="repeat">
+      <a:schemeClr val="lt1">
+        <a:alpha val="0"/>
+      </a:schemeClr>
+    </dgm:fillClrLst>
+    <dgm:linClrLst meth="repeat">
+      <a:schemeClr val="dk1">
+        <a:alpha val="0"/>
+      </a:schemeClr>
+    </dgm:linClrLst>
+    <dgm:effectClrLst/>
+    <dgm:txLinClrLst/>
+    <dgm:txFillClrLst meth="repeat">
+      <a:schemeClr val="tx1"/>
+    </dgm:txFillClrLst>
+    <dgm:txEffectClrLst/>
+  </dgm:styleLbl>
+</dgm:colorsDef>
+</file>
+
+<file path=ppt/diagrams/colors6.xml><?xml version="1.0" encoding="utf-8"?>
+<dgm:colorsDef xmlns:dgm="http://schemas.openxmlformats.org/drawingml/2006/diagram" xmlns:a="http://schemas.openxmlformats.org/drawingml/2006/main" uniqueId="urn:microsoft.com/office/officeart/2005/8/colors/accent1_2">
+  <dgm:title val=""/>
+  <dgm:desc val=""/>
+  <dgm:catLst>
+    <dgm:cat type="accent1" pri="11200"/>
+  </dgm:catLst>
+  <dgm:styleLbl name="node0">
+    <dgm:fillClrLst meth="repeat">
+      <a:schemeClr val="accent1"/>
+    </dgm:fillClrLst>
+    <dgm:linClrLst meth="repeat">
+      <a:schemeClr val="lt1"/>
+    </dgm:linClrLst>
+    <dgm:effectClrLst/>
+    <dgm:txLinClrLst/>
+    <dgm:txFillClrLst/>
+    <dgm:txEffectClrLst/>
+  </dgm:styleLbl>
+  <dgm:styleLbl name="alignNode1">
+    <dgm:fillClrLst meth="repeat">
+      <a:schemeClr val="accent1"/>
+    </dgm:fillClrLst>
+    <dgm:linClrLst meth="repeat">
+      <a:schemeClr val="accent1"/>
+    </dgm:linClrLst>
+    <dgm:effectClrLst/>
+    <dgm:txLinClrLst/>
+    <dgm:txFillClrLst/>
+    <dgm:txEffectClrLst/>
+  </dgm:styleLbl>
+  <dgm:styleLbl name="node1">
+    <dgm:fillClrLst meth="repeat">
+      <a:schemeClr val="accent1"/>
+    </dgm:fillClrLst>
+    <dgm:linClrLst meth="repeat">
+      <a:schemeClr val="lt1"/>
+    </dgm:linClrLst>
+    <dgm:effectClrLst/>
+    <dgm:txLinClrLst/>
+    <dgm:txFillClrLst/>
+    <dgm:txEffectClrLst/>
+  </dgm:styleLbl>
+  <dgm:styleLbl name="lnNode1">
+    <dgm:fillClrLst meth="repeat">
+      <a:schemeClr val="accent1"/>
+    </dgm:fillClrLst>
+    <dgm:linClrLst meth="repeat">
+      <a:schemeClr val="lt1"/>
+    </dgm:linClrLst>
+    <dgm:effectClrLst/>
+    <dgm:txLinClrLst/>
+    <dgm:txFillClrLst/>
+    <dgm:txEffectClrLst/>
+  </dgm:styleLbl>
+  <dgm:styleLbl name="vennNode1">
+    <dgm:fillClrLst meth="repeat">
+      <a:schemeClr val="accent1">
+        <a:alpha val="50000"/>
+      </a:schemeClr>
+    </dgm:fillClrLst>
+    <dgm:linClrLst meth="repeat">
+      <a:schemeClr val="lt1"/>
+    </dgm:linClrLst>
+    <dgm:effectClrLst/>
+    <dgm:txLinClrLst/>
+    <dgm:txFillClrLst/>
+    <dgm:txEffectClrLst/>
+  </dgm:styleLbl>
+  <dgm:styleLbl name="node2">
+    <dgm:fillClrLst meth="repeat">
+      <a:schemeClr val="accent1"/>
+    </dgm:fillClrLst>
+    <dgm:linClrLst meth="repeat">
+      <a:schemeClr val="lt1"/>
+    </dgm:linClrLst>
+    <dgm:effectClrLst/>
+    <dgm:txLinClrLst/>
+    <dgm:txFillClrLst/>
+    <dgm:txEffectClrLst/>
+  </dgm:styleLbl>
+  <dgm:styleLbl name="node3">
+    <dgm:fillClrLst meth="repeat">
+      <a:schemeClr val="accent1"/>
+    </dgm:fillClrLst>
+    <dgm:linClrLst meth="repeat">
+      <a:schemeClr val="lt1"/>
+    </dgm:linClrLst>
+    <dgm:effectClrLst/>
+    <dgm:txLinClrLst/>
+    <dgm:txFillClrLst/>
+    <dgm:txEffectClrLst/>
+  </dgm:styleLbl>
+  <dgm:styleLbl name="node4">
+    <dgm:fillClrLst meth="repeat">
+      <a:schemeClr val="accent1"/>
+    </dgm:fillClrLst>
+    <dgm:linClrLst meth="repeat">
+      <a:schemeClr val="lt1"/>
+    </dgm:linClrLst>
+    <dgm:effectClrLst/>
+    <dgm:txLinClrLst/>
+    <dgm:txFillClrLst/>
+    <dgm:txEffectClrLst/>
+  </dgm:styleLbl>
+  <dgm:styleLbl name="fgImgPlace1">
+    <dgm:fillClrLst meth="repeat">
+      <a:schemeClr val="accent1">
+        <a:tint val="50000"/>
+      </a:schemeClr>
+    </dgm:fillClrLst>
+    <dgm:linClrLst meth="repeat">
+      <a:schemeClr val="lt1"/>
+    </dgm:linClrLst>
+    <dgm:effectClrLst/>
+    <dgm:txLinClrLst/>
+    <dgm:txFillClrLst meth="repeat">
+      <a:schemeClr val="lt1"/>
+    </dgm:txFillClrLst>
+    <dgm:txEffectClrLst/>
+  </dgm:styleLbl>
+  <dgm:styleLbl name="alignImgPlace1">
+    <dgm:fillClrLst meth="repeat">
+      <a:schemeClr val="accent1">
+        <a:tint val="50000"/>
+      </a:schemeClr>
+    </dgm:fillClrLst>
+    <dgm:linClrLst meth="repeat">
+      <a:schemeClr val="lt1"/>
+    </dgm:linClrLst>
+    <dgm:effectClrLst/>
+    <dgm:txLinClrLst/>
+    <dgm:txFillClrLst meth="repeat">
+      <a:schemeClr val="lt1"/>
+    </dgm:txFillClrLst>
+    <dgm:txEffectClrLst/>
+  </dgm:styleLbl>
+  <dgm:styleLbl name="bgImgPlace1">
+    <dgm:fillClrLst meth="repeat">
+      <a:schemeClr val="accent1">
+        <a:tint val="50000"/>
+      </a:schemeClr>
+    </dgm:fillClrLst>
+    <dgm:linClrLst meth="repeat">
+      <a:schemeClr val="lt1"/>
+    </dgm:linClrLst>
+    <dgm:effectClrLst/>
+    <dgm:txLinClrLst/>
+    <dgm:txFillClrLst meth="repeat">
+      <a:schemeClr val="lt1"/>
+    </dgm:txFillClrLst>
+    <dgm:txEffectClrLst/>
+  </dgm:styleLbl>
+  <dgm:styleLbl name="sibTrans2D1">
+    <dgm:fillClrLst meth="repeat">
+      <a:schemeClr val="accent1">
+        <a:tint val="60000"/>
+      </a:schemeClr>
+    </dgm:fillClrLst>
+    <dgm:linClrLst meth="repeat">
+      <a:schemeClr val="accent1">
+        <a:tint val="60000"/>
+      </a:schemeClr>
+    </dgm:linClrLst>
+    <dgm:effectClrLst/>
+    <dgm:txLinClrLst/>
+    <dgm:txFillClrLst/>
+    <dgm:txEffectClrLst/>
+  </dgm:styleLbl>
+  <dgm:styleLbl name="fgSibTrans2D1">
+    <dgm:fillClrLst meth="repeat">
+      <a:schemeClr val="accent1">
+        <a:tint val="60000"/>
+      </a:schemeClr>
+    </dgm:fillClrLst>
+    <dgm:linClrLst meth="repeat">
+      <a:schemeClr val="accent1">
+        <a:tint val="60000"/>
+      </a:schemeClr>
+    </dgm:linClrLst>
+    <dgm:effectClrLst/>
+    <dgm:txLinClrLst/>
+    <dgm:txFillClrLst/>
+    <dgm:txEffectClrLst/>
+  </dgm:styleLbl>
+  <dgm:styleLbl name="bgSibTrans2D1">
+    <dgm:fillClrLst meth="repeat">
+      <a:schemeClr val="accent1">
+        <a:tint val="60000"/>
+      </a:schemeClr>
+    </dgm:fillClrLst>
+    <dgm:linClrLst meth="repeat">
+      <a:schemeClr val="accent1">
+        <a:tint val="60000"/>
+      </a:schemeClr>
+    </dgm:linClrLst>
+    <dgm:effectClrLst/>
+    <dgm:txLinClrLst/>
+    <dgm:txFillClrLst/>
+    <dgm:txEffectClrLst/>
+  </dgm:styleLbl>
+  <dgm:styleLbl name="sibTrans1D1">
+    <dgm:fillClrLst meth="repeat">
+      <a:schemeClr val="accent1"/>
+    </dgm:fillClrLst>
+    <dgm:linClrLst meth="repeat">
+      <a:schemeClr val="accent1"/>
+    </dgm:linClrLst>
+    <dgm:effectClrLst/>
+    <dgm:txLinClrLst/>
+    <dgm:txFillClrLst meth="repeat">
+      <a:schemeClr val="tx1"/>
+    </dgm:txFillClrLst>
+    <dgm:txEffectClrLst/>
+  </dgm:styleLbl>
+  <dgm:styleLbl name="callout">
+    <dgm:fillClrLst meth="repeat">
+      <a:schemeClr val="accent1"/>
+    </dgm:fillClrLst>
+    <dgm:linClrLst meth="repeat">
+      <a:schemeClr val="accent1">
+        <a:tint val="50000"/>
+      </a:schemeClr>
+    </dgm:linClrLst>
+    <dgm:effectClrLst/>
+    <dgm:txLinClrLst/>
+    <dgm:txFillClrLst meth="repeat">
+      <a:schemeClr val="tx1"/>
+    </dgm:txFillClrLst>
+    <dgm:txEffectClrLst/>
+  </dgm:styleLbl>
+  <dgm:styleLbl name="asst0">
+    <dgm:fillClrLst meth="repeat">
+      <a:schemeClr val="accent1"/>
+    </dgm:fillClrLst>
+    <dgm:linClrLst meth="repeat">
+      <a:schemeClr val="lt1"/>
+    </dgm:linClrLst>
+    <dgm:effectClrLst/>
+    <dgm:txLinClrLst/>
+    <dgm:txFillClrLst/>
+    <dgm:txEffectClrLst/>
+  </dgm:styleLbl>
+  <dgm:styleLbl name="asst1">
+    <dgm:fillClrLst meth="repeat">
+      <a:schemeClr val="accent1"/>
+    </dgm:fillClrLst>
+    <dgm:linClrLst meth="repeat">
+      <a:schemeClr val="lt1"/>
+    </dgm:linClrLst>
+    <dgm:effectClrLst/>
+    <dgm:txLinClrLst/>
+    <dgm:txFillClrLst/>
+    <dgm:txEffectClrLst/>
+  </dgm:styleLbl>
+  <dgm:styleLbl name="asst2">
+    <dgm:fillClrLst meth="repeat">
+      <a:schemeClr val="accent1"/>
+    </dgm:fillClrLst>
+    <dgm:linClrLst meth="repeat">
+      <a:schemeClr val="lt1"/>
+    </dgm:linClrLst>
+    <dgm:effectClrLst/>
+    <dgm:txLinClrLst/>
+    <dgm:txFillClrLst/>
+    <dgm:txEffectClrLst/>
+  </dgm:styleLbl>
+  <dgm:styleLbl name="asst3">
+    <dgm:fillClrLst meth="repeat">
+      <a:schemeClr val="accent1"/>
+    </dgm:fillClrLst>
+    <dgm:linClrLst meth="repeat">
+      <a:schemeClr val="lt1"/>
+    </dgm:linClrLst>
+    <dgm:effectClrLst/>
+    <dgm:txLinClrLst/>
+    <dgm:txFillClrLst/>
+    <dgm:txEffectClrLst/>
+  </dgm:styleLbl>
+  <dgm:styleLbl name="asst4">
+    <dgm:fillClrLst meth="repeat">
+      <a:schemeClr val="accent1"/>
+    </dgm:fillClrLst>
+    <dgm:linClrLst meth="repeat">
+      <a:schemeClr val="lt1"/>
+    </dgm:linClrLst>
+    <dgm:effectClrLst/>
+    <dgm:txLinClrLst/>
+    <dgm:txFillClrLst/>
+    <dgm:txEffectClrLst/>
+  </dgm:styleLbl>
+  <dgm:styleLbl name="parChTrans2D1">
+    <dgm:fillClrLst meth="repeat">
+      <a:schemeClr val="accent1">
+        <a:tint val="60000"/>
+      </a:schemeClr>
+    </dgm:fillClrLst>
+    <dgm:linClrLst meth="repeat">
+      <a:schemeClr val="accent1">
+        <a:tint val="60000"/>
+      </a:schemeClr>
+    </dgm:linClrLst>
+    <dgm:effectClrLst/>
+    <dgm:txLinClrLst/>
+    <dgm:txFillClrLst meth="repeat">
+      <a:schemeClr val="lt1"/>
+    </dgm:txFillClrLst>
+    <dgm:txEffectClrLst/>
+  </dgm:styleLbl>
+  <dgm:styleLbl name="parChTrans2D2">
+    <dgm:fillClrLst meth="repeat">
+      <a:schemeClr val="accent1"/>
+    </dgm:fillClrLst>
+    <dgm:linClrLst meth="repeat">
+      <a:schemeClr val="accent1"/>
+    </dgm:linClrLst>
+    <dgm:effectClrLst/>
+    <dgm:txLinClrLst/>
+    <dgm:txFillClrLst meth="repeat">
+      <a:schemeClr val="lt1"/>
+    </dgm:txFillClrLst>
+    <dgm:txEffectClrLst/>
+  </dgm:styleLbl>
+  <dgm:styleLbl name="parChTrans2D3">
+    <dgm:fillClrLst meth="repeat">
+      <a:schemeClr val="accent1"/>
+    </dgm:fillClrLst>
+    <dgm:linClrLst meth="repeat">
+      <a:schemeClr val="accent1"/>
+    </dgm:linClrLst>
+    <dgm:effectClrLst/>
+    <dgm:txLinClrLst/>
+    <dgm:txFillClrLst meth="repeat">
+      <a:schemeClr val="lt1"/>
+    </dgm:txFillClrLst>
+    <dgm:txEffectClrLst/>
+  </dgm:styleLbl>
+  <dgm:styleLbl name="parChTrans2D4">
+    <dgm:fillClrLst meth="repeat">
+      <a:schemeClr val="accent1"/>
+    </dgm:fillClrLst>
+    <dgm:linClrLst meth="repeat">
+      <a:schemeClr val="accent1"/>
+    </dgm:linClrLst>
+    <dgm:effectClrLst/>
+    <dgm:txLinClrLst/>
+    <dgm:txFillClrLst meth="repeat">
+      <a:schemeClr val="lt1"/>
+    </dgm:txFillClrLst>
+    <dgm:txEffectClrLst/>
+  </dgm:styleLbl>
+  <dgm:styleLbl name="parChTrans1D1">
+    <dgm:fillClrLst meth="repeat">
+      <a:schemeClr val="accent1"/>
+    </dgm:fillClrLst>
+    <dgm:linClrLst meth="repeat">
+      <a:schemeClr val="accent1">
+        <a:shade val="60000"/>
+      </a:schemeClr>
+    </dgm:linClrLst>
+    <dgm:effectClrLst/>
+    <dgm:txLinClrLst/>
+    <dgm:txFillClrLst meth="repeat">
+      <a:schemeClr val="tx1"/>
+    </dgm:txFillClrLst>
+    <dgm:txEffectClrLst/>
+  </dgm:styleLbl>
+  <dgm:styleLbl name="parChTrans1D2">
+    <dgm:fillClrLst meth="repeat">
+      <a:schemeClr val="accent1"/>
+    </dgm:fillClrLst>
+    <dgm:linClrLst meth="repeat">
+      <a:schemeClr val="accent1">
+        <a:shade val="60000"/>
+      </a:schemeClr>
+    </dgm:linClrLst>
+    <dgm:effectClrLst/>
+    <dgm:txLinClrLst/>
+    <dgm:txFillClrLst meth="repeat">
+      <a:schemeClr val="tx1"/>
+    </dgm:txFillClrLst>
+    <dgm:txEffectClrLst/>
+  </dgm:styleLbl>
+  <dgm:styleLbl name="parChTrans1D3">
+    <dgm:fillClrLst meth="repeat">
+      <a:schemeClr val="accent1"/>
+    </dgm:fillClrLst>
+    <dgm:linClrLst meth="repeat">
+      <a:schemeClr val="accent1">
+        <a:shade val="80000"/>
+      </a:schemeClr>
+    </dgm:linClrLst>
+    <dgm:effectClrLst/>
+    <dgm:txLinClrLst/>
+    <dgm:txFillClrLst meth="repeat">
+      <a:schemeClr val="tx1"/>
+    </dgm:txFillClrLst>
+    <dgm:txEffectClrLst/>
+  </dgm:styleLbl>
+  <dgm:styleLbl name="parChTrans1D4">
+    <dgm:fillClrLst meth="repeat">
+      <a:schemeClr val="accent1"/>
+    </dgm:fillClrLst>
+    <dgm:linClrLst meth="repeat">
+      <a:schemeClr val="accent1">
+        <a:shade val="80000"/>
+      </a:schemeClr>
+    </dgm:linClrLst>
+    <dgm:effectClrLst/>
+    <dgm:txLinClrLst/>
+    <dgm:txFillClrLst meth="repeat">
+      <a:schemeClr val="tx1"/>
+    </dgm:txFillClrLst>
+    <dgm:txEffectClrLst/>
+  </dgm:styleLbl>
+  <dgm:styleLbl name="fgAcc1">
+    <dgm:fillClrLst meth="repeat">
+      <a:schemeClr val="lt1">
+        <a:alpha val="90000"/>
+      </a:schemeClr>
+    </dgm:fillClrLst>
+    <dgm:linClrLst meth="repeat">
+      <a:schemeClr val="accent1"/>
+    </dgm:linClrLst>
+    <dgm:effectClrLst/>
+    <dgm:txLinClrLst/>
+    <dgm:txFillClrLst meth="repeat">
+      <a:schemeClr val="dk1"/>
+    </dgm:txFillClrLst>
+    <dgm:txEffectClrLst/>
+  </dgm:styleLbl>
+  <dgm:styleLbl name="conFgAcc1">
+    <dgm:fillClrLst meth="repeat">
+      <a:schemeClr val="lt1">
+        <a:alpha val="90000"/>
+      </a:schemeClr>
+    </dgm:fillClrLst>
+    <dgm:linClrLst meth="repeat">
+      <a:schemeClr val="accent1"/>
+    </dgm:linClrLst>
+    <dgm:effectClrLst/>
+    <dgm:txLinClrLst/>
+    <dgm:txFillClrLst meth="repeat">
+      <a:schemeClr val="dk1"/>
+    </dgm:txFillClrLst>
+    <dgm:txEffectClrLst/>
+  </dgm:styleLbl>
+  <dgm:styleLbl name="alignAcc1">
+    <dgm:fillClrLst meth="repeat">
+      <a:schemeClr val="lt1">
+        <a:alpha val="90000"/>
+      </a:schemeClr>
+    </dgm:fillClrLst>
+    <dgm:linClrLst meth="repeat">
+      <a:schemeClr val="accent1"/>
+    </dgm:linClrLst>
+    <dgm:effectClrLst/>
+    <dgm:txLinClrLst/>
+    <dgm:txFillClrLst meth="repeat">
+      <a:schemeClr val="dk1"/>
+    </dgm:txFillClrLst>
+    <dgm:txEffectClrLst/>
+  </dgm:styleLbl>
+  <dgm:styleLbl name="trAlignAcc1">
+    <dgm:fillClrLst meth="repeat">
+      <a:schemeClr val="lt1">
+        <a:alpha val="40000"/>
+      </a:schemeClr>
+    </dgm:fillClrLst>
+    <dgm:linClrLst meth="repeat">
+      <a:schemeClr val="accent1"/>
+    </dgm:linClrLst>
+    <dgm:effectClrLst/>
+    <dgm:txLinClrLst/>
+    <dgm:txFillClrLst meth="repeat">
+      <a:schemeClr val="dk1"/>
+    </dgm:txFillClrLst>
+    <dgm:txEffectClrLst/>
+  </dgm:styleLbl>
+  <dgm:styleLbl name="bgAcc1">
+    <dgm:fillClrLst meth="repeat">
+      <a:schemeClr val="lt1">
+        <a:alpha val="90000"/>
+      </a:schemeClr>
+    </dgm:fillClrLst>
+    <dgm:linClrLst meth="repeat">
+      <a:schemeClr val="accent1"/>
+    </dgm:linClrLst>
+    <dgm:effectClrLst/>
+    <dgm:txLinClrLst/>
+    <dgm:txFillClrLst meth="repeat">
+      <a:schemeClr val="dk1"/>
+    </dgm:txFillClrLst>
+    <dgm:txEffectClrLst/>
+  </dgm:styleLbl>
+  <dgm:styleLbl name="solidFgAcc1">
+    <dgm:fillClrLst meth="repeat">
+      <a:schemeClr val="lt1"/>
+    </dgm:fillClrLst>
+    <dgm:linClrLst meth="repeat">
+      <a:schemeClr val="accent1"/>
+    </dgm:linClrLst>
+    <dgm:effectClrLst/>
+    <dgm:txLinClrLst/>
+    <dgm:txFillClrLst meth="repeat">
+      <a:schemeClr val="dk1"/>
+    </dgm:txFillClrLst>
+    <dgm:txEffectClrLst/>
+  </dgm:styleLbl>
+  <dgm:styleLbl name="solidAlignAcc1">
+    <dgm:fillClrLst meth="repeat">
+      <a:schemeClr val="lt1"/>
+    </dgm:fillClrLst>
+    <dgm:linClrLst meth="repeat">
+      <a:schemeClr val="accent1"/>
+    </dgm:linClrLst>
+    <dgm:effectClrLst/>
+    <dgm:txLinClrLst/>
+    <dgm:txFillClrLst meth="repeat">
+      <a:schemeClr val="dk1"/>
+    </dgm:txFillClrLst>
+    <dgm:txEffectClrLst/>
+  </dgm:styleLbl>
+  <dgm:styleLbl name="solidBgAcc1">
+    <dgm:fillClrLst meth="repeat">
+      <a:schemeClr val="lt1"/>
+    </dgm:fillClrLst>
+    <dgm:linClrLst meth="repeat">
+      <a:schemeClr val="accent1"/>
+    </dgm:linClrLst>
+    <dgm:effectClrLst/>
+    <dgm:txLinClrLst/>
+    <dgm:txFillClrLst meth="repeat">
+      <a:schemeClr val="dk1"/>
+    </dgm:txFillClrLst>
+    <dgm:txEffectClrLst/>
+  </dgm:styleLbl>
+  <dgm:styleLbl name="fgAccFollowNode1">
+    <dgm:fillClrLst meth="repeat">
+      <a:schemeClr val="accent1">
+        <a:alpha val="90000"/>
+        <a:tint val="40000"/>
+      </a:schemeClr>
+    </dgm:fillClrLst>
+    <dgm:linClrLst meth="repeat">
+      <a:schemeClr val="accent1">
+        <a:alpha val="90000"/>
+        <a:tint val="40000"/>
+      </a:schemeClr>
+    </dgm:linClrLst>
+    <dgm:effectClrLst/>
+    <dgm:txLinClrLst/>
+    <dgm:txFillClrLst meth="repeat">
+      <a:schemeClr val="dk1"/>
+    </dgm:txFillClrLst>
+    <dgm:txEffectClrLst/>
+  </dgm:styleLbl>
+  <dgm:styleLbl name="alignAccFollowNode1">
+    <dgm:fillClrLst meth="repeat">
+      <a:schemeClr val="accent1">
+        <a:alpha val="90000"/>
+        <a:tint val="40000"/>
+      </a:schemeClr>
+    </dgm:fillClrLst>
+    <dgm:linClrLst meth="repeat">
+      <a:schemeClr val="accent1">
+        <a:alpha val="90000"/>
+        <a:tint val="40000"/>
+      </a:schemeClr>
+    </dgm:linClrLst>
+    <dgm:effectClrLst/>
+    <dgm:txLinClrLst/>
+    <dgm:txFillClrLst meth="repeat">
+      <a:schemeClr val="dk1"/>
+    </dgm:txFillClrLst>
+    <dgm:txEffectClrLst/>
+  </dgm:styleLbl>
+  <dgm:styleLbl name="bgAccFollowNode1">
+    <dgm:fillClrLst meth="repeat">
+      <a:schemeClr val="accent1">
+        <a:alpha val="90000"/>
+        <a:tint val="40000"/>
+      </a:schemeClr>
+    </dgm:fillClrLst>
+    <dgm:linClrLst meth="repeat">
+      <a:schemeClr val="accent1">
+        <a:alpha val="90000"/>
+        <a:tint val="40000"/>
+      </a:schemeClr>
+    </dgm:linClrLst>
+    <dgm:effectClrLst/>
+    <dgm:txLinClrLst/>
+    <dgm:txFillClrLst meth="repeat">
+      <a:schemeClr val="dk1"/>
+    </dgm:txFillClrLst>
+    <dgm:txEffectClrLst/>
+  </dgm:styleLbl>
+  <dgm:styleLbl name="fgAcc0">
+    <dgm:fillClrLst meth="repeat">
+      <a:schemeClr val="lt1">
+        <a:alpha val="90000"/>
+      </a:schemeClr>
+    </dgm:fillClrLst>
+    <dgm:linClrLst meth="repeat">
+      <a:schemeClr val="accent1"/>
+    </dgm:linClrLst>
+    <dgm:effectClrLst/>
+    <dgm:txLinClrLst/>
+    <dgm:txFillClrLst meth="repeat">
+      <a:schemeClr val="dk1"/>
+    </dgm:txFillClrLst>
+    <dgm:txEffectClrLst/>
+  </dgm:styleLbl>
+  <dgm:styleLbl name="fgAcc2">
+    <dgm:fillClrLst meth="repeat">
+      <a:schemeClr val="lt1">
+        <a:alpha val="90000"/>
+      </a:schemeClr>
+    </dgm:fillClrLst>
+    <dgm:linClrLst meth="repeat">
+      <a:schemeClr val="accent1"/>
+    </dgm:linClrLst>
+    <dgm:effectClrLst/>
+    <dgm:txLinClrLst/>
+    <dgm:txFillClrLst meth="repeat">
+      <a:schemeClr val="dk1"/>
+    </dgm:txFillClrLst>
+    <dgm:txEffectClrLst/>
+  </dgm:styleLbl>
+  <dgm:styleLbl name="fgAcc3">
+    <dgm:fillClrLst meth="repeat">
+      <a:schemeClr val="lt1">
+        <a:alpha val="90000"/>
+      </a:schemeClr>
+    </dgm:fillClrLst>
+    <dgm:linClrLst meth="repeat">
+      <a:schemeClr val="accent1"/>
+    </dgm:linClrLst>
+    <dgm:effectClrLst/>
+    <dgm:txLinClrLst/>
+    <dgm:txFillClrLst meth="repeat">
+      <a:schemeClr val="dk1"/>
+    </dgm:txFillClrLst>
+    <dgm:txEffectClrLst/>
+  </dgm:styleLbl>
+  <dgm:styleLbl name="fgAcc4">
+    <dgm:fillClrLst meth="repeat">
+      <a:schemeClr val="lt1">
+        <a:alpha val="90000"/>
+      </a:schemeClr>
+    </dgm:fillClrLst>
+    <dgm:linClrLst meth="repeat">
+      <a:schemeClr val="accent1"/>
+    </dgm:linClrLst>
+    <dgm:effectClrLst/>
+    <dgm:txLinClrLst/>
+    <dgm:txFillClrLst meth="repeat">
+      <a:schemeClr val="dk1"/>
+    </dgm:txFillClrLst>
+    <dgm:txEffectClrLst/>
+  </dgm:styleLbl>
+  <dgm:styleLbl name="bgShp">
+    <dgm:fillClrLst meth="repeat">
+      <a:schemeClr val="accent1">
+        <a:tint val="40000"/>
+      </a:schemeClr>
+    </dgm:fillClrLst>
+    <dgm:linClrLst meth="repeat">
+      <a:schemeClr val="accent1"/>
+    </dgm:linClrLst>
+    <dgm:effectClrLst/>
+    <dgm:txLinClrLst/>
+    <dgm:txFillClrLst meth="repeat">
+      <a:schemeClr val="dk1"/>
+    </dgm:txFillClrLst>
+    <dgm:txEffectClrLst/>
+  </dgm:styleLbl>
+  <dgm:styleLbl name="dkBgShp">
+    <dgm:fillClrLst meth="repeat">
+      <a:schemeClr val="accent1">
+        <a:shade val="80000"/>
+      </a:schemeClr>
+    </dgm:fillClrLst>
+    <dgm:linClrLst meth="repeat">
+      <a:schemeClr val="accent1"/>
+    </dgm:linClrLst>
+    <dgm:effectClrLst/>
+    <dgm:txLinClrLst/>
+    <dgm:txFillClrLst meth="repeat">
+      <a:schemeClr val="lt1"/>
+    </dgm:txFillClrLst>
+    <dgm:txEffectClrLst/>
+  </dgm:styleLbl>
+  <dgm:styleLbl name="trBgShp">
+    <dgm:fillClrLst meth="repeat">
+      <a:schemeClr val="accent1">
+        <a:tint val="50000"/>
+        <a:alpha val="40000"/>
+      </a:schemeClr>
+    </dgm:fillClrLst>
+    <dgm:linClrLst meth="repeat">
+      <a:schemeClr val="accent1"/>
+    </dgm:linClrLst>
+    <dgm:effectClrLst/>
+    <dgm:txLinClrLst/>
+    <dgm:txFillClrLst meth="repeat">
+      <a:schemeClr val="lt1"/>
+    </dgm:txFillClrLst>
+    <dgm:txEffectClrLst/>
+  </dgm:styleLbl>
+  <dgm:styleLbl name="fgShp">
+    <dgm:fillClrLst meth="repeat">
+      <a:schemeClr val="accent1">
+        <a:tint val="60000"/>
+      </a:schemeClr>
+    </dgm:fillClrLst>
+    <dgm:linClrLst meth="repeat">
+      <a:schemeClr val="lt1"/>
+    </dgm:linClrLst>
+    <dgm:effectClrLst/>
+    <dgm:txLinClrLst/>
+    <dgm:txFillClrLst meth="repeat">
+      <a:schemeClr val="dk1"/>
+    </dgm:txFillClrLst>
+    <dgm:txEffectClrLst/>
+  </dgm:styleLbl>
+  <dgm:styleLbl name="revTx">
+    <dgm:fillClrLst meth="repeat">
+      <a:schemeClr val="lt1">
+        <a:alpha val="0"/>
+      </a:schemeClr>
+    </dgm:fillClrLst>
+    <dgm:linClrLst meth="repeat">
+      <a:schemeClr val="dk1">
+        <a:alpha val="0"/>
+      </a:schemeClr>
+    </dgm:linClrLst>
+    <dgm:effectClrLst/>
+    <dgm:txLinClrLst/>
+    <dgm:txFillClrLst meth="repeat">
+      <a:schemeClr val="tx1"/>
+    </dgm:txFillClrLst>
+    <dgm:txEffectClrLst/>
+  </dgm:styleLbl>
+</dgm:colorsDef>
+</file>
+
+<file path=ppt/diagrams/colors7.xml><?xml version="1.0" encoding="utf-8"?>
 <dgm:colorsDef xmlns:dgm="http://schemas.openxmlformats.org/drawingml/2006/diagram" xmlns:a="http://schemas.openxmlformats.org/drawingml/2006/main" uniqueId="urn:microsoft.com/office/officeart/2005/8/colors/accent2_2">
   <dgm:title val=""/>
   <dgm:desc val=""/>
@@ -7198,6 +8930,410 @@
 <file path=ppt/diagrams/data5.xml><?xml version="1.0" encoding="utf-8"?>
 <dgm:dataModel xmlns:dgm="http://schemas.openxmlformats.org/drawingml/2006/diagram" xmlns:a="http://schemas.openxmlformats.org/drawingml/2006/main">
   <dgm:ptLst>
+    <dgm:pt modelId="{D53BCBF0-7E8A-4FE9-AF6D-37F1C455BE21}" type="doc">
+      <dgm:prSet loTypeId="urn:microsoft.com/office/officeart/2005/8/layout/vList2" loCatId="list" qsTypeId="urn:microsoft.com/office/officeart/2005/8/quickstyle/simple1" qsCatId="simple" csTypeId="urn:microsoft.com/office/officeart/2005/8/colors/accent1_2" csCatId="accent1" phldr="1"/>
+      <dgm:spPr/>
+      <dgm:t>
+        <a:bodyPr/>
+        <a:lstStyle/>
+        <a:p>
+          <a:endParaRPr lang="en-US"/>
+        </a:p>
+      </dgm:t>
+    </dgm:pt>
+    <dgm:pt modelId="{167E1D7B-6CB0-4B85-B05C-D971A42479BA}">
+      <dgm:prSet/>
+      <dgm:spPr/>
+      <dgm:t>
+        <a:bodyPr/>
+        <a:lstStyle/>
+        <a:p>
+          <a:pPr algn="l"/>
+          <a:r>
+            <a:rPr lang="en-US" dirty="0"/>
+            <a:t>Iterator</a:t>
+          </a:r>
+        </a:p>
+      </dgm:t>
+    </dgm:pt>
+    <dgm:pt modelId="{BEA364BB-F7B6-40CB-9464-7204A07E8F1F}" type="parTrans" cxnId="{D9B9B289-6CB3-4568-B6C1-A56FC4F78C68}">
+      <dgm:prSet/>
+      <dgm:spPr/>
+      <dgm:t>
+        <a:bodyPr/>
+        <a:lstStyle/>
+        <a:p>
+          <a:pPr algn="l"/>
+          <a:endParaRPr lang="en-US"/>
+        </a:p>
+      </dgm:t>
+    </dgm:pt>
+    <dgm:pt modelId="{FC7618C3-C079-4386-8578-5360D1C264EF}" type="sibTrans" cxnId="{D9B9B289-6CB3-4568-B6C1-A56FC4F78C68}">
+      <dgm:prSet/>
+      <dgm:spPr/>
+      <dgm:t>
+        <a:bodyPr/>
+        <a:lstStyle/>
+        <a:p>
+          <a:pPr algn="l"/>
+          <a:endParaRPr lang="en-US"/>
+        </a:p>
+      </dgm:t>
+    </dgm:pt>
+    <dgm:pt modelId="{8C22094B-7982-48B3-A636-C309B7168CA0}">
+      <dgm:prSet/>
+      <dgm:spPr/>
+      <dgm:t>
+        <a:bodyPr/>
+        <a:lstStyle/>
+        <a:p>
+          <a:r>
+            <a:rPr lang="en-US" dirty="0"/>
+            <a:t>Concrete Iterator</a:t>
+          </a:r>
+          <a:r>
+            <a:rPr lang="en-US" altLang="zh-CN" dirty="0"/>
+            <a:t>s</a:t>
+          </a:r>
+          <a:endParaRPr lang="en-US" dirty="0"/>
+        </a:p>
+      </dgm:t>
+    </dgm:pt>
+    <dgm:pt modelId="{DABBF22C-5445-43CD-A7F9-B3A70B917BBB}" type="parTrans" cxnId="{16290AAD-B7AE-47D1-BE8C-5C5B57414725}">
+      <dgm:prSet/>
+      <dgm:spPr/>
+      <dgm:t>
+        <a:bodyPr/>
+        <a:lstStyle/>
+        <a:p>
+          <a:endParaRPr lang="en-US"/>
+        </a:p>
+      </dgm:t>
+    </dgm:pt>
+    <dgm:pt modelId="{13FBCEB5-2C74-49D9-AB53-C7504A76F7CD}" type="sibTrans" cxnId="{16290AAD-B7AE-47D1-BE8C-5C5B57414725}">
+      <dgm:prSet/>
+      <dgm:spPr/>
+      <dgm:t>
+        <a:bodyPr/>
+        <a:lstStyle/>
+        <a:p>
+          <a:endParaRPr lang="en-US"/>
+        </a:p>
+      </dgm:t>
+    </dgm:pt>
+    <dgm:pt modelId="{C7823C08-90C7-4B69-9817-B11257D16185}" type="pres">
+      <dgm:prSet presAssocID="{D53BCBF0-7E8A-4FE9-AF6D-37F1C455BE21}" presName="linear" presStyleCnt="0">
+        <dgm:presLayoutVars>
+          <dgm:animLvl val="lvl"/>
+          <dgm:resizeHandles val="exact"/>
+        </dgm:presLayoutVars>
+      </dgm:prSet>
+      <dgm:spPr/>
+    </dgm:pt>
+    <dgm:pt modelId="{F8A1933A-B491-4214-BEAB-8FBF738DEE40}" type="pres">
+      <dgm:prSet presAssocID="{167E1D7B-6CB0-4B85-B05C-D971A42479BA}" presName="parentText" presStyleLbl="node1" presStyleIdx="0" presStyleCnt="2">
+        <dgm:presLayoutVars>
+          <dgm:chMax val="0"/>
+          <dgm:bulletEnabled val="1"/>
+        </dgm:presLayoutVars>
+      </dgm:prSet>
+      <dgm:spPr/>
+    </dgm:pt>
+    <dgm:pt modelId="{98115EEA-4462-47CF-8927-5A5CD529D992}" type="pres">
+      <dgm:prSet presAssocID="{FC7618C3-C079-4386-8578-5360D1C264EF}" presName="spacer" presStyleCnt="0"/>
+      <dgm:spPr/>
+    </dgm:pt>
+    <dgm:pt modelId="{58311629-E84A-4326-9A41-92BAA85CE2ED}" type="pres">
+      <dgm:prSet presAssocID="{8C22094B-7982-48B3-A636-C309B7168CA0}" presName="parentText" presStyleLbl="node1" presStyleIdx="1" presStyleCnt="2">
+        <dgm:presLayoutVars>
+          <dgm:chMax val="0"/>
+          <dgm:bulletEnabled val="1"/>
+        </dgm:presLayoutVars>
+      </dgm:prSet>
+      <dgm:spPr/>
+    </dgm:pt>
+  </dgm:ptLst>
+  <dgm:cxnLst>
+    <dgm:cxn modelId="{3A0DD017-E1CF-493E-8E63-B03841FF8930}" type="presOf" srcId="{D53BCBF0-7E8A-4FE9-AF6D-37F1C455BE21}" destId="{C7823C08-90C7-4B69-9817-B11257D16185}" srcOrd="0" destOrd="0" presId="urn:microsoft.com/office/officeart/2005/8/layout/vList2"/>
+    <dgm:cxn modelId="{35DED684-D496-43F6-9986-3480B01A4CA7}" type="presOf" srcId="{167E1D7B-6CB0-4B85-B05C-D971A42479BA}" destId="{F8A1933A-B491-4214-BEAB-8FBF738DEE40}" srcOrd="0" destOrd="0" presId="urn:microsoft.com/office/officeart/2005/8/layout/vList2"/>
+    <dgm:cxn modelId="{D9B9B289-6CB3-4568-B6C1-A56FC4F78C68}" srcId="{D53BCBF0-7E8A-4FE9-AF6D-37F1C455BE21}" destId="{167E1D7B-6CB0-4B85-B05C-D971A42479BA}" srcOrd="0" destOrd="0" parTransId="{BEA364BB-F7B6-40CB-9464-7204A07E8F1F}" sibTransId="{FC7618C3-C079-4386-8578-5360D1C264EF}"/>
+    <dgm:cxn modelId="{16290AAD-B7AE-47D1-BE8C-5C5B57414725}" srcId="{D53BCBF0-7E8A-4FE9-AF6D-37F1C455BE21}" destId="{8C22094B-7982-48B3-A636-C309B7168CA0}" srcOrd="1" destOrd="0" parTransId="{DABBF22C-5445-43CD-A7F9-B3A70B917BBB}" sibTransId="{13FBCEB5-2C74-49D9-AB53-C7504A76F7CD}"/>
+    <dgm:cxn modelId="{5A51B3F2-CDF4-45C7-9046-73C80499187B}" type="presOf" srcId="{8C22094B-7982-48B3-A636-C309B7168CA0}" destId="{58311629-E84A-4326-9A41-92BAA85CE2ED}" srcOrd="0" destOrd="0" presId="urn:microsoft.com/office/officeart/2005/8/layout/vList2"/>
+    <dgm:cxn modelId="{A53C3C53-F679-4EF0-A5FB-C5C5C9DF1787}" type="presParOf" srcId="{C7823C08-90C7-4B69-9817-B11257D16185}" destId="{F8A1933A-B491-4214-BEAB-8FBF738DEE40}" srcOrd="0" destOrd="0" presId="urn:microsoft.com/office/officeart/2005/8/layout/vList2"/>
+    <dgm:cxn modelId="{423AF6B9-45F8-4CDB-ABE2-84DB751A3D30}" type="presParOf" srcId="{C7823C08-90C7-4B69-9817-B11257D16185}" destId="{98115EEA-4462-47CF-8927-5A5CD529D992}" srcOrd="1" destOrd="0" presId="urn:microsoft.com/office/officeart/2005/8/layout/vList2"/>
+    <dgm:cxn modelId="{ADF0B0CF-8940-4FA9-BC73-BED6ACE97E4C}" type="presParOf" srcId="{C7823C08-90C7-4B69-9817-B11257D16185}" destId="{58311629-E84A-4326-9A41-92BAA85CE2ED}" srcOrd="2" destOrd="0" presId="urn:microsoft.com/office/officeart/2005/8/layout/vList2"/>
+  </dgm:cxnLst>
+  <dgm:bg/>
+  <dgm:whole/>
+  <dgm:extLst>
+    <a:ext uri="http://schemas.microsoft.com/office/drawing/2008/diagram">
+      <dsp:dataModelExt xmlns:dsp="http://schemas.microsoft.com/office/drawing/2008/diagram" relId="rId8" minVer="http://schemas.openxmlformats.org/drawingml/2006/diagram"/>
+    </a:ext>
+  </dgm:extLst>
+</dgm:dataModel>
+</file>
+
+<file path=ppt/diagrams/data6.xml><?xml version="1.0" encoding="utf-8"?>
+<dgm:dataModel xmlns:dgm="http://schemas.openxmlformats.org/drawingml/2006/diagram" xmlns:a="http://schemas.openxmlformats.org/drawingml/2006/main">
+  <dgm:ptLst>
+    <dgm:pt modelId="{D53BCBF0-7E8A-4FE9-AF6D-37F1C455BE21}" type="doc">
+      <dgm:prSet loTypeId="urn:microsoft.com/office/officeart/2005/8/layout/vList2" loCatId="list" qsTypeId="urn:microsoft.com/office/officeart/2005/8/quickstyle/simple1" qsCatId="simple" csTypeId="urn:microsoft.com/office/officeart/2005/8/colors/accent1_2" csCatId="accent1" phldr="1"/>
+      <dgm:spPr/>
+      <dgm:t>
+        <a:bodyPr/>
+        <a:lstStyle/>
+        <a:p>
+          <a:endParaRPr lang="en-US"/>
+        </a:p>
+      </dgm:t>
+    </dgm:pt>
+    <dgm:pt modelId="{167E1D7B-6CB0-4B85-B05C-D971A42479BA}">
+      <dgm:prSet/>
+      <dgm:spPr/>
+      <dgm:t>
+        <a:bodyPr/>
+        <a:lstStyle/>
+        <a:p>
+          <a:pPr algn="l"/>
+          <a:r>
+            <a:rPr lang="en-US" dirty="0"/>
+            <a:t>Element</a:t>
+          </a:r>
+        </a:p>
+      </dgm:t>
+    </dgm:pt>
+    <dgm:pt modelId="{BEA364BB-F7B6-40CB-9464-7204A07E8F1F}" type="parTrans" cxnId="{D9B9B289-6CB3-4568-B6C1-A56FC4F78C68}">
+      <dgm:prSet/>
+      <dgm:spPr/>
+      <dgm:t>
+        <a:bodyPr/>
+        <a:lstStyle/>
+        <a:p>
+          <a:pPr algn="l"/>
+          <a:endParaRPr lang="en-US"/>
+        </a:p>
+      </dgm:t>
+    </dgm:pt>
+    <dgm:pt modelId="{FC7618C3-C079-4386-8578-5360D1C264EF}" type="sibTrans" cxnId="{D9B9B289-6CB3-4568-B6C1-A56FC4F78C68}">
+      <dgm:prSet/>
+      <dgm:spPr/>
+      <dgm:t>
+        <a:bodyPr/>
+        <a:lstStyle/>
+        <a:p>
+          <a:pPr algn="l"/>
+          <a:endParaRPr lang="en-US"/>
+        </a:p>
+      </dgm:t>
+    </dgm:pt>
+    <dgm:pt modelId="{8C22094B-7982-48B3-A636-C309B7168CA0}">
+      <dgm:prSet/>
+      <dgm:spPr/>
+      <dgm:t>
+        <a:bodyPr/>
+        <a:lstStyle/>
+        <a:p>
+          <a:r>
+            <a:rPr lang="en-US" dirty="0"/>
+            <a:t>Concrete V</a:t>
+          </a:r>
+          <a:r>
+            <a:rPr lang="en-US" altLang="zh-CN" dirty="0"/>
+            <a:t>isitors</a:t>
+          </a:r>
+          <a:endParaRPr lang="en-US" dirty="0"/>
+        </a:p>
+      </dgm:t>
+    </dgm:pt>
+    <dgm:pt modelId="{DABBF22C-5445-43CD-A7F9-B3A70B917BBB}" type="parTrans" cxnId="{16290AAD-B7AE-47D1-BE8C-5C5B57414725}">
+      <dgm:prSet/>
+      <dgm:spPr/>
+      <dgm:t>
+        <a:bodyPr/>
+        <a:lstStyle/>
+        <a:p>
+          <a:endParaRPr lang="en-US"/>
+        </a:p>
+      </dgm:t>
+    </dgm:pt>
+    <dgm:pt modelId="{13FBCEB5-2C74-49D9-AB53-C7504A76F7CD}" type="sibTrans" cxnId="{16290AAD-B7AE-47D1-BE8C-5C5B57414725}">
+      <dgm:prSet/>
+      <dgm:spPr/>
+      <dgm:t>
+        <a:bodyPr/>
+        <a:lstStyle/>
+        <a:p>
+          <a:endParaRPr lang="en-US"/>
+        </a:p>
+      </dgm:t>
+    </dgm:pt>
+    <dgm:pt modelId="{5C4E2D7F-7797-4C04-B5DB-09C03969B3E7}">
+      <dgm:prSet/>
+      <dgm:spPr/>
+      <dgm:t>
+        <a:bodyPr/>
+        <a:lstStyle/>
+        <a:p>
+          <a:r>
+            <a:rPr lang="en-US" dirty="0"/>
+            <a:t>V</a:t>
+          </a:r>
+          <a:r>
+            <a:rPr lang="en-US" altLang="zh-CN" dirty="0"/>
+            <a:t>isitor</a:t>
+          </a:r>
+          <a:endParaRPr lang="en-US" dirty="0"/>
+        </a:p>
+      </dgm:t>
+    </dgm:pt>
+    <dgm:pt modelId="{CC4775CF-6262-4C9B-BDE8-786C899563B9}" type="parTrans" cxnId="{C8690543-6900-4050-B0D6-9BA44104A200}">
+      <dgm:prSet/>
+      <dgm:spPr/>
+      <dgm:t>
+        <a:bodyPr/>
+        <a:lstStyle/>
+        <a:p>
+          <a:endParaRPr lang="en-US"/>
+        </a:p>
+      </dgm:t>
+    </dgm:pt>
+    <dgm:pt modelId="{252158BD-973D-42A6-AF4A-3507DE2AAADB}" type="sibTrans" cxnId="{C8690543-6900-4050-B0D6-9BA44104A200}">
+      <dgm:prSet/>
+      <dgm:spPr/>
+      <dgm:t>
+        <a:bodyPr/>
+        <a:lstStyle/>
+        <a:p>
+          <a:endParaRPr lang="en-US"/>
+        </a:p>
+      </dgm:t>
+    </dgm:pt>
+    <dgm:pt modelId="{9837A98B-0A5E-4A0A-BF95-D063BB258A67}">
+      <dgm:prSet/>
+      <dgm:spPr/>
+      <dgm:t>
+        <a:bodyPr/>
+        <a:lstStyle/>
+        <a:p>
+          <a:r>
+            <a:rPr lang="en-US"/>
+            <a:t>Concrete Elements</a:t>
+          </a:r>
+          <a:endParaRPr lang="en-US" dirty="0"/>
+        </a:p>
+      </dgm:t>
+    </dgm:pt>
+    <dgm:pt modelId="{65BB22F4-467A-4A60-8828-2DE0E0296E98}" type="parTrans" cxnId="{03CE8026-BD6E-41FB-95BC-ABF454208A9E}">
+      <dgm:prSet/>
+      <dgm:spPr/>
+      <dgm:t>
+        <a:bodyPr/>
+        <a:lstStyle/>
+        <a:p>
+          <a:endParaRPr lang="en-US"/>
+        </a:p>
+      </dgm:t>
+    </dgm:pt>
+    <dgm:pt modelId="{08068E05-B90A-426A-BC9D-9447C243671F}" type="sibTrans" cxnId="{03CE8026-BD6E-41FB-95BC-ABF454208A9E}">
+      <dgm:prSet/>
+      <dgm:spPr/>
+      <dgm:t>
+        <a:bodyPr/>
+        <a:lstStyle/>
+        <a:p>
+          <a:endParaRPr lang="en-US"/>
+        </a:p>
+      </dgm:t>
+    </dgm:pt>
+    <dgm:pt modelId="{C7823C08-90C7-4B69-9817-B11257D16185}" type="pres">
+      <dgm:prSet presAssocID="{D53BCBF0-7E8A-4FE9-AF6D-37F1C455BE21}" presName="linear" presStyleCnt="0">
+        <dgm:presLayoutVars>
+          <dgm:animLvl val="lvl"/>
+          <dgm:resizeHandles val="exact"/>
+        </dgm:presLayoutVars>
+      </dgm:prSet>
+      <dgm:spPr/>
+    </dgm:pt>
+    <dgm:pt modelId="{F8A1933A-B491-4214-BEAB-8FBF738DEE40}" type="pres">
+      <dgm:prSet presAssocID="{167E1D7B-6CB0-4B85-B05C-D971A42479BA}" presName="parentText" presStyleLbl="node1" presStyleIdx="0" presStyleCnt="4">
+        <dgm:presLayoutVars>
+          <dgm:chMax val="0"/>
+          <dgm:bulletEnabled val="1"/>
+        </dgm:presLayoutVars>
+      </dgm:prSet>
+      <dgm:spPr/>
+    </dgm:pt>
+    <dgm:pt modelId="{98115EEA-4462-47CF-8927-5A5CD529D992}" type="pres">
+      <dgm:prSet presAssocID="{FC7618C3-C079-4386-8578-5360D1C264EF}" presName="spacer" presStyleCnt="0"/>
+      <dgm:spPr/>
+    </dgm:pt>
+    <dgm:pt modelId="{BCC53C07-C18F-4894-AFD3-CE6170BA9E9E}" type="pres">
+      <dgm:prSet presAssocID="{9837A98B-0A5E-4A0A-BF95-D063BB258A67}" presName="parentText" presStyleLbl="node1" presStyleIdx="1" presStyleCnt="4">
+        <dgm:presLayoutVars>
+          <dgm:chMax val="0"/>
+          <dgm:bulletEnabled val="1"/>
+        </dgm:presLayoutVars>
+      </dgm:prSet>
+      <dgm:spPr/>
+    </dgm:pt>
+    <dgm:pt modelId="{FF29F51A-5579-4B22-A02C-A3A6D2184C7E}" type="pres">
+      <dgm:prSet presAssocID="{08068E05-B90A-426A-BC9D-9447C243671F}" presName="spacer" presStyleCnt="0"/>
+      <dgm:spPr/>
+    </dgm:pt>
+    <dgm:pt modelId="{86BDAA5D-FD41-4CB0-ADCF-8B42E86C7B8A}" type="pres">
+      <dgm:prSet presAssocID="{5C4E2D7F-7797-4C04-B5DB-09C03969B3E7}" presName="parentText" presStyleLbl="node1" presStyleIdx="2" presStyleCnt="4">
+        <dgm:presLayoutVars>
+          <dgm:chMax val="0"/>
+          <dgm:bulletEnabled val="1"/>
+        </dgm:presLayoutVars>
+      </dgm:prSet>
+      <dgm:spPr/>
+    </dgm:pt>
+    <dgm:pt modelId="{E7887C70-C06C-4508-888E-B0B7C2A63D1F}" type="pres">
+      <dgm:prSet presAssocID="{252158BD-973D-42A6-AF4A-3507DE2AAADB}" presName="spacer" presStyleCnt="0"/>
+      <dgm:spPr/>
+    </dgm:pt>
+    <dgm:pt modelId="{58311629-E84A-4326-9A41-92BAA85CE2ED}" type="pres">
+      <dgm:prSet presAssocID="{8C22094B-7982-48B3-A636-C309B7168CA0}" presName="parentText" presStyleLbl="node1" presStyleIdx="3" presStyleCnt="4">
+        <dgm:presLayoutVars>
+          <dgm:chMax val="0"/>
+          <dgm:bulletEnabled val="1"/>
+        </dgm:presLayoutVars>
+      </dgm:prSet>
+      <dgm:spPr/>
+    </dgm:pt>
+  </dgm:ptLst>
+  <dgm:cxnLst>
+    <dgm:cxn modelId="{3A0DD017-E1CF-493E-8E63-B03841FF8930}" type="presOf" srcId="{D53BCBF0-7E8A-4FE9-AF6D-37F1C455BE21}" destId="{C7823C08-90C7-4B69-9817-B11257D16185}" srcOrd="0" destOrd="0" presId="urn:microsoft.com/office/officeart/2005/8/layout/vList2"/>
+    <dgm:cxn modelId="{03CE8026-BD6E-41FB-95BC-ABF454208A9E}" srcId="{D53BCBF0-7E8A-4FE9-AF6D-37F1C455BE21}" destId="{9837A98B-0A5E-4A0A-BF95-D063BB258A67}" srcOrd="1" destOrd="0" parTransId="{65BB22F4-467A-4A60-8828-2DE0E0296E98}" sibTransId="{08068E05-B90A-426A-BC9D-9447C243671F}"/>
+    <dgm:cxn modelId="{C8690543-6900-4050-B0D6-9BA44104A200}" srcId="{D53BCBF0-7E8A-4FE9-AF6D-37F1C455BE21}" destId="{5C4E2D7F-7797-4C04-B5DB-09C03969B3E7}" srcOrd="2" destOrd="0" parTransId="{CC4775CF-6262-4C9B-BDE8-786C899563B9}" sibTransId="{252158BD-973D-42A6-AF4A-3507DE2AAADB}"/>
+    <dgm:cxn modelId="{37E2C467-62F2-456F-8DEF-CF3731901105}" type="presOf" srcId="{5C4E2D7F-7797-4C04-B5DB-09C03969B3E7}" destId="{86BDAA5D-FD41-4CB0-ADCF-8B42E86C7B8A}" srcOrd="0" destOrd="0" presId="urn:microsoft.com/office/officeart/2005/8/layout/vList2"/>
+    <dgm:cxn modelId="{35DED684-D496-43F6-9986-3480B01A4CA7}" type="presOf" srcId="{167E1D7B-6CB0-4B85-B05C-D971A42479BA}" destId="{F8A1933A-B491-4214-BEAB-8FBF738DEE40}" srcOrd="0" destOrd="0" presId="urn:microsoft.com/office/officeart/2005/8/layout/vList2"/>
+    <dgm:cxn modelId="{D9B9B289-6CB3-4568-B6C1-A56FC4F78C68}" srcId="{D53BCBF0-7E8A-4FE9-AF6D-37F1C455BE21}" destId="{167E1D7B-6CB0-4B85-B05C-D971A42479BA}" srcOrd="0" destOrd="0" parTransId="{BEA364BB-F7B6-40CB-9464-7204A07E8F1F}" sibTransId="{FC7618C3-C079-4386-8578-5360D1C264EF}"/>
+    <dgm:cxn modelId="{8BBA9BA6-2D02-4DD2-B051-F9CDB9BAACDA}" type="presOf" srcId="{9837A98B-0A5E-4A0A-BF95-D063BB258A67}" destId="{BCC53C07-C18F-4894-AFD3-CE6170BA9E9E}" srcOrd="0" destOrd="0" presId="urn:microsoft.com/office/officeart/2005/8/layout/vList2"/>
+    <dgm:cxn modelId="{16290AAD-B7AE-47D1-BE8C-5C5B57414725}" srcId="{D53BCBF0-7E8A-4FE9-AF6D-37F1C455BE21}" destId="{8C22094B-7982-48B3-A636-C309B7168CA0}" srcOrd="3" destOrd="0" parTransId="{DABBF22C-5445-43CD-A7F9-B3A70B917BBB}" sibTransId="{13FBCEB5-2C74-49D9-AB53-C7504A76F7CD}"/>
+    <dgm:cxn modelId="{5A51B3F2-CDF4-45C7-9046-73C80499187B}" type="presOf" srcId="{8C22094B-7982-48B3-A636-C309B7168CA0}" destId="{58311629-E84A-4326-9A41-92BAA85CE2ED}" srcOrd="0" destOrd="0" presId="urn:microsoft.com/office/officeart/2005/8/layout/vList2"/>
+    <dgm:cxn modelId="{A53C3C53-F679-4EF0-A5FB-C5C5C9DF1787}" type="presParOf" srcId="{C7823C08-90C7-4B69-9817-B11257D16185}" destId="{F8A1933A-B491-4214-BEAB-8FBF738DEE40}" srcOrd="0" destOrd="0" presId="urn:microsoft.com/office/officeart/2005/8/layout/vList2"/>
+    <dgm:cxn modelId="{423AF6B9-45F8-4CDB-ABE2-84DB751A3D30}" type="presParOf" srcId="{C7823C08-90C7-4B69-9817-B11257D16185}" destId="{98115EEA-4462-47CF-8927-5A5CD529D992}" srcOrd="1" destOrd="0" presId="urn:microsoft.com/office/officeart/2005/8/layout/vList2"/>
+    <dgm:cxn modelId="{81AB45CB-075A-4485-B658-204D582A1803}" type="presParOf" srcId="{C7823C08-90C7-4B69-9817-B11257D16185}" destId="{BCC53C07-C18F-4894-AFD3-CE6170BA9E9E}" srcOrd="2" destOrd="0" presId="urn:microsoft.com/office/officeart/2005/8/layout/vList2"/>
+    <dgm:cxn modelId="{8AB937C3-8E35-4796-A0C7-0124179B4995}" type="presParOf" srcId="{C7823C08-90C7-4B69-9817-B11257D16185}" destId="{FF29F51A-5579-4B22-A02C-A3A6D2184C7E}" srcOrd="3" destOrd="0" presId="urn:microsoft.com/office/officeart/2005/8/layout/vList2"/>
+    <dgm:cxn modelId="{CE05907F-2BA0-4628-AF3B-F62D7EA1B15B}" type="presParOf" srcId="{C7823C08-90C7-4B69-9817-B11257D16185}" destId="{86BDAA5D-FD41-4CB0-ADCF-8B42E86C7B8A}" srcOrd="4" destOrd="0" presId="urn:microsoft.com/office/officeart/2005/8/layout/vList2"/>
+    <dgm:cxn modelId="{CC7BF878-8940-48AF-8BED-DFB96C45BD22}" type="presParOf" srcId="{C7823C08-90C7-4B69-9817-B11257D16185}" destId="{E7887C70-C06C-4508-888E-B0B7C2A63D1F}" srcOrd="5" destOrd="0" presId="urn:microsoft.com/office/officeart/2005/8/layout/vList2"/>
+    <dgm:cxn modelId="{ADF0B0CF-8940-4FA9-BC73-BED6ACE97E4C}" type="presParOf" srcId="{C7823C08-90C7-4B69-9817-B11257D16185}" destId="{58311629-E84A-4326-9A41-92BAA85CE2ED}" srcOrd="6" destOrd="0" presId="urn:microsoft.com/office/officeart/2005/8/layout/vList2"/>
+  </dgm:cxnLst>
+  <dgm:bg/>
+  <dgm:whole/>
+  <dgm:extLst>
+    <a:ext uri="http://schemas.microsoft.com/office/drawing/2008/diagram">
+      <dsp:dataModelExt xmlns:dsp="http://schemas.microsoft.com/office/drawing/2008/diagram" relId="rId8" minVer="http://schemas.openxmlformats.org/drawingml/2006/diagram"/>
+    </a:ext>
+  </dgm:extLst>
+</dgm:dataModel>
+</file>
+
+<file path=ppt/diagrams/data7.xml><?xml version="1.0" encoding="utf-8"?>
+<dgm:dataModel xmlns:dgm="http://schemas.openxmlformats.org/drawingml/2006/diagram" xmlns:a="http://schemas.openxmlformats.org/drawingml/2006/main">
+  <dgm:ptLst>
     <dgm:pt modelId="{4F1464C0-5555-46C1-B349-12A1B850E025}" type="doc">
       <dgm:prSet loTypeId="urn:microsoft.com/office/officeart/2005/8/layout/vList2" loCatId="list" qsTypeId="urn:microsoft.com/office/officeart/2005/8/quickstyle/simple5" qsCatId="simple" csTypeId="urn:microsoft.com/office/officeart/2005/8/colors/accent2_2" csCatId="accent2" phldr="1"/>
       <dgm:spPr/>
@@ -7411,7 +9547,7 @@
               <a:ea typeface="+mn-ea"/>
               <a:cs typeface="+mn-cs"/>
             </a:rPr>
-            <a:t>4. </a:t>
+            <a:t>4. Iterator </a:t>
           </a:r>
         </a:p>
       </dgm:t>
@@ -7500,7 +9636,7 @@
               <a:ea typeface="+mn-ea"/>
               <a:cs typeface="+mn-cs"/>
             </a:rPr>
-            <a:t>5. </a:t>
+            <a:t>5. Visitor </a:t>
           </a:r>
         </a:p>
       </dgm:t>
@@ -8627,6 +10763,508 @@
       <dsp:cNvGrpSpPr/>
     </dsp:nvGrpSpPr>
     <dsp:grpSpPr/>
+    <dsp:sp modelId="{F8A1933A-B491-4214-BEAB-8FBF738DEE40}">
+      <dsp:nvSpPr>
+        <dsp:cNvPr id="0" name=""/>
+        <dsp:cNvSpPr/>
+      </dsp:nvSpPr>
+      <dsp:spPr>
+        <a:xfrm>
+          <a:off x="0" y="538618"/>
+          <a:ext cx="7098595" cy="1518659"/>
+        </a:xfrm>
+        <a:prstGeom prst="roundRect">
+          <a:avLst/>
+        </a:prstGeom>
+        <a:solidFill>
+          <a:schemeClr val="accent1">
+            <a:hueOff val="0"/>
+            <a:satOff val="0"/>
+            <a:lumOff val="0"/>
+            <a:alphaOff val="0"/>
+          </a:schemeClr>
+        </a:solidFill>
+        <a:ln w="25400" cap="flat" cmpd="sng" algn="ctr">
+          <a:solidFill>
+            <a:schemeClr val="lt1">
+              <a:hueOff val="0"/>
+              <a:satOff val="0"/>
+              <a:lumOff val="0"/>
+              <a:alphaOff val="0"/>
+            </a:schemeClr>
+          </a:solidFill>
+          <a:prstDash val="solid"/>
+        </a:ln>
+        <a:effectLst/>
+      </dsp:spPr>
+      <dsp:style>
+        <a:lnRef idx="2">
+          <a:scrgbClr r="0" g="0" b="0"/>
+        </a:lnRef>
+        <a:fillRef idx="1">
+          <a:scrgbClr r="0" g="0" b="0"/>
+        </a:fillRef>
+        <a:effectRef idx="0">
+          <a:scrgbClr r="0" g="0" b="0"/>
+        </a:effectRef>
+        <a:fontRef idx="minor">
+          <a:schemeClr val="lt1"/>
+        </a:fontRef>
+      </dsp:style>
+      <dsp:txBody>
+        <a:bodyPr spcFirstLastPara="0" vert="horz" wrap="square" lIns="224790" tIns="224790" rIns="224790" bIns="224790" numCol="1" spcCol="1270" anchor="ctr" anchorCtr="0">
+          <a:noAutofit/>
+        </a:bodyPr>
+        <a:lstStyle/>
+        <a:p>
+          <a:pPr marL="0" lvl="0" indent="0" algn="l" defTabSz="2622550">
+            <a:lnSpc>
+              <a:spcPct val="90000"/>
+            </a:lnSpc>
+            <a:spcBef>
+              <a:spcPct val="0"/>
+            </a:spcBef>
+            <a:spcAft>
+              <a:spcPct val="35000"/>
+            </a:spcAft>
+            <a:buNone/>
+          </a:pPr>
+          <a:r>
+            <a:rPr lang="en-US" sz="5900" kern="1200" dirty="0"/>
+            <a:t>Iterator</a:t>
+          </a:r>
+        </a:p>
+      </dsp:txBody>
+      <dsp:txXfrm>
+        <a:off x="74135" y="612753"/>
+        <a:ext cx="6950325" cy="1370389"/>
+      </dsp:txXfrm>
+    </dsp:sp>
+    <dsp:sp modelId="{58311629-E84A-4326-9A41-92BAA85CE2ED}">
+      <dsp:nvSpPr>
+        <dsp:cNvPr id="0" name=""/>
+        <dsp:cNvSpPr/>
+      </dsp:nvSpPr>
+      <dsp:spPr>
+        <a:xfrm>
+          <a:off x="0" y="2227198"/>
+          <a:ext cx="7098595" cy="1518659"/>
+        </a:xfrm>
+        <a:prstGeom prst="roundRect">
+          <a:avLst/>
+        </a:prstGeom>
+        <a:solidFill>
+          <a:schemeClr val="accent1">
+            <a:hueOff val="0"/>
+            <a:satOff val="0"/>
+            <a:lumOff val="0"/>
+            <a:alphaOff val="0"/>
+          </a:schemeClr>
+        </a:solidFill>
+        <a:ln w="25400" cap="flat" cmpd="sng" algn="ctr">
+          <a:solidFill>
+            <a:schemeClr val="lt1">
+              <a:hueOff val="0"/>
+              <a:satOff val="0"/>
+              <a:lumOff val="0"/>
+              <a:alphaOff val="0"/>
+            </a:schemeClr>
+          </a:solidFill>
+          <a:prstDash val="solid"/>
+        </a:ln>
+        <a:effectLst/>
+      </dsp:spPr>
+      <dsp:style>
+        <a:lnRef idx="2">
+          <a:scrgbClr r="0" g="0" b="0"/>
+        </a:lnRef>
+        <a:fillRef idx="1">
+          <a:scrgbClr r="0" g="0" b="0"/>
+        </a:fillRef>
+        <a:effectRef idx="0">
+          <a:scrgbClr r="0" g="0" b="0"/>
+        </a:effectRef>
+        <a:fontRef idx="minor">
+          <a:schemeClr val="lt1"/>
+        </a:fontRef>
+      </dsp:style>
+      <dsp:txBody>
+        <a:bodyPr spcFirstLastPara="0" vert="horz" wrap="square" lIns="224790" tIns="224790" rIns="224790" bIns="224790" numCol="1" spcCol="1270" anchor="ctr" anchorCtr="0">
+          <a:noAutofit/>
+        </a:bodyPr>
+        <a:lstStyle/>
+        <a:p>
+          <a:pPr marL="0" lvl="0" indent="0" algn="l" defTabSz="2622550">
+            <a:lnSpc>
+              <a:spcPct val="90000"/>
+            </a:lnSpc>
+            <a:spcBef>
+              <a:spcPct val="0"/>
+            </a:spcBef>
+            <a:spcAft>
+              <a:spcPct val="35000"/>
+            </a:spcAft>
+            <a:buNone/>
+          </a:pPr>
+          <a:r>
+            <a:rPr lang="en-US" sz="5900" kern="1200" dirty="0"/>
+            <a:t>Concrete Iterator</a:t>
+          </a:r>
+          <a:r>
+            <a:rPr lang="en-US" altLang="zh-CN" sz="5900" kern="1200" dirty="0"/>
+            <a:t>s</a:t>
+          </a:r>
+          <a:endParaRPr lang="en-US" sz="5900" kern="1200" dirty="0"/>
+        </a:p>
+      </dsp:txBody>
+      <dsp:txXfrm>
+        <a:off x="74135" y="2301333"/>
+        <a:ext cx="6950325" cy="1370389"/>
+      </dsp:txXfrm>
+    </dsp:sp>
+  </dsp:spTree>
+</dsp:drawing>
+</file>
+
+<file path=ppt/diagrams/drawing6.xml><?xml version="1.0" encoding="utf-8"?>
+<dsp:drawing xmlns:dgm="http://schemas.openxmlformats.org/drawingml/2006/diagram" xmlns:dsp="http://schemas.microsoft.com/office/drawing/2008/diagram" xmlns:a="http://schemas.openxmlformats.org/drawingml/2006/main">
+  <dsp:spTree>
+    <dsp:nvGrpSpPr>
+      <dsp:cNvPr id="0" name=""/>
+      <dsp:cNvGrpSpPr/>
+    </dsp:nvGrpSpPr>
+    <dsp:grpSpPr/>
+    <dsp:sp modelId="{F8A1933A-B491-4214-BEAB-8FBF738DEE40}">
+      <dsp:nvSpPr>
+        <dsp:cNvPr id="0" name=""/>
+        <dsp:cNvSpPr/>
+      </dsp:nvSpPr>
+      <dsp:spPr>
+        <a:xfrm>
+          <a:off x="0" y="21838"/>
+          <a:ext cx="5400598" cy="978120"/>
+        </a:xfrm>
+        <a:prstGeom prst="roundRect">
+          <a:avLst/>
+        </a:prstGeom>
+        <a:solidFill>
+          <a:schemeClr val="accent1">
+            <a:hueOff val="0"/>
+            <a:satOff val="0"/>
+            <a:lumOff val="0"/>
+            <a:alphaOff val="0"/>
+          </a:schemeClr>
+        </a:solidFill>
+        <a:ln w="25400" cap="flat" cmpd="sng" algn="ctr">
+          <a:solidFill>
+            <a:schemeClr val="lt1">
+              <a:hueOff val="0"/>
+              <a:satOff val="0"/>
+              <a:lumOff val="0"/>
+              <a:alphaOff val="0"/>
+            </a:schemeClr>
+          </a:solidFill>
+          <a:prstDash val="solid"/>
+        </a:ln>
+        <a:effectLst/>
+      </dsp:spPr>
+      <dsp:style>
+        <a:lnRef idx="2">
+          <a:scrgbClr r="0" g="0" b="0"/>
+        </a:lnRef>
+        <a:fillRef idx="1">
+          <a:scrgbClr r="0" g="0" b="0"/>
+        </a:fillRef>
+        <a:effectRef idx="0">
+          <a:scrgbClr r="0" g="0" b="0"/>
+        </a:effectRef>
+        <a:fontRef idx="minor">
+          <a:schemeClr val="lt1"/>
+        </a:fontRef>
+      </dsp:style>
+      <dsp:txBody>
+        <a:bodyPr spcFirstLastPara="0" vert="horz" wrap="square" lIns="144780" tIns="144780" rIns="144780" bIns="144780" numCol="1" spcCol="1270" anchor="ctr" anchorCtr="0">
+          <a:noAutofit/>
+        </a:bodyPr>
+        <a:lstStyle/>
+        <a:p>
+          <a:pPr marL="0" lvl="0" indent="0" algn="l" defTabSz="1689100">
+            <a:lnSpc>
+              <a:spcPct val="90000"/>
+            </a:lnSpc>
+            <a:spcBef>
+              <a:spcPct val="0"/>
+            </a:spcBef>
+            <a:spcAft>
+              <a:spcPct val="35000"/>
+            </a:spcAft>
+            <a:buNone/>
+          </a:pPr>
+          <a:r>
+            <a:rPr lang="en-US" sz="3800" kern="1200" dirty="0"/>
+            <a:t>Element</a:t>
+          </a:r>
+        </a:p>
+      </dsp:txBody>
+      <dsp:txXfrm>
+        <a:off x="47748" y="69586"/>
+        <a:ext cx="5305102" cy="882624"/>
+      </dsp:txXfrm>
+    </dsp:sp>
+    <dsp:sp modelId="{BCC53C07-C18F-4894-AFD3-CE6170BA9E9E}">
+      <dsp:nvSpPr>
+        <dsp:cNvPr id="0" name=""/>
+        <dsp:cNvSpPr/>
+      </dsp:nvSpPr>
+      <dsp:spPr>
+        <a:xfrm>
+          <a:off x="0" y="1109398"/>
+          <a:ext cx="5400598" cy="978120"/>
+        </a:xfrm>
+        <a:prstGeom prst="roundRect">
+          <a:avLst/>
+        </a:prstGeom>
+        <a:solidFill>
+          <a:schemeClr val="accent1">
+            <a:hueOff val="0"/>
+            <a:satOff val="0"/>
+            <a:lumOff val="0"/>
+            <a:alphaOff val="0"/>
+          </a:schemeClr>
+        </a:solidFill>
+        <a:ln w="25400" cap="flat" cmpd="sng" algn="ctr">
+          <a:solidFill>
+            <a:schemeClr val="lt1">
+              <a:hueOff val="0"/>
+              <a:satOff val="0"/>
+              <a:lumOff val="0"/>
+              <a:alphaOff val="0"/>
+            </a:schemeClr>
+          </a:solidFill>
+          <a:prstDash val="solid"/>
+        </a:ln>
+        <a:effectLst/>
+      </dsp:spPr>
+      <dsp:style>
+        <a:lnRef idx="2">
+          <a:scrgbClr r="0" g="0" b="0"/>
+        </a:lnRef>
+        <a:fillRef idx="1">
+          <a:scrgbClr r="0" g="0" b="0"/>
+        </a:fillRef>
+        <a:effectRef idx="0">
+          <a:scrgbClr r="0" g="0" b="0"/>
+        </a:effectRef>
+        <a:fontRef idx="minor">
+          <a:schemeClr val="lt1"/>
+        </a:fontRef>
+      </dsp:style>
+      <dsp:txBody>
+        <a:bodyPr spcFirstLastPara="0" vert="horz" wrap="square" lIns="144780" tIns="144780" rIns="144780" bIns="144780" numCol="1" spcCol="1270" anchor="ctr" anchorCtr="0">
+          <a:noAutofit/>
+        </a:bodyPr>
+        <a:lstStyle/>
+        <a:p>
+          <a:pPr marL="0" lvl="0" indent="0" algn="l" defTabSz="1689100">
+            <a:lnSpc>
+              <a:spcPct val="90000"/>
+            </a:lnSpc>
+            <a:spcBef>
+              <a:spcPct val="0"/>
+            </a:spcBef>
+            <a:spcAft>
+              <a:spcPct val="35000"/>
+            </a:spcAft>
+            <a:buNone/>
+          </a:pPr>
+          <a:r>
+            <a:rPr lang="en-US" sz="3800" kern="1200"/>
+            <a:t>Concrete Elements</a:t>
+          </a:r>
+          <a:endParaRPr lang="en-US" sz="3800" kern="1200" dirty="0"/>
+        </a:p>
+      </dsp:txBody>
+      <dsp:txXfrm>
+        <a:off x="47748" y="1157146"/>
+        <a:ext cx="5305102" cy="882624"/>
+      </dsp:txXfrm>
+    </dsp:sp>
+    <dsp:sp modelId="{86BDAA5D-FD41-4CB0-ADCF-8B42E86C7B8A}">
+      <dsp:nvSpPr>
+        <dsp:cNvPr id="0" name=""/>
+        <dsp:cNvSpPr/>
+      </dsp:nvSpPr>
+      <dsp:spPr>
+        <a:xfrm>
+          <a:off x="0" y="2196958"/>
+          <a:ext cx="5400598" cy="978120"/>
+        </a:xfrm>
+        <a:prstGeom prst="roundRect">
+          <a:avLst/>
+        </a:prstGeom>
+        <a:solidFill>
+          <a:schemeClr val="accent1">
+            <a:hueOff val="0"/>
+            <a:satOff val="0"/>
+            <a:lumOff val="0"/>
+            <a:alphaOff val="0"/>
+          </a:schemeClr>
+        </a:solidFill>
+        <a:ln w="25400" cap="flat" cmpd="sng" algn="ctr">
+          <a:solidFill>
+            <a:schemeClr val="lt1">
+              <a:hueOff val="0"/>
+              <a:satOff val="0"/>
+              <a:lumOff val="0"/>
+              <a:alphaOff val="0"/>
+            </a:schemeClr>
+          </a:solidFill>
+          <a:prstDash val="solid"/>
+        </a:ln>
+        <a:effectLst/>
+      </dsp:spPr>
+      <dsp:style>
+        <a:lnRef idx="2">
+          <a:scrgbClr r="0" g="0" b="0"/>
+        </a:lnRef>
+        <a:fillRef idx="1">
+          <a:scrgbClr r="0" g="0" b="0"/>
+        </a:fillRef>
+        <a:effectRef idx="0">
+          <a:scrgbClr r="0" g="0" b="0"/>
+        </a:effectRef>
+        <a:fontRef idx="minor">
+          <a:schemeClr val="lt1"/>
+        </a:fontRef>
+      </dsp:style>
+      <dsp:txBody>
+        <a:bodyPr spcFirstLastPara="0" vert="horz" wrap="square" lIns="144780" tIns="144780" rIns="144780" bIns="144780" numCol="1" spcCol="1270" anchor="ctr" anchorCtr="0">
+          <a:noAutofit/>
+        </a:bodyPr>
+        <a:lstStyle/>
+        <a:p>
+          <a:pPr marL="0" lvl="0" indent="0" algn="l" defTabSz="1689100">
+            <a:lnSpc>
+              <a:spcPct val="90000"/>
+            </a:lnSpc>
+            <a:spcBef>
+              <a:spcPct val="0"/>
+            </a:spcBef>
+            <a:spcAft>
+              <a:spcPct val="35000"/>
+            </a:spcAft>
+            <a:buNone/>
+          </a:pPr>
+          <a:r>
+            <a:rPr lang="en-US" sz="3800" kern="1200" dirty="0"/>
+            <a:t>V</a:t>
+          </a:r>
+          <a:r>
+            <a:rPr lang="en-US" altLang="zh-CN" sz="3800" kern="1200" dirty="0"/>
+            <a:t>isitor</a:t>
+          </a:r>
+          <a:endParaRPr lang="en-US" sz="3800" kern="1200" dirty="0"/>
+        </a:p>
+      </dsp:txBody>
+      <dsp:txXfrm>
+        <a:off x="47748" y="2244706"/>
+        <a:ext cx="5305102" cy="882624"/>
+      </dsp:txXfrm>
+    </dsp:sp>
+    <dsp:sp modelId="{58311629-E84A-4326-9A41-92BAA85CE2ED}">
+      <dsp:nvSpPr>
+        <dsp:cNvPr id="0" name=""/>
+        <dsp:cNvSpPr/>
+      </dsp:nvSpPr>
+      <dsp:spPr>
+        <a:xfrm>
+          <a:off x="0" y="3284517"/>
+          <a:ext cx="5400598" cy="978120"/>
+        </a:xfrm>
+        <a:prstGeom prst="roundRect">
+          <a:avLst/>
+        </a:prstGeom>
+        <a:solidFill>
+          <a:schemeClr val="accent1">
+            <a:hueOff val="0"/>
+            <a:satOff val="0"/>
+            <a:lumOff val="0"/>
+            <a:alphaOff val="0"/>
+          </a:schemeClr>
+        </a:solidFill>
+        <a:ln w="25400" cap="flat" cmpd="sng" algn="ctr">
+          <a:solidFill>
+            <a:schemeClr val="lt1">
+              <a:hueOff val="0"/>
+              <a:satOff val="0"/>
+              <a:lumOff val="0"/>
+              <a:alphaOff val="0"/>
+            </a:schemeClr>
+          </a:solidFill>
+          <a:prstDash val="solid"/>
+        </a:ln>
+        <a:effectLst/>
+      </dsp:spPr>
+      <dsp:style>
+        <a:lnRef idx="2">
+          <a:scrgbClr r="0" g="0" b="0"/>
+        </a:lnRef>
+        <a:fillRef idx="1">
+          <a:scrgbClr r="0" g="0" b="0"/>
+        </a:fillRef>
+        <a:effectRef idx="0">
+          <a:scrgbClr r="0" g="0" b="0"/>
+        </a:effectRef>
+        <a:fontRef idx="minor">
+          <a:schemeClr val="lt1"/>
+        </a:fontRef>
+      </dsp:style>
+      <dsp:txBody>
+        <a:bodyPr spcFirstLastPara="0" vert="horz" wrap="square" lIns="144780" tIns="144780" rIns="144780" bIns="144780" numCol="1" spcCol="1270" anchor="ctr" anchorCtr="0">
+          <a:noAutofit/>
+        </a:bodyPr>
+        <a:lstStyle/>
+        <a:p>
+          <a:pPr marL="0" lvl="0" indent="0" algn="l" defTabSz="1689100">
+            <a:lnSpc>
+              <a:spcPct val="90000"/>
+            </a:lnSpc>
+            <a:spcBef>
+              <a:spcPct val="0"/>
+            </a:spcBef>
+            <a:spcAft>
+              <a:spcPct val="35000"/>
+            </a:spcAft>
+            <a:buNone/>
+          </a:pPr>
+          <a:r>
+            <a:rPr lang="en-US" sz="3800" kern="1200" dirty="0"/>
+            <a:t>Concrete V</a:t>
+          </a:r>
+          <a:r>
+            <a:rPr lang="en-US" altLang="zh-CN" sz="3800" kern="1200" dirty="0"/>
+            <a:t>isitors</a:t>
+          </a:r>
+          <a:endParaRPr lang="en-US" sz="3800" kern="1200" dirty="0"/>
+        </a:p>
+      </dsp:txBody>
+      <dsp:txXfrm>
+        <a:off x="47748" y="3332265"/>
+        <a:ext cx="5305102" cy="882624"/>
+      </dsp:txXfrm>
+    </dsp:sp>
+  </dsp:spTree>
+</dsp:drawing>
+</file>
+
+<file path=ppt/diagrams/drawing7.xml><?xml version="1.0" encoding="utf-8"?>
+<dsp:drawing xmlns:dgm="http://schemas.openxmlformats.org/drawingml/2006/diagram" xmlns:dsp="http://schemas.microsoft.com/office/drawing/2008/diagram" xmlns:a="http://schemas.openxmlformats.org/drawingml/2006/main">
+  <dsp:spTree>
+    <dsp:nvGrpSpPr>
+      <dsp:cNvPr id="0" name=""/>
+      <dsp:cNvGrpSpPr/>
+    </dsp:nvGrpSpPr>
+    <dsp:grpSpPr/>
     <dsp:sp modelId="{65F72784-DE3C-43D8-B801-D83AEBF01195}">
       <dsp:nvSpPr>
         <dsp:cNvPr id="0" name=""/>
@@ -8969,7 +11607,7 @@
               <a:ea typeface="+mn-ea"/>
               <a:cs typeface="+mn-cs"/>
             </a:rPr>
-            <a:t>4. </a:t>
+            <a:t>4. Iterator </a:t>
           </a:r>
         </a:p>
       </dsp:txBody>
@@ -9054,7 +11692,7 @@
               <a:ea typeface="+mn-ea"/>
               <a:cs typeface="+mn-cs"/>
             </a:rPr>
-            <a:t>5. </a:t>
+            <a:t>5. Visitor </a:t>
           </a:r>
         </a:p>
       </dsp:txBody>
@@ -11125,6 +13763,340 @@
 </dgm:layoutDef>
 </file>
 
+<file path=ppt/diagrams/layout6.xml><?xml version="1.0" encoding="utf-8"?>
+<dgm:layoutDef xmlns:dgm="http://schemas.openxmlformats.org/drawingml/2006/diagram" xmlns:a="http://schemas.openxmlformats.org/drawingml/2006/main" uniqueId="urn:microsoft.com/office/officeart/2005/8/layout/vList2">
+  <dgm:title val=""/>
+  <dgm:desc val=""/>
+  <dgm:catLst>
+    <dgm:cat type="list" pri="3000"/>
+    <dgm:cat type="convert" pri="1000"/>
+  </dgm:catLst>
+  <dgm:sampData>
+    <dgm:dataModel>
+      <dgm:ptLst>
+        <dgm:pt modelId="0" type="doc"/>
+        <dgm:pt modelId="1">
+          <dgm:prSet phldr="1"/>
+        </dgm:pt>
+        <dgm:pt modelId="11">
+          <dgm:prSet phldr="1"/>
+        </dgm:pt>
+        <dgm:pt modelId="2">
+          <dgm:prSet phldr="1"/>
+        </dgm:pt>
+        <dgm:pt modelId="21">
+          <dgm:prSet phldr="1"/>
+        </dgm:pt>
+      </dgm:ptLst>
+      <dgm:cxnLst>
+        <dgm:cxn modelId="4" srcId="0" destId="1" srcOrd="0" destOrd="0"/>
+        <dgm:cxn modelId="5" srcId="0" destId="2" srcOrd="1" destOrd="0"/>
+        <dgm:cxn modelId="12" srcId="1" destId="11" srcOrd="0" destOrd="0"/>
+        <dgm:cxn modelId="23" srcId="2" destId="21" srcOrd="0" destOrd="0"/>
+      </dgm:cxnLst>
+      <dgm:bg/>
+      <dgm:whole/>
+    </dgm:dataModel>
+  </dgm:sampData>
+  <dgm:styleData>
+    <dgm:dataModel>
+      <dgm:ptLst>
+        <dgm:pt modelId="0" type="doc"/>
+        <dgm:pt modelId="1"/>
+        <dgm:pt modelId="2"/>
+      </dgm:ptLst>
+      <dgm:cxnLst>
+        <dgm:cxn modelId="3" srcId="0" destId="1" srcOrd="0" destOrd="0"/>
+        <dgm:cxn modelId="4" srcId="0" destId="2" srcOrd="1" destOrd="0"/>
+      </dgm:cxnLst>
+      <dgm:bg/>
+      <dgm:whole/>
+    </dgm:dataModel>
+  </dgm:styleData>
+  <dgm:clrData>
+    <dgm:dataModel>
+      <dgm:ptLst>
+        <dgm:pt modelId="0" type="doc"/>
+        <dgm:pt modelId="1"/>
+        <dgm:pt modelId="2"/>
+        <dgm:pt modelId="3"/>
+        <dgm:pt modelId="4"/>
+      </dgm:ptLst>
+      <dgm:cxnLst>
+        <dgm:cxn modelId="5" srcId="0" destId="1" srcOrd="0" destOrd="0"/>
+        <dgm:cxn modelId="6" srcId="0" destId="2" srcOrd="1" destOrd="0"/>
+        <dgm:cxn modelId="7" srcId="0" destId="3" srcOrd="2" destOrd="0"/>
+        <dgm:cxn modelId="8" srcId="0" destId="4" srcOrd="3" destOrd="0"/>
+      </dgm:cxnLst>
+      <dgm:bg/>
+      <dgm:whole/>
+    </dgm:dataModel>
+  </dgm:clrData>
+  <dgm:layoutNode name="linear">
+    <dgm:varLst>
+      <dgm:animLvl val="lvl"/>
+      <dgm:resizeHandles val="exact"/>
+    </dgm:varLst>
+    <dgm:alg type="lin">
+      <dgm:param type="linDir" val="fromT"/>
+      <dgm:param type="vertAlign" val="mid"/>
+    </dgm:alg>
+    <dgm:shape xmlns:r="http://schemas.openxmlformats.org/officeDocument/2006/relationships" r:blip="">
+      <dgm:adjLst/>
+    </dgm:shape>
+    <dgm:presOf/>
+    <dgm:constrLst>
+      <dgm:constr type="w" for="ch" forName="parentText" refType="w"/>
+      <dgm:constr type="h" for="ch" forName="parentText" refType="primFontSz" refFor="ch" refForName="parentText" fact="0.52"/>
+      <dgm:constr type="w" for="ch" forName="childText" refType="w"/>
+      <dgm:constr type="h" for="ch" forName="childText" refType="primFontSz" refFor="ch" refForName="parentText" fact="0.46"/>
+      <dgm:constr type="h" for="ch" forName="parentText" op="equ"/>
+      <dgm:constr type="primFontSz" for="ch" forName="parentText" op="equ" val="65"/>
+      <dgm:constr type="primFontSz" for="ch" forName="childText" refType="primFontSz" refFor="ch" refForName="parentText" op="equ"/>
+      <dgm:constr type="h" for="ch" forName="spacer" refType="primFontSz" refFor="ch" refForName="parentText" fact="0.08"/>
+    </dgm:constrLst>
+    <dgm:ruleLst>
+      <dgm:rule type="primFontSz" for="ch" forName="parentText" val="5" fact="NaN" max="NaN"/>
+    </dgm:ruleLst>
+    <dgm:forEach name="Name0" axis="ch" ptType="node">
+      <dgm:layoutNode name="parentText" styleLbl="node1">
+        <dgm:varLst>
+          <dgm:chMax val="0"/>
+          <dgm:bulletEnabled val="1"/>
+        </dgm:varLst>
+        <dgm:alg type="tx">
+          <dgm:param type="parTxLTRAlign" val="l"/>
+          <dgm:param type="parTxRTLAlign" val="r"/>
+        </dgm:alg>
+        <dgm:shape xmlns:r="http://schemas.openxmlformats.org/officeDocument/2006/relationships" type="roundRect" r:blip="">
+          <dgm:adjLst/>
+        </dgm:shape>
+        <dgm:presOf axis="self"/>
+        <dgm:constrLst>
+          <dgm:constr type="tMarg" refType="primFontSz" fact="0.3"/>
+          <dgm:constr type="bMarg" refType="primFontSz" fact="0.3"/>
+          <dgm:constr type="lMarg" refType="primFontSz" fact="0.3"/>
+          <dgm:constr type="rMarg" refType="primFontSz" fact="0.3"/>
+        </dgm:constrLst>
+        <dgm:ruleLst>
+          <dgm:rule type="h" val="INF" fact="NaN" max="NaN"/>
+        </dgm:ruleLst>
+      </dgm:layoutNode>
+      <dgm:choose name="Name1">
+        <dgm:if name="Name2" axis="ch" ptType="node" func="cnt" op="gte" val="1">
+          <dgm:layoutNode name="childText" styleLbl="revTx">
+            <dgm:varLst>
+              <dgm:bulletEnabled val="1"/>
+            </dgm:varLst>
+            <dgm:alg type="tx">
+              <dgm:param type="stBulletLvl" val="1"/>
+              <dgm:param type="lnSpAfChP" val="20"/>
+            </dgm:alg>
+            <dgm:shape xmlns:r="http://schemas.openxmlformats.org/officeDocument/2006/relationships" type="rect" r:blip="">
+              <dgm:adjLst/>
+            </dgm:shape>
+            <dgm:presOf axis="des" ptType="node"/>
+            <dgm:constrLst>
+              <dgm:constr type="tMarg" refType="primFontSz" fact="0.1"/>
+              <dgm:constr type="bMarg" refType="primFontSz" fact="0.1"/>
+              <dgm:constr type="lMarg" refType="w" fact="0.09"/>
+            </dgm:constrLst>
+            <dgm:ruleLst>
+              <dgm:rule type="h" val="INF" fact="NaN" max="NaN"/>
+            </dgm:ruleLst>
+          </dgm:layoutNode>
+        </dgm:if>
+        <dgm:else name="Name3">
+          <dgm:choose name="Name4">
+            <dgm:if name="Name5" axis="par ch" ptType="doc node" func="cnt" op="gte" val="2">
+              <dgm:forEach name="Name6" axis="followSib" ptType="sibTrans" cnt="1">
+                <dgm:layoutNode name="spacer">
+                  <dgm:alg type="sp"/>
+                  <dgm:shape xmlns:r="http://schemas.openxmlformats.org/officeDocument/2006/relationships" r:blip="">
+                    <dgm:adjLst/>
+                  </dgm:shape>
+                  <dgm:presOf/>
+                  <dgm:constrLst/>
+                  <dgm:ruleLst/>
+                </dgm:layoutNode>
+              </dgm:forEach>
+            </dgm:if>
+            <dgm:else name="Name7"/>
+          </dgm:choose>
+        </dgm:else>
+      </dgm:choose>
+    </dgm:forEach>
+  </dgm:layoutNode>
+</dgm:layoutDef>
+</file>
+
+<file path=ppt/diagrams/layout7.xml><?xml version="1.0" encoding="utf-8"?>
+<dgm:layoutDef xmlns:dgm="http://schemas.openxmlformats.org/drawingml/2006/diagram" xmlns:a="http://schemas.openxmlformats.org/drawingml/2006/main" uniqueId="urn:microsoft.com/office/officeart/2005/8/layout/vList2">
+  <dgm:title val=""/>
+  <dgm:desc val=""/>
+  <dgm:catLst>
+    <dgm:cat type="list" pri="3000"/>
+    <dgm:cat type="convert" pri="1000"/>
+  </dgm:catLst>
+  <dgm:sampData>
+    <dgm:dataModel>
+      <dgm:ptLst>
+        <dgm:pt modelId="0" type="doc"/>
+        <dgm:pt modelId="1">
+          <dgm:prSet phldr="1"/>
+        </dgm:pt>
+        <dgm:pt modelId="11">
+          <dgm:prSet phldr="1"/>
+        </dgm:pt>
+        <dgm:pt modelId="2">
+          <dgm:prSet phldr="1"/>
+        </dgm:pt>
+        <dgm:pt modelId="21">
+          <dgm:prSet phldr="1"/>
+        </dgm:pt>
+      </dgm:ptLst>
+      <dgm:cxnLst>
+        <dgm:cxn modelId="4" srcId="0" destId="1" srcOrd="0" destOrd="0"/>
+        <dgm:cxn modelId="5" srcId="0" destId="2" srcOrd="1" destOrd="0"/>
+        <dgm:cxn modelId="12" srcId="1" destId="11" srcOrd="0" destOrd="0"/>
+        <dgm:cxn modelId="23" srcId="2" destId="21" srcOrd="0" destOrd="0"/>
+      </dgm:cxnLst>
+      <dgm:bg/>
+      <dgm:whole/>
+    </dgm:dataModel>
+  </dgm:sampData>
+  <dgm:styleData>
+    <dgm:dataModel>
+      <dgm:ptLst>
+        <dgm:pt modelId="0" type="doc"/>
+        <dgm:pt modelId="1"/>
+        <dgm:pt modelId="2"/>
+      </dgm:ptLst>
+      <dgm:cxnLst>
+        <dgm:cxn modelId="3" srcId="0" destId="1" srcOrd="0" destOrd="0"/>
+        <dgm:cxn modelId="4" srcId="0" destId="2" srcOrd="1" destOrd="0"/>
+      </dgm:cxnLst>
+      <dgm:bg/>
+      <dgm:whole/>
+    </dgm:dataModel>
+  </dgm:styleData>
+  <dgm:clrData>
+    <dgm:dataModel>
+      <dgm:ptLst>
+        <dgm:pt modelId="0" type="doc"/>
+        <dgm:pt modelId="1"/>
+        <dgm:pt modelId="2"/>
+        <dgm:pt modelId="3"/>
+        <dgm:pt modelId="4"/>
+      </dgm:ptLst>
+      <dgm:cxnLst>
+        <dgm:cxn modelId="5" srcId="0" destId="1" srcOrd="0" destOrd="0"/>
+        <dgm:cxn modelId="6" srcId="0" destId="2" srcOrd="1" destOrd="0"/>
+        <dgm:cxn modelId="7" srcId="0" destId="3" srcOrd="2" destOrd="0"/>
+        <dgm:cxn modelId="8" srcId="0" destId="4" srcOrd="3" destOrd="0"/>
+      </dgm:cxnLst>
+      <dgm:bg/>
+      <dgm:whole/>
+    </dgm:dataModel>
+  </dgm:clrData>
+  <dgm:layoutNode name="linear">
+    <dgm:varLst>
+      <dgm:animLvl val="lvl"/>
+      <dgm:resizeHandles val="exact"/>
+    </dgm:varLst>
+    <dgm:alg type="lin">
+      <dgm:param type="linDir" val="fromT"/>
+      <dgm:param type="vertAlign" val="mid"/>
+    </dgm:alg>
+    <dgm:shape xmlns:r="http://schemas.openxmlformats.org/officeDocument/2006/relationships" r:blip="">
+      <dgm:adjLst/>
+    </dgm:shape>
+    <dgm:presOf/>
+    <dgm:constrLst>
+      <dgm:constr type="w" for="ch" forName="parentText" refType="w"/>
+      <dgm:constr type="h" for="ch" forName="parentText" refType="primFontSz" refFor="ch" refForName="parentText" fact="0.52"/>
+      <dgm:constr type="w" for="ch" forName="childText" refType="w"/>
+      <dgm:constr type="h" for="ch" forName="childText" refType="primFontSz" refFor="ch" refForName="parentText" fact="0.46"/>
+      <dgm:constr type="h" for="ch" forName="parentText" op="equ"/>
+      <dgm:constr type="primFontSz" for="ch" forName="parentText" op="equ" val="65"/>
+      <dgm:constr type="primFontSz" for="ch" forName="childText" refType="primFontSz" refFor="ch" refForName="parentText" op="equ"/>
+      <dgm:constr type="h" for="ch" forName="spacer" refType="primFontSz" refFor="ch" refForName="parentText" fact="0.08"/>
+    </dgm:constrLst>
+    <dgm:ruleLst>
+      <dgm:rule type="primFontSz" for="ch" forName="parentText" val="5" fact="NaN" max="NaN"/>
+    </dgm:ruleLst>
+    <dgm:forEach name="Name0" axis="ch" ptType="node">
+      <dgm:layoutNode name="parentText" styleLbl="node1">
+        <dgm:varLst>
+          <dgm:chMax val="0"/>
+          <dgm:bulletEnabled val="1"/>
+        </dgm:varLst>
+        <dgm:alg type="tx">
+          <dgm:param type="parTxLTRAlign" val="l"/>
+          <dgm:param type="parTxRTLAlign" val="r"/>
+        </dgm:alg>
+        <dgm:shape xmlns:r="http://schemas.openxmlformats.org/officeDocument/2006/relationships" type="roundRect" r:blip="">
+          <dgm:adjLst/>
+        </dgm:shape>
+        <dgm:presOf axis="self"/>
+        <dgm:constrLst>
+          <dgm:constr type="tMarg" refType="primFontSz" fact="0.3"/>
+          <dgm:constr type="bMarg" refType="primFontSz" fact="0.3"/>
+          <dgm:constr type="lMarg" refType="primFontSz" fact="0.3"/>
+          <dgm:constr type="rMarg" refType="primFontSz" fact="0.3"/>
+        </dgm:constrLst>
+        <dgm:ruleLst>
+          <dgm:rule type="h" val="INF" fact="NaN" max="NaN"/>
+        </dgm:ruleLst>
+      </dgm:layoutNode>
+      <dgm:choose name="Name1">
+        <dgm:if name="Name2" axis="ch" ptType="node" func="cnt" op="gte" val="1">
+          <dgm:layoutNode name="childText" styleLbl="revTx">
+            <dgm:varLst>
+              <dgm:bulletEnabled val="1"/>
+            </dgm:varLst>
+            <dgm:alg type="tx">
+              <dgm:param type="stBulletLvl" val="1"/>
+              <dgm:param type="lnSpAfChP" val="20"/>
+            </dgm:alg>
+            <dgm:shape xmlns:r="http://schemas.openxmlformats.org/officeDocument/2006/relationships" type="rect" r:blip="">
+              <dgm:adjLst/>
+            </dgm:shape>
+            <dgm:presOf axis="des" ptType="node"/>
+            <dgm:constrLst>
+              <dgm:constr type="tMarg" refType="primFontSz" fact="0.1"/>
+              <dgm:constr type="bMarg" refType="primFontSz" fact="0.1"/>
+              <dgm:constr type="lMarg" refType="w" fact="0.09"/>
+            </dgm:constrLst>
+            <dgm:ruleLst>
+              <dgm:rule type="h" val="INF" fact="NaN" max="NaN"/>
+            </dgm:ruleLst>
+          </dgm:layoutNode>
+        </dgm:if>
+        <dgm:else name="Name3">
+          <dgm:choose name="Name4">
+            <dgm:if name="Name5" axis="par ch" ptType="doc node" func="cnt" op="gte" val="2">
+              <dgm:forEach name="Name6" axis="followSib" ptType="sibTrans" cnt="1">
+                <dgm:layoutNode name="spacer">
+                  <dgm:alg type="sp"/>
+                  <dgm:shape xmlns:r="http://schemas.openxmlformats.org/officeDocument/2006/relationships" r:blip="">
+                    <dgm:adjLst/>
+                  </dgm:shape>
+                  <dgm:presOf/>
+                  <dgm:constrLst/>
+                  <dgm:ruleLst/>
+                </dgm:layoutNode>
+              </dgm:forEach>
+            </dgm:if>
+            <dgm:else name="Name7"/>
+          </dgm:choose>
+        </dgm:else>
+      </dgm:choose>
+    </dgm:forEach>
+  </dgm:layoutNode>
+</dgm:layoutDef>
+</file>
+
 <file path=ppt/diagrams/quickStyle1.xml><?xml version="1.0" encoding="utf-8"?>
 <dgm:styleDef xmlns:dgm="http://schemas.openxmlformats.org/drawingml/2006/diagram" xmlns:a="http://schemas.openxmlformats.org/drawingml/2006/main" uniqueId="urn:microsoft.com/office/officeart/2005/8/quickstyle/simple1">
   <dgm:title val=""/>
@@ -15262,6 +18234,2074 @@
 </file>
 
 <file path=ppt/diagrams/quickStyle5.xml><?xml version="1.0" encoding="utf-8"?>
+<dgm:styleDef xmlns:dgm="http://schemas.openxmlformats.org/drawingml/2006/diagram" xmlns:a="http://schemas.openxmlformats.org/drawingml/2006/main" uniqueId="urn:microsoft.com/office/officeart/2005/8/quickstyle/simple1">
+  <dgm:title val=""/>
+  <dgm:desc val=""/>
+  <dgm:catLst>
+    <dgm:cat type="simple" pri="10100"/>
+  </dgm:catLst>
+  <dgm:scene3d>
+    <a:camera prst="orthographicFront"/>
+    <a:lightRig rig="threePt" dir="t"/>
+  </dgm:scene3d>
+  <dgm:styleLbl name="node0">
+    <dgm:scene3d>
+      <a:camera prst="orthographicFront"/>
+      <a:lightRig rig="threePt" dir="t"/>
+    </dgm:scene3d>
+    <dgm:sp3d/>
+    <dgm:txPr/>
+    <dgm:style>
+      <a:lnRef idx="2">
+        <a:scrgbClr r="0" g="0" b="0"/>
+      </a:lnRef>
+      <a:fillRef idx="1">
+        <a:scrgbClr r="0" g="0" b="0"/>
+      </a:fillRef>
+      <a:effectRef idx="0">
+        <a:scrgbClr r="0" g="0" b="0"/>
+      </a:effectRef>
+      <a:fontRef idx="minor">
+        <a:schemeClr val="lt1"/>
+      </a:fontRef>
+    </dgm:style>
+  </dgm:styleLbl>
+  <dgm:styleLbl name="lnNode1">
+    <dgm:scene3d>
+      <a:camera prst="orthographicFront"/>
+      <a:lightRig rig="threePt" dir="t"/>
+    </dgm:scene3d>
+    <dgm:sp3d/>
+    <dgm:txPr/>
+    <dgm:style>
+      <a:lnRef idx="2">
+        <a:scrgbClr r="0" g="0" b="0"/>
+      </a:lnRef>
+      <a:fillRef idx="1">
+        <a:scrgbClr r="0" g="0" b="0"/>
+      </a:fillRef>
+      <a:effectRef idx="0">
+        <a:scrgbClr r="0" g="0" b="0"/>
+      </a:effectRef>
+      <a:fontRef idx="minor">
+        <a:schemeClr val="lt1"/>
+      </a:fontRef>
+    </dgm:style>
+  </dgm:styleLbl>
+  <dgm:styleLbl name="vennNode1">
+    <dgm:scene3d>
+      <a:camera prst="orthographicFront"/>
+      <a:lightRig rig="threePt" dir="t"/>
+    </dgm:scene3d>
+    <dgm:sp3d/>
+    <dgm:txPr/>
+    <dgm:style>
+      <a:lnRef idx="2">
+        <a:scrgbClr r="0" g="0" b="0"/>
+      </a:lnRef>
+      <a:fillRef idx="1">
+        <a:scrgbClr r="0" g="0" b="0"/>
+      </a:fillRef>
+      <a:effectRef idx="0">
+        <a:scrgbClr r="0" g="0" b="0"/>
+      </a:effectRef>
+      <a:fontRef idx="minor">
+        <a:schemeClr val="tx1"/>
+      </a:fontRef>
+    </dgm:style>
+  </dgm:styleLbl>
+  <dgm:styleLbl name="alignNode1">
+    <dgm:scene3d>
+      <a:camera prst="orthographicFront"/>
+      <a:lightRig rig="threePt" dir="t"/>
+    </dgm:scene3d>
+    <dgm:sp3d/>
+    <dgm:txPr/>
+    <dgm:style>
+      <a:lnRef idx="2">
+        <a:scrgbClr r="0" g="0" b="0"/>
+      </a:lnRef>
+      <a:fillRef idx="1">
+        <a:scrgbClr r="0" g="0" b="0"/>
+      </a:fillRef>
+      <a:effectRef idx="0">
+        <a:scrgbClr r="0" g="0" b="0"/>
+      </a:effectRef>
+      <a:fontRef idx="minor">
+        <a:schemeClr val="lt1"/>
+      </a:fontRef>
+    </dgm:style>
+  </dgm:styleLbl>
+  <dgm:styleLbl name="node1">
+    <dgm:scene3d>
+      <a:camera prst="orthographicFront"/>
+      <a:lightRig rig="threePt" dir="t"/>
+    </dgm:scene3d>
+    <dgm:sp3d/>
+    <dgm:txPr/>
+    <dgm:style>
+      <a:lnRef idx="2">
+        <a:scrgbClr r="0" g="0" b="0"/>
+      </a:lnRef>
+      <a:fillRef idx="1">
+        <a:scrgbClr r="0" g="0" b="0"/>
+      </a:fillRef>
+      <a:effectRef idx="0">
+        <a:scrgbClr r="0" g="0" b="0"/>
+      </a:effectRef>
+      <a:fontRef idx="minor">
+        <a:schemeClr val="lt1"/>
+      </a:fontRef>
+    </dgm:style>
+  </dgm:styleLbl>
+  <dgm:styleLbl name="node2">
+    <dgm:scene3d>
+      <a:camera prst="orthographicFront"/>
+      <a:lightRig rig="threePt" dir="t"/>
+    </dgm:scene3d>
+    <dgm:sp3d/>
+    <dgm:txPr/>
+    <dgm:style>
+      <a:lnRef idx="2">
+        <a:scrgbClr r="0" g="0" b="0"/>
+      </a:lnRef>
+      <a:fillRef idx="1">
+        <a:scrgbClr r="0" g="0" b="0"/>
+      </a:fillRef>
+      <a:effectRef idx="0">
+        <a:scrgbClr r="0" g="0" b="0"/>
+      </a:effectRef>
+      <a:fontRef idx="minor">
+        <a:schemeClr val="lt1"/>
+      </a:fontRef>
+    </dgm:style>
+  </dgm:styleLbl>
+  <dgm:styleLbl name="node3">
+    <dgm:scene3d>
+      <a:camera prst="orthographicFront"/>
+      <a:lightRig rig="threePt" dir="t"/>
+    </dgm:scene3d>
+    <dgm:sp3d/>
+    <dgm:txPr/>
+    <dgm:style>
+      <a:lnRef idx="2">
+        <a:scrgbClr r="0" g="0" b="0"/>
+      </a:lnRef>
+      <a:fillRef idx="1">
+        <a:scrgbClr r="0" g="0" b="0"/>
+      </a:fillRef>
+      <a:effectRef idx="0">
+        <a:scrgbClr r="0" g="0" b="0"/>
+      </a:effectRef>
+      <a:fontRef idx="minor">
+        <a:schemeClr val="lt1"/>
+      </a:fontRef>
+    </dgm:style>
+  </dgm:styleLbl>
+  <dgm:styleLbl name="node4">
+    <dgm:scene3d>
+      <a:camera prst="orthographicFront"/>
+      <a:lightRig rig="threePt" dir="t"/>
+    </dgm:scene3d>
+    <dgm:sp3d/>
+    <dgm:txPr/>
+    <dgm:style>
+      <a:lnRef idx="2">
+        <a:scrgbClr r="0" g="0" b="0"/>
+      </a:lnRef>
+      <a:fillRef idx="1">
+        <a:scrgbClr r="0" g="0" b="0"/>
+      </a:fillRef>
+      <a:effectRef idx="0">
+        <a:scrgbClr r="0" g="0" b="0"/>
+      </a:effectRef>
+      <a:fontRef idx="minor">
+        <a:schemeClr val="lt1"/>
+      </a:fontRef>
+    </dgm:style>
+  </dgm:styleLbl>
+  <dgm:styleLbl name="fgImgPlace1">
+    <dgm:scene3d>
+      <a:camera prst="orthographicFront"/>
+      <a:lightRig rig="threePt" dir="t"/>
+    </dgm:scene3d>
+    <dgm:sp3d/>
+    <dgm:txPr/>
+    <dgm:style>
+      <a:lnRef idx="2">
+        <a:scrgbClr r="0" g="0" b="0"/>
+      </a:lnRef>
+      <a:fillRef idx="1">
+        <a:scrgbClr r="0" g="0" b="0"/>
+      </a:fillRef>
+      <a:effectRef idx="0">
+        <a:scrgbClr r="0" g="0" b="0"/>
+      </a:effectRef>
+      <a:fontRef idx="minor"/>
+    </dgm:style>
+  </dgm:styleLbl>
+  <dgm:styleLbl name="alignImgPlace1">
+    <dgm:scene3d>
+      <a:camera prst="orthographicFront"/>
+      <a:lightRig rig="threePt" dir="t"/>
+    </dgm:scene3d>
+    <dgm:sp3d/>
+    <dgm:txPr/>
+    <dgm:style>
+      <a:lnRef idx="2">
+        <a:scrgbClr r="0" g="0" b="0"/>
+      </a:lnRef>
+      <a:fillRef idx="1">
+        <a:scrgbClr r="0" g="0" b="0"/>
+      </a:fillRef>
+      <a:effectRef idx="0">
+        <a:scrgbClr r="0" g="0" b="0"/>
+      </a:effectRef>
+      <a:fontRef idx="minor"/>
+    </dgm:style>
+  </dgm:styleLbl>
+  <dgm:styleLbl name="bgImgPlace1">
+    <dgm:scene3d>
+      <a:camera prst="orthographicFront"/>
+      <a:lightRig rig="threePt" dir="t"/>
+    </dgm:scene3d>
+    <dgm:sp3d/>
+    <dgm:txPr/>
+    <dgm:style>
+      <a:lnRef idx="2">
+        <a:scrgbClr r="0" g="0" b="0"/>
+      </a:lnRef>
+      <a:fillRef idx="1">
+        <a:scrgbClr r="0" g="0" b="0"/>
+      </a:fillRef>
+      <a:effectRef idx="0">
+        <a:scrgbClr r="0" g="0" b="0"/>
+      </a:effectRef>
+      <a:fontRef idx="minor"/>
+    </dgm:style>
+  </dgm:styleLbl>
+  <dgm:styleLbl name="sibTrans2D1">
+    <dgm:scene3d>
+      <a:camera prst="orthographicFront"/>
+      <a:lightRig rig="threePt" dir="t"/>
+    </dgm:scene3d>
+    <dgm:sp3d/>
+    <dgm:txPr/>
+    <dgm:style>
+      <a:lnRef idx="0">
+        <a:scrgbClr r="0" g="0" b="0"/>
+      </a:lnRef>
+      <a:fillRef idx="1">
+        <a:scrgbClr r="0" g="0" b="0"/>
+      </a:fillRef>
+      <a:effectRef idx="0">
+        <a:scrgbClr r="0" g="0" b="0"/>
+      </a:effectRef>
+      <a:fontRef idx="minor">
+        <a:schemeClr val="lt1"/>
+      </a:fontRef>
+    </dgm:style>
+  </dgm:styleLbl>
+  <dgm:styleLbl name="fgSibTrans2D1">
+    <dgm:scene3d>
+      <a:camera prst="orthographicFront"/>
+      <a:lightRig rig="threePt" dir="t"/>
+    </dgm:scene3d>
+    <dgm:sp3d/>
+    <dgm:txPr/>
+    <dgm:style>
+      <a:lnRef idx="0">
+        <a:scrgbClr r="0" g="0" b="0"/>
+      </a:lnRef>
+      <a:fillRef idx="1">
+        <a:scrgbClr r="0" g="0" b="0"/>
+      </a:fillRef>
+      <a:effectRef idx="0">
+        <a:scrgbClr r="0" g="0" b="0"/>
+      </a:effectRef>
+      <a:fontRef idx="minor">
+        <a:schemeClr val="lt1"/>
+      </a:fontRef>
+    </dgm:style>
+  </dgm:styleLbl>
+  <dgm:styleLbl name="bgSibTrans2D1">
+    <dgm:scene3d>
+      <a:camera prst="orthographicFront"/>
+      <a:lightRig rig="threePt" dir="t"/>
+    </dgm:scene3d>
+    <dgm:sp3d/>
+    <dgm:txPr/>
+    <dgm:style>
+      <a:lnRef idx="0">
+        <a:scrgbClr r="0" g="0" b="0"/>
+      </a:lnRef>
+      <a:fillRef idx="1">
+        <a:scrgbClr r="0" g="0" b="0"/>
+      </a:fillRef>
+      <a:effectRef idx="0">
+        <a:scrgbClr r="0" g="0" b="0"/>
+      </a:effectRef>
+      <a:fontRef idx="minor">
+        <a:schemeClr val="lt1"/>
+      </a:fontRef>
+    </dgm:style>
+  </dgm:styleLbl>
+  <dgm:styleLbl name="sibTrans1D1">
+    <dgm:scene3d>
+      <a:camera prst="orthographicFront"/>
+      <a:lightRig rig="threePt" dir="t"/>
+    </dgm:scene3d>
+    <dgm:sp3d/>
+    <dgm:txPr/>
+    <dgm:style>
+      <a:lnRef idx="1">
+        <a:scrgbClr r="0" g="0" b="0"/>
+      </a:lnRef>
+      <a:fillRef idx="0">
+        <a:scrgbClr r="0" g="0" b="0"/>
+      </a:fillRef>
+      <a:effectRef idx="0">
+        <a:scrgbClr r="0" g="0" b="0"/>
+      </a:effectRef>
+      <a:fontRef idx="minor"/>
+    </dgm:style>
+  </dgm:styleLbl>
+  <dgm:styleLbl name="callout">
+    <dgm:scene3d>
+      <a:camera prst="orthographicFront"/>
+      <a:lightRig rig="threePt" dir="t"/>
+    </dgm:scene3d>
+    <dgm:sp3d/>
+    <dgm:txPr/>
+    <dgm:style>
+      <a:lnRef idx="2">
+        <a:scrgbClr r="0" g="0" b="0"/>
+      </a:lnRef>
+      <a:fillRef idx="1">
+        <a:scrgbClr r="0" g="0" b="0"/>
+      </a:fillRef>
+      <a:effectRef idx="0">
+        <a:scrgbClr r="0" g="0" b="0"/>
+      </a:effectRef>
+      <a:fontRef idx="minor"/>
+    </dgm:style>
+  </dgm:styleLbl>
+  <dgm:styleLbl name="asst0">
+    <dgm:scene3d>
+      <a:camera prst="orthographicFront"/>
+      <a:lightRig rig="threePt" dir="t"/>
+    </dgm:scene3d>
+    <dgm:sp3d/>
+    <dgm:txPr/>
+    <dgm:style>
+      <a:lnRef idx="2">
+        <a:scrgbClr r="0" g="0" b="0"/>
+      </a:lnRef>
+      <a:fillRef idx="1">
+        <a:scrgbClr r="0" g="0" b="0"/>
+      </a:fillRef>
+      <a:effectRef idx="0">
+        <a:scrgbClr r="0" g="0" b="0"/>
+      </a:effectRef>
+      <a:fontRef idx="minor">
+        <a:schemeClr val="lt1"/>
+      </a:fontRef>
+    </dgm:style>
+  </dgm:styleLbl>
+  <dgm:styleLbl name="asst1">
+    <dgm:scene3d>
+      <a:camera prst="orthographicFront"/>
+      <a:lightRig rig="threePt" dir="t"/>
+    </dgm:scene3d>
+    <dgm:sp3d/>
+    <dgm:txPr/>
+    <dgm:style>
+      <a:lnRef idx="2">
+        <a:scrgbClr r="0" g="0" b="0"/>
+      </a:lnRef>
+      <a:fillRef idx="1">
+        <a:scrgbClr r="0" g="0" b="0"/>
+      </a:fillRef>
+      <a:effectRef idx="0">
+        <a:scrgbClr r="0" g="0" b="0"/>
+      </a:effectRef>
+      <a:fontRef idx="minor">
+        <a:schemeClr val="lt1"/>
+      </a:fontRef>
+    </dgm:style>
+  </dgm:styleLbl>
+  <dgm:styleLbl name="asst2">
+    <dgm:scene3d>
+      <a:camera prst="orthographicFront"/>
+      <a:lightRig rig="threePt" dir="t"/>
+    </dgm:scene3d>
+    <dgm:sp3d/>
+    <dgm:txPr/>
+    <dgm:style>
+      <a:lnRef idx="2">
+        <a:scrgbClr r="0" g="0" b="0"/>
+      </a:lnRef>
+      <a:fillRef idx="1">
+        <a:scrgbClr r="0" g="0" b="0"/>
+      </a:fillRef>
+      <a:effectRef idx="0">
+        <a:scrgbClr r="0" g="0" b="0"/>
+      </a:effectRef>
+      <a:fontRef idx="minor">
+        <a:schemeClr val="lt1"/>
+      </a:fontRef>
+    </dgm:style>
+  </dgm:styleLbl>
+  <dgm:styleLbl name="asst3">
+    <dgm:scene3d>
+      <a:camera prst="orthographicFront"/>
+      <a:lightRig rig="threePt" dir="t"/>
+    </dgm:scene3d>
+    <dgm:sp3d/>
+    <dgm:txPr/>
+    <dgm:style>
+      <a:lnRef idx="2">
+        <a:scrgbClr r="0" g="0" b="0"/>
+      </a:lnRef>
+      <a:fillRef idx="1">
+        <a:scrgbClr r="0" g="0" b="0"/>
+      </a:fillRef>
+      <a:effectRef idx="0">
+        <a:scrgbClr r="0" g="0" b="0"/>
+      </a:effectRef>
+      <a:fontRef idx="minor">
+        <a:schemeClr val="lt1"/>
+      </a:fontRef>
+    </dgm:style>
+  </dgm:styleLbl>
+  <dgm:styleLbl name="asst4">
+    <dgm:scene3d>
+      <a:camera prst="orthographicFront"/>
+      <a:lightRig rig="threePt" dir="t"/>
+    </dgm:scene3d>
+    <dgm:sp3d/>
+    <dgm:txPr/>
+    <dgm:style>
+      <a:lnRef idx="2">
+        <a:scrgbClr r="0" g="0" b="0"/>
+      </a:lnRef>
+      <a:fillRef idx="1">
+        <a:scrgbClr r="0" g="0" b="0"/>
+      </a:fillRef>
+      <a:effectRef idx="0">
+        <a:scrgbClr r="0" g="0" b="0"/>
+      </a:effectRef>
+      <a:fontRef idx="minor">
+        <a:schemeClr val="lt1"/>
+      </a:fontRef>
+    </dgm:style>
+  </dgm:styleLbl>
+  <dgm:styleLbl name="parChTrans2D1">
+    <dgm:scene3d>
+      <a:camera prst="orthographicFront"/>
+      <a:lightRig rig="threePt" dir="t"/>
+    </dgm:scene3d>
+    <dgm:sp3d/>
+    <dgm:txPr/>
+    <dgm:style>
+      <a:lnRef idx="2">
+        <a:scrgbClr r="0" g="0" b="0"/>
+      </a:lnRef>
+      <a:fillRef idx="1">
+        <a:scrgbClr r="0" g="0" b="0"/>
+      </a:fillRef>
+      <a:effectRef idx="0">
+        <a:scrgbClr r="0" g="0" b="0"/>
+      </a:effectRef>
+      <a:fontRef idx="minor">
+        <a:schemeClr val="lt1"/>
+      </a:fontRef>
+    </dgm:style>
+  </dgm:styleLbl>
+  <dgm:styleLbl name="parChTrans2D2">
+    <dgm:scene3d>
+      <a:camera prst="orthographicFront"/>
+      <a:lightRig rig="threePt" dir="t"/>
+    </dgm:scene3d>
+    <dgm:sp3d/>
+    <dgm:txPr/>
+    <dgm:style>
+      <a:lnRef idx="2">
+        <a:scrgbClr r="0" g="0" b="0"/>
+      </a:lnRef>
+      <a:fillRef idx="1">
+        <a:scrgbClr r="0" g="0" b="0"/>
+      </a:fillRef>
+      <a:effectRef idx="0">
+        <a:scrgbClr r="0" g="0" b="0"/>
+      </a:effectRef>
+      <a:fontRef idx="minor">
+        <a:schemeClr val="lt1"/>
+      </a:fontRef>
+    </dgm:style>
+  </dgm:styleLbl>
+  <dgm:styleLbl name="parChTrans2D3">
+    <dgm:scene3d>
+      <a:camera prst="orthographicFront"/>
+      <a:lightRig rig="threePt" dir="t"/>
+    </dgm:scene3d>
+    <dgm:sp3d/>
+    <dgm:txPr/>
+    <dgm:style>
+      <a:lnRef idx="2">
+        <a:scrgbClr r="0" g="0" b="0"/>
+      </a:lnRef>
+      <a:fillRef idx="1">
+        <a:scrgbClr r="0" g="0" b="0"/>
+      </a:fillRef>
+      <a:effectRef idx="0">
+        <a:scrgbClr r="0" g="0" b="0"/>
+      </a:effectRef>
+      <a:fontRef idx="minor">
+        <a:schemeClr val="lt1"/>
+      </a:fontRef>
+    </dgm:style>
+  </dgm:styleLbl>
+  <dgm:styleLbl name="parChTrans2D4">
+    <dgm:scene3d>
+      <a:camera prst="orthographicFront"/>
+      <a:lightRig rig="threePt" dir="t"/>
+    </dgm:scene3d>
+    <dgm:sp3d/>
+    <dgm:txPr/>
+    <dgm:style>
+      <a:lnRef idx="2">
+        <a:scrgbClr r="0" g="0" b="0"/>
+      </a:lnRef>
+      <a:fillRef idx="1">
+        <a:scrgbClr r="0" g="0" b="0"/>
+      </a:fillRef>
+      <a:effectRef idx="0">
+        <a:scrgbClr r="0" g="0" b="0"/>
+      </a:effectRef>
+      <a:fontRef idx="minor">
+        <a:schemeClr val="lt1"/>
+      </a:fontRef>
+    </dgm:style>
+  </dgm:styleLbl>
+  <dgm:styleLbl name="parChTrans1D1">
+    <dgm:scene3d>
+      <a:camera prst="orthographicFront"/>
+      <a:lightRig rig="threePt" dir="t"/>
+    </dgm:scene3d>
+    <dgm:sp3d/>
+    <dgm:txPr/>
+    <dgm:style>
+      <a:lnRef idx="2">
+        <a:scrgbClr r="0" g="0" b="0"/>
+      </a:lnRef>
+      <a:fillRef idx="0">
+        <a:scrgbClr r="0" g="0" b="0"/>
+      </a:fillRef>
+      <a:effectRef idx="0">
+        <a:scrgbClr r="0" g="0" b="0"/>
+      </a:effectRef>
+      <a:fontRef idx="minor"/>
+    </dgm:style>
+  </dgm:styleLbl>
+  <dgm:styleLbl name="parChTrans1D2">
+    <dgm:scene3d>
+      <a:camera prst="orthographicFront"/>
+      <a:lightRig rig="threePt" dir="t"/>
+    </dgm:scene3d>
+    <dgm:sp3d/>
+    <dgm:txPr/>
+    <dgm:style>
+      <a:lnRef idx="2">
+        <a:scrgbClr r="0" g="0" b="0"/>
+      </a:lnRef>
+      <a:fillRef idx="0">
+        <a:scrgbClr r="0" g="0" b="0"/>
+      </a:fillRef>
+      <a:effectRef idx="0">
+        <a:scrgbClr r="0" g="0" b="0"/>
+      </a:effectRef>
+      <a:fontRef idx="minor"/>
+    </dgm:style>
+  </dgm:styleLbl>
+  <dgm:styleLbl name="parChTrans1D3">
+    <dgm:scene3d>
+      <a:camera prst="orthographicFront"/>
+      <a:lightRig rig="threePt" dir="t"/>
+    </dgm:scene3d>
+    <dgm:sp3d/>
+    <dgm:txPr/>
+    <dgm:style>
+      <a:lnRef idx="2">
+        <a:scrgbClr r="0" g="0" b="0"/>
+      </a:lnRef>
+      <a:fillRef idx="0">
+        <a:scrgbClr r="0" g="0" b="0"/>
+      </a:fillRef>
+      <a:effectRef idx="0">
+        <a:scrgbClr r="0" g="0" b="0"/>
+      </a:effectRef>
+      <a:fontRef idx="minor"/>
+    </dgm:style>
+  </dgm:styleLbl>
+  <dgm:styleLbl name="parChTrans1D4">
+    <dgm:scene3d>
+      <a:camera prst="orthographicFront"/>
+      <a:lightRig rig="threePt" dir="t"/>
+    </dgm:scene3d>
+    <dgm:sp3d/>
+    <dgm:txPr/>
+    <dgm:style>
+      <a:lnRef idx="2">
+        <a:scrgbClr r="0" g="0" b="0"/>
+      </a:lnRef>
+      <a:fillRef idx="0">
+        <a:scrgbClr r="0" g="0" b="0"/>
+      </a:fillRef>
+      <a:effectRef idx="0">
+        <a:scrgbClr r="0" g="0" b="0"/>
+      </a:effectRef>
+      <a:fontRef idx="minor"/>
+    </dgm:style>
+  </dgm:styleLbl>
+  <dgm:styleLbl name="fgAcc1">
+    <dgm:scene3d>
+      <a:camera prst="orthographicFront"/>
+      <a:lightRig rig="threePt" dir="t"/>
+    </dgm:scene3d>
+    <dgm:sp3d/>
+    <dgm:txPr/>
+    <dgm:style>
+      <a:lnRef idx="2">
+        <a:scrgbClr r="0" g="0" b="0"/>
+      </a:lnRef>
+      <a:fillRef idx="1">
+        <a:scrgbClr r="0" g="0" b="0"/>
+      </a:fillRef>
+      <a:effectRef idx="0">
+        <a:scrgbClr r="0" g="0" b="0"/>
+      </a:effectRef>
+      <a:fontRef idx="minor"/>
+    </dgm:style>
+  </dgm:styleLbl>
+  <dgm:styleLbl name="conFgAcc1">
+    <dgm:scene3d>
+      <a:camera prst="orthographicFront"/>
+      <a:lightRig rig="threePt" dir="t"/>
+    </dgm:scene3d>
+    <dgm:sp3d/>
+    <dgm:txPr/>
+    <dgm:style>
+      <a:lnRef idx="2">
+        <a:scrgbClr r="0" g="0" b="0"/>
+      </a:lnRef>
+      <a:fillRef idx="1">
+        <a:scrgbClr r="0" g="0" b="0"/>
+      </a:fillRef>
+      <a:effectRef idx="0">
+        <a:scrgbClr r="0" g="0" b="0"/>
+      </a:effectRef>
+      <a:fontRef idx="minor"/>
+    </dgm:style>
+  </dgm:styleLbl>
+  <dgm:styleLbl name="alignAcc1">
+    <dgm:scene3d>
+      <a:camera prst="orthographicFront"/>
+      <a:lightRig rig="threePt" dir="t"/>
+    </dgm:scene3d>
+    <dgm:sp3d/>
+    <dgm:txPr/>
+    <dgm:style>
+      <a:lnRef idx="2">
+        <a:scrgbClr r="0" g="0" b="0"/>
+      </a:lnRef>
+      <a:fillRef idx="1">
+        <a:scrgbClr r="0" g="0" b="0"/>
+      </a:fillRef>
+      <a:effectRef idx="0">
+        <a:scrgbClr r="0" g="0" b="0"/>
+      </a:effectRef>
+      <a:fontRef idx="minor"/>
+    </dgm:style>
+  </dgm:styleLbl>
+  <dgm:styleLbl name="trAlignAcc1">
+    <dgm:scene3d>
+      <a:camera prst="orthographicFront"/>
+      <a:lightRig rig="threePt" dir="t"/>
+    </dgm:scene3d>
+    <dgm:sp3d/>
+    <dgm:txPr/>
+    <dgm:style>
+      <a:lnRef idx="1">
+        <a:scrgbClr r="0" g="0" b="0"/>
+      </a:lnRef>
+      <a:fillRef idx="1">
+        <a:scrgbClr r="0" g="0" b="0"/>
+      </a:fillRef>
+      <a:effectRef idx="0">
+        <a:scrgbClr r="0" g="0" b="0"/>
+      </a:effectRef>
+      <a:fontRef idx="minor"/>
+    </dgm:style>
+  </dgm:styleLbl>
+  <dgm:styleLbl name="bgAcc1">
+    <dgm:scene3d>
+      <a:camera prst="orthographicFront"/>
+      <a:lightRig rig="threePt" dir="t"/>
+    </dgm:scene3d>
+    <dgm:sp3d/>
+    <dgm:txPr/>
+    <dgm:style>
+      <a:lnRef idx="2">
+        <a:scrgbClr r="0" g="0" b="0"/>
+      </a:lnRef>
+      <a:fillRef idx="1">
+        <a:scrgbClr r="0" g="0" b="0"/>
+      </a:fillRef>
+      <a:effectRef idx="0">
+        <a:scrgbClr r="0" g="0" b="0"/>
+      </a:effectRef>
+      <a:fontRef idx="minor"/>
+    </dgm:style>
+  </dgm:styleLbl>
+  <dgm:styleLbl name="solidFgAcc1">
+    <dgm:scene3d>
+      <a:camera prst="orthographicFront"/>
+      <a:lightRig rig="threePt" dir="t"/>
+    </dgm:scene3d>
+    <dgm:sp3d/>
+    <dgm:txPr/>
+    <dgm:style>
+      <a:lnRef idx="2">
+        <a:scrgbClr r="0" g="0" b="0"/>
+      </a:lnRef>
+      <a:fillRef idx="1">
+        <a:scrgbClr r="0" g="0" b="0"/>
+      </a:fillRef>
+      <a:effectRef idx="0">
+        <a:scrgbClr r="0" g="0" b="0"/>
+      </a:effectRef>
+      <a:fontRef idx="minor"/>
+    </dgm:style>
+  </dgm:styleLbl>
+  <dgm:styleLbl name="solidAlignAcc1">
+    <dgm:scene3d>
+      <a:camera prst="orthographicFront"/>
+      <a:lightRig rig="threePt" dir="t"/>
+    </dgm:scene3d>
+    <dgm:sp3d/>
+    <dgm:txPr/>
+    <dgm:style>
+      <a:lnRef idx="2">
+        <a:scrgbClr r="0" g="0" b="0"/>
+      </a:lnRef>
+      <a:fillRef idx="1">
+        <a:scrgbClr r="0" g="0" b="0"/>
+      </a:fillRef>
+      <a:effectRef idx="0">
+        <a:scrgbClr r="0" g="0" b="0"/>
+      </a:effectRef>
+      <a:fontRef idx="minor"/>
+    </dgm:style>
+  </dgm:styleLbl>
+  <dgm:styleLbl name="solidBgAcc1">
+    <dgm:scene3d>
+      <a:camera prst="orthographicFront"/>
+      <a:lightRig rig="threePt" dir="t"/>
+    </dgm:scene3d>
+    <dgm:sp3d/>
+    <dgm:txPr/>
+    <dgm:style>
+      <a:lnRef idx="2">
+        <a:scrgbClr r="0" g="0" b="0"/>
+      </a:lnRef>
+      <a:fillRef idx="1">
+        <a:scrgbClr r="0" g="0" b="0"/>
+      </a:fillRef>
+      <a:effectRef idx="0">
+        <a:scrgbClr r="0" g="0" b="0"/>
+      </a:effectRef>
+      <a:fontRef idx="minor"/>
+    </dgm:style>
+  </dgm:styleLbl>
+  <dgm:styleLbl name="fgAccFollowNode1">
+    <dgm:scene3d>
+      <a:camera prst="orthographicFront"/>
+      <a:lightRig rig="threePt" dir="t"/>
+    </dgm:scene3d>
+    <dgm:sp3d/>
+    <dgm:txPr/>
+    <dgm:style>
+      <a:lnRef idx="2">
+        <a:scrgbClr r="0" g="0" b="0"/>
+      </a:lnRef>
+      <a:fillRef idx="1">
+        <a:scrgbClr r="0" g="0" b="0"/>
+      </a:fillRef>
+      <a:effectRef idx="0">
+        <a:scrgbClr r="0" g="0" b="0"/>
+      </a:effectRef>
+      <a:fontRef idx="minor"/>
+    </dgm:style>
+  </dgm:styleLbl>
+  <dgm:styleLbl name="alignAccFollowNode1">
+    <dgm:scene3d>
+      <a:camera prst="orthographicFront"/>
+      <a:lightRig rig="threePt" dir="t"/>
+    </dgm:scene3d>
+    <dgm:sp3d/>
+    <dgm:txPr/>
+    <dgm:style>
+      <a:lnRef idx="2">
+        <a:scrgbClr r="0" g="0" b="0"/>
+      </a:lnRef>
+      <a:fillRef idx="1">
+        <a:scrgbClr r="0" g="0" b="0"/>
+      </a:fillRef>
+      <a:effectRef idx="0">
+        <a:scrgbClr r="0" g="0" b="0"/>
+      </a:effectRef>
+      <a:fontRef idx="minor"/>
+    </dgm:style>
+  </dgm:styleLbl>
+  <dgm:styleLbl name="bgAccFollowNode1">
+    <dgm:scene3d>
+      <a:camera prst="orthographicFront"/>
+      <a:lightRig rig="threePt" dir="t"/>
+    </dgm:scene3d>
+    <dgm:sp3d/>
+    <dgm:txPr/>
+    <dgm:style>
+      <a:lnRef idx="2">
+        <a:scrgbClr r="0" g="0" b="0"/>
+      </a:lnRef>
+      <a:fillRef idx="1">
+        <a:scrgbClr r="0" g="0" b="0"/>
+      </a:fillRef>
+      <a:effectRef idx="0">
+        <a:scrgbClr r="0" g="0" b="0"/>
+      </a:effectRef>
+      <a:fontRef idx="minor"/>
+    </dgm:style>
+  </dgm:styleLbl>
+  <dgm:styleLbl name="fgAcc0">
+    <dgm:scene3d>
+      <a:camera prst="orthographicFront"/>
+      <a:lightRig rig="threePt" dir="t"/>
+    </dgm:scene3d>
+    <dgm:sp3d/>
+    <dgm:txPr/>
+    <dgm:style>
+      <a:lnRef idx="2">
+        <a:scrgbClr r="0" g="0" b="0"/>
+      </a:lnRef>
+      <a:fillRef idx="1">
+        <a:scrgbClr r="0" g="0" b="0"/>
+      </a:fillRef>
+      <a:effectRef idx="0">
+        <a:scrgbClr r="0" g="0" b="0"/>
+      </a:effectRef>
+      <a:fontRef idx="minor"/>
+    </dgm:style>
+  </dgm:styleLbl>
+  <dgm:styleLbl name="fgAcc2">
+    <dgm:scene3d>
+      <a:camera prst="orthographicFront"/>
+      <a:lightRig rig="threePt" dir="t"/>
+    </dgm:scene3d>
+    <dgm:sp3d/>
+    <dgm:txPr/>
+    <dgm:style>
+      <a:lnRef idx="2">
+        <a:scrgbClr r="0" g="0" b="0"/>
+      </a:lnRef>
+      <a:fillRef idx="1">
+        <a:scrgbClr r="0" g="0" b="0"/>
+      </a:fillRef>
+      <a:effectRef idx="0">
+        <a:scrgbClr r="0" g="0" b="0"/>
+      </a:effectRef>
+      <a:fontRef idx="minor"/>
+    </dgm:style>
+  </dgm:styleLbl>
+  <dgm:styleLbl name="fgAcc3">
+    <dgm:scene3d>
+      <a:camera prst="orthographicFront"/>
+      <a:lightRig rig="threePt" dir="t"/>
+    </dgm:scene3d>
+    <dgm:sp3d/>
+    <dgm:txPr/>
+    <dgm:style>
+      <a:lnRef idx="2">
+        <a:scrgbClr r="0" g="0" b="0"/>
+      </a:lnRef>
+      <a:fillRef idx="1">
+        <a:scrgbClr r="0" g="0" b="0"/>
+      </a:fillRef>
+      <a:effectRef idx="0">
+        <a:scrgbClr r="0" g="0" b="0"/>
+      </a:effectRef>
+      <a:fontRef idx="minor"/>
+    </dgm:style>
+  </dgm:styleLbl>
+  <dgm:styleLbl name="fgAcc4">
+    <dgm:scene3d>
+      <a:camera prst="orthographicFront"/>
+      <a:lightRig rig="threePt" dir="t"/>
+    </dgm:scene3d>
+    <dgm:sp3d/>
+    <dgm:txPr/>
+    <dgm:style>
+      <a:lnRef idx="2">
+        <a:scrgbClr r="0" g="0" b="0"/>
+      </a:lnRef>
+      <a:fillRef idx="1">
+        <a:scrgbClr r="0" g="0" b="0"/>
+      </a:fillRef>
+      <a:effectRef idx="0">
+        <a:scrgbClr r="0" g="0" b="0"/>
+      </a:effectRef>
+      <a:fontRef idx="minor"/>
+    </dgm:style>
+  </dgm:styleLbl>
+  <dgm:styleLbl name="bgShp">
+    <dgm:scene3d>
+      <a:camera prst="orthographicFront"/>
+      <a:lightRig rig="threePt" dir="t"/>
+    </dgm:scene3d>
+    <dgm:sp3d/>
+    <dgm:txPr/>
+    <dgm:style>
+      <a:lnRef idx="0">
+        <a:scrgbClr r="0" g="0" b="0"/>
+      </a:lnRef>
+      <a:fillRef idx="1">
+        <a:scrgbClr r="0" g="0" b="0"/>
+      </a:fillRef>
+      <a:effectRef idx="0">
+        <a:scrgbClr r="0" g="0" b="0"/>
+      </a:effectRef>
+      <a:fontRef idx="minor"/>
+    </dgm:style>
+  </dgm:styleLbl>
+  <dgm:styleLbl name="dkBgShp">
+    <dgm:scene3d>
+      <a:camera prst="orthographicFront"/>
+      <a:lightRig rig="threePt" dir="t"/>
+    </dgm:scene3d>
+    <dgm:sp3d/>
+    <dgm:txPr/>
+    <dgm:style>
+      <a:lnRef idx="0">
+        <a:scrgbClr r="0" g="0" b="0"/>
+      </a:lnRef>
+      <a:fillRef idx="1">
+        <a:scrgbClr r="0" g="0" b="0"/>
+      </a:fillRef>
+      <a:effectRef idx="0">
+        <a:scrgbClr r="0" g="0" b="0"/>
+      </a:effectRef>
+      <a:fontRef idx="minor"/>
+    </dgm:style>
+  </dgm:styleLbl>
+  <dgm:styleLbl name="trBgShp">
+    <dgm:scene3d>
+      <a:camera prst="orthographicFront"/>
+      <a:lightRig rig="threePt" dir="t"/>
+    </dgm:scene3d>
+    <dgm:sp3d/>
+    <dgm:txPr/>
+    <dgm:style>
+      <a:lnRef idx="0">
+        <a:scrgbClr r="0" g="0" b="0"/>
+      </a:lnRef>
+      <a:fillRef idx="1">
+        <a:scrgbClr r="0" g="0" b="0"/>
+      </a:fillRef>
+      <a:effectRef idx="0">
+        <a:scrgbClr r="0" g="0" b="0"/>
+      </a:effectRef>
+      <a:fontRef idx="minor"/>
+    </dgm:style>
+  </dgm:styleLbl>
+  <dgm:styleLbl name="fgShp">
+    <dgm:scene3d>
+      <a:camera prst="orthographicFront"/>
+      <a:lightRig rig="threePt" dir="t"/>
+    </dgm:scene3d>
+    <dgm:sp3d/>
+    <dgm:txPr/>
+    <dgm:style>
+      <a:lnRef idx="2">
+        <a:scrgbClr r="0" g="0" b="0"/>
+      </a:lnRef>
+      <a:fillRef idx="1">
+        <a:scrgbClr r="0" g="0" b="0"/>
+      </a:fillRef>
+      <a:effectRef idx="0">
+        <a:scrgbClr r="0" g="0" b="0"/>
+      </a:effectRef>
+      <a:fontRef idx="minor"/>
+    </dgm:style>
+  </dgm:styleLbl>
+  <dgm:styleLbl name="revTx">
+    <dgm:scene3d>
+      <a:camera prst="orthographicFront"/>
+      <a:lightRig rig="threePt" dir="t"/>
+    </dgm:scene3d>
+    <dgm:sp3d/>
+    <dgm:txPr/>
+    <dgm:style>
+      <a:lnRef idx="0">
+        <a:scrgbClr r="0" g="0" b="0"/>
+      </a:lnRef>
+      <a:fillRef idx="0">
+        <a:scrgbClr r="0" g="0" b="0"/>
+      </a:fillRef>
+      <a:effectRef idx="0">
+        <a:scrgbClr r="0" g="0" b="0"/>
+      </a:effectRef>
+      <a:fontRef idx="minor"/>
+    </dgm:style>
+  </dgm:styleLbl>
+</dgm:styleDef>
+</file>
+
+<file path=ppt/diagrams/quickStyle6.xml><?xml version="1.0" encoding="utf-8"?>
+<dgm:styleDef xmlns:dgm="http://schemas.openxmlformats.org/drawingml/2006/diagram" xmlns:a="http://schemas.openxmlformats.org/drawingml/2006/main" uniqueId="urn:microsoft.com/office/officeart/2005/8/quickstyle/simple1">
+  <dgm:title val=""/>
+  <dgm:desc val=""/>
+  <dgm:catLst>
+    <dgm:cat type="simple" pri="10100"/>
+  </dgm:catLst>
+  <dgm:scene3d>
+    <a:camera prst="orthographicFront"/>
+    <a:lightRig rig="threePt" dir="t"/>
+  </dgm:scene3d>
+  <dgm:styleLbl name="node0">
+    <dgm:scene3d>
+      <a:camera prst="orthographicFront"/>
+      <a:lightRig rig="threePt" dir="t"/>
+    </dgm:scene3d>
+    <dgm:sp3d/>
+    <dgm:txPr/>
+    <dgm:style>
+      <a:lnRef idx="2">
+        <a:scrgbClr r="0" g="0" b="0"/>
+      </a:lnRef>
+      <a:fillRef idx="1">
+        <a:scrgbClr r="0" g="0" b="0"/>
+      </a:fillRef>
+      <a:effectRef idx="0">
+        <a:scrgbClr r="0" g="0" b="0"/>
+      </a:effectRef>
+      <a:fontRef idx="minor">
+        <a:schemeClr val="lt1"/>
+      </a:fontRef>
+    </dgm:style>
+  </dgm:styleLbl>
+  <dgm:styleLbl name="lnNode1">
+    <dgm:scene3d>
+      <a:camera prst="orthographicFront"/>
+      <a:lightRig rig="threePt" dir="t"/>
+    </dgm:scene3d>
+    <dgm:sp3d/>
+    <dgm:txPr/>
+    <dgm:style>
+      <a:lnRef idx="2">
+        <a:scrgbClr r="0" g="0" b="0"/>
+      </a:lnRef>
+      <a:fillRef idx="1">
+        <a:scrgbClr r="0" g="0" b="0"/>
+      </a:fillRef>
+      <a:effectRef idx="0">
+        <a:scrgbClr r="0" g="0" b="0"/>
+      </a:effectRef>
+      <a:fontRef idx="minor">
+        <a:schemeClr val="lt1"/>
+      </a:fontRef>
+    </dgm:style>
+  </dgm:styleLbl>
+  <dgm:styleLbl name="vennNode1">
+    <dgm:scene3d>
+      <a:camera prst="orthographicFront"/>
+      <a:lightRig rig="threePt" dir="t"/>
+    </dgm:scene3d>
+    <dgm:sp3d/>
+    <dgm:txPr/>
+    <dgm:style>
+      <a:lnRef idx="2">
+        <a:scrgbClr r="0" g="0" b="0"/>
+      </a:lnRef>
+      <a:fillRef idx="1">
+        <a:scrgbClr r="0" g="0" b="0"/>
+      </a:fillRef>
+      <a:effectRef idx="0">
+        <a:scrgbClr r="0" g="0" b="0"/>
+      </a:effectRef>
+      <a:fontRef idx="minor">
+        <a:schemeClr val="tx1"/>
+      </a:fontRef>
+    </dgm:style>
+  </dgm:styleLbl>
+  <dgm:styleLbl name="alignNode1">
+    <dgm:scene3d>
+      <a:camera prst="orthographicFront"/>
+      <a:lightRig rig="threePt" dir="t"/>
+    </dgm:scene3d>
+    <dgm:sp3d/>
+    <dgm:txPr/>
+    <dgm:style>
+      <a:lnRef idx="2">
+        <a:scrgbClr r="0" g="0" b="0"/>
+      </a:lnRef>
+      <a:fillRef idx="1">
+        <a:scrgbClr r="0" g="0" b="0"/>
+      </a:fillRef>
+      <a:effectRef idx="0">
+        <a:scrgbClr r="0" g="0" b="0"/>
+      </a:effectRef>
+      <a:fontRef idx="minor">
+        <a:schemeClr val="lt1"/>
+      </a:fontRef>
+    </dgm:style>
+  </dgm:styleLbl>
+  <dgm:styleLbl name="node1">
+    <dgm:scene3d>
+      <a:camera prst="orthographicFront"/>
+      <a:lightRig rig="threePt" dir="t"/>
+    </dgm:scene3d>
+    <dgm:sp3d/>
+    <dgm:txPr/>
+    <dgm:style>
+      <a:lnRef idx="2">
+        <a:scrgbClr r="0" g="0" b="0"/>
+      </a:lnRef>
+      <a:fillRef idx="1">
+        <a:scrgbClr r="0" g="0" b="0"/>
+      </a:fillRef>
+      <a:effectRef idx="0">
+        <a:scrgbClr r="0" g="0" b="0"/>
+      </a:effectRef>
+      <a:fontRef idx="minor">
+        <a:schemeClr val="lt1"/>
+      </a:fontRef>
+    </dgm:style>
+  </dgm:styleLbl>
+  <dgm:styleLbl name="node2">
+    <dgm:scene3d>
+      <a:camera prst="orthographicFront"/>
+      <a:lightRig rig="threePt" dir="t"/>
+    </dgm:scene3d>
+    <dgm:sp3d/>
+    <dgm:txPr/>
+    <dgm:style>
+      <a:lnRef idx="2">
+        <a:scrgbClr r="0" g="0" b="0"/>
+      </a:lnRef>
+      <a:fillRef idx="1">
+        <a:scrgbClr r="0" g="0" b="0"/>
+      </a:fillRef>
+      <a:effectRef idx="0">
+        <a:scrgbClr r="0" g="0" b="0"/>
+      </a:effectRef>
+      <a:fontRef idx="minor">
+        <a:schemeClr val="lt1"/>
+      </a:fontRef>
+    </dgm:style>
+  </dgm:styleLbl>
+  <dgm:styleLbl name="node3">
+    <dgm:scene3d>
+      <a:camera prst="orthographicFront"/>
+      <a:lightRig rig="threePt" dir="t"/>
+    </dgm:scene3d>
+    <dgm:sp3d/>
+    <dgm:txPr/>
+    <dgm:style>
+      <a:lnRef idx="2">
+        <a:scrgbClr r="0" g="0" b="0"/>
+      </a:lnRef>
+      <a:fillRef idx="1">
+        <a:scrgbClr r="0" g="0" b="0"/>
+      </a:fillRef>
+      <a:effectRef idx="0">
+        <a:scrgbClr r="0" g="0" b="0"/>
+      </a:effectRef>
+      <a:fontRef idx="minor">
+        <a:schemeClr val="lt1"/>
+      </a:fontRef>
+    </dgm:style>
+  </dgm:styleLbl>
+  <dgm:styleLbl name="node4">
+    <dgm:scene3d>
+      <a:camera prst="orthographicFront"/>
+      <a:lightRig rig="threePt" dir="t"/>
+    </dgm:scene3d>
+    <dgm:sp3d/>
+    <dgm:txPr/>
+    <dgm:style>
+      <a:lnRef idx="2">
+        <a:scrgbClr r="0" g="0" b="0"/>
+      </a:lnRef>
+      <a:fillRef idx="1">
+        <a:scrgbClr r="0" g="0" b="0"/>
+      </a:fillRef>
+      <a:effectRef idx="0">
+        <a:scrgbClr r="0" g="0" b="0"/>
+      </a:effectRef>
+      <a:fontRef idx="minor">
+        <a:schemeClr val="lt1"/>
+      </a:fontRef>
+    </dgm:style>
+  </dgm:styleLbl>
+  <dgm:styleLbl name="fgImgPlace1">
+    <dgm:scene3d>
+      <a:camera prst="orthographicFront"/>
+      <a:lightRig rig="threePt" dir="t"/>
+    </dgm:scene3d>
+    <dgm:sp3d/>
+    <dgm:txPr/>
+    <dgm:style>
+      <a:lnRef idx="2">
+        <a:scrgbClr r="0" g="0" b="0"/>
+      </a:lnRef>
+      <a:fillRef idx="1">
+        <a:scrgbClr r="0" g="0" b="0"/>
+      </a:fillRef>
+      <a:effectRef idx="0">
+        <a:scrgbClr r="0" g="0" b="0"/>
+      </a:effectRef>
+      <a:fontRef idx="minor"/>
+    </dgm:style>
+  </dgm:styleLbl>
+  <dgm:styleLbl name="alignImgPlace1">
+    <dgm:scene3d>
+      <a:camera prst="orthographicFront"/>
+      <a:lightRig rig="threePt" dir="t"/>
+    </dgm:scene3d>
+    <dgm:sp3d/>
+    <dgm:txPr/>
+    <dgm:style>
+      <a:lnRef idx="2">
+        <a:scrgbClr r="0" g="0" b="0"/>
+      </a:lnRef>
+      <a:fillRef idx="1">
+        <a:scrgbClr r="0" g="0" b="0"/>
+      </a:fillRef>
+      <a:effectRef idx="0">
+        <a:scrgbClr r="0" g="0" b="0"/>
+      </a:effectRef>
+      <a:fontRef idx="minor"/>
+    </dgm:style>
+  </dgm:styleLbl>
+  <dgm:styleLbl name="bgImgPlace1">
+    <dgm:scene3d>
+      <a:camera prst="orthographicFront"/>
+      <a:lightRig rig="threePt" dir="t"/>
+    </dgm:scene3d>
+    <dgm:sp3d/>
+    <dgm:txPr/>
+    <dgm:style>
+      <a:lnRef idx="2">
+        <a:scrgbClr r="0" g="0" b="0"/>
+      </a:lnRef>
+      <a:fillRef idx="1">
+        <a:scrgbClr r="0" g="0" b="0"/>
+      </a:fillRef>
+      <a:effectRef idx="0">
+        <a:scrgbClr r="0" g="0" b="0"/>
+      </a:effectRef>
+      <a:fontRef idx="minor"/>
+    </dgm:style>
+  </dgm:styleLbl>
+  <dgm:styleLbl name="sibTrans2D1">
+    <dgm:scene3d>
+      <a:camera prst="orthographicFront"/>
+      <a:lightRig rig="threePt" dir="t"/>
+    </dgm:scene3d>
+    <dgm:sp3d/>
+    <dgm:txPr/>
+    <dgm:style>
+      <a:lnRef idx="0">
+        <a:scrgbClr r="0" g="0" b="0"/>
+      </a:lnRef>
+      <a:fillRef idx="1">
+        <a:scrgbClr r="0" g="0" b="0"/>
+      </a:fillRef>
+      <a:effectRef idx="0">
+        <a:scrgbClr r="0" g="0" b="0"/>
+      </a:effectRef>
+      <a:fontRef idx="minor">
+        <a:schemeClr val="lt1"/>
+      </a:fontRef>
+    </dgm:style>
+  </dgm:styleLbl>
+  <dgm:styleLbl name="fgSibTrans2D1">
+    <dgm:scene3d>
+      <a:camera prst="orthographicFront"/>
+      <a:lightRig rig="threePt" dir="t"/>
+    </dgm:scene3d>
+    <dgm:sp3d/>
+    <dgm:txPr/>
+    <dgm:style>
+      <a:lnRef idx="0">
+        <a:scrgbClr r="0" g="0" b="0"/>
+      </a:lnRef>
+      <a:fillRef idx="1">
+        <a:scrgbClr r="0" g="0" b="0"/>
+      </a:fillRef>
+      <a:effectRef idx="0">
+        <a:scrgbClr r="0" g="0" b="0"/>
+      </a:effectRef>
+      <a:fontRef idx="minor">
+        <a:schemeClr val="lt1"/>
+      </a:fontRef>
+    </dgm:style>
+  </dgm:styleLbl>
+  <dgm:styleLbl name="bgSibTrans2D1">
+    <dgm:scene3d>
+      <a:camera prst="orthographicFront"/>
+      <a:lightRig rig="threePt" dir="t"/>
+    </dgm:scene3d>
+    <dgm:sp3d/>
+    <dgm:txPr/>
+    <dgm:style>
+      <a:lnRef idx="0">
+        <a:scrgbClr r="0" g="0" b="0"/>
+      </a:lnRef>
+      <a:fillRef idx="1">
+        <a:scrgbClr r="0" g="0" b="0"/>
+      </a:fillRef>
+      <a:effectRef idx="0">
+        <a:scrgbClr r="0" g="0" b="0"/>
+      </a:effectRef>
+      <a:fontRef idx="minor">
+        <a:schemeClr val="lt1"/>
+      </a:fontRef>
+    </dgm:style>
+  </dgm:styleLbl>
+  <dgm:styleLbl name="sibTrans1D1">
+    <dgm:scene3d>
+      <a:camera prst="orthographicFront"/>
+      <a:lightRig rig="threePt" dir="t"/>
+    </dgm:scene3d>
+    <dgm:sp3d/>
+    <dgm:txPr/>
+    <dgm:style>
+      <a:lnRef idx="1">
+        <a:scrgbClr r="0" g="0" b="0"/>
+      </a:lnRef>
+      <a:fillRef idx="0">
+        <a:scrgbClr r="0" g="0" b="0"/>
+      </a:fillRef>
+      <a:effectRef idx="0">
+        <a:scrgbClr r="0" g="0" b="0"/>
+      </a:effectRef>
+      <a:fontRef idx="minor"/>
+    </dgm:style>
+  </dgm:styleLbl>
+  <dgm:styleLbl name="callout">
+    <dgm:scene3d>
+      <a:camera prst="orthographicFront"/>
+      <a:lightRig rig="threePt" dir="t"/>
+    </dgm:scene3d>
+    <dgm:sp3d/>
+    <dgm:txPr/>
+    <dgm:style>
+      <a:lnRef idx="2">
+        <a:scrgbClr r="0" g="0" b="0"/>
+      </a:lnRef>
+      <a:fillRef idx="1">
+        <a:scrgbClr r="0" g="0" b="0"/>
+      </a:fillRef>
+      <a:effectRef idx="0">
+        <a:scrgbClr r="0" g="0" b="0"/>
+      </a:effectRef>
+      <a:fontRef idx="minor"/>
+    </dgm:style>
+  </dgm:styleLbl>
+  <dgm:styleLbl name="asst0">
+    <dgm:scene3d>
+      <a:camera prst="orthographicFront"/>
+      <a:lightRig rig="threePt" dir="t"/>
+    </dgm:scene3d>
+    <dgm:sp3d/>
+    <dgm:txPr/>
+    <dgm:style>
+      <a:lnRef idx="2">
+        <a:scrgbClr r="0" g="0" b="0"/>
+      </a:lnRef>
+      <a:fillRef idx="1">
+        <a:scrgbClr r="0" g="0" b="0"/>
+      </a:fillRef>
+      <a:effectRef idx="0">
+        <a:scrgbClr r="0" g="0" b="0"/>
+      </a:effectRef>
+      <a:fontRef idx="minor">
+        <a:schemeClr val="lt1"/>
+      </a:fontRef>
+    </dgm:style>
+  </dgm:styleLbl>
+  <dgm:styleLbl name="asst1">
+    <dgm:scene3d>
+      <a:camera prst="orthographicFront"/>
+      <a:lightRig rig="threePt" dir="t"/>
+    </dgm:scene3d>
+    <dgm:sp3d/>
+    <dgm:txPr/>
+    <dgm:style>
+      <a:lnRef idx="2">
+        <a:scrgbClr r="0" g="0" b="0"/>
+      </a:lnRef>
+      <a:fillRef idx="1">
+        <a:scrgbClr r="0" g="0" b="0"/>
+      </a:fillRef>
+      <a:effectRef idx="0">
+        <a:scrgbClr r="0" g="0" b="0"/>
+      </a:effectRef>
+      <a:fontRef idx="minor">
+        <a:schemeClr val="lt1"/>
+      </a:fontRef>
+    </dgm:style>
+  </dgm:styleLbl>
+  <dgm:styleLbl name="asst2">
+    <dgm:scene3d>
+      <a:camera prst="orthographicFront"/>
+      <a:lightRig rig="threePt" dir="t"/>
+    </dgm:scene3d>
+    <dgm:sp3d/>
+    <dgm:txPr/>
+    <dgm:style>
+      <a:lnRef idx="2">
+        <a:scrgbClr r="0" g="0" b="0"/>
+      </a:lnRef>
+      <a:fillRef idx="1">
+        <a:scrgbClr r="0" g="0" b="0"/>
+      </a:fillRef>
+      <a:effectRef idx="0">
+        <a:scrgbClr r="0" g="0" b="0"/>
+      </a:effectRef>
+      <a:fontRef idx="minor">
+        <a:schemeClr val="lt1"/>
+      </a:fontRef>
+    </dgm:style>
+  </dgm:styleLbl>
+  <dgm:styleLbl name="asst3">
+    <dgm:scene3d>
+      <a:camera prst="orthographicFront"/>
+      <a:lightRig rig="threePt" dir="t"/>
+    </dgm:scene3d>
+    <dgm:sp3d/>
+    <dgm:txPr/>
+    <dgm:style>
+      <a:lnRef idx="2">
+        <a:scrgbClr r="0" g="0" b="0"/>
+      </a:lnRef>
+      <a:fillRef idx="1">
+        <a:scrgbClr r="0" g="0" b="0"/>
+      </a:fillRef>
+      <a:effectRef idx="0">
+        <a:scrgbClr r="0" g="0" b="0"/>
+      </a:effectRef>
+      <a:fontRef idx="minor">
+        <a:schemeClr val="lt1"/>
+      </a:fontRef>
+    </dgm:style>
+  </dgm:styleLbl>
+  <dgm:styleLbl name="asst4">
+    <dgm:scene3d>
+      <a:camera prst="orthographicFront"/>
+      <a:lightRig rig="threePt" dir="t"/>
+    </dgm:scene3d>
+    <dgm:sp3d/>
+    <dgm:txPr/>
+    <dgm:style>
+      <a:lnRef idx="2">
+        <a:scrgbClr r="0" g="0" b="0"/>
+      </a:lnRef>
+      <a:fillRef idx="1">
+        <a:scrgbClr r="0" g="0" b="0"/>
+      </a:fillRef>
+      <a:effectRef idx="0">
+        <a:scrgbClr r="0" g="0" b="0"/>
+      </a:effectRef>
+      <a:fontRef idx="minor">
+        <a:schemeClr val="lt1"/>
+      </a:fontRef>
+    </dgm:style>
+  </dgm:styleLbl>
+  <dgm:styleLbl name="parChTrans2D1">
+    <dgm:scene3d>
+      <a:camera prst="orthographicFront"/>
+      <a:lightRig rig="threePt" dir="t"/>
+    </dgm:scene3d>
+    <dgm:sp3d/>
+    <dgm:txPr/>
+    <dgm:style>
+      <a:lnRef idx="2">
+        <a:scrgbClr r="0" g="0" b="0"/>
+      </a:lnRef>
+      <a:fillRef idx="1">
+        <a:scrgbClr r="0" g="0" b="0"/>
+      </a:fillRef>
+      <a:effectRef idx="0">
+        <a:scrgbClr r="0" g="0" b="0"/>
+      </a:effectRef>
+      <a:fontRef idx="minor">
+        <a:schemeClr val="lt1"/>
+      </a:fontRef>
+    </dgm:style>
+  </dgm:styleLbl>
+  <dgm:styleLbl name="parChTrans2D2">
+    <dgm:scene3d>
+      <a:camera prst="orthographicFront"/>
+      <a:lightRig rig="threePt" dir="t"/>
+    </dgm:scene3d>
+    <dgm:sp3d/>
+    <dgm:txPr/>
+    <dgm:style>
+      <a:lnRef idx="2">
+        <a:scrgbClr r="0" g="0" b="0"/>
+      </a:lnRef>
+      <a:fillRef idx="1">
+        <a:scrgbClr r="0" g="0" b="0"/>
+      </a:fillRef>
+      <a:effectRef idx="0">
+        <a:scrgbClr r="0" g="0" b="0"/>
+      </a:effectRef>
+      <a:fontRef idx="minor">
+        <a:schemeClr val="lt1"/>
+      </a:fontRef>
+    </dgm:style>
+  </dgm:styleLbl>
+  <dgm:styleLbl name="parChTrans2D3">
+    <dgm:scene3d>
+      <a:camera prst="orthographicFront"/>
+      <a:lightRig rig="threePt" dir="t"/>
+    </dgm:scene3d>
+    <dgm:sp3d/>
+    <dgm:txPr/>
+    <dgm:style>
+      <a:lnRef idx="2">
+        <a:scrgbClr r="0" g="0" b="0"/>
+      </a:lnRef>
+      <a:fillRef idx="1">
+        <a:scrgbClr r="0" g="0" b="0"/>
+      </a:fillRef>
+      <a:effectRef idx="0">
+        <a:scrgbClr r="0" g="0" b="0"/>
+      </a:effectRef>
+      <a:fontRef idx="minor">
+        <a:schemeClr val="lt1"/>
+      </a:fontRef>
+    </dgm:style>
+  </dgm:styleLbl>
+  <dgm:styleLbl name="parChTrans2D4">
+    <dgm:scene3d>
+      <a:camera prst="orthographicFront"/>
+      <a:lightRig rig="threePt" dir="t"/>
+    </dgm:scene3d>
+    <dgm:sp3d/>
+    <dgm:txPr/>
+    <dgm:style>
+      <a:lnRef idx="2">
+        <a:scrgbClr r="0" g="0" b="0"/>
+      </a:lnRef>
+      <a:fillRef idx="1">
+        <a:scrgbClr r="0" g="0" b="0"/>
+      </a:fillRef>
+      <a:effectRef idx="0">
+        <a:scrgbClr r="0" g="0" b="0"/>
+      </a:effectRef>
+      <a:fontRef idx="minor">
+        <a:schemeClr val="lt1"/>
+      </a:fontRef>
+    </dgm:style>
+  </dgm:styleLbl>
+  <dgm:styleLbl name="parChTrans1D1">
+    <dgm:scene3d>
+      <a:camera prst="orthographicFront"/>
+      <a:lightRig rig="threePt" dir="t"/>
+    </dgm:scene3d>
+    <dgm:sp3d/>
+    <dgm:txPr/>
+    <dgm:style>
+      <a:lnRef idx="2">
+        <a:scrgbClr r="0" g="0" b="0"/>
+      </a:lnRef>
+      <a:fillRef idx="0">
+        <a:scrgbClr r="0" g="0" b="0"/>
+      </a:fillRef>
+      <a:effectRef idx="0">
+        <a:scrgbClr r="0" g="0" b="0"/>
+      </a:effectRef>
+      <a:fontRef idx="minor"/>
+    </dgm:style>
+  </dgm:styleLbl>
+  <dgm:styleLbl name="parChTrans1D2">
+    <dgm:scene3d>
+      <a:camera prst="orthographicFront"/>
+      <a:lightRig rig="threePt" dir="t"/>
+    </dgm:scene3d>
+    <dgm:sp3d/>
+    <dgm:txPr/>
+    <dgm:style>
+      <a:lnRef idx="2">
+        <a:scrgbClr r="0" g="0" b="0"/>
+      </a:lnRef>
+      <a:fillRef idx="0">
+        <a:scrgbClr r="0" g="0" b="0"/>
+      </a:fillRef>
+      <a:effectRef idx="0">
+        <a:scrgbClr r="0" g="0" b="0"/>
+      </a:effectRef>
+      <a:fontRef idx="minor"/>
+    </dgm:style>
+  </dgm:styleLbl>
+  <dgm:styleLbl name="parChTrans1D3">
+    <dgm:scene3d>
+      <a:camera prst="orthographicFront"/>
+      <a:lightRig rig="threePt" dir="t"/>
+    </dgm:scene3d>
+    <dgm:sp3d/>
+    <dgm:txPr/>
+    <dgm:style>
+      <a:lnRef idx="2">
+        <a:scrgbClr r="0" g="0" b="0"/>
+      </a:lnRef>
+      <a:fillRef idx="0">
+        <a:scrgbClr r="0" g="0" b="0"/>
+      </a:fillRef>
+      <a:effectRef idx="0">
+        <a:scrgbClr r="0" g="0" b="0"/>
+      </a:effectRef>
+      <a:fontRef idx="minor"/>
+    </dgm:style>
+  </dgm:styleLbl>
+  <dgm:styleLbl name="parChTrans1D4">
+    <dgm:scene3d>
+      <a:camera prst="orthographicFront"/>
+      <a:lightRig rig="threePt" dir="t"/>
+    </dgm:scene3d>
+    <dgm:sp3d/>
+    <dgm:txPr/>
+    <dgm:style>
+      <a:lnRef idx="2">
+        <a:scrgbClr r="0" g="0" b="0"/>
+      </a:lnRef>
+      <a:fillRef idx="0">
+        <a:scrgbClr r="0" g="0" b="0"/>
+      </a:fillRef>
+      <a:effectRef idx="0">
+        <a:scrgbClr r="0" g="0" b="0"/>
+      </a:effectRef>
+      <a:fontRef idx="minor"/>
+    </dgm:style>
+  </dgm:styleLbl>
+  <dgm:styleLbl name="fgAcc1">
+    <dgm:scene3d>
+      <a:camera prst="orthographicFront"/>
+      <a:lightRig rig="threePt" dir="t"/>
+    </dgm:scene3d>
+    <dgm:sp3d/>
+    <dgm:txPr/>
+    <dgm:style>
+      <a:lnRef idx="2">
+        <a:scrgbClr r="0" g="0" b="0"/>
+      </a:lnRef>
+      <a:fillRef idx="1">
+        <a:scrgbClr r="0" g="0" b="0"/>
+      </a:fillRef>
+      <a:effectRef idx="0">
+        <a:scrgbClr r="0" g="0" b="0"/>
+      </a:effectRef>
+      <a:fontRef idx="minor"/>
+    </dgm:style>
+  </dgm:styleLbl>
+  <dgm:styleLbl name="conFgAcc1">
+    <dgm:scene3d>
+      <a:camera prst="orthographicFront"/>
+      <a:lightRig rig="threePt" dir="t"/>
+    </dgm:scene3d>
+    <dgm:sp3d/>
+    <dgm:txPr/>
+    <dgm:style>
+      <a:lnRef idx="2">
+        <a:scrgbClr r="0" g="0" b="0"/>
+      </a:lnRef>
+      <a:fillRef idx="1">
+        <a:scrgbClr r="0" g="0" b="0"/>
+      </a:fillRef>
+      <a:effectRef idx="0">
+        <a:scrgbClr r="0" g="0" b="0"/>
+      </a:effectRef>
+      <a:fontRef idx="minor"/>
+    </dgm:style>
+  </dgm:styleLbl>
+  <dgm:styleLbl name="alignAcc1">
+    <dgm:scene3d>
+      <a:camera prst="orthographicFront"/>
+      <a:lightRig rig="threePt" dir="t"/>
+    </dgm:scene3d>
+    <dgm:sp3d/>
+    <dgm:txPr/>
+    <dgm:style>
+      <a:lnRef idx="2">
+        <a:scrgbClr r="0" g="0" b="0"/>
+      </a:lnRef>
+      <a:fillRef idx="1">
+        <a:scrgbClr r="0" g="0" b="0"/>
+      </a:fillRef>
+      <a:effectRef idx="0">
+        <a:scrgbClr r="0" g="0" b="0"/>
+      </a:effectRef>
+      <a:fontRef idx="minor"/>
+    </dgm:style>
+  </dgm:styleLbl>
+  <dgm:styleLbl name="trAlignAcc1">
+    <dgm:scene3d>
+      <a:camera prst="orthographicFront"/>
+      <a:lightRig rig="threePt" dir="t"/>
+    </dgm:scene3d>
+    <dgm:sp3d/>
+    <dgm:txPr/>
+    <dgm:style>
+      <a:lnRef idx="1">
+        <a:scrgbClr r="0" g="0" b="0"/>
+      </a:lnRef>
+      <a:fillRef idx="1">
+        <a:scrgbClr r="0" g="0" b="0"/>
+      </a:fillRef>
+      <a:effectRef idx="0">
+        <a:scrgbClr r="0" g="0" b="0"/>
+      </a:effectRef>
+      <a:fontRef idx="minor"/>
+    </dgm:style>
+  </dgm:styleLbl>
+  <dgm:styleLbl name="bgAcc1">
+    <dgm:scene3d>
+      <a:camera prst="orthographicFront"/>
+      <a:lightRig rig="threePt" dir="t"/>
+    </dgm:scene3d>
+    <dgm:sp3d/>
+    <dgm:txPr/>
+    <dgm:style>
+      <a:lnRef idx="2">
+        <a:scrgbClr r="0" g="0" b="0"/>
+      </a:lnRef>
+      <a:fillRef idx="1">
+        <a:scrgbClr r="0" g="0" b="0"/>
+      </a:fillRef>
+      <a:effectRef idx="0">
+        <a:scrgbClr r="0" g="0" b="0"/>
+      </a:effectRef>
+      <a:fontRef idx="minor"/>
+    </dgm:style>
+  </dgm:styleLbl>
+  <dgm:styleLbl name="solidFgAcc1">
+    <dgm:scene3d>
+      <a:camera prst="orthographicFront"/>
+      <a:lightRig rig="threePt" dir="t"/>
+    </dgm:scene3d>
+    <dgm:sp3d/>
+    <dgm:txPr/>
+    <dgm:style>
+      <a:lnRef idx="2">
+        <a:scrgbClr r="0" g="0" b="0"/>
+      </a:lnRef>
+      <a:fillRef idx="1">
+        <a:scrgbClr r="0" g="0" b="0"/>
+      </a:fillRef>
+      <a:effectRef idx="0">
+        <a:scrgbClr r="0" g="0" b="0"/>
+      </a:effectRef>
+      <a:fontRef idx="minor"/>
+    </dgm:style>
+  </dgm:styleLbl>
+  <dgm:styleLbl name="solidAlignAcc1">
+    <dgm:scene3d>
+      <a:camera prst="orthographicFront"/>
+      <a:lightRig rig="threePt" dir="t"/>
+    </dgm:scene3d>
+    <dgm:sp3d/>
+    <dgm:txPr/>
+    <dgm:style>
+      <a:lnRef idx="2">
+        <a:scrgbClr r="0" g="0" b="0"/>
+      </a:lnRef>
+      <a:fillRef idx="1">
+        <a:scrgbClr r="0" g="0" b="0"/>
+      </a:fillRef>
+      <a:effectRef idx="0">
+        <a:scrgbClr r="0" g="0" b="0"/>
+      </a:effectRef>
+      <a:fontRef idx="minor"/>
+    </dgm:style>
+  </dgm:styleLbl>
+  <dgm:styleLbl name="solidBgAcc1">
+    <dgm:scene3d>
+      <a:camera prst="orthographicFront"/>
+      <a:lightRig rig="threePt" dir="t"/>
+    </dgm:scene3d>
+    <dgm:sp3d/>
+    <dgm:txPr/>
+    <dgm:style>
+      <a:lnRef idx="2">
+        <a:scrgbClr r="0" g="0" b="0"/>
+      </a:lnRef>
+      <a:fillRef idx="1">
+        <a:scrgbClr r="0" g="0" b="0"/>
+      </a:fillRef>
+      <a:effectRef idx="0">
+        <a:scrgbClr r="0" g="0" b="0"/>
+      </a:effectRef>
+      <a:fontRef idx="minor"/>
+    </dgm:style>
+  </dgm:styleLbl>
+  <dgm:styleLbl name="fgAccFollowNode1">
+    <dgm:scene3d>
+      <a:camera prst="orthographicFront"/>
+      <a:lightRig rig="threePt" dir="t"/>
+    </dgm:scene3d>
+    <dgm:sp3d/>
+    <dgm:txPr/>
+    <dgm:style>
+      <a:lnRef idx="2">
+        <a:scrgbClr r="0" g="0" b="0"/>
+      </a:lnRef>
+      <a:fillRef idx="1">
+        <a:scrgbClr r="0" g="0" b="0"/>
+      </a:fillRef>
+      <a:effectRef idx="0">
+        <a:scrgbClr r="0" g="0" b="0"/>
+      </a:effectRef>
+      <a:fontRef idx="minor"/>
+    </dgm:style>
+  </dgm:styleLbl>
+  <dgm:styleLbl name="alignAccFollowNode1">
+    <dgm:scene3d>
+      <a:camera prst="orthographicFront"/>
+      <a:lightRig rig="threePt" dir="t"/>
+    </dgm:scene3d>
+    <dgm:sp3d/>
+    <dgm:txPr/>
+    <dgm:style>
+      <a:lnRef idx="2">
+        <a:scrgbClr r="0" g="0" b="0"/>
+      </a:lnRef>
+      <a:fillRef idx="1">
+        <a:scrgbClr r="0" g="0" b="0"/>
+      </a:fillRef>
+      <a:effectRef idx="0">
+        <a:scrgbClr r="0" g="0" b="0"/>
+      </a:effectRef>
+      <a:fontRef idx="minor"/>
+    </dgm:style>
+  </dgm:styleLbl>
+  <dgm:styleLbl name="bgAccFollowNode1">
+    <dgm:scene3d>
+      <a:camera prst="orthographicFront"/>
+      <a:lightRig rig="threePt" dir="t"/>
+    </dgm:scene3d>
+    <dgm:sp3d/>
+    <dgm:txPr/>
+    <dgm:style>
+      <a:lnRef idx="2">
+        <a:scrgbClr r="0" g="0" b="0"/>
+      </a:lnRef>
+      <a:fillRef idx="1">
+        <a:scrgbClr r="0" g="0" b="0"/>
+      </a:fillRef>
+      <a:effectRef idx="0">
+        <a:scrgbClr r="0" g="0" b="0"/>
+      </a:effectRef>
+      <a:fontRef idx="minor"/>
+    </dgm:style>
+  </dgm:styleLbl>
+  <dgm:styleLbl name="fgAcc0">
+    <dgm:scene3d>
+      <a:camera prst="orthographicFront"/>
+      <a:lightRig rig="threePt" dir="t"/>
+    </dgm:scene3d>
+    <dgm:sp3d/>
+    <dgm:txPr/>
+    <dgm:style>
+      <a:lnRef idx="2">
+        <a:scrgbClr r="0" g="0" b="0"/>
+      </a:lnRef>
+      <a:fillRef idx="1">
+        <a:scrgbClr r="0" g="0" b="0"/>
+      </a:fillRef>
+      <a:effectRef idx="0">
+        <a:scrgbClr r="0" g="0" b="0"/>
+      </a:effectRef>
+      <a:fontRef idx="minor"/>
+    </dgm:style>
+  </dgm:styleLbl>
+  <dgm:styleLbl name="fgAcc2">
+    <dgm:scene3d>
+      <a:camera prst="orthographicFront"/>
+      <a:lightRig rig="threePt" dir="t"/>
+    </dgm:scene3d>
+    <dgm:sp3d/>
+    <dgm:txPr/>
+    <dgm:style>
+      <a:lnRef idx="2">
+        <a:scrgbClr r="0" g="0" b="0"/>
+      </a:lnRef>
+      <a:fillRef idx="1">
+        <a:scrgbClr r="0" g="0" b="0"/>
+      </a:fillRef>
+      <a:effectRef idx="0">
+        <a:scrgbClr r="0" g="0" b="0"/>
+      </a:effectRef>
+      <a:fontRef idx="minor"/>
+    </dgm:style>
+  </dgm:styleLbl>
+  <dgm:styleLbl name="fgAcc3">
+    <dgm:scene3d>
+      <a:camera prst="orthographicFront"/>
+      <a:lightRig rig="threePt" dir="t"/>
+    </dgm:scene3d>
+    <dgm:sp3d/>
+    <dgm:txPr/>
+    <dgm:style>
+      <a:lnRef idx="2">
+        <a:scrgbClr r="0" g="0" b="0"/>
+      </a:lnRef>
+      <a:fillRef idx="1">
+        <a:scrgbClr r="0" g="0" b="0"/>
+      </a:fillRef>
+      <a:effectRef idx="0">
+        <a:scrgbClr r="0" g="0" b="0"/>
+      </a:effectRef>
+      <a:fontRef idx="minor"/>
+    </dgm:style>
+  </dgm:styleLbl>
+  <dgm:styleLbl name="fgAcc4">
+    <dgm:scene3d>
+      <a:camera prst="orthographicFront"/>
+      <a:lightRig rig="threePt" dir="t"/>
+    </dgm:scene3d>
+    <dgm:sp3d/>
+    <dgm:txPr/>
+    <dgm:style>
+      <a:lnRef idx="2">
+        <a:scrgbClr r="0" g="0" b="0"/>
+      </a:lnRef>
+      <a:fillRef idx="1">
+        <a:scrgbClr r="0" g="0" b="0"/>
+      </a:fillRef>
+      <a:effectRef idx="0">
+        <a:scrgbClr r="0" g="0" b="0"/>
+      </a:effectRef>
+      <a:fontRef idx="minor"/>
+    </dgm:style>
+  </dgm:styleLbl>
+  <dgm:styleLbl name="bgShp">
+    <dgm:scene3d>
+      <a:camera prst="orthographicFront"/>
+      <a:lightRig rig="threePt" dir="t"/>
+    </dgm:scene3d>
+    <dgm:sp3d/>
+    <dgm:txPr/>
+    <dgm:style>
+      <a:lnRef idx="0">
+        <a:scrgbClr r="0" g="0" b="0"/>
+      </a:lnRef>
+      <a:fillRef idx="1">
+        <a:scrgbClr r="0" g="0" b="0"/>
+      </a:fillRef>
+      <a:effectRef idx="0">
+        <a:scrgbClr r="0" g="0" b="0"/>
+      </a:effectRef>
+      <a:fontRef idx="minor"/>
+    </dgm:style>
+  </dgm:styleLbl>
+  <dgm:styleLbl name="dkBgShp">
+    <dgm:scene3d>
+      <a:camera prst="orthographicFront"/>
+      <a:lightRig rig="threePt" dir="t"/>
+    </dgm:scene3d>
+    <dgm:sp3d/>
+    <dgm:txPr/>
+    <dgm:style>
+      <a:lnRef idx="0">
+        <a:scrgbClr r="0" g="0" b="0"/>
+      </a:lnRef>
+      <a:fillRef idx="1">
+        <a:scrgbClr r="0" g="0" b="0"/>
+      </a:fillRef>
+      <a:effectRef idx="0">
+        <a:scrgbClr r="0" g="0" b="0"/>
+      </a:effectRef>
+      <a:fontRef idx="minor"/>
+    </dgm:style>
+  </dgm:styleLbl>
+  <dgm:styleLbl name="trBgShp">
+    <dgm:scene3d>
+      <a:camera prst="orthographicFront"/>
+      <a:lightRig rig="threePt" dir="t"/>
+    </dgm:scene3d>
+    <dgm:sp3d/>
+    <dgm:txPr/>
+    <dgm:style>
+      <a:lnRef idx="0">
+        <a:scrgbClr r="0" g="0" b="0"/>
+      </a:lnRef>
+      <a:fillRef idx="1">
+        <a:scrgbClr r="0" g="0" b="0"/>
+      </a:fillRef>
+      <a:effectRef idx="0">
+        <a:scrgbClr r="0" g="0" b="0"/>
+      </a:effectRef>
+      <a:fontRef idx="minor"/>
+    </dgm:style>
+  </dgm:styleLbl>
+  <dgm:styleLbl name="fgShp">
+    <dgm:scene3d>
+      <a:camera prst="orthographicFront"/>
+      <a:lightRig rig="threePt" dir="t"/>
+    </dgm:scene3d>
+    <dgm:sp3d/>
+    <dgm:txPr/>
+    <dgm:style>
+      <a:lnRef idx="2">
+        <a:scrgbClr r="0" g="0" b="0"/>
+      </a:lnRef>
+      <a:fillRef idx="1">
+        <a:scrgbClr r="0" g="0" b="0"/>
+      </a:fillRef>
+      <a:effectRef idx="0">
+        <a:scrgbClr r="0" g="0" b="0"/>
+      </a:effectRef>
+      <a:fontRef idx="minor"/>
+    </dgm:style>
+  </dgm:styleLbl>
+  <dgm:styleLbl name="revTx">
+    <dgm:scene3d>
+      <a:camera prst="orthographicFront"/>
+      <a:lightRig rig="threePt" dir="t"/>
+    </dgm:scene3d>
+    <dgm:sp3d/>
+    <dgm:txPr/>
+    <dgm:style>
+      <a:lnRef idx="0">
+        <a:scrgbClr r="0" g="0" b="0"/>
+      </a:lnRef>
+      <a:fillRef idx="0">
+        <a:scrgbClr r="0" g="0" b="0"/>
+      </a:fillRef>
+      <a:effectRef idx="0">
+        <a:scrgbClr r="0" g="0" b="0"/>
+      </a:effectRef>
+      <a:fontRef idx="minor"/>
+    </dgm:style>
+  </dgm:styleLbl>
+</dgm:styleDef>
+</file>
+
+<file path=ppt/diagrams/quickStyle7.xml><?xml version="1.0" encoding="utf-8"?>
 <dgm:styleDef xmlns:dgm="http://schemas.openxmlformats.org/drawingml/2006/diagram" xmlns:a="http://schemas.openxmlformats.org/drawingml/2006/main" uniqueId="urn:microsoft.com/office/officeart/2005/8/quickstyle/simple5">
   <dgm:title val=""/>
   <dgm:desc val=""/>
@@ -17214,6 +22254,510 @@
           <a:bodyPr/>
           <a:lstStyle/>
           <a:p>
+            <a:endParaRPr lang="en-US" dirty="0"/>
+          </a:p>
+        </p:txBody>
+      </p:sp>
+      <p:sp>
+        <p:nvSpPr>
+          <p:cNvPr id="4" name="Slide Number Placeholder 3"/>
+          <p:cNvSpPr>
+            <a:spLocks noGrp="1"/>
+          </p:cNvSpPr>
+          <p:nvPr>
+            <p:ph type="sldNum" sz="quarter" idx="5"/>
+          </p:nvPr>
+        </p:nvSpPr>
+        <p:spPr/>
+        <p:txBody>
+          <a:bodyPr/>
+          <a:lstStyle/>
+          <a:p>
+            <a:fld id="{01420855-62A1-43EF-8815-D1313CE67D77}" type="slidenum">
+              <a:rPr lang="en-AU" smtClean="0"/>
+              <a:t>13</a:t>
+            </a:fld>
+            <a:endParaRPr lang="en-AU"/>
+          </a:p>
+        </p:txBody>
+      </p:sp>
+    </p:spTree>
+    <p:extLst>
+      <p:ext uri="{BB962C8B-B14F-4D97-AF65-F5344CB8AC3E}">
+        <p14:creationId xmlns:p14="http://schemas.microsoft.com/office/powerpoint/2010/main" val="436957066"/>
+      </p:ext>
+    </p:extLst>
+  </p:cSld>
+  <p:clrMapOvr>
+    <a:masterClrMapping/>
+  </p:clrMapOvr>
+</p:notes>
+</file>
+
+<file path=ppt/notesSlides/notesSlide14.xml><?xml version="1.0" encoding="utf-8"?>
+<p:notes xmlns:a="http://schemas.openxmlformats.org/drawingml/2006/main" xmlns:r="http://schemas.openxmlformats.org/officeDocument/2006/relationships" xmlns:p="http://schemas.openxmlformats.org/presentationml/2006/main">
+  <p:cSld>
+    <p:spTree>
+      <p:nvGrpSpPr>
+        <p:cNvPr id="1" name=""/>
+        <p:cNvGrpSpPr/>
+        <p:nvPr/>
+      </p:nvGrpSpPr>
+      <p:grpSpPr>
+        <a:xfrm>
+          <a:off x="0" y="0"/>
+          <a:ext cx="0" cy="0"/>
+          <a:chOff x="0" y="0"/>
+          <a:chExt cx="0" cy="0"/>
+        </a:xfrm>
+      </p:grpSpPr>
+      <p:sp>
+        <p:nvSpPr>
+          <p:cNvPr id="2" name="Slide Image Placeholder 1"/>
+          <p:cNvSpPr>
+            <a:spLocks noGrp="1" noRot="1" noChangeAspect="1"/>
+          </p:cNvSpPr>
+          <p:nvPr>
+            <p:ph type="sldImg"/>
+          </p:nvPr>
+        </p:nvSpPr>
+        <p:spPr/>
+      </p:sp>
+      <p:sp>
+        <p:nvSpPr>
+          <p:cNvPr id="3" name="Notes Placeholder 2"/>
+          <p:cNvSpPr>
+            <a:spLocks noGrp="1"/>
+          </p:cNvSpPr>
+          <p:nvPr>
+            <p:ph type="body" idx="1"/>
+          </p:nvPr>
+        </p:nvSpPr>
+        <p:spPr/>
+        <p:txBody>
+          <a:bodyPr/>
+          <a:lstStyle/>
+          <a:p>
+            <a:endParaRPr lang="en-US" dirty="0"/>
+          </a:p>
+        </p:txBody>
+      </p:sp>
+      <p:sp>
+        <p:nvSpPr>
+          <p:cNvPr id="4" name="Slide Number Placeholder 3"/>
+          <p:cNvSpPr>
+            <a:spLocks noGrp="1"/>
+          </p:cNvSpPr>
+          <p:nvPr>
+            <p:ph type="sldNum" sz="quarter" idx="5"/>
+          </p:nvPr>
+        </p:nvSpPr>
+        <p:spPr/>
+        <p:txBody>
+          <a:bodyPr/>
+          <a:lstStyle/>
+          <a:p>
+            <a:fld id="{01420855-62A1-43EF-8815-D1313CE67D77}" type="slidenum">
+              <a:rPr lang="en-AU" smtClean="0"/>
+              <a:t>14</a:t>
+            </a:fld>
+            <a:endParaRPr lang="en-AU"/>
+          </a:p>
+        </p:txBody>
+      </p:sp>
+    </p:spTree>
+    <p:extLst>
+      <p:ext uri="{BB962C8B-B14F-4D97-AF65-F5344CB8AC3E}">
+        <p14:creationId xmlns:p14="http://schemas.microsoft.com/office/powerpoint/2010/main" val="1727905676"/>
+      </p:ext>
+    </p:extLst>
+  </p:cSld>
+  <p:clrMapOvr>
+    <a:masterClrMapping/>
+  </p:clrMapOvr>
+</p:notes>
+</file>
+
+<file path=ppt/notesSlides/notesSlide15.xml><?xml version="1.0" encoding="utf-8"?>
+<p:notes xmlns:a="http://schemas.openxmlformats.org/drawingml/2006/main" xmlns:r="http://schemas.openxmlformats.org/officeDocument/2006/relationships" xmlns:p="http://schemas.openxmlformats.org/presentationml/2006/main">
+  <p:cSld>
+    <p:spTree>
+      <p:nvGrpSpPr>
+        <p:cNvPr id="1" name=""/>
+        <p:cNvGrpSpPr/>
+        <p:nvPr/>
+      </p:nvGrpSpPr>
+      <p:grpSpPr>
+        <a:xfrm>
+          <a:off x="0" y="0"/>
+          <a:ext cx="0" cy="0"/>
+          <a:chOff x="0" y="0"/>
+          <a:chExt cx="0" cy="0"/>
+        </a:xfrm>
+      </p:grpSpPr>
+      <p:sp>
+        <p:nvSpPr>
+          <p:cNvPr id="2" name="Slide Image Placeholder 1"/>
+          <p:cNvSpPr>
+            <a:spLocks noGrp="1" noRot="1" noChangeAspect="1"/>
+          </p:cNvSpPr>
+          <p:nvPr>
+            <p:ph type="sldImg"/>
+          </p:nvPr>
+        </p:nvSpPr>
+        <p:spPr/>
+      </p:sp>
+      <p:sp>
+        <p:nvSpPr>
+          <p:cNvPr id="3" name="Notes Placeholder 2"/>
+          <p:cNvSpPr>
+            <a:spLocks noGrp="1"/>
+          </p:cNvSpPr>
+          <p:nvPr>
+            <p:ph type="body" idx="1"/>
+          </p:nvPr>
+        </p:nvSpPr>
+        <p:spPr/>
+        <p:txBody>
+          <a:bodyPr/>
+          <a:lstStyle/>
+          <a:p>
+            <a:endParaRPr lang="en-US" dirty="0"/>
+          </a:p>
+        </p:txBody>
+      </p:sp>
+      <p:sp>
+        <p:nvSpPr>
+          <p:cNvPr id="4" name="Slide Number Placeholder 3"/>
+          <p:cNvSpPr>
+            <a:spLocks noGrp="1"/>
+          </p:cNvSpPr>
+          <p:nvPr>
+            <p:ph type="sldNum" sz="quarter" idx="5"/>
+          </p:nvPr>
+        </p:nvSpPr>
+        <p:spPr/>
+        <p:txBody>
+          <a:bodyPr/>
+          <a:lstStyle/>
+          <a:p>
+            <a:fld id="{01420855-62A1-43EF-8815-D1313CE67D77}" type="slidenum">
+              <a:rPr lang="en-AU" smtClean="0"/>
+              <a:t>15</a:t>
+            </a:fld>
+            <a:endParaRPr lang="en-AU"/>
+          </a:p>
+        </p:txBody>
+      </p:sp>
+    </p:spTree>
+    <p:extLst>
+      <p:ext uri="{BB962C8B-B14F-4D97-AF65-F5344CB8AC3E}">
+        <p14:creationId xmlns:p14="http://schemas.microsoft.com/office/powerpoint/2010/main" val="761298617"/>
+      </p:ext>
+    </p:extLst>
+  </p:cSld>
+  <p:clrMapOvr>
+    <a:masterClrMapping/>
+  </p:clrMapOvr>
+</p:notes>
+</file>
+
+<file path=ppt/notesSlides/notesSlide16.xml><?xml version="1.0" encoding="utf-8"?>
+<p:notes xmlns:a="http://schemas.openxmlformats.org/drawingml/2006/main" xmlns:r="http://schemas.openxmlformats.org/officeDocument/2006/relationships" xmlns:p="http://schemas.openxmlformats.org/presentationml/2006/main">
+  <p:cSld>
+    <p:spTree>
+      <p:nvGrpSpPr>
+        <p:cNvPr id="1" name=""/>
+        <p:cNvGrpSpPr/>
+        <p:nvPr/>
+      </p:nvGrpSpPr>
+      <p:grpSpPr>
+        <a:xfrm>
+          <a:off x="0" y="0"/>
+          <a:ext cx="0" cy="0"/>
+          <a:chOff x="0" y="0"/>
+          <a:chExt cx="0" cy="0"/>
+        </a:xfrm>
+      </p:grpSpPr>
+      <p:sp>
+        <p:nvSpPr>
+          <p:cNvPr id="2" name="Slide Image Placeholder 1"/>
+          <p:cNvSpPr>
+            <a:spLocks noGrp="1" noRot="1" noChangeAspect="1"/>
+          </p:cNvSpPr>
+          <p:nvPr>
+            <p:ph type="sldImg"/>
+          </p:nvPr>
+        </p:nvSpPr>
+        <p:spPr/>
+      </p:sp>
+      <p:sp>
+        <p:nvSpPr>
+          <p:cNvPr id="3" name="Notes Placeholder 2"/>
+          <p:cNvSpPr>
+            <a:spLocks noGrp="1"/>
+          </p:cNvSpPr>
+          <p:nvPr>
+            <p:ph type="body" idx="1"/>
+          </p:nvPr>
+        </p:nvSpPr>
+        <p:spPr/>
+        <p:txBody>
+          <a:bodyPr/>
+          <a:lstStyle/>
+          <a:p>
+            <a:endParaRPr lang="en-US" dirty="0"/>
+          </a:p>
+        </p:txBody>
+      </p:sp>
+      <p:sp>
+        <p:nvSpPr>
+          <p:cNvPr id="4" name="Slide Number Placeholder 3"/>
+          <p:cNvSpPr>
+            <a:spLocks noGrp="1"/>
+          </p:cNvSpPr>
+          <p:nvPr>
+            <p:ph type="sldNum" sz="quarter" idx="5"/>
+          </p:nvPr>
+        </p:nvSpPr>
+        <p:spPr/>
+        <p:txBody>
+          <a:bodyPr/>
+          <a:lstStyle/>
+          <a:p>
+            <a:fld id="{01420855-62A1-43EF-8815-D1313CE67D77}" type="slidenum">
+              <a:rPr lang="en-AU" smtClean="0"/>
+              <a:t>16</a:t>
+            </a:fld>
+            <a:endParaRPr lang="en-AU"/>
+          </a:p>
+        </p:txBody>
+      </p:sp>
+    </p:spTree>
+    <p:extLst>
+      <p:ext uri="{BB962C8B-B14F-4D97-AF65-F5344CB8AC3E}">
+        <p14:creationId xmlns:p14="http://schemas.microsoft.com/office/powerpoint/2010/main" val="2783079553"/>
+      </p:ext>
+    </p:extLst>
+  </p:cSld>
+  <p:clrMapOvr>
+    <a:masterClrMapping/>
+  </p:clrMapOvr>
+</p:notes>
+</file>
+
+<file path=ppt/notesSlides/notesSlide17.xml><?xml version="1.0" encoding="utf-8"?>
+<p:notes xmlns:a="http://schemas.openxmlformats.org/drawingml/2006/main" xmlns:r="http://schemas.openxmlformats.org/officeDocument/2006/relationships" xmlns:p="http://schemas.openxmlformats.org/presentationml/2006/main">
+  <p:cSld>
+    <p:spTree>
+      <p:nvGrpSpPr>
+        <p:cNvPr id="1" name=""/>
+        <p:cNvGrpSpPr/>
+        <p:nvPr/>
+      </p:nvGrpSpPr>
+      <p:grpSpPr>
+        <a:xfrm>
+          <a:off x="0" y="0"/>
+          <a:ext cx="0" cy="0"/>
+          <a:chOff x="0" y="0"/>
+          <a:chExt cx="0" cy="0"/>
+        </a:xfrm>
+      </p:grpSpPr>
+      <p:sp>
+        <p:nvSpPr>
+          <p:cNvPr id="2" name="Slide Image Placeholder 1"/>
+          <p:cNvSpPr>
+            <a:spLocks noGrp="1" noRot="1" noChangeAspect="1"/>
+          </p:cNvSpPr>
+          <p:nvPr>
+            <p:ph type="sldImg"/>
+          </p:nvPr>
+        </p:nvSpPr>
+        <p:spPr/>
+      </p:sp>
+      <p:sp>
+        <p:nvSpPr>
+          <p:cNvPr id="3" name="Notes Placeholder 2"/>
+          <p:cNvSpPr>
+            <a:spLocks noGrp="1"/>
+          </p:cNvSpPr>
+          <p:nvPr>
+            <p:ph type="body" idx="1"/>
+          </p:nvPr>
+        </p:nvSpPr>
+        <p:spPr/>
+        <p:txBody>
+          <a:bodyPr/>
+          <a:lstStyle/>
+          <a:p>
+            <a:endParaRPr lang="en-US" dirty="0"/>
+          </a:p>
+        </p:txBody>
+      </p:sp>
+      <p:sp>
+        <p:nvSpPr>
+          <p:cNvPr id="4" name="Slide Number Placeholder 3"/>
+          <p:cNvSpPr>
+            <a:spLocks noGrp="1"/>
+          </p:cNvSpPr>
+          <p:nvPr>
+            <p:ph type="sldNum" sz="quarter" idx="5"/>
+          </p:nvPr>
+        </p:nvSpPr>
+        <p:spPr/>
+        <p:txBody>
+          <a:bodyPr/>
+          <a:lstStyle/>
+          <a:p>
+            <a:fld id="{01420855-62A1-43EF-8815-D1313CE67D77}" type="slidenum">
+              <a:rPr lang="en-AU" smtClean="0"/>
+              <a:t>17</a:t>
+            </a:fld>
+            <a:endParaRPr lang="en-AU"/>
+          </a:p>
+        </p:txBody>
+      </p:sp>
+    </p:spTree>
+    <p:extLst>
+      <p:ext uri="{BB962C8B-B14F-4D97-AF65-F5344CB8AC3E}">
+        <p14:creationId xmlns:p14="http://schemas.microsoft.com/office/powerpoint/2010/main" val="3154308764"/>
+      </p:ext>
+    </p:extLst>
+  </p:cSld>
+  <p:clrMapOvr>
+    <a:masterClrMapping/>
+  </p:clrMapOvr>
+</p:notes>
+</file>
+
+<file path=ppt/notesSlides/notesSlide18.xml><?xml version="1.0" encoding="utf-8"?>
+<p:notes xmlns:a="http://schemas.openxmlformats.org/drawingml/2006/main" xmlns:r="http://schemas.openxmlformats.org/officeDocument/2006/relationships" xmlns:p="http://schemas.openxmlformats.org/presentationml/2006/main">
+  <p:cSld>
+    <p:spTree>
+      <p:nvGrpSpPr>
+        <p:cNvPr id="1" name=""/>
+        <p:cNvGrpSpPr/>
+        <p:nvPr/>
+      </p:nvGrpSpPr>
+      <p:grpSpPr>
+        <a:xfrm>
+          <a:off x="0" y="0"/>
+          <a:ext cx="0" cy="0"/>
+          <a:chOff x="0" y="0"/>
+          <a:chExt cx="0" cy="0"/>
+        </a:xfrm>
+      </p:grpSpPr>
+      <p:sp>
+        <p:nvSpPr>
+          <p:cNvPr id="2" name="Slide Image Placeholder 1"/>
+          <p:cNvSpPr>
+            <a:spLocks noGrp="1" noRot="1" noChangeAspect="1"/>
+          </p:cNvSpPr>
+          <p:nvPr>
+            <p:ph type="sldImg"/>
+          </p:nvPr>
+        </p:nvSpPr>
+        <p:spPr/>
+      </p:sp>
+      <p:sp>
+        <p:nvSpPr>
+          <p:cNvPr id="3" name="Notes Placeholder 2"/>
+          <p:cNvSpPr>
+            <a:spLocks noGrp="1"/>
+          </p:cNvSpPr>
+          <p:nvPr>
+            <p:ph type="body" idx="1"/>
+          </p:nvPr>
+        </p:nvSpPr>
+        <p:spPr/>
+        <p:txBody>
+          <a:bodyPr/>
+          <a:lstStyle/>
+          <a:p>
+            <a:endParaRPr lang="en-US" dirty="0"/>
+          </a:p>
+        </p:txBody>
+      </p:sp>
+      <p:sp>
+        <p:nvSpPr>
+          <p:cNvPr id="4" name="Slide Number Placeholder 3"/>
+          <p:cNvSpPr>
+            <a:spLocks noGrp="1"/>
+          </p:cNvSpPr>
+          <p:nvPr>
+            <p:ph type="sldNum" sz="quarter" idx="5"/>
+          </p:nvPr>
+        </p:nvSpPr>
+        <p:spPr/>
+        <p:txBody>
+          <a:bodyPr/>
+          <a:lstStyle/>
+          <a:p>
+            <a:fld id="{01420855-62A1-43EF-8815-D1313CE67D77}" type="slidenum">
+              <a:rPr lang="en-AU" smtClean="0"/>
+              <a:t>18</a:t>
+            </a:fld>
+            <a:endParaRPr lang="en-AU"/>
+          </a:p>
+        </p:txBody>
+      </p:sp>
+    </p:spTree>
+    <p:extLst>
+      <p:ext uri="{BB962C8B-B14F-4D97-AF65-F5344CB8AC3E}">
+        <p14:creationId xmlns:p14="http://schemas.microsoft.com/office/powerpoint/2010/main" val="3633396466"/>
+      </p:ext>
+    </p:extLst>
+  </p:cSld>
+  <p:clrMapOvr>
+    <a:masterClrMapping/>
+  </p:clrMapOvr>
+</p:notes>
+</file>
+
+<file path=ppt/notesSlides/notesSlide19.xml><?xml version="1.0" encoding="utf-8"?>
+<p:notes xmlns:a="http://schemas.openxmlformats.org/drawingml/2006/main" xmlns:r="http://schemas.openxmlformats.org/officeDocument/2006/relationships" xmlns:p="http://schemas.openxmlformats.org/presentationml/2006/main">
+  <p:cSld>
+    <p:spTree>
+      <p:nvGrpSpPr>
+        <p:cNvPr id="1" name=""/>
+        <p:cNvGrpSpPr/>
+        <p:nvPr/>
+      </p:nvGrpSpPr>
+      <p:grpSpPr>
+        <a:xfrm>
+          <a:off x="0" y="0"/>
+          <a:ext cx="0" cy="0"/>
+          <a:chOff x="0" y="0"/>
+          <a:chExt cx="0" cy="0"/>
+        </a:xfrm>
+      </p:grpSpPr>
+      <p:sp>
+        <p:nvSpPr>
+          <p:cNvPr id="2" name="Slide Image Placeholder 1"/>
+          <p:cNvSpPr>
+            <a:spLocks noGrp="1" noRot="1" noChangeAspect="1"/>
+          </p:cNvSpPr>
+          <p:nvPr>
+            <p:ph type="sldImg"/>
+          </p:nvPr>
+        </p:nvSpPr>
+        <p:spPr/>
+      </p:sp>
+      <p:sp>
+        <p:nvSpPr>
+          <p:cNvPr id="3" name="Notes Placeholder 2"/>
+          <p:cNvSpPr>
+            <a:spLocks noGrp="1"/>
+          </p:cNvSpPr>
+          <p:nvPr>
+            <p:ph type="body" idx="1"/>
+          </p:nvPr>
+        </p:nvSpPr>
+        <p:spPr/>
+        <p:txBody>
+          <a:bodyPr/>
+          <a:lstStyle/>
+          <a:p>
             <a:pPr defTabSz="2438430">
               <a:lnSpc>
                 <a:spcPct val="85000"/>
@@ -17291,128 +22835,6 @@
               <a:t>I hope it can be helpful to everyone.</a:t>
             </a:r>
           </a:p>
-          <a:p>
-            <a:endParaRPr lang="en-US" dirty="0"/>
-          </a:p>
-          <a:p>
-            <a:pPr marL="0" marR="0" lvl="0" indent="0" algn="l" defTabSz="2438339" rtl="0" eaLnBrk="1" fontAlgn="auto" latinLnBrk="0" hangingPunct="1">
-              <a:lnSpc>
-                <a:spcPct val="100000"/>
-              </a:lnSpc>
-              <a:spcBef>
-                <a:spcPts val="0"/>
-              </a:spcBef>
-              <a:spcAft>
-                <a:spcPts val="0"/>
-              </a:spcAft>
-              <a:buClrTx/>
-              <a:buSzTx/>
-              <a:buFontTx/>
-              <a:buNone/>
-              <a:tabLst/>
-              <a:defRPr/>
-            </a:pPr>
-            <a:r>
-              <a:rPr lang="en-US" b="1" dirty="0"/>
-              <a:t>Adapter </a:t>
-            </a:r>
-            <a:r>
-              <a:rPr lang="en-US" dirty="0"/>
-              <a:t>allows objects with incompatible interfaces to collaborate.</a:t>
-            </a:r>
-          </a:p>
-          <a:p>
-            <a:pPr marL="0" marR="0" lvl="0" indent="0" algn="l" defTabSz="2438339" rtl="0" eaLnBrk="1" fontAlgn="auto" latinLnBrk="0" hangingPunct="1">
-              <a:lnSpc>
-                <a:spcPct val="100000"/>
-              </a:lnSpc>
-              <a:spcBef>
-                <a:spcPts val="0"/>
-              </a:spcBef>
-              <a:spcAft>
-                <a:spcPts val="0"/>
-              </a:spcAft>
-              <a:buClrTx/>
-              <a:buSzTx/>
-              <a:buFontTx/>
-              <a:buNone/>
-              <a:tabLst/>
-              <a:defRPr/>
-            </a:pPr>
-            <a:r>
-              <a:rPr lang="en-US" b="1" dirty="0"/>
-              <a:t>Facade</a:t>
-            </a:r>
-            <a:r>
-              <a:rPr lang="en-US" dirty="0"/>
-              <a:t> </a:t>
-            </a:r>
-            <a:r>
-              <a:rPr lang="en-US" b="0" i="0" dirty="0">
-                <a:solidFill>
-                  <a:srgbClr val="444444"/>
-                </a:solidFill>
-                <a:effectLst/>
-                <a:latin typeface="PT Sans" panose="020B0503020203020204" pitchFamily="34" charset="0"/>
-              </a:rPr>
-              <a:t>provides a simplified interface to a library, a framework, or any other complex set of classes.</a:t>
-            </a:r>
-          </a:p>
-          <a:p>
-            <a:pPr marL="0" marR="0" lvl="0" indent="0" algn="l" defTabSz="2438339" rtl="0" eaLnBrk="1" fontAlgn="auto" latinLnBrk="0" hangingPunct="1">
-              <a:lnSpc>
-                <a:spcPct val="100000"/>
-              </a:lnSpc>
-              <a:spcBef>
-                <a:spcPts val="0"/>
-              </a:spcBef>
-              <a:spcAft>
-                <a:spcPts val="0"/>
-              </a:spcAft>
-              <a:buClrTx/>
-              <a:buSzTx/>
-              <a:buFontTx/>
-              <a:buNone/>
-              <a:tabLst/>
-              <a:defRPr/>
-            </a:pPr>
-            <a:r>
-              <a:rPr lang="en-US" b="1" dirty="0"/>
-              <a:t>Proxy</a:t>
-            </a:r>
-            <a:r>
-              <a:rPr lang="en-US" dirty="0"/>
-              <a:t> lets you provide a substitute or placeholder for another object. </a:t>
-            </a:r>
-          </a:p>
-          <a:p>
-            <a:r>
-              <a:rPr lang="en-US" b="1" dirty="0"/>
-              <a:t>Bridge</a:t>
-            </a:r>
-            <a:r>
-              <a:rPr lang="en-US" dirty="0"/>
-              <a:t> lets you split a large </a:t>
-            </a:r>
-            <a:r>
-              <a:rPr lang="en-US" altLang="zh-CN" dirty="0"/>
-              <a:t>amount of </a:t>
-            </a:r>
-            <a:r>
-              <a:rPr lang="en-US" dirty="0"/>
-              <a:t>closely related classes into two separate layers, which can be developed independently of each other.</a:t>
-            </a:r>
-          </a:p>
-          <a:p>
-            <a:r>
-              <a:rPr lang="en-US" sz="6600" b="1" dirty="0"/>
-              <a:t>Decorator</a:t>
-            </a:r>
-            <a:r>
-              <a:rPr lang="en-US" sz="6600" dirty="0"/>
-              <a:t> lets you attach new behaviors to objects by placing these objects inside special wrapper objects.</a:t>
-            </a:r>
-          </a:p>
         </p:txBody>
       </p:sp>
       <p:sp>
@@ -17432,7 +22854,7 @@
           <a:p>
             <a:fld id="{3960260C-8853-4159-8854-5A6834041865}" type="slidenum">
               <a:rPr lang="en-US" smtClean="0"/>
-              <a:t>13</a:t>
+              <a:t>19</a:t>
             </a:fld>
             <a:endParaRPr lang="en-US"/>
           </a:p>
@@ -17442,90 +22864,6 @@
     <p:extLst>
       <p:ext uri="{BB962C8B-B14F-4D97-AF65-F5344CB8AC3E}">
         <p14:creationId xmlns:p14="http://schemas.microsoft.com/office/powerpoint/2010/main" val="2268168259"/>
-      </p:ext>
-    </p:extLst>
-  </p:cSld>
-  <p:clrMapOvr>
-    <a:masterClrMapping/>
-  </p:clrMapOvr>
-</p:notes>
-</file>
-
-<file path=ppt/notesSlides/notesSlide14.xml><?xml version="1.0" encoding="utf-8"?>
-<p:notes xmlns:a="http://schemas.openxmlformats.org/drawingml/2006/main" xmlns:r="http://schemas.openxmlformats.org/officeDocument/2006/relationships" xmlns:p="http://schemas.openxmlformats.org/presentationml/2006/main">
-  <p:cSld>
-    <p:spTree>
-      <p:nvGrpSpPr>
-        <p:cNvPr id="1" name=""/>
-        <p:cNvGrpSpPr/>
-        <p:nvPr/>
-      </p:nvGrpSpPr>
-      <p:grpSpPr>
-        <a:xfrm>
-          <a:off x="0" y="0"/>
-          <a:ext cx="0" cy="0"/>
-          <a:chOff x="0" y="0"/>
-          <a:chExt cx="0" cy="0"/>
-        </a:xfrm>
-      </p:grpSpPr>
-      <p:sp>
-        <p:nvSpPr>
-          <p:cNvPr id="2" name="Slide Image Placeholder 1"/>
-          <p:cNvSpPr>
-            <a:spLocks noGrp="1" noRot="1" noChangeAspect="1"/>
-          </p:cNvSpPr>
-          <p:nvPr>
-            <p:ph type="sldImg"/>
-          </p:nvPr>
-        </p:nvSpPr>
-        <p:spPr/>
-      </p:sp>
-      <p:sp>
-        <p:nvSpPr>
-          <p:cNvPr id="3" name="Notes Placeholder 2"/>
-          <p:cNvSpPr>
-            <a:spLocks noGrp="1"/>
-          </p:cNvSpPr>
-          <p:nvPr>
-            <p:ph type="body" idx="1"/>
-          </p:nvPr>
-        </p:nvSpPr>
-        <p:spPr/>
-        <p:txBody>
-          <a:bodyPr/>
-          <a:lstStyle/>
-          <a:p>
-            <a:endParaRPr lang="en-AU" dirty="0"/>
-          </a:p>
-        </p:txBody>
-      </p:sp>
-      <p:sp>
-        <p:nvSpPr>
-          <p:cNvPr id="4" name="Slide Number Placeholder 3"/>
-          <p:cNvSpPr>
-            <a:spLocks noGrp="1"/>
-          </p:cNvSpPr>
-          <p:nvPr>
-            <p:ph type="sldNum" sz="quarter" idx="10"/>
-          </p:nvPr>
-        </p:nvSpPr>
-        <p:spPr/>
-        <p:txBody>
-          <a:bodyPr/>
-          <a:lstStyle/>
-          <a:p>
-            <a:fld id="{01420855-62A1-43EF-8815-D1313CE67D77}" type="slidenum">
-              <a:rPr lang="en-AU" smtClean="0"/>
-              <a:t>15</a:t>
-            </a:fld>
-            <a:endParaRPr lang="en-AU" dirty="0"/>
-          </a:p>
-        </p:txBody>
-      </p:sp>
-    </p:spTree>
-    <p:extLst>
-      <p:ext uri="{BB962C8B-B14F-4D97-AF65-F5344CB8AC3E}">
-        <p14:creationId xmlns:p14="http://schemas.microsoft.com/office/powerpoint/2010/main" val="1690349428"/>
       </p:ext>
     </p:extLst>
   </p:cSld>
@@ -17904,6 +23242,90 @@
     <p:extLst>
       <p:ext uri="{BB962C8B-B14F-4D97-AF65-F5344CB8AC3E}">
         <p14:creationId xmlns:p14="http://schemas.microsoft.com/office/powerpoint/2010/main" val="1963614690"/>
+      </p:ext>
+    </p:extLst>
+  </p:cSld>
+  <p:clrMapOvr>
+    <a:masterClrMapping/>
+  </p:clrMapOvr>
+</p:notes>
+</file>
+
+<file path=ppt/notesSlides/notesSlide20.xml><?xml version="1.0" encoding="utf-8"?>
+<p:notes xmlns:a="http://schemas.openxmlformats.org/drawingml/2006/main" xmlns:r="http://schemas.openxmlformats.org/officeDocument/2006/relationships" xmlns:p="http://schemas.openxmlformats.org/presentationml/2006/main">
+  <p:cSld>
+    <p:spTree>
+      <p:nvGrpSpPr>
+        <p:cNvPr id="1" name=""/>
+        <p:cNvGrpSpPr/>
+        <p:nvPr/>
+      </p:nvGrpSpPr>
+      <p:grpSpPr>
+        <a:xfrm>
+          <a:off x="0" y="0"/>
+          <a:ext cx="0" cy="0"/>
+          <a:chOff x="0" y="0"/>
+          <a:chExt cx="0" cy="0"/>
+        </a:xfrm>
+      </p:grpSpPr>
+      <p:sp>
+        <p:nvSpPr>
+          <p:cNvPr id="2" name="Slide Image Placeholder 1"/>
+          <p:cNvSpPr>
+            <a:spLocks noGrp="1" noRot="1" noChangeAspect="1"/>
+          </p:cNvSpPr>
+          <p:nvPr>
+            <p:ph type="sldImg"/>
+          </p:nvPr>
+        </p:nvSpPr>
+        <p:spPr/>
+      </p:sp>
+      <p:sp>
+        <p:nvSpPr>
+          <p:cNvPr id="3" name="Notes Placeholder 2"/>
+          <p:cNvSpPr>
+            <a:spLocks noGrp="1"/>
+          </p:cNvSpPr>
+          <p:nvPr>
+            <p:ph type="body" idx="1"/>
+          </p:nvPr>
+        </p:nvSpPr>
+        <p:spPr/>
+        <p:txBody>
+          <a:bodyPr/>
+          <a:lstStyle/>
+          <a:p>
+            <a:endParaRPr lang="en-AU" dirty="0"/>
+          </a:p>
+        </p:txBody>
+      </p:sp>
+      <p:sp>
+        <p:nvSpPr>
+          <p:cNvPr id="4" name="Slide Number Placeholder 3"/>
+          <p:cNvSpPr>
+            <a:spLocks noGrp="1"/>
+          </p:cNvSpPr>
+          <p:nvPr>
+            <p:ph type="sldNum" sz="quarter" idx="10"/>
+          </p:nvPr>
+        </p:nvSpPr>
+        <p:spPr/>
+        <p:txBody>
+          <a:bodyPr/>
+          <a:lstStyle/>
+          <a:p>
+            <a:fld id="{01420855-62A1-43EF-8815-D1313CE67D77}" type="slidenum">
+              <a:rPr lang="en-AU" smtClean="0"/>
+              <a:t>21</a:t>
+            </a:fld>
+            <a:endParaRPr lang="en-AU" dirty="0"/>
+          </a:p>
+        </p:txBody>
+      </p:sp>
+    </p:spTree>
+    <p:extLst>
+      <p:ext uri="{BB962C8B-B14F-4D97-AF65-F5344CB8AC3E}">
+        <p14:creationId xmlns:p14="http://schemas.microsoft.com/office/powerpoint/2010/main" val="1690349428"/>
       </p:ext>
     </p:extLst>
   </p:cSld>
@@ -22215,6 +27637,1191 @@
       </p:grpSpPr>
       <p:sp>
         <p:nvSpPr>
+          <p:cNvPr id="2" name="Footer Placeholder 1">
+            <a:extLst>
+              <a:ext uri="{FF2B5EF4-FFF2-40B4-BE49-F238E27FC236}">
+                <a16:creationId xmlns:a16="http://schemas.microsoft.com/office/drawing/2014/main" id="{22DA5C28-F0FD-47D6-8E92-1C9E6EA87F96}"/>
+              </a:ext>
+            </a:extLst>
+          </p:cNvPr>
+          <p:cNvSpPr>
+            <a:spLocks noGrp="1"/>
+          </p:cNvSpPr>
+          <p:nvPr>
+            <p:ph type="ftr" sz="quarter" idx="3"/>
+          </p:nvPr>
+        </p:nvSpPr>
+        <p:spPr/>
+        <p:txBody>
+          <a:bodyPr/>
+          <a:lstStyle/>
+          <a:p>
+            <a:r>
+              <a:rPr lang="en-AU" dirty="0"/>
+              <a:t>© 2023 CargoWise</a:t>
+            </a:r>
+          </a:p>
+        </p:txBody>
+      </p:sp>
+      <p:sp>
+        <p:nvSpPr>
+          <p:cNvPr id="3" name="Slide Number Placeholder 2">
+            <a:extLst>
+              <a:ext uri="{FF2B5EF4-FFF2-40B4-BE49-F238E27FC236}">
+                <a16:creationId xmlns:a16="http://schemas.microsoft.com/office/drawing/2014/main" id="{15B20483-DDDA-4E06-872B-F88C31FDBA35}"/>
+              </a:ext>
+            </a:extLst>
+          </p:cNvPr>
+          <p:cNvSpPr>
+            <a:spLocks noGrp="1"/>
+          </p:cNvSpPr>
+          <p:nvPr>
+            <p:ph type="sldNum" sz="quarter" idx="4"/>
+          </p:nvPr>
+        </p:nvSpPr>
+        <p:spPr/>
+        <p:txBody>
+          <a:bodyPr/>
+          <a:lstStyle/>
+          <a:p>
+            <a:fld id="{67E7CB4E-0848-4774-9F85-B38117CB1B54}" type="slidenum">
+              <a:rPr lang="en-AU" smtClean="0"/>
+              <a:pPr/>
+              <a:t>13</a:t>
+            </a:fld>
+            <a:endParaRPr lang="en-AU"/>
+          </a:p>
+        </p:txBody>
+      </p:sp>
+      <p:sp>
+        <p:nvSpPr>
+          <p:cNvPr id="13" name="Title 9">
+            <a:extLst>
+              <a:ext uri="{FF2B5EF4-FFF2-40B4-BE49-F238E27FC236}">
+                <a16:creationId xmlns:a16="http://schemas.microsoft.com/office/drawing/2014/main" id="{3BAEBDBD-7B50-9F58-BD3C-27FF4C445264}"/>
+              </a:ext>
+            </a:extLst>
+          </p:cNvPr>
+          <p:cNvSpPr>
+            <a:spLocks noGrp="1"/>
+          </p:cNvSpPr>
+          <p:nvPr>
+            <p:ph type="title"/>
+          </p:nvPr>
+        </p:nvSpPr>
+        <p:spPr>
+          <a:xfrm>
+            <a:off x="1080000" y="1125271"/>
+            <a:ext cx="22201232" cy="701456"/>
+          </a:xfrm>
+        </p:spPr>
+        <p:txBody>
+          <a:bodyPr/>
+          <a:lstStyle/>
+          <a:p>
+            <a:r>
+              <a:rPr lang="en-US" b="1" dirty="0"/>
+              <a:t>4. </a:t>
+            </a:r>
+            <a:r>
+              <a:rPr lang="en-US" b="1" kern="1200" dirty="0">
+                <a:latin typeface="Calibri" panose="020F0502020204030204"/>
+                <a:ea typeface="+mn-ea"/>
+                <a:cs typeface="+mn-cs"/>
+              </a:rPr>
+              <a:t>Iterator</a:t>
+            </a:r>
+            <a:br>
+              <a:rPr lang="en-US" dirty="0"/>
+            </a:br>
+            <a:endParaRPr lang="en-US" dirty="0"/>
+          </a:p>
+        </p:txBody>
+      </p:sp>
+      <p:pic>
+        <p:nvPicPr>
+          <p:cNvPr id="1030" name="Picture 6" descr="各种类型的收藏">
+            <a:extLst>
+              <a:ext uri="{FF2B5EF4-FFF2-40B4-BE49-F238E27FC236}">
+                <a16:creationId xmlns:a16="http://schemas.microsoft.com/office/drawing/2014/main" id="{5FE7F1D1-D57A-8D02-30F2-E2B4982C08AE}"/>
+              </a:ext>
+            </a:extLst>
+          </p:cNvPr>
+          <p:cNvPicPr>
+            <a:picLocks noChangeAspect="1" noChangeArrowheads="1"/>
+          </p:cNvPicPr>
+          <p:nvPr/>
+        </p:nvPicPr>
+        <p:blipFill>
+          <a:blip r:embed="rId3">
+            <a:extLst>
+              <a:ext uri="{28A0092B-C50C-407E-A947-70E740481C1C}">
+                <a14:useLocalDpi xmlns:a14="http://schemas.microsoft.com/office/drawing/2010/main" val="0"/>
+              </a:ext>
+            </a:extLst>
+          </a:blip>
+          <a:srcRect/>
+          <a:stretch>
+            <a:fillRect/>
+          </a:stretch>
+        </p:blipFill>
+        <p:spPr bwMode="auto">
+          <a:xfrm>
+            <a:off x="3767064" y="2602895"/>
+            <a:ext cx="15035836" cy="3068538"/>
+          </a:xfrm>
+          <a:prstGeom prst="rect">
+            <a:avLst/>
+          </a:prstGeom>
+          <a:noFill/>
+          <a:extLst>
+            <a:ext uri="{909E8E84-426E-40DD-AFC4-6F175D3DCCD1}">
+              <a14:hiddenFill xmlns:a14="http://schemas.microsoft.com/office/drawing/2010/main">
+                <a:solidFill>
+                  <a:srgbClr val="FFFFFF"/>
+                </a:solidFill>
+              </a14:hiddenFill>
+            </a:ext>
+          </a:extLst>
+        </p:spPr>
+      </p:pic>
+      <p:pic>
+        <p:nvPicPr>
+          <p:cNvPr id="1032" name="Picture 8" descr="各种遍历算法">
+            <a:extLst>
+              <a:ext uri="{FF2B5EF4-FFF2-40B4-BE49-F238E27FC236}">
+                <a16:creationId xmlns:a16="http://schemas.microsoft.com/office/drawing/2014/main" id="{FA13AA82-585F-CAF8-983E-890D794FB78F}"/>
+              </a:ext>
+            </a:extLst>
+          </p:cNvPr>
+          <p:cNvPicPr>
+            <a:picLocks noChangeAspect="1" noChangeArrowheads="1"/>
+          </p:cNvPicPr>
+          <p:nvPr/>
+        </p:nvPicPr>
+        <p:blipFill>
+          <a:blip r:embed="rId4">
+            <a:extLst>
+              <a:ext uri="{28A0092B-C50C-407E-A947-70E740481C1C}">
+                <a14:useLocalDpi xmlns:a14="http://schemas.microsoft.com/office/drawing/2010/main" val="0"/>
+              </a:ext>
+            </a:extLst>
+          </a:blip>
+          <a:srcRect/>
+          <a:stretch>
+            <a:fillRect/>
+          </a:stretch>
+        </p:blipFill>
+        <p:spPr bwMode="auto">
+          <a:xfrm>
+            <a:off x="3944701" y="5993904"/>
+            <a:ext cx="16471830" cy="4392488"/>
+          </a:xfrm>
+          <a:prstGeom prst="rect">
+            <a:avLst/>
+          </a:prstGeom>
+          <a:noFill/>
+          <a:extLst>
+            <a:ext uri="{909E8E84-426E-40DD-AFC4-6F175D3DCCD1}">
+              <a14:hiddenFill xmlns:a14="http://schemas.microsoft.com/office/drawing/2010/main">
+                <a:solidFill>
+                  <a:srgbClr val="FFFFFF"/>
+                </a:solidFill>
+              </a14:hiddenFill>
+            </a:ext>
+          </a:extLst>
+        </p:spPr>
+      </p:pic>
+      <p:sp>
+        <p:nvSpPr>
+          <p:cNvPr id="6" name="TextBox 5">
+            <a:extLst>
+              <a:ext uri="{FF2B5EF4-FFF2-40B4-BE49-F238E27FC236}">
+                <a16:creationId xmlns:a16="http://schemas.microsoft.com/office/drawing/2014/main" id="{29B3E2C0-6587-B64D-B030-79A3B120D83D}"/>
+              </a:ext>
+            </a:extLst>
+          </p:cNvPr>
+          <p:cNvSpPr txBox="1"/>
+          <p:nvPr/>
+        </p:nvSpPr>
+        <p:spPr>
+          <a:xfrm>
+            <a:off x="4271120" y="10962456"/>
+            <a:ext cx="16471830" cy="830997"/>
+          </a:xfrm>
+          <a:prstGeom prst="rect">
+            <a:avLst/>
+          </a:prstGeom>
+          <a:noFill/>
+        </p:spPr>
+        <p:txBody>
+          <a:bodyPr wrap="square">
+            <a:spAutoFit/>
+          </a:bodyPr>
+          <a:lstStyle/>
+          <a:p>
+            <a:r>
+              <a:rPr lang="en-US" b="0" i="1" dirty="0">
+                <a:solidFill>
+                  <a:srgbClr val="999999"/>
+                </a:solidFill>
+                <a:effectLst/>
+                <a:latin typeface="PT Sans" panose="020B0503020203020204" pitchFamily="34" charset="0"/>
+              </a:rPr>
+              <a:t>The same collection can be traversed in several different ways.</a:t>
+            </a:r>
+            <a:endParaRPr lang="en-US" dirty="0"/>
+          </a:p>
+        </p:txBody>
+      </p:sp>
+    </p:spTree>
+    <p:extLst>
+      <p:ext uri="{BB962C8B-B14F-4D97-AF65-F5344CB8AC3E}">
+        <p14:creationId xmlns:p14="http://schemas.microsoft.com/office/powerpoint/2010/main" val="3735070334"/>
+      </p:ext>
+    </p:extLst>
+  </p:cSld>
+  <p:clrMapOvr>
+    <a:masterClrMapping/>
+  </p:clrMapOvr>
+</p:sld>
+</file>
+
+<file path=ppt/slides/slide14.xml><?xml version="1.0" encoding="utf-8"?>
+<p:sld xmlns:a="http://schemas.openxmlformats.org/drawingml/2006/main" xmlns:r="http://schemas.openxmlformats.org/officeDocument/2006/relationships" xmlns:p="http://schemas.openxmlformats.org/presentationml/2006/main">
+  <p:cSld>
+    <p:spTree>
+      <p:nvGrpSpPr>
+        <p:cNvPr id="1" name=""/>
+        <p:cNvGrpSpPr/>
+        <p:nvPr/>
+      </p:nvGrpSpPr>
+      <p:grpSpPr>
+        <a:xfrm>
+          <a:off x="0" y="0"/>
+          <a:ext cx="0" cy="0"/>
+          <a:chOff x="0" y="0"/>
+          <a:chExt cx="0" cy="0"/>
+        </a:xfrm>
+      </p:grpSpPr>
+      <p:sp>
+        <p:nvSpPr>
+          <p:cNvPr id="2" name="Footer Placeholder 1">
+            <a:extLst>
+              <a:ext uri="{FF2B5EF4-FFF2-40B4-BE49-F238E27FC236}">
+                <a16:creationId xmlns:a16="http://schemas.microsoft.com/office/drawing/2014/main" id="{22DA5C28-F0FD-47D6-8E92-1C9E6EA87F96}"/>
+              </a:ext>
+            </a:extLst>
+          </p:cNvPr>
+          <p:cNvSpPr>
+            <a:spLocks noGrp="1"/>
+          </p:cNvSpPr>
+          <p:nvPr>
+            <p:ph type="ftr" sz="quarter" idx="3"/>
+          </p:nvPr>
+        </p:nvSpPr>
+        <p:spPr/>
+        <p:txBody>
+          <a:bodyPr/>
+          <a:lstStyle/>
+          <a:p>
+            <a:r>
+              <a:rPr lang="en-AU" dirty="0"/>
+              <a:t>© 2023 CargoWise</a:t>
+            </a:r>
+          </a:p>
+        </p:txBody>
+      </p:sp>
+      <p:sp>
+        <p:nvSpPr>
+          <p:cNvPr id="3" name="Slide Number Placeholder 2">
+            <a:extLst>
+              <a:ext uri="{FF2B5EF4-FFF2-40B4-BE49-F238E27FC236}">
+                <a16:creationId xmlns:a16="http://schemas.microsoft.com/office/drawing/2014/main" id="{15B20483-DDDA-4E06-872B-F88C31FDBA35}"/>
+              </a:ext>
+            </a:extLst>
+          </p:cNvPr>
+          <p:cNvSpPr>
+            <a:spLocks noGrp="1"/>
+          </p:cNvSpPr>
+          <p:nvPr>
+            <p:ph type="sldNum" sz="quarter" idx="4"/>
+          </p:nvPr>
+        </p:nvSpPr>
+        <p:spPr/>
+        <p:txBody>
+          <a:bodyPr/>
+          <a:lstStyle/>
+          <a:p>
+            <a:fld id="{67E7CB4E-0848-4774-9F85-B38117CB1B54}" type="slidenum">
+              <a:rPr lang="en-AU" smtClean="0"/>
+              <a:pPr/>
+              <a:t>14</a:t>
+            </a:fld>
+            <a:endParaRPr lang="en-AU"/>
+          </a:p>
+        </p:txBody>
+      </p:sp>
+      <p:sp>
+        <p:nvSpPr>
+          <p:cNvPr id="13" name="Title 9">
+            <a:extLst>
+              <a:ext uri="{FF2B5EF4-FFF2-40B4-BE49-F238E27FC236}">
+                <a16:creationId xmlns:a16="http://schemas.microsoft.com/office/drawing/2014/main" id="{3BAEBDBD-7B50-9F58-BD3C-27FF4C445264}"/>
+              </a:ext>
+            </a:extLst>
+          </p:cNvPr>
+          <p:cNvSpPr>
+            <a:spLocks noGrp="1"/>
+          </p:cNvSpPr>
+          <p:nvPr>
+            <p:ph type="title"/>
+          </p:nvPr>
+        </p:nvSpPr>
+        <p:spPr>
+          <a:xfrm>
+            <a:off x="1080000" y="1125271"/>
+            <a:ext cx="22201232" cy="701456"/>
+          </a:xfrm>
+        </p:spPr>
+        <p:txBody>
+          <a:bodyPr/>
+          <a:lstStyle/>
+          <a:p>
+            <a:r>
+              <a:rPr lang="en-US" b="1" dirty="0"/>
+              <a:t>4. </a:t>
+            </a:r>
+            <a:r>
+              <a:rPr lang="en-US" b="1" kern="1200" dirty="0">
+                <a:latin typeface="Calibri" panose="020F0502020204030204"/>
+                <a:ea typeface="+mn-ea"/>
+                <a:cs typeface="+mn-cs"/>
+              </a:rPr>
+              <a:t>Iterator</a:t>
+            </a:r>
+            <a:br>
+              <a:rPr lang="en-US" dirty="0"/>
+            </a:br>
+            <a:endParaRPr lang="en-US" dirty="0"/>
+          </a:p>
+        </p:txBody>
+      </p:sp>
+      <p:pic>
+        <p:nvPicPr>
+          <p:cNvPr id="1026" name="Picture 2" descr="Structure of the Iterator design pattern">
+            <a:extLst>
+              <a:ext uri="{FF2B5EF4-FFF2-40B4-BE49-F238E27FC236}">
+                <a16:creationId xmlns:a16="http://schemas.microsoft.com/office/drawing/2014/main" id="{0AEF86A3-A8BB-9C13-0590-702E1B309194}"/>
+              </a:ext>
+            </a:extLst>
+          </p:cNvPr>
+          <p:cNvPicPr>
+            <a:picLocks noChangeAspect="1" noChangeArrowheads="1"/>
+          </p:cNvPicPr>
+          <p:nvPr/>
+        </p:nvPicPr>
+        <p:blipFill>
+          <a:blip r:embed="rId3">
+            <a:extLst>
+              <a:ext uri="{28A0092B-C50C-407E-A947-70E740481C1C}">
+                <a14:useLocalDpi xmlns:a14="http://schemas.microsoft.com/office/drawing/2010/main" val="0"/>
+              </a:ext>
+            </a:extLst>
+          </a:blip>
+          <a:srcRect/>
+          <a:stretch>
+            <a:fillRect/>
+          </a:stretch>
+        </p:blipFill>
+        <p:spPr bwMode="auto">
+          <a:xfrm>
+            <a:off x="10319792" y="1475999"/>
+            <a:ext cx="10206880" cy="9143663"/>
+          </a:xfrm>
+          <a:prstGeom prst="rect">
+            <a:avLst/>
+          </a:prstGeom>
+          <a:noFill/>
+          <a:extLst>
+            <a:ext uri="{909E8E84-426E-40DD-AFC4-6F175D3DCCD1}">
+              <a14:hiddenFill xmlns:a14="http://schemas.microsoft.com/office/drawing/2010/main">
+                <a:solidFill>
+                  <a:srgbClr val="FFFFFF"/>
+                </a:solidFill>
+              </a14:hiddenFill>
+            </a:ext>
+          </a:extLst>
+        </p:spPr>
+      </p:pic>
+      <p:graphicFrame>
+        <p:nvGraphicFramePr>
+          <p:cNvPr id="4" name="Diagram 3">
+            <a:extLst>
+              <a:ext uri="{FF2B5EF4-FFF2-40B4-BE49-F238E27FC236}">
+                <a16:creationId xmlns:a16="http://schemas.microsoft.com/office/drawing/2014/main" id="{B47080E8-0602-993C-35A2-C52214EE5B2A}"/>
+              </a:ext>
+            </a:extLst>
+          </p:cNvPr>
+          <p:cNvGraphicFramePr/>
+          <p:nvPr/>
+        </p:nvGraphicFramePr>
+        <p:xfrm>
+          <a:off x="1606824" y="3293604"/>
+          <a:ext cx="7098595" cy="4284476"/>
+        </p:xfrm>
+        <a:graphic>
+          <a:graphicData uri="http://schemas.openxmlformats.org/drawingml/2006/diagram">
+            <dgm:relIds xmlns:dgm="http://schemas.openxmlformats.org/drawingml/2006/diagram" xmlns:r="http://schemas.openxmlformats.org/officeDocument/2006/relationships" r:dm="rId4" r:lo="rId5" r:qs="rId6" r:cs="rId7"/>
+          </a:graphicData>
+        </a:graphic>
+      </p:graphicFrame>
+    </p:spTree>
+    <p:extLst>
+      <p:ext uri="{BB962C8B-B14F-4D97-AF65-F5344CB8AC3E}">
+        <p14:creationId xmlns:p14="http://schemas.microsoft.com/office/powerpoint/2010/main" val="1534296091"/>
+      </p:ext>
+    </p:extLst>
+  </p:cSld>
+  <p:clrMapOvr>
+    <a:masterClrMapping/>
+  </p:clrMapOvr>
+</p:sld>
+</file>
+
+<file path=ppt/slides/slide15.xml><?xml version="1.0" encoding="utf-8"?>
+<p:sld xmlns:a="http://schemas.openxmlformats.org/drawingml/2006/main" xmlns:r="http://schemas.openxmlformats.org/officeDocument/2006/relationships" xmlns:p="http://schemas.openxmlformats.org/presentationml/2006/main">
+  <p:cSld>
+    <p:spTree>
+      <p:nvGrpSpPr>
+        <p:cNvPr id="1" name=""/>
+        <p:cNvGrpSpPr/>
+        <p:nvPr/>
+      </p:nvGrpSpPr>
+      <p:grpSpPr>
+        <a:xfrm>
+          <a:off x="0" y="0"/>
+          <a:ext cx="0" cy="0"/>
+          <a:chOff x="0" y="0"/>
+          <a:chExt cx="0" cy="0"/>
+        </a:xfrm>
+      </p:grpSpPr>
+      <p:sp>
+        <p:nvSpPr>
+          <p:cNvPr id="2" name="Footer Placeholder 1">
+            <a:extLst>
+              <a:ext uri="{FF2B5EF4-FFF2-40B4-BE49-F238E27FC236}">
+                <a16:creationId xmlns:a16="http://schemas.microsoft.com/office/drawing/2014/main" id="{22DA5C28-F0FD-47D6-8E92-1C9E6EA87F96}"/>
+              </a:ext>
+            </a:extLst>
+          </p:cNvPr>
+          <p:cNvSpPr>
+            <a:spLocks noGrp="1"/>
+          </p:cNvSpPr>
+          <p:nvPr>
+            <p:ph type="ftr" sz="quarter" idx="3"/>
+          </p:nvPr>
+        </p:nvSpPr>
+        <p:spPr/>
+        <p:txBody>
+          <a:bodyPr/>
+          <a:lstStyle/>
+          <a:p>
+            <a:r>
+              <a:rPr lang="en-AU" dirty="0"/>
+              <a:t>© 2023 CargoWise</a:t>
+            </a:r>
+          </a:p>
+        </p:txBody>
+      </p:sp>
+      <p:sp>
+        <p:nvSpPr>
+          <p:cNvPr id="3" name="Slide Number Placeholder 2">
+            <a:extLst>
+              <a:ext uri="{FF2B5EF4-FFF2-40B4-BE49-F238E27FC236}">
+                <a16:creationId xmlns:a16="http://schemas.microsoft.com/office/drawing/2014/main" id="{15B20483-DDDA-4E06-872B-F88C31FDBA35}"/>
+              </a:ext>
+            </a:extLst>
+          </p:cNvPr>
+          <p:cNvSpPr>
+            <a:spLocks noGrp="1"/>
+          </p:cNvSpPr>
+          <p:nvPr>
+            <p:ph type="sldNum" sz="quarter" idx="4"/>
+          </p:nvPr>
+        </p:nvSpPr>
+        <p:spPr/>
+        <p:txBody>
+          <a:bodyPr/>
+          <a:lstStyle/>
+          <a:p>
+            <a:fld id="{67E7CB4E-0848-4774-9F85-B38117CB1B54}" type="slidenum">
+              <a:rPr lang="en-AU" smtClean="0"/>
+              <a:pPr/>
+              <a:t>15</a:t>
+            </a:fld>
+            <a:endParaRPr lang="en-AU"/>
+          </a:p>
+        </p:txBody>
+      </p:sp>
+      <p:sp>
+        <p:nvSpPr>
+          <p:cNvPr id="13" name="Title 9">
+            <a:extLst>
+              <a:ext uri="{FF2B5EF4-FFF2-40B4-BE49-F238E27FC236}">
+                <a16:creationId xmlns:a16="http://schemas.microsoft.com/office/drawing/2014/main" id="{3BAEBDBD-7B50-9F58-BD3C-27FF4C445264}"/>
+              </a:ext>
+            </a:extLst>
+          </p:cNvPr>
+          <p:cNvSpPr>
+            <a:spLocks noGrp="1"/>
+          </p:cNvSpPr>
+          <p:nvPr>
+            <p:ph type="title"/>
+          </p:nvPr>
+        </p:nvSpPr>
+        <p:spPr>
+          <a:xfrm>
+            <a:off x="1080000" y="1125271"/>
+            <a:ext cx="22201232" cy="701456"/>
+          </a:xfrm>
+        </p:spPr>
+        <p:txBody>
+          <a:bodyPr/>
+          <a:lstStyle/>
+          <a:p>
+            <a:r>
+              <a:rPr lang="en-US" b="1" dirty="0"/>
+              <a:t>4. </a:t>
+            </a:r>
+            <a:r>
+              <a:rPr lang="en-US" b="1" kern="1200" dirty="0">
+                <a:latin typeface="Calibri" panose="020F0502020204030204"/>
+                <a:ea typeface="+mn-ea"/>
+                <a:cs typeface="+mn-cs"/>
+              </a:rPr>
+              <a:t>Iterator</a:t>
+            </a:r>
+            <a:br>
+              <a:rPr lang="en-US" dirty="0"/>
+            </a:br>
+            <a:endParaRPr lang="en-US" dirty="0"/>
+          </a:p>
+        </p:txBody>
+      </p:sp>
+      <p:pic>
+        <p:nvPicPr>
+          <p:cNvPr id="8" name="Picture 7">
+            <a:extLst>
+              <a:ext uri="{FF2B5EF4-FFF2-40B4-BE49-F238E27FC236}">
+                <a16:creationId xmlns:a16="http://schemas.microsoft.com/office/drawing/2014/main" id="{6A4313A0-CFB9-5430-6BC7-B17683B17DD3}"/>
+              </a:ext>
+            </a:extLst>
+          </p:cNvPr>
+          <p:cNvPicPr>
+            <a:picLocks noChangeAspect="1"/>
+          </p:cNvPicPr>
+          <p:nvPr/>
+        </p:nvPicPr>
+        <p:blipFill>
+          <a:blip r:embed="rId3"/>
+          <a:stretch>
+            <a:fillRect/>
+          </a:stretch>
+        </p:blipFill>
+        <p:spPr>
+          <a:xfrm>
+            <a:off x="3695056" y="1836944"/>
+            <a:ext cx="16129792" cy="9522851"/>
+          </a:xfrm>
+          <a:prstGeom prst="rect">
+            <a:avLst/>
+          </a:prstGeom>
+        </p:spPr>
+      </p:pic>
+    </p:spTree>
+    <p:extLst>
+      <p:ext uri="{BB962C8B-B14F-4D97-AF65-F5344CB8AC3E}">
+        <p14:creationId xmlns:p14="http://schemas.microsoft.com/office/powerpoint/2010/main" val="2396239640"/>
+      </p:ext>
+    </p:extLst>
+  </p:cSld>
+  <p:clrMapOvr>
+    <a:masterClrMapping/>
+  </p:clrMapOvr>
+</p:sld>
+</file>
+
+<file path=ppt/slides/slide16.xml><?xml version="1.0" encoding="utf-8"?>
+<p:sld xmlns:a="http://schemas.openxmlformats.org/drawingml/2006/main" xmlns:r="http://schemas.openxmlformats.org/officeDocument/2006/relationships" xmlns:p="http://schemas.openxmlformats.org/presentationml/2006/main">
+  <p:cSld>
+    <p:spTree>
+      <p:nvGrpSpPr>
+        <p:cNvPr id="1" name=""/>
+        <p:cNvGrpSpPr/>
+        <p:nvPr/>
+      </p:nvGrpSpPr>
+      <p:grpSpPr>
+        <a:xfrm>
+          <a:off x="0" y="0"/>
+          <a:ext cx="0" cy="0"/>
+          <a:chOff x="0" y="0"/>
+          <a:chExt cx="0" cy="0"/>
+        </a:xfrm>
+      </p:grpSpPr>
+      <p:sp>
+        <p:nvSpPr>
+          <p:cNvPr id="2" name="Footer Placeholder 1">
+            <a:extLst>
+              <a:ext uri="{FF2B5EF4-FFF2-40B4-BE49-F238E27FC236}">
+                <a16:creationId xmlns:a16="http://schemas.microsoft.com/office/drawing/2014/main" id="{22DA5C28-F0FD-47D6-8E92-1C9E6EA87F96}"/>
+              </a:ext>
+            </a:extLst>
+          </p:cNvPr>
+          <p:cNvSpPr>
+            <a:spLocks noGrp="1"/>
+          </p:cNvSpPr>
+          <p:nvPr>
+            <p:ph type="ftr" sz="quarter" idx="3"/>
+          </p:nvPr>
+        </p:nvSpPr>
+        <p:spPr/>
+        <p:txBody>
+          <a:bodyPr/>
+          <a:lstStyle/>
+          <a:p>
+            <a:r>
+              <a:rPr lang="en-AU" dirty="0"/>
+              <a:t>© 2023 CargoWise</a:t>
+            </a:r>
+          </a:p>
+        </p:txBody>
+      </p:sp>
+      <p:sp>
+        <p:nvSpPr>
+          <p:cNvPr id="3" name="Slide Number Placeholder 2">
+            <a:extLst>
+              <a:ext uri="{FF2B5EF4-FFF2-40B4-BE49-F238E27FC236}">
+                <a16:creationId xmlns:a16="http://schemas.microsoft.com/office/drawing/2014/main" id="{15B20483-DDDA-4E06-872B-F88C31FDBA35}"/>
+              </a:ext>
+            </a:extLst>
+          </p:cNvPr>
+          <p:cNvSpPr>
+            <a:spLocks noGrp="1"/>
+          </p:cNvSpPr>
+          <p:nvPr>
+            <p:ph type="sldNum" sz="quarter" idx="4"/>
+          </p:nvPr>
+        </p:nvSpPr>
+        <p:spPr/>
+        <p:txBody>
+          <a:bodyPr/>
+          <a:lstStyle/>
+          <a:p>
+            <a:fld id="{67E7CB4E-0848-4774-9F85-B38117CB1B54}" type="slidenum">
+              <a:rPr lang="en-AU" smtClean="0"/>
+              <a:pPr/>
+              <a:t>16</a:t>
+            </a:fld>
+            <a:endParaRPr lang="en-AU"/>
+          </a:p>
+        </p:txBody>
+      </p:sp>
+      <p:sp>
+        <p:nvSpPr>
+          <p:cNvPr id="13" name="Title 9">
+            <a:extLst>
+              <a:ext uri="{FF2B5EF4-FFF2-40B4-BE49-F238E27FC236}">
+                <a16:creationId xmlns:a16="http://schemas.microsoft.com/office/drawing/2014/main" id="{3BAEBDBD-7B50-9F58-BD3C-27FF4C445264}"/>
+              </a:ext>
+            </a:extLst>
+          </p:cNvPr>
+          <p:cNvSpPr>
+            <a:spLocks noGrp="1"/>
+          </p:cNvSpPr>
+          <p:nvPr>
+            <p:ph type="title"/>
+          </p:nvPr>
+        </p:nvSpPr>
+        <p:spPr>
+          <a:xfrm>
+            <a:off x="1080000" y="1125271"/>
+            <a:ext cx="22201232" cy="701456"/>
+          </a:xfrm>
+        </p:spPr>
+        <p:txBody>
+          <a:bodyPr/>
+          <a:lstStyle/>
+          <a:p>
+            <a:r>
+              <a:rPr lang="en-US" b="1" dirty="0"/>
+              <a:t>5. </a:t>
+            </a:r>
+            <a:r>
+              <a:rPr lang="en-US" b="1" kern="1200" dirty="0">
+                <a:latin typeface="Calibri" panose="020F0502020204030204"/>
+                <a:ea typeface="+mn-ea"/>
+                <a:cs typeface="+mn-cs"/>
+              </a:rPr>
+              <a:t>Visitor</a:t>
+            </a:r>
+            <a:br>
+              <a:rPr lang="en-US" dirty="0"/>
+            </a:br>
+            <a:endParaRPr lang="en-US" dirty="0"/>
+          </a:p>
+        </p:txBody>
+      </p:sp>
+      <p:pic>
+        <p:nvPicPr>
+          <p:cNvPr id="3076" name="Picture 4" descr="Insurance agent">
+            <a:extLst>
+              <a:ext uri="{FF2B5EF4-FFF2-40B4-BE49-F238E27FC236}">
+                <a16:creationId xmlns:a16="http://schemas.microsoft.com/office/drawing/2014/main" id="{703D5C34-F594-D2EF-2D01-5BDAADFAE550}"/>
+              </a:ext>
+            </a:extLst>
+          </p:cNvPr>
+          <p:cNvPicPr>
+            <a:picLocks noChangeAspect="1" noChangeArrowheads="1"/>
+          </p:cNvPicPr>
+          <p:nvPr/>
+        </p:nvPicPr>
+        <p:blipFill>
+          <a:blip r:embed="rId3">
+            <a:extLst>
+              <a:ext uri="{28A0092B-C50C-407E-A947-70E740481C1C}">
+                <a14:useLocalDpi xmlns:a14="http://schemas.microsoft.com/office/drawing/2010/main" val="0"/>
+              </a:ext>
+            </a:extLst>
+          </a:blip>
+          <a:srcRect/>
+          <a:stretch>
+            <a:fillRect/>
+          </a:stretch>
+        </p:blipFill>
+        <p:spPr bwMode="auto">
+          <a:xfrm>
+            <a:off x="3583523" y="2681536"/>
+            <a:ext cx="15265696" cy="7632848"/>
+          </a:xfrm>
+          <a:prstGeom prst="rect">
+            <a:avLst/>
+          </a:prstGeom>
+          <a:noFill/>
+          <a:extLst>
+            <a:ext uri="{909E8E84-426E-40DD-AFC4-6F175D3DCCD1}">
+              <a14:hiddenFill xmlns:a14="http://schemas.microsoft.com/office/drawing/2010/main">
+                <a:solidFill>
+                  <a:srgbClr val="FFFFFF"/>
+                </a:solidFill>
+              </a14:hiddenFill>
+            </a:ext>
+          </a:extLst>
+        </p:spPr>
+      </p:pic>
+    </p:spTree>
+    <p:extLst>
+      <p:ext uri="{BB962C8B-B14F-4D97-AF65-F5344CB8AC3E}">
+        <p14:creationId xmlns:p14="http://schemas.microsoft.com/office/powerpoint/2010/main" val="2312788854"/>
+      </p:ext>
+    </p:extLst>
+  </p:cSld>
+  <p:clrMapOvr>
+    <a:masterClrMapping/>
+  </p:clrMapOvr>
+</p:sld>
+</file>
+
+<file path=ppt/slides/slide17.xml><?xml version="1.0" encoding="utf-8"?>
+<p:sld xmlns:a="http://schemas.openxmlformats.org/drawingml/2006/main" xmlns:r="http://schemas.openxmlformats.org/officeDocument/2006/relationships" xmlns:p="http://schemas.openxmlformats.org/presentationml/2006/main">
+  <p:cSld>
+    <p:spTree>
+      <p:nvGrpSpPr>
+        <p:cNvPr id="1" name=""/>
+        <p:cNvGrpSpPr/>
+        <p:nvPr/>
+      </p:nvGrpSpPr>
+      <p:grpSpPr>
+        <a:xfrm>
+          <a:off x="0" y="0"/>
+          <a:ext cx="0" cy="0"/>
+          <a:chOff x="0" y="0"/>
+          <a:chExt cx="0" cy="0"/>
+        </a:xfrm>
+      </p:grpSpPr>
+      <p:sp>
+        <p:nvSpPr>
+          <p:cNvPr id="2" name="Footer Placeholder 1">
+            <a:extLst>
+              <a:ext uri="{FF2B5EF4-FFF2-40B4-BE49-F238E27FC236}">
+                <a16:creationId xmlns:a16="http://schemas.microsoft.com/office/drawing/2014/main" id="{22DA5C28-F0FD-47D6-8E92-1C9E6EA87F96}"/>
+              </a:ext>
+            </a:extLst>
+          </p:cNvPr>
+          <p:cNvSpPr>
+            <a:spLocks noGrp="1"/>
+          </p:cNvSpPr>
+          <p:nvPr>
+            <p:ph type="ftr" sz="quarter" idx="3"/>
+          </p:nvPr>
+        </p:nvSpPr>
+        <p:spPr/>
+        <p:txBody>
+          <a:bodyPr/>
+          <a:lstStyle/>
+          <a:p>
+            <a:r>
+              <a:rPr lang="en-AU" dirty="0"/>
+              <a:t>© 2023 CargoWise</a:t>
+            </a:r>
+          </a:p>
+        </p:txBody>
+      </p:sp>
+      <p:sp>
+        <p:nvSpPr>
+          <p:cNvPr id="3" name="Slide Number Placeholder 2">
+            <a:extLst>
+              <a:ext uri="{FF2B5EF4-FFF2-40B4-BE49-F238E27FC236}">
+                <a16:creationId xmlns:a16="http://schemas.microsoft.com/office/drawing/2014/main" id="{15B20483-DDDA-4E06-872B-F88C31FDBA35}"/>
+              </a:ext>
+            </a:extLst>
+          </p:cNvPr>
+          <p:cNvSpPr>
+            <a:spLocks noGrp="1"/>
+          </p:cNvSpPr>
+          <p:nvPr>
+            <p:ph type="sldNum" sz="quarter" idx="4"/>
+          </p:nvPr>
+        </p:nvSpPr>
+        <p:spPr/>
+        <p:txBody>
+          <a:bodyPr/>
+          <a:lstStyle/>
+          <a:p>
+            <a:fld id="{67E7CB4E-0848-4774-9F85-B38117CB1B54}" type="slidenum">
+              <a:rPr lang="en-AU" smtClean="0"/>
+              <a:pPr/>
+              <a:t>17</a:t>
+            </a:fld>
+            <a:endParaRPr lang="en-AU"/>
+          </a:p>
+        </p:txBody>
+      </p:sp>
+      <p:sp>
+        <p:nvSpPr>
+          <p:cNvPr id="13" name="Title 9">
+            <a:extLst>
+              <a:ext uri="{FF2B5EF4-FFF2-40B4-BE49-F238E27FC236}">
+                <a16:creationId xmlns:a16="http://schemas.microsoft.com/office/drawing/2014/main" id="{3BAEBDBD-7B50-9F58-BD3C-27FF4C445264}"/>
+              </a:ext>
+            </a:extLst>
+          </p:cNvPr>
+          <p:cNvSpPr>
+            <a:spLocks noGrp="1"/>
+          </p:cNvSpPr>
+          <p:nvPr>
+            <p:ph type="title"/>
+          </p:nvPr>
+        </p:nvSpPr>
+        <p:spPr>
+          <a:xfrm>
+            <a:off x="1080000" y="1125271"/>
+            <a:ext cx="22201232" cy="701456"/>
+          </a:xfrm>
+        </p:spPr>
+        <p:txBody>
+          <a:bodyPr/>
+          <a:lstStyle/>
+          <a:p>
+            <a:r>
+              <a:rPr lang="en-US" b="1" dirty="0"/>
+              <a:t>5. </a:t>
+            </a:r>
+            <a:r>
+              <a:rPr lang="en-US" b="1" kern="1200" dirty="0">
+                <a:latin typeface="Calibri" panose="020F0502020204030204"/>
+                <a:ea typeface="+mn-ea"/>
+                <a:cs typeface="+mn-cs"/>
+              </a:rPr>
+              <a:t>Visitor</a:t>
+            </a:r>
+            <a:br>
+              <a:rPr lang="en-US" dirty="0"/>
+            </a:br>
+            <a:endParaRPr lang="en-US" dirty="0"/>
+          </a:p>
+        </p:txBody>
+      </p:sp>
+      <p:pic>
+        <p:nvPicPr>
+          <p:cNvPr id="3074" name="Picture 2" descr="Structure of the Visitor design pattern">
+            <a:extLst>
+              <a:ext uri="{FF2B5EF4-FFF2-40B4-BE49-F238E27FC236}">
+                <a16:creationId xmlns:a16="http://schemas.microsoft.com/office/drawing/2014/main" id="{02B59D1B-459F-9F25-0EEA-2B9A89CDA84D}"/>
+              </a:ext>
+            </a:extLst>
+          </p:cNvPr>
+          <p:cNvPicPr>
+            <a:picLocks noChangeAspect="1" noChangeArrowheads="1"/>
+          </p:cNvPicPr>
+          <p:nvPr/>
+        </p:nvPicPr>
+        <p:blipFill>
+          <a:blip r:embed="rId3">
+            <a:extLst>
+              <a:ext uri="{28A0092B-C50C-407E-A947-70E740481C1C}">
+                <a14:useLocalDpi xmlns:a14="http://schemas.microsoft.com/office/drawing/2010/main" val="0"/>
+              </a:ext>
+            </a:extLst>
+          </a:blip>
+          <a:srcRect/>
+          <a:stretch>
+            <a:fillRect/>
+          </a:stretch>
+        </p:blipFill>
+        <p:spPr bwMode="auto">
+          <a:xfrm>
+            <a:off x="9167664" y="2027925"/>
+            <a:ext cx="9505056" cy="9870635"/>
+          </a:xfrm>
+          <a:prstGeom prst="rect">
+            <a:avLst/>
+          </a:prstGeom>
+          <a:noFill/>
+          <a:extLst>
+            <a:ext uri="{909E8E84-426E-40DD-AFC4-6F175D3DCCD1}">
+              <a14:hiddenFill xmlns:a14="http://schemas.microsoft.com/office/drawing/2010/main">
+                <a:solidFill>
+                  <a:srgbClr val="FFFFFF"/>
+                </a:solidFill>
+              </a14:hiddenFill>
+            </a:ext>
+          </a:extLst>
+        </p:spPr>
+      </p:pic>
+      <p:graphicFrame>
+        <p:nvGraphicFramePr>
+          <p:cNvPr id="4" name="Diagram 3">
+            <a:extLst>
+              <a:ext uri="{FF2B5EF4-FFF2-40B4-BE49-F238E27FC236}">
+                <a16:creationId xmlns:a16="http://schemas.microsoft.com/office/drawing/2014/main" id="{484DBF80-53B6-7CC3-AA1F-32FFC8562937}"/>
+              </a:ext>
+            </a:extLst>
+          </p:cNvPr>
+          <p:cNvGraphicFramePr/>
+          <p:nvPr>
+            <p:extLst>
+              <p:ext uri="{D42A27DB-BD31-4B8C-83A1-F6EECF244321}">
+                <p14:modId xmlns:p14="http://schemas.microsoft.com/office/powerpoint/2010/main" val="1836263989"/>
+              </p:ext>
+            </p:extLst>
+          </p:nvPr>
+        </p:nvGraphicFramePr>
+        <p:xfrm>
+          <a:off x="1606825" y="3293604"/>
+          <a:ext cx="5400599" cy="4284476"/>
+        </p:xfrm>
+        <a:graphic>
+          <a:graphicData uri="http://schemas.openxmlformats.org/drawingml/2006/diagram">
+            <dgm:relIds xmlns:dgm="http://schemas.openxmlformats.org/drawingml/2006/diagram" xmlns:r="http://schemas.openxmlformats.org/officeDocument/2006/relationships" r:dm="rId4" r:lo="rId5" r:qs="rId6" r:cs="rId7"/>
+          </a:graphicData>
+        </a:graphic>
+      </p:graphicFrame>
+    </p:spTree>
+    <p:extLst>
+      <p:ext uri="{BB962C8B-B14F-4D97-AF65-F5344CB8AC3E}">
+        <p14:creationId xmlns:p14="http://schemas.microsoft.com/office/powerpoint/2010/main" val="4168125830"/>
+      </p:ext>
+    </p:extLst>
+  </p:cSld>
+  <p:clrMapOvr>
+    <a:masterClrMapping/>
+  </p:clrMapOvr>
+</p:sld>
+</file>
+
+<file path=ppt/slides/slide18.xml><?xml version="1.0" encoding="utf-8"?>
+<p:sld xmlns:a="http://schemas.openxmlformats.org/drawingml/2006/main" xmlns:r="http://schemas.openxmlformats.org/officeDocument/2006/relationships" xmlns:p="http://schemas.openxmlformats.org/presentationml/2006/main">
+  <p:cSld>
+    <p:spTree>
+      <p:nvGrpSpPr>
+        <p:cNvPr id="1" name=""/>
+        <p:cNvGrpSpPr/>
+        <p:nvPr/>
+      </p:nvGrpSpPr>
+      <p:grpSpPr>
+        <a:xfrm>
+          <a:off x="0" y="0"/>
+          <a:ext cx="0" cy="0"/>
+          <a:chOff x="0" y="0"/>
+          <a:chExt cx="0" cy="0"/>
+        </a:xfrm>
+      </p:grpSpPr>
+      <p:sp>
+        <p:nvSpPr>
+          <p:cNvPr id="2" name="Footer Placeholder 1">
+            <a:extLst>
+              <a:ext uri="{FF2B5EF4-FFF2-40B4-BE49-F238E27FC236}">
+                <a16:creationId xmlns:a16="http://schemas.microsoft.com/office/drawing/2014/main" id="{22DA5C28-F0FD-47D6-8E92-1C9E6EA87F96}"/>
+              </a:ext>
+            </a:extLst>
+          </p:cNvPr>
+          <p:cNvSpPr>
+            <a:spLocks noGrp="1"/>
+          </p:cNvSpPr>
+          <p:nvPr>
+            <p:ph type="ftr" sz="quarter" idx="3"/>
+          </p:nvPr>
+        </p:nvSpPr>
+        <p:spPr/>
+        <p:txBody>
+          <a:bodyPr/>
+          <a:lstStyle/>
+          <a:p>
+            <a:r>
+              <a:rPr lang="en-AU" dirty="0"/>
+              <a:t>© 2023 CargoWise</a:t>
+            </a:r>
+          </a:p>
+        </p:txBody>
+      </p:sp>
+      <p:sp>
+        <p:nvSpPr>
+          <p:cNvPr id="3" name="Slide Number Placeholder 2">
+            <a:extLst>
+              <a:ext uri="{FF2B5EF4-FFF2-40B4-BE49-F238E27FC236}">
+                <a16:creationId xmlns:a16="http://schemas.microsoft.com/office/drawing/2014/main" id="{15B20483-DDDA-4E06-872B-F88C31FDBA35}"/>
+              </a:ext>
+            </a:extLst>
+          </p:cNvPr>
+          <p:cNvSpPr>
+            <a:spLocks noGrp="1"/>
+          </p:cNvSpPr>
+          <p:nvPr>
+            <p:ph type="sldNum" sz="quarter" idx="4"/>
+          </p:nvPr>
+        </p:nvSpPr>
+        <p:spPr/>
+        <p:txBody>
+          <a:bodyPr/>
+          <a:lstStyle/>
+          <a:p>
+            <a:fld id="{67E7CB4E-0848-4774-9F85-B38117CB1B54}" type="slidenum">
+              <a:rPr lang="en-AU" smtClean="0"/>
+              <a:pPr/>
+              <a:t>18</a:t>
+            </a:fld>
+            <a:endParaRPr lang="en-AU"/>
+          </a:p>
+        </p:txBody>
+      </p:sp>
+      <p:sp>
+        <p:nvSpPr>
+          <p:cNvPr id="13" name="Title 9">
+            <a:extLst>
+              <a:ext uri="{FF2B5EF4-FFF2-40B4-BE49-F238E27FC236}">
+                <a16:creationId xmlns:a16="http://schemas.microsoft.com/office/drawing/2014/main" id="{3BAEBDBD-7B50-9F58-BD3C-27FF4C445264}"/>
+              </a:ext>
+            </a:extLst>
+          </p:cNvPr>
+          <p:cNvSpPr>
+            <a:spLocks noGrp="1"/>
+          </p:cNvSpPr>
+          <p:nvPr>
+            <p:ph type="title"/>
+          </p:nvPr>
+        </p:nvSpPr>
+        <p:spPr>
+          <a:xfrm>
+            <a:off x="1080000" y="1125271"/>
+            <a:ext cx="22201232" cy="701456"/>
+          </a:xfrm>
+        </p:spPr>
+        <p:txBody>
+          <a:bodyPr/>
+          <a:lstStyle/>
+          <a:p>
+            <a:r>
+              <a:rPr lang="en-US" b="1" dirty="0"/>
+              <a:t>5. </a:t>
+            </a:r>
+            <a:r>
+              <a:rPr lang="en-US" b="1" kern="1200" dirty="0">
+                <a:latin typeface="Calibri" panose="020F0502020204030204"/>
+                <a:ea typeface="+mn-ea"/>
+                <a:cs typeface="+mn-cs"/>
+              </a:rPr>
+              <a:t>Visitor</a:t>
+            </a:r>
+            <a:br>
+              <a:rPr lang="en-US" dirty="0"/>
+            </a:br>
+            <a:endParaRPr lang="en-US" dirty="0"/>
+          </a:p>
+        </p:txBody>
+      </p:sp>
+      <p:pic>
+        <p:nvPicPr>
+          <p:cNvPr id="4" name="Picture 3">
+            <a:extLst>
+              <a:ext uri="{FF2B5EF4-FFF2-40B4-BE49-F238E27FC236}">
+                <a16:creationId xmlns:a16="http://schemas.microsoft.com/office/drawing/2014/main" id="{F17740F9-1F9E-E3F8-26ED-64C1F8C19DE8}"/>
+              </a:ext>
+            </a:extLst>
+          </p:cNvPr>
+          <p:cNvPicPr>
+            <a:picLocks noChangeAspect="1"/>
+          </p:cNvPicPr>
+          <p:nvPr/>
+        </p:nvPicPr>
+        <p:blipFill>
+          <a:blip r:embed="rId3"/>
+          <a:stretch>
+            <a:fillRect/>
+          </a:stretch>
+        </p:blipFill>
+        <p:spPr>
+          <a:xfrm>
+            <a:off x="3551040" y="2196104"/>
+            <a:ext cx="15553728" cy="9653416"/>
+          </a:xfrm>
+          <a:prstGeom prst="rect">
+            <a:avLst/>
+          </a:prstGeom>
+        </p:spPr>
+      </p:pic>
+    </p:spTree>
+    <p:extLst>
+      <p:ext uri="{BB962C8B-B14F-4D97-AF65-F5344CB8AC3E}">
+        <p14:creationId xmlns:p14="http://schemas.microsoft.com/office/powerpoint/2010/main" val="3101352317"/>
+      </p:ext>
+    </p:extLst>
+  </p:cSld>
+  <p:clrMapOvr>
+    <a:masterClrMapping/>
+  </p:clrMapOvr>
+</p:sld>
+</file>
+
+<file path=ppt/slides/slide19.xml><?xml version="1.0" encoding="utf-8"?>
+<p:sld xmlns:a="http://schemas.openxmlformats.org/drawingml/2006/main" xmlns:r="http://schemas.openxmlformats.org/officeDocument/2006/relationships" xmlns:p="http://schemas.openxmlformats.org/presentationml/2006/main">
+  <p:cSld>
+    <p:spTree>
+      <p:nvGrpSpPr>
+        <p:cNvPr id="1" name=""/>
+        <p:cNvGrpSpPr/>
+        <p:nvPr/>
+      </p:nvGrpSpPr>
+      <p:grpSpPr>
+        <a:xfrm>
+          <a:off x="0" y="0"/>
+          <a:ext cx="0" cy="0"/>
+          <a:chOff x="0" y="0"/>
+          <a:chExt cx="0" cy="0"/>
+        </a:xfrm>
+      </p:grpSpPr>
+      <p:sp>
+        <p:nvSpPr>
           <p:cNvPr id="6" name="TextBox 5">
             <a:extLst>
               <a:ext uri="{FF2B5EF4-FFF2-40B4-BE49-F238E27FC236}">
@@ -22390,7 +28997,7 @@
                   <a:spcPts val="600"/>
                 </a:spcAft>
               </a:pPr>
-              <a:t>13</a:t>
+              <a:t>19</a:t>
             </a:fld>
             <a:endParaRPr lang="en-AU"/>
           </a:p>
@@ -22409,7 +29016,7 @@
           <p:nvPr>
             <p:extLst>
               <p:ext uri="{D42A27DB-BD31-4B8C-83A1-F6EECF244321}">
-                <p14:modId xmlns:p14="http://schemas.microsoft.com/office/powerpoint/2010/main" val="3994323922"/>
+                <p14:modId xmlns:p14="http://schemas.microsoft.com/office/powerpoint/2010/main" val="119245199"/>
               </p:ext>
             </p:extLst>
           </p:nvPr>
@@ -22437,7 +29044,166 @@
 </p:sld>
 </file>
 
-<file path=ppt/slides/slide14.xml><?xml version="1.0" encoding="utf-8"?>
+<file path=ppt/slides/slide2.xml><?xml version="1.0" encoding="utf-8"?>
+<p:sld xmlns:a="http://schemas.openxmlformats.org/drawingml/2006/main" xmlns:r="http://schemas.openxmlformats.org/officeDocument/2006/relationships" xmlns:p="http://schemas.openxmlformats.org/presentationml/2006/main">
+  <p:cSld>
+    <p:spTree>
+      <p:nvGrpSpPr>
+        <p:cNvPr id="1" name=""/>
+        <p:cNvGrpSpPr/>
+        <p:nvPr/>
+      </p:nvGrpSpPr>
+      <p:grpSpPr>
+        <a:xfrm>
+          <a:off x="0" y="0"/>
+          <a:ext cx="0" cy="0"/>
+          <a:chOff x="0" y="0"/>
+          <a:chExt cx="0" cy="0"/>
+        </a:xfrm>
+      </p:grpSpPr>
+      <p:sp>
+        <p:nvSpPr>
+          <p:cNvPr id="9" name="Title 8">
+            <a:extLst>
+              <a:ext uri="{FF2B5EF4-FFF2-40B4-BE49-F238E27FC236}">
+                <a16:creationId xmlns:a16="http://schemas.microsoft.com/office/drawing/2014/main" id="{2C86B50C-0BCC-453C-9B60-7CE272F7854D}"/>
+              </a:ext>
+            </a:extLst>
+          </p:cNvPr>
+          <p:cNvSpPr>
+            <a:spLocks noGrp="1"/>
+          </p:cNvSpPr>
+          <p:nvPr>
+            <p:ph type="title"/>
+          </p:nvPr>
+        </p:nvSpPr>
+        <p:spPr/>
+        <p:txBody>
+          <a:bodyPr/>
+          <a:lstStyle/>
+          <a:p>
+            <a:r>
+              <a:rPr lang="en-US" b="1" dirty="0"/>
+              <a:t>Design</a:t>
+            </a:r>
+            <a:r>
+              <a:rPr lang="en-US" dirty="0"/>
+              <a:t> </a:t>
+            </a:r>
+            <a:r>
+              <a:rPr lang="en-US" b="1" dirty="0"/>
+              <a:t>Patterns</a:t>
+            </a:r>
+            <a:br>
+              <a:rPr lang="en-US" dirty="0"/>
+            </a:br>
+            <a:endParaRPr lang="en-US" dirty="0"/>
+          </a:p>
+        </p:txBody>
+      </p:sp>
+      <p:sp>
+        <p:nvSpPr>
+          <p:cNvPr id="2" name="Footer Placeholder 1">
+            <a:extLst>
+              <a:ext uri="{FF2B5EF4-FFF2-40B4-BE49-F238E27FC236}">
+                <a16:creationId xmlns:a16="http://schemas.microsoft.com/office/drawing/2014/main" id="{06196D82-3D81-405C-976C-ECEAF6FED03A}"/>
+              </a:ext>
+            </a:extLst>
+          </p:cNvPr>
+          <p:cNvSpPr>
+            <a:spLocks noGrp="1"/>
+          </p:cNvSpPr>
+          <p:nvPr>
+            <p:ph type="ftr" sz="quarter" idx="3"/>
+          </p:nvPr>
+        </p:nvSpPr>
+        <p:spPr/>
+        <p:txBody>
+          <a:bodyPr/>
+          <a:lstStyle/>
+          <a:p>
+            <a:r>
+              <a:rPr lang="en-AU" dirty="0"/>
+              <a:t>© 2023 CargoWise</a:t>
+            </a:r>
+          </a:p>
+        </p:txBody>
+      </p:sp>
+      <p:sp>
+        <p:nvSpPr>
+          <p:cNvPr id="3" name="Slide Number Placeholder 2">
+            <a:extLst>
+              <a:ext uri="{FF2B5EF4-FFF2-40B4-BE49-F238E27FC236}">
+                <a16:creationId xmlns:a16="http://schemas.microsoft.com/office/drawing/2014/main" id="{9614AEAE-8866-4930-ADAC-B8552F406746}"/>
+              </a:ext>
+            </a:extLst>
+          </p:cNvPr>
+          <p:cNvSpPr>
+            <a:spLocks noGrp="1"/>
+          </p:cNvSpPr>
+          <p:nvPr>
+            <p:ph type="sldNum" sz="quarter" idx="4"/>
+          </p:nvPr>
+        </p:nvSpPr>
+        <p:spPr/>
+        <p:txBody>
+          <a:bodyPr/>
+          <a:lstStyle/>
+          <a:p>
+            <a:fld id="{67E7CB4E-0848-4774-9F85-B38117CB1B54}" type="slidenum">
+              <a:rPr lang="en-AU" smtClean="0"/>
+              <a:pPr/>
+              <a:t>2</a:t>
+            </a:fld>
+            <a:endParaRPr lang="en-AU"/>
+          </a:p>
+        </p:txBody>
+      </p:sp>
+      <p:graphicFrame>
+        <p:nvGraphicFramePr>
+          <p:cNvPr id="4" name="Content Placeholder 3">
+            <a:extLst>
+              <a:ext uri="{FF2B5EF4-FFF2-40B4-BE49-F238E27FC236}">
+                <a16:creationId xmlns:a16="http://schemas.microsoft.com/office/drawing/2014/main" id="{07E3B915-127B-1433-3D8A-84A8F9ACCCA5}"/>
+              </a:ext>
+            </a:extLst>
+          </p:cNvPr>
+          <p:cNvGraphicFramePr>
+            <a:graphicFrameLocks noGrp="1"/>
+          </p:cNvGraphicFramePr>
+          <p:nvPr>
+            <p:ph idx="1"/>
+            <p:extLst>
+              <p:ext uri="{D42A27DB-BD31-4B8C-83A1-F6EECF244321}">
+                <p14:modId xmlns:p14="http://schemas.microsoft.com/office/powerpoint/2010/main" val="2461983078"/>
+              </p:ext>
+            </p:extLst>
+          </p:nvPr>
+        </p:nvGraphicFramePr>
+        <p:xfrm>
+          <a:off x="5351240" y="2321496"/>
+          <a:ext cx="11953328" cy="9793088"/>
+        </p:xfrm>
+        <a:graphic>
+          <a:graphicData uri="http://schemas.openxmlformats.org/drawingml/2006/diagram">
+            <dgm:relIds xmlns:dgm="http://schemas.openxmlformats.org/drawingml/2006/diagram" xmlns:r="http://schemas.openxmlformats.org/officeDocument/2006/relationships" r:dm="rId3" r:lo="rId4" r:qs="rId5" r:cs="rId6"/>
+          </a:graphicData>
+        </a:graphic>
+      </p:graphicFrame>
+    </p:spTree>
+    <p:extLst>
+      <p:ext uri="{BB962C8B-B14F-4D97-AF65-F5344CB8AC3E}">
+        <p14:creationId xmlns:p14="http://schemas.microsoft.com/office/powerpoint/2010/main" val="3391782854"/>
+      </p:ext>
+    </p:extLst>
+  </p:cSld>
+  <p:clrMapOvr>
+    <a:masterClrMapping/>
+  </p:clrMapOvr>
+</p:sld>
+</file>
+
+<file path=ppt/slides/slide20.xml><?xml version="1.0" encoding="utf-8"?>
 <p:sld xmlns:a="http://schemas.openxmlformats.org/drawingml/2006/main" xmlns:r="http://schemas.openxmlformats.org/officeDocument/2006/relationships" xmlns:p="http://schemas.openxmlformats.org/presentationml/2006/main">
   <p:cSld>
     <p:spTree>
@@ -22528,7 +29294,7 @@
 </p:sld>
 </file>
 
-<file path=ppt/slides/slide15.xml><?xml version="1.0" encoding="utf-8"?>
+<file path=ppt/slides/slide21.xml><?xml version="1.0" encoding="utf-8"?>
 <p:sld xmlns:a="http://schemas.openxmlformats.org/drawingml/2006/main" xmlns:r="http://schemas.openxmlformats.org/officeDocument/2006/relationships" xmlns:p="http://schemas.openxmlformats.org/presentationml/2006/main">
   <p:cSld>
     <p:spTree>
@@ -22795,165 +29561,6 @@
     <p:extLst>
       <p:ext uri="{BB962C8B-B14F-4D97-AF65-F5344CB8AC3E}">
         <p14:creationId xmlns:p14="http://schemas.microsoft.com/office/powerpoint/2010/main" val="1537924355"/>
-      </p:ext>
-    </p:extLst>
-  </p:cSld>
-  <p:clrMapOvr>
-    <a:masterClrMapping/>
-  </p:clrMapOvr>
-</p:sld>
-</file>
-
-<file path=ppt/slides/slide2.xml><?xml version="1.0" encoding="utf-8"?>
-<p:sld xmlns:a="http://schemas.openxmlformats.org/drawingml/2006/main" xmlns:r="http://schemas.openxmlformats.org/officeDocument/2006/relationships" xmlns:p="http://schemas.openxmlformats.org/presentationml/2006/main">
-  <p:cSld>
-    <p:spTree>
-      <p:nvGrpSpPr>
-        <p:cNvPr id="1" name=""/>
-        <p:cNvGrpSpPr/>
-        <p:nvPr/>
-      </p:nvGrpSpPr>
-      <p:grpSpPr>
-        <a:xfrm>
-          <a:off x="0" y="0"/>
-          <a:ext cx="0" cy="0"/>
-          <a:chOff x="0" y="0"/>
-          <a:chExt cx="0" cy="0"/>
-        </a:xfrm>
-      </p:grpSpPr>
-      <p:sp>
-        <p:nvSpPr>
-          <p:cNvPr id="9" name="Title 8">
-            <a:extLst>
-              <a:ext uri="{FF2B5EF4-FFF2-40B4-BE49-F238E27FC236}">
-                <a16:creationId xmlns:a16="http://schemas.microsoft.com/office/drawing/2014/main" id="{2C86B50C-0BCC-453C-9B60-7CE272F7854D}"/>
-              </a:ext>
-            </a:extLst>
-          </p:cNvPr>
-          <p:cNvSpPr>
-            <a:spLocks noGrp="1"/>
-          </p:cNvSpPr>
-          <p:nvPr>
-            <p:ph type="title"/>
-          </p:nvPr>
-        </p:nvSpPr>
-        <p:spPr/>
-        <p:txBody>
-          <a:bodyPr/>
-          <a:lstStyle/>
-          <a:p>
-            <a:r>
-              <a:rPr lang="en-US" b="1" dirty="0"/>
-              <a:t>Design</a:t>
-            </a:r>
-            <a:r>
-              <a:rPr lang="en-US" dirty="0"/>
-              <a:t> </a:t>
-            </a:r>
-            <a:r>
-              <a:rPr lang="en-US" b="1" dirty="0"/>
-              <a:t>Patterns</a:t>
-            </a:r>
-            <a:br>
-              <a:rPr lang="en-US" dirty="0"/>
-            </a:br>
-            <a:endParaRPr lang="en-US" dirty="0"/>
-          </a:p>
-        </p:txBody>
-      </p:sp>
-      <p:sp>
-        <p:nvSpPr>
-          <p:cNvPr id="2" name="Footer Placeholder 1">
-            <a:extLst>
-              <a:ext uri="{FF2B5EF4-FFF2-40B4-BE49-F238E27FC236}">
-                <a16:creationId xmlns:a16="http://schemas.microsoft.com/office/drawing/2014/main" id="{06196D82-3D81-405C-976C-ECEAF6FED03A}"/>
-              </a:ext>
-            </a:extLst>
-          </p:cNvPr>
-          <p:cNvSpPr>
-            <a:spLocks noGrp="1"/>
-          </p:cNvSpPr>
-          <p:nvPr>
-            <p:ph type="ftr" sz="quarter" idx="3"/>
-          </p:nvPr>
-        </p:nvSpPr>
-        <p:spPr/>
-        <p:txBody>
-          <a:bodyPr/>
-          <a:lstStyle/>
-          <a:p>
-            <a:r>
-              <a:rPr lang="en-AU" dirty="0"/>
-              <a:t>© 2023 CargoWise</a:t>
-            </a:r>
-          </a:p>
-        </p:txBody>
-      </p:sp>
-      <p:sp>
-        <p:nvSpPr>
-          <p:cNvPr id="3" name="Slide Number Placeholder 2">
-            <a:extLst>
-              <a:ext uri="{FF2B5EF4-FFF2-40B4-BE49-F238E27FC236}">
-                <a16:creationId xmlns:a16="http://schemas.microsoft.com/office/drawing/2014/main" id="{9614AEAE-8866-4930-ADAC-B8552F406746}"/>
-              </a:ext>
-            </a:extLst>
-          </p:cNvPr>
-          <p:cNvSpPr>
-            <a:spLocks noGrp="1"/>
-          </p:cNvSpPr>
-          <p:nvPr>
-            <p:ph type="sldNum" sz="quarter" idx="4"/>
-          </p:nvPr>
-        </p:nvSpPr>
-        <p:spPr/>
-        <p:txBody>
-          <a:bodyPr/>
-          <a:lstStyle/>
-          <a:p>
-            <a:fld id="{67E7CB4E-0848-4774-9F85-B38117CB1B54}" type="slidenum">
-              <a:rPr lang="en-AU" smtClean="0"/>
-              <a:pPr/>
-              <a:t>2</a:t>
-            </a:fld>
-            <a:endParaRPr lang="en-AU"/>
-          </a:p>
-        </p:txBody>
-      </p:sp>
-      <p:graphicFrame>
-        <p:nvGraphicFramePr>
-          <p:cNvPr id="4" name="Content Placeholder 3">
-            <a:extLst>
-              <a:ext uri="{FF2B5EF4-FFF2-40B4-BE49-F238E27FC236}">
-                <a16:creationId xmlns:a16="http://schemas.microsoft.com/office/drawing/2014/main" id="{07E3B915-127B-1433-3D8A-84A8F9ACCCA5}"/>
-              </a:ext>
-            </a:extLst>
-          </p:cNvPr>
-          <p:cNvGraphicFramePr>
-            <a:graphicFrameLocks noGrp="1"/>
-          </p:cNvGraphicFramePr>
-          <p:nvPr>
-            <p:ph idx="1"/>
-            <p:extLst>
-              <p:ext uri="{D42A27DB-BD31-4B8C-83A1-F6EECF244321}">
-                <p14:modId xmlns:p14="http://schemas.microsoft.com/office/powerpoint/2010/main" val="2461983078"/>
-              </p:ext>
-            </p:extLst>
-          </p:nvPr>
-        </p:nvGraphicFramePr>
-        <p:xfrm>
-          <a:off x="5351240" y="2321496"/>
-          <a:ext cx="11953328" cy="9793088"/>
-        </p:xfrm>
-        <a:graphic>
-          <a:graphicData uri="http://schemas.openxmlformats.org/drawingml/2006/diagram">
-            <dgm:relIds xmlns:dgm="http://schemas.openxmlformats.org/drawingml/2006/diagram" xmlns:r="http://schemas.openxmlformats.org/officeDocument/2006/relationships" r:dm="rId3" r:lo="rId4" r:qs="rId5" r:cs="rId6"/>
-          </a:graphicData>
-        </a:graphic>
-      </p:graphicFrame>
-    </p:spTree>
-    <p:extLst>
-      <p:ext uri="{BB962C8B-B14F-4D97-AF65-F5344CB8AC3E}">
-        <p14:creationId xmlns:p14="http://schemas.microsoft.com/office/powerpoint/2010/main" val="3391782854"/>
       </p:ext>
     </p:extLst>
   </p:cSld>
@@ -25279,6 +31886,15 @@
 </file>
 
 <file path=customXml/item2.xml><?xml version="1.0" encoding="utf-8"?>
+<?mso-contentType ?>
+<FormTemplates xmlns="http://schemas.microsoft.com/sharepoint/v3/contenttype/forms">
+  <Display>DocumentLibraryForm</Display>
+  <Edit>DocumentLibraryForm</Edit>
+  <New>DocumentLibraryForm</New>
+</FormTemplates>
+</file>
+
+<file path=customXml/item3.xml><?xml version="1.0" encoding="utf-8"?>
 <ct:contentTypeSchema xmlns:ct="http://schemas.microsoft.com/office/2006/metadata/contentType" xmlns:ma="http://schemas.microsoft.com/office/2006/metadata/properties/metaAttributes" ct:_="" ma:_="" ma:contentTypeName="Document" ma:contentTypeID="0x010100EEBA5D7D688A8D40BC8134A23630083E" ma:contentTypeVersion="17" ma:contentTypeDescription="Create a new document." ma:contentTypeScope="" ma:versionID="6c9f025c4a6d5a921d1240212dd2136e">
   <xsd:schema xmlns:xsd="http://www.w3.org/2001/XMLSchema" xmlns:xs="http://www.w3.org/2001/XMLSchema" xmlns:p="http://schemas.microsoft.com/office/2006/metadata/properties" xmlns:ns2="5b887053-13c9-4ef0-8e1a-18d371f97b0f" xmlns:ns3="0cb0f8a9-a4a1-4c3c-bc15-be6ee1e258a4" targetNamespace="http://schemas.microsoft.com/office/2006/metadata/properties" ma:root="true" ma:fieldsID="76276428416178d444d5a49df65bd1b6" ns2:_="" ns3:_="">
     <xsd:import namespace="5b887053-13c9-4ef0-8e1a-18d371f97b0f"/>
@@ -25511,15 +32127,6 @@
 </ct:contentTypeSchema>
 </file>
 
-<file path=customXml/item3.xml><?xml version="1.0" encoding="utf-8"?>
-<?mso-contentType ?>
-<FormTemplates xmlns="http://schemas.microsoft.com/sharepoint/v3/contenttype/forms">
-  <Display>DocumentLibraryForm</Display>
-  <Edit>DocumentLibraryForm</Edit>
-  <New>DocumentLibraryForm</New>
-</FormTemplates>
-</file>
-
 <file path=customXml/itemProps1.xml><?xml version="1.0" encoding="utf-8"?>
 <ds:datastoreItem xmlns:ds="http://schemas.openxmlformats.org/officeDocument/2006/customXml" ds:itemID="{FDC47B46-8518-488D-ACE5-55099526A1A9}">
   <ds:schemaRefs>
@@ -25538,6 +32145,14 @@
 </file>
 
 <file path=customXml/itemProps2.xml><?xml version="1.0" encoding="utf-8"?>
+<ds:datastoreItem xmlns:ds="http://schemas.openxmlformats.org/officeDocument/2006/customXml" ds:itemID="{D703E6E5-489B-4004-B595-51B1421CF944}">
+  <ds:schemaRefs>
+    <ds:schemaRef ds:uri="http://schemas.microsoft.com/sharepoint/v3/contenttype/forms"/>
+  </ds:schemaRefs>
+</ds:datastoreItem>
+</file>
+
+<file path=customXml/itemProps3.xml><?xml version="1.0" encoding="utf-8"?>
 <ds:datastoreItem xmlns:ds="http://schemas.openxmlformats.org/officeDocument/2006/customXml" ds:itemID="{3ACBF87C-9E24-4F0A-85E5-D0AA1A6E191C}">
   <ds:schemaRefs>
     <ds:schemaRef ds:uri="http://schemas.microsoft.com/office/2006/metadata/contentType"/>
@@ -25554,12 +32169,4 @@
     <ds:schemaRef ds:uri="http://schemas.microsoft.com/internal/obd"/>
   </ds:schemaRefs>
 </ds:datastoreItem>
-</file>
-
-<file path=customXml/itemProps3.xml><?xml version="1.0" encoding="utf-8"?>
-<ds:datastoreItem xmlns:ds="http://schemas.openxmlformats.org/officeDocument/2006/customXml" ds:itemID="{D703E6E5-489B-4004-B595-51B1421CF944}">
-  <ds:schemaRefs>
-    <ds:schemaRef ds:uri="http://schemas.microsoft.com/sharepoint/v3/contenttype/forms"/>
-  </ds:schemaRefs>
-</ds:datastoreItem>
 </file>
--- a/DesignPatterns/Behavioral Design Patterns/Behavioral Design Patterns - WTG.pptx
+++ b/DesignPatterns/Behavioral Design Patterns/Behavioral Design Patterns - WTG.pptx
@@ -5,33 +5,29 @@
     <p:sldMasterId id="2147483648" r:id="rId4"/>
   </p:sldMasterIdLst>
   <p:notesMasterIdLst>
-    <p:notesMasterId r:id="rId26"/>
+    <p:notesMasterId r:id="rId22"/>
   </p:notesMasterIdLst>
   <p:handoutMasterIdLst>
-    <p:handoutMasterId r:id="rId27"/>
+    <p:handoutMasterId r:id="rId23"/>
   </p:handoutMasterIdLst>
   <p:sldIdLst>
     <p:sldId id="264" r:id="rId5"/>
     <p:sldId id="269" r:id="rId6"/>
-    <p:sldId id="270" r:id="rId7"/>
-    <p:sldId id="275" r:id="rId8"/>
-    <p:sldId id="272" r:id="rId9"/>
-    <p:sldId id="305" r:id="rId10"/>
-    <p:sldId id="306" r:id="rId11"/>
-    <p:sldId id="307" r:id="rId12"/>
-    <p:sldId id="308" r:id="rId13"/>
-    <p:sldId id="309" r:id="rId14"/>
-    <p:sldId id="312" r:id="rId15"/>
-    <p:sldId id="311" r:id="rId16"/>
-    <p:sldId id="313" r:id="rId17"/>
-    <p:sldId id="314" r:id="rId18"/>
-    <p:sldId id="315" r:id="rId19"/>
-    <p:sldId id="316" r:id="rId20"/>
-    <p:sldId id="318" r:id="rId21"/>
-    <p:sldId id="317" r:id="rId22"/>
-    <p:sldId id="290" r:id="rId23"/>
-    <p:sldId id="303" r:id="rId24"/>
-    <p:sldId id="304" r:id="rId25"/>
+    <p:sldId id="309" r:id="rId7"/>
+    <p:sldId id="312" r:id="rId8"/>
+    <p:sldId id="311" r:id="rId9"/>
+    <p:sldId id="306" r:id="rId10"/>
+    <p:sldId id="307" r:id="rId11"/>
+    <p:sldId id="308" r:id="rId12"/>
+    <p:sldId id="313" r:id="rId13"/>
+    <p:sldId id="314" r:id="rId14"/>
+    <p:sldId id="315" r:id="rId15"/>
+    <p:sldId id="316" r:id="rId16"/>
+    <p:sldId id="318" r:id="rId17"/>
+    <p:sldId id="317" r:id="rId18"/>
+    <p:sldId id="290" r:id="rId19"/>
+    <p:sldId id="303" r:id="rId20"/>
+    <p:sldId id="304" r:id="rId21"/>
   </p:sldIdLst>
   <p:sldSz cx="24384000" cy="13716000"/>
   <p:notesSz cx="6858000" cy="9144000"/>
@@ -155,7 +151,7 @@
 <file path=ppt/revisionInfo.xml><?xml version="1.0" encoding="utf-8"?>
 <p1510:revInfo xmlns:a="http://schemas.openxmlformats.org/drawingml/2006/main" xmlns:r="http://schemas.openxmlformats.org/officeDocument/2006/relationships" xmlns:p1510="http://schemas.microsoft.com/office/powerpoint/2015/10/main">
   <p1510:revLst>
-    <p1510:client id="{E3AB844A-4AD4-46FB-BD64-7A68A14F278F}" v="318" dt="2023-08-07T04:27:53.959"/>
+    <p1510:client id="{7058694A-483B-403F-89BA-FD8C3FB39D35}" v="29" dt="2023-09-23T04:05:45.482"/>
   </p1510:revLst>
 </p1510:revInfo>
 </file>
@@ -938,6 +934,148 @@
             <ac:picMk id="3074" creationId="{02B59D1B-459F-9F25-0EEA-2B9A89CDA84D}"/>
           </ac:picMkLst>
         </pc:picChg>
+      </pc:sldChg>
+    </pc:docChg>
+  </pc:docChgLst>
+  <pc:docChgLst>
+    <pc:chgData name="Nancy Li" userId="afc5209a-cf39-48d8-a57f-08cc8b772ec9" providerId="ADAL" clId="{7058694A-483B-403F-89BA-FD8C3FB39D35}"/>
+    <pc:docChg chg="delSld modSld sldOrd">
+      <pc:chgData name="Nancy Li" userId="afc5209a-cf39-48d8-a57f-08cc8b772ec9" providerId="ADAL" clId="{7058694A-483B-403F-89BA-FD8C3FB39D35}" dt="2023-09-23T04:07:01.232" v="66" actId="20577"/>
+      <pc:docMkLst>
+        <pc:docMk/>
+      </pc:docMkLst>
+      <pc:sldChg chg="del">
+        <pc:chgData name="Nancy Li" userId="afc5209a-cf39-48d8-a57f-08cc8b772ec9" providerId="ADAL" clId="{7058694A-483B-403F-89BA-FD8C3FB39D35}" dt="2023-09-23T03:54:43.786" v="0" actId="47"/>
+        <pc:sldMkLst>
+          <pc:docMk/>
+          <pc:sldMk cId="1405898962" sldId="270"/>
+        </pc:sldMkLst>
+      </pc:sldChg>
+      <pc:sldChg chg="del">
+        <pc:chgData name="Nancy Li" userId="afc5209a-cf39-48d8-a57f-08cc8b772ec9" providerId="ADAL" clId="{7058694A-483B-403F-89BA-FD8C3FB39D35}" dt="2023-09-23T03:54:45.832" v="2" actId="47"/>
+        <pc:sldMkLst>
+          <pc:docMk/>
+          <pc:sldMk cId="2650344970" sldId="272"/>
+        </pc:sldMkLst>
+      </pc:sldChg>
+      <pc:sldChg chg="del">
+        <pc:chgData name="Nancy Li" userId="afc5209a-cf39-48d8-a57f-08cc8b772ec9" providerId="ADAL" clId="{7058694A-483B-403F-89BA-FD8C3FB39D35}" dt="2023-09-23T03:54:44.871" v="1" actId="47"/>
+        <pc:sldMkLst>
+          <pc:docMk/>
+          <pc:sldMk cId="2895557782" sldId="275"/>
+        </pc:sldMkLst>
+      </pc:sldChg>
+      <pc:sldChg chg="modSp">
+        <pc:chgData name="Nancy Li" userId="afc5209a-cf39-48d8-a57f-08cc8b772ec9" providerId="ADAL" clId="{7058694A-483B-403F-89BA-FD8C3FB39D35}" dt="2023-09-23T03:55:50.584" v="31" actId="20577"/>
+        <pc:sldMkLst>
+          <pc:docMk/>
+          <pc:sldMk cId="291393146" sldId="290"/>
+        </pc:sldMkLst>
+        <pc:graphicFrameChg chg="mod">
+          <ac:chgData name="Nancy Li" userId="afc5209a-cf39-48d8-a57f-08cc8b772ec9" providerId="ADAL" clId="{7058694A-483B-403F-89BA-FD8C3FB39D35}" dt="2023-09-23T03:55:50.584" v="31" actId="20577"/>
+          <ac:graphicFrameMkLst>
+            <pc:docMk/>
+            <pc:sldMk cId="291393146" sldId="290"/>
+            <ac:graphicFrameMk id="4" creationId="{F24AEBD7-4394-A74A-64EE-2AE4E6086DB6}"/>
+          </ac:graphicFrameMkLst>
+        </pc:graphicFrameChg>
+      </pc:sldChg>
+      <pc:sldChg chg="del">
+        <pc:chgData name="Nancy Li" userId="afc5209a-cf39-48d8-a57f-08cc8b772ec9" providerId="ADAL" clId="{7058694A-483B-403F-89BA-FD8C3FB39D35}" dt="2023-09-23T03:54:47.251" v="3" actId="47"/>
+        <pc:sldMkLst>
+          <pc:docMk/>
+          <pc:sldMk cId="3893121675" sldId="305"/>
+        </pc:sldMkLst>
+      </pc:sldChg>
+      <pc:sldChg chg="modSp mod ord modNotesTx">
+        <pc:chgData name="Nancy Li" userId="afc5209a-cf39-48d8-a57f-08cc8b772ec9" providerId="ADAL" clId="{7058694A-483B-403F-89BA-FD8C3FB39D35}" dt="2023-09-23T04:05:45.477" v="56" actId="20577"/>
+        <pc:sldMkLst>
+          <pc:docMk/>
+          <pc:sldMk cId="4131726329" sldId="309"/>
+        </pc:sldMkLst>
+        <pc:spChg chg="mod">
+          <ac:chgData name="Nancy Li" userId="afc5209a-cf39-48d8-a57f-08cc8b772ec9" providerId="ADAL" clId="{7058694A-483B-403F-89BA-FD8C3FB39D35}" dt="2023-09-23T03:56:30.270" v="39" actId="20577"/>
+          <ac:spMkLst>
+            <pc:docMk/>
+            <pc:sldMk cId="4131726329" sldId="309"/>
+            <ac:spMk id="13" creationId="{3BAEBDBD-7B50-9F58-BD3C-27FF4C445264}"/>
+          </ac:spMkLst>
+        </pc:spChg>
+      </pc:sldChg>
+      <pc:sldChg chg="modSp mod ord">
+        <pc:chgData name="Nancy Li" userId="afc5209a-cf39-48d8-a57f-08cc8b772ec9" providerId="ADAL" clId="{7058694A-483B-403F-89BA-FD8C3FB39D35}" dt="2023-09-23T03:56:39.162" v="43" actId="20577"/>
+        <pc:sldMkLst>
+          <pc:docMk/>
+          <pc:sldMk cId="1493096502" sldId="311"/>
+        </pc:sldMkLst>
+        <pc:spChg chg="mod">
+          <ac:chgData name="Nancy Li" userId="afc5209a-cf39-48d8-a57f-08cc8b772ec9" providerId="ADAL" clId="{7058694A-483B-403F-89BA-FD8C3FB39D35}" dt="2023-09-23T03:56:39.162" v="43" actId="20577"/>
+          <ac:spMkLst>
+            <pc:docMk/>
+            <pc:sldMk cId="1493096502" sldId="311"/>
+            <ac:spMk id="13" creationId="{3BAEBDBD-7B50-9F58-BD3C-27FF4C445264}"/>
+          </ac:spMkLst>
+        </pc:spChg>
+      </pc:sldChg>
+      <pc:sldChg chg="modSp mod ord modNotesTx">
+        <pc:chgData name="Nancy Li" userId="afc5209a-cf39-48d8-a57f-08cc8b772ec9" providerId="ADAL" clId="{7058694A-483B-403F-89BA-FD8C3FB39D35}" dt="2023-09-23T04:07:01.232" v="66" actId="20577"/>
+        <pc:sldMkLst>
+          <pc:docMk/>
+          <pc:sldMk cId="382068623" sldId="312"/>
+        </pc:sldMkLst>
+        <pc:spChg chg="mod">
+          <ac:chgData name="Nancy Li" userId="afc5209a-cf39-48d8-a57f-08cc8b772ec9" providerId="ADAL" clId="{7058694A-483B-403F-89BA-FD8C3FB39D35}" dt="2023-09-23T03:56:33.825" v="41" actId="20577"/>
+          <ac:spMkLst>
+            <pc:docMk/>
+            <pc:sldMk cId="382068623" sldId="312"/>
+            <ac:spMk id="13" creationId="{3BAEBDBD-7B50-9F58-BD3C-27FF4C445264}"/>
+          </ac:spMkLst>
+        </pc:spChg>
+      </pc:sldChg>
+      <pc:sldChg chg="modSp mod">
+        <pc:chgData name="Nancy Li" userId="afc5209a-cf39-48d8-a57f-08cc8b772ec9" providerId="ADAL" clId="{7058694A-483B-403F-89BA-FD8C3FB39D35}" dt="2023-09-23T03:56:51.162" v="45" actId="20577"/>
+        <pc:sldMkLst>
+          <pc:docMk/>
+          <pc:sldMk cId="3735070334" sldId="313"/>
+        </pc:sldMkLst>
+        <pc:spChg chg="mod">
+          <ac:chgData name="Nancy Li" userId="afc5209a-cf39-48d8-a57f-08cc8b772ec9" providerId="ADAL" clId="{7058694A-483B-403F-89BA-FD8C3FB39D35}" dt="2023-09-23T03:56:51.162" v="45" actId="20577"/>
+          <ac:spMkLst>
+            <pc:docMk/>
+            <pc:sldMk cId="3735070334" sldId="313"/>
+            <ac:spMk id="13" creationId="{3BAEBDBD-7B50-9F58-BD3C-27FF4C445264}"/>
+          </ac:spMkLst>
+        </pc:spChg>
+      </pc:sldChg>
+      <pc:sldChg chg="modSp mod">
+        <pc:chgData name="Nancy Li" userId="afc5209a-cf39-48d8-a57f-08cc8b772ec9" providerId="ADAL" clId="{7058694A-483B-403F-89BA-FD8C3FB39D35}" dt="2023-09-23T03:56:54.968" v="47" actId="20577"/>
+        <pc:sldMkLst>
+          <pc:docMk/>
+          <pc:sldMk cId="1534296091" sldId="314"/>
+        </pc:sldMkLst>
+        <pc:spChg chg="mod">
+          <ac:chgData name="Nancy Li" userId="afc5209a-cf39-48d8-a57f-08cc8b772ec9" providerId="ADAL" clId="{7058694A-483B-403F-89BA-FD8C3FB39D35}" dt="2023-09-23T03:56:54.968" v="47" actId="20577"/>
+          <ac:spMkLst>
+            <pc:docMk/>
+            <pc:sldMk cId="1534296091" sldId="314"/>
+            <ac:spMk id="13" creationId="{3BAEBDBD-7B50-9F58-BD3C-27FF4C445264}"/>
+          </ac:spMkLst>
+        </pc:spChg>
+      </pc:sldChg>
+      <pc:sldChg chg="modSp mod">
+        <pc:chgData name="Nancy Li" userId="afc5209a-cf39-48d8-a57f-08cc8b772ec9" providerId="ADAL" clId="{7058694A-483B-403F-89BA-FD8C3FB39D35}" dt="2023-09-23T03:57:02.978" v="49" actId="20577"/>
+        <pc:sldMkLst>
+          <pc:docMk/>
+          <pc:sldMk cId="2396239640" sldId="315"/>
+        </pc:sldMkLst>
+        <pc:spChg chg="mod">
+          <ac:chgData name="Nancy Li" userId="afc5209a-cf39-48d8-a57f-08cc8b772ec9" providerId="ADAL" clId="{7058694A-483B-403F-89BA-FD8C3FB39D35}" dt="2023-09-23T03:57:02.978" v="49" actId="20577"/>
+          <ac:spMkLst>
+            <pc:docMk/>
+            <pc:sldMk cId="2396239640" sldId="315"/>
+            <ac:spMk id="13" creationId="{3BAEBDBD-7B50-9F58-BD3C-27FF4C445264}"/>
+          </ac:spMkLst>
+        </pc:spChg>
       </pc:sldChg>
     </pc:docChg>
   </pc:docChgLst>
@@ -6639,753 +6777,6 @@
 </file>
 
 <file path=ppt/diagrams/colors6.xml><?xml version="1.0" encoding="utf-8"?>
-<dgm:colorsDef xmlns:dgm="http://schemas.openxmlformats.org/drawingml/2006/diagram" xmlns:a="http://schemas.openxmlformats.org/drawingml/2006/main" uniqueId="urn:microsoft.com/office/officeart/2005/8/colors/accent1_2">
-  <dgm:title val=""/>
-  <dgm:desc val=""/>
-  <dgm:catLst>
-    <dgm:cat type="accent1" pri="11200"/>
-  </dgm:catLst>
-  <dgm:styleLbl name="node0">
-    <dgm:fillClrLst meth="repeat">
-      <a:schemeClr val="accent1"/>
-    </dgm:fillClrLst>
-    <dgm:linClrLst meth="repeat">
-      <a:schemeClr val="lt1"/>
-    </dgm:linClrLst>
-    <dgm:effectClrLst/>
-    <dgm:txLinClrLst/>
-    <dgm:txFillClrLst/>
-    <dgm:txEffectClrLst/>
-  </dgm:styleLbl>
-  <dgm:styleLbl name="alignNode1">
-    <dgm:fillClrLst meth="repeat">
-      <a:schemeClr val="accent1"/>
-    </dgm:fillClrLst>
-    <dgm:linClrLst meth="repeat">
-      <a:schemeClr val="accent1"/>
-    </dgm:linClrLst>
-    <dgm:effectClrLst/>
-    <dgm:txLinClrLst/>
-    <dgm:txFillClrLst/>
-    <dgm:txEffectClrLst/>
-  </dgm:styleLbl>
-  <dgm:styleLbl name="node1">
-    <dgm:fillClrLst meth="repeat">
-      <a:schemeClr val="accent1"/>
-    </dgm:fillClrLst>
-    <dgm:linClrLst meth="repeat">
-      <a:schemeClr val="lt1"/>
-    </dgm:linClrLst>
-    <dgm:effectClrLst/>
-    <dgm:txLinClrLst/>
-    <dgm:txFillClrLst/>
-    <dgm:txEffectClrLst/>
-  </dgm:styleLbl>
-  <dgm:styleLbl name="lnNode1">
-    <dgm:fillClrLst meth="repeat">
-      <a:schemeClr val="accent1"/>
-    </dgm:fillClrLst>
-    <dgm:linClrLst meth="repeat">
-      <a:schemeClr val="lt1"/>
-    </dgm:linClrLst>
-    <dgm:effectClrLst/>
-    <dgm:txLinClrLst/>
-    <dgm:txFillClrLst/>
-    <dgm:txEffectClrLst/>
-  </dgm:styleLbl>
-  <dgm:styleLbl name="vennNode1">
-    <dgm:fillClrLst meth="repeat">
-      <a:schemeClr val="accent1">
-        <a:alpha val="50000"/>
-      </a:schemeClr>
-    </dgm:fillClrLst>
-    <dgm:linClrLst meth="repeat">
-      <a:schemeClr val="lt1"/>
-    </dgm:linClrLst>
-    <dgm:effectClrLst/>
-    <dgm:txLinClrLst/>
-    <dgm:txFillClrLst/>
-    <dgm:txEffectClrLst/>
-  </dgm:styleLbl>
-  <dgm:styleLbl name="node2">
-    <dgm:fillClrLst meth="repeat">
-      <a:schemeClr val="accent1"/>
-    </dgm:fillClrLst>
-    <dgm:linClrLst meth="repeat">
-      <a:schemeClr val="lt1"/>
-    </dgm:linClrLst>
-    <dgm:effectClrLst/>
-    <dgm:txLinClrLst/>
-    <dgm:txFillClrLst/>
-    <dgm:txEffectClrLst/>
-  </dgm:styleLbl>
-  <dgm:styleLbl name="node3">
-    <dgm:fillClrLst meth="repeat">
-      <a:schemeClr val="accent1"/>
-    </dgm:fillClrLst>
-    <dgm:linClrLst meth="repeat">
-      <a:schemeClr val="lt1"/>
-    </dgm:linClrLst>
-    <dgm:effectClrLst/>
-    <dgm:txLinClrLst/>
-    <dgm:txFillClrLst/>
-    <dgm:txEffectClrLst/>
-  </dgm:styleLbl>
-  <dgm:styleLbl name="node4">
-    <dgm:fillClrLst meth="repeat">
-      <a:schemeClr val="accent1"/>
-    </dgm:fillClrLst>
-    <dgm:linClrLst meth="repeat">
-      <a:schemeClr val="lt1"/>
-    </dgm:linClrLst>
-    <dgm:effectClrLst/>
-    <dgm:txLinClrLst/>
-    <dgm:txFillClrLst/>
-    <dgm:txEffectClrLst/>
-  </dgm:styleLbl>
-  <dgm:styleLbl name="fgImgPlace1">
-    <dgm:fillClrLst meth="repeat">
-      <a:schemeClr val="accent1">
-        <a:tint val="50000"/>
-      </a:schemeClr>
-    </dgm:fillClrLst>
-    <dgm:linClrLst meth="repeat">
-      <a:schemeClr val="lt1"/>
-    </dgm:linClrLst>
-    <dgm:effectClrLst/>
-    <dgm:txLinClrLst/>
-    <dgm:txFillClrLst meth="repeat">
-      <a:schemeClr val="lt1"/>
-    </dgm:txFillClrLst>
-    <dgm:txEffectClrLst/>
-  </dgm:styleLbl>
-  <dgm:styleLbl name="alignImgPlace1">
-    <dgm:fillClrLst meth="repeat">
-      <a:schemeClr val="accent1">
-        <a:tint val="50000"/>
-      </a:schemeClr>
-    </dgm:fillClrLst>
-    <dgm:linClrLst meth="repeat">
-      <a:schemeClr val="lt1"/>
-    </dgm:linClrLst>
-    <dgm:effectClrLst/>
-    <dgm:txLinClrLst/>
-    <dgm:txFillClrLst meth="repeat">
-      <a:schemeClr val="lt1"/>
-    </dgm:txFillClrLst>
-    <dgm:txEffectClrLst/>
-  </dgm:styleLbl>
-  <dgm:styleLbl name="bgImgPlace1">
-    <dgm:fillClrLst meth="repeat">
-      <a:schemeClr val="accent1">
-        <a:tint val="50000"/>
-      </a:schemeClr>
-    </dgm:fillClrLst>
-    <dgm:linClrLst meth="repeat">
-      <a:schemeClr val="lt1"/>
-    </dgm:linClrLst>
-    <dgm:effectClrLst/>
-    <dgm:txLinClrLst/>
-    <dgm:txFillClrLst meth="repeat">
-      <a:schemeClr val="lt1"/>
-    </dgm:txFillClrLst>
-    <dgm:txEffectClrLst/>
-  </dgm:styleLbl>
-  <dgm:styleLbl name="sibTrans2D1">
-    <dgm:fillClrLst meth="repeat">
-      <a:schemeClr val="accent1">
-        <a:tint val="60000"/>
-      </a:schemeClr>
-    </dgm:fillClrLst>
-    <dgm:linClrLst meth="repeat">
-      <a:schemeClr val="accent1">
-        <a:tint val="60000"/>
-      </a:schemeClr>
-    </dgm:linClrLst>
-    <dgm:effectClrLst/>
-    <dgm:txLinClrLst/>
-    <dgm:txFillClrLst/>
-    <dgm:txEffectClrLst/>
-  </dgm:styleLbl>
-  <dgm:styleLbl name="fgSibTrans2D1">
-    <dgm:fillClrLst meth="repeat">
-      <a:schemeClr val="accent1">
-        <a:tint val="60000"/>
-      </a:schemeClr>
-    </dgm:fillClrLst>
-    <dgm:linClrLst meth="repeat">
-      <a:schemeClr val="accent1">
-        <a:tint val="60000"/>
-      </a:schemeClr>
-    </dgm:linClrLst>
-    <dgm:effectClrLst/>
-    <dgm:txLinClrLst/>
-    <dgm:txFillClrLst/>
-    <dgm:txEffectClrLst/>
-  </dgm:styleLbl>
-  <dgm:styleLbl name="bgSibTrans2D1">
-    <dgm:fillClrLst meth="repeat">
-      <a:schemeClr val="accent1">
-        <a:tint val="60000"/>
-      </a:schemeClr>
-    </dgm:fillClrLst>
-    <dgm:linClrLst meth="repeat">
-      <a:schemeClr val="accent1">
-        <a:tint val="60000"/>
-      </a:schemeClr>
-    </dgm:linClrLst>
-    <dgm:effectClrLst/>
-    <dgm:txLinClrLst/>
-    <dgm:txFillClrLst/>
-    <dgm:txEffectClrLst/>
-  </dgm:styleLbl>
-  <dgm:styleLbl name="sibTrans1D1">
-    <dgm:fillClrLst meth="repeat">
-      <a:schemeClr val="accent1"/>
-    </dgm:fillClrLst>
-    <dgm:linClrLst meth="repeat">
-      <a:schemeClr val="accent1"/>
-    </dgm:linClrLst>
-    <dgm:effectClrLst/>
-    <dgm:txLinClrLst/>
-    <dgm:txFillClrLst meth="repeat">
-      <a:schemeClr val="tx1"/>
-    </dgm:txFillClrLst>
-    <dgm:txEffectClrLst/>
-  </dgm:styleLbl>
-  <dgm:styleLbl name="callout">
-    <dgm:fillClrLst meth="repeat">
-      <a:schemeClr val="accent1"/>
-    </dgm:fillClrLst>
-    <dgm:linClrLst meth="repeat">
-      <a:schemeClr val="accent1">
-        <a:tint val="50000"/>
-      </a:schemeClr>
-    </dgm:linClrLst>
-    <dgm:effectClrLst/>
-    <dgm:txLinClrLst/>
-    <dgm:txFillClrLst meth="repeat">
-      <a:schemeClr val="tx1"/>
-    </dgm:txFillClrLst>
-    <dgm:txEffectClrLst/>
-  </dgm:styleLbl>
-  <dgm:styleLbl name="asst0">
-    <dgm:fillClrLst meth="repeat">
-      <a:schemeClr val="accent1"/>
-    </dgm:fillClrLst>
-    <dgm:linClrLst meth="repeat">
-      <a:schemeClr val="lt1"/>
-    </dgm:linClrLst>
-    <dgm:effectClrLst/>
-    <dgm:txLinClrLst/>
-    <dgm:txFillClrLst/>
-    <dgm:txEffectClrLst/>
-  </dgm:styleLbl>
-  <dgm:styleLbl name="asst1">
-    <dgm:fillClrLst meth="repeat">
-      <a:schemeClr val="accent1"/>
-    </dgm:fillClrLst>
-    <dgm:linClrLst meth="repeat">
-      <a:schemeClr val="lt1"/>
-    </dgm:linClrLst>
-    <dgm:effectClrLst/>
-    <dgm:txLinClrLst/>
-    <dgm:txFillClrLst/>
-    <dgm:txEffectClrLst/>
-  </dgm:styleLbl>
-  <dgm:styleLbl name="asst2">
-    <dgm:fillClrLst meth="repeat">
-      <a:schemeClr val="accent1"/>
-    </dgm:fillClrLst>
-    <dgm:linClrLst meth="repeat">
-      <a:schemeClr val="lt1"/>
-    </dgm:linClrLst>
-    <dgm:effectClrLst/>
-    <dgm:txLinClrLst/>
-    <dgm:txFillClrLst/>
-    <dgm:txEffectClrLst/>
-  </dgm:styleLbl>
-  <dgm:styleLbl name="asst3">
-    <dgm:fillClrLst meth="repeat">
-      <a:schemeClr val="accent1"/>
-    </dgm:fillClrLst>
-    <dgm:linClrLst meth="repeat">
-      <a:schemeClr val="lt1"/>
-    </dgm:linClrLst>
-    <dgm:effectClrLst/>
-    <dgm:txLinClrLst/>
-    <dgm:txFillClrLst/>
-    <dgm:txEffectClrLst/>
-  </dgm:styleLbl>
-  <dgm:styleLbl name="asst4">
-    <dgm:fillClrLst meth="repeat">
-      <a:schemeClr val="accent1"/>
-    </dgm:fillClrLst>
-    <dgm:linClrLst meth="repeat">
-      <a:schemeClr val="lt1"/>
-    </dgm:linClrLst>
-    <dgm:effectClrLst/>
-    <dgm:txLinClrLst/>
-    <dgm:txFillClrLst/>
-    <dgm:txEffectClrLst/>
-  </dgm:styleLbl>
-  <dgm:styleLbl name="parChTrans2D1">
-    <dgm:fillClrLst meth="repeat">
-      <a:schemeClr val="accent1">
-        <a:tint val="60000"/>
-      </a:schemeClr>
-    </dgm:fillClrLst>
-    <dgm:linClrLst meth="repeat">
-      <a:schemeClr val="accent1">
-        <a:tint val="60000"/>
-      </a:schemeClr>
-    </dgm:linClrLst>
-    <dgm:effectClrLst/>
-    <dgm:txLinClrLst/>
-    <dgm:txFillClrLst meth="repeat">
-      <a:schemeClr val="lt1"/>
-    </dgm:txFillClrLst>
-    <dgm:txEffectClrLst/>
-  </dgm:styleLbl>
-  <dgm:styleLbl name="parChTrans2D2">
-    <dgm:fillClrLst meth="repeat">
-      <a:schemeClr val="accent1"/>
-    </dgm:fillClrLst>
-    <dgm:linClrLst meth="repeat">
-      <a:schemeClr val="accent1"/>
-    </dgm:linClrLst>
-    <dgm:effectClrLst/>
-    <dgm:txLinClrLst/>
-    <dgm:txFillClrLst meth="repeat">
-      <a:schemeClr val="lt1"/>
-    </dgm:txFillClrLst>
-    <dgm:txEffectClrLst/>
-  </dgm:styleLbl>
-  <dgm:styleLbl name="parChTrans2D3">
-    <dgm:fillClrLst meth="repeat">
-      <a:schemeClr val="accent1"/>
-    </dgm:fillClrLst>
-    <dgm:linClrLst meth="repeat">
-      <a:schemeClr val="accent1"/>
-    </dgm:linClrLst>
-    <dgm:effectClrLst/>
-    <dgm:txLinClrLst/>
-    <dgm:txFillClrLst meth="repeat">
-      <a:schemeClr val="lt1"/>
-    </dgm:txFillClrLst>
-    <dgm:txEffectClrLst/>
-  </dgm:styleLbl>
-  <dgm:styleLbl name="parChTrans2D4">
-    <dgm:fillClrLst meth="repeat">
-      <a:schemeClr val="accent1"/>
-    </dgm:fillClrLst>
-    <dgm:linClrLst meth="repeat">
-      <a:schemeClr val="accent1"/>
-    </dgm:linClrLst>
-    <dgm:effectClrLst/>
-    <dgm:txLinClrLst/>
-    <dgm:txFillClrLst meth="repeat">
-      <a:schemeClr val="lt1"/>
-    </dgm:txFillClrLst>
-    <dgm:txEffectClrLst/>
-  </dgm:styleLbl>
-  <dgm:styleLbl name="parChTrans1D1">
-    <dgm:fillClrLst meth="repeat">
-      <a:schemeClr val="accent1"/>
-    </dgm:fillClrLst>
-    <dgm:linClrLst meth="repeat">
-      <a:schemeClr val="accent1">
-        <a:shade val="60000"/>
-      </a:schemeClr>
-    </dgm:linClrLst>
-    <dgm:effectClrLst/>
-    <dgm:txLinClrLst/>
-    <dgm:txFillClrLst meth="repeat">
-      <a:schemeClr val="tx1"/>
-    </dgm:txFillClrLst>
-    <dgm:txEffectClrLst/>
-  </dgm:styleLbl>
-  <dgm:styleLbl name="parChTrans1D2">
-    <dgm:fillClrLst meth="repeat">
-      <a:schemeClr val="accent1"/>
-    </dgm:fillClrLst>
-    <dgm:linClrLst meth="repeat">
-      <a:schemeClr val="accent1">
-        <a:shade val="60000"/>
-      </a:schemeClr>
-    </dgm:linClrLst>
-    <dgm:effectClrLst/>
-    <dgm:txLinClrLst/>
-    <dgm:txFillClrLst meth="repeat">
-      <a:schemeClr val="tx1"/>
-    </dgm:txFillClrLst>
-    <dgm:txEffectClrLst/>
-  </dgm:styleLbl>
-  <dgm:styleLbl name="parChTrans1D3">
-    <dgm:fillClrLst meth="repeat">
-      <a:schemeClr val="accent1"/>
-    </dgm:fillClrLst>
-    <dgm:linClrLst meth="repeat">
-      <a:schemeClr val="accent1">
-        <a:shade val="80000"/>
-      </a:schemeClr>
-    </dgm:linClrLst>
-    <dgm:effectClrLst/>
-    <dgm:txLinClrLst/>
-    <dgm:txFillClrLst meth="repeat">
-      <a:schemeClr val="tx1"/>
-    </dgm:txFillClrLst>
-    <dgm:txEffectClrLst/>
-  </dgm:styleLbl>
-  <dgm:styleLbl name="parChTrans1D4">
-    <dgm:fillClrLst meth="repeat">
-      <a:schemeClr val="accent1"/>
-    </dgm:fillClrLst>
-    <dgm:linClrLst meth="repeat">
-      <a:schemeClr val="accent1">
-        <a:shade val="80000"/>
-      </a:schemeClr>
-    </dgm:linClrLst>
-    <dgm:effectClrLst/>
-    <dgm:txLinClrLst/>
-    <dgm:txFillClrLst meth="repeat">
-      <a:schemeClr val="tx1"/>
-    </dgm:txFillClrLst>
-    <dgm:txEffectClrLst/>
-  </dgm:styleLbl>
-  <dgm:styleLbl name="fgAcc1">
-    <dgm:fillClrLst meth="repeat">
-      <a:schemeClr val="lt1">
-        <a:alpha val="90000"/>
-      </a:schemeClr>
-    </dgm:fillClrLst>
-    <dgm:linClrLst meth="repeat">
-      <a:schemeClr val="accent1"/>
-    </dgm:linClrLst>
-    <dgm:effectClrLst/>
-    <dgm:txLinClrLst/>
-    <dgm:txFillClrLst meth="repeat">
-      <a:schemeClr val="dk1"/>
-    </dgm:txFillClrLst>
-    <dgm:txEffectClrLst/>
-  </dgm:styleLbl>
-  <dgm:styleLbl name="conFgAcc1">
-    <dgm:fillClrLst meth="repeat">
-      <a:schemeClr val="lt1">
-        <a:alpha val="90000"/>
-      </a:schemeClr>
-    </dgm:fillClrLst>
-    <dgm:linClrLst meth="repeat">
-      <a:schemeClr val="accent1"/>
-    </dgm:linClrLst>
-    <dgm:effectClrLst/>
-    <dgm:txLinClrLst/>
-    <dgm:txFillClrLst meth="repeat">
-      <a:schemeClr val="dk1"/>
-    </dgm:txFillClrLst>
-    <dgm:txEffectClrLst/>
-  </dgm:styleLbl>
-  <dgm:styleLbl name="alignAcc1">
-    <dgm:fillClrLst meth="repeat">
-      <a:schemeClr val="lt1">
-        <a:alpha val="90000"/>
-      </a:schemeClr>
-    </dgm:fillClrLst>
-    <dgm:linClrLst meth="repeat">
-      <a:schemeClr val="accent1"/>
-    </dgm:linClrLst>
-    <dgm:effectClrLst/>
-    <dgm:txLinClrLst/>
-    <dgm:txFillClrLst meth="repeat">
-      <a:schemeClr val="dk1"/>
-    </dgm:txFillClrLst>
-    <dgm:txEffectClrLst/>
-  </dgm:styleLbl>
-  <dgm:styleLbl name="trAlignAcc1">
-    <dgm:fillClrLst meth="repeat">
-      <a:schemeClr val="lt1">
-        <a:alpha val="40000"/>
-      </a:schemeClr>
-    </dgm:fillClrLst>
-    <dgm:linClrLst meth="repeat">
-      <a:schemeClr val="accent1"/>
-    </dgm:linClrLst>
-    <dgm:effectClrLst/>
-    <dgm:txLinClrLst/>
-    <dgm:txFillClrLst meth="repeat">
-      <a:schemeClr val="dk1"/>
-    </dgm:txFillClrLst>
-    <dgm:txEffectClrLst/>
-  </dgm:styleLbl>
-  <dgm:styleLbl name="bgAcc1">
-    <dgm:fillClrLst meth="repeat">
-      <a:schemeClr val="lt1">
-        <a:alpha val="90000"/>
-      </a:schemeClr>
-    </dgm:fillClrLst>
-    <dgm:linClrLst meth="repeat">
-      <a:schemeClr val="accent1"/>
-    </dgm:linClrLst>
-    <dgm:effectClrLst/>
-    <dgm:txLinClrLst/>
-    <dgm:txFillClrLst meth="repeat">
-      <a:schemeClr val="dk1"/>
-    </dgm:txFillClrLst>
-    <dgm:txEffectClrLst/>
-  </dgm:styleLbl>
-  <dgm:styleLbl name="solidFgAcc1">
-    <dgm:fillClrLst meth="repeat">
-      <a:schemeClr val="lt1"/>
-    </dgm:fillClrLst>
-    <dgm:linClrLst meth="repeat">
-      <a:schemeClr val="accent1"/>
-    </dgm:linClrLst>
-    <dgm:effectClrLst/>
-    <dgm:txLinClrLst/>
-    <dgm:txFillClrLst meth="repeat">
-      <a:schemeClr val="dk1"/>
-    </dgm:txFillClrLst>
-    <dgm:txEffectClrLst/>
-  </dgm:styleLbl>
-  <dgm:styleLbl name="solidAlignAcc1">
-    <dgm:fillClrLst meth="repeat">
-      <a:schemeClr val="lt1"/>
-    </dgm:fillClrLst>
-    <dgm:linClrLst meth="repeat">
-      <a:schemeClr val="accent1"/>
-    </dgm:linClrLst>
-    <dgm:effectClrLst/>
-    <dgm:txLinClrLst/>
-    <dgm:txFillClrLst meth="repeat">
-      <a:schemeClr val="dk1"/>
-    </dgm:txFillClrLst>
-    <dgm:txEffectClrLst/>
-  </dgm:styleLbl>
-  <dgm:styleLbl name="solidBgAcc1">
-    <dgm:fillClrLst meth="repeat">
-      <a:schemeClr val="lt1"/>
-    </dgm:fillClrLst>
-    <dgm:linClrLst meth="repeat">
-      <a:schemeClr val="accent1"/>
-    </dgm:linClrLst>
-    <dgm:effectClrLst/>
-    <dgm:txLinClrLst/>
-    <dgm:txFillClrLst meth="repeat">
-      <a:schemeClr val="dk1"/>
-    </dgm:txFillClrLst>
-    <dgm:txEffectClrLst/>
-  </dgm:styleLbl>
-  <dgm:styleLbl name="fgAccFollowNode1">
-    <dgm:fillClrLst meth="repeat">
-      <a:schemeClr val="accent1">
-        <a:alpha val="90000"/>
-        <a:tint val="40000"/>
-      </a:schemeClr>
-    </dgm:fillClrLst>
-    <dgm:linClrLst meth="repeat">
-      <a:schemeClr val="accent1">
-        <a:alpha val="90000"/>
-        <a:tint val="40000"/>
-      </a:schemeClr>
-    </dgm:linClrLst>
-    <dgm:effectClrLst/>
-    <dgm:txLinClrLst/>
-    <dgm:txFillClrLst meth="repeat">
-      <a:schemeClr val="dk1"/>
-    </dgm:txFillClrLst>
-    <dgm:txEffectClrLst/>
-  </dgm:styleLbl>
-  <dgm:styleLbl name="alignAccFollowNode1">
-    <dgm:fillClrLst meth="repeat">
-      <a:schemeClr val="accent1">
-        <a:alpha val="90000"/>
-        <a:tint val="40000"/>
-      </a:schemeClr>
-    </dgm:fillClrLst>
-    <dgm:linClrLst meth="repeat">
-      <a:schemeClr val="accent1">
-        <a:alpha val="90000"/>
-        <a:tint val="40000"/>
-      </a:schemeClr>
-    </dgm:linClrLst>
-    <dgm:effectClrLst/>
-    <dgm:txLinClrLst/>
-    <dgm:txFillClrLst meth="repeat">
-      <a:schemeClr val="dk1"/>
-    </dgm:txFillClrLst>
-    <dgm:txEffectClrLst/>
-  </dgm:styleLbl>
-  <dgm:styleLbl name="bgAccFollowNode1">
-    <dgm:fillClrLst meth="repeat">
-      <a:schemeClr val="accent1">
-        <a:alpha val="90000"/>
-        <a:tint val="40000"/>
-      </a:schemeClr>
-    </dgm:fillClrLst>
-    <dgm:linClrLst meth="repeat">
-      <a:schemeClr val="accent1">
-        <a:alpha val="90000"/>
-        <a:tint val="40000"/>
-      </a:schemeClr>
-    </dgm:linClrLst>
-    <dgm:effectClrLst/>
-    <dgm:txLinClrLst/>
-    <dgm:txFillClrLst meth="repeat">
-      <a:schemeClr val="dk1"/>
-    </dgm:txFillClrLst>
-    <dgm:txEffectClrLst/>
-  </dgm:styleLbl>
-  <dgm:styleLbl name="fgAcc0">
-    <dgm:fillClrLst meth="repeat">
-      <a:schemeClr val="lt1">
-        <a:alpha val="90000"/>
-      </a:schemeClr>
-    </dgm:fillClrLst>
-    <dgm:linClrLst meth="repeat">
-      <a:schemeClr val="accent1"/>
-    </dgm:linClrLst>
-    <dgm:effectClrLst/>
-    <dgm:txLinClrLst/>
-    <dgm:txFillClrLst meth="repeat">
-      <a:schemeClr val="dk1"/>
-    </dgm:txFillClrLst>
-    <dgm:txEffectClrLst/>
-  </dgm:styleLbl>
-  <dgm:styleLbl name="fgAcc2">
-    <dgm:fillClrLst meth="repeat">
-      <a:schemeClr val="lt1">
-        <a:alpha val="90000"/>
-      </a:schemeClr>
-    </dgm:fillClrLst>
-    <dgm:linClrLst meth="repeat">
-      <a:schemeClr val="accent1"/>
-    </dgm:linClrLst>
-    <dgm:effectClrLst/>
-    <dgm:txLinClrLst/>
-    <dgm:txFillClrLst meth="repeat">
-      <a:schemeClr val="dk1"/>
-    </dgm:txFillClrLst>
-    <dgm:txEffectClrLst/>
-  </dgm:styleLbl>
-  <dgm:styleLbl name="fgAcc3">
-    <dgm:fillClrLst meth="repeat">
-      <a:schemeClr val="lt1">
-        <a:alpha val="90000"/>
-      </a:schemeClr>
-    </dgm:fillClrLst>
-    <dgm:linClrLst meth="repeat">
-      <a:schemeClr val="accent1"/>
-    </dgm:linClrLst>
-    <dgm:effectClrLst/>
-    <dgm:txLinClrLst/>
-    <dgm:txFillClrLst meth="repeat">
-      <a:schemeClr val="dk1"/>
-    </dgm:txFillClrLst>
-    <dgm:txEffectClrLst/>
-  </dgm:styleLbl>
-  <dgm:styleLbl name="fgAcc4">
-    <dgm:fillClrLst meth="repeat">
-      <a:schemeClr val="lt1">
-        <a:alpha val="90000"/>
-      </a:schemeClr>
-    </dgm:fillClrLst>
-    <dgm:linClrLst meth="repeat">
-      <a:schemeClr val="accent1"/>
-    </dgm:linClrLst>
-    <dgm:effectClrLst/>
-    <dgm:txLinClrLst/>
-    <dgm:txFillClrLst meth="repeat">
-      <a:schemeClr val="dk1"/>
-    </dgm:txFillClrLst>
-    <dgm:txEffectClrLst/>
-  </dgm:styleLbl>
-  <dgm:styleLbl name="bgShp">
-    <dgm:fillClrLst meth="repeat">
-      <a:schemeClr val="accent1">
-        <a:tint val="40000"/>
-      </a:schemeClr>
-    </dgm:fillClrLst>
-    <dgm:linClrLst meth="repeat">
-      <a:schemeClr val="accent1"/>
-    </dgm:linClrLst>
-    <dgm:effectClrLst/>
-    <dgm:txLinClrLst/>
-    <dgm:txFillClrLst meth="repeat">
-      <a:schemeClr val="dk1"/>
-    </dgm:txFillClrLst>
-    <dgm:txEffectClrLst/>
-  </dgm:styleLbl>
-  <dgm:styleLbl name="dkBgShp">
-    <dgm:fillClrLst meth="repeat">
-      <a:schemeClr val="accent1">
-        <a:shade val="80000"/>
-      </a:schemeClr>
-    </dgm:fillClrLst>
-    <dgm:linClrLst meth="repeat">
-      <a:schemeClr val="accent1"/>
-    </dgm:linClrLst>
-    <dgm:effectClrLst/>
-    <dgm:txLinClrLst/>
-    <dgm:txFillClrLst meth="repeat">
-      <a:schemeClr val="lt1"/>
-    </dgm:txFillClrLst>
-    <dgm:txEffectClrLst/>
-  </dgm:styleLbl>
-  <dgm:styleLbl name="trBgShp">
-    <dgm:fillClrLst meth="repeat">
-      <a:schemeClr val="accent1">
-        <a:tint val="50000"/>
-        <a:alpha val="40000"/>
-      </a:schemeClr>
-    </dgm:fillClrLst>
-    <dgm:linClrLst meth="repeat">
-      <a:schemeClr val="accent1"/>
-    </dgm:linClrLst>
-    <dgm:effectClrLst/>
-    <dgm:txLinClrLst/>
-    <dgm:txFillClrLst meth="repeat">
-      <a:schemeClr val="lt1"/>
-    </dgm:txFillClrLst>
-    <dgm:txEffectClrLst/>
-  </dgm:styleLbl>
-  <dgm:styleLbl name="fgShp">
-    <dgm:fillClrLst meth="repeat">
-      <a:schemeClr val="accent1">
-        <a:tint val="60000"/>
-      </a:schemeClr>
-    </dgm:fillClrLst>
-    <dgm:linClrLst meth="repeat">
-      <a:schemeClr val="lt1"/>
-    </dgm:linClrLst>
-    <dgm:effectClrLst/>
-    <dgm:txLinClrLst/>
-    <dgm:txFillClrLst meth="repeat">
-      <a:schemeClr val="dk1"/>
-    </dgm:txFillClrLst>
-    <dgm:txEffectClrLst/>
-  </dgm:styleLbl>
-  <dgm:styleLbl name="revTx">
-    <dgm:fillClrLst meth="repeat">
-      <a:schemeClr val="lt1">
-        <a:alpha val="0"/>
-      </a:schemeClr>
-    </dgm:fillClrLst>
-    <dgm:linClrLst meth="repeat">
-      <a:schemeClr val="dk1">
-        <a:alpha val="0"/>
-      </a:schemeClr>
-    </dgm:linClrLst>
-    <dgm:effectClrLst/>
-    <dgm:txLinClrLst/>
-    <dgm:txFillClrLst meth="repeat">
-      <a:schemeClr val="tx1"/>
-    </dgm:txFillClrLst>
-    <dgm:txEffectClrLst/>
-  </dgm:styleLbl>
-</dgm:colorsDef>
-</file>
-
-<file path=ppt/diagrams/colors7.xml><?xml version="1.0" encoding="utf-8"?>
 <dgm:colorsDef xmlns:dgm="http://schemas.openxmlformats.org/drawingml/2006/diagram" xmlns:a="http://schemas.openxmlformats.org/drawingml/2006/main" uniqueId="urn:microsoft.com/office/officeart/2005/8/colors/accent2_2">
   <dgm:title val=""/>
   <dgm:desc val=""/>
@@ -8360,7 +7751,7 @@
           <a:pPr algn="l"/>
           <a:r>
             <a:rPr lang="en-US" dirty="0"/>
-            <a:t>Handler</a:t>
+            <a:t>Publisher</a:t>
           </a:r>
         </a:p>
       </dgm:t>
@@ -8399,7 +7790,7 @@
           <a:pPr algn="l"/>
           <a:r>
             <a:rPr lang="en-US" dirty="0"/>
-            <a:t>Base Handler</a:t>
+            <a:t>Subscriber</a:t>
           </a:r>
         </a:p>
       </dgm:t>
@@ -8437,7 +7828,7 @@
         <a:p>
           <a:r>
             <a:rPr lang="en-US" dirty="0"/>
-            <a:t>Concrete Handlers</a:t>
+            <a:t>Concrete Subscribers</a:t>
           </a:r>
         </a:p>
       </dgm:t>
@@ -8744,203 +8135,6 @@
         </a:p>
       </dgm:t>
     </dgm:pt>
-    <dgm:pt modelId="{7943A428-1C2D-4CDF-905C-4AAE6726CD17}">
-      <dgm:prSet/>
-      <dgm:spPr/>
-      <dgm:t>
-        <a:bodyPr/>
-        <a:lstStyle/>
-        <a:p>
-          <a:pPr algn="l"/>
-          <a:r>
-            <a:rPr lang="en-US" dirty="0"/>
-            <a:t>Publisher</a:t>
-          </a:r>
-        </a:p>
-      </dgm:t>
-    </dgm:pt>
-    <dgm:pt modelId="{2DA980D7-DB67-4008-B34E-4AF1E97B1544}" type="parTrans" cxnId="{964932B8-1C97-41F0-83A5-E546884BFA71}">
-      <dgm:prSet/>
-      <dgm:spPr/>
-      <dgm:t>
-        <a:bodyPr/>
-        <a:lstStyle/>
-        <a:p>
-          <a:pPr algn="l"/>
-          <a:endParaRPr lang="en-US"/>
-        </a:p>
-      </dgm:t>
-    </dgm:pt>
-    <dgm:pt modelId="{77E8D252-DB06-47FE-AAD8-10DF9E64E374}" type="sibTrans" cxnId="{964932B8-1C97-41F0-83A5-E546884BFA71}">
-      <dgm:prSet/>
-      <dgm:spPr/>
-      <dgm:t>
-        <a:bodyPr/>
-        <a:lstStyle/>
-        <a:p>
-          <a:pPr algn="l"/>
-          <a:endParaRPr lang="en-US"/>
-        </a:p>
-      </dgm:t>
-    </dgm:pt>
-    <dgm:pt modelId="{167E1D7B-6CB0-4B85-B05C-D971A42479BA}">
-      <dgm:prSet/>
-      <dgm:spPr/>
-      <dgm:t>
-        <a:bodyPr/>
-        <a:lstStyle/>
-        <a:p>
-          <a:pPr algn="l"/>
-          <a:r>
-            <a:rPr lang="en-US" dirty="0"/>
-            <a:t>Subscriber</a:t>
-          </a:r>
-        </a:p>
-      </dgm:t>
-    </dgm:pt>
-    <dgm:pt modelId="{BEA364BB-F7B6-40CB-9464-7204A07E8F1F}" type="parTrans" cxnId="{D9B9B289-6CB3-4568-B6C1-A56FC4F78C68}">
-      <dgm:prSet/>
-      <dgm:spPr/>
-      <dgm:t>
-        <a:bodyPr/>
-        <a:lstStyle/>
-        <a:p>
-          <a:pPr algn="l"/>
-          <a:endParaRPr lang="en-US"/>
-        </a:p>
-      </dgm:t>
-    </dgm:pt>
-    <dgm:pt modelId="{FC7618C3-C079-4386-8578-5360D1C264EF}" type="sibTrans" cxnId="{D9B9B289-6CB3-4568-B6C1-A56FC4F78C68}">
-      <dgm:prSet/>
-      <dgm:spPr/>
-      <dgm:t>
-        <a:bodyPr/>
-        <a:lstStyle/>
-        <a:p>
-          <a:pPr algn="l"/>
-          <a:endParaRPr lang="en-US"/>
-        </a:p>
-      </dgm:t>
-    </dgm:pt>
-    <dgm:pt modelId="{8C22094B-7982-48B3-A636-C309B7168CA0}">
-      <dgm:prSet/>
-      <dgm:spPr/>
-      <dgm:t>
-        <a:bodyPr/>
-        <a:lstStyle/>
-        <a:p>
-          <a:r>
-            <a:rPr lang="en-US" dirty="0"/>
-            <a:t>Concrete Subscribers</a:t>
-          </a:r>
-        </a:p>
-      </dgm:t>
-    </dgm:pt>
-    <dgm:pt modelId="{DABBF22C-5445-43CD-A7F9-B3A70B917BBB}" type="parTrans" cxnId="{16290AAD-B7AE-47D1-BE8C-5C5B57414725}">
-      <dgm:prSet/>
-      <dgm:spPr/>
-      <dgm:t>
-        <a:bodyPr/>
-        <a:lstStyle/>
-        <a:p>
-          <a:endParaRPr lang="en-US"/>
-        </a:p>
-      </dgm:t>
-    </dgm:pt>
-    <dgm:pt modelId="{13FBCEB5-2C74-49D9-AB53-C7504A76F7CD}" type="sibTrans" cxnId="{16290AAD-B7AE-47D1-BE8C-5C5B57414725}">
-      <dgm:prSet/>
-      <dgm:spPr/>
-      <dgm:t>
-        <a:bodyPr/>
-        <a:lstStyle/>
-        <a:p>
-          <a:endParaRPr lang="en-US"/>
-        </a:p>
-      </dgm:t>
-    </dgm:pt>
-    <dgm:pt modelId="{C7823C08-90C7-4B69-9817-B11257D16185}" type="pres">
-      <dgm:prSet presAssocID="{D53BCBF0-7E8A-4FE9-AF6D-37F1C455BE21}" presName="linear" presStyleCnt="0">
-        <dgm:presLayoutVars>
-          <dgm:animLvl val="lvl"/>
-          <dgm:resizeHandles val="exact"/>
-        </dgm:presLayoutVars>
-      </dgm:prSet>
-      <dgm:spPr/>
-    </dgm:pt>
-    <dgm:pt modelId="{7EB96007-84AC-49D4-AA27-A12E1F11C083}" type="pres">
-      <dgm:prSet presAssocID="{7943A428-1C2D-4CDF-905C-4AAE6726CD17}" presName="parentText" presStyleLbl="node1" presStyleIdx="0" presStyleCnt="3">
-        <dgm:presLayoutVars>
-          <dgm:chMax val="0"/>
-          <dgm:bulletEnabled val="1"/>
-        </dgm:presLayoutVars>
-      </dgm:prSet>
-      <dgm:spPr/>
-    </dgm:pt>
-    <dgm:pt modelId="{15B386A6-CA18-41C1-91D3-786C33FDF5FA}" type="pres">
-      <dgm:prSet presAssocID="{77E8D252-DB06-47FE-AAD8-10DF9E64E374}" presName="spacer" presStyleCnt="0"/>
-      <dgm:spPr/>
-    </dgm:pt>
-    <dgm:pt modelId="{F8A1933A-B491-4214-BEAB-8FBF738DEE40}" type="pres">
-      <dgm:prSet presAssocID="{167E1D7B-6CB0-4B85-B05C-D971A42479BA}" presName="parentText" presStyleLbl="node1" presStyleIdx="1" presStyleCnt="3">
-        <dgm:presLayoutVars>
-          <dgm:chMax val="0"/>
-          <dgm:bulletEnabled val="1"/>
-        </dgm:presLayoutVars>
-      </dgm:prSet>
-      <dgm:spPr/>
-    </dgm:pt>
-    <dgm:pt modelId="{98115EEA-4462-47CF-8927-5A5CD529D992}" type="pres">
-      <dgm:prSet presAssocID="{FC7618C3-C079-4386-8578-5360D1C264EF}" presName="spacer" presStyleCnt="0"/>
-      <dgm:spPr/>
-    </dgm:pt>
-    <dgm:pt modelId="{58311629-E84A-4326-9A41-92BAA85CE2ED}" type="pres">
-      <dgm:prSet presAssocID="{8C22094B-7982-48B3-A636-C309B7168CA0}" presName="parentText" presStyleLbl="node1" presStyleIdx="2" presStyleCnt="3">
-        <dgm:presLayoutVars>
-          <dgm:chMax val="0"/>
-          <dgm:bulletEnabled val="1"/>
-        </dgm:presLayoutVars>
-      </dgm:prSet>
-      <dgm:spPr/>
-    </dgm:pt>
-  </dgm:ptLst>
-  <dgm:cxnLst>
-    <dgm:cxn modelId="{3A0DD017-E1CF-493E-8E63-B03841FF8930}" type="presOf" srcId="{D53BCBF0-7E8A-4FE9-AF6D-37F1C455BE21}" destId="{C7823C08-90C7-4B69-9817-B11257D16185}" srcOrd="0" destOrd="0" presId="urn:microsoft.com/office/officeart/2005/8/layout/vList2"/>
-    <dgm:cxn modelId="{7210FD82-37A6-494F-B1BF-A77F71694005}" type="presOf" srcId="{7943A428-1C2D-4CDF-905C-4AAE6726CD17}" destId="{7EB96007-84AC-49D4-AA27-A12E1F11C083}" srcOrd="0" destOrd="0" presId="urn:microsoft.com/office/officeart/2005/8/layout/vList2"/>
-    <dgm:cxn modelId="{35DED684-D496-43F6-9986-3480B01A4CA7}" type="presOf" srcId="{167E1D7B-6CB0-4B85-B05C-D971A42479BA}" destId="{F8A1933A-B491-4214-BEAB-8FBF738DEE40}" srcOrd="0" destOrd="0" presId="urn:microsoft.com/office/officeart/2005/8/layout/vList2"/>
-    <dgm:cxn modelId="{D9B9B289-6CB3-4568-B6C1-A56FC4F78C68}" srcId="{D53BCBF0-7E8A-4FE9-AF6D-37F1C455BE21}" destId="{167E1D7B-6CB0-4B85-B05C-D971A42479BA}" srcOrd="1" destOrd="0" parTransId="{BEA364BB-F7B6-40CB-9464-7204A07E8F1F}" sibTransId="{FC7618C3-C079-4386-8578-5360D1C264EF}"/>
-    <dgm:cxn modelId="{16290AAD-B7AE-47D1-BE8C-5C5B57414725}" srcId="{D53BCBF0-7E8A-4FE9-AF6D-37F1C455BE21}" destId="{8C22094B-7982-48B3-A636-C309B7168CA0}" srcOrd="2" destOrd="0" parTransId="{DABBF22C-5445-43CD-A7F9-B3A70B917BBB}" sibTransId="{13FBCEB5-2C74-49D9-AB53-C7504A76F7CD}"/>
-    <dgm:cxn modelId="{964932B8-1C97-41F0-83A5-E546884BFA71}" srcId="{D53BCBF0-7E8A-4FE9-AF6D-37F1C455BE21}" destId="{7943A428-1C2D-4CDF-905C-4AAE6726CD17}" srcOrd="0" destOrd="0" parTransId="{2DA980D7-DB67-4008-B34E-4AF1E97B1544}" sibTransId="{77E8D252-DB06-47FE-AAD8-10DF9E64E374}"/>
-    <dgm:cxn modelId="{5A51B3F2-CDF4-45C7-9046-73C80499187B}" type="presOf" srcId="{8C22094B-7982-48B3-A636-C309B7168CA0}" destId="{58311629-E84A-4326-9A41-92BAA85CE2ED}" srcOrd="0" destOrd="0" presId="urn:microsoft.com/office/officeart/2005/8/layout/vList2"/>
-    <dgm:cxn modelId="{8BFA2E48-C4FB-463D-A951-E517FD583D52}" type="presParOf" srcId="{C7823C08-90C7-4B69-9817-B11257D16185}" destId="{7EB96007-84AC-49D4-AA27-A12E1F11C083}" srcOrd="0" destOrd="0" presId="urn:microsoft.com/office/officeart/2005/8/layout/vList2"/>
-    <dgm:cxn modelId="{41283A49-CC1D-4449-8EEF-C2FF2F280FA9}" type="presParOf" srcId="{C7823C08-90C7-4B69-9817-B11257D16185}" destId="{15B386A6-CA18-41C1-91D3-786C33FDF5FA}" srcOrd="1" destOrd="0" presId="urn:microsoft.com/office/officeart/2005/8/layout/vList2"/>
-    <dgm:cxn modelId="{A53C3C53-F679-4EF0-A5FB-C5C5C9DF1787}" type="presParOf" srcId="{C7823C08-90C7-4B69-9817-B11257D16185}" destId="{F8A1933A-B491-4214-BEAB-8FBF738DEE40}" srcOrd="2" destOrd="0" presId="urn:microsoft.com/office/officeart/2005/8/layout/vList2"/>
-    <dgm:cxn modelId="{423AF6B9-45F8-4CDB-ABE2-84DB751A3D30}" type="presParOf" srcId="{C7823C08-90C7-4B69-9817-B11257D16185}" destId="{98115EEA-4462-47CF-8927-5A5CD529D992}" srcOrd="3" destOrd="0" presId="urn:microsoft.com/office/officeart/2005/8/layout/vList2"/>
-    <dgm:cxn modelId="{ADF0B0CF-8940-4FA9-BC73-BED6ACE97E4C}" type="presParOf" srcId="{C7823C08-90C7-4B69-9817-B11257D16185}" destId="{58311629-E84A-4326-9A41-92BAA85CE2ED}" srcOrd="4" destOrd="0" presId="urn:microsoft.com/office/officeart/2005/8/layout/vList2"/>
-  </dgm:cxnLst>
-  <dgm:bg/>
-  <dgm:whole/>
-  <dgm:extLst>
-    <a:ext uri="http://schemas.microsoft.com/office/drawing/2008/diagram">
-      <dsp:dataModelExt xmlns:dsp="http://schemas.microsoft.com/office/drawing/2008/diagram" relId="rId7" minVer="http://schemas.openxmlformats.org/drawingml/2006/diagram"/>
-    </a:ext>
-  </dgm:extLst>
-</dgm:dataModel>
-</file>
-
-<file path=ppt/diagrams/data5.xml><?xml version="1.0" encoding="utf-8"?>
-<dgm:dataModel xmlns:dgm="http://schemas.openxmlformats.org/drawingml/2006/diagram" xmlns:a="http://schemas.openxmlformats.org/drawingml/2006/main">
-  <dgm:ptLst>
-    <dgm:pt modelId="{D53BCBF0-7E8A-4FE9-AF6D-37F1C455BE21}" type="doc">
-      <dgm:prSet loTypeId="urn:microsoft.com/office/officeart/2005/8/layout/vList2" loCatId="list" qsTypeId="urn:microsoft.com/office/officeart/2005/8/quickstyle/simple1" qsCatId="simple" csTypeId="urn:microsoft.com/office/officeart/2005/8/colors/accent1_2" csCatId="accent1" phldr="1"/>
-      <dgm:spPr/>
-      <dgm:t>
-        <a:bodyPr/>
-        <a:lstStyle/>
-        <a:p>
-          <a:endParaRPr lang="en-US"/>
-        </a:p>
-      </dgm:t>
-    </dgm:pt>
     <dgm:pt modelId="{167E1D7B-6CB0-4B85-B05C-D971A42479BA}">
       <dgm:prSet/>
       <dgm:spPr/>
@@ -9073,7 +8267,7 @@
 </dgm:dataModel>
 </file>
 
-<file path=ppt/diagrams/data6.xml><?xml version="1.0" encoding="utf-8"?>
+<file path=ppt/diagrams/data5.xml><?xml version="1.0" encoding="utf-8"?>
 <dgm:dataModel xmlns:dgm="http://schemas.openxmlformats.org/drawingml/2006/diagram" xmlns:a="http://schemas.openxmlformats.org/drawingml/2006/main">
   <dgm:ptLst>
     <dgm:pt modelId="{D53BCBF0-7E8A-4FE9-AF6D-37F1C455BE21}" type="doc">
@@ -9331,74 +8525,11 @@
 </dgm:dataModel>
 </file>
 
-<file path=ppt/diagrams/data7.xml><?xml version="1.0" encoding="utf-8"?>
+<file path=ppt/diagrams/data6.xml><?xml version="1.0" encoding="utf-8"?>
 <dgm:dataModel xmlns:dgm="http://schemas.openxmlformats.org/drawingml/2006/diagram" xmlns:a="http://schemas.openxmlformats.org/drawingml/2006/main">
   <dgm:ptLst>
     <dgm:pt modelId="{4F1464C0-5555-46C1-B349-12A1B850E025}" type="doc">
       <dgm:prSet loTypeId="urn:microsoft.com/office/officeart/2005/8/layout/vList2" loCatId="list" qsTypeId="urn:microsoft.com/office/officeart/2005/8/quickstyle/simple5" qsCatId="simple" csTypeId="urn:microsoft.com/office/officeart/2005/8/colors/accent2_2" csCatId="accent2" phldr="1"/>
-      <dgm:spPr/>
-      <dgm:t>
-        <a:bodyPr/>
-        <a:lstStyle/>
-        <a:p>
-          <a:endParaRPr lang="en-US"/>
-        </a:p>
-      </dgm:t>
-    </dgm:pt>
-    <dgm:pt modelId="{8D048769-2582-4C51-BB23-7FE6C6C34521}">
-      <dgm:prSet phldrT="[Text]"/>
-      <dgm:spPr>
-        <a:solidFill>
-          <a:schemeClr val="accent2"/>
-        </a:solidFill>
-      </dgm:spPr>
-      <dgm:t>
-        <a:bodyPr spcFirstLastPara="0" vert="horz" wrap="square" lIns="160020" tIns="160020" rIns="160020" bIns="160020" numCol="1" spcCol="1270" anchor="ctr" anchorCtr="0"/>
-        <a:lstStyle/>
-        <a:p>
-          <a:pPr marL="0" lvl="0" indent="0" defTabSz="1866900">
-            <a:spcBef>
-              <a:spcPct val="0"/>
-            </a:spcBef>
-            <a:spcAft>
-              <a:spcPct val="35000"/>
-            </a:spcAft>
-            <a:buNone/>
-          </a:pPr>
-          <a:r>
-            <a:rPr lang="en-US" b="1" kern="1200" dirty="0">
-              <a:latin typeface="Calibri" panose="020F0502020204030204"/>
-              <a:ea typeface="+mn-ea"/>
-              <a:cs typeface="+mn-cs"/>
-            </a:rPr>
-            <a:t>1. </a:t>
-          </a:r>
-          <a:r>
-            <a:rPr lang="en-US" b="1" kern="1200" dirty="0"/>
-            <a:t>Chain of Responsibility</a:t>
-          </a:r>
-          <a:endParaRPr lang="en-US" b="1" kern="1200" dirty="0">
-            <a:latin typeface="Calibri" panose="020F0502020204030204"/>
-            <a:ea typeface="+mn-ea"/>
-            <a:cs typeface="+mn-cs"/>
-          </a:endParaRPr>
-        </a:p>
-      </dgm:t>
-    </dgm:pt>
-    <dgm:pt modelId="{B6B50586-70DB-4C26-A4E4-8D083B41C837}" type="parTrans" cxnId="{53AFBAEC-C423-4CEF-A196-8ECE4F9B77BE}">
-      <dgm:prSet/>
-      <dgm:spPr/>
-      <dgm:t>
-        <a:bodyPr/>
-        <a:lstStyle/>
-        <a:p>
-          <a:pPr algn="ctr"/>
-          <a:endParaRPr lang="en-US"/>
-        </a:p>
-      </dgm:t>
-    </dgm:pt>
-    <dgm:pt modelId="{1B6EFED7-245A-4B0B-8B0B-5A0165E7F1E4}" type="sibTrans" cxnId="{53AFBAEC-C423-4CEF-A196-8ECE4F9B77BE}">
-      <dgm:prSet phldrT="1"/>
       <dgm:spPr/>
       <dgm:t>
         <a:bodyPr/>
@@ -9434,7 +8565,7 @@
               <a:ea typeface="+mn-ea"/>
               <a:cs typeface="+mn-cs"/>
             </a:rPr>
-            <a:t>2. Strategy</a:t>
+            <a:t>1. Observer</a:t>
           </a:r>
         </a:p>
       </dgm:t>
@@ -9488,7 +8619,7 @@
               <a:ea typeface="+mn-ea"/>
               <a:cs typeface="+mn-cs"/>
             </a:rPr>
-            <a:t>3. Observer </a:t>
+            <a:t>2. Strategy </a:t>
           </a:r>
         </a:p>
       </dgm:t>
@@ -9547,7 +8678,7 @@
               <a:ea typeface="+mn-ea"/>
               <a:cs typeface="+mn-cs"/>
             </a:rPr>
-            <a:t>4. Iterator </a:t>
+            <a:t>3. Iterator </a:t>
           </a:r>
         </a:p>
       </dgm:t>
@@ -9664,6 +8795,58 @@
         </a:p>
       </dgm:t>
     </dgm:pt>
+    <dgm:pt modelId="{6BAFCEEE-4344-466F-8E8A-A809FD5041A5}">
+      <dgm:prSet phldrT="[Text]"/>
+      <dgm:spPr>
+        <a:solidFill>
+          <a:schemeClr val="accent2"/>
+        </a:solidFill>
+        <a:ln>
+          <a:solidFill>
+            <a:schemeClr val="accent2"/>
+          </a:solidFill>
+        </a:ln>
+      </dgm:spPr>
+      <dgm:t>
+        <a:bodyPr spcFirstLastPara="0" vert="horz" wrap="square" lIns="160020" tIns="160020" rIns="160020" bIns="160020" numCol="1" spcCol="1270" anchor="ctr" anchorCtr="0"/>
+        <a:lstStyle/>
+        <a:p>
+          <a:pPr>
+            <a:buNone/>
+          </a:pPr>
+          <a:r>
+            <a:rPr lang="en-US" b="1" dirty="0">
+              <a:latin typeface="Calibri" panose="020F0502020204030204"/>
+              <a:ea typeface="+mn-ea"/>
+              <a:cs typeface="+mn-cs"/>
+            </a:rPr>
+            <a:t>4. Command </a:t>
+          </a:r>
+        </a:p>
+      </dgm:t>
+    </dgm:pt>
+    <dgm:pt modelId="{1449D5AB-89A9-4460-9144-1C815111568C}" type="parTrans" cxnId="{7F2A2616-FBCB-4B18-B07A-2621A2683EA6}">
+      <dgm:prSet/>
+      <dgm:spPr/>
+      <dgm:t>
+        <a:bodyPr/>
+        <a:lstStyle/>
+        <a:p>
+          <a:endParaRPr lang="en-US"/>
+        </a:p>
+      </dgm:t>
+    </dgm:pt>
+    <dgm:pt modelId="{45231892-F4DE-4D46-A1CD-8D6D0F0B017F}" type="sibTrans" cxnId="{7F2A2616-FBCB-4B18-B07A-2621A2683EA6}">
+      <dgm:prSet/>
+      <dgm:spPr/>
+      <dgm:t>
+        <a:bodyPr/>
+        <a:lstStyle/>
+        <a:p>
+          <a:endParaRPr lang="en-US"/>
+        </a:p>
+      </dgm:t>
+    </dgm:pt>
     <dgm:pt modelId="{044DF406-C43A-4F99-A131-BDFFE1DF098A}" type="pres">
       <dgm:prSet presAssocID="{4F1464C0-5555-46C1-B349-12A1B850E025}" presName="linear" presStyleCnt="0">
         <dgm:presLayoutVars>
@@ -9673,21 +8856,8 @@
       </dgm:prSet>
       <dgm:spPr/>
     </dgm:pt>
-    <dgm:pt modelId="{65F72784-DE3C-43D8-B801-D83AEBF01195}" type="pres">
-      <dgm:prSet presAssocID="{8D048769-2582-4C51-BB23-7FE6C6C34521}" presName="parentText" presStyleLbl="node1" presStyleIdx="0" presStyleCnt="6">
-        <dgm:presLayoutVars>
-          <dgm:chMax val="0"/>
-          <dgm:bulletEnabled val="1"/>
-        </dgm:presLayoutVars>
-      </dgm:prSet>
-      <dgm:spPr/>
-    </dgm:pt>
-    <dgm:pt modelId="{57D3B043-5613-4B9E-957B-70ECF54D6E2D}" type="pres">
-      <dgm:prSet presAssocID="{1B6EFED7-245A-4B0B-8B0B-5A0165E7F1E4}" presName="spacer" presStyleCnt="0"/>
-      <dgm:spPr/>
-    </dgm:pt>
     <dgm:pt modelId="{1E22013E-274E-4BA3-BB0A-9FCF956E4D9F}" type="pres">
-      <dgm:prSet presAssocID="{B38DF871-BF03-42BE-A6DE-423B8F0CAE8A}" presName="parentText" presStyleLbl="node1" presStyleIdx="1" presStyleCnt="6">
+      <dgm:prSet presAssocID="{B38DF871-BF03-42BE-A6DE-423B8F0CAE8A}" presName="parentText" presStyleLbl="node1" presStyleIdx="0" presStyleCnt="6">
         <dgm:presLayoutVars>
           <dgm:chMax val="0"/>
           <dgm:bulletEnabled val="1"/>
@@ -9700,7 +8870,7 @@
       <dgm:spPr/>
     </dgm:pt>
     <dgm:pt modelId="{FD8ED29C-7C5D-4022-B25B-B07273DEFA4D}" type="pres">
-      <dgm:prSet presAssocID="{DCB66039-66F6-4844-984A-D67A23A4C399}" presName="parentText" presStyleLbl="node1" presStyleIdx="2" presStyleCnt="6">
+      <dgm:prSet presAssocID="{DCB66039-66F6-4844-984A-D67A23A4C399}" presName="parentText" presStyleLbl="node1" presStyleIdx="1" presStyleCnt="6">
         <dgm:presLayoutVars>
           <dgm:chMax val="0"/>
           <dgm:bulletEnabled val="1"/>
@@ -9713,7 +8883,7 @@
       <dgm:spPr/>
     </dgm:pt>
     <dgm:pt modelId="{BF4AB7A7-D4DE-42A1-BDF6-55FDBAAA3618}" type="pres">
-      <dgm:prSet presAssocID="{7E3CA76B-D35C-49E6-930C-263CE18447A6}" presName="parentText" presStyleLbl="node1" presStyleIdx="3" presStyleCnt="6">
+      <dgm:prSet presAssocID="{7E3CA76B-D35C-49E6-930C-263CE18447A6}" presName="parentText" presStyleLbl="node1" presStyleIdx="2" presStyleCnt="6">
         <dgm:presLayoutVars>
           <dgm:chMax val="0"/>
           <dgm:bulletEnabled val="1"/>
@@ -9723,6 +8893,19 @@
     </dgm:pt>
     <dgm:pt modelId="{2A5CED6C-74CC-44BB-870D-F4233A780F3D}" type="pres">
       <dgm:prSet presAssocID="{DF9294E0-F934-4DCA-A100-ECE6FCF9678A}" presName="spacer" presStyleCnt="0"/>
+      <dgm:spPr/>
+    </dgm:pt>
+    <dgm:pt modelId="{B79F991F-9443-4CB0-864A-C59B98EBFA46}" type="pres">
+      <dgm:prSet presAssocID="{6BAFCEEE-4344-466F-8E8A-A809FD5041A5}" presName="parentText" presStyleLbl="node1" presStyleIdx="3" presStyleCnt="6">
+        <dgm:presLayoutVars>
+          <dgm:chMax val="0"/>
+          <dgm:bulletEnabled val="1"/>
+        </dgm:presLayoutVars>
+      </dgm:prSet>
+      <dgm:spPr/>
+    </dgm:pt>
+    <dgm:pt modelId="{4EC5704C-CCE9-4735-B858-3ED827ECBA3F}" type="pres">
+      <dgm:prSet presAssocID="{45231892-F4DE-4D46-A1CD-8D6D0F0B017F}" presName="spacer" presStyleCnt="0"/>
       <dgm:spPr/>
     </dgm:pt>
     <dgm:pt modelId="{B185354D-7EE5-461F-A756-8C8130BA7DC7}" type="pres">
@@ -9750,26 +8933,26 @@
   </dgm:ptLst>
   <dgm:cxnLst>
     <dgm:cxn modelId="{FAAD0E05-7717-4C22-8ABD-B9919E187CC3}" srcId="{4F1464C0-5555-46C1-B349-12A1B850E025}" destId="{4AD0C0E5-24A7-42F3-9788-886072CF7C93}" srcOrd="5" destOrd="0" parTransId="{27036287-C6D1-406D-9412-1BEB7E80A95E}" sibTransId="{18D3FE54-2616-4F89-8076-07E651A9985C}"/>
-    <dgm:cxn modelId="{D23E6C06-1BCB-474D-A6F6-505555A3FC8A}" srcId="{4F1464C0-5555-46C1-B349-12A1B850E025}" destId="{DCB66039-66F6-4844-984A-D67A23A4C399}" srcOrd="2" destOrd="0" parTransId="{E3558DB9-EE0C-438A-A0EA-A41DD0232F8B}" sibTransId="{1E88FBAF-4CDA-49AB-AF33-1AB99A8B3247}"/>
-    <dgm:cxn modelId="{82655136-7CC6-4843-8C0A-5C6C710E31C5}" srcId="{4F1464C0-5555-46C1-B349-12A1B850E025}" destId="{7E3CA76B-D35C-49E6-930C-263CE18447A6}" srcOrd="3" destOrd="0" parTransId="{097E95C2-4BBD-45D5-B874-763A5296A30D}" sibTransId="{DF9294E0-F934-4DCA-A100-ECE6FCF9678A}"/>
+    <dgm:cxn modelId="{D23E6C06-1BCB-474D-A6F6-505555A3FC8A}" srcId="{4F1464C0-5555-46C1-B349-12A1B850E025}" destId="{DCB66039-66F6-4844-984A-D67A23A4C399}" srcOrd="1" destOrd="0" parTransId="{E3558DB9-EE0C-438A-A0EA-A41DD0232F8B}" sibTransId="{1E88FBAF-4CDA-49AB-AF33-1AB99A8B3247}"/>
+    <dgm:cxn modelId="{7F2A2616-FBCB-4B18-B07A-2621A2683EA6}" srcId="{4F1464C0-5555-46C1-B349-12A1B850E025}" destId="{6BAFCEEE-4344-466F-8E8A-A809FD5041A5}" srcOrd="3" destOrd="0" parTransId="{1449D5AB-89A9-4460-9144-1C815111568C}" sibTransId="{45231892-F4DE-4D46-A1CD-8D6D0F0B017F}"/>
+    <dgm:cxn modelId="{82655136-7CC6-4843-8C0A-5C6C710E31C5}" srcId="{4F1464C0-5555-46C1-B349-12A1B850E025}" destId="{7E3CA76B-D35C-49E6-930C-263CE18447A6}" srcOrd="2" destOrd="0" parTransId="{097E95C2-4BBD-45D5-B874-763A5296A30D}" sibTransId="{DF9294E0-F934-4DCA-A100-ECE6FCF9678A}"/>
     <dgm:cxn modelId="{14ED4B4C-BE07-42EF-B3D7-7E5FF3A60AB3}" type="presOf" srcId="{7E3CA76B-D35C-49E6-930C-263CE18447A6}" destId="{BF4AB7A7-D4DE-42A1-BDF6-55FDBAAA3618}" srcOrd="0" destOrd="0" presId="urn:microsoft.com/office/officeart/2005/8/layout/vList2"/>
-    <dgm:cxn modelId="{2671A56E-1ECB-4BE9-AD26-E8F6A791D9E6}" type="presOf" srcId="{8D048769-2582-4C51-BB23-7FE6C6C34521}" destId="{65F72784-DE3C-43D8-B801-D83AEBF01195}" srcOrd="0" destOrd="0" presId="urn:microsoft.com/office/officeart/2005/8/layout/vList2"/>
     <dgm:cxn modelId="{A3C16078-6648-483C-BF42-637A97012E4D}" type="presOf" srcId="{4AD0C0E5-24A7-42F3-9788-886072CF7C93}" destId="{C22E8708-7144-497C-938B-E843A7A0FE06}" srcOrd="0" destOrd="0" presId="urn:microsoft.com/office/officeart/2005/8/layout/vList2"/>
     <dgm:cxn modelId="{FF962B7B-99EA-4126-ABAA-8509055F7E4E}" type="presOf" srcId="{B38DF871-BF03-42BE-A6DE-423B8F0CAE8A}" destId="{1E22013E-274E-4BA3-BB0A-9FCF956E4D9F}" srcOrd="0" destOrd="0" presId="urn:microsoft.com/office/officeart/2005/8/layout/vList2"/>
+    <dgm:cxn modelId="{EFDB03A5-F83E-4118-B770-6BAD8215CF9B}" type="presOf" srcId="{6BAFCEEE-4344-466F-8E8A-A809FD5041A5}" destId="{B79F991F-9443-4CB0-864A-C59B98EBFA46}" srcOrd="0" destOrd="0" presId="urn:microsoft.com/office/officeart/2005/8/layout/vList2"/>
     <dgm:cxn modelId="{DB81CBB2-B74D-41D0-AB78-7D075ACBD50D}" type="presOf" srcId="{DCB66039-66F6-4844-984A-D67A23A4C399}" destId="{FD8ED29C-7C5D-4022-B25B-B07273DEFA4D}" srcOrd="0" destOrd="0" presId="urn:microsoft.com/office/officeart/2005/8/layout/vList2"/>
     <dgm:cxn modelId="{72E428D7-A78B-4EF9-9646-43FAA583FDF0}" type="presOf" srcId="{9218D03D-89DA-4411-9A54-E2C1F087F84C}" destId="{B185354D-7EE5-461F-A756-8C8130BA7DC7}" srcOrd="0" destOrd="0" presId="urn:microsoft.com/office/officeart/2005/8/layout/vList2"/>
-    <dgm:cxn modelId="{1483C4EB-6822-415C-ACFA-7B40F34FDBAE}" srcId="{4F1464C0-5555-46C1-B349-12A1B850E025}" destId="{B38DF871-BF03-42BE-A6DE-423B8F0CAE8A}" srcOrd="1" destOrd="0" parTransId="{FCFADF0E-5A0F-4A1D-B0DB-4A38DE392393}" sibTransId="{B7A4B878-068D-4932-8426-FA84F59CCBAA}"/>
-    <dgm:cxn modelId="{53AFBAEC-C423-4CEF-A196-8ECE4F9B77BE}" srcId="{4F1464C0-5555-46C1-B349-12A1B850E025}" destId="{8D048769-2582-4C51-BB23-7FE6C6C34521}" srcOrd="0" destOrd="0" parTransId="{B6B50586-70DB-4C26-A4E4-8D083B41C837}" sibTransId="{1B6EFED7-245A-4B0B-8B0B-5A0165E7F1E4}"/>
+    <dgm:cxn modelId="{1483C4EB-6822-415C-ACFA-7B40F34FDBAE}" srcId="{4F1464C0-5555-46C1-B349-12A1B850E025}" destId="{B38DF871-BF03-42BE-A6DE-423B8F0CAE8A}" srcOrd="0" destOrd="0" parTransId="{FCFADF0E-5A0F-4A1D-B0DB-4A38DE392393}" sibTransId="{B7A4B878-068D-4932-8426-FA84F59CCBAA}"/>
     <dgm:cxn modelId="{FEB127F8-266A-4A80-87CD-D8E0B3D79D26}" srcId="{4F1464C0-5555-46C1-B349-12A1B850E025}" destId="{9218D03D-89DA-4411-9A54-E2C1F087F84C}" srcOrd="4" destOrd="0" parTransId="{1A230E96-2FD9-440A-9712-7F81C2228EBB}" sibTransId="{3926964E-CD2B-4B28-AAA1-9C173DDEB74B}"/>
     <dgm:cxn modelId="{76C50DFC-76F7-46DF-9CD7-96E0AB42711F}" type="presOf" srcId="{4F1464C0-5555-46C1-B349-12A1B850E025}" destId="{044DF406-C43A-4F99-A131-BDFFE1DF098A}" srcOrd="0" destOrd="0" presId="urn:microsoft.com/office/officeart/2005/8/layout/vList2"/>
-    <dgm:cxn modelId="{53521B9F-36D6-49EF-B41B-79ABC7944614}" type="presParOf" srcId="{044DF406-C43A-4F99-A131-BDFFE1DF098A}" destId="{65F72784-DE3C-43D8-B801-D83AEBF01195}" srcOrd="0" destOrd="0" presId="urn:microsoft.com/office/officeart/2005/8/layout/vList2"/>
-    <dgm:cxn modelId="{F8D60A7D-4B2D-4CC5-AD70-83B508898D01}" type="presParOf" srcId="{044DF406-C43A-4F99-A131-BDFFE1DF098A}" destId="{57D3B043-5613-4B9E-957B-70ECF54D6E2D}" srcOrd="1" destOrd="0" presId="urn:microsoft.com/office/officeart/2005/8/layout/vList2"/>
-    <dgm:cxn modelId="{AE87858E-3F57-4976-869E-252B034627E9}" type="presParOf" srcId="{044DF406-C43A-4F99-A131-BDFFE1DF098A}" destId="{1E22013E-274E-4BA3-BB0A-9FCF956E4D9F}" srcOrd="2" destOrd="0" presId="urn:microsoft.com/office/officeart/2005/8/layout/vList2"/>
-    <dgm:cxn modelId="{A2F1E6CB-0D20-4102-96B1-F44452F6D79F}" type="presParOf" srcId="{044DF406-C43A-4F99-A131-BDFFE1DF098A}" destId="{FEAD7628-C6C0-4971-9C92-040DE3EEB001}" srcOrd="3" destOrd="0" presId="urn:microsoft.com/office/officeart/2005/8/layout/vList2"/>
-    <dgm:cxn modelId="{F6278F62-E934-4B83-820D-78B716753D0C}" type="presParOf" srcId="{044DF406-C43A-4F99-A131-BDFFE1DF098A}" destId="{FD8ED29C-7C5D-4022-B25B-B07273DEFA4D}" srcOrd="4" destOrd="0" presId="urn:microsoft.com/office/officeart/2005/8/layout/vList2"/>
-    <dgm:cxn modelId="{63B82EBA-A798-4798-A8FC-BD430B7B6112}" type="presParOf" srcId="{044DF406-C43A-4F99-A131-BDFFE1DF098A}" destId="{7F0D9525-26C6-498F-922F-326A862609B0}" srcOrd="5" destOrd="0" presId="urn:microsoft.com/office/officeart/2005/8/layout/vList2"/>
-    <dgm:cxn modelId="{4DAFD9BB-E3A4-432B-B837-23DCFA273541}" type="presParOf" srcId="{044DF406-C43A-4F99-A131-BDFFE1DF098A}" destId="{BF4AB7A7-D4DE-42A1-BDF6-55FDBAAA3618}" srcOrd="6" destOrd="0" presId="urn:microsoft.com/office/officeart/2005/8/layout/vList2"/>
-    <dgm:cxn modelId="{D6E29F24-28EA-4CE8-9D71-527EBC859FE3}" type="presParOf" srcId="{044DF406-C43A-4F99-A131-BDFFE1DF098A}" destId="{2A5CED6C-74CC-44BB-870D-F4233A780F3D}" srcOrd="7" destOrd="0" presId="urn:microsoft.com/office/officeart/2005/8/layout/vList2"/>
+    <dgm:cxn modelId="{AE87858E-3F57-4976-869E-252B034627E9}" type="presParOf" srcId="{044DF406-C43A-4F99-A131-BDFFE1DF098A}" destId="{1E22013E-274E-4BA3-BB0A-9FCF956E4D9F}" srcOrd="0" destOrd="0" presId="urn:microsoft.com/office/officeart/2005/8/layout/vList2"/>
+    <dgm:cxn modelId="{A2F1E6CB-0D20-4102-96B1-F44452F6D79F}" type="presParOf" srcId="{044DF406-C43A-4F99-A131-BDFFE1DF098A}" destId="{FEAD7628-C6C0-4971-9C92-040DE3EEB001}" srcOrd="1" destOrd="0" presId="urn:microsoft.com/office/officeart/2005/8/layout/vList2"/>
+    <dgm:cxn modelId="{F6278F62-E934-4B83-820D-78B716753D0C}" type="presParOf" srcId="{044DF406-C43A-4F99-A131-BDFFE1DF098A}" destId="{FD8ED29C-7C5D-4022-B25B-B07273DEFA4D}" srcOrd="2" destOrd="0" presId="urn:microsoft.com/office/officeart/2005/8/layout/vList2"/>
+    <dgm:cxn modelId="{63B82EBA-A798-4798-A8FC-BD430B7B6112}" type="presParOf" srcId="{044DF406-C43A-4F99-A131-BDFFE1DF098A}" destId="{7F0D9525-26C6-498F-922F-326A862609B0}" srcOrd="3" destOrd="0" presId="urn:microsoft.com/office/officeart/2005/8/layout/vList2"/>
+    <dgm:cxn modelId="{4DAFD9BB-E3A4-432B-B837-23DCFA273541}" type="presParOf" srcId="{044DF406-C43A-4F99-A131-BDFFE1DF098A}" destId="{BF4AB7A7-D4DE-42A1-BDF6-55FDBAAA3618}" srcOrd="4" destOrd="0" presId="urn:microsoft.com/office/officeart/2005/8/layout/vList2"/>
+    <dgm:cxn modelId="{D6E29F24-28EA-4CE8-9D71-527EBC859FE3}" type="presParOf" srcId="{044DF406-C43A-4F99-A131-BDFFE1DF098A}" destId="{2A5CED6C-74CC-44BB-870D-F4233A780F3D}" srcOrd="5" destOrd="0" presId="urn:microsoft.com/office/officeart/2005/8/layout/vList2"/>
+    <dgm:cxn modelId="{A767DC85-1995-41EC-B55A-CB30415B38C6}" type="presParOf" srcId="{044DF406-C43A-4F99-A131-BDFFE1DF098A}" destId="{B79F991F-9443-4CB0-864A-C59B98EBFA46}" srcOrd="6" destOrd="0" presId="urn:microsoft.com/office/officeart/2005/8/layout/vList2"/>
+    <dgm:cxn modelId="{C5DAF598-DBAD-4F1D-8815-2EDEBF21DEFA}" type="presParOf" srcId="{044DF406-C43A-4F99-A131-BDFFE1DF098A}" destId="{4EC5704C-CCE9-4735-B858-3ED827ECBA3F}" srcOrd="7" destOrd="0" presId="urn:microsoft.com/office/officeart/2005/8/layout/vList2"/>
     <dgm:cxn modelId="{088659A2-7535-4A22-AB57-84874CABFADA}" type="presParOf" srcId="{044DF406-C43A-4F99-A131-BDFFE1DF098A}" destId="{B185354D-7EE5-461F-A756-8C8130BA7DC7}" srcOrd="8" destOrd="0" presId="urn:microsoft.com/office/officeart/2005/8/layout/vList2"/>
     <dgm:cxn modelId="{91F39EE0-618A-496C-B476-CDC793C77F2A}" type="presParOf" srcId="{044DF406-C43A-4F99-A131-BDFFE1DF098A}" destId="{5054087C-04D5-468D-839B-C580B2EA976E}" srcOrd="9" destOrd="0" presId="urn:microsoft.com/office/officeart/2005/8/layout/vList2"/>
     <dgm:cxn modelId="{64D4BA02-BDFB-4C19-B8F0-1130625F7A79}" type="presParOf" srcId="{044DF406-C43A-4F99-A131-BDFFE1DF098A}" destId="{C22E8708-7144-497C-938B-E843A7A0FE06}" srcOrd="10" destOrd="0" presId="urn:microsoft.com/office/officeart/2005/8/layout/vList2"/>
@@ -10041,8 +9224,8 @@
       </dsp:nvSpPr>
       <dsp:spPr>
         <a:xfrm>
-          <a:off x="0" y="550013"/>
-          <a:ext cx="3744416" cy="797940"/>
+          <a:off x="0" y="690088"/>
+          <a:ext cx="4896444" cy="900899"/>
         </a:xfrm>
         <a:prstGeom prst="roundRect">
           <a:avLst/>
@@ -10083,12 +9266,12 @@
         </a:fontRef>
       </dsp:style>
       <dsp:txBody>
-        <a:bodyPr spcFirstLastPara="0" vert="horz" wrap="square" lIns="118110" tIns="118110" rIns="118110" bIns="118110" numCol="1" spcCol="1270" anchor="ctr" anchorCtr="0">
+        <a:bodyPr spcFirstLastPara="0" vert="horz" wrap="square" lIns="133350" tIns="133350" rIns="133350" bIns="133350" numCol="1" spcCol="1270" anchor="ctr" anchorCtr="0">
           <a:noAutofit/>
         </a:bodyPr>
         <a:lstStyle/>
         <a:p>
-          <a:pPr marL="0" lvl="0" indent="0" algn="l" defTabSz="1377950">
+          <a:pPr marL="0" lvl="0" indent="0" algn="l" defTabSz="1555750">
             <a:lnSpc>
               <a:spcPct val="90000"/>
             </a:lnSpc>
@@ -10101,14 +9284,14 @@
             <a:buNone/>
           </a:pPr>
           <a:r>
-            <a:rPr lang="en-US" sz="3100" kern="1200" dirty="0"/>
-            <a:t>Handler</a:t>
+            <a:rPr lang="en-US" sz="3500" kern="1200" dirty="0"/>
+            <a:t>Publisher</a:t>
           </a:r>
         </a:p>
       </dsp:txBody>
       <dsp:txXfrm>
-        <a:off x="38952" y="588965"/>
-        <a:ext cx="3666512" cy="720036"/>
+        <a:off x="43978" y="734066"/>
+        <a:ext cx="4808488" cy="812943"/>
       </dsp:txXfrm>
     </dsp:sp>
     <dsp:sp modelId="{F8A1933A-B491-4214-BEAB-8FBF738DEE40}">
@@ -10118,8 +9301,8 @@
       </dsp:nvSpPr>
       <dsp:spPr>
         <a:xfrm>
-          <a:off x="0" y="1437233"/>
-          <a:ext cx="3744416" cy="797940"/>
+          <a:off x="0" y="1691788"/>
+          <a:ext cx="4896444" cy="900899"/>
         </a:xfrm>
         <a:prstGeom prst="roundRect">
           <a:avLst/>
@@ -10160,12 +9343,12 @@
         </a:fontRef>
       </dsp:style>
       <dsp:txBody>
-        <a:bodyPr spcFirstLastPara="0" vert="horz" wrap="square" lIns="118110" tIns="118110" rIns="118110" bIns="118110" numCol="1" spcCol="1270" anchor="ctr" anchorCtr="0">
+        <a:bodyPr spcFirstLastPara="0" vert="horz" wrap="square" lIns="133350" tIns="133350" rIns="133350" bIns="133350" numCol="1" spcCol="1270" anchor="ctr" anchorCtr="0">
           <a:noAutofit/>
         </a:bodyPr>
         <a:lstStyle/>
         <a:p>
-          <a:pPr marL="0" lvl="0" indent="0" algn="l" defTabSz="1377950">
+          <a:pPr marL="0" lvl="0" indent="0" algn="l" defTabSz="1555750">
             <a:lnSpc>
               <a:spcPct val="90000"/>
             </a:lnSpc>
@@ -10178,14 +9361,14 @@
             <a:buNone/>
           </a:pPr>
           <a:r>
-            <a:rPr lang="en-US" sz="3100" kern="1200" dirty="0"/>
-            <a:t>Base Handler</a:t>
+            <a:rPr lang="en-US" sz="3500" kern="1200" dirty="0"/>
+            <a:t>Subscriber</a:t>
           </a:r>
         </a:p>
       </dsp:txBody>
       <dsp:txXfrm>
-        <a:off x="38952" y="1476185"/>
-        <a:ext cx="3666512" cy="720036"/>
+        <a:off x="43978" y="1735766"/>
+        <a:ext cx="4808488" cy="812943"/>
       </dsp:txXfrm>
     </dsp:sp>
     <dsp:sp modelId="{58311629-E84A-4326-9A41-92BAA85CE2ED}">
@@ -10195,8 +9378,8 @@
       </dsp:nvSpPr>
       <dsp:spPr>
         <a:xfrm>
-          <a:off x="0" y="2324454"/>
-          <a:ext cx="3744416" cy="797940"/>
+          <a:off x="0" y="2693488"/>
+          <a:ext cx="4896444" cy="900899"/>
         </a:xfrm>
         <a:prstGeom prst="roundRect">
           <a:avLst/>
@@ -10237,12 +9420,12 @@
         </a:fontRef>
       </dsp:style>
       <dsp:txBody>
-        <a:bodyPr spcFirstLastPara="0" vert="horz" wrap="square" lIns="118110" tIns="118110" rIns="118110" bIns="118110" numCol="1" spcCol="1270" anchor="ctr" anchorCtr="0">
+        <a:bodyPr spcFirstLastPara="0" vert="horz" wrap="square" lIns="133350" tIns="133350" rIns="133350" bIns="133350" numCol="1" spcCol="1270" anchor="ctr" anchorCtr="0">
           <a:noAutofit/>
         </a:bodyPr>
         <a:lstStyle/>
         <a:p>
-          <a:pPr marL="0" lvl="0" indent="0" algn="l" defTabSz="1377950">
+          <a:pPr marL="0" lvl="0" indent="0" algn="l" defTabSz="1555750">
             <a:lnSpc>
               <a:spcPct val="90000"/>
             </a:lnSpc>
@@ -10255,14 +9438,14 @@
             <a:buNone/>
           </a:pPr>
           <a:r>
-            <a:rPr lang="en-US" sz="3100" kern="1200" dirty="0"/>
-            <a:t>Concrete Handlers</a:t>
+            <a:rPr lang="en-US" sz="3500" kern="1200" dirty="0"/>
+            <a:t>Concrete Subscribers</a:t>
           </a:r>
         </a:p>
       </dsp:txBody>
       <dsp:txXfrm>
-        <a:off x="38952" y="2363406"/>
-        <a:ext cx="3666512" cy="720036"/>
+        <a:off x="43978" y="2737466"/>
+        <a:ext cx="4808488" cy="812943"/>
       </dsp:txXfrm>
     </dsp:sp>
   </dsp:spTree>
@@ -10520,249 +9703,6 @@
       <dsp:cNvGrpSpPr/>
     </dsp:nvGrpSpPr>
     <dsp:grpSpPr/>
-    <dsp:sp modelId="{7EB96007-84AC-49D4-AA27-A12E1F11C083}">
-      <dsp:nvSpPr>
-        <dsp:cNvPr id="0" name=""/>
-        <dsp:cNvSpPr/>
-      </dsp:nvSpPr>
-      <dsp:spPr>
-        <a:xfrm>
-          <a:off x="0" y="690088"/>
-          <a:ext cx="4896444" cy="900899"/>
-        </a:xfrm>
-        <a:prstGeom prst="roundRect">
-          <a:avLst/>
-        </a:prstGeom>
-        <a:solidFill>
-          <a:schemeClr val="accent1">
-            <a:hueOff val="0"/>
-            <a:satOff val="0"/>
-            <a:lumOff val="0"/>
-            <a:alphaOff val="0"/>
-          </a:schemeClr>
-        </a:solidFill>
-        <a:ln w="25400" cap="flat" cmpd="sng" algn="ctr">
-          <a:solidFill>
-            <a:schemeClr val="lt1">
-              <a:hueOff val="0"/>
-              <a:satOff val="0"/>
-              <a:lumOff val="0"/>
-              <a:alphaOff val="0"/>
-            </a:schemeClr>
-          </a:solidFill>
-          <a:prstDash val="solid"/>
-        </a:ln>
-        <a:effectLst/>
-      </dsp:spPr>
-      <dsp:style>
-        <a:lnRef idx="2">
-          <a:scrgbClr r="0" g="0" b="0"/>
-        </a:lnRef>
-        <a:fillRef idx="1">
-          <a:scrgbClr r="0" g="0" b="0"/>
-        </a:fillRef>
-        <a:effectRef idx="0">
-          <a:scrgbClr r="0" g="0" b="0"/>
-        </a:effectRef>
-        <a:fontRef idx="minor">
-          <a:schemeClr val="lt1"/>
-        </a:fontRef>
-      </dsp:style>
-      <dsp:txBody>
-        <a:bodyPr spcFirstLastPara="0" vert="horz" wrap="square" lIns="133350" tIns="133350" rIns="133350" bIns="133350" numCol="1" spcCol="1270" anchor="ctr" anchorCtr="0">
-          <a:noAutofit/>
-        </a:bodyPr>
-        <a:lstStyle/>
-        <a:p>
-          <a:pPr marL="0" lvl="0" indent="0" algn="l" defTabSz="1555750">
-            <a:lnSpc>
-              <a:spcPct val="90000"/>
-            </a:lnSpc>
-            <a:spcBef>
-              <a:spcPct val="0"/>
-            </a:spcBef>
-            <a:spcAft>
-              <a:spcPct val="35000"/>
-            </a:spcAft>
-            <a:buNone/>
-          </a:pPr>
-          <a:r>
-            <a:rPr lang="en-US" sz="3500" kern="1200" dirty="0"/>
-            <a:t>Publisher</a:t>
-          </a:r>
-        </a:p>
-      </dsp:txBody>
-      <dsp:txXfrm>
-        <a:off x="43978" y="734066"/>
-        <a:ext cx="4808488" cy="812943"/>
-      </dsp:txXfrm>
-    </dsp:sp>
-    <dsp:sp modelId="{F8A1933A-B491-4214-BEAB-8FBF738DEE40}">
-      <dsp:nvSpPr>
-        <dsp:cNvPr id="0" name=""/>
-        <dsp:cNvSpPr/>
-      </dsp:nvSpPr>
-      <dsp:spPr>
-        <a:xfrm>
-          <a:off x="0" y="1691788"/>
-          <a:ext cx="4896444" cy="900899"/>
-        </a:xfrm>
-        <a:prstGeom prst="roundRect">
-          <a:avLst/>
-        </a:prstGeom>
-        <a:solidFill>
-          <a:schemeClr val="accent1">
-            <a:hueOff val="0"/>
-            <a:satOff val="0"/>
-            <a:lumOff val="0"/>
-            <a:alphaOff val="0"/>
-          </a:schemeClr>
-        </a:solidFill>
-        <a:ln w="25400" cap="flat" cmpd="sng" algn="ctr">
-          <a:solidFill>
-            <a:schemeClr val="lt1">
-              <a:hueOff val="0"/>
-              <a:satOff val="0"/>
-              <a:lumOff val="0"/>
-              <a:alphaOff val="0"/>
-            </a:schemeClr>
-          </a:solidFill>
-          <a:prstDash val="solid"/>
-        </a:ln>
-        <a:effectLst/>
-      </dsp:spPr>
-      <dsp:style>
-        <a:lnRef idx="2">
-          <a:scrgbClr r="0" g="0" b="0"/>
-        </a:lnRef>
-        <a:fillRef idx="1">
-          <a:scrgbClr r="0" g="0" b="0"/>
-        </a:fillRef>
-        <a:effectRef idx="0">
-          <a:scrgbClr r="0" g="0" b="0"/>
-        </a:effectRef>
-        <a:fontRef idx="minor">
-          <a:schemeClr val="lt1"/>
-        </a:fontRef>
-      </dsp:style>
-      <dsp:txBody>
-        <a:bodyPr spcFirstLastPara="0" vert="horz" wrap="square" lIns="133350" tIns="133350" rIns="133350" bIns="133350" numCol="1" spcCol="1270" anchor="ctr" anchorCtr="0">
-          <a:noAutofit/>
-        </a:bodyPr>
-        <a:lstStyle/>
-        <a:p>
-          <a:pPr marL="0" lvl="0" indent="0" algn="l" defTabSz="1555750">
-            <a:lnSpc>
-              <a:spcPct val="90000"/>
-            </a:lnSpc>
-            <a:spcBef>
-              <a:spcPct val="0"/>
-            </a:spcBef>
-            <a:spcAft>
-              <a:spcPct val="35000"/>
-            </a:spcAft>
-            <a:buNone/>
-          </a:pPr>
-          <a:r>
-            <a:rPr lang="en-US" sz="3500" kern="1200" dirty="0"/>
-            <a:t>Subscriber</a:t>
-          </a:r>
-        </a:p>
-      </dsp:txBody>
-      <dsp:txXfrm>
-        <a:off x="43978" y="1735766"/>
-        <a:ext cx="4808488" cy="812943"/>
-      </dsp:txXfrm>
-    </dsp:sp>
-    <dsp:sp modelId="{58311629-E84A-4326-9A41-92BAA85CE2ED}">
-      <dsp:nvSpPr>
-        <dsp:cNvPr id="0" name=""/>
-        <dsp:cNvSpPr/>
-      </dsp:nvSpPr>
-      <dsp:spPr>
-        <a:xfrm>
-          <a:off x="0" y="2693488"/>
-          <a:ext cx="4896444" cy="900899"/>
-        </a:xfrm>
-        <a:prstGeom prst="roundRect">
-          <a:avLst/>
-        </a:prstGeom>
-        <a:solidFill>
-          <a:schemeClr val="accent1">
-            <a:hueOff val="0"/>
-            <a:satOff val="0"/>
-            <a:lumOff val="0"/>
-            <a:alphaOff val="0"/>
-          </a:schemeClr>
-        </a:solidFill>
-        <a:ln w="25400" cap="flat" cmpd="sng" algn="ctr">
-          <a:solidFill>
-            <a:schemeClr val="lt1">
-              <a:hueOff val="0"/>
-              <a:satOff val="0"/>
-              <a:lumOff val="0"/>
-              <a:alphaOff val="0"/>
-            </a:schemeClr>
-          </a:solidFill>
-          <a:prstDash val="solid"/>
-        </a:ln>
-        <a:effectLst/>
-      </dsp:spPr>
-      <dsp:style>
-        <a:lnRef idx="2">
-          <a:scrgbClr r="0" g="0" b="0"/>
-        </a:lnRef>
-        <a:fillRef idx="1">
-          <a:scrgbClr r="0" g="0" b="0"/>
-        </a:fillRef>
-        <a:effectRef idx="0">
-          <a:scrgbClr r="0" g="0" b="0"/>
-        </a:effectRef>
-        <a:fontRef idx="minor">
-          <a:schemeClr val="lt1"/>
-        </a:fontRef>
-      </dsp:style>
-      <dsp:txBody>
-        <a:bodyPr spcFirstLastPara="0" vert="horz" wrap="square" lIns="133350" tIns="133350" rIns="133350" bIns="133350" numCol="1" spcCol="1270" anchor="ctr" anchorCtr="0">
-          <a:noAutofit/>
-        </a:bodyPr>
-        <a:lstStyle/>
-        <a:p>
-          <a:pPr marL="0" lvl="0" indent="0" algn="l" defTabSz="1555750">
-            <a:lnSpc>
-              <a:spcPct val="90000"/>
-            </a:lnSpc>
-            <a:spcBef>
-              <a:spcPct val="0"/>
-            </a:spcBef>
-            <a:spcAft>
-              <a:spcPct val="35000"/>
-            </a:spcAft>
-            <a:buNone/>
-          </a:pPr>
-          <a:r>
-            <a:rPr lang="en-US" sz="3500" kern="1200" dirty="0"/>
-            <a:t>Concrete Subscribers</a:t>
-          </a:r>
-        </a:p>
-      </dsp:txBody>
-      <dsp:txXfrm>
-        <a:off x="43978" y="2737466"/>
-        <a:ext cx="4808488" cy="812943"/>
-      </dsp:txXfrm>
-    </dsp:sp>
-  </dsp:spTree>
-</dsp:drawing>
-</file>
-
-<file path=ppt/diagrams/drawing5.xml><?xml version="1.0" encoding="utf-8"?>
-<dsp:drawing xmlns:dgm="http://schemas.openxmlformats.org/drawingml/2006/diagram" xmlns:dsp="http://schemas.microsoft.com/office/drawing/2008/diagram" xmlns:a="http://schemas.openxmlformats.org/drawingml/2006/main">
-  <dsp:spTree>
-    <dsp:nvGrpSpPr>
-      <dsp:cNvPr id="0" name=""/>
-      <dsp:cNvGrpSpPr/>
-    </dsp:nvGrpSpPr>
-    <dsp:grpSpPr/>
     <dsp:sp modelId="{F8A1933A-B491-4214-BEAB-8FBF738DEE40}">
       <dsp:nvSpPr>
         <dsp:cNvPr id="0" name=""/>
@@ -10926,7 +9866,7 @@
 </dsp:drawing>
 </file>
 
-<file path=ppt/diagrams/drawing6.xml><?xml version="1.0" encoding="utf-8"?>
+<file path=ppt/diagrams/drawing5.xml><?xml version="1.0" encoding="utf-8"?>
 <dsp:drawing xmlns:dgm="http://schemas.openxmlformats.org/drawingml/2006/diagram" xmlns:dsp="http://schemas.microsoft.com/office/drawing/2008/diagram" xmlns:a="http://schemas.openxmlformats.org/drawingml/2006/main">
   <dsp:spTree>
     <dsp:nvGrpSpPr>
@@ -11257,7 +10197,7 @@
 </dsp:drawing>
 </file>
 
-<file path=ppt/diagrams/drawing7.xml><?xml version="1.0" encoding="utf-8"?>
+<file path=ppt/diagrams/drawing6.xml><?xml version="1.0" encoding="utf-8"?>
 <dsp:drawing xmlns:dgm="http://schemas.openxmlformats.org/drawingml/2006/diagram" xmlns:dsp="http://schemas.microsoft.com/office/drawing/2008/diagram" xmlns:a="http://schemas.openxmlformats.org/drawingml/2006/main">
   <dsp:spTree>
     <dsp:nvGrpSpPr>
@@ -11265,15 +10205,15 @@
       <dsp:cNvGrpSpPr/>
     </dsp:nvGrpSpPr>
     <dsp:grpSpPr/>
-    <dsp:sp modelId="{65F72784-DE3C-43D8-B801-D83AEBF01195}">
+    <dsp:sp modelId="{1E22013E-274E-4BA3-BB0A-9FCF956E4D9F}">
       <dsp:nvSpPr>
         <dsp:cNvPr id="0" name=""/>
         <dsp:cNvSpPr/>
       </dsp:nvSpPr>
       <dsp:spPr>
         <a:xfrm>
-          <a:off x="0" y="2689"/>
-          <a:ext cx="10628550" cy="1199250"/>
+          <a:off x="0" y="44222"/>
+          <a:ext cx="10628550" cy="1187805"/>
         </a:xfrm>
         <a:prstGeom prst="roundRect">
           <a:avLst/>
@@ -11336,38 +10276,29 @@
             <a:buNone/>
           </a:pPr>
           <a:r>
-            <a:rPr lang="en-US" sz="5000" b="1" kern="1200" dirty="0">
+            <a:rPr lang="en-US" sz="4900" b="1" kern="1200" dirty="0">
               <a:latin typeface="Calibri" panose="020F0502020204030204"/>
               <a:ea typeface="+mn-ea"/>
               <a:cs typeface="+mn-cs"/>
             </a:rPr>
-            <a:t>1. </a:t>
+            <a:t>1. Observer</a:t>
           </a:r>
-          <a:r>
-            <a:rPr lang="en-US" sz="5000" b="1" kern="1200" dirty="0"/>
-            <a:t>Chain of Responsibility</a:t>
-          </a:r>
-          <a:endParaRPr lang="en-US" sz="5000" b="1" kern="1200" dirty="0">
-            <a:latin typeface="Calibri" panose="020F0502020204030204"/>
-            <a:ea typeface="+mn-ea"/>
-            <a:cs typeface="+mn-cs"/>
-          </a:endParaRPr>
         </a:p>
       </dsp:txBody>
       <dsp:txXfrm>
-        <a:off x="58543" y="61232"/>
-        <a:ext cx="10511464" cy="1082164"/>
+        <a:off x="57984" y="102206"/>
+        <a:ext cx="10512582" cy="1071837"/>
       </dsp:txXfrm>
     </dsp:sp>
-    <dsp:sp modelId="{1E22013E-274E-4BA3-BB0A-9FCF956E4D9F}">
+    <dsp:sp modelId="{FD8ED29C-7C5D-4022-B25B-B07273DEFA4D}">
       <dsp:nvSpPr>
         <dsp:cNvPr id="0" name=""/>
         <dsp:cNvSpPr/>
       </dsp:nvSpPr>
       <dsp:spPr>
         <a:xfrm>
-          <a:off x="0" y="1345940"/>
-          <a:ext cx="10628550" cy="1199250"/>
+          <a:off x="0" y="1373148"/>
+          <a:ext cx="10628550" cy="1187805"/>
         </a:xfrm>
         <a:prstGeom prst="roundRect">
           <a:avLst/>
@@ -11430,103 +10361,18 @@
             <a:buNone/>
           </a:pPr>
           <a:r>
-            <a:rPr lang="en-US" sz="5000" b="1" kern="1200" dirty="0">
+            <a:rPr lang="en-US" sz="4900" b="1" kern="1200" dirty="0">
               <a:latin typeface="Calibri" panose="020F0502020204030204"/>
               <a:ea typeface="+mn-ea"/>
               <a:cs typeface="+mn-cs"/>
             </a:rPr>
-            <a:t>2. Strategy</a:t>
+            <a:t>2. Strategy </a:t>
           </a:r>
         </a:p>
       </dsp:txBody>
       <dsp:txXfrm>
-        <a:off x="58543" y="1404483"/>
-        <a:ext cx="10511464" cy="1082164"/>
-      </dsp:txXfrm>
-    </dsp:sp>
-    <dsp:sp modelId="{FD8ED29C-7C5D-4022-B25B-B07273DEFA4D}">
-      <dsp:nvSpPr>
-        <dsp:cNvPr id="0" name=""/>
-        <dsp:cNvSpPr/>
-      </dsp:nvSpPr>
-      <dsp:spPr>
-        <a:xfrm>
-          <a:off x="0" y="2689190"/>
-          <a:ext cx="10628550" cy="1199250"/>
-        </a:xfrm>
-        <a:prstGeom prst="roundRect">
-          <a:avLst/>
-        </a:prstGeom>
-        <a:solidFill>
-          <a:schemeClr val="accent2"/>
-        </a:solidFill>
-        <a:ln>
-          <a:noFill/>
-        </a:ln>
-        <a:effectLst>
-          <a:outerShdw blurRad="40000" dist="23000" dir="5400000" rotWithShape="0">
-            <a:srgbClr val="000000">
-              <a:alpha val="35000"/>
-            </a:srgbClr>
-          </a:outerShdw>
-        </a:effectLst>
-        <a:scene3d>
-          <a:camera prst="orthographicFront">
-            <a:rot lat="0" lon="0" rev="0"/>
-          </a:camera>
-          <a:lightRig rig="threePt" dir="t">
-            <a:rot lat="0" lon="0" rev="1200000"/>
-          </a:lightRig>
-        </a:scene3d>
-        <a:sp3d>
-          <a:bevelT w="63500" h="25400"/>
-        </a:sp3d>
-      </dsp:spPr>
-      <dsp:style>
-        <a:lnRef idx="0">
-          <a:scrgbClr r="0" g="0" b="0"/>
-        </a:lnRef>
-        <a:fillRef idx="3">
-          <a:scrgbClr r="0" g="0" b="0"/>
-        </a:fillRef>
-        <a:effectRef idx="3">
-          <a:scrgbClr r="0" g="0" b="0"/>
-        </a:effectRef>
-        <a:fontRef idx="minor">
-          <a:schemeClr val="lt1"/>
-        </a:fontRef>
-      </dsp:style>
-      <dsp:txBody>
-        <a:bodyPr spcFirstLastPara="0" vert="horz" wrap="square" lIns="160020" tIns="160020" rIns="160020" bIns="160020" numCol="1" spcCol="1270" anchor="ctr" anchorCtr="0">
-          <a:noAutofit/>
-        </a:bodyPr>
-        <a:lstStyle/>
-        <a:p>
-          <a:pPr marL="0" lvl="0" indent="0" algn="l" defTabSz="1866900">
-            <a:lnSpc>
-              <a:spcPct val="90000"/>
-            </a:lnSpc>
-            <a:spcBef>
-              <a:spcPct val="0"/>
-            </a:spcBef>
-            <a:spcAft>
-              <a:spcPct val="35000"/>
-            </a:spcAft>
-            <a:buNone/>
-          </a:pPr>
-          <a:r>
-            <a:rPr lang="en-US" sz="5000" b="1" kern="1200" dirty="0">
-              <a:latin typeface="Calibri" panose="020F0502020204030204"/>
-              <a:ea typeface="+mn-ea"/>
-              <a:cs typeface="+mn-cs"/>
-            </a:rPr>
-            <a:t>3. Observer </a:t>
-          </a:r>
-        </a:p>
-      </dsp:txBody>
-      <dsp:txXfrm>
-        <a:off x="58543" y="2747733"/>
-        <a:ext cx="10511464" cy="1082164"/>
+        <a:off x="57984" y="1431132"/>
+        <a:ext cx="10512582" cy="1071837"/>
       </dsp:txXfrm>
     </dsp:sp>
     <dsp:sp modelId="{BF4AB7A7-D4DE-42A1-BDF6-55FDBAAA3618}">
@@ -11536,8 +10382,8 @@
       </dsp:nvSpPr>
       <dsp:spPr>
         <a:xfrm>
-          <a:off x="0" y="4032440"/>
-          <a:ext cx="10628550" cy="1199250"/>
+          <a:off x="0" y="2702074"/>
+          <a:ext cx="10628550" cy="1187805"/>
         </a:xfrm>
         <a:prstGeom prst="roundRect">
           <a:avLst/>
@@ -11602,18 +10448,105 @@
             <a:buNone/>
           </a:pPr>
           <a:r>
-            <a:rPr lang="en-US" sz="5000" b="1" kern="1200" dirty="0">
+            <a:rPr lang="en-US" sz="4900" b="1" kern="1200" dirty="0">
               <a:latin typeface="Calibri" panose="020F0502020204030204"/>
               <a:ea typeface="+mn-ea"/>
               <a:cs typeface="+mn-cs"/>
             </a:rPr>
-            <a:t>4. Iterator </a:t>
+            <a:t>3. Iterator </a:t>
           </a:r>
         </a:p>
       </dsp:txBody>
       <dsp:txXfrm>
-        <a:off x="58543" y="4090983"/>
-        <a:ext cx="10511464" cy="1082164"/>
+        <a:off x="57984" y="2760058"/>
+        <a:ext cx="10512582" cy="1071837"/>
+      </dsp:txXfrm>
+    </dsp:sp>
+    <dsp:sp modelId="{B79F991F-9443-4CB0-864A-C59B98EBFA46}">
+      <dsp:nvSpPr>
+        <dsp:cNvPr id="0" name=""/>
+        <dsp:cNvSpPr/>
+      </dsp:nvSpPr>
+      <dsp:spPr>
+        <a:xfrm>
+          <a:off x="0" y="4031000"/>
+          <a:ext cx="10628550" cy="1187805"/>
+        </a:xfrm>
+        <a:prstGeom prst="roundRect">
+          <a:avLst/>
+        </a:prstGeom>
+        <a:solidFill>
+          <a:schemeClr val="accent2"/>
+        </a:solidFill>
+        <a:ln>
+          <a:solidFill>
+            <a:schemeClr val="accent2"/>
+          </a:solidFill>
+        </a:ln>
+        <a:effectLst>
+          <a:outerShdw blurRad="40000" dist="23000" dir="5400000" rotWithShape="0">
+            <a:srgbClr val="000000">
+              <a:alpha val="35000"/>
+            </a:srgbClr>
+          </a:outerShdw>
+        </a:effectLst>
+        <a:scene3d>
+          <a:camera prst="orthographicFront">
+            <a:rot lat="0" lon="0" rev="0"/>
+          </a:camera>
+          <a:lightRig rig="threePt" dir="t">
+            <a:rot lat="0" lon="0" rev="1200000"/>
+          </a:lightRig>
+        </a:scene3d>
+        <a:sp3d>
+          <a:bevelT w="63500" h="25400"/>
+        </a:sp3d>
+      </dsp:spPr>
+      <dsp:style>
+        <a:lnRef idx="0">
+          <a:scrgbClr r="0" g="0" b="0"/>
+        </a:lnRef>
+        <a:fillRef idx="3">
+          <a:scrgbClr r="0" g="0" b="0"/>
+        </a:fillRef>
+        <a:effectRef idx="3">
+          <a:scrgbClr r="0" g="0" b="0"/>
+        </a:effectRef>
+        <a:fontRef idx="minor">
+          <a:schemeClr val="lt1"/>
+        </a:fontRef>
+      </dsp:style>
+      <dsp:txBody>
+        <a:bodyPr spcFirstLastPara="0" vert="horz" wrap="square" lIns="160020" tIns="160020" rIns="160020" bIns="160020" numCol="1" spcCol="1270" anchor="ctr" anchorCtr="0">
+          <a:noAutofit/>
+        </a:bodyPr>
+        <a:lstStyle/>
+        <a:p>
+          <a:pPr marL="0" lvl="0" indent="0" algn="l" defTabSz="2178050">
+            <a:lnSpc>
+              <a:spcPct val="90000"/>
+            </a:lnSpc>
+            <a:spcBef>
+              <a:spcPct val="0"/>
+            </a:spcBef>
+            <a:spcAft>
+              <a:spcPct val="35000"/>
+            </a:spcAft>
+            <a:buNone/>
+          </a:pPr>
+          <a:r>
+            <a:rPr lang="en-US" sz="4900" b="1" kern="1200" dirty="0">
+              <a:latin typeface="Calibri" panose="020F0502020204030204"/>
+              <a:ea typeface="+mn-ea"/>
+              <a:cs typeface="+mn-cs"/>
+            </a:rPr>
+            <a:t>4. Command </a:t>
+          </a:r>
+        </a:p>
+      </dsp:txBody>
+      <dsp:txXfrm>
+        <a:off x="57984" y="4088984"/>
+        <a:ext cx="10512582" cy="1071837"/>
       </dsp:txXfrm>
     </dsp:sp>
     <dsp:sp modelId="{B185354D-7EE5-461F-A756-8C8130BA7DC7}">
@@ -11623,8 +10556,8 @@
       </dsp:nvSpPr>
       <dsp:spPr>
         <a:xfrm>
-          <a:off x="0" y="5375690"/>
-          <a:ext cx="10628550" cy="1199250"/>
+          <a:off x="0" y="5359925"/>
+          <a:ext cx="10628550" cy="1187805"/>
         </a:xfrm>
         <a:prstGeom prst="roundRect">
           <a:avLst/>
@@ -11669,12 +10602,12 @@
         </a:fontRef>
       </dsp:style>
       <dsp:txBody>
-        <a:bodyPr spcFirstLastPara="0" vert="horz" wrap="square" lIns="190500" tIns="190500" rIns="190500" bIns="190500" numCol="1" spcCol="1270" anchor="ctr" anchorCtr="0">
+        <a:bodyPr spcFirstLastPara="0" vert="horz" wrap="square" lIns="186690" tIns="186690" rIns="186690" bIns="186690" numCol="1" spcCol="1270" anchor="ctr" anchorCtr="0">
           <a:noAutofit/>
         </a:bodyPr>
         <a:lstStyle/>
         <a:p>
-          <a:pPr marL="0" lvl="0" indent="0" algn="l" defTabSz="2222500">
+          <a:pPr marL="0" lvl="0" indent="0" algn="l" defTabSz="2178050">
             <a:lnSpc>
               <a:spcPct val="90000"/>
             </a:lnSpc>
@@ -11687,7 +10620,7 @@
             <a:buNone/>
           </a:pPr>
           <a:r>
-            <a:rPr lang="en-US" sz="5000" b="1" kern="1200" dirty="0">
+            <a:rPr lang="en-US" sz="4900" b="1" kern="1200" dirty="0">
               <a:latin typeface="Calibri" panose="020F0502020204030204"/>
               <a:ea typeface="+mn-ea"/>
               <a:cs typeface="+mn-cs"/>
@@ -11697,8 +10630,8 @@
         </a:p>
       </dsp:txBody>
       <dsp:txXfrm>
-        <a:off x="58543" y="5434233"/>
-        <a:ext cx="10511464" cy="1082164"/>
+        <a:off x="57984" y="5417909"/>
+        <a:ext cx="10512582" cy="1071837"/>
       </dsp:txXfrm>
     </dsp:sp>
     <dsp:sp modelId="{C22E8708-7144-497C-938B-E843A7A0FE06}">
@@ -11708,8 +10641,8 @@
       </dsp:nvSpPr>
       <dsp:spPr>
         <a:xfrm>
-          <a:off x="0" y="6718940"/>
-          <a:ext cx="10628550" cy="1199250"/>
+          <a:off x="0" y="6688851"/>
+          <a:ext cx="10628550" cy="1187805"/>
         </a:xfrm>
         <a:prstGeom prst="roundRect">
           <a:avLst/>
@@ -11754,12 +10687,12 @@
         </a:fontRef>
       </dsp:style>
       <dsp:txBody>
-        <a:bodyPr spcFirstLastPara="0" vert="horz" wrap="square" lIns="190500" tIns="190500" rIns="190500" bIns="190500" numCol="1" spcCol="1270" anchor="ctr" anchorCtr="0">
+        <a:bodyPr spcFirstLastPara="0" vert="horz" wrap="square" lIns="186690" tIns="186690" rIns="186690" bIns="186690" numCol="1" spcCol="1270" anchor="ctr" anchorCtr="0">
           <a:noAutofit/>
         </a:bodyPr>
         <a:lstStyle/>
         <a:p>
-          <a:pPr marL="0" lvl="0" indent="0" algn="l" defTabSz="2222500">
+          <a:pPr marL="0" lvl="0" indent="0" algn="l" defTabSz="2178050">
             <a:lnSpc>
               <a:spcPct val="90000"/>
             </a:lnSpc>
@@ -11772,7 +10705,7 @@
             <a:buNone/>
           </a:pPr>
           <a:r>
-            <a:rPr lang="en-US" sz="5000" b="1" kern="1200" dirty="0">
+            <a:rPr lang="en-US" sz="4900" b="1" kern="1200" dirty="0">
               <a:latin typeface="Calibri" panose="020F0502020204030204"/>
               <a:ea typeface="+mn-ea"/>
               <a:cs typeface="+mn-cs"/>
@@ -11782,8 +10715,8 @@
         </a:p>
       </dsp:txBody>
       <dsp:txXfrm>
-        <a:off x="58543" y="6777483"/>
-        <a:ext cx="10511464" cy="1082164"/>
+        <a:off x="57984" y="6746835"/>
+        <a:ext cx="10512582" cy="1071837"/>
       </dsp:txXfrm>
     </dsp:sp>
   </dsp:spTree>
@@ -13930,173 +12863,6 @@
 </dgm:layoutDef>
 </file>
 
-<file path=ppt/diagrams/layout7.xml><?xml version="1.0" encoding="utf-8"?>
-<dgm:layoutDef xmlns:dgm="http://schemas.openxmlformats.org/drawingml/2006/diagram" xmlns:a="http://schemas.openxmlformats.org/drawingml/2006/main" uniqueId="urn:microsoft.com/office/officeart/2005/8/layout/vList2">
-  <dgm:title val=""/>
-  <dgm:desc val=""/>
-  <dgm:catLst>
-    <dgm:cat type="list" pri="3000"/>
-    <dgm:cat type="convert" pri="1000"/>
-  </dgm:catLst>
-  <dgm:sampData>
-    <dgm:dataModel>
-      <dgm:ptLst>
-        <dgm:pt modelId="0" type="doc"/>
-        <dgm:pt modelId="1">
-          <dgm:prSet phldr="1"/>
-        </dgm:pt>
-        <dgm:pt modelId="11">
-          <dgm:prSet phldr="1"/>
-        </dgm:pt>
-        <dgm:pt modelId="2">
-          <dgm:prSet phldr="1"/>
-        </dgm:pt>
-        <dgm:pt modelId="21">
-          <dgm:prSet phldr="1"/>
-        </dgm:pt>
-      </dgm:ptLst>
-      <dgm:cxnLst>
-        <dgm:cxn modelId="4" srcId="0" destId="1" srcOrd="0" destOrd="0"/>
-        <dgm:cxn modelId="5" srcId="0" destId="2" srcOrd="1" destOrd="0"/>
-        <dgm:cxn modelId="12" srcId="1" destId="11" srcOrd="0" destOrd="0"/>
-        <dgm:cxn modelId="23" srcId="2" destId="21" srcOrd="0" destOrd="0"/>
-      </dgm:cxnLst>
-      <dgm:bg/>
-      <dgm:whole/>
-    </dgm:dataModel>
-  </dgm:sampData>
-  <dgm:styleData>
-    <dgm:dataModel>
-      <dgm:ptLst>
-        <dgm:pt modelId="0" type="doc"/>
-        <dgm:pt modelId="1"/>
-        <dgm:pt modelId="2"/>
-      </dgm:ptLst>
-      <dgm:cxnLst>
-        <dgm:cxn modelId="3" srcId="0" destId="1" srcOrd="0" destOrd="0"/>
-        <dgm:cxn modelId="4" srcId="0" destId="2" srcOrd="1" destOrd="0"/>
-      </dgm:cxnLst>
-      <dgm:bg/>
-      <dgm:whole/>
-    </dgm:dataModel>
-  </dgm:styleData>
-  <dgm:clrData>
-    <dgm:dataModel>
-      <dgm:ptLst>
-        <dgm:pt modelId="0" type="doc"/>
-        <dgm:pt modelId="1"/>
-        <dgm:pt modelId="2"/>
-        <dgm:pt modelId="3"/>
-        <dgm:pt modelId="4"/>
-      </dgm:ptLst>
-      <dgm:cxnLst>
-        <dgm:cxn modelId="5" srcId="0" destId="1" srcOrd="0" destOrd="0"/>
-        <dgm:cxn modelId="6" srcId="0" destId="2" srcOrd="1" destOrd="0"/>
-        <dgm:cxn modelId="7" srcId="0" destId="3" srcOrd="2" destOrd="0"/>
-        <dgm:cxn modelId="8" srcId="0" destId="4" srcOrd="3" destOrd="0"/>
-      </dgm:cxnLst>
-      <dgm:bg/>
-      <dgm:whole/>
-    </dgm:dataModel>
-  </dgm:clrData>
-  <dgm:layoutNode name="linear">
-    <dgm:varLst>
-      <dgm:animLvl val="lvl"/>
-      <dgm:resizeHandles val="exact"/>
-    </dgm:varLst>
-    <dgm:alg type="lin">
-      <dgm:param type="linDir" val="fromT"/>
-      <dgm:param type="vertAlign" val="mid"/>
-    </dgm:alg>
-    <dgm:shape xmlns:r="http://schemas.openxmlformats.org/officeDocument/2006/relationships" r:blip="">
-      <dgm:adjLst/>
-    </dgm:shape>
-    <dgm:presOf/>
-    <dgm:constrLst>
-      <dgm:constr type="w" for="ch" forName="parentText" refType="w"/>
-      <dgm:constr type="h" for="ch" forName="parentText" refType="primFontSz" refFor="ch" refForName="parentText" fact="0.52"/>
-      <dgm:constr type="w" for="ch" forName="childText" refType="w"/>
-      <dgm:constr type="h" for="ch" forName="childText" refType="primFontSz" refFor="ch" refForName="parentText" fact="0.46"/>
-      <dgm:constr type="h" for="ch" forName="parentText" op="equ"/>
-      <dgm:constr type="primFontSz" for="ch" forName="parentText" op="equ" val="65"/>
-      <dgm:constr type="primFontSz" for="ch" forName="childText" refType="primFontSz" refFor="ch" refForName="parentText" op="equ"/>
-      <dgm:constr type="h" for="ch" forName="spacer" refType="primFontSz" refFor="ch" refForName="parentText" fact="0.08"/>
-    </dgm:constrLst>
-    <dgm:ruleLst>
-      <dgm:rule type="primFontSz" for="ch" forName="parentText" val="5" fact="NaN" max="NaN"/>
-    </dgm:ruleLst>
-    <dgm:forEach name="Name0" axis="ch" ptType="node">
-      <dgm:layoutNode name="parentText" styleLbl="node1">
-        <dgm:varLst>
-          <dgm:chMax val="0"/>
-          <dgm:bulletEnabled val="1"/>
-        </dgm:varLst>
-        <dgm:alg type="tx">
-          <dgm:param type="parTxLTRAlign" val="l"/>
-          <dgm:param type="parTxRTLAlign" val="r"/>
-        </dgm:alg>
-        <dgm:shape xmlns:r="http://schemas.openxmlformats.org/officeDocument/2006/relationships" type="roundRect" r:blip="">
-          <dgm:adjLst/>
-        </dgm:shape>
-        <dgm:presOf axis="self"/>
-        <dgm:constrLst>
-          <dgm:constr type="tMarg" refType="primFontSz" fact="0.3"/>
-          <dgm:constr type="bMarg" refType="primFontSz" fact="0.3"/>
-          <dgm:constr type="lMarg" refType="primFontSz" fact="0.3"/>
-          <dgm:constr type="rMarg" refType="primFontSz" fact="0.3"/>
-        </dgm:constrLst>
-        <dgm:ruleLst>
-          <dgm:rule type="h" val="INF" fact="NaN" max="NaN"/>
-        </dgm:ruleLst>
-      </dgm:layoutNode>
-      <dgm:choose name="Name1">
-        <dgm:if name="Name2" axis="ch" ptType="node" func="cnt" op="gte" val="1">
-          <dgm:layoutNode name="childText" styleLbl="revTx">
-            <dgm:varLst>
-              <dgm:bulletEnabled val="1"/>
-            </dgm:varLst>
-            <dgm:alg type="tx">
-              <dgm:param type="stBulletLvl" val="1"/>
-              <dgm:param type="lnSpAfChP" val="20"/>
-            </dgm:alg>
-            <dgm:shape xmlns:r="http://schemas.openxmlformats.org/officeDocument/2006/relationships" type="rect" r:blip="">
-              <dgm:adjLst/>
-            </dgm:shape>
-            <dgm:presOf axis="des" ptType="node"/>
-            <dgm:constrLst>
-              <dgm:constr type="tMarg" refType="primFontSz" fact="0.1"/>
-              <dgm:constr type="bMarg" refType="primFontSz" fact="0.1"/>
-              <dgm:constr type="lMarg" refType="w" fact="0.09"/>
-            </dgm:constrLst>
-            <dgm:ruleLst>
-              <dgm:rule type="h" val="INF" fact="NaN" max="NaN"/>
-            </dgm:ruleLst>
-          </dgm:layoutNode>
-        </dgm:if>
-        <dgm:else name="Name3">
-          <dgm:choose name="Name4">
-            <dgm:if name="Name5" axis="par ch" ptType="doc node" func="cnt" op="gte" val="2">
-              <dgm:forEach name="Name6" axis="followSib" ptType="sibTrans" cnt="1">
-                <dgm:layoutNode name="spacer">
-                  <dgm:alg type="sp"/>
-                  <dgm:shape xmlns:r="http://schemas.openxmlformats.org/officeDocument/2006/relationships" r:blip="">
-                    <dgm:adjLst/>
-                  </dgm:shape>
-                  <dgm:presOf/>
-                  <dgm:constrLst/>
-                  <dgm:ruleLst/>
-                </dgm:layoutNode>
-              </dgm:forEach>
-            </dgm:if>
-            <dgm:else name="Name7"/>
-          </dgm:choose>
-        </dgm:else>
-      </dgm:choose>
-    </dgm:forEach>
-  </dgm:layoutNode>
-</dgm:layoutDef>
-</file>
-
 <file path=ppt/diagrams/quickStyle1.xml><?xml version="1.0" encoding="utf-8"?>
 <dgm:styleDef xmlns:dgm="http://schemas.openxmlformats.org/drawingml/2006/diagram" xmlns:a="http://schemas.openxmlformats.org/drawingml/2006/main" uniqueId="urn:microsoft.com/office/officeart/2005/8/quickstyle/simple1">
   <dgm:title val=""/>
@@ -19268,1040 +18034,6 @@
 </file>
 
 <file path=ppt/diagrams/quickStyle6.xml><?xml version="1.0" encoding="utf-8"?>
-<dgm:styleDef xmlns:dgm="http://schemas.openxmlformats.org/drawingml/2006/diagram" xmlns:a="http://schemas.openxmlformats.org/drawingml/2006/main" uniqueId="urn:microsoft.com/office/officeart/2005/8/quickstyle/simple1">
-  <dgm:title val=""/>
-  <dgm:desc val=""/>
-  <dgm:catLst>
-    <dgm:cat type="simple" pri="10100"/>
-  </dgm:catLst>
-  <dgm:scene3d>
-    <a:camera prst="orthographicFront"/>
-    <a:lightRig rig="threePt" dir="t"/>
-  </dgm:scene3d>
-  <dgm:styleLbl name="node0">
-    <dgm:scene3d>
-      <a:camera prst="orthographicFront"/>
-      <a:lightRig rig="threePt" dir="t"/>
-    </dgm:scene3d>
-    <dgm:sp3d/>
-    <dgm:txPr/>
-    <dgm:style>
-      <a:lnRef idx="2">
-        <a:scrgbClr r="0" g="0" b="0"/>
-      </a:lnRef>
-      <a:fillRef idx="1">
-        <a:scrgbClr r="0" g="0" b="0"/>
-      </a:fillRef>
-      <a:effectRef idx="0">
-        <a:scrgbClr r="0" g="0" b="0"/>
-      </a:effectRef>
-      <a:fontRef idx="minor">
-        <a:schemeClr val="lt1"/>
-      </a:fontRef>
-    </dgm:style>
-  </dgm:styleLbl>
-  <dgm:styleLbl name="lnNode1">
-    <dgm:scene3d>
-      <a:camera prst="orthographicFront"/>
-      <a:lightRig rig="threePt" dir="t"/>
-    </dgm:scene3d>
-    <dgm:sp3d/>
-    <dgm:txPr/>
-    <dgm:style>
-      <a:lnRef idx="2">
-        <a:scrgbClr r="0" g="0" b="0"/>
-      </a:lnRef>
-      <a:fillRef idx="1">
-        <a:scrgbClr r="0" g="0" b="0"/>
-      </a:fillRef>
-      <a:effectRef idx="0">
-        <a:scrgbClr r="0" g="0" b="0"/>
-      </a:effectRef>
-      <a:fontRef idx="minor">
-        <a:schemeClr val="lt1"/>
-      </a:fontRef>
-    </dgm:style>
-  </dgm:styleLbl>
-  <dgm:styleLbl name="vennNode1">
-    <dgm:scene3d>
-      <a:camera prst="orthographicFront"/>
-      <a:lightRig rig="threePt" dir="t"/>
-    </dgm:scene3d>
-    <dgm:sp3d/>
-    <dgm:txPr/>
-    <dgm:style>
-      <a:lnRef idx="2">
-        <a:scrgbClr r="0" g="0" b="0"/>
-      </a:lnRef>
-      <a:fillRef idx="1">
-        <a:scrgbClr r="0" g="0" b="0"/>
-      </a:fillRef>
-      <a:effectRef idx="0">
-        <a:scrgbClr r="0" g="0" b="0"/>
-      </a:effectRef>
-      <a:fontRef idx="minor">
-        <a:schemeClr val="tx1"/>
-      </a:fontRef>
-    </dgm:style>
-  </dgm:styleLbl>
-  <dgm:styleLbl name="alignNode1">
-    <dgm:scene3d>
-      <a:camera prst="orthographicFront"/>
-      <a:lightRig rig="threePt" dir="t"/>
-    </dgm:scene3d>
-    <dgm:sp3d/>
-    <dgm:txPr/>
-    <dgm:style>
-      <a:lnRef idx="2">
-        <a:scrgbClr r="0" g="0" b="0"/>
-      </a:lnRef>
-      <a:fillRef idx="1">
-        <a:scrgbClr r="0" g="0" b="0"/>
-      </a:fillRef>
-      <a:effectRef idx="0">
-        <a:scrgbClr r="0" g="0" b="0"/>
-      </a:effectRef>
-      <a:fontRef idx="minor">
-        <a:schemeClr val="lt1"/>
-      </a:fontRef>
-    </dgm:style>
-  </dgm:styleLbl>
-  <dgm:styleLbl name="node1">
-    <dgm:scene3d>
-      <a:camera prst="orthographicFront"/>
-      <a:lightRig rig="threePt" dir="t"/>
-    </dgm:scene3d>
-    <dgm:sp3d/>
-    <dgm:txPr/>
-    <dgm:style>
-      <a:lnRef idx="2">
-        <a:scrgbClr r="0" g="0" b="0"/>
-      </a:lnRef>
-      <a:fillRef idx="1">
-        <a:scrgbClr r="0" g="0" b="0"/>
-      </a:fillRef>
-      <a:effectRef idx="0">
-        <a:scrgbClr r="0" g="0" b="0"/>
-      </a:effectRef>
-      <a:fontRef idx="minor">
-        <a:schemeClr val="lt1"/>
-      </a:fontRef>
-    </dgm:style>
-  </dgm:styleLbl>
-  <dgm:styleLbl name="node2">
-    <dgm:scene3d>
-      <a:camera prst="orthographicFront"/>
-      <a:lightRig rig="threePt" dir="t"/>
-    </dgm:scene3d>
-    <dgm:sp3d/>
-    <dgm:txPr/>
-    <dgm:style>
-      <a:lnRef idx="2">
-        <a:scrgbClr r="0" g="0" b="0"/>
-      </a:lnRef>
-      <a:fillRef idx="1">
-        <a:scrgbClr r="0" g="0" b="0"/>
-      </a:fillRef>
-      <a:effectRef idx="0">
-        <a:scrgbClr r="0" g="0" b="0"/>
-      </a:effectRef>
-      <a:fontRef idx="minor">
-        <a:schemeClr val="lt1"/>
-      </a:fontRef>
-    </dgm:style>
-  </dgm:styleLbl>
-  <dgm:styleLbl name="node3">
-    <dgm:scene3d>
-      <a:camera prst="orthographicFront"/>
-      <a:lightRig rig="threePt" dir="t"/>
-    </dgm:scene3d>
-    <dgm:sp3d/>
-    <dgm:txPr/>
-    <dgm:style>
-      <a:lnRef idx="2">
-        <a:scrgbClr r="0" g="0" b="0"/>
-      </a:lnRef>
-      <a:fillRef idx="1">
-        <a:scrgbClr r="0" g="0" b="0"/>
-      </a:fillRef>
-      <a:effectRef idx="0">
-        <a:scrgbClr r="0" g="0" b="0"/>
-      </a:effectRef>
-      <a:fontRef idx="minor">
-        <a:schemeClr val="lt1"/>
-      </a:fontRef>
-    </dgm:style>
-  </dgm:styleLbl>
-  <dgm:styleLbl name="node4">
-    <dgm:scene3d>
-      <a:camera prst="orthographicFront"/>
-      <a:lightRig rig="threePt" dir="t"/>
-    </dgm:scene3d>
-    <dgm:sp3d/>
-    <dgm:txPr/>
-    <dgm:style>
-      <a:lnRef idx="2">
-        <a:scrgbClr r="0" g="0" b="0"/>
-      </a:lnRef>
-      <a:fillRef idx="1">
-        <a:scrgbClr r="0" g="0" b="0"/>
-      </a:fillRef>
-      <a:effectRef idx="0">
-        <a:scrgbClr r="0" g="0" b="0"/>
-      </a:effectRef>
-      <a:fontRef idx="minor">
-        <a:schemeClr val="lt1"/>
-      </a:fontRef>
-    </dgm:style>
-  </dgm:styleLbl>
-  <dgm:styleLbl name="fgImgPlace1">
-    <dgm:scene3d>
-      <a:camera prst="orthographicFront"/>
-      <a:lightRig rig="threePt" dir="t"/>
-    </dgm:scene3d>
-    <dgm:sp3d/>
-    <dgm:txPr/>
-    <dgm:style>
-      <a:lnRef idx="2">
-        <a:scrgbClr r="0" g="0" b="0"/>
-      </a:lnRef>
-      <a:fillRef idx="1">
-        <a:scrgbClr r="0" g="0" b="0"/>
-      </a:fillRef>
-      <a:effectRef idx="0">
-        <a:scrgbClr r="0" g="0" b="0"/>
-      </a:effectRef>
-      <a:fontRef idx="minor"/>
-    </dgm:style>
-  </dgm:styleLbl>
-  <dgm:styleLbl name="alignImgPlace1">
-    <dgm:scene3d>
-      <a:camera prst="orthographicFront"/>
-      <a:lightRig rig="threePt" dir="t"/>
-    </dgm:scene3d>
-    <dgm:sp3d/>
-    <dgm:txPr/>
-    <dgm:style>
-      <a:lnRef idx="2">
-        <a:scrgbClr r="0" g="0" b="0"/>
-      </a:lnRef>
-      <a:fillRef idx="1">
-        <a:scrgbClr r="0" g="0" b="0"/>
-      </a:fillRef>
-      <a:effectRef idx="0">
-        <a:scrgbClr r="0" g="0" b="0"/>
-      </a:effectRef>
-      <a:fontRef idx="minor"/>
-    </dgm:style>
-  </dgm:styleLbl>
-  <dgm:styleLbl name="bgImgPlace1">
-    <dgm:scene3d>
-      <a:camera prst="orthographicFront"/>
-      <a:lightRig rig="threePt" dir="t"/>
-    </dgm:scene3d>
-    <dgm:sp3d/>
-    <dgm:txPr/>
-    <dgm:style>
-      <a:lnRef idx="2">
-        <a:scrgbClr r="0" g="0" b="0"/>
-      </a:lnRef>
-      <a:fillRef idx="1">
-        <a:scrgbClr r="0" g="0" b="0"/>
-      </a:fillRef>
-      <a:effectRef idx="0">
-        <a:scrgbClr r="0" g="0" b="0"/>
-      </a:effectRef>
-      <a:fontRef idx="minor"/>
-    </dgm:style>
-  </dgm:styleLbl>
-  <dgm:styleLbl name="sibTrans2D1">
-    <dgm:scene3d>
-      <a:camera prst="orthographicFront"/>
-      <a:lightRig rig="threePt" dir="t"/>
-    </dgm:scene3d>
-    <dgm:sp3d/>
-    <dgm:txPr/>
-    <dgm:style>
-      <a:lnRef idx="0">
-        <a:scrgbClr r="0" g="0" b="0"/>
-      </a:lnRef>
-      <a:fillRef idx="1">
-        <a:scrgbClr r="0" g="0" b="0"/>
-      </a:fillRef>
-      <a:effectRef idx="0">
-        <a:scrgbClr r="0" g="0" b="0"/>
-      </a:effectRef>
-      <a:fontRef idx="minor">
-        <a:schemeClr val="lt1"/>
-      </a:fontRef>
-    </dgm:style>
-  </dgm:styleLbl>
-  <dgm:styleLbl name="fgSibTrans2D1">
-    <dgm:scene3d>
-      <a:camera prst="orthographicFront"/>
-      <a:lightRig rig="threePt" dir="t"/>
-    </dgm:scene3d>
-    <dgm:sp3d/>
-    <dgm:txPr/>
-    <dgm:style>
-      <a:lnRef idx="0">
-        <a:scrgbClr r="0" g="0" b="0"/>
-      </a:lnRef>
-      <a:fillRef idx="1">
-        <a:scrgbClr r="0" g="0" b="0"/>
-      </a:fillRef>
-      <a:effectRef idx="0">
-        <a:scrgbClr r="0" g="0" b="0"/>
-      </a:effectRef>
-      <a:fontRef idx="minor">
-        <a:schemeClr val="lt1"/>
-      </a:fontRef>
-    </dgm:style>
-  </dgm:styleLbl>
-  <dgm:styleLbl name="bgSibTrans2D1">
-    <dgm:scene3d>
-      <a:camera prst="orthographicFront"/>
-      <a:lightRig rig="threePt" dir="t"/>
-    </dgm:scene3d>
-    <dgm:sp3d/>
-    <dgm:txPr/>
-    <dgm:style>
-      <a:lnRef idx="0">
-        <a:scrgbClr r="0" g="0" b="0"/>
-      </a:lnRef>
-      <a:fillRef idx="1">
-        <a:scrgbClr r="0" g="0" b="0"/>
-      </a:fillRef>
-      <a:effectRef idx="0">
-        <a:scrgbClr r="0" g="0" b="0"/>
-      </a:effectRef>
-      <a:fontRef idx="minor">
-        <a:schemeClr val="lt1"/>
-      </a:fontRef>
-    </dgm:style>
-  </dgm:styleLbl>
-  <dgm:styleLbl name="sibTrans1D1">
-    <dgm:scene3d>
-      <a:camera prst="orthographicFront"/>
-      <a:lightRig rig="threePt" dir="t"/>
-    </dgm:scene3d>
-    <dgm:sp3d/>
-    <dgm:txPr/>
-    <dgm:style>
-      <a:lnRef idx="1">
-        <a:scrgbClr r="0" g="0" b="0"/>
-      </a:lnRef>
-      <a:fillRef idx="0">
-        <a:scrgbClr r="0" g="0" b="0"/>
-      </a:fillRef>
-      <a:effectRef idx="0">
-        <a:scrgbClr r="0" g="0" b="0"/>
-      </a:effectRef>
-      <a:fontRef idx="minor"/>
-    </dgm:style>
-  </dgm:styleLbl>
-  <dgm:styleLbl name="callout">
-    <dgm:scene3d>
-      <a:camera prst="orthographicFront"/>
-      <a:lightRig rig="threePt" dir="t"/>
-    </dgm:scene3d>
-    <dgm:sp3d/>
-    <dgm:txPr/>
-    <dgm:style>
-      <a:lnRef idx="2">
-        <a:scrgbClr r="0" g="0" b="0"/>
-      </a:lnRef>
-      <a:fillRef idx="1">
-        <a:scrgbClr r="0" g="0" b="0"/>
-      </a:fillRef>
-      <a:effectRef idx="0">
-        <a:scrgbClr r="0" g="0" b="0"/>
-      </a:effectRef>
-      <a:fontRef idx="minor"/>
-    </dgm:style>
-  </dgm:styleLbl>
-  <dgm:styleLbl name="asst0">
-    <dgm:scene3d>
-      <a:camera prst="orthographicFront"/>
-      <a:lightRig rig="threePt" dir="t"/>
-    </dgm:scene3d>
-    <dgm:sp3d/>
-    <dgm:txPr/>
-    <dgm:style>
-      <a:lnRef idx="2">
-        <a:scrgbClr r="0" g="0" b="0"/>
-      </a:lnRef>
-      <a:fillRef idx="1">
-        <a:scrgbClr r="0" g="0" b="0"/>
-      </a:fillRef>
-      <a:effectRef idx="0">
-        <a:scrgbClr r="0" g="0" b="0"/>
-      </a:effectRef>
-      <a:fontRef idx="minor">
-        <a:schemeClr val="lt1"/>
-      </a:fontRef>
-    </dgm:style>
-  </dgm:styleLbl>
-  <dgm:styleLbl name="asst1">
-    <dgm:scene3d>
-      <a:camera prst="orthographicFront"/>
-      <a:lightRig rig="threePt" dir="t"/>
-    </dgm:scene3d>
-    <dgm:sp3d/>
-    <dgm:txPr/>
-    <dgm:style>
-      <a:lnRef idx="2">
-        <a:scrgbClr r="0" g="0" b="0"/>
-      </a:lnRef>
-      <a:fillRef idx="1">
-        <a:scrgbClr r="0" g="0" b="0"/>
-      </a:fillRef>
-      <a:effectRef idx="0">
-        <a:scrgbClr r="0" g="0" b="0"/>
-      </a:effectRef>
-      <a:fontRef idx="minor">
-        <a:schemeClr val="lt1"/>
-      </a:fontRef>
-    </dgm:style>
-  </dgm:styleLbl>
-  <dgm:styleLbl name="asst2">
-    <dgm:scene3d>
-      <a:camera prst="orthographicFront"/>
-      <a:lightRig rig="threePt" dir="t"/>
-    </dgm:scene3d>
-    <dgm:sp3d/>
-    <dgm:txPr/>
-    <dgm:style>
-      <a:lnRef idx="2">
-        <a:scrgbClr r="0" g="0" b="0"/>
-      </a:lnRef>
-      <a:fillRef idx="1">
-        <a:scrgbClr r="0" g="0" b="0"/>
-      </a:fillRef>
-      <a:effectRef idx="0">
-        <a:scrgbClr r="0" g="0" b="0"/>
-      </a:effectRef>
-      <a:fontRef idx="minor">
-        <a:schemeClr val="lt1"/>
-      </a:fontRef>
-    </dgm:style>
-  </dgm:styleLbl>
-  <dgm:styleLbl name="asst3">
-    <dgm:scene3d>
-      <a:camera prst="orthographicFront"/>
-      <a:lightRig rig="threePt" dir="t"/>
-    </dgm:scene3d>
-    <dgm:sp3d/>
-    <dgm:txPr/>
-    <dgm:style>
-      <a:lnRef idx="2">
-        <a:scrgbClr r="0" g="0" b="0"/>
-      </a:lnRef>
-      <a:fillRef idx="1">
-        <a:scrgbClr r="0" g="0" b="0"/>
-      </a:fillRef>
-      <a:effectRef idx="0">
-        <a:scrgbClr r="0" g="0" b="0"/>
-      </a:effectRef>
-      <a:fontRef idx="minor">
-        <a:schemeClr val="lt1"/>
-      </a:fontRef>
-    </dgm:style>
-  </dgm:styleLbl>
-  <dgm:styleLbl name="asst4">
-    <dgm:scene3d>
-      <a:camera prst="orthographicFront"/>
-      <a:lightRig rig="threePt" dir="t"/>
-    </dgm:scene3d>
-    <dgm:sp3d/>
-    <dgm:txPr/>
-    <dgm:style>
-      <a:lnRef idx="2">
-        <a:scrgbClr r="0" g="0" b="0"/>
-      </a:lnRef>
-      <a:fillRef idx="1">
-        <a:scrgbClr r="0" g="0" b="0"/>
-      </a:fillRef>
-      <a:effectRef idx="0">
-        <a:scrgbClr r="0" g="0" b="0"/>
-      </a:effectRef>
-      <a:fontRef idx="minor">
-        <a:schemeClr val="lt1"/>
-      </a:fontRef>
-    </dgm:style>
-  </dgm:styleLbl>
-  <dgm:styleLbl name="parChTrans2D1">
-    <dgm:scene3d>
-      <a:camera prst="orthographicFront"/>
-      <a:lightRig rig="threePt" dir="t"/>
-    </dgm:scene3d>
-    <dgm:sp3d/>
-    <dgm:txPr/>
-    <dgm:style>
-      <a:lnRef idx="2">
-        <a:scrgbClr r="0" g="0" b="0"/>
-      </a:lnRef>
-      <a:fillRef idx="1">
-        <a:scrgbClr r="0" g="0" b="0"/>
-      </a:fillRef>
-      <a:effectRef idx="0">
-        <a:scrgbClr r="0" g="0" b="0"/>
-      </a:effectRef>
-      <a:fontRef idx="minor">
-        <a:schemeClr val="lt1"/>
-      </a:fontRef>
-    </dgm:style>
-  </dgm:styleLbl>
-  <dgm:styleLbl name="parChTrans2D2">
-    <dgm:scene3d>
-      <a:camera prst="orthographicFront"/>
-      <a:lightRig rig="threePt" dir="t"/>
-    </dgm:scene3d>
-    <dgm:sp3d/>
-    <dgm:txPr/>
-    <dgm:style>
-      <a:lnRef idx="2">
-        <a:scrgbClr r="0" g="0" b="0"/>
-      </a:lnRef>
-      <a:fillRef idx="1">
-        <a:scrgbClr r="0" g="0" b="0"/>
-      </a:fillRef>
-      <a:effectRef idx="0">
-        <a:scrgbClr r="0" g="0" b="0"/>
-      </a:effectRef>
-      <a:fontRef idx="minor">
-        <a:schemeClr val="lt1"/>
-      </a:fontRef>
-    </dgm:style>
-  </dgm:styleLbl>
-  <dgm:styleLbl name="parChTrans2D3">
-    <dgm:scene3d>
-      <a:camera prst="orthographicFront"/>
-      <a:lightRig rig="threePt" dir="t"/>
-    </dgm:scene3d>
-    <dgm:sp3d/>
-    <dgm:txPr/>
-    <dgm:style>
-      <a:lnRef idx="2">
-        <a:scrgbClr r="0" g="0" b="0"/>
-      </a:lnRef>
-      <a:fillRef idx="1">
-        <a:scrgbClr r="0" g="0" b="0"/>
-      </a:fillRef>
-      <a:effectRef idx="0">
-        <a:scrgbClr r="0" g="0" b="0"/>
-      </a:effectRef>
-      <a:fontRef idx="minor">
-        <a:schemeClr val="lt1"/>
-      </a:fontRef>
-    </dgm:style>
-  </dgm:styleLbl>
-  <dgm:styleLbl name="parChTrans2D4">
-    <dgm:scene3d>
-      <a:camera prst="orthographicFront"/>
-      <a:lightRig rig="threePt" dir="t"/>
-    </dgm:scene3d>
-    <dgm:sp3d/>
-    <dgm:txPr/>
-    <dgm:style>
-      <a:lnRef idx="2">
-        <a:scrgbClr r="0" g="0" b="0"/>
-      </a:lnRef>
-      <a:fillRef idx="1">
-        <a:scrgbClr r="0" g="0" b="0"/>
-      </a:fillRef>
-      <a:effectRef idx="0">
-        <a:scrgbClr r="0" g="0" b="0"/>
-      </a:effectRef>
-      <a:fontRef idx="minor">
-        <a:schemeClr val="lt1"/>
-      </a:fontRef>
-    </dgm:style>
-  </dgm:styleLbl>
-  <dgm:styleLbl name="parChTrans1D1">
-    <dgm:scene3d>
-      <a:camera prst="orthographicFront"/>
-      <a:lightRig rig="threePt" dir="t"/>
-    </dgm:scene3d>
-    <dgm:sp3d/>
-    <dgm:txPr/>
-    <dgm:style>
-      <a:lnRef idx="2">
-        <a:scrgbClr r="0" g="0" b="0"/>
-      </a:lnRef>
-      <a:fillRef idx="0">
-        <a:scrgbClr r="0" g="0" b="0"/>
-      </a:fillRef>
-      <a:effectRef idx="0">
-        <a:scrgbClr r="0" g="0" b="0"/>
-      </a:effectRef>
-      <a:fontRef idx="minor"/>
-    </dgm:style>
-  </dgm:styleLbl>
-  <dgm:styleLbl name="parChTrans1D2">
-    <dgm:scene3d>
-      <a:camera prst="orthographicFront"/>
-      <a:lightRig rig="threePt" dir="t"/>
-    </dgm:scene3d>
-    <dgm:sp3d/>
-    <dgm:txPr/>
-    <dgm:style>
-      <a:lnRef idx="2">
-        <a:scrgbClr r="0" g="0" b="0"/>
-      </a:lnRef>
-      <a:fillRef idx="0">
-        <a:scrgbClr r="0" g="0" b="0"/>
-      </a:fillRef>
-      <a:effectRef idx="0">
-        <a:scrgbClr r="0" g="0" b="0"/>
-      </a:effectRef>
-      <a:fontRef idx="minor"/>
-    </dgm:style>
-  </dgm:styleLbl>
-  <dgm:styleLbl name="parChTrans1D3">
-    <dgm:scene3d>
-      <a:camera prst="orthographicFront"/>
-      <a:lightRig rig="threePt" dir="t"/>
-    </dgm:scene3d>
-    <dgm:sp3d/>
-    <dgm:txPr/>
-    <dgm:style>
-      <a:lnRef idx="2">
-        <a:scrgbClr r="0" g="0" b="0"/>
-      </a:lnRef>
-      <a:fillRef idx="0">
-        <a:scrgbClr r="0" g="0" b="0"/>
-      </a:fillRef>
-      <a:effectRef idx="0">
-        <a:scrgbClr r="0" g="0" b="0"/>
-      </a:effectRef>
-      <a:fontRef idx="minor"/>
-    </dgm:style>
-  </dgm:styleLbl>
-  <dgm:styleLbl name="parChTrans1D4">
-    <dgm:scene3d>
-      <a:camera prst="orthographicFront"/>
-      <a:lightRig rig="threePt" dir="t"/>
-    </dgm:scene3d>
-    <dgm:sp3d/>
-    <dgm:txPr/>
-    <dgm:style>
-      <a:lnRef idx="2">
-        <a:scrgbClr r="0" g="0" b="0"/>
-      </a:lnRef>
-      <a:fillRef idx="0">
-        <a:scrgbClr r="0" g="0" b="0"/>
-      </a:fillRef>
-      <a:effectRef idx="0">
-        <a:scrgbClr r="0" g="0" b="0"/>
-      </a:effectRef>
-      <a:fontRef idx="minor"/>
-    </dgm:style>
-  </dgm:styleLbl>
-  <dgm:styleLbl name="fgAcc1">
-    <dgm:scene3d>
-      <a:camera prst="orthographicFront"/>
-      <a:lightRig rig="threePt" dir="t"/>
-    </dgm:scene3d>
-    <dgm:sp3d/>
-    <dgm:txPr/>
-    <dgm:style>
-      <a:lnRef idx="2">
-        <a:scrgbClr r="0" g="0" b="0"/>
-      </a:lnRef>
-      <a:fillRef idx="1">
-        <a:scrgbClr r="0" g="0" b="0"/>
-      </a:fillRef>
-      <a:effectRef idx="0">
-        <a:scrgbClr r="0" g="0" b="0"/>
-      </a:effectRef>
-      <a:fontRef idx="minor"/>
-    </dgm:style>
-  </dgm:styleLbl>
-  <dgm:styleLbl name="conFgAcc1">
-    <dgm:scene3d>
-      <a:camera prst="orthographicFront"/>
-      <a:lightRig rig="threePt" dir="t"/>
-    </dgm:scene3d>
-    <dgm:sp3d/>
-    <dgm:txPr/>
-    <dgm:style>
-      <a:lnRef idx="2">
-        <a:scrgbClr r="0" g="0" b="0"/>
-      </a:lnRef>
-      <a:fillRef idx="1">
-        <a:scrgbClr r="0" g="0" b="0"/>
-      </a:fillRef>
-      <a:effectRef idx="0">
-        <a:scrgbClr r="0" g="0" b="0"/>
-      </a:effectRef>
-      <a:fontRef idx="minor"/>
-    </dgm:style>
-  </dgm:styleLbl>
-  <dgm:styleLbl name="alignAcc1">
-    <dgm:scene3d>
-      <a:camera prst="orthographicFront"/>
-      <a:lightRig rig="threePt" dir="t"/>
-    </dgm:scene3d>
-    <dgm:sp3d/>
-    <dgm:txPr/>
-    <dgm:style>
-      <a:lnRef idx="2">
-        <a:scrgbClr r="0" g="0" b="0"/>
-      </a:lnRef>
-      <a:fillRef idx="1">
-        <a:scrgbClr r="0" g="0" b="0"/>
-      </a:fillRef>
-      <a:effectRef idx="0">
-        <a:scrgbClr r="0" g="0" b="0"/>
-      </a:effectRef>
-      <a:fontRef idx="minor"/>
-    </dgm:style>
-  </dgm:styleLbl>
-  <dgm:styleLbl name="trAlignAcc1">
-    <dgm:scene3d>
-      <a:camera prst="orthographicFront"/>
-      <a:lightRig rig="threePt" dir="t"/>
-    </dgm:scene3d>
-    <dgm:sp3d/>
-    <dgm:txPr/>
-    <dgm:style>
-      <a:lnRef idx="1">
-        <a:scrgbClr r="0" g="0" b="0"/>
-      </a:lnRef>
-      <a:fillRef idx="1">
-        <a:scrgbClr r="0" g="0" b="0"/>
-      </a:fillRef>
-      <a:effectRef idx="0">
-        <a:scrgbClr r="0" g="0" b="0"/>
-      </a:effectRef>
-      <a:fontRef idx="minor"/>
-    </dgm:style>
-  </dgm:styleLbl>
-  <dgm:styleLbl name="bgAcc1">
-    <dgm:scene3d>
-      <a:camera prst="orthographicFront"/>
-      <a:lightRig rig="threePt" dir="t"/>
-    </dgm:scene3d>
-    <dgm:sp3d/>
-    <dgm:txPr/>
-    <dgm:style>
-      <a:lnRef idx="2">
-        <a:scrgbClr r="0" g="0" b="0"/>
-      </a:lnRef>
-      <a:fillRef idx="1">
-        <a:scrgbClr r="0" g="0" b="0"/>
-      </a:fillRef>
-      <a:effectRef idx="0">
-        <a:scrgbClr r="0" g="0" b="0"/>
-      </a:effectRef>
-      <a:fontRef idx="minor"/>
-    </dgm:style>
-  </dgm:styleLbl>
-  <dgm:styleLbl name="solidFgAcc1">
-    <dgm:scene3d>
-      <a:camera prst="orthographicFront"/>
-      <a:lightRig rig="threePt" dir="t"/>
-    </dgm:scene3d>
-    <dgm:sp3d/>
-    <dgm:txPr/>
-    <dgm:style>
-      <a:lnRef idx="2">
-        <a:scrgbClr r="0" g="0" b="0"/>
-      </a:lnRef>
-      <a:fillRef idx="1">
-        <a:scrgbClr r="0" g="0" b="0"/>
-      </a:fillRef>
-      <a:effectRef idx="0">
-        <a:scrgbClr r="0" g="0" b="0"/>
-      </a:effectRef>
-      <a:fontRef idx="minor"/>
-    </dgm:style>
-  </dgm:styleLbl>
-  <dgm:styleLbl name="solidAlignAcc1">
-    <dgm:scene3d>
-      <a:camera prst="orthographicFront"/>
-      <a:lightRig rig="threePt" dir="t"/>
-    </dgm:scene3d>
-    <dgm:sp3d/>
-    <dgm:txPr/>
-    <dgm:style>
-      <a:lnRef idx="2">
-        <a:scrgbClr r="0" g="0" b="0"/>
-      </a:lnRef>
-      <a:fillRef idx="1">
-        <a:scrgbClr r="0" g="0" b="0"/>
-      </a:fillRef>
-      <a:effectRef idx="0">
-        <a:scrgbClr r="0" g="0" b="0"/>
-      </a:effectRef>
-      <a:fontRef idx="minor"/>
-    </dgm:style>
-  </dgm:styleLbl>
-  <dgm:styleLbl name="solidBgAcc1">
-    <dgm:scene3d>
-      <a:camera prst="orthographicFront"/>
-      <a:lightRig rig="threePt" dir="t"/>
-    </dgm:scene3d>
-    <dgm:sp3d/>
-    <dgm:txPr/>
-    <dgm:style>
-      <a:lnRef idx="2">
-        <a:scrgbClr r="0" g="0" b="0"/>
-      </a:lnRef>
-      <a:fillRef idx="1">
-        <a:scrgbClr r="0" g="0" b="0"/>
-      </a:fillRef>
-      <a:effectRef idx="0">
-        <a:scrgbClr r="0" g="0" b="0"/>
-      </a:effectRef>
-      <a:fontRef idx="minor"/>
-    </dgm:style>
-  </dgm:styleLbl>
-  <dgm:styleLbl name="fgAccFollowNode1">
-    <dgm:scene3d>
-      <a:camera prst="orthographicFront"/>
-      <a:lightRig rig="threePt" dir="t"/>
-    </dgm:scene3d>
-    <dgm:sp3d/>
-    <dgm:txPr/>
-    <dgm:style>
-      <a:lnRef idx="2">
-        <a:scrgbClr r="0" g="0" b="0"/>
-      </a:lnRef>
-      <a:fillRef idx="1">
-        <a:scrgbClr r="0" g="0" b="0"/>
-      </a:fillRef>
-      <a:effectRef idx="0">
-        <a:scrgbClr r="0" g="0" b="0"/>
-      </a:effectRef>
-      <a:fontRef idx="minor"/>
-    </dgm:style>
-  </dgm:styleLbl>
-  <dgm:styleLbl name="alignAccFollowNode1">
-    <dgm:scene3d>
-      <a:camera prst="orthographicFront"/>
-      <a:lightRig rig="threePt" dir="t"/>
-    </dgm:scene3d>
-    <dgm:sp3d/>
-    <dgm:txPr/>
-    <dgm:style>
-      <a:lnRef idx="2">
-        <a:scrgbClr r="0" g="0" b="0"/>
-      </a:lnRef>
-      <a:fillRef idx="1">
-        <a:scrgbClr r="0" g="0" b="0"/>
-      </a:fillRef>
-      <a:effectRef idx="0">
-        <a:scrgbClr r="0" g="0" b="0"/>
-      </a:effectRef>
-      <a:fontRef idx="minor"/>
-    </dgm:style>
-  </dgm:styleLbl>
-  <dgm:styleLbl name="bgAccFollowNode1">
-    <dgm:scene3d>
-      <a:camera prst="orthographicFront"/>
-      <a:lightRig rig="threePt" dir="t"/>
-    </dgm:scene3d>
-    <dgm:sp3d/>
-    <dgm:txPr/>
-    <dgm:style>
-      <a:lnRef idx="2">
-        <a:scrgbClr r="0" g="0" b="0"/>
-      </a:lnRef>
-      <a:fillRef idx="1">
-        <a:scrgbClr r="0" g="0" b="0"/>
-      </a:fillRef>
-      <a:effectRef idx="0">
-        <a:scrgbClr r="0" g="0" b="0"/>
-      </a:effectRef>
-      <a:fontRef idx="minor"/>
-    </dgm:style>
-  </dgm:styleLbl>
-  <dgm:styleLbl name="fgAcc0">
-    <dgm:scene3d>
-      <a:camera prst="orthographicFront"/>
-      <a:lightRig rig="threePt" dir="t"/>
-    </dgm:scene3d>
-    <dgm:sp3d/>
-    <dgm:txPr/>
-    <dgm:style>
-      <a:lnRef idx="2">
-        <a:scrgbClr r="0" g="0" b="0"/>
-      </a:lnRef>
-      <a:fillRef idx="1">
-        <a:scrgbClr r="0" g="0" b="0"/>
-      </a:fillRef>
-      <a:effectRef idx="0">
-        <a:scrgbClr r="0" g="0" b="0"/>
-      </a:effectRef>
-      <a:fontRef idx="minor"/>
-    </dgm:style>
-  </dgm:styleLbl>
-  <dgm:styleLbl name="fgAcc2">
-    <dgm:scene3d>
-      <a:camera prst="orthographicFront"/>
-      <a:lightRig rig="threePt" dir="t"/>
-    </dgm:scene3d>
-    <dgm:sp3d/>
-    <dgm:txPr/>
-    <dgm:style>
-      <a:lnRef idx="2">
-        <a:scrgbClr r="0" g="0" b="0"/>
-      </a:lnRef>
-      <a:fillRef idx="1">
-        <a:scrgbClr r="0" g="0" b="0"/>
-      </a:fillRef>
-      <a:effectRef idx="0">
-        <a:scrgbClr r="0" g="0" b="0"/>
-      </a:effectRef>
-      <a:fontRef idx="minor"/>
-    </dgm:style>
-  </dgm:styleLbl>
-  <dgm:styleLbl name="fgAcc3">
-    <dgm:scene3d>
-      <a:camera prst="orthographicFront"/>
-      <a:lightRig rig="threePt" dir="t"/>
-    </dgm:scene3d>
-    <dgm:sp3d/>
-    <dgm:txPr/>
-    <dgm:style>
-      <a:lnRef idx="2">
-        <a:scrgbClr r="0" g="0" b="0"/>
-      </a:lnRef>
-      <a:fillRef idx="1">
-        <a:scrgbClr r="0" g="0" b="0"/>
-      </a:fillRef>
-      <a:effectRef idx="0">
-        <a:scrgbClr r="0" g="0" b="0"/>
-      </a:effectRef>
-      <a:fontRef idx="minor"/>
-    </dgm:style>
-  </dgm:styleLbl>
-  <dgm:styleLbl name="fgAcc4">
-    <dgm:scene3d>
-      <a:camera prst="orthographicFront"/>
-      <a:lightRig rig="threePt" dir="t"/>
-    </dgm:scene3d>
-    <dgm:sp3d/>
-    <dgm:txPr/>
-    <dgm:style>
-      <a:lnRef idx="2">
-        <a:scrgbClr r="0" g="0" b="0"/>
-      </a:lnRef>
-      <a:fillRef idx="1">
-        <a:scrgbClr r="0" g="0" b="0"/>
-      </a:fillRef>
-      <a:effectRef idx="0">
-        <a:scrgbClr r="0" g="0" b="0"/>
-      </a:effectRef>
-      <a:fontRef idx="minor"/>
-    </dgm:style>
-  </dgm:styleLbl>
-  <dgm:styleLbl name="bgShp">
-    <dgm:scene3d>
-      <a:camera prst="orthographicFront"/>
-      <a:lightRig rig="threePt" dir="t"/>
-    </dgm:scene3d>
-    <dgm:sp3d/>
-    <dgm:txPr/>
-    <dgm:style>
-      <a:lnRef idx="0">
-        <a:scrgbClr r="0" g="0" b="0"/>
-      </a:lnRef>
-      <a:fillRef idx="1">
-        <a:scrgbClr r="0" g="0" b="0"/>
-      </a:fillRef>
-      <a:effectRef idx="0">
-        <a:scrgbClr r="0" g="0" b="0"/>
-      </a:effectRef>
-      <a:fontRef idx="minor"/>
-    </dgm:style>
-  </dgm:styleLbl>
-  <dgm:styleLbl name="dkBgShp">
-    <dgm:scene3d>
-      <a:camera prst="orthographicFront"/>
-      <a:lightRig rig="threePt" dir="t"/>
-    </dgm:scene3d>
-    <dgm:sp3d/>
-    <dgm:txPr/>
-    <dgm:style>
-      <a:lnRef idx="0">
-        <a:scrgbClr r="0" g="0" b="0"/>
-      </a:lnRef>
-      <a:fillRef idx="1">
-        <a:scrgbClr r="0" g="0" b="0"/>
-      </a:fillRef>
-      <a:effectRef idx="0">
-        <a:scrgbClr r="0" g="0" b="0"/>
-      </a:effectRef>
-      <a:fontRef idx="minor"/>
-    </dgm:style>
-  </dgm:styleLbl>
-  <dgm:styleLbl name="trBgShp">
-    <dgm:scene3d>
-      <a:camera prst="orthographicFront"/>
-      <a:lightRig rig="threePt" dir="t"/>
-    </dgm:scene3d>
-    <dgm:sp3d/>
-    <dgm:txPr/>
-    <dgm:style>
-      <a:lnRef idx="0">
-        <a:scrgbClr r="0" g="0" b="0"/>
-      </a:lnRef>
-      <a:fillRef idx="1">
-        <a:scrgbClr r="0" g="0" b="0"/>
-      </a:fillRef>
-      <a:effectRef idx="0">
-        <a:scrgbClr r="0" g="0" b="0"/>
-      </a:effectRef>
-      <a:fontRef idx="minor"/>
-    </dgm:style>
-  </dgm:styleLbl>
-  <dgm:styleLbl name="fgShp">
-    <dgm:scene3d>
-      <a:camera prst="orthographicFront"/>
-      <a:lightRig rig="threePt" dir="t"/>
-    </dgm:scene3d>
-    <dgm:sp3d/>
-    <dgm:txPr/>
-    <dgm:style>
-      <a:lnRef idx="2">
-        <a:scrgbClr r="0" g="0" b="0"/>
-      </a:lnRef>
-      <a:fillRef idx="1">
-        <a:scrgbClr r="0" g="0" b="0"/>
-      </a:fillRef>
-      <a:effectRef idx="0">
-        <a:scrgbClr r="0" g="0" b="0"/>
-      </a:effectRef>
-      <a:fontRef idx="minor"/>
-    </dgm:style>
-  </dgm:styleLbl>
-  <dgm:styleLbl name="revTx">
-    <dgm:scene3d>
-      <a:camera prst="orthographicFront"/>
-      <a:lightRig rig="threePt" dir="t"/>
-    </dgm:scene3d>
-    <dgm:sp3d/>
-    <dgm:txPr/>
-    <dgm:style>
-      <a:lnRef idx="0">
-        <a:scrgbClr r="0" g="0" b="0"/>
-      </a:lnRef>
-      <a:fillRef idx="0">
-        <a:scrgbClr r="0" g="0" b="0"/>
-      </a:fillRef>
-      <a:effectRef idx="0">
-        <a:scrgbClr r="0" g="0" b="0"/>
-      </a:effectRef>
-      <a:fontRef idx="minor"/>
-    </dgm:style>
-  </dgm:styleLbl>
-</dgm:styleDef>
-</file>
-
-<file path=ppt/diagrams/quickStyle7.xml><?xml version="1.0" encoding="utf-8"?>
 <dgm:styleDef xmlns:dgm="http://schemas.openxmlformats.org/drawingml/2006/diagram" xmlns:a="http://schemas.openxmlformats.org/drawingml/2006/main" uniqueId="urn:microsoft.com/office/officeart/2005/8/quickstyle/simple5">
   <dgm:title val=""/>
   <dgm:desc val=""/>
@@ -21429,7 +19161,7 @@
           <a:p>
             <a:fld id="{E8CEC373-A826-4098-8F48-885ABC80A766}" type="datetimeFigureOut">
               <a:rPr lang="en-US" smtClean="0"/>
-              <a:t>07-Aug-2023</a:t>
+              <a:t>23-Sep-2023</a:t>
             </a:fld>
             <a:endParaRPr lang="en-US"/>
           </a:p>
@@ -21606,7 +19338,7 @@
           <a:p>
             <a:fld id="{0AEB8794-329A-4824-BA43-DD9279C18EEC}" type="datetimeFigureOut">
               <a:rPr lang="en-AU" smtClean="0"/>
-              <a:t>7/08/2023</a:t>
+              <a:t>23/09/2023</a:t>
             </a:fld>
             <a:endParaRPr lang="en-AU"/>
           </a:p>
@@ -22032,7 +19764,7 @@
     </p:spTree>
     <p:extLst>
       <p:ext uri="{BB962C8B-B14F-4D97-AF65-F5344CB8AC3E}">
-        <p14:creationId xmlns:p14="http://schemas.microsoft.com/office/powerpoint/2010/main" val="2729223379"/>
+        <p14:creationId xmlns:p14="http://schemas.microsoft.com/office/powerpoint/2010/main" val="1727905676"/>
       </p:ext>
     </p:extLst>
   </p:cSld>
@@ -22116,7 +19848,7 @@
     </p:spTree>
     <p:extLst>
       <p:ext uri="{BB962C8B-B14F-4D97-AF65-F5344CB8AC3E}">
-        <p14:creationId xmlns:p14="http://schemas.microsoft.com/office/powerpoint/2010/main" val="1859201970"/>
+        <p14:creationId xmlns:p14="http://schemas.microsoft.com/office/powerpoint/2010/main" val="761298617"/>
       </p:ext>
     </p:extLst>
   </p:cSld>
@@ -22200,7 +19932,7 @@
     </p:spTree>
     <p:extLst>
       <p:ext uri="{BB962C8B-B14F-4D97-AF65-F5344CB8AC3E}">
-        <p14:creationId xmlns:p14="http://schemas.microsoft.com/office/powerpoint/2010/main" val="1913746585"/>
+        <p14:creationId xmlns:p14="http://schemas.microsoft.com/office/powerpoint/2010/main" val="2783079553"/>
       </p:ext>
     </p:extLst>
   </p:cSld>
@@ -22284,7 +20016,7 @@
     </p:spTree>
     <p:extLst>
       <p:ext uri="{BB962C8B-B14F-4D97-AF65-F5344CB8AC3E}">
-        <p14:creationId xmlns:p14="http://schemas.microsoft.com/office/powerpoint/2010/main" val="436957066"/>
+        <p14:creationId xmlns:p14="http://schemas.microsoft.com/office/powerpoint/2010/main" val="3154308764"/>
       </p:ext>
     </p:extLst>
   </p:cSld>
@@ -22368,7 +20100,7 @@
     </p:spTree>
     <p:extLst>
       <p:ext uri="{BB962C8B-B14F-4D97-AF65-F5344CB8AC3E}">
-        <p14:creationId xmlns:p14="http://schemas.microsoft.com/office/powerpoint/2010/main" val="1727905676"/>
+        <p14:creationId xmlns:p14="http://schemas.microsoft.com/office/powerpoint/2010/main" val="3633396466"/>
       </p:ext>
     </p:extLst>
   </p:cSld>
@@ -22379,342 +20111,6 @@
 </file>
 
 <file path=ppt/notesSlides/notesSlide15.xml><?xml version="1.0" encoding="utf-8"?>
-<p:notes xmlns:a="http://schemas.openxmlformats.org/drawingml/2006/main" xmlns:r="http://schemas.openxmlformats.org/officeDocument/2006/relationships" xmlns:p="http://schemas.openxmlformats.org/presentationml/2006/main">
-  <p:cSld>
-    <p:spTree>
-      <p:nvGrpSpPr>
-        <p:cNvPr id="1" name=""/>
-        <p:cNvGrpSpPr/>
-        <p:nvPr/>
-      </p:nvGrpSpPr>
-      <p:grpSpPr>
-        <a:xfrm>
-          <a:off x="0" y="0"/>
-          <a:ext cx="0" cy="0"/>
-          <a:chOff x="0" y="0"/>
-          <a:chExt cx="0" cy="0"/>
-        </a:xfrm>
-      </p:grpSpPr>
-      <p:sp>
-        <p:nvSpPr>
-          <p:cNvPr id="2" name="Slide Image Placeholder 1"/>
-          <p:cNvSpPr>
-            <a:spLocks noGrp="1" noRot="1" noChangeAspect="1"/>
-          </p:cNvSpPr>
-          <p:nvPr>
-            <p:ph type="sldImg"/>
-          </p:nvPr>
-        </p:nvSpPr>
-        <p:spPr/>
-      </p:sp>
-      <p:sp>
-        <p:nvSpPr>
-          <p:cNvPr id="3" name="Notes Placeholder 2"/>
-          <p:cNvSpPr>
-            <a:spLocks noGrp="1"/>
-          </p:cNvSpPr>
-          <p:nvPr>
-            <p:ph type="body" idx="1"/>
-          </p:nvPr>
-        </p:nvSpPr>
-        <p:spPr/>
-        <p:txBody>
-          <a:bodyPr/>
-          <a:lstStyle/>
-          <a:p>
-            <a:endParaRPr lang="en-US" dirty="0"/>
-          </a:p>
-        </p:txBody>
-      </p:sp>
-      <p:sp>
-        <p:nvSpPr>
-          <p:cNvPr id="4" name="Slide Number Placeholder 3"/>
-          <p:cNvSpPr>
-            <a:spLocks noGrp="1"/>
-          </p:cNvSpPr>
-          <p:nvPr>
-            <p:ph type="sldNum" sz="quarter" idx="5"/>
-          </p:nvPr>
-        </p:nvSpPr>
-        <p:spPr/>
-        <p:txBody>
-          <a:bodyPr/>
-          <a:lstStyle/>
-          <a:p>
-            <a:fld id="{01420855-62A1-43EF-8815-D1313CE67D77}" type="slidenum">
-              <a:rPr lang="en-AU" smtClean="0"/>
-              <a:t>15</a:t>
-            </a:fld>
-            <a:endParaRPr lang="en-AU"/>
-          </a:p>
-        </p:txBody>
-      </p:sp>
-    </p:spTree>
-    <p:extLst>
-      <p:ext uri="{BB962C8B-B14F-4D97-AF65-F5344CB8AC3E}">
-        <p14:creationId xmlns:p14="http://schemas.microsoft.com/office/powerpoint/2010/main" val="761298617"/>
-      </p:ext>
-    </p:extLst>
-  </p:cSld>
-  <p:clrMapOvr>
-    <a:masterClrMapping/>
-  </p:clrMapOvr>
-</p:notes>
-</file>
-
-<file path=ppt/notesSlides/notesSlide16.xml><?xml version="1.0" encoding="utf-8"?>
-<p:notes xmlns:a="http://schemas.openxmlformats.org/drawingml/2006/main" xmlns:r="http://schemas.openxmlformats.org/officeDocument/2006/relationships" xmlns:p="http://schemas.openxmlformats.org/presentationml/2006/main">
-  <p:cSld>
-    <p:spTree>
-      <p:nvGrpSpPr>
-        <p:cNvPr id="1" name=""/>
-        <p:cNvGrpSpPr/>
-        <p:nvPr/>
-      </p:nvGrpSpPr>
-      <p:grpSpPr>
-        <a:xfrm>
-          <a:off x="0" y="0"/>
-          <a:ext cx="0" cy="0"/>
-          <a:chOff x="0" y="0"/>
-          <a:chExt cx="0" cy="0"/>
-        </a:xfrm>
-      </p:grpSpPr>
-      <p:sp>
-        <p:nvSpPr>
-          <p:cNvPr id="2" name="Slide Image Placeholder 1"/>
-          <p:cNvSpPr>
-            <a:spLocks noGrp="1" noRot="1" noChangeAspect="1"/>
-          </p:cNvSpPr>
-          <p:nvPr>
-            <p:ph type="sldImg"/>
-          </p:nvPr>
-        </p:nvSpPr>
-        <p:spPr/>
-      </p:sp>
-      <p:sp>
-        <p:nvSpPr>
-          <p:cNvPr id="3" name="Notes Placeholder 2"/>
-          <p:cNvSpPr>
-            <a:spLocks noGrp="1"/>
-          </p:cNvSpPr>
-          <p:nvPr>
-            <p:ph type="body" idx="1"/>
-          </p:nvPr>
-        </p:nvSpPr>
-        <p:spPr/>
-        <p:txBody>
-          <a:bodyPr/>
-          <a:lstStyle/>
-          <a:p>
-            <a:endParaRPr lang="en-US" dirty="0"/>
-          </a:p>
-        </p:txBody>
-      </p:sp>
-      <p:sp>
-        <p:nvSpPr>
-          <p:cNvPr id="4" name="Slide Number Placeholder 3"/>
-          <p:cNvSpPr>
-            <a:spLocks noGrp="1"/>
-          </p:cNvSpPr>
-          <p:nvPr>
-            <p:ph type="sldNum" sz="quarter" idx="5"/>
-          </p:nvPr>
-        </p:nvSpPr>
-        <p:spPr/>
-        <p:txBody>
-          <a:bodyPr/>
-          <a:lstStyle/>
-          <a:p>
-            <a:fld id="{01420855-62A1-43EF-8815-D1313CE67D77}" type="slidenum">
-              <a:rPr lang="en-AU" smtClean="0"/>
-              <a:t>16</a:t>
-            </a:fld>
-            <a:endParaRPr lang="en-AU"/>
-          </a:p>
-        </p:txBody>
-      </p:sp>
-    </p:spTree>
-    <p:extLst>
-      <p:ext uri="{BB962C8B-B14F-4D97-AF65-F5344CB8AC3E}">
-        <p14:creationId xmlns:p14="http://schemas.microsoft.com/office/powerpoint/2010/main" val="2783079553"/>
-      </p:ext>
-    </p:extLst>
-  </p:cSld>
-  <p:clrMapOvr>
-    <a:masterClrMapping/>
-  </p:clrMapOvr>
-</p:notes>
-</file>
-
-<file path=ppt/notesSlides/notesSlide17.xml><?xml version="1.0" encoding="utf-8"?>
-<p:notes xmlns:a="http://schemas.openxmlformats.org/drawingml/2006/main" xmlns:r="http://schemas.openxmlformats.org/officeDocument/2006/relationships" xmlns:p="http://schemas.openxmlformats.org/presentationml/2006/main">
-  <p:cSld>
-    <p:spTree>
-      <p:nvGrpSpPr>
-        <p:cNvPr id="1" name=""/>
-        <p:cNvGrpSpPr/>
-        <p:nvPr/>
-      </p:nvGrpSpPr>
-      <p:grpSpPr>
-        <a:xfrm>
-          <a:off x="0" y="0"/>
-          <a:ext cx="0" cy="0"/>
-          <a:chOff x="0" y="0"/>
-          <a:chExt cx="0" cy="0"/>
-        </a:xfrm>
-      </p:grpSpPr>
-      <p:sp>
-        <p:nvSpPr>
-          <p:cNvPr id="2" name="Slide Image Placeholder 1"/>
-          <p:cNvSpPr>
-            <a:spLocks noGrp="1" noRot="1" noChangeAspect="1"/>
-          </p:cNvSpPr>
-          <p:nvPr>
-            <p:ph type="sldImg"/>
-          </p:nvPr>
-        </p:nvSpPr>
-        <p:spPr/>
-      </p:sp>
-      <p:sp>
-        <p:nvSpPr>
-          <p:cNvPr id="3" name="Notes Placeholder 2"/>
-          <p:cNvSpPr>
-            <a:spLocks noGrp="1"/>
-          </p:cNvSpPr>
-          <p:nvPr>
-            <p:ph type="body" idx="1"/>
-          </p:nvPr>
-        </p:nvSpPr>
-        <p:spPr/>
-        <p:txBody>
-          <a:bodyPr/>
-          <a:lstStyle/>
-          <a:p>
-            <a:endParaRPr lang="en-US" dirty="0"/>
-          </a:p>
-        </p:txBody>
-      </p:sp>
-      <p:sp>
-        <p:nvSpPr>
-          <p:cNvPr id="4" name="Slide Number Placeholder 3"/>
-          <p:cNvSpPr>
-            <a:spLocks noGrp="1"/>
-          </p:cNvSpPr>
-          <p:nvPr>
-            <p:ph type="sldNum" sz="quarter" idx="5"/>
-          </p:nvPr>
-        </p:nvSpPr>
-        <p:spPr/>
-        <p:txBody>
-          <a:bodyPr/>
-          <a:lstStyle/>
-          <a:p>
-            <a:fld id="{01420855-62A1-43EF-8815-D1313CE67D77}" type="slidenum">
-              <a:rPr lang="en-AU" smtClean="0"/>
-              <a:t>17</a:t>
-            </a:fld>
-            <a:endParaRPr lang="en-AU"/>
-          </a:p>
-        </p:txBody>
-      </p:sp>
-    </p:spTree>
-    <p:extLst>
-      <p:ext uri="{BB962C8B-B14F-4D97-AF65-F5344CB8AC3E}">
-        <p14:creationId xmlns:p14="http://schemas.microsoft.com/office/powerpoint/2010/main" val="3154308764"/>
-      </p:ext>
-    </p:extLst>
-  </p:cSld>
-  <p:clrMapOvr>
-    <a:masterClrMapping/>
-  </p:clrMapOvr>
-</p:notes>
-</file>
-
-<file path=ppt/notesSlides/notesSlide18.xml><?xml version="1.0" encoding="utf-8"?>
-<p:notes xmlns:a="http://schemas.openxmlformats.org/drawingml/2006/main" xmlns:r="http://schemas.openxmlformats.org/officeDocument/2006/relationships" xmlns:p="http://schemas.openxmlformats.org/presentationml/2006/main">
-  <p:cSld>
-    <p:spTree>
-      <p:nvGrpSpPr>
-        <p:cNvPr id="1" name=""/>
-        <p:cNvGrpSpPr/>
-        <p:nvPr/>
-      </p:nvGrpSpPr>
-      <p:grpSpPr>
-        <a:xfrm>
-          <a:off x="0" y="0"/>
-          <a:ext cx="0" cy="0"/>
-          <a:chOff x="0" y="0"/>
-          <a:chExt cx="0" cy="0"/>
-        </a:xfrm>
-      </p:grpSpPr>
-      <p:sp>
-        <p:nvSpPr>
-          <p:cNvPr id="2" name="Slide Image Placeholder 1"/>
-          <p:cNvSpPr>
-            <a:spLocks noGrp="1" noRot="1" noChangeAspect="1"/>
-          </p:cNvSpPr>
-          <p:nvPr>
-            <p:ph type="sldImg"/>
-          </p:nvPr>
-        </p:nvSpPr>
-        <p:spPr/>
-      </p:sp>
-      <p:sp>
-        <p:nvSpPr>
-          <p:cNvPr id="3" name="Notes Placeholder 2"/>
-          <p:cNvSpPr>
-            <a:spLocks noGrp="1"/>
-          </p:cNvSpPr>
-          <p:nvPr>
-            <p:ph type="body" idx="1"/>
-          </p:nvPr>
-        </p:nvSpPr>
-        <p:spPr/>
-        <p:txBody>
-          <a:bodyPr/>
-          <a:lstStyle/>
-          <a:p>
-            <a:endParaRPr lang="en-US" dirty="0"/>
-          </a:p>
-        </p:txBody>
-      </p:sp>
-      <p:sp>
-        <p:nvSpPr>
-          <p:cNvPr id="4" name="Slide Number Placeholder 3"/>
-          <p:cNvSpPr>
-            <a:spLocks noGrp="1"/>
-          </p:cNvSpPr>
-          <p:nvPr>
-            <p:ph type="sldNum" sz="quarter" idx="5"/>
-          </p:nvPr>
-        </p:nvSpPr>
-        <p:spPr/>
-        <p:txBody>
-          <a:bodyPr/>
-          <a:lstStyle/>
-          <a:p>
-            <a:fld id="{01420855-62A1-43EF-8815-D1313CE67D77}" type="slidenum">
-              <a:rPr lang="en-AU" smtClean="0"/>
-              <a:t>18</a:t>
-            </a:fld>
-            <a:endParaRPr lang="en-AU"/>
-          </a:p>
-        </p:txBody>
-      </p:sp>
-    </p:spTree>
-    <p:extLst>
-      <p:ext uri="{BB962C8B-B14F-4D97-AF65-F5344CB8AC3E}">
-        <p14:creationId xmlns:p14="http://schemas.microsoft.com/office/powerpoint/2010/main" val="3633396466"/>
-      </p:ext>
-    </p:extLst>
-  </p:cSld>
-  <p:clrMapOvr>
-    <a:masterClrMapping/>
-  </p:clrMapOvr>
-</p:notes>
-</file>
-
-<file path=ppt/notesSlides/notesSlide19.xml><?xml version="1.0" encoding="utf-8"?>
 <p:notes xmlns:a="http://schemas.openxmlformats.org/drawingml/2006/main" xmlns:r="http://schemas.openxmlformats.org/officeDocument/2006/relationships" xmlns:p="http://schemas.openxmlformats.org/presentationml/2006/main">
   <p:cSld>
     <p:spTree>
@@ -22854,7 +20250,7 @@
           <a:p>
             <a:fld id="{3960260C-8853-4159-8854-5A6834041865}" type="slidenum">
               <a:rPr lang="en-US" smtClean="0"/>
-              <a:t>19</a:t>
+              <a:t>15</a:t>
             </a:fld>
             <a:endParaRPr lang="en-US"/>
           </a:p>
@@ -22864,6 +20260,90 @@
     <p:extLst>
       <p:ext uri="{BB962C8B-B14F-4D97-AF65-F5344CB8AC3E}">
         <p14:creationId xmlns:p14="http://schemas.microsoft.com/office/powerpoint/2010/main" val="2268168259"/>
+      </p:ext>
+    </p:extLst>
+  </p:cSld>
+  <p:clrMapOvr>
+    <a:masterClrMapping/>
+  </p:clrMapOvr>
+</p:notes>
+</file>
+
+<file path=ppt/notesSlides/notesSlide16.xml><?xml version="1.0" encoding="utf-8"?>
+<p:notes xmlns:a="http://schemas.openxmlformats.org/drawingml/2006/main" xmlns:r="http://schemas.openxmlformats.org/officeDocument/2006/relationships" xmlns:p="http://schemas.openxmlformats.org/presentationml/2006/main">
+  <p:cSld>
+    <p:spTree>
+      <p:nvGrpSpPr>
+        <p:cNvPr id="1" name=""/>
+        <p:cNvGrpSpPr/>
+        <p:nvPr/>
+      </p:nvGrpSpPr>
+      <p:grpSpPr>
+        <a:xfrm>
+          <a:off x="0" y="0"/>
+          <a:ext cx="0" cy="0"/>
+          <a:chOff x="0" y="0"/>
+          <a:chExt cx="0" cy="0"/>
+        </a:xfrm>
+      </p:grpSpPr>
+      <p:sp>
+        <p:nvSpPr>
+          <p:cNvPr id="2" name="Slide Image Placeholder 1"/>
+          <p:cNvSpPr>
+            <a:spLocks noGrp="1" noRot="1" noChangeAspect="1"/>
+          </p:cNvSpPr>
+          <p:nvPr>
+            <p:ph type="sldImg"/>
+          </p:nvPr>
+        </p:nvSpPr>
+        <p:spPr/>
+      </p:sp>
+      <p:sp>
+        <p:nvSpPr>
+          <p:cNvPr id="3" name="Notes Placeholder 2"/>
+          <p:cNvSpPr>
+            <a:spLocks noGrp="1"/>
+          </p:cNvSpPr>
+          <p:nvPr>
+            <p:ph type="body" idx="1"/>
+          </p:nvPr>
+        </p:nvSpPr>
+        <p:spPr/>
+        <p:txBody>
+          <a:bodyPr/>
+          <a:lstStyle/>
+          <a:p>
+            <a:endParaRPr lang="en-AU" dirty="0"/>
+          </a:p>
+        </p:txBody>
+      </p:sp>
+      <p:sp>
+        <p:nvSpPr>
+          <p:cNvPr id="4" name="Slide Number Placeholder 3"/>
+          <p:cNvSpPr>
+            <a:spLocks noGrp="1"/>
+          </p:cNvSpPr>
+          <p:nvPr>
+            <p:ph type="sldNum" sz="quarter" idx="10"/>
+          </p:nvPr>
+        </p:nvSpPr>
+        <p:spPr/>
+        <p:txBody>
+          <a:bodyPr/>
+          <a:lstStyle/>
+          <a:p>
+            <a:fld id="{01420855-62A1-43EF-8815-D1313CE67D77}" type="slidenum">
+              <a:rPr lang="en-AU" smtClean="0"/>
+              <a:t>17</a:t>
+            </a:fld>
+            <a:endParaRPr lang="en-AU" dirty="0"/>
+          </a:p>
+        </p:txBody>
+      </p:sp>
+    </p:spTree>
+    <p:extLst>
+      <p:ext uri="{BB962C8B-B14F-4D97-AF65-F5344CB8AC3E}">
+        <p14:creationId xmlns:p14="http://schemas.microsoft.com/office/powerpoint/2010/main" val="1690349428"/>
       </p:ext>
     </p:extLst>
   </p:cSld>
@@ -23251,90 +20731,6 @@
 </p:notes>
 </file>
 
-<file path=ppt/notesSlides/notesSlide20.xml><?xml version="1.0" encoding="utf-8"?>
-<p:notes xmlns:a="http://schemas.openxmlformats.org/drawingml/2006/main" xmlns:r="http://schemas.openxmlformats.org/officeDocument/2006/relationships" xmlns:p="http://schemas.openxmlformats.org/presentationml/2006/main">
-  <p:cSld>
-    <p:spTree>
-      <p:nvGrpSpPr>
-        <p:cNvPr id="1" name=""/>
-        <p:cNvGrpSpPr/>
-        <p:nvPr/>
-      </p:nvGrpSpPr>
-      <p:grpSpPr>
-        <a:xfrm>
-          <a:off x="0" y="0"/>
-          <a:ext cx="0" cy="0"/>
-          <a:chOff x="0" y="0"/>
-          <a:chExt cx="0" cy="0"/>
-        </a:xfrm>
-      </p:grpSpPr>
-      <p:sp>
-        <p:nvSpPr>
-          <p:cNvPr id="2" name="Slide Image Placeholder 1"/>
-          <p:cNvSpPr>
-            <a:spLocks noGrp="1" noRot="1" noChangeAspect="1"/>
-          </p:cNvSpPr>
-          <p:nvPr>
-            <p:ph type="sldImg"/>
-          </p:nvPr>
-        </p:nvSpPr>
-        <p:spPr/>
-      </p:sp>
-      <p:sp>
-        <p:nvSpPr>
-          <p:cNvPr id="3" name="Notes Placeholder 2"/>
-          <p:cNvSpPr>
-            <a:spLocks noGrp="1"/>
-          </p:cNvSpPr>
-          <p:nvPr>
-            <p:ph type="body" idx="1"/>
-          </p:nvPr>
-        </p:nvSpPr>
-        <p:spPr/>
-        <p:txBody>
-          <a:bodyPr/>
-          <a:lstStyle/>
-          <a:p>
-            <a:endParaRPr lang="en-AU" dirty="0"/>
-          </a:p>
-        </p:txBody>
-      </p:sp>
-      <p:sp>
-        <p:nvSpPr>
-          <p:cNvPr id="4" name="Slide Number Placeholder 3"/>
-          <p:cNvSpPr>
-            <a:spLocks noGrp="1"/>
-          </p:cNvSpPr>
-          <p:nvPr>
-            <p:ph type="sldNum" sz="quarter" idx="10"/>
-          </p:nvPr>
-        </p:nvSpPr>
-        <p:spPr/>
-        <p:txBody>
-          <a:bodyPr/>
-          <a:lstStyle/>
-          <a:p>
-            <a:fld id="{01420855-62A1-43EF-8815-D1313CE67D77}" type="slidenum">
-              <a:rPr lang="en-AU" smtClean="0"/>
-              <a:t>21</a:t>
-            </a:fld>
-            <a:endParaRPr lang="en-AU" dirty="0"/>
-          </a:p>
-        </p:txBody>
-      </p:sp>
-    </p:spTree>
-    <p:extLst>
-      <p:ext uri="{BB962C8B-B14F-4D97-AF65-F5344CB8AC3E}">
-        <p14:creationId xmlns:p14="http://schemas.microsoft.com/office/powerpoint/2010/main" val="1690349428"/>
-      </p:ext>
-    </p:extLst>
-  </p:cSld>
-  <p:clrMapOvr>
-    <a:masterClrMapping/>
-  </p:clrMapOvr>
-</p:notes>
-</file>
-
 <file path=ppt/notesSlides/notesSlide3.xml><?xml version="1.0" encoding="utf-8"?>
 <p:notes xmlns:a="http://schemas.openxmlformats.org/drawingml/2006/main" xmlns:r="http://schemas.openxmlformats.org/officeDocument/2006/relationships" xmlns:p="http://schemas.openxmlformats.org/presentationml/2006/main">
   <p:cSld>
@@ -23379,6 +20775,35 @@
           <a:bodyPr/>
           <a:lstStyle/>
           <a:p>
+            <a:r>
+              <a:rPr lang="zh-CN" altLang="en-US" b="0" i="0" dirty="0">
+                <a:solidFill>
+                  <a:srgbClr val="FFFFFF"/>
+                </a:solidFill>
+                <a:effectLst/>
+                <a:latin typeface="-apple-system"/>
+              </a:rPr>
+              <a:t>观察者模式是一种行为模式，用于在对象之间建立一种一对多的依赖关系。</a:t>
+            </a:r>
+            <a:endParaRPr lang="en-US" altLang="zh-CN" b="0" i="0" dirty="0">
+              <a:solidFill>
+                <a:srgbClr val="FFFFFF"/>
+              </a:solidFill>
+              <a:effectLst/>
+              <a:latin typeface="-apple-system"/>
+            </a:endParaRPr>
+          </a:p>
+          <a:p>
+            <a:r>
+              <a:rPr lang="zh-CN" altLang="en-US" b="0" i="0" dirty="0">
+                <a:solidFill>
+                  <a:srgbClr val="FFFFFF"/>
+                </a:solidFill>
+                <a:effectLst/>
+                <a:latin typeface="-apple-system"/>
+              </a:rPr>
+              <a:t>当一个对象的状态发生变化时，它会自动通知其依赖对象，使得依赖对象能够自动更新自己</a:t>
+            </a:r>
             <a:endParaRPr lang="en-US" dirty="0"/>
           </a:p>
         </p:txBody>
@@ -23409,7 +20834,7 @@
     </p:spTree>
     <p:extLst>
       <p:ext uri="{BB962C8B-B14F-4D97-AF65-F5344CB8AC3E}">
-        <p14:creationId xmlns:p14="http://schemas.microsoft.com/office/powerpoint/2010/main" val="1391960314"/>
+        <p14:creationId xmlns:p14="http://schemas.microsoft.com/office/powerpoint/2010/main" val="2729223379"/>
       </p:ext>
     </p:extLst>
   </p:cSld>
@@ -23463,6 +20888,199 @@
           <a:bodyPr/>
           <a:lstStyle/>
           <a:p>
+            <a:pPr algn="l"/>
+            <a:r>
+              <a:rPr lang="zh-CN" altLang="en-US" b="0" i="0" dirty="0">
+                <a:solidFill>
+                  <a:srgbClr val="FFFFFF"/>
+                </a:solidFill>
+                <a:effectLst/>
+                <a:latin typeface="-apple-system"/>
+              </a:rPr>
+              <a:t>在这种模式中，存在两种类型的对象：主题（</a:t>
+            </a:r>
+            <a:r>
+              <a:rPr lang="en-US" altLang="zh-CN" b="0" i="0" dirty="0">
+                <a:solidFill>
+                  <a:srgbClr val="FFFFFF"/>
+                </a:solidFill>
+                <a:effectLst/>
+                <a:latin typeface="-apple-system"/>
+              </a:rPr>
+              <a:t>Subject</a:t>
+            </a:r>
+            <a:r>
+              <a:rPr lang="zh-CN" altLang="en-US" b="0" i="0" dirty="0">
+                <a:solidFill>
+                  <a:srgbClr val="FFFFFF"/>
+                </a:solidFill>
+                <a:effectLst/>
+                <a:latin typeface="-apple-system"/>
+              </a:rPr>
+              <a:t>）和观察者（</a:t>
+            </a:r>
+            <a:r>
+              <a:rPr lang="en-US" altLang="zh-CN" b="0" i="0" dirty="0">
+                <a:solidFill>
+                  <a:srgbClr val="FFFFFF"/>
+                </a:solidFill>
+                <a:effectLst/>
+                <a:latin typeface="-apple-system"/>
+              </a:rPr>
+              <a:t>Observer</a:t>
+            </a:r>
+            <a:r>
+              <a:rPr lang="zh-CN" altLang="en-US" b="0" i="0" dirty="0">
+                <a:solidFill>
+                  <a:srgbClr val="FFFFFF"/>
+                </a:solidFill>
+                <a:effectLst/>
+                <a:latin typeface="-apple-system"/>
+              </a:rPr>
+              <a:t>）</a:t>
+            </a:r>
+            <a:endParaRPr lang="en-US" altLang="zh-CN" b="0" i="0">
+              <a:solidFill>
+                <a:srgbClr val="FFFFFF"/>
+              </a:solidFill>
+              <a:effectLst/>
+              <a:latin typeface="-apple-system"/>
+            </a:endParaRPr>
+          </a:p>
+          <a:p>
+            <a:pPr algn="l"/>
+            <a:endParaRPr lang="zh-CN" altLang="en-US" b="0" i="0" dirty="0">
+              <a:solidFill>
+                <a:srgbClr val="FFFFFF"/>
+              </a:solidFill>
+              <a:effectLst/>
+              <a:latin typeface="-apple-system"/>
+            </a:endParaRPr>
+          </a:p>
+          <a:p>
+            <a:pPr algn="l"/>
+            <a:r>
+              <a:rPr lang="zh-CN" altLang="en-US" b="0" i="0" dirty="0">
+                <a:solidFill>
+                  <a:srgbClr val="FFFFFF"/>
+                </a:solidFill>
+                <a:effectLst/>
+                <a:latin typeface="-apple-system"/>
+              </a:rPr>
+              <a:t>主题（</a:t>
+            </a:r>
+            <a:r>
+              <a:rPr lang="en-US" altLang="zh-CN" b="0" i="0" dirty="0">
+                <a:solidFill>
+                  <a:srgbClr val="FFFFFF"/>
+                </a:solidFill>
+                <a:effectLst/>
+                <a:latin typeface="-apple-system"/>
+              </a:rPr>
+              <a:t>Subject</a:t>
+            </a:r>
+            <a:r>
+              <a:rPr lang="zh-CN" altLang="en-US" b="0" i="0" dirty="0">
+                <a:solidFill>
+                  <a:srgbClr val="FFFFFF"/>
+                </a:solidFill>
+                <a:effectLst/>
+                <a:latin typeface="-apple-system"/>
+              </a:rPr>
+              <a:t>）是被观察的对象，它维护着一个观察者列表，并提供了用于添加、删除和通知观察者的方法。</a:t>
+            </a:r>
+            <a:endParaRPr lang="en-US" altLang="zh-CN" b="0" i="0" dirty="0">
+              <a:solidFill>
+                <a:srgbClr val="FFFFFF"/>
+              </a:solidFill>
+              <a:effectLst/>
+              <a:latin typeface="-apple-system"/>
+            </a:endParaRPr>
+          </a:p>
+          <a:p>
+            <a:pPr algn="l"/>
+            <a:r>
+              <a:rPr lang="zh-CN" altLang="en-US" b="0" i="0" dirty="0">
+                <a:solidFill>
+                  <a:srgbClr val="FFFFFF"/>
+                </a:solidFill>
+                <a:effectLst/>
+                <a:latin typeface="-apple-system"/>
+              </a:rPr>
+              <a:t>当主题的状态发生变化时，它会遍历观察者列表，调用每个观察者的更新方法，以通知它们状态的改变。</a:t>
+            </a:r>
+            <a:endParaRPr lang="en-US" altLang="zh-CN" b="0" i="0" dirty="0">
+              <a:solidFill>
+                <a:srgbClr val="FFFFFF"/>
+              </a:solidFill>
+              <a:effectLst/>
+              <a:latin typeface="-apple-system"/>
+            </a:endParaRPr>
+          </a:p>
+          <a:p>
+            <a:pPr algn="l"/>
+            <a:endParaRPr lang="zh-CN" altLang="en-US" b="0" i="0" dirty="0">
+              <a:solidFill>
+                <a:srgbClr val="FFFFFF"/>
+              </a:solidFill>
+              <a:effectLst/>
+              <a:latin typeface="-apple-system"/>
+            </a:endParaRPr>
+          </a:p>
+          <a:p>
+            <a:pPr algn="l"/>
+            <a:r>
+              <a:rPr lang="zh-CN" altLang="en-US" b="0" i="0" dirty="0">
+                <a:solidFill>
+                  <a:srgbClr val="FFFFFF"/>
+                </a:solidFill>
+                <a:effectLst/>
+                <a:latin typeface="-apple-system"/>
+              </a:rPr>
+              <a:t>观察者（</a:t>
+            </a:r>
+            <a:r>
+              <a:rPr lang="en-US" altLang="zh-CN" b="0" i="0" dirty="0">
+                <a:solidFill>
+                  <a:srgbClr val="FFFFFF"/>
+                </a:solidFill>
+                <a:effectLst/>
+                <a:latin typeface="-apple-system"/>
+              </a:rPr>
+              <a:t>Observer</a:t>
+            </a:r>
+            <a:r>
+              <a:rPr lang="zh-CN" altLang="en-US" b="0" i="0" dirty="0">
+                <a:solidFill>
+                  <a:srgbClr val="FFFFFF"/>
+                </a:solidFill>
+                <a:effectLst/>
+                <a:latin typeface="-apple-system"/>
+              </a:rPr>
+              <a:t>）是依赖于主题的对象，它们通过注册到主题上来接收状态的变化通知。</a:t>
+            </a:r>
+            <a:endParaRPr lang="en-US" altLang="zh-CN" b="0" i="0" dirty="0">
+              <a:solidFill>
+                <a:srgbClr val="FFFFFF"/>
+              </a:solidFill>
+              <a:effectLst/>
+              <a:latin typeface="-apple-system"/>
+            </a:endParaRPr>
+          </a:p>
+          <a:p>
+            <a:pPr algn="l"/>
+            <a:r>
+              <a:rPr lang="zh-CN" altLang="en-US" b="0" i="0" dirty="0">
+                <a:solidFill>
+                  <a:srgbClr val="FFFFFF"/>
+                </a:solidFill>
+                <a:effectLst/>
+                <a:latin typeface="-apple-system"/>
+              </a:rPr>
+              <a:t>观察者必须实现一个更新方法，以便主题在状态改变时能够调用它们的更新方法。</a:t>
+            </a:r>
+          </a:p>
+          <a:p>
             <a:endParaRPr lang="en-US" dirty="0"/>
           </a:p>
         </p:txBody>
@@ -23493,7 +21111,7 @@
     </p:spTree>
     <p:extLst>
       <p:ext uri="{BB962C8B-B14F-4D97-AF65-F5344CB8AC3E}">
-        <p14:creationId xmlns:p14="http://schemas.microsoft.com/office/powerpoint/2010/main" val="1846127014"/>
+        <p14:creationId xmlns:p14="http://schemas.microsoft.com/office/powerpoint/2010/main" val="1859201970"/>
       </p:ext>
     </p:extLst>
   </p:cSld>
@@ -23577,7 +21195,7 @@
     </p:spTree>
     <p:extLst>
       <p:ext uri="{BB962C8B-B14F-4D97-AF65-F5344CB8AC3E}">
-        <p14:creationId xmlns:p14="http://schemas.microsoft.com/office/powerpoint/2010/main" val="2184113037"/>
+        <p14:creationId xmlns:p14="http://schemas.microsoft.com/office/powerpoint/2010/main" val="1913746585"/>
       </p:ext>
     </p:extLst>
   </p:cSld>
@@ -23661,7 +21279,7 @@
     </p:spTree>
     <p:extLst>
       <p:ext uri="{BB962C8B-B14F-4D97-AF65-F5344CB8AC3E}">
-        <p14:creationId xmlns:p14="http://schemas.microsoft.com/office/powerpoint/2010/main" val="1268699383"/>
+        <p14:creationId xmlns:p14="http://schemas.microsoft.com/office/powerpoint/2010/main" val="1566094746"/>
       </p:ext>
     </p:extLst>
   </p:cSld>
@@ -23745,7 +21363,7 @@
     </p:spTree>
     <p:extLst>
       <p:ext uri="{BB962C8B-B14F-4D97-AF65-F5344CB8AC3E}">
-        <p14:creationId xmlns:p14="http://schemas.microsoft.com/office/powerpoint/2010/main" val="1566094746"/>
+        <p14:creationId xmlns:p14="http://schemas.microsoft.com/office/powerpoint/2010/main" val="3007327655"/>
       </p:ext>
     </p:extLst>
   </p:cSld>
@@ -23829,7 +21447,7 @@
     </p:spTree>
     <p:extLst>
       <p:ext uri="{BB962C8B-B14F-4D97-AF65-F5344CB8AC3E}">
-        <p14:creationId xmlns:p14="http://schemas.microsoft.com/office/powerpoint/2010/main" val="3007327655"/>
+        <p14:creationId xmlns:p14="http://schemas.microsoft.com/office/powerpoint/2010/main" val="2417297133"/>
       </p:ext>
     </p:extLst>
   </p:cSld>
@@ -23913,7 +21531,7 @@
     </p:spTree>
     <p:extLst>
       <p:ext uri="{BB962C8B-B14F-4D97-AF65-F5344CB8AC3E}">
-        <p14:creationId xmlns:p14="http://schemas.microsoft.com/office/powerpoint/2010/main" val="2417297133"/>
+        <p14:creationId xmlns:p14="http://schemas.microsoft.com/office/powerpoint/2010/main" val="436957066"/>
       </p:ext>
     </p:extLst>
   </p:cSld>
@@ -26254,7 +23872,7 @@
           <a:p>
             <a:fld id="{822760BF-B81F-4B4F-BD54-723812BEFC93}" type="datetimeFigureOut">
               <a:rPr lang="en-US" smtClean="0"/>
-              <a:t>07-Aug-2023</a:t>
+              <a:t>23-Sep-2023</a:t>
             </a:fld>
             <a:endParaRPr lang="en-US"/>
           </a:p>
@@ -27184,7 +24802,7 @@
                 <a:ea typeface="+mn-ea"/>
                 <a:cs typeface="+mn-cs"/>
               </a:rPr>
-              <a:t>Observer</a:t>
+              <a:t>Iterator</a:t>
             </a:r>
             <a:br>
               <a:rPr lang="en-US" dirty="0"/>
@@ -27195,10 +24813,10 @@
       </p:sp>
       <p:pic>
         <p:nvPicPr>
-          <p:cNvPr id="4100" name="Picture 4" descr="Magazine and newspaper subscriptions">
+          <p:cNvPr id="1026" name="Picture 2" descr="Structure of the Iterator design pattern">
             <a:extLst>
               <a:ext uri="{FF2B5EF4-FFF2-40B4-BE49-F238E27FC236}">
-                <a16:creationId xmlns:a16="http://schemas.microsoft.com/office/drawing/2014/main" id="{20EB5A51-4E99-2E1E-FD97-5B2E01A8C9E8}"/>
+                <a16:creationId xmlns:a16="http://schemas.microsoft.com/office/drawing/2014/main" id="{0AEF86A3-A8BB-9C13-0590-702E1B309194}"/>
               </a:ext>
             </a:extLst>
           </p:cNvPr>
@@ -27222,8 +24840,8 @@
         </p:blipFill>
         <p:spPr bwMode="auto">
           <a:xfrm>
-            <a:off x="3551040" y="2717540"/>
-            <a:ext cx="15193688" cy="7596844"/>
+            <a:off x="10319792" y="1475999"/>
+            <a:ext cx="10206880" cy="9143663"/>
           </a:xfrm>
           <a:prstGeom prst="rect">
             <a:avLst/>
@@ -27240,10 +24858,32 @@
           </a:extLst>
         </p:spPr>
       </p:pic>
+      <p:graphicFrame>
+        <p:nvGraphicFramePr>
+          <p:cNvPr id="4" name="Diagram 3">
+            <a:extLst>
+              <a:ext uri="{FF2B5EF4-FFF2-40B4-BE49-F238E27FC236}">
+                <a16:creationId xmlns:a16="http://schemas.microsoft.com/office/drawing/2014/main" id="{B47080E8-0602-993C-35A2-C52214EE5B2A}"/>
+              </a:ext>
+            </a:extLst>
+          </p:cNvPr>
+          <p:cNvGraphicFramePr/>
+          <p:nvPr/>
+        </p:nvGraphicFramePr>
+        <p:xfrm>
+          <a:off x="1606824" y="3293604"/>
+          <a:ext cx="7098595" cy="4284476"/>
+        </p:xfrm>
+        <a:graphic>
+          <a:graphicData uri="http://schemas.openxmlformats.org/drawingml/2006/diagram">
+            <dgm:relIds xmlns:dgm="http://schemas.openxmlformats.org/drawingml/2006/diagram" xmlns:r="http://schemas.openxmlformats.org/officeDocument/2006/relationships" r:dm="rId4" r:lo="rId5" r:qs="rId6" r:cs="rId7"/>
+          </a:graphicData>
+        </a:graphic>
+      </p:graphicFrame>
     </p:spTree>
     <p:extLst>
       <p:ext uri="{BB962C8B-B14F-4D97-AF65-F5344CB8AC3E}">
-        <p14:creationId xmlns:p14="http://schemas.microsoft.com/office/powerpoint/2010/main" val="4131726329"/>
+        <p14:creationId xmlns:p14="http://schemas.microsoft.com/office/powerpoint/2010/main" val="1534296091"/>
       </p:ext>
     </p:extLst>
   </p:cSld>
@@ -27364,7 +25004,7 @@
                 <a:ea typeface="+mn-ea"/>
                 <a:cs typeface="+mn-cs"/>
               </a:rPr>
-              <a:t>Observer</a:t>
+              <a:t>Iterator</a:t>
             </a:r>
             <a:br>
               <a:rPr lang="en-US" dirty="0"/>
@@ -27373,79 +25013,40 @@
           </a:p>
         </p:txBody>
       </p:sp>
-      <p:graphicFrame>
-        <p:nvGraphicFramePr>
-          <p:cNvPr id="4" name="Diagram 3">
+      <p:pic>
+        <p:nvPicPr>
+          <p:cNvPr id="8" name="Picture 7">
             <a:extLst>
               <a:ext uri="{FF2B5EF4-FFF2-40B4-BE49-F238E27FC236}">
-                <a16:creationId xmlns:a16="http://schemas.microsoft.com/office/drawing/2014/main" id="{16CA8D02-B495-3920-41BD-4CAABD436EA7}"/>
-              </a:ext>
-            </a:extLst>
-          </p:cNvPr>
-          <p:cNvGraphicFramePr/>
-          <p:nvPr/>
-        </p:nvGraphicFramePr>
-        <p:xfrm>
-          <a:off x="1781037" y="3108887"/>
-          <a:ext cx="4896444" cy="4284476"/>
-        </p:xfrm>
-        <a:graphic>
-          <a:graphicData uri="http://schemas.openxmlformats.org/drawingml/2006/diagram">
-            <dgm:relIds xmlns:dgm="http://schemas.openxmlformats.org/drawingml/2006/diagram" xmlns:r="http://schemas.openxmlformats.org/officeDocument/2006/relationships" r:dm="rId3" r:lo="rId4" r:qs="rId5" r:cs="rId6"/>
-          </a:graphicData>
-        </a:graphic>
-      </p:graphicFrame>
-      <p:pic>
-        <p:nvPicPr>
-          <p:cNvPr id="4098" name="Picture 2" descr="Structure of the Observer design pattern">
-            <a:extLst>
-              <a:ext uri="{FF2B5EF4-FFF2-40B4-BE49-F238E27FC236}">
-                <a16:creationId xmlns:a16="http://schemas.microsoft.com/office/drawing/2014/main" id="{786866CF-F582-91CE-6715-E28DA1CED36A}"/>
+                <a16:creationId xmlns:a16="http://schemas.microsoft.com/office/drawing/2014/main" id="{6A4313A0-CFB9-5430-6BC7-B17683B17DD3}"/>
               </a:ext>
             </a:extLst>
           </p:cNvPr>
           <p:cNvPicPr>
-            <a:picLocks noChangeAspect="1" noChangeArrowheads="1"/>
+            <a:picLocks noChangeAspect="1"/>
           </p:cNvPicPr>
           <p:nvPr/>
         </p:nvPicPr>
         <p:blipFill>
-          <a:blip r:embed="rId8">
-            <a:extLst>
-              <a:ext uri="{28A0092B-C50C-407E-A947-70E740481C1C}">
-                <a14:useLocalDpi xmlns:a14="http://schemas.microsoft.com/office/drawing/2010/main" val="0"/>
-              </a:ext>
-            </a:extLst>
-          </a:blip>
-          <a:srcRect/>
+          <a:blip r:embed="rId3"/>
           <a:stretch>
             <a:fillRect/>
           </a:stretch>
         </p:blipFill>
-        <p:spPr bwMode="auto">
+        <p:spPr>
           <a:xfrm>
-            <a:off x="7871520" y="2609528"/>
-            <a:ext cx="15019475" cy="7632848"/>
+            <a:off x="3695056" y="1836944"/>
+            <a:ext cx="16129792" cy="9522851"/>
           </a:xfrm>
           <a:prstGeom prst="rect">
             <a:avLst/>
           </a:prstGeom>
-          <a:noFill/>
-          <a:extLst>
-            <a:ext uri="{909E8E84-426E-40DD-AFC4-6F175D3DCCD1}">
-              <a14:hiddenFill xmlns:a14="http://schemas.microsoft.com/office/drawing/2010/main">
-                <a:solidFill>
-                  <a:srgbClr val="FFFFFF"/>
-                </a:solidFill>
-              </a14:hiddenFill>
-            </a:ext>
-          </a:extLst>
         </p:spPr>
       </p:pic>
     </p:spTree>
     <p:extLst>
       <p:ext uri="{BB962C8B-B14F-4D97-AF65-F5344CB8AC3E}">
-        <p14:creationId xmlns:p14="http://schemas.microsoft.com/office/powerpoint/2010/main" val="382068623"/>
+        <p14:creationId xmlns:p14="http://schemas.microsoft.com/office/powerpoint/2010/main" val="2396239640"/>
       </p:ext>
     </p:extLst>
   </p:cSld>
@@ -27558,7 +25159,7 @@
           <a:p>
             <a:r>
               <a:rPr lang="en-US" b="1" dirty="0"/>
-              <a:t>3. </a:t>
+              <a:t>5. </a:t>
             </a:r>
             <a:r>
               <a:rPr lang="en-US" b="1" kern="1200" dirty="0">
@@ -27566,7 +25167,7 @@
                 <a:ea typeface="+mn-ea"/>
                 <a:cs typeface="+mn-cs"/>
               </a:rPr>
-              <a:t>Observer</a:t>
+              <a:t>Visitor</a:t>
             </a:r>
             <a:br>
               <a:rPr lang="en-US" dirty="0"/>
@@ -27577,38 +25178,55 @@
       </p:sp>
       <p:pic>
         <p:nvPicPr>
-          <p:cNvPr id="5" name="Picture 4">
+          <p:cNvPr id="3076" name="Picture 4" descr="Insurance agent">
             <a:extLst>
               <a:ext uri="{FF2B5EF4-FFF2-40B4-BE49-F238E27FC236}">
-                <a16:creationId xmlns:a16="http://schemas.microsoft.com/office/drawing/2014/main" id="{4AC3FD9B-EBE0-62EC-EAE0-C267C20F2286}"/>
+                <a16:creationId xmlns:a16="http://schemas.microsoft.com/office/drawing/2014/main" id="{703D5C34-F594-D2EF-2D01-5BDAADFAE550}"/>
               </a:ext>
             </a:extLst>
           </p:cNvPr>
           <p:cNvPicPr>
-            <a:picLocks noChangeAspect="1"/>
+            <a:picLocks noChangeAspect="1" noChangeArrowheads="1"/>
           </p:cNvPicPr>
           <p:nvPr/>
         </p:nvPicPr>
         <p:blipFill>
-          <a:blip r:embed="rId3"/>
+          <a:blip r:embed="rId3">
+            <a:extLst>
+              <a:ext uri="{28A0092B-C50C-407E-A947-70E740481C1C}">
+                <a14:useLocalDpi xmlns:a14="http://schemas.microsoft.com/office/drawing/2010/main" val="0"/>
+              </a:ext>
+            </a:extLst>
+          </a:blip>
+          <a:srcRect/>
           <a:stretch>
             <a:fillRect/>
           </a:stretch>
         </p:blipFill>
-        <p:spPr>
+        <p:spPr bwMode="auto">
           <a:xfrm>
-            <a:off x="3191000" y="2753544"/>
-            <a:ext cx="17773015" cy="6192688"/>
+            <a:off x="3583523" y="2681536"/>
+            <a:ext cx="15265696" cy="7632848"/>
           </a:xfrm>
           <a:prstGeom prst="rect">
             <a:avLst/>
           </a:prstGeom>
+          <a:noFill/>
+          <a:extLst>
+            <a:ext uri="{909E8E84-426E-40DD-AFC4-6F175D3DCCD1}">
+              <a14:hiddenFill xmlns:a14="http://schemas.microsoft.com/office/drawing/2010/main">
+                <a:solidFill>
+                  <a:srgbClr val="FFFFFF"/>
+                </a:solidFill>
+              </a14:hiddenFill>
+            </a:ext>
+          </a:extLst>
         </p:spPr>
       </p:pic>
     </p:spTree>
     <p:extLst>
       <p:ext uri="{BB962C8B-B14F-4D97-AF65-F5344CB8AC3E}">
-        <p14:creationId xmlns:p14="http://schemas.microsoft.com/office/powerpoint/2010/main" val="1493096502"/>
+        <p14:creationId xmlns:p14="http://schemas.microsoft.com/office/powerpoint/2010/main" val="2312788854"/>
       </p:ext>
     </p:extLst>
   </p:cSld>
@@ -27688,820 +25306,6 @@
               <a:rPr lang="en-AU" smtClean="0"/>
               <a:pPr/>
               <a:t>13</a:t>
-            </a:fld>
-            <a:endParaRPr lang="en-AU"/>
-          </a:p>
-        </p:txBody>
-      </p:sp>
-      <p:sp>
-        <p:nvSpPr>
-          <p:cNvPr id="13" name="Title 9">
-            <a:extLst>
-              <a:ext uri="{FF2B5EF4-FFF2-40B4-BE49-F238E27FC236}">
-                <a16:creationId xmlns:a16="http://schemas.microsoft.com/office/drawing/2014/main" id="{3BAEBDBD-7B50-9F58-BD3C-27FF4C445264}"/>
-              </a:ext>
-            </a:extLst>
-          </p:cNvPr>
-          <p:cNvSpPr>
-            <a:spLocks noGrp="1"/>
-          </p:cNvSpPr>
-          <p:nvPr>
-            <p:ph type="title"/>
-          </p:nvPr>
-        </p:nvSpPr>
-        <p:spPr>
-          <a:xfrm>
-            <a:off x="1080000" y="1125271"/>
-            <a:ext cx="22201232" cy="701456"/>
-          </a:xfrm>
-        </p:spPr>
-        <p:txBody>
-          <a:bodyPr/>
-          <a:lstStyle/>
-          <a:p>
-            <a:r>
-              <a:rPr lang="en-US" b="1" dirty="0"/>
-              <a:t>4. </a:t>
-            </a:r>
-            <a:r>
-              <a:rPr lang="en-US" b="1" kern="1200" dirty="0">
-                <a:latin typeface="Calibri" panose="020F0502020204030204"/>
-                <a:ea typeface="+mn-ea"/>
-                <a:cs typeface="+mn-cs"/>
-              </a:rPr>
-              <a:t>Iterator</a:t>
-            </a:r>
-            <a:br>
-              <a:rPr lang="en-US" dirty="0"/>
-            </a:br>
-            <a:endParaRPr lang="en-US" dirty="0"/>
-          </a:p>
-        </p:txBody>
-      </p:sp>
-      <p:pic>
-        <p:nvPicPr>
-          <p:cNvPr id="1030" name="Picture 6" descr="各种类型的收藏">
-            <a:extLst>
-              <a:ext uri="{FF2B5EF4-FFF2-40B4-BE49-F238E27FC236}">
-                <a16:creationId xmlns:a16="http://schemas.microsoft.com/office/drawing/2014/main" id="{5FE7F1D1-D57A-8D02-30F2-E2B4982C08AE}"/>
-              </a:ext>
-            </a:extLst>
-          </p:cNvPr>
-          <p:cNvPicPr>
-            <a:picLocks noChangeAspect="1" noChangeArrowheads="1"/>
-          </p:cNvPicPr>
-          <p:nvPr/>
-        </p:nvPicPr>
-        <p:blipFill>
-          <a:blip r:embed="rId3">
-            <a:extLst>
-              <a:ext uri="{28A0092B-C50C-407E-A947-70E740481C1C}">
-                <a14:useLocalDpi xmlns:a14="http://schemas.microsoft.com/office/drawing/2010/main" val="0"/>
-              </a:ext>
-            </a:extLst>
-          </a:blip>
-          <a:srcRect/>
-          <a:stretch>
-            <a:fillRect/>
-          </a:stretch>
-        </p:blipFill>
-        <p:spPr bwMode="auto">
-          <a:xfrm>
-            <a:off x="3767064" y="2602895"/>
-            <a:ext cx="15035836" cy="3068538"/>
-          </a:xfrm>
-          <a:prstGeom prst="rect">
-            <a:avLst/>
-          </a:prstGeom>
-          <a:noFill/>
-          <a:extLst>
-            <a:ext uri="{909E8E84-426E-40DD-AFC4-6F175D3DCCD1}">
-              <a14:hiddenFill xmlns:a14="http://schemas.microsoft.com/office/drawing/2010/main">
-                <a:solidFill>
-                  <a:srgbClr val="FFFFFF"/>
-                </a:solidFill>
-              </a14:hiddenFill>
-            </a:ext>
-          </a:extLst>
-        </p:spPr>
-      </p:pic>
-      <p:pic>
-        <p:nvPicPr>
-          <p:cNvPr id="1032" name="Picture 8" descr="各种遍历算法">
-            <a:extLst>
-              <a:ext uri="{FF2B5EF4-FFF2-40B4-BE49-F238E27FC236}">
-                <a16:creationId xmlns:a16="http://schemas.microsoft.com/office/drawing/2014/main" id="{FA13AA82-585F-CAF8-983E-890D794FB78F}"/>
-              </a:ext>
-            </a:extLst>
-          </p:cNvPr>
-          <p:cNvPicPr>
-            <a:picLocks noChangeAspect="1" noChangeArrowheads="1"/>
-          </p:cNvPicPr>
-          <p:nvPr/>
-        </p:nvPicPr>
-        <p:blipFill>
-          <a:blip r:embed="rId4">
-            <a:extLst>
-              <a:ext uri="{28A0092B-C50C-407E-A947-70E740481C1C}">
-                <a14:useLocalDpi xmlns:a14="http://schemas.microsoft.com/office/drawing/2010/main" val="0"/>
-              </a:ext>
-            </a:extLst>
-          </a:blip>
-          <a:srcRect/>
-          <a:stretch>
-            <a:fillRect/>
-          </a:stretch>
-        </p:blipFill>
-        <p:spPr bwMode="auto">
-          <a:xfrm>
-            <a:off x="3944701" y="5993904"/>
-            <a:ext cx="16471830" cy="4392488"/>
-          </a:xfrm>
-          <a:prstGeom prst="rect">
-            <a:avLst/>
-          </a:prstGeom>
-          <a:noFill/>
-          <a:extLst>
-            <a:ext uri="{909E8E84-426E-40DD-AFC4-6F175D3DCCD1}">
-              <a14:hiddenFill xmlns:a14="http://schemas.microsoft.com/office/drawing/2010/main">
-                <a:solidFill>
-                  <a:srgbClr val="FFFFFF"/>
-                </a:solidFill>
-              </a14:hiddenFill>
-            </a:ext>
-          </a:extLst>
-        </p:spPr>
-      </p:pic>
-      <p:sp>
-        <p:nvSpPr>
-          <p:cNvPr id="6" name="TextBox 5">
-            <a:extLst>
-              <a:ext uri="{FF2B5EF4-FFF2-40B4-BE49-F238E27FC236}">
-                <a16:creationId xmlns:a16="http://schemas.microsoft.com/office/drawing/2014/main" id="{29B3E2C0-6587-B64D-B030-79A3B120D83D}"/>
-              </a:ext>
-            </a:extLst>
-          </p:cNvPr>
-          <p:cNvSpPr txBox="1"/>
-          <p:nvPr/>
-        </p:nvSpPr>
-        <p:spPr>
-          <a:xfrm>
-            <a:off x="4271120" y="10962456"/>
-            <a:ext cx="16471830" cy="830997"/>
-          </a:xfrm>
-          <a:prstGeom prst="rect">
-            <a:avLst/>
-          </a:prstGeom>
-          <a:noFill/>
-        </p:spPr>
-        <p:txBody>
-          <a:bodyPr wrap="square">
-            <a:spAutoFit/>
-          </a:bodyPr>
-          <a:lstStyle/>
-          <a:p>
-            <a:r>
-              <a:rPr lang="en-US" b="0" i="1" dirty="0">
-                <a:solidFill>
-                  <a:srgbClr val="999999"/>
-                </a:solidFill>
-                <a:effectLst/>
-                <a:latin typeface="PT Sans" panose="020B0503020203020204" pitchFamily="34" charset="0"/>
-              </a:rPr>
-              <a:t>The same collection can be traversed in several different ways.</a:t>
-            </a:r>
-            <a:endParaRPr lang="en-US" dirty="0"/>
-          </a:p>
-        </p:txBody>
-      </p:sp>
-    </p:spTree>
-    <p:extLst>
-      <p:ext uri="{BB962C8B-B14F-4D97-AF65-F5344CB8AC3E}">
-        <p14:creationId xmlns:p14="http://schemas.microsoft.com/office/powerpoint/2010/main" val="3735070334"/>
-      </p:ext>
-    </p:extLst>
-  </p:cSld>
-  <p:clrMapOvr>
-    <a:masterClrMapping/>
-  </p:clrMapOvr>
-</p:sld>
-</file>
-
-<file path=ppt/slides/slide14.xml><?xml version="1.0" encoding="utf-8"?>
-<p:sld xmlns:a="http://schemas.openxmlformats.org/drawingml/2006/main" xmlns:r="http://schemas.openxmlformats.org/officeDocument/2006/relationships" xmlns:p="http://schemas.openxmlformats.org/presentationml/2006/main">
-  <p:cSld>
-    <p:spTree>
-      <p:nvGrpSpPr>
-        <p:cNvPr id="1" name=""/>
-        <p:cNvGrpSpPr/>
-        <p:nvPr/>
-      </p:nvGrpSpPr>
-      <p:grpSpPr>
-        <a:xfrm>
-          <a:off x="0" y="0"/>
-          <a:ext cx="0" cy="0"/>
-          <a:chOff x="0" y="0"/>
-          <a:chExt cx="0" cy="0"/>
-        </a:xfrm>
-      </p:grpSpPr>
-      <p:sp>
-        <p:nvSpPr>
-          <p:cNvPr id="2" name="Footer Placeholder 1">
-            <a:extLst>
-              <a:ext uri="{FF2B5EF4-FFF2-40B4-BE49-F238E27FC236}">
-                <a16:creationId xmlns:a16="http://schemas.microsoft.com/office/drawing/2014/main" id="{22DA5C28-F0FD-47D6-8E92-1C9E6EA87F96}"/>
-              </a:ext>
-            </a:extLst>
-          </p:cNvPr>
-          <p:cNvSpPr>
-            <a:spLocks noGrp="1"/>
-          </p:cNvSpPr>
-          <p:nvPr>
-            <p:ph type="ftr" sz="quarter" idx="3"/>
-          </p:nvPr>
-        </p:nvSpPr>
-        <p:spPr/>
-        <p:txBody>
-          <a:bodyPr/>
-          <a:lstStyle/>
-          <a:p>
-            <a:r>
-              <a:rPr lang="en-AU" dirty="0"/>
-              <a:t>© 2023 CargoWise</a:t>
-            </a:r>
-          </a:p>
-        </p:txBody>
-      </p:sp>
-      <p:sp>
-        <p:nvSpPr>
-          <p:cNvPr id="3" name="Slide Number Placeholder 2">
-            <a:extLst>
-              <a:ext uri="{FF2B5EF4-FFF2-40B4-BE49-F238E27FC236}">
-                <a16:creationId xmlns:a16="http://schemas.microsoft.com/office/drawing/2014/main" id="{15B20483-DDDA-4E06-872B-F88C31FDBA35}"/>
-              </a:ext>
-            </a:extLst>
-          </p:cNvPr>
-          <p:cNvSpPr>
-            <a:spLocks noGrp="1"/>
-          </p:cNvSpPr>
-          <p:nvPr>
-            <p:ph type="sldNum" sz="quarter" idx="4"/>
-          </p:nvPr>
-        </p:nvSpPr>
-        <p:spPr/>
-        <p:txBody>
-          <a:bodyPr/>
-          <a:lstStyle/>
-          <a:p>
-            <a:fld id="{67E7CB4E-0848-4774-9F85-B38117CB1B54}" type="slidenum">
-              <a:rPr lang="en-AU" smtClean="0"/>
-              <a:pPr/>
-              <a:t>14</a:t>
-            </a:fld>
-            <a:endParaRPr lang="en-AU"/>
-          </a:p>
-        </p:txBody>
-      </p:sp>
-      <p:sp>
-        <p:nvSpPr>
-          <p:cNvPr id="13" name="Title 9">
-            <a:extLst>
-              <a:ext uri="{FF2B5EF4-FFF2-40B4-BE49-F238E27FC236}">
-                <a16:creationId xmlns:a16="http://schemas.microsoft.com/office/drawing/2014/main" id="{3BAEBDBD-7B50-9F58-BD3C-27FF4C445264}"/>
-              </a:ext>
-            </a:extLst>
-          </p:cNvPr>
-          <p:cNvSpPr>
-            <a:spLocks noGrp="1"/>
-          </p:cNvSpPr>
-          <p:nvPr>
-            <p:ph type="title"/>
-          </p:nvPr>
-        </p:nvSpPr>
-        <p:spPr>
-          <a:xfrm>
-            <a:off x="1080000" y="1125271"/>
-            <a:ext cx="22201232" cy="701456"/>
-          </a:xfrm>
-        </p:spPr>
-        <p:txBody>
-          <a:bodyPr/>
-          <a:lstStyle/>
-          <a:p>
-            <a:r>
-              <a:rPr lang="en-US" b="1" dirty="0"/>
-              <a:t>4. </a:t>
-            </a:r>
-            <a:r>
-              <a:rPr lang="en-US" b="1" kern="1200" dirty="0">
-                <a:latin typeface="Calibri" panose="020F0502020204030204"/>
-                <a:ea typeface="+mn-ea"/>
-                <a:cs typeface="+mn-cs"/>
-              </a:rPr>
-              <a:t>Iterator</a:t>
-            </a:r>
-            <a:br>
-              <a:rPr lang="en-US" dirty="0"/>
-            </a:br>
-            <a:endParaRPr lang="en-US" dirty="0"/>
-          </a:p>
-        </p:txBody>
-      </p:sp>
-      <p:pic>
-        <p:nvPicPr>
-          <p:cNvPr id="1026" name="Picture 2" descr="Structure of the Iterator design pattern">
-            <a:extLst>
-              <a:ext uri="{FF2B5EF4-FFF2-40B4-BE49-F238E27FC236}">
-                <a16:creationId xmlns:a16="http://schemas.microsoft.com/office/drawing/2014/main" id="{0AEF86A3-A8BB-9C13-0590-702E1B309194}"/>
-              </a:ext>
-            </a:extLst>
-          </p:cNvPr>
-          <p:cNvPicPr>
-            <a:picLocks noChangeAspect="1" noChangeArrowheads="1"/>
-          </p:cNvPicPr>
-          <p:nvPr/>
-        </p:nvPicPr>
-        <p:blipFill>
-          <a:blip r:embed="rId3">
-            <a:extLst>
-              <a:ext uri="{28A0092B-C50C-407E-A947-70E740481C1C}">
-                <a14:useLocalDpi xmlns:a14="http://schemas.microsoft.com/office/drawing/2010/main" val="0"/>
-              </a:ext>
-            </a:extLst>
-          </a:blip>
-          <a:srcRect/>
-          <a:stretch>
-            <a:fillRect/>
-          </a:stretch>
-        </p:blipFill>
-        <p:spPr bwMode="auto">
-          <a:xfrm>
-            <a:off x="10319792" y="1475999"/>
-            <a:ext cx="10206880" cy="9143663"/>
-          </a:xfrm>
-          <a:prstGeom prst="rect">
-            <a:avLst/>
-          </a:prstGeom>
-          <a:noFill/>
-          <a:extLst>
-            <a:ext uri="{909E8E84-426E-40DD-AFC4-6F175D3DCCD1}">
-              <a14:hiddenFill xmlns:a14="http://schemas.microsoft.com/office/drawing/2010/main">
-                <a:solidFill>
-                  <a:srgbClr val="FFFFFF"/>
-                </a:solidFill>
-              </a14:hiddenFill>
-            </a:ext>
-          </a:extLst>
-        </p:spPr>
-      </p:pic>
-      <p:graphicFrame>
-        <p:nvGraphicFramePr>
-          <p:cNvPr id="4" name="Diagram 3">
-            <a:extLst>
-              <a:ext uri="{FF2B5EF4-FFF2-40B4-BE49-F238E27FC236}">
-                <a16:creationId xmlns:a16="http://schemas.microsoft.com/office/drawing/2014/main" id="{B47080E8-0602-993C-35A2-C52214EE5B2A}"/>
-              </a:ext>
-            </a:extLst>
-          </p:cNvPr>
-          <p:cNvGraphicFramePr/>
-          <p:nvPr/>
-        </p:nvGraphicFramePr>
-        <p:xfrm>
-          <a:off x="1606824" y="3293604"/>
-          <a:ext cx="7098595" cy="4284476"/>
-        </p:xfrm>
-        <a:graphic>
-          <a:graphicData uri="http://schemas.openxmlformats.org/drawingml/2006/diagram">
-            <dgm:relIds xmlns:dgm="http://schemas.openxmlformats.org/drawingml/2006/diagram" xmlns:r="http://schemas.openxmlformats.org/officeDocument/2006/relationships" r:dm="rId4" r:lo="rId5" r:qs="rId6" r:cs="rId7"/>
-          </a:graphicData>
-        </a:graphic>
-      </p:graphicFrame>
-    </p:spTree>
-    <p:extLst>
-      <p:ext uri="{BB962C8B-B14F-4D97-AF65-F5344CB8AC3E}">
-        <p14:creationId xmlns:p14="http://schemas.microsoft.com/office/powerpoint/2010/main" val="1534296091"/>
-      </p:ext>
-    </p:extLst>
-  </p:cSld>
-  <p:clrMapOvr>
-    <a:masterClrMapping/>
-  </p:clrMapOvr>
-</p:sld>
-</file>
-
-<file path=ppt/slides/slide15.xml><?xml version="1.0" encoding="utf-8"?>
-<p:sld xmlns:a="http://schemas.openxmlformats.org/drawingml/2006/main" xmlns:r="http://schemas.openxmlformats.org/officeDocument/2006/relationships" xmlns:p="http://schemas.openxmlformats.org/presentationml/2006/main">
-  <p:cSld>
-    <p:spTree>
-      <p:nvGrpSpPr>
-        <p:cNvPr id="1" name=""/>
-        <p:cNvGrpSpPr/>
-        <p:nvPr/>
-      </p:nvGrpSpPr>
-      <p:grpSpPr>
-        <a:xfrm>
-          <a:off x="0" y="0"/>
-          <a:ext cx="0" cy="0"/>
-          <a:chOff x="0" y="0"/>
-          <a:chExt cx="0" cy="0"/>
-        </a:xfrm>
-      </p:grpSpPr>
-      <p:sp>
-        <p:nvSpPr>
-          <p:cNvPr id="2" name="Footer Placeholder 1">
-            <a:extLst>
-              <a:ext uri="{FF2B5EF4-FFF2-40B4-BE49-F238E27FC236}">
-                <a16:creationId xmlns:a16="http://schemas.microsoft.com/office/drawing/2014/main" id="{22DA5C28-F0FD-47D6-8E92-1C9E6EA87F96}"/>
-              </a:ext>
-            </a:extLst>
-          </p:cNvPr>
-          <p:cNvSpPr>
-            <a:spLocks noGrp="1"/>
-          </p:cNvSpPr>
-          <p:nvPr>
-            <p:ph type="ftr" sz="quarter" idx="3"/>
-          </p:nvPr>
-        </p:nvSpPr>
-        <p:spPr/>
-        <p:txBody>
-          <a:bodyPr/>
-          <a:lstStyle/>
-          <a:p>
-            <a:r>
-              <a:rPr lang="en-AU" dirty="0"/>
-              <a:t>© 2023 CargoWise</a:t>
-            </a:r>
-          </a:p>
-        </p:txBody>
-      </p:sp>
-      <p:sp>
-        <p:nvSpPr>
-          <p:cNvPr id="3" name="Slide Number Placeholder 2">
-            <a:extLst>
-              <a:ext uri="{FF2B5EF4-FFF2-40B4-BE49-F238E27FC236}">
-                <a16:creationId xmlns:a16="http://schemas.microsoft.com/office/drawing/2014/main" id="{15B20483-DDDA-4E06-872B-F88C31FDBA35}"/>
-              </a:ext>
-            </a:extLst>
-          </p:cNvPr>
-          <p:cNvSpPr>
-            <a:spLocks noGrp="1"/>
-          </p:cNvSpPr>
-          <p:nvPr>
-            <p:ph type="sldNum" sz="quarter" idx="4"/>
-          </p:nvPr>
-        </p:nvSpPr>
-        <p:spPr/>
-        <p:txBody>
-          <a:bodyPr/>
-          <a:lstStyle/>
-          <a:p>
-            <a:fld id="{67E7CB4E-0848-4774-9F85-B38117CB1B54}" type="slidenum">
-              <a:rPr lang="en-AU" smtClean="0"/>
-              <a:pPr/>
-              <a:t>15</a:t>
-            </a:fld>
-            <a:endParaRPr lang="en-AU"/>
-          </a:p>
-        </p:txBody>
-      </p:sp>
-      <p:sp>
-        <p:nvSpPr>
-          <p:cNvPr id="13" name="Title 9">
-            <a:extLst>
-              <a:ext uri="{FF2B5EF4-FFF2-40B4-BE49-F238E27FC236}">
-                <a16:creationId xmlns:a16="http://schemas.microsoft.com/office/drawing/2014/main" id="{3BAEBDBD-7B50-9F58-BD3C-27FF4C445264}"/>
-              </a:ext>
-            </a:extLst>
-          </p:cNvPr>
-          <p:cNvSpPr>
-            <a:spLocks noGrp="1"/>
-          </p:cNvSpPr>
-          <p:nvPr>
-            <p:ph type="title"/>
-          </p:nvPr>
-        </p:nvSpPr>
-        <p:spPr>
-          <a:xfrm>
-            <a:off x="1080000" y="1125271"/>
-            <a:ext cx="22201232" cy="701456"/>
-          </a:xfrm>
-        </p:spPr>
-        <p:txBody>
-          <a:bodyPr/>
-          <a:lstStyle/>
-          <a:p>
-            <a:r>
-              <a:rPr lang="en-US" b="1" dirty="0"/>
-              <a:t>4. </a:t>
-            </a:r>
-            <a:r>
-              <a:rPr lang="en-US" b="1" kern="1200" dirty="0">
-                <a:latin typeface="Calibri" panose="020F0502020204030204"/>
-                <a:ea typeface="+mn-ea"/>
-                <a:cs typeface="+mn-cs"/>
-              </a:rPr>
-              <a:t>Iterator</a:t>
-            </a:r>
-            <a:br>
-              <a:rPr lang="en-US" dirty="0"/>
-            </a:br>
-            <a:endParaRPr lang="en-US" dirty="0"/>
-          </a:p>
-        </p:txBody>
-      </p:sp>
-      <p:pic>
-        <p:nvPicPr>
-          <p:cNvPr id="8" name="Picture 7">
-            <a:extLst>
-              <a:ext uri="{FF2B5EF4-FFF2-40B4-BE49-F238E27FC236}">
-                <a16:creationId xmlns:a16="http://schemas.microsoft.com/office/drawing/2014/main" id="{6A4313A0-CFB9-5430-6BC7-B17683B17DD3}"/>
-              </a:ext>
-            </a:extLst>
-          </p:cNvPr>
-          <p:cNvPicPr>
-            <a:picLocks noChangeAspect="1"/>
-          </p:cNvPicPr>
-          <p:nvPr/>
-        </p:nvPicPr>
-        <p:blipFill>
-          <a:blip r:embed="rId3"/>
-          <a:stretch>
-            <a:fillRect/>
-          </a:stretch>
-        </p:blipFill>
-        <p:spPr>
-          <a:xfrm>
-            <a:off x="3695056" y="1836944"/>
-            <a:ext cx="16129792" cy="9522851"/>
-          </a:xfrm>
-          <a:prstGeom prst="rect">
-            <a:avLst/>
-          </a:prstGeom>
-        </p:spPr>
-      </p:pic>
-    </p:spTree>
-    <p:extLst>
-      <p:ext uri="{BB962C8B-B14F-4D97-AF65-F5344CB8AC3E}">
-        <p14:creationId xmlns:p14="http://schemas.microsoft.com/office/powerpoint/2010/main" val="2396239640"/>
-      </p:ext>
-    </p:extLst>
-  </p:cSld>
-  <p:clrMapOvr>
-    <a:masterClrMapping/>
-  </p:clrMapOvr>
-</p:sld>
-</file>
-
-<file path=ppt/slides/slide16.xml><?xml version="1.0" encoding="utf-8"?>
-<p:sld xmlns:a="http://schemas.openxmlformats.org/drawingml/2006/main" xmlns:r="http://schemas.openxmlformats.org/officeDocument/2006/relationships" xmlns:p="http://schemas.openxmlformats.org/presentationml/2006/main">
-  <p:cSld>
-    <p:spTree>
-      <p:nvGrpSpPr>
-        <p:cNvPr id="1" name=""/>
-        <p:cNvGrpSpPr/>
-        <p:nvPr/>
-      </p:nvGrpSpPr>
-      <p:grpSpPr>
-        <a:xfrm>
-          <a:off x="0" y="0"/>
-          <a:ext cx="0" cy="0"/>
-          <a:chOff x="0" y="0"/>
-          <a:chExt cx="0" cy="0"/>
-        </a:xfrm>
-      </p:grpSpPr>
-      <p:sp>
-        <p:nvSpPr>
-          <p:cNvPr id="2" name="Footer Placeholder 1">
-            <a:extLst>
-              <a:ext uri="{FF2B5EF4-FFF2-40B4-BE49-F238E27FC236}">
-                <a16:creationId xmlns:a16="http://schemas.microsoft.com/office/drawing/2014/main" id="{22DA5C28-F0FD-47D6-8E92-1C9E6EA87F96}"/>
-              </a:ext>
-            </a:extLst>
-          </p:cNvPr>
-          <p:cNvSpPr>
-            <a:spLocks noGrp="1"/>
-          </p:cNvSpPr>
-          <p:nvPr>
-            <p:ph type="ftr" sz="quarter" idx="3"/>
-          </p:nvPr>
-        </p:nvSpPr>
-        <p:spPr/>
-        <p:txBody>
-          <a:bodyPr/>
-          <a:lstStyle/>
-          <a:p>
-            <a:r>
-              <a:rPr lang="en-AU" dirty="0"/>
-              <a:t>© 2023 CargoWise</a:t>
-            </a:r>
-          </a:p>
-        </p:txBody>
-      </p:sp>
-      <p:sp>
-        <p:nvSpPr>
-          <p:cNvPr id="3" name="Slide Number Placeholder 2">
-            <a:extLst>
-              <a:ext uri="{FF2B5EF4-FFF2-40B4-BE49-F238E27FC236}">
-                <a16:creationId xmlns:a16="http://schemas.microsoft.com/office/drawing/2014/main" id="{15B20483-DDDA-4E06-872B-F88C31FDBA35}"/>
-              </a:ext>
-            </a:extLst>
-          </p:cNvPr>
-          <p:cNvSpPr>
-            <a:spLocks noGrp="1"/>
-          </p:cNvSpPr>
-          <p:nvPr>
-            <p:ph type="sldNum" sz="quarter" idx="4"/>
-          </p:nvPr>
-        </p:nvSpPr>
-        <p:spPr/>
-        <p:txBody>
-          <a:bodyPr/>
-          <a:lstStyle/>
-          <a:p>
-            <a:fld id="{67E7CB4E-0848-4774-9F85-B38117CB1B54}" type="slidenum">
-              <a:rPr lang="en-AU" smtClean="0"/>
-              <a:pPr/>
-              <a:t>16</a:t>
-            </a:fld>
-            <a:endParaRPr lang="en-AU"/>
-          </a:p>
-        </p:txBody>
-      </p:sp>
-      <p:sp>
-        <p:nvSpPr>
-          <p:cNvPr id="13" name="Title 9">
-            <a:extLst>
-              <a:ext uri="{FF2B5EF4-FFF2-40B4-BE49-F238E27FC236}">
-                <a16:creationId xmlns:a16="http://schemas.microsoft.com/office/drawing/2014/main" id="{3BAEBDBD-7B50-9F58-BD3C-27FF4C445264}"/>
-              </a:ext>
-            </a:extLst>
-          </p:cNvPr>
-          <p:cNvSpPr>
-            <a:spLocks noGrp="1"/>
-          </p:cNvSpPr>
-          <p:nvPr>
-            <p:ph type="title"/>
-          </p:nvPr>
-        </p:nvSpPr>
-        <p:spPr>
-          <a:xfrm>
-            <a:off x="1080000" y="1125271"/>
-            <a:ext cx="22201232" cy="701456"/>
-          </a:xfrm>
-        </p:spPr>
-        <p:txBody>
-          <a:bodyPr/>
-          <a:lstStyle/>
-          <a:p>
-            <a:r>
-              <a:rPr lang="en-US" b="1" dirty="0"/>
-              <a:t>5. </a:t>
-            </a:r>
-            <a:r>
-              <a:rPr lang="en-US" b="1" kern="1200" dirty="0">
-                <a:latin typeface="Calibri" panose="020F0502020204030204"/>
-                <a:ea typeface="+mn-ea"/>
-                <a:cs typeface="+mn-cs"/>
-              </a:rPr>
-              <a:t>Visitor</a:t>
-            </a:r>
-            <a:br>
-              <a:rPr lang="en-US" dirty="0"/>
-            </a:br>
-            <a:endParaRPr lang="en-US" dirty="0"/>
-          </a:p>
-        </p:txBody>
-      </p:sp>
-      <p:pic>
-        <p:nvPicPr>
-          <p:cNvPr id="3076" name="Picture 4" descr="Insurance agent">
-            <a:extLst>
-              <a:ext uri="{FF2B5EF4-FFF2-40B4-BE49-F238E27FC236}">
-                <a16:creationId xmlns:a16="http://schemas.microsoft.com/office/drawing/2014/main" id="{703D5C34-F594-D2EF-2D01-5BDAADFAE550}"/>
-              </a:ext>
-            </a:extLst>
-          </p:cNvPr>
-          <p:cNvPicPr>
-            <a:picLocks noChangeAspect="1" noChangeArrowheads="1"/>
-          </p:cNvPicPr>
-          <p:nvPr/>
-        </p:nvPicPr>
-        <p:blipFill>
-          <a:blip r:embed="rId3">
-            <a:extLst>
-              <a:ext uri="{28A0092B-C50C-407E-A947-70E740481C1C}">
-                <a14:useLocalDpi xmlns:a14="http://schemas.microsoft.com/office/drawing/2010/main" val="0"/>
-              </a:ext>
-            </a:extLst>
-          </a:blip>
-          <a:srcRect/>
-          <a:stretch>
-            <a:fillRect/>
-          </a:stretch>
-        </p:blipFill>
-        <p:spPr bwMode="auto">
-          <a:xfrm>
-            <a:off x="3583523" y="2681536"/>
-            <a:ext cx="15265696" cy="7632848"/>
-          </a:xfrm>
-          <a:prstGeom prst="rect">
-            <a:avLst/>
-          </a:prstGeom>
-          <a:noFill/>
-          <a:extLst>
-            <a:ext uri="{909E8E84-426E-40DD-AFC4-6F175D3DCCD1}">
-              <a14:hiddenFill xmlns:a14="http://schemas.microsoft.com/office/drawing/2010/main">
-                <a:solidFill>
-                  <a:srgbClr val="FFFFFF"/>
-                </a:solidFill>
-              </a14:hiddenFill>
-            </a:ext>
-          </a:extLst>
-        </p:spPr>
-      </p:pic>
-    </p:spTree>
-    <p:extLst>
-      <p:ext uri="{BB962C8B-B14F-4D97-AF65-F5344CB8AC3E}">
-        <p14:creationId xmlns:p14="http://schemas.microsoft.com/office/powerpoint/2010/main" val="2312788854"/>
-      </p:ext>
-    </p:extLst>
-  </p:cSld>
-  <p:clrMapOvr>
-    <a:masterClrMapping/>
-  </p:clrMapOvr>
-</p:sld>
-</file>
-
-<file path=ppt/slides/slide17.xml><?xml version="1.0" encoding="utf-8"?>
-<p:sld xmlns:a="http://schemas.openxmlformats.org/drawingml/2006/main" xmlns:r="http://schemas.openxmlformats.org/officeDocument/2006/relationships" xmlns:p="http://schemas.openxmlformats.org/presentationml/2006/main">
-  <p:cSld>
-    <p:spTree>
-      <p:nvGrpSpPr>
-        <p:cNvPr id="1" name=""/>
-        <p:cNvGrpSpPr/>
-        <p:nvPr/>
-      </p:nvGrpSpPr>
-      <p:grpSpPr>
-        <a:xfrm>
-          <a:off x="0" y="0"/>
-          <a:ext cx="0" cy="0"/>
-          <a:chOff x="0" y="0"/>
-          <a:chExt cx="0" cy="0"/>
-        </a:xfrm>
-      </p:grpSpPr>
-      <p:sp>
-        <p:nvSpPr>
-          <p:cNvPr id="2" name="Footer Placeholder 1">
-            <a:extLst>
-              <a:ext uri="{FF2B5EF4-FFF2-40B4-BE49-F238E27FC236}">
-                <a16:creationId xmlns:a16="http://schemas.microsoft.com/office/drawing/2014/main" id="{22DA5C28-F0FD-47D6-8E92-1C9E6EA87F96}"/>
-              </a:ext>
-            </a:extLst>
-          </p:cNvPr>
-          <p:cNvSpPr>
-            <a:spLocks noGrp="1"/>
-          </p:cNvSpPr>
-          <p:nvPr>
-            <p:ph type="ftr" sz="quarter" idx="3"/>
-          </p:nvPr>
-        </p:nvSpPr>
-        <p:spPr/>
-        <p:txBody>
-          <a:bodyPr/>
-          <a:lstStyle/>
-          <a:p>
-            <a:r>
-              <a:rPr lang="en-AU" dirty="0"/>
-              <a:t>© 2023 CargoWise</a:t>
-            </a:r>
-          </a:p>
-        </p:txBody>
-      </p:sp>
-      <p:sp>
-        <p:nvSpPr>
-          <p:cNvPr id="3" name="Slide Number Placeholder 2">
-            <a:extLst>
-              <a:ext uri="{FF2B5EF4-FFF2-40B4-BE49-F238E27FC236}">
-                <a16:creationId xmlns:a16="http://schemas.microsoft.com/office/drawing/2014/main" id="{15B20483-DDDA-4E06-872B-F88C31FDBA35}"/>
-              </a:ext>
-            </a:extLst>
-          </p:cNvPr>
-          <p:cNvSpPr>
-            <a:spLocks noGrp="1"/>
-          </p:cNvSpPr>
-          <p:nvPr>
-            <p:ph type="sldNum" sz="quarter" idx="4"/>
-          </p:nvPr>
-        </p:nvSpPr>
-        <p:spPr/>
-        <p:txBody>
-          <a:bodyPr/>
-          <a:lstStyle/>
-          <a:p>
-            <a:fld id="{67E7CB4E-0848-4774-9F85-B38117CB1B54}" type="slidenum">
-              <a:rPr lang="en-AU" smtClean="0"/>
-              <a:pPr/>
-              <a:t>17</a:t>
             </a:fld>
             <a:endParaRPr lang="en-AU"/>
           </a:p>
@@ -28640,7 +25444,7 @@
 </p:sld>
 </file>
 
-<file path=ppt/slides/slide18.xml><?xml version="1.0" encoding="utf-8"?>
+<file path=ppt/slides/slide14.xml><?xml version="1.0" encoding="utf-8"?>
 <p:sld xmlns:a="http://schemas.openxmlformats.org/drawingml/2006/main" xmlns:r="http://schemas.openxmlformats.org/officeDocument/2006/relationships" xmlns:p="http://schemas.openxmlformats.org/presentationml/2006/main">
   <p:cSld>
     <p:spTree>
@@ -28709,7 +25513,7 @@
             <a:fld id="{67E7CB4E-0848-4774-9F85-B38117CB1B54}" type="slidenum">
               <a:rPr lang="en-AU" smtClean="0"/>
               <a:pPr/>
-              <a:t>18</a:t>
+              <a:t>14</a:t>
             </a:fld>
             <a:endParaRPr lang="en-AU"/>
           </a:p>
@@ -28803,7 +25607,7 @@
 </p:sld>
 </file>
 
-<file path=ppt/slides/slide19.xml><?xml version="1.0" encoding="utf-8"?>
+<file path=ppt/slides/slide15.xml><?xml version="1.0" encoding="utf-8"?>
 <p:sld xmlns:a="http://schemas.openxmlformats.org/drawingml/2006/main" xmlns:r="http://schemas.openxmlformats.org/officeDocument/2006/relationships" xmlns:p="http://schemas.openxmlformats.org/presentationml/2006/main">
   <p:cSld>
     <p:spTree>
@@ -28997,7 +25801,7 @@
                   <a:spcPts val="600"/>
                 </a:spcAft>
               </a:pPr>
-              <a:t>19</a:t>
+              <a:t>15</a:t>
             </a:fld>
             <a:endParaRPr lang="en-AU"/>
           </a:p>
@@ -29016,7 +25820,7 @@
           <p:nvPr>
             <p:extLst>
               <p:ext uri="{D42A27DB-BD31-4B8C-83A1-F6EECF244321}">
-                <p14:modId xmlns:p14="http://schemas.microsoft.com/office/powerpoint/2010/main" val="119245199"/>
+                <p14:modId xmlns:p14="http://schemas.microsoft.com/office/powerpoint/2010/main" val="3700568941"/>
               </p:ext>
             </p:extLst>
           </p:nvPr>
@@ -29044,166 +25848,7 @@
 </p:sld>
 </file>
 
-<file path=ppt/slides/slide2.xml><?xml version="1.0" encoding="utf-8"?>
-<p:sld xmlns:a="http://schemas.openxmlformats.org/drawingml/2006/main" xmlns:r="http://schemas.openxmlformats.org/officeDocument/2006/relationships" xmlns:p="http://schemas.openxmlformats.org/presentationml/2006/main">
-  <p:cSld>
-    <p:spTree>
-      <p:nvGrpSpPr>
-        <p:cNvPr id="1" name=""/>
-        <p:cNvGrpSpPr/>
-        <p:nvPr/>
-      </p:nvGrpSpPr>
-      <p:grpSpPr>
-        <a:xfrm>
-          <a:off x="0" y="0"/>
-          <a:ext cx="0" cy="0"/>
-          <a:chOff x="0" y="0"/>
-          <a:chExt cx="0" cy="0"/>
-        </a:xfrm>
-      </p:grpSpPr>
-      <p:sp>
-        <p:nvSpPr>
-          <p:cNvPr id="9" name="Title 8">
-            <a:extLst>
-              <a:ext uri="{FF2B5EF4-FFF2-40B4-BE49-F238E27FC236}">
-                <a16:creationId xmlns:a16="http://schemas.microsoft.com/office/drawing/2014/main" id="{2C86B50C-0BCC-453C-9B60-7CE272F7854D}"/>
-              </a:ext>
-            </a:extLst>
-          </p:cNvPr>
-          <p:cNvSpPr>
-            <a:spLocks noGrp="1"/>
-          </p:cNvSpPr>
-          <p:nvPr>
-            <p:ph type="title"/>
-          </p:nvPr>
-        </p:nvSpPr>
-        <p:spPr/>
-        <p:txBody>
-          <a:bodyPr/>
-          <a:lstStyle/>
-          <a:p>
-            <a:r>
-              <a:rPr lang="en-US" b="1" dirty="0"/>
-              <a:t>Design</a:t>
-            </a:r>
-            <a:r>
-              <a:rPr lang="en-US" dirty="0"/>
-              <a:t> </a:t>
-            </a:r>
-            <a:r>
-              <a:rPr lang="en-US" b="1" dirty="0"/>
-              <a:t>Patterns</a:t>
-            </a:r>
-            <a:br>
-              <a:rPr lang="en-US" dirty="0"/>
-            </a:br>
-            <a:endParaRPr lang="en-US" dirty="0"/>
-          </a:p>
-        </p:txBody>
-      </p:sp>
-      <p:sp>
-        <p:nvSpPr>
-          <p:cNvPr id="2" name="Footer Placeholder 1">
-            <a:extLst>
-              <a:ext uri="{FF2B5EF4-FFF2-40B4-BE49-F238E27FC236}">
-                <a16:creationId xmlns:a16="http://schemas.microsoft.com/office/drawing/2014/main" id="{06196D82-3D81-405C-976C-ECEAF6FED03A}"/>
-              </a:ext>
-            </a:extLst>
-          </p:cNvPr>
-          <p:cNvSpPr>
-            <a:spLocks noGrp="1"/>
-          </p:cNvSpPr>
-          <p:nvPr>
-            <p:ph type="ftr" sz="quarter" idx="3"/>
-          </p:nvPr>
-        </p:nvSpPr>
-        <p:spPr/>
-        <p:txBody>
-          <a:bodyPr/>
-          <a:lstStyle/>
-          <a:p>
-            <a:r>
-              <a:rPr lang="en-AU" dirty="0"/>
-              <a:t>© 2023 CargoWise</a:t>
-            </a:r>
-          </a:p>
-        </p:txBody>
-      </p:sp>
-      <p:sp>
-        <p:nvSpPr>
-          <p:cNvPr id="3" name="Slide Number Placeholder 2">
-            <a:extLst>
-              <a:ext uri="{FF2B5EF4-FFF2-40B4-BE49-F238E27FC236}">
-                <a16:creationId xmlns:a16="http://schemas.microsoft.com/office/drawing/2014/main" id="{9614AEAE-8866-4930-ADAC-B8552F406746}"/>
-              </a:ext>
-            </a:extLst>
-          </p:cNvPr>
-          <p:cNvSpPr>
-            <a:spLocks noGrp="1"/>
-          </p:cNvSpPr>
-          <p:nvPr>
-            <p:ph type="sldNum" sz="quarter" idx="4"/>
-          </p:nvPr>
-        </p:nvSpPr>
-        <p:spPr/>
-        <p:txBody>
-          <a:bodyPr/>
-          <a:lstStyle/>
-          <a:p>
-            <a:fld id="{67E7CB4E-0848-4774-9F85-B38117CB1B54}" type="slidenum">
-              <a:rPr lang="en-AU" smtClean="0"/>
-              <a:pPr/>
-              <a:t>2</a:t>
-            </a:fld>
-            <a:endParaRPr lang="en-AU"/>
-          </a:p>
-        </p:txBody>
-      </p:sp>
-      <p:graphicFrame>
-        <p:nvGraphicFramePr>
-          <p:cNvPr id="4" name="Content Placeholder 3">
-            <a:extLst>
-              <a:ext uri="{FF2B5EF4-FFF2-40B4-BE49-F238E27FC236}">
-                <a16:creationId xmlns:a16="http://schemas.microsoft.com/office/drawing/2014/main" id="{07E3B915-127B-1433-3D8A-84A8F9ACCCA5}"/>
-              </a:ext>
-            </a:extLst>
-          </p:cNvPr>
-          <p:cNvGraphicFramePr>
-            <a:graphicFrameLocks noGrp="1"/>
-          </p:cNvGraphicFramePr>
-          <p:nvPr>
-            <p:ph idx="1"/>
-            <p:extLst>
-              <p:ext uri="{D42A27DB-BD31-4B8C-83A1-F6EECF244321}">
-                <p14:modId xmlns:p14="http://schemas.microsoft.com/office/powerpoint/2010/main" val="2461983078"/>
-              </p:ext>
-            </p:extLst>
-          </p:nvPr>
-        </p:nvGraphicFramePr>
-        <p:xfrm>
-          <a:off x="5351240" y="2321496"/>
-          <a:ext cx="11953328" cy="9793088"/>
-        </p:xfrm>
-        <a:graphic>
-          <a:graphicData uri="http://schemas.openxmlformats.org/drawingml/2006/diagram">
-            <dgm:relIds xmlns:dgm="http://schemas.openxmlformats.org/drawingml/2006/diagram" xmlns:r="http://schemas.openxmlformats.org/officeDocument/2006/relationships" r:dm="rId3" r:lo="rId4" r:qs="rId5" r:cs="rId6"/>
-          </a:graphicData>
-        </a:graphic>
-      </p:graphicFrame>
-    </p:spTree>
-    <p:extLst>
-      <p:ext uri="{BB962C8B-B14F-4D97-AF65-F5344CB8AC3E}">
-        <p14:creationId xmlns:p14="http://schemas.microsoft.com/office/powerpoint/2010/main" val="3391782854"/>
-      </p:ext>
-    </p:extLst>
-  </p:cSld>
-  <p:clrMapOvr>
-    <a:masterClrMapping/>
-  </p:clrMapOvr>
-</p:sld>
-</file>
-
-<file path=ppt/slides/slide20.xml><?xml version="1.0" encoding="utf-8"?>
+<file path=ppt/slides/slide16.xml><?xml version="1.0" encoding="utf-8"?>
 <p:sld xmlns:a="http://schemas.openxmlformats.org/drawingml/2006/main" xmlns:r="http://schemas.openxmlformats.org/officeDocument/2006/relationships" xmlns:p="http://schemas.openxmlformats.org/presentationml/2006/main">
   <p:cSld>
     <p:spTree>
@@ -29294,7 +25939,7 @@
 </p:sld>
 </file>
 
-<file path=ppt/slides/slide21.xml><?xml version="1.0" encoding="utf-8"?>
+<file path=ppt/slides/slide17.xml><?xml version="1.0" encoding="utf-8"?>
 <p:sld xmlns:a="http://schemas.openxmlformats.org/drawingml/2006/main" xmlns:r="http://schemas.openxmlformats.org/officeDocument/2006/relationships" xmlns:p="http://schemas.openxmlformats.org/presentationml/2006/main">
   <p:cSld>
     <p:spTree>
@@ -29570,6 +26215,165 @@
 </p:sld>
 </file>
 
+<file path=ppt/slides/slide2.xml><?xml version="1.0" encoding="utf-8"?>
+<p:sld xmlns:a="http://schemas.openxmlformats.org/drawingml/2006/main" xmlns:r="http://schemas.openxmlformats.org/officeDocument/2006/relationships" xmlns:p="http://schemas.openxmlformats.org/presentationml/2006/main">
+  <p:cSld>
+    <p:spTree>
+      <p:nvGrpSpPr>
+        <p:cNvPr id="1" name=""/>
+        <p:cNvGrpSpPr/>
+        <p:nvPr/>
+      </p:nvGrpSpPr>
+      <p:grpSpPr>
+        <a:xfrm>
+          <a:off x="0" y="0"/>
+          <a:ext cx="0" cy="0"/>
+          <a:chOff x="0" y="0"/>
+          <a:chExt cx="0" cy="0"/>
+        </a:xfrm>
+      </p:grpSpPr>
+      <p:sp>
+        <p:nvSpPr>
+          <p:cNvPr id="9" name="Title 8">
+            <a:extLst>
+              <a:ext uri="{FF2B5EF4-FFF2-40B4-BE49-F238E27FC236}">
+                <a16:creationId xmlns:a16="http://schemas.microsoft.com/office/drawing/2014/main" id="{2C86B50C-0BCC-453C-9B60-7CE272F7854D}"/>
+              </a:ext>
+            </a:extLst>
+          </p:cNvPr>
+          <p:cNvSpPr>
+            <a:spLocks noGrp="1"/>
+          </p:cNvSpPr>
+          <p:nvPr>
+            <p:ph type="title"/>
+          </p:nvPr>
+        </p:nvSpPr>
+        <p:spPr/>
+        <p:txBody>
+          <a:bodyPr/>
+          <a:lstStyle/>
+          <a:p>
+            <a:r>
+              <a:rPr lang="en-US" b="1" dirty="0"/>
+              <a:t>Design</a:t>
+            </a:r>
+            <a:r>
+              <a:rPr lang="en-US" dirty="0"/>
+              <a:t> </a:t>
+            </a:r>
+            <a:r>
+              <a:rPr lang="en-US" b="1" dirty="0"/>
+              <a:t>Patterns</a:t>
+            </a:r>
+            <a:br>
+              <a:rPr lang="en-US" dirty="0"/>
+            </a:br>
+            <a:endParaRPr lang="en-US" dirty="0"/>
+          </a:p>
+        </p:txBody>
+      </p:sp>
+      <p:sp>
+        <p:nvSpPr>
+          <p:cNvPr id="2" name="Footer Placeholder 1">
+            <a:extLst>
+              <a:ext uri="{FF2B5EF4-FFF2-40B4-BE49-F238E27FC236}">
+                <a16:creationId xmlns:a16="http://schemas.microsoft.com/office/drawing/2014/main" id="{06196D82-3D81-405C-976C-ECEAF6FED03A}"/>
+              </a:ext>
+            </a:extLst>
+          </p:cNvPr>
+          <p:cNvSpPr>
+            <a:spLocks noGrp="1"/>
+          </p:cNvSpPr>
+          <p:nvPr>
+            <p:ph type="ftr" sz="quarter" idx="3"/>
+          </p:nvPr>
+        </p:nvSpPr>
+        <p:spPr/>
+        <p:txBody>
+          <a:bodyPr/>
+          <a:lstStyle/>
+          <a:p>
+            <a:r>
+              <a:rPr lang="en-AU" dirty="0"/>
+              <a:t>© 2023 CargoWise</a:t>
+            </a:r>
+          </a:p>
+        </p:txBody>
+      </p:sp>
+      <p:sp>
+        <p:nvSpPr>
+          <p:cNvPr id="3" name="Slide Number Placeholder 2">
+            <a:extLst>
+              <a:ext uri="{FF2B5EF4-FFF2-40B4-BE49-F238E27FC236}">
+                <a16:creationId xmlns:a16="http://schemas.microsoft.com/office/drawing/2014/main" id="{9614AEAE-8866-4930-ADAC-B8552F406746}"/>
+              </a:ext>
+            </a:extLst>
+          </p:cNvPr>
+          <p:cNvSpPr>
+            <a:spLocks noGrp="1"/>
+          </p:cNvSpPr>
+          <p:nvPr>
+            <p:ph type="sldNum" sz="quarter" idx="4"/>
+          </p:nvPr>
+        </p:nvSpPr>
+        <p:spPr/>
+        <p:txBody>
+          <a:bodyPr/>
+          <a:lstStyle/>
+          <a:p>
+            <a:fld id="{67E7CB4E-0848-4774-9F85-B38117CB1B54}" type="slidenum">
+              <a:rPr lang="en-AU" smtClean="0"/>
+              <a:pPr/>
+              <a:t>2</a:t>
+            </a:fld>
+            <a:endParaRPr lang="en-AU"/>
+          </a:p>
+        </p:txBody>
+      </p:sp>
+      <p:graphicFrame>
+        <p:nvGraphicFramePr>
+          <p:cNvPr id="4" name="Content Placeholder 3">
+            <a:extLst>
+              <a:ext uri="{FF2B5EF4-FFF2-40B4-BE49-F238E27FC236}">
+                <a16:creationId xmlns:a16="http://schemas.microsoft.com/office/drawing/2014/main" id="{07E3B915-127B-1433-3D8A-84A8F9ACCCA5}"/>
+              </a:ext>
+            </a:extLst>
+          </p:cNvPr>
+          <p:cNvGraphicFramePr>
+            <a:graphicFrameLocks noGrp="1"/>
+          </p:cNvGraphicFramePr>
+          <p:nvPr>
+            <p:ph idx="1"/>
+            <p:extLst>
+              <p:ext uri="{D42A27DB-BD31-4B8C-83A1-F6EECF244321}">
+                <p14:modId xmlns:p14="http://schemas.microsoft.com/office/powerpoint/2010/main" val="2461983078"/>
+              </p:ext>
+            </p:extLst>
+          </p:nvPr>
+        </p:nvGraphicFramePr>
+        <p:xfrm>
+          <a:off x="5351240" y="2321496"/>
+          <a:ext cx="11953328" cy="9793088"/>
+        </p:xfrm>
+        <a:graphic>
+          <a:graphicData uri="http://schemas.openxmlformats.org/drawingml/2006/diagram">
+            <dgm:relIds xmlns:dgm="http://schemas.openxmlformats.org/drawingml/2006/diagram" xmlns:r="http://schemas.openxmlformats.org/officeDocument/2006/relationships" r:dm="rId3" r:lo="rId4" r:qs="rId5" r:cs="rId6"/>
+          </a:graphicData>
+        </a:graphic>
+      </p:graphicFrame>
+    </p:spTree>
+    <p:extLst>
+      <p:ext uri="{BB962C8B-B14F-4D97-AF65-F5344CB8AC3E}">
+        <p14:creationId xmlns:p14="http://schemas.microsoft.com/office/powerpoint/2010/main" val="3391782854"/>
+      </p:ext>
+    </p:extLst>
+  </p:cSld>
+  <p:clrMapOvr>
+    <a:masterClrMapping/>
+  </p:clrMapOvr>
+</p:sld>
+</file>
+
 <file path=ppt/slides/slide3.xml><?xml version="1.0" encoding="utf-8"?>
 <p:sld xmlns:a="http://schemas.openxmlformats.org/drawingml/2006/main" xmlns:r="http://schemas.openxmlformats.org/officeDocument/2006/relationships" xmlns:p="http://schemas.openxmlformats.org/presentationml/2006/main">
   <p:cSld>
@@ -29603,31 +26407,15 @@
             <p:ph type="ftr" sz="quarter" idx="3"/>
           </p:nvPr>
         </p:nvSpPr>
-        <p:spPr>
-          <a:xfrm>
-            <a:off x="1535016" y="12960000"/>
-            <a:ext cx="2016024" cy="180000"/>
-          </a:xfrm>
-        </p:spPr>
+        <p:spPr/>
         <p:txBody>
-          <a:bodyPr anchor="b">
-            <a:normAutofit/>
-          </a:bodyPr>
+          <a:bodyPr/>
           <a:lstStyle/>
           <a:p>
-            <a:pPr>
-              <a:lnSpc>
-                <a:spcPct val="90000"/>
-              </a:lnSpc>
-              <a:spcAft>
-                <a:spcPts val="600"/>
-              </a:spcAft>
-            </a:pPr>
             <a:r>
-              <a:rPr lang="en-AU"/>
+              <a:rPr lang="en-AU" dirty="0"/>
               <a:t>© 2023 CargoWise</a:t>
             </a:r>
-            <a:endParaRPr lang="en-AU" dirty="0"/>
           </a:p>
         </p:txBody>
       </p:sp>
@@ -29647,36 +26435,14 @@
             <p:ph type="sldNum" sz="quarter" idx="4"/>
           </p:nvPr>
         </p:nvSpPr>
-        <p:spPr>
-          <a:xfrm>
-            <a:off x="1080000" y="12960000"/>
-            <a:ext cx="310800" cy="180000"/>
-          </a:xfrm>
-        </p:spPr>
+        <p:spPr/>
         <p:txBody>
-          <a:bodyPr anchor="b">
-            <a:normAutofit/>
-          </a:bodyPr>
+          <a:bodyPr/>
           <a:lstStyle/>
           <a:p>
-            <a:pPr>
-              <a:lnSpc>
-                <a:spcPct val="90000"/>
-              </a:lnSpc>
-              <a:spcAft>
-                <a:spcPts val="600"/>
-              </a:spcAft>
-            </a:pPr>
             <a:fld id="{67E7CB4E-0848-4774-9F85-B38117CB1B54}" type="slidenum">
               <a:rPr lang="en-AU" smtClean="0"/>
-              <a:pPr>
-                <a:lnSpc>
-                  <a:spcPct val="90000"/>
-                </a:lnSpc>
-                <a:spcAft>
-                  <a:spcPts val="600"/>
-                </a:spcAft>
-              </a:pPr>
+              <a:pPr/>
               <a:t>3</a:t>
             </a:fld>
             <a:endParaRPr lang="en-AU"/>
@@ -29685,10 +26451,10 @@
       </p:sp>
       <p:sp>
         <p:nvSpPr>
-          <p:cNvPr id="8" name="Title 9">
+          <p:cNvPr id="13" name="Title 9">
             <a:extLst>
               <a:ext uri="{FF2B5EF4-FFF2-40B4-BE49-F238E27FC236}">
-                <a16:creationId xmlns:a16="http://schemas.microsoft.com/office/drawing/2014/main" id="{DC45491D-551A-5A4B-8A1B-9E9F2A459920}"/>
+                <a16:creationId xmlns:a16="http://schemas.microsoft.com/office/drawing/2014/main" id="{3BAEBDBD-7B50-9F58-BD3C-27FF4C445264}"/>
               </a:ext>
             </a:extLst>
           </p:cNvPr>
@@ -29711,165 +26477,80 @@
           <a:p>
             <a:r>
               <a:rPr lang="en-US" b="1" dirty="0"/>
-              <a:t>1. Chain of Responsibility</a:t>
+              <a:t>1. </a:t>
             </a:r>
+            <a:r>
+              <a:rPr lang="en-US" b="1" kern="1200" dirty="0">
+                <a:latin typeface="Calibri" panose="020F0502020204030204"/>
+                <a:ea typeface="+mn-ea"/>
+                <a:cs typeface="+mn-cs"/>
+              </a:rPr>
+              <a:t>Observer</a:t>
+            </a:r>
+            <a:br>
+              <a:rPr lang="en-US" dirty="0"/>
+            </a:br>
             <a:endParaRPr lang="en-US" dirty="0"/>
           </a:p>
         </p:txBody>
       </p:sp>
       <p:pic>
         <p:nvPicPr>
-          <p:cNvPr id="9" name="Picture 8">
+          <p:cNvPr id="4100" name="Picture 4" descr="Magazine and newspaper subscriptions">
             <a:extLst>
               <a:ext uri="{FF2B5EF4-FFF2-40B4-BE49-F238E27FC236}">
-                <a16:creationId xmlns:a16="http://schemas.microsoft.com/office/drawing/2014/main" id="{7ED5B7E9-898D-111C-7A94-7CA2DD839C27}"/>
+                <a16:creationId xmlns:a16="http://schemas.microsoft.com/office/drawing/2014/main" id="{20EB5A51-4E99-2E1E-FD97-5B2E01A8C9E8}"/>
               </a:ext>
             </a:extLst>
           </p:cNvPr>
           <p:cNvPicPr>
-            <a:picLocks noChangeAspect="1"/>
+            <a:picLocks noChangeAspect="1" noChangeArrowheads="1"/>
           </p:cNvPicPr>
           <p:nvPr/>
         </p:nvPicPr>
         <p:blipFill>
-          <a:blip r:embed="rId3"/>
+          <a:blip r:embed="rId3">
+            <a:extLst>
+              <a:ext uri="{28A0092B-C50C-407E-A947-70E740481C1C}">
+                <a14:useLocalDpi xmlns:a14="http://schemas.microsoft.com/office/drawing/2010/main" val="0"/>
+              </a:ext>
+            </a:extLst>
+          </a:blip>
+          <a:srcRect/>
           <a:stretch>
             <a:fillRect/>
           </a:stretch>
         </p:blipFill>
-        <p:spPr>
+        <p:spPr bwMode="auto">
           <a:xfrm>
-            <a:off x="3479032" y="9072053"/>
-            <a:ext cx="16417824" cy="4050643"/>
+            <a:off x="3551040" y="2717540"/>
+            <a:ext cx="15193688" cy="7596844"/>
           </a:xfrm>
           <a:prstGeom prst="rect">
             <a:avLst/>
           </a:prstGeom>
-        </p:spPr>
-      </p:pic>
-      <p:pic>
-        <p:nvPicPr>
-          <p:cNvPr id="11" name="Picture 10">
-            <a:extLst>
-              <a:ext uri="{FF2B5EF4-FFF2-40B4-BE49-F238E27FC236}">
-                <a16:creationId xmlns:a16="http://schemas.microsoft.com/office/drawing/2014/main" id="{F6FE14D0-C35C-9B27-F3ED-3305A5DA2DFC}"/>
-              </a:ext>
-            </a:extLst>
-          </p:cNvPr>
-          <p:cNvPicPr>
-            <a:picLocks noChangeAspect="1"/>
-          </p:cNvPicPr>
-          <p:nvPr/>
-        </p:nvPicPr>
-        <p:blipFill>
-          <a:blip r:embed="rId4"/>
-          <a:stretch>
-            <a:fillRect/>
-          </a:stretch>
-        </p:blipFill>
-        <p:spPr>
-          <a:xfrm>
-            <a:off x="3911080" y="2047515"/>
-            <a:ext cx="13393488" cy="7186749"/>
-          </a:xfrm>
-          <a:prstGeom prst="rect">
-            <a:avLst/>
-          </a:prstGeom>
+          <a:noFill/>
+          <a:extLst>
+            <a:ext uri="{909E8E84-426E-40DD-AFC4-6F175D3DCCD1}">
+              <a14:hiddenFill xmlns:a14="http://schemas.microsoft.com/office/drawing/2010/main">
+                <a:solidFill>
+                  <a:srgbClr val="FFFFFF"/>
+                </a:solidFill>
+              </a14:hiddenFill>
+            </a:ext>
+          </a:extLst>
         </p:spPr>
       </p:pic>
     </p:spTree>
     <p:extLst>
       <p:ext uri="{BB962C8B-B14F-4D97-AF65-F5344CB8AC3E}">
-        <p14:creationId xmlns:p14="http://schemas.microsoft.com/office/powerpoint/2010/main" val="1405898962"/>
+        <p14:creationId xmlns:p14="http://schemas.microsoft.com/office/powerpoint/2010/main" val="4131726329"/>
       </p:ext>
     </p:extLst>
   </p:cSld>
   <p:clrMapOvr>
     <a:masterClrMapping/>
   </p:clrMapOvr>
-  <p:timing>
-    <p:tnLst>
-      <p:par>
-        <p:cTn id="1" dur="indefinite" restart="never" nodeType="tmRoot">
-          <p:childTnLst>
-            <p:seq concurrent="1" nextAc="seek">
-              <p:cTn id="2" dur="indefinite" nodeType="mainSeq">
-                <p:childTnLst>
-                  <p:par>
-                    <p:cTn id="3" fill="hold">
-                      <p:stCondLst>
-                        <p:cond delay="indefinite"/>
-                      </p:stCondLst>
-                      <p:childTnLst>
-                        <p:par>
-                          <p:cTn id="4" fill="hold">
-                            <p:stCondLst>
-                              <p:cond delay="0"/>
-                            </p:stCondLst>
-                            <p:childTnLst>
-                              <p:par>
-                                <p:cTn id="5" presetID="10" presetClass="entr" presetSubtype="0" fill="hold" nodeType="clickEffect">
-                                  <p:stCondLst>
-                                    <p:cond delay="0"/>
-                                  </p:stCondLst>
-                                  <p:childTnLst>
-                                    <p:set>
-                                      <p:cBhvr>
-                                        <p:cTn id="6" dur="1" fill="hold">
-                                          <p:stCondLst>
-                                            <p:cond delay="0"/>
-                                          </p:stCondLst>
-                                        </p:cTn>
-                                        <p:tgtEl>
-                                          <p:spTgt spid="9"/>
-                                        </p:tgtEl>
-                                        <p:attrNameLst>
-                                          <p:attrName>style.visibility</p:attrName>
-                                        </p:attrNameLst>
-                                      </p:cBhvr>
-                                      <p:to>
-                                        <p:strVal val="visible"/>
-                                      </p:to>
-                                    </p:set>
-                                    <p:animEffect transition="in" filter="fade">
-                                      <p:cBhvr>
-                                        <p:cTn id="7" dur="500"/>
-                                        <p:tgtEl>
-                                          <p:spTgt spid="9"/>
-                                        </p:tgtEl>
-                                      </p:cBhvr>
-                                    </p:animEffect>
-                                  </p:childTnLst>
-                                </p:cTn>
-                              </p:par>
-                            </p:childTnLst>
-                          </p:cTn>
-                        </p:par>
-                      </p:childTnLst>
-                    </p:cTn>
-                  </p:par>
-                </p:childTnLst>
-              </p:cTn>
-              <p:prevCondLst>
-                <p:cond evt="onPrev" delay="0">
-                  <p:tgtEl>
-                    <p:sldTgt/>
-                  </p:tgtEl>
-                </p:cond>
-              </p:prevCondLst>
-              <p:nextCondLst>
-                <p:cond evt="onNext" delay="0">
-                  <p:tgtEl>
-                    <p:sldTgt/>
-                  </p:tgtEl>
-                </p:cond>
-              </p:nextCondLst>
-            </p:seq>
-          </p:childTnLst>
-        </p:cTn>
-      </p:par>
-    </p:tnLst>
-  </p:timing>
 </p:sld>
 </file>
 
@@ -29948,34 +26629,6 @@
           </a:p>
         </p:txBody>
       </p:sp>
-      <p:graphicFrame>
-        <p:nvGraphicFramePr>
-          <p:cNvPr id="6" name="Diagram 5">
-            <a:extLst>
-              <a:ext uri="{FF2B5EF4-FFF2-40B4-BE49-F238E27FC236}">
-                <a16:creationId xmlns:a16="http://schemas.microsoft.com/office/drawing/2014/main" id="{9692540E-9C44-5F9E-BC24-C0D04663C3A0}"/>
-              </a:ext>
-            </a:extLst>
-          </p:cNvPr>
-          <p:cNvGraphicFramePr/>
-          <p:nvPr>
-            <p:extLst>
-              <p:ext uri="{D42A27DB-BD31-4B8C-83A1-F6EECF244321}">
-                <p14:modId xmlns:p14="http://schemas.microsoft.com/office/powerpoint/2010/main" val="1356121825"/>
-              </p:ext>
-            </p:extLst>
-          </p:nvPr>
-        </p:nvGraphicFramePr>
-        <p:xfrm>
-          <a:off x="3644220" y="4553744"/>
-          <a:ext cx="3744416" cy="3672408"/>
-        </p:xfrm>
-        <a:graphic>
-          <a:graphicData uri="http://schemas.openxmlformats.org/drawingml/2006/diagram">
-            <dgm:relIds xmlns:dgm="http://schemas.openxmlformats.org/drawingml/2006/diagram" xmlns:r="http://schemas.openxmlformats.org/officeDocument/2006/relationships" r:dm="rId3" r:lo="rId4" r:qs="rId5" r:cs="rId6"/>
-          </a:graphicData>
-        </a:graphic>
-      </p:graphicFrame>
       <p:sp>
         <p:nvSpPr>
           <p:cNvPr id="13" name="Title 9">
@@ -30004,46 +26657,96 @@
           <a:p>
             <a:r>
               <a:rPr lang="en-US" b="1" dirty="0"/>
-              <a:t>1. Chain of Responsibility</a:t>
+              <a:t>1. </a:t>
             </a:r>
+            <a:r>
+              <a:rPr lang="en-US" b="1" kern="1200" dirty="0">
+                <a:latin typeface="Calibri" panose="020F0502020204030204"/>
+                <a:ea typeface="+mn-ea"/>
+                <a:cs typeface="+mn-cs"/>
+              </a:rPr>
+              <a:t>Observer</a:t>
+            </a:r>
+            <a:br>
+              <a:rPr lang="en-US" dirty="0"/>
+            </a:br>
             <a:endParaRPr lang="en-US" dirty="0"/>
           </a:p>
         </p:txBody>
       </p:sp>
+      <p:graphicFrame>
+        <p:nvGraphicFramePr>
+          <p:cNvPr id="4" name="Diagram 3">
+            <a:extLst>
+              <a:ext uri="{FF2B5EF4-FFF2-40B4-BE49-F238E27FC236}">
+                <a16:creationId xmlns:a16="http://schemas.microsoft.com/office/drawing/2014/main" id="{16CA8D02-B495-3920-41BD-4CAABD436EA7}"/>
+              </a:ext>
+            </a:extLst>
+          </p:cNvPr>
+          <p:cNvGraphicFramePr/>
+          <p:nvPr/>
+        </p:nvGraphicFramePr>
+        <p:xfrm>
+          <a:off x="1781037" y="3108887"/>
+          <a:ext cx="4896444" cy="4284476"/>
+        </p:xfrm>
+        <a:graphic>
+          <a:graphicData uri="http://schemas.openxmlformats.org/drawingml/2006/diagram">
+            <dgm:relIds xmlns:dgm="http://schemas.openxmlformats.org/drawingml/2006/diagram" xmlns:r="http://schemas.openxmlformats.org/officeDocument/2006/relationships" r:dm="rId3" r:lo="rId4" r:qs="rId5" r:cs="rId6"/>
+          </a:graphicData>
+        </a:graphic>
+      </p:graphicFrame>
       <p:pic>
         <p:nvPicPr>
-          <p:cNvPr id="15" name="Picture 14">
+          <p:cNvPr id="4098" name="Picture 2" descr="Structure of the Observer design pattern">
             <a:extLst>
               <a:ext uri="{FF2B5EF4-FFF2-40B4-BE49-F238E27FC236}">
-                <a16:creationId xmlns:a16="http://schemas.microsoft.com/office/drawing/2014/main" id="{CED39030-60B6-0DE6-AADD-B021F26575D8}"/>
+                <a16:creationId xmlns:a16="http://schemas.microsoft.com/office/drawing/2014/main" id="{786866CF-F582-91CE-6715-E28DA1CED36A}"/>
               </a:ext>
             </a:extLst>
           </p:cNvPr>
           <p:cNvPicPr>
-            <a:picLocks noChangeAspect="1"/>
+            <a:picLocks noChangeAspect="1" noChangeArrowheads="1"/>
           </p:cNvPicPr>
           <p:nvPr/>
         </p:nvPicPr>
         <p:blipFill>
-          <a:blip r:embed="rId8"/>
+          <a:blip r:embed="rId8">
+            <a:extLst>
+              <a:ext uri="{28A0092B-C50C-407E-A947-70E740481C1C}">
+                <a14:useLocalDpi xmlns:a14="http://schemas.microsoft.com/office/drawing/2010/main" val="0"/>
+              </a:ext>
+            </a:extLst>
+          </a:blip>
+          <a:srcRect/>
           <a:stretch>
             <a:fillRect/>
           </a:stretch>
         </p:blipFill>
-        <p:spPr>
+        <p:spPr bwMode="auto">
           <a:xfrm>
-            <a:off x="9959752" y="1619092"/>
-            <a:ext cx="9721080" cy="10477815"/>
+            <a:off x="7871520" y="2609528"/>
+            <a:ext cx="15019475" cy="7632848"/>
           </a:xfrm>
           <a:prstGeom prst="rect">
             <a:avLst/>
           </a:prstGeom>
+          <a:noFill/>
+          <a:extLst>
+            <a:ext uri="{909E8E84-426E-40DD-AFC4-6F175D3DCCD1}">
+              <a14:hiddenFill xmlns:a14="http://schemas.microsoft.com/office/drawing/2010/main">
+                <a:solidFill>
+                  <a:srgbClr val="FFFFFF"/>
+                </a:solidFill>
+              </a14:hiddenFill>
+            </a:ext>
+          </a:extLst>
         </p:spPr>
       </p:pic>
     </p:spTree>
     <p:extLst>
       <p:ext uri="{BB962C8B-B14F-4D97-AF65-F5344CB8AC3E}">
-        <p14:creationId xmlns:p14="http://schemas.microsoft.com/office/powerpoint/2010/main" val="2895557782"/>
+        <p14:creationId xmlns:p14="http://schemas.microsoft.com/office/powerpoint/2010/main" val="382068623"/>
       </p:ext>
     </p:extLst>
   </p:cSld>
@@ -30054,466 +26757,6 @@
 </file>
 
 <file path=ppt/slides/slide5.xml><?xml version="1.0" encoding="utf-8"?>
-<p:sld xmlns:a="http://schemas.openxmlformats.org/drawingml/2006/main" xmlns:r="http://schemas.openxmlformats.org/officeDocument/2006/relationships" xmlns:p="http://schemas.openxmlformats.org/presentationml/2006/main">
-  <p:cSld>
-    <p:spTree>
-      <p:nvGrpSpPr>
-        <p:cNvPr id="1" name=""/>
-        <p:cNvGrpSpPr/>
-        <p:nvPr/>
-      </p:nvGrpSpPr>
-      <p:grpSpPr>
-        <a:xfrm>
-          <a:off x="0" y="0"/>
-          <a:ext cx="0" cy="0"/>
-          <a:chOff x="0" y="0"/>
-          <a:chExt cx="0" cy="0"/>
-        </a:xfrm>
-      </p:grpSpPr>
-      <p:sp>
-        <p:nvSpPr>
-          <p:cNvPr id="5" name="Footer Placeholder 4">
-            <a:extLst>
-              <a:ext uri="{FF2B5EF4-FFF2-40B4-BE49-F238E27FC236}">
-                <a16:creationId xmlns:a16="http://schemas.microsoft.com/office/drawing/2014/main" id="{492CADFB-5237-FFCF-C19A-3336F62AB105}"/>
-              </a:ext>
-            </a:extLst>
-          </p:cNvPr>
-          <p:cNvSpPr>
-            <a:spLocks noGrp="1"/>
-          </p:cNvSpPr>
-          <p:nvPr>
-            <p:ph type="ftr" sz="quarter" idx="3"/>
-          </p:nvPr>
-        </p:nvSpPr>
-        <p:spPr/>
-        <p:txBody>
-          <a:bodyPr/>
-          <a:lstStyle/>
-          <a:p>
-            <a:r>
-              <a:rPr lang="en-AU" dirty="0"/>
-              <a:t>© 2023 </a:t>
-            </a:r>
-            <a:r>
-              <a:rPr lang="en-AU" dirty="0" err="1"/>
-              <a:t>CargoWise</a:t>
-            </a:r>
-            <a:endParaRPr lang="en-AU" dirty="0"/>
-          </a:p>
-        </p:txBody>
-      </p:sp>
-      <p:sp>
-        <p:nvSpPr>
-          <p:cNvPr id="6" name="Slide Number Placeholder 5">
-            <a:extLst>
-              <a:ext uri="{FF2B5EF4-FFF2-40B4-BE49-F238E27FC236}">
-                <a16:creationId xmlns:a16="http://schemas.microsoft.com/office/drawing/2014/main" id="{C291584A-9EF4-FC4E-61D7-AFB65F43A8E7}"/>
-              </a:ext>
-            </a:extLst>
-          </p:cNvPr>
-          <p:cNvSpPr>
-            <a:spLocks noGrp="1"/>
-          </p:cNvSpPr>
-          <p:nvPr>
-            <p:ph type="sldNum" sz="quarter" idx="4"/>
-          </p:nvPr>
-        </p:nvSpPr>
-        <p:spPr/>
-        <p:txBody>
-          <a:bodyPr/>
-          <a:lstStyle/>
-          <a:p>
-            <a:fld id="{67E7CB4E-0848-4774-9F85-B38117CB1B54}" type="slidenum">
-              <a:rPr lang="en-AU" smtClean="0"/>
-              <a:pPr/>
-              <a:t>5</a:t>
-            </a:fld>
-            <a:endParaRPr lang="en-AU" dirty="0"/>
-          </a:p>
-        </p:txBody>
-      </p:sp>
-      <p:sp>
-        <p:nvSpPr>
-          <p:cNvPr id="7" name="Title 9">
-            <a:extLst>
-              <a:ext uri="{FF2B5EF4-FFF2-40B4-BE49-F238E27FC236}">
-                <a16:creationId xmlns:a16="http://schemas.microsoft.com/office/drawing/2014/main" id="{055095C0-E4E2-F229-AF97-946301D08156}"/>
-              </a:ext>
-            </a:extLst>
-          </p:cNvPr>
-          <p:cNvSpPr>
-            <a:spLocks noGrp="1"/>
-          </p:cNvSpPr>
-          <p:nvPr>
-            <p:ph type="title"/>
-          </p:nvPr>
-        </p:nvSpPr>
-        <p:spPr>
-          <a:xfrm>
-            <a:off x="1080000" y="1125271"/>
-            <a:ext cx="22201232" cy="701456"/>
-          </a:xfrm>
-        </p:spPr>
-        <p:txBody>
-          <a:bodyPr/>
-          <a:lstStyle/>
-          <a:p>
-            <a:r>
-              <a:rPr lang="en-US" b="1" dirty="0"/>
-              <a:t>1. Chain of Responsibility</a:t>
-            </a:r>
-            <a:endParaRPr lang="en-US" dirty="0"/>
-          </a:p>
-        </p:txBody>
-      </p:sp>
-      <p:pic>
-        <p:nvPicPr>
-          <p:cNvPr id="10" name="Picture 9">
-            <a:extLst>
-              <a:ext uri="{FF2B5EF4-FFF2-40B4-BE49-F238E27FC236}">
-                <a16:creationId xmlns:a16="http://schemas.microsoft.com/office/drawing/2014/main" id="{F1561672-81A8-92EB-A825-7A4D3442D752}"/>
-              </a:ext>
-            </a:extLst>
-          </p:cNvPr>
-          <p:cNvPicPr>
-            <a:picLocks noChangeAspect="1"/>
-          </p:cNvPicPr>
-          <p:nvPr/>
-        </p:nvPicPr>
-        <p:blipFill>
-          <a:blip r:embed="rId3"/>
-          <a:stretch>
-            <a:fillRect/>
-          </a:stretch>
-        </p:blipFill>
-        <p:spPr>
-          <a:xfrm>
-            <a:off x="3118992" y="3257600"/>
-            <a:ext cx="17968956" cy="7488832"/>
-          </a:xfrm>
-          <a:prstGeom prst="rect">
-            <a:avLst/>
-          </a:prstGeom>
-        </p:spPr>
-      </p:pic>
-    </p:spTree>
-    <p:extLst>
-      <p:ext uri="{BB962C8B-B14F-4D97-AF65-F5344CB8AC3E}">
-        <p14:creationId xmlns:p14="http://schemas.microsoft.com/office/powerpoint/2010/main" val="2650344970"/>
-      </p:ext>
-    </p:extLst>
-  </p:cSld>
-  <p:clrMapOvr>
-    <a:masterClrMapping/>
-  </p:clrMapOvr>
-</p:sld>
-</file>
-
-<file path=ppt/slides/slide6.xml><?xml version="1.0" encoding="utf-8"?>
-<p:sld xmlns:a="http://schemas.openxmlformats.org/drawingml/2006/main" xmlns:r="http://schemas.openxmlformats.org/officeDocument/2006/relationships" xmlns:p="http://schemas.openxmlformats.org/presentationml/2006/main">
-  <p:cSld>
-    <p:spTree>
-      <p:nvGrpSpPr>
-        <p:cNvPr id="1" name=""/>
-        <p:cNvGrpSpPr/>
-        <p:nvPr/>
-      </p:nvGrpSpPr>
-      <p:grpSpPr>
-        <a:xfrm>
-          <a:off x="0" y="0"/>
-          <a:ext cx="0" cy="0"/>
-          <a:chOff x="0" y="0"/>
-          <a:chExt cx="0" cy="0"/>
-        </a:xfrm>
-      </p:grpSpPr>
-      <p:sp>
-        <p:nvSpPr>
-          <p:cNvPr id="2" name="Footer Placeholder 1">
-            <a:extLst>
-              <a:ext uri="{FF2B5EF4-FFF2-40B4-BE49-F238E27FC236}">
-                <a16:creationId xmlns:a16="http://schemas.microsoft.com/office/drawing/2014/main" id="{22DA5C28-F0FD-47D6-8E92-1C9E6EA87F96}"/>
-              </a:ext>
-            </a:extLst>
-          </p:cNvPr>
-          <p:cNvSpPr>
-            <a:spLocks noGrp="1"/>
-          </p:cNvSpPr>
-          <p:nvPr>
-            <p:ph type="ftr" sz="quarter" idx="3"/>
-          </p:nvPr>
-        </p:nvSpPr>
-        <p:spPr>
-          <a:xfrm>
-            <a:off x="1535016" y="12960000"/>
-            <a:ext cx="2016024" cy="180000"/>
-          </a:xfrm>
-        </p:spPr>
-        <p:txBody>
-          <a:bodyPr anchor="b">
-            <a:normAutofit/>
-          </a:bodyPr>
-          <a:lstStyle/>
-          <a:p>
-            <a:pPr>
-              <a:lnSpc>
-                <a:spcPct val="90000"/>
-              </a:lnSpc>
-              <a:spcAft>
-                <a:spcPts val="600"/>
-              </a:spcAft>
-            </a:pPr>
-            <a:r>
-              <a:rPr lang="en-AU"/>
-              <a:t>© 2023 CargoWise</a:t>
-            </a:r>
-            <a:endParaRPr lang="en-AU" dirty="0"/>
-          </a:p>
-        </p:txBody>
-      </p:sp>
-      <p:sp>
-        <p:nvSpPr>
-          <p:cNvPr id="3" name="Slide Number Placeholder 2">
-            <a:extLst>
-              <a:ext uri="{FF2B5EF4-FFF2-40B4-BE49-F238E27FC236}">
-                <a16:creationId xmlns:a16="http://schemas.microsoft.com/office/drawing/2014/main" id="{15B20483-DDDA-4E06-872B-F88C31FDBA35}"/>
-              </a:ext>
-            </a:extLst>
-          </p:cNvPr>
-          <p:cNvSpPr>
-            <a:spLocks noGrp="1"/>
-          </p:cNvSpPr>
-          <p:nvPr>
-            <p:ph type="sldNum" sz="quarter" idx="4"/>
-          </p:nvPr>
-        </p:nvSpPr>
-        <p:spPr>
-          <a:xfrm>
-            <a:off x="1080000" y="12960000"/>
-            <a:ext cx="310800" cy="180000"/>
-          </a:xfrm>
-        </p:spPr>
-        <p:txBody>
-          <a:bodyPr anchor="b">
-            <a:normAutofit/>
-          </a:bodyPr>
-          <a:lstStyle/>
-          <a:p>
-            <a:pPr>
-              <a:lnSpc>
-                <a:spcPct val="90000"/>
-              </a:lnSpc>
-              <a:spcAft>
-                <a:spcPts val="600"/>
-              </a:spcAft>
-            </a:pPr>
-            <a:fld id="{67E7CB4E-0848-4774-9F85-B38117CB1B54}" type="slidenum">
-              <a:rPr lang="en-AU" smtClean="0"/>
-              <a:pPr>
-                <a:lnSpc>
-                  <a:spcPct val="90000"/>
-                </a:lnSpc>
-                <a:spcAft>
-                  <a:spcPts val="600"/>
-                </a:spcAft>
-              </a:pPr>
-              <a:t>6</a:t>
-            </a:fld>
-            <a:endParaRPr lang="en-AU"/>
-          </a:p>
-        </p:txBody>
-      </p:sp>
-      <p:sp>
-        <p:nvSpPr>
-          <p:cNvPr id="8" name="Title 9">
-            <a:extLst>
-              <a:ext uri="{FF2B5EF4-FFF2-40B4-BE49-F238E27FC236}">
-                <a16:creationId xmlns:a16="http://schemas.microsoft.com/office/drawing/2014/main" id="{DC45491D-551A-5A4B-8A1B-9E9F2A459920}"/>
-              </a:ext>
-            </a:extLst>
-          </p:cNvPr>
-          <p:cNvSpPr>
-            <a:spLocks noGrp="1"/>
-          </p:cNvSpPr>
-          <p:nvPr>
-            <p:ph type="title"/>
-          </p:nvPr>
-        </p:nvSpPr>
-        <p:spPr>
-          <a:xfrm>
-            <a:off x="1080000" y="1125271"/>
-            <a:ext cx="22201232" cy="701456"/>
-          </a:xfrm>
-        </p:spPr>
-        <p:txBody>
-          <a:bodyPr/>
-          <a:lstStyle/>
-          <a:p>
-            <a:r>
-              <a:rPr lang="en-US" b="1" dirty="0"/>
-              <a:t>1. Chain of Responsibility</a:t>
-            </a:r>
-            <a:endParaRPr lang="en-US" dirty="0"/>
-          </a:p>
-        </p:txBody>
-      </p:sp>
-      <p:pic>
-        <p:nvPicPr>
-          <p:cNvPr id="9" name="Picture 8">
-            <a:extLst>
-              <a:ext uri="{FF2B5EF4-FFF2-40B4-BE49-F238E27FC236}">
-                <a16:creationId xmlns:a16="http://schemas.microsoft.com/office/drawing/2014/main" id="{7ED5B7E9-898D-111C-7A94-7CA2DD839C27}"/>
-              </a:ext>
-            </a:extLst>
-          </p:cNvPr>
-          <p:cNvPicPr>
-            <a:picLocks noChangeAspect="1"/>
-          </p:cNvPicPr>
-          <p:nvPr/>
-        </p:nvPicPr>
-        <p:blipFill>
-          <a:blip r:embed="rId3"/>
-          <a:stretch>
-            <a:fillRect/>
-          </a:stretch>
-        </p:blipFill>
-        <p:spPr>
-          <a:xfrm>
-            <a:off x="3479032" y="9072053"/>
-            <a:ext cx="16417824" cy="4050643"/>
-          </a:xfrm>
-          <a:prstGeom prst="rect">
-            <a:avLst/>
-          </a:prstGeom>
-        </p:spPr>
-      </p:pic>
-      <p:pic>
-        <p:nvPicPr>
-          <p:cNvPr id="11" name="Picture 10">
-            <a:extLst>
-              <a:ext uri="{FF2B5EF4-FFF2-40B4-BE49-F238E27FC236}">
-                <a16:creationId xmlns:a16="http://schemas.microsoft.com/office/drawing/2014/main" id="{F6FE14D0-C35C-9B27-F3ED-3305A5DA2DFC}"/>
-              </a:ext>
-            </a:extLst>
-          </p:cNvPr>
-          <p:cNvPicPr>
-            <a:picLocks noChangeAspect="1"/>
-          </p:cNvPicPr>
-          <p:nvPr/>
-        </p:nvPicPr>
-        <p:blipFill>
-          <a:blip r:embed="rId4"/>
-          <a:stretch>
-            <a:fillRect/>
-          </a:stretch>
-        </p:blipFill>
-        <p:spPr>
-          <a:xfrm>
-            <a:off x="3911080" y="2047515"/>
-            <a:ext cx="13393488" cy="7186749"/>
-          </a:xfrm>
-          <a:prstGeom prst="rect">
-            <a:avLst/>
-          </a:prstGeom>
-        </p:spPr>
-      </p:pic>
-    </p:spTree>
-    <p:extLst>
-      <p:ext uri="{BB962C8B-B14F-4D97-AF65-F5344CB8AC3E}">
-        <p14:creationId xmlns:p14="http://schemas.microsoft.com/office/powerpoint/2010/main" val="3893121675"/>
-      </p:ext>
-    </p:extLst>
-  </p:cSld>
-  <p:clrMapOvr>
-    <a:masterClrMapping/>
-  </p:clrMapOvr>
-  <p:timing>
-    <p:tnLst>
-      <p:par>
-        <p:cTn id="1" dur="indefinite" restart="never" nodeType="tmRoot">
-          <p:childTnLst>
-            <p:seq concurrent="1" nextAc="seek">
-              <p:cTn id="2" dur="indefinite" nodeType="mainSeq">
-                <p:childTnLst>
-                  <p:par>
-                    <p:cTn id="3" fill="hold">
-                      <p:stCondLst>
-                        <p:cond delay="indefinite"/>
-                      </p:stCondLst>
-                      <p:childTnLst>
-                        <p:par>
-                          <p:cTn id="4" fill="hold">
-                            <p:stCondLst>
-                              <p:cond delay="0"/>
-                            </p:stCondLst>
-                            <p:childTnLst>
-                              <p:par>
-                                <p:cTn id="5" presetID="10" presetClass="entr" presetSubtype="0" fill="hold" nodeType="clickEffect">
-                                  <p:stCondLst>
-                                    <p:cond delay="0"/>
-                                  </p:stCondLst>
-                                  <p:childTnLst>
-                                    <p:set>
-                                      <p:cBhvr>
-                                        <p:cTn id="6" dur="1" fill="hold">
-                                          <p:stCondLst>
-                                            <p:cond delay="0"/>
-                                          </p:stCondLst>
-                                        </p:cTn>
-                                        <p:tgtEl>
-                                          <p:spTgt spid="9"/>
-                                        </p:tgtEl>
-                                        <p:attrNameLst>
-                                          <p:attrName>style.visibility</p:attrName>
-                                        </p:attrNameLst>
-                                      </p:cBhvr>
-                                      <p:to>
-                                        <p:strVal val="visible"/>
-                                      </p:to>
-                                    </p:set>
-                                    <p:animEffect transition="in" filter="fade">
-                                      <p:cBhvr>
-                                        <p:cTn id="7" dur="500"/>
-                                        <p:tgtEl>
-                                          <p:spTgt spid="9"/>
-                                        </p:tgtEl>
-                                      </p:cBhvr>
-                                    </p:animEffect>
-                                  </p:childTnLst>
-                                </p:cTn>
-                              </p:par>
-                            </p:childTnLst>
-                          </p:cTn>
-                        </p:par>
-                      </p:childTnLst>
-                    </p:cTn>
-                  </p:par>
-                </p:childTnLst>
-              </p:cTn>
-              <p:prevCondLst>
-                <p:cond evt="onPrev" delay="0">
-                  <p:tgtEl>
-                    <p:sldTgt/>
-                  </p:tgtEl>
-                </p:cond>
-              </p:prevCondLst>
-              <p:nextCondLst>
-                <p:cond evt="onNext" delay="0">
-                  <p:tgtEl>
-                    <p:sldTgt/>
-                  </p:tgtEl>
-                </p:cond>
-              </p:nextCondLst>
-            </p:seq>
-          </p:childTnLst>
-        </p:cTn>
-      </p:par>
-    </p:tnLst>
-  </p:timing>
-</p:sld>
-</file>
-
-<file path=ppt/slides/slide7.xml><?xml version="1.0" encoding="utf-8"?>
 <p:sld xmlns:a="http://schemas.openxmlformats.org/drawingml/2006/main" xmlns:r="http://schemas.openxmlformats.org/officeDocument/2006/relationships" xmlns:p="http://schemas.openxmlformats.org/presentationml/2006/main">
   <p:cSld>
     <p:spTree>
@@ -30582,7 +26825,170 @@
             <a:fld id="{67E7CB4E-0848-4774-9F85-B38117CB1B54}" type="slidenum">
               <a:rPr lang="en-AU" smtClean="0"/>
               <a:pPr/>
-              <a:t>7</a:t>
+              <a:t>5</a:t>
+            </a:fld>
+            <a:endParaRPr lang="en-AU"/>
+          </a:p>
+        </p:txBody>
+      </p:sp>
+      <p:sp>
+        <p:nvSpPr>
+          <p:cNvPr id="13" name="Title 9">
+            <a:extLst>
+              <a:ext uri="{FF2B5EF4-FFF2-40B4-BE49-F238E27FC236}">
+                <a16:creationId xmlns:a16="http://schemas.microsoft.com/office/drawing/2014/main" id="{3BAEBDBD-7B50-9F58-BD3C-27FF4C445264}"/>
+              </a:ext>
+            </a:extLst>
+          </p:cNvPr>
+          <p:cNvSpPr>
+            <a:spLocks noGrp="1"/>
+          </p:cNvSpPr>
+          <p:nvPr>
+            <p:ph type="title"/>
+          </p:nvPr>
+        </p:nvSpPr>
+        <p:spPr>
+          <a:xfrm>
+            <a:off x="1080000" y="1125271"/>
+            <a:ext cx="22201232" cy="701456"/>
+          </a:xfrm>
+        </p:spPr>
+        <p:txBody>
+          <a:bodyPr/>
+          <a:lstStyle/>
+          <a:p>
+            <a:r>
+              <a:rPr lang="en-US" b="1" dirty="0"/>
+              <a:t>1. </a:t>
+            </a:r>
+            <a:r>
+              <a:rPr lang="en-US" b="1" kern="1200" dirty="0">
+                <a:latin typeface="Calibri" panose="020F0502020204030204"/>
+                <a:ea typeface="+mn-ea"/>
+                <a:cs typeface="+mn-cs"/>
+              </a:rPr>
+              <a:t>Observer</a:t>
+            </a:r>
+            <a:br>
+              <a:rPr lang="en-US" dirty="0"/>
+            </a:br>
+            <a:endParaRPr lang="en-US" dirty="0"/>
+          </a:p>
+        </p:txBody>
+      </p:sp>
+      <p:pic>
+        <p:nvPicPr>
+          <p:cNvPr id="5" name="Picture 4">
+            <a:extLst>
+              <a:ext uri="{FF2B5EF4-FFF2-40B4-BE49-F238E27FC236}">
+                <a16:creationId xmlns:a16="http://schemas.microsoft.com/office/drawing/2014/main" id="{4AC3FD9B-EBE0-62EC-EAE0-C267C20F2286}"/>
+              </a:ext>
+            </a:extLst>
+          </p:cNvPr>
+          <p:cNvPicPr>
+            <a:picLocks noChangeAspect="1"/>
+          </p:cNvPicPr>
+          <p:nvPr/>
+        </p:nvPicPr>
+        <p:blipFill>
+          <a:blip r:embed="rId3"/>
+          <a:stretch>
+            <a:fillRect/>
+          </a:stretch>
+        </p:blipFill>
+        <p:spPr>
+          <a:xfrm>
+            <a:off x="3191000" y="2753544"/>
+            <a:ext cx="17773015" cy="6192688"/>
+          </a:xfrm>
+          <a:prstGeom prst="rect">
+            <a:avLst/>
+          </a:prstGeom>
+        </p:spPr>
+      </p:pic>
+    </p:spTree>
+    <p:extLst>
+      <p:ext uri="{BB962C8B-B14F-4D97-AF65-F5344CB8AC3E}">
+        <p14:creationId xmlns:p14="http://schemas.microsoft.com/office/powerpoint/2010/main" val="1493096502"/>
+      </p:ext>
+    </p:extLst>
+  </p:cSld>
+  <p:clrMapOvr>
+    <a:masterClrMapping/>
+  </p:clrMapOvr>
+</p:sld>
+</file>
+
+<file path=ppt/slides/slide6.xml><?xml version="1.0" encoding="utf-8"?>
+<p:sld xmlns:a="http://schemas.openxmlformats.org/drawingml/2006/main" xmlns:r="http://schemas.openxmlformats.org/officeDocument/2006/relationships" xmlns:p="http://schemas.openxmlformats.org/presentationml/2006/main">
+  <p:cSld>
+    <p:spTree>
+      <p:nvGrpSpPr>
+        <p:cNvPr id="1" name=""/>
+        <p:cNvGrpSpPr/>
+        <p:nvPr/>
+      </p:nvGrpSpPr>
+      <p:grpSpPr>
+        <a:xfrm>
+          <a:off x="0" y="0"/>
+          <a:ext cx="0" cy="0"/>
+          <a:chOff x="0" y="0"/>
+          <a:chExt cx="0" cy="0"/>
+        </a:xfrm>
+      </p:grpSpPr>
+      <p:sp>
+        <p:nvSpPr>
+          <p:cNvPr id="2" name="Footer Placeholder 1">
+            <a:extLst>
+              <a:ext uri="{FF2B5EF4-FFF2-40B4-BE49-F238E27FC236}">
+                <a16:creationId xmlns:a16="http://schemas.microsoft.com/office/drawing/2014/main" id="{22DA5C28-F0FD-47D6-8E92-1C9E6EA87F96}"/>
+              </a:ext>
+            </a:extLst>
+          </p:cNvPr>
+          <p:cNvSpPr>
+            <a:spLocks noGrp="1"/>
+          </p:cNvSpPr>
+          <p:nvPr>
+            <p:ph type="ftr" sz="quarter" idx="3"/>
+          </p:nvPr>
+        </p:nvSpPr>
+        <p:spPr/>
+        <p:txBody>
+          <a:bodyPr/>
+          <a:lstStyle/>
+          <a:p>
+            <a:r>
+              <a:rPr lang="en-AU" dirty="0"/>
+              <a:t>© 2023 CargoWise</a:t>
+            </a:r>
+          </a:p>
+        </p:txBody>
+      </p:sp>
+      <p:sp>
+        <p:nvSpPr>
+          <p:cNvPr id="3" name="Slide Number Placeholder 2">
+            <a:extLst>
+              <a:ext uri="{FF2B5EF4-FFF2-40B4-BE49-F238E27FC236}">
+                <a16:creationId xmlns:a16="http://schemas.microsoft.com/office/drawing/2014/main" id="{15B20483-DDDA-4E06-872B-F88C31FDBA35}"/>
+              </a:ext>
+            </a:extLst>
+          </p:cNvPr>
+          <p:cNvSpPr>
+            <a:spLocks noGrp="1"/>
+          </p:cNvSpPr>
+          <p:nvPr>
+            <p:ph type="sldNum" sz="quarter" idx="4"/>
+          </p:nvPr>
+        </p:nvSpPr>
+        <p:spPr/>
+        <p:txBody>
+          <a:bodyPr/>
+          <a:lstStyle/>
+          <a:p>
+            <a:fld id="{67E7CB4E-0848-4774-9F85-B38117CB1B54}" type="slidenum">
+              <a:rPr lang="en-AU" smtClean="0"/>
+              <a:pPr/>
+              <a:t>6</a:t>
             </a:fld>
             <a:endParaRPr lang="en-AU"/>
           </a:p>
@@ -30676,7 +27082,7 @@
 </p:sld>
 </file>
 
-<file path=ppt/slides/slide8.xml><?xml version="1.0" encoding="utf-8"?>
+<file path=ppt/slides/slide7.xml><?xml version="1.0" encoding="utf-8"?>
 <p:sld xmlns:a="http://schemas.openxmlformats.org/drawingml/2006/main" xmlns:r="http://schemas.openxmlformats.org/officeDocument/2006/relationships" xmlns:p="http://schemas.openxmlformats.org/presentationml/2006/main">
   <p:cSld>
     <p:spTree>
@@ -30745,7 +27151,7 @@
             <a:fld id="{67E7CB4E-0848-4774-9F85-B38117CB1B54}" type="slidenum">
               <a:rPr lang="en-AU" smtClean="0"/>
               <a:pPr/>
-              <a:t>8</a:t>
+              <a:t>7</a:t>
             </a:fld>
             <a:endParaRPr lang="en-AU"/>
           </a:p>
@@ -30878,6 +27284,169 @@
 </p:sld>
 </file>
 
+<file path=ppt/slides/slide8.xml><?xml version="1.0" encoding="utf-8"?>
+<p:sld xmlns:a="http://schemas.openxmlformats.org/drawingml/2006/main" xmlns:r="http://schemas.openxmlformats.org/officeDocument/2006/relationships" xmlns:p="http://schemas.openxmlformats.org/presentationml/2006/main">
+  <p:cSld>
+    <p:spTree>
+      <p:nvGrpSpPr>
+        <p:cNvPr id="1" name=""/>
+        <p:cNvGrpSpPr/>
+        <p:nvPr/>
+      </p:nvGrpSpPr>
+      <p:grpSpPr>
+        <a:xfrm>
+          <a:off x="0" y="0"/>
+          <a:ext cx="0" cy="0"/>
+          <a:chOff x="0" y="0"/>
+          <a:chExt cx="0" cy="0"/>
+        </a:xfrm>
+      </p:grpSpPr>
+      <p:sp>
+        <p:nvSpPr>
+          <p:cNvPr id="2" name="Footer Placeholder 1">
+            <a:extLst>
+              <a:ext uri="{FF2B5EF4-FFF2-40B4-BE49-F238E27FC236}">
+                <a16:creationId xmlns:a16="http://schemas.microsoft.com/office/drawing/2014/main" id="{22DA5C28-F0FD-47D6-8E92-1C9E6EA87F96}"/>
+              </a:ext>
+            </a:extLst>
+          </p:cNvPr>
+          <p:cNvSpPr>
+            <a:spLocks noGrp="1"/>
+          </p:cNvSpPr>
+          <p:nvPr>
+            <p:ph type="ftr" sz="quarter" idx="3"/>
+          </p:nvPr>
+        </p:nvSpPr>
+        <p:spPr/>
+        <p:txBody>
+          <a:bodyPr/>
+          <a:lstStyle/>
+          <a:p>
+            <a:r>
+              <a:rPr lang="en-AU" dirty="0"/>
+              <a:t>© 2023 CargoWise</a:t>
+            </a:r>
+          </a:p>
+        </p:txBody>
+      </p:sp>
+      <p:sp>
+        <p:nvSpPr>
+          <p:cNvPr id="3" name="Slide Number Placeholder 2">
+            <a:extLst>
+              <a:ext uri="{FF2B5EF4-FFF2-40B4-BE49-F238E27FC236}">
+                <a16:creationId xmlns:a16="http://schemas.microsoft.com/office/drawing/2014/main" id="{15B20483-DDDA-4E06-872B-F88C31FDBA35}"/>
+              </a:ext>
+            </a:extLst>
+          </p:cNvPr>
+          <p:cNvSpPr>
+            <a:spLocks noGrp="1"/>
+          </p:cNvSpPr>
+          <p:nvPr>
+            <p:ph type="sldNum" sz="quarter" idx="4"/>
+          </p:nvPr>
+        </p:nvSpPr>
+        <p:spPr/>
+        <p:txBody>
+          <a:bodyPr/>
+          <a:lstStyle/>
+          <a:p>
+            <a:fld id="{67E7CB4E-0848-4774-9F85-B38117CB1B54}" type="slidenum">
+              <a:rPr lang="en-AU" smtClean="0"/>
+              <a:pPr/>
+              <a:t>8</a:t>
+            </a:fld>
+            <a:endParaRPr lang="en-AU"/>
+          </a:p>
+        </p:txBody>
+      </p:sp>
+      <p:sp>
+        <p:nvSpPr>
+          <p:cNvPr id="13" name="Title 9">
+            <a:extLst>
+              <a:ext uri="{FF2B5EF4-FFF2-40B4-BE49-F238E27FC236}">
+                <a16:creationId xmlns:a16="http://schemas.microsoft.com/office/drawing/2014/main" id="{3BAEBDBD-7B50-9F58-BD3C-27FF4C445264}"/>
+              </a:ext>
+            </a:extLst>
+          </p:cNvPr>
+          <p:cNvSpPr>
+            <a:spLocks noGrp="1"/>
+          </p:cNvSpPr>
+          <p:nvPr>
+            <p:ph type="title"/>
+          </p:nvPr>
+        </p:nvSpPr>
+        <p:spPr>
+          <a:xfrm>
+            <a:off x="1080000" y="1125271"/>
+            <a:ext cx="22201232" cy="701456"/>
+          </a:xfrm>
+        </p:spPr>
+        <p:txBody>
+          <a:bodyPr/>
+          <a:lstStyle/>
+          <a:p>
+            <a:r>
+              <a:rPr lang="en-US" b="1" dirty="0"/>
+              <a:t>2. </a:t>
+            </a:r>
+            <a:r>
+              <a:rPr lang="en-US" b="1" kern="1200" dirty="0">
+                <a:latin typeface="Calibri" panose="020F0502020204030204"/>
+                <a:ea typeface="+mn-ea"/>
+                <a:cs typeface="+mn-cs"/>
+              </a:rPr>
+              <a:t>Strategy</a:t>
+            </a:r>
+            <a:br>
+              <a:rPr lang="en-US" dirty="0"/>
+            </a:br>
+            <a:endParaRPr lang="en-US" dirty="0"/>
+          </a:p>
+        </p:txBody>
+      </p:sp>
+      <p:pic>
+        <p:nvPicPr>
+          <p:cNvPr id="5" name="Picture 4">
+            <a:extLst>
+              <a:ext uri="{FF2B5EF4-FFF2-40B4-BE49-F238E27FC236}">
+                <a16:creationId xmlns:a16="http://schemas.microsoft.com/office/drawing/2014/main" id="{CEFEC9EC-09C3-271A-5D2B-5901C9D7EC13}"/>
+              </a:ext>
+            </a:extLst>
+          </p:cNvPr>
+          <p:cNvPicPr>
+            <a:picLocks noChangeAspect="1"/>
+          </p:cNvPicPr>
+          <p:nvPr/>
+        </p:nvPicPr>
+        <p:blipFill>
+          <a:blip r:embed="rId3"/>
+          <a:stretch>
+            <a:fillRect/>
+          </a:stretch>
+        </p:blipFill>
+        <p:spPr>
+          <a:xfrm>
+            <a:off x="3335016" y="2094361"/>
+            <a:ext cx="15841760" cy="11460383"/>
+          </a:xfrm>
+          <a:prstGeom prst="rect">
+            <a:avLst/>
+          </a:prstGeom>
+        </p:spPr>
+      </p:pic>
+    </p:spTree>
+    <p:extLst>
+      <p:ext uri="{BB962C8B-B14F-4D97-AF65-F5344CB8AC3E}">
+        <p14:creationId xmlns:p14="http://schemas.microsoft.com/office/powerpoint/2010/main" val="3284009479"/>
+      </p:ext>
+    </p:extLst>
+  </p:cSld>
+  <p:clrMapOvr>
+    <a:masterClrMapping/>
+  </p:clrMapOvr>
+</p:sld>
+</file>
+
 <file path=ppt/slides/slide9.xml><?xml version="1.0" encoding="utf-8"?>
 <p:sld xmlns:a="http://schemas.openxmlformats.org/drawingml/2006/main" xmlns:r="http://schemas.openxmlformats.org/officeDocument/2006/relationships" xmlns:p="http://schemas.openxmlformats.org/presentationml/2006/main">
   <p:cSld>
@@ -30981,7 +27550,7 @@
           <a:p>
             <a:r>
               <a:rPr lang="en-US" b="1" dirty="0"/>
-              <a:t>2. </a:t>
+              <a:t>3. </a:t>
             </a:r>
             <a:r>
               <a:rPr lang="en-US" b="1" kern="1200" dirty="0">
@@ -30989,7 +27558,7 @@
                 <a:ea typeface="+mn-ea"/>
                 <a:cs typeface="+mn-cs"/>
               </a:rPr>
-              <a:t>Strategy</a:t>
+              <a:t>Iterator</a:t>
             </a:r>
             <a:br>
               <a:rPr lang="en-US" dirty="0"/>
@@ -31000,38 +27569,144 @@
       </p:sp>
       <p:pic>
         <p:nvPicPr>
-          <p:cNvPr id="5" name="Picture 4">
+          <p:cNvPr id="1030" name="Picture 6" descr="各种类型的收藏">
             <a:extLst>
               <a:ext uri="{FF2B5EF4-FFF2-40B4-BE49-F238E27FC236}">
-                <a16:creationId xmlns:a16="http://schemas.microsoft.com/office/drawing/2014/main" id="{CEFEC9EC-09C3-271A-5D2B-5901C9D7EC13}"/>
+                <a16:creationId xmlns:a16="http://schemas.microsoft.com/office/drawing/2014/main" id="{5FE7F1D1-D57A-8D02-30F2-E2B4982C08AE}"/>
               </a:ext>
             </a:extLst>
           </p:cNvPr>
           <p:cNvPicPr>
-            <a:picLocks noChangeAspect="1"/>
+            <a:picLocks noChangeAspect="1" noChangeArrowheads="1"/>
           </p:cNvPicPr>
           <p:nvPr/>
         </p:nvPicPr>
         <p:blipFill>
-          <a:blip r:embed="rId3"/>
+          <a:blip r:embed="rId3">
+            <a:extLst>
+              <a:ext uri="{28A0092B-C50C-407E-A947-70E740481C1C}">
+                <a14:useLocalDpi xmlns:a14="http://schemas.microsoft.com/office/drawing/2010/main" val="0"/>
+              </a:ext>
+            </a:extLst>
+          </a:blip>
+          <a:srcRect/>
           <a:stretch>
             <a:fillRect/>
           </a:stretch>
         </p:blipFill>
-        <p:spPr>
+        <p:spPr bwMode="auto">
           <a:xfrm>
-            <a:off x="3335016" y="2094361"/>
-            <a:ext cx="15841760" cy="11460383"/>
+            <a:off x="3767064" y="2602895"/>
+            <a:ext cx="15035836" cy="3068538"/>
           </a:xfrm>
           <a:prstGeom prst="rect">
             <a:avLst/>
           </a:prstGeom>
+          <a:noFill/>
+          <a:extLst>
+            <a:ext uri="{909E8E84-426E-40DD-AFC4-6F175D3DCCD1}">
+              <a14:hiddenFill xmlns:a14="http://schemas.microsoft.com/office/drawing/2010/main">
+                <a:solidFill>
+                  <a:srgbClr val="FFFFFF"/>
+                </a:solidFill>
+              </a14:hiddenFill>
+            </a:ext>
+          </a:extLst>
         </p:spPr>
       </p:pic>
+      <p:pic>
+        <p:nvPicPr>
+          <p:cNvPr id="1032" name="Picture 8" descr="各种遍历算法">
+            <a:extLst>
+              <a:ext uri="{FF2B5EF4-FFF2-40B4-BE49-F238E27FC236}">
+                <a16:creationId xmlns:a16="http://schemas.microsoft.com/office/drawing/2014/main" id="{FA13AA82-585F-CAF8-983E-890D794FB78F}"/>
+              </a:ext>
+            </a:extLst>
+          </p:cNvPr>
+          <p:cNvPicPr>
+            <a:picLocks noChangeAspect="1" noChangeArrowheads="1"/>
+          </p:cNvPicPr>
+          <p:nvPr/>
+        </p:nvPicPr>
+        <p:blipFill>
+          <a:blip r:embed="rId4">
+            <a:extLst>
+              <a:ext uri="{28A0092B-C50C-407E-A947-70E740481C1C}">
+                <a14:useLocalDpi xmlns:a14="http://schemas.microsoft.com/office/drawing/2010/main" val="0"/>
+              </a:ext>
+            </a:extLst>
+          </a:blip>
+          <a:srcRect/>
+          <a:stretch>
+            <a:fillRect/>
+          </a:stretch>
+        </p:blipFill>
+        <p:spPr bwMode="auto">
+          <a:xfrm>
+            <a:off x="3944701" y="5993904"/>
+            <a:ext cx="16471830" cy="4392488"/>
+          </a:xfrm>
+          <a:prstGeom prst="rect">
+            <a:avLst/>
+          </a:prstGeom>
+          <a:noFill/>
+          <a:extLst>
+            <a:ext uri="{909E8E84-426E-40DD-AFC4-6F175D3DCCD1}">
+              <a14:hiddenFill xmlns:a14="http://schemas.microsoft.com/office/drawing/2010/main">
+                <a:solidFill>
+                  <a:srgbClr val="FFFFFF"/>
+                </a:solidFill>
+              </a14:hiddenFill>
+            </a:ext>
+          </a:extLst>
+        </p:spPr>
+      </p:pic>
+      <p:sp>
+        <p:nvSpPr>
+          <p:cNvPr id="6" name="TextBox 5">
+            <a:extLst>
+              <a:ext uri="{FF2B5EF4-FFF2-40B4-BE49-F238E27FC236}">
+                <a16:creationId xmlns:a16="http://schemas.microsoft.com/office/drawing/2014/main" id="{29B3E2C0-6587-B64D-B030-79A3B120D83D}"/>
+              </a:ext>
+            </a:extLst>
+          </p:cNvPr>
+          <p:cNvSpPr txBox="1"/>
+          <p:nvPr/>
+        </p:nvSpPr>
+        <p:spPr>
+          <a:xfrm>
+            <a:off x="4271120" y="10962456"/>
+            <a:ext cx="16471830" cy="830997"/>
+          </a:xfrm>
+          <a:prstGeom prst="rect">
+            <a:avLst/>
+          </a:prstGeom>
+          <a:noFill/>
+        </p:spPr>
+        <p:txBody>
+          <a:bodyPr wrap="square">
+            <a:spAutoFit/>
+          </a:bodyPr>
+          <a:lstStyle/>
+          <a:p>
+            <a:r>
+              <a:rPr lang="en-US" b="0" i="1" dirty="0">
+                <a:solidFill>
+                  <a:srgbClr val="999999"/>
+                </a:solidFill>
+                <a:effectLst/>
+                <a:latin typeface="PT Sans" panose="020B0503020203020204" pitchFamily="34" charset="0"/>
+              </a:rPr>
+              <a:t>The same collection can be traversed in several different ways.</a:t>
+            </a:r>
+            <a:endParaRPr lang="en-US" dirty="0"/>
+          </a:p>
+        </p:txBody>
+      </p:sp>
     </p:spTree>
     <p:extLst>
       <p:ext uri="{BB962C8B-B14F-4D97-AF65-F5344CB8AC3E}">
-        <p14:creationId xmlns:p14="http://schemas.microsoft.com/office/powerpoint/2010/main" val="3284009479"/>
+        <p14:creationId xmlns:p14="http://schemas.microsoft.com/office/powerpoint/2010/main" val="3735070334"/>
       </p:ext>
     </p:extLst>
   </p:cSld>
@@ -31886,15 +28561,6 @@
 </file>
 
 <file path=customXml/item2.xml><?xml version="1.0" encoding="utf-8"?>
-<?mso-contentType ?>
-<FormTemplates xmlns="http://schemas.microsoft.com/sharepoint/v3/contenttype/forms">
-  <Display>DocumentLibraryForm</Display>
-  <Edit>DocumentLibraryForm</Edit>
-  <New>DocumentLibraryForm</New>
-</FormTemplates>
-</file>
-
-<file path=customXml/item3.xml><?xml version="1.0" encoding="utf-8"?>
 <ct:contentTypeSchema xmlns:ct="http://schemas.microsoft.com/office/2006/metadata/contentType" xmlns:ma="http://schemas.microsoft.com/office/2006/metadata/properties/metaAttributes" ct:_="" ma:_="" ma:contentTypeName="Document" ma:contentTypeID="0x010100EEBA5D7D688A8D40BC8134A23630083E" ma:contentTypeVersion="17" ma:contentTypeDescription="Create a new document." ma:contentTypeScope="" ma:versionID="6c9f025c4a6d5a921d1240212dd2136e">
   <xsd:schema xmlns:xsd="http://www.w3.org/2001/XMLSchema" xmlns:xs="http://www.w3.org/2001/XMLSchema" xmlns:p="http://schemas.microsoft.com/office/2006/metadata/properties" xmlns:ns2="5b887053-13c9-4ef0-8e1a-18d371f97b0f" xmlns:ns3="0cb0f8a9-a4a1-4c3c-bc15-be6ee1e258a4" targetNamespace="http://schemas.microsoft.com/office/2006/metadata/properties" ma:root="true" ma:fieldsID="76276428416178d444d5a49df65bd1b6" ns2:_="" ns3:_="">
     <xsd:import namespace="5b887053-13c9-4ef0-8e1a-18d371f97b0f"/>
@@ -32127,6 +28793,15 @@
 </ct:contentTypeSchema>
 </file>
 
+<file path=customXml/item3.xml><?xml version="1.0" encoding="utf-8"?>
+<?mso-contentType ?>
+<FormTemplates xmlns="http://schemas.microsoft.com/sharepoint/v3/contenttype/forms">
+  <Display>DocumentLibraryForm</Display>
+  <Edit>DocumentLibraryForm</Edit>
+  <New>DocumentLibraryForm</New>
+</FormTemplates>
+</file>
+
 <file path=customXml/itemProps1.xml><?xml version="1.0" encoding="utf-8"?>
 <ds:datastoreItem xmlns:ds="http://schemas.openxmlformats.org/officeDocument/2006/customXml" ds:itemID="{FDC47B46-8518-488D-ACE5-55099526A1A9}">
   <ds:schemaRefs>
@@ -32145,14 +28820,6 @@
 </file>
 
 <file path=customXml/itemProps2.xml><?xml version="1.0" encoding="utf-8"?>
-<ds:datastoreItem xmlns:ds="http://schemas.openxmlformats.org/officeDocument/2006/customXml" ds:itemID="{D703E6E5-489B-4004-B595-51B1421CF944}">
-  <ds:schemaRefs>
-    <ds:schemaRef ds:uri="http://schemas.microsoft.com/sharepoint/v3/contenttype/forms"/>
-  </ds:schemaRefs>
-</ds:datastoreItem>
-</file>
-
-<file path=customXml/itemProps3.xml><?xml version="1.0" encoding="utf-8"?>
 <ds:datastoreItem xmlns:ds="http://schemas.openxmlformats.org/officeDocument/2006/customXml" ds:itemID="{3ACBF87C-9E24-4F0A-85E5-D0AA1A6E191C}">
   <ds:schemaRefs>
     <ds:schemaRef ds:uri="http://schemas.microsoft.com/office/2006/metadata/contentType"/>
@@ -32169,4 +28836,12 @@
     <ds:schemaRef ds:uri="http://schemas.microsoft.com/internal/obd"/>
   </ds:schemaRefs>
 </ds:datastoreItem>
+</file>
+
+<file path=customXml/itemProps3.xml><?xml version="1.0" encoding="utf-8"?>
+<ds:datastoreItem xmlns:ds="http://schemas.openxmlformats.org/officeDocument/2006/customXml" ds:itemID="{D703E6E5-489B-4004-B595-51B1421CF944}">
+  <ds:schemaRefs>
+    <ds:schemaRef ds:uri="http://schemas.microsoft.com/sharepoint/v3/contenttype/forms"/>
+  </ds:schemaRefs>
+</ds:datastoreItem>
 </file>
--- a/DesignPatterns/Behavioral Design Patterns/Behavioral Design Patterns - WTG.pptx
+++ b/DesignPatterns/Behavioral Design Patterns/Behavioral Design Patterns - WTG.pptx
@@ -5,29 +5,30 @@
     <p:sldMasterId id="2147483648" r:id="rId4"/>
   </p:sldMasterIdLst>
   <p:notesMasterIdLst>
-    <p:notesMasterId r:id="rId22"/>
+    <p:notesMasterId r:id="rId23"/>
   </p:notesMasterIdLst>
   <p:handoutMasterIdLst>
-    <p:handoutMasterId r:id="rId23"/>
+    <p:handoutMasterId r:id="rId24"/>
   </p:handoutMasterIdLst>
   <p:sldIdLst>
     <p:sldId id="264" r:id="rId5"/>
     <p:sldId id="269" r:id="rId6"/>
     <p:sldId id="309" r:id="rId7"/>
-    <p:sldId id="312" r:id="rId8"/>
-    <p:sldId id="311" r:id="rId9"/>
-    <p:sldId id="306" r:id="rId10"/>
-    <p:sldId id="307" r:id="rId11"/>
-    <p:sldId id="308" r:id="rId12"/>
-    <p:sldId id="313" r:id="rId13"/>
-    <p:sldId id="314" r:id="rId14"/>
-    <p:sldId id="315" r:id="rId15"/>
-    <p:sldId id="316" r:id="rId16"/>
-    <p:sldId id="318" r:id="rId17"/>
-    <p:sldId id="317" r:id="rId18"/>
-    <p:sldId id="290" r:id="rId19"/>
-    <p:sldId id="303" r:id="rId20"/>
-    <p:sldId id="304" r:id="rId21"/>
+    <p:sldId id="311" r:id="rId8"/>
+    <p:sldId id="312" r:id="rId9"/>
+    <p:sldId id="319" r:id="rId10"/>
+    <p:sldId id="306" r:id="rId11"/>
+    <p:sldId id="307" r:id="rId12"/>
+    <p:sldId id="308" r:id="rId13"/>
+    <p:sldId id="313" r:id="rId14"/>
+    <p:sldId id="314" r:id="rId15"/>
+    <p:sldId id="315" r:id="rId16"/>
+    <p:sldId id="316" r:id="rId17"/>
+    <p:sldId id="318" r:id="rId18"/>
+    <p:sldId id="317" r:id="rId19"/>
+    <p:sldId id="290" r:id="rId20"/>
+    <p:sldId id="303" r:id="rId21"/>
+    <p:sldId id="304" r:id="rId22"/>
   </p:sldIdLst>
   <p:sldSz cx="24384000" cy="13716000"/>
   <p:notesSz cx="6858000" cy="9144000"/>
@@ -151,7 +152,7 @@
 <file path=ppt/revisionInfo.xml><?xml version="1.0" encoding="utf-8"?>
 <p1510:revInfo xmlns:a="http://schemas.openxmlformats.org/drawingml/2006/main" xmlns:r="http://schemas.openxmlformats.org/officeDocument/2006/relationships" xmlns:p1510="http://schemas.microsoft.com/office/powerpoint/2015/10/main">
   <p1510:revLst>
-    <p1510:client id="{7058694A-483B-403F-89BA-FD8C3FB39D35}" v="29" dt="2023-09-23T04:05:45.482"/>
+    <p1510:client id="{7058694A-483B-403F-89BA-FD8C3FB39D35}" v="66" dt="2023-09-23T07:17:23.511"/>
   </p1510:revLst>
 </p1510:revInfo>
 </file>
@@ -939,8 +940,8 @@
   </pc:docChgLst>
   <pc:docChgLst>
     <pc:chgData name="Nancy Li" userId="afc5209a-cf39-48d8-a57f-08cc8b772ec9" providerId="ADAL" clId="{7058694A-483B-403F-89BA-FD8C3FB39D35}"/>
-    <pc:docChg chg="delSld modSld sldOrd">
-      <pc:chgData name="Nancy Li" userId="afc5209a-cf39-48d8-a57f-08cc8b772ec9" providerId="ADAL" clId="{7058694A-483B-403F-89BA-FD8C3FB39D35}" dt="2023-09-23T04:07:01.232" v="66" actId="20577"/>
+    <pc:docChg chg="undo custSel addSld delSld modSld sldOrd">
+      <pc:chgData name="Nancy Li" userId="afc5209a-cf39-48d8-a57f-08cc8b772ec9" providerId="ADAL" clId="{7058694A-483B-403F-89BA-FD8C3FB39D35}" dt="2023-09-23T07:21:18.590" v="355" actId="1076"/>
       <pc:docMkLst>
         <pc:docMk/>
       </pc:docMkLst>
@@ -965,20 +966,28 @@
           <pc:sldMk cId="2895557782" sldId="275"/>
         </pc:sldMkLst>
       </pc:sldChg>
-      <pc:sldChg chg="modSp">
-        <pc:chgData name="Nancy Li" userId="afc5209a-cf39-48d8-a57f-08cc8b772ec9" providerId="ADAL" clId="{7058694A-483B-403F-89BA-FD8C3FB39D35}" dt="2023-09-23T03:55:50.584" v="31" actId="20577"/>
+      <pc:sldChg chg="addSp modSp mod">
+        <pc:chgData name="Nancy Li" userId="afc5209a-cf39-48d8-a57f-08cc8b772ec9" providerId="ADAL" clId="{7058694A-483B-403F-89BA-FD8C3FB39D35}" dt="2023-09-23T07:07:35.029" v="239" actId="1076"/>
         <pc:sldMkLst>
           <pc:docMk/>
           <pc:sldMk cId="291393146" sldId="290"/>
         </pc:sldMkLst>
         <pc:graphicFrameChg chg="mod">
-          <ac:chgData name="Nancy Li" userId="afc5209a-cf39-48d8-a57f-08cc8b772ec9" providerId="ADAL" clId="{7058694A-483B-403F-89BA-FD8C3FB39D35}" dt="2023-09-23T03:55:50.584" v="31" actId="20577"/>
+          <ac:chgData name="Nancy Li" userId="afc5209a-cf39-48d8-a57f-08cc8b772ec9" providerId="ADAL" clId="{7058694A-483B-403F-89BA-FD8C3FB39D35}" dt="2023-09-23T06:59:58.454" v="210" actId="14100"/>
           <ac:graphicFrameMkLst>
             <pc:docMk/>
             <pc:sldMk cId="291393146" sldId="290"/>
             <ac:graphicFrameMk id="4" creationId="{F24AEBD7-4394-A74A-64EE-2AE4E6086DB6}"/>
           </ac:graphicFrameMkLst>
         </pc:graphicFrameChg>
+        <pc:picChg chg="add mod">
+          <ac:chgData name="Nancy Li" userId="afc5209a-cf39-48d8-a57f-08cc8b772ec9" providerId="ADAL" clId="{7058694A-483B-403F-89BA-FD8C3FB39D35}" dt="2023-09-23T07:07:35.029" v="239" actId="1076"/>
+          <ac:picMkLst>
+            <pc:docMk/>
+            <pc:sldMk cId="291393146" sldId="290"/>
+            <ac:picMk id="3" creationId="{552CE9FF-59E2-CC3F-7035-3F593D620340}"/>
+          </ac:picMkLst>
+        </pc:picChg>
       </pc:sldChg>
       <pc:sldChg chg="del">
         <pc:chgData name="Nancy Li" userId="afc5209a-cf39-48d8-a57f-08cc8b772ec9" providerId="ADAL" clId="{7058694A-483B-403F-89BA-FD8C3FB39D35}" dt="2023-09-23T03:54:47.251" v="3" actId="47"/>
@@ -1002,27 +1011,147 @@
           </ac:spMkLst>
         </pc:spChg>
       </pc:sldChg>
-      <pc:sldChg chg="modSp mod ord">
-        <pc:chgData name="Nancy Li" userId="afc5209a-cf39-48d8-a57f-08cc8b772ec9" providerId="ADAL" clId="{7058694A-483B-403F-89BA-FD8C3FB39D35}" dt="2023-09-23T03:56:39.162" v="43" actId="20577"/>
+      <pc:sldChg chg="addSp delSp modSp mod ord modTransition modAnim">
+        <pc:chgData name="Nancy Li" userId="afc5209a-cf39-48d8-a57f-08cc8b772ec9" providerId="ADAL" clId="{7058694A-483B-403F-89BA-FD8C3FB39D35}" dt="2023-09-23T07:06:19.589" v="234"/>
         <pc:sldMkLst>
           <pc:docMk/>
           <pc:sldMk cId="1493096502" sldId="311"/>
         </pc:sldMkLst>
+        <pc:spChg chg="add del mod">
+          <ac:chgData name="Nancy Li" userId="afc5209a-cf39-48d8-a57f-08cc8b772ec9" providerId="ADAL" clId="{7058694A-483B-403F-89BA-FD8C3FB39D35}" dt="2023-09-23T05:30:50.508" v="85" actId="478"/>
+          <ac:spMkLst>
+            <pc:docMk/>
+            <pc:sldMk cId="1493096502" sldId="311"/>
+            <ac:spMk id="4" creationId="{38DC9194-AA0A-2908-0AB8-5477194AC253}"/>
+          </ac:spMkLst>
+        </pc:spChg>
+        <pc:spChg chg="add del mod">
+          <ac:chgData name="Nancy Li" userId="afc5209a-cf39-48d8-a57f-08cc8b772ec9" providerId="ADAL" clId="{7058694A-483B-403F-89BA-FD8C3FB39D35}" dt="2023-09-23T05:33:27.965" v="94" actId="478"/>
+          <ac:spMkLst>
+            <pc:docMk/>
+            <pc:sldMk cId="1493096502" sldId="311"/>
+            <ac:spMk id="6" creationId="{AF89D149-C11F-2F59-7C2A-BE547A685371}"/>
+          </ac:spMkLst>
+        </pc:spChg>
+        <pc:spChg chg="add del mod">
+          <ac:chgData name="Nancy Li" userId="afc5209a-cf39-48d8-a57f-08cc8b772ec9" providerId="ADAL" clId="{7058694A-483B-403F-89BA-FD8C3FB39D35}" dt="2023-09-23T05:33:24.927" v="93" actId="478"/>
+          <ac:spMkLst>
+            <pc:docMk/>
+            <pc:sldMk cId="1493096502" sldId="311"/>
+            <ac:spMk id="7" creationId="{14FE1A2F-9EB7-A4F9-AFB5-77318BAD3C49}"/>
+          </ac:spMkLst>
+        </pc:spChg>
+        <pc:spChg chg="add del">
+          <ac:chgData name="Nancy Li" userId="afc5209a-cf39-48d8-a57f-08cc8b772ec9" providerId="ADAL" clId="{7058694A-483B-403F-89BA-FD8C3FB39D35}" dt="2023-09-23T05:41:01.304" v="101" actId="22"/>
+          <ac:spMkLst>
+            <pc:docMk/>
+            <pc:sldMk cId="1493096502" sldId="311"/>
+            <ac:spMk id="11" creationId="{905A37C9-48C5-D51C-96F0-750CD303345A}"/>
+          </ac:spMkLst>
+        </pc:spChg>
+        <pc:spChg chg="add del mod">
+          <ac:chgData name="Nancy Li" userId="afc5209a-cf39-48d8-a57f-08cc8b772ec9" providerId="ADAL" clId="{7058694A-483B-403F-89BA-FD8C3FB39D35}" dt="2023-09-23T05:41:39.035" v="116" actId="767"/>
+          <ac:spMkLst>
+            <pc:docMk/>
+            <pc:sldMk cId="1493096502" sldId="311"/>
+            <ac:spMk id="12" creationId="{B8AFB1EF-873C-E814-12C1-C990682B5B83}"/>
+          </ac:spMkLst>
+        </pc:spChg>
         <pc:spChg chg="mod">
-          <ac:chgData name="Nancy Li" userId="afc5209a-cf39-48d8-a57f-08cc8b772ec9" providerId="ADAL" clId="{7058694A-483B-403F-89BA-FD8C3FB39D35}" dt="2023-09-23T03:56:39.162" v="43" actId="20577"/>
+          <ac:chgData name="Nancy Li" userId="afc5209a-cf39-48d8-a57f-08cc8b772ec9" providerId="ADAL" clId="{7058694A-483B-403F-89BA-FD8C3FB39D35}" dt="2023-09-23T05:47:16.599" v="165" actId="120"/>
           <ac:spMkLst>
             <pc:docMk/>
             <pc:sldMk cId="1493096502" sldId="311"/>
             <ac:spMk id="13" creationId="{3BAEBDBD-7B50-9F58-BD3C-27FF4C445264}"/>
           </ac:spMkLst>
         </pc:spChg>
+        <pc:spChg chg="add del mod">
+          <ac:chgData name="Nancy Li" userId="afc5209a-cf39-48d8-a57f-08cc8b772ec9" providerId="ADAL" clId="{7058694A-483B-403F-89BA-FD8C3FB39D35}" dt="2023-09-23T05:41:37.757" v="114" actId="767"/>
+          <ac:spMkLst>
+            <pc:docMk/>
+            <pc:sldMk cId="1493096502" sldId="311"/>
+            <ac:spMk id="14" creationId="{A4C67603-6BDC-2E7E-9545-82542A15AB15}"/>
+          </ac:spMkLst>
+        </pc:spChg>
+        <pc:spChg chg="add del mod">
+          <ac:chgData name="Nancy Li" userId="afc5209a-cf39-48d8-a57f-08cc8b772ec9" providerId="ADAL" clId="{7058694A-483B-403F-89BA-FD8C3FB39D35}" dt="2023-09-23T05:41:36.153" v="110" actId="767"/>
+          <ac:spMkLst>
+            <pc:docMk/>
+            <pc:sldMk cId="1493096502" sldId="311"/>
+            <ac:spMk id="15" creationId="{DC75C073-6985-8450-2CE7-6743A45EE83F}"/>
+          </ac:spMkLst>
+        </pc:spChg>
+        <pc:picChg chg="del">
+          <ac:chgData name="Nancy Li" userId="afc5209a-cf39-48d8-a57f-08cc8b772ec9" providerId="ADAL" clId="{7058694A-483B-403F-89BA-FD8C3FB39D35}" dt="2023-09-23T05:27:07.650" v="68" actId="478"/>
+          <ac:picMkLst>
+            <pc:docMk/>
+            <pc:sldMk cId="1493096502" sldId="311"/>
+            <ac:picMk id="5" creationId="{4AC3FD9B-EBE0-62EC-EAE0-C267C20F2286}"/>
+          </ac:picMkLst>
+        </pc:picChg>
+        <pc:picChg chg="add del mod">
+          <ac:chgData name="Nancy Li" userId="afc5209a-cf39-48d8-a57f-08cc8b772ec9" providerId="ADAL" clId="{7058694A-483B-403F-89BA-FD8C3FB39D35}" dt="2023-09-23T05:40:08.796" v="99" actId="478"/>
+          <ac:picMkLst>
+            <pc:docMk/>
+            <pc:sldMk cId="1493096502" sldId="311"/>
+            <ac:picMk id="9" creationId="{B8B26447-D1EF-C52C-59BE-7A861856FECD}"/>
+          </ac:picMkLst>
+        </pc:picChg>
+        <pc:picChg chg="add mod">
+          <ac:chgData name="Nancy Li" userId="afc5209a-cf39-48d8-a57f-08cc8b772ec9" providerId="ADAL" clId="{7058694A-483B-403F-89BA-FD8C3FB39D35}" dt="2023-09-23T05:47:43.252" v="167" actId="1076"/>
+          <ac:picMkLst>
+            <pc:docMk/>
+            <pc:sldMk cId="1493096502" sldId="311"/>
+            <ac:picMk id="17" creationId="{0DBDBB0D-71B0-18D2-6DAB-BE415C6E54F6}"/>
+          </ac:picMkLst>
+        </pc:picChg>
+        <pc:picChg chg="add mod">
+          <ac:chgData name="Nancy Li" userId="afc5209a-cf39-48d8-a57f-08cc8b772ec9" providerId="ADAL" clId="{7058694A-483B-403F-89BA-FD8C3FB39D35}" dt="2023-09-23T06:37:43.025" v="187" actId="1076"/>
+          <ac:picMkLst>
+            <pc:docMk/>
+            <pc:sldMk cId="1493096502" sldId="311"/>
+            <ac:picMk id="19" creationId="{6265B10B-8BD6-F089-B024-30EB9574A945}"/>
+          </ac:picMkLst>
+        </pc:picChg>
+        <pc:picChg chg="add mod">
+          <ac:chgData name="Nancy Li" userId="afc5209a-cf39-48d8-a57f-08cc8b772ec9" providerId="ADAL" clId="{7058694A-483B-403F-89BA-FD8C3FB39D35}" dt="2023-09-23T06:37:45.223" v="188" actId="1076"/>
+          <ac:picMkLst>
+            <pc:docMk/>
+            <pc:sldMk cId="1493096502" sldId="311"/>
+            <ac:picMk id="21" creationId="{616EBA86-3AAB-215A-9601-6A4F340C2DA8}"/>
+          </ac:picMkLst>
+        </pc:picChg>
+        <pc:picChg chg="add mod modCrop">
+          <ac:chgData name="Nancy Li" userId="afc5209a-cf39-48d8-a57f-08cc8b772ec9" providerId="ADAL" clId="{7058694A-483B-403F-89BA-FD8C3FB39D35}" dt="2023-09-23T06:37:19.977" v="180" actId="1076"/>
+          <ac:picMkLst>
+            <pc:docMk/>
+            <pc:sldMk cId="1493096502" sldId="311"/>
+            <ac:picMk id="23" creationId="{36212444-7238-21FB-D253-21B9D38EF46C}"/>
+          </ac:picMkLst>
+        </pc:picChg>
       </pc:sldChg>
-      <pc:sldChg chg="modSp mod ord modNotesTx">
-        <pc:chgData name="Nancy Li" userId="afc5209a-cf39-48d8-a57f-08cc8b772ec9" providerId="ADAL" clId="{7058694A-483B-403F-89BA-FD8C3FB39D35}" dt="2023-09-23T04:07:01.232" v="66" actId="20577"/>
+      <pc:sldChg chg="addSp delSp modSp mod ord modNotesTx">
+        <pc:chgData name="Nancy Li" userId="afc5209a-cf39-48d8-a57f-08cc8b772ec9" providerId="ADAL" clId="{7058694A-483B-403F-89BA-FD8C3FB39D35}" dt="2023-09-23T07:06:37.959" v="237" actId="1036"/>
         <pc:sldMkLst>
           <pc:docMk/>
           <pc:sldMk cId="382068623" sldId="312"/>
         </pc:sldMkLst>
+        <pc:spChg chg="add del">
+          <ac:chgData name="Nancy Li" userId="afc5209a-cf39-48d8-a57f-08cc8b772ec9" providerId="ADAL" clId="{7058694A-483B-403F-89BA-FD8C3FB39D35}" dt="2023-09-23T06:49:18.864" v="201" actId="22"/>
+          <ac:spMkLst>
+            <pc:docMk/>
+            <pc:sldMk cId="382068623" sldId="312"/>
+            <ac:spMk id="6" creationId="{2D5FDE63-9E8A-AAE6-1766-F15FFDC59B32}"/>
+          </ac:spMkLst>
+        </pc:spChg>
+        <pc:spChg chg="add del mod">
+          <ac:chgData name="Nancy Li" userId="afc5209a-cf39-48d8-a57f-08cc8b772ec9" providerId="ADAL" clId="{7058694A-483B-403F-89BA-FD8C3FB39D35}" dt="2023-09-23T06:49:43.728" v="208" actId="478"/>
+          <ac:spMkLst>
+            <pc:docMk/>
+            <pc:sldMk cId="382068623" sldId="312"/>
+            <ac:spMk id="8" creationId="{C47A3682-3339-679E-CE9A-BBF359E953CA}"/>
+          </ac:spMkLst>
+        </pc:spChg>
         <pc:spChg chg="mod">
           <ac:chgData name="Nancy Li" userId="afc5209a-cf39-48d8-a57f-08cc8b772ec9" providerId="ADAL" clId="{7058694A-483B-403F-89BA-FD8C3FB39D35}" dt="2023-09-23T03:56:33.825" v="41" actId="20577"/>
           <ac:spMkLst>
@@ -1031,6 +1160,30 @@
             <ac:spMk id="13" creationId="{3BAEBDBD-7B50-9F58-BD3C-27FF4C445264}"/>
           </ac:spMkLst>
         </pc:spChg>
+        <pc:graphicFrameChg chg="mod">
+          <ac:chgData name="Nancy Li" userId="afc5209a-cf39-48d8-a57f-08cc8b772ec9" providerId="ADAL" clId="{7058694A-483B-403F-89BA-FD8C3FB39D35}" dt="2023-09-23T07:04:34.535" v="222" actId="108"/>
+          <ac:graphicFrameMkLst>
+            <pc:docMk/>
+            <pc:sldMk cId="382068623" sldId="312"/>
+            <ac:graphicFrameMk id="4" creationId="{16CA8D02-B495-3920-41BD-4CAABD436EA7}"/>
+          </ac:graphicFrameMkLst>
+        </pc:graphicFrameChg>
+        <pc:picChg chg="add mod">
+          <ac:chgData name="Nancy Li" userId="afc5209a-cf39-48d8-a57f-08cc8b772ec9" providerId="ADAL" clId="{7058694A-483B-403F-89BA-FD8C3FB39D35}" dt="2023-09-23T07:06:37.959" v="237" actId="1036"/>
+          <ac:picMkLst>
+            <pc:docMk/>
+            <pc:sldMk cId="382068623" sldId="312"/>
+            <ac:picMk id="10" creationId="{1A37D939-B95D-AB62-2D9E-7FD2602E622C}"/>
+          </ac:picMkLst>
+        </pc:picChg>
+        <pc:picChg chg="del">
+          <ac:chgData name="Nancy Li" userId="afc5209a-cf39-48d8-a57f-08cc8b772ec9" providerId="ADAL" clId="{7058694A-483B-403F-89BA-FD8C3FB39D35}" dt="2023-09-23T06:49:21.326" v="202" actId="478"/>
+          <ac:picMkLst>
+            <pc:docMk/>
+            <pc:sldMk cId="382068623" sldId="312"/>
+            <ac:picMk id="4098" creationId="{786866CF-F582-91CE-6715-E28DA1CED36A}"/>
+          </ac:picMkLst>
+        </pc:picChg>
       </pc:sldChg>
       <pc:sldChg chg="modSp mod">
         <pc:chgData name="Nancy Li" userId="afc5209a-cf39-48d8-a57f-08cc8b772ec9" providerId="ADAL" clId="{7058694A-483B-403F-89BA-FD8C3FB39D35}" dt="2023-09-23T03:56:51.162" v="45" actId="20577"/>
@@ -1076,6 +1229,36 @@
             <ac:spMk id="13" creationId="{3BAEBDBD-7B50-9F58-BD3C-27FF4C445264}"/>
           </ac:spMkLst>
         </pc:spChg>
+      </pc:sldChg>
+      <pc:sldChg chg="addSp delSp modSp add mod modNotesTx">
+        <pc:chgData name="Nancy Li" userId="afc5209a-cf39-48d8-a57f-08cc8b772ec9" providerId="ADAL" clId="{7058694A-483B-403F-89BA-FD8C3FB39D35}" dt="2023-09-23T07:21:18.590" v="355" actId="1076"/>
+        <pc:sldMkLst>
+          <pc:docMk/>
+          <pc:sldMk cId="1757270782" sldId="319"/>
+        </pc:sldMkLst>
+        <pc:picChg chg="del">
+          <ac:chgData name="Nancy Li" userId="afc5209a-cf39-48d8-a57f-08cc8b772ec9" providerId="ADAL" clId="{7058694A-483B-403F-89BA-FD8C3FB39D35}" dt="2023-09-23T07:16:27.890" v="260" actId="478"/>
+          <ac:picMkLst>
+            <pc:docMk/>
+            <pc:sldMk cId="1757270782" sldId="319"/>
+            <ac:picMk id="5" creationId="{4AC3FD9B-EBE0-62EC-EAE0-C267C20F2286}"/>
+          </ac:picMkLst>
+        </pc:picChg>
+        <pc:picChg chg="add mod">
+          <ac:chgData name="Nancy Li" userId="afc5209a-cf39-48d8-a57f-08cc8b772ec9" providerId="ADAL" clId="{7058694A-483B-403F-89BA-FD8C3FB39D35}" dt="2023-09-23T07:21:18.590" v="355" actId="1076"/>
+          <ac:picMkLst>
+            <pc:docMk/>
+            <pc:sldMk cId="1757270782" sldId="319"/>
+            <ac:picMk id="6" creationId="{0CDF84EE-47E8-59F9-F323-511AD960CE2B}"/>
+          </ac:picMkLst>
+        </pc:picChg>
+      </pc:sldChg>
+      <pc:sldChg chg="new del">
+        <pc:chgData name="Nancy Li" userId="afc5209a-cf39-48d8-a57f-08cc8b772ec9" providerId="ADAL" clId="{7058694A-483B-403F-89BA-FD8C3FB39D35}" dt="2023-09-23T05:28:58.407" v="70" actId="680"/>
+        <pc:sldMkLst>
+          <pc:docMk/>
+          <pc:sldMk cId="3912359537" sldId="320"/>
+        </pc:sldMkLst>
       </pc:sldChg>
     </pc:docChg>
   </pc:docChgLst>
@@ -7751,7 +7934,7 @@
           <a:pPr algn="l"/>
           <a:r>
             <a:rPr lang="en-US" dirty="0"/>
-            <a:t>Publisher</a:t>
+            <a:t>Subject</a:t>
           </a:r>
         </a:p>
       </dgm:t>
@@ -7781,7 +7964,7 @@
       </dgm:t>
     </dgm:pt>
     <dgm:pt modelId="{167E1D7B-6CB0-4B85-B05C-D971A42479BA}">
-      <dgm:prSet/>
+      <dgm:prSet custT="1"/>
       <dgm:spPr/>
       <dgm:t>
         <a:bodyPr/>
@@ -7789,8 +7972,15 @@
         <a:p>
           <a:pPr algn="l"/>
           <a:r>
-            <a:rPr lang="en-US" dirty="0"/>
-            <a:t>Subscriber</a:t>
+            <a:rPr lang="en-US" sz="6500" kern="1200" dirty="0">
+              <a:solidFill>
+                <a:prstClr val="white"/>
+              </a:solidFill>
+              <a:latin typeface="DM Sans"/>
+              <a:ea typeface="+mn-ea"/>
+              <a:cs typeface="+mn-cs"/>
+            </a:rPr>
+            <a:t>Observer</a:t>
           </a:r>
         </a:p>
       </dgm:t>
@@ -7819,42 +8009,6 @@
         </a:p>
       </dgm:t>
     </dgm:pt>
-    <dgm:pt modelId="{8C22094B-7982-48B3-A636-C309B7168CA0}">
-      <dgm:prSet/>
-      <dgm:spPr/>
-      <dgm:t>
-        <a:bodyPr/>
-        <a:lstStyle/>
-        <a:p>
-          <a:r>
-            <a:rPr lang="en-US" dirty="0"/>
-            <a:t>Concrete Subscribers</a:t>
-          </a:r>
-        </a:p>
-      </dgm:t>
-    </dgm:pt>
-    <dgm:pt modelId="{DABBF22C-5445-43CD-A7F9-B3A70B917BBB}" type="parTrans" cxnId="{16290AAD-B7AE-47D1-BE8C-5C5B57414725}">
-      <dgm:prSet/>
-      <dgm:spPr/>
-      <dgm:t>
-        <a:bodyPr/>
-        <a:lstStyle/>
-        <a:p>
-          <a:endParaRPr lang="en-US"/>
-        </a:p>
-      </dgm:t>
-    </dgm:pt>
-    <dgm:pt modelId="{13FBCEB5-2C74-49D9-AB53-C7504A76F7CD}" type="sibTrans" cxnId="{16290AAD-B7AE-47D1-BE8C-5C5B57414725}">
-      <dgm:prSet/>
-      <dgm:spPr/>
-      <dgm:t>
-        <a:bodyPr/>
-        <a:lstStyle/>
-        <a:p>
-          <a:endParaRPr lang="en-US"/>
-        </a:p>
-      </dgm:t>
-    </dgm:pt>
     <dgm:pt modelId="{C7823C08-90C7-4B69-9817-B11257D16185}" type="pres">
       <dgm:prSet presAssocID="{D53BCBF0-7E8A-4FE9-AF6D-37F1C455BE21}" presName="linear" presStyleCnt="0">
         <dgm:presLayoutVars>
@@ -7865,7 +8019,7 @@
       <dgm:spPr/>
     </dgm:pt>
     <dgm:pt modelId="{7EB96007-84AC-49D4-AA27-A12E1F11C083}" type="pres">
-      <dgm:prSet presAssocID="{7943A428-1C2D-4CDF-905C-4AAE6726CD17}" presName="parentText" presStyleLbl="node1" presStyleIdx="0" presStyleCnt="3">
+      <dgm:prSet presAssocID="{7943A428-1C2D-4CDF-905C-4AAE6726CD17}" presName="parentText" presStyleLbl="node1" presStyleIdx="0" presStyleCnt="2">
         <dgm:presLayoutVars>
           <dgm:chMax val="0"/>
           <dgm:bulletEnabled val="1"/>
@@ -7878,20 +8032,7 @@
       <dgm:spPr/>
     </dgm:pt>
     <dgm:pt modelId="{F8A1933A-B491-4214-BEAB-8FBF738DEE40}" type="pres">
-      <dgm:prSet presAssocID="{167E1D7B-6CB0-4B85-B05C-D971A42479BA}" presName="parentText" presStyleLbl="node1" presStyleIdx="1" presStyleCnt="3">
-        <dgm:presLayoutVars>
-          <dgm:chMax val="0"/>
-          <dgm:bulletEnabled val="1"/>
-        </dgm:presLayoutVars>
-      </dgm:prSet>
-      <dgm:spPr/>
-    </dgm:pt>
-    <dgm:pt modelId="{98115EEA-4462-47CF-8927-5A5CD529D992}" type="pres">
-      <dgm:prSet presAssocID="{FC7618C3-C079-4386-8578-5360D1C264EF}" presName="spacer" presStyleCnt="0"/>
-      <dgm:spPr/>
-    </dgm:pt>
-    <dgm:pt modelId="{58311629-E84A-4326-9A41-92BAA85CE2ED}" type="pres">
-      <dgm:prSet presAssocID="{8C22094B-7982-48B3-A636-C309B7168CA0}" presName="parentText" presStyleLbl="node1" presStyleIdx="2" presStyleCnt="3">
+      <dgm:prSet presAssocID="{167E1D7B-6CB0-4B85-B05C-D971A42479BA}" presName="parentText" presStyleLbl="node1" presStyleIdx="1" presStyleCnt="2">
         <dgm:presLayoutVars>
           <dgm:chMax val="0"/>
           <dgm:bulletEnabled val="1"/>
@@ -7905,14 +8046,10 @@
     <dgm:cxn modelId="{7210FD82-37A6-494F-B1BF-A77F71694005}" type="presOf" srcId="{7943A428-1C2D-4CDF-905C-4AAE6726CD17}" destId="{7EB96007-84AC-49D4-AA27-A12E1F11C083}" srcOrd="0" destOrd="0" presId="urn:microsoft.com/office/officeart/2005/8/layout/vList2"/>
     <dgm:cxn modelId="{35DED684-D496-43F6-9986-3480B01A4CA7}" type="presOf" srcId="{167E1D7B-6CB0-4B85-B05C-D971A42479BA}" destId="{F8A1933A-B491-4214-BEAB-8FBF738DEE40}" srcOrd="0" destOrd="0" presId="urn:microsoft.com/office/officeart/2005/8/layout/vList2"/>
     <dgm:cxn modelId="{D9B9B289-6CB3-4568-B6C1-A56FC4F78C68}" srcId="{D53BCBF0-7E8A-4FE9-AF6D-37F1C455BE21}" destId="{167E1D7B-6CB0-4B85-B05C-D971A42479BA}" srcOrd="1" destOrd="0" parTransId="{BEA364BB-F7B6-40CB-9464-7204A07E8F1F}" sibTransId="{FC7618C3-C079-4386-8578-5360D1C264EF}"/>
-    <dgm:cxn modelId="{16290AAD-B7AE-47D1-BE8C-5C5B57414725}" srcId="{D53BCBF0-7E8A-4FE9-AF6D-37F1C455BE21}" destId="{8C22094B-7982-48B3-A636-C309B7168CA0}" srcOrd="2" destOrd="0" parTransId="{DABBF22C-5445-43CD-A7F9-B3A70B917BBB}" sibTransId="{13FBCEB5-2C74-49D9-AB53-C7504A76F7CD}"/>
     <dgm:cxn modelId="{964932B8-1C97-41F0-83A5-E546884BFA71}" srcId="{D53BCBF0-7E8A-4FE9-AF6D-37F1C455BE21}" destId="{7943A428-1C2D-4CDF-905C-4AAE6726CD17}" srcOrd="0" destOrd="0" parTransId="{2DA980D7-DB67-4008-B34E-4AF1E97B1544}" sibTransId="{77E8D252-DB06-47FE-AAD8-10DF9E64E374}"/>
-    <dgm:cxn modelId="{5A51B3F2-CDF4-45C7-9046-73C80499187B}" type="presOf" srcId="{8C22094B-7982-48B3-A636-C309B7168CA0}" destId="{58311629-E84A-4326-9A41-92BAA85CE2ED}" srcOrd="0" destOrd="0" presId="urn:microsoft.com/office/officeart/2005/8/layout/vList2"/>
     <dgm:cxn modelId="{8BFA2E48-C4FB-463D-A951-E517FD583D52}" type="presParOf" srcId="{C7823C08-90C7-4B69-9817-B11257D16185}" destId="{7EB96007-84AC-49D4-AA27-A12E1F11C083}" srcOrd="0" destOrd="0" presId="urn:microsoft.com/office/officeart/2005/8/layout/vList2"/>
     <dgm:cxn modelId="{41283A49-CC1D-4449-8EEF-C2FF2F280FA9}" type="presParOf" srcId="{C7823C08-90C7-4B69-9817-B11257D16185}" destId="{15B386A6-CA18-41C1-91D3-786C33FDF5FA}" srcOrd="1" destOrd="0" presId="urn:microsoft.com/office/officeart/2005/8/layout/vList2"/>
     <dgm:cxn modelId="{A53C3C53-F679-4EF0-A5FB-C5C5C9DF1787}" type="presParOf" srcId="{C7823C08-90C7-4B69-9817-B11257D16185}" destId="{F8A1933A-B491-4214-BEAB-8FBF738DEE40}" srcOrd="2" destOrd="0" presId="urn:microsoft.com/office/officeart/2005/8/layout/vList2"/>
-    <dgm:cxn modelId="{423AF6B9-45F8-4CDB-ABE2-84DB751A3D30}" type="presParOf" srcId="{C7823C08-90C7-4B69-9817-B11257D16185}" destId="{98115EEA-4462-47CF-8927-5A5CD529D992}" srcOrd="3" destOrd="0" presId="urn:microsoft.com/office/officeart/2005/8/layout/vList2"/>
-    <dgm:cxn modelId="{ADF0B0CF-8940-4FA9-BC73-BED6ACE97E4C}" type="presParOf" srcId="{C7823C08-90C7-4B69-9817-B11257D16185}" destId="{58311629-E84A-4326-9A41-92BAA85CE2ED}" srcOrd="4" destOrd="0" presId="urn:microsoft.com/office/officeart/2005/8/layout/vList2"/>
   </dgm:cxnLst>
   <dgm:bg/>
   <dgm:whole/>
@@ -9224,8 +9361,8 @@
       </dsp:nvSpPr>
       <dsp:spPr>
         <a:xfrm>
-          <a:off x="0" y="690088"/>
-          <a:ext cx="4896444" cy="900899"/>
+          <a:off x="0" y="375537"/>
+          <a:ext cx="4896444" cy="1673100"/>
         </a:xfrm>
         <a:prstGeom prst="roundRect">
           <a:avLst/>
@@ -9266,12 +9403,12 @@
         </a:fontRef>
       </dsp:style>
       <dsp:txBody>
-        <a:bodyPr spcFirstLastPara="0" vert="horz" wrap="square" lIns="133350" tIns="133350" rIns="133350" bIns="133350" numCol="1" spcCol="1270" anchor="ctr" anchorCtr="0">
+        <a:bodyPr spcFirstLastPara="0" vert="horz" wrap="square" lIns="247650" tIns="247650" rIns="247650" bIns="247650" numCol="1" spcCol="1270" anchor="ctr" anchorCtr="0">
           <a:noAutofit/>
         </a:bodyPr>
         <a:lstStyle/>
         <a:p>
-          <a:pPr marL="0" lvl="0" indent="0" algn="l" defTabSz="1555750">
+          <a:pPr marL="0" lvl="0" indent="0" algn="l" defTabSz="2889250">
             <a:lnSpc>
               <a:spcPct val="90000"/>
             </a:lnSpc>
@@ -9284,14 +9421,14 @@
             <a:buNone/>
           </a:pPr>
           <a:r>
-            <a:rPr lang="en-US" sz="3500" kern="1200" dirty="0"/>
-            <a:t>Publisher</a:t>
+            <a:rPr lang="en-US" sz="6500" kern="1200" dirty="0"/>
+            <a:t>Subject</a:t>
           </a:r>
         </a:p>
       </dsp:txBody>
       <dsp:txXfrm>
-        <a:off x="43978" y="734066"/>
-        <a:ext cx="4808488" cy="812943"/>
+        <a:off x="81674" y="457211"/>
+        <a:ext cx="4733096" cy="1509752"/>
       </dsp:txXfrm>
     </dsp:sp>
     <dsp:sp modelId="{F8A1933A-B491-4214-BEAB-8FBF738DEE40}">
@@ -9301,8 +9438,8 @@
       </dsp:nvSpPr>
       <dsp:spPr>
         <a:xfrm>
-          <a:off x="0" y="1691788"/>
-          <a:ext cx="4896444" cy="900899"/>
+          <a:off x="0" y="2235838"/>
+          <a:ext cx="4896444" cy="1673100"/>
         </a:xfrm>
         <a:prstGeom prst="roundRect">
           <a:avLst/>
@@ -9343,12 +9480,12 @@
         </a:fontRef>
       </dsp:style>
       <dsp:txBody>
-        <a:bodyPr spcFirstLastPara="0" vert="horz" wrap="square" lIns="133350" tIns="133350" rIns="133350" bIns="133350" numCol="1" spcCol="1270" anchor="ctr" anchorCtr="0">
+        <a:bodyPr spcFirstLastPara="0" vert="horz" wrap="square" lIns="247650" tIns="247650" rIns="247650" bIns="247650" numCol="1" spcCol="1270" anchor="ctr" anchorCtr="0">
           <a:noAutofit/>
         </a:bodyPr>
         <a:lstStyle/>
         <a:p>
-          <a:pPr marL="0" lvl="0" indent="0" algn="l" defTabSz="1555750">
+          <a:pPr marL="0" lvl="0" indent="0" algn="l" defTabSz="2889250">
             <a:lnSpc>
               <a:spcPct val="90000"/>
             </a:lnSpc>
@@ -9361,91 +9498,21 @@
             <a:buNone/>
           </a:pPr>
           <a:r>
-            <a:rPr lang="en-US" sz="3500" kern="1200" dirty="0"/>
-            <a:t>Subscriber</a:t>
+            <a:rPr lang="en-US" sz="6500" kern="1200" dirty="0">
+              <a:solidFill>
+                <a:prstClr val="white"/>
+              </a:solidFill>
+              <a:latin typeface="DM Sans"/>
+              <a:ea typeface="+mn-ea"/>
+              <a:cs typeface="+mn-cs"/>
+            </a:rPr>
+            <a:t>Observer</a:t>
           </a:r>
         </a:p>
       </dsp:txBody>
       <dsp:txXfrm>
-        <a:off x="43978" y="1735766"/>
-        <a:ext cx="4808488" cy="812943"/>
-      </dsp:txXfrm>
-    </dsp:sp>
-    <dsp:sp modelId="{58311629-E84A-4326-9A41-92BAA85CE2ED}">
-      <dsp:nvSpPr>
-        <dsp:cNvPr id="0" name=""/>
-        <dsp:cNvSpPr/>
-      </dsp:nvSpPr>
-      <dsp:spPr>
-        <a:xfrm>
-          <a:off x="0" y="2693488"/>
-          <a:ext cx="4896444" cy="900899"/>
-        </a:xfrm>
-        <a:prstGeom prst="roundRect">
-          <a:avLst/>
-        </a:prstGeom>
-        <a:solidFill>
-          <a:schemeClr val="accent1">
-            <a:hueOff val="0"/>
-            <a:satOff val="0"/>
-            <a:lumOff val="0"/>
-            <a:alphaOff val="0"/>
-          </a:schemeClr>
-        </a:solidFill>
-        <a:ln w="25400" cap="flat" cmpd="sng" algn="ctr">
-          <a:solidFill>
-            <a:schemeClr val="lt1">
-              <a:hueOff val="0"/>
-              <a:satOff val="0"/>
-              <a:lumOff val="0"/>
-              <a:alphaOff val="0"/>
-            </a:schemeClr>
-          </a:solidFill>
-          <a:prstDash val="solid"/>
-        </a:ln>
-        <a:effectLst/>
-      </dsp:spPr>
-      <dsp:style>
-        <a:lnRef idx="2">
-          <a:scrgbClr r="0" g="0" b="0"/>
-        </a:lnRef>
-        <a:fillRef idx="1">
-          <a:scrgbClr r="0" g="0" b="0"/>
-        </a:fillRef>
-        <a:effectRef idx="0">
-          <a:scrgbClr r="0" g="0" b="0"/>
-        </a:effectRef>
-        <a:fontRef idx="minor">
-          <a:schemeClr val="lt1"/>
-        </a:fontRef>
-      </dsp:style>
-      <dsp:txBody>
-        <a:bodyPr spcFirstLastPara="0" vert="horz" wrap="square" lIns="133350" tIns="133350" rIns="133350" bIns="133350" numCol="1" spcCol="1270" anchor="ctr" anchorCtr="0">
-          <a:noAutofit/>
-        </a:bodyPr>
-        <a:lstStyle/>
-        <a:p>
-          <a:pPr marL="0" lvl="0" indent="0" algn="l" defTabSz="1555750">
-            <a:lnSpc>
-              <a:spcPct val="90000"/>
-            </a:lnSpc>
-            <a:spcBef>
-              <a:spcPct val="0"/>
-            </a:spcBef>
-            <a:spcAft>
-              <a:spcPct val="35000"/>
-            </a:spcAft>
-            <a:buNone/>
-          </a:pPr>
-          <a:r>
-            <a:rPr lang="en-US" sz="3500" kern="1200" dirty="0"/>
-            <a:t>Concrete Subscribers</a:t>
-          </a:r>
-        </a:p>
-      </dsp:txBody>
-      <dsp:txXfrm>
-        <a:off x="43978" y="2737466"/>
-        <a:ext cx="4808488" cy="812943"/>
+        <a:off x="81674" y="2317512"/>
+        <a:ext cx="4733096" cy="1509752"/>
       </dsp:txXfrm>
     </dsp:sp>
   </dsp:spTree>
@@ -10212,8 +10279,8 @@
       </dsp:nvSpPr>
       <dsp:spPr>
         <a:xfrm>
-          <a:off x="0" y="44222"/>
-          <a:ext cx="10628550" cy="1187805"/>
+          <a:off x="0" y="67932"/>
+          <a:ext cx="4608512" cy="1158299"/>
         </a:xfrm>
         <a:prstGeom prst="roundRect">
           <a:avLst/>
@@ -10276,7 +10343,7 @@
             <a:buNone/>
           </a:pPr>
           <a:r>
-            <a:rPr lang="en-US" sz="4900" b="1" kern="1200" dirty="0">
+            <a:rPr lang="en-US" sz="4800" b="1" kern="1200" dirty="0">
               <a:latin typeface="Calibri" panose="020F0502020204030204"/>
               <a:ea typeface="+mn-ea"/>
               <a:cs typeface="+mn-cs"/>
@@ -10286,8 +10353,8 @@
         </a:p>
       </dsp:txBody>
       <dsp:txXfrm>
-        <a:off x="57984" y="102206"/>
-        <a:ext cx="10512582" cy="1071837"/>
+        <a:off x="56543" y="124475"/>
+        <a:ext cx="4495426" cy="1045213"/>
       </dsp:txXfrm>
     </dsp:sp>
     <dsp:sp modelId="{FD8ED29C-7C5D-4022-B25B-B07273DEFA4D}">
@@ -10297,8 +10364,8 @@
       </dsp:nvSpPr>
       <dsp:spPr>
         <a:xfrm>
-          <a:off x="0" y="1373148"/>
-          <a:ext cx="10628550" cy="1187805"/>
+          <a:off x="0" y="1364472"/>
+          <a:ext cx="4608512" cy="1158299"/>
         </a:xfrm>
         <a:prstGeom prst="roundRect">
           <a:avLst/>
@@ -10361,7 +10428,7 @@
             <a:buNone/>
           </a:pPr>
           <a:r>
-            <a:rPr lang="en-US" sz="4900" b="1" kern="1200" dirty="0">
+            <a:rPr lang="en-US" sz="4800" b="1" kern="1200" dirty="0">
               <a:latin typeface="Calibri" panose="020F0502020204030204"/>
               <a:ea typeface="+mn-ea"/>
               <a:cs typeface="+mn-cs"/>
@@ -10371,8 +10438,8 @@
         </a:p>
       </dsp:txBody>
       <dsp:txXfrm>
-        <a:off x="57984" y="1431132"/>
-        <a:ext cx="10512582" cy="1071837"/>
+        <a:off x="56543" y="1421015"/>
+        <a:ext cx="4495426" cy="1045213"/>
       </dsp:txXfrm>
     </dsp:sp>
     <dsp:sp modelId="{BF4AB7A7-D4DE-42A1-BDF6-55FDBAAA3618}">
@@ -10382,8 +10449,8 @@
       </dsp:nvSpPr>
       <dsp:spPr>
         <a:xfrm>
-          <a:off x="0" y="2702074"/>
-          <a:ext cx="10628550" cy="1187805"/>
+          <a:off x="0" y="2661012"/>
+          <a:ext cx="4608512" cy="1158299"/>
         </a:xfrm>
         <a:prstGeom prst="roundRect">
           <a:avLst/>
@@ -10448,7 +10515,7 @@
             <a:buNone/>
           </a:pPr>
           <a:r>
-            <a:rPr lang="en-US" sz="4900" b="1" kern="1200" dirty="0">
+            <a:rPr lang="en-US" sz="4800" b="1" kern="1200" dirty="0">
               <a:latin typeface="Calibri" panose="020F0502020204030204"/>
               <a:ea typeface="+mn-ea"/>
               <a:cs typeface="+mn-cs"/>
@@ -10458,8 +10525,8 @@
         </a:p>
       </dsp:txBody>
       <dsp:txXfrm>
-        <a:off x="57984" y="2760058"/>
-        <a:ext cx="10512582" cy="1071837"/>
+        <a:off x="56543" y="2717555"/>
+        <a:ext cx="4495426" cy="1045213"/>
       </dsp:txXfrm>
     </dsp:sp>
     <dsp:sp modelId="{B79F991F-9443-4CB0-864A-C59B98EBFA46}">
@@ -10469,8 +10536,8 @@
       </dsp:nvSpPr>
       <dsp:spPr>
         <a:xfrm>
-          <a:off x="0" y="4031000"/>
-          <a:ext cx="10628550" cy="1187805"/>
+          <a:off x="0" y="3957552"/>
+          <a:ext cx="4608512" cy="1158299"/>
         </a:xfrm>
         <a:prstGeom prst="roundRect">
           <a:avLst/>
@@ -10522,7 +10589,7 @@
         </a:bodyPr>
         <a:lstStyle/>
         <a:p>
-          <a:pPr marL="0" lvl="0" indent="0" algn="l" defTabSz="2178050">
+          <a:pPr marL="0" lvl="0" indent="0" algn="l" defTabSz="2133600">
             <a:lnSpc>
               <a:spcPct val="90000"/>
             </a:lnSpc>
@@ -10535,7 +10602,7 @@
             <a:buNone/>
           </a:pPr>
           <a:r>
-            <a:rPr lang="en-US" sz="4900" b="1" kern="1200" dirty="0">
+            <a:rPr lang="en-US" sz="4800" b="1" kern="1200" dirty="0">
               <a:latin typeface="Calibri" panose="020F0502020204030204"/>
               <a:ea typeface="+mn-ea"/>
               <a:cs typeface="+mn-cs"/>
@@ -10545,8 +10612,8 @@
         </a:p>
       </dsp:txBody>
       <dsp:txXfrm>
-        <a:off x="57984" y="4088984"/>
-        <a:ext cx="10512582" cy="1071837"/>
+        <a:off x="56543" y="4014095"/>
+        <a:ext cx="4495426" cy="1045213"/>
       </dsp:txXfrm>
     </dsp:sp>
     <dsp:sp modelId="{B185354D-7EE5-461F-A756-8C8130BA7DC7}">
@@ -10556,8 +10623,8 @@
       </dsp:nvSpPr>
       <dsp:spPr>
         <a:xfrm>
-          <a:off x="0" y="5359925"/>
-          <a:ext cx="10628550" cy="1187805"/>
+          <a:off x="0" y="5254092"/>
+          <a:ext cx="4608512" cy="1158299"/>
         </a:xfrm>
         <a:prstGeom prst="roundRect">
           <a:avLst/>
@@ -10602,12 +10669,12 @@
         </a:fontRef>
       </dsp:style>
       <dsp:txBody>
-        <a:bodyPr spcFirstLastPara="0" vert="horz" wrap="square" lIns="186690" tIns="186690" rIns="186690" bIns="186690" numCol="1" spcCol="1270" anchor="ctr" anchorCtr="0">
+        <a:bodyPr spcFirstLastPara="0" vert="horz" wrap="square" lIns="182880" tIns="182880" rIns="182880" bIns="182880" numCol="1" spcCol="1270" anchor="ctr" anchorCtr="0">
           <a:noAutofit/>
         </a:bodyPr>
         <a:lstStyle/>
         <a:p>
-          <a:pPr marL="0" lvl="0" indent="0" algn="l" defTabSz="2178050">
+          <a:pPr marL="0" lvl="0" indent="0" algn="l" defTabSz="2133600">
             <a:lnSpc>
               <a:spcPct val="90000"/>
             </a:lnSpc>
@@ -10620,7 +10687,7 @@
             <a:buNone/>
           </a:pPr>
           <a:r>
-            <a:rPr lang="en-US" sz="4900" b="1" kern="1200" dirty="0">
+            <a:rPr lang="en-US" sz="4800" b="1" kern="1200" dirty="0">
               <a:latin typeface="Calibri" panose="020F0502020204030204"/>
               <a:ea typeface="+mn-ea"/>
               <a:cs typeface="+mn-cs"/>
@@ -10630,8 +10697,8 @@
         </a:p>
       </dsp:txBody>
       <dsp:txXfrm>
-        <a:off x="57984" y="5417909"/>
-        <a:ext cx="10512582" cy="1071837"/>
+        <a:off x="56543" y="5310635"/>
+        <a:ext cx="4495426" cy="1045213"/>
       </dsp:txXfrm>
     </dsp:sp>
     <dsp:sp modelId="{C22E8708-7144-497C-938B-E843A7A0FE06}">
@@ -10641,8 +10708,8 @@
       </dsp:nvSpPr>
       <dsp:spPr>
         <a:xfrm>
-          <a:off x="0" y="6688851"/>
-          <a:ext cx="10628550" cy="1187805"/>
+          <a:off x="0" y="6550632"/>
+          <a:ext cx="4608512" cy="1158299"/>
         </a:xfrm>
         <a:prstGeom prst="roundRect">
           <a:avLst/>
@@ -10687,12 +10754,12 @@
         </a:fontRef>
       </dsp:style>
       <dsp:txBody>
-        <a:bodyPr spcFirstLastPara="0" vert="horz" wrap="square" lIns="186690" tIns="186690" rIns="186690" bIns="186690" numCol="1" spcCol="1270" anchor="ctr" anchorCtr="0">
+        <a:bodyPr spcFirstLastPara="0" vert="horz" wrap="square" lIns="182880" tIns="182880" rIns="182880" bIns="182880" numCol="1" spcCol="1270" anchor="ctr" anchorCtr="0">
           <a:noAutofit/>
         </a:bodyPr>
         <a:lstStyle/>
         <a:p>
-          <a:pPr marL="0" lvl="0" indent="0" algn="l" defTabSz="2178050">
+          <a:pPr marL="0" lvl="0" indent="0" algn="l" defTabSz="2133600">
             <a:lnSpc>
               <a:spcPct val="90000"/>
             </a:lnSpc>
@@ -10705,7 +10772,7 @@
             <a:buNone/>
           </a:pPr>
           <a:r>
-            <a:rPr lang="en-US" sz="4900" b="1" kern="1200" dirty="0">
+            <a:rPr lang="en-US" sz="4800" b="1" kern="1200" dirty="0">
               <a:latin typeface="Calibri" panose="020F0502020204030204"/>
               <a:ea typeface="+mn-ea"/>
               <a:cs typeface="+mn-cs"/>
@@ -10715,8 +10782,8 @@
         </a:p>
       </dsp:txBody>
       <dsp:txXfrm>
-        <a:off x="57984" y="6746835"/>
-        <a:ext cx="10512582" cy="1071837"/>
+        <a:off x="56543" y="6607175"/>
+        <a:ext cx="4495426" cy="1045213"/>
       </dsp:txXfrm>
     </dsp:sp>
   </dsp:spTree>
@@ -19764,7 +19831,7 @@
     </p:spTree>
     <p:extLst>
       <p:ext uri="{BB962C8B-B14F-4D97-AF65-F5344CB8AC3E}">
-        <p14:creationId xmlns:p14="http://schemas.microsoft.com/office/powerpoint/2010/main" val="1727905676"/>
+        <p14:creationId xmlns:p14="http://schemas.microsoft.com/office/powerpoint/2010/main" val="436957066"/>
       </p:ext>
     </p:extLst>
   </p:cSld>
@@ -19848,7 +19915,7 @@
     </p:spTree>
     <p:extLst>
       <p:ext uri="{BB962C8B-B14F-4D97-AF65-F5344CB8AC3E}">
-        <p14:creationId xmlns:p14="http://schemas.microsoft.com/office/powerpoint/2010/main" val="761298617"/>
+        <p14:creationId xmlns:p14="http://schemas.microsoft.com/office/powerpoint/2010/main" val="1727905676"/>
       </p:ext>
     </p:extLst>
   </p:cSld>
@@ -19932,7 +19999,7 @@
     </p:spTree>
     <p:extLst>
       <p:ext uri="{BB962C8B-B14F-4D97-AF65-F5344CB8AC3E}">
-        <p14:creationId xmlns:p14="http://schemas.microsoft.com/office/powerpoint/2010/main" val="2783079553"/>
+        <p14:creationId xmlns:p14="http://schemas.microsoft.com/office/powerpoint/2010/main" val="761298617"/>
       </p:ext>
     </p:extLst>
   </p:cSld>
@@ -20016,7 +20083,7 @@
     </p:spTree>
     <p:extLst>
       <p:ext uri="{BB962C8B-B14F-4D97-AF65-F5344CB8AC3E}">
-        <p14:creationId xmlns:p14="http://schemas.microsoft.com/office/powerpoint/2010/main" val="3154308764"/>
+        <p14:creationId xmlns:p14="http://schemas.microsoft.com/office/powerpoint/2010/main" val="2783079553"/>
       </p:ext>
     </p:extLst>
   </p:cSld>
@@ -20100,6 +20167,90 @@
     </p:spTree>
     <p:extLst>
       <p:ext uri="{BB962C8B-B14F-4D97-AF65-F5344CB8AC3E}">
+        <p14:creationId xmlns:p14="http://schemas.microsoft.com/office/powerpoint/2010/main" val="3154308764"/>
+      </p:ext>
+    </p:extLst>
+  </p:cSld>
+  <p:clrMapOvr>
+    <a:masterClrMapping/>
+  </p:clrMapOvr>
+</p:notes>
+</file>
+
+<file path=ppt/notesSlides/notesSlide15.xml><?xml version="1.0" encoding="utf-8"?>
+<p:notes xmlns:a="http://schemas.openxmlformats.org/drawingml/2006/main" xmlns:r="http://schemas.openxmlformats.org/officeDocument/2006/relationships" xmlns:p="http://schemas.openxmlformats.org/presentationml/2006/main">
+  <p:cSld>
+    <p:spTree>
+      <p:nvGrpSpPr>
+        <p:cNvPr id="1" name=""/>
+        <p:cNvGrpSpPr/>
+        <p:nvPr/>
+      </p:nvGrpSpPr>
+      <p:grpSpPr>
+        <a:xfrm>
+          <a:off x="0" y="0"/>
+          <a:ext cx="0" cy="0"/>
+          <a:chOff x="0" y="0"/>
+          <a:chExt cx="0" cy="0"/>
+        </a:xfrm>
+      </p:grpSpPr>
+      <p:sp>
+        <p:nvSpPr>
+          <p:cNvPr id="2" name="Slide Image Placeholder 1"/>
+          <p:cNvSpPr>
+            <a:spLocks noGrp="1" noRot="1" noChangeAspect="1"/>
+          </p:cNvSpPr>
+          <p:nvPr>
+            <p:ph type="sldImg"/>
+          </p:nvPr>
+        </p:nvSpPr>
+        <p:spPr/>
+      </p:sp>
+      <p:sp>
+        <p:nvSpPr>
+          <p:cNvPr id="3" name="Notes Placeholder 2"/>
+          <p:cNvSpPr>
+            <a:spLocks noGrp="1"/>
+          </p:cNvSpPr>
+          <p:nvPr>
+            <p:ph type="body" idx="1"/>
+          </p:nvPr>
+        </p:nvSpPr>
+        <p:spPr/>
+        <p:txBody>
+          <a:bodyPr/>
+          <a:lstStyle/>
+          <a:p>
+            <a:endParaRPr lang="en-US" dirty="0"/>
+          </a:p>
+        </p:txBody>
+      </p:sp>
+      <p:sp>
+        <p:nvSpPr>
+          <p:cNvPr id="4" name="Slide Number Placeholder 3"/>
+          <p:cNvSpPr>
+            <a:spLocks noGrp="1"/>
+          </p:cNvSpPr>
+          <p:nvPr>
+            <p:ph type="sldNum" sz="quarter" idx="5"/>
+          </p:nvPr>
+        </p:nvSpPr>
+        <p:spPr/>
+        <p:txBody>
+          <a:bodyPr/>
+          <a:lstStyle/>
+          <a:p>
+            <a:fld id="{01420855-62A1-43EF-8815-D1313CE67D77}" type="slidenum">
+              <a:rPr lang="en-AU" smtClean="0"/>
+              <a:t>15</a:t>
+            </a:fld>
+            <a:endParaRPr lang="en-AU"/>
+          </a:p>
+        </p:txBody>
+      </p:sp>
+    </p:spTree>
+    <p:extLst>
+      <p:ext uri="{BB962C8B-B14F-4D97-AF65-F5344CB8AC3E}">
         <p14:creationId xmlns:p14="http://schemas.microsoft.com/office/powerpoint/2010/main" val="3633396466"/>
       </p:ext>
     </p:extLst>
@@ -20110,7 +20261,7 @@
 </p:notes>
 </file>
 
-<file path=ppt/notesSlides/notesSlide15.xml><?xml version="1.0" encoding="utf-8"?>
+<file path=ppt/notesSlides/notesSlide16.xml><?xml version="1.0" encoding="utf-8"?>
 <p:notes xmlns:a="http://schemas.openxmlformats.org/drawingml/2006/main" xmlns:r="http://schemas.openxmlformats.org/officeDocument/2006/relationships" xmlns:p="http://schemas.openxmlformats.org/presentationml/2006/main">
   <p:cSld>
     <p:spTree>
@@ -20250,7 +20401,7 @@
           <a:p>
             <a:fld id="{3960260C-8853-4159-8854-5A6834041865}" type="slidenum">
               <a:rPr lang="en-US" smtClean="0"/>
-              <a:t>15</a:t>
+              <a:t>16</a:t>
             </a:fld>
             <a:endParaRPr lang="en-US"/>
           </a:p>
@@ -20269,7 +20420,7 @@
 </p:notes>
 </file>
 
-<file path=ppt/notesSlides/notesSlide16.xml><?xml version="1.0" encoding="utf-8"?>
+<file path=ppt/notesSlides/notesSlide17.xml><?xml version="1.0" encoding="utf-8"?>
 <p:notes xmlns:a="http://schemas.openxmlformats.org/drawingml/2006/main" xmlns:r="http://schemas.openxmlformats.org/officeDocument/2006/relationships" xmlns:p="http://schemas.openxmlformats.org/presentationml/2006/main">
   <p:cSld>
     <p:spTree>
@@ -20334,7 +20485,7 @@
           <a:p>
             <a:fld id="{01420855-62A1-43EF-8815-D1313CE67D77}" type="slidenum">
               <a:rPr lang="en-AU" smtClean="0"/>
-              <a:t>17</a:t>
+              <a:t>18</a:t>
             </a:fld>
             <a:endParaRPr lang="en-AU" dirty="0"/>
           </a:p>
@@ -20888,6 +21039,90 @@
           <a:bodyPr/>
           <a:lstStyle/>
           <a:p>
+            <a:endParaRPr lang="en-US" dirty="0"/>
+          </a:p>
+        </p:txBody>
+      </p:sp>
+      <p:sp>
+        <p:nvSpPr>
+          <p:cNvPr id="4" name="Slide Number Placeholder 3"/>
+          <p:cNvSpPr>
+            <a:spLocks noGrp="1"/>
+          </p:cNvSpPr>
+          <p:nvPr>
+            <p:ph type="sldNum" sz="quarter" idx="5"/>
+          </p:nvPr>
+        </p:nvSpPr>
+        <p:spPr/>
+        <p:txBody>
+          <a:bodyPr/>
+          <a:lstStyle/>
+          <a:p>
+            <a:fld id="{01420855-62A1-43EF-8815-D1313CE67D77}" type="slidenum">
+              <a:rPr lang="en-AU" smtClean="0"/>
+              <a:t>4</a:t>
+            </a:fld>
+            <a:endParaRPr lang="en-AU"/>
+          </a:p>
+        </p:txBody>
+      </p:sp>
+    </p:spTree>
+    <p:extLst>
+      <p:ext uri="{BB962C8B-B14F-4D97-AF65-F5344CB8AC3E}">
+        <p14:creationId xmlns:p14="http://schemas.microsoft.com/office/powerpoint/2010/main" val="1913746585"/>
+      </p:ext>
+    </p:extLst>
+  </p:cSld>
+  <p:clrMapOvr>
+    <a:masterClrMapping/>
+  </p:clrMapOvr>
+</p:notes>
+</file>
+
+<file path=ppt/notesSlides/notesSlide5.xml><?xml version="1.0" encoding="utf-8"?>
+<p:notes xmlns:a="http://schemas.openxmlformats.org/drawingml/2006/main" xmlns:r="http://schemas.openxmlformats.org/officeDocument/2006/relationships" xmlns:p="http://schemas.openxmlformats.org/presentationml/2006/main">
+  <p:cSld>
+    <p:spTree>
+      <p:nvGrpSpPr>
+        <p:cNvPr id="1" name=""/>
+        <p:cNvGrpSpPr/>
+        <p:nvPr/>
+      </p:nvGrpSpPr>
+      <p:grpSpPr>
+        <a:xfrm>
+          <a:off x="0" y="0"/>
+          <a:ext cx="0" cy="0"/>
+          <a:chOff x="0" y="0"/>
+          <a:chExt cx="0" cy="0"/>
+        </a:xfrm>
+      </p:grpSpPr>
+      <p:sp>
+        <p:nvSpPr>
+          <p:cNvPr id="2" name="Slide Image Placeholder 1"/>
+          <p:cNvSpPr>
+            <a:spLocks noGrp="1" noRot="1" noChangeAspect="1"/>
+          </p:cNvSpPr>
+          <p:nvPr>
+            <p:ph type="sldImg"/>
+          </p:nvPr>
+        </p:nvSpPr>
+        <p:spPr/>
+      </p:sp>
+      <p:sp>
+        <p:nvSpPr>
+          <p:cNvPr id="3" name="Notes Placeholder 2"/>
+          <p:cNvSpPr>
+            <a:spLocks noGrp="1"/>
+          </p:cNvSpPr>
+          <p:nvPr>
+            <p:ph type="body" idx="1"/>
+          </p:nvPr>
+        </p:nvSpPr>
+        <p:spPr/>
+        <p:txBody>
+          <a:bodyPr/>
+          <a:lstStyle/>
+          <a:p>
             <a:pPr algn="l"/>
             <a:r>
               <a:rPr lang="zh-CN" altLang="en-US" b="0" i="0" dirty="0">
@@ -21102,7 +21337,7 @@
           <a:p>
             <a:fld id="{01420855-62A1-43EF-8815-D1313CE67D77}" type="slidenum">
               <a:rPr lang="en-AU" smtClean="0"/>
-              <a:t>4</a:t>
+              <a:t>5</a:t>
             </a:fld>
             <a:endParaRPr lang="en-AU"/>
           </a:p>
@@ -21112,90 +21347,6 @@
     <p:extLst>
       <p:ext uri="{BB962C8B-B14F-4D97-AF65-F5344CB8AC3E}">
         <p14:creationId xmlns:p14="http://schemas.microsoft.com/office/powerpoint/2010/main" val="1859201970"/>
-      </p:ext>
-    </p:extLst>
-  </p:cSld>
-  <p:clrMapOvr>
-    <a:masterClrMapping/>
-  </p:clrMapOvr>
-</p:notes>
-</file>
-
-<file path=ppt/notesSlides/notesSlide5.xml><?xml version="1.0" encoding="utf-8"?>
-<p:notes xmlns:a="http://schemas.openxmlformats.org/drawingml/2006/main" xmlns:r="http://schemas.openxmlformats.org/officeDocument/2006/relationships" xmlns:p="http://schemas.openxmlformats.org/presentationml/2006/main">
-  <p:cSld>
-    <p:spTree>
-      <p:nvGrpSpPr>
-        <p:cNvPr id="1" name=""/>
-        <p:cNvGrpSpPr/>
-        <p:nvPr/>
-      </p:nvGrpSpPr>
-      <p:grpSpPr>
-        <a:xfrm>
-          <a:off x="0" y="0"/>
-          <a:ext cx="0" cy="0"/>
-          <a:chOff x="0" y="0"/>
-          <a:chExt cx="0" cy="0"/>
-        </a:xfrm>
-      </p:grpSpPr>
-      <p:sp>
-        <p:nvSpPr>
-          <p:cNvPr id="2" name="Slide Image Placeholder 1"/>
-          <p:cNvSpPr>
-            <a:spLocks noGrp="1" noRot="1" noChangeAspect="1"/>
-          </p:cNvSpPr>
-          <p:nvPr>
-            <p:ph type="sldImg"/>
-          </p:nvPr>
-        </p:nvSpPr>
-        <p:spPr/>
-      </p:sp>
-      <p:sp>
-        <p:nvSpPr>
-          <p:cNvPr id="3" name="Notes Placeholder 2"/>
-          <p:cNvSpPr>
-            <a:spLocks noGrp="1"/>
-          </p:cNvSpPr>
-          <p:nvPr>
-            <p:ph type="body" idx="1"/>
-          </p:nvPr>
-        </p:nvSpPr>
-        <p:spPr/>
-        <p:txBody>
-          <a:bodyPr/>
-          <a:lstStyle/>
-          <a:p>
-            <a:endParaRPr lang="en-US" dirty="0"/>
-          </a:p>
-        </p:txBody>
-      </p:sp>
-      <p:sp>
-        <p:nvSpPr>
-          <p:cNvPr id="4" name="Slide Number Placeholder 3"/>
-          <p:cNvSpPr>
-            <a:spLocks noGrp="1"/>
-          </p:cNvSpPr>
-          <p:nvPr>
-            <p:ph type="sldNum" sz="quarter" idx="5"/>
-          </p:nvPr>
-        </p:nvSpPr>
-        <p:spPr/>
-        <p:txBody>
-          <a:bodyPr/>
-          <a:lstStyle/>
-          <a:p>
-            <a:fld id="{01420855-62A1-43EF-8815-D1313CE67D77}" type="slidenum">
-              <a:rPr lang="en-AU" smtClean="0"/>
-              <a:t>5</a:t>
-            </a:fld>
-            <a:endParaRPr lang="en-AU"/>
-          </a:p>
-        </p:txBody>
-      </p:sp>
-    </p:spTree>
-    <p:extLst>
-      <p:ext uri="{BB962C8B-B14F-4D97-AF65-F5344CB8AC3E}">
-        <p14:creationId xmlns:p14="http://schemas.microsoft.com/office/powerpoint/2010/main" val="1913746585"/>
       </p:ext>
     </p:extLst>
   </p:cSld>
@@ -21249,6 +21400,408 @@
           <a:bodyPr/>
           <a:lstStyle/>
           <a:p>
+            <a:pPr algn="l"/>
+            <a:r>
+              <a:rPr lang="zh-CN" altLang="en-US" b="0" i="0" dirty="0">
+                <a:solidFill>
+                  <a:srgbClr val="FFFFFF"/>
+                </a:solidFill>
+                <a:effectLst/>
+                <a:latin typeface="-apple-system"/>
+              </a:rPr>
+              <a:t>观察者模式具有以下</a:t>
+            </a:r>
+            <a:r>
+              <a:rPr lang="zh-CN" altLang="en-US" b="1" i="0" dirty="0">
+                <a:solidFill>
+                  <a:srgbClr val="FFFFFF"/>
+                </a:solidFill>
+                <a:effectLst/>
+                <a:latin typeface="-apple-system"/>
+              </a:rPr>
+              <a:t>优点</a:t>
+            </a:r>
+            <a:r>
+              <a:rPr lang="zh-CN" altLang="en-US" b="0" i="0" dirty="0">
+                <a:solidFill>
+                  <a:srgbClr val="FFFFFF"/>
+                </a:solidFill>
+                <a:effectLst/>
+                <a:latin typeface="-apple-system"/>
+              </a:rPr>
+              <a:t>：</a:t>
+            </a:r>
+          </a:p>
+          <a:p>
+            <a:pPr algn="l">
+              <a:buFont typeface="+mj-lt"/>
+              <a:buNone/>
+            </a:pPr>
+            <a:r>
+              <a:rPr lang="en-US" altLang="zh-CN" b="0" i="0" dirty="0">
+                <a:solidFill>
+                  <a:srgbClr val="FFFFFF"/>
+                </a:solidFill>
+                <a:effectLst/>
+                <a:latin typeface="-apple-system"/>
+              </a:rPr>
+              <a:t>1. </a:t>
+            </a:r>
+            <a:r>
+              <a:rPr lang="zh-CN" altLang="en-US" b="0" i="0" dirty="0">
+                <a:solidFill>
+                  <a:srgbClr val="FFFFFF"/>
+                </a:solidFill>
+                <a:effectLst/>
+                <a:latin typeface="-apple-system"/>
+              </a:rPr>
+              <a:t>松耦合 </a:t>
+            </a:r>
+            <a:r>
+              <a:rPr lang="en-US" altLang="zh-CN" b="0" i="0" dirty="0">
+                <a:solidFill>
+                  <a:srgbClr val="FFFFFF"/>
+                </a:solidFill>
+                <a:effectLst/>
+                <a:latin typeface="-apple-system"/>
+              </a:rPr>
+              <a:t>L</a:t>
+            </a:r>
+            <a:r>
+              <a:rPr lang="en-US" b="0" i="0" dirty="0">
+                <a:solidFill>
+                  <a:srgbClr val="E8EAED"/>
+                </a:solidFill>
+                <a:effectLst/>
+                <a:latin typeface="consolas" panose="020B0609020204030204" pitchFamily="49" charset="0"/>
+              </a:rPr>
+              <a:t>oose coupling between the subject and observers.</a:t>
+            </a:r>
+          </a:p>
+          <a:p>
+            <a:pPr algn="l">
+              <a:buFont typeface="+mj-lt"/>
+              <a:buNone/>
+            </a:pPr>
+            <a:r>
+              <a:rPr lang="en-US" altLang="zh-CN" b="0" i="0" dirty="0">
+                <a:solidFill>
+                  <a:srgbClr val="FFFFFF"/>
+                </a:solidFill>
+                <a:effectLst/>
+                <a:latin typeface="-apple-system"/>
+              </a:rPr>
+              <a:t>    </a:t>
+            </a:r>
+            <a:r>
+              <a:rPr lang="zh-CN" altLang="en-US" b="0" i="0" dirty="0">
+                <a:solidFill>
+                  <a:srgbClr val="FFFFFF"/>
+                </a:solidFill>
+                <a:effectLst/>
+                <a:latin typeface="-apple-system"/>
+              </a:rPr>
+              <a:t>观察者模式将主题和观察者解耦，它们之间通过抽象的接口进行通信，主题不需要知道观察者的具体实现。这种松耦合的设计使得主题和观察者可以独立地进行扩展和修改。</a:t>
+            </a:r>
+            <a:endParaRPr lang="en-US" altLang="zh-CN" b="0" i="0" dirty="0">
+              <a:solidFill>
+                <a:srgbClr val="FFFFFF"/>
+              </a:solidFill>
+              <a:effectLst/>
+              <a:latin typeface="-apple-system"/>
+            </a:endParaRPr>
+          </a:p>
+          <a:p>
+            <a:pPr algn="l">
+              <a:buFont typeface="+mj-lt"/>
+              <a:buNone/>
+            </a:pPr>
+            <a:endParaRPr lang="en-US" altLang="zh-CN" b="0" i="0" dirty="0">
+              <a:solidFill>
+                <a:srgbClr val="FFFFFF"/>
+              </a:solidFill>
+              <a:effectLst/>
+              <a:latin typeface="-apple-system"/>
+            </a:endParaRPr>
+          </a:p>
+          <a:p>
+            <a:pPr algn="l">
+              <a:buFont typeface="+mj-lt"/>
+              <a:buNone/>
+            </a:pPr>
+            <a:r>
+              <a:rPr lang="en-US" altLang="zh-CN" b="0" i="0" dirty="0">
+                <a:solidFill>
+                  <a:srgbClr val="FFFFFF"/>
+                </a:solidFill>
+                <a:effectLst/>
+                <a:latin typeface="-apple-system"/>
+              </a:rPr>
+              <a:t>2. </a:t>
+            </a:r>
+            <a:r>
+              <a:rPr lang="zh-CN" altLang="en-US" b="0" i="0" dirty="0">
+                <a:solidFill>
+                  <a:srgbClr val="FFFFFF"/>
+                </a:solidFill>
+                <a:effectLst/>
+                <a:latin typeface="-apple-system"/>
+              </a:rPr>
+              <a:t>一对多的依赖关系 </a:t>
+            </a:r>
+            <a:r>
+              <a:rPr lang="en-US" b="0" i="0" dirty="0">
+                <a:solidFill>
+                  <a:srgbClr val="E8EAED"/>
+                </a:solidFill>
+                <a:effectLst/>
+                <a:latin typeface="consolas" panose="020B0609020204030204" pitchFamily="49" charset="0"/>
+              </a:rPr>
+              <a:t>One to many dependencies.</a:t>
+            </a:r>
+            <a:endParaRPr lang="en-US" altLang="zh-CN" b="0" i="0" dirty="0">
+              <a:solidFill>
+                <a:srgbClr val="FFFFFF"/>
+              </a:solidFill>
+              <a:effectLst/>
+              <a:latin typeface="-apple-system"/>
+            </a:endParaRPr>
+          </a:p>
+          <a:p>
+            <a:pPr algn="l">
+              <a:buFont typeface="+mj-lt"/>
+              <a:buNone/>
+            </a:pPr>
+            <a:r>
+              <a:rPr lang="zh-CN" altLang="en-US" b="0" i="0" dirty="0">
+                <a:solidFill>
+                  <a:srgbClr val="FFFFFF"/>
+                </a:solidFill>
+                <a:effectLst/>
+                <a:latin typeface="-apple-system"/>
+              </a:rPr>
+              <a:t>    观察者模式支持一对多的依赖关系，一个主题可以有多个观察者。这意味着当主题的状态发生变化时，所有观察者都能够接收到通知并进行相应的处理。</a:t>
+            </a:r>
+            <a:endParaRPr lang="en-US" altLang="zh-CN" b="0" i="0" dirty="0">
+              <a:solidFill>
+                <a:srgbClr val="FFFFFF"/>
+              </a:solidFill>
+              <a:effectLst/>
+              <a:latin typeface="-apple-system"/>
+            </a:endParaRPr>
+          </a:p>
+          <a:p>
+            <a:pPr algn="l">
+              <a:buFont typeface="+mj-lt"/>
+              <a:buNone/>
+            </a:pPr>
+            <a:endParaRPr lang="zh-CN" altLang="en-US" b="0" i="0" dirty="0">
+              <a:solidFill>
+                <a:srgbClr val="FFFFFF"/>
+              </a:solidFill>
+              <a:effectLst/>
+              <a:latin typeface="-apple-system"/>
+            </a:endParaRPr>
+          </a:p>
+          <a:p>
+            <a:pPr algn="l">
+              <a:buFont typeface="+mj-lt"/>
+              <a:buNone/>
+            </a:pPr>
+            <a:r>
+              <a:rPr lang="en-US" altLang="zh-CN" b="0" i="0" dirty="0">
+                <a:solidFill>
+                  <a:srgbClr val="FFFFFF"/>
+                </a:solidFill>
+                <a:effectLst/>
+                <a:latin typeface="-apple-system"/>
+              </a:rPr>
+              <a:t>3.</a:t>
+            </a:r>
+            <a:r>
+              <a:rPr lang="zh-CN" altLang="en-US" b="0" i="0" dirty="0">
+                <a:solidFill>
+                  <a:srgbClr val="FFFFFF"/>
+                </a:solidFill>
+                <a:effectLst/>
+                <a:latin typeface="-apple-system"/>
+              </a:rPr>
+              <a:t> 动态添加和删除观察者</a:t>
+            </a:r>
+            <a:r>
+              <a:rPr lang="en-US" altLang="zh-CN" b="0" i="0" dirty="0">
+                <a:solidFill>
+                  <a:srgbClr val="FFFFFF"/>
+                </a:solidFill>
+                <a:effectLst/>
+                <a:latin typeface="-apple-system"/>
+              </a:rPr>
+              <a:t> </a:t>
+            </a:r>
+            <a:r>
+              <a:rPr lang="en-US" b="0" i="0" dirty="0">
+                <a:solidFill>
+                  <a:srgbClr val="E8EAED"/>
+                </a:solidFill>
+                <a:effectLst/>
+                <a:latin typeface="consolas" panose="020B0609020204030204" pitchFamily="49" charset="0"/>
+              </a:rPr>
+              <a:t>Dynamically adding and removing observers.</a:t>
+            </a:r>
+            <a:endParaRPr lang="en-US" altLang="zh-CN" b="0" i="0" dirty="0">
+              <a:solidFill>
+                <a:srgbClr val="FFFFFF"/>
+              </a:solidFill>
+              <a:effectLst/>
+              <a:latin typeface="-apple-system"/>
+            </a:endParaRPr>
+          </a:p>
+          <a:p>
+            <a:pPr algn="l">
+              <a:buFont typeface="+mj-lt"/>
+              <a:buNone/>
+            </a:pPr>
+            <a:r>
+              <a:rPr lang="zh-CN" altLang="en-US" b="0" i="0" dirty="0">
+                <a:solidFill>
+                  <a:srgbClr val="FFFFFF"/>
+                </a:solidFill>
+                <a:effectLst/>
+                <a:latin typeface="-apple-system"/>
+              </a:rPr>
+              <a:t>    观察者模式允许在运行时动态地添加和删除观察者，主题和观察者之间的关系是动态的。这种灵活性使得系统的设计更加可扩展和可维护。</a:t>
+            </a:r>
+            <a:endParaRPr lang="en-US" altLang="zh-CN" b="0" i="0" dirty="0">
+              <a:solidFill>
+                <a:srgbClr val="FFFFFF"/>
+              </a:solidFill>
+              <a:effectLst/>
+              <a:latin typeface="-apple-system"/>
+            </a:endParaRPr>
+          </a:p>
+          <a:p>
+            <a:pPr algn="l">
+              <a:buFont typeface="+mj-lt"/>
+              <a:buAutoNum type="arabicPeriod"/>
+            </a:pPr>
+            <a:endParaRPr lang="zh-CN" altLang="en-US" b="0" i="0" dirty="0">
+              <a:solidFill>
+                <a:srgbClr val="FFFFFF"/>
+              </a:solidFill>
+              <a:effectLst/>
+              <a:latin typeface="-apple-system"/>
+            </a:endParaRPr>
+          </a:p>
+          <a:p>
+            <a:pPr algn="l"/>
+            <a:r>
+              <a:rPr lang="zh-CN" altLang="en-US" b="0" i="0" dirty="0">
+                <a:solidFill>
+                  <a:srgbClr val="FFFFFF"/>
+                </a:solidFill>
+                <a:effectLst/>
+                <a:latin typeface="-apple-system"/>
+              </a:rPr>
+              <a:t>观察者模式也存在一些</a:t>
+            </a:r>
+            <a:r>
+              <a:rPr lang="zh-CN" altLang="en-US" b="1" i="0" dirty="0">
+                <a:solidFill>
+                  <a:srgbClr val="FFFFFF"/>
+                </a:solidFill>
+                <a:effectLst/>
+                <a:latin typeface="-apple-system"/>
+              </a:rPr>
+              <a:t>缺点</a:t>
+            </a:r>
+            <a:r>
+              <a:rPr lang="zh-CN" altLang="en-US" b="0" i="0" dirty="0">
+                <a:solidFill>
+                  <a:srgbClr val="FFFFFF"/>
+                </a:solidFill>
+                <a:effectLst/>
+                <a:latin typeface="-apple-system"/>
+              </a:rPr>
+              <a:t>：</a:t>
+            </a:r>
+            <a:endParaRPr lang="en-US" altLang="zh-CN" b="0" i="0" dirty="0">
+              <a:solidFill>
+                <a:srgbClr val="FFFFFF"/>
+              </a:solidFill>
+              <a:effectLst/>
+              <a:latin typeface="-apple-system"/>
+            </a:endParaRPr>
+          </a:p>
+          <a:p>
+            <a:pPr algn="l"/>
+            <a:r>
+              <a:rPr lang="en-US" altLang="zh-CN" b="0" i="0" dirty="0">
+                <a:solidFill>
+                  <a:srgbClr val="FFFFFF"/>
+                </a:solidFill>
+                <a:effectLst/>
+                <a:latin typeface="-apple-system"/>
+              </a:rPr>
+              <a:t>1. </a:t>
+            </a:r>
+            <a:r>
+              <a:rPr lang="zh-CN" altLang="en-US" b="0" i="0" dirty="0">
+                <a:solidFill>
+                  <a:srgbClr val="FFFFFF"/>
+                </a:solidFill>
+                <a:effectLst/>
+                <a:latin typeface="-apple-system"/>
+              </a:rPr>
+              <a:t>观察者过多导致性能问题：当观察者过多时，主题在通知所有观察者时可能会导致性能问题，特别是当观察者的处理逻辑较为复杂或者通知频繁时。</a:t>
+            </a:r>
+            <a:endParaRPr lang="en-US" altLang="zh-CN" b="0" i="0" dirty="0">
+              <a:solidFill>
+                <a:srgbClr val="FFFFFF"/>
+              </a:solidFill>
+              <a:effectLst/>
+              <a:latin typeface="-apple-system"/>
+            </a:endParaRPr>
+          </a:p>
+          <a:p>
+            <a:pPr algn="l">
+              <a:buFont typeface="+mj-lt"/>
+              <a:buAutoNum type="arabicPeriod"/>
+            </a:pPr>
+            <a:endParaRPr lang="en-US" altLang="zh-CN" b="0" i="0" dirty="0">
+              <a:solidFill>
+                <a:srgbClr val="FFFFFF"/>
+              </a:solidFill>
+              <a:effectLst/>
+              <a:latin typeface="-apple-system"/>
+            </a:endParaRPr>
+          </a:p>
+          <a:p>
+            <a:pPr algn="l">
+              <a:buFont typeface="+mj-lt"/>
+              <a:buNone/>
+            </a:pPr>
+            <a:r>
+              <a:rPr lang="en-US" altLang="zh-CN" b="0" i="0" dirty="0">
+                <a:solidFill>
+                  <a:srgbClr val="FFFFFF"/>
+                </a:solidFill>
+                <a:effectLst/>
+                <a:latin typeface="-apple-system"/>
+              </a:rPr>
+              <a:t>2.</a:t>
+            </a:r>
+            <a:r>
+              <a:rPr lang="zh-CN" altLang="en-US" b="0" i="0" dirty="0">
+                <a:solidFill>
+                  <a:srgbClr val="FFFFFF"/>
+                </a:solidFill>
+                <a:effectLst/>
+                <a:latin typeface="-apple-system"/>
+              </a:rPr>
+              <a:t> 循环依赖问题：在观察者模式中，观察者和主题之间存在双向依赖关系。如果设计不当，可能会导致循环依赖的问题，使系统变得复杂并增加了维护的难度。</a:t>
+            </a:r>
+          </a:p>
+          <a:p>
             <a:endParaRPr lang="en-US" dirty="0"/>
           </a:p>
         </p:txBody>
@@ -21279,7 +21832,7 @@
     </p:spTree>
     <p:extLst>
       <p:ext uri="{BB962C8B-B14F-4D97-AF65-F5344CB8AC3E}">
-        <p14:creationId xmlns:p14="http://schemas.microsoft.com/office/powerpoint/2010/main" val="1566094746"/>
+        <p14:creationId xmlns:p14="http://schemas.microsoft.com/office/powerpoint/2010/main" val="2777593339"/>
       </p:ext>
     </p:extLst>
   </p:cSld>
@@ -21363,7 +21916,7 @@
     </p:spTree>
     <p:extLst>
       <p:ext uri="{BB962C8B-B14F-4D97-AF65-F5344CB8AC3E}">
-        <p14:creationId xmlns:p14="http://schemas.microsoft.com/office/powerpoint/2010/main" val="3007327655"/>
+        <p14:creationId xmlns:p14="http://schemas.microsoft.com/office/powerpoint/2010/main" val="1566094746"/>
       </p:ext>
     </p:extLst>
   </p:cSld>
@@ -21447,7 +22000,7 @@
     </p:spTree>
     <p:extLst>
       <p:ext uri="{BB962C8B-B14F-4D97-AF65-F5344CB8AC3E}">
-        <p14:creationId xmlns:p14="http://schemas.microsoft.com/office/powerpoint/2010/main" val="2417297133"/>
+        <p14:creationId xmlns:p14="http://schemas.microsoft.com/office/powerpoint/2010/main" val="3007327655"/>
       </p:ext>
     </p:extLst>
   </p:cSld>
@@ -21531,7 +22084,7 @@
     </p:spTree>
     <p:extLst>
       <p:ext uri="{BB962C8B-B14F-4D97-AF65-F5344CB8AC3E}">
-        <p14:creationId xmlns:p14="http://schemas.microsoft.com/office/powerpoint/2010/main" val="436957066"/>
+        <p14:creationId xmlns:p14="http://schemas.microsoft.com/office/powerpoint/2010/main" val="2417297133"/>
       </p:ext>
     </p:extLst>
   </p:cSld>
@@ -24813,10 +25366,10 @@
       </p:sp>
       <p:pic>
         <p:nvPicPr>
-          <p:cNvPr id="1026" name="Picture 2" descr="Structure of the Iterator design pattern">
+          <p:cNvPr id="1030" name="Picture 6" descr="各种类型的收藏">
             <a:extLst>
               <a:ext uri="{FF2B5EF4-FFF2-40B4-BE49-F238E27FC236}">
-                <a16:creationId xmlns:a16="http://schemas.microsoft.com/office/drawing/2014/main" id="{0AEF86A3-A8BB-9C13-0590-702E1B309194}"/>
+                <a16:creationId xmlns:a16="http://schemas.microsoft.com/office/drawing/2014/main" id="{5FE7F1D1-D57A-8D02-30F2-E2B4982C08AE}"/>
               </a:ext>
             </a:extLst>
           </p:cNvPr>
@@ -24840,8 +25393,8 @@
         </p:blipFill>
         <p:spPr bwMode="auto">
           <a:xfrm>
-            <a:off x="10319792" y="1475999"/>
-            <a:ext cx="10206880" cy="9143663"/>
+            <a:off x="3767064" y="2602895"/>
+            <a:ext cx="15035836" cy="3068538"/>
           </a:xfrm>
           <a:prstGeom prst="rect">
             <a:avLst/>
@@ -24858,32 +25411,99 @@
           </a:extLst>
         </p:spPr>
       </p:pic>
-      <p:graphicFrame>
-        <p:nvGraphicFramePr>
-          <p:cNvPr id="4" name="Diagram 3">
+      <p:pic>
+        <p:nvPicPr>
+          <p:cNvPr id="1032" name="Picture 8" descr="各种遍历算法">
             <a:extLst>
               <a:ext uri="{FF2B5EF4-FFF2-40B4-BE49-F238E27FC236}">
-                <a16:creationId xmlns:a16="http://schemas.microsoft.com/office/drawing/2014/main" id="{B47080E8-0602-993C-35A2-C52214EE5B2A}"/>
+                <a16:creationId xmlns:a16="http://schemas.microsoft.com/office/drawing/2014/main" id="{FA13AA82-585F-CAF8-983E-890D794FB78F}"/>
               </a:ext>
             </a:extLst>
           </p:cNvPr>
-          <p:cNvGraphicFramePr/>
+          <p:cNvPicPr>
+            <a:picLocks noChangeAspect="1" noChangeArrowheads="1"/>
+          </p:cNvPicPr>
           <p:nvPr/>
-        </p:nvGraphicFramePr>
-        <p:xfrm>
-          <a:off x="1606824" y="3293604"/>
-          <a:ext cx="7098595" cy="4284476"/>
-        </p:xfrm>
-        <a:graphic>
-          <a:graphicData uri="http://schemas.openxmlformats.org/drawingml/2006/diagram">
-            <dgm:relIds xmlns:dgm="http://schemas.openxmlformats.org/drawingml/2006/diagram" xmlns:r="http://schemas.openxmlformats.org/officeDocument/2006/relationships" r:dm="rId4" r:lo="rId5" r:qs="rId6" r:cs="rId7"/>
-          </a:graphicData>
-        </a:graphic>
-      </p:graphicFrame>
+        </p:nvPicPr>
+        <p:blipFill>
+          <a:blip r:embed="rId4">
+            <a:extLst>
+              <a:ext uri="{28A0092B-C50C-407E-A947-70E740481C1C}">
+                <a14:useLocalDpi xmlns:a14="http://schemas.microsoft.com/office/drawing/2010/main" val="0"/>
+              </a:ext>
+            </a:extLst>
+          </a:blip>
+          <a:srcRect/>
+          <a:stretch>
+            <a:fillRect/>
+          </a:stretch>
+        </p:blipFill>
+        <p:spPr bwMode="auto">
+          <a:xfrm>
+            <a:off x="3944701" y="5993904"/>
+            <a:ext cx="16471830" cy="4392488"/>
+          </a:xfrm>
+          <a:prstGeom prst="rect">
+            <a:avLst/>
+          </a:prstGeom>
+          <a:noFill/>
+          <a:extLst>
+            <a:ext uri="{909E8E84-426E-40DD-AFC4-6F175D3DCCD1}">
+              <a14:hiddenFill xmlns:a14="http://schemas.microsoft.com/office/drawing/2010/main">
+                <a:solidFill>
+                  <a:srgbClr val="FFFFFF"/>
+                </a:solidFill>
+              </a14:hiddenFill>
+            </a:ext>
+          </a:extLst>
+        </p:spPr>
+      </p:pic>
+      <p:sp>
+        <p:nvSpPr>
+          <p:cNvPr id="6" name="TextBox 5">
+            <a:extLst>
+              <a:ext uri="{FF2B5EF4-FFF2-40B4-BE49-F238E27FC236}">
+                <a16:creationId xmlns:a16="http://schemas.microsoft.com/office/drawing/2014/main" id="{29B3E2C0-6587-B64D-B030-79A3B120D83D}"/>
+              </a:ext>
+            </a:extLst>
+          </p:cNvPr>
+          <p:cNvSpPr txBox="1"/>
+          <p:nvPr/>
+        </p:nvSpPr>
+        <p:spPr>
+          <a:xfrm>
+            <a:off x="4271120" y="10962456"/>
+            <a:ext cx="16471830" cy="830997"/>
+          </a:xfrm>
+          <a:prstGeom prst="rect">
+            <a:avLst/>
+          </a:prstGeom>
+          <a:noFill/>
+        </p:spPr>
+        <p:txBody>
+          <a:bodyPr wrap="square">
+            <a:spAutoFit/>
+          </a:bodyPr>
+          <a:lstStyle/>
+          <a:p>
+            <a:r>
+              <a:rPr lang="en-US" b="0" i="1" dirty="0">
+                <a:solidFill>
+                  <a:srgbClr val="999999"/>
+                </a:solidFill>
+                <a:effectLst/>
+                <a:latin typeface="PT Sans" panose="020B0503020203020204" pitchFamily="34" charset="0"/>
+              </a:rPr>
+              <a:t>The same collection can be traversed in several different ways.</a:t>
+            </a:r>
+            <a:endParaRPr lang="en-US" dirty="0"/>
+          </a:p>
+        </p:txBody>
+      </p:sp>
     </p:spTree>
     <p:extLst>
       <p:ext uri="{BB962C8B-B14F-4D97-AF65-F5344CB8AC3E}">
-        <p14:creationId xmlns:p14="http://schemas.microsoft.com/office/powerpoint/2010/main" val="1534296091"/>
+        <p14:creationId xmlns:p14="http://schemas.microsoft.com/office/powerpoint/2010/main" val="3735070334"/>
       </p:ext>
     </p:extLst>
   </p:cSld>
@@ -25015,38 +25635,77 @@
       </p:sp>
       <p:pic>
         <p:nvPicPr>
-          <p:cNvPr id="8" name="Picture 7">
+          <p:cNvPr id="1026" name="Picture 2" descr="Structure of the Iterator design pattern">
             <a:extLst>
               <a:ext uri="{FF2B5EF4-FFF2-40B4-BE49-F238E27FC236}">
-                <a16:creationId xmlns:a16="http://schemas.microsoft.com/office/drawing/2014/main" id="{6A4313A0-CFB9-5430-6BC7-B17683B17DD3}"/>
+                <a16:creationId xmlns:a16="http://schemas.microsoft.com/office/drawing/2014/main" id="{0AEF86A3-A8BB-9C13-0590-702E1B309194}"/>
               </a:ext>
             </a:extLst>
           </p:cNvPr>
           <p:cNvPicPr>
-            <a:picLocks noChangeAspect="1"/>
+            <a:picLocks noChangeAspect="1" noChangeArrowheads="1"/>
           </p:cNvPicPr>
           <p:nvPr/>
         </p:nvPicPr>
         <p:blipFill>
-          <a:blip r:embed="rId3"/>
+          <a:blip r:embed="rId3">
+            <a:extLst>
+              <a:ext uri="{28A0092B-C50C-407E-A947-70E740481C1C}">
+                <a14:useLocalDpi xmlns:a14="http://schemas.microsoft.com/office/drawing/2010/main" val="0"/>
+              </a:ext>
+            </a:extLst>
+          </a:blip>
+          <a:srcRect/>
           <a:stretch>
             <a:fillRect/>
           </a:stretch>
         </p:blipFill>
-        <p:spPr>
+        <p:spPr bwMode="auto">
           <a:xfrm>
-            <a:off x="3695056" y="1836944"/>
-            <a:ext cx="16129792" cy="9522851"/>
+            <a:off x="10319792" y="1475999"/>
+            <a:ext cx="10206880" cy="9143663"/>
           </a:xfrm>
           <a:prstGeom prst="rect">
             <a:avLst/>
           </a:prstGeom>
+          <a:noFill/>
+          <a:extLst>
+            <a:ext uri="{909E8E84-426E-40DD-AFC4-6F175D3DCCD1}">
+              <a14:hiddenFill xmlns:a14="http://schemas.microsoft.com/office/drawing/2010/main">
+                <a:solidFill>
+                  <a:srgbClr val="FFFFFF"/>
+                </a:solidFill>
+              </a14:hiddenFill>
+            </a:ext>
+          </a:extLst>
         </p:spPr>
       </p:pic>
+      <p:graphicFrame>
+        <p:nvGraphicFramePr>
+          <p:cNvPr id="4" name="Diagram 3">
+            <a:extLst>
+              <a:ext uri="{FF2B5EF4-FFF2-40B4-BE49-F238E27FC236}">
+                <a16:creationId xmlns:a16="http://schemas.microsoft.com/office/drawing/2014/main" id="{B47080E8-0602-993C-35A2-C52214EE5B2A}"/>
+              </a:ext>
+            </a:extLst>
+          </p:cNvPr>
+          <p:cNvGraphicFramePr/>
+          <p:nvPr/>
+        </p:nvGraphicFramePr>
+        <p:xfrm>
+          <a:off x="1606824" y="3293604"/>
+          <a:ext cx="7098595" cy="4284476"/>
+        </p:xfrm>
+        <a:graphic>
+          <a:graphicData uri="http://schemas.openxmlformats.org/drawingml/2006/diagram">
+            <dgm:relIds xmlns:dgm="http://schemas.openxmlformats.org/drawingml/2006/diagram" xmlns:r="http://schemas.openxmlformats.org/officeDocument/2006/relationships" r:dm="rId4" r:lo="rId5" r:qs="rId6" r:cs="rId7"/>
+          </a:graphicData>
+        </a:graphic>
+      </p:graphicFrame>
     </p:spTree>
     <p:extLst>
       <p:ext uri="{BB962C8B-B14F-4D97-AF65-F5344CB8AC3E}">
-        <p14:creationId xmlns:p14="http://schemas.microsoft.com/office/powerpoint/2010/main" val="2396239640"/>
+        <p14:creationId xmlns:p14="http://schemas.microsoft.com/office/powerpoint/2010/main" val="1534296091"/>
       </p:ext>
     </p:extLst>
   </p:cSld>
@@ -25159,7 +25818,7 @@
           <a:p>
             <a:r>
               <a:rPr lang="en-US" b="1" dirty="0"/>
-              <a:t>5. </a:t>
+              <a:t>3. </a:t>
             </a:r>
             <a:r>
               <a:rPr lang="en-US" b="1" kern="1200" dirty="0">
@@ -25167,7 +25826,7 @@
                 <a:ea typeface="+mn-ea"/>
                 <a:cs typeface="+mn-cs"/>
               </a:rPr>
-              <a:t>Visitor</a:t>
+              <a:t>Iterator</a:t>
             </a:r>
             <a:br>
               <a:rPr lang="en-US" dirty="0"/>
@@ -25178,55 +25837,38 @@
       </p:sp>
       <p:pic>
         <p:nvPicPr>
-          <p:cNvPr id="3076" name="Picture 4" descr="Insurance agent">
+          <p:cNvPr id="8" name="Picture 7">
             <a:extLst>
               <a:ext uri="{FF2B5EF4-FFF2-40B4-BE49-F238E27FC236}">
-                <a16:creationId xmlns:a16="http://schemas.microsoft.com/office/drawing/2014/main" id="{703D5C34-F594-D2EF-2D01-5BDAADFAE550}"/>
+                <a16:creationId xmlns:a16="http://schemas.microsoft.com/office/drawing/2014/main" id="{6A4313A0-CFB9-5430-6BC7-B17683B17DD3}"/>
               </a:ext>
             </a:extLst>
           </p:cNvPr>
           <p:cNvPicPr>
-            <a:picLocks noChangeAspect="1" noChangeArrowheads="1"/>
+            <a:picLocks noChangeAspect="1"/>
           </p:cNvPicPr>
           <p:nvPr/>
         </p:nvPicPr>
         <p:blipFill>
-          <a:blip r:embed="rId3">
-            <a:extLst>
-              <a:ext uri="{28A0092B-C50C-407E-A947-70E740481C1C}">
-                <a14:useLocalDpi xmlns:a14="http://schemas.microsoft.com/office/drawing/2010/main" val="0"/>
-              </a:ext>
-            </a:extLst>
-          </a:blip>
-          <a:srcRect/>
+          <a:blip r:embed="rId3"/>
           <a:stretch>
             <a:fillRect/>
           </a:stretch>
         </p:blipFill>
-        <p:spPr bwMode="auto">
+        <p:spPr>
           <a:xfrm>
-            <a:off x="3583523" y="2681536"/>
-            <a:ext cx="15265696" cy="7632848"/>
+            <a:off x="3695056" y="1836944"/>
+            <a:ext cx="16129792" cy="9522851"/>
           </a:xfrm>
           <a:prstGeom prst="rect">
             <a:avLst/>
           </a:prstGeom>
-          <a:noFill/>
-          <a:extLst>
-            <a:ext uri="{909E8E84-426E-40DD-AFC4-6F175D3DCCD1}">
-              <a14:hiddenFill xmlns:a14="http://schemas.microsoft.com/office/drawing/2010/main">
-                <a:solidFill>
-                  <a:srgbClr val="FFFFFF"/>
-                </a:solidFill>
-              </a14:hiddenFill>
-            </a:ext>
-          </a:extLst>
         </p:spPr>
       </p:pic>
     </p:spTree>
     <p:extLst>
       <p:ext uri="{BB962C8B-B14F-4D97-AF65-F5344CB8AC3E}">
-        <p14:creationId xmlns:p14="http://schemas.microsoft.com/office/powerpoint/2010/main" val="2312788854"/>
+        <p14:creationId xmlns:p14="http://schemas.microsoft.com/office/powerpoint/2010/main" val="2396239640"/>
       </p:ext>
     </p:extLst>
   </p:cSld>
@@ -25306,6 +25948,186 @@
               <a:rPr lang="en-AU" smtClean="0"/>
               <a:pPr/>
               <a:t>13</a:t>
+            </a:fld>
+            <a:endParaRPr lang="en-AU"/>
+          </a:p>
+        </p:txBody>
+      </p:sp>
+      <p:sp>
+        <p:nvSpPr>
+          <p:cNvPr id="13" name="Title 9">
+            <a:extLst>
+              <a:ext uri="{FF2B5EF4-FFF2-40B4-BE49-F238E27FC236}">
+                <a16:creationId xmlns:a16="http://schemas.microsoft.com/office/drawing/2014/main" id="{3BAEBDBD-7B50-9F58-BD3C-27FF4C445264}"/>
+              </a:ext>
+            </a:extLst>
+          </p:cNvPr>
+          <p:cNvSpPr>
+            <a:spLocks noGrp="1"/>
+          </p:cNvSpPr>
+          <p:nvPr>
+            <p:ph type="title"/>
+          </p:nvPr>
+        </p:nvSpPr>
+        <p:spPr>
+          <a:xfrm>
+            <a:off x="1080000" y="1125271"/>
+            <a:ext cx="22201232" cy="701456"/>
+          </a:xfrm>
+        </p:spPr>
+        <p:txBody>
+          <a:bodyPr/>
+          <a:lstStyle/>
+          <a:p>
+            <a:r>
+              <a:rPr lang="en-US" b="1" dirty="0"/>
+              <a:t>5. </a:t>
+            </a:r>
+            <a:r>
+              <a:rPr lang="en-US" b="1" kern="1200" dirty="0">
+                <a:latin typeface="Calibri" panose="020F0502020204030204"/>
+                <a:ea typeface="+mn-ea"/>
+                <a:cs typeface="+mn-cs"/>
+              </a:rPr>
+              <a:t>Visitor</a:t>
+            </a:r>
+            <a:br>
+              <a:rPr lang="en-US" dirty="0"/>
+            </a:br>
+            <a:endParaRPr lang="en-US" dirty="0"/>
+          </a:p>
+        </p:txBody>
+      </p:sp>
+      <p:pic>
+        <p:nvPicPr>
+          <p:cNvPr id="3076" name="Picture 4" descr="Insurance agent">
+            <a:extLst>
+              <a:ext uri="{FF2B5EF4-FFF2-40B4-BE49-F238E27FC236}">
+                <a16:creationId xmlns:a16="http://schemas.microsoft.com/office/drawing/2014/main" id="{703D5C34-F594-D2EF-2D01-5BDAADFAE550}"/>
+              </a:ext>
+            </a:extLst>
+          </p:cNvPr>
+          <p:cNvPicPr>
+            <a:picLocks noChangeAspect="1" noChangeArrowheads="1"/>
+          </p:cNvPicPr>
+          <p:nvPr/>
+        </p:nvPicPr>
+        <p:blipFill>
+          <a:blip r:embed="rId3">
+            <a:extLst>
+              <a:ext uri="{28A0092B-C50C-407E-A947-70E740481C1C}">
+                <a14:useLocalDpi xmlns:a14="http://schemas.microsoft.com/office/drawing/2010/main" val="0"/>
+              </a:ext>
+            </a:extLst>
+          </a:blip>
+          <a:srcRect/>
+          <a:stretch>
+            <a:fillRect/>
+          </a:stretch>
+        </p:blipFill>
+        <p:spPr bwMode="auto">
+          <a:xfrm>
+            <a:off x="3583523" y="2681536"/>
+            <a:ext cx="15265696" cy="7632848"/>
+          </a:xfrm>
+          <a:prstGeom prst="rect">
+            <a:avLst/>
+          </a:prstGeom>
+          <a:noFill/>
+          <a:extLst>
+            <a:ext uri="{909E8E84-426E-40DD-AFC4-6F175D3DCCD1}">
+              <a14:hiddenFill xmlns:a14="http://schemas.microsoft.com/office/drawing/2010/main">
+                <a:solidFill>
+                  <a:srgbClr val="FFFFFF"/>
+                </a:solidFill>
+              </a14:hiddenFill>
+            </a:ext>
+          </a:extLst>
+        </p:spPr>
+      </p:pic>
+    </p:spTree>
+    <p:extLst>
+      <p:ext uri="{BB962C8B-B14F-4D97-AF65-F5344CB8AC3E}">
+        <p14:creationId xmlns:p14="http://schemas.microsoft.com/office/powerpoint/2010/main" val="2312788854"/>
+      </p:ext>
+    </p:extLst>
+  </p:cSld>
+  <p:clrMapOvr>
+    <a:masterClrMapping/>
+  </p:clrMapOvr>
+</p:sld>
+</file>
+
+<file path=ppt/slides/slide14.xml><?xml version="1.0" encoding="utf-8"?>
+<p:sld xmlns:a="http://schemas.openxmlformats.org/drawingml/2006/main" xmlns:r="http://schemas.openxmlformats.org/officeDocument/2006/relationships" xmlns:p="http://schemas.openxmlformats.org/presentationml/2006/main">
+  <p:cSld>
+    <p:spTree>
+      <p:nvGrpSpPr>
+        <p:cNvPr id="1" name=""/>
+        <p:cNvGrpSpPr/>
+        <p:nvPr/>
+      </p:nvGrpSpPr>
+      <p:grpSpPr>
+        <a:xfrm>
+          <a:off x="0" y="0"/>
+          <a:ext cx="0" cy="0"/>
+          <a:chOff x="0" y="0"/>
+          <a:chExt cx="0" cy="0"/>
+        </a:xfrm>
+      </p:grpSpPr>
+      <p:sp>
+        <p:nvSpPr>
+          <p:cNvPr id="2" name="Footer Placeholder 1">
+            <a:extLst>
+              <a:ext uri="{FF2B5EF4-FFF2-40B4-BE49-F238E27FC236}">
+                <a16:creationId xmlns:a16="http://schemas.microsoft.com/office/drawing/2014/main" id="{22DA5C28-F0FD-47D6-8E92-1C9E6EA87F96}"/>
+              </a:ext>
+            </a:extLst>
+          </p:cNvPr>
+          <p:cNvSpPr>
+            <a:spLocks noGrp="1"/>
+          </p:cNvSpPr>
+          <p:nvPr>
+            <p:ph type="ftr" sz="quarter" idx="3"/>
+          </p:nvPr>
+        </p:nvSpPr>
+        <p:spPr/>
+        <p:txBody>
+          <a:bodyPr/>
+          <a:lstStyle/>
+          <a:p>
+            <a:r>
+              <a:rPr lang="en-AU" dirty="0"/>
+              <a:t>© 2023 CargoWise</a:t>
+            </a:r>
+          </a:p>
+        </p:txBody>
+      </p:sp>
+      <p:sp>
+        <p:nvSpPr>
+          <p:cNvPr id="3" name="Slide Number Placeholder 2">
+            <a:extLst>
+              <a:ext uri="{FF2B5EF4-FFF2-40B4-BE49-F238E27FC236}">
+                <a16:creationId xmlns:a16="http://schemas.microsoft.com/office/drawing/2014/main" id="{15B20483-DDDA-4E06-872B-F88C31FDBA35}"/>
+              </a:ext>
+            </a:extLst>
+          </p:cNvPr>
+          <p:cNvSpPr>
+            <a:spLocks noGrp="1"/>
+          </p:cNvSpPr>
+          <p:nvPr>
+            <p:ph type="sldNum" sz="quarter" idx="4"/>
+          </p:nvPr>
+        </p:nvSpPr>
+        <p:spPr/>
+        <p:txBody>
+          <a:bodyPr/>
+          <a:lstStyle/>
+          <a:p>
+            <a:fld id="{67E7CB4E-0848-4774-9F85-B38117CB1B54}" type="slidenum">
+              <a:rPr lang="en-AU" smtClean="0"/>
+              <a:pPr/>
+              <a:t>14</a:t>
             </a:fld>
             <a:endParaRPr lang="en-AU"/>
           </a:p>
@@ -25444,7 +26266,7 @@
 </p:sld>
 </file>
 
-<file path=ppt/slides/slide14.xml><?xml version="1.0" encoding="utf-8"?>
+<file path=ppt/slides/slide15.xml><?xml version="1.0" encoding="utf-8"?>
 <p:sld xmlns:a="http://schemas.openxmlformats.org/drawingml/2006/main" xmlns:r="http://schemas.openxmlformats.org/officeDocument/2006/relationships" xmlns:p="http://schemas.openxmlformats.org/presentationml/2006/main">
   <p:cSld>
     <p:spTree>
@@ -25513,7 +26335,7 @@
             <a:fld id="{67E7CB4E-0848-4774-9F85-B38117CB1B54}" type="slidenum">
               <a:rPr lang="en-AU" smtClean="0"/>
               <a:pPr/>
-              <a:t>14</a:t>
+              <a:t>15</a:t>
             </a:fld>
             <a:endParaRPr lang="en-AU"/>
           </a:p>
@@ -25607,7 +26429,7 @@
 </p:sld>
 </file>
 
-<file path=ppt/slides/slide15.xml><?xml version="1.0" encoding="utf-8"?>
+<file path=ppt/slides/slide16.xml><?xml version="1.0" encoding="utf-8"?>
 <p:sld xmlns:a="http://schemas.openxmlformats.org/drawingml/2006/main" xmlns:r="http://schemas.openxmlformats.org/officeDocument/2006/relationships" xmlns:p="http://schemas.openxmlformats.org/presentationml/2006/main">
   <p:cSld>
     <p:spTree>
@@ -25801,7 +26623,7 @@
                   <a:spcPts val="600"/>
                 </a:spcAft>
               </a:pPr>
-              <a:t>15</a:t>
+              <a:t>16</a:t>
             </a:fld>
             <a:endParaRPr lang="en-AU"/>
           </a:p>
@@ -25820,14 +26642,14 @@
           <p:nvPr>
             <p:extLst>
               <p:ext uri="{D42A27DB-BD31-4B8C-83A1-F6EECF244321}">
-                <p14:modId xmlns:p14="http://schemas.microsoft.com/office/powerpoint/2010/main" val="3700568941"/>
+                <p14:modId xmlns:p14="http://schemas.microsoft.com/office/powerpoint/2010/main" val="3965650629"/>
               </p:ext>
             </p:extLst>
           </p:nvPr>
         </p:nvGraphicFramePr>
         <p:xfrm>
-          <a:off x="6575376" y="2897560"/>
-          <a:ext cx="10628550" cy="7920880"/>
+          <a:off x="1822848" y="2753544"/>
+          <a:ext cx="4608512" cy="7776864"/>
         </p:xfrm>
         <a:graphic>
           <a:graphicData uri="http://schemas.openxmlformats.org/drawingml/2006/diagram">
@@ -25835,6 +26657,36 @@
           </a:graphicData>
         </a:graphic>
       </p:graphicFrame>
+      <p:pic>
+        <p:nvPicPr>
+          <p:cNvPr id="3" name="Picture 2">
+            <a:extLst>
+              <a:ext uri="{FF2B5EF4-FFF2-40B4-BE49-F238E27FC236}">
+                <a16:creationId xmlns:a16="http://schemas.microsoft.com/office/drawing/2014/main" id="{552CE9FF-59E2-CC3F-7035-3F593D620340}"/>
+              </a:ext>
+            </a:extLst>
+          </p:cNvPr>
+          <p:cNvPicPr>
+            <a:picLocks noChangeAspect="1"/>
+          </p:cNvPicPr>
+          <p:nvPr/>
+        </p:nvPicPr>
+        <p:blipFill>
+          <a:blip r:embed="rId8"/>
+          <a:stretch>
+            <a:fillRect/>
+          </a:stretch>
+        </p:blipFill>
+        <p:spPr>
+          <a:xfrm>
+            <a:off x="7727504" y="3473624"/>
+            <a:ext cx="13848910" cy="5976664"/>
+          </a:xfrm>
+          <a:prstGeom prst="rect">
+            <a:avLst/>
+          </a:prstGeom>
+        </p:spPr>
+      </p:pic>
     </p:spTree>
     <p:extLst>
       <p:ext uri="{BB962C8B-B14F-4D97-AF65-F5344CB8AC3E}">
@@ -25848,7 +26700,7 @@
 </p:sld>
 </file>
 
-<file path=ppt/slides/slide16.xml><?xml version="1.0" encoding="utf-8"?>
+<file path=ppt/slides/slide17.xml><?xml version="1.0" encoding="utf-8"?>
 <p:sld xmlns:a="http://schemas.openxmlformats.org/drawingml/2006/main" xmlns:r="http://schemas.openxmlformats.org/officeDocument/2006/relationships" xmlns:p="http://schemas.openxmlformats.org/presentationml/2006/main">
   <p:cSld>
     <p:spTree>
@@ -25939,7 +26791,7 @@
 </p:sld>
 </file>
 
-<file path=ppt/slides/slide17.xml><?xml version="1.0" encoding="utf-8"?>
+<file path=ppt/slides/slide18.xml><?xml version="1.0" encoding="utf-8"?>
 <p:sld xmlns:a="http://schemas.openxmlformats.org/drawingml/2006/main" xmlns:r="http://schemas.openxmlformats.org/officeDocument/2006/relationships" xmlns:p="http://schemas.openxmlformats.org/presentationml/2006/main">
   <p:cSld>
     <p:spTree>
@@ -26674,85 +27526,210 @@
           </a:p>
         </p:txBody>
       </p:sp>
-      <p:graphicFrame>
-        <p:nvGraphicFramePr>
-          <p:cNvPr id="4" name="Diagram 3">
+      <p:pic>
+        <p:nvPicPr>
+          <p:cNvPr id="17" name="Picture 16">
             <a:extLst>
               <a:ext uri="{FF2B5EF4-FFF2-40B4-BE49-F238E27FC236}">
-                <a16:creationId xmlns:a16="http://schemas.microsoft.com/office/drawing/2014/main" id="{16CA8D02-B495-3920-41BD-4CAABD436EA7}"/>
-              </a:ext>
-            </a:extLst>
-          </p:cNvPr>
-          <p:cNvGraphicFramePr/>
-          <p:nvPr/>
-        </p:nvGraphicFramePr>
-        <p:xfrm>
-          <a:off x="1781037" y="3108887"/>
-          <a:ext cx="4896444" cy="4284476"/>
-        </p:xfrm>
-        <a:graphic>
-          <a:graphicData uri="http://schemas.openxmlformats.org/drawingml/2006/diagram">
-            <dgm:relIds xmlns:dgm="http://schemas.openxmlformats.org/drawingml/2006/diagram" xmlns:r="http://schemas.openxmlformats.org/officeDocument/2006/relationships" r:dm="rId3" r:lo="rId4" r:qs="rId5" r:cs="rId6"/>
-          </a:graphicData>
-        </a:graphic>
-      </p:graphicFrame>
-      <p:pic>
-        <p:nvPicPr>
-          <p:cNvPr id="4098" name="Picture 2" descr="Structure of the Observer design pattern">
-            <a:extLst>
-              <a:ext uri="{FF2B5EF4-FFF2-40B4-BE49-F238E27FC236}">
-                <a16:creationId xmlns:a16="http://schemas.microsoft.com/office/drawing/2014/main" id="{786866CF-F582-91CE-6715-E28DA1CED36A}"/>
+                <a16:creationId xmlns:a16="http://schemas.microsoft.com/office/drawing/2014/main" id="{0DBDBB0D-71B0-18D2-6DAB-BE415C6E54F6}"/>
               </a:ext>
             </a:extLst>
           </p:cNvPr>
           <p:cNvPicPr>
-            <a:picLocks noChangeAspect="1" noChangeArrowheads="1"/>
+            <a:picLocks noChangeAspect="1"/>
           </p:cNvPicPr>
           <p:nvPr/>
         </p:nvPicPr>
         <p:blipFill>
-          <a:blip r:embed="rId8">
-            <a:extLst>
-              <a:ext uri="{28A0092B-C50C-407E-A947-70E740481C1C}">
-                <a14:useLocalDpi xmlns:a14="http://schemas.microsoft.com/office/drawing/2010/main" val="0"/>
-              </a:ext>
-            </a:extLst>
-          </a:blip>
-          <a:srcRect/>
+          <a:blip r:embed="rId3"/>
           <a:stretch>
             <a:fillRect/>
           </a:stretch>
         </p:blipFill>
-        <p:spPr bwMode="auto">
+        <p:spPr>
           <a:xfrm>
-            <a:off x="7871520" y="2609528"/>
-            <a:ext cx="15019475" cy="7632848"/>
+            <a:off x="1544739" y="2033464"/>
+            <a:ext cx="7590475" cy="10110412"/>
           </a:xfrm>
           <a:prstGeom prst="rect">
             <a:avLst/>
           </a:prstGeom>
-          <a:noFill/>
-          <a:extLst>
-            <a:ext uri="{909E8E84-426E-40DD-AFC4-6F175D3DCCD1}">
-              <a14:hiddenFill xmlns:a14="http://schemas.microsoft.com/office/drawing/2010/main">
-                <a:solidFill>
-                  <a:srgbClr val="FFFFFF"/>
-                </a:solidFill>
-              </a14:hiddenFill>
-            </a:ext>
-          </a:extLst>
+        </p:spPr>
+      </p:pic>
+      <p:pic>
+        <p:nvPicPr>
+          <p:cNvPr id="19" name="Picture 18">
+            <a:extLst>
+              <a:ext uri="{FF2B5EF4-FFF2-40B4-BE49-F238E27FC236}">
+                <a16:creationId xmlns:a16="http://schemas.microsoft.com/office/drawing/2014/main" id="{6265B10B-8BD6-F089-B024-30EB9574A945}"/>
+              </a:ext>
+            </a:extLst>
+          </p:cNvPr>
+          <p:cNvPicPr>
+            <a:picLocks noChangeAspect="1"/>
+          </p:cNvPicPr>
+          <p:nvPr/>
+        </p:nvPicPr>
+        <p:blipFill>
+          <a:blip r:embed="rId4"/>
+          <a:stretch>
+            <a:fillRect/>
+          </a:stretch>
+        </p:blipFill>
+        <p:spPr>
+          <a:xfrm>
+            <a:off x="10175776" y="1364904"/>
+            <a:ext cx="7321940" cy="6628554"/>
+          </a:xfrm>
+          <a:prstGeom prst="rect">
+            <a:avLst/>
+          </a:prstGeom>
+        </p:spPr>
+      </p:pic>
+      <p:pic>
+        <p:nvPicPr>
+          <p:cNvPr id="21" name="Picture 20">
+            <a:extLst>
+              <a:ext uri="{FF2B5EF4-FFF2-40B4-BE49-F238E27FC236}">
+                <a16:creationId xmlns:a16="http://schemas.microsoft.com/office/drawing/2014/main" id="{616EBA86-3AAB-215A-9601-6A4F340C2DA8}"/>
+              </a:ext>
+            </a:extLst>
+          </p:cNvPr>
+          <p:cNvPicPr>
+            <a:picLocks noChangeAspect="1"/>
+          </p:cNvPicPr>
+          <p:nvPr/>
+        </p:nvPicPr>
+        <p:blipFill>
+          <a:blip r:embed="rId5"/>
+          <a:stretch>
+            <a:fillRect/>
+          </a:stretch>
+        </p:blipFill>
+        <p:spPr>
+          <a:xfrm>
+            <a:off x="10175776" y="8420898"/>
+            <a:ext cx="7321939" cy="4169831"/>
+          </a:xfrm>
+          <a:prstGeom prst="rect">
+            <a:avLst/>
+          </a:prstGeom>
+        </p:spPr>
+      </p:pic>
+      <p:pic>
+        <p:nvPicPr>
+          <p:cNvPr id="23" name="Picture 22">
+            <a:extLst>
+              <a:ext uri="{FF2B5EF4-FFF2-40B4-BE49-F238E27FC236}">
+                <a16:creationId xmlns:a16="http://schemas.microsoft.com/office/drawing/2014/main" id="{36212444-7238-21FB-D253-21B9D38EF46C}"/>
+              </a:ext>
+            </a:extLst>
+          </p:cNvPr>
+          <p:cNvPicPr>
+            <a:picLocks noChangeAspect="1"/>
+          </p:cNvPicPr>
+          <p:nvPr/>
+        </p:nvPicPr>
+        <p:blipFill rotWithShape="1">
+          <a:blip r:embed="rId6"/>
+          <a:srcRect r="11158"/>
+          <a:stretch/>
+        </p:blipFill>
+        <p:spPr>
+          <a:xfrm>
+            <a:off x="18312680" y="4679181"/>
+            <a:ext cx="5616624" cy="2714182"/>
+          </a:xfrm>
+          <a:prstGeom prst="rect">
+            <a:avLst/>
+          </a:prstGeom>
         </p:spPr>
       </p:pic>
     </p:spTree>
     <p:extLst>
       <p:ext uri="{BB962C8B-B14F-4D97-AF65-F5344CB8AC3E}">
-        <p14:creationId xmlns:p14="http://schemas.microsoft.com/office/powerpoint/2010/main" val="382068623"/>
+        <p14:creationId xmlns:p14="http://schemas.microsoft.com/office/powerpoint/2010/main" val="1493096502"/>
       </p:ext>
     </p:extLst>
   </p:cSld>
   <p:clrMapOvr>
     <a:masterClrMapping/>
   </p:clrMapOvr>
+  <p:timing>
+    <p:tnLst>
+      <p:par>
+        <p:cTn id="1" dur="indefinite" restart="never" nodeType="tmRoot">
+          <p:childTnLst>
+            <p:seq concurrent="1" nextAc="seek">
+              <p:cTn id="2" dur="indefinite" nodeType="mainSeq">
+                <p:childTnLst>
+                  <p:par>
+                    <p:cTn id="3" fill="hold">
+                      <p:stCondLst>
+                        <p:cond delay="indefinite"/>
+                      </p:stCondLst>
+                      <p:childTnLst>
+                        <p:par>
+                          <p:cTn id="4" fill="hold">
+                            <p:stCondLst>
+                              <p:cond delay="0"/>
+                            </p:stCondLst>
+                            <p:childTnLst>
+                              <p:par>
+                                <p:cTn id="5" presetID="1" presetClass="entr" presetSubtype="0" fill="hold" nodeType="clickEffect">
+                                  <p:stCondLst>
+                                    <p:cond delay="0"/>
+                                  </p:stCondLst>
+                                  <p:childTnLst>
+                                    <p:set>
+                                      <p:cBhvr>
+                                        <p:cTn id="6" dur="1" fill="hold">
+                                          <p:stCondLst>
+                                            <p:cond delay="0"/>
+                                          </p:stCondLst>
+                                        </p:cTn>
+                                        <p:tgtEl>
+                                          <p:spTgt spid="23"/>
+                                        </p:tgtEl>
+                                        <p:attrNameLst>
+                                          <p:attrName>style.visibility</p:attrName>
+                                        </p:attrNameLst>
+                                      </p:cBhvr>
+                                      <p:to>
+                                        <p:strVal val="visible"/>
+                                      </p:to>
+                                    </p:set>
+                                  </p:childTnLst>
+                                </p:cTn>
+                              </p:par>
+                            </p:childTnLst>
+                          </p:cTn>
+                        </p:par>
+                      </p:childTnLst>
+                    </p:cTn>
+                  </p:par>
+                </p:childTnLst>
+              </p:cTn>
+              <p:prevCondLst>
+                <p:cond evt="onPrev" delay="0">
+                  <p:tgtEl>
+                    <p:sldTgt/>
+                  </p:tgtEl>
+                </p:cond>
+              </p:prevCondLst>
+              <p:nextCondLst>
+                <p:cond evt="onNext" delay="0">
+                  <p:tgtEl>
+                    <p:sldTgt/>
+                  </p:tgtEl>
+                </p:cond>
+              </p:nextCondLst>
+            </p:seq>
+          </p:childTnLst>
+        </p:cTn>
+      </p:par>
+    </p:tnLst>
+  </p:timing>
 </p:sld>
 </file>
 
@@ -26876,12 +27853,40 @@
           </a:p>
         </p:txBody>
       </p:sp>
+      <p:graphicFrame>
+        <p:nvGraphicFramePr>
+          <p:cNvPr id="4" name="Diagram 3">
+            <a:extLst>
+              <a:ext uri="{FF2B5EF4-FFF2-40B4-BE49-F238E27FC236}">
+                <a16:creationId xmlns:a16="http://schemas.microsoft.com/office/drawing/2014/main" id="{16CA8D02-B495-3920-41BD-4CAABD436EA7}"/>
+              </a:ext>
+            </a:extLst>
+          </p:cNvPr>
+          <p:cNvGraphicFramePr/>
+          <p:nvPr>
+            <p:extLst>
+              <p:ext uri="{D42A27DB-BD31-4B8C-83A1-F6EECF244321}">
+                <p14:modId xmlns:p14="http://schemas.microsoft.com/office/powerpoint/2010/main" val="92413407"/>
+              </p:ext>
+            </p:extLst>
+          </p:nvPr>
+        </p:nvGraphicFramePr>
+        <p:xfrm>
+          <a:off x="1515970" y="3545632"/>
+          <a:ext cx="4896444" cy="4284476"/>
+        </p:xfrm>
+        <a:graphic>
+          <a:graphicData uri="http://schemas.openxmlformats.org/drawingml/2006/diagram">
+            <dgm:relIds xmlns:dgm="http://schemas.openxmlformats.org/drawingml/2006/diagram" xmlns:r="http://schemas.openxmlformats.org/officeDocument/2006/relationships" r:dm="rId3" r:lo="rId4" r:qs="rId5" r:cs="rId6"/>
+          </a:graphicData>
+        </a:graphic>
+      </p:graphicFrame>
       <p:pic>
         <p:nvPicPr>
-          <p:cNvPr id="5" name="Picture 4">
+          <p:cNvPr id="10" name="Picture 9">
             <a:extLst>
               <a:ext uri="{FF2B5EF4-FFF2-40B4-BE49-F238E27FC236}">
-                <a16:creationId xmlns:a16="http://schemas.microsoft.com/office/drawing/2014/main" id="{4AC3FD9B-EBE0-62EC-EAE0-C267C20F2286}"/>
+                <a16:creationId xmlns:a16="http://schemas.microsoft.com/office/drawing/2014/main" id="{1A37D939-B95D-AB62-2D9E-7FD2602E622C}"/>
               </a:ext>
             </a:extLst>
           </p:cNvPr>
@@ -26891,15 +27896,15 @@
           <p:nvPr/>
         </p:nvPicPr>
         <p:blipFill>
-          <a:blip r:embed="rId3"/>
+          <a:blip r:embed="rId8"/>
           <a:stretch>
             <a:fillRect/>
           </a:stretch>
         </p:blipFill>
         <p:spPr>
           <a:xfrm>
-            <a:off x="3191000" y="2753544"/>
-            <a:ext cx="17773015" cy="6192688"/>
+            <a:off x="9527704" y="2897560"/>
+            <a:ext cx="12348607" cy="6552728"/>
           </a:xfrm>
           <a:prstGeom prst="rect">
             <a:avLst/>
@@ -26909,7 +27914,7 @@
     </p:spTree>
     <p:extLst>
       <p:ext uri="{BB962C8B-B14F-4D97-AF65-F5344CB8AC3E}">
-        <p14:creationId xmlns:p14="http://schemas.microsoft.com/office/powerpoint/2010/main" val="1493096502"/>
+        <p14:creationId xmlns:p14="http://schemas.microsoft.com/office/powerpoint/2010/main" val="382068623"/>
       </p:ext>
     </p:extLst>
   </p:cSld>
@@ -27022,7 +28027,7 @@
           <a:p>
             <a:r>
               <a:rPr lang="en-US" b="1" dirty="0"/>
-              <a:t>2. </a:t>
+              <a:t>1. </a:t>
             </a:r>
             <a:r>
               <a:rPr lang="en-US" b="1" kern="1200" dirty="0">
@@ -27030,7 +28035,7 @@
                 <a:ea typeface="+mn-ea"/>
                 <a:cs typeface="+mn-cs"/>
               </a:rPr>
-              <a:t>Strategy</a:t>
+              <a:t>Observer</a:t>
             </a:r>
             <a:br>
               <a:rPr lang="en-US" dirty="0"/>
@@ -27041,10 +28046,10 @@
       </p:sp>
       <p:pic>
         <p:nvPicPr>
-          <p:cNvPr id="5" name="Picture 4">
+          <p:cNvPr id="6" name="Picture 5">
             <a:extLst>
               <a:ext uri="{FF2B5EF4-FFF2-40B4-BE49-F238E27FC236}">
-                <a16:creationId xmlns:a16="http://schemas.microsoft.com/office/drawing/2014/main" id="{48668134-D000-5B0B-7ED9-C138819AC3C7}"/>
+                <a16:creationId xmlns:a16="http://schemas.microsoft.com/office/drawing/2014/main" id="{0CDF84EE-47E8-59F9-F323-511AD960CE2B}"/>
               </a:ext>
             </a:extLst>
           </p:cNvPr>
@@ -27061,8 +28066,8 @@
         </p:blipFill>
         <p:spPr>
           <a:xfrm>
-            <a:off x="2830960" y="2537520"/>
-            <a:ext cx="17657610" cy="8640960"/>
+            <a:off x="3911080" y="3473624"/>
+            <a:ext cx="15967186" cy="5256584"/>
           </a:xfrm>
           <a:prstGeom prst="rect">
             <a:avLst/>
@@ -27072,7 +28077,7 @@
     </p:spTree>
     <p:extLst>
       <p:ext uri="{BB962C8B-B14F-4D97-AF65-F5344CB8AC3E}">
-        <p14:creationId xmlns:p14="http://schemas.microsoft.com/office/powerpoint/2010/main" val="2615158704"/>
+        <p14:creationId xmlns:p14="http://schemas.microsoft.com/office/powerpoint/2010/main" val="1757270782"/>
       </p:ext>
     </p:extLst>
   </p:cSld>
@@ -27152,6 +28157,169 @@
               <a:rPr lang="en-AU" smtClean="0"/>
               <a:pPr/>
               <a:t>7</a:t>
+            </a:fld>
+            <a:endParaRPr lang="en-AU"/>
+          </a:p>
+        </p:txBody>
+      </p:sp>
+      <p:sp>
+        <p:nvSpPr>
+          <p:cNvPr id="13" name="Title 9">
+            <a:extLst>
+              <a:ext uri="{FF2B5EF4-FFF2-40B4-BE49-F238E27FC236}">
+                <a16:creationId xmlns:a16="http://schemas.microsoft.com/office/drawing/2014/main" id="{3BAEBDBD-7B50-9F58-BD3C-27FF4C445264}"/>
+              </a:ext>
+            </a:extLst>
+          </p:cNvPr>
+          <p:cNvSpPr>
+            <a:spLocks noGrp="1"/>
+          </p:cNvSpPr>
+          <p:nvPr>
+            <p:ph type="title"/>
+          </p:nvPr>
+        </p:nvSpPr>
+        <p:spPr>
+          <a:xfrm>
+            <a:off x="1080000" y="1125271"/>
+            <a:ext cx="22201232" cy="701456"/>
+          </a:xfrm>
+        </p:spPr>
+        <p:txBody>
+          <a:bodyPr/>
+          <a:lstStyle/>
+          <a:p>
+            <a:r>
+              <a:rPr lang="en-US" b="1" dirty="0"/>
+              <a:t>2. </a:t>
+            </a:r>
+            <a:r>
+              <a:rPr lang="en-US" b="1" kern="1200" dirty="0">
+                <a:latin typeface="Calibri" panose="020F0502020204030204"/>
+                <a:ea typeface="+mn-ea"/>
+                <a:cs typeface="+mn-cs"/>
+              </a:rPr>
+              <a:t>Strategy</a:t>
+            </a:r>
+            <a:br>
+              <a:rPr lang="en-US" dirty="0"/>
+            </a:br>
+            <a:endParaRPr lang="en-US" dirty="0"/>
+          </a:p>
+        </p:txBody>
+      </p:sp>
+      <p:pic>
+        <p:nvPicPr>
+          <p:cNvPr id="5" name="Picture 4">
+            <a:extLst>
+              <a:ext uri="{FF2B5EF4-FFF2-40B4-BE49-F238E27FC236}">
+                <a16:creationId xmlns:a16="http://schemas.microsoft.com/office/drawing/2014/main" id="{48668134-D000-5B0B-7ED9-C138819AC3C7}"/>
+              </a:ext>
+            </a:extLst>
+          </p:cNvPr>
+          <p:cNvPicPr>
+            <a:picLocks noChangeAspect="1"/>
+          </p:cNvPicPr>
+          <p:nvPr/>
+        </p:nvPicPr>
+        <p:blipFill>
+          <a:blip r:embed="rId3"/>
+          <a:stretch>
+            <a:fillRect/>
+          </a:stretch>
+        </p:blipFill>
+        <p:spPr>
+          <a:xfrm>
+            <a:off x="2830960" y="2537520"/>
+            <a:ext cx="17657610" cy="8640960"/>
+          </a:xfrm>
+          <a:prstGeom prst="rect">
+            <a:avLst/>
+          </a:prstGeom>
+        </p:spPr>
+      </p:pic>
+    </p:spTree>
+    <p:extLst>
+      <p:ext uri="{BB962C8B-B14F-4D97-AF65-F5344CB8AC3E}">
+        <p14:creationId xmlns:p14="http://schemas.microsoft.com/office/powerpoint/2010/main" val="2615158704"/>
+      </p:ext>
+    </p:extLst>
+  </p:cSld>
+  <p:clrMapOvr>
+    <a:masterClrMapping/>
+  </p:clrMapOvr>
+</p:sld>
+</file>
+
+<file path=ppt/slides/slide8.xml><?xml version="1.0" encoding="utf-8"?>
+<p:sld xmlns:a="http://schemas.openxmlformats.org/drawingml/2006/main" xmlns:r="http://schemas.openxmlformats.org/officeDocument/2006/relationships" xmlns:p="http://schemas.openxmlformats.org/presentationml/2006/main">
+  <p:cSld>
+    <p:spTree>
+      <p:nvGrpSpPr>
+        <p:cNvPr id="1" name=""/>
+        <p:cNvGrpSpPr/>
+        <p:nvPr/>
+      </p:nvGrpSpPr>
+      <p:grpSpPr>
+        <a:xfrm>
+          <a:off x="0" y="0"/>
+          <a:ext cx="0" cy="0"/>
+          <a:chOff x="0" y="0"/>
+          <a:chExt cx="0" cy="0"/>
+        </a:xfrm>
+      </p:grpSpPr>
+      <p:sp>
+        <p:nvSpPr>
+          <p:cNvPr id="2" name="Footer Placeholder 1">
+            <a:extLst>
+              <a:ext uri="{FF2B5EF4-FFF2-40B4-BE49-F238E27FC236}">
+                <a16:creationId xmlns:a16="http://schemas.microsoft.com/office/drawing/2014/main" id="{22DA5C28-F0FD-47D6-8E92-1C9E6EA87F96}"/>
+              </a:ext>
+            </a:extLst>
+          </p:cNvPr>
+          <p:cNvSpPr>
+            <a:spLocks noGrp="1"/>
+          </p:cNvSpPr>
+          <p:nvPr>
+            <p:ph type="ftr" sz="quarter" idx="3"/>
+          </p:nvPr>
+        </p:nvSpPr>
+        <p:spPr/>
+        <p:txBody>
+          <a:bodyPr/>
+          <a:lstStyle/>
+          <a:p>
+            <a:r>
+              <a:rPr lang="en-AU" dirty="0"/>
+              <a:t>© 2023 CargoWise</a:t>
+            </a:r>
+          </a:p>
+        </p:txBody>
+      </p:sp>
+      <p:sp>
+        <p:nvSpPr>
+          <p:cNvPr id="3" name="Slide Number Placeholder 2">
+            <a:extLst>
+              <a:ext uri="{FF2B5EF4-FFF2-40B4-BE49-F238E27FC236}">
+                <a16:creationId xmlns:a16="http://schemas.microsoft.com/office/drawing/2014/main" id="{15B20483-DDDA-4E06-872B-F88C31FDBA35}"/>
+              </a:ext>
+            </a:extLst>
+          </p:cNvPr>
+          <p:cNvSpPr>
+            <a:spLocks noGrp="1"/>
+          </p:cNvSpPr>
+          <p:nvPr>
+            <p:ph type="sldNum" sz="quarter" idx="4"/>
+          </p:nvPr>
+        </p:nvSpPr>
+        <p:spPr/>
+        <p:txBody>
+          <a:bodyPr/>
+          <a:lstStyle/>
+          <a:p>
+            <a:fld id="{67E7CB4E-0848-4774-9F85-B38117CB1B54}" type="slidenum">
+              <a:rPr lang="en-AU" smtClean="0"/>
+              <a:pPr/>
+              <a:t>8</a:t>
             </a:fld>
             <a:endParaRPr lang="en-AU"/>
           </a:p>
@@ -27284,169 +28452,6 @@
 </p:sld>
 </file>
 
-<file path=ppt/slides/slide8.xml><?xml version="1.0" encoding="utf-8"?>
-<p:sld xmlns:a="http://schemas.openxmlformats.org/drawingml/2006/main" xmlns:r="http://schemas.openxmlformats.org/officeDocument/2006/relationships" xmlns:p="http://schemas.openxmlformats.org/presentationml/2006/main">
-  <p:cSld>
-    <p:spTree>
-      <p:nvGrpSpPr>
-        <p:cNvPr id="1" name=""/>
-        <p:cNvGrpSpPr/>
-        <p:nvPr/>
-      </p:nvGrpSpPr>
-      <p:grpSpPr>
-        <a:xfrm>
-          <a:off x="0" y="0"/>
-          <a:ext cx="0" cy="0"/>
-          <a:chOff x="0" y="0"/>
-          <a:chExt cx="0" cy="0"/>
-        </a:xfrm>
-      </p:grpSpPr>
-      <p:sp>
-        <p:nvSpPr>
-          <p:cNvPr id="2" name="Footer Placeholder 1">
-            <a:extLst>
-              <a:ext uri="{FF2B5EF4-FFF2-40B4-BE49-F238E27FC236}">
-                <a16:creationId xmlns:a16="http://schemas.microsoft.com/office/drawing/2014/main" id="{22DA5C28-F0FD-47D6-8E92-1C9E6EA87F96}"/>
-              </a:ext>
-            </a:extLst>
-          </p:cNvPr>
-          <p:cNvSpPr>
-            <a:spLocks noGrp="1"/>
-          </p:cNvSpPr>
-          <p:nvPr>
-            <p:ph type="ftr" sz="quarter" idx="3"/>
-          </p:nvPr>
-        </p:nvSpPr>
-        <p:spPr/>
-        <p:txBody>
-          <a:bodyPr/>
-          <a:lstStyle/>
-          <a:p>
-            <a:r>
-              <a:rPr lang="en-AU" dirty="0"/>
-              <a:t>© 2023 CargoWise</a:t>
-            </a:r>
-          </a:p>
-        </p:txBody>
-      </p:sp>
-      <p:sp>
-        <p:nvSpPr>
-          <p:cNvPr id="3" name="Slide Number Placeholder 2">
-            <a:extLst>
-              <a:ext uri="{FF2B5EF4-FFF2-40B4-BE49-F238E27FC236}">
-                <a16:creationId xmlns:a16="http://schemas.microsoft.com/office/drawing/2014/main" id="{15B20483-DDDA-4E06-872B-F88C31FDBA35}"/>
-              </a:ext>
-            </a:extLst>
-          </p:cNvPr>
-          <p:cNvSpPr>
-            <a:spLocks noGrp="1"/>
-          </p:cNvSpPr>
-          <p:nvPr>
-            <p:ph type="sldNum" sz="quarter" idx="4"/>
-          </p:nvPr>
-        </p:nvSpPr>
-        <p:spPr/>
-        <p:txBody>
-          <a:bodyPr/>
-          <a:lstStyle/>
-          <a:p>
-            <a:fld id="{67E7CB4E-0848-4774-9F85-B38117CB1B54}" type="slidenum">
-              <a:rPr lang="en-AU" smtClean="0"/>
-              <a:pPr/>
-              <a:t>8</a:t>
-            </a:fld>
-            <a:endParaRPr lang="en-AU"/>
-          </a:p>
-        </p:txBody>
-      </p:sp>
-      <p:sp>
-        <p:nvSpPr>
-          <p:cNvPr id="13" name="Title 9">
-            <a:extLst>
-              <a:ext uri="{FF2B5EF4-FFF2-40B4-BE49-F238E27FC236}">
-                <a16:creationId xmlns:a16="http://schemas.microsoft.com/office/drawing/2014/main" id="{3BAEBDBD-7B50-9F58-BD3C-27FF4C445264}"/>
-              </a:ext>
-            </a:extLst>
-          </p:cNvPr>
-          <p:cNvSpPr>
-            <a:spLocks noGrp="1"/>
-          </p:cNvSpPr>
-          <p:nvPr>
-            <p:ph type="title"/>
-          </p:nvPr>
-        </p:nvSpPr>
-        <p:spPr>
-          <a:xfrm>
-            <a:off x="1080000" y="1125271"/>
-            <a:ext cx="22201232" cy="701456"/>
-          </a:xfrm>
-        </p:spPr>
-        <p:txBody>
-          <a:bodyPr/>
-          <a:lstStyle/>
-          <a:p>
-            <a:r>
-              <a:rPr lang="en-US" b="1" dirty="0"/>
-              <a:t>2. </a:t>
-            </a:r>
-            <a:r>
-              <a:rPr lang="en-US" b="1" kern="1200" dirty="0">
-                <a:latin typeface="Calibri" panose="020F0502020204030204"/>
-                <a:ea typeface="+mn-ea"/>
-                <a:cs typeface="+mn-cs"/>
-              </a:rPr>
-              <a:t>Strategy</a:t>
-            </a:r>
-            <a:br>
-              <a:rPr lang="en-US" dirty="0"/>
-            </a:br>
-            <a:endParaRPr lang="en-US" dirty="0"/>
-          </a:p>
-        </p:txBody>
-      </p:sp>
-      <p:pic>
-        <p:nvPicPr>
-          <p:cNvPr id="5" name="Picture 4">
-            <a:extLst>
-              <a:ext uri="{FF2B5EF4-FFF2-40B4-BE49-F238E27FC236}">
-                <a16:creationId xmlns:a16="http://schemas.microsoft.com/office/drawing/2014/main" id="{CEFEC9EC-09C3-271A-5D2B-5901C9D7EC13}"/>
-              </a:ext>
-            </a:extLst>
-          </p:cNvPr>
-          <p:cNvPicPr>
-            <a:picLocks noChangeAspect="1"/>
-          </p:cNvPicPr>
-          <p:nvPr/>
-        </p:nvPicPr>
-        <p:blipFill>
-          <a:blip r:embed="rId3"/>
-          <a:stretch>
-            <a:fillRect/>
-          </a:stretch>
-        </p:blipFill>
-        <p:spPr>
-          <a:xfrm>
-            <a:off x="3335016" y="2094361"/>
-            <a:ext cx="15841760" cy="11460383"/>
-          </a:xfrm>
-          <a:prstGeom prst="rect">
-            <a:avLst/>
-          </a:prstGeom>
-        </p:spPr>
-      </p:pic>
-    </p:spTree>
-    <p:extLst>
-      <p:ext uri="{BB962C8B-B14F-4D97-AF65-F5344CB8AC3E}">
-        <p14:creationId xmlns:p14="http://schemas.microsoft.com/office/powerpoint/2010/main" val="3284009479"/>
-      </p:ext>
-    </p:extLst>
-  </p:cSld>
-  <p:clrMapOvr>
-    <a:masterClrMapping/>
-  </p:clrMapOvr>
-</p:sld>
-</file>
-
 <file path=ppt/slides/slide9.xml><?xml version="1.0" encoding="utf-8"?>
 <p:sld xmlns:a="http://schemas.openxmlformats.org/drawingml/2006/main" xmlns:r="http://schemas.openxmlformats.org/officeDocument/2006/relationships" xmlns:p="http://schemas.openxmlformats.org/presentationml/2006/main">
   <p:cSld>
@@ -27550,7 +28555,7 @@
           <a:p>
             <a:r>
               <a:rPr lang="en-US" b="1" dirty="0"/>
-              <a:t>3. </a:t>
+              <a:t>2. </a:t>
             </a:r>
             <a:r>
               <a:rPr lang="en-US" b="1" kern="1200" dirty="0">
@@ -27558,7 +28563,7 @@
                 <a:ea typeface="+mn-ea"/>
                 <a:cs typeface="+mn-cs"/>
               </a:rPr>
-              <a:t>Iterator</a:t>
+              <a:t>Strategy</a:t>
             </a:r>
             <a:br>
               <a:rPr lang="en-US" dirty="0"/>
@@ -27569,144 +28574,38 @@
       </p:sp>
       <p:pic>
         <p:nvPicPr>
-          <p:cNvPr id="1030" name="Picture 6" descr="各种类型的收藏">
+          <p:cNvPr id="5" name="Picture 4">
             <a:extLst>
               <a:ext uri="{FF2B5EF4-FFF2-40B4-BE49-F238E27FC236}">
-                <a16:creationId xmlns:a16="http://schemas.microsoft.com/office/drawing/2014/main" id="{5FE7F1D1-D57A-8D02-30F2-E2B4982C08AE}"/>
+                <a16:creationId xmlns:a16="http://schemas.microsoft.com/office/drawing/2014/main" id="{CEFEC9EC-09C3-271A-5D2B-5901C9D7EC13}"/>
               </a:ext>
             </a:extLst>
           </p:cNvPr>
           <p:cNvPicPr>
-            <a:picLocks noChangeAspect="1" noChangeArrowheads="1"/>
+            <a:picLocks noChangeAspect="1"/>
           </p:cNvPicPr>
           <p:nvPr/>
         </p:nvPicPr>
         <p:blipFill>
-          <a:blip r:embed="rId3">
-            <a:extLst>
-              <a:ext uri="{28A0092B-C50C-407E-A947-70E740481C1C}">
-                <a14:useLocalDpi xmlns:a14="http://schemas.microsoft.com/office/drawing/2010/main" val="0"/>
-              </a:ext>
-            </a:extLst>
-          </a:blip>
-          <a:srcRect/>
+          <a:blip r:embed="rId3"/>
           <a:stretch>
             <a:fillRect/>
           </a:stretch>
         </p:blipFill>
-        <p:spPr bwMode="auto">
+        <p:spPr>
           <a:xfrm>
-            <a:off x="3767064" y="2602895"/>
-            <a:ext cx="15035836" cy="3068538"/>
+            <a:off x="3335016" y="2094361"/>
+            <a:ext cx="15841760" cy="11460383"/>
           </a:xfrm>
           <a:prstGeom prst="rect">
             <a:avLst/>
           </a:prstGeom>
-          <a:noFill/>
-          <a:extLst>
-            <a:ext uri="{909E8E84-426E-40DD-AFC4-6F175D3DCCD1}">
-              <a14:hiddenFill xmlns:a14="http://schemas.microsoft.com/office/drawing/2010/main">
-                <a:solidFill>
-                  <a:srgbClr val="FFFFFF"/>
-                </a:solidFill>
-              </a14:hiddenFill>
-            </a:ext>
-          </a:extLst>
         </p:spPr>
       </p:pic>
-      <p:pic>
-        <p:nvPicPr>
-          <p:cNvPr id="1032" name="Picture 8" descr="各种遍历算法">
-            <a:extLst>
-              <a:ext uri="{FF2B5EF4-FFF2-40B4-BE49-F238E27FC236}">
-                <a16:creationId xmlns:a16="http://schemas.microsoft.com/office/drawing/2014/main" id="{FA13AA82-585F-CAF8-983E-890D794FB78F}"/>
-              </a:ext>
-            </a:extLst>
-          </p:cNvPr>
-          <p:cNvPicPr>
-            <a:picLocks noChangeAspect="1" noChangeArrowheads="1"/>
-          </p:cNvPicPr>
-          <p:nvPr/>
-        </p:nvPicPr>
-        <p:blipFill>
-          <a:blip r:embed="rId4">
-            <a:extLst>
-              <a:ext uri="{28A0092B-C50C-407E-A947-70E740481C1C}">
-                <a14:useLocalDpi xmlns:a14="http://schemas.microsoft.com/office/drawing/2010/main" val="0"/>
-              </a:ext>
-            </a:extLst>
-          </a:blip>
-          <a:srcRect/>
-          <a:stretch>
-            <a:fillRect/>
-          </a:stretch>
-        </p:blipFill>
-        <p:spPr bwMode="auto">
-          <a:xfrm>
-            <a:off x="3944701" y="5993904"/>
-            <a:ext cx="16471830" cy="4392488"/>
-          </a:xfrm>
-          <a:prstGeom prst="rect">
-            <a:avLst/>
-          </a:prstGeom>
-          <a:noFill/>
-          <a:extLst>
-            <a:ext uri="{909E8E84-426E-40DD-AFC4-6F175D3DCCD1}">
-              <a14:hiddenFill xmlns:a14="http://schemas.microsoft.com/office/drawing/2010/main">
-                <a:solidFill>
-                  <a:srgbClr val="FFFFFF"/>
-                </a:solidFill>
-              </a14:hiddenFill>
-            </a:ext>
-          </a:extLst>
-        </p:spPr>
-      </p:pic>
-      <p:sp>
-        <p:nvSpPr>
-          <p:cNvPr id="6" name="TextBox 5">
-            <a:extLst>
-              <a:ext uri="{FF2B5EF4-FFF2-40B4-BE49-F238E27FC236}">
-                <a16:creationId xmlns:a16="http://schemas.microsoft.com/office/drawing/2014/main" id="{29B3E2C0-6587-B64D-B030-79A3B120D83D}"/>
-              </a:ext>
-            </a:extLst>
-          </p:cNvPr>
-          <p:cNvSpPr txBox="1"/>
-          <p:nvPr/>
-        </p:nvSpPr>
-        <p:spPr>
-          <a:xfrm>
-            <a:off x="4271120" y="10962456"/>
-            <a:ext cx="16471830" cy="830997"/>
-          </a:xfrm>
-          <a:prstGeom prst="rect">
-            <a:avLst/>
-          </a:prstGeom>
-          <a:noFill/>
-        </p:spPr>
-        <p:txBody>
-          <a:bodyPr wrap="square">
-            <a:spAutoFit/>
-          </a:bodyPr>
-          <a:lstStyle/>
-          <a:p>
-            <a:r>
-              <a:rPr lang="en-US" b="0" i="1" dirty="0">
-                <a:solidFill>
-                  <a:srgbClr val="999999"/>
-                </a:solidFill>
-                <a:effectLst/>
-                <a:latin typeface="PT Sans" panose="020B0503020203020204" pitchFamily="34" charset="0"/>
-              </a:rPr>
-              <a:t>The same collection can be traversed in several different ways.</a:t>
-            </a:r>
-            <a:endParaRPr lang="en-US" dirty="0"/>
-          </a:p>
-        </p:txBody>
-      </p:sp>
     </p:spTree>
     <p:extLst>
       <p:ext uri="{BB962C8B-B14F-4D97-AF65-F5344CB8AC3E}">
-        <p14:creationId xmlns:p14="http://schemas.microsoft.com/office/powerpoint/2010/main" val="3735070334"/>
+        <p14:creationId xmlns:p14="http://schemas.microsoft.com/office/powerpoint/2010/main" val="3284009479"/>
       </p:ext>
     </p:extLst>
   </p:cSld>
@@ -28561,6 +29460,15 @@
 </file>
 
 <file path=customXml/item2.xml><?xml version="1.0" encoding="utf-8"?>
+<?mso-contentType ?>
+<FormTemplates xmlns="http://schemas.microsoft.com/sharepoint/v3/contenttype/forms">
+  <Display>DocumentLibraryForm</Display>
+  <Edit>DocumentLibraryForm</Edit>
+  <New>DocumentLibraryForm</New>
+</FormTemplates>
+</file>
+
+<file path=customXml/item3.xml><?xml version="1.0" encoding="utf-8"?>
 <ct:contentTypeSchema xmlns:ct="http://schemas.microsoft.com/office/2006/metadata/contentType" xmlns:ma="http://schemas.microsoft.com/office/2006/metadata/properties/metaAttributes" ct:_="" ma:_="" ma:contentTypeName="Document" ma:contentTypeID="0x010100EEBA5D7D688A8D40BC8134A23630083E" ma:contentTypeVersion="17" ma:contentTypeDescription="Create a new document." ma:contentTypeScope="" ma:versionID="6c9f025c4a6d5a921d1240212dd2136e">
   <xsd:schema xmlns:xsd="http://www.w3.org/2001/XMLSchema" xmlns:xs="http://www.w3.org/2001/XMLSchema" xmlns:p="http://schemas.microsoft.com/office/2006/metadata/properties" xmlns:ns2="5b887053-13c9-4ef0-8e1a-18d371f97b0f" xmlns:ns3="0cb0f8a9-a4a1-4c3c-bc15-be6ee1e258a4" targetNamespace="http://schemas.microsoft.com/office/2006/metadata/properties" ma:root="true" ma:fieldsID="76276428416178d444d5a49df65bd1b6" ns2:_="" ns3:_="">
     <xsd:import namespace="5b887053-13c9-4ef0-8e1a-18d371f97b0f"/>
@@ -28793,15 +29701,6 @@
 </ct:contentTypeSchema>
 </file>
 
-<file path=customXml/item3.xml><?xml version="1.0" encoding="utf-8"?>
-<?mso-contentType ?>
-<FormTemplates xmlns="http://schemas.microsoft.com/sharepoint/v3/contenttype/forms">
-  <Display>DocumentLibraryForm</Display>
-  <Edit>DocumentLibraryForm</Edit>
-  <New>DocumentLibraryForm</New>
-</FormTemplates>
-</file>
-
 <file path=customXml/itemProps1.xml><?xml version="1.0" encoding="utf-8"?>
 <ds:datastoreItem xmlns:ds="http://schemas.openxmlformats.org/officeDocument/2006/customXml" ds:itemID="{FDC47B46-8518-488D-ACE5-55099526A1A9}">
   <ds:schemaRefs>
@@ -28820,6 +29719,14 @@
 </file>
 
 <file path=customXml/itemProps2.xml><?xml version="1.0" encoding="utf-8"?>
+<ds:datastoreItem xmlns:ds="http://schemas.openxmlformats.org/officeDocument/2006/customXml" ds:itemID="{D703E6E5-489B-4004-B595-51B1421CF944}">
+  <ds:schemaRefs>
+    <ds:schemaRef ds:uri="http://schemas.microsoft.com/sharepoint/v3/contenttype/forms"/>
+  </ds:schemaRefs>
+</ds:datastoreItem>
+</file>
+
+<file path=customXml/itemProps3.xml><?xml version="1.0" encoding="utf-8"?>
 <ds:datastoreItem xmlns:ds="http://schemas.openxmlformats.org/officeDocument/2006/customXml" ds:itemID="{3ACBF87C-9E24-4F0A-85E5-D0AA1A6E191C}">
   <ds:schemaRefs>
     <ds:schemaRef ds:uri="http://schemas.microsoft.com/office/2006/metadata/contentType"/>
@@ -28836,12 +29743,4 @@
     <ds:schemaRef ds:uri="http://schemas.microsoft.com/internal/obd"/>
   </ds:schemaRefs>
 </ds:datastoreItem>
-</file>
-
-<file path=customXml/itemProps3.xml><?xml version="1.0" encoding="utf-8"?>
-<ds:datastoreItem xmlns:ds="http://schemas.openxmlformats.org/officeDocument/2006/customXml" ds:itemID="{D703E6E5-489B-4004-B595-51B1421CF944}">
-  <ds:schemaRefs>
-    <ds:schemaRef ds:uri="http://schemas.microsoft.com/sharepoint/v3/contenttype/forms"/>
-  </ds:schemaRefs>
-</ds:datastoreItem>
 </file>
--- a/DesignPatterns/Behavioral Design Patterns/Behavioral Design Patterns - WTG.pptx
+++ b/DesignPatterns/Behavioral Design Patterns/Behavioral Design Patterns - WTG.pptx
@@ -152,7 +152,7 @@
 <file path=ppt/revisionInfo.xml><?xml version="1.0" encoding="utf-8"?>
 <p1510:revInfo xmlns:a="http://schemas.openxmlformats.org/drawingml/2006/main" xmlns:r="http://schemas.openxmlformats.org/officeDocument/2006/relationships" xmlns:p1510="http://schemas.microsoft.com/office/powerpoint/2015/10/main">
   <p1510:revLst>
-    <p1510:client id="{7058694A-483B-403F-89BA-FD8C3FB39D35}" v="66" dt="2023-09-23T07:17:23.511"/>
+    <p1510:client id="{7058694A-483B-403F-89BA-FD8C3FB39D35}" v="68" dt="2023-09-23T07:38:00.255"/>
   </p1510:revLst>
 </p1510:revInfo>
 </file>
@@ -941,7 +941,7 @@
   <pc:docChgLst>
     <pc:chgData name="Nancy Li" userId="afc5209a-cf39-48d8-a57f-08cc8b772ec9" providerId="ADAL" clId="{7058694A-483B-403F-89BA-FD8C3FB39D35}"/>
     <pc:docChg chg="undo custSel addSld delSld modSld sldOrd">
-      <pc:chgData name="Nancy Li" userId="afc5209a-cf39-48d8-a57f-08cc8b772ec9" providerId="ADAL" clId="{7058694A-483B-403F-89BA-FD8C3FB39D35}" dt="2023-09-23T07:21:18.590" v="355" actId="1076"/>
+      <pc:chgData name="Nancy Li" userId="afc5209a-cf39-48d8-a57f-08cc8b772ec9" providerId="ADAL" clId="{7058694A-483B-403F-89BA-FD8C3FB39D35}" dt="2023-09-23T07:40:07.473" v="486" actId="20577"/>
       <pc:docMkLst>
         <pc:docMk/>
       </pc:docMkLst>
@@ -996,6 +996,36 @@
           <pc:sldMk cId="3893121675" sldId="305"/>
         </pc:sldMkLst>
       </pc:sldChg>
+      <pc:sldChg chg="modNotesTx">
+        <pc:chgData name="Nancy Li" userId="afc5209a-cf39-48d8-a57f-08cc8b772ec9" providerId="ADAL" clId="{7058694A-483B-403F-89BA-FD8C3FB39D35}" dt="2023-09-23T07:26:34.320" v="363" actId="20577"/>
+        <pc:sldMkLst>
+          <pc:docMk/>
+          <pc:sldMk cId="2615158704" sldId="306"/>
+        </pc:sldMkLst>
+      </pc:sldChg>
+      <pc:sldChg chg="addSp delSp modSp mod modNotesTx">
+        <pc:chgData name="Nancy Li" userId="afc5209a-cf39-48d8-a57f-08cc8b772ec9" providerId="ADAL" clId="{7058694A-483B-403F-89BA-FD8C3FB39D35}" dt="2023-09-23T07:40:07.473" v="486" actId="20577"/>
+        <pc:sldMkLst>
+          <pc:docMk/>
+          <pc:sldMk cId="3284009479" sldId="308"/>
+        </pc:sldMkLst>
+        <pc:picChg chg="del">
+          <ac:chgData name="Nancy Li" userId="afc5209a-cf39-48d8-a57f-08cc8b772ec9" providerId="ADAL" clId="{7058694A-483B-403F-89BA-FD8C3FB39D35}" dt="2023-09-23T07:35:20.870" v="364" actId="478"/>
+          <ac:picMkLst>
+            <pc:docMk/>
+            <pc:sldMk cId="3284009479" sldId="308"/>
+            <ac:picMk id="5" creationId="{CEFEC9EC-09C3-271A-5D2B-5901C9D7EC13}"/>
+          </ac:picMkLst>
+        </pc:picChg>
+        <pc:picChg chg="add mod">
+          <ac:chgData name="Nancy Li" userId="afc5209a-cf39-48d8-a57f-08cc8b772ec9" providerId="ADAL" clId="{7058694A-483B-403F-89BA-FD8C3FB39D35}" dt="2023-09-23T07:35:27.549" v="368" actId="1076"/>
+          <ac:picMkLst>
+            <pc:docMk/>
+            <pc:sldMk cId="3284009479" sldId="308"/>
+            <ac:picMk id="6" creationId="{952EE121-739E-6861-D4C8-529556D1CEB3}"/>
+          </ac:picMkLst>
+        </pc:picChg>
+      </pc:sldChg>
       <pc:sldChg chg="modSp mod ord modNotesTx">
         <pc:chgData name="Nancy Li" userId="afc5209a-cf39-48d8-a57f-08cc8b772ec9" providerId="ADAL" clId="{7058694A-483B-403F-89BA-FD8C3FB39D35}" dt="2023-09-23T04:05:45.477" v="56" actId="20577"/>
         <pc:sldMkLst>
@@ -1231,7 +1261,7 @@
         </pc:spChg>
       </pc:sldChg>
       <pc:sldChg chg="addSp delSp modSp add mod modNotesTx">
-        <pc:chgData name="Nancy Li" userId="afc5209a-cf39-48d8-a57f-08cc8b772ec9" providerId="ADAL" clId="{7058694A-483B-403F-89BA-FD8C3FB39D35}" dt="2023-09-23T07:21:18.590" v="355" actId="1076"/>
+        <pc:chgData name="Nancy Li" userId="afc5209a-cf39-48d8-a57f-08cc8b772ec9" providerId="ADAL" clId="{7058694A-483B-403F-89BA-FD8C3FB39D35}" dt="2023-09-23T07:37:35.361" v="402" actId="20577"/>
         <pc:sldMkLst>
           <pc:docMk/>
           <pc:sldMk cId="1757270782" sldId="319"/>
@@ -21886,6 +21916,63 @@
           <a:bodyPr/>
           <a:lstStyle/>
           <a:p>
+            <a:r>
+              <a:rPr lang="zh-CN" altLang="en-US" b="0" i="0" dirty="0">
+                <a:solidFill>
+                  <a:srgbClr val="FFFFFF"/>
+                </a:solidFill>
+                <a:effectLst/>
+                <a:latin typeface="-apple-system"/>
+              </a:rPr>
+              <a:t>策略模式允许你定义一系列可互相替换的算法或策略，并根据不同的情况选择使用其中的一个。这种模式可以提高代码的灵活性和可维护性。</a:t>
+            </a:r>
+            <a:endParaRPr lang="en-US" altLang="zh-CN" b="0" i="0" dirty="0">
+              <a:solidFill>
+                <a:srgbClr val="FFFFFF"/>
+              </a:solidFill>
+              <a:effectLst/>
+              <a:latin typeface="-apple-system"/>
+            </a:endParaRPr>
+          </a:p>
+          <a:p>
+            <a:endParaRPr lang="en-US" b="0" i="0" dirty="0">
+              <a:solidFill>
+                <a:srgbClr val="FFFFFF"/>
+              </a:solidFill>
+              <a:effectLst/>
+              <a:latin typeface="-apple-system"/>
+            </a:endParaRPr>
+          </a:p>
+          <a:p>
+            <a:r>
+              <a:rPr lang="zh-CN" altLang="en-US" b="0" i="0" dirty="0">
+                <a:solidFill>
+                  <a:srgbClr val="FFFFFF"/>
+                </a:solidFill>
+                <a:effectLst/>
+                <a:latin typeface="-apple-system"/>
+              </a:rPr>
+              <a:t>提供一个现实生活中的例子：以购物为例，假设你正在开发一个电子商务网站，用户可以选择不同的支付方式，如信用卡支付、支付宝、微信支付等。</a:t>
+            </a:r>
+            <a:endParaRPr lang="en-US" altLang="zh-CN" b="0" i="0" dirty="0">
+              <a:solidFill>
+                <a:srgbClr val="FFFFFF"/>
+              </a:solidFill>
+              <a:effectLst/>
+              <a:latin typeface="-apple-system"/>
+            </a:endParaRPr>
+          </a:p>
+          <a:p>
+            <a:r>
+              <a:rPr lang="zh-CN" altLang="en-US" b="0" i="0" dirty="0">
+                <a:solidFill>
+                  <a:srgbClr val="FFFFFF"/>
+                </a:solidFill>
+                <a:effectLst/>
+                <a:latin typeface="-apple-system"/>
+              </a:rPr>
+              <a:t>在这种情况下，你可以使用策略模式来实现支付功能。每种支付方式可以定义为一个策略，用户可以根据自己的需求选择不同的支付策略。</a:t>
+            </a:r>
             <a:endParaRPr lang="en-US" dirty="0"/>
           </a:p>
         </p:txBody>
@@ -22054,6 +22141,160 @@
           <a:bodyPr/>
           <a:lstStyle/>
           <a:p>
+            <a:r>
+              <a:rPr lang="zh-CN" altLang="en-US" dirty="0"/>
+              <a:t>策略模式的优点：</a:t>
+            </a:r>
+            <a:endParaRPr lang="zh-CN" altLang="en-US" b="0" i="0" dirty="0">
+              <a:solidFill>
+                <a:srgbClr val="444444"/>
+              </a:solidFill>
+              <a:effectLst/>
+              <a:latin typeface="PT Sans" panose="020B0503020203020204" pitchFamily="34" charset="0"/>
+            </a:endParaRPr>
+          </a:p>
+          <a:p>
+            <a:pPr algn="l">
+              <a:buFont typeface="Arial" panose="020B0604020202020204" pitchFamily="34" charset="0"/>
+              <a:buChar char="•"/>
+            </a:pPr>
+            <a:r>
+              <a:rPr lang="zh-CN" altLang="en-US" b="0" i="0" dirty="0">
+                <a:solidFill>
+                  <a:srgbClr val="444444"/>
+                </a:solidFill>
+                <a:effectLst/>
+                <a:latin typeface="PT Sans" panose="020B0503020203020204" pitchFamily="34" charset="0"/>
+              </a:rPr>
+              <a:t> </a:t>
+            </a:r>
+            <a:r>
+              <a:rPr lang="zh-CN" altLang="en-US" dirty="0"/>
+              <a:t>灵活性：策略模式允许在运行时选择不同的算法或策略，使得系统更加灵活，能够根据不同的需求进行动态切换</a:t>
+            </a:r>
+          </a:p>
+          <a:p>
+            <a:pPr algn="l">
+              <a:buFont typeface="Arial" panose="020B0604020202020204" pitchFamily="34" charset="0"/>
+              <a:buChar char="•"/>
+            </a:pPr>
+            <a:r>
+              <a:rPr lang="zh-CN" altLang="en-US" b="0" i="0" dirty="0">
+                <a:solidFill>
+                  <a:srgbClr val="444444"/>
+                </a:solidFill>
+                <a:effectLst/>
+                <a:latin typeface="PT Sans" panose="020B0503020203020204" pitchFamily="34" charset="0"/>
+              </a:rPr>
+              <a:t> 可以将算法的实现详细信息与使用它的代码隔离开来，</a:t>
+            </a:r>
+            <a:r>
+              <a:rPr lang="zh-CN" altLang="en-US" dirty="0"/>
+              <a:t>使得代码更加清晰、易于理解和维护</a:t>
+            </a:r>
+            <a:endParaRPr lang="zh-CN" altLang="en-US" b="0" i="0" dirty="0">
+              <a:solidFill>
+                <a:srgbClr val="444444"/>
+              </a:solidFill>
+              <a:effectLst/>
+              <a:latin typeface="PT Sans" panose="020B0503020203020204" pitchFamily="34" charset="0"/>
+            </a:endParaRPr>
+          </a:p>
+          <a:p>
+            <a:pPr algn="l">
+              <a:buFont typeface="Arial" panose="020B0604020202020204" pitchFamily="34" charset="0"/>
+              <a:buChar char="•"/>
+            </a:pPr>
+            <a:r>
+              <a:rPr lang="zh-CN" altLang="en-US" b="0" i="0" dirty="0">
+                <a:solidFill>
+                  <a:srgbClr val="444444"/>
+                </a:solidFill>
+                <a:effectLst/>
+                <a:latin typeface="PT Sans" panose="020B0503020203020204" pitchFamily="34" charset="0"/>
+              </a:rPr>
+              <a:t> </a:t>
+            </a:r>
+            <a:r>
+              <a:rPr lang="zh-CN" altLang="en-US" sz="3200" b="0" i="0" kern="1200" dirty="0">
+                <a:solidFill>
+                  <a:srgbClr val="444444"/>
+                </a:solidFill>
+                <a:effectLst/>
+                <a:latin typeface="PT Sans" panose="020B0503020203020204" pitchFamily="34" charset="0"/>
+                <a:ea typeface="+mn-ea"/>
+                <a:cs typeface="+mn-cs"/>
+              </a:rPr>
+              <a:t>开</a:t>
+            </a:r>
+            <a:r>
+              <a:rPr lang="en-US" altLang="zh-CN" sz="3200" b="0" i="0" kern="1200" dirty="0">
+                <a:solidFill>
+                  <a:srgbClr val="444444"/>
+                </a:solidFill>
+                <a:effectLst/>
+                <a:latin typeface="PT Sans" panose="020B0503020203020204" pitchFamily="34" charset="0"/>
+                <a:ea typeface="+mn-ea"/>
+                <a:cs typeface="+mn-cs"/>
+              </a:rPr>
+              <a:t>/</a:t>
+            </a:r>
+            <a:r>
+              <a:rPr lang="zh-CN" altLang="en-US" sz="3200" b="0" i="0" kern="1200" dirty="0">
+                <a:solidFill>
+                  <a:srgbClr val="444444"/>
+                </a:solidFill>
+                <a:effectLst/>
+                <a:latin typeface="PT Sans" panose="020B0503020203020204" pitchFamily="34" charset="0"/>
+                <a:ea typeface="+mn-ea"/>
+                <a:cs typeface="+mn-cs"/>
+              </a:rPr>
+              <a:t>闭原则。您可以</a:t>
+            </a:r>
+            <a:r>
+              <a:rPr lang="zh-CN" altLang="en-US" dirty="0"/>
+              <a:t>通过添加新的策略类，很容易地扩展系统的功能，而无需修改现有的代码</a:t>
+            </a:r>
+          </a:p>
+          <a:p>
+            <a:endParaRPr lang="zh-CN" altLang="en-US" dirty="0"/>
+          </a:p>
+          <a:p>
+            <a:r>
+              <a:rPr lang="zh-CN" altLang="en-US" dirty="0"/>
+              <a:t>策略模式的缺</a:t>
+            </a:r>
+            <a:r>
+              <a:rPr lang="zh-CN" altLang="en-US"/>
+              <a:t>点：</a:t>
+            </a:r>
+            <a:endParaRPr lang="zh-CN" altLang="en-US" b="0" i="0" dirty="0">
+              <a:solidFill>
+                <a:srgbClr val="444444"/>
+              </a:solidFill>
+              <a:effectLst/>
+              <a:latin typeface="PT Sans" panose="020B0503020203020204" pitchFamily="34" charset="0"/>
+            </a:endParaRPr>
+          </a:p>
+          <a:p>
+            <a:pPr algn="l">
+              <a:buFont typeface="Arial" panose="020B0604020202020204" pitchFamily="34" charset="0"/>
+              <a:buChar char="•"/>
+            </a:pPr>
+            <a:r>
+              <a:rPr lang="zh-CN" altLang="en-US" b="0" i="0" dirty="0">
+                <a:solidFill>
+                  <a:srgbClr val="444444"/>
+                </a:solidFill>
+                <a:effectLst/>
+                <a:latin typeface="PT Sans" panose="020B0503020203020204" pitchFamily="34" charset="0"/>
+              </a:rPr>
+              <a:t> </a:t>
+            </a:r>
+            <a:r>
+              <a:rPr lang="zh-CN" altLang="en-US" dirty="0"/>
+              <a:t>客户端必须了解不同的策略：客户端需要明确了解不同的策略类，并选择合适的策略进行使用，增加了客户端的复杂性。</a:t>
+            </a:r>
             <a:endParaRPr lang="en-US" dirty="0"/>
           </a:p>
         </p:txBody>
@@ -28574,10 +28815,10 @@
       </p:sp>
       <p:pic>
         <p:nvPicPr>
-          <p:cNvPr id="5" name="Picture 4">
+          <p:cNvPr id="6" name="Picture 5">
             <a:extLst>
               <a:ext uri="{FF2B5EF4-FFF2-40B4-BE49-F238E27FC236}">
-                <a16:creationId xmlns:a16="http://schemas.microsoft.com/office/drawing/2014/main" id="{CEFEC9EC-09C3-271A-5D2B-5901C9D7EC13}"/>
+                <a16:creationId xmlns:a16="http://schemas.microsoft.com/office/drawing/2014/main" id="{952EE121-739E-6861-D4C8-529556D1CEB3}"/>
               </a:ext>
             </a:extLst>
           </p:cNvPr>
@@ -28594,8 +28835,8 @@
         </p:blipFill>
         <p:spPr>
           <a:xfrm>
-            <a:off x="3335016" y="2094361"/>
-            <a:ext cx="15841760" cy="11460383"/>
+            <a:off x="4127104" y="2753544"/>
+            <a:ext cx="14692785" cy="6572530"/>
           </a:xfrm>
           <a:prstGeom prst="rect">
             <a:avLst/>
@@ -29460,15 +29701,6 @@
 </file>
 
 <file path=customXml/item2.xml><?xml version="1.0" encoding="utf-8"?>
-<?mso-contentType ?>
-<FormTemplates xmlns="http://schemas.microsoft.com/sharepoint/v3/contenttype/forms">
-  <Display>DocumentLibraryForm</Display>
-  <Edit>DocumentLibraryForm</Edit>
-  <New>DocumentLibraryForm</New>
-</FormTemplates>
-</file>
-
-<file path=customXml/item3.xml><?xml version="1.0" encoding="utf-8"?>
 <ct:contentTypeSchema xmlns:ct="http://schemas.microsoft.com/office/2006/metadata/contentType" xmlns:ma="http://schemas.microsoft.com/office/2006/metadata/properties/metaAttributes" ct:_="" ma:_="" ma:contentTypeName="Document" ma:contentTypeID="0x010100EEBA5D7D688A8D40BC8134A23630083E" ma:contentTypeVersion="17" ma:contentTypeDescription="Create a new document." ma:contentTypeScope="" ma:versionID="6c9f025c4a6d5a921d1240212dd2136e">
   <xsd:schema xmlns:xsd="http://www.w3.org/2001/XMLSchema" xmlns:xs="http://www.w3.org/2001/XMLSchema" xmlns:p="http://schemas.microsoft.com/office/2006/metadata/properties" xmlns:ns2="5b887053-13c9-4ef0-8e1a-18d371f97b0f" xmlns:ns3="0cb0f8a9-a4a1-4c3c-bc15-be6ee1e258a4" targetNamespace="http://schemas.microsoft.com/office/2006/metadata/properties" ma:root="true" ma:fieldsID="76276428416178d444d5a49df65bd1b6" ns2:_="" ns3:_="">
     <xsd:import namespace="5b887053-13c9-4ef0-8e1a-18d371f97b0f"/>
@@ -29701,6 +29933,15 @@
 </ct:contentTypeSchema>
 </file>
 
+<file path=customXml/item3.xml><?xml version="1.0" encoding="utf-8"?>
+<?mso-contentType ?>
+<FormTemplates xmlns="http://schemas.microsoft.com/sharepoint/v3/contenttype/forms">
+  <Display>DocumentLibraryForm</Display>
+  <Edit>DocumentLibraryForm</Edit>
+  <New>DocumentLibraryForm</New>
+</FormTemplates>
+</file>
+
 <file path=customXml/itemProps1.xml><?xml version="1.0" encoding="utf-8"?>
 <ds:datastoreItem xmlns:ds="http://schemas.openxmlformats.org/officeDocument/2006/customXml" ds:itemID="{FDC47B46-8518-488D-ACE5-55099526A1A9}">
   <ds:schemaRefs>
@@ -29719,14 +29960,6 @@
 </file>
 
 <file path=customXml/itemProps2.xml><?xml version="1.0" encoding="utf-8"?>
-<ds:datastoreItem xmlns:ds="http://schemas.openxmlformats.org/officeDocument/2006/customXml" ds:itemID="{D703E6E5-489B-4004-B595-51B1421CF944}">
-  <ds:schemaRefs>
-    <ds:schemaRef ds:uri="http://schemas.microsoft.com/sharepoint/v3/contenttype/forms"/>
-  </ds:schemaRefs>
-</ds:datastoreItem>
-</file>
-
-<file path=customXml/itemProps3.xml><?xml version="1.0" encoding="utf-8"?>
 <ds:datastoreItem xmlns:ds="http://schemas.openxmlformats.org/officeDocument/2006/customXml" ds:itemID="{3ACBF87C-9E24-4F0A-85E5-D0AA1A6E191C}">
   <ds:schemaRefs>
     <ds:schemaRef ds:uri="http://schemas.microsoft.com/office/2006/metadata/contentType"/>
@@ -29743,4 +29976,12 @@
     <ds:schemaRef ds:uri="http://schemas.microsoft.com/internal/obd"/>
   </ds:schemaRefs>
 </ds:datastoreItem>
+</file>
+
+<file path=customXml/itemProps3.xml><?xml version="1.0" encoding="utf-8"?>
+<ds:datastoreItem xmlns:ds="http://schemas.openxmlformats.org/officeDocument/2006/customXml" ds:itemID="{D703E6E5-489B-4004-B595-51B1421CF944}">
+  <ds:schemaRefs>
+    <ds:schemaRef ds:uri="http://schemas.microsoft.com/sharepoint/v3/contenttype/forms"/>
+  </ds:schemaRefs>
+</ds:datastoreItem>
 </file>
--- a/DesignPatterns/Behavioral Design Patterns/Behavioral Design Patterns - WTG.pptx
+++ b/DesignPatterns/Behavioral Design Patterns/Behavioral Design Patterns - WTG.pptx
@@ -5,10 +5,10 @@
     <p:sldMasterId id="2147483648" r:id="rId4"/>
   </p:sldMasterIdLst>
   <p:notesMasterIdLst>
-    <p:notesMasterId r:id="rId23"/>
+    <p:notesMasterId r:id="rId26"/>
   </p:notesMasterIdLst>
   <p:handoutMasterIdLst>
-    <p:handoutMasterId r:id="rId24"/>
+    <p:handoutMasterId r:id="rId27"/>
   </p:handoutMasterIdLst>
   <p:sldIdLst>
     <p:sldId id="264" r:id="rId5"/>
@@ -18,17 +18,20 @@
     <p:sldId id="312" r:id="rId9"/>
     <p:sldId id="319" r:id="rId10"/>
     <p:sldId id="306" r:id="rId11"/>
-    <p:sldId id="307" r:id="rId12"/>
-    <p:sldId id="308" r:id="rId13"/>
-    <p:sldId id="313" r:id="rId14"/>
-    <p:sldId id="314" r:id="rId15"/>
-    <p:sldId id="315" r:id="rId16"/>
+    <p:sldId id="320" r:id="rId12"/>
+    <p:sldId id="307" r:id="rId13"/>
+    <p:sldId id="308" r:id="rId14"/>
+    <p:sldId id="321" r:id="rId15"/>
+    <p:sldId id="322" r:id="rId16"/>
     <p:sldId id="316" r:id="rId17"/>
     <p:sldId id="318" r:id="rId18"/>
     <p:sldId id="317" r:id="rId19"/>
-    <p:sldId id="290" r:id="rId20"/>
-    <p:sldId id="303" r:id="rId21"/>
-    <p:sldId id="304" r:id="rId22"/>
+    <p:sldId id="313" r:id="rId20"/>
+    <p:sldId id="314" r:id="rId21"/>
+    <p:sldId id="315" r:id="rId22"/>
+    <p:sldId id="290" r:id="rId23"/>
+    <p:sldId id="303" r:id="rId24"/>
+    <p:sldId id="304" r:id="rId25"/>
   </p:sldIdLst>
   <p:sldSz cx="24384000" cy="13716000"/>
   <p:notesSz cx="6858000" cy="9144000"/>
@@ -152,7 +155,7 @@
 <file path=ppt/revisionInfo.xml><?xml version="1.0" encoding="utf-8"?>
 <p1510:revInfo xmlns:a="http://schemas.openxmlformats.org/drawingml/2006/main" xmlns:r="http://schemas.openxmlformats.org/officeDocument/2006/relationships" xmlns:p1510="http://schemas.microsoft.com/office/powerpoint/2015/10/main">
   <p1510:revLst>
-    <p1510:client id="{7058694A-483B-403F-89BA-FD8C3FB39D35}" v="68" dt="2023-09-23T07:38:00.255"/>
+    <p1510:client id="{7058694A-483B-403F-89BA-FD8C3FB39D35}" v="274" dt="2023-09-25T14:47:30.804"/>
   </p1510:revLst>
 </p1510:revInfo>
 </file>
@@ -941,7 +944,7 @@
   <pc:docChgLst>
     <pc:chgData name="Nancy Li" userId="afc5209a-cf39-48d8-a57f-08cc8b772ec9" providerId="ADAL" clId="{7058694A-483B-403F-89BA-FD8C3FB39D35}"/>
     <pc:docChg chg="undo custSel addSld delSld modSld sldOrd">
-      <pc:chgData name="Nancy Li" userId="afc5209a-cf39-48d8-a57f-08cc8b772ec9" providerId="ADAL" clId="{7058694A-483B-403F-89BA-FD8C3FB39D35}" dt="2023-09-23T07:40:07.473" v="486" actId="20577"/>
+      <pc:chgData name="Nancy Li" userId="afc5209a-cf39-48d8-a57f-08cc8b772ec9" providerId="ADAL" clId="{7058694A-483B-403F-89BA-FD8C3FB39D35}" dt="2023-09-25T14:47:30.804" v="1050" actId="20577"/>
       <pc:docMkLst>
         <pc:docMk/>
       </pc:docMkLst>
@@ -966,8 +969,8 @@
           <pc:sldMk cId="2895557782" sldId="275"/>
         </pc:sldMkLst>
       </pc:sldChg>
-      <pc:sldChg chg="addSp modSp mod">
-        <pc:chgData name="Nancy Li" userId="afc5209a-cf39-48d8-a57f-08cc8b772ec9" providerId="ADAL" clId="{7058694A-483B-403F-89BA-FD8C3FB39D35}" dt="2023-09-23T07:07:35.029" v="239" actId="1076"/>
+      <pc:sldChg chg="addSp modSp mod ord">
+        <pc:chgData name="Nancy Li" userId="afc5209a-cf39-48d8-a57f-08cc8b772ec9" providerId="ADAL" clId="{7058694A-483B-403F-89BA-FD8C3FB39D35}" dt="2023-09-23T09:36:27.760" v="633"/>
         <pc:sldMkLst>
           <pc:docMk/>
           <pc:sldMk cId="291393146" sldId="290"/>
@@ -997,14 +1000,29 @@
         </pc:sldMkLst>
       </pc:sldChg>
       <pc:sldChg chg="modNotesTx">
-        <pc:chgData name="Nancy Li" userId="afc5209a-cf39-48d8-a57f-08cc8b772ec9" providerId="ADAL" clId="{7058694A-483B-403F-89BA-FD8C3FB39D35}" dt="2023-09-23T07:26:34.320" v="363" actId="20577"/>
+        <pc:chgData name="Nancy Li" userId="afc5209a-cf39-48d8-a57f-08cc8b772ec9" providerId="ADAL" clId="{7058694A-483B-403F-89BA-FD8C3FB39D35}" dt="2023-09-25T14:11:41.931" v="893" actId="20577"/>
         <pc:sldMkLst>
           <pc:docMk/>
           <pc:sldMk cId="2615158704" sldId="306"/>
         </pc:sldMkLst>
       </pc:sldChg>
+      <pc:sldChg chg="modSp mod modNotesTx">
+        <pc:chgData name="Nancy Li" userId="afc5209a-cf39-48d8-a57f-08cc8b772ec9" providerId="ADAL" clId="{7058694A-483B-403F-89BA-FD8C3FB39D35}" dt="2023-09-25T14:13:59.963" v="894"/>
+        <pc:sldMkLst>
+          <pc:docMk/>
+          <pc:sldMk cId="4133899762" sldId="307"/>
+        </pc:sldMkLst>
+        <pc:graphicFrameChg chg="mod">
+          <ac:chgData name="Nancy Li" userId="afc5209a-cf39-48d8-a57f-08cc8b772ec9" providerId="ADAL" clId="{7058694A-483B-403F-89BA-FD8C3FB39D35}" dt="2023-09-25T13:32:00.894" v="652" actId="478"/>
+          <ac:graphicFrameMkLst>
+            <pc:docMk/>
+            <pc:sldMk cId="4133899762" sldId="307"/>
+            <ac:graphicFrameMk id="6" creationId="{9692540E-9C44-5F9E-BC24-C0D04663C3A0}"/>
+          </ac:graphicFrameMkLst>
+        </pc:graphicFrameChg>
+      </pc:sldChg>
       <pc:sldChg chg="addSp delSp modSp mod modNotesTx">
-        <pc:chgData name="Nancy Li" userId="afc5209a-cf39-48d8-a57f-08cc8b772ec9" providerId="ADAL" clId="{7058694A-483B-403F-89BA-FD8C3FB39D35}" dt="2023-09-23T07:40:07.473" v="486" actId="20577"/>
+        <pc:chgData name="Nancy Li" userId="afc5209a-cf39-48d8-a57f-08cc8b772ec9" providerId="ADAL" clId="{7058694A-483B-403F-89BA-FD8C3FB39D35}" dt="2023-09-23T08:10:15.239" v="611" actId="20577"/>
         <pc:sldMkLst>
           <pc:docMk/>
           <pc:sldMk cId="3284009479" sldId="308"/>
@@ -1018,7 +1036,7 @@
           </ac:picMkLst>
         </pc:picChg>
         <pc:picChg chg="add mod">
-          <ac:chgData name="Nancy Li" userId="afc5209a-cf39-48d8-a57f-08cc8b772ec9" providerId="ADAL" clId="{7058694A-483B-403F-89BA-FD8C3FB39D35}" dt="2023-09-23T07:35:27.549" v="368" actId="1076"/>
+          <ac:chgData name="Nancy Li" userId="afc5209a-cf39-48d8-a57f-08cc8b772ec9" providerId="ADAL" clId="{7058694A-483B-403F-89BA-FD8C3FB39D35}" dt="2023-09-23T08:00:19.658" v="508" actId="1076"/>
           <ac:picMkLst>
             <pc:docMk/>
             <pc:sldMk cId="3284009479" sldId="308"/>
@@ -1027,7 +1045,7 @@
         </pc:picChg>
       </pc:sldChg>
       <pc:sldChg chg="modSp mod ord modNotesTx">
-        <pc:chgData name="Nancy Li" userId="afc5209a-cf39-48d8-a57f-08cc8b772ec9" providerId="ADAL" clId="{7058694A-483B-403F-89BA-FD8C3FB39D35}" dt="2023-09-23T04:05:45.477" v="56" actId="20577"/>
+        <pc:chgData name="Nancy Li" userId="afc5209a-cf39-48d8-a57f-08cc8b772ec9" providerId="ADAL" clId="{7058694A-483B-403F-89BA-FD8C3FB39D35}" dt="2023-09-25T14:10:19.741" v="890" actId="20577"/>
         <pc:sldMkLst>
           <pc:docMk/>
           <pc:sldMk cId="4131726329" sldId="309"/>
@@ -1041,8 +1059,8 @@
           </ac:spMkLst>
         </pc:spChg>
       </pc:sldChg>
-      <pc:sldChg chg="addSp delSp modSp mod ord modTransition modAnim">
-        <pc:chgData name="Nancy Li" userId="afc5209a-cf39-48d8-a57f-08cc8b772ec9" providerId="ADAL" clId="{7058694A-483B-403F-89BA-FD8C3FB39D35}" dt="2023-09-23T07:06:19.589" v="234"/>
+      <pc:sldChg chg="addSp delSp modSp mod ord modTransition modAnim modNotesTx">
+        <pc:chgData name="Nancy Li" userId="afc5209a-cf39-48d8-a57f-08cc8b772ec9" providerId="ADAL" clId="{7058694A-483B-403F-89BA-FD8C3FB39D35}" dt="2023-09-25T13:39:37.710" v="685" actId="20577"/>
         <pc:sldMkLst>
           <pc:docMk/>
           <pc:sldMk cId="1493096502" sldId="311"/>
@@ -1128,7 +1146,7 @@
           </ac:picMkLst>
         </pc:picChg>
         <pc:picChg chg="add mod">
-          <ac:chgData name="Nancy Li" userId="afc5209a-cf39-48d8-a57f-08cc8b772ec9" providerId="ADAL" clId="{7058694A-483B-403F-89BA-FD8C3FB39D35}" dt="2023-09-23T05:47:43.252" v="167" actId="1076"/>
+          <ac:chgData name="Nancy Li" userId="afc5209a-cf39-48d8-a57f-08cc8b772ec9" providerId="ADAL" clId="{7058694A-483B-403F-89BA-FD8C3FB39D35}" dt="2023-09-25T13:37:20.466" v="679" actId="1037"/>
           <ac:picMkLst>
             <pc:docMk/>
             <pc:sldMk cId="1493096502" sldId="311"/>
@@ -1136,7 +1154,7 @@
           </ac:picMkLst>
         </pc:picChg>
         <pc:picChg chg="add mod">
-          <ac:chgData name="Nancy Li" userId="afc5209a-cf39-48d8-a57f-08cc8b772ec9" providerId="ADAL" clId="{7058694A-483B-403F-89BA-FD8C3FB39D35}" dt="2023-09-23T06:37:43.025" v="187" actId="1076"/>
+          <ac:chgData name="Nancy Li" userId="afc5209a-cf39-48d8-a57f-08cc8b772ec9" providerId="ADAL" clId="{7058694A-483B-403F-89BA-FD8C3FB39D35}" dt="2023-09-25T13:37:21.420" v="681" actId="1037"/>
           <ac:picMkLst>
             <pc:docMk/>
             <pc:sldMk cId="1493096502" sldId="311"/>
@@ -1144,7 +1162,7 @@
           </ac:picMkLst>
         </pc:picChg>
         <pc:picChg chg="add mod">
-          <ac:chgData name="Nancy Li" userId="afc5209a-cf39-48d8-a57f-08cc8b772ec9" providerId="ADAL" clId="{7058694A-483B-403F-89BA-FD8C3FB39D35}" dt="2023-09-23T06:37:45.223" v="188" actId="1076"/>
+          <ac:chgData name="Nancy Li" userId="afc5209a-cf39-48d8-a57f-08cc8b772ec9" providerId="ADAL" clId="{7058694A-483B-403F-89BA-FD8C3FB39D35}" dt="2023-09-25T13:37:22.400" v="682" actId="1037"/>
           <ac:picMkLst>
             <pc:docMk/>
             <pc:sldMk cId="1493096502" sldId="311"/>
@@ -1152,7 +1170,7 @@
           </ac:picMkLst>
         </pc:picChg>
         <pc:picChg chg="add mod modCrop">
-          <ac:chgData name="Nancy Li" userId="afc5209a-cf39-48d8-a57f-08cc8b772ec9" providerId="ADAL" clId="{7058694A-483B-403F-89BA-FD8C3FB39D35}" dt="2023-09-23T06:37:19.977" v="180" actId="1076"/>
+          <ac:chgData name="Nancy Li" userId="afc5209a-cf39-48d8-a57f-08cc8b772ec9" providerId="ADAL" clId="{7058694A-483B-403F-89BA-FD8C3FB39D35}" dt="2023-09-25T13:37:04.883" v="670" actId="1076"/>
           <ac:picMkLst>
             <pc:docMk/>
             <pc:sldMk cId="1493096502" sldId="311"/>
@@ -1161,7 +1179,7 @@
         </pc:picChg>
       </pc:sldChg>
       <pc:sldChg chg="addSp delSp modSp mod ord modNotesTx">
-        <pc:chgData name="Nancy Li" userId="afc5209a-cf39-48d8-a57f-08cc8b772ec9" providerId="ADAL" clId="{7058694A-483B-403F-89BA-FD8C3FB39D35}" dt="2023-09-23T07:06:37.959" v="237" actId="1036"/>
+        <pc:chgData name="Nancy Li" userId="afc5209a-cf39-48d8-a57f-08cc8b772ec9" providerId="ADAL" clId="{7058694A-483B-403F-89BA-FD8C3FB39D35}" dt="2023-09-25T13:33:05.664" v="655"/>
         <pc:sldMkLst>
           <pc:docMk/>
           <pc:sldMk cId="382068623" sldId="312"/>
@@ -1190,8 +1208,8 @@
             <ac:spMk id="13" creationId="{3BAEBDBD-7B50-9F58-BD3C-27FF4C445264}"/>
           </ac:spMkLst>
         </pc:spChg>
-        <pc:graphicFrameChg chg="mod">
-          <ac:chgData name="Nancy Li" userId="afc5209a-cf39-48d8-a57f-08cc8b772ec9" providerId="ADAL" clId="{7058694A-483B-403F-89BA-FD8C3FB39D35}" dt="2023-09-23T07:04:34.535" v="222" actId="108"/>
+        <pc:graphicFrameChg chg="mod modGraphic">
+          <ac:chgData name="Nancy Li" userId="afc5209a-cf39-48d8-a57f-08cc8b772ec9" providerId="ADAL" clId="{7058694A-483B-403F-89BA-FD8C3FB39D35}" dt="2023-09-25T13:32:06.947" v="653" actId="478"/>
           <ac:graphicFrameMkLst>
             <pc:docMk/>
             <pc:sldMk cId="382068623" sldId="312"/>
@@ -1215,14 +1233,14 @@
           </ac:picMkLst>
         </pc:picChg>
       </pc:sldChg>
-      <pc:sldChg chg="modSp mod">
-        <pc:chgData name="Nancy Li" userId="afc5209a-cf39-48d8-a57f-08cc8b772ec9" providerId="ADAL" clId="{7058694A-483B-403F-89BA-FD8C3FB39D35}" dt="2023-09-23T03:56:51.162" v="45" actId="20577"/>
+      <pc:sldChg chg="modSp mod ord">
+        <pc:chgData name="Nancy Li" userId="afc5209a-cf39-48d8-a57f-08cc8b772ec9" providerId="ADAL" clId="{7058694A-483B-403F-89BA-FD8C3FB39D35}" dt="2023-09-23T09:36:39.665" v="641"/>
         <pc:sldMkLst>
           <pc:docMk/>
           <pc:sldMk cId="3735070334" sldId="313"/>
         </pc:sldMkLst>
         <pc:spChg chg="mod">
-          <ac:chgData name="Nancy Li" userId="afc5209a-cf39-48d8-a57f-08cc8b772ec9" providerId="ADAL" clId="{7058694A-483B-403F-89BA-FD8C3FB39D35}" dt="2023-09-23T03:56:51.162" v="45" actId="20577"/>
+          <ac:chgData name="Nancy Li" userId="afc5209a-cf39-48d8-a57f-08cc8b772ec9" providerId="ADAL" clId="{7058694A-483B-403F-89BA-FD8C3FB39D35}" dt="2023-09-23T09:35:25.217" v="619" actId="20577"/>
           <ac:spMkLst>
             <pc:docMk/>
             <pc:sldMk cId="3735070334" sldId="313"/>
@@ -1230,14 +1248,14 @@
           </ac:spMkLst>
         </pc:spChg>
       </pc:sldChg>
-      <pc:sldChg chg="modSp mod">
-        <pc:chgData name="Nancy Li" userId="afc5209a-cf39-48d8-a57f-08cc8b772ec9" providerId="ADAL" clId="{7058694A-483B-403F-89BA-FD8C3FB39D35}" dt="2023-09-23T03:56:54.968" v="47" actId="20577"/>
+      <pc:sldChg chg="modSp mod ord">
+        <pc:chgData name="Nancy Li" userId="afc5209a-cf39-48d8-a57f-08cc8b772ec9" providerId="ADAL" clId="{7058694A-483B-403F-89BA-FD8C3FB39D35}" dt="2023-09-23T09:35:46.252" v="627"/>
         <pc:sldMkLst>
           <pc:docMk/>
           <pc:sldMk cId="1534296091" sldId="314"/>
         </pc:sldMkLst>
         <pc:spChg chg="mod">
-          <ac:chgData name="Nancy Li" userId="afc5209a-cf39-48d8-a57f-08cc8b772ec9" providerId="ADAL" clId="{7058694A-483B-403F-89BA-FD8C3FB39D35}" dt="2023-09-23T03:56:54.968" v="47" actId="20577"/>
+          <ac:chgData name="Nancy Li" userId="afc5209a-cf39-48d8-a57f-08cc8b772ec9" providerId="ADAL" clId="{7058694A-483B-403F-89BA-FD8C3FB39D35}" dt="2023-09-23T09:35:29.238" v="621" actId="20577"/>
           <ac:spMkLst>
             <pc:docMk/>
             <pc:sldMk cId="1534296091" sldId="314"/>
@@ -1245,17 +1263,62 @@
           </ac:spMkLst>
         </pc:spChg>
       </pc:sldChg>
-      <pc:sldChg chg="modSp mod">
-        <pc:chgData name="Nancy Li" userId="afc5209a-cf39-48d8-a57f-08cc8b772ec9" providerId="ADAL" clId="{7058694A-483B-403F-89BA-FD8C3FB39D35}" dt="2023-09-23T03:57:02.978" v="49" actId="20577"/>
+      <pc:sldChg chg="modSp mod ord">
+        <pc:chgData name="Nancy Li" userId="afc5209a-cf39-48d8-a57f-08cc8b772ec9" providerId="ADAL" clId="{7058694A-483B-403F-89BA-FD8C3FB39D35}" dt="2023-09-23T09:36:44.889" v="643"/>
         <pc:sldMkLst>
           <pc:docMk/>
           <pc:sldMk cId="2396239640" sldId="315"/>
         </pc:sldMkLst>
         <pc:spChg chg="mod">
-          <ac:chgData name="Nancy Li" userId="afc5209a-cf39-48d8-a57f-08cc8b772ec9" providerId="ADAL" clId="{7058694A-483B-403F-89BA-FD8C3FB39D35}" dt="2023-09-23T03:57:02.978" v="49" actId="20577"/>
+          <ac:chgData name="Nancy Li" userId="afc5209a-cf39-48d8-a57f-08cc8b772ec9" providerId="ADAL" clId="{7058694A-483B-403F-89BA-FD8C3FB39D35}" dt="2023-09-23T09:35:36.859" v="623" actId="20577"/>
           <ac:spMkLst>
             <pc:docMk/>
             <pc:sldMk cId="2396239640" sldId="315"/>
+            <ac:spMk id="13" creationId="{3BAEBDBD-7B50-9F58-BD3C-27FF4C445264}"/>
+          </ac:spMkLst>
+        </pc:spChg>
+      </pc:sldChg>
+      <pc:sldChg chg="modSp mod">
+        <pc:chgData name="Nancy Li" userId="afc5209a-cf39-48d8-a57f-08cc8b772ec9" providerId="ADAL" clId="{7058694A-483B-403F-89BA-FD8C3FB39D35}" dt="2023-09-23T09:35:09.341" v="613" actId="20577"/>
+        <pc:sldMkLst>
+          <pc:docMk/>
+          <pc:sldMk cId="2312788854" sldId="316"/>
+        </pc:sldMkLst>
+        <pc:spChg chg="mod">
+          <ac:chgData name="Nancy Li" userId="afc5209a-cf39-48d8-a57f-08cc8b772ec9" providerId="ADAL" clId="{7058694A-483B-403F-89BA-FD8C3FB39D35}" dt="2023-09-23T09:35:09.341" v="613" actId="20577"/>
+          <ac:spMkLst>
+            <pc:docMk/>
+            <pc:sldMk cId="2312788854" sldId="316"/>
+            <ac:spMk id="13" creationId="{3BAEBDBD-7B50-9F58-BD3C-27FF4C445264}"/>
+          </ac:spMkLst>
+        </pc:spChg>
+      </pc:sldChg>
+      <pc:sldChg chg="modSp mod">
+        <pc:chgData name="Nancy Li" userId="afc5209a-cf39-48d8-a57f-08cc8b772ec9" providerId="ADAL" clId="{7058694A-483B-403F-89BA-FD8C3FB39D35}" dt="2023-09-23T09:35:17.427" v="617" actId="20577"/>
+        <pc:sldMkLst>
+          <pc:docMk/>
+          <pc:sldMk cId="3101352317" sldId="317"/>
+        </pc:sldMkLst>
+        <pc:spChg chg="mod">
+          <ac:chgData name="Nancy Li" userId="afc5209a-cf39-48d8-a57f-08cc8b772ec9" providerId="ADAL" clId="{7058694A-483B-403F-89BA-FD8C3FB39D35}" dt="2023-09-23T09:35:17.427" v="617" actId="20577"/>
+          <ac:spMkLst>
+            <pc:docMk/>
+            <pc:sldMk cId="3101352317" sldId="317"/>
+            <ac:spMk id="13" creationId="{3BAEBDBD-7B50-9F58-BD3C-27FF4C445264}"/>
+          </ac:spMkLst>
+        </pc:spChg>
+      </pc:sldChg>
+      <pc:sldChg chg="modSp mod">
+        <pc:chgData name="Nancy Li" userId="afc5209a-cf39-48d8-a57f-08cc8b772ec9" providerId="ADAL" clId="{7058694A-483B-403F-89BA-FD8C3FB39D35}" dt="2023-09-23T09:35:12.445" v="615" actId="20577"/>
+        <pc:sldMkLst>
+          <pc:docMk/>
+          <pc:sldMk cId="4168125830" sldId="318"/>
+        </pc:sldMkLst>
+        <pc:spChg chg="mod">
+          <ac:chgData name="Nancy Li" userId="afc5209a-cf39-48d8-a57f-08cc8b772ec9" providerId="ADAL" clId="{7058694A-483B-403F-89BA-FD8C3FB39D35}" dt="2023-09-23T09:35:12.445" v="615" actId="20577"/>
+          <ac:spMkLst>
+            <pc:docMk/>
+            <pc:sldMk cId="4168125830" sldId="318"/>
             <ac:spMk id="13" creationId="{3BAEBDBD-7B50-9F58-BD3C-27FF4C445264}"/>
           </ac:spMkLst>
         </pc:spChg>
@@ -1283,11 +1346,159 @@
           </ac:picMkLst>
         </pc:picChg>
       </pc:sldChg>
+      <pc:sldChg chg="addSp delSp modSp add mod modNotesTx">
+        <pc:chgData name="Nancy Li" userId="afc5209a-cf39-48d8-a57f-08cc8b772ec9" providerId="ADAL" clId="{7058694A-483B-403F-89BA-FD8C3FB39D35}" dt="2023-09-25T13:36:54.540" v="669" actId="1076"/>
+        <pc:sldMkLst>
+          <pc:docMk/>
+          <pc:sldMk cId="853015841" sldId="320"/>
+        </pc:sldMkLst>
+        <pc:picChg chg="del">
+          <ac:chgData name="Nancy Li" userId="afc5209a-cf39-48d8-a57f-08cc8b772ec9" providerId="ADAL" clId="{7058694A-483B-403F-89BA-FD8C3FB39D35}" dt="2023-09-23T07:58:08.231" v="488" actId="478"/>
+          <ac:picMkLst>
+            <pc:docMk/>
+            <pc:sldMk cId="853015841" sldId="320"/>
+            <ac:picMk id="5" creationId="{48668134-D000-5B0B-7ED9-C138819AC3C7}"/>
+          </ac:picMkLst>
+        </pc:picChg>
+        <pc:picChg chg="add mod">
+          <ac:chgData name="Nancy Li" userId="afc5209a-cf39-48d8-a57f-08cc8b772ec9" providerId="ADAL" clId="{7058694A-483B-403F-89BA-FD8C3FB39D35}" dt="2023-09-25T13:36:44.730" v="666" actId="1076"/>
+          <ac:picMkLst>
+            <pc:docMk/>
+            <pc:sldMk cId="853015841" sldId="320"/>
+            <ac:picMk id="6" creationId="{16B37A08-3C2A-75B8-3DC9-57538F027321}"/>
+          </ac:picMkLst>
+        </pc:picChg>
+        <pc:picChg chg="add mod">
+          <ac:chgData name="Nancy Li" userId="afc5209a-cf39-48d8-a57f-08cc8b772ec9" providerId="ADAL" clId="{7058694A-483B-403F-89BA-FD8C3FB39D35}" dt="2023-09-25T13:36:54.540" v="669" actId="1076"/>
+          <ac:picMkLst>
+            <pc:docMk/>
+            <pc:sldMk cId="853015841" sldId="320"/>
+            <ac:picMk id="8" creationId="{F2DD4AAC-7D24-0CFB-CC72-67AA7A835E53}"/>
+          </ac:picMkLst>
+        </pc:picChg>
+        <pc:picChg chg="add mod modCrop">
+          <ac:chgData name="Nancy Li" userId="afc5209a-cf39-48d8-a57f-08cc8b772ec9" providerId="ADAL" clId="{7058694A-483B-403F-89BA-FD8C3FB39D35}" dt="2023-09-25T13:36:51.602" v="668" actId="732"/>
+          <ac:picMkLst>
+            <pc:docMk/>
+            <pc:sldMk cId="853015841" sldId="320"/>
+            <ac:picMk id="10" creationId="{5BED62DA-CF45-4C4C-D43B-C111EDD3C398}"/>
+          </ac:picMkLst>
+        </pc:picChg>
+      </pc:sldChg>
       <pc:sldChg chg="new del">
         <pc:chgData name="Nancy Li" userId="afc5209a-cf39-48d8-a57f-08cc8b772ec9" providerId="ADAL" clId="{7058694A-483B-403F-89BA-FD8C3FB39D35}" dt="2023-09-23T05:28:58.407" v="70" actId="680"/>
         <pc:sldMkLst>
           <pc:docMk/>
           <pc:sldMk cId="3912359537" sldId="320"/>
+        </pc:sldMkLst>
+      </pc:sldChg>
+      <pc:sldChg chg="addSp delSp modSp add mod modAnim modNotesTx">
+        <pc:chgData name="Nancy Li" userId="afc5209a-cf39-48d8-a57f-08cc8b772ec9" providerId="ADAL" clId="{7058694A-483B-403F-89BA-FD8C3FB39D35}" dt="2023-09-25T14:33:21.248" v="963" actId="20577"/>
+        <pc:sldMkLst>
+          <pc:docMk/>
+          <pc:sldMk cId="461177462" sldId="321"/>
+        </pc:sldMkLst>
+        <pc:spChg chg="mod">
+          <ac:chgData name="Nancy Li" userId="afc5209a-cf39-48d8-a57f-08cc8b772ec9" providerId="ADAL" clId="{7058694A-483B-403F-89BA-FD8C3FB39D35}" dt="2023-09-25T14:20:50.181" v="898" actId="20577"/>
+          <ac:spMkLst>
+            <pc:docMk/>
+            <pc:sldMk cId="461177462" sldId="321"/>
+            <ac:spMk id="13" creationId="{3BAEBDBD-7B50-9F58-BD3C-27FF4C445264}"/>
+          </ac:spMkLst>
+        </pc:spChg>
+        <pc:picChg chg="add del mod">
+          <ac:chgData name="Nancy Li" userId="afc5209a-cf39-48d8-a57f-08cc8b772ec9" providerId="ADAL" clId="{7058694A-483B-403F-89BA-FD8C3FB39D35}" dt="2023-09-25T14:30:10.821" v="929" actId="478"/>
+          <ac:picMkLst>
+            <pc:docMk/>
+            <pc:sldMk cId="461177462" sldId="321"/>
+            <ac:picMk id="5" creationId="{6659E70D-F975-A493-ACFD-B06D5F0DA2D6}"/>
+          </ac:picMkLst>
+        </pc:picChg>
+        <pc:picChg chg="del">
+          <ac:chgData name="Nancy Li" userId="afc5209a-cf39-48d8-a57f-08cc8b772ec9" providerId="ADAL" clId="{7058694A-483B-403F-89BA-FD8C3FB39D35}" dt="2023-09-25T14:20:51.863" v="899" actId="478"/>
+          <ac:picMkLst>
+            <pc:docMk/>
+            <pc:sldMk cId="461177462" sldId="321"/>
+            <ac:picMk id="6" creationId="{952EE121-739E-6861-D4C8-529556D1CEB3}"/>
+          </ac:picMkLst>
+        </pc:picChg>
+        <pc:picChg chg="add mod">
+          <ac:chgData name="Nancy Li" userId="afc5209a-cf39-48d8-a57f-08cc8b772ec9" providerId="ADAL" clId="{7058694A-483B-403F-89BA-FD8C3FB39D35}" dt="2023-09-25T14:30:15.385" v="932" actId="1076"/>
+          <ac:picMkLst>
+            <pc:docMk/>
+            <pc:sldMk cId="461177462" sldId="321"/>
+            <ac:picMk id="7" creationId="{A2BF53B0-44EA-8C15-9AF9-E55348473AFE}"/>
+          </ac:picMkLst>
+        </pc:picChg>
+        <pc:picChg chg="add mod">
+          <ac:chgData name="Nancy Li" userId="afc5209a-cf39-48d8-a57f-08cc8b772ec9" providerId="ADAL" clId="{7058694A-483B-403F-89BA-FD8C3FB39D35}" dt="2023-09-25T14:30:16.721" v="933" actId="1076"/>
+          <ac:picMkLst>
+            <pc:docMk/>
+            <pc:sldMk cId="461177462" sldId="321"/>
+            <ac:picMk id="8" creationId="{6C602C72-EF34-7F7D-0ACA-49C966034AA0}"/>
+          </ac:picMkLst>
+        </pc:picChg>
+      </pc:sldChg>
+      <pc:sldChg chg="addSp delSp modSp add mod modNotesTx">
+        <pc:chgData name="Nancy Li" userId="afc5209a-cf39-48d8-a57f-08cc8b772ec9" providerId="ADAL" clId="{7058694A-483B-403F-89BA-FD8C3FB39D35}" dt="2023-09-25T14:47:30.804" v="1050" actId="20577"/>
+        <pc:sldMkLst>
+          <pc:docMk/>
+          <pc:sldMk cId="130350777" sldId="322"/>
+        </pc:sldMkLst>
+        <pc:picChg chg="del">
+          <ac:chgData name="Nancy Li" userId="afc5209a-cf39-48d8-a57f-08cc8b772ec9" providerId="ADAL" clId="{7058694A-483B-403F-89BA-FD8C3FB39D35}" dt="2023-09-25T14:29:21.791" v="916" actId="478"/>
+          <ac:picMkLst>
+            <pc:docMk/>
+            <pc:sldMk cId="130350777" sldId="322"/>
+            <ac:picMk id="5" creationId="{6659E70D-F975-A493-ACFD-B06D5F0DA2D6}"/>
+          </ac:picMkLst>
+        </pc:picChg>
+        <pc:picChg chg="add del mod">
+          <ac:chgData name="Nancy Li" userId="afc5209a-cf39-48d8-a57f-08cc8b772ec9" providerId="ADAL" clId="{7058694A-483B-403F-89BA-FD8C3FB39D35}" dt="2023-09-25T14:29:43.686" v="922" actId="478"/>
+          <ac:picMkLst>
+            <pc:docMk/>
+            <pc:sldMk cId="130350777" sldId="322"/>
+            <ac:picMk id="6" creationId="{5E12E4D8-B71C-22A6-33AD-29C721DACEB4}"/>
+          </ac:picMkLst>
+        </pc:picChg>
+        <pc:picChg chg="del">
+          <ac:chgData name="Nancy Li" userId="afc5209a-cf39-48d8-a57f-08cc8b772ec9" providerId="ADAL" clId="{7058694A-483B-403F-89BA-FD8C3FB39D35}" dt="2023-09-25T14:29:20.278" v="915" actId="478"/>
+          <ac:picMkLst>
+            <pc:docMk/>
+            <pc:sldMk cId="130350777" sldId="322"/>
+            <ac:picMk id="7" creationId="{A2BF53B0-44EA-8C15-9AF9-E55348473AFE}"/>
+          </ac:picMkLst>
+        </pc:picChg>
+        <pc:picChg chg="add mod">
+          <ac:chgData name="Nancy Li" userId="afc5209a-cf39-48d8-a57f-08cc8b772ec9" providerId="ADAL" clId="{7058694A-483B-403F-89BA-FD8C3FB39D35}" dt="2023-09-25T14:47:18.455" v="1045" actId="1076"/>
+          <ac:picMkLst>
+            <pc:docMk/>
+            <pc:sldMk cId="130350777" sldId="322"/>
+            <ac:picMk id="9" creationId="{6E959EB8-0E12-7DC5-3B57-7B25F1ED3847}"/>
+          </ac:picMkLst>
+        </pc:picChg>
+        <pc:picChg chg="add mod">
+          <ac:chgData name="Nancy Li" userId="afc5209a-cf39-48d8-a57f-08cc8b772ec9" providerId="ADAL" clId="{7058694A-483B-403F-89BA-FD8C3FB39D35}" dt="2023-09-25T14:47:19.015" v="1046"/>
+          <ac:picMkLst>
+            <pc:docMk/>
+            <pc:sldMk cId="130350777" sldId="322"/>
+            <ac:picMk id="10" creationId="{116C7115-D6DD-102C-9CEC-B38DF9957AFB}"/>
+          </ac:picMkLst>
+        </pc:picChg>
+        <pc:picChg chg="add del mod">
+          <ac:chgData name="Nancy Li" userId="afc5209a-cf39-48d8-a57f-08cc8b772ec9" providerId="ADAL" clId="{7058694A-483B-403F-89BA-FD8C3FB39D35}" dt="2023-09-25T14:30:05.107" v="926" actId="21"/>
+          <ac:picMkLst>
+            <pc:docMk/>
+            <pc:sldMk cId="130350777" sldId="322"/>
+            <ac:picMk id="1026" creationId="{F8987D85-A8B3-5E36-8E45-0A91D2DB1A63}"/>
+          </ac:picMkLst>
+        </pc:picChg>
+      </pc:sldChg>
+      <pc:sldChg chg="add del">
+        <pc:chgData name="Nancy Li" userId="afc5209a-cf39-48d8-a57f-08cc8b772ec9" providerId="ADAL" clId="{7058694A-483B-403F-89BA-FD8C3FB39D35}" dt="2023-09-25T14:29:25.187" v="918" actId="47"/>
+        <pc:sldMkLst>
+          <pc:docMk/>
+          <pc:sldMk cId="2474924537" sldId="323"/>
         </pc:sldMkLst>
       </pc:sldChg>
     </pc:docChg>
@@ -7955,7 +8166,7 @@
       </dgm:t>
     </dgm:pt>
     <dgm:pt modelId="{7943A428-1C2D-4CDF-905C-4AAE6726CD17}">
-      <dgm:prSet/>
+      <dgm:prSet custT="1"/>
       <dgm:spPr/>
       <dgm:t>
         <a:bodyPr/>
@@ -7963,9 +8174,24 @@
         <a:p>
           <a:pPr algn="l"/>
           <a:r>
-            <a:rPr lang="en-US" dirty="0"/>
+            <a:rPr lang="en-US" sz="4400" kern="1200" dirty="0">
+              <a:solidFill>
+                <a:prstClr val="white"/>
+              </a:solidFill>
+              <a:latin typeface="DM Sans"/>
+              <a:ea typeface="+mn-ea"/>
+              <a:cs typeface="+mn-cs"/>
+            </a:rPr>
             <a:t>Subject</a:t>
           </a:r>
+          <a:endParaRPr lang="en-US" sz="5400" kern="1200" dirty="0">
+            <a:solidFill>
+              <a:prstClr val="white"/>
+            </a:solidFill>
+            <a:latin typeface="DM Sans"/>
+            <a:ea typeface="+mn-ea"/>
+            <a:cs typeface="+mn-cs"/>
+          </a:endParaRPr>
         </a:p>
       </dgm:t>
     </dgm:pt>
@@ -8002,7 +8228,7 @@
         <a:p>
           <a:pPr algn="l"/>
           <a:r>
-            <a:rPr lang="en-US" sz="6500" kern="1200" dirty="0">
+            <a:rPr lang="en-US" sz="4400" kern="1200" dirty="0">
               <a:solidFill>
                 <a:prstClr val="white"/>
               </a:solidFill>
@@ -8012,6 +8238,14 @@
             </a:rPr>
             <a:t>Observer</a:t>
           </a:r>
+          <a:endParaRPr lang="en-US" sz="6500" kern="1200" dirty="0">
+            <a:solidFill>
+              <a:prstClr val="white"/>
+            </a:solidFill>
+            <a:latin typeface="DM Sans"/>
+            <a:ea typeface="+mn-ea"/>
+            <a:cs typeface="+mn-cs"/>
+          </a:endParaRPr>
         </a:p>
       </dgm:t>
     </dgm:pt>
@@ -8049,7 +8283,7 @@
       <dgm:spPr/>
     </dgm:pt>
     <dgm:pt modelId="{7EB96007-84AC-49D4-AA27-A12E1F11C083}" type="pres">
-      <dgm:prSet presAssocID="{7943A428-1C2D-4CDF-905C-4AAE6726CD17}" presName="parentText" presStyleLbl="node1" presStyleIdx="0" presStyleCnt="2">
+      <dgm:prSet presAssocID="{7943A428-1C2D-4CDF-905C-4AAE6726CD17}" presName="parentText" presStyleLbl="node1" presStyleIdx="0" presStyleCnt="2" custLinFactNeighborX="-37851" custLinFactNeighborY="-17618">
         <dgm:presLayoutVars>
           <dgm:chMax val="0"/>
           <dgm:bulletEnabled val="1"/>
@@ -8183,42 +8417,6 @@
         </a:p>
       </dgm:t>
     </dgm:pt>
-    <dgm:pt modelId="{8C22094B-7982-48B3-A636-C309B7168CA0}">
-      <dgm:prSet/>
-      <dgm:spPr/>
-      <dgm:t>
-        <a:bodyPr/>
-        <a:lstStyle/>
-        <a:p>
-          <a:r>
-            <a:rPr lang="en-US" dirty="0"/>
-            <a:t>Concrete Strategy</a:t>
-          </a:r>
-        </a:p>
-      </dgm:t>
-    </dgm:pt>
-    <dgm:pt modelId="{DABBF22C-5445-43CD-A7F9-B3A70B917BBB}" type="parTrans" cxnId="{16290AAD-B7AE-47D1-BE8C-5C5B57414725}">
-      <dgm:prSet/>
-      <dgm:spPr/>
-      <dgm:t>
-        <a:bodyPr/>
-        <a:lstStyle/>
-        <a:p>
-          <a:endParaRPr lang="en-US"/>
-        </a:p>
-      </dgm:t>
-    </dgm:pt>
-    <dgm:pt modelId="{13FBCEB5-2C74-49D9-AB53-C7504A76F7CD}" type="sibTrans" cxnId="{16290AAD-B7AE-47D1-BE8C-5C5B57414725}">
-      <dgm:prSet/>
-      <dgm:spPr/>
-      <dgm:t>
-        <a:bodyPr/>
-        <a:lstStyle/>
-        <a:p>
-          <a:endParaRPr lang="en-US"/>
-        </a:p>
-      </dgm:t>
-    </dgm:pt>
     <dgm:pt modelId="{C7823C08-90C7-4B69-9817-B11257D16185}" type="pres">
       <dgm:prSet presAssocID="{D53BCBF0-7E8A-4FE9-AF6D-37F1C455BE21}" presName="linear" presStyleCnt="0">
         <dgm:presLayoutVars>
@@ -8229,7 +8427,7 @@
       <dgm:spPr/>
     </dgm:pt>
     <dgm:pt modelId="{7EB96007-84AC-49D4-AA27-A12E1F11C083}" type="pres">
-      <dgm:prSet presAssocID="{7943A428-1C2D-4CDF-905C-4AAE6726CD17}" presName="parentText" presStyleLbl="node1" presStyleIdx="0" presStyleCnt="3">
+      <dgm:prSet presAssocID="{7943A428-1C2D-4CDF-905C-4AAE6726CD17}" presName="parentText" presStyleLbl="node1" presStyleIdx="0" presStyleCnt="2">
         <dgm:presLayoutVars>
           <dgm:chMax val="0"/>
           <dgm:bulletEnabled val="1"/>
@@ -8242,20 +8440,7 @@
       <dgm:spPr/>
     </dgm:pt>
     <dgm:pt modelId="{F8A1933A-B491-4214-BEAB-8FBF738DEE40}" type="pres">
-      <dgm:prSet presAssocID="{167E1D7B-6CB0-4B85-B05C-D971A42479BA}" presName="parentText" presStyleLbl="node1" presStyleIdx="1" presStyleCnt="3">
-        <dgm:presLayoutVars>
-          <dgm:chMax val="0"/>
-          <dgm:bulletEnabled val="1"/>
-        </dgm:presLayoutVars>
-      </dgm:prSet>
-      <dgm:spPr/>
-    </dgm:pt>
-    <dgm:pt modelId="{98115EEA-4462-47CF-8927-5A5CD529D992}" type="pres">
-      <dgm:prSet presAssocID="{FC7618C3-C079-4386-8578-5360D1C264EF}" presName="spacer" presStyleCnt="0"/>
-      <dgm:spPr/>
-    </dgm:pt>
-    <dgm:pt modelId="{58311629-E84A-4326-9A41-92BAA85CE2ED}" type="pres">
-      <dgm:prSet presAssocID="{8C22094B-7982-48B3-A636-C309B7168CA0}" presName="parentText" presStyleLbl="node1" presStyleIdx="2" presStyleCnt="3">
+      <dgm:prSet presAssocID="{167E1D7B-6CB0-4B85-B05C-D971A42479BA}" presName="parentText" presStyleLbl="node1" presStyleIdx="1" presStyleCnt="2">
         <dgm:presLayoutVars>
           <dgm:chMax val="0"/>
           <dgm:bulletEnabled val="1"/>
@@ -8269,14 +8454,10 @@
     <dgm:cxn modelId="{7210FD82-37A6-494F-B1BF-A77F71694005}" type="presOf" srcId="{7943A428-1C2D-4CDF-905C-4AAE6726CD17}" destId="{7EB96007-84AC-49D4-AA27-A12E1F11C083}" srcOrd="0" destOrd="0" presId="urn:microsoft.com/office/officeart/2005/8/layout/vList2"/>
     <dgm:cxn modelId="{35DED684-D496-43F6-9986-3480B01A4CA7}" type="presOf" srcId="{167E1D7B-6CB0-4B85-B05C-D971A42479BA}" destId="{F8A1933A-B491-4214-BEAB-8FBF738DEE40}" srcOrd="0" destOrd="0" presId="urn:microsoft.com/office/officeart/2005/8/layout/vList2"/>
     <dgm:cxn modelId="{D9B9B289-6CB3-4568-B6C1-A56FC4F78C68}" srcId="{D53BCBF0-7E8A-4FE9-AF6D-37F1C455BE21}" destId="{167E1D7B-6CB0-4B85-B05C-D971A42479BA}" srcOrd="1" destOrd="0" parTransId="{BEA364BB-F7B6-40CB-9464-7204A07E8F1F}" sibTransId="{FC7618C3-C079-4386-8578-5360D1C264EF}"/>
-    <dgm:cxn modelId="{16290AAD-B7AE-47D1-BE8C-5C5B57414725}" srcId="{D53BCBF0-7E8A-4FE9-AF6D-37F1C455BE21}" destId="{8C22094B-7982-48B3-A636-C309B7168CA0}" srcOrd="2" destOrd="0" parTransId="{DABBF22C-5445-43CD-A7F9-B3A70B917BBB}" sibTransId="{13FBCEB5-2C74-49D9-AB53-C7504A76F7CD}"/>
     <dgm:cxn modelId="{964932B8-1C97-41F0-83A5-E546884BFA71}" srcId="{D53BCBF0-7E8A-4FE9-AF6D-37F1C455BE21}" destId="{7943A428-1C2D-4CDF-905C-4AAE6726CD17}" srcOrd="0" destOrd="0" parTransId="{2DA980D7-DB67-4008-B34E-4AF1E97B1544}" sibTransId="{77E8D252-DB06-47FE-AAD8-10DF9E64E374}"/>
-    <dgm:cxn modelId="{5A51B3F2-CDF4-45C7-9046-73C80499187B}" type="presOf" srcId="{8C22094B-7982-48B3-A636-C309B7168CA0}" destId="{58311629-E84A-4326-9A41-92BAA85CE2ED}" srcOrd="0" destOrd="0" presId="urn:microsoft.com/office/officeart/2005/8/layout/vList2"/>
     <dgm:cxn modelId="{8BFA2E48-C4FB-463D-A951-E517FD583D52}" type="presParOf" srcId="{C7823C08-90C7-4B69-9817-B11257D16185}" destId="{7EB96007-84AC-49D4-AA27-A12E1F11C083}" srcOrd="0" destOrd="0" presId="urn:microsoft.com/office/officeart/2005/8/layout/vList2"/>
     <dgm:cxn modelId="{41283A49-CC1D-4449-8EEF-C2FF2F280FA9}" type="presParOf" srcId="{C7823C08-90C7-4B69-9817-B11257D16185}" destId="{15B386A6-CA18-41C1-91D3-786C33FDF5FA}" srcOrd="1" destOrd="0" presId="urn:microsoft.com/office/officeart/2005/8/layout/vList2"/>
     <dgm:cxn modelId="{A53C3C53-F679-4EF0-A5FB-C5C5C9DF1787}" type="presParOf" srcId="{C7823C08-90C7-4B69-9817-B11257D16185}" destId="{F8A1933A-B491-4214-BEAB-8FBF738DEE40}" srcOrd="2" destOrd="0" presId="urn:microsoft.com/office/officeart/2005/8/layout/vList2"/>
-    <dgm:cxn modelId="{423AF6B9-45F8-4CDB-ABE2-84DB751A3D30}" type="presParOf" srcId="{C7823C08-90C7-4B69-9817-B11257D16185}" destId="{98115EEA-4462-47CF-8927-5A5CD529D992}" srcOrd="3" destOrd="0" presId="urn:microsoft.com/office/officeart/2005/8/layout/vList2"/>
-    <dgm:cxn modelId="{ADF0B0CF-8940-4FA9-BC73-BED6ACE97E4C}" type="presParOf" srcId="{C7823C08-90C7-4B69-9817-B11257D16185}" destId="{58311629-E84A-4326-9A41-92BAA85CE2ED}" srcOrd="4" destOrd="0" presId="urn:microsoft.com/office/officeart/2005/8/layout/vList2"/>
   </dgm:cxnLst>
   <dgm:bg/>
   <dgm:whole/>
@@ -8289,152 +8470,6 @@
 </file>
 
 <file path=ppt/diagrams/data4.xml><?xml version="1.0" encoding="utf-8"?>
-<dgm:dataModel xmlns:dgm="http://schemas.openxmlformats.org/drawingml/2006/diagram" xmlns:a="http://schemas.openxmlformats.org/drawingml/2006/main">
-  <dgm:ptLst>
-    <dgm:pt modelId="{D53BCBF0-7E8A-4FE9-AF6D-37F1C455BE21}" type="doc">
-      <dgm:prSet loTypeId="urn:microsoft.com/office/officeart/2005/8/layout/vList2" loCatId="list" qsTypeId="urn:microsoft.com/office/officeart/2005/8/quickstyle/simple1" qsCatId="simple" csTypeId="urn:microsoft.com/office/officeart/2005/8/colors/accent1_2" csCatId="accent1" phldr="1"/>
-      <dgm:spPr/>
-      <dgm:t>
-        <a:bodyPr/>
-        <a:lstStyle/>
-        <a:p>
-          <a:endParaRPr lang="en-US"/>
-        </a:p>
-      </dgm:t>
-    </dgm:pt>
-    <dgm:pt modelId="{167E1D7B-6CB0-4B85-B05C-D971A42479BA}">
-      <dgm:prSet/>
-      <dgm:spPr/>
-      <dgm:t>
-        <a:bodyPr/>
-        <a:lstStyle/>
-        <a:p>
-          <a:pPr algn="l"/>
-          <a:r>
-            <a:rPr lang="en-US" dirty="0"/>
-            <a:t>Iterator</a:t>
-          </a:r>
-        </a:p>
-      </dgm:t>
-    </dgm:pt>
-    <dgm:pt modelId="{BEA364BB-F7B6-40CB-9464-7204A07E8F1F}" type="parTrans" cxnId="{D9B9B289-6CB3-4568-B6C1-A56FC4F78C68}">
-      <dgm:prSet/>
-      <dgm:spPr/>
-      <dgm:t>
-        <a:bodyPr/>
-        <a:lstStyle/>
-        <a:p>
-          <a:pPr algn="l"/>
-          <a:endParaRPr lang="en-US"/>
-        </a:p>
-      </dgm:t>
-    </dgm:pt>
-    <dgm:pt modelId="{FC7618C3-C079-4386-8578-5360D1C264EF}" type="sibTrans" cxnId="{D9B9B289-6CB3-4568-B6C1-A56FC4F78C68}">
-      <dgm:prSet/>
-      <dgm:spPr/>
-      <dgm:t>
-        <a:bodyPr/>
-        <a:lstStyle/>
-        <a:p>
-          <a:pPr algn="l"/>
-          <a:endParaRPr lang="en-US"/>
-        </a:p>
-      </dgm:t>
-    </dgm:pt>
-    <dgm:pt modelId="{8C22094B-7982-48B3-A636-C309B7168CA0}">
-      <dgm:prSet/>
-      <dgm:spPr/>
-      <dgm:t>
-        <a:bodyPr/>
-        <a:lstStyle/>
-        <a:p>
-          <a:r>
-            <a:rPr lang="en-US" dirty="0"/>
-            <a:t>Concrete Iterator</a:t>
-          </a:r>
-          <a:r>
-            <a:rPr lang="en-US" altLang="zh-CN" dirty="0"/>
-            <a:t>s</a:t>
-          </a:r>
-          <a:endParaRPr lang="en-US" dirty="0"/>
-        </a:p>
-      </dgm:t>
-    </dgm:pt>
-    <dgm:pt modelId="{DABBF22C-5445-43CD-A7F9-B3A70B917BBB}" type="parTrans" cxnId="{16290AAD-B7AE-47D1-BE8C-5C5B57414725}">
-      <dgm:prSet/>
-      <dgm:spPr/>
-      <dgm:t>
-        <a:bodyPr/>
-        <a:lstStyle/>
-        <a:p>
-          <a:endParaRPr lang="en-US"/>
-        </a:p>
-      </dgm:t>
-    </dgm:pt>
-    <dgm:pt modelId="{13FBCEB5-2C74-49D9-AB53-C7504A76F7CD}" type="sibTrans" cxnId="{16290AAD-B7AE-47D1-BE8C-5C5B57414725}">
-      <dgm:prSet/>
-      <dgm:spPr/>
-      <dgm:t>
-        <a:bodyPr/>
-        <a:lstStyle/>
-        <a:p>
-          <a:endParaRPr lang="en-US"/>
-        </a:p>
-      </dgm:t>
-    </dgm:pt>
-    <dgm:pt modelId="{C7823C08-90C7-4B69-9817-B11257D16185}" type="pres">
-      <dgm:prSet presAssocID="{D53BCBF0-7E8A-4FE9-AF6D-37F1C455BE21}" presName="linear" presStyleCnt="0">
-        <dgm:presLayoutVars>
-          <dgm:animLvl val="lvl"/>
-          <dgm:resizeHandles val="exact"/>
-        </dgm:presLayoutVars>
-      </dgm:prSet>
-      <dgm:spPr/>
-    </dgm:pt>
-    <dgm:pt modelId="{F8A1933A-B491-4214-BEAB-8FBF738DEE40}" type="pres">
-      <dgm:prSet presAssocID="{167E1D7B-6CB0-4B85-B05C-D971A42479BA}" presName="parentText" presStyleLbl="node1" presStyleIdx="0" presStyleCnt="2">
-        <dgm:presLayoutVars>
-          <dgm:chMax val="0"/>
-          <dgm:bulletEnabled val="1"/>
-        </dgm:presLayoutVars>
-      </dgm:prSet>
-      <dgm:spPr/>
-    </dgm:pt>
-    <dgm:pt modelId="{98115EEA-4462-47CF-8927-5A5CD529D992}" type="pres">
-      <dgm:prSet presAssocID="{FC7618C3-C079-4386-8578-5360D1C264EF}" presName="spacer" presStyleCnt="0"/>
-      <dgm:spPr/>
-    </dgm:pt>
-    <dgm:pt modelId="{58311629-E84A-4326-9A41-92BAA85CE2ED}" type="pres">
-      <dgm:prSet presAssocID="{8C22094B-7982-48B3-A636-C309B7168CA0}" presName="parentText" presStyleLbl="node1" presStyleIdx="1" presStyleCnt="2">
-        <dgm:presLayoutVars>
-          <dgm:chMax val="0"/>
-          <dgm:bulletEnabled val="1"/>
-        </dgm:presLayoutVars>
-      </dgm:prSet>
-      <dgm:spPr/>
-    </dgm:pt>
-  </dgm:ptLst>
-  <dgm:cxnLst>
-    <dgm:cxn modelId="{3A0DD017-E1CF-493E-8E63-B03841FF8930}" type="presOf" srcId="{D53BCBF0-7E8A-4FE9-AF6D-37F1C455BE21}" destId="{C7823C08-90C7-4B69-9817-B11257D16185}" srcOrd="0" destOrd="0" presId="urn:microsoft.com/office/officeart/2005/8/layout/vList2"/>
-    <dgm:cxn modelId="{35DED684-D496-43F6-9986-3480B01A4CA7}" type="presOf" srcId="{167E1D7B-6CB0-4B85-B05C-D971A42479BA}" destId="{F8A1933A-B491-4214-BEAB-8FBF738DEE40}" srcOrd="0" destOrd="0" presId="urn:microsoft.com/office/officeart/2005/8/layout/vList2"/>
-    <dgm:cxn modelId="{D9B9B289-6CB3-4568-B6C1-A56FC4F78C68}" srcId="{D53BCBF0-7E8A-4FE9-AF6D-37F1C455BE21}" destId="{167E1D7B-6CB0-4B85-B05C-D971A42479BA}" srcOrd="0" destOrd="0" parTransId="{BEA364BB-F7B6-40CB-9464-7204A07E8F1F}" sibTransId="{FC7618C3-C079-4386-8578-5360D1C264EF}"/>
-    <dgm:cxn modelId="{16290AAD-B7AE-47D1-BE8C-5C5B57414725}" srcId="{D53BCBF0-7E8A-4FE9-AF6D-37F1C455BE21}" destId="{8C22094B-7982-48B3-A636-C309B7168CA0}" srcOrd="1" destOrd="0" parTransId="{DABBF22C-5445-43CD-A7F9-B3A70B917BBB}" sibTransId="{13FBCEB5-2C74-49D9-AB53-C7504A76F7CD}"/>
-    <dgm:cxn modelId="{5A51B3F2-CDF4-45C7-9046-73C80499187B}" type="presOf" srcId="{8C22094B-7982-48B3-A636-C309B7168CA0}" destId="{58311629-E84A-4326-9A41-92BAA85CE2ED}" srcOrd="0" destOrd="0" presId="urn:microsoft.com/office/officeart/2005/8/layout/vList2"/>
-    <dgm:cxn modelId="{A53C3C53-F679-4EF0-A5FB-C5C5C9DF1787}" type="presParOf" srcId="{C7823C08-90C7-4B69-9817-B11257D16185}" destId="{F8A1933A-B491-4214-BEAB-8FBF738DEE40}" srcOrd="0" destOrd="0" presId="urn:microsoft.com/office/officeart/2005/8/layout/vList2"/>
-    <dgm:cxn modelId="{423AF6B9-45F8-4CDB-ABE2-84DB751A3D30}" type="presParOf" srcId="{C7823C08-90C7-4B69-9817-B11257D16185}" destId="{98115EEA-4462-47CF-8927-5A5CD529D992}" srcOrd="1" destOrd="0" presId="urn:microsoft.com/office/officeart/2005/8/layout/vList2"/>
-    <dgm:cxn modelId="{ADF0B0CF-8940-4FA9-BC73-BED6ACE97E4C}" type="presParOf" srcId="{C7823C08-90C7-4B69-9817-B11257D16185}" destId="{58311629-E84A-4326-9A41-92BAA85CE2ED}" srcOrd="2" destOrd="0" presId="urn:microsoft.com/office/officeart/2005/8/layout/vList2"/>
-  </dgm:cxnLst>
-  <dgm:bg/>
-  <dgm:whole/>
-  <dgm:extLst>
-    <a:ext uri="http://schemas.microsoft.com/office/drawing/2008/diagram">
-      <dsp:dataModelExt xmlns:dsp="http://schemas.microsoft.com/office/drawing/2008/diagram" relId="rId8" minVer="http://schemas.openxmlformats.org/drawingml/2006/diagram"/>
-    </a:ext>
-  </dgm:extLst>
-</dgm:dataModel>
-</file>
-
-<file path=ppt/diagrams/data5.xml><?xml version="1.0" encoding="utf-8"?>
 <dgm:dataModel xmlns:dgm="http://schemas.openxmlformats.org/drawingml/2006/diagram" xmlns:a="http://schemas.openxmlformats.org/drawingml/2006/main">
   <dgm:ptLst>
     <dgm:pt modelId="{D53BCBF0-7E8A-4FE9-AF6D-37F1C455BE21}" type="doc">
@@ -8681,6 +8716,152 @@
     <dgm:cxn modelId="{CE05907F-2BA0-4628-AF3B-F62D7EA1B15B}" type="presParOf" srcId="{C7823C08-90C7-4B69-9817-B11257D16185}" destId="{86BDAA5D-FD41-4CB0-ADCF-8B42E86C7B8A}" srcOrd="4" destOrd="0" presId="urn:microsoft.com/office/officeart/2005/8/layout/vList2"/>
     <dgm:cxn modelId="{CC7BF878-8940-48AF-8BED-DFB96C45BD22}" type="presParOf" srcId="{C7823C08-90C7-4B69-9817-B11257D16185}" destId="{E7887C70-C06C-4508-888E-B0B7C2A63D1F}" srcOrd="5" destOrd="0" presId="urn:microsoft.com/office/officeart/2005/8/layout/vList2"/>
     <dgm:cxn modelId="{ADF0B0CF-8940-4FA9-BC73-BED6ACE97E4C}" type="presParOf" srcId="{C7823C08-90C7-4B69-9817-B11257D16185}" destId="{58311629-E84A-4326-9A41-92BAA85CE2ED}" srcOrd="6" destOrd="0" presId="urn:microsoft.com/office/officeart/2005/8/layout/vList2"/>
+  </dgm:cxnLst>
+  <dgm:bg/>
+  <dgm:whole/>
+  <dgm:extLst>
+    <a:ext uri="http://schemas.microsoft.com/office/drawing/2008/diagram">
+      <dsp:dataModelExt xmlns:dsp="http://schemas.microsoft.com/office/drawing/2008/diagram" relId="rId8" minVer="http://schemas.openxmlformats.org/drawingml/2006/diagram"/>
+    </a:ext>
+  </dgm:extLst>
+</dgm:dataModel>
+</file>
+
+<file path=ppt/diagrams/data5.xml><?xml version="1.0" encoding="utf-8"?>
+<dgm:dataModel xmlns:dgm="http://schemas.openxmlformats.org/drawingml/2006/diagram" xmlns:a="http://schemas.openxmlformats.org/drawingml/2006/main">
+  <dgm:ptLst>
+    <dgm:pt modelId="{D53BCBF0-7E8A-4FE9-AF6D-37F1C455BE21}" type="doc">
+      <dgm:prSet loTypeId="urn:microsoft.com/office/officeart/2005/8/layout/vList2" loCatId="list" qsTypeId="urn:microsoft.com/office/officeart/2005/8/quickstyle/simple1" qsCatId="simple" csTypeId="urn:microsoft.com/office/officeart/2005/8/colors/accent1_2" csCatId="accent1" phldr="1"/>
+      <dgm:spPr/>
+      <dgm:t>
+        <a:bodyPr/>
+        <a:lstStyle/>
+        <a:p>
+          <a:endParaRPr lang="en-US"/>
+        </a:p>
+      </dgm:t>
+    </dgm:pt>
+    <dgm:pt modelId="{167E1D7B-6CB0-4B85-B05C-D971A42479BA}">
+      <dgm:prSet/>
+      <dgm:spPr/>
+      <dgm:t>
+        <a:bodyPr/>
+        <a:lstStyle/>
+        <a:p>
+          <a:pPr algn="l"/>
+          <a:r>
+            <a:rPr lang="en-US" dirty="0"/>
+            <a:t>Iterator</a:t>
+          </a:r>
+        </a:p>
+      </dgm:t>
+    </dgm:pt>
+    <dgm:pt modelId="{BEA364BB-F7B6-40CB-9464-7204A07E8F1F}" type="parTrans" cxnId="{D9B9B289-6CB3-4568-B6C1-A56FC4F78C68}">
+      <dgm:prSet/>
+      <dgm:spPr/>
+      <dgm:t>
+        <a:bodyPr/>
+        <a:lstStyle/>
+        <a:p>
+          <a:pPr algn="l"/>
+          <a:endParaRPr lang="en-US"/>
+        </a:p>
+      </dgm:t>
+    </dgm:pt>
+    <dgm:pt modelId="{FC7618C3-C079-4386-8578-5360D1C264EF}" type="sibTrans" cxnId="{D9B9B289-6CB3-4568-B6C1-A56FC4F78C68}">
+      <dgm:prSet/>
+      <dgm:spPr/>
+      <dgm:t>
+        <a:bodyPr/>
+        <a:lstStyle/>
+        <a:p>
+          <a:pPr algn="l"/>
+          <a:endParaRPr lang="en-US"/>
+        </a:p>
+      </dgm:t>
+    </dgm:pt>
+    <dgm:pt modelId="{8C22094B-7982-48B3-A636-C309B7168CA0}">
+      <dgm:prSet/>
+      <dgm:spPr/>
+      <dgm:t>
+        <a:bodyPr/>
+        <a:lstStyle/>
+        <a:p>
+          <a:r>
+            <a:rPr lang="en-US" dirty="0"/>
+            <a:t>Concrete Iterator</a:t>
+          </a:r>
+          <a:r>
+            <a:rPr lang="en-US" altLang="zh-CN" dirty="0"/>
+            <a:t>s</a:t>
+          </a:r>
+          <a:endParaRPr lang="en-US" dirty="0"/>
+        </a:p>
+      </dgm:t>
+    </dgm:pt>
+    <dgm:pt modelId="{DABBF22C-5445-43CD-A7F9-B3A70B917BBB}" type="parTrans" cxnId="{16290AAD-B7AE-47D1-BE8C-5C5B57414725}">
+      <dgm:prSet/>
+      <dgm:spPr/>
+      <dgm:t>
+        <a:bodyPr/>
+        <a:lstStyle/>
+        <a:p>
+          <a:endParaRPr lang="en-US"/>
+        </a:p>
+      </dgm:t>
+    </dgm:pt>
+    <dgm:pt modelId="{13FBCEB5-2C74-49D9-AB53-C7504A76F7CD}" type="sibTrans" cxnId="{16290AAD-B7AE-47D1-BE8C-5C5B57414725}">
+      <dgm:prSet/>
+      <dgm:spPr/>
+      <dgm:t>
+        <a:bodyPr/>
+        <a:lstStyle/>
+        <a:p>
+          <a:endParaRPr lang="en-US"/>
+        </a:p>
+      </dgm:t>
+    </dgm:pt>
+    <dgm:pt modelId="{C7823C08-90C7-4B69-9817-B11257D16185}" type="pres">
+      <dgm:prSet presAssocID="{D53BCBF0-7E8A-4FE9-AF6D-37F1C455BE21}" presName="linear" presStyleCnt="0">
+        <dgm:presLayoutVars>
+          <dgm:animLvl val="lvl"/>
+          <dgm:resizeHandles val="exact"/>
+        </dgm:presLayoutVars>
+      </dgm:prSet>
+      <dgm:spPr/>
+    </dgm:pt>
+    <dgm:pt modelId="{F8A1933A-B491-4214-BEAB-8FBF738DEE40}" type="pres">
+      <dgm:prSet presAssocID="{167E1D7B-6CB0-4B85-B05C-D971A42479BA}" presName="parentText" presStyleLbl="node1" presStyleIdx="0" presStyleCnt="2">
+        <dgm:presLayoutVars>
+          <dgm:chMax val="0"/>
+          <dgm:bulletEnabled val="1"/>
+        </dgm:presLayoutVars>
+      </dgm:prSet>
+      <dgm:spPr/>
+    </dgm:pt>
+    <dgm:pt modelId="{98115EEA-4462-47CF-8927-5A5CD529D992}" type="pres">
+      <dgm:prSet presAssocID="{FC7618C3-C079-4386-8578-5360D1C264EF}" presName="spacer" presStyleCnt="0"/>
+      <dgm:spPr/>
+    </dgm:pt>
+    <dgm:pt modelId="{58311629-E84A-4326-9A41-92BAA85CE2ED}" type="pres">
+      <dgm:prSet presAssocID="{8C22094B-7982-48B3-A636-C309B7168CA0}" presName="parentText" presStyleLbl="node1" presStyleIdx="1" presStyleCnt="2">
+        <dgm:presLayoutVars>
+          <dgm:chMax val="0"/>
+          <dgm:bulletEnabled val="1"/>
+        </dgm:presLayoutVars>
+      </dgm:prSet>
+      <dgm:spPr/>
+    </dgm:pt>
+  </dgm:ptLst>
+  <dgm:cxnLst>
+    <dgm:cxn modelId="{3A0DD017-E1CF-493E-8E63-B03841FF8930}" type="presOf" srcId="{D53BCBF0-7E8A-4FE9-AF6D-37F1C455BE21}" destId="{C7823C08-90C7-4B69-9817-B11257D16185}" srcOrd="0" destOrd="0" presId="urn:microsoft.com/office/officeart/2005/8/layout/vList2"/>
+    <dgm:cxn modelId="{35DED684-D496-43F6-9986-3480B01A4CA7}" type="presOf" srcId="{167E1D7B-6CB0-4B85-B05C-D971A42479BA}" destId="{F8A1933A-B491-4214-BEAB-8FBF738DEE40}" srcOrd="0" destOrd="0" presId="urn:microsoft.com/office/officeart/2005/8/layout/vList2"/>
+    <dgm:cxn modelId="{D9B9B289-6CB3-4568-B6C1-A56FC4F78C68}" srcId="{D53BCBF0-7E8A-4FE9-AF6D-37F1C455BE21}" destId="{167E1D7B-6CB0-4B85-B05C-D971A42479BA}" srcOrd="0" destOrd="0" parTransId="{BEA364BB-F7B6-40CB-9464-7204A07E8F1F}" sibTransId="{FC7618C3-C079-4386-8578-5360D1C264EF}"/>
+    <dgm:cxn modelId="{16290AAD-B7AE-47D1-BE8C-5C5B57414725}" srcId="{D53BCBF0-7E8A-4FE9-AF6D-37F1C455BE21}" destId="{8C22094B-7982-48B3-A636-C309B7168CA0}" srcOrd="1" destOrd="0" parTransId="{DABBF22C-5445-43CD-A7F9-B3A70B917BBB}" sibTransId="{13FBCEB5-2C74-49D9-AB53-C7504A76F7CD}"/>
+    <dgm:cxn modelId="{5A51B3F2-CDF4-45C7-9046-73C80499187B}" type="presOf" srcId="{8C22094B-7982-48B3-A636-C309B7168CA0}" destId="{58311629-E84A-4326-9A41-92BAA85CE2ED}" srcOrd="0" destOrd="0" presId="urn:microsoft.com/office/officeart/2005/8/layout/vList2"/>
+    <dgm:cxn modelId="{A53C3C53-F679-4EF0-A5FB-C5C5C9DF1787}" type="presParOf" srcId="{C7823C08-90C7-4B69-9817-B11257D16185}" destId="{F8A1933A-B491-4214-BEAB-8FBF738DEE40}" srcOrd="0" destOrd="0" presId="urn:microsoft.com/office/officeart/2005/8/layout/vList2"/>
+    <dgm:cxn modelId="{423AF6B9-45F8-4CDB-ABE2-84DB751A3D30}" type="presParOf" srcId="{C7823C08-90C7-4B69-9817-B11257D16185}" destId="{98115EEA-4462-47CF-8927-5A5CD529D992}" srcOrd="1" destOrd="0" presId="urn:microsoft.com/office/officeart/2005/8/layout/vList2"/>
+    <dgm:cxn modelId="{ADF0B0CF-8940-4FA9-BC73-BED6ACE97E4C}" type="presParOf" srcId="{C7823C08-90C7-4B69-9817-B11257D16185}" destId="{58311629-E84A-4326-9A41-92BAA85CE2ED}" srcOrd="2" destOrd="0" presId="urn:microsoft.com/office/officeart/2005/8/layout/vList2"/>
   </dgm:cxnLst>
   <dgm:bg/>
   <dgm:whole/>
@@ -9391,8 +9572,204 @@
       </dsp:nvSpPr>
       <dsp:spPr>
         <a:xfrm>
-          <a:off x="0" y="375537"/>
-          <a:ext cx="4896444" cy="1673100"/>
+          <a:off x="0" y="888867"/>
+          <a:ext cx="5635470" cy="1216800"/>
+        </a:xfrm>
+        <a:prstGeom prst="roundRect">
+          <a:avLst/>
+        </a:prstGeom>
+        <a:solidFill>
+          <a:schemeClr val="accent1">
+            <a:hueOff val="0"/>
+            <a:satOff val="0"/>
+            <a:lumOff val="0"/>
+            <a:alphaOff val="0"/>
+          </a:schemeClr>
+        </a:solidFill>
+        <a:ln w="25400" cap="flat" cmpd="sng" algn="ctr">
+          <a:solidFill>
+            <a:schemeClr val="lt1">
+              <a:hueOff val="0"/>
+              <a:satOff val="0"/>
+              <a:lumOff val="0"/>
+              <a:alphaOff val="0"/>
+            </a:schemeClr>
+          </a:solidFill>
+          <a:prstDash val="solid"/>
+        </a:ln>
+        <a:effectLst/>
+      </dsp:spPr>
+      <dsp:style>
+        <a:lnRef idx="2">
+          <a:scrgbClr r="0" g="0" b="0"/>
+        </a:lnRef>
+        <a:fillRef idx="1">
+          <a:scrgbClr r="0" g="0" b="0"/>
+        </a:fillRef>
+        <a:effectRef idx="0">
+          <a:scrgbClr r="0" g="0" b="0"/>
+        </a:effectRef>
+        <a:fontRef idx="minor">
+          <a:schemeClr val="lt1"/>
+        </a:fontRef>
+      </dsp:style>
+      <dsp:txBody>
+        <a:bodyPr spcFirstLastPara="0" vert="horz" wrap="square" lIns="167640" tIns="167640" rIns="167640" bIns="167640" numCol="1" spcCol="1270" anchor="ctr" anchorCtr="0">
+          <a:noAutofit/>
+        </a:bodyPr>
+        <a:lstStyle/>
+        <a:p>
+          <a:pPr marL="0" lvl="0" indent="0" algn="l" defTabSz="1955800">
+            <a:lnSpc>
+              <a:spcPct val="90000"/>
+            </a:lnSpc>
+            <a:spcBef>
+              <a:spcPct val="0"/>
+            </a:spcBef>
+            <a:spcAft>
+              <a:spcPct val="35000"/>
+            </a:spcAft>
+            <a:buNone/>
+          </a:pPr>
+          <a:r>
+            <a:rPr lang="en-US" sz="4400" kern="1200" dirty="0">
+              <a:solidFill>
+                <a:prstClr val="white"/>
+              </a:solidFill>
+              <a:latin typeface="DM Sans"/>
+              <a:ea typeface="+mn-ea"/>
+              <a:cs typeface="+mn-cs"/>
+            </a:rPr>
+            <a:t>Subject</a:t>
+          </a:r>
+          <a:endParaRPr lang="en-US" sz="5400" kern="1200" dirty="0">
+            <a:solidFill>
+              <a:prstClr val="white"/>
+            </a:solidFill>
+            <a:latin typeface="DM Sans"/>
+            <a:ea typeface="+mn-ea"/>
+            <a:cs typeface="+mn-cs"/>
+          </a:endParaRPr>
+        </a:p>
+      </dsp:txBody>
+      <dsp:txXfrm>
+        <a:off x="59399" y="948266"/>
+        <a:ext cx="5516672" cy="1098002"/>
+      </dsp:txXfrm>
+    </dsp:sp>
+    <dsp:sp modelId="{F8A1933A-B491-4214-BEAB-8FBF738DEE40}">
+      <dsp:nvSpPr>
+        <dsp:cNvPr id="0" name=""/>
+        <dsp:cNvSpPr/>
+      </dsp:nvSpPr>
+      <dsp:spPr>
+        <a:xfrm>
+          <a:off x="0" y="2325848"/>
+          <a:ext cx="5635470" cy="1216800"/>
+        </a:xfrm>
+        <a:prstGeom prst="roundRect">
+          <a:avLst/>
+        </a:prstGeom>
+        <a:solidFill>
+          <a:schemeClr val="accent1">
+            <a:hueOff val="0"/>
+            <a:satOff val="0"/>
+            <a:lumOff val="0"/>
+            <a:alphaOff val="0"/>
+          </a:schemeClr>
+        </a:solidFill>
+        <a:ln w="25400" cap="flat" cmpd="sng" algn="ctr">
+          <a:solidFill>
+            <a:schemeClr val="lt1">
+              <a:hueOff val="0"/>
+              <a:satOff val="0"/>
+              <a:lumOff val="0"/>
+              <a:alphaOff val="0"/>
+            </a:schemeClr>
+          </a:solidFill>
+          <a:prstDash val="solid"/>
+        </a:ln>
+        <a:effectLst/>
+      </dsp:spPr>
+      <dsp:style>
+        <a:lnRef idx="2">
+          <a:scrgbClr r="0" g="0" b="0"/>
+        </a:lnRef>
+        <a:fillRef idx="1">
+          <a:scrgbClr r="0" g="0" b="0"/>
+        </a:fillRef>
+        <a:effectRef idx="0">
+          <a:scrgbClr r="0" g="0" b="0"/>
+        </a:effectRef>
+        <a:fontRef idx="minor">
+          <a:schemeClr val="lt1"/>
+        </a:fontRef>
+      </dsp:style>
+      <dsp:txBody>
+        <a:bodyPr spcFirstLastPara="0" vert="horz" wrap="square" lIns="167640" tIns="167640" rIns="167640" bIns="167640" numCol="1" spcCol="1270" anchor="ctr" anchorCtr="0">
+          <a:noAutofit/>
+        </a:bodyPr>
+        <a:lstStyle/>
+        <a:p>
+          <a:pPr marL="0" lvl="0" indent="0" algn="l" defTabSz="1955800">
+            <a:lnSpc>
+              <a:spcPct val="90000"/>
+            </a:lnSpc>
+            <a:spcBef>
+              <a:spcPct val="0"/>
+            </a:spcBef>
+            <a:spcAft>
+              <a:spcPct val="35000"/>
+            </a:spcAft>
+            <a:buNone/>
+          </a:pPr>
+          <a:r>
+            <a:rPr lang="en-US" sz="4400" kern="1200" dirty="0">
+              <a:solidFill>
+                <a:prstClr val="white"/>
+              </a:solidFill>
+              <a:latin typeface="DM Sans"/>
+              <a:ea typeface="+mn-ea"/>
+              <a:cs typeface="+mn-cs"/>
+            </a:rPr>
+            <a:t>Observer</a:t>
+          </a:r>
+          <a:endParaRPr lang="en-US" sz="6500" kern="1200" dirty="0">
+            <a:solidFill>
+              <a:prstClr val="white"/>
+            </a:solidFill>
+            <a:latin typeface="DM Sans"/>
+            <a:ea typeface="+mn-ea"/>
+            <a:cs typeface="+mn-cs"/>
+          </a:endParaRPr>
+        </a:p>
+      </dsp:txBody>
+      <dsp:txXfrm>
+        <a:off x="59399" y="2385247"/>
+        <a:ext cx="5516672" cy="1098002"/>
+      </dsp:txXfrm>
+    </dsp:sp>
+  </dsp:spTree>
+</dsp:drawing>
+</file>
+
+<file path=ppt/diagrams/drawing3.xml><?xml version="1.0" encoding="utf-8"?>
+<dsp:drawing xmlns:dgm="http://schemas.openxmlformats.org/drawingml/2006/diagram" xmlns:dsp="http://schemas.microsoft.com/office/drawing/2008/diagram" xmlns:a="http://schemas.openxmlformats.org/drawingml/2006/main">
+  <dsp:spTree>
+    <dsp:nvGrpSpPr>
+      <dsp:cNvPr id="0" name=""/>
+      <dsp:cNvGrpSpPr/>
+    </dsp:nvGrpSpPr>
+    <dsp:grpSpPr/>
+    <dsp:sp modelId="{7EB96007-84AC-49D4-AA27-A12E1F11C083}">
+      <dsp:nvSpPr>
+        <dsp:cNvPr id="0" name=""/>
+        <dsp:cNvSpPr/>
+      </dsp:nvSpPr>
+      <dsp:spPr>
+        <a:xfrm>
+          <a:off x="0" y="789583"/>
+          <a:ext cx="5328591" cy="1673100"/>
         </a:xfrm>
         <a:prstGeom prst="roundRect">
           <a:avLst/>
@@ -9452,13 +9829,13 @@
           </a:pPr>
           <a:r>
             <a:rPr lang="en-US" sz="6500" kern="1200" dirty="0"/>
-            <a:t>Subject</a:t>
+            <a:t>Context</a:t>
           </a:r>
         </a:p>
       </dsp:txBody>
       <dsp:txXfrm>
-        <a:off x="81674" y="457211"/>
-        <a:ext cx="4733096" cy="1509752"/>
+        <a:off x="81674" y="871257"/>
+        <a:ext cx="5165243" cy="1509752"/>
       </dsp:txXfrm>
     </dsp:sp>
     <dsp:sp modelId="{F8A1933A-B491-4214-BEAB-8FBF738DEE40}">
@@ -9468,8 +9845,8 @@
       </dsp:nvSpPr>
       <dsp:spPr>
         <a:xfrm>
-          <a:off x="0" y="2235838"/>
-          <a:ext cx="4896444" cy="1673100"/>
+          <a:off x="0" y="2649883"/>
+          <a:ext cx="5328591" cy="1673100"/>
         </a:xfrm>
         <a:prstGeom prst="roundRect">
           <a:avLst/>
@@ -9528,264 +9905,14 @@
             <a:buNone/>
           </a:pPr>
           <a:r>
-            <a:rPr lang="en-US" sz="6500" kern="1200" dirty="0">
-              <a:solidFill>
-                <a:prstClr val="white"/>
-              </a:solidFill>
-              <a:latin typeface="DM Sans"/>
-              <a:ea typeface="+mn-ea"/>
-              <a:cs typeface="+mn-cs"/>
-            </a:rPr>
-            <a:t>Observer</a:t>
-          </a:r>
-        </a:p>
-      </dsp:txBody>
-      <dsp:txXfrm>
-        <a:off x="81674" y="2317512"/>
-        <a:ext cx="4733096" cy="1509752"/>
-      </dsp:txXfrm>
-    </dsp:sp>
-  </dsp:spTree>
-</dsp:drawing>
-</file>
-
-<file path=ppt/diagrams/drawing3.xml><?xml version="1.0" encoding="utf-8"?>
-<dsp:drawing xmlns:dgm="http://schemas.openxmlformats.org/drawingml/2006/diagram" xmlns:dsp="http://schemas.microsoft.com/office/drawing/2008/diagram" xmlns:a="http://schemas.openxmlformats.org/drawingml/2006/main">
-  <dsp:spTree>
-    <dsp:nvGrpSpPr>
-      <dsp:cNvPr id="0" name=""/>
-      <dsp:cNvGrpSpPr/>
-    </dsp:nvGrpSpPr>
-    <dsp:grpSpPr/>
-    <dsp:sp modelId="{7EB96007-84AC-49D4-AA27-A12E1F11C083}">
-      <dsp:nvSpPr>
-        <dsp:cNvPr id="0" name=""/>
-        <dsp:cNvSpPr/>
-      </dsp:nvSpPr>
-      <dsp:spPr>
-        <a:xfrm>
-          <a:off x="0" y="550013"/>
-          <a:ext cx="3744416" cy="797940"/>
-        </a:xfrm>
-        <a:prstGeom prst="roundRect">
-          <a:avLst/>
-        </a:prstGeom>
-        <a:solidFill>
-          <a:schemeClr val="accent1">
-            <a:hueOff val="0"/>
-            <a:satOff val="0"/>
-            <a:lumOff val="0"/>
-            <a:alphaOff val="0"/>
-          </a:schemeClr>
-        </a:solidFill>
-        <a:ln w="25400" cap="flat" cmpd="sng" algn="ctr">
-          <a:solidFill>
-            <a:schemeClr val="lt1">
-              <a:hueOff val="0"/>
-              <a:satOff val="0"/>
-              <a:lumOff val="0"/>
-              <a:alphaOff val="0"/>
-            </a:schemeClr>
-          </a:solidFill>
-          <a:prstDash val="solid"/>
-        </a:ln>
-        <a:effectLst/>
-      </dsp:spPr>
-      <dsp:style>
-        <a:lnRef idx="2">
-          <a:scrgbClr r="0" g="0" b="0"/>
-        </a:lnRef>
-        <a:fillRef idx="1">
-          <a:scrgbClr r="0" g="0" b="0"/>
-        </a:fillRef>
-        <a:effectRef idx="0">
-          <a:scrgbClr r="0" g="0" b="0"/>
-        </a:effectRef>
-        <a:fontRef idx="minor">
-          <a:schemeClr val="lt1"/>
-        </a:fontRef>
-      </dsp:style>
-      <dsp:txBody>
-        <a:bodyPr spcFirstLastPara="0" vert="horz" wrap="square" lIns="118110" tIns="118110" rIns="118110" bIns="118110" numCol="1" spcCol="1270" anchor="ctr" anchorCtr="0">
-          <a:noAutofit/>
-        </a:bodyPr>
-        <a:lstStyle/>
-        <a:p>
-          <a:pPr marL="0" lvl="0" indent="0" algn="l" defTabSz="1377950">
-            <a:lnSpc>
-              <a:spcPct val="90000"/>
-            </a:lnSpc>
-            <a:spcBef>
-              <a:spcPct val="0"/>
-            </a:spcBef>
-            <a:spcAft>
-              <a:spcPct val="35000"/>
-            </a:spcAft>
-            <a:buNone/>
-          </a:pPr>
-          <a:r>
-            <a:rPr lang="en-US" sz="3100" kern="1200" dirty="0"/>
-            <a:t>Context</a:t>
-          </a:r>
-        </a:p>
-      </dsp:txBody>
-      <dsp:txXfrm>
-        <a:off x="38952" y="588965"/>
-        <a:ext cx="3666512" cy="720036"/>
-      </dsp:txXfrm>
-    </dsp:sp>
-    <dsp:sp modelId="{F8A1933A-B491-4214-BEAB-8FBF738DEE40}">
-      <dsp:nvSpPr>
-        <dsp:cNvPr id="0" name=""/>
-        <dsp:cNvSpPr/>
-      </dsp:nvSpPr>
-      <dsp:spPr>
-        <a:xfrm>
-          <a:off x="0" y="1437233"/>
-          <a:ext cx="3744416" cy="797940"/>
-        </a:xfrm>
-        <a:prstGeom prst="roundRect">
-          <a:avLst/>
-        </a:prstGeom>
-        <a:solidFill>
-          <a:schemeClr val="accent1">
-            <a:hueOff val="0"/>
-            <a:satOff val="0"/>
-            <a:lumOff val="0"/>
-            <a:alphaOff val="0"/>
-          </a:schemeClr>
-        </a:solidFill>
-        <a:ln w="25400" cap="flat" cmpd="sng" algn="ctr">
-          <a:solidFill>
-            <a:schemeClr val="lt1">
-              <a:hueOff val="0"/>
-              <a:satOff val="0"/>
-              <a:lumOff val="0"/>
-              <a:alphaOff val="0"/>
-            </a:schemeClr>
-          </a:solidFill>
-          <a:prstDash val="solid"/>
-        </a:ln>
-        <a:effectLst/>
-      </dsp:spPr>
-      <dsp:style>
-        <a:lnRef idx="2">
-          <a:scrgbClr r="0" g="0" b="0"/>
-        </a:lnRef>
-        <a:fillRef idx="1">
-          <a:scrgbClr r="0" g="0" b="0"/>
-        </a:fillRef>
-        <a:effectRef idx="0">
-          <a:scrgbClr r="0" g="0" b="0"/>
-        </a:effectRef>
-        <a:fontRef idx="minor">
-          <a:schemeClr val="lt1"/>
-        </a:fontRef>
-      </dsp:style>
-      <dsp:txBody>
-        <a:bodyPr spcFirstLastPara="0" vert="horz" wrap="square" lIns="118110" tIns="118110" rIns="118110" bIns="118110" numCol="1" spcCol="1270" anchor="ctr" anchorCtr="0">
-          <a:noAutofit/>
-        </a:bodyPr>
-        <a:lstStyle/>
-        <a:p>
-          <a:pPr marL="0" lvl="0" indent="0" algn="l" defTabSz="1377950">
-            <a:lnSpc>
-              <a:spcPct val="90000"/>
-            </a:lnSpc>
-            <a:spcBef>
-              <a:spcPct val="0"/>
-            </a:spcBef>
-            <a:spcAft>
-              <a:spcPct val="35000"/>
-            </a:spcAft>
-            <a:buNone/>
-          </a:pPr>
-          <a:r>
-            <a:rPr lang="en-US" sz="3100" kern="1200" dirty="0"/>
+            <a:rPr lang="en-US" sz="6500" kern="1200" dirty="0"/>
             <a:t>Strategy</a:t>
           </a:r>
         </a:p>
       </dsp:txBody>
       <dsp:txXfrm>
-        <a:off x="38952" y="1476185"/>
-        <a:ext cx="3666512" cy="720036"/>
-      </dsp:txXfrm>
-    </dsp:sp>
-    <dsp:sp modelId="{58311629-E84A-4326-9A41-92BAA85CE2ED}">
-      <dsp:nvSpPr>
-        <dsp:cNvPr id="0" name=""/>
-        <dsp:cNvSpPr/>
-      </dsp:nvSpPr>
-      <dsp:spPr>
-        <a:xfrm>
-          <a:off x="0" y="2324454"/>
-          <a:ext cx="3744416" cy="797940"/>
-        </a:xfrm>
-        <a:prstGeom prst="roundRect">
-          <a:avLst/>
-        </a:prstGeom>
-        <a:solidFill>
-          <a:schemeClr val="accent1">
-            <a:hueOff val="0"/>
-            <a:satOff val="0"/>
-            <a:lumOff val="0"/>
-            <a:alphaOff val="0"/>
-          </a:schemeClr>
-        </a:solidFill>
-        <a:ln w="25400" cap="flat" cmpd="sng" algn="ctr">
-          <a:solidFill>
-            <a:schemeClr val="lt1">
-              <a:hueOff val="0"/>
-              <a:satOff val="0"/>
-              <a:lumOff val="0"/>
-              <a:alphaOff val="0"/>
-            </a:schemeClr>
-          </a:solidFill>
-          <a:prstDash val="solid"/>
-        </a:ln>
-        <a:effectLst/>
-      </dsp:spPr>
-      <dsp:style>
-        <a:lnRef idx="2">
-          <a:scrgbClr r="0" g="0" b="0"/>
-        </a:lnRef>
-        <a:fillRef idx="1">
-          <a:scrgbClr r="0" g="0" b="0"/>
-        </a:fillRef>
-        <a:effectRef idx="0">
-          <a:scrgbClr r="0" g="0" b="0"/>
-        </a:effectRef>
-        <a:fontRef idx="minor">
-          <a:schemeClr val="lt1"/>
-        </a:fontRef>
-      </dsp:style>
-      <dsp:txBody>
-        <a:bodyPr spcFirstLastPara="0" vert="horz" wrap="square" lIns="118110" tIns="118110" rIns="118110" bIns="118110" numCol="1" spcCol="1270" anchor="ctr" anchorCtr="0">
-          <a:noAutofit/>
-        </a:bodyPr>
-        <a:lstStyle/>
-        <a:p>
-          <a:pPr marL="0" lvl="0" indent="0" algn="l" defTabSz="1377950">
-            <a:lnSpc>
-              <a:spcPct val="90000"/>
-            </a:lnSpc>
-            <a:spcBef>
-              <a:spcPct val="0"/>
-            </a:spcBef>
-            <a:spcAft>
-              <a:spcPct val="35000"/>
-            </a:spcAft>
-            <a:buNone/>
-          </a:pPr>
-          <a:r>
-            <a:rPr lang="en-US" sz="3100" kern="1200" dirty="0"/>
-            <a:t>Concrete Strategy</a:t>
-          </a:r>
-        </a:p>
-      </dsp:txBody>
-      <dsp:txXfrm>
-        <a:off x="38952" y="2363406"/>
-        <a:ext cx="3666512" cy="720036"/>
+        <a:off x="81674" y="2731557"/>
+        <a:ext cx="5165243" cy="1509752"/>
       </dsp:txXfrm>
     </dsp:sp>
   </dsp:spTree>
@@ -9793,177 +9920,6 @@
 </file>
 
 <file path=ppt/diagrams/drawing4.xml><?xml version="1.0" encoding="utf-8"?>
-<dsp:drawing xmlns:dgm="http://schemas.openxmlformats.org/drawingml/2006/diagram" xmlns:dsp="http://schemas.microsoft.com/office/drawing/2008/diagram" xmlns:a="http://schemas.openxmlformats.org/drawingml/2006/main">
-  <dsp:spTree>
-    <dsp:nvGrpSpPr>
-      <dsp:cNvPr id="0" name=""/>
-      <dsp:cNvGrpSpPr/>
-    </dsp:nvGrpSpPr>
-    <dsp:grpSpPr/>
-    <dsp:sp modelId="{F8A1933A-B491-4214-BEAB-8FBF738DEE40}">
-      <dsp:nvSpPr>
-        <dsp:cNvPr id="0" name=""/>
-        <dsp:cNvSpPr/>
-      </dsp:nvSpPr>
-      <dsp:spPr>
-        <a:xfrm>
-          <a:off x="0" y="538618"/>
-          <a:ext cx="7098595" cy="1518659"/>
-        </a:xfrm>
-        <a:prstGeom prst="roundRect">
-          <a:avLst/>
-        </a:prstGeom>
-        <a:solidFill>
-          <a:schemeClr val="accent1">
-            <a:hueOff val="0"/>
-            <a:satOff val="0"/>
-            <a:lumOff val="0"/>
-            <a:alphaOff val="0"/>
-          </a:schemeClr>
-        </a:solidFill>
-        <a:ln w="25400" cap="flat" cmpd="sng" algn="ctr">
-          <a:solidFill>
-            <a:schemeClr val="lt1">
-              <a:hueOff val="0"/>
-              <a:satOff val="0"/>
-              <a:lumOff val="0"/>
-              <a:alphaOff val="0"/>
-            </a:schemeClr>
-          </a:solidFill>
-          <a:prstDash val="solid"/>
-        </a:ln>
-        <a:effectLst/>
-      </dsp:spPr>
-      <dsp:style>
-        <a:lnRef idx="2">
-          <a:scrgbClr r="0" g="0" b="0"/>
-        </a:lnRef>
-        <a:fillRef idx="1">
-          <a:scrgbClr r="0" g="0" b="0"/>
-        </a:fillRef>
-        <a:effectRef idx="0">
-          <a:scrgbClr r="0" g="0" b="0"/>
-        </a:effectRef>
-        <a:fontRef idx="minor">
-          <a:schemeClr val="lt1"/>
-        </a:fontRef>
-      </dsp:style>
-      <dsp:txBody>
-        <a:bodyPr spcFirstLastPara="0" vert="horz" wrap="square" lIns="224790" tIns="224790" rIns="224790" bIns="224790" numCol="1" spcCol="1270" anchor="ctr" anchorCtr="0">
-          <a:noAutofit/>
-        </a:bodyPr>
-        <a:lstStyle/>
-        <a:p>
-          <a:pPr marL="0" lvl="0" indent="0" algn="l" defTabSz="2622550">
-            <a:lnSpc>
-              <a:spcPct val="90000"/>
-            </a:lnSpc>
-            <a:spcBef>
-              <a:spcPct val="0"/>
-            </a:spcBef>
-            <a:spcAft>
-              <a:spcPct val="35000"/>
-            </a:spcAft>
-            <a:buNone/>
-          </a:pPr>
-          <a:r>
-            <a:rPr lang="en-US" sz="5900" kern="1200" dirty="0"/>
-            <a:t>Iterator</a:t>
-          </a:r>
-        </a:p>
-      </dsp:txBody>
-      <dsp:txXfrm>
-        <a:off x="74135" y="612753"/>
-        <a:ext cx="6950325" cy="1370389"/>
-      </dsp:txXfrm>
-    </dsp:sp>
-    <dsp:sp modelId="{58311629-E84A-4326-9A41-92BAA85CE2ED}">
-      <dsp:nvSpPr>
-        <dsp:cNvPr id="0" name=""/>
-        <dsp:cNvSpPr/>
-      </dsp:nvSpPr>
-      <dsp:spPr>
-        <a:xfrm>
-          <a:off x="0" y="2227198"/>
-          <a:ext cx="7098595" cy="1518659"/>
-        </a:xfrm>
-        <a:prstGeom prst="roundRect">
-          <a:avLst/>
-        </a:prstGeom>
-        <a:solidFill>
-          <a:schemeClr val="accent1">
-            <a:hueOff val="0"/>
-            <a:satOff val="0"/>
-            <a:lumOff val="0"/>
-            <a:alphaOff val="0"/>
-          </a:schemeClr>
-        </a:solidFill>
-        <a:ln w="25400" cap="flat" cmpd="sng" algn="ctr">
-          <a:solidFill>
-            <a:schemeClr val="lt1">
-              <a:hueOff val="0"/>
-              <a:satOff val="0"/>
-              <a:lumOff val="0"/>
-              <a:alphaOff val="0"/>
-            </a:schemeClr>
-          </a:solidFill>
-          <a:prstDash val="solid"/>
-        </a:ln>
-        <a:effectLst/>
-      </dsp:spPr>
-      <dsp:style>
-        <a:lnRef idx="2">
-          <a:scrgbClr r="0" g="0" b="0"/>
-        </a:lnRef>
-        <a:fillRef idx="1">
-          <a:scrgbClr r="0" g="0" b="0"/>
-        </a:fillRef>
-        <a:effectRef idx="0">
-          <a:scrgbClr r="0" g="0" b="0"/>
-        </a:effectRef>
-        <a:fontRef idx="minor">
-          <a:schemeClr val="lt1"/>
-        </a:fontRef>
-      </dsp:style>
-      <dsp:txBody>
-        <a:bodyPr spcFirstLastPara="0" vert="horz" wrap="square" lIns="224790" tIns="224790" rIns="224790" bIns="224790" numCol="1" spcCol="1270" anchor="ctr" anchorCtr="0">
-          <a:noAutofit/>
-        </a:bodyPr>
-        <a:lstStyle/>
-        <a:p>
-          <a:pPr marL="0" lvl="0" indent="0" algn="l" defTabSz="2622550">
-            <a:lnSpc>
-              <a:spcPct val="90000"/>
-            </a:lnSpc>
-            <a:spcBef>
-              <a:spcPct val="0"/>
-            </a:spcBef>
-            <a:spcAft>
-              <a:spcPct val="35000"/>
-            </a:spcAft>
-            <a:buNone/>
-          </a:pPr>
-          <a:r>
-            <a:rPr lang="en-US" sz="5900" kern="1200" dirty="0"/>
-            <a:t>Concrete Iterator</a:t>
-          </a:r>
-          <a:r>
-            <a:rPr lang="en-US" altLang="zh-CN" sz="5900" kern="1200" dirty="0"/>
-            <a:t>s</a:t>
-          </a:r>
-          <a:endParaRPr lang="en-US" sz="5900" kern="1200" dirty="0"/>
-        </a:p>
-      </dsp:txBody>
-      <dsp:txXfrm>
-        <a:off x="74135" y="2301333"/>
-        <a:ext cx="6950325" cy="1370389"/>
-      </dsp:txXfrm>
-    </dsp:sp>
-  </dsp:spTree>
-</dsp:drawing>
-</file>
-
-<file path=ppt/diagrams/drawing5.xml><?xml version="1.0" encoding="utf-8"?>
 <dsp:drawing xmlns:dgm="http://schemas.openxmlformats.org/drawingml/2006/diagram" xmlns:dsp="http://schemas.microsoft.com/office/drawing/2008/diagram" xmlns:a="http://schemas.openxmlformats.org/drawingml/2006/main">
   <dsp:spTree>
     <dsp:nvGrpSpPr>
@@ -10288,6 +10244,177 @@
       <dsp:txXfrm>
         <a:off x="47748" y="3332265"/>
         <a:ext cx="5305102" cy="882624"/>
+      </dsp:txXfrm>
+    </dsp:sp>
+  </dsp:spTree>
+</dsp:drawing>
+</file>
+
+<file path=ppt/diagrams/drawing5.xml><?xml version="1.0" encoding="utf-8"?>
+<dsp:drawing xmlns:dgm="http://schemas.openxmlformats.org/drawingml/2006/diagram" xmlns:dsp="http://schemas.microsoft.com/office/drawing/2008/diagram" xmlns:a="http://schemas.openxmlformats.org/drawingml/2006/main">
+  <dsp:spTree>
+    <dsp:nvGrpSpPr>
+      <dsp:cNvPr id="0" name=""/>
+      <dsp:cNvGrpSpPr/>
+    </dsp:nvGrpSpPr>
+    <dsp:grpSpPr/>
+    <dsp:sp modelId="{F8A1933A-B491-4214-BEAB-8FBF738DEE40}">
+      <dsp:nvSpPr>
+        <dsp:cNvPr id="0" name=""/>
+        <dsp:cNvSpPr/>
+      </dsp:nvSpPr>
+      <dsp:spPr>
+        <a:xfrm>
+          <a:off x="0" y="538618"/>
+          <a:ext cx="7098595" cy="1518659"/>
+        </a:xfrm>
+        <a:prstGeom prst="roundRect">
+          <a:avLst/>
+        </a:prstGeom>
+        <a:solidFill>
+          <a:schemeClr val="accent1">
+            <a:hueOff val="0"/>
+            <a:satOff val="0"/>
+            <a:lumOff val="0"/>
+            <a:alphaOff val="0"/>
+          </a:schemeClr>
+        </a:solidFill>
+        <a:ln w="25400" cap="flat" cmpd="sng" algn="ctr">
+          <a:solidFill>
+            <a:schemeClr val="lt1">
+              <a:hueOff val="0"/>
+              <a:satOff val="0"/>
+              <a:lumOff val="0"/>
+              <a:alphaOff val="0"/>
+            </a:schemeClr>
+          </a:solidFill>
+          <a:prstDash val="solid"/>
+        </a:ln>
+        <a:effectLst/>
+      </dsp:spPr>
+      <dsp:style>
+        <a:lnRef idx="2">
+          <a:scrgbClr r="0" g="0" b="0"/>
+        </a:lnRef>
+        <a:fillRef idx="1">
+          <a:scrgbClr r="0" g="0" b="0"/>
+        </a:fillRef>
+        <a:effectRef idx="0">
+          <a:scrgbClr r="0" g="0" b="0"/>
+        </a:effectRef>
+        <a:fontRef idx="minor">
+          <a:schemeClr val="lt1"/>
+        </a:fontRef>
+      </dsp:style>
+      <dsp:txBody>
+        <a:bodyPr spcFirstLastPara="0" vert="horz" wrap="square" lIns="224790" tIns="224790" rIns="224790" bIns="224790" numCol="1" spcCol="1270" anchor="ctr" anchorCtr="0">
+          <a:noAutofit/>
+        </a:bodyPr>
+        <a:lstStyle/>
+        <a:p>
+          <a:pPr marL="0" lvl="0" indent="0" algn="l" defTabSz="2622550">
+            <a:lnSpc>
+              <a:spcPct val="90000"/>
+            </a:lnSpc>
+            <a:spcBef>
+              <a:spcPct val="0"/>
+            </a:spcBef>
+            <a:spcAft>
+              <a:spcPct val="35000"/>
+            </a:spcAft>
+            <a:buNone/>
+          </a:pPr>
+          <a:r>
+            <a:rPr lang="en-US" sz="5900" kern="1200" dirty="0"/>
+            <a:t>Iterator</a:t>
+          </a:r>
+        </a:p>
+      </dsp:txBody>
+      <dsp:txXfrm>
+        <a:off x="74135" y="612753"/>
+        <a:ext cx="6950325" cy="1370389"/>
+      </dsp:txXfrm>
+    </dsp:sp>
+    <dsp:sp modelId="{58311629-E84A-4326-9A41-92BAA85CE2ED}">
+      <dsp:nvSpPr>
+        <dsp:cNvPr id="0" name=""/>
+        <dsp:cNvSpPr/>
+      </dsp:nvSpPr>
+      <dsp:spPr>
+        <a:xfrm>
+          <a:off x="0" y="2227198"/>
+          <a:ext cx="7098595" cy="1518659"/>
+        </a:xfrm>
+        <a:prstGeom prst="roundRect">
+          <a:avLst/>
+        </a:prstGeom>
+        <a:solidFill>
+          <a:schemeClr val="accent1">
+            <a:hueOff val="0"/>
+            <a:satOff val="0"/>
+            <a:lumOff val="0"/>
+            <a:alphaOff val="0"/>
+          </a:schemeClr>
+        </a:solidFill>
+        <a:ln w="25400" cap="flat" cmpd="sng" algn="ctr">
+          <a:solidFill>
+            <a:schemeClr val="lt1">
+              <a:hueOff val="0"/>
+              <a:satOff val="0"/>
+              <a:lumOff val="0"/>
+              <a:alphaOff val="0"/>
+            </a:schemeClr>
+          </a:solidFill>
+          <a:prstDash val="solid"/>
+        </a:ln>
+        <a:effectLst/>
+      </dsp:spPr>
+      <dsp:style>
+        <a:lnRef idx="2">
+          <a:scrgbClr r="0" g="0" b="0"/>
+        </a:lnRef>
+        <a:fillRef idx="1">
+          <a:scrgbClr r="0" g="0" b="0"/>
+        </a:fillRef>
+        <a:effectRef idx="0">
+          <a:scrgbClr r="0" g="0" b="0"/>
+        </a:effectRef>
+        <a:fontRef idx="minor">
+          <a:schemeClr val="lt1"/>
+        </a:fontRef>
+      </dsp:style>
+      <dsp:txBody>
+        <a:bodyPr spcFirstLastPara="0" vert="horz" wrap="square" lIns="224790" tIns="224790" rIns="224790" bIns="224790" numCol="1" spcCol="1270" anchor="ctr" anchorCtr="0">
+          <a:noAutofit/>
+        </a:bodyPr>
+        <a:lstStyle/>
+        <a:p>
+          <a:pPr marL="0" lvl="0" indent="0" algn="l" defTabSz="2622550">
+            <a:lnSpc>
+              <a:spcPct val="90000"/>
+            </a:lnSpc>
+            <a:spcBef>
+              <a:spcPct val="0"/>
+            </a:spcBef>
+            <a:spcAft>
+              <a:spcPct val="35000"/>
+            </a:spcAft>
+            <a:buNone/>
+          </a:pPr>
+          <a:r>
+            <a:rPr lang="en-US" sz="5900" kern="1200" dirty="0"/>
+            <a:t>Concrete Iterator</a:t>
+          </a:r>
+          <a:r>
+            <a:rPr lang="en-US" altLang="zh-CN" sz="5900" kern="1200" dirty="0"/>
+            <a:t>s</a:t>
+          </a:r>
+          <a:endParaRPr lang="en-US" sz="5900" kern="1200" dirty="0"/>
+        </a:p>
+      </dsp:txBody>
+      <dsp:txXfrm>
+        <a:off x="74135" y="2301333"/>
+        <a:ext cx="6950325" cy="1370389"/>
       </dsp:txXfrm>
     </dsp:sp>
   </dsp:spTree>
@@ -19258,7 +19385,7 @@
           <a:p>
             <a:fld id="{E8CEC373-A826-4098-8F48-885ABC80A766}" type="datetimeFigureOut">
               <a:rPr lang="en-US" smtClean="0"/>
-              <a:t>23-Sep-2023</a:t>
+              <a:t>25-Sep-2023</a:t>
             </a:fld>
             <a:endParaRPr lang="en-US"/>
           </a:p>
@@ -19435,7 +19562,7 @@
           <a:p>
             <a:fld id="{0AEB8794-329A-4824-BA43-DD9279C18EEC}" type="datetimeFigureOut">
               <a:rPr lang="en-AU" smtClean="0"/>
-              <a:t>23/09/2023</a:t>
+              <a:t>25/09/2023</a:t>
             </a:fld>
             <a:endParaRPr lang="en-AU"/>
           </a:p>
@@ -19831,6 +19958,156 @@
           <a:bodyPr/>
           <a:lstStyle/>
           <a:p>
+            <a:r>
+              <a:rPr lang="zh-CN" altLang="en-US" dirty="0"/>
+              <a:t>策略模式的优点：</a:t>
+            </a:r>
+            <a:endParaRPr lang="zh-CN" altLang="en-US" b="0" i="0" dirty="0">
+              <a:solidFill>
+                <a:srgbClr val="444444"/>
+              </a:solidFill>
+              <a:effectLst/>
+              <a:latin typeface="PT Sans" panose="020B0503020203020204" pitchFamily="34" charset="0"/>
+            </a:endParaRPr>
+          </a:p>
+          <a:p>
+            <a:pPr algn="l">
+              <a:buFont typeface="Arial" panose="020B0604020202020204" pitchFamily="34" charset="0"/>
+              <a:buChar char="•"/>
+            </a:pPr>
+            <a:r>
+              <a:rPr lang="zh-CN" altLang="en-US" b="0" i="0" dirty="0">
+                <a:solidFill>
+                  <a:srgbClr val="444444"/>
+                </a:solidFill>
+                <a:effectLst/>
+                <a:latin typeface="PT Sans" panose="020B0503020203020204" pitchFamily="34" charset="0"/>
+              </a:rPr>
+              <a:t> </a:t>
+            </a:r>
+            <a:r>
+              <a:rPr lang="zh-CN" altLang="en-US" dirty="0"/>
+              <a:t>灵活性：策略模式允许在运行时选择不同的算法或策略，使得系统更加灵活，能够根据不同的需求进行动态切换</a:t>
+            </a:r>
+          </a:p>
+          <a:p>
+            <a:pPr algn="l">
+              <a:buFont typeface="Arial" panose="020B0604020202020204" pitchFamily="34" charset="0"/>
+              <a:buChar char="•"/>
+            </a:pPr>
+            <a:r>
+              <a:rPr lang="zh-CN" altLang="en-US" b="0" i="0" dirty="0">
+                <a:solidFill>
+                  <a:srgbClr val="444444"/>
+                </a:solidFill>
+                <a:effectLst/>
+                <a:latin typeface="PT Sans" panose="020B0503020203020204" pitchFamily="34" charset="0"/>
+              </a:rPr>
+              <a:t> 可以将策略实现的详细信息与使用它的代码隔离开来，</a:t>
+            </a:r>
+            <a:r>
+              <a:rPr lang="zh-CN" altLang="en-US" dirty="0"/>
+              <a:t>使得代码更加清晰、易于理解和维护</a:t>
+            </a:r>
+            <a:endParaRPr lang="zh-CN" altLang="en-US" b="0" i="0" dirty="0">
+              <a:solidFill>
+                <a:srgbClr val="444444"/>
+              </a:solidFill>
+              <a:effectLst/>
+              <a:latin typeface="PT Sans" panose="020B0503020203020204" pitchFamily="34" charset="0"/>
+            </a:endParaRPr>
+          </a:p>
+          <a:p>
+            <a:pPr algn="l">
+              <a:buFont typeface="Arial" panose="020B0604020202020204" pitchFamily="34" charset="0"/>
+              <a:buChar char="•"/>
+            </a:pPr>
+            <a:r>
+              <a:rPr lang="zh-CN" altLang="en-US" b="0" i="0" dirty="0">
+                <a:solidFill>
+                  <a:srgbClr val="444444"/>
+                </a:solidFill>
+                <a:effectLst/>
+                <a:latin typeface="PT Sans" panose="020B0503020203020204" pitchFamily="34" charset="0"/>
+              </a:rPr>
+              <a:t> </a:t>
+            </a:r>
+            <a:r>
+              <a:rPr lang="zh-CN" altLang="en-US" sz="3200" b="0" i="0" kern="1200" dirty="0">
+                <a:solidFill>
+                  <a:srgbClr val="444444"/>
+                </a:solidFill>
+                <a:effectLst/>
+                <a:latin typeface="PT Sans" panose="020B0503020203020204" pitchFamily="34" charset="0"/>
+                <a:ea typeface="+mn-ea"/>
+                <a:cs typeface="+mn-cs"/>
+              </a:rPr>
+              <a:t>开</a:t>
+            </a:r>
+            <a:r>
+              <a:rPr lang="en-US" altLang="zh-CN" sz="3200" b="0" i="0" kern="1200" dirty="0">
+                <a:solidFill>
+                  <a:srgbClr val="444444"/>
+                </a:solidFill>
+                <a:effectLst/>
+                <a:latin typeface="PT Sans" panose="020B0503020203020204" pitchFamily="34" charset="0"/>
+                <a:ea typeface="+mn-ea"/>
+                <a:cs typeface="+mn-cs"/>
+              </a:rPr>
+              <a:t>/</a:t>
+            </a:r>
+            <a:r>
+              <a:rPr lang="zh-CN" altLang="en-US" sz="3200" b="0" i="0" kern="1200" dirty="0">
+                <a:solidFill>
+                  <a:srgbClr val="444444"/>
+                </a:solidFill>
+                <a:effectLst/>
+                <a:latin typeface="PT Sans" panose="020B0503020203020204" pitchFamily="34" charset="0"/>
+                <a:ea typeface="+mn-ea"/>
+                <a:cs typeface="+mn-cs"/>
+              </a:rPr>
+              <a:t>闭原则。您可以</a:t>
+            </a:r>
+            <a:r>
+              <a:rPr lang="zh-CN" altLang="en-US" dirty="0"/>
+              <a:t>通过添加新的策略类，很容易地扩展系统的功能，而无需修改现有的代码</a:t>
+            </a:r>
+          </a:p>
+          <a:p>
+            <a:endParaRPr lang="zh-CN" altLang="en-US" dirty="0"/>
+          </a:p>
+          <a:p>
+            <a:r>
+              <a:rPr lang="zh-CN" altLang="en-US" dirty="0"/>
+              <a:t>策略模式的缺点：</a:t>
+            </a:r>
+            <a:endParaRPr lang="zh-CN" altLang="en-US" b="0" i="0" dirty="0">
+              <a:solidFill>
+                <a:srgbClr val="444444"/>
+              </a:solidFill>
+              <a:effectLst/>
+              <a:latin typeface="PT Sans" panose="020B0503020203020204" pitchFamily="34" charset="0"/>
+            </a:endParaRPr>
+          </a:p>
+          <a:p>
+            <a:pPr algn="l">
+              <a:buFont typeface="Arial" panose="020B0604020202020204" pitchFamily="34" charset="0"/>
+              <a:buChar char="•"/>
+            </a:pPr>
+            <a:r>
+              <a:rPr lang="zh-CN" altLang="en-US" b="0" i="0" dirty="0">
+                <a:solidFill>
+                  <a:srgbClr val="444444"/>
+                </a:solidFill>
+                <a:effectLst/>
+                <a:latin typeface="PT Sans" panose="020B0503020203020204" pitchFamily="34" charset="0"/>
+              </a:rPr>
+              <a:t> </a:t>
+            </a:r>
+            <a:r>
+              <a:rPr lang="zh-CN" altLang="en-US" dirty="0"/>
+              <a:t>客户端必须了解不同的策略：客户端需要明确了解不同的策略类，并选择合适的策略进行使用，增加了客户端的复杂性。</a:t>
+            </a:r>
             <a:endParaRPr lang="en-US" dirty="0"/>
           </a:p>
         </p:txBody>
@@ -19861,7 +20138,7 @@
     </p:spTree>
     <p:extLst>
       <p:ext uri="{BB962C8B-B14F-4D97-AF65-F5344CB8AC3E}">
-        <p14:creationId xmlns:p14="http://schemas.microsoft.com/office/powerpoint/2010/main" val="436957066"/>
+        <p14:creationId xmlns:p14="http://schemas.microsoft.com/office/powerpoint/2010/main" val="2417297133"/>
       </p:ext>
     </p:extLst>
   </p:cSld>
@@ -19915,6 +20192,311 @@
           <a:bodyPr/>
           <a:lstStyle/>
           <a:p>
+            <a:r>
+              <a:rPr lang="zh-CN" altLang="en-US" b="0" i="0" dirty="0">
+                <a:solidFill>
+                  <a:srgbClr val="FFFFFF"/>
+                </a:solidFill>
+                <a:effectLst/>
+                <a:latin typeface="-apple-system"/>
+              </a:rPr>
+              <a:t>它定义了一个操作中的骨架，将某些步骤延迟到子类中实现。</a:t>
+            </a:r>
+            <a:endParaRPr lang="en-US" altLang="zh-CN" b="0" i="0" dirty="0">
+              <a:solidFill>
+                <a:srgbClr val="FFFFFF"/>
+              </a:solidFill>
+              <a:effectLst/>
+              <a:latin typeface="-apple-system"/>
+            </a:endParaRPr>
+          </a:p>
+          <a:p>
+            <a:r>
+              <a:rPr lang="zh-CN" altLang="en-US" b="0" i="0" dirty="0">
+                <a:solidFill>
+                  <a:srgbClr val="FFFFFF"/>
+                </a:solidFill>
+                <a:effectLst/>
+                <a:latin typeface="-apple-system"/>
+              </a:rPr>
+              <a:t>模板方法模式的核心思想是将算法的通用部分抽象出来，放在一个父类中作为模板方法，并将特定的实现细节延迟到子类中。</a:t>
+            </a:r>
+            <a:endParaRPr lang="en-US" altLang="zh-CN" b="0" i="0" dirty="0">
+              <a:solidFill>
+                <a:srgbClr val="FFFFFF"/>
+              </a:solidFill>
+              <a:effectLst/>
+              <a:latin typeface="-apple-system"/>
+            </a:endParaRPr>
+          </a:p>
+          <a:p>
+            <a:endParaRPr lang="en-US" altLang="zh-CN" b="0" i="0" dirty="0">
+              <a:solidFill>
+                <a:srgbClr val="FFFFFF"/>
+              </a:solidFill>
+              <a:effectLst/>
+              <a:latin typeface="-apple-system"/>
+            </a:endParaRPr>
+          </a:p>
+          <a:p>
+            <a:r>
+              <a:rPr lang="zh-CN" altLang="en-US" b="0" i="0" dirty="0">
+                <a:solidFill>
+                  <a:srgbClr val="FFFFFF"/>
+                </a:solidFill>
+                <a:effectLst/>
+                <a:latin typeface="-apple-system"/>
+              </a:rPr>
+              <a:t>这样做的好处是可以在不改变算法结构的情况下，通过子类的不同实现来达到不同的行为结果。</a:t>
+            </a:r>
+            <a:endParaRPr lang="en-US" altLang="zh-CN" b="0" i="0" dirty="0">
+              <a:solidFill>
+                <a:srgbClr val="FFFFFF"/>
+              </a:solidFill>
+              <a:effectLst/>
+              <a:latin typeface="-apple-system"/>
+            </a:endParaRPr>
+          </a:p>
+          <a:p>
+            <a:endParaRPr lang="en-US" altLang="zh-CN" b="0" i="0" dirty="0">
+              <a:solidFill>
+                <a:srgbClr val="FFFFFF"/>
+              </a:solidFill>
+              <a:effectLst/>
+              <a:latin typeface="-apple-system"/>
+            </a:endParaRPr>
+          </a:p>
+          <a:p>
+            <a:endParaRPr lang="en-US" altLang="zh-CN" b="0" i="0" dirty="0">
+              <a:solidFill>
+                <a:srgbClr val="FFFFFF"/>
+              </a:solidFill>
+              <a:effectLst/>
+              <a:latin typeface="-apple-system"/>
+            </a:endParaRPr>
+          </a:p>
+          <a:p>
+            <a:r>
+              <a:rPr lang="zh-CN" altLang="en-US" b="0" i="0" dirty="0">
+                <a:solidFill>
+                  <a:srgbClr val="FFFFFF"/>
+                </a:solidFill>
+                <a:effectLst/>
+                <a:latin typeface="-apple-system"/>
+              </a:rPr>
+              <a:t>以下是模板方法模式的一般结构：</a:t>
+            </a:r>
+            <a:endParaRPr lang="en-US" b="0" i="0" dirty="0">
+              <a:solidFill>
+                <a:srgbClr val="FFFFFF"/>
+              </a:solidFill>
+              <a:effectLst/>
+              <a:latin typeface="-apple-system"/>
+            </a:endParaRPr>
+          </a:p>
+          <a:p>
+            <a:pPr algn="l">
+              <a:buFont typeface="+mj-lt"/>
+              <a:buAutoNum type="arabicPeriod"/>
+            </a:pPr>
+            <a:r>
+              <a:rPr lang="zh-CN" altLang="en-US" b="0" i="0" dirty="0">
+                <a:solidFill>
+                  <a:srgbClr val="FFFFFF"/>
+                </a:solidFill>
+                <a:effectLst/>
+                <a:latin typeface="-apple-system"/>
+              </a:rPr>
+              <a:t>抽象类（</a:t>
+            </a:r>
+            <a:r>
+              <a:rPr lang="en-US" altLang="zh-CN" b="0" i="0" dirty="0">
+                <a:solidFill>
+                  <a:srgbClr val="FFFFFF"/>
+                </a:solidFill>
+                <a:effectLst/>
+                <a:latin typeface="-apple-system"/>
+              </a:rPr>
+              <a:t>Abstract Class</a:t>
+            </a:r>
+            <a:r>
+              <a:rPr lang="zh-CN" altLang="en-US" b="0" i="0" dirty="0">
+                <a:solidFill>
+                  <a:srgbClr val="FFFFFF"/>
+                </a:solidFill>
+                <a:effectLst/>
+                <a:latin typeface="-apple-system"/>
+              </a:rPr>
+              <a:t>）：定义模板方法和抽象方法，模板方法定义了算法的骨架，抽象方法由子类实现。</a:t>
+            </a:r>
+          </a:p>
+          <a:p>
+            <a:pPr algn="l">
+              <a:buFont typeface="+mj-lt"/>
+              <a:buAutoNum type="arabicPeriod"/>
+            </a:pPr>
+            <a:r>
+              <a:rPr lang="zh-CN" altLang="en-US" b="0" i="0" dirty="0">
+                <a:solidFill>
+                  <a:srgbClr val="FFFFFF"/>
+                </a:solidFill>
+                <a:effectLst/>
+                <a:latin typeface="-apple-system"/>
+              </a:rPr>
+              <a:t>具体类（</a:t>
+            </a:r>
+            <a:r>
+              <a:rPr lang="en-US" altLang="zh-CN" b="0" i="0" dirty="0">
+                <a:solidFill>
+                  <a:srgbClr val="FFFFFF"/>
+                </a:solidFill>
+                <a:effectLst/>
+                <a:latin typeface="-apple-system"/>
+              </a:rPr>
+              <a:t>Concrete Class</a:t>
+            </a:r>
+            <a:r>
+              <a:rPr lang="zh-CN" altLang="en-US" b="0" i="0" dirty="0">
+                <a:solidFill>
+                  <a:srgbClr val="FFFFFF"/>
+                </a:solidFill>
+                <a:effectLst/>
+                <a:latin typeface="-apple-system"/>
+              </a:rPr>
+              <a:t>）：继承抽象类，实现抽象方法，完成算法中具体的实现细节。</a:t>
+            </a:r>
+            <a:endParaRPr lang="en-US" altLang="zh-CN" b="0" i="0" dirty="0">
+              <a:solidFill>
+                <a:srgbClr val="FFFFFF"/>
+              </a:solidFill>
+              <a:effectLst/>
+              <a:latin typeface="-apple-system"/>
+            </a:endParaRPr>
+          </a:p>
+          <a:p>
+            <a:pPr algn="l">
+              <a:buFont typeface="+mj-lt"/>
+              <a:buNone/>
+            </a:pPr>
+            <a:endParaRPr lang="en-US" altLang="zh-CN" b="0" i="0" dirty="0">
+              <a:solidFill>
+                <a:srgbClr val="FFFFFF"/>
+              </a:solidFill>
+              <a:effectLst/>
+              <a:latin typeface="-apple-system"/>
+            </a:endParaRPr>
+          </a:p>
+          <a:p>
+            <a:pPr algn="l"/>
+            <a:r>
+              <a:rPr lang="zh-CN" altLang="en-US" b="0" i="0" dirty="0">
+                <a:solidFill>
+                  <a:srgbClr val="FFFFFF"/>
+                </a:solidFill>
+                <a:effectLst/>
+                <a:latin typeface="-apple-system"/>
+              </a:rPr>
+              <a:t>模板方法模式的工作流程如下：</a:t>
+            </a:r>
+          </a:p>
+          <a:p>
+            <a:pPr algn="l">
+              <a:buFont typeface="+mj-lt"/>
+              <a:buAutoNum type="arabicPeriod"/>
+            </a:pPr>
+            <a:r>
+              <a:rPr lang="zh-CN" altLang="en-US" b="0" i="0" dirty="0">
+                <a:solidFill>
+                  <a:srgbClr val="FFFFFF"/>
+                </a:solidFill>
+                <a:effectLst/>
+                <a:latin typeface="-apple-system"/>
+              </a:rPr>
+              <a:t>定义一个抽象类，其中包含一个模板方法（</a:t>
+            </a:r>
+            <a:r>
+              <a:rPr lang="en-US" altLang="zh-CN" b="0" i="0" dirty="0">
+                <a:solidFill>
+                  <a:srgbClr val="FFFFFF"/>
+                </a:solidFill>
+                <a:effectLst/>
+                <a:latin typeface="-apple-system"/>
+              </a:rPr>
+              <a:t>Template Method</a:t>
+            </a:r>
+            <a:r>
+              <a:rPr lang="zh-CN" altLang="en-US" b="0" i="0" dirty="0">
+                <a:solidFill>
+                  <a:srgbClr val="FFFFFF"/>
+                </a:solidFill>
+                <a:effectLst/>
+                <a:latin typeface="-apple-system"/>
+              </a:rPr>
+              <a:t>），该方法定义了算法的骨架，包括一些基本的步骤，这些步骤可以是具体的实现或者是抽象方法。</a:t>
+            </a:r>
+          </a:p>
+          <a:p>
+            <a:pPr algn="l">
+              <a:buFont typeface="+mj-lt"/>
+              <a:buAutoNum type="arabicPeriod"/>
+            </a:pPr>
+            <a:r>
+              <a:rPr lang="zh-CN" altLang="en-US" b="0" i="0" dirty="0">
+                <a:solidFill>
+                  <a:srgbClr val="FFFFFF"/>
+                </a:solidFill>
+                <a:effectLst/>
+                <a:latin typeface="-apple-system"/>
+              </a:rPr>
+              <a:t>在抽象类中，可以定义一些公共的方法，这些方法可以被模板方法调用，用于实现算法的某些具体步骤。</a:t>
+            </a:r>
+          </a:p>
+          <a:p>
+            <a:pPr algn="l">
+              <a:buFont typeface="+mj-lt"/>
+              <a:buAutoNum type="arabicPeriod"/>
+            </a:pPr>
+            <a:r>
+              <a:rPr lang="zh-CN" altLang="en-US" b="0" i="0" dirty="0">
+                <a:solidFill>
+                  <a:srgbClr val="FFFFFF"/>
+                </a:solidFill>
+                <a:effectLst/>
+                <a:latin typeface="-apple-system"/>
+              </a:rPr>
+              <a:t>定义一个或多个具体类，继承抽象类，并实现抽象方法，完成算法中具体的实现细节。</a:t>
+            </a:r>
+          </a:p>
+          <a:p>
+            <a:pPr algn="l">
+              <a:buFont typeface="+mj-lt"/>
+              <a:buAutoNum type="arabicPeriod"/>
+            </a:pPr>
+            <a:r>
+              <a:rPr lang="zh-CN" altLang="en-US" b="0" i="0" dirty="0">
+                <a:solidFill>
+                  <a:srgbClr val="FFFFFF"/>
+                </a:solidFill>
+                <a:effectLst/>
+                <a:latin typeface="-apple-system"/>
+              </a:rPr>
+              <a:t>在具体类中，根据需要重写父类的方法，以实现自定义的行为。</a:t>
+            </a:r>
+          </a:p>
+          <a:p>
+            <a:pPr algn="l">
+              <a:buFont typeface="+mj-lt"/>
+              <a:buAutoNum type="arabicPeriod"/>
+            </a:pPr>
+            <a:endParaRPr lang="zh-CN" altLang="en-US" b="0" i="0" dirty="0">
+              <a:solidFill>
+                <a:srgbClr val="FFFFFF"/>
+              </a:solidFill>
+              <a:effectLst/>
+              <a:latin typeface="-apple-system"/>
+            </a:endParaRPr>
+          </a:p>
+          <a:p>
             <a:endParaRPr lang="en-US" dirty="0"/>
           </a:p>
         </p:txBody>
@@ -19945,7 +20527,7 @@
     </p:spTree>
     <p:extLst>
       <p:ext uri="{BB962C8B-B14F-4D97-AF65-F5344CB8AC3E}">
-        <p14:creationId xmlns:p14="http://schemas.microsoft.com/office/powerpoint/2010/main" val="1727905676"/>
+        <p14:creationId xmlns:p14="http://schemas.microsoft.com/office/powerpoint/2010/main" val="484334021"/>
       </p:ext>
     </p:extLst>
   </p:cSld>
@@ -19999,7 +20581,516 @@
           <a:bodyPr/>
           <a:lstStyle/>
           <a:p>
-            <a:endParaRPr lang="en-US" dirty="0"/>
+            <a:pPr algn="l"/>
+            <a:r>
+              <a:rPr lang="zh-CN" altLang="en-US" b="0" i="0" dirty="0">
+                <a:solidFill>
+                  <a:srgbClr val="FFFFFF"/>
+                </a:solidFill>
+                <a:effectLst/>
+                <a:latin typeface="-apple-system"/>
+              </a:rPr>
+              <a:t>优点：</a:t>
+            </a:r>
+          </a:p>
+          <a:p>
+            <a:pPr algn="l">
+              <a:buFont typeface="+mj-lt"/>
+              <a:buAutoNum type="arabicPeriod"/>
+            </a:pPr>
+            <a:r>
+              <a:rPr lang="zh-CN" altLang="en-US" b="0" i="0" dirty="0">
+                <a:solidFill>
+                  <a:srgbClr val="FFFFFF"/>
+                </a:solidFill>
+                <a:effectLst/>
+                <a:latin typeface="-apple-system"/>
+              </a:rPr>
+              <a:t>代码复用 </a:t>
+            </a:r>
+            <a:r>
+              <a:rPr lang="en-US" b="0" i="0" dirty="0">
+                <a:solidFill>
+                  <a:srgbClr val="FFFFFF"/>
+                </a:solidFill>
+                <a:effectLst/>
+                <a:latin typeface="-apple-system"/>
+              </a:rPr>
+              <a:t>Code reuse</a:t>
+            </a:r>
+            <a:endParaRPr lang="en-US" altLang="zh-CN" b="0" i="0" dirty="0">
+              <a:solidFill>
+                <a:srgbClr val="FFFFFF"/>
+              </a:solidFill>
+              <a:effectLst/>
+              <a:latin typeface="-apple-system"/>
+            </a:endParaRPr>
+          </a:p>
+          <a:p>
+            <a:pPr algn="l">
+              <a:buFont typeface="+mj-lt"/>
+              <a:buNone/>
+            </a:pPr>
+            <a:r>
+              <a:rPr lang="zh-CN" altLang="en-US" b="0" i="0" dirty="0">
+                <a:solidFill>
+                  <a:srgbClr val="FFFFFF"/>
+                </a:solidFill>
+                <a:effectLst/>
+                <a:latin typeface="-apple-system"/>
+              </a:rPr>
+              <a:t>模板方法模式可以将算法的骨架代码放在父类中，子类只需要实现具体的细节部分，从而实现代码的复用。这样可以避免重复编写相似的代码，提高了代码的可维护性和可扩展性。</a:t>
+            </a:r>
+            <a:endParaRPr lang="en-US" altLang="zh-CN" b="0" i="0" dirty="0">
+              <a:solidFill>
+                <a:srgbClr val="FFFFFF"/>
+              </a:solidFill>
+              <a:effectLst/>
+              <a:latin typeface="-apple-system"/>
+            </a:endParaRPr>
+          </a:p>
+          <a:p>
+            <a:pPr algn="l">
+              <a:buFont typeface="+mj-lt"/>
+              <a:buNone/>
+            </a:pPr>
+            <a:endParaRPr lang="en-US" altLang="zh-CN" b="0" i="0" dirty="0">
+              <a:solidFill>
+                <a:srgbClr val="FFFFFF"/>
+              </a:solidFill>
+              <a:effectLst/>
+              <a:latin typeface="-apple-system"/>
+            </a:endParaRPr>
+          </a:p>
+          <a:p>
+            <a:pPr algn="l">
+              <a:buFont typeface="+mj-lt"/>
+              <a:buNone/>
+            </a:pPr>
+            <a:r>
+              <a:rPr lang="en-US" altLang="zh-CN" b="0" i="0" dirty="0">
+                <a:solidFill>
+                  <a:srgbClr val="FFFFFF"/>
+                </a:solidFill>
+                <a:effectLst/>
+                <a:latin typeface="-apple-system"/>
+              </a:rPr>
+              <a:t>2.</a:t>
+            </a:r>
+            <a:r>
+              <a:rPr lang="zh-CN" altLang="en-US" b="0" i="0" dirty="0">
+                <a:solidFill>
+                  <a:srgbClr val="FFFFFF"/>
+                </a:solidFill>
+                <a:effectLst/>
+                <a:latin typeface="-apple-system"/>
+              </a:rPr>
+              <a:t> 提高扩展性 </a:t>
+            </a:r>
+            <a:r>
+              <a:rPr lang="en-US" altLang="zh-CN" b="0" i="0" dirty="0">
+                <a:solidFill>
+                  <a:srgbClr val="FFFFFF"/>
+                </a:solidFill>
+                <a:effectLst/>
+                <a:latin typeface="-apple-system"/>
+              </a:rPr>
+              <a:t>Increased extensibility</a:t>
+            </a:r>
+          </a:p>
+          <a:p>
+            <a:pPr algn="l">
+              <a:buFont typeface="+mj-lt"/>
+              <a:buNone/>
+            </a:pPr>
+            <a:r>
+              <a:rPr lang="zh-CN" altLang="en-US" b="0" i="0" dirty="0">
+                <a:solidFill>
+                  <a:srgbClr val="FFFFFF"/>
+                </a:solidFill>
+                <a:effectLst/>
+                <a:latin typeface="-apple-system"/>
+              </a:rPr>
+              <a:t>由于算法的整体结构已经在父类中定义，子类可以通过扩展和重写父类的方法来改变算法的具体实现，从而实现不同的行为。这样的设计使得系统更具灵活性，易于扩展和修改。</a:t>
+            </a:r>
+            <a:endParaRPr lang="en-US" altLang="zh-CN" b="0" i="0" dirty="0">
+              <a:solidFill>
+                <a:srgbClr val="FFFFFF"/>
+              </a:solidFill>
+              <a:effectLst/>
+              <a:latin typeface="-apple-system"/>
+            </a:endParaRPr>
+          </a:p>
+          <a:p>
+            <a:pPr algn="l">
+              <a:buFont typeface="+mj-lt"/>
+              <a:buNone/>
+            </a:pPr>
+            <a:endParaRPr lang="en-US" altLang="zh-CN" b="0" i="0" dirty="0">
+              <a:solidFill>
+                <a:srgbClr val="FFFFFF"/>
+              </a:solidFill>
+              <a:effectLst/>
+              <a:latin typeface="-apple-system"/>
+            </a:endParaRPr>
+          </a:p>
+          <a:p>
+            <a:pPr algn="l">
+              <a:buFont typeface="+mj-lt"/>
+              <a:buNone/>
+            </a:pPr>
+            <a:r>
+              <a:rPr lang="en-US" altLang="zh-CN" b="0" i="0" dirty="0">
+                <a:solidFill>
+                  <a:srgbClr val="FFFFFF"/>
+                </a:solidFill>
+                <a:effectLst/>
+                <a:latin typeface="-apple-system"/>
+              </a:rPr>
+              <a:t>3.</a:t>
+            </a:r>
+            <a:r>
+              <a:rPr lang="zh-CN" altLang="en-US" b="0" i="0" dirty="0">
+                <a:solidFill>
+                  <a:srgbClr val="FFFFFF"/>
+                </a:solidFill>
+                <a:effectLst/>
+                <a:latin typeface="-apple-system"/>
+              </a:rPr>
+              <a:t> 统一算法结构 </a:t>
+            </a:r>
+            <a:r>
+              <a:rPr lang="en-US" altLang="zh-CN" b="0" i="0" dirty="0">
+                <a:solidFill>
+                  <a:srgbClr val="FFFFFF"/>
+                </a:solidFill>
+                <a:effectLst/>
+                <a:latin typeface="-apple-system"/>
+              </a:rPr>
+              <a:t>Unified algorithm structure</a:t>
+            </a:r>
+          </a:p>
+          <a:p>
+            <a:pPr algn="l">
+              <a:buFont typeface="+mj-lt"/>
+              <a:buNone/>
+            </a:pPr>
+            <a:r>
+              <a:rPr lang="zh-CN" altLang="en-US" b="0" i="0" dirty="0">
+                <a:solidFill>
+                  <a:srgbClr val="FFFFFF"/>
+                </a:solidFill>
+                <a:effectLst/>
+                <a:latin typeface="-apple-system"/>
+              </a:rPr>
+              <a:t> 通过模板方法模式，可以将算法的结构统一起来，使代码更加清晰易懂。父类中的模板方法定义了算法的骨架，具体步骤由子类实现，使得算法的执行流程更加明确，易于理解和维护。</a:t>
+            </a:r>
+            <a:endParaRPr lang="en-US" altLang="zh-CN" b="0" i="0" dirty="0">
+              <a:solidFill>
+                <a:srgbClr val="FFFFFF"/>
+              </a:solidFill>
+              <a:effectLst/>
+              <a:latin typeface="-apple-system"/>
+            </a:endParaRPr>
+          </a:p>
+          <a:p>
+            <a:pPr algn="l">
+              <a:buFont typeface="+mj-lt"/>
+              <a:buNone/>
+            </a:pPr>
+            <a:endParaRPr lang="zh-CN" altLang="en-US" b="0" i="0" dirty="0">
+              <a:solidFill>
+                <a:srgbClr val="FFFFFF"/>
+              </a:solidFill>
+              <a:effectLst/>
+              <a:latin typeface="-apple-system"/>
+            </a:endParaRPr>
+          </a:p>
+          <a:p>
+            <a:pPr algn="l"/>
+            <a:r>
+              <a:rPr lang="zh-CN" altLang="en-US" b="0" i="0" dirty="0">
+                <a:solidFill>
+                  <a:srgbClr val="FFFFFF"/>
+                </a:solidFill>
+                <a:effectLst/>
+                <a:latin typeface="-apple-system"/>
+              </a:rPr>
+              <a:t>缺点：</a:t>
+            </a:r>
+          </a:p>
+          <a:p>
+            <a:pPr algn="l">
+              <a:buFont typeface="+mj-lt"/>
+              <a:buAutoNum type="arabicPeriod"/>
+            </a:pPr>
+            <a:r>
+              <a:rPr lang="zh-CN" altLang="en-US" b="0" i="0" dirty="0">
+                <a:solidFill>
+                  <a:srgbClr val="FFFFFF"/>
+                </a:solidFill>
+                <a:effectLst/>
+                <a:latin typeface="-apple-system"/>
+              </a:rPr>
+              <a:t>父类与子类的紧耦合 </a:t>
+            </a:r>
+            <a:r>
+              <a:rPr lang="en-US" b="0" i="0" dirty="0">
+                <a:solidFill>
+                  <a:srgbClr val="FFFFFF"/>
+                </a:solidFill>
+                <a:effectLst/>
+                <a:latin typeface="-apple-system"/>
+              </a:rPr>
+              <a:t>Tight coupling between parent and subclasses</a:t>
+            </a:r>
+            <a:endParaRPr lang="en-US" altLang="zh-CN" b="0" i="0" dirty="0">
+              <a:solidFill>
+                <a:srgbClr val="FFFFFF"/>
+              </a:solidFill>
+              <a:effectLst/>
+              <a:latin typeface="-apple-system"/>
+            </a:endParaRPr>
+          </a:p>
+          <a:p>
+            <a:pPr algn="l">
+              <a:buFont typeface="+mj-lt"/>
+              <a:buNone/>
+            </a:pPr>
+            <a:r>
+              <a:rPr lang="en-US" altLang="zh-CN" b="0" i="0" dirty="0">
+                <a:solidFill>
+                  <a:srgbClr val="FFFFFF"/>
+                </a:solidFill>
+                <a:effectLst/>
+                <a:latin typeface="-apple-system"/>
+              </a:rPr>
+              <a:t>  </a:t>
+            </a:r>
+            <a:r>
+              <a:rPr lang="zh-CN" altLang="en-US" b="0" i="0" dirty="0">
+                <a:solidFill>
+                  <a:srgbClr val="FFFFFF"/>
+                </a:solidFill>
+                <a:effectLst/>
+                <a:latin typeface="-apple-system"/>
+              </a:rPr>
+              <a:t>模板方法模式要求子类必须遵循父类定义的算法结构，这导致了父类与子类之间的紧耦合关系。如果父类的模板方法需要修改，可能会影响到所有子类的实现，增加了系统的维护难度。</a:t>
+            </a:r>
+            <a:endParaRPr lang="en-US" altLang="zh-CN" b="0" i="0" dirty="0">
+              <a:solidFill>
+                <a:srgbClr val="FFFFFF"/>
+              </a:solidFill>
+              <a:effectLst/>
+              <a:latin typeface="-apple-system"/>
+            </a:endParaRPr>
+          </a:p>
+          <a:p>
+            <a:pPr algn="l">
+              <a:buFont typeface="+mj-lt"/>
+              <a:buNone/>
+            </a:pPr>
+            <a:endParaRPr lang="zh-CN" altLang="en-US" b="0" i="0" dirty="0">
+              <a:solidFill>
+                <a:srgbClr val="FFFFFF"/>
+              </a:solidFill>
+              <a:effectLst/>
+              <a:latin typeface="-apple-system"/>
+            </a:endParaRPr>
+          </a:p>
+          <a:p>
+            <a:pPr algn="l">
+              <a:buFont typeface="+mj-lt"/>
+              <a:buNone/>
+            </a:pPr>
+            <a:r>
+              <a:rPr lang="en-US" altLang="zh-CN" b="0" i="0" dirty="0">
+                <a:solidFill>
+                  <a:srgbClr val="FFFFFF"/>
+                </a:solidFill>
+                <a:effectLst/>
+                <a:latin typeface="-apple-system"/>
+              </a:rPr>
+              <a:t>2. </a:t>
+            </a:r>
+            <a:r>
+              <a:rPr lang="zh-CN" altLang="en-US" b="0" i="0" dirty="0">
+                <a:solidFill>
+                  <a:srgbClr val="FFFFFF"/>
+                </a:solidFill>
+                <a:effectLst/>
+                <a:latin typeface="-apple-system"/>
+              </a:rPr>
+              <a:t>限制子类的自由度</a:t>
+            </a:r>
+            <a:r>
+              <a:rPr lang="en-US" altLang="zh-CN" b="0" i="0" dirty="0">
+                <a:solidFill>
+                  <a:srgbClr val="FFFFFF"/>
+                </a:solidFill>
+                <a:effectLst/>
+                <a:latin typeface="-apple-system"/>
+              </a:rPr>
+              <a:t>/</a:t>
+            </a:r>
+            <a:r>
+              <a:rPr lang="zh-CN" altLang="en-US" b="0" i="0">
+                <a:solidFill>
+                  <a:srgbClr val="FFFFFF"/>
+                </a:solidFill>
+                <a:effectLst/>
+                <a:latin typeface="-apple-system"/>
+              </a:rPr>
+              <a:t>灵活性 </a:t>
+            </a:r>
+            <a:r>
+              <a:rPr lang="en-US" altLang="zh-CN" b="0" i="0" dirty="0">
+                <a:solidFill>
+                  <a:srgbClr val="FFFFFF"/>
+                </a:solidFill>
+                <a:effectLst/>
+                <a:latin typeface="-apple-system"/>
+              </a:rPr>
+              <a:t>Restricted flexibility for subclasses</a:t>
+            </a:r>
+          </a:p>
+          <a:p>
+            <a:pPr algn="l">
+              <a:buFont typeface="+mj-lt"/>
+              <a:buNone/>
+            </a:pPr>
+            <a:r>
+              <a:rPr lang="en-US" altLang="zh-CN" b="0" i="0" dirty="0">
+                <a:solidFill>
+                  <a:srgbClr val="FFFFFF"/>
+                </a:solidFill>
+                <a:effectLst/>
+                <a:latin typeface="-apple-system"/>
+              </a:rPr>
+              <a:t>  </a:t>
+            </a:r>
+            <a:r>
+              <a:rPr lang="zh-CN" altLang="en-US" b="0" i="0" dirty="0">
+                <a:solidFill>
+                  <a:srgbClr val="FFFFFF"/>
+                </a:solidFill>
+                <a:effectLst/>
+                <a:latin typeface="-apple-system"/>
+              </a:rPr>
+              <a:t>由于模板方法模式在父类中定义了算法的骨架，子类只能通过实现抽象方法来定制具体的细节部分。这导致子类的自由度受到一定的限制，可能无法满足一些特殊需求。</a:t>
+            </a:r>
+            <a:endParaRPr lang="en-US" altLang="zh-CN" b="0" i="0" dirty="0">
+              <a:solidFill>
+                <a:srgbClr val="FFFFFF"/>
+              </a:solidFill>
+              <a:effectLst/>
+              <a:latin typeface="-apple-system"/>
+            </a:endParaRPr>
+          </a:p>
+          <a:p>
+            <a:pPr algn="l">
+              <a:buFont typeface="+mj-lt"/>
+              <a:buNone/>
+            </a:pPr>
+            <a:endParaRPr lang="zh-CN" altLang="en-US" b="0" i="0" dirty="0">
+              <a:solidFill>
+                <a:srgbClr val="FFFFFF"/>
+              </a:solidFill>
+              <a:effectLst/>
+              <a:latin typeface="-apple-system"/>
+            </a:endParaRPr>
+          </a:p>
+          <a:p>
+            <a:pPr algn="l">
+              <a:buFont typeface="+mj-lt"/>
+              <a:buNone/>
+            </a:pPr>
+            <a:r>
+              <a:rPr lang="en-US" altLang="zh-CN" b="0" i="0" dirty="0">
+                <a:solidFill>
+                  <a:srgbClr val="FFFFFF"/>
+                </a:solidFill>
+                <a:effectLst/>
+                <a:latin typeface="-apple-system"/>
+              </a:rPr>
+              <a:t>3. </a:t>
+            </a:r>
+            <a:r>
+              <a:rPr lang="zh-CN" altLang="en-US" b="0" i="0" dirty="0">
+                <a:solidFill>
+                  <a:srgbClr val="FFFFFF"/>
+                </a:solidFill>
+                <a:effectLst/>
+                <a:latin typeface="-apple-system"/>
+              </a:rPr>
+              <a:t>潜在的复杂性 </a:t>
+            </a:r>
+            <a:r>
+              <a:rPr lang="en-US" b="0" i="0" dirty="0">
+                <a:solidFill>
+                  <a:srgbClr val="FFFFFF"/>
+                </a:solidFill>
+                <a:effectLst/>
+                <a:latin typeface="-apple-system"/>
+              </a:rPr>
+              <a:t>Potential complexity</a:t>
+            </a:r>
+            <a:endParaRPr lang="en-US" altLang="zh-CN" b="0" i="0" dirty="0">
+              <a:solidFill>
+                <a:srgbClr val="FFFFFF"/>
+              </a:solidFill>
+              <a:effectLst/>
+              <a:latin typeface="-apple-system"/>
+            </a:endParaRPr>
+          </a:p>
+          <a:p>
+            <a:pPr algn="l">
+              <a:buFont typeface="+mj-lt"/>
+              <a:buNone/>
+            </a:pPr>
+            <a:r>
+              <a:rPr lang="zh-CN" altLang="en-US" b="0" i="0" dirty="0">
+                <a:solidFill>
+                  <a:srgbClr val="FFFFFF"/>
+                </a:solidFill>
+                <a:effectLst/>
+                <a:latin typeface="-apple-system"/>
+              </a:rPr>
+              <a:t>  随着算法的复杂度增加，</a:t>
+            </a:r>
+            <a:r>
+              <a:rPr lang="en-US" altLang="zh-CN" b="0" i="0" dirty="0">
+                <a:solidFill>
+                  <a:srgbClr val="FFFFFF"/>
+                </a:solidFill>
+                <a:effectLst/>
+                <a:latin typeface="-apple-system"/>
+              </a:rPr>
+              <a:t>Concrete Class</a:t>
+            </a:r>
+            <a:r>
+              <a:rPr lang="zh-CN" altLang="en-US" b="0" i="0" dirty="0">
+                <a:solidFill>
+                  <a:srgbClr val="FFFFFF"/>
+                </a:solidFill>
+                <a:effectLst/>
+                <a:latin typeface="-apple-system"/>
+              </a:rPr>
+              <a:t>的数量增多，可能会导致代码结构变得复杂。特别是当算法中涉及到大量的可变步骤时，可能会增加代码的理解和维护难度。</a:t>
+            </a:r>
+          </a:p>
+          <a:p>
+            <a:pPr algn="l">
+              <a:buFont typeface="+mj-lt"/>
+              <a:buAutoNum type="arabicPeriod"/>
+            </a:pPr>
+            <a:endParaRPr lang="zh-CN" altLang="en-US" b="0" i="0" dirty="0">
+              <a:solidFill>
+                <a:srgbClr val="FFFFFF"/>
+              </a:solidFill>
+              <a:effectLst/>
+              <a:latin typeface="-apple-system"/>
+            </a:endParaRPr>
           </a:p>
         </p:txBody>
       </p:sp>
@@ -20029,7 +21120,7 @@
     </p:spTree>
     <p:extLst>
       <p:ext uri="{BB962C8B-B14F-4D97-AF65-F5344CB8AC3E}">
-        <p14:creationId xmlns:p14="http://schemas.microsoft.com/office/powerpoint/2010/main" val="761298617"/>
+        <p14:creationId xmlns:p14="http://schemas.microsoft.com/office/powerpoint/2010/main" val="2192678123"/>
       </p:ext>
     </p:extLst>
   </p:cSld>
@@ -20335,6 +21426,258 @@
           <a:bodyPr/>
           <a:lstStyle/>
           <a:p>
+            <a:endParaRPr lang="en-US" dirty="0"/>
+          </a:p>
+        </p:txBody>
+      </p:sp>
+      <p:sp>
+        <p:nvSpPr>
+          <p:cNvPr id="4" name="Slide Number Placeholder 3"/>
+          <p:cNvSpPr>
+            <a:spLocks noGrp="1"/>
+          </p:cNvSpPr>
+          <p:nvPr>
+            <p:ph type="sldNum" sz="quarter" idx="5"/>
+          </p:nvPr>
+        </p:nvSpPr>
+        <p:spPr/>
+        <p:txBody>
+          <a:bodyPr/>
+          <a:lstStyle/>
+          <a:p>
+            <a:fld id="{01420855-62A1-43EF-8815-D1313CE67D77}" type="slidenum">
+              <a:rPr lang="en-AU" smtClean="0"/>
+              <a:t>16</a:t>
+            </a:fld>
+            <a:endParaRPr lang="en-AU"/>
+          </a:p>
+        </p:txBody>
+      </p:sp>
+    </p:spTree>
+    <p:extLst>
+      <p:ext uri="{BB962C8B-B14F-4D97-AF65-F5344CB8AC3E}">
+        <p14:creationId xmlns:p14="http://schemas.microsoft.com/office/powerpoint/2010/main" val="436957066"/>
+      </p:ext>
+    </p:extLst>
+  </p:cSld>
+  <p:clrMapOvr>
+    <a:masterClrMapping/>
+  </p:clrMapOvr>
+</p:notes>
+</file>
+
+<file path=ppt/notesSlides/notesSlide17.xml><?xml version="1.0" encoding="utf-8"?>
+<p:notes xmlns:a="http://schemas.openxmlformats.org/drawingml/2006/main" xmlns:r="http://schemas.openxmlformats.org/officeDocument/2006/relationships" xmlns:p="http://schemas.openxmlformats.org/presentationml/2006/main">
+  <p:cSld>
+    <p:spTree>
+      <p:nvGrpSpPr>
+        <p:cNvPr id="1" name=""/>
+        <p:cNvGrpSpPr/>
+        <p:nvPr/>
+      </p:nvGrpSpPr>
+      <p:grpSpPr>
+        <a:xfrm>
+          <a:off x="0" y="0"/>
+          <a:ext cx="0" cy="0"/>
+          <a:chOff x="0" y="0"/>
+          <a:chExt cx="0" cy="0"/>
+        </a:xfrm>
+      </p:grpSpPr>
+      <p:sp>
+        <p:nvSpPr>
+          <p:cNvPr id="2" name="Slide Image Placeholder 1"/>
+          <p:cNvSpPr>
+            <a:spLocks noGrp="1" noRot="1" noChangeAspect="1"/>
+          </p:cNvSpPr>
+          <p:nvPr>
+            <p:ph type="sldImg"/>
+          </p:nvPr>
+        </p:nvSpPr>
+        <p:spPr/>
+      </p:sp>
+      <p:sp>
+        <p:nvSpPr>
+          <p:cNvPr id="3" name="Notes Placeholder 2"/>
+          <p:cNvSpPr>
+            <a:spLocks noGrp="1"/>
+          </p:cNvSpPr>
+          <p:nvPr>
+            <p:ph type="body" idx="1"/>
+          </p:nvPr>
+        </p:nvSpPr>
+        <p:spPr/>
+        <p:txBody>
+          <a:bodyPr/>
+          <a:lstStyle/>
+          <a:p>
+            <a:endParaRPr lang="en-US" dirty="0"/>
+          </a:p>
+        </p:txBody>
+      </p:sp>
+      <p:sp>
+        <p:nvSpPr>
+          <p:cNvPr id="4" name="Slide Number Placeholder 3"/>
+          <p:cNvSpPr>
+            <a:spLocks noGrp="1"/>
+          </p:cNvSpPr>
+          <p:nvPr>
+            <p:ph type="sldNum" sz="quarter" idx="5"/>
+          </p:nvPr>
+        </p:nvSpPr>
+        <p:spPr/>
+        <p:txBody>
+          <a:bodyPr/>
+          <a:lstStyle/>
+          <a:p>
+            <a:fld id="{01420855-62A1-43EF-8815-D1313CE67D77}" type="slidenum">
+              <a:rPr lang="en-AU" smtClean="0"/>
+              <a:t>17</a:t>
+            </a:fld>
+            <a:endParaRPr lang="en-AU"/>
+          </a:p>
+        </p:txBody>
+      </p:sp>
+    </p:spTree>
+    <p:extLst>
+      <p:ext uri="{BB962C8B-B14F-4D97-AF65-F5344CB8AC3E}">
+        <p14:creationId xmlns:p14="http://schemas.microsoft.com/office/powerpoint/2010/main" val="1727905676"/>
+      </p:ext>
+    </p:extLst>
+  </p:cSld>
+  <p:clrMapOvr>
+    <a:masterClrMapping/>
+  </p:clrMapOvr>
+</p:notes>
+</file>
+
+<file path=ppt/notesSlides/notesSlide18.xml><?xml version="1.0" encoding="utf-8"?>
+<p:notes xmlns:a="http://schemas.openxmlformats.org/drawingml/2006/main" xmlns:r="http://schemas.openxmlformats.org/officeDocument/2006/relationships" xmlns:p="http://schemas.openxmlformats.org/presentationml/2006/main">
+  <p:cSld>
+    <p:spTree>
+      <p:nvGrpSpPr>
+        <p:cNvPr id="1" name=""/>
+        <p:cNvGrpSpPr/>
+        <p:nvPr/>
+      </p:nvGrpSpPr>
+      <p:grpSpPr>
+        <a:xfrm>
+          <a:off x="0" y="0"/>
+          <a:ext cx="0" cy="0"/>
+          <a:chOff x="0" y="0"/>
+          <a:chExt cx="0" cy="0"/>
+        </a:xfrm>
+      </p:grpSpPr>
+      <p:sp>
+        <p:nvSpPr>
+          <p:cNvPr id="2" name="Slide Image Placeholder 1"/>
+          <p:cNvSpPr>
+            <a:spLocks noGrp="1" noRot="1" noChangeAspect="1"/>
+          </p:cNvSpPr>
+          <p:nvPr>
+            <p:ph type="sldImg"/>
+          </p:nvPr>
+        </p:nvSpPr>
+        <p:spPr/>
+      </p:sp>
+      <p:sp>
+        <p:nvSpPr>
+          <p:cNvPr id="3" name="Notes Placeholder 2"/>
+          <p:cNvSpPr>
+            <a:spLocks noGrp="1"/>
+          </p:cNvSpPr>
+          <p:nvPr>
+            <p:ph type="body" idx="1"/>
+          </p:nvPr>
+        </p:nvSpPr>
+        <p:spPr/>
+        <p:txBody>
+          <a:bodyPr/>
+          <a:lstStyle/>
+          <a:p>
+            <a:endParaRPr lang="en-US" dirty="0"/>
+          </a:p>
+        </p:txBody>
+      </p:sp>
+      <p:sp>
+        <p:nvSpPr>
+          <p:cNvPr id="4" name="Slide Number Placeholder 3"/>
+          <p:cNvSpPr>
+            <a:spLocks noGrp="1"/>
+          </p:cNvSpPr>
+          <p:nvPr>
+            <p:ph type="sldNum" sz="quarter" idx="5"/>
+          </p:nvPr>
+        </p:nvSpPr>
+        <p:spPr/>
+        <p:txBody>
+          <a:bodyPr/>
+          <a:lstStyle/>
+          <a:p>
+            <a:fld id="{01420855-62A1-43EF-8815-D1313CE67D77}" type="slidenum">
+              <a:rPr lang="en-AU" smtClean="0"/>
+              <a:t>18</a:t>
+            </a:fld>
+            <a:endParaRPr lang="en-AU"/>
+          </a:p>
+        </p:txBody>
+      </p:sp>
+    </p:spTree>
+    <p:extLst>
+      <p:ext uri="{BB962C8B-B14F-4D97-AF65-F5344CB8AC3E}">
+        <p14:creationId xmlns:p14="http://schemas.microsoft.com/office/powerpoint/2010/main" val="761298617"/>
+      </p:ext>
+    </p:extLst>
+  </p:cSld>
+  <p:clrMapOvr>
+    <a:masterClrMapping/>
+  </p:clrMapOvr>
+</p:notes>
+</file>
+
+<file path=ppt/notesSlides/notesSlide19.xml><?xml version="1.0" encoding="utf-8"?>
+<p:notes xmlns:a="http://schemas.openxmlformats.org/drawingml/2006/main" xmlns:r="http://schemas.openxmlformats.org/officeDocument/2006/relationships" xmlns:p="http://schemas.openxmlformats.org/presentationml/2006/main">
+  <p:cSld>
+    <p:spTree>
+      <p:nvGrpSpPr>
+        <p:cNvPr id="1" name=""/>
+        <p:cNvGrpSpPr/>
+        <p:nvPr/>
+      </p:nvGrpSpPr>
+      <p:grpSpPr>
+        <a:xfrm>
+          <a:off x="0" y="0"/>
+          <a:ext cx="0" cy="0"/>
+          <a:chOff x="0" y="0"/>
+          <a:chExt cx="0" cy="0"/>
+        </a:xfrm>
+      </p:grpSpPr>
+      <p:sp>
+        <p:nvSpPr>
+          <p:cNvPr id="2" name="Slide Image Placeholder 1"/>
+          <p:cNvSpPr>
+            <a:spLocks noGrp="1" noRot="1" noChangeAspect="1"/>
+          </p:cNvSpPr>
+          <p:nvPr>
+            <p:ph type="sldImg"/>
+          </p:nvPr>
+        </p:nvSpPr>
+        <p:spPr/>
+      </p:sp>
+      <p:sp>
+        <p:nvSpPr>
+          <p:cNvPr id="3" name="Notes Placeholder 2"/>
+          <p:cNvSpPr>
+            <a:spLocks noGrp="1"/>
+          </p:cNvSpPr>
+          <p:nvPr>
+            <p:ph type="body" idx="1"/>
+          </p:nvPr>
+        </p:nvSpPr>
+        <p:spPr/>
+        <p:txBody>
+          <a:bodyPr/>
+          <a:lstStyle/>
+          <a:p>
             <a:pPr defTabSz="2438430">
               <a:lnSpc>
                 <a:spcPct val="85000"/>
@@ -20431,7 +21774,7 @@
           <a:p>
             <a:fld id="{3960260C-8853-4159-8854-5A6834041865}" type="slidenum">
               <a:rPr lang="en-US" smtClean="0"/>
-              <a:t>16</a:t>
+              <a:t>19</a:t>
             </a:fld>
             <a:endParaRPr lang="en-US"/>
           </a:p>
@@ -20441,90 +21784,6 @@
     <p:extLst>
       <p:ext uri="{BB962C8B-B14F-4D97-AF65-F5344CB8AC3E}">
         <p14:creationId xmlns:p14="http://schemas.microsoft.com/office/powerpoint/2010/main" val="2268168259"/>
-      </p:ext>
-    </p:extLst>
-  </p:cSld>
-  <p:clrMapOvr>
-    <a:masterClrMapping/>
-  </p:clrMapOvr>
-</p:notes>
-</file>
-
-<file path=ppt/notesSlides/notesSlide17.xml><?xml version="1.0" encoding="utf-8"?>
-<p:notes xmlns:a="http://schemas.openxmlformats.org/drawingml/2006/main" xmlns:r="http://schemas.openxmlformats.org/officeDocument/2006/relationships" xmlns:p="http://schemas.openxmlformats.org/presentationml/2006/main">
-  <p:cSld>
-    <p:spTree>
-      <p:nvGrpSpPr>
-        <p:cNvPr id="1" name=""/>
-        <p:cNvGrpSpPr/>
-        <p:nvPr/>
-      </p:nvGrpSpPr>
-      <p:grpSpPr>
-        <a:xfrm>
-          <a:off x="0" y="0"/>
-          <a:ext cx="0" cy="0"/>
-          <a:chOff x="0" y="0"/>
-          <a:chExt cx="0" cy="0"/>
-        </a:xfrm>
-      </p:grpSpPr>
-      <p:sp>
-        <p:nvSpPr>
-          <p:cNvPr id="2" name="Slide Image Placeholder 1"/>
-          <p:cNvSpPr>
-            <a:spLocks noGrp="1" noRot="1" noChangeAspect="1"/>
-          </p:cNvSpPr>
-          <p:nvPr>
-            <p:ph type="sldImg"/>
-          </p:nvPr>
-        </p:nvSpPr>
-        <p:spPr/>
-      </p:sp>
-      <p:sp>
-        <p:nvSpPr>
-          <p:cNvPr id="3" name="Notes Placeholder 2"/>
-          <p:cNvSpPr>
-            <a:spLocks noGrp="1"/>
-          </p:cNvSpPr>
-          <p:nvPr>
-            <p:ph type="body" idx="1"/>
-          </p:nvPr>
-        </p:nvSpPr>
-        <p:spPr/>
-        <p:txBody>
-          <a:bodyPr/>
-          <a:lstStyle/>
-          <a:p>
-            <a:endParaRPr lang="en-AU" dirty="0"/>
-          </a:p>
-        </p:txBody>
-      </p:sp>
-      <p:sp>
-        <p:nvSpPr>
-          <p:cNvPr id="4" name="Slide Number Placeholder 3"/>
-          <p:cNvSpPr>
-            <a:spLocks noGrp="1"/>
-          </p:cNvSpPr>
-          <p:nvPr>
-            <p:ph type="sldNum" sz="quarter" idx="10"/>
-          </p:nvPr>
-        </p:nvSpPr>
-        <p:spPr/>
-        <p:txBody>
-          <a:bodyPr/>
-          <a:lstStyle/>
-          <a:p>
-            <a:fld id="{01420855-62A1-43EF-8815-D1313CE67D77}" type="slidenum">
-              <a:rPr lang="en-AU" smtClean="0"/>
-              <a:t>18</a:t>
-            </a:fld>
-            <a:endParaRPr lang="en-AU" dirty="0"/>
-          </a:p>
-        </p:txBody>
-      </p:sp>
-    </p:spTree>
-    <p:extLst>
-      <p:ext uri="{BB962C8B-B14F-4D97-AF65-F5344CB8AC3E}">
-        <p14:creationId xmlns:p14="http://schemas.microsoft.com/office/powerpoint/2010/main" val="1690349428"/>
       </p:ext>
     </p:extLst>
   </p:cSld>
@@ -20912,6 +22171,90 @@
 </p:notes>
 </file>
 
+<file path=ppt/notesSlides/notesSlide20.xml><?xml version="1.0" encoding="utf-8"?>
+<p:notes xmlns:a="http://schemas.openxmlformats.org/drawingml/2006/main" xmlns:r="http://schemas.openxmlformats.org/officeDocument/2006/relationships" xmlns:p="http://schemas.openxmlformats.org/presentationml/2006/main">
+  <p:cSld>
+    <p:spTree>
+      <p:nvGrpSpPr>
+        <p:cNvPr id="1" name=""/>
+        <p:cNvGrpSpPr/>
+        <p:nvPr/>
+      </p:nvGrpSpPr>
+      <p:grpSpPr>
+        <a:xfrm>
+          <a:off x="0" y="0"/>
+          <a:ext cx="0" cy="0"/>
+          <a:chOff x="0" y="0"/>
+          <a:chExt cx="0" cy="0"/>
+        </a:xfrm>
+      </p:grpSpPr>
+      <p:sp>
+        <p:nvSpPr>
+          <p:cNvPr id="2" name="Slide Image Placeholder 1"/>
+          <p:cNvSpPr>
+            <a:spLocks noGrp="1" noRot="1" noChangeAspect="1"/>
+          </p:cNvSpPr>
+          <p:nvPr>
+            <p:ph type="sldImg"/>
+          </p:nvPr>
+        </p:nvSpPr>
+        <p:spPr/>
+      </p:sp>
+      <p:sp>
+        <p:nvSpPr>
+          <p:cNvPr id="3" name="Notes Placeholder 2"/>
+          <p:cNvSpPr>
+            <a:spLocks noGrp="1"/>
+          </p:cNvSpPr>
+          <p:nvPr>
+            <p:ph type="body" idx="1"/>
+          </p:nvPr>
+        </p:nvSpPr>
+        <p:spPr/>
+        <p:txBody>
+          <a:bodyPr/>
+          <a:lstStyle/>
+          <a:p>
+            <a:endParaRPr lang="en-AU" dirty="0"/>
+          </a:p>
+        </p:txBody>
+      </p:sp>
+      <p:sp>
+        <p:nvSpPr>
+          <p:cNvPr id="4" name="Slide Number Placeholder 3"/>
+          <p:cNvSpPr>
+            <a:spLocks noGrp="1"/>
+          </p:cNvSpPr>
+          <p:nvPr>
+            <p:ph type="sldNum" sz="quarter" idx="10"/>
+          </p:nvPr>
+        </p:nvSpPr>
+        <p:spPr/>
+        <p:txBody>
+          <a:bodyPr/>
+          <a:lstStyle/>
+          <a:p>
+            <a:fld id="{01420855-62A1-43EF-8815-D1313CE67D77}" type="slidenum">
+              <a:rPr lang="en-AU" smtClean="0"/>
+              <a:t>21</a:t>
+            </a:fld>
+            <a:endParaRPr lang="en-AU" dirty="0"/>
+          </a:p>
+        </p:txBody>
+      </p:sp>
+    </p:spTree>
+    <p:extLst>
+      <p:ext uri="{BB962C8B-B14F-4D97-AF65-F5344CB8AC3E}">
+        <p14:creationId xmlns:p14="http://schemas.microsoft.com/office/powerpoint/2010/main" val="1690349428"/>
+      </p:ext>
+    </p:extLst>
+  </p:cSld>
+  <p:clrMapOvr>
+    <a:masterClrMapping/>
+  </p:clrMapOvr>
+</p:notes>
+</file>
+
 <file path=ppt/notesSlides/notesSlide3.xml><?xml version="1.0" encoding="utf-8"?>
 <p:notes xmlns:a="http://schemas.openxmlformats.org/drawingml/2006/main" xmlns:r="http://schemas.openxmlformats.org/officeDocument/2006/relationships" xmlns:p="http://schemas.openxmlformats.org/presentationml/2006/main">
   <p:cSld>
@@ -20985,6 +22328,133 @@
               </a:rPr>
               <a:t>当一个对象的状态发生变化时，它会自动通知其依赖对象，使得依赖对象能够自动更新自己</a:t>
             </a:r>
+            <a:endParaRPr lang="en-US" altLang="zh-CN" b="0" i="0" dirty="0">
+              <a:solidFill>
+                <a:srgbClr val="FFFFFF"/>
+              </a:solidFill>
+              <a:effectLst/>
+              <a:latin typeface="-apple-system"/>
+            </a:endParaRPr>
+          </a:p>
+          <a:p>
+            <a:endParaRPr lang="en-US" b="0" i="0" dirty="0">
+              <a:solidFill>
+                <a:srgbClr val="FFFFFF"/>
+              </a:solidFill>
+              <a:effectLst/>
+              <a:latin typeface="-apple-system"/>
+            </a:endParaRPr>
+          </a:p>
+          <a:p>
+            <a:endParaRPr lang="en-US" b="0" i="0" dirty="0">
+              <a:solidFill>
+                <a:srgbClr val="FFFFFF"/>
+              </a:solidFill>
+              <a:effectLst/>
+              <a:latin typeface="-apple-system"/>
+            </a:endParaRPr>
+          </a:p>
+          <a:p>
+            <a:pPr algn="l">
+              <a:buFont typeface="+mj-lt"/>
+              <a:buAutoNum type="arabicPeriod"/>
+            </a:pPr>
+            <a:r>
+              <a:rPr lang="zh-CN" altLang="en-US" b="0" i="0" dirty="0">
+                <a:solidFill>
+                  <a:srgbClr val="FFFFFF"/>
+                </a:solidFill>
+                <a:effectLst/>
+                <a:latin typeface="-apple-system"/>
+              </a:rPr>
+              <a:t>报纸公司作为发布者，提供了订阅报纸的服务。订阅者可以注册并订阅每日的报纸。</a:t>
+            </a:r>
+            <a:endParaRPr lang="en-US" altLang="zh-CN" b="0" i="0" dirty="0">
+              <a:solidFill>
+                <a:srgbClr val="FFFFFF"/>
+              </a:solidFill>
+              <a:effectLst/>
+              <a:latin typeface="-apple-system"/>
+            </a:endParaRPr>
+          </a:p>
+          <a:p>
+            <a:pPr algn="l">
+              <a:buFont typeface="+mj-lt"/>
+              <a:buAutoNum type="arabicPeriod"/>
+            </a:pPr>
+            <a:r>
+              <a:rPr lang="zh-CN" altLang="en-US" b="0" i="0" dirty="0">
+                <a:solidFill>
+                  <a:srgbClr val="FFFFFF"/>
+                </a:solidFill>
+                <a:effectLst/>
+                <a:latin typeface="-apple-system"/>
+              </a:rPr>
+              <a:t>订阅者完成订阅后，他们的信息被报纸公司记录下来，以便将来发送报纸。</a:t>
+            </a:r>
+          </a:p>
+          <a:p>
+            <a:pPr algn="l">
+              <a:buFont typeface="+mj-lt"/>
+              <a:buNone/>
+            </a:pPr>
+            <a:endParaRPr lang="zh-CN" altLang="en-US" b="0" i="0" dirty="0">
+              <a:solidFill>
+                <a:srgbClr val="FFFFFF"/>
+              </a:solidFill>
+              <a:effectLst/>
+              <a:latin typeface="-apple-system"/>
+            </a:endParaRPr>
+          </a:p>
+          <a:p>
+            <a:pPr algn="l">
+              <a:buFont typeface="+mj-lt"/>
+              <a:buAutoNum type="arabicPeriod"/>
+            </a:pPr>
+            <a:r>
+              <a:rPr lang="zh-CN" altLang="en-US" b="0" i="0" dirty="0">
+                <a:solidFill>
+                  <a:srgbClr val="FFFFFF"/>
+                </a:solidFill>
+                <a:effectLst/>
+                <a:latin typeface="-apple-system"/>
+              </a:rPr>
+              <a:t>每当报纸公司有新报纸发布时，它会通知所有已订阅的订阅者。</a:t>
+            </a:r>
+          </a:p>
+          <a:p>
+            <a:pPr algn="l">
+              <a:buFont typeface="+mj-lt"/>
+              <a:buAutoNum type="arabicPeriod"/>
+            </a:pPr>
+            <a:r>
+              <a:rPr lang="zh-CN" altLang="en-US" b="0" i="0" dirty="0">
+                <a:solidFill>
+                  <a:srgbClr val="FFFFFF"/>
+                </a:solidFill>
+                <a:effectLst/>
+                <a:latin typeface="-apple-system"/>
+              </a:rPr>
+              <a:t>当新报纸发布时，报纸公司会遍历所有订阅者，并向他们发送报纸。</a:t>
+            </a:r>
+          </a:p>
+          <a:p>
+            <a:pPr algn="l">
+              <a:buFont typeface="+mj-lt"/>
+              <a:buAutoNum type="arabicPeriod"/>
+            </a:pPr>
+            <a:r>
+              <a:rPr lang="zh-CN" altLang="en-US" b="0" i="0" dirty="0">
+                <a:solidFill>
+                  <a:srgbClr val="FFFFFF"/>
+                </a:solidFill>
+                <a:effectLst/>
+                <a:latin typeface="-apple-system"/>
+              </a:rPr>
+              <a:t>订阅者收到报纸后，可以根据自己的需求对报纸进行处理，比如阅读、存档或丢弃</a:t>
+            </a:r>
+          </a:p>
+          <a:p>
             <a:endParaRPr lang="en-US" dirty="0"/>
           </a:p>
         </p:txBody>
@@ -21069,7 +22539,220 @@
           <a:bodyPr/>
           <a:lstStyle/>
           <a:p>
-            <a:endParaRPr lang="en-US" dirty="0"/>
+            <a:pPr algn="l">
+              <a:buFont typeface="+mj-lt"/>
+              <a:buAutoNum type="arabicPeriod"/>
+            </a:pPr>
+            <a:r>
+              <a:rPr lang="zh-CN" altLang="en-US" b="0" i="0" dirty="0">
+                <a:solidFill>
+                  <a:srgbClr val="FFFFFF"/>
+                </a:solidFill>
+                <a:effectLst/>
+                <a:latin typeface="-apple-system"/>
+              </a:rPr>
+              <a:t>定义主题接口（</a:t>
+            </a:r>
+            <a:r>
+              <a:rPr lang="en-US" altLang="zh-CN" b="0" i="0" dirty="0">
+                <a:solidFill>
+                  <a:srgbClr val="FFFFFF"/>
+                </a:solidFill>
+                <a:effectLst/>
+                <a:latin typeface="-apple-system"/>
+              </a:rPr>
+              <a:t>Subject</a:t>
+            </a:r>
+            <a:r>
+              <a:rPr lang="zh-CN" altLang="en-US" b="0" i="0" dirty="0">
+                <a:solidFill>
+                  <a:srgbClr val="FFFFFF"/>
+                </a:solidFill>
+                <a:effectLst/>
+                <a:latin typeface="-apple-system"/>
+              </a:rPr>
+              <a:t>）：主题接口应该包含添加观察者、删除观察者和通知观察者的方法。</a:t>
+            </a:r>
+          </a:p>
+          <a:p>
+            <a:pPr algn="l">
+              <a:buFont typeface="+mj-lt"/>
+              <a:buAutoNum type="arabicPeriod"/>
+            </a:pPr>
+            <a:r>
+              <a:rPr lang="zh-CN" altLang="en-US" b="0" i="0" dirty="0">
+                <a:solidFill>
+                  <a:srgbClr val="FFFFFF"/>
+                </a:solidFill>
+                <a:effectLst/>
+                <a:latin typeface="-apple-system"/>
+              </a:rPr>
+              <a:t>实现具体主题类（</a:t>
+            </a:r>
+            <a:r>
+              <a:rPr lang="en-US" altLang="zh-CN" b="0" i="0" dirty="0" err="1">
+                <a:solidFill>
+                  <a:srgbClr val="FFFFFF"/>
+                </a:solidFill>
+                <a:effectLst/>
+                <a:latin typeface="-apple-system"/>
+              </a:rPr>
+              <a:t>ConcreteSubject</a:t>
+            </a:r>
+            <a:r>
+              <a:rPr lang="zh-CN" altLang="en-US" b="0" i="0" dirty="0">
+                <a:solidFill>
+                  <a:srgbClr val="FFFFFF"/>
+                </a:solidFill>
+                <a:effectLst/>
+                <a:latin typeface="-apple-system"/>
+              </a:rPr>
+              <a:t>）：具体主题类实现主题接口，并维护一个观察者列表。在状态发生变化时，调用观察者的更新方法通知它们。</a:t>
+            </a:r>
+            <a:endParaRPr lang="en-US" altLang="zh-CN" b="0" i="0" dirty="0">
+              <a:solidFill>
+                <a:srgbClr val="FFFFFF"/>
+              </a:solidFill>
+              <a:effectLst/>
+              <a:latin typeface="-apple-system"/>
+            </a:endParaRPr>
+          </a:p>
+          <a:p>
+            <a:pPr algn="l">
+              <a:buFont typeface="+mj-lt"/>
+              <a:buAutoNum type="arabicPeriod"/>
+            </a:pPr>
+            <a:endParaRPr lang="zh-CN" altLang="en-US" b="0" i="0" dirty="0">
+              <a:solidFill>
+                <a:srgbClr val="FFFFFF"/>
+              </a:solidFill>
+              <a:effectLst/>
+              <a:latin typeface="-apple-system"/>
+            </a:endParaRPr>
+          </a:p>
+          <a:p>
+            <a:pPr algn="l">
+              <a:buFont typeface="+mj-lt"/>
+              <a:buAutoNum type="arabicPeriod"/>
+            </a:pPr>
+            <a:r>
+              <a:rPr lang="zh-CN" altLang="en-US" b="0" i="0" dirty="0">
+                <a:solidFill>
+                  <a:srgbClr val="FFFFFF"/>
+                </a:solidFill>
+                <a:effectLst/>
+                <a:latin typeface="-apple-system"/>
+              </a:rPr>
+              <a:t>定义观察者接口（</a:t>
+            </a:r>
+            <a:r>
+              <a:rPr lang="en-US" altLang="zh-CN" b="0" i="0" dirty="0">
+                <a:solidFill>
+                  <a:srgbClr val="FFFFFF"/>
+                </a:solidFill>
+                <a:effectLst/>
+                <a:latin typeface="-apple-system"/>
+              </a:rPr>
+              <a:t>Observer</a:t>
+            </a:r>
+            <a:r>
+              <a:rPr lang="zh-CN" altLang="en-US" b="0" i="0" dirty="0">
+                <a:solidFill>
+                  <a:srgbClr val="FFFFFF"/>
+                </a:solidFill>
+                <a:effectLst/>
+                <a:latin typeface="-apple-system"/>
+              </a:rPr>
+              <a:t>）：观察者接口应该包含一个更新方法，用于接收主题通知的状态改变。</a:t>
+            </a:r>
+          </a:p>
+          <a:p>
+            <a:pPr algn="l">
+              <a:buFont typeface="+mj-lt"/>
+              <a:buAutoNum type="arabicPeriod"/>
+            </a:pPr>
+            <a:r>
+              <a:rPr lang="zh-CN" altLang="en-US" b="0" i="0" dirty="0">
+                <a:solidFill>
+                  <a:srgbClr val="FFFFFF"/>
+                </a:solidFill>
+                <a:effectLst/>
+                <a:latin typeface="-apple-system"/>
+              </a:rPr>
+              <a:t>实现具体观察者类（</a:t>
+            </a:r>
+            <a:r>
+              <a:rPr lang="en-US" altLang="zh-CN" b="0" i="0" dirty="0" err="1">
+                <a:solidFill>
+                  <a:srgbClr val="FFFFFF"/>
+                </a:solidFill>
+                <a:effectLst/>
+                <a:latin typeface="-apple-system"/>
+              </a:rPr>
+              <a:t>ConcreteObserver</a:t>
+            </a:r>
+            <a:r>
+              <a:rPr lang="zh-CN" altLang="en-US" b="0" i="0" dirty="0">
+                <a:solidFill>
+                  <a:srgbClr val="FFFFFF"/>
+                </a:solidFill>
+                <a:effectLst/>
+                <a:latin typeface="-apple-system"/>
+              </a:rPr>
+              <a:t>）：具体观察者类实现观察者接口，并在更新方法中定义自己对状态改变的响应。</a:t>
+            </a:r>
+            <a:endParaRPr lang="en-US" altLang="zh-CN" b="0" i="0" dirty="0">
+              <a:solidFill>
+                <a:srgbClr val="FFFFFF"/>
+              </a:solidFill>
+              <a:effectLst/>
+              <a:latin typeface="-apple-system"/>
+            </a:endParaRPr>
+          </a:p>
+          <a:p>
+            <a:pPr algn="l">
+              <a:buFont typeface="+mj-lt"/>
+              <a:buAutoNum type="arabicPeriod"/>
+            </a:pPr>
+            <a:endParaRPr lang="zh-CN" altLang="en-US" b="0" i="0" dirty="0">
+              <a:solidFill>
+                <a:srgbClr val="FFFFFF"/>
+              </a:solidFill>
+              <a:effectLst/>
+              <a:latin typeface="-apple-system"/>
+            </a:endParaRPr>
+          </a:p>
+          <a:p>
+            <a:pPr algn="l">
+              <a:buFont typeface="+mj-lt"/>
+              <a:buAutoNum type="arabicPeriod"/>
+            </a:pPr>
+            <a:r>
+              <a:rPr lang="zh-CN" altLang="en-US" b="0" i="0" dirty="0">
+                <a:solidFill>
+                  <a:srgbClr val="FFFFFF"/>
+                </a:solidFill>
+                <a:effectLst/>
+                <a:latin typeface="-apple-system"/>
+              </a:rPr>
+              <a:t>创建主题对象和观察者对象：根据实际需求创建具体的主题对象和观察者对象，并将观察者注册到主题上。</a:t>
+            </a:r>
+          </a:p>
+          <a:p>
+            <a:pPr algn="l">
+              <a:buFont typeface="+mj-lt"/>
+              <a:buAutoNum type="arabicPeriod"/>
+            </a:pPr>
+            <a:r>
+              <a:rPr lang="zh-CN" altLang="en-US" b="0" i="0" dirty="0">
+                <a:solidFill>
+                  <a:srgbClr val="FFFFFF"/>
+                </a:solidFill>
+                <a:effectLst/>
+                <a:latin typeface="-apple-system"/>
+              </a:rPr>
+              <a:t>当主题的状态发生变化时，调用主题对象的通知方法，观察者将会接收到状态改变的通知，并执行相应的操作。</a:t>
+            </a:r>
           </a:p>
         </p:txBody>
       </p:sp>
@@ -21204,7 +22887,7 @@
               </a:rPr>
               <a:t>）</a:t>
             </a:r>
-            <a:endParaRPr lang="en-US" altLang="zh-CN" b="0" i="0">
+            <a:endParaRPr lang="en-US" altLang="zh-CN" b="0" i="0" dirty="0">
               <a:solidFill>
                 <a:srgbClr val="FFFFFF"/>
               </a:solidFill>
@@ -21344,6 +23027,9 @@
               </a:rPr>
               <a:t>观察者必须实现一个更新方法，以便主题在状态改变时能够调用它们的更新方法。</a:t>
             </a:r>
+          </a:p>
+          <a:p>
+            <a:endParaRPr lang="en-US" dirty="0"/>
           </a:p>
           <a:p>
             <a:endParaRPr lang="en-US" dirty="0"/>
@@ -21952,6 +23638,119 @@
                 <a:effectLst/>
                 <a:latin typeface="-apple-system"/>
               </a:rPr>
+              <a:t>提供一个现实生活中的例子， 比方说国庆节要到了，大家肯定在计划着出去玩， 那么根据目的地的不同，交通方式就有很多选择</a:t>
+            </a:r>
+            <a:endParaRPr lang="en-US" altLang="zh-CN" b="0" i="0" dirty="0">
+              <a:solidFill>
+                <a:srgbClr val="FFFFFF"/>
+              </a:solidFill>
+              <a:effectLst/>
+              <a:latin typeface="-apple-system"/>
+            </a:endParaRPr>
+          </a:p>
+          <a:p>
+            <a:r>
+              <a:rPr lang="zh-CN" altLang="en-US" b="0" i="0" dirty="0">
+                <a:solidFill>
+                  <a:srgbClr val="FFFFFF"/>
+                </a:solidFill>
+                <a:effectLst/>
+                <a:latin typeface="-apple-system"/>
+              </a:rPr>
+              <a:t>如果距离比较远，需要跨省，那我们大概率会选择坐飞机， 或者是高铁</a:t>
+            </a:r>
+            <a:endParaRPr lang="en-US" altLang="zh-CN" b="0" i="0" dirty="0">
+              <a:solidFill>
+                <a:srgbClr val="FFFFFF"/>
+              </a:solidFill>
+              <a:effectLst/>
+              <a:latin typeface="-apple-system"/>
+            </a:endParaRPr>
+          </a:p>
+          <a:p>
+            <a:r>
+              <a:rPr lang="zh-CN" altLang="en-US" b="0" i="0" dirty="0">
+                <a:solidFill>
+                  <a:srgbClr val="FFFFFF"/>
+                </a:solidFill>
+                <a:effectLst/>
+                <a:latin typeface="-apple-system"/>
+              </a:rPr>
+              <a:t>如果只是想在你生活的位置附近逛逛，然后想要经济实惠一点的话，那我们可以选择搭公交，骑自行车</a:t>
+            </a:r>
+            <a:endParaRPr lang="en-US" altLang="zh-CN" b="0" i="0" dirty="0">
+              <a:solidFill>
+                <a:srgbClr val="FFFFFF"/>
+              </a:solidFill>
+              <a:effectLst/>
+              <a:latin typeface="-apple-system"/>
+            </a:endParaRPr>
+          </a:p>
+          <a:p>
+            <a:r>
+              <a:rPr lang="zh-CN" altLang="en-US" b="0" i="0" dirty="0">
+                <a:solidFill>
+                  <a:srgbClr val="FFFFFF"/>
+                </a:solidFill>
+                <a:effectLst/>
+                <a:latin typeface="-apple-system"/>
+              </a:rPr>
+              <a:t>然后如果赶时间，可以打的</a:t>
+            </a:r>
+            <a:endParaRPr lang="en-US" altLang="zh-CN" b="0" i="0" dirty="0">
+              <a:solidFill>
+                <a:srgbClr val="FFFFFF"/>
+              </a:solidFill>
+              <a:effectLst/>
+              <a:latin typeface="-apple-system"/>
+            </a:endParaRPr>
+          </a:p>
+          <a:p>
+            <a:endParaRPr lang="en-US" altLang="zh-CN" b="0" i="0" dirty="0">
+              <a:solidFill>
+                <a:srgbClr val="FFFFFF"/>
+              </a:solidFill>
+              <a:effectLst/>
+              <a:latin typeface="-apple-system"/>
+            </a:endParaRPr>
+          </a:p>
+          <a:p>
+            <a:r>
+              <a:rPr lang="zh-CN" altLang="en-US" b="0" i="0" dirty="0">
+                <a:solidFill>
+                  <a:srgbClr val="FFFFFF"/>
+                </a:solidFill>
+                <a:effectLst/>
+                <a:latin typeface="-apple-system"/>
+              </a:rPr>
+              <a:t>我们可以需要根据实际情况 采用不同的策略</a:t>
+            </a:r>
+            <a:endParaRPr lang="en-US" altLang="zh-CN" b="0" i="0" dirty="0">
+              <a:solidFill>
+                <a:srgbClr val="FFFFFF"/>
+              </a:solidFill>
+              <a:effectLst/>
+              <a:latin typeface="-apple-system"/>
+            </a:endParaRPr>
+          </a:p>
+          <a:p>
+            <a:endParaRPr lang="en-US" b="0" i="0" dirty="0">
+              <a:solidFill>
+                <a:srgbClr val="FFFFFF"/>
+              </a:solidFill>
+              <a:effectLst/>
+              <a:latin typeface="-apple-system"/>
+            </a:endParaRPr>
+          </a:p>
+          <a:p>
+            <a:r>
+              <a:rPr lang="zh-CN" altLang="en-US" b="0" i="0" dirty="0">
+                <a:solidFill>
+                  <a:srgbClr val="FFFFFF"/>
+                </a:solidFill>
+                <a:effectLst/>
+                <a:latin typeface="-apple-system"/>
+              </a:rPr>
               <a:t>提供一个现实生活中的例子：以购物为例，假设你正在开发一个电子商务网站，用户可以选择不同的支付方式，如信用卡支付、支付宝、微信支付等。</a:t>
             </a:r>
             <a:endParaRPr lang="en-US" altLang="zh-CN" b="0" i="0" dirty="0">
@@ -21973,6 +23772,9 @@
               </a:rPr>
               <a:t>在这种情况下，你可以使用策略模式来实现支付功能。每种支付方式可以定义为一个策略，用户可以根据自己的需求选择不同的支付策略。</a:t>
             </a:r>
+            <a:endParaRPr lang="en-US" dirty="0"/>
+          </a:p>
+          <a:p>
             <a:endParaRPr lang="en-US" dirty="0"/>
           </a:p>
         </p:txBody>
@@ -22057,6 +23859,118 @@
           <a:bodyPr/>
           <a:lstStyle/>
           <a:p>
+            <a:pPr marL="0" marR="0" lvl="0" indent="0" algn="l" defTabSz="2438339" rtl="0" eaLnBrk="1" fontAlgn="auto" latinLnBrk="0" hangingPunct="1">
+              <a:lnSpc>
+                <a:spcPct val="100000"/>
+              </a:lnSpc>
+              <a:spcBef>
+                <a:spcPts val="0"/>
+              </a:spcBef>
+              <a:spcAft>
+                <a:spcPts val="0"/>
+              </a:spcAft>
+              <a:buClrTx/>
+              <a:buSzTx/>
+              <a:buFontTx/>
+              <a:buNone/>
+              <a:tabLst/>
+              <a:defRPr/>
+            </a:pPr>
+            <a:r>
+              <a:rPr lang="zh-CN" altLang="en-US" dirty="0"/>
+              <a:t>首先，你需要定义一个上下文类，该类包含一个策略接口的引用。</a:t>
+            </a:r>
+            <a:endParaRPr lang="en-US" altLang="zh-CN" dirty="0"/>
+          </a:p>
+          <a:p>
+            <a:pPr marL="0" marR="0" lvl="0" indent="0" algn="l" defTabSz="2438339" rtl="0" eaLnBrk="1" fontAlgn="auto" latinLnBrk="0" hangingPunct="1">
+              <a:lnSpc>
+                <a:spcPct val="100000"/>
+              </a:lnSpc>
+              <a:spcBef>
+                <a:spcPts val="0"/>
+              </a:spcBef>
+              <a:spcAft>
+                <a:spcPts val="0"/>
+              </a:spcAft>
+              <a:buClrTx/>
+              <a:buSzTx/>
+              <a:buFontTx/>
+              <a:buNone/>
+              <a:tabLst/>
+              <a:defRPr/>
+            </a:pPr>
+            <a:endParaRPr lang="en-US" altLang="zh-CN" dirty="0"/>
+          </a:p>
+          <a:p>
+            <a:pPr marL="0" marR="0" lvl="0" indent="0" algn="l" defTabSz="2438339" rtl="0" eaLnBrk="1" fontAlgn="auto" latinLnBrk="0" hangingPunct="1">
+              <a:lnSpc>
+                <a:spcPct val="100000"/>
+              </a:lnSpc>
+              <a:spcBef>
+                <a:spcPts val="0"/>
+              </a:spcBef>
+              <a:spcAft>
+                <a:spcPts val="0"/>
+              </a:spcAft>
+              <a:buClrTx/>
+              <a:buSzTx/>
+              <a:buFontTx/>
+              <a:buNone/>
+              <a:tabLst/>
+              <a:defRPr/>
+            </a:pPr>
+            <a:r>
+              <a:rPr lang="zh-CN" altLang="en-US" dirty="0"/>
+              <a:t>然后，实现不同的具体策略类，每个类都实现了策略接口，并提供了自己的算法或策略。</a:t>
+            </a:r>
+            <a:endParaRPr lang="en-US" altLang="zh-CN" dirty="0"/>
+          </a:p>
+          <a:p>
+            <a:pPr marL="0" marR="0" lvl="0" indent="0" algn="l" defTabSz="2438339" rtl="0" eaLnBrk="1" fontAlgn="auto" latinLnBrk="0" hangingPunct="1">
+              <a:lnSpc>
+                <a:spcPct val="100000"/>
+              </a:lnSpc>
+              <a:spcBef>
+                <a:spcPts val="0"/>
+              </a:spcBef>
+              <a:spcAft>
+                <a:spcPts val="0"/>
+              </a:spcAft>
+              <a:buClrTx/>
+              <a:buSzTx/>
+              <a:buFontTx/>
+              <a:buNone/>
+              <a:tabLst/>
+              <a:defRPr/>
+            </a:pPr>
+            <a:endParaRPr lang="en-US" altLang="zh-CN" dirty="0"/>
+          </a:p>
+          <a:p>
+            <a:pPr marL="0" marR="0" lvl="0" indent="0" algn="l" defTabSz="2438339" rtl="0" eaLnBrk="1" fontAlgn="auto" latinLnBrk="0" hangingPunct="1">
+              <a:lnSpc>
+                <a:spcPct val="100000"/>
+              </a:lnSpc>
+              <a:spcBef>
+                <a:spcPts val="0"/>
+              </a:spcBef>
+              <a:spcAft>
+                <a:spcPts val="0"/>
+              </a:spcAft>
+              <a:buClrTx/>
+              <a:buSzTx/>
+              <a:buFontTx/>
+              <a:buNone/>
+              <a:tabLst/>
+              <a:defRPr/>
+            </a:pPr>
+            <a:r>
+              <a:rPr lang="zh-CN" altLang="en-US" dirty="0"/>
+              <a:t>在运行时，你可以根据需要选择并设置合适的策略对象，并将其传递给上下文类。上下文类将调用所选策略的方法来完成相应的操作。</a:t>
+            </a:r>
+            <a:endParaRPr lang="en-US" dirty="0"/>
+          </a:p>
+          <a:p>
             <a:endParaRPr lang="en-US" dirty="0"/>
           </a:p>
         </p:txBody>
@@ -22087,7 +24001,7 @@
     </p:spTree>
     <p:extLst>
       <p:ext uri="{BB962C8B-B14F-4D97-AF65-F5344CB8AC3E}">
-        <p14:creationId xmlns:p14="http://schemas.microsoft.com/office/powerpoint/2010/main" val="3007327655"/>
+        <p14:creationId xmlns:p14="http://schemas.microsoft.com/office/powerpoint/2010/main" val="3793416727"/>
       </p:ext>
     </p:extLst>
   </p:cSld>
@@ -22141,36 +24055,16 @@
           <a:bodyPr/>
           <a:lstStyle/>
           <a:p>
-            <a:r>
-              <a:rPr lang="zh-CN" altLang="en-US" dirty="0"/>
-              <a:t>策略模式的优点：</a:t>
-            </a:r>
-            <a:endParaRPr lang="zh-CN" altLang="en-US" b="0" i="0" dirty="0">
-              <a:solidFill>
-                <a:srgbClr val="444444"/>
-              </a:solidFill>
-              <a:effectLst/>
-              <a:latin typeface="PT Sans" panose="020B0503020203020204" pitchFamily="34" charset="0"/>
-            </a:endParaRPr>
-          </a:p>
-          <a:p>
-            <a:pPr algn="l">
-              <a:buFont typeface="Arial" panose="020B0604020202020204" pitchFamily="34" charset="0"/>
-              <a:buChar char="•"/>
-            </a:pPr>
+            <a:pPr algn="l"/>
             <a:r>
               <a:rPr lang="zh-CN" altLang="en-US" b="0" i="0" dirty="0">
                 <a:solidFill>
-                  <a:srgbClr val="444444"/>
+                  <a:srgbClr val="FFFFFF"/>
                 </a:solidFill>
                 <a:effectLst/>
-                <a:latin typeface="PT Sans" panose="020B0503020203020204" pitchFamily="34" charset="0"/>
+                <a:latin typeface="-apple-system"/>
               </a:rPr>
-              <a:t> </a:t>
-            </a:r>
-            <a:r>
-              <a:rPr lang="zh-CN" altLang="en-US" dirty="0"/>
-              <a:t>灵活性：策略模式允许在运行时选择不同的算法或策略，使得系统更加灵活，能够根据不同的需求进行动态切换</a:t>
+              <a:t>策略模式通常包含三个主要的组成部分：</a:t>
             </a:r>
           </a:p>
           <a:p>
@@ -22181,24 +24075,33 @@
             <a:r>
               <a:rPr lang="zh-CN" altLang="en-US" b="0" i="0" dirty="0">
                 <a:solidFill>
-                  <a:srgbClr val="444444"/>
+                  <a:srgbClr val="FFFFFF"/>
                 </a:solidFill>
                 <a:effectLst/>
-                <a:latin typeface="PT Sans" panose="020B0503020203020204" pitchFamily="34" charset="0"/>
+                <a:latin typeface="-apple-system"/>
               </a:rPr>
-              <a:t> 可以将算法的实现详细信息与使用它的代码隔离开来，</a:t>
+              <a:t>上下文（</a:t>
             </a:r>
             <a:r>
-              <a:rPr lang="zh-CN" altLang="en-US" dirty="0"/>
-              <a:t>使得代码更加清晰、易于理解和维护</a:t>
+              <a:rPr lang="en-US" altLang="zh-CN" b="0" i="0" dirty="0">
+                <a:solidFill>
+                  <a:srgbClr val="FFFFFF"/>
+                </a:solidFill>
+                <a:effectLst/>
+                <a:latin typeface="-apple-system"/>
+              </a:rPr>
+              <a:t>Context</a:t>
             </a:r>
-            <a:endParaRPr lang="zh-CN" altLang="en-US" b="0" i="0" dirty="0">
-              <a:solidFill>
-                <a:srgbClr val="444444"/>
-              </a:solidFill>
-              <a:effectLst/>
-              <a:latin typeface="PT Sans" panose="020B0503020203020204" pitchFamily="34" charset="0"/>
-            </a:endParaRPr>
+            <a:r>
+              <a:rPr lang="zh-CN" altLang="en-US" b="0" i="0" dirty="0">
+                <a:solidFill>
+                  <a:srgbClr val="FFFFFF"/>
+                </a:solidFill>
+                <a:effectLst/>
+                <a:latin typeface="-apple-system"/>
+              </a:rPr>
+              <a:t>）：上下文是策略模式的核心，它包含了策略的引用，并在运行时调用所选择的策略。</a:t>
+            </a:r>
           </a:p>
           <a:p>
             <a:pPr algn="l">
@@ -22208,73 +24111,33 @@
             <a:r>
               <a:rPr lang="zh-CN" altLang="en-US" b="0" i="0" dirty="0">
                 <a:solidFill>
-                  <a:srgbClr val="444444"/>
+                  <a:srgbClr val="FFFFFF"/>
                 </a:solidFill>
                 <a:effectLst/>
-                <a:latin typeface="PT Sans" panose="020B0503020203020204" pitchFamily="34" charset="0"/>
+                <a:latin typeface="-apple-system"/>
               </a:rPr>
-              <a:t> </a:t>
+              <a:t>策略接口（</a:t>
             </a:r>
             <a:r>
-              <a:rPr lang="zh-CN" altLang="en-US" sz="3200" b="0" i="0" kern="1200" dirty="0">
+              <a:rPr lang="en-US" altLang="zh-CN" b="0" i="0" dirty="0">
                 <a:solidFill>
-                  <a:srgbClr val="444444"/>
+                  <a:srgbClr val="FFFFFF"/>
                 </a:solidFill>
                 <a:effectLst/>
-                <a:latin typeface="PT Sans" panose="020B0503020203020204" pitchFamily="34" charset="0"/>
-                <a:ea typeface="+mn-ea"/>
-                <a:cs typeface="+mn-cs"/>
+                <a:latin typeface="-apple-system"/>
               </a:rPr>
-              <a:t>开</a:t>
+              <a:t>Strategy Interface</a:t>
             </a:r>
             <a:r>
-              <a:rPr lang="en-US" altLang="zh-CN" sz="3200" b="0" i="0" kern="1200" dirty="0">
+              <a:rPr lang="zh-CN" altLang="en-US" b="0" i="0" dirty="0">
                 <a:solidFill>
-                  <a:srgbClr val="444444"/>
+                  <a:srgbClr val="FFFFFF"/>
                 </a:solidFill>
                 <a:effectLst/>
-                <a:latin typeface="PT Sans" panose="020B0503020203020204" pitchFamily="34" charset="0"/>
-                <a:ea typeface="+mn-ea"/>
-                <a:cs typeface="+mn-cs"/>
+                <a:latin typeface="-apple-system"/>
               </a:rPr>
-              <a:t>/</a:t>
+              <a:t>）：策略接口定义了所有具体策略类必须实现的方法，确保它们具有一致的行为。</a:t>
             </a:r>
-            <a:r>
-              <a:rPr lang="zh-CN" altLang="en-US" sz="3200" b="0" i="0" kern="1200" dirty="0">
-                <a:solidFill>
-                  <a:srgbClr val="444444"/>
-                </a:solidFill>
-                <a:effectLst/>
-                <a:latin typeface="PT Sans" panose="020B0503020203020204" pitchFamily="34" charset="0"/>
-                <a:ea typeface="+mn-ea"/>
-                <a:cs typeface="+mn-cs"/>
-              </a:rPr>
-              <a:t>闭原则。您可以</a:t>
-            </a:r>
-            <a:r>
-              <a:rPr lang="zh-CN" altLang="en-US" dirty="0"/>
-              <a:t>通过添加新的策略类，很容易地扩展系统的功能，而无需修改现有的代码</a:t>
-            </a:r>
-          </a:p>
-          <a:p>
-            <a:endParaRPr lang="zh-CN" altLang="en-US" dirty="0"/>
-          </a:p>
-          <a:p>
-            <a:r>
-              <a:rPr lang="zh-CN" altLang="en-US" dirty="0"/>
-              <a:t>策略模式的缺</a:t>
-            </a:r>
-            <a:r>
-              <a:rPr lang="zh-CN" altLang="en-US"/>
-              <a:t>点：</a:t>
-            </a:r>
-            <a:endParaRPr lang="zh-CN" altLang="en-US" b="0" i="0" dirty="0">
-              <a:solidFill>
-                <a:srgbClr val="444444"/>
-              </a:solidFill>
-              <a:effectLst/>
-              <a:latin typeface="PT Sans" panose="020B0503020203020204" pitchFamily="34" charset="0"/>
-            </a:endParaRPr>
           </a:p>
           <a:p>
             <a:pPr algn="l">
@@ -22284,17 +24147,35 @@
             <a:r>
               <a:rPr lang="zh-CN" altLang="en-US" b="0" i="0" dirty="0">
                 <a:solidFill>
-                  <a:srgbClr val="444444"/>
+                  <a:srgbClr val="FFFFFF"/>
                 </a:solidFill>
                 <a:effectLst/>
-                <a:latin typeface="PT Sans" panose="020B0503020203020204" pitchFamily="34" charset="0"/>
+                <a:latin typeface="-apple-system"/>
               </a:rPr>
-              <a:t> </a:t>
+              <a:t>具体策略类（</a:t>
             </a:r>
             <a:r>
-              <a:rPr lang="zh-CN" altLang="en-US" dirty="0"/>
-              <a:t>客户端必须了解不同的策略：客户端需要明确了解不同的策略类，并选择合适的策略进行使用，增加了客户端的复杂性。</a:t>
+              <a:rPr lang="en-US" altLang="zh-CN" b="0" i="0" dirty="0">
+                <a:solidFill>
+                  <a:srgbClr val="FFFFFF"/>
+                </a:solidFill>
+                <a:effectLst/>
+                <a:latin typeface="-apple-system"/>
+              </a:rPr>
+              <a:t>Concrete Strategies</a:t>
             </a:r>
+            <a:r>
+              <a:rPr lang="zh-CN" altLang="en-US" b="0" i="0" dirty="0">
+                <a:solidFill>
+                  <a:srgbClr val="FFFFFF"/>
+                </a:solidFill>
+                <a:effectLst/>
+                <a:latin typeface="-apple-system"/>
+              </a:rPr>
+              <a:t>）：每个具体策略类都实现了策略接口，并提供了具体的算法或策略的实现。</a:t>
+            </a:r>
+          </a:p>
+          <a:p>
             <a:endParaRPr lang="en-US" dirty="0"/>
           </a:p>
         </p:txBody>
@@ -22325,7 +24206,7 @@
     </p:spTree>
     <p:extLst>
       <p:ext uri="{BB962C8B-B14F-4D97-AF65-F5344CB8AC3E}">
-        <p14:creationId xmlns:p14="http://schemas.microsoft.com/office/powerpoint/2010/main" val="2417297133"/>
+        <p14:creationId xmlns:p14="http://schemas.microsoft.com/office/powerpoint/2010/main" val="3007327655"/>
       </p:ext>
     </p:extLst>
   </p:cSld>
@@ -24666,7 +26547,7 @@
           <a:p>
             <a:fld id="{822760BF-B81F-4B4F-BD54-723812BEFC93}" type="datetimeFigureOut">
               <a:rPr lang="en-US" smtClean="0"/>
-              <a:t>23-Sep-2023</a:t>
+              <a:t>25-Sep-2023</a:t>
             </a:fld>
             <a:endParaRPr lang="en-US"/>
           </a:p>
@@ -25588,7 +27469,7 @@
           <a:p>
             <a:r>
               <a:rPr lang="en-US" b="1" dirty="0"/>
-              <a:t>3. </a:t>
+              <a:t>2. </a:t>
             </a:r>
             <a:r>
               <a:rPr lang="en-US" b="1" kern="1200" dirty="0">
@@ -25596,7 +27477,7 @@
                 <a:ea typeface="+mn-ea"/>
                 <a:cs typeface="+mn-cs"/>
               </a:rPr>
-              <a:t>Iterator</a:t>
+              <a:t>Strategy</a:t>
             </a:r>
             <a:br>
               <a:rPr lang="en-US" dirty="0"/>
@@ -25607,144 +27488,38 @@
       </p:sp>
       <p:pic>
         <p:nvPicPr>
-          <p:cNvPr id="1030" name="Picture 6" descr="各种类型的收藏">
+          <p:cNvPr id="6" name="Picture 5">
             <a:extLst>
               <a:ext uri="{FF2B5EF4-FFF2-40B4-BE49-F238E27FC236}">
-                <a16:creationId xmlns:a16="http://schemas.microsoft.com/office/drawing/2014/main" id="{5FE7F1D1-D57A-8D02-30F2-E2B4982C08AE}"/>
+                <a16:creationId xmlns:a16="http://schemas.microsoft.com/office/drawing/2014/main" id="{952EE121-739E-6861-D4C8-529556D1CEB3}"/>
               </a:ext>
             </a:extLst>
           </p:cNvPr>
           <p:cNvPicPr>
-            <a:picLocks noChangeAspect="1" noChangeArrowheads="1"/>
+            <a:picLocks noChangeAspect="1"/>
           </p:cNvPicPr>
           <p:nvPr/>
         </p:nvPicPr>
         <p:blipFill>
-          <a:blip r:embed="rId3">
-            <a:extLst>
-              <a:ext uri="{28A0092B-C50C-407E-A947-70E740481C1C}">
-                <a14:useLocalDpi xmlns:a14="http://schemas.microsoft.com/office/drawing/2010/main" val="0"/>
-              </a:ext>
-            </a:extLst>
-          </a:blip>
-          <a:srcRect/>
+          <a:blip r:embed="rId3"/>
           <a:stretch>
             <a:fillRect/>
           </a:stretch>
         </p:blipFill>
-        <p:spPr bwMode="auto">
+        <p:spPr>
           <a:xfrm>
-            <a:off x="3767064" y="2602895"/>
-            <a:ext cx="15035836" cy="3068538"/>
+            <a:off x="4199112" y="3185592"/>
+            <a:ext cx="14692785" cy="6572530"/>
           </a:xfrm>
           <a:prstGeom prst="rect">
             <a:avLst/>
           </a:prstGeom>
-          <a:noFill/>
-          <a:extLst>
-            <a:ext uri="{909E8E84-426E-40DD-AFC4-6F175D3DCCD1}">
-              <a14:hiddenFill xmlns:a14="http://schemas.microsoft.com/office/drawing/2010/main">
-                <a:solidFill>
-                  <a:srgbClr val="FFFFFF"/>
-                </a:solidFill>
-              </a14:hiddenFill>
-            </a:ext>
-          </a:extLst>
         </p:spPr>
       </p:pic>
-      <p:pic>
-        <p:nvPicPr>
-          <p:cNvPr id="1032" name="Picture 8" descr="各种遍历算法">
-            <a:extLst>
-              <a:ext uri="{FF2B5EF4-FFF2-40B4-BE49-F238E27FC236}">
-                <a16:creationId xmlns:a16="http://schemas.microsoft.com/office/drawing/2014/main" id="{FA13AA82-585F-CAF8-983E-890D794FB78F}"/>
-              </a:ext>
-            </a:extLst>
-          </p:cNvPr>
-          <p:cNvPicPr>
-            <a:picLocks noChangeAspect="1" noChangeArrowheads="1"/>
-          </p:cNvPicPr>
-          <p:nvPr/>
-        </p:nvPicPr>
-        <p:blipFill>
-          <a:blip r:embed="rId4">
-            <a:extLst>
-              <a:ext uri="{28A0092B-C50C-407E-A947-70E740481C1C}">
-                <a14:useLocalDpi xmlns:a14="http://schemas.microsoft.com/office/drawing/2010/main" val="0"/>
-              </a:ext>
-            </a:extLst>
-          </a:blip>
-          <a:srcRect/>
-          <a:stretch>
-            <a:fillRect/>
-          </a:stretch>
-        </p:blipFill>
-        <p:spPr bwMode="auto">
-          <a:xfrm>
-            <a:off x="3944701" y="5993904"/>
-            <a:ext cx="16471830" cy="4392488"/>
-          </a:xfrm>
-          <a:prstGeom prst="rect">
-            <a:avLst/>
-          </a:prstGeom>
-          <a:noFill/>
-          <a:extLst>
-            <a:ext uri="{909E8E84-426E-40DD-AFC4-6F175D3DCCD1}">
-              <a14:hiddenFill xmlns:a14="http://schemas.microsoft.com/office/drawing/2010/main">
-                <a:solidFill>
-                  <a:srgbClr val="FFFFFF"/>
-                </a:solidFill>
-              </a14:hiddenFill>
-            </a:ext>
-          </a:extLst>
-        </p:spPr>
-      </p:pic>
-      <p:sp>
-        <p:nvSpPr>
-          <p:cNvPr id="6" name="TextBox 5">
-            <a:extLst>
-              <a:ext uri="{FF2B5EF4-FFF2-40B4-BE49-F238E27FC236}">
-                <a16:creationId xmlns:a16="http://schemas.microsoft.com/office/drawing/2014/main" id="{29B3E2C0-6587-B64D-B030-79A3B120D83D}"/>
-              </a:ext>
-            </a:extLst>
-          </p:cNvPr>
-          <p:cNvSpPr txBox="1"/>
-          <p:nvPr/>
-        </p:nvSpPr>
-        <p:spPr>
-          <a:xfrm>
-            <a:off x="4271120" y="10962456"/>
-            <a:ext cx="16471830" cy="830997"/>
-          </a:xfrm>
-          <a:prstGeom prst="rect">
-            <a:avLst/>
-          </a:prstGeom>
-          <a:noFill/>
-        </p:spPr>
-        <p:txBody>
-          <a:bodyPr wrap="square">
-            <a:spAutoFit/>
-          </a:bodyPr>
-          <a:lstStyle/>
-          <a:p>
-            <a:r>
-              <a:rPr lang="en-US" b="0" i="1" dirty="0">
-                <a:solidFill>
-                  <a:srgbClr val="999999"/>
-                </a:solidFill>
-                <a:effectLst/>
-                <a:latin typeface="PT Sans" panose="020B0503020203020204" pitchFamily="34" charset="0"/>
-              </a:rPr>
-              <a:t>The same collection can be traversed in several different ways.</a:t>
-            </a:r>
-            <a:endParaRPr lang="en-US" dirty="0"/>
-          </a:p>
-        </p:txBody>
-      </p:sp>
     </p:spTree>
     <p:extLst>
       <p:ext uri="{BB962C8B-B14F-4D97-AF65-F5344CB8AC3E}">
-        <p14:creationId xmlns:p14="http://schemas.microsoft.com/office/powerpoint/2010/main" val="3735070334"/>
+        <p14:creationId xmlns:p14="http://schemas.microsoft.com/office/powerpoint/2010/main" val="3284009479"/>
       </p:ext>
     </p:extLst>
   </p:cSld>
@@ -25865,7 +27640,7 @@
                 <a:ea typeface="+mn-ea"/>
                 <a:cs typeface="+mn-cs"/>
               </a:rPr>
-              <a:t>Iterator</a:t>
+              <a:t>Template Method</a:t>
             </a:r>
             <a:br>
               <a:rPr lang="en-US" dirty="0"/>
@@ -25876,10 +27651,40 @@
       </p:sp>
       <p:pic>
         <p:nvPicPr>
-          <p:cNvPr id="1026" name="Picture 2" descr="Structure of the Iterator design pattern">
+          <p:cNvPr id="7" name="Picture 6">
             <a:extLst>
               <a:ext uri="{FF2B5EF4-FFF2-40B4-BE49-F238E27FC236}">
-                <a16:creationId xmlns:a16="http://schemas.microsoft.com/office/drawing/2014/main" id="{0AEF86A3-A8BB-9C13-0590-702E1B309194}"/>
+                <a16:creationId xmlns:a16="http://schemas.microsoft.com/office/drawing/2014/main" id="{A2BF53B0-44EA-8C15-9AF9-E55348473AFE}"/>
+              </a:ext>
+            </a:extLst>
+          </p:cNvPr>
+          <p:cNvPicPr>
+            <a:picLocks noChangeAspect="1"/>
+          </p:cNvPicPr>
+          <p:nvPr/>
+        </p:nvPicPr>
+        <p:blipFill>
+          <a:blip r:embed="rId3"/>
+          <a:stretch>
+            <a:fillRect/>
+          </a:stretch>
+        </p:blipFill>
+        <p:spPr>
+          <a:xfrm>
+            <a:off x="3063956" y="3988774"/>
+            <a:ext cx="7774709" cy="4752528"/>
+          </a:xfrm>
+          <a:prstGeom prst="rect">
+            <a:avLst/>
+          </a:prstGeom>
+        </p:spPr>
+      </p:pic>
+      <p:pic>
+        <p:nvPicPr>
+          <p:cNvPr id="8" name="Picture 2" descr="Structure of the Template Method design pattern">
+            <a:extLst>
+              <a:ext uri="{FF2B5EF4-FFF2-40B4-BE49-F238E27FC236}">
+                <a16:creationId xmlns:a16="http://schemas.microsoft.com/office/drawing/2014/main" id="{6C602C72-EF34-7F7D-0ACA-49C966034AA0}"/>
               </a:ext>
             </a:extLst>
           </p:cNvPr>
@@ -25889,7 +27694,7 @@
           <p:nvPr/>
         </p:nvPicPr>
         <p:blipFill>
-          <a:blip r:embed="rId3">
+          <a:blip r:embed="rId4">
             <a:extLst>
               <a:ext uri="{28A0092B-C50C-407E-A947-70E740481C1C}">
                 <a14:useLocalDpi xmlns:a14="http://schemas.microsoft.com/office/drawing/2010/main" val="0"/>
@@ -25903,8 +27708,8 @@
         </p:blipFill>
         <p:spPr bwMode="auto">
           <a:xfrm>
-            <a:off x="10319792" y="1475999"/>
-            <a:ext cx="10206880" cy="9143663"/>
+            <a:off x="12480032" y="2291306"/>
+            <a:ext cx="8171978" cy="9133387"/>
           </a:xfrm>
           <a:prstGeom prst="rect">
             <a:avLst/>
@@ -25921,38 +27726,91 @@
           </a:extLst>
         </p:spPr>
       </p:pic>
-      <p:graphicFrame>
-        <p:nvGraphicFramePr>
-          <p:cNvPr id="4" name="Diagram 3">
-            <a:extLst>
-              <a:ext uri="{FF2B5EF4-FFF2-40B4-BE49-F238E27FC236}">
-                <a16:creationId xmlns:a16="http://schemas.microsoft.com/office/drawing/2014/main" id="{B47080E8-0602-993C-35A2-C52214EE5B2A}"/>
-              </a:ext>
-            </a:extLst>
-          </p:cNvPr>
-          <p:cNvGraphicFramePr/>
-          <p:nvPr/>
-        </p:nvGraphicFramePr>
-        <p:xfrm>
-          <a:off x="1606824" y="3293604"/>
-          <a:ext cx="7098595" cy="4284476"/>
-        </p:xfrm>
-        <a:graphic>
-          <a:graphicData uri="http://schemas.openxmlformats.org/drawingml/2006/diagram">
-            <dgm:relIds xmlns:dgm="http://schemas.openxmlformats.org/drawingml/2006/diagram" xmlns:r="http://schemas.openxmlformats.org/officeDocument/2006/relationships" r:dm="rId4" r:lo="rId5" r:qs="rId6" r:cs="rId7"/>
-          </a:graphicData>
-        </a:graphic>
-      </p:graphicFrame>
     </p:spTree>
     <p:extLst>
       <p:ext uri="{BB962C8B-B14F-4D97-AF65-F5344CB8AC3E}">
-        <p14:creationId xmlns:p14="http://schemas.microsoft.com/office/powerpoint/2010/main" val="1534296091"/>
+        <p14:creationId xmlns:p14="http://schemas.microsoft.com/office/powerpoint/2010/main" val="461177462"/>
       </p:ext>
     </p:extLst>
   </p:cSld>
   <p:clrMapOvr>
     <a:masterClrMapping/>
   </p:clrMapOvr>
+  <p:timing>
+    <p:tnLst>
+      <p:par>
+        <p:cTn id="1" dur="indefinite" restart="never" nodeType="tmRoot">
+          <p:childTnLst>
+            <p:seq concurrent="1" nextAc="seek">
+              <p:cTn id="2" dur="indefinite" nodeType="mainSeq">
+                <p:childTnLst>
+                  <p:par>
+                    <p:cTn id="3" fill="hold">
+                      <p:stCondLst>
+                        <p:cond delay="indefinite"/>
+                      </p:stCondLst>
+                      <p:childTnLst>
+                        <p:par>
+                          <p:cTn id="4" fill="hold">
+                            <p:stCondLst>
+                              <p:cond delay="0"/>
+                            </p:stCondLst>
+                            <p:childTnLst>
+                              <p:par>
+                                <p:cTn id="5" presetID="1" presetClass="entr" presetSubtype="0" fill="hold" nodeType="clickEffect">
+                                  <p:stCondLst>
+                                    <p:cond delay="0"/>
+                                  </p:stCondLst>
+                                  <p:childTnLst>
+                                    <p:set>
+                                      <p:cBhvr>
+                                        <p:cTn id="6" dur="1" fill="hold">
+                                          <p:stCondLst>
+                                            <p:cond delay="0"/>
+                                          </p:stCondLst>
+                                        </p:cTn>
+                                        <p:tgtEl>
+                                          <p:spTgt spid="8"/>
+                                        </p:tgtEl>
+                                        <p:attrNameLst>
+                                          <p:attrName>style.visibility</p:attrName>
+                                        </p:attrNameLst>
+                                      </p:cBhvr>
+                                      <p:to>
+                                        <p:strVal val="visible"/>
+                                      </p:to>
+                                    </p:set>
+                                  </p:childTnLst>
+                                </p:cTn>
+                              </p:par>
+                            </p:childTnLst>
+                          </p:cTn>
+                        </p:par>
+                      </p:childTnLst>
+                    </p:cTn>
+                  </p:par>
+                </p:childTnLst>
+              </p:cTn>
+              <p:prevCondLst>
+                <p:cond evt="onPrev" delay="0">
+                  <p:tgtEl>
+                    <p:sldTgt/>
+                  </p:tgtEl>
+                </p:cond>
+              </p:prevCondLst>
+              <p:nextCondLst>
+                <p:cond evt="onNext" delay="0">
+                  <p:tgtEl>
+                    <p:sldTgt/>
+                  </p:tgtEl>
+                </p:cond>
+              </p:nextCondLst>
+            </p:seq>
+          </p:childTnLst>
+        </p:cTn>
+      </p:par>
+    </p:tnLst>
+  </p:timing>
 </p:sld>
 </file>
 
@@ -26067,7 +27925,7 @@
                 <a:ea typeface="+mn-ea"/>
                 <a:cs typeface="+mn-cs"/>
               </a:rPr>
-              <a:t>Iterator</a:t>
+              <a:t>Template Method</a:t>
             </a:r>
             <a:br>
               <a:rPr lang="en-US" dirty="0"/>
@@ -26078,10 +27936,10 @@
       </p:sp>
       <p:pic>
         <p:nvPicPr>
-          <p:cNvPr id="8" name="Picture 7">
+          <p:cNvPr id="9" name="Picture 8">
             <a:extLst>
               <a:ext uri="{FF2B5EF4-FFF2-40B4-BE49-F238E27FC236}">
-                <a16:creationId xmlns:a16="http://schemas.microsoft.com/office/drawing/2014/main" id="{6A4313A0-CFB9-5430-6BC7-B17683B17DD3}"/>
+                <a16:creationId xmlns:a16="http://schemas.microsoft.com/office/drawing/2014/main" id="{6E959EB8-0E12-7DC5-3B57-7B25F1ED3847}"/>
               </a:ext>
             </a:extLst>
           </p:cNvPr>
@@ -26098,8 +27956,38 @@
         </p:blipFill>
         <p:spPr>
           <a:xfrm>
-            <a:off x="3695056" y="1836944"/>
-            <a:ext cx="16129792" cy="9522851"/>
+            <a:off x="1503104" y="3329608"/>
+            <a:ext cx="18291079" cy="5112568"/>
+          </a:xfrm>
+          <a:prstGeom prst="rect">
+            <a:avLst/>
+          </a:prstGeom>
+        </p:spPr>
+      </p:pic>
+      <p:pic>
+        <p:nvPicPr>
+          <p:cNvPr id="10" name="Picture 9">
+            <a:extLst>
+              <a:ext uri="{FF2B5EF4-FFF2-40B4-BE49-F238E27FC236}">
+                <a16:creationId xmlns:a16="http://schemas.microsoft.com/office/drawing/2014/main" id="{116C7115-D6DD-102C-9CEC-B38DF9957AFB}"/>
+              </a:ext>
+            </a:extLst>
+          </p:cNvPr>
+          <p:cNvPicPr>
+            <a:picLocks noChangeAspect="1"/>
+          </p:cNvPicPr>
+          <p:nvPr/>
+        </p:nvPicPr>
+        <p:blipFill>
+          <a:blip r:embed="rId3"/>
+          <a:stretch>
+            <a:fillRect/>
+          </a:stretch>
+        </p:blipFill>
+        <p:spPr>
+          <a:xfrm>
+            <a:off x="1655504" y="3482008"/>
+            <a:ext cx="18291079" cy="5112568"/>
           </a:xfrm>
           <a:prstGeom prst="rect">
             <a:avLst/>
@@ -26109,7 +27997,7 @@
     </p:spTree>
     <p:extLst>
       <p:ext uri="{BB962C8B-B14F-4D97-AF65-F5344CB8AC3E}">
-        <p14:creationId xmlns:p14="http://schemas.microsoft.com/office/powerpoint/2010/main" val="2396239640"/>
+        <p14:creationId xmlns:p14="http://schemas.microsoft.com/office/powerpoint/2010/main" val="130350777"/>
       </p:ext>
     </p:extLst>
   </p:cSld>
@@ -26222,7 +28110,7 @@
           <a:p>
             <a:r>
               <a:rPr lang="en-US" b="1" dirty="0"/>
-              <a:t>5. </a:t>
+              <a:t>4. </a:t>
             </a:r>
             <a:r>
               <a:rPr lang="en-US" b="1" kern="1200" dirty="0">
@@ -26402,7 +28290,7 @@
           <a:p>
             <a:r>
               <a:rPr lang="en-US" b="1" dirty="0"/>
-              <a:t>5. </a:t>
+              <a:t>4. </a:t>
             </a:r>
             <a:r>
               <a:rPr lang="en-US" b="1" kern="1200" dirty="0">
@@ -26610,7 +28498,7 @@
           <a:p>
             <a:r>
               <a:rPr lang="en-US" b="1" dirty="0"/>
-              <a:t>5. </a:t>
+              <a:t>4. </a:t>
             </a:r>
             <a:r>
               <a:rPr lang="en-US" b="1" kern="1200" dirty="0">
@@ -26671,6 +28559,640 @@
 </file>
 
 <file path=ppt/slides/slide16.xml><?xml version="1.0" encoding="utf-8"?>
+<p:sld xmlns:a="http://schemas.openxmlformats.org/drawingml/2006/main" xmlns:r="http://schemas.openxmlformats.org/officeDocument/2006/relationships" xmlns:p="http://schemas.openxmlformats.org/presentationml/2006/main">
+  <p:cSld>
+    <p:spTree>
+      <p:nvGrpSpPr>
+        <p:cNvPr id="1" name=""/>
+        <p:cNvGrpSpPr/>
+        <p:nvPr/>
+      </p:nvGrpSpPr>
+      <p:grpSpPr>
+        <a:xfrm>
+          <a:off x="0" y="0"/>
+          <a:ext cx="0" cy="0"/>
+          <a:chOff x="0" y="0"/>
+          <a:chExt cx="0" cy="0"/>
+        </a:xfrm>
+      </p:grpSpPr>
+      <p:sp>
+        <p:nvSpPr>
+          <p:cNvPr id="2" name="Footer Placeholder 1">
+            <a:extLst>
+              <a:ext uri="{FF2B5EF4-FFF2-40B4-BE49-F238E27FC236}">
+                <a16:creationId xmlns:a16="http://schemas.microsoft.com/office/drawing/2014/main" id="{22DA5C28-F0FD-47D6-8E92-1C9E6EA87F96}"/>
+              </a:ext>
+            </a:extLst>
+          </p:cNvPr>
+          <p:cNvSpPr>
+            <a:spLocks noGrp="1"/>
+          </p:cNvSpPr>
+          <p:nvPr>
+            <p:ph type="ftr" sz="quarter" idx="3"/>
+          </p:nvPr>
+        </p:nvSpPr>
+        <p:spPr/>
+        <p:txBody>
+          <a:bodyPr/>
+          <a:lstStyle/>
+          <a:p>
+            <a:r>
+              <a:rPr lang="en-AU" dirty="0"/>
+              <a:t>© 2023 CargoWise</a:t>
+            </a:r>
+          </a:p>
+        </p:txBody>
+      </p:sp>
+      <p:sp>
+        <p:nvSpPr>
+          <p:cNvPr id="3" name="Slide Number Placeholder 2">
+            <a:extLst>
+              <a:ext uri="{FF2B5EF4-FFF2-40B4-BE49-F238E27FC236}">
+                <a16:creationId xmlns:a16="http://schemas.microsoft.com/office/drawing/2014/main" id="{15B20483-DDDA-4E06-872B-F88C31FDBA35}"/>
+              </a:ext>
+            </a:extLst>
+          </p:cNvPr>
+          <p:cNvSpPr>
+            <a:spLocks noGrp="1"/>
+          </p:cNvSpPr>
+          <p:nvPr>
+            <p:ph type="sldNum" sz="quarter" idx="4"/>
+          </p:nvPr>
+        </p:nvSpPr>
+        <p:spPr/>
+        <p:txBody>
+          <a:bodyPr/>
+          <a:lstStyle/>
+          <a:p>
+            <a:fld id="{67E7CB4E-0848-4774-9F85-B38117CB1B54}" type="slidenum">
+              <a:rPr lang="en-AU" smtClean="0"/>
+              <a:pPr/>
+              <a:t>16</a:t>
+            </a:fld>
+            <a:endParaRPr lang="en-AU"/>
+          </a:p>
+        </p:txBody>
+      </p:sp>
+      <p:sp>
+        <p:nvSpPr>
+          <p:cNvPr id="13" name="Title 9">
+            <a:extLst>
+              <a:ext uri="{FF2B5EF4-FFF2-40B4-BE49-F238E27FC236}">
+                <a16:creationId xmlns:a16="http://schemas.microsoft.com/office/drawing/2014/main" id="{3BAEBDBD-7B50-9F58-BD3C-27FF4C445264}"/>
+              </a:ext>
+            </a:extLst>
+          </p:cNvPr>
+          <p:cNvSpPr>
+            <a:spLocks noGrp="1"/>
+          </p:cNvSpPr>
+          <p:nvPr>
+            <p:ph type="title"/>
+          </p:nvPr>
+        </p:nvSpPr>
+        <p:spPr>
+          <a:xfrm>
+            <a:off x="1080000" y="1125271"/>
+            <a:ext cx="22201232" cy="701456"/>
+          </a:xfrm>
+        </p:spPr>
+        <p:txBody>
+          <a:bodyPr/>
+          <a:lstStyle/>
+          <a:p>
+            <a:r>
+              <a:rPr lang="en-US" b="1" dirty="0"/>
+              <a:t>5. </a:t>
+            </a:r>
+            <a:r>
+              <a:rPr lang="en-US" b="1" kern="1200" dirty="0">
+                <a:latin typeface="Calibri" panose="020F0502020204030204"/>
+                <a:ea typeface="+mn-ea"/>
+                <a:cs typeface="+mn-cs"/>
+              </a:rPr>
+              <a:t>Iterator</a:t>
+            </a:r>
+            <a:br>
+              <a:rPr lang="en-US" dirty="0"/>
+            </a:br>
+            <a:endParaRPr lang="en-US" dirty="0"/>
+          </a:p>
+        </p:txBody>
+      </p:sp>
+      <p:pic>
+        <p:nvPicPr>
+          <p:cNvPr id="1030" name="Picture 6" descr="各种类型的收藏">
+            <a:extLst>
+              <a:ext uri="{FF2B5EF4-FFF2-40B4-BE49-F238E27FC236}">
+                <a16:creationId xmlns:a16="http://schemas.microsoft.com/office/drawing/2014/main" id="{5FE7F1D1-D57A-8D02-30F2-E2B4982C08AE}"/>
+              </a:ext>
+            </a:extLst>
+          </p:cNvPr>
+          <p:cNvPicPr>
+            <a:picLocks noChangeAspect="1" noChangeArrowheads="1"/>
+          </p:cNvPicPr>
+          <p:nvPr/>
+        </p:nvPicPr>
+        <p:blipFill>
+          <a:blip r:embed="rId3">
+            <a:extLst>
+              <a:ext uri="{28A0092B-C50C-407E-A947-70E740481C1C}">
+                <a14:useLocalDpi xmlns:a14="http://schemas.microsoft.com/office/drawing/2010/main" val="0"/>
+              </a:ext>
+            </a:extLst>
+          </a:blip>
+          <a:srcRect/>
+          <a:stretch>
+            <a:fillRect/>
+          </a:stretch>
+        </p:blipFill>
+        <p:spPr bwMode="auto">
+          <a:xfrm>
+            <a:off x="3767064" y="2602895"/>
+            <a:ext cx="15035836" cy="3068538"/>
+          </a:xfrm>
+          <a:prstGeom prst="rect">
+            <a:avLst/>
+          </a:prstGeom>
+          <a:noFill/>
+          <a:extLst>
+            <a:ext uri="{909E8E84-426E-40DD-AFC4-6F175D3DCCD1}">
+              <a14:hiddenFill xmlns:a14="http://schemas.microsoft.com/office/drawing/2010/main">
+                <a:solidFill>
+                  <a:srgbClr val="FFFFFF"/>
+                </a:solidFill>
+              </a14:hiddenFill>
+            </a:ext>
+          </a:extLst>
+        </p:spPr>
+      </p:pic>
+      <p:pic>
+        <p:nvPicPr>
+          <p:cNvPr id="1032" name="Picture 8" descr="各种遍历算法">
+            <a:extLst>
+              <a:ext uri="{FF2B5EF4-FFF2-40B4-BE49-F238E27FC236}">
+                <a16:creationId xmlns:a16="http://schemas.microsoft.com/office/drawing/2014/main" id="{FA13AA82-585F-CAF8-983E-890D794FB78F}"/>
+              </a:ext>
+            </a:extLst>
+          </p:cNvPr>
+          <p:cNvPicPr>
+            <a:picLocks noChangeAspect="1" noChangeArrowheads="1"/>
+          </p:cNvPicPr>
+          <p:nvPr/>
+        </p:nvPicPr>
+        <p:blipFill>
+          <a:blip r:embed="rId4">
+            <a:extLst>
+              <a:ext uri="{28A0092B-C50C-407E-A947-70E740481C1C}">
+                <a14:useLocalDpi xmlns:a14="http://schemas.microsoft.com/office/drawing/2010/main" val="0"/>
+              </a:ext>
+            </a:extLst>
+          </a:blip>
+          <a:srcRect/>
+          <a:stretch>
+            <a:fillRect/>
+          </a:stretch>
+        </p:blipFill>
+        <p:spPr bwMode="auto">
+          <a:xfrm>
+            <a:off x="3944701" y="5993904"/>
+            <a:ext cx="16471830" cy="4392488"/>
+          </a:xfrm>
+          <a:prstGeom prst="rect">
+            <a:avLst/>
+          </a:prstGeom>
+          <a:noFill/>
+          <a:extLst>
+            <a:ext uri="{909E8E84-426E-40DD-AFC4-6F175D3DCCD1}">
+              <a14:hiddenFill xmlns:a14="http://schemas.microsoft.com/office/drawing/2010/main">
+                <a:solidFill>
+                  <a:srgbClr val="FFFFFF"/>
+                </a:solidFill>
+              </a14:hiddenFill>
+            </a:ext>
+          </a:extLst>
+        </p:spPr>
+      </p:pic>
+      <p:sp>
+        <p:nvSpPr>
+          <p:cNvPr id="6" name="TextBox 5">
+            <a:extLst>
+              <a:ext uri="{FF2B5EF4-FFF2-40B4-BE49-F238E27FC236}">
+                <a16:creationId xmlns:a16="http://schemas.microsoft.com/office/drawing/2014/main" id="{29B3E2C0-6587-B64D-B030-79A3B120D83D}"/>
+              </a:ext>
+            </a:extLst>
+          </p:cNvPr>
+          <p:cNvSpPr txBox="1"/>
+          <p:nvPr/>
+        </p:nvSpPr>
+        <p:spPr>
+          <a:xfrm>
+            <a:off x="4271120" y="10962456"/>
+            <a:ext cx="16471830" cy="830997"/>
+          </a:xfrm>
+          <a:prstGeom prst="rect">
+            <a:avLst/>
+          </a:prstGeom>
+          <a:noFill/>
+        </p:spPr>
+        <p:txBody>
+          <a:bodyPr wrap="square">
+            <a:spAutoFit/>
+          </a:bodyPr>
+          <a:lstStyle/>
+          <a:p>
+            <a:r>
+              <a:rPr lang="en-US" b="0" i="1" dirty="0">
+                <a:solidFill>
+                  <a:srgbClr val="999999"/>
+                </a:solidFill>
+                <a:effectLst/>
+                <a:latin typeface="PT Sans" panose="020B0503020203020204" pitchFamily="34" charset="0"/>
+              </a:rPr>
+              <a:t>The same collection can be traversed in several different ways.</a:t>
+            </a:r>
+            <a:endParaRPr lang="en-US" dirty="0"/>
+          </a:p>
+        </p:txBody>
+      </p:sp>
+    </p:spTree>
+    <p:extLst>
+      <p:ext uri="{BB962C8B-B14F-4D97-AF65-F5344CB8AC3E}">
+        <p14:creationId xmlns:p14="http://schemas.microsoft.com/office/powerpoint/2010/main" val="3735070334"/>
+      </p:ext>
+    </p:extLst>
+  </p:cSld>
+  <p:clrMapOvr>
+    <a:masterClrMapping/>
+  </p:clrMapOvr>
+</p:sld>
+</file>
+
+<file path=ppt/slides/slide17.xml><?xml version="1.0" encoding="utf-8"?>
+<p:sld xmlns:a="http://schemas.openxmlformats.org/drawingml/2006/main" xmlns:r="http://schemas.openxmlformats.org/officeDocument/2006/relationships" xmlns:p="http://schemas.openxmlformats.org/presentationml/2006/main">
+  <p:cSld>
+    <p:spTree>
+      <p:nvGrpSpPr>
+        <p:cNvPr id="1" name=""/>
+        <p:cNvGrpSpPr/>
+        <p:nvPr/>
+      </p:nvGrpSpPr>
+      <p:grpSpPr>
+        <a:xfrm>
+          <a:off x="0" y="0"/>
+          <a:ext cx="0" cy="0"/>
+          <a:chOff x="0" y="0"/>
+          <a:chExt cx="0" cy="0"/>
+        </a:xfrm>
+      </p:grpSpPr>
+      <p:sp>
+        <p:nvSpPr>
+          <p:cNvPr id="2" name="Footer Placeholder 1">
+            <a:extLst>
+              <a:ext uri="{FF2B5EF4-FFF2-40B4-BE49-F238E27FC236}">
+                <a16:creationId xmlns:a16="http://schemas.microsoft.com/office/drawing/2014/main" id="{22DA5C28-F0FD-47D6-8E92-1C9E6EA87F96}"/>
+              </a:ext>
+            </a:extLst>
+          </p:cNvPr>
+          <p:cNvSpPr>
+            <a:spLocks noGrp="1"/>
+          </p:cNvSpPr>
+          <p:nvPr>
+            <p:ph type="ftr" sz="quarter" idx="3"/>
+          </p:nvPr>
+        </p:nvSpPr>
+        <p:spPr/>
+        <p:txBody>
+          <a:bodyPr/>
+          <a:lstStyle/>
+          <a:p>
+            <a:r>
+              <a:rPr lang="en-AU" dirty="0"/>
+              <a:t>© 2023 CargoWise</a:t>
+            </a:r>
+          </a:p>
+        </p:txBody>
+      </p:sp>
+      <p:sp>
+        <p:nvSpPr>
+          <p:cNvPr id="3" name="Slide Number Placeholder 2">
+            <a:extLst>
+              <a:ext uri="{FF2B5EF4-FFF2-40B4-BE49-F238E27FC236}">
+                <a16:creationId xmlns:a16="http://schemas.microsoft.com/office/drawing/2014/main" id="{15B20483-DDDA-4E06-872B-F88C31FDBA35}"/>
+              </a:ext>
+            </a:extLst>
+          </p:cNvPr>
+          <p:cNvSpPr>
+            <a:spLocks noGrp="1"/>
+          </p:cNvSpPr>
+          <p:nvPr>
+            <p:ph type="sldNum" sz="quarter" idx="4"/>
+          </p:nvPr>
+        </p:nvSpPr>
+        <p:spPr/>
+        <p:txBody>
+          <a:bodyPr/>
+          <a:lstStyle/>
+          <a:p>
+            <a:fld id="{67E7CB4E-0848-4774-9F85-B38117CB1B54}" type="slidenum">
+              <a:rPr lang="en-AU" smtClean="0"/>
+              <a:pPr/>
+              <a:t>17</a:t>
+            </a:fld>
+            <a:endParaRPr lang="en-AU"/>
+          </a:p>
+        </p:txBody>
+      </p:sp>
+      <p:sp>
+        <p:nvSpPr>
+          <p:cNvPr id="13" name="Title 9">
+            <a:extLst>
+              <a:ext uri="{FF2B5EF4-FFF2-40B4-BE49-F238E27FC236}">
+                <a16:creationId xmlns:a16="http://schemas.microsoft.com/office/drawing/2014/main" id="{3BAEBDBD-7B50-9F58-BD3C-27FF4C445264}"/>
+              </a:ext>
+            </a:extLst>
+          </p:cNvPr>
+          <p:cNvSpPr>
+            <a:spLocks noGrp="1"/>
+          </p:cNvSpPr>
+          <p:nvPr>
+            <p:ph type="title"/>
+          </p:nvPr>
+        </p:nvSpPr>
+        <p:spPr>
+          <a:xfrm>
+            <a:off x="1080000" y="1125271"/>
+            <a:ext cx="22201232" cy="701456"/>
+          </a:xfrm>
+        </p:spPr>
+        <p:txBody>
+          <a:bodyPr/>
+          <a:lstStyle/>
+          <a:p>
+            <a:r>
+              <a:rPr lang="en-US" b="1" dirty="0"/>
+              <a:t>5. </a:t>
+            </a:r>
+            <a:r>
+              <a:rPr lang="en-US" b="1" kern="1200" dirty="0">
+                <a:latin typeface="Calibri" panose="020F0502020204030204"/>
+                <a:ea typeface="+mn-ea"/>
+                <a:cs typeface="+mn-cs"/>
+              </a:rPr>
+              <a:t>Iterator</a:t>
+            </a:r>
+            <a:br>
+              <a:rPr lang="en-US" dirty="0"/>
+            </a:br>
+            <a:endParaRPr lang="en-US" dirty="0"/>
+          </a:p>
+        </p:txBody>
+      </p:sp>
+      <p:pic>
+        <p:nvPicPr>
+          <p:cNvPr id="1026" name="Picture 2" descr="Structure of the Iterator design pattern">
+            <a:extLst>
+              <a:ext uri="{FF2B5EF4-FFF2-40B4-BE49-F238E27FC236}">
+                <a16:creationId xmlns:a16="http://schemas.microsoft.com/office/drawing/2014/main" id="{0AEF86A3-A8BB-9C13-0590-702E1B309194}"/>
+              </a:ext>
+            </a:extLst>
+          </p:cNvPr>
+          <p:cNvPicPr>
+            <a:picLocks noChangeAspect="1" noChangeArrowheads="1"/>
+          </p:cNvPicPr>
+          <p:nvPr/>
+        </p:nvPicPr>
+        <p:blipFill>
+          <a:blip r:embed="rId3">
+            <a:extLst>
+              <a:ext uri="{28A0092B-C50C-407E-A947-70E740481C1C}">
+                <a14:useLocalDpi xmlns:a14="http://schemas.microsoft.com/office/drawing/2010/main" val="0"/>
+              </a:ext>
+            </a:extLst>
+          </a:blip>
+          <a:srcRect/>
+          <a:stretch>
+            <a:fillRect/>
+          </a:stretch>
+        </p:blipFill>
+        <p:spPr bwMode="auto">
+          <a:xfrm>
+            <a:off x="10319792" y="1475999"/>
+            <a:ext cx="10206880" cy="9143663"/>
+          </a:xfrm>
+          <a:prstGeom prst="rect">
+            <a:avLst/>
+          </a:prstGeom>
+          <a:noFill/>
+          <a:extLst>
+            <a:ext uri="{909E8E84-426E-40DD-AFC4-6F175D3DCCD1}">
+              <a14:hiddenFill xmlns:a14="http://schemas.microsoft.com/office/drawing/2010/main">
+                <a:solidFill>
+                  <a:srgbClr val="FFFFFF"/>
+                </a:solidFill>
+              </a14:hiddenFill>
+            </a:ext>
+          </a:extLst>
+        </p:spPr>
+      </p:pic>
+      <p:graphicFrame>
+        <p:nvGraphicFramePr>
+          <p:cNvPr id="4" name="Diagram 3">
+            <a:extLst>
+              <a:ext uri="{FF2B5EF4-FFF2-40B4-BE49-F238E27FC236}">
+                <a16:creationId xmlns:a16="http://schemas.microsoft.com/office/drawing/2014/main" id="{B47080E8-0602-993C-35A2-C52214EE5B2A}"/>
+              </a:ext>
+            </a:extLst>
+          </p:cNvPr>
+          <p:cNvGraphicFramePr/>
+          <p:nvPr/>
+        </p:nvGraphicFramePr>
+        <p:xfrm>
+          <a:off x="1606824" y="3293604"/>
+          <a:ext cx="7098595" cy="4284476"/>
+        </p:xfrm>
+        <a:graphic>
+          <a:graphicData uri="http://schemas.openxmlformats.org/drawingml/2006/diagram">
+            <dgm:relIds xmlns:dgm="http://schemas.openxmlformats.org/drawingml/2006/diagram" xmlns:r="http://schemas.openxmlformats.org/officeDocument/2006/relationships" r:dm="rId4" r:lo="rId5" r:qs="rId6" r:cs="rId7"/>
+          </a:graphicData>
+        </a:graphic>
+      </p:graphicFrame>
+    </p:spTree>
+    <p:extLst>
+      <p:ext uri="{BB962C8B-B14F-4D97-AF65-F5344CB8AC3E}">
+        <p14:creationId xmlns:p14="http://schemas.microsoft.com/office/powerpoint/2010/main" val="1534296091"/>
+      </p:ext>
+    </p:extLst>
+  </p:cSld>
+  <p:clrMapOvr>
+    <a:masterClrMapping/>
+  </p:clrMapOvr>
+</p:sld>
+</file>
+
+<file path=ppt/slides/slide18.xml><?xml version="1.0" encoding="utf-8"?>
+<p:sld xmlns:a="http://schemas.openxmlformats.org/drawingml/2006/main" xmlns:r="http://schemas.openxmlformats.org/officeDocument/2006/relationships" xmlns:p="http://schemas.openxmlformats.org/presentationml/2006/main">
+  <p:cSld>
+    <p:spTree>
+      <p:nvGrpSpPr>
+        <p:cNvPr id="1" name=""/>
+        <p:cNvGrpSpPr/>
+        <p:nvPr/>
+      </p:nvGrpSpPr>
+      <p:grpSpPr>
+        <a:xfrm>
+          <a:off x="0" y="0"/>
+          <a:ext cx="0" cy="0"/>
+          <a:chOff x="0" y="0"/>
+          <a:chExt cx="0" cy="0"/>
+        </a:xfrm>
+      </p:grpSpPr>
+      <p:sp>
+        <p:nvSpPr>
+          <p:cNvPr id="2" name="Footer Placeholder 1">
+            <a:extLst>
+              <a:ext uri="{FF2B5EF4-FFF2-40B4-BE49-F238E27FC236}">
+                <a16:creationId xmlns:a16="http://schemas.microsoft.com/office/drawing/2014/main" id="{22DA5C28-F0FD-47D6-8E92-1C9E6EA87F96}"/>
+              </a:ext>
+            </a:extLst>
+          </p:cNvPr>
+          <p:cNvSpPr>
+            <a:spLocks noGrp="1"/>
+          </p:cNvSpPr>
+          <p:nvPr>
+            <p:ph type="ftr" sz="quarter" idx="3"/>
+          </p:nvPr>
+        </p:nvSpPr>
+        <p:spPr/>
+        <p:txBody>
+          <a:bodyPr/>
+          <a:lstStyle/>
+          <a:p>
+            <a:r>
+              <a:rPr lang="en-AU" dirty="0"/>
+              <a:t>© 2023 CargoWise</a:t>
+            </a:r>
+          </a:p>
+        </p:txBody>
+      </p:sp>
+      <p:sp>
+        <p:nvSpPr>
+          <p:cNvPr id="3" name="Slide Number Placeholder 2">
+            <a:extLst>
+              <a:ext uri="{FF2B5EF4-FFF2-40B4-BE49-F238E27FC236}">
+                <a16:creationId xmlns:a16="http://schemas.microsoft.com/office/drawing/2014/main" id="{15B20483-DDDA-4E06-872B-F88C31FDBA35}"/>
+              </a:ext>
+            </a:extLst>
+          </p:cNvPr>
+          <p:cNvSpPr>
+            <a:spLocks noGrp="1"/>
+          </p:cNvSpPr>
+          <p:nvPr>
+            <p:ph type="sldNum" sz="quarter" idx="4"/>
+          </p:nvPr>
+        </p:nvSpPr>
+        <p:spPr/>
+        <p:txBody>
+          <a:bodyPr/>
+          <a:lstStyle/>
+          <a:p>
+            <a:fld id="{67E7CB4E-0848-4774-9F85-B38117CB1B54}" type="slidenum">
+              <a:rPr lang="en-AU" smtClean="0"/>
+              <a:pPr/>
+              <a:t>18</a:t>
+            </a:fld>
+            <a:endParaRPr lang="en-AU"/>
+          </a:p>
+        </p:txBody>
+      </p:sp>
+      <p:sp>
+        <p:nvSpPr>
+          <p:cNvPr id="13" name="Title 9">
+            <a:extLst>
+              <a:ext uri="{FF2B5EF4-FFF2-40B4-BE49-F238E27FC236}">
+                <a16:creationId xmlns:a16="http://schemas.microsoft.com/office/drawing/2014/main" id="{3BAEBDBD-7B50-9F58-BD3C-27FF4C445264}"/>
+              </a:ext>
+            </a:extLst>
+          </p:cNvPr>
+          <p:cNvSpPr>
+            <a:spLocks noGrp="1"/>
+          </p:cNvSpPr>
+          <p:nvPr>
+            <p:ph type="title"/>
+          </p:nvPr>
+        </p:nvSpPr>
+        <p:spPr>
+          <a:xfrm>
+            <a:off x="1080000" y="1125271"/>
+            <a:ext cx="22201232" cy="701456"/>
+          </a:xfrm>
+        </p:spPr>
+        <p:txBody>
+          <a:bodyPr/>
+          <a:lstStyle/>
+          <a:p>
+            <a:r>
+              <a:rPr lang="en-US" b="1" dirty="0"/>
+              <a:t>5. </a:t>
+            </a:r>
+            <a:r>
+              <a:rPr lang="en-US" b="1" kern="1200" dirty="0">
+                <a:latin typeface="Calibri" panose="020F0502020204030204"/>
+                <a:ea typeface="+mn-ea"/>
+                <a:cs typeface="+mn-cs"/>
+              </a:rPr>
+              <a:t>Iterator</a:t>
+            </a:r>
+            <a:br>
+              <a:rPr lang="en-US" dirty="0"/>
+            </a:br>
+            <a:endParaRPr lang="en-US" dirty="0"/>
+          </a:p>
+        </p:txBody>
+      </p:sp>
+      <p:pic>
+        <p:nvPicPr>
+          <p:cNvPr id="8" name="Picture 7">
+            <a:extLst>
+              <a:ext uri="{FF2B5EF4-FFF2-40B4-BE49-F238E27FC236}">
+                <a16:creationId xmlns:a16="http://schemas.microsoft.com/office/drawing/2014/main" id="{6A4313A0-CFB9-5430-6BC7-B17683B17DD3}"/>
+              </a:ext>
+            </a:extLst>
+          </p:cNvPr>
+          <p:cNvPicPr>
+            <a:picLocks noChangeAspect="1"/>
+          </p:cNvPicPr>
+          <p:nvPr/>
+        </p:nvPicPr>
+        <p:blipFill>
+          <a:blip r:embed="rId3"/>
+          <a:stretch>
+            <a:fillRect/>
+          </a:stretch>
+        </p:blipFill>
+        <p:spPr>
+          <a:xfrm>
+            <a:off x="3695056" y="1836944"/>
+            <a:ext cx="16129792" cy="9522851"/>
+          </a:xfrm>
+          <a:prstGeom prst="rect">
+            <a:avLst/>
+          </a:prstGeom>
+        </p:spPr>
+      </p:pic>
+    </p:spTree>
+    <p:extLst>
+      <p:ext uri="{BB962C8B-B14F-4D97-AF65-F5344CB8AC3E}">
+        <p14:creationId xmlns:p14="http://schemas.microsoft.com/office/powerpoint/2010/main" val="2396239640"/>
+      </p:ext>
+    </p:extLst>
+  </p:cSld>
+  <p:clrMapOvr>
+    <a:masterClrMapping/>
+  </p:clrMapOvr>
+</p:sld>
+</file>
+
+<file path=ppt/slides/slide19.xml><?xml version="1.0" encoding="utf-8"?>
 <p:sld xmlns:a="http://schemas.openxmlformats.org/drawingml/2006/main" xmlns:r="http://schemas.openxmlformats.org/officeDocument/2006/relationships" xmlns:p="http://schemas.openxmlformats.org/presentationml/2006/main">
   <p:cSld>
     <p:spTree>
@@ -26864,7 +29386,7 @@
                   <a:spcPts val="600"/>
                 </a:spcAft>
               </a:pPr>
-              <a:t>16</a:t>
+              <a:t>19</a:t>
             </a:fld>
             <a:endParaRPr lang="en-AU"/>
           </a:p>
@@ -26941,7 +29463,166 @@
 </p:sld>
 </file>
 
-<file path=ppt/slides/slide17.xml><?xml version="1.0" encoding="utf-8"?>
+<file path=ppt/slides/slide2.xml><?xml version="1.0" encoding="utf-8"?>
+<p:sld xmlns:a="http://schemas.openxmlformats.org/drawingml/2006/main" xmlns:r="http://schemas.openxmlformats.org/officeDocument/2006/relationships" xmlns:p="http://schemas.openxmlformats.org/presentationml/2006/main">
+  <p:cSld>
+    <p:spTree>
+      <p:nvGrpSpPr>
+        <p:cNvPr id="1" name=""/>
+        <p:cNvGrpSpPr/>
+        <p:nvPr/>
+      </p:nvGrpSpPr>
+      <p:grpSpPr>
+        <a:xfrm>
+          <a:off x="0" y="0"/>
+          <a:ext cx="0" cy="0"/>
+          <a:chOff x="0" y="0"/>
+          <a:chExt cx="0" cy="0"/>
+        </a:xfrm>
+      </p:grpSpPr>
+      <p:sp>
+        <p:nvSpPr>
+          <p:cNvPr id="9" name="Title 8">
+            <a:extLst>
+              <a:ext uri="{FF2B5EF4-FFF2-40B4-BE49-F238E27FC236}">
+                <a16:creationId xmlns:a16="http://schemas.microsoft.com/office/drawing/2014/main" id="{2C86B50C-0BCC-453C-9B60-7CE272F7854D}"/>
+              </a:ext>
+            </a:extLst>
+          </p:cNvPr>
+          <p:cNvSpPr>
+            <a:spLocks noGrp="1"/>
+          </p:cNvSpPr>
+          <p:nvPr>
+            <p:ph type="title"/>
+          </p:nvPr>
+        </p:nvSpPr>
+        <p:spPr/>
+        <p:txBody>
+          <a:bodyPr/>
+          <a:lstStyle/>
+          <a:p>
+            <a:r>
+              <a:rPr lang="en-US" b="1" dirty="0"/>
+              <a:t>Design</a:t>
+            </a:r>
+            <a:r>
+              <a:rPr lang="en-US" dirty="0"/>
+              <a:t> </a:t>
+            </a:r>
+            <a:r>
+              <a:rPr lang="en-US" b="1" dirty="0"/>
+              <a:t>Patterns</a:t>
+            </a:r>
+            <a:br>
+              <a:rPr lang="en-US" dirty="0"/>
+            </a:br>
+            <a:endParaRPr lang="en-US" dirty="0"/>
+          </a:p>
+        </p:txBody>
+      </p:sp>
+      <p:sp>
+        <p:nvSpPr>
+          <p:cNvPr id="2" name="Footer Placeholder 1">
+            <a:extLst>
+              <a:ext uri="{FF2B5EF4-FFF2-40B4-BE49-F238E27FC236}">
+                <a16:creationId xmlns:a16="http://schemas.microsoft.com/office/drawing/2014/main" id="{06196D82-3D81-405C-976C-ECEAF6FED03A}"/>
+              </a:ext>
+            </a:extLst>
+          </p:cNvPr>
+          <p:cNvSpPr>
+            <a:spLocks noGrp="1"/>
+          </p:cNvSpPr>
+          <p:nvPr>
+            <p:ph type="ftr" sz="quarter" idx="3"/>
+          </p:nvPr>
+        </p:nvSpPr>
+        <p:spPr/>
+        <p:txBody>
+          <a:bodyPr/>
+          <a:lstStyle/>
+          <a:p>
+            <a:r>
+              <a:rPr lang="en-AU" dirty="0"/>
+              <a:t>© 2023 CargoWise</a:t>
+            </a:r>
+          </a:p>
+        </p:txBody>
+      </p:sp>
+      <p:sp>
+        <p:nvSpPr>
+          <p:cNvPr id="3" name="Slide Number Placeholder 2">
+            <a:extLst>
+              <a:ext uri="{FF2B5EF4-FFF2-40B4-BE49-F238E27FC236}">
+                <a16:creationId xmlns:a16="http://schemas.microsoft.com/office/drawing/2014/main" id="{9614AEAE-8866-4930-ADAC-B8552F406746}"/>
+              </a:ext>
+            </a:extLst>
+          </p:cNvPr>
+          <p:cNvSpPr>
+            <a:spLocks noGrp="1"/>
+          </p:cNvSpPr>
+          <p:nvPr>
+            <p:ph type="sldNum" sz="quarter" idx="4"/>
+          </p:nvPr>
+        </p:nvSpPr>
+        <p:spPr/>
+        <p:txBody>
+          <a:bodyPr/>
+          <a:lstStyle/>
+          <a:p>
+            <a:fld id="{67E7CB4E-0848-4774-9F85-B38117CB1B54}" type="slidenum">
+              <a:rPr lang="en-AU" smtClean="0"/>
+              <a:pPr/>
+              <a:t>2</a:t>
+            </a:fld>
+            <a:endParaRPr lang="en-AU"/>
+          </a:p>
+        </p:txBody>
+      </p:sp>
+      <p:graphicFrame>
+        <p:nvGraphicFramePr>
+          <p:cNvPr id="4" name="Content Placeholder 3">
+            <a:extLst>
+              <a:ext uri="{FF2B5EF4-FFF2-40B4-BE49-F238E27FC236}">
+                <a16:creationId xmlns:a16="http://schemas.microsoft.com/office/drawing/2014/main" id="{07E3B915-127B-1433-3D8A-84A8F9ACCCA5}"/>
+              </a:ext>
+            </a:extLst>
+          </p:cNvPr>
+          <p:cNvGraphicFramePr>
+            <a:graphicFrameLocks noGrp="1"/>
+          </p:cNvGraphicFramePr>
+          <p:nvPr>
+            <p:ph idx="1"/>
+            <p:extLst>
+              <p:ext uri="{D42A27DB-BD31-4B8C-83A1-F6EECF244321}">
+                <p14:modId xmlns:p14="http://schemas.microsoft.com/office/powerpoint/2010/main" val="2461983078"/>
+              </p:ext>
+            </p:extLst>
+          </p:nvPr>
+        </p:nvGraphicFramePr>
+        <p:xfrm>
+          <a:off x="5351240" y="2321496"/>
+          <a:ext cx="11953328" cy="9793088"/>
+        </p:xfrm>
+        <a:graphic>
+          <a:graphicData uri="http://schemas.openxmlformats.org/drawingml/2006/diagram">
+            <dgm:relIds xmlns:dgm="http://schemas.openxmlformats.org/drawingml/2006/diagram" xmlns:r="http://schemas.openxmlformats.org/officeDocument/2006/relationships" r:dm="rId3" r:lo="rId4" r:qs="rId5" r:cs="rId6"/>
+          </a:graphicData>
+        </a:graphic>
+      </p:graphicFrame>
+    </p:spTree>
+    <p:extLst>
+      <p:ext uri="{BB962C8B-B14F-4D97-AF65-F5344CB8AC3E}">
+        <p14:creationId xmlns:p14="http://schemas.microsoft.com/office/powerpoint/2010/main" val="3391782854"/>
+      </p:ext>
+    </p:extLst>
+  </p:cSld>
+  <p:clrMapOvr>
+    <a:masterClrMapping/>
+  </p:clrMapOvr>
+</p:sld>
+</file>
+
+<file path=ppt/slides/slide20.xml><?xml version="1.0" encoding="utf-8"?>
 <p:sld xmlns:a="http://schemas.openxmlformats.org/drawingml/2006/main" xmlns:r="http://schemas.openxmlformats.org/officeDocument/2006/relationships" xmlns:p="http://schemas.openxmlformats.org/presentationml/2006/main">
   <p:cSld>
     <p:spTree>
@@ -27032,7 +29713,7 @@
 </p:sld>
 </file>
 
-<file path=ppt/slides/slide18.xml><?xml version="1.0" encoding="utf-8"?>
+<file path=ppt/slides/slide21.xml><?xml version="1.0" encoding="utf-8"?>
 <p:sld xmlns:a="http://schemas.openxmlformats.org/drawingml/2006/main" xmlns:r="http://schemas.openxmlformats.org/officeDocument/2006/relationships" xmlns:p="http://schemas.openxmlformats.org/presentationml/2006/main">
   <p:cSld>
     <p:spTree>
@@ -27299,165 +29980,6 @@
     <p:extLst>
       <p:ext uri="{BB962C8B-B14F-4D97-AF65-F5344CB8AC3E}">
         <p14:creationId xmlns:p14="http://schemas.microsoft.com/office/powerpoint/2010/main" val="1537924355"/>
-      </p:ext>
-    </p:extLst>
-  </p:cSld>
-  <p:clrMapOvr>
-    <a:masterClrMapping/>
-  </p:clrMapOvr>
-</p:sld>
-</file>
-
-<file path=ppt/slides/slide2.xml><?xml version="1.0" encoding="utf-8"?>
-<p:sld xmlns:a="http://schemas.openxmlformats.org/drawingml/2006/main" xmlns:r="http://schemas.openxmlformats.org/officeDocument/2006/relationships" xmlns:p="http://schemas.openxmlformats.org/presentationml/2006/main">
-  <p:cSld>
-    <p:spTree>
-      <p:nvGrpSpPr>
-        <p:cNvPr id="1" name=""/>
-        <p:cNvGrpSpPr/>
-        <p:nvPr/>
-      </p:nvGrpSpPr>
-      <p:grpSpPr>
-        <a:xfrm>
-          <a:off x="0" y="0"/>
-          <a:ext cx="0" cy="0"/>
-          <a:chOff x="0" y="0"/>
-          <a:chExt cx="0" cy="0"/>
-        </a:xfrm>
-      </p:grpSpPr>
-      <p:sp>
-        <p:nvSpPr>
-          <p:cNvPr id="9" name="Title 8">
-            <a:extLst>
-              <a:ext uri="{FF2B5EF4-FFF2-40B4-BE49-F238E27FC236}">
-                <a16:creationId xmlns:a16="http://schemas.microsoft.com/office/drawing/2014/main" id="{2C86B50C-0BCC-453C-9B60-7CE272F7854D}"/>
-              </a:ext>
-            </a:extLst>
-          </p:cNvPr>
-          <p:cNvSpPr>
-            <a:spLocks noGrp="1"/>
-          </p:cNvSpPr>
-          <p:nvPr>
-            <p:ph type="title"/>
-          </p:nvPr>
-        </p:nvSpPr>
-        <p:spPr/>
-        <p:txBody>
-          <a:bodyPr/>
-          <a:lstStyle/>
-          <a:p>
-            <a:r>
-              <a:rPr lang="en-US" b="1" dirty="0"/>
-              <a:t>Design</a:t>
-            </a:r>
-            <a:r>
-              <a:rPr lang="en-US" dirty="0"/>
-              <a:t> </a:t>
-            </a:r>
-            <a:r>
-              <a:rPr lang="en-US" b="1" dirty="0"/>
-              <a:t>Patterns</a:t>
-            </a:r>
-            <a:br>
-              <a:rPr lang="en-US" dirty="0"/>
-            </a:br>
-            <a:endParaRPr lang="en-US" dirty="0"/>
-          </a:p>
-        </p:txBody>
-      </p:sp>
-      <p:sp>
-        <p:nvSpPr>
-          <p:cNvPr id="2" name="Footer Placeholder 1">
-            <a:extLst>
-              <a:ext uri="{FF2B5EF4-FFF2-40B4-BE49-F238E27FC236}">
-                <a16:creationId xmlns:a16="http://schemas.microsoft.com/office/drawing/2014/main" id="{06196D82-3D81-405C-976C-ECEAF6FED03A}"/>
-              </a:ext>
-            </a:extLst>
-          </p:cNvPr>
-          <p:cNvSpPr>
-            <a:spLocks noGrp="1"/>
-          </p:cNvSpPr>
-          <p:nvPr>
-            <p:ph type="ftr" sz="quarter" idx="3"/>
-          </p:nvPr>
-        </p:nvSpPr>
-        <p:spPr/>
-        <p:txBody>
-          <a:bodyPr/>
-          <a:lstStyle/>
-          <a:p>
-            <a:r>
-              <a:rPr lang="en-AU" dirty="0"/>
-              <a:t>© 2023 CargoWise</a:t>
-            </a:r>
-          </a:p>
-        </p:txBody>
-      </p:sp>
-      <p:sp>
-        <p:nvSpPr>
-          <p:cNvPr id="3" name="Slide Number Placeholder 2">
-            <a:extLst>
-              <a:ext uri="{FF2B5EF4-FFF2-40B4-BE49-F238E27FC236}">
-                <a16:creationId xmlns:a16="http://schemas.microsoft.com/office/drawing/2014/main" id="{9614AEAE-8866-4930-ADAC-B8552F406746}"/>
-              </a:ext>
-            </a:extLst>
-          </p:cNvPr>
-          <p:cNvSpPr>
-            <a:spLocks noGrp="1"/>
-          </p:cNvSpPr>
-          <p:nvPr>
-            <p:ph type="sldNum" sz="quarter" idx="4"/>
-          </p:nvPr>
-        </p:nvSpPr>
-        <p:spPr/>
-        <p:txBody>
-          <a:bodyPr/>
-          <a:lstStyle/>
-          <a:p>
-            <a:fld id="{67E7CB4E-0848-4774-9F85-B38117CB1B54}" type="slidenum">
-              <a:rPr lang="en-AU" smtClean="0"/>
-              <a:pPr/>
-              <a:t>2</a:t>
-            </a:fld>
-            <a:endParaRPr lang="en-AU"/>
-          </a:p>
-        </p:txBody>
-      </p:sp>
-      <p:graphicFrame>
-        <p:nvGraphicFramePr>
-          <p:cNvPr id="4" name="Content Placeholder 3">
-            <a:extLst>
-              <a:ext uri="{FF2B5EF4-FFF2-40B4-BE49-F238E27FC236}">
-                <a16:creationId xmlns:a16="http://schemas.microsoft.com/office/drawing/2014/main" id="{07E3B915-127B-1433-3D8A-84A8F9ACCCA5}"/>
-              </a:ext>
-            </a:extLst>
-          </p:cNvPr>
-          <p:cNvGraphicFramePr>
-            <a:graphicFrameLocks noGrp="1"/>
-          </p:cNvGraphicFramePr>
-          <p:nvPr>
-            <p:ph idx="1"/>
-            <p:extLst>
-              <p:ext uri="{D42A27DB-BD31-4B8C-83A1-F6EECF244321}">
-                <p14:modId xmlns:p14="http://schemas.microsoft.com/office/powerpoint/2010/main" val="2461983078"/>
-              </p:ext>
-            </p:extLst>
-          </p:nvPr>
-        </p:nvGraphicFramePr>
-        <p:xfrm>
-          <a:off x="5351240" y="2321496"/>
-          <a:ext cx="11953328" cy="9793088"/>
-        </p:xfrm>
-        <a:graphic>
-          <a:graphicData uri="http://schemas.openxmlformats.org/drawingml/2006/diagram">
-            <dgm:relIds xmlns:dgm="http://schemas.openxmlformats.org/drawingml/2006/diagram" xmlns:r="http://schemas.openxmlformats.org/officeDocument/2006/relationships" r:dm="rId3" r:lo="rId4" r:qs="rId5" r:cs="rId6"/>
-          </a:graphicData>
-        </a:graphic>
-      </p:graphicFrame>
-    </p:spTree>
-    <p:extLst>
-      <p:ext uri="{BB962C8B-B14F-4D97-AF65-F5344CB8AC3E}">
-        <p14:creationId xmlns:p14="http://schemas.microsoft.com/office/powerpoint/2010/main" val="3391782854"/>
       </p:ext>
     </p:extLst>
   </p:cSld>
@@ -27789,7 +30311,7 @@
         </p:blipFill>
         <p:spPr>
           <a:xfrm>
-            <a:off x="1544739" y="2033464"/>
+            <a:off x="1246784" y="2033464"/>
             <a:ext cx="7590475" cy="10110412"/>
           </a:xfrm>
           <a:prstGeom prst="rect">
@@ -27819,7 +30341,7 @@
         </p:blipFill>
         <p:spPr>
           <a:xfrm>
-            <a:off x="10175776" y="1364904"/>
+            <a:off x="9167664" y="3041576"/>
             <a:ext cx="7321940" cy="6628554"/>
           </a:xfrm>
           <a:prstGeom prst="rect">
@@ -27849,7 +30371,7 @@
         </p:blipFill>
         <p:spPr>
           <a:xfrm>
-            <a:off x="10175776" y="8420898"/>
+            <a:off x="16800512" y="3833664"/>
             <a:ext cx="7321939" cy="4169831"/>
           </a:xfrm>
           <a:prstGeom prst="rect">
@@ -27878,7 +30400,7 @@
         </p:blipFill>
         <p:spPr>
           <a:xfrm>
-            <a:off x="18312680" y="4679181"/>
+            <a:off x="18312680" y="9429694"/>
             <a:ext cx="5616624" cy="2714182"/>
           </a:xfrm>
           <a:prstGeom prst="rect">
@@ -28107,14 +30629,14 @@
           <p:nvPr>
             <p:extLst>
               <p:ext uri="{D42A27DB-BD31-4B8C-83A1-F6EECF244321}">
-                <p14:modId xmlns:p14="http://schemas.microsoft.com/office/powerpoint/2010/main" val="92413407"/>
+                <p14:modId xmlns:p14="http://schemas.microsoft.com/office/powerpoint/2010/main" val="4241655844"/>
               </p:ext>
             </p:extLst>
           </p:nvPr>
         </p:nvGraphicFramePr>
         <p:xfrm>
           <a:off x="1515970" y="3545632"/>
-          <a:ext cx="4896444" cy="4284476"/>
+          <a:ext cx="5635470" cy="4464496"/>
         </p:xfrm>
         <a:graphic>
           <a:graphicData uri="http://schemas.openxmlformats.org/drawingml/2006/diagram">
@@ -28566,6 +31088,228 @@
           </a:p>
         </p:txBody>
       </p:sp>
+      <p:sp>
+        <p:nvSpPr>
+          <p:cNvPr id="13" name="Title 9">
+            <a:extLst>
+              <a:ext uri="{FF2B5EF4-FFF2-40B4-BE49-F238E27FC236}">
+                <a16:creationId xmlns:a16="http://schemas.microsoft.com/office/drawing/2014/main" id="{3BAEBDBD-7B50-9F58-BD3C-27FF4C445264}"/>
+              </a:ext>
+            </a:extLst>
+          </p:cNvPr>
+          <p:cNvSpPr>
+            <a:spLocks noGrp="1"/>
+          </p:cNvSpPr>
+          <p:nvPr>
+            <p:ph type="title"/>
+          </p:nvPr>
+        </p:nvSpPr>
+        <p:spPr>
+          <a:xfrm>
+            <a:off x="1080000" y="1125271"/>
+            <a:ext cx="22201232" cy="701456"/>
+          </a:xfrm>
+        </p:spPr>
+        <p:txBody>
+          <a:bodyPr/>
+          <a:lstStyle/>
+          <a:p>
+            <a:r>
+              <a:rPr lang="en-US" b="1" dirty="0"/>
+              <a:t>2. </a:t>
+            </a:r>
+            <a:r>
+              <a:rPr lang="en-US" b="1" kern="1200" dirty="0">
+                <a:latin typeface="Calibri" panose="020F0502020204030204"/>
+                <a:ea typeface="+mn-ea"/>
+                <a:cs typeface="+mn-cs"/>
+              </a:rPr>
+              <a:t>Strategy</a:t>
+            </a:r>
+            <a:br>
+              <a:rPr lang="en-US" dirty="0"/>
+            </a:br>
+            <a:endParaRPr lang="en-US" dirty="0"/>
+          </a:p>
+        </p:txBody>
+      </p:sp>
+      <p:pic>
+        <p:nvPicPr>
+          <p:cNvPr id="6" name="Picture 5">
+            <a:extLst>
+              <a:ext uri="{FF2B5EF4-FFF2-40B4-BE49-F238E27FC236}">
+                <a16:creationId xmlns:a16="http://schemas.microsoft.com/office/drawing/2014/main" id="{16B37A08-3C2A-75B8-3DC9-57538F027321}"/>
+              </a:ext>
+            </a:extLst>
+          </p:cNvPr>
+          <p:cNvPicPr>
+            <a:picLocks noChangeAspect="1"/>
+          </p:cNvPicPr>
+          <p:nvPr/>
+        </p:nvPicPr>
+        <p:blipFill>
+          <a:blip r:embed="rId3"/>
+          <a:stretch>
+            <a:fillRect/>
+          </a:stretch>
+        </p:blipFill>
+        <p:spPr>
+          <a:xfrm>
+            <a:off x="8591600" y="1855218"/>
+            <a:ext cx="7605890" cy="7255064"/>
+          </a:xfrm>
+          <a:prstGeom prst="rect">
+            <a:avLst/>
+          </a:prstGeom>
+        </p:spPr>
+      </p:pic>
+      <p:pic>
+        <p:nvPicPr>
+          <p:cNvPr id="8" name="Picture 7">
+            <a:extLst>
+              <a:ext uri="{FF2B5EF4-FFF2-40B4-BE49-F238E27FC236}">
+                <a16:creationId xmlns:a16="http://schemas.microsoft.com/office/drawing/2014/main" id="{F2DD4AAC-7D24-0CFB-CC72-67AA7A835E53}"/>
+              </a:ext>
+            </a:extLst>
+          </p:cNvPr>
+          <p:cNvPicPr>
+            <a:picLocks noChangeAspect="1"/>
+          </p:cNvPicPr>
+          <p:nvPr/>
+        </p:nvPicPr>
+        <p:blipFill>
+          <a:blip r:embed="rId4"/>
+          <a:stretch>
+            <a:fillRect/>
+          </a:stretch>
+        </p:blipFill>
+        <p:spPr>
+          <a:xfrm>
+            <a:off x="1266849" y="2902203"/>
+            <a:ext cx="6973715" cy="4848799"/>
+          </a:xfrm>
+          <a:prstGeom prst="rect">
+            <a:avLst/>
+          </a:prstGeom>
+        </p:spPr>
+      </p:pic>
+      <p:pic>
+        <p:nvPicPr>
+          <p:cNvPr id="10" name="Picture 9">
+            <a:extLst>
+              <a:ext uri="{FF2B5EF4-FFF2-40B4-BE49-F238E27FC236}">
+                <a16:creationId xmlns:a16="http://schemas.microsoft.com/office/drawing/2014/main" id="{5BED62DA-CF45-4C4C-D43B-C111EDD3C398}"/>
+              </a:ext>
+            </a:extLst>
+          </p:cNvPr>
+          <p:cNvPicPr>
+            <a:picLocks noChangeAspect="1"/>
+          </p:cNvPicPr>
+          <p:nvPr/>
+        </p:nvPicPr>
+        <p:blipFill rotWithShape="1">
+          <a:blip r:embed="rId5"/>
+          <a:srcRect r="14132"/>
+          <a:stretch/>
+        </p:blipFill>
+        <p:spPr>
+          <a:xfrm>
+            <a:off x="16455225" y="3214498"/>
+            <a:ext cx="7605890" cy="4536504"/>
+          </a:xfrm>
+          <a:prstGeom prst="rect">
+            <a:avLst/>
+          </a:prstGeom>
+        </p:spPr>
+      </p:pic>
+    </p:spTree>
+    <p:extLst>
+      <p:ext uri="{BB962C8B-B14F-4D97-AF65-F5344CB8AC3E}">
+        <p14:creationId xmlns:p14="http://schemas.microsoft.com/office/powerpoint/2010/main" val="853015841"/>
+      </p:ext>
+    </p:extLst>
+  </p:cSld>
+  <p:clrMapOvr>
+    <a:masterClrMapping/>
+  </p:clrMapOvr>
+</p:sld>
+</file>
+
+<file path=ppt/slides/slide9.xml><?xml version="1.0" encoding="utf-8"?>
+<p:sld xmlns:a="http://schemas.openxmlformats.org/drawingml/2006/main" xmlns:r="http://schemas.openxmlformats.org/officeDocument/2006/relationships" xmlns:p="http://schemas.openxmlformats.org/presentationml/2006/main">
+  <p:cSld>
+    <p:spTree>
+      <p:nvGrpSpPr>
+        <p:cNvPr id="1" name=""/>
+        <p:cNvGrpSpPr/>
+        <p:nvPr/>
+      </p:nvGrpSpPr>
+      <p:grpSpPr>
+        <a:xfrm>
+          <a:off x="0" y="0"/>
+          <a:ext cx="0" cy="0"/>
+          <a:chOff x="0" y="0"/>
+          <a:chExt cx="0" cy="0"/>
+        </a:xfrm>
+      </p:grpSpPr>
+      <p:sp>
+        <p:nvSpPr>
+          <p:cNvPr id="2" name="Footer Placeholder 1">
+            <a:extLst>
+              <a:ext uri="{FF2B5EF4-FFF2-40B4-BE49-F238E27FC236}">
+                <a16:creationId xmlns:a16="http://schemas.microsoft.com/office/drawing/2014/main" id="{22DA5C28-F0FD-47D6-8E92-1C9E6EA87F96}"/>
+              </a:ext>
+            </a:extLst>
+          </p:cNvPr>
+          <p:cNvSpPr>
+            <a:spLocks noGrp="1"/>
+          </p:cNvSpPr>
+          <p:nvPr>
+            <p:ph type="ftr" sz="quarter" idx="3"/>
+          </p:nvPr>
+        </p:nvSpPr>
+        <p:spPr/>
+        <p:txBody>
+          <a:bodyPr/>
+          <a:lstStyle/>
+          <a:p>
+            <a:r>
+              <a:rPr lang="en-AU" dirty="0"/>
+              <a:t>© 2023 CargoWise</a:t>
+            </a:r>
+          </a:p>
+        </p:txBody>
+      </p:sp>
+      <p:sp>
+        <p:nvSpPr>
+          <p:cNvPr id="3" name="Slide Number Placeholder 2">
+            <a:extLst>
+              <a:ext uri="{FF2B5EF4-FFF2-40B4-BE49-F238E27FC236}">
+                <a16:creationId xmlns:a16="http://schemas.microsoft.com/office/drawing/2014/main" id="{15B20483-DDDA-4E06-872B-F88C31FDBA35}"/>
+              </a:ext>
+            </a:extLst>
+          </p:cNvPr>
+          <p:cNvSpPr>
+            <a:spLocks noGrp="1"/>
+          </p:cNvSpPr>
+          <p:nvPr>
+            <p:ph type="sldNum" sz="quarter" idx="4"/>
+          </p:nvPr>
+        </p:nvSpPr>
+        <p:spPr/>
+        <p:txBody>
+          <a:bodyPr/>
+          <a:lstStyle/>
+          <a:p>
+            <a:fld id="{67E7CB4E-0848-4774-9F85-B38117CB1B54}" type="slidenum">
+              <a:rPr lang="en-AU" smtClean="0"/>
+              <a:pPr/>
+              <a:t>9</a:t>
+            </a:fld>
+            <a:endParaRPr lang="en-AU"/>
+          </a:p>
+        </p:txBody>
+      </p:sp>
       <p:graphicFrame>
         <p:nvGraphicFramePr>
           <p:cNvPr id="6" name="Diagram 5">
@@ -28576,11 +31320,17 @@
             </a:extLst>
           </p:cNvPr>
           <p:cNvGraphicFramePr/>
-          <p:nvPr/>
+          <p:nvPr>
+            <p:extLst>
+              <p:ext uri="{D42A27DB-BD31-4B8C-83A1-F6EECF244321}">
+                <p14:modId xmlns:p14="http://schemas.microsoft.com/office/powerpoint/2010/main" val="1857306432"/>
+              </p:ext>
+            </p:extLst>
+          </p:nvPr>
         </p:nvGraphicFramePr>
         <p:xfrm>
-          <a:off x="3191000" y="4481736"/>
-          <a:ext cx="3744416" cy="3672408"/>
+          <a:off x="1822848" y="3401616"/>
+          <a:ext cx="5328592" cy="5112568"/>
         </p:xfrm>
         <a:graphic>
           <a:graphicData uri="http://schemas.openxmlformats.org/drawingml/2006/diagram">
@@ -28684,169 +31434,6 @@
     <p:extLst>
       <p:ext uri="{BB962C8B-B14F-4D97-AF65-F5344CB8AC3E}">
         <p14:creationId xmlns:p14="http://schemas.microsoft.com/office/powerpoint/2010/main" val="4133899762"/>
-      </p:ext>
-    </p:extLst>
-  </p:cSld>
-  <p:clrMapOvr>
-    <a:masterClrMapping/>
-  </p:clrMapOvr>
-</p:sld>
-</file>
-
-<file path=ppt/slides/slide9.xml><?xml version="1.0" encoding="utf-8"?>
-<p:sld xmlns:a="http://schemas.openxmlformats.org/drawingml/2006/main" xmlns:r="http://schemas.openxmlformats.org/officeDocument/2006/relationships" xmlns:p="http://schemas.openxmlformats.org/presentationml/2006/main">
-  <p:cSld>
-    <p:spTree>
-      <p:nvGrpSpPr>
-        <p:cNvPr id="1" name=""/>
-        <p:cNvGrpSpPr/>
-        <p:nvPr/>
-      </p:nvGrpSpPr>
-      <p:grpSpPr>
-        <a:xfrm>
-          <a:off x="0" y="0"/>
-          <a:ext cx="0" cy="0"/>
-          <a:chOff x="0" y="0"/>
-          <a:chExt cx="0" cy="0"/>
-        </a:xfrm>
-      </p:grpSpPr>
-      <p:sp>
-        <p:nvSpPr>
-          <p:cNvPr id="2" name="Footer Placeholder 1">
-            <a:extLst>
-              <a:ext uri="{FF2B5EF4-FFF2-40B4-BE49-F238E27FC236}">
-                <a16:creationId xmlns:a16="http://schemas.microsoft.com/office/drawing/2014/main" id="{22DA5C28-F0FD-47D6-8E92-1C9E6EA87F96}"/>
-              </a:ext>
-            </a:extLst>
-          </p:cNvPr>
-          <p:cNvSpPr>
-            <a:spLocks noGrp="1"/>
-          </p:cNvSpPr>
-          <p:nvPr>
-            <p:ph type="ftr" sz="quarter" idx="3"/>
-          </p:nvPr>
-        </p:nvSpPr>
-        <p:spPr/>
-        <p:txBody>
-          <a:bodyPr/>
-          <a:lstStyle/>
-          <a:p>
-            <a:r>
-              <a:rPr lang="en-AU" dirty="0"/>
-              <a:t>© 2023 CargoWise</a:t>
-            </a:r>
-          </a:p>
-        </p:txBody>
-      </p:sp>
-      <p:sp>
-        <p:nvSpPr>
-          <p:cNvPr id="3" name="Slide Number Placeholder 2">
-            <a:extLst>
-              <a:ext uri="{FF2B5EF4-FFF2-40B4-BE49-F238E27FC236}">
-                <a16:creationId xmlns:a16="http://schemas.microsoft.com/office/drawing/2014/main" id="{15B20483-DDDA-4E06-872B-F88C31FDBA35}"/>
-              </a:ext>
-            </a:extLst>
-          </p:cNvPr>
-          <p:cNvSpPr>
-            <a:spLocks noGrp="1"/>
-          </p:cNvSpPr>
-          <p:nvPr>
-            <p:ph type="sldNum" sz="quarter" idx="4"/>
-          </p:nvPr>
-        </p:nvSpPr>
-        <p:spPr/>
-        <p:txBody>
-          <a:bodyPr/>
-          <a:lstStyle/>
-          <a:p>
-            <a:fld id="{67E7CB4E-0848-4774-9F85-B38117CB1B54}" type="slidenum">
-              <a:rPr lang="en-AU" smtClean="0"/>
-              <a:pPr/>
-              <a:t>9</a:t>
-            </a:fld>
-            <a:endParaRPr lang="en-AU"/>
-          </a:p>
-        </p:txBody>
-      </p:sp>
-      <p:sp>
-        <p:nvSpPr>
-          <p:cNvPr id="13" name="Title 9">
-            <a:extLst>
-              <a:ext uri="{FF2B5EF4-FFF2-40B4-BE49-F238E27FC236}">
-                <a16:creationId xmlns:a16="http://schemas.microsoft.com/office/drawing/2014/main" id="{3BAEBDBD-7B50-9F58-BD3C-27FF4C445264}"/>
-              </a:ext>
-            </a:extLst>
-          </p:cNvPr>
-          <p:cNvSpPr>
-            <a:spLocks noGrp="1"/>
-          </p:cNvSpPr>
-          <p:nvPr>
-            <p:ph type="title"/>
-          </p:nvPr>
-        </p:nvSpPr>
-        <p:spPr>
-          <a:xfrm>
-            <a:off x="1080000" y="1125271"/>
-            <a:ext cx="22201232" cy="701456"/>
-          </a:xfrm>
-        </p:spPr>
-        <p:txBody>
-          <a:bodyPr/>
-          <a:lstStyle/>
-          <a:p>
-            <a:r>
-              <a:rPr lang="en-US" b="1" dirty="0"/>
-              <a:t>2. </a:t>
-            </a:r>
-            <a:r>
-              <a:rPr lang="en-US" b="1" kern="1200" dirty="0">
-                <a:latin typeface="Calibri" panose="020F0502020204030204"/>
-                <a:ea typeface="+mn-ea"/>
-                <a:cs typeface="+mn-cs"/>
-              </a:rPr>
-              <a:t>Strategy</a:t>
-            </a:r>
-            <a:br>
-              <a:rPr lang="en-US" dirty="0"/>
-            </a:br>
-            <a:endParaRPr lang="en-US" dirty="0"/>
-          </a:p>
-        </p:txBody>
-      </p:sp>
-      <p:pic>
-        <p:nvPicPr>
-          <p:cNvPr id="6" name="Picture 5">
-            <a:extLst>
-              <a:ext uri="{FF2B5EF4-FFF2-40B4-BE49-F238E27FC236}">
-                <a16:creationId xmlns:a16="http://schemas.microsoft.com/office/drawing/2014/main" id="{952EE121-739E-6861-D4C8-529556D1CEB3}"/>
-              </a:ext>
-            </a:extLst>
-          </p:cNvPr>
-          <p:cNvPicPr>
-            <a:picLocks noChangeAspect="1"/>
-          </p:cNvPicPr>
-          <p:nvPr/>
-        </p:nvPicPr>
-        <p:blipFill>
-          <a:blip r:embed="rId3"/>
-          <a:stretch>
-            <a:fillRect/>
-          </a:stretch>
-        </p:blipFill>
-        <p:spPr>
-          <a:xfrm>
-            <a:off x="4127104" y="2753544"/>
-            <a:ext cx="14692785" cy="6572530"/>
-          </a:xfrm>
-          <a:prstGeom prst="rect">
-            <a:avLst/>
-          </a:prstGeom>
-        </p:spPr>
-      </p:pic>
-    </p:spTree>
-    <p:extLst>
-      <p:ext uri="{BB962C8B-B14F-4D97-AF65-F5344CB8AC3E}">
-        <p14:creationId xmlns:p14="http://schemas.microsoft.com/office/powerpoint/2010/main" val="3284009479"/>
       </p:ext>
     </p:extLst>
   </p:cSld>

--- a/DesignPatterns/Behavioral Design Patterns/Behavioral Design Patterns - WTG.pptx
+++ b/DesignPatterns/Behavioral Design Patterns/Behavioral Design Patterns - WTG.pptx
@@ -14,8 +14,8 @@
     <p:sldId id="264" r:id="rId5"/>
     <p:sldId id="269" r:id="rId6"/>
     <p:sldId id="309" r:id="rId7"/>
-    <p:sldId id="311" r:id="rId8"/>
-    <p:sldId id="312" r:id="rId9"/>
+    <p:sldId id="312" r:id="rId8"/>
+    <p:sldId id="311" r:id="rId9"/>
     <p:sldId id="319" r:id="rId10"/>
     <p:sldId id="306" r:id="rId11"/>
     <p:sldId id="320" r:id="rId12"/>
@@ -155,7 +155,7 @@
 <file path=ppt/revisionInfo.xml><?xml version="1.0" encoding="utf-8"?>
 <p1510:revInfo xmlns:a="http://schemas.openxmlformats.org/drawingml/2006/main" xmlns:r="http://schemas.openxmlformats.org/officeDocument/2006/relationships" xmlns:p1510="http://schemas.microsoft.com/office/powerpoint/2015/10/main">
   <p1510:revLst>
-    <p1510:client id="{7058694A-483B-403F-89BA-FD8C3FB39D35}" v="274" dt="2023-09-25T14:47:30.804"/>
+    <p1510:client id="{7058694A-483B-403F-89BA-FD8C3FB39D35}" v="501" dt="2023-09-26T14:45:37.891"/>
   </p1510:revLst>
 </p1510:revInfo>
 </file>
@@ -944,10 +944,17 @@
   <pc:docChgLst>
     <pc:chgData name="Nancy Li" userId="afc5209a-cf39-48d8-a57f-08cc8b772ec9" providerId="ADAL" clId="{7058694A-483B-403F-89BA-FD8C3FB39D35}"/>
     <pc:docChg chg="undo custSel addSld delSld modSld sldOrd">
-      <pc:chgData name="Nancy Li" userId="afc5209a-cf39-48d8-a57f-08cc8b772ec9" providerId="ADAL" clId="{7058694A-483B-403F-89BA-FD8C3FB39D35}" dt="2023-09-25T14:47:30.804" v="1050" actId="20577"/>
+      <pc:chgData name="Nancy Li" userId="afc5209a-cf39-48d8-a57f-08cc8b772ec9" providerId="ADAL" clId="{7058694A-483B-403F-89BA-FD8C3FB39D35}" dt="2023-09-26T14:47:22.231" v="1621"/>
       <pc:docMkLst>
         <pc:docMk/>
       </pc:docMkLst>
+      <pc:sldChg chg="modNotesTx">
+        <pc:chgData name="Nancy Li" userId="afc5209a-cf39-48d8-a57f-08cc8b772ec9" providerId="ADAL" clId="{7058694A-483B-403F-89BA-FD8C3FB39D35}" dt="2023-09-26T14:38:49.175" v="1504" actId="20577"/>
+        <pc:sldMkLst>
+          <pc:docMk/>
+          <pc:sldMk cId="3391782854" sldId="269"/>
+        </pc:sldMkLst>
+      </pc:sldChg>
       <pc:sldChg chg="del">
         <pc:chgData name="Nancy Li" userId="afc5209a-cf39-48d8-a57f-08cc8b772ec9" providerId="ADAL" clId="{7058694A-483B-403F-89BA-FD8C3FB39D35}" dt="2023-09-23T03:54:43.786" v="0" actId="47"/>
         <pc:sldMkLst>
@@ -1045,7 +1052,7 @@
         </pc:picChg>
       </pc:sldChg>
       <pc:sldChg chg="modSp mod ord modNotesTx">
-        <pc:chgData name="Nancy Li" userId="afc5209a-cf39-48d8-a57f-08cc8b772ec9" providerId="ADAL" clId="{7058694A-483B-403F-89BA-FD8C3FB39D35}" dt="2023-09-25T14:10:19.741" v="890" actId="20577"/>
+        <pc:chgData name="Nancy Li" userId="afc5209a-cf39-48d8-a57f-08cc8b772ec9" providerId="ADAL" clId="{7058694A-483B-403F-89BA-FD8C3FB39D35}" dt="2023-09-26T14:45:56.387" v="1619" actId="20577"/>
         <pc:sldMkLst>
           <pc:docMk/>
           <pc:sldMk cId="4131726329" sldId="309"/>
@@ -1179,7 +1186,7 @@
         </pc:picChg>
       </pc:sldChg>
       <pc:sldChg chg="addSp delSp modSp mod ord modNotesTx">
-        <pc:chgData name="Nancy Li" userId="afc5209a-cf39-48d8-a57f-08cc8b772ec9" providerId="ADAL" clId="{7058694A-483B-403F-89BA-FD8C3FB39D35}" dt="2023-09-25T13:33:05.664" v="655"/>
+        <pc:chgData name="Nancy Li" userId="afc5209a-cf39-48d8-a57f-08cc8b772ec9" providerId="ADAL" clId="{7058694A-483B-403F-89BA-FD8C3FB39D35}" dt="2023-09-26T14:47:22.231" v="1621"/>
         <pc:sldMkLst>
           <pc:docMk/>
           <pc:sldMk cId="382068623" sldId="312"/>
@@ -19385,7 +19392,7 @@
           <a:p>
             <a:fld id="{E8CEC373-A826-4098-8F48-885ABC80A766}" type="datetimeFigureOut">
               <a:rPr lang="en-US" smtClean="0"/>
-              <a:t>25-Sep-2023</a:t>
+              <a:t>26-Sep-2023</a:t>
             </a:fld>
             <a:endParaRPr lang="en-US"/>
           </a:p>
@@ -19562,7 +19569,7 @@
           <a:p>
             <a:fld id="{0AEB8794-329A-4824-BA43-DD9279C18EEC}" type="datetimeFigureOut">
               <a:rPr lang="en-AU" smtClean="0"/>
-              <a:t>25/09/2023</a:t>
+              <a:t>26/09/2023</a:t>
             </a:fld>
             <a:endParaRPr lang="en-AU"/>
           </a:p>
@@ -21837,72 +21844,18 @@
           <a:bodyPr/>
           <a:lstStyle/>
           <a:p>
+            <a:pPr algn="l"/>
             <a:r>
-              <a:rPr lang="en-US" b="1" i="0" dirty="0">
-                <a:solidFill>
-                  <a:srgbClr val="444444"/>
-                </a:solidFill>
-                <a:effectLst/>
-                <a:latin typeface="PT Sans" panose="020B0604020202020204" pitchFamily="34" charset="0"/>
-              </a:rPr>
-              <a:t>Design patterns</a:t>
-            </a:r>
-            <a:r>
-              <a:rPr lang="en-US" b="0" i="0" dirty="0">
-                <a:solidFill>
-                  <a:srgbClr val="444444"/>
-                </a:solidFill>
-                <a:effectLst/>
-                <a:latin typeface="PT Sans" panose="020B0604020202020204" pitchFamily="34" charset="0"/>
-              </a:rPr>
-              <a:t> are typical solutions to commonly occurring problems in software design. </a:t>
-            </a:r>
-          </a:p>
-          <a:p>
-            <a:r>
-              <a:rPr lang="en-US" b="0" i="0" dirty="0">
+              <a:rPr lang="zh-CN" altLang="en-US" b="0" i="0" dirty="0">
                 <a:solidFill>
                   <a:srgbClr val="444444"/>
                 </a:solidFill>
                 <a:effectLst/>
                 <a:latin typeface="PT Sans" panose="020B0503020203020204" pitchFamily="34" charset="0"/>
               </a:rPr>
-              <a:t>When a solution gets repeated over and over in various projects, someone eventually puts a name to it and describes the solution in detail. </a:t>
+              <a:t>设计模式是面向对象设计中常见问题的典型解决方案。</a:t>
             </a:r>
-          </a:p>
-          <a:p>
-            <a:r>
-              <a:rPr lang="en-US" b="0" i="0" dirty="0">
-                <a:solidFill>
-                  <a:srgbClr val="444444"/>
-                </a:solidFill>
-                <a:effectLst/>
-                <a:latin typeface="PT Sans" panose="020B0503020203020204" pitchFamily="34" charset="0"/>
-              </a:rPr>
-              <a:t>That’s basically how a pattern gets discovered.</a:t>
-            </a:r>
-            <a:endParaRPr lang="en-US" b="0" i="0" dirty="0">
-              <a:solidFill>
-                <a:srgbClr val="444444"/>
-              </a:solidFill>
-              <a:effectLst/>
-              <a:latin typeface="PT Sans" panose="020B0604020202020204" pitchFamily="34" charset="0"/>
-            </a:endParaRPr>
-          </a:p>
-          <a:p>
-            <a:r>
-              <a:rPr lang="en-US" b="0" i="0" dirty="0">
-                <a:solidFill>
-                  <a:srgbClr val="444444"/>
-                </a:solidFill>
-                <a:effectLst/>
-                <a:latin typeface="PT Sans" panose="020B0503020203020204" pitchFamily="34" charset="0"/>
-              </a:rPr>
-              <a:t>You can follow the pattern details and implement a solution that suits the realities of your own program.</a:t>
-            </a:r>
-          </a:p>
-          <a:p>
-            <a:endParaRPr lang="en-US" b="0" i="0" dirty="0">
+            <a:endParaRPr lang="en-US" altLang="zh-CN" b="0" i="0" dirty="0">
               <a:solidFill>
                 <a:srgbClr val="444444"/>
               </a:solidFill>
@@ -21913,193 +21866,185 @@
           <a:p>
             <a:pPr algn="l"/>
             <a:r>
-              <a:rPr lang="en-US" b="0" i="0" dirty="0">
-                <a:solidFill>
-                  <a:srgbClr val="000000"/>
-                </a:solidFill>
-                <a:effectLst/>
-                <a:latin typeface="Gilroy"/>
-              </a:rPr>
-              <a:t>Design patterns are divided into three main categories</a:t>
-            </a:r>
-          </a:p>
-          <a:p>
-            <a:pPr algn="l"/>
-            <a:r>
-              <a:rPr lang="en-US" b="0" i="0" dirty="0">
-                <a:solidFill>
-                  <a:srgbClr val="000000"/>
-                </a:solidFill>
-                <a:effectLst/>
-                <a:latin typeface="Gilroy"/>
-              </a:rPr>
-              <a:t>The first category is </a:t>
-            </a:r>
-            <a:r>
-              <a:rPr lang="en-US" b="1" i="0" dirty="0">
+              <a:rPr lang="zh-CN" altLang="en-US" b="0" i="0" dirty="0">
                 <a:solidFill>
                   <a:srgbClr val="444444"/>
                 </a:solidFill>
                 <a:effectLst/>
                 <a:latin typeface="PT Sans" panose="020B0503020203020204" pitchFamily="34" charset="0"/>
               </a:rPr>
-              <a:t>Creational patterns</a:t>
+              <a:t>当一个解决方案在各种项目中被一遍又一遍地使用，人们发现了一些规律，然后总结并归纳出了这些解决方案</a:t>
             </a:r>
-            <a:r>
-              <a:rPr lang="en-US" b="0" i="0" dirty="0">
-                <a:solidFill>
-                  <a:srgbClr val="000000"/>
-                </a:solidFill>
-                <a:effectLst/>
-                <a:latin typeface="Gilroy"/>
-              </a:rPr>
-              <a:t>, for which I made a </a:t>
-            </a:r>
-            <a:r>
-              <a:rPr lang="en-US" b="0" i="0" dirty="0">
-                <a:solidFill>
-                  <a:srgbClr val="F03744"/>
-                </a:solidFill>
-                <a:effectLst/>
-                <a:latin typeface="Gilroy"/>
-              </a:rPr>
-              <a:t>presentation</a:t>
-            </a:r>
-            <a:r>
-              <a:rPr lang="en-US" b="0" i="0" dirty="0">
-                <a:solidFill>
-                  <a:srgbClr val="2A2B2E"/>
-                </a:solidFill>
-                <a:effectLst/>
-                <a:latin typeface="Gilroy"/>
-              </a:rPr>
-              <a:t> </a:t>
-            </a:r>
-            <a:r>
-              <a:rPr lang="en-US" b="0" i="0" dirty="0">
-                <a:solidFill>
-                  <a:srgbClr val="000000"/>
-                </a:solidFill>
-                <a:effectLst/>
-                <a:latin typeface="Gilroy"/>
-              </a:rPr>
-              <a:t>last year.</a:t>
-            </a:r>
+            <a:endParaRPr lang="en-US" altLang="zh-CN" b="0" i="0" dirty="0">
+              <a:solidFill>
+                <a:srgbClr val="444444"/>
+              </a:solidFill>
+              <a:effectLst/>
+              <a:latin typeface="PT Sans" panose="020B0503020203020204" pitchFamily="34" charset="0"/>
+            </a:endParaRPr>
           </a:p>
           <a:p>
             <a:pPr algn="l"/>
+            <a:endParaRPr lang="en-US" altLang="zh-CN" b="0" i="0" dirty="0">
+              <a:solidFill>
+                <a:srgbClr val="444444"/>
+              </a:solidFill>
+              <a:effectLst/>
+              <a:latin typeface="PT Sans" panose="020B0503020203020204" pitchFamily="34" charset="0"/>
+            </a:endParaRPr>
+          </a:p>
+          <a:p>
+            <a:pPr algn="l">
+              <a:buFont typeface="Arial" panose="020B0604020202020204" pitchFamily="34" charset="0"/>
+              <a:buChar char="•"/>
+            </a:pPr>
             <a:r>
-              <a:rPr lang="en-US" b="0" i="0" dirty="0">
+              <a:rPr lang="zh-CN" altLang="en-US" b="0" i="0" dirty="0">
                 <a:solidFill>
-                  <a:srgbClr val="000000"/>
+                  <a:srgbClr val="FFFFFF"/>
                 </a:solidFill>
                 <a:effectLst/>
-                <a:latin typeface="Gilroy"/>
+                <a:latin typeface="-apple-system"/>
               </a:rPr>
-              <a:t>The second is </a:t>
+              <a:t>在软件开发领域，设计模式的概念追溯到 </a:t>
             </a:r>
             <a:r>
-              <a:rPr lang="en-US" b="1" i="0" dirty="0">
+              <a:rPr lang="en-US" altLang="zh-CN" b="0" i="0" dirty="0">
+                <a:solidFill>
+                  <a:srgbClr val="FFFFFF"/>
+                </a:solidFill>
+                <a:effectLst/>
+                <a:latin typeface="-apple-system"/>
+              </a:rPr>
+              <a:t>1994</a:t>
+            </a:r>
+            <a:r>
+              <a:rPr lang="zh-CN" altLang="en-US" b="0" i="0" dirty="0">
+                <a:solidFill>
+                  <a:srgbClr val="FFFFFF"/>
+                </a:solidFill>
+                <a:effectLst/>
+                <a:latin typeface="-apple-system"/>
+              </a:rPr>
+              <a:t>，在一本书中被提出来的。</a:t>
+            </a:r>
+            <a:r>
+              <a:rPr lang="en-US" altLang="zh-CN" b="0" i="0" dirty="0">
+                <a:solidFill>
+                  <a:srgbClr val="FFFFFF"/>
+                </a:solidFill>
+                <a:effectLst/>
+                <a:latin typeface="-apple-system"/>
+              </a:rPr>
+              <a:t> 《</a:t>
+            </a:r>
+            <a:r>
+              <a:rPr lang="zh-CN" altLang="en-US" b="0" i="0" dirty="0">
+                <a:solidFill>
+                  <a:srgbClr val="FFFFFF"/>
+                </a:solidFill>
+                <a:effectLst/>
+                <a:latin typeface="-apple-system"/>
+              </a:rPr>
+              <a:t>设计模式：</a:t>
+            </a:r>
+            <a:r>
+              <a:rPr lang="zh-CN" altLang="en-US" b="1" i="0" u="none" strike="noStrike" dirty="0">
                 <a:solidFill>
                   <a:srgbClr val="444444"/>
                 </a:solidFill>
                 <a:effectLst/>
                 <a:latin typeface="PT Sans" panose="020B0503020203020204" pitchFamily="34" charset="0"/>
+                <a:hlinkClick r:id="rId3"/>
               </a:rPr>
-              <a:t>Structural patterns</a:t>
+              <a:t>可重用面向对象软件的元素</a:t>
+            </a:r>
+            <a:r>
+              <a:rPr lang="en-US" altLang="zh-CN" b="0" i="0" dirty="0">
+                <a:solidFill>
+                  <a:srgbClr val="FFFFFF"/>
+                </a:solidFill>
+                <a:effectLst/>
+                <a:latin typeface="-apple-system"/>
+              </a:rPr>
+              <a:t>》</a:t>
+            </a:r>
+            <a:r>
+              <a:rPr lang="zh-CN" altLang="en-US" b="0" i="0" dirty="0">
+                <a:solidFill>
+                  <a:srgbClr val="FFFFFF"/>
+                </a:solidFill>
+                <a:effectLst/>
+                <a:latin typeface="-apple-system"/>
+              </a:rPr>
+              <a:t>（</a:t>
             </a:r>
             <a:r>
               <a:rPr lang="en-US" b="0" i="0" dirty="0">
                 <a:solidFill>
-                  <a:srgbClr val="000000"/>
+                  <a:srgbClr val="FFFFFF"/>
                 </a:solidFill>
                 <a:effectLst/>
-                <a:latin typeface="Gilroy"/>
+                <a:latin typeface="-apple-system"/>
               </a:rPr>
-              <a:t>. That's what I want to talk about today.</a:t>
+              <a:t>Design Patterns: Elements of Reusable Object-Oriented Software）</a:t>
             </a:r>
           </a:p>
           <a:p>
-            <a:pPr algn="l"/>
-            <a:endParaRPr lang="en-US" b="0" i="0" dirty="0">
+            <a:pPr algn="l">
+              <a:buFont typeface="Arial" panose="020B0604020202020204" pitchFamily="34" charset="0"/>
+              <a:buChar char="•"/>
+            </a:pPr>
+            <a:r>
+              <a:rPr lang="zh-CN" altLang="en-US" b="0" i="0" dirty="0">
+                <a:solidFill>
+                  <a:srgbClr val="FFFFFF"/>
+                </a:solidFill>
+                <a:effectLst/>
+                <a:latin typeface="-apple-system"/>
+              </a:rPr>
+              <a:t>这本书介绍了 </a:t>
+            </a:r>
+            <a:r>
+              <a:rPr lang="en-US" altLang="zh-CN" b="0" i="0" dirty="0">
+                <a:solidFill>
+                  <a:srgbClr val="FFFFFF"/>
+                </a:solidFill>
+                <a:effectLst/>
+                <a:latin typeface="-apple-system"/>
+              </a:rPr>
+              <a:t>23 </a:t>
+            </a:r>
+            <a:r>
+              <a:rPr lang="zh-CN" altLang="en-US" b="0" i="0" dirty="0">
+                <a:solidFill>
+                  <a:srgbClr val="FFFFFF"/>
+                </a:solidFill>
+                <a:effectLst/>
+                <a:latin typeface="-apple-system"/>
+              </a:rPr>
+              <a:t>种常见的设计模式，并成为了设计模式领域的经典参考书。</a:t>
+            </a:r>
+            <a:endParaRPr lang="en-US" altLang="zh-CN" b="0" i="0" dirty="0">
               <a:solidFill>
-                <a:srgbClr val="000000"/>
+                <a:srgbClr val="FFFFFF"/>
               </a:solidFill>
               <a:effectLst/>
-              <a:latin typeface="Gilroy"/>
+              <a:latin typeface="-apple-system"/>
             </a:endParaRPr>
           </a:p>
           <a:p>
-            <a:pPr marL="0" marR="0" lvl="0" indent="0" algn="l" defTabSz="914400" rtl="0" eaLnBrk="1" fontAlgn="auto" latinLnBrk="0" hangingPunct="1">
-              <a:lnSpc>
-                <a:spcPct val="100000"/>
-              </a:lnSpc>
-              <a:spcBef>
-                <a:spcPts val="0"/>
-              </a:spcBef>
-              <a:spcAft>
-                <a:spcPts val="0"/>
-              </a:spcAft>
-              <a:buClrTx/>
-              <a:buSzTx/>
-              <a:buFontTx/>
-              <a:buNone/>
-              <a:tabLst/>
-              <a:defRPr/>
+            <a:pPr algn="l">
+              <a:buFont typeface="Arial" panose="020B0604020202020204" pitchFamily="34" charset="0"/>
+              <a:buChar char="•"/>
             </a:pPr>
-            <a:r>
-              <a:rPr lang="en-US" b="1" i="0" dirty="0">
-                <a:solidFill>
-                  <a:srgbClr val="444444"/>
-                </a:solidFill>
-                <a:effectLst/>
-                <a:latin typeface="PT Sans" panose="020B0503020203020204" pitchFamily="34" charset="0"/>
-              </a:rPr>
-              <a:t>Structural patterns</a:t>
-            </a:r>
-            <a:r>
-              <a:rPr lang="en-US" b="0" i="0" dirty="0">
-                <a:solidFill>
-                  <a:srgbClr val="444444"/>
-                </a:solidFill>
-                <a:effectLst/>
-                <a:latin typeface="PT Sans" panose="020B0503020203020204" pitchFamily="34" charset="0"/>
-              </a:rPr>
-              <a:t> explain how to assemble objects and classes into larger structures, while keeping these structures flexible and efficient.</a:t>
-            </a:r>
-          </a:p>
-          <a:p>
-            <a:pPr algn="l"/>
-            <a:endParaRPr lang="en-US" b="0" i="0" dirty="0">
+            <a:endParaRPr lang="en-US" altLang="zh-CN" b="0" i="0" dirty="0">
               <a:solidFill>
-                <a:srgbClr val="000000"/>
+                <a:srgbClr val="FFFFFF"/>
               </a:solidFill>
               <a:effectLst/>
-              <a:latin typeface="Gilroy"/>
+              <a:latin typeface="-apple-system"/>
             </a:endParaRPr>
-          </a:p>
-          <a:p>
-            <a:pPr algn="l"/>
-            <a:r>
-              <a:rPr lang="en-US" b="1" i="0" dirty="0">
-                <a:solidFill>
-                  <a:srgbClr val="444444"/>
-                </a:solidFill>
-                <a:effectLst/>
-                <a:latin typeface="PT Sans" panose="020B0503020203020204" pitchFamily="34" charset="0"/>
-              </a:rPr>
-              <a:t>//Creational patterns</a:t>
-            </a:r>
-            <a:r>
-              <a:rPr lang="en-US" b="0" i="0" dirty="0">
-                <a:solidFill>
-                  <a:srgbClr val="444444"/>
-                </a:solidFill>
-                <a:effectLst/>
-                <a:latin typeface="PT Sans" panose="020B0503020203020204" pitchFamily="34" charset="0"/>
-              </a:rPr>
-              <a:t> provide object creation mechanisms that increase flexibility and reuse of existing code.</a:t>
-            </a:r>
           </a:p>
           <a:p>
             <a:pPr algn="l">
@@ -22107,31 +22052,335 @@
               <a:buNone/>
             </a:pPr>
             <a:r>
-              <a:rPr lang="en-US" b="1" i="0" dirty="0">
+              <a:rPr lang="zh-CN" altLang="en-US" b="0" i="0" dirty="0">
                 <a:solidFill>
-                  <a:srgbClr val="444444"/>
+                  <a:srgbClr val="FFFFFF"/>
                 </a:solidFill>
                 <a:effectLst/>
-                <a:latin typeface="PT Sans" panose="020B0503020203020204" pitchFamily="34" charset="0"/>
+                <a:latin typeface="-apple-system"/>
               </a:rPr>
-              <a:t>//Behavioral patterns</a:t>
+              <a:t>设计模式</a:t>
             </a:r>
             <a:r>
-              <a:rPr lang="en-US" b="0" i="0" dirty="0">
+              <a:rPr lang="zh-CN" altLang="en-US" b="0" i="0" dirty="0">
                 <a:solidFill>
-                  <a:srgbClr val="444444"/>
+                  <a:srgbClr val="121212"/>
                 </a:solidFill>
                 <a:effectLst/>
-                <a:latin typeface="PT Sans" panose="020B0503020203020204" pitchFamily="34" charset="0"/>
+                <a:latin typeface="-apple-system"/>
               </a:rPr>
-              <a:t> take care of effective communication and the assignment of responsibilities between objects.</a:t>
+              <a:t>根据其目的，可以分为</a:t>
             </a:r>
+            <a:r>
+              <a:rPr lang="zh-CN" altLang="en-US" b="0" i="0" dirty="0">
+                <a:solidFill>
+                  <a:srgbClr val="FFFFFF"/>
+                </a:solidFill>
+                <a:effectLst/>
+                <a:latin typeface="-apple-system"/>
+              </a:rPr>
+              <a:t>三大类</a:t>
+            </a:r>
+            <a:endParaRPr lang="en-US" altLang="zh-CN" b="0" i="0" dirty="0">
+              <a:solidFill>
+                <a:srgbClr val="FFFFFF"/>
+              </a:solidFill>
+              <a:effectLst/>
+              <a:latin typeface="-apple-system"/>
+            </a:endParaRPr>
           </a:p>
           <a:p>
-            <a:endParaRPr lang="en-US" dirty="0"/>
+            <a:pPr algn="l">
+              <a:buFont typeface="+mj-lt"/>
+              <a:buAutoNum type="arabicPeriod"/>
+            </a:pPr>
+            <a:r>
+              <a:rPr lang="zh-CN" altLang="en-US" b="0" i="0" dirty="0">
+                <a:solidFill>
+                  <a:srgbClr val="FFFFFF"/>
+                </a:solidFill>
+                <a:effectLst/>
+                <a:latin typeface="-apple-system"/>
+              </a:rPr>
+              <a:t>创建型模式（</a:t>
+            </a:r>
+            <a:r>
+              <a:rPr lang="en-US" altLang="zh-CN" b="0" i="0" dirty="0">
+                <a:solidFill>
+                  <a:srgbClr val="FFFFFF"/>
+                </a:solidFill>
+                <a:effectLst/>
+                <a:latin typeface="-apple-system"/>
+              </a:rPr>
+              <a:t>Creational Patterns</a:t>
+            </a:r>
+            <a:r>
+              <a:rPr lang="zh-CN" altLang="en-US" b="0" i="0" dirty="0">
+                <a:solidFill>
+                  <a:srgbClr val="FFFFFF"/>
+                </a:solidFill>
+                <a:effectLst/>
+                <a:latin typeface="-apple-system"/>
+              </a:rPr>
+              <a:t>）：模式关注对象的创建过程。它们帮助我们以更加灵活的方式创建对象，而不是直接在代码中实例化。</a:t>
+            </a:r>
+            <a:endParaRPr lang="en-US" altLang="zh-CN" b="0" i="0" dirty="0">
+              <a:solidFill>
+                <a:srgbClr val="FFFFFF"/>
+              </a:solidFill>
+              <a:effectLst/>
+              <a:latin typeface="-apple-system"/>
+            </a:endParaRPr>
           </a:p>
           <a:p>
-            <a:endParaRPr lang="en-US" dirty="0"/>
+            <a:pPr algn="l">
+              <a:buFont typeface="+mj-lt"/>
+              <a:buNone/>
+            </a:pPr>
+            <a:r>
+              <a:rPr lang="en-US" altLang="zh-CN" b="0" i="0" dirty="0">
+                <a:solidFill>
+                  <a:srgbClr val="FFFFFF"/>
+                </a:solidFill>
+                <a:effectLst/>
+                <a:latin typeface="-apple-system"/>
+              </a:rPr>
+              <a:t>   </a:t>
+            </a:r>
+            <a:r>
+              <a:rPr lang="zh-CN" altLang="en-US" b="0" i="0" dirty="0">
+                <a:solidFill>
+                  <a:srgbClr val="FFFFFF"/>
+                </a:solidFill>
+                <a:effectLst/>
+                <a:latin typeface="-apple-system"/>
+              </a:rPr>
+              <a:t>常见的创建型模式有：单例模式、工厂模式</a:t>
+            </a:r>
+            <a:endParaRPr lang="en-US" altLang="zh-CN" b="0" i="0" dirty="0">
+              <a:solidFill>
+                <a:srgbClr val="FFFFFF"/>
+              </a:solidFill>
+              <a:effectLst/>
+              <a:latin typeface="-apple-system"/>
+            </a:endParaRPr>
+          </a:p>
+          <a:p>
+            <a:pPr algn="l">
+              <a:buFont typeface="+mj-lt"/>
+              <a:buAutoNum type="arabicPeriod"/>
+            </a:pPr>
+            <a:endParaRPr lang="zh-CN" altLang="en-US" b="0" i="0" dirty="0">
+              <a:solidFill>
+                <a:srgbClr val="FFFFFF"/>
+              </a:solidFill>
+              <a:effectLst/>
+              <a:latin typeface="-apple-system"/>
+            </a:endParaRPr>
+          </a:p>
+          <a:p>
+            <a:pPr algn="l">
+              <a:buFont typeface="+mj-lt"/>
+              <a:buNone/>
+            </a:pPr>
+            <a:r>
+              <a:rPr lang="en-US" altLang="zh-CN" b="0" i="0" dirty="0">
+                <a:solidFill>
+                  <a:srgbClr val="FFFFFF"/>
+                </a:solidFill>
+                <a:effectLst/>
+                <a:latin typeface="-apple-system"/>
+              </a:rPr>
+              <a:t>2. </a:t>
+            </a:r>
+            <a:r>
+              <a:rPr lang="zh-CN" altLang="en-US" b="0" i="0" dirty="0">
+                <a:solidFill>
+                  <a:srgbClr val="FFFFFF"/>
+                </a:solidFill>
+                <a:effectLst/>
+                <a:latin typeface="-apple-system"/>
+              </a:rPr>
+              <a:t>结构型模式（</a:t>
+            </a:r>
+            <a:r>
+              <a:rPr lang="en-US" altLang="zh-CN" b="0" i="0" dirty="0">
+                <a:solidFill>
+                  <a:srgbClr val="FFFFFF"/>
+                </a:solidFill>
+                <a:effectLst/>
+                <a:latin typeface="-apple-system"/>
+              </a:rPr>
+              <a:t>Structural Patterns</a:t>
+            </a:r>
+            <a:r>
+              <a:rPr lang="zh-CN" altLang="en-US" b="0" i="0" dirty="0">
+                <a:solidFill>
+                  <a:srgbClr val="FFFFFF"/>
+                </a:solidFill>
+                <a:effectLst/>
+                <a:latin typeface="-apple-system"/>
+              </a:rPr>
+              <a:t>）：结构型模式关注对象之间的组合方式，通过定义对象之间的结构关系和交互方式，帮助我们构建更大的结构。</a:t>
+            </a:r>
+            <a:endParaRPr lang="en-US" altLang="zh-CN" b="0" i="0" dirty="0">
+              <a:solidFill>
+                <a:srgbClr val="FFFFFF"/>
+              </a:solidFill>
+              <a:effectLst/>
+              <a:latin typeface="-apple-system"/>
+            </a:endParaRPr>
+          </a:p>
+          <a:p>
+            <a:pPr algn="l">
+              <a:buFont typeface="+mj-lt"/>
+              <a:buNone/>
+            </a:pPr>
+            <a:r>
+              <a:rPr lang="zh-CN" altLang="en-US" b="0" i="0" dirty="0">
+                <a:solidFill>
+                  <a:srgbClr val="FFFFFF"/>
+                </a:solidFill>
+                <a:effectLst/>
+                <a:latin typeface="-apple-system"/>
+              </a:rPr>
+              <a:t>就像是用积木搭一个房子，那你得从地基开始，慢慢组装，让各个部件紧密连接，房子才能稳固</a:t>
+            </a:r>
+            <a:endParaRPr lang="en-US" altLang="zh-CN" b="0" i="0" dirty="0">
+              <a:solidFill>
+                <a:srgbClr val="FFFFFF"/>
+              </a:solidFill>
+              <a:effectLst/>
+              <a:latin typeface="-apple-system"/>
+            </a:endParaRPr>
+          </a:p>
+          <a:p>
+            <a:pPr algn="l">
+              <a:buFont typeface="+mj-lt"/>
+              <a:buNone/>
+            </a:pPr>
+            <a:endParaRPr lang="en-US" altLang="zh-CN" b="0" i="0" dirty="0">
+              <a:solidFill>
+                <a:srgbClr val="FFFFFF"/>
+              </a:solidFill>
+              <a:effectLst/>
+              <a:latin typeface="-apple-system"/>
+            </a:endParaRPr>
+          </a:p>
+          <a:p>
+            <a:pPr algn="l">
+              <a:buFont typeface="+mj-lt"/>
+              <a:buNone/>
+            </a:pPr>
+            <a:r>
+              <a:rPr lang="en-US" altLang="zh-CN" b="0" i="0" dirty="0">
+                <a:solidFill>
+                  <a:srgbClr val="FFFFFF"/>
+                </a:solidFill>
+                <a:effectLst/>
+                <a:latin typeface="-apple-system"/>
+              </a:rPr>
+              <a:t>3.</a:t>
+            </a:r>
+            <a:r>
+              <a:rPr lang="zh-CN" altLang="en-US" b="0" i="0" dirty="0">
+                <a:solidFill>
+                  <a:srgbClr val="FFFFFF"/>
+                </a:solidFill>
+                <a:effectLst/>
+                <a:latin typeface="-apple-system"/>
+              </a:rPr>
+              <a:t> 行为型模式（</a:t>
+            </a:r>
+            <a:r>
+              <a:rPr lang="en-US" altLang="zh-CN" b="0" i="0" dirty="0">
+                <a:solidFill>
+                  <a:srgbClr val="FFFFFF"/>
+                </a:solidFill>
+                <a:effectLst/>
+                <a:latin typeface="-apple-system"/>
+              </a:rPr>
+              <a:t>Behavioral Patterns</a:t>
+            </a:r>
+            <a:r>
+              <a:rPr lang="zh-CN" altLang="en-US" b="0" i="0" dirty="0">
+                <a:solidFill>
+                  <a:srgbClr val="FFFFFF"/>
+                </a:solidFill>
+                <a:effectLst/>
+                <a:latin typeface="-apple-system"/>
+              </a:rPr>
+              <a:t>）：行为型模式关注对象之间的相互作用和沟通方式，就像是人们之间的互动一样。</a:t>
+            </a:r>
+            <a:endParaRPr lang="en-US" altLang="zh-CN" b="0" i="0" dirty="0">
+              <a:solidFill>
+                <a:srgbClr val="FFFFFF"/>
+              </a:solidFill>
+              <a:effectLst/>
+              <a:latin typeface="-apple-system"/>
+            </a:endParaRPr>
+          </a:p>
+          <a:p>
+            <a:pPr algn="l">
+              <a:buFont typeface="+mj-lt"/>
+              <a:buNone/>
+            </a:pPr>
+            <a:r>
+              <a:rPr lang="zh-CN" altLang="en-US" b="0" i="0" dirty="0">
+                <a:solidFill>
+                  <a:srgbClr val="FFFFFF"/>
+                </a:solidFill>
+                <a:effectLst/>
+                <a:latin typeface="-apple-system"/>
+              </a:rPr>
+              <a:t>比方说大家一起出去玩。每个人都有自己的兴趣爱好，所以需要通过协商来选择一个大家都喜欢的活动， 以及做好必要的准备工作</a:t>
+            </a:r>
+            <a:endParaRPr lang="en-US" altLang="zh-CN" b="0" i="0" dirty="0">
+              <a:solidFill>
+                <a:srgbClr val="FFFFFF"/>
+              </a:solidFill>
+              <a:effectLst/>
+              <a:latin typeface="-apple-system"/>
+            </a:endParaRPr>
+          </a:p>
+          <a:p>
+            <a:pPr algn="l">
+              <a:buFont typeface="+mj-lt"/>
+              <a:buNone/>
+            </a:pPr>
+            <a:r>
+              <a:rPr lang="zh-CN" altLang="en-US" b="0" i="0" dirty="0">
+                <a:solidFill>
+                  <a:srgbClr val="FFFFFF"/>
+                </a:solidFill>
+                <a:effectLst/>
+                <a:latin typeface="-apple-system"/>
+              </a:rPr>
+              <a:t>它们定义了对象之间的职责分配和算法的分发。</a:t>
+            </a:r>
+            <a:endParaRPr lang="en-US" altLang="zh-CN" b="0" i="0" dirty="0">
+              <a:solidFill>
+                <a:srgbClr val="FFFFFF"/>
+              </a:solidFill>
+              <a:effectLst/>
+              <a:latin typeface="-apple-system"/>
+            </a:endParaRPr>
+          </a:p>
+          <a:p>
+            <a:pPr algn="l">
+              <a:buFont typeface="+mj-lt"/>
+              <a:buNone/>
+            </a:pPr>
+            <a:r>
+              <a:rPr lang="zh-CN" altLang="en-US" b="0" i="0" dirty="0">
+                <a:solidFill>
+                  <a:srgbClr val="FFFFFF"/>
+                </a:solidFill>
+                <a:effectLst/>
+                <a:latin typeface="-apple-system"/>
+              </a:rPr>
+              <a:t>行为型模式包括观察者模式、策略模式和迭代器模式等。</a:t>
+            </a:r>
           </a:p>
         </p:txBody>
       </p:sp>
@@ -22307,7 +22556,7 @@
                 <a:effectLst/>
                 <a:latin typeface="-apple-system"/>
               </a:rPr>
-              <a:t>观察者模式是一种行为模式，用于在对象之间建立一种一对多的依赖关系。</a:t>
+              <a:t>观察者模式用于在对象之间建立一种一对多的依赖关系。</a:t>
             </a:r>
             <a:endParaRPr lang="en-US" altLang="zh-CN" b="0" i="0" dirty="0">
               <a:solidFill>
@@ -22326,7 +22575,7 @@
                 <a:effectLst/>
                 <a:latin typeface="-apple-system"/>
               </a:rPr>
-              <a:t>当一个对象的状态发生变化时，它会自动通知其依赖对象，使得依赖对象能够自动更新自己</a:t>
+              <a:t>当一个对象的状态发生变化时，它会自动通知其依赖对象，使得依赖对象能够自动接收到更新，执行某些特定的操作</a:t>
             </a:r>
             <a:endParaRPr lang="en-US" altLang="zh-CN" b="0" i="0" dirty="0">
               <a:solidFill>
@@ -22346,19 +22595,6 @@
             </a:endParaRPr>
           </a:p>
           <a:p>
-            <a:endParaRPr lang="en-US" b="0" i="0" dirty="0">
-              <a:solidFill>
-                <a:srgbClr val="FFFFFF"/>
-              </a:solidFill>
-              <a:effectLst/>
-              <a:latin typeface="-apple-system"/>
-            </a:endParaRPr>
-          </a:p>
-          <a:p>
-            <a:pPr algn="l">
-              <a:buFont typeface="+mj-lt"/>
-              <a:buAutoNum type="arabicPeriod"/>
-            </a:pPr>
             <a:r>
               <a:rPr lang="zh-CN" altLang="en-US" b="0" i="0" dirty="0">
                 <a:solidFill>
@@ -22367,7 +22603,7 @@
                 <a:effectLst/>
                 <a:latin typeface="-apple-system"/>
               </a:rPr>
-              <a:t>报纸公司作为发布者，提供了订阅报纸的服务。订阅者可以注册并订阅每日的报纸。</a:t>
+              <a:t>比方说拿订报纸举例的话，</a:t>
             </a:r>
             <a:endParaRPr lang="en-US" altLang="zh-CN" b="0" i="0" dirty="0">
               <a:solidFill>
@@ -22378,10 +22614,6 @@
             </a:endParaRPr>
           </a:p>
           <a:p>
-            <a:pPr algn="l">
-              <a:buFont typeface="+mj-lt"/>
-              <a:buAutoNum type="arabicPeriod"/>
-            </a:pPr>
             <a:r>
               <a:rPr lang="zh-CN" altLang="en-US" b="0" i="0" dirty="0">
                 <a:solidFill>
@@ -22390,15 +22622,9 @@
                 <a:effectLst/>
                 <a:latin typeface="-apple-system"/>
               </a:rPr>
-              <a:t>订阅者完成订阅后，他们的信息被报纸公司记录下来，以便将来发送报纸。</a:t>
+              <a:t>对于报纸的读者而言，他想要每天收到最新的报纸的话， 他需要订购这份报纸</a:t>
             </a:r>
-          </a:p>
-          <a:p>
-            <a:pPr algn="l">
-              <a:buFont typeface="+mj-lt"/>
-              <a:buNone/>
-            </a:pPr>
-            <a:endParaRPr lang="zh-CN" altLang="en-US" b="0" i="0" dirty="0">
+            <a:endParaRPr lang="en-US" altLang="zh-CN" b="0" i="0" dirty="0">
               <a:solidFill>
                 <a:srgbClr val="FFFFFF"/>
               </a:solidFill>
@@ -22407,10 +22633,6 @@
             </a:endParaRPr>
           </a:p>
           <a:p>
-            <a:pPr algn="l">
-              <a:buFont typeface="+mj-lt"/>
-              <a:buAutoNum type="arabicPeriod"/>
-            </a:pPr>
             <a:r>
               <a:rPr lang="zh-CN" altLang="en-US" b="0" i="0" dirty="0">
                 <a:solidFill>
@@ -22419,14 +22641,17 @@
                 <a:effectLst/>
                 <a:latin typeface="-apple-system"/>
               </a:rPr>
-              <a:t>每当报纸公司有新报纸发布时，它会通知所有已订阅的订阅者。</a:t>
+              <a:t>对于卖报纸的人而言， 每次有客户定了他的报纸，他都需要记录下客户的信息，然后准时将报纸送到客户手中</a:t>
             </a:r>
+            <a:endParaRPr lang="en-US" altLang="zh-CN" b="0" i="0" dirty="0">
+              <a:solidFill>
+                <a:srgbClr val="FFFFFF"/>
+              </a:solidFill>
+              <a:effectLst/>
+              <a:latin typeface="-apple-system"/>
+            </a:endParaRPr>
           </a:p>
           <a:p>
-            <a:pPr algn="l">
-              <a:buFont typeface="+mj-lt"/>
-              <a:buAutoNum type="arabicPeriod"/>
-            </a:pPr>
             <a:r>
               <a:rPr lang="zh-CN" altLang="en-US" b="0" i="0" dirty="0">
                 <a:solidFill>
@@ -22435,23 +22660,7 @@
                 <a:effectLst/>
                 <a:latin typeface="-apple-system"/>
               </a:rPr>
-              <a:t>当新报纸发布时，报纸公司会遍历所有订阅者，并向他们发送报纸。</a:t>
-            </a:r>
-          </a:p>
-          <a:p>
-            <a:pPr algn="l">
-              <a:buFont typeface="+mj-lt"/>
-              <a:buAutoNum type="arabicPeriod"/>
-            </a:pPr>
-            <a:r>
-              <a:rPr lang="zh-CN" altLang="en-US" b="0" i="0" dirty="0">
-                <a:solidFill>
-                  <a:srgbClr val="FFFFFF"/>
-                </a:solidFill>
-                <a:effectLst/>
-                <a:latin typeface="-apple-system"/>
-              </a:rPr>
-              <a:t>订阅者收到报纸后，可以根据自己的需求对报纸进行处理，比如阅读、存档或丢弃</a:t>
+              <a:t>读者收到报纸后，可以根据自己的需求对报纸进行处理，比如阅读、存档或丢弃</a:t>
             </a:r>
           </a:p>
           <a:p>
@@ -22496,6 +22705,286 @@
 </file>
 
 <file path=ppt/notesSlides/notesSlide4.xml><?xml version="1.0" encoding="utf-8"?>
+<p:notes xmlns:a="http://schemas.openxmlformats.org/drawingml/2006/main" xmlns:r="http://schemas.openxmlformats.org/officeDocument/2006/relationships" xmlns:p="http://schemas.openxmlformats.org/presentationml/2006/main">
+  <p:cSld>
+    <p:spTree>
+      <p:nvGrpSpPr>
+        <p:cNvPr id="1" name=""/>
+        <p:cNvGrpSpPr/>
+        <p:nvPr/>
+      </p:nvGrpSpPr>
+      <p:grpSpPr>
+        <a:xfrm>
+          <a:off x="0" y="0"/>
+          <a:ext cx="0" cy="0"/>
+          <a:chOff x="0" y="0"/>
+          <a:chExt cx="0" cy="0"/>
+        </a:xfrm>
+      </p:grpSpPr>
+      <p:sp>
+        <p:nvSpPr>
+          <p:cNvPr id="2" name="Slide Image Placeholder 1"/>
+          <p:cNvSpPr>
+            <a:spLocks noGrp="1" noRot="1" noChangeAspect="1"/>
+          </p:cNvSpPr>
+          <p:nvPr>
+            <p:ph type="sldImg"/>
+          </p:nvPr>
+        </p:nvSpPr>
+        <p:spPr/>
+      </p:sp>
+      <p:sp>
+        <p:nvSpPr>
+          <p:cNvPr id="3" name="Notes Placeholder 2"/>
+          <p:cNvSpPr>
+            <a:spLocks noGrp="1"/>
+          </p:cNvSpPr>
+          <p:nvPr>
+            <p:ph type="body" idx="1"/>
+          </p:nvPr>
+        </p:nvSpPr>
+        <p:spPr/>
+        <p:txBody>
+          <a:bodyPr/>
+          <a:lstStyle/>
+          <a:p>
+            <a:pPr algn="l"/>
+            <a:r>
+              <a:rPr lang="zh-CN" altLang="en-US" b="0" i="0" dirty="0">
+                <a:solidFill>
+                  <a:srgbClr val="FFFFFF"/>
+                </a:solidFill>
+                <a:effectLst/>
+                <a:latin typeface="-apple-system"/>
+              </a:rPr>
+              <a:t>在这种模式中，存在两种类型的对象：主题（</a:t>
+            </a:r>
+            <a:r>
+              <a:rPr lang="en-US" altLang="zh-CN" b="0" i="0" dirty="0">
+                <a:solidFill>
+                  <a:srgbClr val="FFFFFF"/>
+                </a:solidFill>
+                <a:effectLst/>
+                <a:latin typeface="-apple-system"/>
+              </a:rPr>
+              <a:t>Subject</a:t>
+            </a:r>
+            <a:r>
+              <a:rPr lang="zh-CN" altLang="en-US" b="0" i="0" dirty="0">
+                <a:solidFill>
+                  <a:srgbClr val="FFFFFF"/>
+                </a:solidFill>
+                <a:effectLst/>
+                <a:latin typeface="-apple-system"/>
+              </a:rPr>
+              <a:t>）和观察者（</a:t>
+            </a:r>
+            <a:r>
+              <a:rPr lang="en-US" altLang="zh-CN" b="0" i="0" dirty="0">
+                <a:solidFill>
+                  <a:srgbClr val="FFFFFF"/>
+                </a:solidFill>
+                <a:effectLst/>
+                <a:latin typeface="-apple-system"/>
+              </a:rPr>
+              <a:t>Observer</a:t>
+            </a:r>
+            <a:r>
+              <a:rPr lang="zh-CN" altLang="en-US" b="0" i="0" dirty="0">
+                <a:solidFill>
+                  <a:srgbClr val="FFFFFF"/>
+                </a:solidFill>
+                <a:effectLst/>
+                <a:latin typeface="-apple-system"/>
+              </a:rPr>
+              <a:t>）</a:t>
+            </a:r>
+            <a:endParaRPr lang="en-US" altLang="zh-CN" b="0" i="0" dirty="0">
+              <a:solidFill>
+                <a:srgbClr val="FFFFFF"/>
+              </a:solidFill>
+              <a:effectLst/>
+              <a:latin typeface="-apple-system"/>
+            </a:endParaRPr>
+          </a:p>
+          <a:p>
+            <a:pPr algn="l"/>
+            <a:endParaRPr lang="zh-CN" altLang="en-US" b="0" i="0" dirty="0">
+              <a:solidFill>
+                <a:srgbClr val="FFFFFF"/>
+              </a:solidFill>
+              <a:effectLst/>
+              <a:latin typeface="-apple-system"/>
+            </a:endParaRPr>
+          </a:p>
+          <a:p>
+            <a:pPr algn="l"/>
+            <a:r>
+              <a:rPr lang="zh-CN" altLang="en-US" b="0" i="0" dirty="0">
+                <a:solidFill>
+                  <a:srgbClr val="FFFFFF"/>
+                </a:solidFill>
+                <a:effectLst/>
+                <a:latin typeface="-apple-system"/>
+              </a:rPr>
+              <a:t>主题（</a:t>
+            </a:r>
+            <a:r>
+              <a:rPr lang="en-US" altLang="zh-CN" b="0" i="0" dirty="0">
+                <a:solidFill>
+                  <a:srgbClr val="FFFFFF"/>
+                </a:solidFill>
+                <a:effectLst/>
+                <a:latin typeface="-apple-system"/>
+              </a:rPr>
+              <a:t>Subject</a:t>
+            </a:r>
+            <a:r>
+              <a:rPr lang="zh-CN" altLang="en-US" b="0" i="0" dirty="0">
+                <a:solidFill>
+                  <a:srgbClr val="FFFFFF"/>
+                </a:solidFill>
+                <a:effectLst/>
+                <a:latin typeface="-apple-system"/>
+              </a:rPr>
+              <a:t>）是被观察的对象，它维护着一个观察者列表，并提供了用于添加、删除和通知观察者的方法。</a:t>
+            </a:r>
+            <a:endParaRPr lang="en-US" altLang="zh-CN" b="0" i="0" dirty="0">
+              <a:solidFill>
+                <a:srgbClr val="FFFFFF"/>
+              </a:solidFill>
+              <a:effectLst/>
+              <a:latin typeface="-apple-system"/>
+            </a:endParaRPr>
+          </a:p>
+          <a:p>
+            <a:pPr algn="l"/>
+            <a:r>
+              <a:rPr lang="zh-CN" altLang="en-US" b="0" i="0" dirty="0">
+                <a:solidFill>
+                  <a:srgbClr val="FFFFFF"/>
+                </a:solidFill>
+                <a:effectLst/>
+                <a:latin typeface="-apple-system"/>
+              </a:rPr>
+              <a:t>当主题的状态发生变化时，它会遍历观察者列表，调用每个观察者的更新方法，以通知它们状态的改变。</a:t>
+            </a:r>
+            <a:endParaRPr lang="en-US" altLang="zh-CN" b="0" i="0" dirty="0">
+              <a:solidFill>
+                <a:srgbClr val="FFFFFF"/>
+              </a:solidFill>
+              <a:effectLst/>
+              <a:latin typeface="-apple-system"/>
+            </a:endParaRPr>
+          </a:p>
+          <a:p>
+            <a:pPr algn="l"/>
+            <a:endParaRPr lang="zh-CN" altLang="en-US" b="0" i="0" dirty="0">
+              <a:solidFill>
+                <a:srgbClr val="FFFFFF"/>
+              </a:solidFill>
+              <a:effectLst/>
+              <a:latin typeface="-apple-system"/>
+            </a:endParaRPr>
+          </a:p>
+          <a:p>
+            <a:pPr algn="l"/>
+            <a:r>
+              <a:rPr lang="zh-CN" altLang="en-US" b="0" i="0" dirty="0">
+                <a:solidFill>
+                  <a:srgbClr val="FFFFFF"/>
+                </a:solidFill>
+                <a:effectLst/>
+                <a:latin typeface="-apple-system"/>
+              </a:rPr>
+              <a:t>观察者（</a:t>
+            </a:r>
+            <a:r>
+              <a:rPr lang="en-US" altLang="zh-CN" b="0" i="0" dirty="0">
+                <a:solidFill>
+                  <a:srgbClr val="FFFFFF"/>
+                </a:solidFill>
+                <a:effectLst/>
+                <a:latin typeface="-apple-system"/>
+              </a:rPr>
+              <a:t>Observer</a:t>
+            </a:r>
+            <a:r>
+              <a:rPr lang="zh-CN" altLang="en-US" b="0" i="0" dirty="0">
+                <a:solidFill>
+                  <a:srgbClr val="FFFFFF"/>
+                </a:solidFill>
+                <a:effectLst/>
+                <a:latin typeface="-apple-system"/>
+              </a:rPr>
+              <a:t>）是依赖于主题的对象，它们通过注册到主题上来接收状态的变化通知。</a:t>
+            </a:r>
+            <a:endParaRPr lang="en-US" altLang="zh-CN" b="0" i="0" dirty="0">
+              <a:solidFill>
+                <a:srgbClr val="FFFFFF"/>
+              </a:solidFill>
+              <a:effectLst/>
+              <a:latin typeface="-apple-system"/>
+            </a:endParaRPr>
+          </a:p>
+          <a:p>
+            <a:pPr algn="l"/>
+            <a:r>
+              <a:rPr lang="zh-CN" altLang="en-US" b="0" i="0" dirty="0">
+                <a:solidFill>
+                  <a:srgbClr val="FFFFFF"/>
+                </a:solidFill>
+                <a:effectLst/>
+                <a:latin typeface="-apple-system"/>
+              </a:rPr>
+              <a:t>观察者必须实现一个更新方法，以便主题在状态改变时能够调用它们的更新方法。</a:t>
+            </a:r>
+          </a:p>
+          <a:p>
+            <a:endParaRPr lang="en-US" dirty="0"/>
+          </a:p>
+          <a:p>
+            <a:endParaRPr lang="en-US" dirty="0"/>
+          </a:p>
+        </p:txBody>
+      </p:sp>
+      <p:sp>
+        <p:nvSpPr>
+          <p:cNvPr id="4" name="Slide Number Placeholder 3"/>
+          <p:cNvSpPr>
+            <a:spLocks noGrp="1"/>
+          </p:cNvSpPr>
+          <p:nvPr>
+            <p:ph type="sldNum" sz="quarter" idx="5"/>
+          </p:nvPr>
+        </p:nvSpPr>
+        <p:spPr/>
+        <p:txBody>
+          <a:bodyPr/>
+          <a:lstStyle/>
+          <a:p>
+            <a:fld id="{01420855-62A1-43EF-8815-D1313CE67D77}" type="slidenum">
+              <a:rPr lang="en-AU" smtClean="0"/>
+              <a:t>4</a:t>
+            </a:fld>
+            <a:endParaRPr lang="en-AU"/>
+          </a:p>
+        </p:txBody>
+      </p:sp>
+    </p:spTree>
+    <p:extLst>
+      <p:ext uri="{BB962C8B-B14F-4D97-AF65-F5344CB8AC3E}">
+        <p14:creationId xmlns:p14="http://schemas.microsoft.com/office/powerpoint/2010/main" val="1859201970"/>
+      </p:ext>
+    </p:extLst>
+  </p:cSld>
+  <p:clrMapOvr>
+    <a:masterClrMapping/>
+  </p:clrMapOvr>
+</p:notes>
+</file>
+
+<file path=ppt/notesSlides/notesSlide5.xml><?xml version="1.0" encoding="utf-8"?>
 <p:notes xmlns:a="http://schemas.openxmlformats.org/drawingml/2006/main" xmlns:r="http://schemas.openxmlformats.org/officeDocument/2006/relationships" xmlns:p="http://schemas.openxmlformats.org/presentationml/2006/main">
   <p:cSld>
     <p:spTree>
@@ -22773,7 +23262,7 @@
           <a:p>
             <a:fld id="{01420855-62A1-43EF-8815-D1313CE67D77}" type="slidenum">
               <a:rPr lang="en-AU" smtClean="0"/>
-              <a:t>4</a:t>
+              <a:t>5</a:t>
             </a:fld>
             <a:endParaRPr lang="en-AU"/>
           </a:p>
@@ -22783,286 +23272,6 @@
     <p:extLst>
       <p:ext uri="{BB962C8B-B14F-4D97-AF65-F5344CB8AC3E}">
         <p14:creationId xmlns:p14="http://schemas.microsoft.com/office/powerpoint/2010/main" val="1913746585"/>
-      </p:ext>
-    </p:extLst>
-  </p:cSld>
-  <p:clrMapOvr>
-    <a:masterClrMapping/>
-  </p:clrMapOvr>
-</p:notes>
-</file>
-
-<file path=ppt/notesSlides/notesSlide5.xml><?xml version="1.0" encoding="utf-8"?>
-<p:notes xmlns:a="http://schemas.openxmlformats.org/drawingml/2006/main" xmlns:r="http://schemas.openxmlformats.org/officeDocument/2006/relationships" xmlns:p="http://schemas.openxmlformats.org/presentationml/2006/main">
-  <p:cSld>
-    <p:spTree>
-      <p:nvGrpSpPr>
-        <p:cNvPr id="1" name=""/>
-        <p:cNvGrpSpPr/>
-        <p:nvPr/>
-      </p:nvGrpSpPr>
-      <p:grpSpPr>
-        <a:xfrm>
-          <a:off x="0" y="0"/>
-          <a:ext cx="0" cy="0"/>
-          <a:chOff x="0" y="0"/>
-          <a:chExt cx="0" cy="0"/>
-        </a:xfrm>
-      </p:grpSpPr>
-      <p:sp>
-        <p:nvSpPr>
-          <p:cNvPr id="2" name="Slide Image Placeholder 1"/>
-          <p:cNvSpPr>
-            <a:spLocks noGrp="1" noRot="1" noChangeAspect="1"/>
-          </p:cNvSpPr>
-          <p:nvPr>
-            <p:ph type="sldImg"/>
-          </p:nvPr>
-        </p:nvSpPr>
-        <p:spPr/>
-      </p:sp>
-      <p:sp>
-        <p:nvSpPr>
-          <p:cNvPr id="3" name="Notes Placeholder 2"/>
-          <p:cNvSpPr>
-            <a:spLocks noGrp="1"/>
-          </p:cNvSpPr>
-          <p:nvPr>
-            <p:ph type="body" idx="1"/>
-          </p:nvPr>
-        </p:nvSpPr>
-        <p:spPr/>
-        <p:txBody>
-          <a:bodyPr/>
-          <a:lstStyle/>
-          <a:p>
-            <a:pPr algn="l"/>
-            <a:r>
-              <a:rPr lang="zh-CN" altLang="en-US" b="0" i="0" dirty="0">
-                <a:solidFill>
-                  <a:srgbClr val="FFFFFF"/>
-                </a:solidFill>
-                <a:effectLst/>
-                <a:latin typeface="-apple-system"/>
-              </a:rPr>
-              <a:t>在这种模式中，存在两种类型的对象：主题（</a:t>
-            </a:r>
-            <a:r>
-              <a:rPr lang="en-US" altLang="zh-CN" b="0" i="0" dirty="0">
-                <a:solidFill>
-                  <a:srgbClr val="FFFFFF"/>
-                </a:solidFill>
-                <a:effectLst/>
-                <a:latin typeface="-apple-system"/>
-              </a:rPr>
-              <a:t>Subject</a:t>
-            </a:r>
-            <a:r>
-              <a:rPr lang="zh-CN" altLang="en-US" b="0" i="0" dirty="0">
-                <a:solidFill>
-                  <a:srgbClr val="FFFFFF"/>
-                </a:solidFill>
-                <a:effectLst/>
-                <a:latin typeface="-apple-system"/>
-              </a:rPr>
-              <a:t>）和观察者（</a:t>
-            </a:r>
-            <a:r>
-              <a:rPr lang="en-US" altLang="zh-CN" b="0" i="0" dirty="0">
-                <a:solidFill>
-                  <a:srgbClr val="FFFFFF"/>
-                </a:solidFill>
-                <a:effectLst/>
-                <a:latin typeface="-apple-system"/>
-              </a:rPr>
-              <a:t>Observer</a:t>
-            </a:r>
-            <a:r>
-              <a:rPr lang="zh-CN" altLang="en-US" b="0" i="0" dirty="0">
-                <a:solidFill>
-                  <a:srgbClr val="FFFFFF"/>
-                </a:solidFill>
-                <a:effectLst/>
-                <a:latin typeface="-apple-system"/>
-              </a:rPr>
-              <a:t>）</a:t>
-            </a:r>
-            <a:endParaRPr lang="en-US" altLang="zh-CN" b="0" i="0" dirty="0">
-              <a:solidFill>
-                <a:srgbClr val="FFFFFF"/>
-              </a:solidFill>
-              <a:effectLst/>
-              <a:latin typeface="-apple-system"/>
-            </a:endParaRPr>
-          </a:p>
-          <a:p>
-            <a:pPr algn="l"/>
-            <a:endParaRPr lang="zh-CN" altLang="en-US" b="0" i="0" dirty="0">
-              <a:solidFill>
-                <a:srgbClr val="FFFFFF"/>
-              </a:solidFill>
-              <a:effectLst/>
-              <a:latin typeface="-apple-system"/>
-            </a:endParaRPr>
-          </a:p>
-          <a:p>
-            <a:pPr algn="l"/>
-            <a:r>
-              <a:rPr lang="zh-CN" altLang="en-US" b="0" i="0" dirty="0">
-                <a:solidFill>
-                  <a:srgbClr val="FFFFFF"/>
-                </a:solidFill>
-                <a:effectLst/>
-                <a:latin typeface="-apple-system"/>
-              </a:rPr>
-              <a:t>主题（</a:t>
-            </a:r>
-            <a:r>
-              <a:rPr lang="en-US" altLang="zh-CN" b="0" i="0" dirty="0">
-                <a:solidFill>
-                  <a:srgbClr val="FFFFFF"/>
-                </a:solidFill>
-                <a:effectLst/>
-                <a:latin typeface="-apple-system"/>
-              </a:rPr>
-              <a:t>Subject</a:t>
-            </a:r>
-            <a:r>
-              <a:rPr lang="zh-CN" altLang="en-US" b="0" i="0" dirty="0">
-                <a:solidFill>
-                  <a:srgbClr val="FFFFFF"/>
-                </a:solidFill>
-                <a:effectLst/>
-                <a:latin typeface="-apple-system"/>
-              </a:rPr>
-              <a:t>）是被观察的对象，它维护着一个观察者列表，并提供了用于添加、删除和通知观察者的方法。</a:t>
-            </a:r>
-            <a:endParaRPr lang="en-US" altLang="zh-CN" b="0" i="0" dirty="0">
-              <a:solidFill>
-                <a:srgbClr val="FFFFFF"/>
-              </a:solidFill>
-              <a:effectLst/>
-              <a:latin typeface="-apple-system"/>
-            </a:endParaRPr>
-          </a:p>
-          <a:p>
-            <a:pPr algn="l"/>
-            <a:r>
-              <a:rPr lang="zh-CN" altLang="en-US" b="0" i="0" dirty="0">
-                <a:solidFill>
-                  <a:srgbClr val="FFFFFF"/>
-                </a:solidFill>
-                <a:effectLst/>
-                <a:latin typeface="-apple-system"/>
-              </a:rPr>
-              <a:t>当主题的状态发生变化时，它会遍历观察者列表，调用每个观察者的更新方法，以通知它们状态的改变。</a:t>
-            </a:r>
-            <a:endParaRPr lang="en-US" altLang="zh-CN" b="0" i="0" dirty="0">
-              <a:solidFill>
-                <a:srgbClr val="FFFFFF"/>
-              </a:solidFill>
-              <a:effectLst/>
-              <a:latin typeface="-apple-system"/>
-            </a:endParaRPr>
-          </a:p>
-          <a:p>
-            <a:pPr algn="l"/>
-            <a:endParaRPr lang="zh-CN" altLang="en-US" b="0" i="0" dirty="0">
-              <a:solidFill>
-                <a:srgbClr val="FFFFFF"/>
-              </a:solidFill>
-              <a:effectLst/>
-              <a:latin typeface="-apple-system"/>
-            </a:endParaRPr>
-          </a:p>
-          <a:p>
-            <a:pPr algn="l"/>
-            <a:r>
-              <a:rPr lang="zh-CN" altLang="en-US" b="0" i="0" dirty="0">
-                <a:solidFill>
-                  <a:srgbClr val="FFFFFF"/>
-                </a:solidFill>
-                <a:effectLst/>
-                <a:latin typeface="-apple-system"/>
-              </a:rPr>
-              <a:t>观察者（</a:t>
-            </a:r>
-            <a:r>
-              <a:rPr lang="en-US" altLang="zh-CN" b="0" i="0" dirty="0">
-                <a:solidFill>
-                  <a:srgbClr val="FFFFFF"/>
-                </a:solidFill>
-                <a:effectLst/>
-                <a:latin typeface="-apple-system"/>
-              </a:rPr>
-              <a:t>Observer</a:t>
-            </a:r>
-            <a:r>
-              <a:rPr lang="zh-CN" altLang="en-US" b="0" i="0" dirty="0">
-                <a:solidFill>
-                  <a:srgbClr val="FFFFFF"/>
-                </a:solidFill>
-                <a:effectLst/>
-                <a:latin typeface="-apple-system"/>
-              </a:rPr>
-              <a:t>）是依赖于主题的对象，它们通过注册到主题上来接收状态的变化通知。</a:t>
-            </a:r>
-            <a:endParaRPr lang="en-US" altLang="zh-CN" b="0" i="0" dirty="0">
-              <a:solidFill>
-                <a:srgbClr val="FFFFFF"/>
-              </a:solidFill>
-              <a:effectLst/>
-              <a:latin typeface="-apple-system"/>
-            </a:endParaRPr>
-          </a:p>
-          <a:p>
-            <a:pPr algn="l"/>
-            <a:r>
-              <a:rPr lang="zh-CN" altLang="en-US" b="0" i="0" dirty="0">
-                <a:solidFill>
-                  <a:srgbClr val="FFFFFF"/>
-                </a:solidFill>
-                <a:effectLst/>
-                <a:latin typeface="-apple-system"/>
-              </a:rPr>
-              <a:t>观察者必须实现一个更新方法，以便主题在状态改变时能够调用它们的更新方法。</a:t>
-            </a:r>
-          </a:p>
-          <a:p>
-            <a:endParaRPr lang="en-US" dirty="0"/>
-          </a:p>
-          <a:p>
-            <a:endParaRPr lang="en-US" dirty="0"/>
-          </a:p>
-        </p:txBody>
-      </p:sp>
-      <p:sp>
-        <p:nvSpPr>
-          <p:cNvPr id="4" name="Slide Number Placeholder 3"/>
-          <p:cNvSpPr>
-            <a:spLocks noGrp="1"/>
-          </p:cNvSpPr>
-          <p:nvPr>
-            <p:ph type="sldNum" sz="quarter" idx="5"/>
-          </p:nvPr>
-        </p:nvSpPr>
-        <p:spPr/>
-        <p:txBody>
-          <a:bodyPr/>
-          <a:lstStyle/>
-          <a:p>
-            <a:fld id="{01420855-62A1-43EF-8815-D1313CE67D77}" type="slidenum">
-              <a:rPr lang="en-AU" smtClean="0"/>
-              <a:t>5</a:t>
-            </a:fld>
-            <a:endParaRPr lang="en-AU"/>
-          </a:p>
-        </p:txBody>
-      </p:sp>
-    </p:spTree>
-    <p:extLst>
-      <p:ext uri="{BB962C8B-B14F-4D97-AF65-F5344CB8AC3E}">
-        <p14:creationId xmlns:p14="http://schemas.microsoft.com/office/powerpoint/2010/main" val="1859201970"/>
       </p:ext>
     </p:extLst>
   </p:cSld>
@@ -26547,7 +26756,7 @@
           <a:p>
             <a:fld id="{822760BF-B81F-4B4F-BD54-723812BEFC93}" type="datetimeFigureOut">
               <a:rPr lang="en-US" smtClean="0"/>
-              <a:t>25-Sep-2023</a:t>
+              <a:t>26-Sep-2023</a:t>
             </a:fld>
             <a:endParaRPr lang="en-US"/>
           </a:p>
@@ -30289,6 +30498,197 @@
           </a:p>
         </p:txBody>
       </p:sp>
+      <p:graphicFrame>
+        <p:nvGraphicFramePr>
+          <p:cNvPr id="4" name="Diagram 3">
+            <a:extLst>
+              <a:ext uri="{FF2B5EF4-FFF2-40B4-BE49-F238E27FC236}">
+                <a16:creationId xmlns:a16="http://schemas.microsoft.com/office/drawing/2014/main" id="{16CA8D02-B495-3920-41BD-4CAABD436EA7}"/>
+              </a:ext>
+            </a:extLst>
+          </p:cNvPr>
+          <p:cNvGraphicFramePr/>
+          <p:nvPr>
+            <p:extLst>
+              <p:ext uri="{D42A27DB-BD31-4B8C-83A1-F6EECF244321}">
+                <p14:modId xmlns:p14="http://schemas.microsoft.com/office/powerpoint/2010/main" val="4241655844"/>
+              </p:ext>
+            </p:extLst>
+          </p:nvPr>
+        </p:nvGraphicFramePr>
+        <p:xfrm>
+          <a:off x="1515970" y="3545632"/>
+          <a:ext cx="5635470" cy="4464496"/>
+        </p:xfrm>
+        <a:graphic>
+          <a:graphicData uri="http://schemas.openxmlformats.org/drawingml/2006/diagram">
+            <dgm:relIds xmlns:dgm="http://schemas.openxmlformats.org/drawingml/2006/diagram" xmlns:r="http://schemas.openxmlformats.org/officeDocument/2006/relationships" r:dm="rId3" r:lo="rId4" r:qs="rId5" r:cs="rId6"/>
+          </a:graphicData>
+        </a:graphic>
+      </p:graphicFrame>
+      <p:pic>
+        <p:nvPicPr>
+          <p:cNvPr id="10" name="Picture 9">
+            <a:extLst>
+              <a:ext uri="{FF2B5EF4-FFF2-40B4-BE49-F238E27FC236}">
+                <a16:creationId xmlns:a16="http://schemas.microsoft.com/office/drawing/2014/main" id="{1A37D939-B95D-AB62-2D9E-7FD2602E622C}"/>
+              </a:ext>
+            </a:extLst>
+          </p:cNvPr>
+          <p:cNvPicPr>
+            <a:picLocks noChangeAspect="1"/>
+          </p:cNvPicPr>
+          <p:nvPr/>
+        </p:nvPicPr>
+        <p:blipFill>
+          <a:blip r:embed="rId8"/>
+          <a:stretch>
+            <a:fillRect/>
+          </a:stretch>
+        </p:blipFill>
+        <p:spPr>
+          <a:xfrm>
+            <a:off x="9527704" y="2897560"/>
+            <a:ext cx="12348607" cy="6552728"/>
+          </a:xfrm>
+          <a:prstGeom prst="rect">
+            <a:avLst/>
+          </a:prstGeom>
+        </p:spPr>
+      </p:pic>
+    </p:spTree>
+    <p:extLst>
+      <p:ext uri="{BB962C8B-B14F-4D97-AF65-F5344CB8AC3E}">
+        <p14:creationId xmlns:p14="http://schemas.microsoft.com/office/powerpoint/2010/main" val="382068623"/>
+      </p:ext>
+    </p:extLst>
+  </p:cSld>
+  <p:clrMapOvr>
+    <a:masterClrMapping/>
+  </p:clrMapOvr>
+</p:sld>
+</file>
+
+<file path=ppt/slides/slide5.xml><?xml version="1.0" encoding="utf-8"?>
+<p:sld xmlns:a="http://schemas.openxmlformats.org/drawingml/2006/main" xmlns:r="http://schemas.openxmlformats.org/officeDocument/2006/relationships" xmlns:p="http://schemas.openxmlformats.org/presentationml/2006/main">
+  <p:cSld>
+    <p:spTree>
+      <p:nvGrpSpPr>
+        <p:cNvPr id="1" name=""/>
+        <p:cNvGrpSpPr/>
+        <p:nvPr/>
+      </p:nvGrpSpPr>
+      <p:grpSpPr>
+        <a:xfrm>
+          <a:off x="0" y="0"/>
+          <a:ext cx="0" cy="0"/>
+          <a:chOff x="0" y="0"/>
+          <a:chExt cx="0" cy="0"/>
+        </a:xfrm>
+      </p:grpSpPr>
+      <p:sp>
+        <p:nvSpPr>
+          <p:cNvPr id="2" name="Footer Placeholder 1">
+            <a:extLst>
+              <a:ext uri="{FF2B5EF4-FFF2-40B4-BE49-F238E27FC236}">
+                <a16:creationId xmlns:a16="http://schemas.microsoft.com/office/drawing/2014/main" id="{22DA5C28-F0FD-47D6-8E92-1C9E6EA87F96}"/>
+              </a:ext>
+            </a:extLst>
+          </p:cNvPr>
+          <p:cNvSpPr>
+            <a:spLocks noGrp="1"/>
+          </p:cNvSpPr>
+          <p:nvPr>
+            <p:ph type="ftr" sz="quarter" idx="3"/>
+          </p:nvPr>
+        </p:nvSpPr>
+        <p:spPr/>
+        <p:txBody>
+          <a:bodyPr/>
+          <a:lstStyle/>
+          <a:p>
+            <a:r>
+              <a:rPr lang="en-AU" dirty="0"/>
+              <a:t>© 2023 CargoWise</a:t>
+            </a:r>
+          </a:p>
+        </p:txBody>
+      </p:sp>
+      <p:sp>
+        <p:nvSpPr>
+          <p:cNvPr id="3" name="Slide Number Placeholder 2">
+            <a:extLst>
+              <a:ext uri="{FF2B5EF4-FFF2-40B4-BE49-F238E27FC236}">
+                <a16:creationId xmlns:a16="http://schemas.microsoft.com/office/drawing/2014/main" id="{15B20483-DDDA-4E06-872B-F88C31FDBA35}"/>
+              </a:ext>
+            </a:extLst>
+          </p:cNvPr>
+          <p:cNvSpPr>
+            <a:spLocks noGrp="1"/>
+          </p:cNvSpPr>
+          <p:nvPr>
+            <p:ph type="sldNum" sz="quarter" idx="4"/>
+          </p:nvPr>
+        </p:nvSpPr>
+        <p:spPr/>
+        <p:txBody>
+          <a:bodyPr/>
+          <a:lstStyle/>
+          <a:p>
+            <a:fld id="{67E7CB4E-0848-4774-9F85-B38117CB1B54}" type="slidenum">
+              <a:rPr lang="en-AU" smtClean="0"/>
+              <a:pPr/>
+              <a:t>5</a:t>
+            </a:fld>
+            <a:endParaRPr lang="en-AU"/>
+          </a:p>
+        </p:txBody>
+      </p:sp>
+      <p:sp>
+        <p:nvSpPr>
+          <p:cNvPr id="13" name="Title 9">
+            <a:extLst>
+              <a:ext uri="{FF2B5EF4-FFF2-40B4-BE49-F238E27FC236}">
+                <a16:creationId xmlns:a16="http://schemas.microsoft.com/office/drawing/2014/main" id="{3BAEBDBD-7B50-9F58-BD3C-27FF4C445264}"/>
+              </a:ext>
+            </a:extLst>
+          </p:cNvPr>
+          <p:cNvSpPr>
+            <a:spLocks noGrp="1"/>
+          </p:cNvSpPr>
+          <p:nvPr>
+            <p:ph type="title"/>
+          </p:nvPr>
+        </p:nvSpPr>
+        <p:spPr>
+          <a:xfrm>
+            <a:off x="1080000" y="1125271"/>
+            <a:ext cx="22201232" cy="701456"/>
+          </a:xfrm>
+        </p:spPr>
+        <p:txBody>
+          <a:bodyPr/>
+          <a:lstStyle/>
+          <a:p>
+            <a:r>
+              <a:rPr lang="en-US" b="1" dirty="0"/>
+              <a:t>1. </a:t>
+            </a:r>
+            <a:r>
+              <a:rPr lang="en-US" b="1" kern="1200" dirty="0">
+                <a:latin typeface="Calibri" panose="020F0502020204030204"/>
+                <a:ea typeface="+mn-ea"/>
+                <a:cs typeface="+mn-cs"/>
+              </a:rPr>
+              <a:t>Observer</a:t>
+            </a:r>
+            <a:br>
+              <a:rPr lang="en-US" dirty="0"/>
+            </a:br>
+            <a:endParaRPr lang="en-US" dirty="0"/>
+          </a:p>
+        </p:txBody>
+      </p:sp>
       <p:pic>
         <p:nvPicPr>
           <p:cNvPr id="17" name="Picture 16">
@@ -30493,197 +30893,6 @@
       </p:par>
     </p:tnLst>
   </p:timing>
-</p:sld>
-</file>
-
-<file path=ppt/slides/slide5.xml><?xml version="1.0" encoding="utf-8"?>
-<p:sld xmlns:a="http://schemas.openxmlformats.org/drawingml/2006/main" xmlns:r="http://schemas.openxmlformats.org/officeDocument/2006/relationships" xmlns:p="http://schemas.openxmlformats.org/presentationml/2006/main">
-  <p:cSld>
-    <p:spTree>
-      <p:nvGrpSpPr>
-        <p:cNvPr id="1" name=""/>
-        <p:cNvGrpSpPr/>
-        <p:nvPr/>
-      </p:nvGrpSpPr>
-      <p:grpSpPr>
-        <a:xfrm>
-          <a:off x="0" y="0"/>
-          <a:ext cx="0" cy="0"/>
-          <a:chOff x="0" y="0"/>
-          <a:chExt cx="0" cy="0"/>
-        </a:xfrm>
-      </p:grpSpPr>
-      <p:sp>
-        <p:nvSpPr>
-          <p:cNvPr id="2" name="Footer Placeholder 1">
-            <a:extLst>
-              <a:ext uri="{FF2B5EF4-FFF2-40B4-BE49-F238E27FC236}">
-                <a16:creationId xmlns:a16="http://schemas.microsoft.com/office/drawing/2014/main" id="{22DA5C28-F0FD-47D6-8E92-1C9E6EA87F96}"/>
-              </a:ext>
-            </a:extLst>
-          </p:cNvPr>
-          <p:cNvSpPr>
-            <a:spLocks noGrp="1"/>
-          </p:cNvSpPr>
-          <p:nvPr>
-            <p:ph type="ftr" sz="quarter" idx="3"/>
-          </p:nvPr>
-        </p:nvSpPr>
-        <p:spPr/>
-        <p:txBody>
-          <a:bodyPr/>
-          <a:lstStyle/>
-          <a:p>
-            <a:r>
-              <a:rPr lang="en-AU" dirty="0"/>
-              <a:t>© 2023 CargoWise</a:t>
-            </a:r>
-          </a:p>
-        </p:txBody>
-      </p:sp>
-      <p:sp>
-        <p:nvSpPr>
-          <p:cNvPr id="3" name="Slide Number Placeholder 2">
-            <a:extLst>
-              <a:ext uri="{FF2B5EF4-FFF2-40B4-BE49-F238E27FC236}">
-                <a16:creationId xmlns:a16="http://schemas.microsoft.com/office/drawing/2014/main" id="{15B20483-DDDA-4E06-872B-F88C31FDBA35}"/>
-              </a:ext>
-            </a:extLst>
-          </p:cNvPr>
-          <p:cNvSpPr>
-            <a:spLocks noGrp="1"/>
-          </p:cNvSpPr>
-          <p:nvPr>
-            <p:ph type="sldNum" sz="quarter" idx="4"/>
-          </p:nvPr>
-        </p:nvSpPr>
-        <p:spPr/>
-        <p:txBody>
-          <a:bodyPr/>
-          <a:lstStyle/>
-          <a:p>
-            <a:fld id="{67E7CB4E-0848-4774-9F85-B38117CB1B54}" type="slidenum">
-              <a:rPr lang="en-AU" smtClean="0"/>
-              <a:pPr/>
-              <a:t>5</a:t>
-            </a:fld>
-            <a:endParaRPr lang="en-AU"/>
-          </a:p>
-        </p:txBody>
-      </p:sp>
-      <p:sp>
-        <p:nvSpPr>
-          <p:cNvPr id="13" name="Title 9">
-            <a:extLst>
-              <a:ext uri="{FF2B5EF4-FFF2-40B4-BE49-F238E27FC236}">
-                <a16:creationId xmlns:a16="http://schemas.microsoft.com/office/drawing/2014/main" id="{3BAEBDBD-7B50-9F58-BD3C-27FF4C445264}"/>
-              </a:ext>
-            </a:extLst>
-          </p:cNvPr>
-          <p:cNvSpPr>
-            <a:spLocks noGrp="1"/>
-          </p:cNvSpPr>
-          <p:nvPr>
-            <p:ph type="title"/>
-          </p:nvPr>
-        </p:nvSpPr>
-        <p:spPr>
-          <a:xfrm>
-            <a:off x="1080000" y="1125271"/>
-            <a:ext cx="22201232" cy="701456"/>
-          </a:xfrm>
-        </p:spPr>
-        <p:txBody>
-          <a:bodyPr/>
-          <a:lstStyle/>
-          <a:p>
-            <a:r>
-              <a:rPr lang="en-US" b="1" dirty="0"/>
-              <a:t>1. </a:t>
-            </a:r>
-            <a:r>
-              <a:rPr lang="en-US" b="1" kern="1200" dirty="0">
-                <a:latin typeface="Calibri" panose="020F0502020204030204"/>
-                <a:ea typeface="+mn-ea"/>
-                <a:cs typeface="+mn-cs"/>
-              </a:rPr>
-              <a:t>Observer</a:t>
-            </a:r>
-            <a:br>
-              <a:rPr lang="en-US" dirty="0"/>
-            </a:br>
-            <a:endParaRPr lang="en-US" dirty="0"/>
-          </a:p>
-        </p:txBody>
-      </p:sp>
-      <p:graphicFrame>
-        <p:nvGraphicFramePr>
-          <p:cNvPr id="4" name="Diagram 3">
-            <a:extLst>
-              <a:ext uri="{FF2B5EF4-FFF2-40B4-BE49-F238E27FC236}">
-                <a16:creationId xmlns:a16="http://schemas.microsoft.com/office/drawing/2014/main" id="{16CA8D02-B495-3920-41BD-4CAABD436EA7}"/>
-              </a:ext>
-            </a:extLst>
-          </p:cNvPr>
-          <p:cNvGraphicFramePr/>
-          <p:nvPr>
-            <p:extLst>
-              <p:ext uri="{D42A27DB-BD31-4B8C-83A1-F6EECF244321}">
-                <p14:modId xmlns:p14="http://schemas.microsoft.com/office/powerpoint/2010/main" val="4241655844"/>
-              </p:ext>
-            </p:extLst>
-          </p:nvPr>
-        </p:nvGraphicFramePr>
-        <p:xfrm>
-          <a:off x="1515970" y="3545632"/>
-          <a:ext cx="5635470" cy="4464496"/>
-        </p:xfrm>
-        <a:graphic>
-          <a:graphicData uri="http://schemas.openxmlformats.org/drawingml/2006/diagram">
-            <dgm:relIds xmlns:dgm="http://schemas.openxmlformats.org/drawingml/2006/diagram" xmlns:r="http://schemas.openxmlformats.org/officeDocument/2006/relationships" r:dm="rId3" r:lo="rId4" r:qs="rId5" r:cs="rId6"/>
-          </a:graphicData>
-        </a:graphic>
-      </p:graphicFrame>
-      <p:pic>
-        <p:nvPicPr>
-          <p:cNvPr id="10" name="Picture 9">
-            <a:extLst>
-              <a:ext uri="{FF2B5EF4-FFF2-40B4-BE49-F238E27FC236}">
-                <a16:creationId xmlns:a16="http://schemas.microsoft.com/office/drawing/2014/main" id="{1A37D939-B95D-AB62-2D9E-7FD2602E622C}"/>
-              </a:ext>
-            </a:extLst>
-          </p:cNvPr>
-          <p:cNvPicPr>
-            <a:picLocks noChangeAspect="1"/>
-          </p:cNvPicPr>
-          <p:nvPr/>
-        </p:nvPicPr>
-        <p:blipFill>
-          <a:blip r:embed="rId8"/>
-          <a:stretch>
-            <a:fillRect/>
-          </a:stretch>
-        </p:blipFill>
-        <p:spPr>
-          <a:xfrm>
-            <a:off x="9527704" y="2897560"/>
-            <a:ext cx="12348607" cy="6552728"/>
-          </a:xfrm>
-          <a:prstGeom prst="rect">
-            <a:avLst/>
-          </a:prstGeom>
-        </p:spPr>
-      </p:pic>
-    </p:spTree>
-    <p:extLst>
-      <p:ext uri="{BB962C8B-B14F-4D97-AF65-F5344CB8AC3E}">
-        <p14:creationId xmlns:p14="http://schemas.microsoft.com/office/powerpoint/2010/main" val="382068623"/>
-      </p:ext>
-    </p:extLst>
-  </p:cSld>
-  <p:clrMapOvr>
-    <a:masterClrMapping/>
-  </p:clrMapOvr>
 </p:sld>
 </file>
 
@@ -32288,6 +32497,15 @@
 </file>
 
 <file path=customXml/item2.xml><?xml version="1.0" encoding="utf-8"?>
+<?mso-contentType ?>
+<FormTemplates xmlns="http://schemas.microsoft.com/sharepoint/v3/contenttype/forms">
+  <Display>DocumentLibraryForm</Display>
+  <Edit>DocumentLibraryForm</Edit>
+  <New>DocumentLibraryForm</New>
+</FormTemplates>
+</file>
+
+<file path=customXml/item3.xml><?xml version="1.0" encoding="utf-8"?>
 <ct:contentTypeSchema xmlns:ct="http://schemas.microsoft.com/office/2006/metadata/contentType" xmlns:ma="http://schemas.microsoft.com/office/2006/metadata/properties/metaAttributes" ct:_="" ma:_="" ma:contentTypeName="Document" ma:contentTypeID="0x010100EEBA5D7D688A8D40BC8134A23630083E" ma:contentTypeVersion="17" ma:contentTypeDescription="Create a new document." ma:contentTypeScope="" ma:versionID="6c9f025c4a6d5a921d1240212dd2136e">
   <xsd:schema xmlns:xsd="http://www.w3.org/2001/XMLSchema" xmlns:xs="http://www.w3.org/2001/XMLSchema" xmlns:p="http://schemas.microsoft.com/office/2006/metadata/properties" xmlns:ns2="5b887053-13c9-4ef0-8e1a-18d371f97b0f" xmlns:ns3="0cb0f8a9-a4a1-4c3c-bc15-be6ee1e258a4" targetNamespace="http://schemas.microsoft.com/office/2006/metadata/properties" ma:root="true" ma:fieldsID="76276428416178d444d5a49df65bd1b6" ns2:_="" ns3:_="">
     <xsd:import namespace="5b887053-13c9-4ef0-8e1a-18d371f97b0f"/>
@@ -32520,15 +32738,6 @@
 </ct:contentTypeSchema>
 </file>
 
-<file path=customXml/item3.xml><?xml version="1.0" encoding="utf-8"?>
-<?mso-contentType ?>
-<FormTemplates xmlns="http://schemas.microsoft.com/sharepoint/v3/contenttype/forms">
-  <Display>DocumentLibraryForm</Display>
-  <Edit>DocumentLibraryForm</Edit>
-  <New>DocumentLibraryForm</New>
-</FormTemplates>
-</file>
-
 <file path=customXml/itemProps1.xml><?xml version="1.0" encoding="utf-8"?>
 <ds:datastoreItem xmlns:ds="http://schemas.openxmlformats.org/officeDocument/2006/customXml" ds:itemID="{FDC47B46-8518-488D-ACE5-55099526A1A9}">
   <ds:schemaRefs>
@@ -32547,6 +32756,14 @@
 </file>
 
 <file path=customXml/itemProps2.xml><?xml version="1.0" encoding="utf-8"?>
+<ds:datastoreItem xmlns:ds="http://schemas.openxmlformats.org/officeDocument/2006/customXml" ds:itemID="{D703E6E5-489B-4004-B595-51B1421CF944}">
+  <ds:schemaRefs>
+    <ds:schemaRef ds:uri="http://schemas.microsoft.com/sharepoint/v3/contenttype/forms"/>
+  </ds:schemaRefs>
+</ds:datastoreItem>
+</file>
+
+<file path=customXml/itemProps3.xml><?xml version="1.0" encoding="utf-8"?>
 <ds:datastoreItem xmlns:ds="http://schemas.openxmlformats.org/officeDocument/2006/customXml" ds:itemID="{3ACBF87C-9E24-4F0A-85E5-D0AA1A6E191C}">
   <ds:schemaRefs>
     <ds:schemaRef ds:uri="http://schemas.microsoft.com/office/2006/metadata/contentType"/>
@@ -32563,12 +32780,4 @@
     <ds:schemaRef ds:uri="http://schemas.microsoft.com/internal/obd"/>
   </ds:schemaRefs>
 </ds:datastoreItem>
-</file>
-
-<file path=customXml/itemProps3.xml><?xml version="1.0" encoding="utf-8"?>
-<ds:datastoreItem xmlns:ds="http://schemas.openxmlformats.org/officeDocument/2006/customXml" ds:itemID="{D703E6E5-489B-4004-B595-51B1421CF944}">
-  <ds:schemaRefs>
-    <ds:schemaRef ds:uri="http://schemas.microsoft.com/sharepoint/v3/contenttype/forms"/>
-  </ds:schemaRefs>
-</ds:datastoreItem>
 </file>
--- a/DesignPatterns/Behavioral Design Patterns/Behavioral Design Patterns - WTG.pptx
+++ b/DesignPatterns/Behavioral Design Patterns/Behavioral Design Patterns - WTG.pptx
@@ -16,8 +16,8 @@
     <p:sldId id="309" r:id="rId7"/>
     <p:sldId id="312" r:id="rId8"/>
     <p:sldId id="311" r:id="rId9"/>
-    <p:sldId id="319" r:id="rId10"/>
-    <p:sldId id="323" r:id="rId11"/>
+    <p:sldId id="324" r:id="rId10"/>
+    <p:sldId id="319" r:id="rId11"/>
     <p:sldId id="306" r:id="rId12"/>
     <p:sldId id="320" r:id="rId13"/>
     <p:sldId id="307" r:id="rId14"/>
@@ -150,7 +150,7 @@
 <file path=ppt/revisionInfo.xml><?xml version="1.0" encoding="utf-8"?>
 <p1510:revInfo xmlns:a="http://schemas.openxmlformats.org/drawingml/2006/main" xmlns:r="http://schemas.openxmlformats.org/officeDocument/2006/relationships" xmlns:p1510="http://schemas.microsoft.com/office/powerpoint/2015/10/main">
   <p1510:revLst>
-    <p1510:client id="{7058694A-483B-403F-89BA-FD8C3FB39D35}" v="505" dt="2023-09-26T16:00:47.643"/>
+    <p1510:client id="{7058694A-483B-403F-89BA-FD8C3FB39D35}" v="506" dt="2023-09-26T16:10:24.715"/>
   </p1510:revLst>
 </p1510:revInfo>
 </file>
@@ -939,7 +939,7 @@
   <pc:docChgLst>
     <pc:chgData name="Nancy Li" userId="afc5209a-cf39-48d8-a57f-08cc8b772ec9" providerId="ADAL" clId="{7058694A-483B-403F-89BA-FD8C3FB39D35}"/>
     <pc:docChg chg="undo custSel addSld delSld modSld sldOrd">
-      <pc:chgData name="Nancy Li" userId="afc5209a-cf39-48d8-a57f-08cc8b772ec9" providerId="ADAL" clId="{7058694A-483B-403F-89BA-FD8C3FB39D35}" dt="2023-09-26T16:00:50.373" v="1640" actId="478"/>
+      <pc:chgData name="Nancy Li" userId="afc5209a-cf39-48d8-a57f-08cc8b772ec9" providerId="ADAL" clId="{7058694A-483B-403F-89BA-FD8C3FB39D35}" dt="2023-09-26T16:19:35.077" v="1690" actId="6549"/>
       <pc:docMkLst>
         <pc:docMk/>
       </pc:docMkLst>
@@ -1496,8 +1496,8 @@
           </ac:picMkLst>
         </pc:picChg>
       </pc:sldChg>
-      <pc:sldChg chg="delSp add mod">
-        <pc:chgData name="Nancy Li" userId="afc5209a-cf39-48d8-a57f-08cc8b772ec9" providerId="ADAL" clId="{7058694A-483B-403F-89BA-FD8C3FB39D35}" dt="2023-09-26T16:00:50.373" v="1640" actId="478"/>
+      <pc:sldChg chg="delSp add del mod">
+        <pc:chgData name="Nancy Li" userId="afc5209a-cf39-48d8-a57f-08cc8b772ec9" providerId="ADAL" clId="{7058694A-483B-403F-89BA-FD8C3FB39D35}" dt="2023-09-26T16:10:27.392" v="1642" actId="47"/>
         <pc:sldMkLst>
           <pc:docMk/>
           <pc:sldMk cId="605930384" sldId="323"/>
@@ -1517,6 +1517,69 @@
           <pc:docMk/>
           <pc:sldMk cId="2474924537" sldId="323"/>
         </pc:sldMkLst>
+      </pc:sldChg>
+      <pc:sldChg chg="addSp delSp modSp add mod delAnim modNotesTx">
+        <pc:chgData name="Nancy Li" userId="afc5209a-cf39-48d8-a57f-08cc8b772ec9" providerId="ADAL" clId="{7058694A-483B-403F-89BA-FD8C3FB39D35}" dt="2023-09-26T16:19:35.077" v="1690" actId="6549"/>
+        <pc:sldMkLst>
+          <pc:docMk/>
+          <pc:sldMk cId="1582934647" sldId="324"/>
+        </pc:sldMkLst>
+        <pc:picChg chg="add mod">
+          <ac:chgData name="Nancy Li" userId="afc5209a-cf39-48d8-a57f-08cc8b772ec9" providerId="ADAL" clId="{7058694A-483B-403F-89BA-FD8C3FB39D35}" dt="2023-09-26T16:11:15.635" v="1651" actId="14100"/>
+          <ac:picMkLst>
+            <pc:docMk/>
+            <pc:sldMk cId="1582934647" sldId="324"/>
+            <ac:picMk id="5" creationId="{7FA60C98-F3AC-9CEF-EB07-2992F7E1122A}"/>
+          </ac:picMkLst>
+        </pc:picChg>
+        <pc:picChg chg="add mod">
+          <ac:chgData name="Nancy Li" userId="afc5209a-cf39-48d8-a57f-08cc8b772ec9" providerId="ADAL" clId="{7058694A-483B-403F-89BA-FD8C3FB39D35}" dt="2023-09-26T16:11:39.533" v="1654" actId="1076"/>
+          <ac:picMkLst>
+            <pc:docMk/>
+            <pc:sldMk cId="1582934647" sldId="324"/>
+            <ac:picMk id="7" creationId="{859467EC-2EFA-997F-4B7B-7B88BD2BB23B}"/>
+          </ac:picMkLst>
+        </pc:picChg>
+        <pc:picChg chg="add mod">
+          <ac:chgData name="Nancy Li" userId="afc5209a-cf39-48d8-a57f-08cc8b772ec9" providerId="ADAL" clId="{7058694A-483B-403F-89BA-FD8C3FB39D35}" dt="2023-09-26T16:12:06.806" v="1658" actId="14100"/>
+          <ac:picMkLst>
+            <pc:docMk/>
+            <pc:sldMk cId="1582934647" sldId="324"/>
+            <ac:picMk id="9" creationId="{9D7B30CC-1FF8-0376-632B-20B6145560D2}"/>
+          </ac:picMkLst>
+        </pc:picChg>
+        <pc:picChg chg="del">
+          <ac:chgData name="Nancy Li" userId="afc5209a-cf39-48d8-a57f-08cc8b772ec9" providerId="ADAL" clId="{7058694A-483B-403F-89BA-FD8C3FB39D35}" dt="2023-09-26T16:10:31.118" v="1643" actId="478"/>
+          <ac:picMkLst>
+            <pc:docMk/>
+            <pc:sldMk cId="1582934647" sldId="324"/>
+            <ac:picMk id="17" creationId="{0DBDBB0D-71B0-18D2-6DAB-BE415C6E54F6}"/>
+          </ac:picMkLst>
+        </pc:picChg>
+        <pc:picChg chg="del">
+          <ac:chgData name="Nancy Li" userId="afc5209a-cf39-48d8-a57f-08cc8b772ec9" providerId="ADAL" clId="{7058694A-483B-403F-89BA-FD8C3FB39D35}" dt="2023-09-26T16:10:31.630" v="1644" actId="478"/>
+          <ac:picMkLst>
+            <pc:docMk/>
+            <pc:sldMk cId="1582934647" sldId="324"/>
+            <ac:picMk id="19" creationId="{6265B10B-8BD6-F089-B024-30EB9574A945}"/>
+          </ac:picMkLst>
+        </pc:picChg>
+        <pc:picChg chg="del">
+          <ac:chgData name="Nancy Li" userId="afc5209a-cf39-48d8-a57f-08cc8b772ec9" providerId="ADAL" clId="{7058694A-483B-403F-89BA-FD8C3FB39D35}" dt="2023-09-26T16:10:32.137" v="1645" actId="478"/>
+          <ac:picMkLst>
+            <pc:docMk/>
+            <pc:sldMk cId="1582934647" sldId="324"/>
+            <ac:picMk id="21" creationId="{616EBA86-3AAB-215A-9601-6A4F340C2DA8}"/>
+          </ac:picMkLst>
+        </pc:picChg>
+        <pc:picChg chg="del">
+          <ac:chgData name="Nancy Li" userId="afc5209a-cf39-48d8-a57f-08cc8b772ec9" providerId="ADAL" clId="{7058694A-483B-403F-89BA-FD8C3FB39D35}" dt="2023-09-26T16:10:32.635" v="1646" actId="478"/>
+          <ac:picMkLst>
+            <pc:docMk/>
+            <pc:sldMk cId="1582934647" sldId="324"/>
+            <ac:picMk id="23" creationId="{36212444-7238-21FB-D253-21B9D38EF46C}"/>
+          </ac:picMkLst>
+        </pc:picChg>
       </pc:sldChg>
     </pc:docChg>
   </pc:docChgLst>
@@ -14297,7 +14360,7 @@
           <a:p>
             <a:fld id="{E8CEC373-A826-4098-8F48-885ABC80A766}" type="datetimeFigureOut">
               <a:rPr lang="en-US" smtClean="0"/>
-              <a:t>26-Sep-2023</a:t>
+              <a:t>27-Sep-2023</a:t>
             </a:fld>
             <a:endParaRPr lang="en-US"/>
           </a:p>
@@ -14474,7 +14537,7 @@
           <a:p>
             <a:fld id="{0AEB8794-329A-4824-BA43-DD9279C18EEC}" type="datetimeFigureOut">
               <a:rPr lang="en-AU" smtClean="0"/>
-              <a:t>26/09/2023</a:t>
+              <a:t>27/09/2023</a:t>
             </a:fld>
             <a:endParaRPr lang="en-AU"/>
           </a:p>
@@ -17961,7 +18024,10 @@
           <a:bodyPr/>
           <a:lstStyle/>
           <a:p>
-            <a:pPr algn="l"/>
+            <a:pPr algn="l">
+              <a:buFont typeface="+mj-lt"/>
+              <a:buAutoNum type="arabicPeriod"/>
+            </a:pPr>
             <a:r>
               <a:rPr lang="zh-CN" altLang="en-US" b="0" i="0" dirty="0">
                 <a:solidFill>
@@ -17970,17 +18036,17 @@
                 <a:effectLst/>
                 <a:latin typeface="-apple-system"/>
               </a:rPr>
-              <a:t>观察者模式具有以下</a:t>
-            </a:r>
-            <a:r>
-              <a:rPr lang="zh-CN" altLang="en-US" b="1" i="0" dirty="0">
+              <a:t>在</a:t>
+            </a:r>
+            <a:r>
+              <a:rPr lang="en-US" altLang="zh-CN" b="0" i="0" dirty="0">
                 <a:solidFill>
                   <a:srgbClr val="FFFFFF"/>
                 </a:solidFill>
                 <a:effectLst/>
                 <a:latin typeface="-apple-system"/>
               </a:rPr>
-              <a:t>优点</a:t>
+              <a:t>C#</a:t>
             </a:r>
             <a:r>
               <a:rPr lang="zh-CN" altLang="en-US" b="0" i="0" dirty="0">
@@ -17990,23 +18056,27 @@
                 <a:effectLst/>
                 <a:latin typeface="-apple-system"/>
               </a:rPr>
-              <a:t>：</a:t>
-            </a:r>
-          </a:p>
-          <a:p>
-            <a:pPr algn="l">
-              <a:buFont typeface="+mj-lt"/>
-              <a:buNone/>
-            </a:pPr>
-            <a:r>
-              <a:rPr lang="en-US" altLang="zh-CN" b="0" i="0" dirty="0">
+              <a:t>中，事件和委托与观察者模式密切相</a:t>
+            </a:r>
+            <a:r>
+              <a:rPr lang="zh-CN" altLang="en-US" b="0" i="0">
                 <a:solidFill>
                   <a:srgbClr val="FFFFFF"/>
                 </a:solidFill>
                 <a:effectLst/>
                 <a:latin typeface="-apple-system"/>
               </a:rPr>
-              <a:t>1. </a:t>
+              <a:t>关，</a:t>
+            </a:r>
+            <a:r>
+              <a:rPr lang="en-US" altLang="zh-CN" b="0" i="0">
+                <a:solidFill>
+                  <a:srgbClr val="FFFFFF"/>
+                </a:solidFill>
+                <a:effectLst/>
+                <a:latin typeface="-apple-system"/>
+              </a:rPr>
+              <a:t>C#</a:t>
             </a:r>
             <a:r>
               <a:rPr lang="zh-CN" altLang="en-US" b="0" i="0" dirty="0">
@@ -18016,61 +18086,8 @@
                 <a:effectLst/>
                 <a:latin typeface="-apple-system"/>
               </a:rPr>
-              <a:t>松耦合 </a:t>
-            </a:r>
-            <a:r>
-              <a:rPr lang="en-US" altLang="zh-CN" b="0" i="0" dirty="0">
-                <a:solidFill>
-                  <a:srgbClr val="FFFFFF"/>
-                </a:solidFill>
-                <a:effectLst/>
-                <a:latin typeface="-apple-system"/>
-              </a:rPr>
-              <a:t>L</a:t>
-            </a:r>
-            <a:r>
-              <a:rPr lang="en-US" b="0" i="0" dirty="0">
-                <a:solidFill>
-                  <a:srgbClr val="E8EAED"/>
-                </a:solidFill>
-                <a:effectLst/>
-                <a:latin typeface="consolas" panose="020B0609020204030204" pitchFamily="49" charset="0"/>
-              </a:rPr>
-              <a:t>oose coupling between the subject and observers.</a:t>
-            </a:r>
-          </a:p>
-          <a:p>
-            <a:pPr algn="l">
-              <a:buFont typeface="+mj-lt"/>
-              <a:buNone/>
-            </a:pPr>
-            <a:r>
-              <a:rPr lang="en-US" altLang="zh-CN" b="0" i="0" dirty="0">
-                <a:solidFill>
-                  <a:srgbClr val="FFFFFF"/>
-                </a:solidFill>
-                <a:effectLst/>
-                <a:latin typeface="-apple-system"/>
-              </a:rPr>
-              <a:t>    </a:t>
-            </a:r>
-            <a:r>
-              <a:rPr lang="zh-CN" altLang="en-US" b="0" i="0" dirty="0">
-                <a:solidFill>
-                  <a:srgbClr val="FFFFFF"/>
-                </a:solidFill>
-                <a:effectLst/>
-                <a:latin typeface="-apple-system"/>
-              </a:rPr>
-              <a:t>观察者模式将主题和观察者解耦，它们之间通过抽象的接口进行通信，主题不需要知道观察者的具体实现。这种松耦合的设计使得主题和观察者可以独立地进行扩展和修改。</a:t>
-            </a:r>
-            <a:endParaRPr lang="en-US" altLang="zh-CN" b="0" i="0" dirty="0">
-              <a:solidFill>
-                <a:srgbClr val="FFFFFF"/>
-              </a:solidFill>
-              <a:effectLst/>
-              <a:latin typeface="-apple-system"/>
-            </a:endParaRPr>
+              <a:t>中的事件和委托提供了一种方便的方式来实现观察者模式的核心概念，即主题和观察者之间的通信。</a:t>
+            </a:r>
           </a:p>
           <a:p>
             <a:pPr algn="l">
@@ -18091,16 +18108,6 @@
               <a:buNone/>
             </a:pPr>
             <a:r>
-              <a:rPr lang="en-US" altLang="zh-CN" b="0" i="0" dirty="0">
-                <a:solidFill>
-                  <a:srgbClr val="FFFFFF"/>
-                </a:solidFill>
-                <a:effectLst/>
-                <a:latin typeface="-apple-system"/>
-              </a:rPr>
-              <a:t>2. </a:t>
-            </a:r>
-            <a:r>
               <a:rPr lang="zh-CN" altLang="en-US" b="0" i="0" dirty="0">
                 <a:solidFill>
                   <a:srgbClr val="FFFFFF"/>
@@ -18108,31 +18115,12 @@
                 <a:effectLst/>
                 <a:latin typeface="-apple-system"/>
               </a:rPr>
-              <a:t>一对多的依赖关系 </a:t>
-            </a:r>
-            <a:r>
-              <a:rPr lang="en-US" b="0" i="0" dirty="0">
-                <a:solidFill>
-                  <a:srgbClr val="E8EAED"/>
-                </a:solidFill>
-                <a:effectLst/>
-                <a:latin typeface="consolas" panose="020B0609020204030204" pitchFamily="49" charset="0"/>
-              </a:rPr>
-              <a:t>One to many dependencies.</a:t>
-            </a:r>
-            <a:endParaRPr lang="en-US" altLang="zh-CN" b="0" i="0" dirty="0">
-              <a:solidFill>
-                <a:srgbClr val="FFFFFF"/>
-              </a:solidFill>
-              <a:effectLst/>
-              <a:latin typeface="-apple-system"/>
-            </a:endParaRPr>
-          </a:p>
-          <a:p>
-            <a:pPr algn="l">
-              <a:buFont typeface="+mj-lt"/>
-              <a:buNone/>
-            </a:pPr>
+              <a:t>使用</a:t>
+            </a:r>
+            <a:r>
+              <a:rPr lang="en-US" altLang="zh-CN" dirty="0"/>
+              <a:t>+=</a:t>
+            </a:r>
             <a:r>
               <a:rPr lang="zh-CN" altLang="en-US" b="0" i="0" dirty="0">
                 <a:solidFill>
@@ -18141,96 +18129,7 @@
                 <a:effectLst/>
                 <a:latin typeface="-apple-system"/>
               </a:rPr>
-              <a:t>    观察者模式支持一对多的依赖关系，一个主题可以有多个观察者。这意味着当主题的状态发生变化时，所有观察者都能够接收到通知并进行相应的处理。</a:t>
-            </a:r>
-            <a:endParaRPr lang="en-US" altLang="zh-CN" b="0" i="0" dirty="0">
-              <a:solidFill>
-                <a:srgbClr val="FFFFFF"/>
-              </a:solidFill>
-              <a:effectLst/>
-              <a:latin typeface="-apple-system"/>
-            </a:endParaRPr>
-          </a:p>
-          <a:p>
-            <a:pPr algn="l">
-              <a:buFont typeface="+mj-lt"/>
-              <a:buNone/>
-            </a:pPr>
-            <a:endParaRPr lang="zh-CN" altLang="en-US" b="0" i="0" dirty="0">
-              <a:solidFill>
-                <a:srgbClr val="FFFFFF"/>
-              </a:solidFill>
-              <a:effectLst/>
-              <a:latin typeface="-apple-system"/>
-            </a:endParaRPr>
-          </a:p>
-          <a:p>
-            <a:pPr algn="l">
-              <a:buFont typeface="+mj-lt"/>
-              <a:buNone/>
-            </a:pPr>
-            <a:r>
-              <a:rPr lang="en-US" altLang="zh-CN" b="0" i="0" dirty="0">
-                <a:solidFill>
-                  <a:srgbClr val="FFFFFF"/>
-                </a:solidFill>
-                <a:effectLst/>
-                <a:latin typeface="-apple-system"/>
-              </a:rPr>
-              <a:t>3.</a:t>
-            </a:r>
-            <a:r>
-              <a:rPr lang="zh-CN" altLang="en-US" b="0" i="0" dirty="0">
-                <a:solidFill>
-                  <a:srgbClr val="FFFFFF"/>
-                </a:solidFill>
-                <a:effectLst/>
-                <a:latin typeface="-apple-system"/>
-              </a:rPr>
-              <a:t> 动态添加和删除观察者</a:t>
-            </a:r>
-            <a:r>
-              <a:rPr lang="en-US" altLang="zh-CN" b="0" i="0" dirty="0">
-                <a:solidFill>
-                  <a:srgbClr val="FFFFFF"/>
-                </a:solidFill>
-                <a:effectLst/>
-                <a:latin typeface="-apple-system"/>
-              </a:rPr>
-              <a:t> </a:t>
-            </a:r>
-            <a:r>
-              <a:rPr lang="en-US" b="0" i="0" dirty="0">
-                <a:solidFill>
-                  <a:srgbClr val="E8EAED"/>
-                </a:solidFill>
-                <a:effectLst/>
-                <a:latin typeface="consolas" panose="020B0609020204030204" pitchFamily="49" charset="0"/>
-              </a:rPr>
-              <a:t>Dynamically adding and removing observers.</a:t>
-            </a:r>
-            <a:endParaRPr lang="en-US" altLang="zh-CN" b="0" i="0" dirty="0">
-              <a:solidFill>
-                <a:srgbClr val="FFFFFF"/>
-              </a:solidFill>
-              <a:effectLst/>
-              <a:latin typeface="-apple-system"/>
-            </a:endParaRPr>
-          </a:p>
-          <a:p>
-            <a:pPr algn="l">
-              <a:buFont typeface="+mj-lt"/>
-              <a:buNone/>
-            </a:pPr>
-            <a:r>
-              <a:rPr lang="zh-CN" altLang="en-US" b="0" i="0" dirty="0">
-                <a:solidFill>
-                  <a:srgbClr val="FFFFFF"/>
-                </a:solidFill>
-                <a:effectLst/>
-                <a:latin typeface="-apple-system"/>
-              </a:rPr>
-              <a:t>    观察者模式允许在运行时动态地添加和删除观察者，主题和观察者之间的关系是动态的。这种灵活性使得系统的设计更加可扩展和可维护。</a:t>
+              <a:t>操作符手动绑定事件处理程序</a:t>
             </a:r>
             <a:endParaRPr lang="en-US" altLang="zh-CN" b="0" i="0" dirty="0">
               <a:solidFill>
@@ -18254,7 +18153,10 @@
             </a:endParaRPr>
           </a:p>
           <a:p>
-            <a:pPr algn="l"/>
+            <a:pPr algn="l">
+              <a:buFont typeface="+mj-lt"/>
+              <a:buNone/>
+            </a:pPr>
             <a:r>
               <a:rPr lang="zh-CN" altLang="en-US" b="0" i="0" dirty="0">
                 <a:solidFill>
@@ -18263,17 +18165,17 @@
                 <a:effectLst/>
                 <a:latin typeface="-apple-system"/>
               </a:rPr>
-              <a:t>观察者模式也存在一些</a:t>
-            </a:r>
-            <a:r>
-              <a:rPr lang="zh-CN" altLang="en-US" b="1" i="0" dirty="0">
+              <a:t>事件（</a:t>
+            </a:r>
+            <a:r>
+              <a:rPr lang="en-US" altLang="zh-CN" b="0" i="0" dirty="0">
                 <a:solidFill>
                   <a:srgbClr val="FFFFFF"/>
                 </a:solidFill>
                 <a:effectLst/>
                 <a:latin typeface="-apple-system"/>
               </a:rPr>
-              <a:t>缺点</a:t>
+              <a:t>Event</a:t>
             </a:r>
             <a:r>
               <a:rPr lang="zh-CN" altLang="en-US" b="0" i="0" dirty="0">
@@ -18283,18 +18185,24 @@
                 <a:effectLst/>
                 <a:latin typeface="-apple-system"/>
               </a:rPr>
-              <a:t>：</a:t>
-            </a:r>
-            <a:endParaRPr lang="en-US" altLang="zh-CN" b="0" i="0" dirty="0">
-              <a:solidFill>
-                <a:srgbClr val="FFFFFF"/>
-              </a:solidFill>
-              <a:effectLst/>
-              <a:latin typeface="-apple-system"/>
-            </a:endParaRPr>
-          </a:p>
-          <a:p>
-            <a:pPr algn="l"/>
+              <a:t>）是一种特殊类型的委托，它定义了一种机制，允许对象在特定情况下通知其他对象发生的事件。在观察者模式中，主题通常会声明一个事件，用于通知观察者主题状态的变化。</a:t>
+            </a:r>
+          </a:p>
+          <a:p>
+            <a:pPr algn="l">
+              <a:buFont typeface="+mj-lt"/>
+              <a:buNone/>
+            </a:pPr>
+            <a:r>
+              <a:rPr lang="zh-CN" altLang="en-US" b="0" i="0" dirty="0">
+                <a:solidFill>
+                  <a:srgbClr val="FFFFFF"/>
+                </a:solidFill>
+                <a:effectLst/>
+                <a:latin typeface="-apple-system"/>
+              </a:rPr>
+              <a:t>委托（</a:t>
+            </a:r>
             <a:r>
               <a:rPr lang="en-US" altLang="zh-CN" b="0" i="0" dirty="0">
                 <a:solidFill>
@@ -18303,7 +18211,7 @@
                 <a:effectLst/>
                 <a:latin typeface="-apple-system"/>
               </a:rPr>
-              <a:t>1. </a:t>
+              <a:t>Delegate</a:t>
             </a:r>
             <a:r>
               <a:rPr lang="zh-CN" altLang="en-US" b="0" i="0" dirty="0">
@@ -18313,57 +18221,8 @@
                 <a:effectLst/>
                 <a:latin typeface="-apple-system"/>
               </a:rPr>
-              <a:t>观察者过多导致性能问题：当观察者过多时，主题在通知所有观察者时可能会导致性能问题，特别是当观察者的处理逻辑较为复杂或者通知频繁时。</a:t>
-            </a:r>
-            <a:endParaRPr lang="en-US" altLang="zh-CN" b="0" i="0" dirty="0">
-              <a:solidFill>
-                <a:srgbClr val="FFFFFF"/>
-              </a:solidFill>
-              <a:effectLst/>
-              <a:latin typeface="-apple-system"/>
-            </a:endParaRPr>
-          </a:p>
-          <a:p>
-            <a:pPr algn="l">
-              <a:buFont typeface="+mj-lt"/>
-              <a:buAutoNum type="arabicPeriod"/>
-            </a:pPr>
-            <a:endParaRPr lang="en-US" altLang="zh-CN" b="0" i="0" dirty="0">
-              <a:solidFill>
-                <a:srgbClr val="FFFFFF"/>
-              </a:solidFill>
-              <a:effectLst/>
-              <a:latin typeface="-apple-system"/>
-            </a:endParaRPr>
-          </a:p>
-          <a:p>
-            <a:pPr algn="l">
-              <a:buFont typeface="+mj-lt"/>
-              <a:buNone/>
-            </a:pPr>
-            <a:r>
-              <a:rPr lang="en-US" altLang="zh-CN" b="0" i="0" dirty="0">
-                <a:solidFill>
-                  <a:srgbClr val="FFFFFF"/>
-                </a:solidFill>
-                <a:effectLst/>
-                <a:latin typeface="-apple-system"/>
-              </a:rPr>
-              <a:t>2.</a:t>
-            </a:r>
-            <a:r>
-              <a:rPr lang="zh-CN" altLang="en-US" b="0" i="0" dirty="0">
-                <a:solidFill>
-                  <a:srgbClr val="FFFFFF"/>
-                </a:solidFill>
-                <a:effectLst/>
-                <a:latin typeface="-apple-system"/>
-              </a:rPr>
-              <a:t> 循环依赖问题：在观察者模式中，观察者和主题之间存在双向依赖关系。如果设计不当，可能会导致循环依赖的问题，使系统变得复杂并增加了维护的难度。</a:t>
-            </a:r>
-          </a:p>
-          <a:p>
-            <a:endParaRPr lang="en-US" dirty="0"/>
+              <a:t>）是一种类型安全的函数指针，它可以引用一个或多个方法，并允许将方法作为参数传递、存储和调用。在观察者模式中，委托常用于定义观察者的更新方法，即在主题状态变化时要执行的操作</a:t>
+            </a:r>
           </a:p>
         </p:txBody>
       </p:sp>
@@ -18393,7 +18252,7 @@
     </p:spTree>
     <p:extLst>
       <p:ext uri="{BB962C8B-B14F-4D97-AF65-F5344CB8AC3E}">
-        <p14:creationId xmlns:p14="http://schemas.microsoft.com/office/powerpoint/2010/main" val="2777593339"/>
+        <p14:creationId xmlns:p14="http://schemas.microsoft.com/office/powerpoint/2010/main" val="3183013309"/>
       </p:ext>
     </p:extLst>
   </p:cSld>
@@ -18879,7 +18738,7 @@
     </p:spTree>
     <p:extLst>
       <p:ext uri="{BB962C8B-B14F-4D97-AF65-F5344CB8AC3E}">
-        <p14:creationId xmlns:p14="http://schemas.microsoft.com/office/powerpoint/2010/main" val="1593670628"/>
+        <p14:creationId xmlns:p14="http://schemas.microsoft.com/office/powerpoint/2010/main" val="2777593339"/>
       </p:ext>
     </p:extLst>
   </p:cSld>
@@ -21673,7 +21532,7 @@
           <a:p>
             <a:fld id="{822760BF-B81F-4B4F-BD54-723812BEFC93}" type="datetimeFigureOut">
               <a:rPr lang="en-US" smtClean="0"/>
-              <a:t>26-Sep-2023</a:t>
+              <a:t>27-Sep-2023</a:t>
             </a:fld>
             <a:endParaRPr lang="en-US"/>
           </a:p>
@@ -24958,10 +24817,10 @@
       </p:sp>
       <p:pic>
         <p:nvPicPr>
-          <p:cNvPr id="6" name="Picture 5">
+          <p:cNvPr id="5" name="Picture 4">
             <a:extLst>
               <a:ext uri="{FF2B5EF4-FFF2-40B4-BE49-F238E27FC236}">
-                <a16:creationId xmlns:a16="http://schemas.microsoft.com/office/drawing/2014/main" id="{0CDF84EE-47E8-59F9-F323-511AD960CE2B}"/>
+                <a16:creationId xmlns:a16="http://schemas.microsoft.com/office/drawing/2014/main" id="{7FA60C98-F3AC-9CEF-EB07-2992F7E1122A}"/>
               </a:ext>
             </a:extLst>
           </p:cNvPr>
@@ -24978,8 +24837,68 @@
         </p:blipFill>
         <p:spPr>
           <a:xfrm>
-            <a:off x="3911080" y="3473624"/>
-            <a:ext cx="15967186" cy="5256584"/>
+            <a:off x="1235400" y="4697760"/>
+            <a:ext cx="7097459" cy="4500520"/>
+          </a:xfrm>
+          <a:prstGeom prst="rect">
+            <a:avLst/>
+          </a:prstGeom>
+        </p:spPr>
+      </p:pic>
+      <p:pic>
+        <p:nvPicPr>
+          <p:cNvPr id="7" name="Picture 6">
+            <a:extLst>
+              <a:ext uri="{FF2B5EF4-FFF2-40B4-BE49-F238E27FC236}">
+                <a16:creationId xmlns:a16="http://schemas.microsoft.com/office/drawing/2014/main" id="{859467EC-2EFA-997F-4B7B-7B88BD2BB23B}"/>
+              </a:ext>
+            </a:extLst>
+          </p:cNvPr>
+          <p:cNvPicPr>
+            <a:picLocks noChangeAspect="1"/>
+          </p:cNvPicPr>
+          <p:nvPr/>
+        </p:nvPicPr>
+        <p:blipFill>
+          <a:blip r:embed="rId4"/>
+          <a:stretch>
+            <a:fillRect/>
+          </a:stretch>
+        </p:blipFill>
+        <p:spPr>
+          <a:xfrm>
+            <a:off x="8901788" y="4141359"/>
+            <a:ext cx="6580423" cy="5433281"/>
+          </a:xfrm>
+          <a:prstGeom prst="rect">
+            <a:avLst/>
+          </a:prstGeom>
+        </p:spPr>
+      </p:pic>
+      <p:pic>
+        <p:nvPicPr>
+          <p:cNvPr id="9" name="Picture 8">
+            <a:extLst>
+              <a:ext uri="{FF2B5EF4-FFF2-40B4-BE49-F238E27FC236}">
+                <a16:creationId xmlns:a16="http://schemas.microsoft.com/office/drawing/2014/main" id="{9D7B30CC-1FF8-0376-632B-20B6145560D2}"/>
+              </a:ext>
+            </a:extLst>
+          </p:cNvPr>
+          <p:cNvPicPr>
+            <a:picLocks noChangeAspect="1"/>
+          </p:cNvPicPr>
+          <p:nvPr/>
+        </p:nvPicPr>
+        <p:blipFill>
+          <a:blip r:embed="rId5"/>
+          <a:stretch>
+            <a:fillRect/>
+          </a:stretch>
+        </p:blipFill>
+        <p:spPr>
+          <a:xfrm>
+            <a:off x="15864407" y="5353236"/>
+            <a:ext cx="5279189" cy="3376971"/>
           </a:xfrm>
           <a:prstGeom prst="rect">
             <a:avLst/>
@@ -24989,7 +24908,7 @@
     </p:spTree>
     <p:extLst>
       <p:ext uri="{BB962C8B-B14F-4D97-AF65-F5344CB8AC3E}">
-        <p14:creationId xmlns:p14="http://schemas.microsoft.com/office/powerpoint/2010/main" val="1757270782"/>
+        <p14:creationId xmlns:p14="http://schemas.microsoft.com/office/powerpoint/2010/main" val="1582934647"/>
       </p:ext>
     </p:extLst>
   </p:cSld>
@@ -25119,10 +25038,40 @@
           </a:p>
         </p:txBody>
       </p:sp>
+      <p:pic>
+        <p:nvPicPr>
+          <p:cNvPr id="6" name="Picture 5">
+            <a:extLst>
+              <a:ext uri="{FF2B5EF4-FFF2-40B4-BE49-F238E27FC236}">
+                <a16:creationId xmlns:a16="http://schemas.microsoft.com/office/drawing/2014/main" id="{0CDF84EE-47E8-59F9-F323-511AD960CE2B}"/>
+              </a:ext>
+            </a:extLst>
+          </p:cNvPr>
+          <p:cNvPicPr>
+            <a:picLocks noChangeAspect="1"/>
+          </p:cNvPicPr>
+          <p:nvPr/>
+        </p:nvPicPr>
+        <p:blipFill>
+          <a:blip r:embed="rId3"/>
+          <a:stretch>
+            <a:fillRect/>
+          </a:stretch>
+        </p:blipFill>
+        <p:spPr>
+          <a:xfrm>
+            <a:off x="3911080" y="3473624"/>
+            <a:ext cx="15967186" cy="5256584"/>
+          </a:xfrm>
+          <a:prstGeom prst="rect">
+            <a:avLst/>
+          </a:prstGeom>
+        </p:spPr>
+      </p:pic>
     </p:spTree>
     <p:extLst>
       <p:ext uri="{BB962C8B-B14F-4D97-AF65-F5344CB8AC3E}">
-        <p14:creationId xmlns:p14="http://schemas.microsoft.com/office/powerpoint/2010/main" val="605930384"/>
+        <p14:creationId xmlns:p14="http://schemas.microsoft.com/office/powerpoint/2010/main" val="1757270782"/>
       </p:ext>
     </p:extLst>
   </p:cSld>
@@ -26362,6 +26311,15 @@
 </file>
 
 <file path=customXml/item2.xml><?xml version="1.0" encoding="utf-8"?>
+<?mso-contentType ?>
+<FormTemplates xmlns="http://schemas.microsoft.com/sharepoint/v3/contenttype/forms">
+  <Display>DocumentLibraryForm</Display>
+  <Edit>DocumentLibraryForm</Edit>
+  <New>DocumentLibraryForm</New>
+</FormTemplates>
+</file>
+
+<file path=customXml/item3.xml><?xml version="1.0" encoding="utf-8"?>
 <ct:contentTypeSchema xmlns:ct="http://schemas.microsoft.com/office/2006/metadata/contentType" xmlns:ma="http://schemas.microsoft.com/office/2006/metadata/properties/metaAttributes" ct:_="" ma:_="" ma:contentTypeName="Document" ma:contentTypeID="0x010100EEBA5D7D688A8D40BC8134A23630083E" ma:contentTypeVersion="17" ma:contentTypeDescription="Create a new document." ma:contentTypeScope="" ma:versionID="6c9f025c4a6d5a921d1240212dd2136e">
   <xsd:schema xmlns:xsd="http://www.w3.org/2001/XMLSchema" xmlns:xs="http://www.w3.org/2001/XMLSchema" xmlns:p="http://schemas.microsoft.com/office/2006/metadata/properties" xmlns:ns2="5b887053-13c9-4ef0-8e1a-18d371f97b0f" xmlns:ns3="0cb0f8a9-a4a1-4c3c-bc15-be6ee1e258a4" targetNamespace="http://schemas.microsoft.com/office/2006/metadata/properties" ma:root="true" ma:fieldsID="76276428416178d444d5a49df65bd1b6" ns2:_="" ns3:_="">
     <xsd:import namespace="5b887053-13c9-4ef0-8e1a-18d371f97b0f"/>
@@ -26594,15 +26552,6 @@
 </ct:contentTypeSchema>
 </file>
 
-<file path=customXml/item3.xml><?xml version="1.0" encoding="utf-8"?>
-<?mso-contentType ?>
-<FormTemplates xmlns="http://schemas.microsoft.com/sharepoint/v3/contenttype/forms">
-  <Display>DocumentLibraryForm</Display>
-  <Edit>DocumentLibraryForm</Edit>
-  <New>DocumentLibraryForm</New>
-</FormTemplates>
-</file>
-
 <file path=customXml/itemProps1.xml><?xml version="1.0" encoding="utf-8"?>
 <ds:datastoreItem xmlns:ds="http://schemas.openxmlformats.org/officeDocument/2006/customXml" ds:itemID="{FDC47B46-8518-488D-ACE5-55099526A1A9}">
   <ds:schemaRefs>
@@ -26621,6 +26570,14 @@
 </file>
 
 <file path=customXml/itemProps2.xml><?xml version="1.0" encoding="utf-8"?>
+<ds:datastoreItem xmlns:ds="http://schemas.openxmlformats.org/officeDocument/2006/customXml" ds:itemID="{D703E6E5-489B-4004-B595-51B1421CF944}">
+  <ds:schemaRefs>
+    <ds:schemaRef ds:uri="http://schemas.microsoft.com/sharepoint/v3/contenttype/forms"/>
+  </ds:schemaRefs>
+</ds:datastoreItem>
+</file>
+
+<file path=customXml/itemProps3.xml><?xml version="1.0" encoding="utf-8"?>
 <ds:datastoreItem xmlns:ds="http://schemas.openxmlformats.org/officeDocument/2006/customXml" ds:itemID="{3ACBF87C-9E24-4F0A-85E5-D0AA1A6E191C}">
   <ds:schemaRefs>
     <ds:schemaRef ds:uri="http://schemas.microsoft.com/office/2006/metadata/contentType"/>
@@ -26637,12 +26594,4 @@
     <ds:schemaRef ds:uri="http://schemas.microsoft.com/internal/obd"/>
   </ds:schemaRefs>
 </ds:datastoreItem>
-</file>
-
-<file path=customXml/itemProps3.xml><?xml version="1.0" encoding="utf-8"?>
-<ds:datastoreItem xmlns:ds="http://schemas.openxmlformats.org/officeDocument/2006/customXml" ds:itemID="{D703E6E5-489B-4004-B595-51B1421CF944}">
-  <ds:schemaRefs>
-    <ds:schemaRef ds:uri="http://schemas.microsoft.com/sharepoint/v3/contenttype/forms"/>
-  </ds:schemaRefs>
-</ds:datastoreItem>
 </file>
--- a/DesignPatterns/Behavioral Design Patterns/Behavioral Design Patterns - WTG.pptx
+++ b/DesignPatterns/Behavioral Design Patterns/Behavioral Design Patterns - WTG.pptx
@@ -5,10 +5,10 @@
     <p:sldMasterId id="2147483648" r:id="rId4"/>
   </p:sldMasterIdLst>
   <p:notesMasterIdLst>
-    <p:notesMasterId r:id="rId21"/>
+    <p:notesMasterId r:id="rId22"/>
   </p:notesMasterIdLst>
   <p:handoutMasterIdLst>
-    <p:handoutMasterId r:id="rId22"/>
+    <p:handoutMasterId r:id="rId23"/>
   </p:handoutMasterIdLst>
   <p:sldIdLst>
     <p:sldId id="264" r:id="rId5"/>
@@ -17,16 +17,17 @@
     <p:sldId id="312" r:id="rId8"/>
     <p:sldId id="311" r:id="rId9"/>
     <p:sldId id="324" r:id="rId10"/>
-    <p:sldId id="319" r:id="rId11"/>
-    <p:sldId id="306" r:id="rId12"/>
-    <p:sldId id="320" r:id="rId13"/>
-    <p:sldId id="307" r:id="rId14"/>
-    <p:sldId id="308" r:id="rId15"/>
-    <p:sldId id="321" r:id="rId16"/>
-    <p:sldId id="322" r:id="rId17"/>
-    <p:sldId id="290" r:id="rId18"/>
-    <p:sldId id="303" r:id="rId19"/>
-    <p:sldId id="304" r:id="rId20"/>
+    <p:sldId id="325" r:id="rId11"/>
+    <p:sldId id="319" r:id="rId12"/>
+    <p:sldId id="306" r:id="rId13"/>
+    <p:sldId id="320" r:id="rId14"/>
+    <p:sldId id="307" r:id="rId15"/>
+    <p:sldId id="308" r:id="rId16"/>
+    <p:sldId id="321" r:id="rId17"/>
+    <p:sldId id="322" r:id="rId18"/>
+    <p:sldId id="290" r:id="rId19"/>
+    <p:sldId id="303" r:id="rId20"/>
+    <p:sldId id="304" r:id="rId21"/>
   </p:sldIdLst>
   <p:sldSz cx="24384000" cy="13716000"/>
   <p:notesSz cx="6858000" cy="9144000"/>
@@ -150,7 +151,7 @@
 <file path=ppt/revisionInfo.xml><?xml version="1.0" encoding="utf-8"?>
 <p1510:revInfo xmlns:a="http://schemas.openxmlformats.org/drawingml/2006/main" xmlns:r="http://schemas.openxmlformats.org/officeDocument/2006/relationships" xmlns:p1510="http://schemas.microsoft.com/office/powerpoint/2015/10/main">
   <p1510:revLst>
-    <p1510:client id="{7058694A-483B-403F-89BA-FD8C3FB39D35}" v="506" dt="2023-09-26T16:10:24.715"/>
+    <p1510:client id="{7058694A-483B-403F-89BA-FD8C3FB39D35}" v="513" dt="2023-09-26T16:24:04.631"/>
   </p1510:revLst>
 </p1510:revInfo>
 </file>
@@ -939,7 +940,7 @@
   <pc:docChgLst>
     <pc:chgData name="Nancy Li" userId="afc5209a-cf39-48d8-a57f-08cc8b772ec9" providerId="ADAL" clId="{7058694A-483B-403F-89BA-FD8C3FB39D35}"/>
     <pc:docChg chg="undo custSel addSld delSld modSld sldOrd">
-      <pc:chgData name="Nancy Li" userId="afc5209a-cf39-48d8-a57f-08cc8b772ec9" providerId="ADAL" clId="{7058694A-483B-403F-89BA-FD8C3FB39D35}" dt="2023-09-26T16:19:35.077" v="1690" actId="6549"/>
+      <pc:chgData name="Nancy Li" userId="afc5209a-cf39-48d8-a57f-08cc8b772ec9" providerId="ADAL" clId="{7058694A-483B-403F-89BA-FD8C3FB39D35}" dt="2023-09-26T16:24:04.630" v="1699" actId="20577"/>
       <pc:docMkLst>
         <pc:docMk/>
       </pc:docMkLst>
@@ -1580,6 +1581,13 @@
             <ac:picMk id="23" creationId="{36212444-7238-21FB-D253-21B9D38EF46C}"/>
           </ac:picMkLst>
         </pc:picChg>
+      </pc:sldChg>
+      <pc:sldChg chg="add modNotesTx">
+        <pc:chgData name="Nancy Li" userId="afc5209a-cf39-48d8-a57f-08cc8b772ec9" providerId="ADAL" clId="{7058694A-483B-403F-89BA-FD8C3FB39D35}" dt="2023-09-26T16:24:04.630" v="1699" actId="20577"/>
+        <pc:sldMkLst>
+          <pc:docMk/>
+          <pc:sldMk cId="2485473194" sldId="325"/>
+        </pc:sldMkLst>
       </pc:sldChg>
     </pc:docChg>
   </pc:docChgLst>
@@ -14933,125 +14941,116 @@
           <a:bodyPr/>
           <a:lstStyle/>
           <a:p>
-            <a:pPr algn="l"/>
-            <a:r>
-              <a:rPr lang="zh-CN" altLang="en-US" b="0" i="0" dirty="0">
-                <a:solidFill>
-                  <a:srgbClr val="FFFFFF"/>
-                </a:solidFill>
-                <a:effectLst/>
-                <a:latin typeface="-apple-system"/>
-              </a:rPr>
-              <a:t>策略模式通常包含三个主要的组成部分：</a:t>
-            </a:r>
-          </a:p>
-          <a:p>
-            <a:pPr algn="l">
-              <a:buFont typeface="Arial" panose="020B0604020202020204" pitchFamily="34" charset="0"/>
-              <a:buChar char="•"/>
+            <a:pPr marL="0" marR="0" lvl="0" indent="0" algn="l" defTabSz="2438339" rtl="0" eaLnBrk="1" fontAlgn="auto" latinLnBrk="0" hangingPunct="1">
+              <a:lnSpc>
+                <a:spcPct val="100000"/>
+              </a:lnSpc>
+              <a:spcBef>
+                <a:spcPts val="0"/>
+              </a:spcBef>
+              <a:spcAft>
+                <a:spcPts val="0"/>
+              </a:spcAft>
+              <a:buClrTx/>
+              <a:buSzTx/>
+              <a:buFontTx/>
+              <a:buNone/>
+              <a:tabLst/>
+              <a:defRPr/>
             </a:pPr>
             <a:r>
-              <a:rPr lang="zh-CN" altLang="en-US" b="0" i="0" dirty="0">
-                <a:solidFill>
-                  <a:srgbClr val="FFFFFF"/>
-                </a:solidFill>
-                <a:effectLst/>
-                <a:latin typeface="-apple-system"/>
-              </a:rPr>
-              <a:t>上下文（</a:t>
-            </a:r>
-            <a:r>
-              <a:rPr lang="en-US" altLang="zh-CN" b="0" i="0" dirty="0">
-                <a:solidFill>
-                  <a:srgbClr val="FFFFFF"/>
-                </a:solidFill>
-                <a:effectLst/>
-                <a:latin typeface="-apple-system"/>
-              </a:rPr>
-              <a:t>Context</a:t>
-            </a:r>
-            <a:r>
-              <a:rPr lang="zh-CN" altLang="en-US" b="0" i="0" dirty="0">
-                <a:solidFill>
-                  <a:srgbClr val="FFFFFF"/>
-                </a:solidFill>
-                <a:effectLst/>
-                <a:latin typeface="-apple-system"/>
-              </a:rPr>
-              <a:t>）：上下文是策略模式的核心，它包含了策略的引用，并在运行时调用所选择的策略。</a:t>
-            </a:r>
-          </a:p>
-          <a:p>
-            <a:pPr algn="l">
-              <a:buFont typeface="Arial" panose="020B0604020202020204" pitchFamily="34" charset="0"/>
-              <a:buChar char="•"/>
+              <a:rPr lang="zh-CN" altLang="en-US" dirty="0"/>
+              <a:t>首先，你需要定义一个上下文类，该类包含一个策略接口的引用。</a:t>
+            </a:r>
+            <a:endParaRPr lang="en-US" altLang="zh-CN" dirty="0"/>
+          </a:p>
+          <a:p>
+            <a:pPr marL="0" marR="0" lvl="0" indent="0" algn="l" defTabSz="2438339" rtl="0" eaLnBrk="1" fontAlgn="auto" latinLnBrk="0" hangingPunct="1">
+              <a:lnSpc>
+                <a:spcPct val="100000"/>
+              </a:lnSpc>
+              <a:spcBef>
+                <a:spcPts val="0"/>
+              </a:spcBef>
+              <a:spcAft>
+                <a:spcPts val="0"/>
+              </a:spcAft>
+              <a:buClrTx/>
+              <a:buSzTx/>
+              <a:buFontTx/>
+              <a:buNone/>
+              <a:tabLst/>
+              <a:defRPr/>
             </a:pPr>
-            <a:r>
-              <a:rPr lang="zh-CN" altLang="en-US" b="0" i="0" dirty="0">
-                <a:solidFill>
-                  <a:srgbClr val="FFFFFF"/>
-                </a:solidFill>
-                <a:effectLst/>
-                <a:latin typeface="-apple-system"/>
-              </a:rPr>
-              <a:t>策略接口（</a:t>
-            </a:r>
-            <a:r>
-              <a:rPr lang="en-US" altLang="zh-CN" b="0" i="0" dirty="0">
-                <a:solidFill>
-                  <a:srgbClr val="FFFFFF"/>
-                </a:solidFill>
-                <a:effectLst/>
-                <a:latin typeface="-apple-system"/>
-              </a:rPr>
-              <a:t>Strategy Interface</a:t>
-            </a:r>
-            <a:r>
-              <a:rPr lang="zh-CN" altLang="en-US" b="0" i="0" dirty="0">
-                <a:solidFill>
-                  <a:srgbClr val="FFFFFF"/>
-                </a:solidFill>
-                <a:effectLst/>
-                <a:latin typeface="-apple-system"/>
-              </a:rPr>
-              <a:t>）：策略接口定义了所有具体策略类必须实现的方法，确保它们具有一致的行为。</a:t>
-            </a:r>
-          </a:p>
-          <a:p>
-            <a:pPr algn="l">
-              <a:buFont typeface="Arial" panose="020B0604020202020204" pitchFamily="34" charset="0"/>
-              <a:buChar char="•"/>
+            <a:endParaRPr lang="en-US" altLang="zh-CN" dirty="0"/>
+          </a:p>
+          <a:p>
+            <a:pPr marL="0" marR="0" lvl="0" indent="0" algn="l" defTabSz="2438339" rtl="0" eaLnBrk="1" fontAlgn="auto" latinLnBrk="0" hangingPunct="1">
+              <a:lnSpc>
+                <a:spcPct val="100000"/>
+              </a:lnSpc>
+              <a:spcBef>
+                <a:spcPts val="0"/>
+              </a:spcBef>
+              <a:spcAft>
+                <a:spcPts val="0"/>
+              </a:spcAft>
+              <a:buClrTx/>
+              <a:buSzTx/>
+              <a:buFontTx/>
+              <a:buNone/>
+              <a:tabLst/>
+              <a:defRPr/>
             </a:pPr>
             <a:r>
-              <a:rPr lang="zh-CN" altLang="en-US" b="0" i="0" dirty="0">
-                <a:solidFill>
-                  <a:srgbClr val="FFFFFF"/>
-                </a:solidFill>
-                <a:effectLst/>
-                <a:latin typeface="-apple-system"/>
-              </a:rPr>
-              <a:t>具体策略类（</a:t>
-            </a:r>
-            <a:r>
-              <a:rPr lang="en-US" altLang="zh-CN" b="0" i="0" dirty="0">
-                <a:solidFill>
-                  <a:srgbClr val="FFFFFF"/>
-                </a:solidFill>
-                <a:effectLst/>
-                <a:latin typeface="-apple-system"/>
-              </a:rPr>
-              <a:t>Concrete Strategies</a:t>
-            </a:r>
-            <a:r>
-              <a:rPr lang="zh-CN" altLang="en-US" b="0" i="0" dirty="0">
-                <a:solidFill>
-                  <a:srgbClr val="FFFFFF"/>
-                </a:solidFill>
-                <a:effectLst/>
-                <a:latin typeface="-apple-system"/>
-              </a:rPr>
-              <a:t>）：每个具体策略类都实现了策略接口，并提供了具体的算法或策略的实现。</a:t>
-            </a:r>
+              <a:rPr lang="zh-CN" altLang="en-US" dirty="0"/>
+              <a:t>然后，实现不同的具体策略类，每个类都实现了策略接口，并提供了自己的算法或策略。</a:t>
+            </a:r>
+            <a:endParaRPr lang="en-US" altLang="zh-CN" dirty="0"/>
+          </a:p>
+          <a:p>
+            <a:pPr marL="0" marR="0" lvl="0" indent="0" algn="l" defTabSz="2438339" rtl="0" eaLnBrk="1" fontAlgn="auto" latinLnBrk="0" hangingPunct="1">
+              <a:lnSpc>
+                <a:spcPct val="100000"/>
+              </a:lnSpc>
+              <a:spcBef>
+                <a:spcPts val="0"/>
+              </a:spcBef>
+              <a:spcAft>
+                <a:spcPts val="0"/>
+              </a:spcAft>
+              <a:buClrTx/>
+              <a:buSzTx/>
+              <a:buFontTx/>
+              <a:buNone/>
+              <a:tabLst/>
+              <a:defRPr/>
+            </a:pPr>
+            <a:endParaRPr lang="en-US" altLang="zh-CN" dirty="0"/>
+          </a:p>
+          <a:p>
+            <a:pPr marL="0" marR="0" lvl="0" indent="0" algn="l" defTabSz="2438339" rtl="0" eaLnBrk="1" fontAlgn="auto" latinLnBrk="0" hangingPunct="1">
+              <a:lnSpc>
+                <a:spcPct val="100000"/>
+              </a:lnSpc>
+              <a:spcBef>
+                <a:spcPts val="0"/>
+              </a:spcBef>
+              <a:spcAft>
+                <a:spcPts val="0"/>
+              </a:spcAft>
+              <a:buClrTx/>
+              <a:buSzTx/>
+              <a:buFontTx/>
+              <a:buNone/>
+              <a:tabLst/>
+              <a:defRPr/>
+            </a:pPr>
+            <a:r>
+              <a:rPr lang="zh-CN" altLang="en-US" dirty="0"/>
+              <a:t>在运行时，你可以根据需要选择并设置合适的策略对象，并将其传递给上下文类。上下文类将调用所选策略的方法来完成相应的操作。</a:t>
+            </a:r>
+            <a:endParaRPr lang="en-US" dirty="0"/>
           </a:p>
           <a:p>
             <a:endParaRPr lang="en-US" dirty="0"/>
@@ -15084,7 +15083,7 @@
     </p:spTree>
     <p:extLst>
       <p:ext uri="{BB962C8B-B14F-4D97-AF65-F5344CB8AC3E}">
-        <p14:creationId xmlns:p14="http://schemas.microsoft.com/office/powerpoint/2010/main" val="3007327655"/>
+        <p14:creationId xmlns:p14="http://schemas.microsoft.com/office/powerpoint/2010/main" val="3793416727"/>
       </p:ext>
     </p:extLst>
   </p:cSld>
@@ -15138,17 +15137,17 @@
           <a:bodyPr/>
           <a:lstStyle/>
           <a:p>
-            <a:r>
-              <a:rPr lang="zh-CN" altLang="en-US" dirty="0"/>
-              <a:t>策略模式的优点：</a:t>
-            </a:r>
-            <a:endParaRPr lang="zh-CN" altLang="en-US" b="0" i="0" dirty="0">
-              <a:solidFill>
-                <a:srgbClr val="444444"/>
-              </a:solidFill>
-              <a:effectLst/>
-              <a:latin typeface="PT Sans" panose="020B0503020203020204" pitchFamily="34" charset="0"/>
-            </a:endParaRPr>
+            <a:pPr algn="l"/>
+            <a:r>
+              <a:rPr lang="zh-CN" altLang="en-US" b="0" i="0" dirty="0">
+                <a:solidFill>
+                  <a:srgbClr val="FFFFFF"/>
+                </a:solidFill>
+                <a:effectLst/>
+                <a:latin typeface="-apple-system"/>
+              </a:rPr>
+              <a:t>策略模式通常包含三个主要的组成部分：</a:t>
+            </a:r>
           </a:p>
           <a:p>
             <a:pPr algn="l">
@@ -15158,16 +15157,32 @@
             <a:r>
               <a:rPr lang="zh-CN" altLang="en-US" b="0" i="0" dirty="0">
                 <a:solidFill>
-                  <a:srgbClr val="444444"/>
+                  <a:srgbClr val="FFFFFF"/>
                 </a:solidFill>
                 <a:effectLst/>
-                <a:latin typeface="PT Sans" panose="020B0503020203020204" pitchFamily="34" charset="0"/>
+                <a:latin typeface="-apple-system"/>
               </a:rPr>
-              <a:t> </a:t>
-            </a:r>
-            <a:r>
-              <a:rPr lang="zh-CN" altLang="en-US" dirty="0"/>
-              <a:t>灵活性：策略模式允许在运行时选择不同的算法或策略，使得系统更加灵活，能够根据不同的需求进行动态切换</a:t>
+              <a:t>上下文（</a:t>
+            </a:r>
+            <a:r>
+              <a:rPr lang="en-US" altLang="zh-CN" b="0" i="0" dirty="0">
+                <a:solidFill>
+                  <a:srgbClr val="FFFFFF"/>
+                </a:solidFill>
+                <a:effectLst/>
+                <a:latin typeface="-apple-system"/>
+              </a:rPr>
+              <a:t>Context</a:t>
+            </a:r>
+            <a:r>
+              <a:rPr lang="zh-CN" altLang="en-US" b="0" i="0" dirty="0">
+                <a:solidFill>
+                  <a:srgbClr val="FFFFFF"/>
+                </a:solidFill>
+                <a:effectLst/>
+                <a:latin typeface="-apple-system"/>
+              </a:rPr>
+              <a:t>）：上下文是策略模式的核心，它包含了策略的引用，并在运行时调用所选择的策略。</a:t>
             </a:r>
           </a:p>
           <a:p>
@@ -15178,24 +15193,33 @@
             <a:r>
               <a:rPr lang="zh-CN" altLang="en-US" b="0" i="0" dirty="0">
                 <a:solidFill>
-                  <a:srgbClr val="444444"/>
+                  <a:srgbClr val="FFFFFF"/>
                 </a:solidFill>
                 <a:effectLst/>
-                <a:latin typeface="PT Sans" panose="020B0503020203020204" pitchFamily="34" charset="0"/>
+                <a:latin typeface="-apple-system"/>
               </a:rPr>
-              <a:t> 可以将策略实现的详细信息与使用它的代码隔离开来，</a:t>
-            </a:r>
-            <a:r>
-              <a:rPr lang="zh-CN" altLang="en-US" dirty="0"/>
-              <a:t>使得代码更加清晰、易于理解和维护</a:t>
-            </a:r>
-            <a:endParaRPr lang="zh-CN" altLang="en-US" b="0" i="0" dirty="0">
-              <a:solidFill>
-                <a:srgbClr val="444444"/>
-              </a:solidFill>
-              <a:effectLst/>
-              <a:latin typeface="PT Sans" panose="020B0503020203020204" pitchFamily="34" charset="0"/>
-            </a:endParaRPr>
+              <a:t>策略接口（</a:t>
+            </a:r>
+            <a:r>
+              <a:rPr lang="en-US" altLang="zh-CN" b="0" i="0" dirty="0">
+                <a:solidFill>
+                  <a:srgbClr val="FFFFFF"/>
+                </a:solidFill>
+                <a:effectLst/>
+                <a:latin typeface="-apple-system"/>
+              </a:rPr>
+              <a:t>Strategy Interface</a:t>
+            </a:r>
+            <a:r>
+              <a:rPr lang="zh-CN" altLang="en-US" b="0" i="0" dirty="0">
+                <a:solidFill>
+                  <a:srgbClr val="FFFFFF"/>
+                </a:solidFill>
+                <a:effectLst/>
+                <a:latin typeface="-apple-system"/>
+              </a:rPr>
+              <a:t>）：策略接口定义了所有具体策略类必须实现的方法，确保它们具有一致的行为。</a:t>
+            </a:r>
           </a:p>
           <a:p>
             <a:pPr algn="l">
@@ -15205,89 +15229,35 @@
             <a:r>
               <a:rPr lang="zh-CN" altLang="en-US" b="0" i="0" dirty="0">
                 <a:solidFill>
-                  <a:srgbClr val="444444"/>
+                  <a:srgbClr val="FFFFFF"/>
                 </a:solidFill>
                 <a:effectLst/>
-                <a:latin typeface="PT Sans" panose="020B0503020203020204" pitchFamily="34" charset="0"/>
+                <a:latin typeface="-apple-system"/>
               </a:rPr>
-              <a:t> </a:t>
-            </a:r>
-            <a:r>
-              <a:rPr lang="zh-CN" altLang="en-US" sz="3200" b="0" i="0" kern="1200" dirty="0">
+              <a:t>具体策略类（</a:t>
+            </a:r>
+            <a:r>
+              <a:rPr lang="en-US" altLang="zh-CN" b="0" i="0" dirty="0">
                 <a:solidFill>
-                  <a:srgbClr val="444444"/>
+                  <a:srgbClr val="FFFFFF"/>
                 </a:solidFill>
                 <a:effectLst/>
-                <a:latin typeface="PT Sans" panose="020B0503020203020204" pitchFamily="34" charset="0"/>
-                <a:ea typeface="+mn-ea"/>
-                <a:cs typeface="+mn-cs"/>
+                <a:latin typeface="-apple-system"/>
               </a:rPr>
-              <a:t>开</a:t>
-            </a:r>
-            <a:r>
-              <a:rPr lang="en-US" altLang="zh-CN" sz="3200" b="0" i="0" kern="1200" dirty="0">
+              <a:t>Concrete Strategies</a:t>
+            </a:r>
+            <a:r>
+              <a:rPr lang="zh-CN" altLang="en-US" b="0" i="0" dirty="0">
                 <a:solidFill>
-                  <a:srgbClr val="444444"/>
+                  <a:srgbClr val="FFFFFF"/>
                 </a:solidFill>
                 <a:effectLst/>
-                <a:latin typeface="PT Sans" panose="020B0503020203020204" pitchFamily="34" charset="0"/>
-                <a:ea typeface="+mn-ea"/>
-                <a:cs typeface="+mn-cs"/>
+                <a:latin typeface="-apple-system"/>
               </a:rPr>
-              <a:t>/</a:t>
-            </a:r>
-            <a:r>
-              <a:rPr lang="zh-CN" altLang="en-US" sz="3200" b="0" i="0" kern="1200" dirty="0">
-                <a:solidFill>
-                  <a:srgbClr val="444444"/>
-                </a:solidFill>
-                <a:effectLst/>
-                <a:latin typeface="PT Sans" panose="020B0503020203020204" pitchFamily="34" charset="0"/>
-                <a:ea typeface="+mn-ea"/>
-                <a:cs typeface="+mn-cs"/>
-              </a:rPr>
-              <a:t>闭原则。您可以</a:t>
-            </a:r>
-            <a:r>
-              <a:rPr lang="zh-CN" altLang="en-US" dirty="0"/>
-              <a:t>通过添加新的策略类，很容易地扩展系统的功能，而无需修改现有的代码</a:t>
-            </a:r>
-          </a:p>
-          <a:p>
-            <a:endParaRPr lang="zh-CN" altLang="en-US" dirty="0"/>
-          </a:p>
-          <a:p>
-            <a:r>
-              <a:rPr lang="zh-CN" altLang="en-US" dirty="0"/>
-              <a:t>策略模式的缺点：</a:t>
-            </a:r>
-            <a:endParaRPr lang="zh-CN" altLang="en-US" b="0" i="0" dirty="0">
-              <a:solidFill>
-                <a:srgbClr val="444444"/>
-              </a:solidFill>
-              <a:effectLst/>
-              <a:latin typeface="PT Sans" panose="020B0503020203020204" pitchFamily="34" charset="0"/>
-            </a:endParaRPr>
-          </a:p>
-          <a:p>
-            <a:pPr algn="l">
-              <a:buFont typeface="Arial" panose="020B0604020202020204" pitchFamily="34" charset="0"/>
-              <a:buChar char="•"/>
-            </a:pPr>
-            <a:r>
-              <a:rPr lang="zh-CN" altLang="en-US" b="0" i="0" dirty="0">
-                <a:solidFill>
-                  <a:srgbClr val="444444"/>
-                </a:solidFill>
-                <a:effectLst/>
-                <a:latin typeface="PT Sans" panose="020B0503020203020204" pitchFamily="34" charset="0"/>
-              </a:rPr>
-              <a:t> </a:t>
-            </a:r>
-            <a:r>
-              <a:rPr lang="zh-CN" altLang="en-US" dirty="0"/>
-              <a:t>客户端必须了解不同的策略：客户端需要明确了解不同的策略类，并选择合适的策略进行使用，增加了客户端的复杂性。</a:t>
-            </a:r>
+              <a:t>）：每个具体策略类都实现了策略接口，并提供了具体的算法或策略的实现。</a:t>
+            </a:r>
+          </a:p>
+          <a:p>
             <a:endParaRPr lang="en-US" dirty="0"/>
           </a:p>
         </p:txBody>
@@ -15318,7 +15288,7 @@
     </p:spTree>
     <p:extLst>
       <p:ext uri="{BB962C8B-B14F-4D97-AF65-F5344CB8AC3E}">
-        <p14:creationId xmlns:p14="http://schemas.microsoft.com/office/powerpoint/2010/main" val="2417297133"/>
+        <p14:creationId xmlns:p14="http://schemas.microsoft.com/office/powerpoint/2010/main" val="3007327655"/>
       </p:ext>
     </p:extLst>
   </p:cSld>
@@ -15373,310 +15343,155 @@
           <a:lstStyle/>
           <a:p>
             <a:r>
+              <a:rPr lang="zh-CN" altLang="en-US" dirty="0"/>
+              <a:t>策略模式的优点：</a:t>
+            </a:r>
+            <a:endParaRPr lang="zh-CN" altLang="en-US" b="0" i="0" dirty="0">
+              <a:solidFill>
+                <a:srgbClr val="444444"/>
+              </a:solidFill>
+              <a:effectLst/>
+              <a:latin typeface="PT Sans" panose="020B0503020203020204" pitchFamily="34" charset="0"/>
+            </a:endParaRPr>
+          </a:p>
+          <a:p>
+            <a:pPr algn="l">
+              <a:buFont typeface="Arial" panose="020B0604020202020204" pitchFamily="34" charset="0"/>
+              <a:buChar char="•"/>
+            </a:pPr>
+            <a:r>
               <a:rPr lang="zh-CN" altLang="en-US" b="0" i="0" dirty="0">
                 <a:solidFill>
-                  <a:srgbClr val="FFFFFF"/>
+                  <a:srgbClr val="444444"/>
                 </a:solidFill>
                 <a:effectLst/>
-                <a:latin typeface="-apple-system"/>
+                <a:latin typeface="PT Sans" panose="020B0503020203020204" pitchFamily="34" charset="0"/>
               </a:rPr>
-              <a:t>它定义了一个操作中的骨架，将某些步骤延迟到子类中实现。</a:t>
-            </a:r>
-            <a:endParaRPr lang="en-US" altLang="zh-CN" b="0" i="0" dirty="0">
+              <a:t> </a:t>
+            </a:r>
+            <a:r>
+              <a:rPr lang="zh-CN" altLang="en-US" dirty="0"/>
+              <a:t>灵活性：策略模式允许在运行时选择不同的算法或策略，使得系统更加灵活，能够根据不同的需求进行动态切换</a:t>
+            </a:r>
+          </a:p>
+          <a:p>
+            <a:pPr algn="l">
+              <a:buFont typeface="Arial" panose="020B0604020202020204" pitchFamily="34" charset="0"/>
+              <a:buChar char="•"/>
+            </a:pPr>
+            <a:r>
+              <a:rPr lang="zh-CN" altLang="en-US" b="0" i="0" dirty="0">
+                <a:solidFill>
+                  <a:srgbClr val="444444"/>
+                </a:solidFill>
+                <a:effectLst/>
+                <a:latin typeface="PT Sans" panose="020B0503020203020204" pitchFamily="34" charset="0"/>
+              </a:rPr>
+              <a:t> 可以将策略实现的详细信息与使用它的代码隔离开来，</a:t>
+            </a:r>
+            <a:r>
+              <a:rPr lang="zh-CN" altLang="en-US" dirty="0"/>
+              <a:t>使得代码更加清晰、易于理解和维护</a:t>
+            </a:r>
+            <a:endParaRPr lang="zh-CN" altLang="en-US" b="0" i="0" dirty="0">
               <a:solidFill>
-                <a:srgbClr val="FFFFFF"/>
+                <a:srgbClr val="444444"/>
               </a:solidFill>
               <a:effectLst/>
-              <a:latin typeface="-apple-system"/>
+              <a:latin typeface="PT Sans" panose="020B0503020203020204" pitchFamily="34" charset="0"/>
             </a:endParaRPr>
           </a:p>
           <a:p>
+            <a:pPr algn="l">
+              <a:buFont typeface="Arial" panose="020B0604020202020204" pitchFamily="34" charset="0"/>
+              <a:buChar char="•"/>
+            </a:pPr>
             <a:r>
               <a:rPr lang="zh-CN" altLang="en-US" b="0" i="0" dirty="0">
                 <a:solidFill>
-                  <a:srgbClr val="FFFFFF"/>
+                  <a:srgbClr val="444444"/>
                 </a:solidFill>
                 <a:effectLst/>
-                <a:latin typeface="-apple-system"/>
+                <a:latin typeface="PT Sans" panose="020B0503020203020204" pitchFamily="34" charset="0"/>
               </a:rPr>
-              <a:t>模板方法模式的核心思想是将算法的通用部分抽象出来，放在一个父类中作为模板方法，并将特定的实现细节延迟到子类中。</a:t>
-            </a:r>
-            <a:endParaRPr lang="en-US" altLang="zh-CN" b="0" i="0" dirty="0">
+              <a:t> </a:t>
+            </a:r>
+            <a:r>
+              <a:rPr lang="zh-CN" altLang="en-US" sz="3200" b="0" i="0" kern="1200" dirty="0">
+                <a:solidFill>
+                  <a:srgbClr val="444444"/>
+                </a:solidFill>
+                <a:effectLst/>
+                <a:latin typeface="PT Sans" panose="020B0503020203020204" pitchFamily="34" charset="0"/>
+                <a:ea typeface="+mn-ea"/>
+                <a:cs typeface="+mn-cs"/>
+              </a:rPr>
+              <a:t>开</a:t>
+            </a:r>
+            <a:r>
+              <a:rPr lang="en-US" altLang="zh-CN" sz="3200" b="0" i="0" kern="1200" dirty="0">
+                <a:solidFill>
+                  <a:srgbClr val="444444"/>
+                </a:solidFill>
+                <a:effectLst/>
+                <a:latin typeface="PT Sans" panose="020B0503020203020204" pitchFamily="34" charset="0"/>
+                <a:ea typeface="+mn-ea"/>
+                <a:cs typeface="+mn-cs"/>
+              </a:rPr>
+              <a:t>/</a:t>
+            </a:r>
+            <a:r>
+              <a:rPr lang="zh-CN" altLang="en-US" sz="3200" b="0" i="0" kern="1200" dirty="0">
+                <a:solidFill>
+                  <a:srgbClr val="444444"/>
+                </a:solidFill>
+                <a:effectLst/>
+                <a:latin typeface="PT Sans" panose="020B0503020203020204" pitchFamily="34" charset="0"/>
+                <a:ea typeface="+mn-ea"/>
+                <a:cs typeface="+mn-cs"/>
+              </a:rPr>
+              <a:t>闭原则。您可以</a:t>
+            </a:r>
+            <a:r>
+              <a:rPr lang="zh-CN" altLang="en-US" dirty="0"/>
+              <a:t>通过添加新的策略类，很容易地扩展系统的功能，而无需修改现有的代码</a:t>
+            </a:r>
+          </a:p>
+          <a:p>
+            <a:endParaRPr lang="zh-CN" altLang="en-US" dirty="0"/>
+          </a:p>
+          <a:p>
+            <a:r>
+              <a:rPr lang="zh-CN" altLang="en-US" dirty="0"/>
+              <a:t>策略模式的缺点：</a:t>
+            </a:r>
+            <a:endParaRPr lang="zh-CN" altLang="en-US" b="0" i="0" dirty="0">
               <a:solidFill>
-                <a:srgbClr val="FFFFFF"/>
+                <a:srgbClr val="444444"/>
               </a:solidFill>
               <a:effectLst/>
-              <a:latin typeface="-apple-system"/>
+              <a:latin typeface="PT Sans" panose="020B0503020203020204" pitchFamily="34" charset="0"/>
             </a:endParaRPr>
           </a:p>
           <a:p>
-            <a:endParaRPr lang="en-US" altLang="zh-CN" b="0" i="0" dirty="0">
-              <a:solidFill>
-                <a:srgbClr val="FFFFFF"/>
-              </a:solidFill>
-              <a:effectLst/>
-              <a:latin typeface="-apple-system"/>
-            </a:endParaRPr>
-          </a:p>
-          <a:p>
+            <a:pPr algn="l">
+              <a:buFont typeface="Arial" panose="020B0604020202020204" pitchFamily="34" charset="0"/>
+              <a:buChar char="•"/>
+            </a:pPr>
             <a:r>
               <a:rPr lang="zh-CN" altLang="en-US" b="0" i="0" dirty="0">
                 <a:solidFill>
-                  <a:srgbClr val="FFFFFF"/>
+                  <a:srgbClr val="444444"/>
                 </a:solidFill>
                 <a:effectLst/>
-                <a:latin typeface="-apple-system"/>
+                <a:latin typeface="PT Sans" panose="020B0503020203020204" pitchFamily="34" charset="0"/>
               </a:rPr>
-              <a:t>这样做的好处是可以在不改变算法结构的情况下，通过子类的不同实现来达到不同的行为结果。</a:t>
-            </a:r>
-            <a:endParaRPr lang="en-US" altLang="zh-CN" b="0" i="0" dirty="0">
-              <a:solidFill>
-                <a:srgbClr val="FFFFFF"/>
-              </a:solidFill>
-              <a:effectLst/>
-              <a:latin typeface="-apple-system"/>
-            </a:endParaRPr>
-          </a:p>
-          <a:p>
-            <a:endParaRPr lang="en-US" altLang="zh-CN" b="0" i="0" dirty="0">
-              <a:solidFill>
-                <a:srgbClr val="FFFFFF"/>
-              </a:solidFill>
-              <a:effectLst/>
-              <a:latin typeface="-apple-system"/>
-            </a:endParaRPr>
-          </a:p>
-          <a:p>
-            <a:endParaRPr lang="en-US" altLang="zh-CN" b="0" i="0" dirty="0">
-              <a:solidFill>
-                <a:srgbClr val="FFFFFF"/>
-              </a:solidFill>
-              <a:effectLst/>
-              <a:latin typeface="-apple-system"/>
-            </a:endParaRPr>
-          </a:p>
-          <a:p>
-            <a:r>
-              <a:rPr lang="zh-CN" altLang="en-US" b="0" i="0" dirty="0">
-                <a:solidFill>
-                  <a:srgbClr val="FFFFFF"/>
-                </a:solidFill>
-                <a:effectLst/>
-                <a:latin typeface="-apple-system"/>
-              </a:rPr>
-              <a:t>以下是模板方法模式的一般结构：</a:t>
-            </a:r>
-            <a:endParaRPr lang="en-US" b="0" i="0" dirty="0">
-              <a:solidFill>
-                <a:srgbClr val="FFFFFF"/>
-              </a:solidFill>
-              <a:effectLst/>
-              <a:latin typeface="-apple-system"/>
-            </a:endParaRPr>
-          </a:p>
-          <a:p>
-            <a:pPr algn="l">
-              <a:buFont typeface="+mj-lt"/>
-              <a:buAutoNum type="arabicPeriod"/>
-            </a:pPr>
-            <a:r>
-              <a:rPr lang="zh-CN" altLang="en-US" b="0" i="0" dirty="0">
-                <a:solidFill>
-                  <a:srgbClr val="FFFFFF"/>
-                </a:solidFill>
-                <a:effectLst/>
-                <a:latin typeface="-apple-system"/>
-              </a:rPr>
-              <a:t>抽象类（</a:t>
-            </a:r>
-            <a:r>
-              <a:rPr lang="en-US" altLang="zh-CN" b="0" i="0" dirty="0">
-                <a:solidFill>
-                  <a:srgbClr val="FFFFFF"/>
-                </a:solidFill>
-                <a:effectLst/>
-                <a:latin typeface="-apple-system"/>
-              </a:rPr>
-              <a:t>Abstract Class</a:t>
-            </a:r>
-            <a:r>
-              <a:rPr lang="zh-CN" altLang="en-US" b="0" i="0" dirty="0">
-                <a:solidFill>
-                  <a:srgbClr val="FFFFFF"/>
-                </a:solidFill>
-                <a:effectLst/>
-                <a:latin typeface="-apple-system"/>
-              </a:rPr>
-              <a:t>）：定义模板方法和抽象方法，模板方法定义了算法的骨架，抽象方法由子类实现。</a:t>
-            </a:r>
-          </a:p>
-          <a:p>
-            <a:pPr algn="l">
-              <a:buFont typeface="+mj-lt"/>
-              <a:buAutoNum type="arabicPeriod"/>
-            </a:pPr>
-            <a:r>
-              <a:rPr lang="zh-CN" altLang="en-US" b="0" i="0" dirty="0">
-                <a:solidFill>
-                  <a:srgbClr val="FFFFFF"/>
-                </a:solidFill>
-                <a:effectLst/>
-                <a:latin typeface="-apple-system"/>
-              </a:rPr>
-              <a:t>具体类（</a:t>
-            </a:r>
-            <a:r>
-              <a:rPr lang="en-US" altLang="zh-CN" b="0" i="0" dirty="0">
-                <a:solidFill>
-                  <a:srgbClr val="FFFFFF"/>
-                </a:solidFill>
-                <a:effectLst/>
-                <a:latin typeface="-apple-system"/>
-              </a:rPr>
-              <a:t>Concrete Class</a:t>
-            </a:r>
-            <a:r>
-              <a:rPr lang="zh-CN" altLang="en-US" b="0" i="0" dirty="0">
-                <a:solidFill>
-                  <a:srgbClr val="FFFFFF"/>
-                </a:solidFill>
-                <a:effectLst/>
-                <a:latin typeface="-apple-system"/>
-              </a:rPr>
-              <a:t>）：继承抽象类，实现抽象方法，完成算法中具体的实现细节。</a:t>
-            </a:r>
-            <a:endParaRPr lang="en-US" altLang="zh-CN" b="0" i="0" dirty="0">
-              <a:solidFill>
-                <a:srgbClr val="FFFFFF"/>
-              </a:solidFill>
-              <a:effectLst/>
-              <a:latin typeface="-apple-system"/>
-            </a:endParaRPr>
-          </a:p>
-          <a:p>
-            <a:pPr algn="l">
-              <a:buFont typeface="+mj-lt"/>
-              <a:buNone/>
-            </a:pPr>
-            <a:endParaRPr lang="en-US" altLang="zh-CN" b="0" i="0" dirty="0">
-              <a:solidFill>
-                <a:srgbClr val="FFFFFF"/>
-              </a:solidFill>
-              <a:effectLst/>
-              <a:latin typeface="-apple-system"/>
-            </a:endParaRPr>
-          </a:p>
-          <a:p>
-            <a:pPr algn="l"/>
-            <a:r>
-              <a:rPr lang="zh-CN" altLang="en-US" b="0" i="0" dirty="0">
-                <a:solidFill>
-                  <a:srgbClr val="FFFFFF"/>
-                </a:solidFill>
-                <a:effectLst/>
-                <a:latin typeface="-apple-system"/>
-              </a:rPr>
-              <a:t>模板方法模式的工作流程如下：</a:t>
-            </a:r>
-          </a:p>
-          <a:p>
-            <a:pPr algn="l">
-              <a:buFont typeface="+mj-lt"/>
-              <a:buAutoNum type="arabicPeriod"/>
-            </a:pPr>
-            <a:r>
-              <a:rPr lang="zh-CN" altLang="en-US" b="0" i="0" dirty="0">
-                <a:solidFill>
-                  <a:srgbClr val="FFFFFF"/>
-                </a:solidFill>
-                <a:effectLst/>
-                <a:latin typeface="-apple-system"/>
-              </a:rPr>
-              <a:t>定义一个抽象类，其中包含一个模板方法（</a:t>
-            </a:r>
-            <a:r>
-              <a:rPr lang="en-US" altLang="zh-CN" b="0" i="0" dirty="0">
-                <a:solidFill>
-                  <a:srgbClr val="FFFFFF"/>
-                </a:solidFill>
-                <a:effectLst/>
-                <a:latin typeface="-apple-system"/>
-              </a:rPr>
-              <a:t>Template Method</a:t>
-            </a:r>
-            <a:r>
-              <a:rPr lang="zh-CN" altLang="en-US" b="0" i="0" dirty="0">
-                <a:solidFill>
-                  <a:srgbClr val="FFFFFF"/>
-                </a:solidFill>
-                <a:effectLst/>
-                <a:latin typeface="-apple-system"/>
-              </a:rPr>
-              <a:t>），该方法定义了算法的骨架，包括一些基本的步骤，这些步骤可以是具体的实现或者是抽象方法。</a:t>
-            </a:r>
-          </a:p>
-          <a:p>
-            <a:pPr algn="l">
-              <a:buFont typeface="+mj-lt"/>
-              <a:buAutoNum type="arabicPeriod"/>
-            </a:pPr>
-            <a:r>
-              <a:rPr lang="zh-CN" altLang="en-US" b="0" i="0" dirty="0">
-                <a:solidFill>
-                  <a:srgbClr val="FFFFFF"/>
-                </a:solidFill>
-                <a:effectLst/>
-                <a:latin typeface="-apple-system"/>
-              </a:rPr>
-              <a:t>在抽象类中，可以定义一些公共的方法，这些方法可以被模板方法调用，用于实现算法的某些具体步骤。</a:t>
-            </a:r>
-          </a:p>
-          <a:p>
-            <a:pPr algn="l">
-              <a:buFont typeface="+mj-lt"/>
-              <a:buAutoNum type="arabicPeriod"/>
-            </a:pPr>
-            <a:r>
-              <a:rPr lang="zh-CN" altLang="en-US" b="0" i="0" dirty="0">
-                <a:solidFill>
-                  <a:srgbClr val="FFFFFF"/>
-                </a:solidFill>
-                <a:effectLst/>
-                <a:latin typeface="-apple-system"/>
-              </a:rPr>
-              <a:t>定义一个或多个具体类，继承抽象类，并实现抽象方法，完成算法中具体的实现细节。</a:t>
-            </a:r>
-          </a:p>
-          <a:p>
-            <a:pPr algn="l">
-              <a:buFont typeface="+mj-lt"/>
-              <a:buAutoNum type="arabicPeriod"/>
-            </a:pPr>
-            <a:r>
-              <a:rPr lang="zh-CN" altLang="en-US" b="0" i="0" dirty="0">
-                <a:solidFill>
-                  <a:srgbClr val="FFFFFF"/>
-                </a:solidFill>
-                <a:effectLst/>
-                <a:latin typeface="-apple-system"/>
-              </a:rPr>
-              <a:t>在具体类中，根据需要重写父类的方法，以实现自定义的行为。</a:t>
-            </a:r>
-          </a:p>
-          <a:p>
-            <a:pPr algn="l">
-              <a:buFont typeface="+mj-lt"/>
-              <a:buAutoNum type="arabicPeriod"/>
-            </a:pPr>
-            <a:endParaRPr lang="zh-CN" altLang="en-US" b="0" i="0" dirty="0">
-              <a:solidFill>
-                <a:srgbClr val="FFFFFF"/>
-              </a:solidFill>
-              <a:effectLst/>
-              <a:latin typeface="-apple-system"/>
-            </a:endParaRPr>
-          </a:p>
-          <a:p>
+              <a:t> </a:t>
+            </a:r>
+            <a:r>
+              <a:rPr lang="zh-CN" altLang="en-US" dirty="0"/>
+              <a:t>客户端必须了解不同的策略：客户端需要明确了解不同的策略类，并选择合适的策略进行使用，增加了客户端的复杂性。</a:t>
+            </a:r>
             <a:endParaRPr lang="en-US" dirty="0"/>
           </a:p>
         </p:txBody>
@@ -15707,7 +15522,7 @@
     </p:spTree>
     <p:extLst>
       <p:ext uri="{BB962C8B-B14F-4D97-AF65-F5344CB8AC3E}">
-        <p14:creationId xmlns:p14="http://schemas.microsoft.com/office/powerpoint/2010/main" val="484334021"/>
+        <p14:creationId xmlns:p14="http://schemas.microsoft.com/office/powerpoint/2010/main" val="2417297133"/>
       </p:ext>
     </p:extLst>
   </p:cSld>
@@ -15761,7 +15576,6 @@
           <a:bodyPr/>
           <a:lstStyle/>
           <a:p>
-            <a:pPr algn="l"/>
             <a:r>
               <a:rPr lang="zh-CN" altLang="en-US" b="0" i="0" dirty="0">
                 <a:solidFill>
@@ -15770,14 +15584,17 @@
                 <a:effectLst/>
                 <a:latin typeface="-apple-system"/>
               </a:rPr>
-              <a:t>优点：</a:t>
-            </a:r>
-          </a:p>
-          <a:p>
-            <a:pPr algn="l">
-              <a:buFont typeface="+mj-lt"/>
-              <a:buAutoNum type="arabicPeriod"/>
-            </a:pPr>
+              <a:t>它定义了一个操作中的骨架，将某些步骤延迟到子类中实现。</a:t>
+            </a:r>
+            <a:endParaRPr lang="en-US" altLang="zh-CN" b="0" i="0" dirty="0">
+              <a:solidFill>
+                <a:srgbClr val="FFFFFF"/>
+              </a:solidFill>
+              <a:effectLst/>
+              <a:latin typeface="-apple-system"/>
+            </a:endParaRPr>
+          </a:p>
+          <a:p>
             <a:r>
               <a:rPr lang="zh-CN" altLang="en-US" b="0" i="0" dirty="0">
                 <a:solidFill>
@@ -15786,17 +15603,7 @@
                 <a:effectLst/>
                 <a:latin typeface="-apple-system"/>
               </a:rPr>
-              <a:t>代码复用 </a:t>
-            </a:r>
-            <a:r>
-              <a:rPr lang="en-US" b="0" i="0" dirty="0">
-                <a:solidFill>
-                  <a:srgbClr val="FFFFFF"/>
-                </a:solidFill>
-                <a:effectLst/>
-                <a:latin typeface="-apple-system"/>
-              </a:rPr>
-              <a:t>Code reuse</a:t>
+              <a:t>模板方法模式的核心思想是将算法的通用部分抽象出来，放在一个父类中作为模板方法，并将特定的实现细节延迟到子类中。</a:t>
             </a:r>
             <a:endParaRPr lang="en-US" altLang="zh-CN" b="0" i="0" dirty="0">
               <a:solidFill>
@@ -15807,10 +15614,15 @@
             </a:endParaRPr>
           </a:p>
           <a:p>
-            <a:pPr algn="l">
-              <a:buFont typeface="+mj-lt"/>
-              <a:buNone/>
-            </a:pPr>
+            <a:endParaRPr lang="en-US" altLang="zh-CN" b="0" i="0" dirty="0">
+              <a:solidFill>
+                <a:srgbClr val="FFFFFF"/>
+              </a:solidFill>
+              <a:effectLst/>
+              <a:latin typeface="-apple-system"/>
+            </a:endParaRPr>
+          </a:p>
+          <a:p>
             <a:r>
               <a:rPr lang="zh-CN" altLang="en-US" b="0" i="0" dirty="0">
                 <a:solidFill>
@@ -15819,7 +15631,123 @@
                 <a:effectLst/>
                 <a:latin typeface="-apple-system"/>
               </a:rPr>
-              <a:t>模板方法模式可以将算法的骨架代码放在父类中，子类只需要实现具体的细节部分，从而实现代码的复用。这样可以避免重复编写相似的代码，提高了代码的可维护性和可扩展性。</a:t>
+              <a:t>这样做的好处是可以在不改变算法结构的情况下，通过子类的不同实现来达到不同的行为结果。</a:t>
+            </a:r>
+            <a:endParaRPr lang="en-US" altLang="zh-CN" b="0" i="0" dirty="0">
+              <a:solidFill>
+                <a:srgbClr val="FFFFFF"/>
+              </a:solidFill>
+              <a:effectLst/>
+              <a:latin typeface="-apple-system"/>
+            </a:endParaRPr>
+          </a:p>
+          <a:p>
+            <a:endParaRPr lang="en-US" altLang="zh-CN" b="0" i="0" dirty="0">
+              <a:solidFill>
+                <a:srgbClr val="FFFFFF"/>
+              </a:solidFill>
+              <a:effectLst/>
+              <a:latin typeface="-apple-system"/>
+            </a:endParaRPr>
+          </a:p>
+          <a:p>
+            <a:endParaRPr lang="en-US" altLang="zh-CN" b="0" i="0" dirty="0">
+              <a:solidFill>
+                <a:srgbClr val="FFFFFF"/>
+              </a:solidFill>
+              <a:effectLst/>
+              <a:latin typeface="-apple-system"/>
+            </a:endParaRPr>
+          </a:p>
+          <a:p>
+            <a:r>
+              <a:rPr lang="zh-CN" altLang="en-US" b="0" i="0" dirty="0">
+                <a:solidFill>
+                  <a:srgbClr val="FFFFFF"/>
+                </a:solidFill>
+                <a:effectLst/>
+                <a:latin typeface="-apple-system"/>
+              </a:rPr>
+              <a:t>以下是模板方法模式的一般结构：</a:t>
+            </a:r>
+            <a:endParaRPr lang="en-US" b="0" i="0" dirty="0">
+              <a:solidFill>
+                <a:srgbClr val="FFFFFF"/>
+              </a:solidFill>
+              <a:effectLst/>
+              <a:latin typeface="-apple-system"/>
+            </a:endParaRPr>
+          </a:p>
+          <a:p>
+            <a:pPr algn="l">
+              <a:buFont typeface="+mj-lt"/>
+              <a:buAutoNum type="arabicPeriod"/>
+            </a:pPr>
+            <a:r>
+              <a:rPr lang="zh-CN" altLang="en-US" b="0" i="0" dirty="0">
+                <a:solidFill>
+                  <a:srgbClr val="FFFFFF"/>
+                </a:solidFill>
+                <a:effectLst/>
+                <a:latin typeface="-apple-system"/>
+              </a:rPr>
+              <a:t>抽象类（</a:t>
+            </a:r>
+            <a:r>
+              <a:rPr lang="en-US" altLang="zh-CN" b="0" i="0" dirty="0">
+                <a:solidFill>
+                  <a:srgbClr val="FFFFFF"/>
+                </a:solidFill>
+                <a:effectLst/>
+                <a:latin typeface="-apple-system"/>
+              </a:rPr>
+              <a:t>Abstract Class</a:t>
+            </a:r>
+            <a:r>
+              <a:rPr lang="zh-CN" altLang="en-US" b="0" i="0" dirty="0">
+                <a:solidFill>
+                  <a:srgbClr val="FFFFFF"/>
+                </a:solidFill>
+                <a:effectLst/>
+                <a:latin typeface="-apple-system"/>
+              </a:rPr>
+              <a:t>）：定义模板方法和抽象方法，模板方法定义了算法的骨架，抽象方法由子类实现。</a:t>
+            </a:r>
+          </a:p>
+          <a:p>
+            <a:pPr algn="l">
+              <a:buFont typeface="+mj-lt"/>
+              <a:buAutoNum type="arabicPeriod"/>
+            </a:pPr>
+            <a:r>
+              <a:rPr lang="zh-CN" altLang="en-US" b="0" i="0" dirty="0">
+                <a:solidFill>
+                  <a:srgbClr val="FFFFFF"/>
+                </a:solidFill>
+                <a:effectLst/>
+                <a:latin typeface="-apple-system"/>
+              </a:rPr>
+              <a:t>具体类（</a:t>
+            </a:r>
+            <a:r>
+              <a:rPr lang="en-US" altLang="zh-CN" b="0" i="0" dirty="0">
+                <a:solidFill>
+                  <a:srgbClr val="FFFFFF"/>
+                </a:solidFill>
+                <a:effectLst/>
+                <a:latin typeface="-apple-system"/>
+              </a:rPr>
+              <a:t>Concrete Class</a:t>
+            </a:r>
+            <a:r>
+              <a:rPr lang="zh-CN" altLang="en-US" b="0" i="0" dirty="0">
+                <a:solidFill>
+                  <a:srgbClr val="FFFFFF"/>
+                </a:solidFill>
+                <a:effectLst/>
+                <a:latin typeface="-apple-system"/>
+              </a:rPr>
+              <a:t>）：继承抽象类，实现抽象方法，完成算法中具体的实现细节。</a:t>
             </a:r>
             <a:endParaRPr lang="en-US" altLang="zh-CN" b="0" i="0" dirty="0">
               <a:solidFill>
@@ -15843,10 +15771,33 @@
             </a:endParaRPr>
           </a:p>
           <a:p>
+            <a:pPr algn="l"/>
+            <a:r>
+              <a:rPr lang="zh-CN" altLang="en-US" b="0" i="0" dirty="0">
+                <a:solidFill>
+                  <a:srgbClr val="FFFFFF"/>
+                </a:solidFill>
+                <a:effectLst/>
+                <a:latin typeface="-apple-system"/>
+              </a:rPr>
+              <a:t>模板方法模式的工作流程如下：</a:t>
+            </a:r>
+          </a:p>
+          <a:p>
             <a:pPr algn="l">
               <a:buFont typeface="+mj-lt"/>
-              <a:buNone/>
+              <a:buAutoNum type="arabicPeriod"/>
             </a:pPr>
+            <a:r>
+              <a:rPr lang="zh-CN" altLang="en-US" b="0" i="0" dirty="0">
+                <a:solidFill>
+                  <a:srgbClr val="FFFFFF"/>
+                </a:solidFill>
+                <a:effectLst/>
+                <a:latin typeface="-apple-system"/>
+              </a:rPr>
+              <a:t>定义一个抽象类，其中包含一个模板方法（</a:t>
+            </a:r>
             <a:r>
               <a:rPr lang="en-US" altLang="zh-CN" b="0" i="0" dirty="0">
                 <a:solidFill>
@@ -15855,7 +15806,7 @@
                 <a:effectLst/>
                 <a:latin typeface="-apple-system"/>
               </a:rPr>
-              <a:t>2.</a:t>
+              <a:t>Template Method</a:t>
             </a:r>
             <a:r>
               <a:rPr lang="zh-CN" altLang="en-US" b="0" i="0" dirty="0">
@@ -15865,23 +15816,13 @@
                 <a:effectLst/>
                 <a:latin typeface="-apple-system"/>
               </a:rPr>
-              <a:t> 提高扩展性 </a:t>
-            </a:r>
-            <a:r>
-              <a:rPr lang="en-US" altLang="zh-CN" b="0" i="0" dirty="0">
-                <a:solidFill>
-                  <a:srgbClr val="FFFFFF"/>
-                </a:solidFill>
-                <a:effectLst/>
-                <a:latin typeface="-apple-system"/>
-              </a:rPr>
-              <a:t>Increased extensibility</a:t>
+              <a:t>），该方法定义了算法的骨架，包括一些基本的步骤，这些步骤可以是具体的实现或者是抽象方法。</a:t>
             </a:r>
           </a:p>
           <a:p>
             <a:pPr algn="l">
               <a:buFont typeface="+mj-lt"/>
-              <a:buNone/>
+              <a:buAutoNum type="arabicPeriod"/>
             </a:pPr>
             <a:r>
               <a:rPr lang="zh-CN" altLang="en-US" b="0" i="0" dirty="0">
@@ -15891,44 +15832,14 @@
                 <a:effectLst/>
                 <a:latin typeface="-apple-system"/>
               </a:rPr>
-              <a:t>由于算法的整体结构已经在父类中定义，子类可以通过扩展和重写父类的方法来改变算法的具体实现，从而实现不同的行为。这样的设计使得系统更具灵活性，易于扩展和修改。</a:t>
-            </a:r>
-            <a:endParaRPr lang="en-US" altLang="zh-CN" b="0" i="0" dirty="0">
-              <a:solidFill>
-                <a:srgbClr val="FFFFFF"/>
-              </a:solidFill>
-              <a:effectLst/>
-              <a:latin typeface="-apple-system"/>
-            </a:endParaRPr>
+              <a:t>在抽象类中，可以定义一些公共的方法，这些方法可以被模板方法调用，用于实现算法的某些具体步骤。</a:t>
+            </a:r>
           </a:p>
           <a:p>
             <a:pPr algn="l">
               <a:buFont typeface="+mj-lt"/>
-              <a:buNone/>
+              <a:buAutoNum type="arabicPeriod"/>
             </a:pPr>
-            <a:endParaRPr lang="en-US" altLang="zh-CN" b="0" i="0" dirty="0">
-              <a:solidFill>
-                <a:srgbClr val="FFFFFF"/>
-              </a:solidFill>
-              <a:effectLst/>
-              <a:latin typeface="-apple-system"/>
-            </a:endParaRPr>
-          </a:p>
-          <a:p>
-            <a:pPr algn="l">
-              <a:buFont typeface="+mj-lt"/>
-              <a:buNone/>
-            </a:pPr>
-            <a:r>
-              <a:rPr lang="en-US" altLang="zh-CN" b="0" i="0" dirty="0">
-                <a:solidFill>
-                  <a:srgbClr val="FFFFFF"/>
-                </a:solidFill>
-                <a:effectLst/>
-                <a:latin typeface="-apple-system"/>
-              </a:rPr>
-              <a:t>3.</a:t>
-            </a:r>
             <a:r>
               <a:rPr lang="zh-CN" altLang="en-US" b="0" i="0" dirty="0">
                 <a:solidFill>
@@ -15937,23 +15848,13 @@
                 <a:effectLst/>
                 <a:latin typeface="-apple-system"/>
               </a:rPr>
-              <a:t> 统一算法结构 </a:t>
-            </a:r>
-            <a:r>
-              <a:rPr lang="en-US" altLang="zh-CN" b="0" i="0" dirty="0">
-                <a:solidFill>
-                  <a:srgbClr val="FFFFFF"/>
-                </a:solidFill>
-                <a:effectLst/>
-                <a:latin typeface="-apple-system"/>
-              </a:rPr>
-              <a:t>Unified algorithm structure</a:t>
+              <a:t>定义一个或多个具体类，继承抽象类，并实现抽象方法，完成算法中具体的实现细节。</a:t>
             </a:r>
           </a:p>
           <a:p>
             <a:pPr algn="l">
               <a:buFont typeface="+mj-lt"/>
-              <a:buNone/>
+              <a:buAutoNum type="arabicPeriod"/>
             </a:pPr>
             <a:r>
               <a:rPr lang="zh-CN" altLang="en-US" b="0" i="0" dirty="0">
@@ -15963,300 +15864,7 @@
                 <a:effectLst/>
                 <a:latin typeface="-apple-system"/>
               </a:rPr>
-              <a:t> 通过模板方法模式，可以将算法的结构统一起来，使代码更加清晰易懂。父类中的模板方法定义了算法的骨架，具体步骤由子类实现，使得算法的执行流程更加明确，易于理解和维护。</a:t>
-            </a:r>
-            <a:endParaRPr lang="en-US" altLang="zh-CN" b="0" i="0" dirty="0">
-              <a:solidFill>
-                <a:srgbClr val="FFFFFF"/>
-              </a:solidFill>
-              <a:effectLst/>
-              <a:latin typeface="-apple-system"/>
-            </a:endParaRPr>
-          </a:p>
-          <a:p>
-            <a:pPr algn="l">
-              <a:buFont typeface="+mj-lt"/>
-              <a:buNone/>
-            </a:pPr>
-            <a:endParaRPr lang="zh-CN" altLang="en-US" b="0" i="0" dirty="0">
-              <a:solidFill>
-                <a:srgbClr val="FFFFFF"/>
-              </a:solidFill>
-              <a:effectLst/>
-              <a:latin typeface="-apple-system"/>
-            </a:endParaRPr>
-          </a:p>
-          <a:p>
-            <a:pPr algn="l"/>
-            <a:r>
-              <a:rPr lang="zh-CN" altLang="en-US" b="0" i="0" dirty="0">
-                <a:solidFill>
-                  <a:srgbClr val="FFFFFF"/>
-                </a:solidFill>
-                <a:effectLst/>
-                <a:latin typeface="-apple-system"/>
-              </a:rPr>
-              <a:t>缺点：</a:t>
-            </a:r>
-          </a:p>
-          <a:p>
-            <a:pPr algn="l">
-              <a:buFont typeface="+mj-lt"/>
-              <a:buAutoNum type="arabicPeriod"/>
-            </a:pPr>
-            <a:r>
-              <a:rPr lang="zh-CN" altLang="en-US" b="0" i="0" dirty="0">
-                <a:solidFill>
-                  <a:srgbClr val="FFFFFF"/>
-                </a:solidFill>
-                <a:effectLst/>
-                <a:latin typeface="-apple-system"/>
-              </a:rPr>
-              <a:t>父类与子类的紧耦合 </a:t>
-            </a:r>
-            <a:r>
-              <a:rPr lang="en-US" b="0" i="0" dirty="0">
-                <a:solidFill>
-                  <a:srgbClr val="FFFFFF"/>
-                </a:solidFill>
-                <a:effectLst/>
-                <a:latin typeface="-apple-system"/>
-              </a:rPr>
-              <a:t>Tight coupling between parent and subclasses</a:t>
-            </a:r>
-            <a:endParaRPr lang="en-US" altLang="zh-CN" b="0" i="0" dirty="0">
-              <a:solidFill>
-                <a:srgbClr val="FFFFFF"/>
-              </a:solidFill>
-              <a:effectLst/>
-              <a:latin typeface="-apple-system"/>
-            </a:endParaRPr>
-          </a:p>
-          <a:p>
-            <a:pPr algn="l">
-              <a:buFont typeface="+mj-lt"/>
-              <a:buNone/>
-            </a:pPr>
-            <a:r>
-              <a:rPr lang="en-US" altLang="zh-CN" b="0" i="0" dirty="0">
-                <a:solidFill>
-                  <a:srgbClr val="FFFFFF"/>
-                </a:solidFill>
-                <a:effectLst/>
-                <a:latin typeface="-apple-system"/>
-              </a:rPr>
-              <a:t>  </a:t>
-            </a:r>
-            <a:r>
-              <a:rPr lang="zh-CN" altLang="en-US" b="0" i="0" dirty="0">
-                <a:solidFill>
-                  <a:srgbClr val="FFFFFF"/>
-                </a:solidFill>
-                <a:effectLst/>
-                <a:latin typeface="-apple-system"/>
-              </a:rPr>
-              <a:t>模板方法模式要求子类必须遵循父类定义的算法结构，这导致了父类与子类之间的紧耦合关系。如果父类的模板方法需要修改，可能会影响到所有子类的实现，增加了系统的维护难度。</a:t>
-            </a:r>
-            <a:endParaRPr lang="en-US" altLang="zh-CN" b="0" i="0" dirty="0">
-              <a:solidFill>
-                <a:srgbClr val="FFFFFF"/>
-              </a:solidFill>
-              <a:effectLst/>
-              <a:latin typeface="-apple-system"/>
-            </a:endParaRPr>
-          </a:p>
-          <a:p>
-            <a:pPr algn="l">
-              <a:buFont typeface="+mj-lt"/>
-              <a:buNone/>
-            </a:pPr>
-            <a:endParaRPr lang="zh-CN" altLang="en-US" b="0" i="0" dirty="0">
-              <a:solidFill>
-                <a:srgbClr val="FFFFFF"/>
-              </a:solidFill>
-              <a:effectLst/>
-              <a:latin typeface="-apple-system"/>
-            </a:endParaRPr>
-          </a:p>
-          <a:p>
-            <a:pPr algn="l">
-              <a:buFont typeface="+mj-lt"/>
-              <a:buNone/>
-            </a:pPr>
-            <a:r>
-              <a:rPr lang="en-US" altLang="zh-CN" b="0" i="0" dirty="0">
-                <a:solidFill>
-                  <a:srgbClr val="FFFFFF"/>
-                </a:solidFill>
-                <a:effectLst/>
-                <a:latin typeface="-apple-system"/>
-              </a:rPr>
-              <a:t>2. </a:t>
-            </a:r>
-            <a:r>
-              <a:rPr lang="zh-CN" altLang="en-US" b="0" i="0" dirty="0">
-                <a:solidFill>
-                  <a:srgbClr val="FFFFFF"/>
-                </a:solidFill>
-                <a:effectLst/>
-                <a:latin typeface="-apple-system"/>
-              </a:rPr>
-              <a:t>限制子类的自由度</a:t>
-            </a:r>
-            <a:r>
-              <a:rPr lang="en-US" altLang="zh-CN" b="0" i="0" dirty="0">
-                <a:solidFill>
-                  <a:srgbClr val="FFFFFF"/>
-                </a:solidFill>
-                <a:effectLst/>
-                <a:latin typeface="-apple-system"/>
-              </a:rPr>
-              <a:t>/</a:t>
-            </a:r>
-            <a:r>
-              <a:rPr lang="zh-CN" altLang="en-US" b="0" i="0">
-                <a:solidFill>
-                  <a:srgbClr val="FFFFFF"/>
-                </a:solidFill>
-                <a:effectLst/>
-                <a:latin typeface="-apple-system"/>
-              </a:rPr>
-              <a:t>灵活性 </a:t>
-            </a:r>
-            <a:r>
-              <a:rPr lang="en-US" altLang="zh-CN" b="0" i="0" dirty="0">
-                <a:solidFill>
-                  <a:srgbClr val="FFFFFF"/>
-                </a:solidFill>
-                <a:effectLst/>
-                <a:latin typeface="-apple-system"/>
-              </a:rPr>
-              <a:t>Restricted flexibility for subclasses</a:t>
-            </a:r>
-          </a:p>
-          <a:p>
-            <a:pPr algn="l">
-              <a:buFont typeface="+mj-lt"/>
-              <a:buNone/>
-            </a:pPr>
-            <a:r>
-              <a:rPr lang="en-US" altLang="zh-CN" b="0" i="0" dirty="0">
-                <a:solidFill>
-                  <a:srgbClr val="FFFFFF"/>
-                </a:solidFill>
-                <a:effectLst/>
-                <a:latin typeface="-apple-system"/>
-              </a:rPr>
-              <a:t>  </a:t>
-            </a:r>
-            <a:r>
-              <a:rPr lang="zh-CN" altLang="en-US" b="0" i="0" dirty="0">
-                <a:solidFill>
-                  <a:srgbClr val="FFFFFF"/>
-                </a:solidFill>
-                <a:effectLst/>
-                <a:latin typeface="-apple-system"/>
-              </a:rPr>
-              <a:t>由于模板方法模式在父类中定义了算法的骨架，子类只能通过实现抽象方法来定制具体的细节部分。这导致子类的自由度受到一定的限制，可能无法满足一些特殊需求。</a:t>
-            </a:r>
-            <a:endParaRPr lang="en-US" altLang="zh-CN" b="0" i="0" dirty="0">
-              <a:solidFill>
-                <a:srgbClr val="FFFFFF"/>
-              </a:solidFill>
-              <a:effectLst/>
-              <a:latin typeface="-apple-system"/>
-            </a:endParaRPr>
-          </a:p>
-          <a:p>
-            <a:pPr algn="l">
-              <a:buFont typeface="+mj-lt"/>
-              <a:buNone/>
-            </a:pPr>
-            <a:endParaRPr lang="zh-CN" altLang="en-US" b="0" i="0" dirty="0">
-              <a:solidFill>
-                <a:srgbClr val="FFFFFF"/>
-              </a:solidFill>
-              <a:effectLst/>
-              <a:latin typeface="-apple-system"/>
-            </a:endParaRPr>
-          </a:p>
-          <a:p>
-            <a:pPr algn="l">
-              <a:buFont typeface="+mj-lt"/>
-              <a:buNone/>
-            </a:pPr>
-            <a:r>
-              <a:rPr lang="en-US" altLang="zh-CN" b="0" i="0" dirty="0">
-                <a:solidFill>
-                  <a:srgbClr val="FFFFFF"/>
-                </a:solidFill>
-                <a:effectLst/>
-                <a:latin typeface="-apple-system"/>
-              </a:rPr>
-              <a:t>3. </a:t>
-            </a:r>
-            <a:r>
-              <a:rPr lang="zh-CN" altLang="en-US" b="0" i="0" dirty="0">
-                <a:solidFill>
-                  <a:srgbClr val="FFFFFF"/>
-                </a:solidFill>
-                <a:effectLst/>
-                <a:latin typeface="-apple-system"/>
-              </a:rPr>
-              <a:t>潜在的复杂性 </a:t>
-            </a:r>
-            <a:r>
-              <a:rPr lang="en-US" b="0" i="0" dirty="0">
-                <a:solidFill>
-                  <a:srgbClr val="FFFFFF"/>
-                </a:solidFill>
-                <a:effectLst/>
-                <a:latin typeface="-apple-system"/>
-              </a:rPr>
-              <a:t>Potential complexity</a:t>
-            </a:r>
-            <a:endParaRPr lang="en-US" altLang="zh-CN" b="0" i="0" dirty="0">
-              <a:solidFill>
-                <a:srgbClr val="FFFFFF"/>
-              </a:solidFill>
-              <a:effectLst/>
-              <a:latin typeface="-apple-system"/>
-            </a:endParaRPr>
-          </a:p>
-          <a:p>
-            <a:pPr algn="l">
-              <a:buFont typeface="+mj-lt"/>
-              <a:buNone/>
-            </a:pPr>
-            <a:r>
-              <a:rPr lang="zh-CN" altLang="en-US" b="0" i="0" dirty="0">
-                <a:solidFill>
-                  <a:srgbClr val="FFFFFF"/>
-                </a:solidFill>
-                <a:effectLst/>
-                <a:latin typeface="-apple-system"/>
-              </a:rPr>
-              <a:t>  随着算法的复杂度增加，</a:t>
-            </a:r>
-            <a:r>
-              <a:rPr lang="en-US" altLang="zh-CN" b="0" i="0" dirty="0">
-                <a:solidFill>
-                  <a:srgbClr val="FFFFFF"/>
-                </a:solidFill>
-                <a:effectLst/>
-                <a:latin typeface="-apple-system"/>
-              </a:rPr>
-              <a:t>Concrete Class</a:t>
-            </a:r>
-            <a:r>
-              <a:rPr lang="zh-CN" altLang="en-US" b="0" i="0" dirty="0">
-                <a:solidFill>
-                  <a:srgbClr val="FFFFFF"/>
-                </a:solidFill>
-                <a:effectLst/>
-                <a:latin typeface="-apple-system"/>
-              </a:rPr>
-              <a:t>的数量增多，可能会导致代码结构变得复杂。特别是当算法中涉及到大量的可变步骤时，可能会增加代码的理解和维护难度。</a:t>
+              <a:t>在具体类中，根据需要重写父类的方法，以实现自定义的行为。</a:t>
             </a:r>
           </a:p>
           <a:p>
@@ -16271,6 +15879,9 @@
               <a:effectLst/>
               <a:latin typeface="-apple-system"/>
             </a:endParaRPr>
+          </a:p>
+          <a:p>
+            <a:endParaRPr lang="en-US" dirty="0"/>
           </a:p>
         </p:txBody>
       </p:sp>
@@ -16300,7 +15911,7 @@
     </p:spTree>
     <p:extLst>
       <p:ext uri="{BB962C8B-B14F-4D97-AF65-F5344CB8AC3E}">
-        <p14:creationId xmlns:p14="http://schemas.microsoft.com/office/powerpoint/2010/main" val="2192678123"/>
+        <p14:creationId xmlns:p14="http://schemas.microsoft.com/office/powerpoint/2010/main" val="484334021"/>
       </p:ext>
     </p:extLst>
   </p:cSld>
@@ -16354,82 +15965,516 @@
           <a:bodyPr/>
           <a:lstStyle/>
           <a:p>
-            <a:pPr defTabSz="2438430">
-              <a:lnSpc>
-                <a:spcPct val="85000"/>
-              </a:lnSpc>
-              <a:spcBef>
-                <a:spcPct val="0"/>
-              </a:spcBef>
-              <a:spcAft>
-                <a:spcPts val="1200"/>
-              </a:spcAft>
+            <a:pPr algn="l"/>
+            <a:r>
+              <a:rPr lang="zh-CN" altLang="en-US" b="0" i="0" dirty="0">
+                <a:solidFill>
+                  <a:srgbClr val="FFFFFF"/>
+                </a:solidFill>
+                <a:effectLst/>
+                <a:latin typeface="-apple-system"/>
+              </a:rPr>
+              <a:t>优点：</a:t>
+            </a:r>
+          </a:p>
+          <a:p>
+            <a:pPr algn="l">
+              <a:buFont typeface="+mj-lt"/>
+              <a:buAutoNum type="arabicPeriod"/>
             </a:pPr>
             <a:r>
-              <a:rPr lang="en-US" dirty="0"/>
-              <a:t>These are the five </a:t>
-            </a:r>
-            <a:r>
-              <a:rPr lang="en-US" sz="3200" b="1" spc="-50" dirty="0">
+              <a:rPr lang="zh-CN" altLang="en-US" b="0" i="0" dirty="0">
                 <a:solidFill>
-                  <a:schemeClr val="accent2"/>
+                  <a:srgbClr val="FFFFFF"/>
                 </a:solidFill>
-                <a:latin typeface="+mj-lt"/>
-                <a:ea typeface="+mj-ea"/>
-                <a:cs typeface="+mj-cs"/>
+                <a:effectLst/>
+                <a:latin typeface="-apple-system"/>
               </a:rPr>
-              <a:t>Structural</a:t>
-            </a:r>
-            <a:r>
-              <a:rPr lang="en-US" sz="3200" spc="-50" dirty="0">
+              <a:t>代码复用 </a:t>
+            </a:r>
+            <a:r>
+              <a:rPr lang="en-US" b="0" i="0" dirty="0">
                 <a:solidFill>
-                  <a:schemeClr val="accent2"/>
+                  <a:srgbClr val="FFFFFF"/>
                 </a:solidFill>
-                <a:latin typeface="+mj-lt"/>
-                <a:ea typeface="+mj-ea"/>
-                <a:cs typeface="+mj-cs"/>
+                <a:effectLst/>
+                <a:latin typeface="-apple-system"/>
               </a:rPr>
-              <a:t> </a:t>
-            </a:r>
-            <a:r>
-              <a:rPr lang="en-US" sz="3200" b="1" spc="-50" dirty="0">
+              <a:t>Code reuse</a:t>
+            </a:r>
+            <a:endParaRPr lang="en-US" altLang="zh-CN" b="0" i="0" dirty="0">
+              <a:solidFill>
+                <a:srgbClr val="FFFFFF"/>
+              </a:solidFill>
+              <a:effectLst/>
+              <a:latin typeface="-apple-system"/>
+            </a:endParaRPr>
+          </a:p>
+          <a:p>
+            <a:pPr algn="l">
+              <a:buFont typeface="+mj-lt"/>
+              <a:buNone/>
+            </a:pPr>
+            <a:r>
+              <a:rPr lang="zh-CN" altLang="en-US" b="0" i="0" dirty="0">
                 <a:solidFill>
-                  <a:schemeClr val="accent2"/>
+                  <a:srgbClr val="FFFFFF"/>
                 </a:solidFill>
-                <a:latin typeface="+mj-lt"/>
-                <a:ea typeface="+mj-ea"/>
-                <a:cs typeface="+mj-cs"/>
+                <a:effectLst/>
+                <a:latin typeface="-apple-system"/>
               </a:rPr>
-              <a:t>Design</a:t>
-            </a:r>
-            <a:r>
-              <a:rPr lang="en-US" sz="3200" spc="-50" dirty="0">
+              <a:t>模板方法模式可以将算法的骨架代码放在父类中，子类只需要实现具体的细节部分，从而实现代码的复用。这样可以避免重复编写相似的代码，提高了代码的可维护性和可扩展性。</a:t>
+            </a:r>
+            <a:endParaRPr lang="en-US" altLang="zh-CN" b="0" i="0" dirty="0">
+              <a:solidFill>
+                <a:srgbClr val="FFFFFF"/>
+              </a:solidFill>
+              <a:effectLst/>
+              <a:latin typeface="-apple-system"/>
+            </a:endParaRPr>
+          </a:p>
+          <a:p>
+            <a:pPr algn="l">
+              <a:buFont typeface="+mj-lt"/>
+              <a:buNone/>
+            </a:pPr>
+            <a:endParaRPr lang="en-US" altLang="zh-CN" b="0" i="0" dirty="0">
+              <a:solidFill>
+                <a:srgbClr val="FFFFFF"/>
+              </a:solidFill>
+              <a:effectLst/>
+              <a:latin typeface="-apple-system"/>
+            </a:endParaRPr>
+          </a:p>
+          <a:p>
+            <a:pPr algn="l">
+              <a:buFont typeface="+mj-lt"/>
+              <a:buNone/>
+            </a:pPr>
+            <a:r>
+              <a:rPr lang="en-US" altLang="zh-CN" b="0" i="0" dirty="0">
                 <a:solidFill>
-                  <a:schemeClr val="accent2"/>
+                  <a:srgbClr val="FFFFFF"/>
                 </a:solidFill>
-                <a:latin typeface="+mj-lt"/>
-                <a:ea typeface="+mj-ea"/>
-                <a:cs typeface="+mj-cs"/>
+                <a:effectLst/>
+                <a:latin typeface="-apple-system"/>
               </a:rPr>
-              <a:t> </a:t>
-            </a:r>
-            <a:r>
-              <a:rPr lang="en-US" sz="3200" b="1" spc="-50" dirty="0">
+              <a:t>2.</a:t>
+            </a:r>
+            <a:r>
+              <a:rPr lang="zh-CN" altLang="en-US" b="0" i="0" dirty="0">
                 <a:solidFill>
-                  <a:schemeClr val="accent2"/>
+                  <a:srgbClr val="FFFFFF"/>
                 </a:solidFill>
-                <a:latin typeface="+mj-lt"/>
-                <a:ea typeface="+mj-ea"/>
-                <a:cs typeface="+mj-cs"/>
+                <a:effectLst/>
+                <a:latin typeface="-apple-system"/>
               </a:rPr>
-              <a:t>Patterns.</a:t>
-            </a:r>
-          </a:p>
-          <a:p>
-            <a:r>
-              <a:rPr lang="en-US" dirty="0"/>
-              <a:t>I hope it can be helpful to everyone.</a:t>
-            </a:r>
+              <a:t> 提高扩展性 </a:t>
+            </a:r>
+            <a:r>
+              <a:rPr lang="en-US" altLang="zh-CN" b="0" i="0" dirty="0">
+                <a:solidFill>
+                  <a:srgbClr val="FFFFFF"/>
+                </a:solidFill>
+                <a:effectLst/>
+                <a:latin typeface="-apple-system"/>
+              </a:rPr>
+              <a:t>Increased extensibility</a:t>
+            </a:r>
+          </a:p>
+          <a:p>
+            <a:pPr algn="l">
+              <a:buFont typeface="+mj-lt"/>
+              <a:buNone/>
+            </a:pPr>
+            <a:r>
+              <a:rPr lang="zh-CN" altLang="en-US" b="0" i="0" dirty="0">
+                <a:solidFill>
+                  <a:srgbClr val="FFFFFF"/>
+                </a:solidFill>
+                <a:effectLst/>
+                <a:latin typeface="-apple-system"/>
+              </a:rPr>
+              <a:t>由于算法的整体结构已经在父类中定义，子类可以通过扩展和重写父类的方法来改变算法的具体实现，从而实现不同的行为。这样的设计使得系统更具灵活性，易于扩展和修改。</a:t>
+            </a:r>
+            <a:endParaRPr lang="en-US" altLang="zh-CN" b="0" i="0" dirty="0">
+              <a:solidFill>
+                <a:srgbClr val="FFFFFF"/>
+              </a:solidFill>
+              <a:effectLst/>
+              <a:latin typeface="-apple-system"/>
+            </a:endParaRPr>
+          </a:p>
+          <a:p>
+            <a:pPr algn="l">
+              <a:buFont typeface="+mj-lt"/>
+              <a:buNone/>
+            </a:pPr>
+            <a:endParaRPr lang="en-US" altLang="zh-CN" b="0" i="0" dirty="0">
+              <a:solidFill>
+                <a:srgbClr val="FFFFFF"/>
+              </a:solidFill>
+              <a:effectLst/>
+              <a:latin typeface="-apple-system"/>
+            </a:endParaRPr>
+          </a:p>
+          <a:p>
+            <a:pPr algn="l">
+              <a:buFont typeface="+mj-lt"/>
+              <a:buNone/>
+            </a:pPr>
+            <a:r>
+              <a:rPr lang="en-US" altLang="zh-CN" b="0" i="0" dirty="0">
+                <a:solidFill>
+                  <a:srgbClr val="FFFFFF"/>
+                </a:solidFill>
+                <a:effectLst/>
+                <a:latin typeface="-apple-system"/>
+              </a:rPr>
+              <a:t>3.</a:t>
+            </a:r>
+            <a:r>
+              <a:rPr lang="zh-CN" altLang="en-US" b="0" i="0" dirty="0">
+                <a:solidFill>
+                  <a:srgbClr val="FFFFFF"/>
+                </a:solidFill>
+                <a:effectLst/>
+                <a:latin typeface="-apple-system"/>
+              </a:rPr>
+              <a:t> 统一算法结构 </a:t>
+            </a:r>
+            <a:r>
+              <a:rPr lang="en-US" altLang="zh-CN" b="0" i="0" dirty="0">
+                <a:solidFill>
+                  <a:srgbClr val="FFFFFF"/>
+                </a:solidFill>
+                <a:effectLst/>
+                <a:latin typeface="-apple-system"/>
+              </a:rPr>
+              <a:t>Unified algorithm structure</a:t>
+            </a:r>
+          </a:p>
+          <a:p>
+            <a:pPr algn="l">
+              <a:buFont typeface="+mj-lt"/>
+              <a:buNone/>
+            </a:pPr>
+            <a:r>
+              <a:rPr lang="zh-CN" altLang="en-US" b="0" i="0" dirty="0">
+                <a:solidFill>
+                  <a:srgbClr val="FFFFFF"/>
+                </a:solidFill>
+                <a:effectLst/>
+                <a:latin typeface="-apple-system"/>
+              </a:rPr>
+              <a:t> 通过模板方法模式，可以将算法的结构统一起来，使代码更加清晰易懂。父类中的模板方法定义了算法的骨架，具体步骤由子类实现，使得算法的执行流程更加明确，易于理解和维护。</a:t>
+            </a:r>
+            <a:endParaRPr lang="en-US" altLang="zh-CN" b="0" i="0" dirty="0">
+              <a:solidFill>
+                <a:srgbClr val="FFFFFF"/>
+              </a:solidFill>
+              <a:effectLst/>
+              <a:latin typeface="-apple-system"/>
+            </a:endParaRPr>
+          </a:p>
+          <a:p>
+            <a:pPr algn="l">
+              <a:buFont typeface="+mj-lt"/>
+              <a:buNone/>
+            </a:pPr>
+            <a:endParaRPr lang="zh-CN" altLang="en-US" b="0" i="0" dirty="0">
+              <a:solidFill>
+                <a:srgbClr val="FFFFFF"/>
+              </a:solidFill>
+              <a:effectLst/>
+              <a:latin typeface="-apple-system"/>
+            </a:endParaRPr>
+          </a:p>
+          <a:p>
+            <a:pPr algn="l"/>
+            <a:r>
+              <a:rPr lang="zh-CN" altLang="en-US" b="0" i="0" dirty="0">
+                <a:solidFill>
+                  <a:srgbClr val="FFFFFF"/>
+                </a:solidFill>
+                <a:effectLst/>
+                <a:latin typeface="-apple-system"/>
+              </a:rPr>
+              <a:t>缺点：</a:t>
+            </a:r>
+          </a:p>
+          <a:p>
+            <a:pPr algn="l">
+              <a:buFont typeface="+mj-lt"/>
+              <a:buAutoNum type="arabicPeriod"/>
+            </a:pPr>
+            <a:r>
+              <a:rPr lang="zh-CN" altLang="en-US" b="0" i="0" dirty="0">
+                <a:solidFill>
+                  <a:srgbClr val="FFFFFF"/>
+                </a:solidFill>
+                <a:effectLst/>
+                <a:latin typeface="-apple-system"/>
+              </a:rPr>
+              <a:t>父类与子类的紧耦合 </a:t>
+            </a:r>
+            <a:r>
+              <a:rPr lang="en-US" b="0" i="0" dirty="0">
+                <a:solidFill>
+                  <a:srgbClr val="FFFFFF"/>
+                </a:solidFill>
+                <a:effectLst/>
+                <a:latin typeface="-apple-system"/>
+              </a:rPr>
+              <a:t>Tight coupling between parent and subclasses</a:t>
+            </a:r>
+            <a:endParaRPr lang="en-US" altLang="zh-CN" b="0" i="0" dirty="0">
+              <a:solidFill>
+                <a:srgbClr val="FFFFFF"/>
+              </a:solidFill>
+              <a:effectLst/>
+              <a:latin typeface="-apple-system"/>
+            </a:endParaRPr>
+          </a:p>
+          <a:p>
+            <a:pPr algn="l">
+              <a:buFont typeface="+mj-lt"/>
+              <a:buNone/>
+            </a:pPr>
+            <a:r>
+              <a:rPr lang="en-US" altLang="zh-CN" b="0" i="0" dirty="0">
+                <a:solidFill>
+                  <a:srgbClr val="FFFFFF"/>
+                </a:solidFill>
+                <a:effectLst/>
+                <a:latin typeface="-apple-system"/>
+              </a:rPr>
+              <a:t>  </a:t>
+            </a:r>
+            <a:r>
+              <a:rPr lang="zh-CN" altLang="en-US" b="0" i="0" dirty="0">
+                <a:solidFill>
+                  <a:srgbClr val="FFFFFF"/>
+                </a:solidFill>
+                <a:effectLst/>
+                <a:latin typeface="-apple-system"/>
+              </a:rPr>
+              <a:t>模板方法模式要求子类必须遵循父类定义的算法结构，这导致了父类与子类之间的紧耦合关系。如果父类的模板方法需要修改，可能会影响到所有子类的实现，增加了系统的维护难度。</a:t>
+            </a:r>
+            <a:endParaRPr lang="en-US" altLang="zh-CN" b="0" i="0" dirty="0">
+              <a:solidFill>
+                <a:srgbClr val="FFFFFF"/>
+              </a:solidFill>
+              <a:effectLst/>
+              <a:latin typeface="-apple-system"/>
+            </a:endParaRPr>
+          </a:p>
+          <a:p>
+            <a:pPr algn="l">
+              <a:buFont typeface="+mj-lt"/>
+              <a:buNone/>
+            </a:pPr>
+            <a:endParaRPr lang="zh-CN" altLang="en-US" b="0" i="0" dirty="0">
+              <a:solidFill>
+                <a:srgbClr val="FFFFFF"/>
+              </a:solidFill>
+              <a:effectLst/>
+              <a:latin typeface="-apple-system"/>
+            </a:endParaRPr>
+          </a:p>
+          <a:p>
+            <a:pPr algn="l">
+              <a:buFont typeface="+mj-lt"/>
+              <a:buNone/>
+            </a:pPr>
+            <a:r>
+              <a:rPr lang="en-US" altLang="zh-CN" b="0" i="0" dirty="0">
+                <a:solidFill>
+                  <a:srgbClr val="FFFFFF"/>
+                </a:solidFill>
+                <a:effectLst/>
+                <a:latin typeface="-apple-system"/>
+              </a:rPr>
+              <a:t>2. </a:t>
+            </a:r>
+            <a:r>
+              <a:rPr lang="zh-CN" altLang="en-US" b="0" i="0" dirty="0">
+                <a:solidFill>
+                  <a:srgbClr val="FFFFFF"/>
+                </a:solidFill>
+                <a:effectLst/>
+                <a:latin typeface="-apple-system"/>
+              </a:rPr>
+              <a:t>限制子类的自由度</a:t>
+            </a:r>
+            <a:r>
+              <a:rPr lang="en-US" altLang="zh-CN" b="0" i="0" dirty="0">
+                <a:solidFill>
+                  <a:srgbClr val="FFFFFF"/>
+                </a:solidFill>
+                <a:effectLst/>
+                <a:latin typeface="-apple-system"/>
+              </a:rPr>
+              <a:t>/</a:t>
+            </a:r>
+            <a:r>
+              <a:rPr lang="zh-CN" altLang="en-US" b="0" i="0">
+                <a:solidFill>
+                  <a:srgbClr val="FFFFFF"/>
+                </a:solidFill>
+                <a:effectLst/>
+                <a:latin typeface="-apple-system"/>
+              </a:rPr>
+              <a:t>灵活性 </a:t>
+            </a:r>
+            <a:r>
+              <a:rPr lang="en-US" altLang="zh-CN" b="0" i="0" dirty="0">
+                <a:solidFill>
+                  <a:srgbClr val="FFFFFF"/>
+                </a:solidFill>
+                <a:effectLst/>
+                <a:latin typeface="-apple-system"/>
+              </a:rPr>
+              <a:t>Restricted flexibility for subclasses</a:t>
+            </a:r>
+          </a:p>
+          <a:p>
+            <a:pPr algn="l">
+              <a:buFont typeface="+mj-lt"/>
+              <a:buNone/>
+            </a:pPr>
+            <a:r>
+              <a:rPr lang="en-US" altLang="zh-CN" b="0" i="0" dirty="0">
+                <a:solidFill>
+                  <a:srgbClr val="FFFFFF"/>
+                </a:solidFill>
+                <a:effectLst/>
+                <a:latin typeface="-apple-system"/>
+              </a:rPr>
+              <a:t>  </a:t>
+            </a:r>
+            <a:r>
+              <a:rPr lang="zh-CN" altLang="en-US" b="0" i="0" dirty="0">
+                <a:solidFill>
+                  <a:srgbClr val="FFFFFF"/>
+                </a:solidFill>
+                <a:effectLst/>
+                <a:latin typeface="-apple-system"/>
+              </a:rPr>
+              <a:t>由于模板方法模式在父类中定义了算法的骨架，子类只能通过实现抽象方法来定制具体的细节部分。这导致子类的自由度受到一定的限制，可能无法满足一些特殊需求。</a:t>
+            </a:r>
+            <a:endParaRPr lang="en-US" altLang="zh-CN" b="0" i="0" dirty="0">
+              <a:solidFill>
+                <a:srgbClr val="FFFFFF"/>
+              </a:solidFill>
+              <a:effectLst/>
+              <a:latin typeface="-apple-system"/>
+            </a:endParaRPr>
+          </a:p>
+          <a:p>
+            <a:pPr algn="l">
+              <a:buFont typeface="+mj-lt"/>
+              <a:buNone/>
+            </a:pPr>
+            <a:endParaRPr lang="zh-CN" altLang="en-US" b="0" i="0" dirty="0">
+              <a:solidFill>
+                <a:srgbClr val="FFFFFF"/>
+              </a:solidFill>
+              <a:effectLst/>
+              <a:latin typeface="-apple-system"/>
+            </a:endParaRPr>
+          </a:p>
+          <a:p>
+            <a:pPr algn="l">
+              <a:buFont typeface="+mj-lt"/>
+              <a:buNone/>
+            </a:pPr>
+            <a:r>
+              <a:rPr lang="en-US" altLang="zh-CN" b="0" i="0" dirty="0">
+                <a:solidFill>
+                  <a:srgbClr val="FFFFFF"/>
+                </a:solidFill>
+                <a:effectLst/>
+                <a:latin typeface="-apple-system"/>
+              </a:rPr>
+              <a:t>3. </a:t>
+            </a:r>
+            <a:r>
+              <a:rPr lang="zh-CN" altLang="en-US" b="0" i="0" dirty="0">
+                <a:solidFill>
+                  <a:srgbClr val="FFFFFF"/>
+                </a:solidFill>
+                <a:effectLst/>
+                <a:latin typeface="-apple-system"/>
+              </a:rPr>
+              <a:t>潜在的复杂性 </a:t>
+            </a:r>
+            <a:r>
+              <a:rPr lang="en-US" b="0" i="0" dirty="0">
+                <a:solidFill>
+                  <a:srgbClr val="FFFFFF"/>
+                </a:solidFill>
+                <a:effectLst/>
+                <a:latin typeface="-apple-system"/>
+              </a:rPr>
+              <a:t>Potential complexity</a:t>
+            </a:r>
+            <a:endParaRPr lang="en-US" altLang="zh-CN" b="0" i="0" dirty="0">
+              <a:solidFill>
+                <a:srgbClr val="FFFFFF"/>
+              </a:solidFill>
+              <a:effectLst/>
+              <a:latin typeface="-apple-system"/>
+            </a:endParaRPr>
+          </a:p>
+          <a:p>
+            <a:pPr algn="l">
+              <a:buFont typeface="+mj-lt"/>
+              <a:buNone/>
+            </a:pPr>
+            <a:r>
+              <a:rPr lang="zh-CN" altLang="en-US" b="0" i="0" dirty="0">
+                <a:solidFill>
+                  <a:srgbClr val="FFFFFF"/>
+                </a:solidFill>
+                <a:effectLst/>
+                <a:latin typeface="-apple-system"/>
+              </a:rPr>
+              <a:t>  随着算法的复杂度增加，</a:t>
+            </a:r>
+            <a:r>
+              <a:rPr lang="en-US" altLang="zh-CN" b="0" i="0" dirty="0">
+                <a:solidFill>
+                  <a:srgbClr val="FFFFFF"/>
+                </a:solidFill>
+                <a:effectLst/>
+                <a:latin typeface="-apple-system"/>
+              </a:rPr>
+              <a:t>Concrete Class</a:t>
+            </a:r>
+            <a:r>
+              <a:rPr lang="zh-CN" altLang="en-US" b="0" i="0" dirty="0">
+                <a:solidFill>
+                  <a:srgbClr val="FFFFFF"/>
+                </a:solidFill>
+                <a:effectLst/>
+                <a:latin typeface="-apple-system"/>
+              </a:rPr>
+              <a:t>的数量增多，可能会导致代码结构变得复杂。特别是当算法中涉及到大量的可变步骤时，可能会增加代码的理解和维护难度。</a:t>
+            </a:r>
+          </a:p>
+          <a:p>
+            <a:pPr algn="l">
+              <a:buFont typeface="+mj-lt"/>
+              <a:buAutoNum type="arabicPeriod"/>
+            </a:pPr>
+            <a:endParaRPr lang="zh-CN" altLang="en-US" b="0" i="0" dirty="0">
+              <a:solidFill>
+                <a:srgbClr val="FFFFFF"/>
+              </a:solidFill>
+              <a:effectLst/>
+              <a:latin typeface="-apple-system"/>
+            </a:endParaRPr>
           </a:p>
         </p:txBody>
       </p:sp>
@@ -16448,18 +16493,18 @@
           <a:bodyPr/>
           <a:lstStyle/>
           <a:p>
-            <a:fld id="{3960260C-8853-4159-8854-5A6834041865}" type="slidenum">
-              <a:rPr lang="en-US" smtClean="0"/>
+            <a:fld id="{01420855-62A1-43EF-8815-D1313CE67D77}" type="slidenum">
+              <a:rPr lang="en-AU" smtClean="0"/>
               <a:t>14</a:t>
             </a:fld>
-            <a:endParaRPr lang="en-US"/>
+            <a:endParaRPr lang="en-AU"/>
           </a:p>
         </p:txBody>
       </p:sp>
     </p:spTree>
     <p:extLst>
       <p:ext uri="{BB962C8B-B14F-4D97-AF65-F5344CB8AC3E}">
-        <p14:creationId xmlns:p14="http://schemas.microsoft.com/office/powerpoint/2010/main" val="2268168259"/>
+        <p14:creationId xmlns:p14="http://schemas.microsoft.com/office/powerpoint/2010/main" val="2192678123"/>
       </p:ext>
     </p:extLst>
   </p:cSld>
@@ -16513,6 +16558,165 @@
           <a:bodyPr/>
           <a:lstStyle/>
           <a:p>
+            <a:pPr defTabSz="2438430">
+              <a:lnSpc>
+                <a:spcPct val="85000"/>
+              </a:lnSpc>
+              <a:spcBef>
+                <a:spcPct val="0"/>
+              </a:spcBef>
+              <a:spcAft>
+                <a:spcPts val="1200"/>
+              </a:spcAft>
+            </a:pPr>
+            <a:r>
+              <a:rPr lang="en-US" dirty="0"/>
+              <a:t>These are the five </a:t>
+            </a:r>
+            <a:r>
+              <a:rPr lang="en-US" sz="3200" b="1" spc="-50" dirty="0">
+                <a:solidFill>
+                  <a:schemeClr val="accent2"/>
+                </a:solidFill>
+                <a:latin typeface="+mj-lt"/>
+                <a:ea typeface="+mj-ea"/>
+                <a:cs typeface="+mj-cs"/>
+              </a:rPr>
+              <a:t>Structural</a:t>
+            </a:r>
+            <a:r>
+              <a:rPr lang="en-US" sz="3200" spc="-50" dirty="0">
+                <a:solidFill>
+                  <a:schemeClr val="accent2"/>
+                </a:solidFill>
+                <a:latin typeface="+mj-lt"/>
+                <a:ea typeface="+mj-ea"/>
+                <a:cs typeface="+mj-cs"/>
+              </a:rPr>
+              <a:t> </a:t>
+            </a:r>
+            <a:r>
+              <a:rPr lang="en-US" sz="3200" b="1" spc="-50" dirty="0">
+                <a:solidFill>
+                  <a:schemeClr val="accent2"/>
+                </a:solidFill>
+                <a:latin typeface="+mj-lt"/>
+                <a:ea typeface="+mj-ea"/>
+                <a:cs typeface="+mj-cs"/>
+              </a:rPr>
+              <a:t>Design</a:t>
+            </a:r>
+            <a:r>
+              <a:rPr lang="en-US" sz="3200" spc="-50" dirty="0">
+                <a:solidFill>
+                  <a:schemeClr val="accent2"/>
+                </a:solidFill>
+                <a:latin typeface="+mj-lt"/>
+                <a:ea typeface="+mj-ea"/>
+                <a:cs typeface="+mj-cs"/>
+              </a:rPr>
+              <a:t> </a:t>
+            </a:r>
+            <a:r>
+              <a:rPr lang="en-US" sz="3200" b="1" spc="-50" dirty="0">
+                <a:solidFill>
+                  <a:schemeClr val="accent2"/>
+                </a:solidFill>
+                <a:latin typeface="+mj-lt"/>
+                <a:ea typeface="+mj-ea"/>
+                <a:cs typeface="+mj-cs"/>
+              </a:rPr>
+              <a:t>Patterns.</a:t>
+            </a:r>
+          </a:p>
+          <a:p>
+            <a:r>
+              <a:rPr lang="en-US" dirty="0"/>
+              <a:t>I hope it can be helpful to everyone.</a:t>
+            </a:r>
+          </a:p>
+        </p:txBody>
+      </p:sp>
+      <p:sp>
+        <p:nvSpPr>
+          <p:cNvPr id="4" name="Slide Number Placeholder 3"/>
+          <p:cNvSpPr>
+            <a:spLocks noGrp="1"/>
+          </p:cNvSpPr>
+          <p:nvPr>
+            <p:ph type="sldNum" sz="quarter" idx="5"/>
+          </p:nvPr>
+        </p:nvSpPr>
+        <p:spPr/>
+        <p:txBody>
+          <a:bodyPr/>
+          <a:lstStyle/>
+          <a:p>
+            <a:fld id="{3960260C-8853-4159-8854-5A6834041865}" type="slidenum">
+              <a:rPr lang="en-US" smtClean="0"/>
+              <a:t>15</a:t>
+            </a:fld>
+            <a:endParaRPr lang="en-US"/>
+          </a:p>
+        </p:txBody>
+      </p:sp>
+    </p:spTree>
+    <p:extLst>
+      <p:ext uri="{BB962C8B-B14F-4D97-AF65-F5344CB8AC3E}">
+        <p14:creationId xmlns:p14="http://schemas.microsoft.com/office/powerpoint/2010/main" val="2268168259"/>
+      </p:ext>
+    </p:extLst>
+  </p:cSld>
+  <p:clrMapOvr>
+    <a:masterClrMapping/>
+  </p:clrMapOvr>
+</p:notes>
+</file>
+
+<file path=ppt/notesSlides/notesSlide16.xml><?xml version="1.0" encoding="utf-8"?>
+<p:notes xmlns:a="http://schemas.openxmlformats.org/drawingml/2006/main" xmlns:r="http://schemas.openxmlformats.org/officeDocument/2006/relationships" xmlns:p="http://schemas.openxmlformats.org/presentationml/2006/main">
+  <p:cSld>
+    <p:spTree>
+      <p:nvGrpSpPr>
+        <p:cNvPr id="1" name=""/>
+        <p:cNvGrpSpPr/>
+        <p:nvPr/>
+      </p:nvGrpSpPr>
+      <p:grpSpPr>
+        <a:xfrm>
+          <a:off x="0" y="0"/>
+          <a:ext cx="0" cy="0"/>
+          <a:chOff x="0" y="0"/>
+          <a:chExt cx="0" cy="0"/>
+        </a:xfrm>
+      </p:grpSpPr>
+      <p:sp>
+        <p:nvSpPr>
+          <p:cNvPr id="2" name="Slide Image Placeholder 1"/>
+          <p:cNvSpPr>
+            <a:spLocks noGrp="1" noRot="1" noChangeAspect="1"/>
+          </p:cNvSpPr>
+          <p:nvPr>
+            <p:ph type="sldImg"/>
+          </p:nvPr>
+        </p:nvSpPr>
+        <p:spPr/>
+      </p:sp>
+      <p:sp>
+        <p:nvSpPr>
+          <p:cNvPr id="3" name="Notes Placeholder 2"/>
+          <p:cNvSpPr>
+            <a:spLocks noGrp="1"/>
+          </p:cNvSpPr>
+          <p:nvPr>
+            <p:ph type="body" idx="1"/>
+          </p:nvPr>
+        </p:nvSpPr>
+        <p:spPr/>
+        <p:txBody>
+          <a:bodyPr/>
+          <a:lstStyle/>
+          <a:p>
             <a:endParaRPr lang="en-AU" dirty="0"/>
           </a:p>
         </p:txBody>
@@ -16534,7 +16738,7 @@
           <a:p>
             <a:fld id="{01420855-62A1-43EF-8815-D1313CE67D77}" type="slidenum">
               <a:rPr lang="en-AU" smtClean="0"/>
-              <a:t>16</a:t>
+              <a:t>17</a:t>
             </a:fld>
             <a:endParaRPr lang="en-AU" dirty="0"/>
           </a:p>
@@ -18306,7 +18510,10 @@
           <a:bodyPr/>
           <a:lstStyle/>
           <a:p>
-            <a:pPr algn="l"/>
+            <a:pPr algn="l">
+              <a:buFont typeface="+mj-lt"/>
+              <a:buAutoNum type="arabicPeriod"/>
+            </a:pPr>
             <a:r>
               <a:rPr lang="zh-CN" altLang="en-US" b="0" i="0" dirty="0">
                 <a:solidFill>
@@ -18315,17 +18522,17 @@
                 <a:effectLst/>
                 <a:latin typeface="-apple-system"/>
               </a:rPr>
-              <a:t>观察者模式具有以下</a:t>
-            </a:r>
-            <a:r>
-              <a:rPr lang="zh-CN" altLang="en-US" b="1" i="0" dirty="0">
+              <a:t>在</a:t>
+            </a:r>
+            <a:r>
+              <a:rPr lang="en-US" altLang="zh-CN" b="0" i="0" dirty="0">
                 <a:solidFill>
                   <a:srgbClr val="FFFFFF"/>
                 </a:solidFill>
                 <a:effectLst/>
                 <a:latin typeface="-apple-system"/>
               </a:rPr>
-              <a:t>优点</a:t>
+              <a:t>C#</a:t>
             </a:r>
             <a:r>
               <a:rPr lang="zh-CN" altLang="en-US" b="0" i="0" dirty="0">
@@ -18335,14 +18542,8 @@
                 <a:effectLst/>
                 <a:latin typeface="-apple-system"/>
               </a:rPr>
-              <a:t>：</a:t>
-            </a:r>
-          </a:p>
-          <a:p>
-            <a:pPr algn="l">
-              <a:buFont typeface="+mj-lt"/>
-              <a:buNone/>
-            </a:pPr>
+              <a:t>中，事件和委托与观察者模式密切相关，</a:t>
+            </a:r>
             <a:r>
               <a:rPr lang="en-US" altLang="zh-CN" b="0" i="0" dirty="0">
                 <a:solidFill>
@@ -18351,7 +18552,7 @@
                 <a:effectLst/>
                 <a:latin typeface="-apple-system"/>
               </a:rPr>
-              <a:t>1. </a:t>
+              <a:t>C#</a:t>
             </a:r>
             <a:r>
               <a:rPr lang="zh-CN" altLang="en-US" b="0" i="0" dirty="0">
@@ -18361,55 +18562,19 @@
                 <a:effectLst/>
                 <a:latin typeface="-apple-system"/>
               </a:rPr>
-              <a:t>松耦合 </a:t>
-            </a:r>
-            <a:r>
-              <a:rPr lang="en-US" altLang="zh-CN" b="0" i="0" dirty="0">
+              <a:t>中的事件和委托提供了一种方便的方式来实现观察者模式的</a:t>
+            </a:r>
+            <a:r>
+              <a:rPr lang="zh-CN" altLang="en-US" b="0" i="0">
                 <a:solidFill>
                   <a:srgbClr val="FFFFFF"/>
                 </a:solidFill>
                 <a:effectLst/>
                 <a:latin typeface="-apple-system"/>
               </a:rPr>
-              <a:t>L</a:t>
-            </a:r>
-            <a:r>
-              <a:rPr lang="en-US" b="0" i="0" dirty="0">
-                <a:solidFill>
-                  <a:srgbClr val="E8EAED"/>
-                </a:solidFill>
-                <a:effectLst/>
-                <a:latin typeface="consolas" panose="020B0609020204030204" pitchFamily="49" charset="0"/>
-              </a:rPr>
-              <a:t>oose coupling between the subject and observers.</a:t>
-            </a:r>
-          </a:p>
-          <a:p>
-            <a:pPr algn="l">
-              <a:buFont typeface="+mj-lt"/>
-              <a:buNone/>
-            </a:pPr>
-            <a:r>
-              <a:rPr lang="en-US" altLang="zh-CN" b="0" i="0" dirty="0">
-                <a:solidFill>
-                  <a:srgbClr val="FFFFFF"/>
-                </a:solidFill>
-                <a:effectLst/>
-                <a:latin typeface="-apple-system"/>
-              </a:rPr>
-              <a:t>    </a:t>
-            </a:r>
-            <a:r>
-              <a:rPr lang="zh-CN" altLang="en-US" b="0" i="0" dirty="0">
-                <a:solidFill>
-                  <a:srgbClr val="FFFFFF"/>
-                </a:solidFill>
-                <a:effectLst/>
-                <a:latin typeface="-apple-system"/>
-              </a:rPr>
-              <a:t>观察者模式将主题和观察者解耦，它们之间通过抽象的接口进行通信，主题不需要知道观察者的具体实现。这种松耦合的设计使得主题和观察者可以独立地进行扩展和修改。</a:t>
-            </a:r>
-            <a:endParaRPr lang="en-US" altLang="zh-CN" b="0" i="0" dirty="0">
+              <a:t>，即事件的绑定和触发</a:t>
+            </a:r>
+            <a:endParaRPr lang="zh-CN" altLang="en-US" b="0" i="0" dirty="0">
               <a:solidFill>
                 <a:srgbClr val="FFFFFF"/>
               </a:solidFill>
@@ -18436,16 +18601,6 @@
               <a:buNone/>
             </a:pPr>
             <a:r>
-              <a:rPr lang="en-US" altLang="zh-CN" b="0" i="0" dirty="0">
-                <a:solidFill>
-                  <a:srgbClr val="FFFFFF"/>
-                </a:solidFill>
-                <a:effectLst/>
-                <a:latin typeface="-apple-system"/>
-              </a:rPr>
-              <a:t>2. </a:t>
-            </a:r>
-            <a:r>
               <a:rPr lang="zh-CN" altLang="en-US" b="0" i="0" dirty="0">
                 <a:solidFill>
                   <a:srgbClr val="FFFFFF"/>
@@ -18453,31 +18608,12 @@
                 <a:effectLst/>
                 <a:latin typeface="-apple-system"/>
               </a:rPr>
-              <a:t>一对多的依赖关系 </a:t>
-            </a:r>
-            <a:r>
-              <a:rPr lang="en-US" b="0" i="0" dirty="0">
-                <a:solidFill>
-                  <a:srgbClr val="E8EAED"/>
-                </a:solidFill>
-                <a:effectLst/>
-                <a:latin typeface="consolas" panose="020B0609020204030204" pitchFamily="49" charset="0"/>
-              </a:rPr>
-              <a:t>One to many dependencies.</a:t>
-            </a:r>
-            <a:endParaRPr lang="en-US" altLang="zh-CN" b="0" i="0" dirty="0">
-              <a:solidFill>
-                <a:srgbClr val="FFFFFF"/>
-              </a:solidFill>
-              <a:effectLst/>
-              <a:latin typeface="-apple-system"/>
-            </a:endParaRPr>
-          </a:p>
-          <a:p>
-            <a:pPr algn="l">
-              <a:buFont typeface="+mj-lt"/>
-              <a:buNone/>
-            </a:pPr>
+              <a:t>使用</a:t>
+            </a:r>
+            <a:r>
+              <a:rPr lang="en-US" altLang="zh-CN" dirty="0"/>
+              <a:t>+=</a:t>
+            </a:r>
             <a:r>
               <a:rPr lang="zh-CN" altLang="en-US" b="0" i="0" dirty="0">
                 <a:solidFill>
@@ -18486,96 +18622,7 @@
                 <a:effectLst/>
                 <a:latin typeface="-apple-system"/>
               </a:rPr>
-              <a:t>    观察者模式支持一对多的依赖关系，一个主题可以有多个观察者。这意味着当主题的状态发生变化时，所有观察者都能够接收到通知并进行相应的处理。</a:t>
-            </a:r>
-            <a:endParaRPr lang="en-US" altLang="zh-CN" b="0" i="0" dirty="0">
-              <a:solidFill>
-                <a:srgbClr val="FFFFFF"/>
-              </a:solidFill>
-              <a:effectLst/>
-              <a:latin typeface="-apple-system"/>
-            </a:endParaRPr>
-          </a:p>
-          <a:p>
-            <a:pPr algn="l">
-              <a:buFont typeface="+mj-lt"/>
-              <a:buNone/>
-            </a:pPr>
-            <a:endParaRPr lang="zh-CN" altLang="en-US" b="0" i="0" dirty="0">
-              <a:solidFill>
-                <a:srgbClr val="FFFFFF"/>
-              </a:solidFill>
-              <a:effectLst/>
-              <a:latin typeface="-apple-system"/>
-            </a:endParaRPr>
-          </a:p>
-          <a:p>
-            <a:pPr algn="l">
-              <a:buFont typeface="+mj-lt"/>
-              <a:buNone/>
-            </a:pPr>
-            <a:r>
-              <a:rPr lang="en-US" altLang="zh-CN" b="0" i="0" dirty="0">
-                <a:solidFill>
-                  <a:srgbClr val="FFFFFF"/>
-                </a:solidFill>
-                <a:effectLst/>
-                <a:latin typeface="-apple-system"/>
-              </a:rPr>
-              <a:t>3.</a:t>
-            </a:r>
-            <a:r>
-              <a:rPr lang="zh-CN" altLang="en-US" b="0" i="0" dirty="0">
-                <a:solidFill>
-                  <a:srgbClr val="FFFFFF"/>
-                </a:solidFill>
-                <a:effectLst/>
-                <a:latin typeface="-apple-system"/>
-              </a:rPr>
-              <a:t> 动态添加和删除观察者</a:t>
-            </a:r>
-            <a:r>
-              <a:rPr lang="en-US" altLang="zh-CN" b="0" i="0" dirty="0">
-                <a:solidFill>
-                  <a:srgbClr val="FFFFFF"/>
-                </a:solidFill>
-                <a:effectLst/>
-                <a:latin typeface="-apple-system"/>
-              </a:rPr>
-              <a:t> </a:t>
-            </a:r>
-            <a:r>
-              <a:rPr lang="en-US" b="0" i="0" dirty="0">
-                <a:solidFill>
-                  <a:srgbClr val="E8EAED"/>
-                </a:solidFill>
-                <a:effectLst/>
-                <a:latin typeface="consolas" panose="020B0609020204030204" pitchFamily="49" charset="0"/>
-              </a:rPr>
-              <a:t>Dynamically adding and removing observers.</a:t>
-            </a:r>
-            <a:endParaRPr lang="en-US" altLang="zh-CN" b="0" i="0" dirty="0">
-              <a:solidFill>
-                <a:srgbClr val="FFFFFF"/>
-              </a:solidFill>
-              <a:effectLst/>
-              <a:latin typeface="-apple-system"/>
-            </a:endParaRPr>
-          </a:p>
-          <a:p>
-            <a:pPr algn="l">
-              <a:buFont typeface="+mj-lt"/>
-              <a:buNone/>
-            </a:pPr>
-            <a:r>
-              <a:rPr lang="zh-CN" altLang="en-US" b="0" i="0" dirty="0">
-                <a:solidFill>
-                  <a:srgbClr val="FFFFFF"/>
-                </a:solidFill>
-                <a:effectLst/>
-                <a:latin typeface="-apple-system"/>
-              </a:rPr>
-              <a:t>    观察者模式允许在运行时动态地添加和删除观察者，主题和观察者之间的关系是动态的。这种灵活性使得系统的设计更加可扩展和可维护。</a:t>
+              <a:t>操作符手动绑定事件处理程序</a:t>
             </a:r>
             <a:endParaRPr lang="en-US" altLang="zh-CN" b="0" i="0" dirty="0">
               <a:solidFill>
@@ -18599,7 +18646,10 @@
             </a:endParaRPr>
           </a:p>
           <a:p>
-            <a:pPr algn="l"/>
+            <a:pPr algn="l">
+              <a:buFont typeface="+mj-lt"/>
+              <a:buNone/>
+            </a:pPr>
             <a:r>
               <a:rPr lang="zh-CN" altLang="en-US" b="0" i="0" dirty="0">
                 <a:solidFill>
@@ -18608,17 +18658,17 @@
                 <a:effectLst/>
                 <a:latin typeface="-apple-system"/>
               </a:rPr>
-              <a:t>观察者模式也存在一些</a:t>
-            </a:r>
-            <a:r>
-              <a:rPr lang="zh-CN" altLang="en-US" b="1" i="0" dirty="0">
+              <a:t>事件（</a:t>
+            </a:r>
+            <a:r>
+              <a:rPr lang="en-US" altLang="zh-CN" b="0" i="0" dirty="0">
                 <a:solidFill>
                   <a:srgbClr val="FFFFFF"/>
                 </a:solidFill>
                 <a:effectLst/>
                 <a:latin typeface="-apple-system"/>
               </a:rPr>
-              <a:t>缺点</a:t>
+              <a:t>Event</a:t>
             </a:r>
             <a:r>
               <a:rPr lang="zh-CN" altLang="en-US" b="0" i="0" dirty="0">
@@ -18628,18 +18678,24 @@
                 <a:effectLst/>
                 <a:latin typeface="-apple-system"/>
               </a:rPr>
-              <a:t>：</a:t>
-            </a:r>
-            <a:endParaRPr lang="en-US" altLang="zh-CN" b="0" i="0" dirty="0">
-              <a:solidFill>
-                <a:srgbClr val="FFFFFF"/>
-              </a:solidFill>
-              <a:effectLst/>
-              <a:latin typeface="-apple-system"/>
-            </a:endParaRPr>
-          </a:p>
-          <a:p>
-            <a:pPr algn="l"/>
+              <a:t>）是一种特殊类型的委托，它定义了一种机制，允许对象在特定情况下通知其他对象发生的事件。在观察者模式中，主题通常会声明一个事件，用于通知观察者主题状态的变化。</a:t>
+            </a:r>
+          </a:p>
+          <a:p>
+            <a:pPr algn="l">
+              <a:buFont typeface="+mj-lt"/>
+              <a:buNone/>
+            </a:pPr>
+            <a:r>
+              <a:rPr lang="zh-CN" altLang="en-US" b="0" i="0" dirty="0">
+                <a:solidFill>
+                  <a:srgbClr val="FFFFFF"/>
+                </a:solidFill>
+                <a:effectLst/>
+                <a:latin typeface="-apple-system"/>
+              </a:rPr>
+              <a:t>委托（</a:t>
+            </a:r>
             <a:r>
               <a:rPr lang="en-US" altLang="zh-CN" b="0" i="0" dirty="0">
                 <a:solidFill>
@@ -18648,7 +18704,7 @@
                 <a:effectLst/>
                 <a:latin typeface="-apple-system"/>
               </a:rPr>
-              <a:t>1. </a:t>
+              <a:t>Delegate</a:t>
             </a:r>
             <a:r>
               <a:rPr lang="zh-CN" altLang="en-US" b="0" i="0" dirty="0">
@@ -18658,57 +18714,8 @@
                 <a:effectLst/>
                 <a:latin typeface="-apple-system"/>
               </a:rPr>
-              <a:t>观察者过多导致性能问题：当观察者过多时，主题在通知所有观察者时可能会导致性能问题，特别是当观察者的处理逻辑较为复杂或者通知频繁时。</a:t>
-            </a:r>
-            <a:endParaRPr lang="en-US" altLang="zh-CN" b="0" i="0" dirty="0">
-              <a:solidFill>
-                <a:srgbClr val="FFFFFF"/>
-              </a:solidFill>
-              <a:effectLst/>
-              <a:latin typeface="-apple-system"/>
-            </a:endParaRPr>
-          </a:p>
-          <a:p>
-            <a:pPr algn="l">
-              <a:buFont typeface="+mj-lt"/>
-              <a:buAutoNum type="arabicPeriod"/>
-            </a:pPr>
-            <a:endParaRPr lang="en-US" altLang="zh-CN" b="0" i="0" dirty="0">
-              <a:solidFill>
-                <a:srgbClr val="FFFFFF"/>
-              </a:solidFill>
-              <a:effectLst/>
-              <a:latin typeface="-apple-system"/>
-            </a:endParaRPr>
-          </a:p>
-          <a:p>
-            <a:pPr algn="l">
-              <a:buFont typeface="+mj-lt"/>
-              <a:buNone/>
-            </a:pPr>
-            <a:r>
-              <a:rPr lang="en-US" altLang="zh-CN" b="0" i="0" dirty="0">
-                <a:solidFill>
-                  <a:srgbClr val="FFFFFF"/>
-                </a:solidFill>
-                <a:effectLst/>
-                <a:latin typeface="-apple-system"/>
-              </a:rPr>
-              <a:t>2.</a:t>
-            </a:r>
-            <a:r>
-              <a:rPr lang="zh-CN" altLang="en-US" b="0" i="0" dirty="0">
-                <a:solidFill>
-                  <a:srgbClr val="FFFFFF"/>
-                </a:solidFill>
-                <a:effectLst/>
-                <a:latin typeface="-apple-system"/>
-              </a:rPr>
-              <a:t> 循环依赖问题：在观察者模式中，观察者和主题之间存在双向依赖关系。如果设计不当，可能会导致循环依赖的问题，使系统变得复杂并增加了维护的难度。</a:t>
-            </a:r>
-          </a:p>
-          <a:p>
-            <a:endParaRPr lang="en-US" dirty="0"/>
+              <a:t>）是一种类型安全的函数指针，它可以引用一个或多个方法，并允许将方法作为参数传递、存储和调用。在观察者模式中，委托常用于定义观察者的更新方法，即在主题状态变化时要执行的操作</a:t>
+            </a:r>
           </a:p>
         </p:txBody>
       </p:sp>
@@ -18738,7 +18745,7 @@
     </p:spTree>
     <p:extLst>
       <p:ext uri="{BB962C8B-B14F-4D97-AF65-F5344CB8AC3E}">
-        <p14:creationId xmlns:p14="http://schemas.microsoft.com/office/powerpoint/2010/main" val="2777593339"/>
+        <p14:creationId xmlns:p14="http://schemas.microsoft.com/office/powerpoint/2010/main" val="3240177774"/>
       </p:ext>
     </p:extLst>
   </p:cSld>
@@ -18792,6 +18799,7 @@
           <a:bodyPr/>
           <a:lstStyle/>
           <a:p>
+            <a:pPr algn="l"/>
             <a:r>
               <a:rPr lang="zh-CN" altLang="en-US" b="0" i="0" dirty="0">
                 <a:solidFill>
@@ -18800,7 +18808,99 @@
                 <a:effectLst/>
                 <a:latin typeface="-apple-system"/>
               </a:rPr>
-              <a:t>策略模式允许你定义一系列可互相替换的算法或策略，并根据不同的情况选择使用其中的一个。这种模式可以提高代码的灵活性和可维护性。</a:t>
+              <a:t>观察者模式具有以下</a:t>
+            </a:r>
+            <a:r>
+              <a:rPr lang="zh-CN" altLang="en-US" b="1" i="0" dirty="0">
+                <a:solidFill>
+                  <a:srgbClr val="FFFFFF"/>
+                </a:solidFill>
+                <a:effectLst/>
+                <a:latin typeface="-apple-system"/>
+              </a:rPr>
+              <a:t>优点</a:t>
+            </a:r>
+            <a:r>
+              <a:rPr lang="zh-CN" altLang="en-US" b="0" i="0" dirty="0">
+                <a:solidFill>
+                  <a:srgbClr val="FFFFFF"/>
+                </a:solidFill>
+                <a:effectLst/>
+                <a:latin typeface="-apple-system"/>
+              </a:rPr>
+              <a:t>：</a:t>
+            </a:r>
+          </a:p>
+          <a:p>
+            <a:pPr algn="l">
+              <a:buFont typeface="+mj-lt"/>
+              <a:buNone/>
+            </a:pPr>
+            <a:r>
+              <a:rPr lang="en-US" altLang="zh-CN" b="0" i="0" dirty="0">
+                <a:solidFill>
+                  <a:srgbClr val="FFFFFF"/>
+                </a:solidFill>
+                <a:effectLst/>
+                <a:latin typeface="-apple-system"/>
+              </a:rPr>
+              <a:t>1. </a:t>
+            </a:r>
+            <a:r>
+              <a:rPr lang="zh-CN" altLang="en-US" b="0" i="0" dirty="0">
+                <a:solidFill>
+                  <a:srgbClr val="FFFFFF"/>
+                </a:solidFill>
+                <a:effectLst/>
+                <a:latin typeface="-apple-system"/>
+              </a:rPr>
+              <a:t>松耦合 </a:t>
+            </a:r>
+            <a:r>
+              <a:rPr lang="en-US" altLang="zh-CN" b="0" i="0" dirty="0">
+                <a:solidFill>
+                  <a:srgbClr val="FFFFFF"/>
+                </a:solidFill>
+                <a:effectLst/>
+                <a:latin typeface="-apple-system"/>
+              </a:rPr>
+              <a:t>L</a:t>
+            </a:r>
+            <a:r>
+              <a:rPr lang="en-US" b="0" i="0" dirty="0">
+                <a:solidFill>
+                  <a:srgbClr val="E8EAED"/>
+                </a:solidFill>
+                <a:effectLst/>
+                <a:latin typeface="consolas" panose="020B0609020204030204" pitchFamily="49" charset="0"/>
+              </a:rPr>
+              <a:t>oose coupling between the subject and observers.</a:t>
+            </a:r>
+          </a:p>
+          <a:p>
+            <a:pPr algn="l">
+              <a:buFont typeface="+mj-lt"/>
+              <a:buNone/>
+            </a:pPr>
+            <a:r>
+              <a:rPr lang="en-US" altLang="zh-CN" b="0" i="0" dirty="0">
+                <a:solidFill>
+                  <a:srgbClr val="FFFFFF"/>
+                </a:solidFill>
+                <a:effectLst/>
+                <a:latin typeface="-apple-system"/>
+              </a:rPr>
+              <a:t>    </a:t>
+            </a:r>
+            <a:r>
+              <a:rPr lang="zh-CN" altLang="en-US" b="0" i="0" dirty="0">
+                <a:solidFill>
+                  <a:srgbClr val="FFFFFF"/>
+                </a:solidFill>
+                <a:effectLst/>
+                <a:latin typeface="-apple-system"/>
+              </a:rPr>
+              <a:t>观察者模式将主题和观察者解耦，它们之间通过抽象的接口进行通信，主题不需要知道观察者的具体实现。这种松耦合的设计使得主题和观察者可以独立地进行扩展和修改。</a:t>
             </a:r>
             <a:endParaRPr lang="en-US" altLang="zh-CN" b="0" i="0" dirty="0">
               <a:solidFill>
@@ -18811,7 +18911,11 @@
             </a:endParaRPr>
           </a:p>
           <a:p>
-            <a:endParaRPr lang="en-US" b="0" i="0" dirty="0">
+            <a:pPr algn="l">
+              <a:buFont typeface="+mj-lt"/>
+              <a:buNone/>
+            </a:pPr>
+            <a:endParaRPr lang="en-US" altLang="zh-CN" b="0" i="0" dirty="0">
               <a:solidFill>
                 <a:srgbClr val="FFFFFF"/>
               </a:solidFill>
@@ -18820,6 +18924,20 @@
             </a:endParaRPr>
           </a:p>
           <a:p>
+            <a:pPr algn="l">
+              <a:buFont typeface="+mj-lt"/>
+              <a:buNone/>
+            </a:pPr>
+            <a:r>
+              <a:rPr lang="en-US" altLang="zh-CN" b="0" i="0" dirty="0">
+                <a:solidFill>
+                  <a:srgbClr val="FFFFFF"/>
+                </a:solidFill>
+                <a:effectLst/>
+                <a:latin typeface="-apple-system"/>
+              </a:rPr>
+              <a:t>2. </a:t>
+            </a:r>
             <a:r>
               <a:rPr lang="zh-CN" altLang="en-US" b="0" i="0" dirty="0">
                 <a:solidFill>
@@ -18828,7 +18946,17 @@
                 <a:effectLst/>
                 <a:latin typeface="-apple-system"/>
               </a:rPr>
-              <a:t>提供一个现实生活中的例子， 比方说国庆节要到了，大家肯定在计划着出去玩， 那么根据目的地的不同，交通方式就有很多选择</a:t>
+              <a:t>一对多的依赖关系 </a:t>
+            </a:r>
+            <a:r>
+              <a:rPr lang="en-US" b="0" i="0" dirty="0">
+                <a:solidFill>
+                  <a:srgbClr val="E8EAED"/>
+                </a:solidFill>
+                <a:effectLst/>
+                <a:latin typeface="consolas" panose="020B0609020204030204" pitchFamily="49" charset="0"/>
+              </a:rPr>
+              <a:t>One to many dependencies.</a:t>
             </a:r>
             <a:endParaRPr lang="en-US" altLang="zh-CN" b="0" i="0" dirty="0">
               <a:solidFill>
@@ -18839,6 +18967,10 @@
             </a:endParaRPr>
           </a:p>
           <a:p>
+            <a:pPr algn="l">
+              <a:buFont typeface="+mj-lt"/>
+              <a:buNone/>
+            </a:pPr>
             <a:r>
               <a:rPr lang="zh-CN" altLang="en-US" b="0" i="0" dirty="0">
                 <a:solidFill>
@@ -18847,7 +18979,7 @@
                 <a:effectLst/>
                 <a:latin typeface="-apple-system"/>
               </a:rPr>
-              <a:t>如果距离比较远，需要跨省，那我们大概率会选择坐飞机， 或者是高铁</a:t>
+              <a:t>    观察者模式支持一对多的依赖关系，一个主题可以有多个观察者。这意味着当主题的状态发生变化时，所有观察者都能够接收到通知并进行相应的处理。</a:t>
             </a:r>
             <a:endParaRPr lang="en-US" altLang="zh-CN" b="0" i="0" dirty="0">
               <a:solidFill>
@@ -18858,6 +18990,33 @@
             </a:endParaRPr>
           </a:p>
           <a:p>
+            <a:pPr algn="l">
+              <a:buFont typeface="+mj-lt"/>
+              <a:buNone/>
+            </a:pPr>
+            <a:endParaRPr lang="zh-CN" altLang="en-US" b="0" i="0" dirty="0">
+              <a:solidFill>
+                <a:srgbClr val="FFFFFF"/>
+              </a:solidFill>
+              <a:effectLst/>
+              <a:latin typeface="-apple-system"/>
+            </a:endParaRPr>
+          </a:p>
+          <a:p>
+            <a:pPr algn="l">
+              <a:buFont typeface="+mj-lt"/>
+              <a:buNone/>
+            </a:pPr>
+            <a:r>
+              <a:rPr lang="en-US" altLang="zh-CN" b="0" i="0" dirty="0">
+                <a:solidFill>
+                  <a:srgbClr val="FFFFFF"/>
+                </a:solidFill>
+                <a:effectLst/>
+                <a:latin typeface="-apple-system"/>
+              </a:rPr>
+              <a:t>3.</a:t>
+            </a:r>
             <a:r>
               <a:rPr lang="zh-CN" altLang="en-US" b="0" i="0" dirty="0">
                 <a:solidFill>
@@ -18866,7 +19025,27 @@
                 <a:effectLst/>
                 <a:latin typeface="-apple-system"/>
               </a:rPr>
-              <a:t>如果只是想在你生活的位置附近逛逛，然后想要经济实惠一点的话，那我们可以选择搭公交，骑自行车</a:t>
+              <a:t> 动态添加和删除观察者</a:t>
+            </a:r>
+            <a:r>
+              <a:rPr lang="en-US" altLang="zh-CN" b="0" i="0" dirty="0">
+                <a:solidFill>
+                  <a:srgbClr val="FFFFFF"/>
+                </a:solidFill>
+                <a:effectLst/>
+                <a:latin typeface="-apple-system"/>
+              </a:rPr>
+              <a:t> </a:t>
+            </a:r>
+            <a:r>
+              <a:rPr lang="en-US" b="0" i="0" dirty="0">
+                <a:solidFill>
+                  <a:srgbClr val="E8EAED"/>
+                </a:solidFill>
+                <a:effectLst/>
+                <a:latin typeface="consolas" panose="020B0609020204030204" pitchFamily="49" charset="0"/>
+              </a:rPr>
+              <a:t>Dynamically adding and removing observers.</a:t>
             </a:r>
             <a:endParaRPr lang="en-US" altLang="zh-CN" b="0" i="0" dirty="0">
               <a:solidFill>
@@ -18877,6 +19056,10 @@
             </a:endParaRPr>
           </a:p>
           <a:p>
+            <a:pPr algn="l">
+              <a:buFont typeface="+mj-lt"/>
+              <a:buNone/>
+            </a:pPr>
             <a:r>
               <a:rPr lang="zh-CN" altLang="en-US" b="0" i="0" dirty="0">
                 <a:solidFill>
@@ -18885,7 +19068,7 @@
                 <a:effectLst/>
                 <a:latin typeface="-apple-system"/>
               </a:rPr>
-              <a:t>然后如果赶时间，可以打的</a:t>
+              <a:t>    观察者模式允许在运行时动态地添加和删除观察者，主题和观察者之间的关系是动态的。这种灵活性使得系统的设计更加可扩展和可维护。</a:t>
             </a:r>
             <a:endParaRPr lang="en-US" altLang="zh-CN" b="0" i="0" dirty="0">
               <a:solidFill>
@@ -18896,6 +19079,50 @@
             </a:endParaRPr>
           </a:p>
           <a:p>
+            <a:pPr algn="l">
+              <a:buFont typeface="+mj-lt"/>
+              <a:buAutoNum type="arabicPeriod"/>
+            </a:pPr>
+            <a:endParaRPr lang="zh-CN" altLang="en-US" b="0" i="0" dirty="0">
+              <a:solidFill>
+                <a:srgbClr val="FFFFFF"/>
+              </a:solidFill>
+              <a:effectLst/>
+              <a:latin typeface="-apple-system"/>
+            </a:endParaRPr>
+          </a:p>
+          <a:p>
+            <a:pPr algn="l"/>
+            <a:r>
+              <a:rPr lang="zh-CN" altLang="en-US" b="0" i="0" dirty="0">
+                <a:solidFill>
+                  <a:srgbClr val="FFFFFF"/>
+                </a:solidFill>
+                <a:effectLst/>
+                <a:latin typeface="-apple-system"/>
+              </a:rPr>
+              <a:t>观察者模式也存在一些</a:t>
+            </a:r>
+            <a:r>
+              <a:rPr lang="zh-CN" altLang="en-US" b="1" i="0" dirty="0">
+                <a:solidFill>
+                  <a:srgbClr val="FFFFFF"/>
+                </a:solidFill>
+                <a:effectLst/>
+                <a:latin typeface="-apple-system"/>
+              </a:rPr>
+              <a:t>缺点</a:t>
+            </a:r>
+            <a:r>
+              <a:rPr lang="zh-CN" altLang="en-US" b="0" i="0" dirty="0">
+                <a:solidFill>
+                  <a:srgbClr val="FFFFFF"/>
+                </a:solidFill>
+                <a:effectLst/>
+                <a:latin typeface="-apple-system"/>
+              </a:rPr>
+              <a:t>：</a:t>
+            </a:r>
             <a:endParaRPr lang="en-US" altLang="zh-CN" b="0" i="0" dirty="0">
               <a:solidFill>
                 <a:srgbClr val="FFFFFF"/>
@@ -18905,6 +19132,17 @@
             </a:endParaRPr>
           </a:p>
           <a:p>
+            <a:pPr algn="l"/>
+            <a:r>
+              <a:rPr lang="en-US" altLang="zh-CN" b="0" i="0" dirty="0">
+                <a:solidFill>
+                  <a:srgbClr val="FFFFFF"/>
+                </a:solidFill>
+                <a:effectLst/>
+                <a:latin typeface="-apple-system"/>
+              </a:rPr>
+              <a:t>1. </a:t>
+            </a:r>
             <a:r>
               <a:rPr lang="zh-CN" altLang="en-US" b="0" i="0" dirty="0">
                 <a:solidFill>
@@ -18913,7 +19151,7 @@
                 <a:effectLst/>
                 <a:latin typeface="-apple-system"/>
               </a:rPr>
-              <a:t>我们可以需要根据实际情况 采用不同的策略</a:t>
+              <a:t>观察者过多导致性能问题：当观察者过多时，主题在通知所有观察者时可能会导致性能问题，特别是当观察者的处理逻辑较为复杂或者通知频繁时。</a:t>
             </a:r>
             <a:endParaRPr lang="en-US" altLang="zh-CN" b="0" i="0" dirty="0">
               <a:solidFill>
@@ -18924,7 +19162,11 @@
             </a:endParaRPr>
           </a:p>
           <a:p>
-            <a:endParaRPr lang="en-US" b="0" i="0" dirty="0">
+            <a:pPr algn="l">
+              <a:buFont typeface="+mj-lt"/>
+              <a:buAutoNum type="arabicPeriod"/>
+            </a:pPr>
+            <a:endParaRPr lang="en-US" altLang="zh-CN" b="0" i="0" dirty="0">
               <a:solidFill>
                 <a:srgbClr val="FFFFFF"/>
               </a:solidFill>
@@ -18933,6 +19175,20 @@
             </a:endParaRPr>
           </a:p>
           <a:p>
+            <a:pPr algn="l">
+              <a:buFont typeface="+mj-lt"/>
+              <a:buNone/>
+            </a:pPr>
+            <a:r>
+              <a:rPr lang="en-US" altLang="zh-CN" b="0" i="0" dirty="0">
+                <a:solidFill>
+                  <a:srgbClr val="FFFFFF"/>
+                </a:solidFill>
+                <a:effectLst/>
+                <a:latin typeface="-apple-system"/>
+              </a:rPr>
+              <a:t>2.</a:t>
+            </a:r>
             <a:r>
               <a:rPr lang="zh-CN" altLang="en-US" b="0" i="0" dirty="0">
                 <a:solidFill>
@@ -18941,28 +19197,8 @@
                 <a:effectLst/>
                 <a:latin typeface="-apple-system"/>
               </a:rPr>
-              <a:t>提供一个现实生活中的例子：以购物为例，假设你正在开发一个电子商务网站，用户可以选择不同的支付方式，如信用卡支付、支付宝、微信支付等。</a:t>
-            </a:r>
-            <a:endParaRPr lang="en-US" altLang="zh-CN" b="0" i="0" dirty="0">
-              <a:solidFill>
-                <a:srgbClr val="FFFFFF"/>
-              </a:solidFill>
-              <a:effectLst/>
-              <a:latin typeface="-apple-system"/>
-            </a:endParaRPr>
-          </a:p>
-          <a:p>
-            <a:r>
-              <a:rPr lang="zh-CN" altLang="en-US" b="0" i="0" dirty="0">
-                <a:solidFill>
-                  <a:srgbClr val="FFFFFF"/>
-                </a:solidFill>
-                <a:effectLst/>
-                <a:latin typeface="-apple-system"/>
-              </a:rPr>
-              <a:t>在这种情况下，你可以使用策略模式来实现支付功能。每种支付方式可以定义为一个策略，用户可以根据自己的需求选择不同的支付策略。</a:t>
-            </a:r>
-            <a:endParaRPr lang="en-US" dirty="0"/>
+              <a:t> 循环依赖问题：在观察者模式中，观察者和主题之间存在双向依赖关系。如果设计不当，可能会导致循环依赖的问题，使系统变得复杂并增加了维护的难度。</a:t>
+            </a:r>
           </a:p>
           <a:p>
             <a:endParaRPr lang="en-US" dirty="0"/>
@@ -18995,7 +19231,7 @@
     </p:spTree>
     <p:extLst>
       <p:ext uri="{BB962C8B-B14F-4D97-AF65-F5344CB8AC3E}">
-        <p14:creationId xmlns:p14="http://schemas.microsoft.com/office/powerpoint/2010/main" val="1566094746"/>
+        <p14:creationId xmlns:p14="http://schemas.microsoft.com/office/powerpoint/2010/main" val="2777593339"/>
       </p:ext>
     </p:extLst>
   </p:cSld>
@@ -19049,114 +19285,175 @@
           <a:bodyPr/>
           <a:lstStyle/>
           <a:p>
-            <a:pPr marL="0" marR="0" lvl="0" indent="0" algn="l" defTabSz="2438339" rtl="0" eaLnBrk="1" fontAlgn="auto" latinLnBrk="0" hangingPunct="1">
-              <a:lnSpc>
-                <a:spcPct val="100000"/>
-              </a:lnSpc>
-              <a:spcBef>
-                <a:spcPts val="0"/>
-              </a:spcBef>
-              <a:spcAft>
-                <a:spcPts val="0"/>
-              </a:spcAft>
-              <a:buClrTx/>
-              <a:buSzTx/>
-              <a:buFontTx/>
-              <a:buNone/>
-              <a:tabLst/>
-              <a:defRPr/>
-            </a:pPr>
-            <a:r>
-              <a:rPr lang="zh-CN" altLang="en-US" dirty="0"/>
-              <a:t>首先，你需要定义一个上下文类，该类包含一个策略接口的引用。</a:t>
-            </a:r>
-            <a:endParaRPr lang="en-US" altLang="zh-CN" dirty="0"/>
-          </a:p>
-          <a:p>
-            <a:pPr marL="0" marR="0" lvl="0" indent="0" algn="l" defTabSz="2438339" rtl="0" eaLnBrk="1" fontAlgn="auto" latinLnBrk="0" hangingPunct="1">
-              <a:lnSpc>
-                <a:spcPct val="100000"/>
-              </a:lnSpc>
-              <a:spcBef>
-                <a:spcPts val="0"/>
-              </a:spcBef>
-              <a:spcAft>
-                <a:spcPts val="0"/>
-              </a:spcAft>
-              <a:buClrTx/>
-              <a:buSzTx/>
-              <a:buFontTx/>
-              <a:buNone/>
-              <a:tabLst/>
-              <a:defRPr/>
-            </a:pPr>
-            <a:endParaRPr lang="en-US" altLang="zh-CN" dirty="0"/>
-          </a:p>
-          <a:p>
-            <a:pPr marL="0" marR="0" lvl="0" indent="0" algn="l" defTabSz="2438339" rtl="0" eaLnBrk="1" fontAlgn="auto" latinLnBrk="0" hangingPunct="1">
-              <a:lnSpc>
-                <a:spcPct val="100000"/>
-              </a:lnSpc>
-              <a:spcBef>
-                <a:spcPts val="0"/>
-              </a:spcBef>
-              <a:spcAft>
-                <a:spcPts val="0"/>
-              </a:spcAft>
-              <a:buClrTx/>
-              <a:buSzTx/>
-              <a:buFontTx/>
-              <a:buNone/>
-              <a:tabLst/>
-              <a:defRPr/>
-            </a:pPr>
-            <a:r>
-              <a:rPr lang="zh-CN" altLang="en-US" dirty="0"/>
-              <a:t>然后，实现不同的具体策略类，每个类都实现了策略接口，并提供了自己的算法或策略。</a:t>
-            </a:r>
-            <a:endParaRPr lang="en-US" altLang="zh-CN" dirty="0"/>
-          </a:p>
-          <a:p>
-            <a:pPr marL="0" marR="0" lvl="0" indent="0" algn="l" defTabSz="2438339" rtl="0" eaLnBrk="1" fontAlgn="auto" latinLnBrk="0" hangingPunct="1">
-              <a:lnSpc>
-                <a:spcPct val="100000"/>
-              </a:lnSpc>
-              <a:spcBef>
-                <a:spcPts val="0"/>
-              </a:spcBef>
-              <a:spcAft>
-                <a:spcPts val="0"/>
-              </a:spcAft>
-              <a:buClrTx/>
-              <a:buSzTx/>
-              <a:buFontTx/>
-              <a:buNone/>
-              <a:tabLst/>
-              <a:defRPr/>
-            </a:pPr>
-            <a:endParaRPr lang="en-US" altLang="zh-CN" dirty="0"/>
-          </a:p>
-          <a:p>
-            <a:pPr marL="0" marR="0" lvl="0" indent="0" algn="l" defTabSz="2438339" rtl="0" eaLnBrk="1" fontAlgn="auto" latinLnBrk="0" hangingPunct="1">
-              <a:lnSpc>
-                <a:spcPct val="100000"/>
-              </a:lnSpc>
-              <a:spcBef>
-                <a:spcPts val="0"/>
-              </a:spcBef>
-              <a:spcAft>
-                <a:spcPts val="0"/>
-              </a:spcAft>
-              <a:buClrTx/>
-              <a:buSzTx/>
-              <a:buFontTx/>
-              <a:buNone/>
-              <a:tabLst/>
-              <a:defRPr/>
-            </a:pPr>
-            <a:r>
-              <a:rPr lang="zh-CN" altLang="en-US" dirty="0"/>
-              <a:t>在运行时，你可以根据需要选择并设置合适的策略对象，并将其传递给上下文类。上下文类将调用所选策略的方法来完成相应的操作。</a:t>
+            <a:r>
+              <a:rPr lang="zh-CN" altLang="en-US" b="0" i="0" dirty="0">
+                <a:solidFill>
+                  <a:srgbClr val="FFFFFF"/>
+                </a:solidFill>
+                <a:effectLst/>
+                <a:latin typeface="-apple-system"/>
+              </a:rPr>
+              <a:t>策略模式允许你定义一系列可互相替换的算法或策略，并根据不同的情况选择使用其中的一个。这种模式可以提高代码的灵活性和可维护性。</a:t>
+            </a:r>
+            <a:endParaRPr lang="en-US" altLang="zh-CN" b="0" i="0" dirty="0">
+              <a:solidFill>
+                <a:srgbClr val="FFFFFF"/>
+              </a:solidFill>
+              <a:effectLst/>
+              <a:latin typeface="-apple-system"/>
+            </a:endParaRPr>
+          </a:p>
+          <a:p>
+            <a:endParaRPr lang="en-US" b="0" i="0" dirty="0">
+              <a:solidFill>
+                <a:srgbClr val="FFFFFF"/>
+              </a:solidFill>
+              <a:effectLst/>
+              <a:latin typeface="-apple-system"/>
+            </a:endParaRPr>
+          </a:p>
+          <a:p>
+            <a:r>
+              <a:rPr lang="zh-CN" altLang="en-US" b="0" i="0" dirty="0">
+                <a:solidFill>
+                  <a:srgbClr val="FFFFFF"/>
+                </a:solidFill>
+                <a:effectLst/>
+                <a:latin typeface="-apple-system"/>
+              </a:rPr>
+              <a:t>提供一个现实生活中的例子， 比方说国庆节要到了，大家肯定在计划着出去玩， 那么根据目的地的不同，交通方式就有很多选择</a:t>
+            </a:r>
+            <a:endParaRPr lang="en-US" altLang="zh-CN" b="0" i="0" dirty="0">
+              <a:solidFill>
+                <a:srgbClr val="FFFFFF"/>
+              </a:solidFill>
+              <a:effectLst/>
+              <a:latin typeface="-apple-system"/>
+            </a:endParaRPr>
+          </a:p>
+          <a:p>
+            <a:r>
+              <a:rPr lang="zh-CN" altLang="en-US" b="0" i="0" dirty="0">
+                <a:solidFill>
+                  <a:srgbClr val="FFFFFF"/>
+                </a:solidFill>
+                <a:effectLst/>
+                <a:latin typeface="-apple-system"/>
+              </a:rPr>
+              <a:t>如果距离比较远，需要跨省，那我们大概率会选择坐飞机， 或者是高铁</a:t>
+            </a:r>
+            <a:endParaRPr lang="en-US" altLang="zh-CN" b="0" i="0" dirty="0">
+              <a:solidFill>
+                <a:srgbClr val="FFFFFF"/>
+              </a:solidFill>
+              <a:effectLst/>
+              <a:latin typeface="-apple-system"/>
+            </a:endParaRPr>
+          </a:p>
+          <a:p>
+            <a:r>
+              <a:rPr lang="zh-CN" altLang="en-US" b="0" i="0" dirty="0">
+                <a:solidFill>
+                  <a:srgbClr val="FFFFFF"/>
+                </a:solidFill>
+                <a:effectLst/>
+                <a:latin typeface="-apple-system"/>
+              </a:rPr>
+              <a:t>如果只是想在你生活的位置附近逛逛，然后想要经济实惠一点的话，那我们可以选择搭公交，骑自行车</a:t>
+            </a:r>
+            <a:endParaRPr lang="en-US" altLang="zh-CN" b="0" i="0" dirty="0">
+              <a:solidFill>
+                <a:srgbClr val="FFFFFF"/>
+              </a:solidFill>
+              <a:effectLst/>
+              <a:latin typeface="-apple-system"/>
+            </a:endParaRPr>
+          </a:p>
+          <a:p>
+            <a:r>
+              <a:rPr lang="zh-CN" altLang="en-US" b="0" i="0" dirty="0">
+                <a:solidFill>
+                  <a:srgbClr val="FFFFFF"/>
+                </a:solidFill>
+                <a:effectLst/>
+                <a:latin typeface="-apple-system"/>
+              </a:rPr>
+              <a:t>然后如果赶时间，可以打的</a:t>
+            </a:r>
+            <a:endParaRPr lang="en-US" altLang="zh-CN" b="0" i="0" dirty="0">
+              <a:solidFill>
+                <a:srgbClr val="FFFFFF"/>
+              </a:solidFill>
+              <a:effectLst/>
+              <a:latin typeface="-apple-system"/>
+            </a:endParaRPr>
+          </a:p>
+          <a:p>
+            <a:endParaRPr lang="en-US" altLang="zh-CN" b="0" i="0" dirty="0">
+              <a:solidFill>
+                <a:srgbClr val="FFFFFF"/>
+              </a:solidFill>
+              <a:effectLst/>
+              <a:latin typeface="-apple-system"/>
+            </a:endParaRPr>
+          </a:p>
+          <a:p>
+            <a:r>
+              <a:rPr lang="zh-CN" altLang="en-US" b="0" i="0" dirty="0">
+                <a:solidFill>
+                  <a:srgbClr val="FFFFFF"/>
+                </a:solidFill>
+                <a:effectLst/>
+                <a:latin typeface="-apple-system"/>
+              </a:rPr>
+              <a:t>我们可以需要根据实际情况 采用不同的策略</a:t>
+            </a:r>
+            <a:endParaRPr lang="en-US" altLang="zh-CN" b="0" i="0" dirty="0">
+              <a:solidFill>
+                <a:srgbClr val="FFFFFF"/>
+              </a:solidFill>
+              <a:effectLst/>
+              <a:latin typeface="-apple-system"/>
+            </a:endParaRPr>
+          </a:p>
+          <a:p>
+            <a:endParaRPr lang="en-US" b="0" i="0" dirty="0">
+              <a:solidFill>
+                <a:srgbClr val="FFFFFF"/>
+              </a:solidFill>
+              <a:effectLst/>
+              <a:latin typeface="-apple-system"/>
+            </a:endParaRPr>
+          </a:p>
+          <a:p>
+            <a:r>
+              <a:rPr lang="zh-CN" altLang="en-US" b="0" i="0" dirty="0">
+                <a:solidFill>
+                  <a:srgbClr val="FFFFFF"/>
+                </a:solidFill>
+                <a:effectLst/>
+                <a:latin typeface="-apple-system"/>
+              </a:rPr>
+              <a:t>提供一个现实生活中的例子：以购物为例，假设你正在开发一个电子商务网站，用户可以选择不同的支付方式，如信用卡支付、支付宝、微信支付等。</a:t>
+            </a:r>
+            <a:endParaRPr lang="en-US" altLang="zh-CN" b="0" i="0" dirty="0">
+              <a:solidFill>
+                <a:srgbClr val="FFFFFF"/>
+              </a:solidFill>
+              <a:effectLst/>
+              <a:latin typeface="-apple-system"/>
+            </a:endParaRPr>
+          </a:p>
+          <a:p>
+            <a:r>
+              <a:rPr lang="zh-CN" altLang="en-US" b="0" i="0" dirty="0">
+                <a:solidFill>
+                  <a:srgbClr val="FFFFFF"/>
+                </a:solidFill>
+                <a:effectLst/>
+                <a:latin typeface="-apple-system"/>
+              </a:rPr>
+              <a:t>在这种情况下，你可以使用策略模式来实现支付功能。每种支付方式可以定义为一个策略，用户可以根据自己的需求选择不同的支付策略。</a:t>
             </a:r>
             <a:endParaRPr lang="en-US" dirty="0"/>
           </a:p>
@@ -19191,7 +19488,7 @@
     </p:spTree>
     <p:extLst>
       <p:ext uri="{BB962C8B-B14F-4D97-AF65-F5344CB8AC3E}">
-        <p14:creationId xmlns:p14="http://schemas.microsoft.com/office/powerpoint/2010/main" val="3793416727"/>
+        <p14:creationId xmlns:p14="http://schemas.microsoft.com/office/powerpoint/2010/main" val="1566094746"/>
       </p:ext>
     </p:extLst>
   </p:cSld>
@@ -22426,6 +22723,228 @@
           </a:p>
         </p:txBody>
       </p:sp>
+      <p:sp>
+        <p:nvSpPr>
+          <p:cNvPr id="13" name="Title 9">
+            <a:extLst>
+              <a:ext uri="{FF2B5EF4-FFF2-40B4-BE49-F238E27FC236}">
+                <a16:creationId xmlns:a16="http://schemas.microsoft.com/office/drawing/2014/main" id="{3BAEBDBD-7B50-9F58-BD3C-27FF4C445264}"/>
+              </a:ext>
+            </a:extLst>
+          </p:cNvPr>
+          <p:cNvSpPr>
+            <a:spLocks noGrp="1"/>
+          </p:cNvSpPr>
+          <p:nvPr>
+            <p:ph type="title"/>
+          </p:nvPr>
+        </p:nvSpPr>
+        <p:spPr>
+          <a:xfrm>
+            <a:off x="1080000" y="1125271"/>
+            <a:ext cx="22201232" cy="701456"/>
+          </a:xfrm>
+        </p:spPr>
+        <p:txBody>
+          <a:bodyPr/>
+          <a:lstStyle/>
+          <a:p>
+            <a:r>
+              <a:rPr lang="en-US" b="1" dirty="0"/>
+              <a:t>2. </a:t>
+            </a:r>
+            <a:r>
+              <a:rPr lang="en-US" b="1" kern="1200" dirty="0">
+                <a:latin typeface="Calibri" panose="020F0502020204030204"/>
+                <a:ea typeface="+mn-ea"/>
+                <a:cs typeface="+mn-cs"/>
+              </a:rPr>
+              <a:t>Strategy</a:t>
+            </a:r>
+            <a:br>
+              <a:rPr lang="en-US" dirty="0"/>
+            </a:br>
+            <a:endParaRPr lang="en-US" dirty="0"/>
+          </a:p>
+        </p:txBody>
+      </p:sp>
+      <p:pic>
+        <p:nvPicPr>
+          <p:cNvPr id="6" name="Picture 5">
+            <a:extLst>
+              <a:ext uri="{FF2B5EF4-FFF2-40B4-BE49-F238E27FC236}">
+                <a16:creationId xmlns:a16="http://schemas.microsoft.com/office/drawing/2014/main" id="{16B37A08-3C2A-75B8-3DC9-57538F027321}"/>
+              </a:ext>
+            </a:extLst>
+          </p:cNvPr>
+          <p:cNvPicPr>
+            <a:picLocks noChangeAspect="1"/>
+          </p:cNvPicPr>
+          <p:nvPr/>
+        </p:nvPicPr>
+        <p:blipFill>
+          <a:blip r:embed="rId3"/>
+          <a:stretch>
+            <a:fillRect/>
+          </a:stretch>
+        </p:blipFill>
+        <p:spPr>
+          <a:xfrm>
+            <a:off x="8591600" y="1855218"/>
+            <a:ext cx="7605890" cy="7255064"/>
+          </a:xfrm>
+          <a:prstGeom prst="rect">
+            <a:avLst/>
+          </a:prstGeom>
+        </p:spPr>
+      </p:pic>
+      <p:pic>
+        <p:nvPicPr>
+          <p:cNvPr id="8" name="Picture 7">
+            <a:extLst>
+              <a:ext uri="{FF2B5EF4-FFF2-40B4-BE49-F238E27FC236}">
+                <a16:creationId xmlns:a16="http://schemas.microsoft.com/office/drawing/2014/main" id="{F2DD4AAC-7D24-0CFB-CC72-67AA7A835E53}"/>
+              </a:ext>
+            </a:extLst>
+          </p:cNvPr>
+          <p:cNvPicPr>
+            <a:picLocks noChangeAspect="1"/>
+          </p:cNvPicPr>
+          <p:nvPr/>
+        </p:nvPicPr>
+        <p:blipFill>
+          <a:blip r:embed="rId4"/>
+          <a:stretch>
+            <a:fillRect/>
+          </a:stretch>
+        </p:blipFill>
+        <p:spPr>
+          <a:xfrm>
+            <a:off x="1266849" y="2902203"/>
+            <a:ext cx="6973715" cy="4848799"/>
+          </a:xfrm>
+          <a:prstGeom prst="rect">
+            <a:avLst/>
+          </a:prstGeom>
+        </p:spPr>
+      </p:pic>
+      <p:pic>
+        <p:nvPicPr>
+          <p:cNvPr id="10" name="Picture 9">
+            <a:extLst>
+              <a:ext uri="{FF2B5EF4-FFF2-40B4-BE49-F238E27FC236}">
+                <a16:creationId xmlns:a16="http://schemas.microsoft.com/office/drawing/2014/main" id="{5BED62DA-CF45-4C4C-D43B-C111EDD3C398}"/>
+              </a:ext>
+            </a:extLst>
+          </p:cNvPr>
+          <p:cNvPicPr>
+            <a:picLocks noChangeAspect="1"/>
+          </p:cNvPicPr>
+          <p:nvPr/>
+        </p:nvPicPr>
+        <p:blipFill rotWithShape="1">
+          <a:blip r:embed="rId5"/>
+          <a:srcRect r="14132"/>
+          <a:stretch/>
+        </p:blipFill>
+        <p:spPr>
+          <a:xfrm>
+            <a:off x="16455225" y="3214498"/>
+            <a:ext cx="7605890" cy="4536504"/>
+          </a:xfrm>
+          <a:prstGeom prst="rect">
+            <a:avLst/>
+          </a:prstGeom>
+        </p:spPr>
+      </p:pic>
+    </p:spTree>
+    <p:extLst>
+      <p:ext uri="{BB962C8B-B14F-4D97-AF65-F5344CB8AC3E}">
+        <p14:creationId xmlns:p14="http://schemas.microsoft.com/office/powerpoint/2010/main" val="853015841"/>
+      </p:ext>
+    </p:extLst>
+  </p:cSld>
+  <p:clrMapOvr>
+    <a:masterClrMapping/>
+  </p:clrMapOvr>
+</p:sld>
+</file>
+
+<file path=ppt/slides/slide11.xml><?xml version="1.0" encoding="utf-8"?>
+<p:sld xmlns:a="http://schemas.openxmlformats.org/drawingml/2006/main" xmlns:r="http://schemas.openxmlformats.org/officeDocument/2006/relationships" xmlns:p="http://schemas.openxmlformats.org/presentationml/2006/main">
+  <p:cSld>
+    <p:spTree>
+      <p:nvGrpSpPr>
+        <p:cNvPr id="1" name=""/>
+        <p:cNvGrpSpPr/>
+        <p:nvPr/>
+      </p:nvGrpSpPr>
+      <p:grpSpPr>
+        <a:xfrm>
+          <a:off x="0" y="0"/>
+          <a:ext cx="0" cy="0"/>
+          <a:chOff x="0" y="0"/>
+          <a:chExt cx="0" cy="0"/>
+        </a:xfrm>
+      </p:grpSpPr>
+      <p:sp>
+        <p:nvSpPr>
+          <p:cNvPr id="2" name="Footer Placeholder 1">
+            <a:extLst>
+              <a:ext uri="{FF2B5EF4-FFF2-40B4-BE49-F238E27FC236}">
+                <a16:creationId xmlns:a16="http://schemas.microsoft.com/office/drawing/2014/main" id="{22DA5C28-F0FD-47D6-8E92-1C9E6EA87F96}"/>
+              </a:ext>
+            </a:extLst>
+          </p:cNvPr>
+          <p:cNvSpPr>
+            <a:spLocks noGrp="1"/>
+          </p:cNvSpPr>
+          <p:nvPr>
+            <p:ph type="ftr" sz="quarter" idx="3"/>
+          </p:nvPr>
+        </p:nvSpPr>
+        <p:spPr/>
+        <p:txBody>
+          <a:bodyPr/>
+          <a:lstStyle/>
+          <a:p>
+            <a:r>
+              <a:rPr lang="en-AU" dirty="0"/>
+              <a:t>© 2023 CargoWise</a:t>
+            </a:r>
+          </a:p>
+        </p:txBody>
+      </p:sp>
+      <p:sp>
+        <p:nvSpPr>
+          <p:cNvPr id="3" name="Slide Number Placeholder 2">
+            <a:extLst>
+              <a:ext uri="{FF2B5EF4-FFF2-40B4-BE49-F238E27FC236}">
+                <a16:creationId xmlns:a16="http://schemas.microsoft.com/office/drawing/2014/main" id="{15B20483-DDDA-4E06-872B-F88C31FDBA35}"/>
+              </a:ext>
+            </a:extLst>
+          </p:cNvPr>
+          <p:cNvSpPr>
+            <a:spLocks noGrp="1"/>
+          </p:cNvSpPr>
+          <p:nvPr>
+            <p:ph type="sldNum" sz="quarter" idx="4"/>
+          </p:nvPr>
+        </p:nvSpPr>
+        <p:spPr/>
+        <p:txBody>
+          <a:bodyPr/>
+          <a:lstStyle/>
+          <a:p>
+            <a:fld id="{67E7CB4E-0848-4774-9F85-B38117CB1B54}" type="slidenum">
+              <a:rPr lang="en-AU" smtClean="0"/>
+              <a:pPr/>
+              <a:t>11</a:t>
+            </a:fld>
+            <a:endParaRPr lang="en-AU"/>
+          </a:p>
+        </p:txBody>
+      </p:sp>
       <p:graphicFrame>
         <p:nvGraphicFramePr>
           <p:cNvPr id="6" name="Diagram 5">
@@ -22559,7 +23078,7 @@
 </p:sld>
 </file>
 
-<file path=ppt/slides/slide11.xml><?xml version="1.0" encoding="utf-8"?>
+<file path=ppt/slides/slide12.xml><?xml version="1.0" encoding="utf-8"?>
 <p:sld xmlns:a="http://schemas.openxmlformats.org/drawingml/2006/main" xmlns:r="http://schemas.openxmlformats.org/officeDocument/2006/relationships" xmlns:p="http://schemas.openxmlformats.org/presentationml/2006/main">
   <p:cSld>
     <p:spTree>
@@ -22628,7 +23147,7 @@
             <a:fld id="{67E7CB4E-0848-4774-9F85-B38117CB1B54}" type="slidenum">
               <a:rPr lang="en-AU" smtClean="0"/>
               <a:pPr/>
-              <a:t>11</a:t>
+              <a:t>12</a:t>
             </a:fld>
             <a:endParaRPr lang="en-AU"/>
           </a:p>
@@ -22722,7 +23241,7 @@
 </p:sld>
 </file>
 
-<file path=ppt/slides/slide12.xml><?xml version="1.0" encoding="utf-8"?>
+<file path=ppt/slides/slide13.xml><?xml version="1.0" encoding="utf-8"?>
 <p:sld xmlns:a="http://schemas.openxmlformats.org/drawingml/2006/main" xmlns:r="http://schemas.openxmlformats.org/officeDocument/2006/relationships" xmlns:p="http://schemas.openxmlformats.org/presentationml/2006/main">
   <p:cSld>
     <p:spTree>
@@ -22791,7 +23310,7 @@
             <a:fld id="{67E7CB4E-0848-4774-9F85-B38117CB1B54}" type="slidenum">
               <a:rPr lang="en-AU" smtClean="0"/>
               <a:pPr/>
-              <a:t>12</a:t>
+              <a:t>13</a:t>
             </a:fld>
             <a:endParaRPr lang="en-AU"/>
           </a:p>
@@ -23007,7 +23526,7 @@
 </p:sld>
 </file>
 
-<file path=ppt/slides/slide13.xml><?xml version="1.0" encoding="utf-8"?>
+<file path=ppt/slides/slide14.xml><?xml version="1.0" encoding="utf-8"?>
 <p:sld xmlns:a="http://schemas.openxmlformats.org/drawingml/2006/main" xmlns:r="http://schemas.openxmlformats.org/officeDocument/2006/relationships" xmlns:p="http://schemas.openxmlformats.org/presentationml/2006/main">
   <p:cSld>
     <p:spTree>
@@ -23076,7 +23595,7 @@
             <a:fld id="{67E7CB4E-0848-4774-9F85-B38117CB1B54}" type="slidenum">
               <a:rPr lang="en-AU" smtClean="0"/>
               <a:pPr/>
-              <a:t>13</a:t>
+              <a:t>14</a:t>
             </a:fld>
             <a:endParaRPr lang="en-AU"/>
           </a:p>
@@ -23200,7 +23719,7 @@
 </p:sld>
 </file>
 
-<file path=ppt/slides/slide14.xml><?xml version="1.0" encoding="utf-8"?>
+<file path=ppt/slides/slide15.xml><?xml version="1.0" encoding="utf-8"?>
 <p:sld xmlns:a="http://schemas.openxmlformats.org/drawingml/2006/main" xmlns:r="http://schemas.openxmlformats.org/officeDocument/2006/relationships" xmlns:p="http://schemas.openxmlformats.org/presentationml/2006/main">
   <p:cSld>
     <p:spTree>
@@ -23394,7 +23913,7 @@
                   <a:spcPts val="600"/>
                 </a:spcAft>
               </a:pPr>
-              <a:t>14</a:t>
+              <a:t>15</a:t>
             </a:fld>
             <a:endParaRPr lang="en-AU"/>
           </a:p>
@@ -23471,7 +23990,7 @@
 </p:sld>
 </file>
 
-<file path=ppt/slides/slide15.xml><?xml version="1.0" encoding="utf-8"?>
+<file path=ppt/slides/slide16.xml><?xml version="1.0" encoding="utf-8"?>
 <p:sld xmlns:a="http://schemas.openxmlformats.org/drawingml/2006/main" xmlns:r="http://schemas.openxmlformats.org/officeDocument/2006/relationships" xmlns:p="http://schemas.openxmlformats.org/presentationml/2006/main">
   <p:cSld>
     <p:spTree>
@@ -23562,7 +24081,7 @@
 </p:sld>
 </file>
 
-<file path=ppt/slides/slide16.xml><?xml version="1.0" encoding="utf-8"?>
+<file path=ppt/slides/slide17.xml><?xml version="1.0" encoding="utf-8"?>
 <p:sld xmlns:a="http://schemas.openxmlformats.org/drawingml/2006/main" xmlns:r="http://schemas.openxmlformats.org/officeDocument/2006/relationships" xmlns:p="http://schemas.openxmlformats.org/presentationml/2006/main">
   <p:cSld>
     <p:spTree>
@@ -25040,10 +25559,10 @@
       </p:sp>
       <p:pic>
         <p:nvPicPr>
-          <p:cNvPr id="6" name="Picture 5">
+          <p:cNvPr id="5" name="Picture 4">
             <a:extLst>
               <a:ext uri="{FF2B5EF4-FFF2-40B4-BE49-F238E27FC236}">
-                <a16:creationId xmlns:a16="http://schemas.microsoft.com/office/drawing/2014/main" id="{0CDF84EE-47E8-59F9-F323-511AD960CE2B}"/>
+                <a16:creationId xmlns:a16="http://schemas.microsoft.com/office/drawing/2014/main" id="{7FA60C98-F3AC-9CEF-EB07-2992F7E1122A}"/>
               </a:ext>
             </a:extLst>
           </p:cNvPr>
@@ -25060,8 +25579,68 @@
         </p:blipFill>
         <p:spPr>
           <a:xfrm>
-            <a:off x="3911080" y="3473624"/>
-            <a:ext cx="15967186" cy="5256584"/>
+            <a:off x="1235400" y="4697760"/>
+            <a:ext cx="7097459" cy="4500520"/>
+          </a:xfrm>
+          <a:prstGeom prst="rect">
+            <a:avLst/>
+          </a:prstGeom>
+        </p:spPr>
+      </p:pic>
+      <p:pic>
+        <p:nvPicPr>
+          <p:cNvPr id="7" name="Picture 6">
+            <a:extLst>
+              <a:ext uri="{FF2B5EF4-FFF2-40B4-BE49-F238E27FC236}">
+                <a16:creationId xmlns:a16="http://schemas.microsoft.com/office/drawing/2014/main" id="{859467EC-2EFA-997F-4B7B-7B88BD2BB23B}"/>
+              </a:ext>
+            </a:extLst>
+          </p:cNvPr>
+          <p:cNvPicPr>
+            <a:picLocks noChangeAspect="1"/>
+          </p:cNvPicPr>
+          <p:nvPr/>
+        </p:nvPicPr>
+        <p:blipFill>
+          <a:blip r:embed="rId4"/>
+          <a:stretch>
+            <a:fillRect/>
+          </a:stretch>
+        </p:blipFill>
+        <p:spPr>
+          <a:xfrm>
+            <a:off x="8901788" y="4141359"/>
+            <a:ext cx="6580423" cy="5433281"/>
+          </a:xfrm>
+          <a:prstGeom prst="rect">
+            <a:avLst/>
+          </a:prstGeom>
+        </p:spPr>
+      </p:pic>
+      <p:pic>
+        <p:nvPicPr>
+          <p:cNvPr id="9" name="Picture 8">
+            <a:extLst>
+              <a:ext uri="{FF2B5EF4-FFF2-40B4-BE49-F238E27FC236}">
+                <a16:creationId xmlns:a16="http://schemas.microsoft.com/office/drawing/2014/main" id="{9D7B30CC-1FF8-0376-632B-20B6145560D2}"/>
+              </a:ext>
+            </a:extLst>
+          </p:cNvPr>
+          <p:cNvPicPr>
+            <a:picLocks noChangeAspect="1"/>
+          </p:cNvPicPr>
+          <p:nvPr/>
+        </p:nvPicPr>
+        <p:blipFill>
+          <a:blip r:embed="rId5"/>
+          <a:stretch>
+            <a:fillRect/>
+          </a:stretch>
+        </p:blipFill>
+        <p:spPr>
+          <a:xfrm>
+            <a:off x="15864407" y="5353236"/>
+            <a:ext cx="5279189" cy="3376971"/>
           </a:xfrm>
           <a:prstGeom prst="rect">
             <a:avLst/>
@@ -25071,7 +25650,7 @@
     </p:spTree>
     <p:extLst>
       <p:ext uri="{BB962C8B-B14F-4D97-AF65-F5344CB8AC3E}">
-        <p14:creationId xmlns:p14="http://schemas.microsoft.com/office/powerpoint/2010/main" val="1757270782"/>
+        <p14:creationId xmlns:p14="http://schemas.microsoft.com/office/powerpoint/2010/main" val="2485473194"/>
       </p:ext>
     </p:extLst>
   </p:cSld>
@@ -25184,7 +25763,7 @@
           <a:p>
             <a:r>
               <a:rPr lang="en-US" b="1" dirty="0"/>
-              <a:t>2. </a:t>
+              <a:t>1. </a:t>
             </a:r>
             <a:r>
               <a:rPr lang="en-US" b="1" kern="1200" dirty="0">
@@ -25192,7 +25771,7 @@
                 <a:ea typeface="+mn-ea"/>
                 <a:cs typeface="+mn-cs"/>
               </a:rPr>
-              <a:t>Strategy</a:t>
+              <a:t>Observer</a:t>
             </a:r>
             <a:br>
               <a:rPr lang="en-US" dirty="0"/>
@@ -25203,10 +25782,10 @@
       </p:sp>
       <p:pic>
         <p:nvPicPr>
-          <p:cNvPr id="5" name="Picture 4">
+          <p:cNvPr id="6" name="Picture 5">
             <a:extLst>
               <a:ext uri="{FF2B5EF4-FFF2-40B4-BE49-F238E27FC236}">
-                <a16:creationId xmlns:a16="http://schemas.microsoft.com/office/drawing/2014/main" id="{48668134-D000-5B0B-7ED9-C138819AC3C7}"/>
+                <a16:creationId xmlns:a16="http://schemas.microsoft.com/office/drawing/2014/main" id="{0CDF84EE-47E8-59F9-F323-511AD960CE2B}"/>
               </a:ext>
             </a:extLst>
           </p:cNvPr>
@@ -25223,8 +25802,8 @@
         </p:blipFill>
         <p:spPr>
           <a:xfrm>
-            <a:off x="2830960" y="2537520"/>
-            <a:ext cx="17657610" cy="8640960"/>
+            <a:off x="3911080" y="3473624"/>
+            <a:ext cx="15967186" cy="5256584"/>
           </a:xfrm>
           <a:prstGeom prst="rect">
             <a:avLst/>
@@ -25234,7 +25813,7 @@
     </p:spTree>
     <p:extLst>
       <p:ext uri="{BB962C8B-B14F-4D97-AF65-F5344CB8AC3E}">
-        <p14:creationId xmlns:p14="http://schemas.microsoft.com/office/powerpoint/2010/main" val="2615158704"/>
+        <p14:creationId xmlns:p14="http://schemas.microsoft.com/office/powerpoint/2010/main" val="1757270782"/>
       </p:ext>
     </p:extLst>
   </p:cSld>
@@ -25366,10 +25945,10 @@
       </p:sp>
       <p:pic>
         <p:nvPicPr>
-          <p:cNvPr id="6" name="Picture 5">
+          <p:cNvPr id="5" name="Picture 4">
             <a:extLst>
               <a:ext uri="{FF2B5EF4-FFF2-40B4-BE49-F238E27FC236}">
-                <a16:creationId xmlns:a16="http://schemas.microsoft.com/office/drawing/2014/main" id="{16B37A08-3C2A-75B8-3DC9-57538F027321}"/>
+                <a16:creationId xmlns:a16="http://schemas.microsoft.com/office/drawing/2014/main" id="{48668134-D000-5B0B-7ED9-C138819AC3C7}"/>
               </a:ext>
             </a:extLst>
           </p:cNvPr>
@@ -25386,67 +25965,8 @@
         </p:blipFill>
         <p:spPr>
           <a:xfrm>
-            <a:off x="8591600" y="1855218"/>
-            <a:ext cx="7605890" cy="7255064"/>
-          </a:xfrm>
-          <a:prstGeom prst="rect">
-            <a:avLst/>
-          </a:prstGeom>
-        </p:spPr>
-      </p:pic>
-      <p:pic>
-        <p:nvPicPr>
-          <p:cNvPr id="8" name="Picture 7">
-            <a:extLst>
-              <a:ext uri="{FF2B5EF4-FFF2-40B4-BE49-F238E27FC236}">
-                <a16:creationId xmlns:a16="http://schemas.microsoft.com/office/drawing/2014/main" id="{F2DD4AAC-7D24-0CFB-CC72-67AA7A835E53}"/>
-              </a:ext>
-            </a:extLst>
-          </p:cNvPr>
-          <p:cNvPicPr>
-            <a:picLocks noChangeAspect="1"/>
-          </p:cNvPicPr>
-          <p:nvPr/>
-        </p:nvPicPr>
-        <p:blipFill>
-          <a:blip r:embed="rId4"/>
-          <a:stretch>
-            <a:fillRect/>
-          </a:stretch>
-        </p:blipFill>
-        <p:spPr>
-          <a:xfrm>
-            <a:off x="1266849" y="2902203"/>
-            <a:ext cx="6973715" cy="4848799"/>
-          </a:xfrm>
-          <a:prstGeom prst="rect">
-            <a:avLst/>
-          </a:prstGeom>
-        </p:spPr>
-      </p:pic>
-      <p:pic>
-        <p:nvPicPr>
-          <p:cNvPr id="10" name="Picture 9">
-            <a:extLst>
-              <a:ext uri="{FF2B5EF4-FFF2-40B4-BE49-F238E27FC236}">
-                <a16:creationId xmlns:a16="http://schemas.microsoft.com/office/drawing/2014/main" id="{5BED62DA-CF45-4C4C-D43B-C111EDD3C398}"/>
-              </a:ext>
-            </a:extLst>
-          </p:cNvPr>
-          <p:cNvPicPr>
-            <a:picLocks noChangeAspect="1"/>
-          </p:cNvPicPr>
-          <p:nvPr/>
-        </p:nvPicPr>
-        <p:blipFill rotWithShape="1">
-          <a:blip r:embed="rId5"/>
-          <a:srcRect r="14132"/>
-          <a:stretch/>
-        </p:blipFill>
-        <p:spPr>
-          <a:xfrm>
-            <a:off x="16455225" y="3214498"/>
-            <a:ext cx="7605890" cy="4536504"/>
+            <a:off x="2830960" y="2537520"/>
+            <a:ext cx="17657610" cy="8640960"/>
           </a:xfrm>
           <a:prstGeom prst="rect">
             <a:avLst/>
@@ -25456,7 +25976,7 @@
     </p:spTree>
     <p:extLst>
       <p:ext uri="{BB962C8B-B14F-4D97-AF65-F5344CB8AC3E}">
-        <p14:creationId xmlns:p14="http://schemas.microsoft.com/office/powerpoint/2010/main" val="853015841"/>
+        <p14:creationId xmlns:p14="http://schemas.microsoft.com/office/powerpoint/2010/main" val="2615158704"/>
       </p:ext>
     </p:extLst>
   </p:cSld>
@@ -26311,15 +26831,6 @@
 </file>
 
 <file path=customXml/item2.xml><?xml version="1.0" encoding="utf-8"?>
-<?mso-contentType ?>
-<FormTemplates xmlns="http://schemas.microsoft.com/sharepoint/v3/contenttype/forms">
-  <Display>DocumentLibraryForm</Display>
-  <Edit>DocumentLibraryForm</Edit>
-  <New>DocumentLibraryForm</New>
-</FormTemplates>
-</file>
-
-<file path=customXml/item3.xml><?xml version="1.0" encoding="utf-8"?>
 <ct:contentTypeSchema xmlns:ct="http://schemas.microsoft.com/office/2006/metadata/contentType" xmlns:ma="http://schemas.microsoft.com/office/2006/metadata/properties/metaAttributes" ct:_="" ma:_="" ma:contentTypeName="Document" ma:contentTypeID="0x010100EEBA5D7D688A8D40BC8134A23630083E" ma:contentTypeVersion="17" ma:contentTypeDescription="Create a new document." ma:contentTypeScope="" ma:versionID="6c9f025c4a6d5a921d1240212dd2136e">
   <xsd:schema xmlns:xsd="http://www.w3.org/2001/XMLSchema" xmlns:xs="http://www.w3.org/2001/XMLSchema" xmlns:p="http://schemas.microsoft.com/office/2006/metadata/properties" xmlns:ns2="5b887053-13c9-4ef0-8e1a-18d371f97b0f" xmlns:ns3="0cb0f8a9-a4a1-4c3c-bc15-be6ee1e258a4" targetNamespace="http://schemas.microsoft.com/office/2006/metadata/properties" ma:root="true" ma:fieldsID="76276428416178d444d5a49df65bd1b6" ns2:_="" ns3:_="">
     <xsd:import namespace="5b887053-13c9-4ef0-8e1a-18d371f97b0f"/>
@@ -26552,6 +27063,15 @@
 </ct:contentTypeSchema>
 </file>
 
+<file path=customXml/item3.xml><?xml version="1.0" encoding="utf-8"?>
+<?mso-contentType ?>
+<FormTemplates xmlns="http://schemas.microsoft.com/sharepoint/v3/contenttype/forms">
+  <Display>DocumentLibraryForm</Display>
+  <Edit>DocumentLibraryForm</Edit>
+  <New>DocumentLibraryForm</New>
+</FormTemplates>
+</file>
+
 <file path=customXml/itemProps1.xml><?xml version="1.0" encoding="utf-8"?>
 <ds:datastoreItem xmlns:ds="http://schemas.openxmlformats.org/officeDocument/2006/customXml" ds:itemID="{FDC47B46-8518-488D-ACE5-55099526A1A9}">
   <ds:schemaRefs>
@@ -26570,14 +27090,6 @@
 </file>
 
 <file path=customXml/itemProps2.xml><?xml version="1.0" encoding="utf-8"?>
-<ds:datastoreItem xmlns:ds="http://schemas.openxmlformats.org/officeDocument/2006/customXml" ds:itemID="{D703E6E5-489B-4004-B595-51B1421CF944}">
-  <ds:schemaRefs>
-    <ds:schemaRef ds:uri="http://schemas.microsoft.com/sharepoint/v3/contenttype/forms"/>
-  </ds:schemaRefs>
-</ds:datastoreItem>
-</file>
-
-<file path=customXml/itemProps3.xml><?xml version="1.0" encoding="utf-8"?>
 <ds:datastoreItem xmlns:ds="http://schemas.openxmlformats.org/officeDocument/2006/customXml" ds:itemID="{3ACBF87C-9E24-4F0A-85E5-D0AA1A6E191C}">
   <ds:schemaRefs>
     <ds:schemaRef ds:uri="http://schemas.microsoft.com/office/2006/metadata/contentType"/>
@@ -26594,4 +27106,12 @@
     <ds:schemaRef ds:uri="http://schemas.microsoft.com/internal/obd"/>
   </ds:schemaRefs>
 </ds:datastoreItem>
+</file>
+
+<file path=customXml/itemProps3.xml><?xml version="1.0" encoding="utf-8"?>
+<ds:datastoreItem xmlns:ds="http://schemas.openxmlformats.org/officeDocument/2006/customXml" ds:itemID="{D703E6E5-489B-4004-B595-51B1421CF944}">
+  <ds:schemaRefs>
+    <ds:schemaRef ds:uri="http://schemas.microsoft.com/sharepoint/v3/contenttype/forms"/>
+  </ds:schemaRefs>
+</ds:datastoreItem>
 </file>
--- a/DesignPatterns/Behavioral Design Patterns/Behavioral Design Patterns - WTG.pptx
+++ b/DesignPatterns/Behavioral Design Patterns/Behavioral Design Patterns - WTG.pptx
@@ -151,7 +151,7 @@
 <file path=ppt/revisionInfo.xml><?xml version="1.0" encoding="utf-8"?>
 <p1510:revInfo xmlns:a="http://schemas.openxmlformats.org/drawingml/2006/main" xmlns:r="http://schemas.openxmlformats.org/officeDocument/2006/relationships" xmlns:p1510="http://schemas.microsoft.com/office/powerpoint/2015/10/main">
   <p1510:revLst>
-    <p1510:client id="{7058694A-483B-403F-89BA-FD8C3FB39D35}" v="513" dt="2023-09-26T16:24:04.631"/>
+    <p1510:client id="{7058694A-483B-403F-89BA-FD8C3FB39D35}" v="514" dt="2023-09-26T16:32:01.551"/>
   </p1510:revLst>
 </p1510:revInfo>
 </file>
@@ -940,7 +940,7 @@
   <pc:docChgLst>
     <pc:chgData name="Nancy Li" userId="afc5209a-cf39-48d8-a57f-08cc8b772ec9" providerId="ADAL" clId="{7058694A-483B-403F-89BA-FD8C3FB39D35}"/>
     <pc:docChg chg="undo custSel addSld delSld modSld sldOrd">
-      <pc:chgData name="Nancy Li" userId="afc5209a-cf39-48d8-a57f-08cc8b772ec9" providerId="ADAL" clId="{7058694A-483B-403F-89BA-FD8C3FB39D35}" dt="2023-09-26T16:24:04.630" v="1699" actId="20577"/>
+      <pc:chgData name="Nancy Li" userId="afc5209a-cf39-48d8-a57f-08cc8b772ec9" providerId="ADAL" clId="{7058694A-483B-403F-89BA-FD8C3FB39D35}" dt="2023-09-26T16:32:01.551" v="1712"/>
       <pc:docMkLst>
         <pc:docMk/>
       </pc:docMkLst>
@@ -1582,12 +1582,44 @@
           </ac:picMkLst>
         </pc:picChg>
       </pc:sldChg>
-      <pc:sldChg chg="add modNotesTx">
-        <pc:chgData name="Nancy Li" userId="afc5209a-cf39-48d8-a57f-08cc8b772ec9" providerId="ADAL" clId="{7058694A-483B-403F-89BA-FD8C3FB39D35}" dt="2023-09-26T16:24:04.630" v="1699" actId="20577"/>
+      <pc:sldChg chg="addSp modSp add mod modAnim modNotesTx">
+        <pc:chgData name="Nancy Li" userId="afc5209a-cf39-48d8-a57f-08cc8b772ec9" providerId="ADAL" clId="{7058694A-483B-403F-89BA-FD8C3FB39D35}" dt="2023-09-26T16:32:01.551" v="1712"/>
         <pc:sldMkLst>
           <pc:docMk/>
           <pc:sldMk cId="2485473194" sldId="325"/>
         </pc:sldMkLst>
+        <pc:picChg chg="mod">
+          <ac:chgData name="Nancy Li" userId="afc5209a-cf39-48d8-a57f-08cc8b772ec9" providerId="ADAL" clId="{7058694A-483B-403F-89BA-FD8C3FB39D35}" dt="2023-09-26T16:31:39.958" v="1703" actId="1076"/>
+          <ac:picMkLst>
+            <pc:docMk/>
+            <pc:sldMk cId="2485473194" sldId="325"/>
+            <ac:picMk id="5" creationId="{7FA60C98-F3AC-9CEF-EB07-2992F7E1122A}"/>
+          </ac:picMkLst>
+        </pc:picChg>
+        <pc:picChg chg="add mod">
+          <ac:chgData name="Nancy Li" userId="afc5209a-cf39-48d8-a57f-08cc8b772ec9" providerId="ADAL" clId="{7058694A-483B-403F-89BA-FD8C3FB39D35}" dt="2023-09-26T16:31:54.188" v="1711" actId="1076"/>
+          <ac:picMkLst>
+            <pc:docMk/>
+            <pc:sldMk cId="2485473194" sldId="325"/>
+            <ac:picMk id="6" creationId="{AE567661-23D1-9747-8A82-E2D1AB9822E1}"/>
+          </ac:picMkLst>
+        </pc:picChg>
+        <pc:picChg chg="mod">
+          <ac:chgData name="Nancy Li" userId="afc5209a-cf39-48d8-a57f-08cc8b772ec9" providerId="ADAL" clId="{7058694A-483B-403F-89BA-FD8C3FB39D35}" dt="2023-09-26T16:31:40.987" v="1704" actId="1076"/>
+          <ac:picMkLst>
+            <pc:docMk/>
+            <pc:sldMk cId="2485473194" sldId="325"/>
+            <ac:picMk id="7" creationId="{859467EC-2EFA-997F-4B7B-7B88BD2BB23B}"/>
+          </ac:picMkLst>
+        </pc:picChg>
+        <pc:picChg chg="mod">
+          <ac:chgData name="Nancy Li" userId="afc5209a-cf39-48d8-a57f-08cc8b772ec9" providerId="ADAL" clId="{7058694A-483B-403F-89BA-FD8C3FB39D35}" dt="2023-09-26T16:31:45.635" v="1706" actId="14100"/>
+          <ac:picMkLst>
+            <pc:docMk/>
+            <pc:sldMk cId="2485473194" sldId="325"/>
+            <ac:picMk id="9" creationId="{9D7B30CC-1FF8-0376-632B-20B6145560D2}"/>
+          </ac:picMkLst>
+        </pc:picChg>
       </pc:sldChg>
     </pc:docChg>
   </pc:docChgLst>
@@ -25579,7 +25611,7 @@
         </p:blipFill>
         <p:spPr>
           <a:xfrm>
-            <a:off x="1235400" y="4697760"/>
+            <a:off x="1235400" y="3905672"/>
             <a:ext cx="7097459" cy="4500520"/>
           </a:xfrm>
           <a:prstGeom prst="rect">
@@ -25609,7 +25641,7 @@
         </p:blipFill>
         <p:spPr>
           <a:xfrm>
-            <a:off x="8901788" y="4141359"/>
+            <a:off x="8785847" y="3905671"/>
             <a:ext cx="6580423" cy="5433281"/>
           </a:xfrm>
           <a:prstGeom prst="rect">
@@ -25639,8 +25671,38 @@
         </p:blipFill>
         <p:spPr>
           <a:xfrm>
-            <a:off x="15864407" y="5353236"/>
-            <a:ext cx="5279189" cy="3376971"/>
+            <a:off x="15819258" y="3905671"/>
+            <a:ext cx="6529031" cy="4176465"/>
+          </a:xfrm>
+          <a:prstGeom prst="rect">
+            <a:avLst/>
+          </a:prstGeom>
+        </p:spPr>
+      </p:pic>
+      <p:pic>
+        <p:nvPicPr>
+          <p:cNvPr id="6" name="Picture 5">
+            <a:extLst>
+              <a:ext uri="{FF2B5EF4-FFF2-40B4-BE49-F238E27FC236}">
+                <a16:creationId xmlns:a16="http://schemas.microsoft.com/office/drawing/2014/main" id="{AE567661-23D1-9747-8A82-E2D1AB9822E1}"/>
+              </a:ext>
+            </a:extLst>
+          </p:cNvPr>
+          <p:cNvPicPr>
+            <a:picLocks noChangeAspect="1"/>
+          </p:cNvPicPr>
+          <p:nvPr/>
+        </p:nvPicPr>
+        <p:blipFill>
+          <a:blip r:embed="rId6"/>
+          <a:stretch>
+            <a:fillRect/>
+          </a:stretch>
+        </p:blipFill>
+        <p:spPr>
+          <a:xfrm>
+            <a:off x="15819258" y="8658200"/>
+            <a:ext cx="7280768" cy="2156781"/>
           </a:xfrm>
           <a:prstGeom prst="rect">
             <a:avLst/>
@@ -25657,6 +25719,81 @@
   <p:clrMapOvr>
     <a:masterClrMapping/>
   </p:clrMapOvr>
+  <p:timing>
+    <p:tnLst>
+      <p:par>
+        <p:cTn id="1" dur="indefinite" restart="never" nodeType="tmRoot">
+          <p:childTnLst>
+            <p:seq concurrent="1" nextAc="seek">
+              <p:cTn id="2" dur="indefinite" nodeType="mainSeq">
+                <p:childTnLst>
+                  <p:par>
+                    <p:cTn id="3" fill="hold">
+                      <p:stCondLst>
+                        <p:cond delay="indefinite"/>
+                      </p:stCondLst>
+                      <p:childTnLst>
+                        <p:par>
+                          <p:cTn id="4" fill="hold">
+                            <p:stCondLst>
+                              <p:cond delay="0"/>
+                            </p:stCondLst>
+                            <p:childTnLst>
+                              <p:par>
+                                <p:cTn id="5" presetID="1" presetClass="entr" presetSubtype="0" fill="hold" nodeType="clickEffect">
+                                  <p:stCondLst>
+                                    <p:cond delay="0"/>
+                                  </p:stCondLst>
+                                  <p:childTnLst>
+                                    <p:set>
+                                      <p:cBhvr>
+                                        <p:cTn id="6" dur="1" fill="hold">
+                                          <p:stCondLst>
+                                            <p:cond delay="0"/>
+                                          </p:stCondLst>
+                                        </p:cTn>
+                                        <p:tgtEl>
+                                          <p:spTgt spid="6"/>
+                                        </p:tgtEl>
+                                        <p:attrNameLst>
+                                          <p:attrName>style.visibility</p:attrName>
+                                        </p:attrNameLst>
+                                      </p:cBhvr>
+                                      <p:to>
+                                        <p:strVal val="visible"/>
+                                      </p:to>
+                                    </p:set>
+                                  </p:childTnLst>
+                                </p:cTn>
+                              </p:par>
+                            </p:childTnLst>
+                          </p:cTn>
+                        </p:par>
+                      </p:childTnLst>
+                    </p:cTn>
+                  </p:par>
+                </p:childTnLst>
+              </p:cTn>
+              <p:prevCondLst>
+                <p:cond evt="onPrev" delay="0">
+                  <p:tgtEl>
+                    <p:sldTgt/>
+                  </p:tgtEl>
+                </p:cond>
+              </p:prevCondLst>
+              <p:nextCondLst>
+                <p:cond evt="onNext" delay="0">
+                  <p:tgtEl>
+                    <p:sldTgt/>
+                  </p:tgtEl>
+                </p:cond>
+              </p:nextCondLst>
+            </p:seq>
+          </p:childTnLst>
+        </p:cTn>
+      </p:par>
+    </p:tnLst>
+  </p:timing>
 </p:sld>
 </file>
 
@@ -26831,6 +26968,15 @@
 </file>
 
 <file path=customXml/item2.xml><?xml version="1.0" encoding="utf-8"?>
+<?mso-contentType ?>
+<FormTemplates xmlns="http://schemas.microsoft.com/sharepoint/v3/contenttype/forms">
+  <Display>DocumentLibraryForm</Display>
+  <Edit>DocumentLibraryForm</Edit>
+  <New>DocumentLibraryForm</New>
+</FormTemplates>
+</file>
+
+<file path=customXml/item3.xml><?xml version="1.0" encoding="utf-8"?>
 <ct:contentTypeSchema xmlns:ct="http://schemas.microsoft.com/office/2006/metadata/contentType" xmlns:ma="http://schemas.microsoft.com/office/2006/metadata/properties/metaAttributes" ct:_="" ma:_="" ma:contentTypeName="Document" ma:contentTypeID="0x010100EEBA5D7D688A8D40BC8134A23630083E" ma:contentTypeVersion="17" ma:contentTypeDescription="Create a new document." ma:contentTypeScope="" ma:versionID="6c9f025c4a6d5a921d1240212dd2136e">
   <xsd:schema xmlns:xsd="http://www.w3.org/2001/XMLSchema" xmlns:xs="http://www.w3.org/2001/XMLSchema" xmlns:p="http://schemas.microsoft.com/office/2006/metadata/properties" xmlns:ns2="5b887053-13c9-4ef0-8e1a-18d371f97b0f" xmlns:ns3="0cb0f8a9-a4a1-4c3c-bc15-be6ee1e258a4" targetNamespace="http://schemas.microsoft.com/office/2006/metadata/properties" ma:root="true" ma:fieldsID="76276428416178d444d5a49df65bd1b6" ns2:_="" ns3:_="">
     <xsd:import namespace="5b887053-13c9-4ef0-8e1a-18d371f97b0f"/>
@@ -27063,15 +27209,6 @@
 </ct:contentTypeSchema>
 </file>
 
-<file path=customXml/item3.xml><?xml version="1.0" encoding="utf-8"?>
-<?mso-contentType ?>
-<FormTemplates xmlns="http://schemas.microsoft.com/sharepoint/v3/contenttype/forms">
-  <Display>DocumentLibraryForm</Display>
-  <Edit>DocumentLibraryForm</Edit>
-  <New>DocumentLibraryForm</New>
-</FormTemplates>
-</file>
-
 <file path=customXml/itemProps1.xml><?xml version="1.0" encoding="utf-8"?>
 <ds:datastoreItem xmlns:ds="http://schemas.openxmlformats.org/officeDocument/2006/customXml" ds:itemID="{FDC47B46-8518-488D-ACE5-55099526A1A9}">
   <ds:schemaRefs>
@@ -27090,6 +27227,14 @@
 </file>
 
 <file path=customXml/itemProps2.xml><?xml version="1.0" encoding="utf-8"?>
+<ds:datastoreItem xmlns:ds="http://schemas.openxmlformats.org/officeDocument/2006/customXml" ds:itemID="{D703E6E5-489B-4004-B595-51B1421CF944}">
+  <ds:schemaRefs>
+    <ds:schemaRef ds:uri="http://schemas.microsoft.com/sharepoint/v3/contenttype/forms"/>
+  </ds:schemaRefs>
+</ds:datastoreItem>
+</file>
+
+<file path=customXml/itemProps3.xml><?xml version="1.0" encoding="utf-8"?>
 <ds:datastoreItem xmlns:ds="http://schemas.openxmlformats.org/officeDocument/2006/customXml" ds:itemID="{3ACBF87C-9E24-4F0A-85E5-D0AA1A6E191C}">
   <ds:schemaRefs>
     <ds:schemaRef ds:uri="http://schemas.microsoft.com/office/2006/metadata/contentType"/>
@@ -27106,12 +27251,4 @@
     <ds:schemaRef ds:uri="http://schemas.microsoft.com/internal/obd"/>
   </ds:schemaRefs>
 </ds:datastoreItem>
-</file>
-
-<file path=customXml/itemProps3.xml><?xml version="1.0" encoding="utf-8"?>
-<ds:datastoreItem xmlns:ds="http://schemas.openxmlformats.org/officeDocument/2006/customXml" ds:itemID="{D703E6E5-489B-4004-B595-51B1421CF944}">
-  <ds:schemaRefs>
-    <ds:schemaRef ds:uri="http://schemas.microsoft.com/sharepoint/v3/contenttype/forms"/>
-  </ds:schemaRefs>
-</ds:datastoreItem>
 </file>
--- a/DesignPatterns/Behavioral Design Patterns/Behavioral Design Patterns - WTG.pptx
+++ b/DesignPatterns/Behavioral Design Patterns/Behavioral Design Patterns - WTG.pptx
@@ -16,8 +16,8 @@
     <p:sldId id="309" r:id="rId7"/>
     <p:sldId id="312" r:id="rId8"/>
     <p:sldId id="311" r:id="rId9"/>
-    <p:sldId id="324" r:id="rId10"/>
-    <p:sldId id="325" r:id="rId11"/>
+    <p:sldId id="325" r:id="rId10"/>
+    <p:sldId id="326" r:id="rId11"/>
     <p:sldId id="319" r:id="rId12"/>
     <p:sldId id="306" r:id="rId13"/>
     <p:sldId id="320" r:id="rId14"/>
@@ -151,7 +151,7 @@
 <file path=ppt/revisionInfo.xml><?xml version="1.0" encoding="utf-8"?>
 <p1510:revInfo xmlns:a="http://schemas.openxmlformats.org/drawingml/2006/main" xmlns:r="http://schemas.openxmlformats.org/officeDocument/2006/relationships" xmlns:p1510="http://schemas.microsoft.com/office/powerpoint/2015/10/main">
   <p1510:revLst>
-    <p1510:client id="{7058694A-483B-403F-89BA-FD8C3FB39D35}" v="514" dt="2023-09-26T16:32:01.551"/>
+    <p1510:client id="{7058694A-483B-403F-89BA-FD8C3FB39D35}" v="523" dt="2023-09-26T16:40:38.532"/>
   </p1510:revLst>
 </p1510:revInfo>
 </file>
@@ -940,7 +940,7 @@
   <pc:docChgLst>
     <pc:chgData name="Nancy Li" userId="afc5209a-cf39-48d8-a57f-08cc8b772ec9" providerId="ADAL" clId="{7058694A-483B-403F-89BA-FD8C3FB39D35}"/>
     <pc:docChg chg="undo custSel addSld delSld modSld sldOrd">
-      <pc:chgData name="Nancy Li" userId="afc5209a-cf39-48d8-a57f-08cc8b772ec9" providerId="ADAL" clId="{7058694A-483B-403F-89BA-FD8C3FB39D35}" dt="2023-09-26T16:32:01.551" v="1712"/>
+      <pc:chgData name="Nancy Li" userId="afc5209a-cf39-48d8-a57f-08cc8b772ec9" providerId="ADAL" clId="{7058694A-483B-403F-89BA-FD8C3FB39D35}" dt="2023-09-26T16:40:56.047" v="1732" actId="47"/>
       <pc:docMkLst>
         <pc:docMk/>
       </pc:docMkLst>
@@ -1519,14 +1519,14 @@
           <pc:sldMk cId="2474924537" sldId="323"/>
         </pc:sldMkLst>
       </pc:sldChg>
-      <pc:sldChg chg="addSp delSp modSp add mod delAnim modNotesTx">
-        <pc:chgData name="Nancy Li" userId="afc5209a-cf39-48d8-a57f-08cc8b772ec9" providerId="ADAL" clId="{7058694A-483B-403F-89BA-FD8C3FB39D35}" dt="2023-09-26T16:19:35.077" v="1690" actId="6549"/>
+      <pc:sldChg chg="addSp delSp modSp add del mod delAnim modNotesTx">
+        <pc:chgData name="Nancy Li" userId="afc5209a-cf39-48d8-a57f-08cc8b772ec9" providerId="ADAL" clId="{7058694A-483B-403F-89BA-FD8C3FB39D35}" dt="2023-09-26T16:37:11.336" v="1715" actId="47"/>
         <pc:sldMkLst>
           <pc:docMk/>
           <pc:sldMk cId="1582934647" sldId="324"/>
         </pc:sldMkLst>
         <pc:picChg chg="add mod">
-          <ac:chgData name="Nancy Li" userId="afc5209a-cf39-48d8-a57f-08cc8b772ec9" providerId="ADAL" clId="{7058694A-483B-403F-89BA-FD8C3FB39D35}" dt="2023-09-26T16:11:15.635" v="1651" actId="14100"/>
+          <ac:chgData name="Nancy Li" userId="afc5209a-cf39-48d8-a57f-08cc8b772ec9" providerId="ADAL" clId="{7058694A-483B-403F-89BA-FD8C3FB39D35}" dt="2023-09-26T16:37:02.469" v="1713" actId="1076"/>
           <ac:picMkLst>
             <pc:docMk/>
             <pc:sldMk cId="1582934647" sldId="324"/>
@@ -1534,7 +1534,7 @@
           </ac:picMkLst>
         </pc:picChg>
         <pc:picChg chg="add mod">
-          <ac:chgData name="Nancy Li" userId="afc5209a-cf39-48d8-a57f-08cc8b772ec9" providerId="ADAL" clId="{7058694A-483B-403F-89BA-FD8C3FB39D35}" dt="2023-09-26T16:11:39.533" v="1654" actId="1076"/>
+          <ac:chgData name="Nancy Li" userId="afc5209a-cf39-48d8-a57f-08cc8b772ec9" providerId="ADAL" clId="{7058694A-483B-403F-89BA-FD8C3FB39D35}" dt="2023-09-26T16:37:03.445" v="1714" actId="1076"/>
           <ac:picMkLst>
             <pc:docMk/>
             <pc:sldMk cId="1582934647" sldId="324"/>
@@ -1582,12 +1582,28 @@
           </ac:picMkLst>
         </pc:picChg>
       </pc:sldChg>
-      <pc:sldChg chg="addSp modSp add mod modAnim modNotesTx">
-        <pc:chgData name="Nancy Li" userId="afc5209a-cf39-48d8-a57f-08cc8b772ec9" providerId="ADAL" clId="{7058694A-483B-403F-89BA-FD8C3FB39D35}" dt="2023-09-26T16:32:01.551" v="1712"/>
+      <pc:sldChg chg="addSp delSp modSp add mod delAnim modAnim modNotesTx">
+        <pc:chgData name="Nancy Li" userId="afc5209a-cf39-48d8-a57f-08cc8b772ec9" providerId="ADAL" clId="{7058694A-483B-403F-89BA-FD8C3FB39D35}" dt="2023-09-26T16:40:38.532" v="1731"/>
         <pc:sldMkLst>
           <pc:docMk/>
           <pc:sldMk cId="2485473194" sldId="325"/>
         </pc:sldMkLst>
+        <pc:spChg chg="add mod">
+          <ac:chgData name="Nancy Li" userId="afc5209a-cf39-48d8-a57f-08cc8b772ec9" providerId="ADAL" clId="{7058694A-483B-403F-89BA-FD8C3FB39D35}" dt="2023-09-26T16:39:41.680" v="1725"/>
+          <ac:spMkLst>
+            <pc:docMk/>
+            <pc:sldMk cId="2485473194" sldId="325"/>
+            <ac:spMk id="4" creationId="{E40A7E66-F710-718B-2A0D-8FF0C86512CE}"/>
+          </ac:spMkLst>
+        </pc:spChg>
+        <pc:spChg chg="mod">
+          <ac:chgData name="Nancy Li" userId="afc5209a-cf39-48d8-a57f-08cc8b772ec9" providerId="ADAL" clId="{7058694A-483B-403F-89BA-FD8C3FB39D35}" dt="2023-09-26T16:38:46.593" v="1722"/>
+          <ac:spMkLst>
+            <pc:docMk/>
+            <pc:sldMk cId="2485473194" sldId="325"/>
+            <ac:spMk id="13" creationId="{3BAEBDBD-7B50-9F58-BD3C-27FF4C445264}"/>
+          </ac:spMkLst>
+        </pc:spChg>
         <pc:picChg chg="mod">
           <ac:chgData name="Nancy Li" userId="afc5209a-cf39-48d8-a57f-08cc8b772ec9" providerId="ADAL" clId="{7058694A-483B-403F-89BA-FD8C3FB39D35}" dt="2023-09-26T16:31:39.958" v="1703" actId="1076"/>
           <ac:picMkLst>
@@ -1596,8 +1612,8 @@
             <ac:picMk id="5" creationId="{7FA60C98-F3AC-9CEF-EB07-2992F7E1122A}"/>
           </ac:picMkLst>
         </pc:picChg>
-        <pc:picChg chg="add mod">
-          <ac:chgData name="Nancy Li" userId="afc5209a-cf39-48d8-a57f-08cc8b772ec9" providerId="ADAL" clId="{7058694A-483B-403F-89BA-FD8C3FB39D35}" dt="2023-09-26T16:31:54.188" v="1711" actId="1076"/>
+        <pc:picChg chg="add del mod">
+          <ac:chgData name="Nancy Li" userId="afc5209a-cf39-48d8-a57f-08cc8b772ec9" providerId="ADAL" clId="{7058694A-483B-403F-89BA-FD8C3FB39D35}" dt="2023-09-26T16:40:37.402" v="1730" actId="21"/>
           <ac:picMkLst>
             <pc:docMk/>
             <pc:sldMk cId="2485473194" sldId="325"/>
@@ -1612,6 +1628,14 @@
             <ac:picMk id="7" creationId="{859467EC-2EFA-997F-4B7B-7B88BD2BB23B}"/>
           </ac:picMkLst>
         </pc:picChg>
+        <pc:picChg chg="add mod">
+          <ac:chgData name="Nancy Li" userId="afc5209a-cf39-48d8-a57f-08cc8b772ec9" providerId="ADAL" clId="{7058694A-483B-403F-89BA-FD8C3FB39D35}" dt="2023-09-26T16:40:38.532" v="1731"/>
+          <ac:picMkLst>
+            <pc:docMk/>
+            <pc:sldMk cId="2485473194" sldId="325"/>
+            <ac:picMk id="8" creationId="{92846116-C27B-CE19-AC0B-3732A9BE4F3F}"/>
+          </ac:picMkLst>
+        </pc:picChg>
         <pc:picChg chg="mod">
           <ac:chgData name="Nancy Li" userId="afc5209a-cf39-48d8-a57f-08cc8b772ec9" providerId="ADAL" clId="{7058694A-483B-403F-89BA-FD8C3FB39D35}" dt="2023-09-26T16:31:45.635" v="1706" actId="14100"/>
           <ac:picMkLst>
@@ -1620,6 +1644,52 @@
             <ac:picMk id="9" creationId="{9D7B30CC-1FF8-0376-632B-20B6145560D2}"/>
           </ac:picMkLst>
         </pc:picChg>
+      </pc:sldChg>
+      <pc:sldChg chg="delSp add mod delAnim">
+        <pc:chgData name="Nancy Li" userId="afc5209a-cf39-48d8-a57f-08cc8b772ec9" providerId="ADAL" clId="{7058694A-483B-403F-89BA-FD8C3FB39D35}" dt="2023-09-26T16:37:20.487" v="1720" actId="478"/>
+        <pc:sldMkLst>
+          <pc:docMk/>
+          <pc:sldMk cId="528489567" sldId="326"/>
+        </pc:sldMkLst>
+        <pc:picChg chg="del">
+          <ac:chgData name="Nancy Li" userId="afc5209a-cf39-48d8-a57f-08cc8b772ec9" providerId="ADAL" clId="{7058694A-483B-403F-89BA-FD8C3FB39D35}" dt="2023-09-26T16:37:17.719" v="1717" actId="478"/>
+          <ac:picMkLst>
+            <pc:docMk/>
+            <pc:sldMk cId="528489567" sldId="326"/>
+            <ac:picMk id="5" creationId="{7FA60C98-F3AC-9CEF-EB07-2992F7E1122A}"/>
+          </ac:picMkLst>
+        </pc:picChg>
+        <pc:picChg chg="del">
+          <ac:chgData name="Nancy Li" userId="afc5209a-cf39-48d8-a57f-08cc8b772ec9" providerId="ADAL" clId="{7058694A-483B-403F-89BA-FD8C3FB39D35}" dt="2023-09-26T16:37:20.487" v="1720" actId="478"/>
+          <ac:picMkLst>
+            <pc:docMk/>
+            <pc:sldMk cId="528489567" sldId="326"/>
+            <ac:picMk id="6" creationId="{AE567661-23D1-9747-8A82-E2D1AB9822E1}"/>
+          </ac:picMkLst>
+        </pc:picChg>
+        <pc:picChg chg="del">
+          <ac:chgData name="Nancy Li" userId="afc5209a-cf39-48d8-a57f-08cc8b772ec9" providerId="ADAL" clId="{7058694A-483B-403F-89BA-FD8C3FB39D35}" dt="2023-09-26T16:37:18.332" v="1718" actId="478"/>
+          <ac:picMkLst>
+            <pc:docMk/>
+            <pc:sldMk cId="528489567" sldId="326"/>
+            <ac:picMk id="7" creationId="{859467EC-2EFA-997F-4B7B-7B88BD2BB23B}"/>
+          </ac:picMkLst>
+        </pc:picChg>
+        <pc:picChg chg="del">
+          <ac:chgData name="Nancy Li" userId="afc5209a-cf39-48d8-a57f-08cc8b772ec9" providerId="ADAL" clId="{7058694A-483B-403F-89BA-FD8C3FB39D35}" dt="2023-09-26T16:37:19.095" v="1719" actId="478"/>
+          <ac:picMkLst>
+            <pc:docMk/>
+            <pc:sldMk cId="528489567" sldId="326"/>
+            <ac:picMk id="9" creationId="{9D7B30CC-1FF8-0376-632B-20B6145560D2}"/>
+          </ac:picMkLst>
+        </pc:picChg>
+      </pc:sldChg>
+      <pc:sldChg chg="new del">
+        <pc:chgData name="Nancy Li" userId="afc5209a-cf39-48d8-a57f-08cc8b772ec9" providerId="ADAL" clId="{7058694A-483B-403F-89BA-FD8C3FB39D35}" dt="2023-09-26T16:40:56.047" v="1732" actId="47"/>
+        <pc:sldMkLst>
+          <pc:docMk/>
+          <pc:sldMk cId="1740867288" sldId="327"/>
+        </pc:sldMkLst>
       </pc:sldChg>
     </pc:docChg>
   </pc:docChgLst>
@@ -18292,7 +18362,27 @@
                 <a:effectLst/>
                 <a:latin typeface="-apple-system"/>
               </a:rPr>
-              <a:t>中，事件和委托与观察者模式密切相</a:t>
+              <a:t>中，事件和委托与观察者模式密切相关，</a:t>
+            </a:r>
+            <a:r>
+              <a:rPr lang="en-US" altLang="zh-CN" b="0" i="0" dirty="0">
+                <a:solidFill>
+                  <a:srgbClr val="FFFFFF"/>
+                </a:solidFill>
+                <a:effectLst/>
+                <a:latin typeface="-apple-system"/>
+              </a:rPr>
+              <a:t>C#</a:t>
+            </a:r>
+            <a:r>
+              <a:rPr lang="zh-CN" altLang="en-US" b="0" i="0" dirty="0">
+                <a:solidFill>
+                  <a:srgbClr val="FFFFFF"/>
+                </a:solidFill>
+                <a:effectLst/>
+                <a:latin typeface="-apple-system"/>
+              </a:rPr>
+              <a:t>中的事件和委托提供了一种方便的方式来实现观察者模式的</a:t>
             </a:r>
             <a:r>
               <a:rPr lang="zh-CN" altLang="en-US" b="0" i="0">
@@ -18302,28 +18392,15 @@
                 <a:effectLst/>
                 <a:latin typeface="-apple-system"/>
               </a:rPr>
-              <a:t>关，</a:t>
-            </a:r>
-            <a:r>
-              <a:rPr lang="en-US" altLang="zh-CN" b="0" i="0">
-                <a:solidFill>
-                  <a:srgbClr val="FFFFFF"/>
-                </a:solidFill>
-                <a:effectLst/>
-                <a:latin typeface="-apple-system"/>
-              </a:rPr>
-              <a:t>C#</a:t>
-            </a:r>
-            <a:r>
-              <a:rPr lang="zh-CN" altLang="en-US" b="0" i="0" dirty="0">
-                <a:solidFill>
-                  <a:srgbClr val="FFFFFF"/>
-                </a:solidFill>
-                <a:effectLst/>
-                <a:latin typeface="-apple-system"/>
-              </a:rPr>
-              <a:t>中的事件和委托提供了一种方便的方式来实现观察者模式的核心概念，即主题和观察者之间的通信。</a:t>
-            </a:r>
+              <a:t>，即事件的绑定和触发</a:t>
+            </a:r>
+            <a:endParaRPr lang="zh-CN" altLang="en-US" b="0" i="0" dirty="0">
+              <a:solidFill>
+                <a:srgbClr val="FFFFFF"/>
+              </a:solidFill>
+              <a:effectLst/>
+              <a:latin typeface="-apple-system"/>
+            </a:endParaRPr>
           </a:p>
           <a:p>
             <a:pPr algn="l">
@@ -18488,7 +18565,7 @@
     </p:spTree>
     <p:extLst>
       <p:ext uri="{BB962C8B-B14F-4D97-AF65-F5344CB8AC3E}">
-        <p14:creationId xmlns:p14="http://schemas.microsoft.com/office/powerpoint/2010/main" val="3183013309"/>
+        <p14:creationId xmlns:p14="http://schemas.microsoft.com/office/powerpoint/2010/main" val="3240177774"/>
       </p:ext>
     </p:extLst>
   </p:cSld>
@@ -18777,7 +18854,7 @@
     </p:spTree>
     <p:extLst>
       <p:ext uri="{BB962C8B-B14F-4D97-AF65-F5344CB8AC3E}">
-        <p14:creationId xmlns:p14="http://schemas.microsoft.com/office/powerpoint/2010/main" val="3240177774"/>
+        <p14:creationId xmlns:p14="http://schemas.microsoft.com/office/powerpoint/2010/main" val="969144265"/>
       </p:ext>
     </p:extLst>
   </p:cSld>
@@ -25388,229 +25465,6 @@
         </p:blipFill>
         <p:spPr>
           <a:xfrm>
-            <a:off x="1235400" y="4697760"/>
-            <a:ext cx="7097459" cy="4500520"/>
-          </a:xfrm>
-          <a:prstGeom prst="rect">
-            <a:avLst/>
-          </a:prstGeom>
-        </p:spPr>
-      </p:pic>
-      <p:pic>
-        <p:nvPicPr>
-          <p:cNvPr id="7" name="Picture 6">
-            <a:extLst>
-              <a:ext uri="{FF2B5EF4-FFF2-40B4-BE49-F238E27FC236}">
-                <a16:creationId xmlns:a16="http://schemas.microsoft.com/office/drawing/2014/main" id="{859467EC-2EFA-997F-4B7B-7B88BD2BB23B}"/>
-              </a:ext>
-            </a:extLst>
-          </p:cNvPr>
-          <p:cNvPicPr>
-            <a:picLocks noChangeAspect="1"/>
-          </p:cNvPicPr>
-          <p:nvPr/>
-        </p:nvPicPr>
-        <p:blipFill>
-          <a:blip r:embed="rId4"/>
-          <a:stretch>
-            <a:fillRect/>
-          </a:stretch>
-        </p:blipFill>
-        <p:spPr>
-          <a:xfrm>
-            <a:off x="8901788" y="4141359"/>
-            <a:ext cx="6580423" cy="5433281"/>
-          </a:xfrm>
-          <a:prstGeom prst="rect">
-            <a:avLst/>
-          </a:prstGeom>
-        </p:spPr>
-      </p:pic>
-      <p:pic>
-        <p:nvPicPr>
-          <p:cNvPr id="9" name="Picture 8">
-            <a:extLst>
-              <a:ext uri="{FF2B5EF4-FFF2-40B4-BE49-F238E27FC236}">
-                <a16:creationId xmlns:a16="http://schemas.microsoft.com/office/drawing/2014/main" id="{9D7B30CC-1FF8-0376-632B-20B6145560D2}"/>
-              </a:ext>
-            </a:extLst>
-          </p:cNvPr>
-          <p:cNvPicPr>
-            <a:picLocks noChangeAspect="1"/>
-          </p:cNvPicPr>
-          <p:nvPr/>
-        </p:nvPicPr>
-        <p:blipFill>
-          <a:blip r:embed="rId5"/>
-          <a:stretch>
-            <a:fillRect/>
-          </a:stretch>
-        </p:blipFill>
-        <p:spPr>
-          <a:xfrm>
-            <a:off x="15864407" y="5353236"/>
-            <a:ext cx="5279189" cy="3376971"/>
-          </a:xfrm>
-          <a:prstGeom prst="rect">
-            <a:avLst/>
-          </a:prstGeom>
-        </p:spPr>
-      </p:pic>
-    </p:spTree>
-    <p:extLst>
-      <p:ext uri="{BB962C8B-B14F-4D97-AF65-F5344CB8AC3E}">
-        <p14:creationId xmlns:p14="http://schemas.microsoft.com/office/powerpoint/2010/main" val="1582934647"/>
-      </p:ext>
-    </p:extLst>
-  </p:cSld>
-  <p:clrMapOvr>
-    <a:masterClrMapping/>
-  </p:clrMapOvr>
-</p:sld>
-</file>
-
-<file path=ppt/slides/slide7.xml><?xml version="1.0" encoding="utf-8"?>
-<p:sld xmlns:a="http://schemas.openxmlformats.org/drawingml/2006/main" xmlns:r="http://schemas.openxmlformats.org/officeDocument/2006/relationships" xmlns:p="http://schemas.openxmlformats.org/presentationml/2006/main">
-  <p:cSld>
-    <p:spTree>
-      <p:nvGrpSpPr>
-        <p:cNvPr id="1" name=""/>
-        <p:cNvGrpSpPr/>
-        <p:nvPr/>
-      </p:nvGrpSpPr>
-      <p:grpSpPr>
-        <a:xfrm>
-          <a:off x="0" y="0"/>
-          <a:ext cx="0" cy="0"/>
-          <a:chOff x="0" y="0"/>
-          <a:chExt cx="0" cy="0"/>
-        </a:xfrm>
-      </p:grpSpPr>
-      <p:sp>
-        <p:nvSpPr>
-          <p:cNvPr id="2" name="Footer Placeholder 1">
-            <a:extLst>
-              <a:ext uri="{FF2B5EF4-FFF2-40B4-BE49-F238E27FC236}">
-                <a16:creationId xmlns:a16="http://schemas.microsoft.com/office/drawing/2014/main" id="{22DA5C28-F0FD-47D6-8E92-1C9E6EA87F96}"/>
-              </a:ext>
-            </a:extLst>
-          </p:cNvPr>
-          <p:cNvSpPr>
-            <a:spLocks noGrp="1"/>
-          </p:cNvSpPr>
-          <p:nvPr>
-            <p:ph type="ftr" sz="quarter" idx="3"/>
-          </p:nvPr>
-        </p:nvSpPr>
-        <p:spPr/>
-        <p:txBody>
-          <a:bodyPr/>
-          <a:lstStyle/>
-          <a:p>
-            <a:r>
-              <a:rPr lang="en-AU" dirty="0"/>
-              <a:t>© 2023 CargoWise</a:t>
-            </a:r>
-          </a:p>
-        </p:txBody>
-      </p:sp>
-      <p:sp>
-        <p:nvSpPr>
-          <p:cNvPr id="3" name="Slide Number Placeholder 2">
-            <a:extLst>
-              <a:ext uri="{FF2B5EF4-FFF2-40B4-BE49-F238E27FC236}">
-                <a16:creationId xmlns:a16="http://schemas.microsoft.com/office/drawing/2014/main" id="{15B20483-DDDA-4E06-872B-F88C31FDBA35}"/>
-              </a:ext>
-            </a:extLst>
-          </p:cNvPr>
-          <p:cNvSpPr>
-            <a:spLocks noGrp="1"/>
-          </p:cNvSpPr>
-          <p:nvPr>
-            <p:ph type="sldNum" sz="quarter" idx="4"/>
-          </p:nvPr>
-        </p:nvSpPr>
-        <p:spPr/>
-        <p:txBody>
-          <a:bodyPr/>
-          <a:lstStyle/>
-          <a:p>
-            <a:fld id="{67E7CB4E-0848-4774-9F85-B38117CB1B54}" type="slidenum">
-              <a:rPr lang="en-AU" smtClean="0"/>
-              <a:pPr/>
-              <a:t>7</a:t>
-            </a:fld>
-            <a:endParaRPr lang="en-AU"/>
-          </a:p>
-        </p:txBody>
-      </p:sp>
-      <p:sp>
-        <p:nvSpPr>
-          <p:cNvPr id="13" name="Title 9">
-            <a:extLst>
-              <a:ext uri="{FF2B5EF4-FFF2-40B4-BE49-F238E27FC236}">
-                <a16:creationId xmlns:a16="http://schemas.microsoft.com/office/drawing/2014/main" id="{3BAEBDBD-7B50-9F58-BD3C-27FF4C445264}"/>
-              </a:ext>
-            </a:extLst>
-          </p:cNvPr>
-          <p:cNvSpPr>
-            <a:spLocks noGrp="1"/>
-          </p:cNvSpPr>
-          <p:nvPr>
-            <p:ph type="title"/>
-          </p:nvPr>
-        </p:nvSpPr>
-        <p:spPr>
-          <a:xfrm>
-            <a:off x="1080000" y="1125271"/>
-            <a:ext cx="22201232" cy="701456"/>
-          </a:xfrm>
-        </p:spPr>
-        <p:txBody>
-          <a:bodyPr/>
-          <a:lstStyle/>
-          <a:p>
-            <a:r>
-              <a:rPr lang="en-US" b="1" dirty="0"/>
-              <a:t>1. </a:t>
-            </a:r>
-            <a:r>
-              <a:rPr lang="en-US" b="1" kern="1200" dirty="0">
-                <a:latin typeface="Calibri" panose="020F0502020204030204"/>
-                <a:ea typeface="+mn-ea"/>
-                <a:cs typeface="+mn-cs"/>
-              </a:rPr>
-              <a:t>Observer</a:t>
-            </a:r>
-            <a:br>
-              <a:rPr lang="en-US" dirty="0"/>
-            </a:br>
-            <a:endParaRPr lang="en-US" dirty="0"/>
-          </a:p>
-        </p:txBody>
-      </p:sp>
-      <p:pic>
-        <p:nvPicPr>
-          <p:cNvPr id="5" name="Picture 4">
-            <a:extLst>
-              <a:ext uri="{FF2B5EF4-FFF2-40B4-BE49-F238E27FC236}">
-                <a16:creationId xmlns:a16="http://schemas.microsoft.com/office/drawing/2014/main" id="{7FA60C98-F3AC-9CEF-EB07-2992F7E1122A}"/>
-              </a:ext>
-            </a:extLst>
-          </p:cNvPr>
-          <p:cNvPicPr>
-            <a:picLocks noChangeAspect="1"/>
-          </p:cNvPicPr>
-          <p:nvPr/>
-        </p:nvPicPr>
-        <p:blipFill>
-          <a:blip r:embed="rId3"/>
-          <a:stretch>
-            <a:fillRect/>
-          </a:stretch>
-        </p:blipFill>
-        <p:spPr>
-          <a:xfrm>
             <a:off x="1235400" y="3905672"/>
             <a:ext cx="7097459" cy="4500520"/>
           </a:xfrm>
@@ -25679,12 +25533,45 @@
           </a:prstGeom>
         </p:spPr>
       </p:pic>
+      <p:sp>
+        <p:nvSpPr>
+          <p:cNvPr id="4" name="Text Placeholder 6">
+            <a:extLst>
+              <a:ext uri="{FF2B5EF4-FFF2-40B4-BE49-F238E27FC236}">
+                <a16:creationId xmlns:a16="http://schemas.microsoft.com/office/drawing/2014/main" id="{E40A7E66-F710-718B-2A0D-8FF0C86512CE}"/>
+              </a:ext>
+            </a:extLst>
+          </p:cNvPr>
+          <p:cNvSpPr>
+            <a:spLocks noGrp="1"/>
+          </p:cNvSpPr>
+          <p:nvPr>
+            <p:ph type="body" sz="quarter" idx="13"/>
+          </p:nvPr>
+        </p:nvSpPr>
+        <p:spPr>
+          <a:xfrm>
+            <a:off x="1079625" y="2105472"/>
+            <a:ext cx="22201232" cy="440298"/>
+          </a:xfrm>
+        </p:spPr>
+        <p:txBody>
+          <a:bodyPr/>
+          <a:lstStyle/>
+          <a:p>
+            <a:r>
+              <a:rPr lang="en-US" dirty="0"/>
+              <a:t>Implementation of Observer Pattern in C#: Events and Delegates</a:t>
+            </a:r>
+          </a:p>
+        </p:txBody>
+      </p:sp>
       <p:pic>
         <p:nvPicPr>
-          <p:cNvPr id="6" name="Picture 5">
+          <p:cNvPr id="8" name="Picture 7">
             <a:extLst>
               <a:ext uri="{FF2B5EF4-FFF2-40B4-BE49-F238E27FC236}">
-                <a16:creationId xmlns:a16="http://schemas.microsoft.com/office/drawing/2014/main" id="{AE567661-23D1-9747-8A82-E2D1AB9822E1}"/>
+                <a16:creationId xmlns:a16="http://schemas.microsoft.com/office/drawing/2014/main" id="{92846116-C27B-CE19-AC0B-3732A9BE4F3F}"/>
               </a:ext>
             </a:extLst>
           </p:cNvPr>
@@ -25740,7 +25627,7 @@
                             </p:stCondLst>
                             <p:childTnLst>
                               <p:par>
-                                <p:cTn id="5" presetID="1" presetClass="entr" presetSubtype="0" fill="hold" nodeType="clickEffect">
+                                <p:cTn id="5" presetID="10" presetClass="entr" presetSubtype="0" fill="hold" nodeType="clickEffect">
                                   <p:stCondLst>
                                     <p:cond delay="0"/>
                                   </p:stCondLst>
@@ -25753,7 +25640,7 @@
                                           </p:stCondLst>
                                         </p:cTn>
                                         <p:tgtEl>
-                                          <p:spTgt spid="6"/>
+                                          <p:spTgt spid="5"/>
                                         </p:tgtEl>
                                         <p:attrNameLst>
                                           <p:attrName>style.visibility</p:attrName>
@@ -25763,6 +25650,137 @@
                                         <p:strVal val="visible"/>
                                       </p:to>
                                     </p:set>
+                                    <p:animEffect transition="in" filter="fade">
+                                      <p:cBhvr>
+                                        <p:cTn id="7" dur="500"/>
+                                        <p:tgtEl>
+                                          <p:spTgt spid="5"/>
+                                        </p:tgtEl>
+                                      </p:cBhvr>
+                                    </p:animEffect>
+                                  </p:childTnLst>
+                                </p:cTn>
+                              </p:par>
+                              <p:par>
+                                <p:cTn id="8" presetID="10" presetClass="entr" presetSubtype="0" fill="hold" nodeType="withEffect">
+                                  <p:stCondLst>
+                                    <p:cond delay="0"/>
+                                  </p:stCondLst>
+                                  <p:childTnLst>
+                                    <p:set>
+                                      <p:cBhvr>
+                                        <p:cTn id="9" dur="1" fill="hold">
+                                          <p:stCondLst>
+                                            <p:cond delay="0"/>
+                                          </p:stCondLst>
+                                        </p:cTn>
+                                        <p:tgtEl>
+                                          <p:spTgt spid="7"/>
+                                        </p:tgtEl>
+                                        <p:attrNameLst>
+                                          <p:attrName>style.visibility</p:attrName>
+                                        </p:attrNameLst>
+                                      </p:cBhvr>
+                                      <p:to>
+                                        <p:strVal val="visible"/>
+                                      </p:to>
+                                    </p:set>
+                                    <p:animEffect transition="in" filter="fade">
+                                      <p:cBhvr>
+                                        <p:cTn id="10" dur="500"/>
+                                        <p:tgtEl>
+                                          <p:spTgt spid="7"/>
+                                        </p:tgtEl>
+                                      </p:cBhvr>
+                                    </p:animEffect>
+                                  </p:childTnLst>
+                                </p:cTn>
+                              </p:par>
+                              <p:par>
+                                <p:cTn id="11" presetID="10" presetClass="entr" presetSubtype="0" fill="hold" nodeType="withEffect">
+                                  <p:stCondLst>
+                                    <p:cond delay="0"/>
+                                  </p:stCondLst>
+                                  <p:childTnLst>
+                                    <p:set>
+                                      <p:cBhvr>
+                                        <p:cTn id="12" dur="1" fill="hold">
+                                          <p:stCondLst>
+                                            <p:cond delay="0"/>
+                                          </p:stCondLst>
+                                        </p:cTn>
+                                        <p:tgtEl>
+                                          <p:spTgt spid="9"/>
+                                        </p:tgtEl>
+                                        <p:attrNameLst>
+                                          <p:attrName>style.visibility</p:attrName>
+                                        </p:attrNameLst>
+                                      </p:cBhvr>
+                                      <p:to>
+                                        <p:strVal val="visible"/>
+                                      </p:to>
+                                    </p:set>
+                                    <p:animEffect transition="in" filter="fade">
+                                      <p:cBhvr>
+                                        <p:cTn id="13" dur="500"/>
+                                        <p:tgtEl>
+                                          <p:spTgt spid="9"/>
+                                        </p:tgtEl>
+                                      </p:cBhvr>
+                                    </p:animEffect>
+                                  </p:childTnLst>
+                                </p:cTn>
+                              </p:par>
+                            </p:childTnLst>
+                          </p:cTn>
+                        </p:par>
+                      </p:childTnLst>
+                    </p:cTn>
+                  </p:par>
+                  <p:par>
+                    <p:cTn id="14" fill="hold">
+                      <p:stCondLst>
+                        <p:cond delay="indefinite"/>
+                      </p:stCondLst>
+                      <p:childTnLst>
+                        <p:par>
+                          <p:cTn id="15" fill="hold">
+                            <p:stCondLst>
+                              <p:cond delay="0"/>
+                            </p:stCondLst>
+                            <p:childTnLst>
+                              <p:par>
+                                <p:cTn id="16" presetID="10" presetClass="entr" presetSubtype="0" fill="hold" nodeType="clickEffect">
+                                  <p:stCondLst>
+                                    <p:cond delay="0"/>
+                                  </p:stCondLst>
+                                  <p:childTnLst>
+                                    <p:set>
+                                      <p:cBhvr>
+                                        <p:cTn id="17" dur="1" fill="hold">
+                                          <p:stCondLst>
+                                            <p:cond delay="0"/>
+                                          </p:stCondLst>
+                                        </p:cTn>
+                                        <p:tgtEl>
+                                          <p:spTgt spid="8"/>
+                                        </p:tgtEl>
+                                        <p:attrNameLst>
+                                          <p:attrName>style.visibility</p:attrName>
+                                        </p:attrNameLst>
+                                      </p:cBhvr>
+                                      <p:to>
+                                        <p:strVal val="visible"/>
+                                      </p:to>
+                                    </p:set>
+                                    <p:animEffect transition="in" filter="fade">
+                                      <p:cBhvr>
+                                        <p:cTn id="18" dur="500"/>
+                                        <p:tgtEl>
+                                          <p:spTgt spid="8"/>
+                                        </p:tgtEl>
+                                      </p:cBhvr>
+                                    </p:animEffect>
                                   </p:childTnLst>
                                 </p:cTn>
                               </p:par>
@@ -25794,6 +25812,139 @@
       </p:par>
     </p:tnLst>
   </p:timing>
+</p:sld>
+</file>
+
+<file path=ppt/slides/slide7.xml><?xml version="1.0" encoding="utf-8"?>
+<p:sld xmlns:a="http://schemas.openxmlformats.org/drawingml/2006/main" xmlns:r="http://schemas.openxmlformats.org/officeDocument/2006/relationships" xmlns:p="http://schemas.openxmlformats.org/presentationml/2006/main">
+  <p:cSld>
+    <p:spTree>
+      <p:nvGrpSpPr>
+        <p:cNvPr id="1" name=""/>
+        <p:cNvGrpSpPr/>
+        <p:nvPr/>
+      </p:nvGrpSpPr>
+      <p:grpSpPr>
+        <a:xfrm>
+          <a:off x="0" y="0"/>
+          <a:ext cx="0" cy="0"/>
+          <a:chOff x="0" y="0"/>
+          <a:chExt cx="0" cy="0"/>
+        </a:xfrm>
+      </p:grpSpPr>
+      <p:sp>
+        <p:nvSpPr>
+          <p:cNvPr id="2" name="Footer Placeholder 1">
+            <a:extLst>
+              <a:ext uri="{FF2B5EF4-FFF2-40B4-BE49-F238E27FC236}">
+                <a16:creationId xmlns:a16="http://schemas.microsoft.com/office/drawing/2014/main" id="{22DA5C28-F0FD-47D6-8E92-1C9E6EA87F96}"/>
+              </a:ext>
+            </a:extLst>
+          </p:cNvPr>
+          <p:cNvSpPr>
+            <a:spLocks noGrp="1"/>
+          </p:cNvSpPr>
+          <p:nvPr>
+            <p:ph type="ftr" sz="quarter" idx="3"/>
+          </p:nvPr>
+        </p:nvSpPr>
+        <p:spPr/>
+        <p:txBody>
+          <a:bodyPr/>
+          <a:lstStyle/>
+          <a:p>
+            <a:r>
+              <a:rPr lang="en-AU" dirty="0"/>
+              <a:t>© 2023 CargoWise</a:t>
+            </a:r>
+          </a:p>
+        </p:txBody>
+      </p:sp>
+      <p:sp>
+        <p:nvSpPr>
+          <p:cNvPr id="3" name="Slide Number Placeholder 2">
+            <a:extLst>
+              <a:ext uri="{FF2B5EF4-FFF2-40B4-BE49-F238E27FC236}">
+                <a16:creationId xmlns:a16="http://schemas.microsoft.com/office/drawing/2014/main" id="{15B20483-DDDA-4E06-872B-F88C31FDBA35}"/>
+              </a:ext>
+            </a:extLst>
+          </p:cNvPr>
+          <p:cNvSpPr>
+            <a:spLocks noGrp="1"/>
+          </p:cNvSpPr>
+          <p:nvPr>
+            <p:ph type="sldNum" sz="quarter" idx="4"/>
+          </p:nvPr>
+        </p:nvSpPr>
+        <p:spPr/>
+        <p:txBody>
+          <a:bodyPr/>
+          <a:lstStyle/>
+          <a:p>
+            <a:fld id="{67E7CB4E-0848-4774-9F85-B38117CB1B54}" type="slidenum">
+              <a:rPr lang="en-AU" smtClean="0"/>
+              <a:pPr/>
+              <a:t>7</a:t>
+            </a:fld>
+            <a:endParaRPr lang="en-AU"/>
+          </a:p>
+        </p:txBody>
+      </p:sp>
+      <p:sp>
+        <p:nvSpPr>
+          <p:cNvPr id="13" name="Title 9">
+            <a:extLst>
+              <a:ext uri="{FF2B5EF4-FFF2-40B4-BE49-F238E27FC236}">
+                <a16:creationId xmlns:a16="http://schemas.microsoft.com/office/drawing/2014/main" id="{3BAEBDBD-7B50-9F58-BD3C-27FF4C445264}"/>
+              </a:ext>
+            </a:extLst>
+          </p:cNvPr>
+          <p:cNvSpPr>
+            <a:spLocks noGrp="1"/>
+          </p:cNvSpPr>
+          <p:nvPr>
+            <p:ph type="title"/>
+          </p:nvPr>
+        </p:nvSpPr>
+        <p:spPr>
+          <a:xfrm>
+            <a:off x="1080000" y="1125271"/>
+            <a:ext cx="22201232" cy="701456"/>
+          </a:xfrm>
+        </p:spPr>
+        <p:txBody>
+          <a:bodyPr/>
+          <a:lstStyle/>
+          <a:p>
+            <a:r>
+              <a:rPr lang="en-US" b="1" dirty="0"/>
+              <a:t>1. </a:t>
+            </a:r>
+            <a:r>
+              <a:rPr lang="en-US" b="1" kern="1200" dirty="0">
+                <a:latin typeface="Calibri" panose="020F0502020204030204"/>
+                <a:ea typeface="+mn-ea"/>
+                <a:cs typeface="+mn-cs"/>
+              </a:rPr>
+              <a:t>Observer</a:t>
+            </a:r>
+            <a:br>
+              <a:rPr lang="en-US" dirty="0"/>
+            </a:br>
+            <a:endParaRPr lang="en-US" dirty="0"/>
+          </a:p>
+        </p:txBody>
+      </p:sp>
+    </p:spTree>
+    <p:extLst>
+      <p:ext uri="{BB962C8B-B14F-4D97-AF65-F5344CB8AC3E}">
+        <p14:creationId xmlns:p14="http://schemas.microsoft.com/office/powerpoint/2010/main" val="528489567"/>
+      </p:ext>
+    </p:extLst>
+  </p:cSld>
+  <p:clrMapOvr>
+    <a:masterClrMapping/>
+  </p:clrMapOvr>
 </p:sld>
 </file>
 
@@ -26968,15 +27119,6 @@
 </file>
 
 <file path=customXml/item2.xml><?xml version="1.0" encoding="utf-8"?>
-<?mso-contentType ?>
-<FormTemplates xmlns="http://schemas.microsoft.com/sharepoint/v3/contenttype/forms">
-  <Display>DocumentLibraryForm</Display>
-  <Edit>DocumentLibraryForm</Edit>
-  <New>DocumentLibraryForm</New>
-</FormTemplates>
-</file>
-
-<file path=customXml/item3.xml><?xml version="1.0" encoding="utf-8"?>
 <ct:contentTypeSchema xmlns:ct="http://schemas.microsoft.com/office/2006/metadata/contentType" xmlns:ma="http://schemas.microsoft.com/office/2006/metadata/properties/metaAttributes" ct:_="" ma:_="" ma:contentTypeName="Document" ma:contentTypeID="0x010100EEBA5D7D688A8D40BC8134A23630083E" ma:contentTypeVersion="17" ma:contentTypeDescription="Create a new document." ma:contentTypeScope="" ma:versionID="6c9f025c4a6d5a921d1240212dd2136e">
   <xsd:schema xmlns:xsd="http://www.w3.org/2001/XMLSchema" xmlns:xs="http://www.w3.org/2001/XMLSchema" xmlns:p="http://schemas.microsoft.com/office/2006/metadata/properties" xmlns:ns2="5b887053-13c9-4ef0-8e1a-18d371f97b0f" xmlns:ns3="0cb0f8a9-a4a1-4c3c-bc15-be6ee1e258a4" targetNamespace="http://schemas.microsoft.com/office/2006/metadata/properties" ma:root="true" ma:fieldsID="76276428416178d444d5a49df65bd1b6" ns2:_="" ns3:_="">
     <xsd:import namespace="5b887053-13c9-4ef0-8e1a-18d371f97b0f"/>
@@ -27209,6 +27351,15 @@
 </ct:contentTypeSchema>
 </file>
 
+<file path=customXml/item3.xml><?xml version="1.0" encoding="utf-8"?>
+<?mso-contentType ?>
+<FormTemplates xmlns="http://schemas.microsoft.com/sharepoint/v3/contenttype/forms">
+  <Display>DocumentLibraryForm</Display>
+  <Edit>DocumentLibraryForm</Edit>
+  <New>DocumentLibraryForm</New>
+</FormTemplates>
+</file>
+
 <file path=customXml/itemProps1.xml><?xml version="1.0" encoding="utf-8"?>
 <ds:datastoreItem xmlns:ds="http://schemas.openxmlformats.org/officeDocument/2006/customXml" ds:itemID="{FDC47B46-8518-488D-ACE5-55099526A1A9}">
   <ds:schemaRefs>
@@ -27227,14 +27378,6 @@
 </file>
 
 <file path=customXml/itemProps2.xml><?xml version="1.0" encoding="utf-8"?>
-<ds:datastoreItem xmlns:ds="http://schemas.openxmlformats.org/officeDocument/2006/customXml" ds:itemID="{D703E6E5-489B-4004-B595-51B1421CF944}">
-  <ds:schemaRefs>
-    <ds:schemaRef ds:uri="http://schemas.microsoft.com/sharepoint/v3/contenttype/forms"/>
-  </ds:schemaRefs>
-</ds:datastoreItem>
-</file>
-
-<file path=customXml/itemProps3.xml><?xml version="1.0" encoding="utf-8"?>
 <ds:datastoreItem xmlns:ds="http://schemas.openxmlformats.org/officeDocument/2006/customXml" ds:itemID="{3ACBF87C-9E24-4F0A-85E5-D0AA1A6E191C}">
   <ds:schemaRefs>
     <ds:schemaRef ds:uri="http://schemas.microsoft.com/office/2006/metadata/contentType"/>
@@ -27251,4 +27394,12 @@
     <ds:schemaRef ds:uri="http://schemas.microsoft.com/internal/obd"/>
   </ds:schemaRefs>
 </ds:datastoreItem>
+</file>
+
+<file path=customXml/itemProps3.xml><?xml version="1.0" encoding="utf-8"?>
+<ds:datastoreItem xmlns:ds="http://schemas.openxmlformats.org/officeDocument/2006/customXml" ds:itemID="{D703E6E5-489B-4004-B595-51B1421CF944}">
+  <ds:schemaRefs>
+    <ds:schemaRef ds:uri="http://schemas.microsoft.com/sharepoint/v3/contenttype/forms"/>
+  </ds:schemaRefs>
+</ds:datastoreItem>
 </file>
--- a/DesignPatterns/Behavioral Design Patterns/Behavioral Design Patterns - WTG.pptx
+++ b/DesignPatterns/Behavioral Design Patterns/Behavioral Design Patterns - WTG.pptx
@@ -151,7 +151,7 @@
 <file path=ppt/revisionInfo.xml><?xml version="1.0" encoding="utf-8"?>
 <p1510:revInfo xmlns:a="http://schemas.openxmlformats.org/drawingml/2006/main" xmlns:r="http://schemas.openxmlformats.org/officeDocument/2006/relationships" xmlns:p1510="http://schemas.microsoft.com/office/powerpoint/2015/10/main">
   <p1510:revLst>
-    <p1510:client id="{7058694A-483B-403F-89BA-FD8C3FB39D35}" v="523" dt="2023-09-26T16:40:38.532"/>
+    <p1510:client id="{7058694A-483B-403F-89BA-FD8C3FB39D35}" v="542" dt="2023-09-26T16:49:08.524"/>
   </p1510:revLst>
 </p1510:revInfo>
 </file>
@@ -940,7 +940,7 @@
   <pc:docChgLst>
     <pc:chgData name="Nancy Li" userId="afc5209a-cf39-48d8-a57f-08cc8b772ec9" providerId="ADAL" clId="{7058694A-483B-403F-89BA-FD8C3FB39D35}"/>
     <pc:docChg chg="undo custSel addSld delSld modSld sldOrd">
-      <pc:chgData name="Nancy Li" userId="afc5209a-cf39-48d8-a57f-08cc8b772ec9" providerId="ADAL" clId="{7058694A-483B-403F-89BA-FD8C3FB39D35}" dt="2023-09-26T16:40:56.047" v="1732" actId="47"/>
+      <pc:chgData name="Nancy Li" userId="afc5209a-cf39-48d8-a57f-08cc8b772ec9" providerId="ADAL" clId="{7058694A-483B-403F-89BA-FD8C3FB39D35}" dt="2023-09-26T16:50:02.554" v="1830" actId="20577"/>
       <pc:docMkLst>
         <pc:docMk/>
       </pc:docMkLst>
@@ -1645,12 +1645,20 @@
           </ac:picMkLst>
         </pc:picChg>
       </pc:sldChg>
-      <pc:sldChg chg="delSp add mod delAnim">
-        <pc:chgData name="Nancy Li" userId="afc5209a-cf39-48d8-a57f-08cc8b772ec9" providerId="ADAL" clId="{7058694A-483B-403F-89BA-FD8C3FB39D35}" dt="2023-09-26T16:37:20.487" v="1720" actId="478"/>
+      <pc:sldChg chg="addSp delSp modSp add mod delAnim modAnim modNotesTx">
+        <pc:chgData name="Nancy Li" userId="afc5209a-cf39-48d8-a57f-08cc8b772ec9" providerId="ADAL" clId="{7058694A-483B-403F-89BA-FD8C3FB39D35}" dt="2023-09-26T16:50:02.554" v="1830" actId="20577"/>
         <pc:sldMkLst>
           <pc:docMk/>
           <pc:sldMk cId="528489567" sldId="326"/>
         </pc:sldMkLst>
+        <pc:spChg chg="add mod">
+          <ac:chgData name="Nancy Li" userId="afc5209a-cf39-48d8-a57f-08cc8b772ec9" providerId="ADAL" clId="{7058694A-483B-403F-89BA-FD8C3FB39D35}" dt="2023-09-26T16:43:16.832" v="1759" actId="113"/>
+          <ac:spMkLst>
+            <pc:docMk/>
+            <pc:sldMk cId="528489567" sldId="326"/>
+            <ac:spMk id="4" creationId="{A82CF6C8-3D37-FE26-FAA0-DB52AC8EF834}"/>
+          </ac:spMkLst>
+        </pc:spChg>
         <pc:picChg chg="del">
           <ac:chgData name="Nancy Li" userId="afc5209a-cf39-48d8-a57f-08cc8b772ec9" providerId="ADAL" clId="{7058694A-483B-403F-89BA-FD8C3FB39D35}" dt="2023-09-26T16:37:17.719" v="1717" actId="478"/>
           <ac:picMkLst>
@@ -1681,6 +1689,22 @@
             <pc:docMk/>
             <pc:sldMk cId="528489567" sldId="326"/>
             <ac:picMk id="9" creationId="{9D7B30CC-1FF8-0376-632B-20B6145560D2}"/>
+          </ac:picMkLst>
+        </pc:picChg>
+        <pc:picChg chg="add mod">
+          <ac:chgData name="Nancy Li" userId="afc5209a-cf39-48d8-a57f-08cc8b772ec9" providerId="ADAL" clId="{7058694A-483B-403F-89BA-FD8C3FB39D35}" dt="2023-09-26T16:45:57.667" v="1783" actId="1076"/>
+          <ac:picMkLst>
+            <pc:docMk/>
+            <pc:sldMk cId="528489567" sldId="326"/>
+            <ac:picMk id="1026" creationId="{896F2FEB-409D-3404-52FC-EDB104E71DD7}"/>
+          </ac:picMkLst>
+        </pc:picChg>
+        <pc:picChg chg="add mod">
+          <ac:chgData name="Nancy Li" userId="afc5209a-cf39-48d8-a57f-08cc8b772ec9" providerId="ADAL" clId="{7058694A-483B-403F-89BA-FD8C3FB39D35}" dt="2023-09-26T16:46:09.720" v="1786" actId="732"/>
+          <ac:picMkLst>
+            <pc:docMk/>
+            <pc:sldMk cId="528489567" sldId="326"/>
+            <ac:picMk id="1028" creationId="{7A2C8A84-AB05-AB36-FFC8-8371D2E5B1BC}"/>
           </ac:picMkLst>
         </pc:picChg>
       </pc:sldChg>
@@ -18621,7 +18645,7 @@
           <a:p>
             <a:pPr algn="l">
               <a:buFont typeface="+mj-lt"/>
-              <a:buAutoNum type="arabicPeriod"/>
+              <a:buNone/>
             </a:pPr>
             <a:r>
               <a:rPr lang="zh-CN" altLang="en-US" b="0" i="0" dirty="0">
@@ -18631,7 +18655,7 @@
                 <a:effectLst/>
                 <a:latin typeface="-apple-system"/>
               </a:rPr>
-              <a:t>在</a:t>
+              <a:t>观察者模式与最接近的设计模式是发布</a:t>
             </a:r>
             <a:r>
               <a:rPr lang="en-US" altLang="zh-CN" b="0" i="0" dirty="0">
@@ -18641,7 +18665,7 @@
                 <a:effectLst/>
                 <a:latin typeface="-apple-system"/>
               </a:rPr>
-              <a:t>C#</a:t>
+              <a:t>-</a:t>
             </a:r>
             <a:r>
               <a:rPr lang="zh-CN" altLang="en-US" b="0" i="0" dirty="0">
@@ -18651,7 +18675,7 @@
                 <a:effectLst/>
                 <a:latin typeface="-apple-system"/>
               </a:rPr>
-              <a:t>中，事件和委托与观察者模式密切相关，</a:t>
+              <a:t>订阅模式（</a:t>
             </a:r>
             <a:r>
               <a:rPr lang="en-US" altLang="zh-CN" b="0" i="0" dirty="0">
@@ -18661,7 +18685,7 @@
                 <a:effectLst/>
                 <a:latin typeface="-apple-system"/>
               </a:rPr>
-              <a:t>C#</a:t>
+              <a:t>Publish-Subscribe Pattern</a:t>
             </a:r>
             <a:r>
               <a:rPr lang="zh-CN" altLang="en-US" b="0" i="0" dirty="0">
@@ -18671,19 +18695,9 @@
                 <a:effectLst/>
                 <a:latin typeface="-apple-system"/>
               </a:rPr>
-              <a:t>中的事件和委托提供了一种方便的方式来实现观察者模式的</a:t>
-            </a:r>
-            <a:r>
-              <a:rPr lang="zh-CN" altLang="en-US" b="0" i="0">
-                <a:solidFill>
-                  <a:srgbClr val="FFFFFF"/>
-                </a:solidFill>
-                <a:effectLst/>
-                <a:latin typeface="-apple-system"/>
-              </a:rPr>
-              <a:t>，即事件的绑定和触发</a:t>
-            </a:r>
-            <a:endParaRPr lang="zh-CN" altLang="en-US" b="0" i="0" dirty="0">
+              <a:t>）。</a:t>
+            </a:r>
+            <a:endParaRPr lang="en-US" altLang="zh-CN" b="0" i="0" dirty="0">
               <a:solidFill>
                 <a:srgbClr val="FFFFFF"/>
               </a:solidFill>
@@ -18705,10 +18719,7 @@
             </a:endParaRPr>
           </a:p>
           <a:p>
-            <a:pPr algn="l">
-              <a:buFont typeface="+mj-lt"/>
-              <a:buNone/>
-            </a:pPr>
+            <a:pPr algn="l"/>
             <a:r>
               <a:rPr lang="zh-CN" altLang="en-US" b="0" i="0" dirty="0">
                 <a:solidFill>
@@ -18717,21 +18728,7 @@
                 <a:effectLst/>
                 <a:latin typeface="-apple-system"/>
               </a:rPr>
-              <a:t>使用</a:t>
-            </a:r>
-            <a:r>
-              <a:rPr lang="en-US" altLang="zh-CN" dirty="0"/>
-              <a:t>+=</a:t>
-            </a:r>
-            <a:r>
-              <a:rPr lang="zh-CN" altLang="en-US" b="0" i="0" dirty="0">
-                <a:solidFill>
-                  <a:srgbClr val="FFFFFF"/>
-                </a:solidFill>
-                <a:effectLst/>
-                <a:latin typeface="-apple-system"/>
-              </a:rPr>
-              <a:t>操作符手动绑定事件处理程序</a:t>
+              <a:t>观察者模式中，观察者直接订阅主题，并在主题状态发生变化时接收通知。观察者和主题之间存在直接的依赖关系。</a:t>
             </a:r>
             <a:endParaRPr lang="en-US" altLang="zh-CN" b="0" i="0" dirty="0">
               <a:solidFill>
@@ -18742,10 +18739,7 @@
             </a:endParaRPr>
           </a:p>
           <a:p>
-            <a:pPr algn="l">
-              <a:buFont typeface="+mj-lt"/>
-              <a:buAutoNum type="arabicPeriod"/>
-            </a:pPr>
+            <a:pPr algn="l"/>
             <a:endParaRPr lang="zh-CN" altLang="en-US" b="0" i="0" dirty="0">
               <a:solidFill>
                 <a:srgbClr val="FFFFFF"/>
@@ -18755,29 +18749,198 @@
             </a:endParaRPr>
           </a:p>
           <a:p>
+            <a:pPr algn="l"/>
+            <a:r>
+              <a:rPr lang="zh-CN" altLang="en-US" b="0" i="0" dirty="0">
+                <a:solidFill>
+                  <a:srgbClr val="FFFFFF"/>
+                </a:solidFill>
+                <a:effectLst/>
+                <a:latin typeface="-apple-system"/>
+              </a:rPr>
+              <a:t>发布</a:t>
+            </a:r>
+            <a:r>
+              <a:rPr lang="en-US" altLang="zh-CN" b="0" i="0" dirty="0">
+                <a:solidFill>
+                  <a:srgbClr val="FFFFFF"/>
+                </a:solidFill>
+                <a:effectLst/>
+                <a:latin typeface="-apple-system"/>
+              </a:rPr>
+              <a:t>-</a:t>
+            </a:r>
+            <a:r>
+              <a:rPr lang="zh-CN" altLang="en-US" b="0" i="0" dirty="0">
+                <a:solidFill>
+                  <a:srgbClr val="FFFFFF"/>
+                </a:solidFill>
+                <a:effectLst/>
+                <a:latin typeface="-apple-system"/>
+              </a:rPr>
+              <a:t>订阅模式中，发布者（或事件源）和订阅者之间通过一个中介组件（通常称为事件总线或消息队列）进行通信。</a:t>
+            </a:r>
+            <a:endParaRPr lang="en-US" altLang="zh-CN" b="0" i="0" dirty="0">
+              <a:solidFill>
+                <a:srgbClr val="FFFFFF"/>
+              </a:solidFill>
+              <a:effectLst/>
+              <a:latin typeface="-apple-system"/>
+            </a:endParaRPr>
+          </a:p>
+          <a:p>
+            <a:pPr algn="l"/>
+            <a:r>
+              <a:rPr lang="zh-CN" altLang="en-US" b="0" i="0" dirty="0">
+                <a:solidFill>
+                  <a:srgbClr val="FFFFFF"/>
+                </a:solidFill>
+                <a:effectLst/>
+                <a:latin typeface="-apple-system"/>
+              </a:rPr>
+              <a:t>发布者将消息或事件发送到事件总线，订阅者从事件总线上订阅感兴趣的消息或事件。发布者和订阅者之间不存在直接的依赖关系。</a:t>
+            </a:r>
+            <a:endParaRPr lang="en-US" altLang="zh-CN" b="0" i="0" dirty="0">
+              <a:solidFill>
+                <a:srgbClr val="FFFFFF"/>
+              </a:solidFill>
+              <a:effectLst/>
+              <a:latin typeface="-apple-system"/>
+            </a:endParaRPr>
+          </a:p>
+          <a:p>
+            <a:pPr algn="l"/>
+            <a:endParaRPr lang="en-US" altLang="zh-CN" b="0" i="0" dirty="0">
+              <a:solidFill>
+                <a:srgbClr val="FFFFFF"/>
+              </a:solidFill>
+              <a:effectLst/>
+              <a:latin typeface="-apple-system"/>
+            </a:endParaRPr>
+          </a:p>
+          <a:p>
+            <a:pPr algn="l"/>
+            <a:r>
+              <a:rPr lang="zh-CN" altLang="en-US" b="0" i="0" dirty="0">
+                <a:solidFill>
+                  <a:srgbClr val="FFFFFF"/>
+                </a:solidFill>
+                <a:effectLst/>
+                <a:latin typeface="-apple-system"/>
+              </a:rPr>
+              <a:t>观察者模式（</a:t>
+            </a:r>
+            <a:r>
+              <a:rPr lang="en-US" altLang="zh-CN" b="0" i="0" dirty="0">
+                <a:solidFill>
+                  <a:srgbClr val="FFFFFF"/>
+                </a:solidFill>
+                <a:effectLst/>
+                <a:latin typeface="-apple-system"/>
+              </a:rPr>
+              <a:t>Observer Pattern</a:t>
+            </a:r>
+            <a:r>
+              <a:rPr lang="zh-CN" altLang="en-US" b="0" i="0" dirty="0">
+                <a:solidFill>
+                  <a:srgbClr val="FFFFFF"/>
+                </a:solidFill>
+                <a:effectLst/>
+                <a:latin typeface="-apple-system"/>
+              </a:rPr>
+              <a:t>）中的角色是：</a:t>
+            </a:r>
+            <a:endParaRPr lang="en-US" altLang="zh-CN" b="0" i="0" dirty="0">
+              <a:solidFill>
+                <a:srgbClr val="FFFFFF"/>
+              </a:solidFill>
+              <a:effectLst/>
+              <a:latin typeface="-apple-system"/>
+            </a:endParaRPr>
+          </a:p>
+          <a:p>
+            <a:pPr marL="0" marR="0" lvl="0" indent="0" algn="l" defTabSz="2438339" rtl="0" eaLnBrk="1" fontAlgn="auto" latinLnBrk="0" hangingPunct="1">
+              <a:lnSpc>
+                <a:spcPct val="100000"/>
+              </a:lnSpc>
+              <a:spcBef>
+                <a:spcPts val="0"/>
+              </a:spcBef>
+              <a:spcAft>
+                <a:spcPts val="0"/>
+              </a:spcAft>
+              <a:buClrTx/>
+              <a:buSzTx/>
+              <a:buFont typeface="+mj-lt"/>
+              <a:buNone/>
+              <a:tabLst/>
+              <a:defRPr/>
+            </a:pPr>
+            <a:r>
+              <a:rPr lang="en-US" altLang="zh-CN" b="0" i="0" dirty="0">
+                <a:solidFill>
+                  <a:srgbClr val="FFFFFF"/>
+                </a:solidFill>
+                <a:effectLst/>
+                <a:latin typeface="-apple-system"/>
+              </a:rPr>
+              <a:t>1.</a:t>
+            </a:r>
+            <a:r>
+              <a:rPr lang="zh-CN" altLang="en-US" b="0" i="0" dirty="0">
+                <a:solidFill>
+                  <a:srgbClr val="FFFFFF"/>
+                </a:solidFill>
+                <a:effectLst/>
+                <a:latin typeface="-apple-system"/>
+              </a:rPr>
+              <a:t>主题（</a:t>
+            </a:r>
+            <a:r>
+              <a:rPr lang="en-US" altLang="zh-CN" b="0" i="0" dirty="0">
+                <a:solidFill>
+                  <a:srgbClr val="FFFFFF"/>
+                </a:solidFill>
+                <a:effectLst/>
+                <a:latin typeface="-apple-system"/>
+              </a:rPr>
+              <a:t>Subject</a:t>
+            </a:r>
+            <a:r>
+              <a:rPr lang="zh-CN" altLang="en-US" b="0" i="0" dirty="0">
+                <a:solidFill>
+                  <a:srgbClr val="FFFFFF"/>
+                </a:solidFill>
+                <a:effectLst/>
+                <a:latin typeface="-apple-system"/>
+              </a:rPr>
+              <a:t>）：主题是被观察的对象，它维护了一个观察者列表，并提供方法用于添加、删除和通知观察者。主题的状态变化时，会通知所有观察者进行更新。</a:t>
+            </a:r>
+          </a:p>
+          <a:p>
             <a:pPr algn="l">
               <a:buFont typeface="+mj-lt"/>
               <a:buNone/>
             </a:pPr>
             <a:r>
-              <a:rPr lang="zh-CN" altLang="en-US" b="0" i="0" dirty="0">
+              <a:rPr lang="en-US" altLang="zh-CN" b="0" i="0">
                 <a:solidFill>
                   <a:srgbClr val="FFFFFF"/>
                 </a:solidFill>
                 <a:effectLst/>
                 <a:latin typeface="-apple-system"/>
               </a:rPr>
-              <a:t>事件（</a:t>
-            </a:r>
-            <a:r>
-              <a:rPr lang="en-US" altLang="zh-CN" b="0" i="0" dirty="0">
+              <a:t>2.</a:t>
+            </a:r>
+            <a:r>
+              <a:rPr lang="zh-CN" altLang="en-US" b="0" i="0">
                 <a:solidFill>
                   <a:srgbClr val="FFFFFF"/>
                 </a:solidFill>
                 <a:effectLst/>
                 <a:latin typeface="-apple-system"/>
               </a:rPr>
-              <a:t>Event</a:t>
+              <a:t>观</a:t>
             </a:r>
             <a:r>
               <a:rPr lang="zh-CN" altLang="en-US" b="0" i="0" dirty="0">
@@ -18787,11 +18950,51 @@
                 <a:effectLst/>
                 <a:latin typeface="-apple-system"/>
               </a:rPr>
-              <a:t>）是一种特殊类型的委托，它定义了一种机制，允许对象在特定情况下通知其他对象发生的事件。在观察者模式中，主题通常会声明一个事件，用于通知观察者主题状态的变化。</a:t>
-            </a:r>
-          </a:p>
-          <a:p>
-            <a:pPr algn="l">
+              <a:t>察者（</a:t>
+            </a:r>
+            <a:r>
+              <a:rPr lang="en-US" altLang="zh-CN" b="0" i="0" dirty="0">
+                <a:solidFill>
+                  <a:srgbClr val="FFFFFF"/>
+                </a:solidFill>
+                <a:effectLst/>
+                <a:latin typeface="-apple-system"/>
+              </a:rPr>
+              <a:t>Observer</a:t>
+            </a:r>
+            <a:r>
+              <a:rPr lang="zh-CN" altLang="en-US" b="0" i="0" dirty="0">
+                <a:solidFill>
+                  <a:srgbClr val="FFFFFF"/>
+                </a:solidFill>
+                <a:effectLst/>
+                <a:latin typeface="-apple-system"/>
+              </a:rPr>
+              <a:t>）：观察者是一个接口或抽象类，定义了一个更新方法（通常称为 </a:t>
+            </a:r>
+            <a:r>
+              <a:rPr lang="en-US" altLang="zh-CN" b="0" i="0" dirty="0">
+                <a:solidFill>
+                  <a:srgbClr val="FFFFFF"/>
+                </a:solidFill>
+                <a:effectLst/>
+                <a:latin typeface="-apple-system"/>
+              </a:rPr>
+              <a:t>Update</a:t>
+            </a:r>
+            <a:r>
+              <a:rPr lang="zh-CN" altLang="en-US" b="0" i="0" dirty="0">
+                <a:solidFill>
+                  <a:srgbClr val="FFFFFF"/>
+                </a:solidFill>
+                <a:effectLst/>
+                <a:latin typeface="-apple-system"/>
+              </a:rPr>
+              <a:t>），用于接收主题状态的变化通知并执行相应操作。</a:t>
+            </a:r>
+          </a:p>
+          <a:p>
+            <a:pPr marL="0" indent="0" algn="l">
               <a:buFont typeface="+mj-lt"/>
               <a:buNone/>
             </a:pPr>
@@ -18803,28 +19006,216 @@
                 <a:effectLst/>
                 <a:latin typeface="-apple-system"/>
               </a:rPr>
-              <a:t>委托（</a:t>
-            </a:r>
-            <a:r>
-              <a:rPr lang="en-US" altLang="zh-CN" b="0" i="0" dirty="0">
+              <a:t>观察者模式中的关键点是观察者订阅主题，并在主题状态变化时接收通知。</a:t>
+            </a:r>
+            <a:endParaRPr lang="en-US" altLang="zh-CN" b="0" i="0" dirty="0">
+              <a:solidFill>
+                <a:srgbClr val="FFFFFF"/>
+              </a:solidFill>
+              <a:effectLst/>
+              <a:latin typeface="-apple-system"/>
+            </a:endParaRPr>
+          </a:p>
+          <a:p>
+            <a:pPr algn="l"/>
+            <a:endParaRPr lang="zh-CN" altLang="en-US" b="0" i="0" dirty="0">
+              <a:solidFill>
+                <a:srgbClr val="FFFFFF"/>
+              </a:solidFill>
+              <a:effectLst/>
+              <a:latin typeface="-apple-system"/>
+            </a:endParaRPr>
+          </a:p>
+          <a:p>
+            <a:pPr algn="l"/>
+            <a:r>
+              <a:rPr lang="zh-CN" altLang="en-US" b="0" i="0" dirty="0">
                 <a:solidFill>
                   <a:srgbClr val="FFFFFF"/>
                 </a:solidFill>
                 <a:effectLst/>
                 <a:latin typeface="-apple-system"/>
               </a:rPr>
-              <a:t>Delegate</a:t>
-            </a:r>
-            <a:r>
-              <a:rPr lang="zh-CN" altLang="en-US" b="0" i="0" dirty="0">
+              <a:t>发布</a:t>
+            </a:r>
+            <a:r>
+              <a:rPr lang="en-US" altLang="zh-CN" b="0" i="0" dirty="0">
                 <a:solidFill>
                   <a:srgbClr val="FFFFFF"/>
                 </a:solidFill>
                 <a:effectLst/>
                 <a:latin typeface="-apple-system"/>
               </a:rPr>
-              <a:t>）是一种类型安全的函数指针，它可以引用一个或多个方法，并允许将方法作为参数传递、存储和调用。在观察者模式中，委托常用于定义观察者的更新方法，即在主题状态变化时要执行的操作</a:t>
-            </a:r>
+              <a:t>-</a:t>
+            </a:r>
+            <a:r>
+              <a:rPr lang="zh-CN" altLang="en-US" b="0" i="0" dirty="0">
+                <a:solidFill>
+                  <a:srgbClr val="FFFFFF"/>
+                </a:solidFill>
+                <a:effectLst/>
+                <a:latin typeface="-apple-system"/>
+              </a:rPr>
+              <a:t>订阅模式（</a:t>
+            </a:r>
+            <a:r>
+              <a:rPr lang="en-US" altLang="zh-CN" b="0" i="0" dirty="0">
+                <a:solidFill>
+                  <a:srgbClr val="FFFFFF"/>
+                </a:solidFill>
+                <a:effectLst/>
+                <a:latin typeface="-apple-system"/>
+              </a:rPr>
+              <a:t>Publish-Subscribe Pattern</a:t>
+            </a:r>
+            <a:r>
+              <a:rPr lang="zh-CN" altLang="en-US" b="0" i="0" dirty="0">
+                <a:solidFill>
+                  <a:srgbClr val="FFFFFF"/>
+                </a:solidFill>
+                <a:effectLst/>
+                <a:latin typeface="-apple-system"/>
+              </a:rPr>
+              <a:t>）中的角色是：</a:t>
+            </a:r>
+          </a:p>
+          <a:p>
+            <a:pPr algn="l">
+              <a:buFont typeface="+mj-lt"/>
+              <a:buAutoNum type="arabicPeriod"/>
+            </a:pPr>
+            <a:r>
+              <a:rPr lang="zh-CN" altLang="en-US" b="0" i="0" dirty="0">
+                <a:solidFill>
+                  <a:srgbClr val="FFFFFF"/>
+                </a:solidFill>
+                <a:effectLst/>
+                <a:latin typeface="-apple-system"/>
+              </a:rPr>
+              <a:t>发布者（</a:t>
+            </a:r>
+            <a:r>
+              <a:rPr lang="en-US" altLang="zh-CN" b="0" i="0" dirty="0">
+                <a:solidFill>
+                  <a:srgbClr val="FFFFFF"/>
+                </a:solidFill>
+                <a:effectLst/>
+                <a:latin typeface="-apple-system"/>
+              </a:rPr>
+              <a:t>Publisher</a:t>
+            </a:r>
+            <a:r>
+              <a:rPr lang="zh-CN" altLang="en-US" b="0" i="0" dirty="0">
+                <a:solidFill>
+                  <a:srgbClr val="FFFFFF"/>
+                </a:solidFill>
+                <a:effectLst/>
+                <a:latin typeface="-apple-system"/>
+              </a:rPr>
+              <a:t>）：发布者是负责发布消息或事件的对象，它将消息或事件发送到一个中介组件（通常称为事件总线或消息队列）。</a:t>
+            </a:r>
+            <a:endParaRPr lang="en-US" altLang="zh-CN" b="0" i="0" dirty="0">
+              <a:solidFill>
+                <a:srgbClr val="FFFFFF"/>
+              </a:solidFill>
+              <a:effectLst/>
+              <a:latin typeface="-apple-system"/>
+            </a:endParaRPr>
+          </a:p>
+          <a:p>
+            <a:pPr marL="0" marR="0" lvl="0" indent="0" algn="l" defTabSz="2438339" rtl="0" eaLnBrk="1" fontAlgn="auto" latinLnBrk="0" hangingPunct="1">
+              <a:lnSpc>
+                <a:spcPct val="100000"/>
+              </a:lnSpc>
+              <a:spcBef>
+                <a:spcPts val="0"/>
+              </a:spcBef>
+              <a:spcAft>
+                <a:spcPts val="0"/>
+              </a:spcAft>
+              <a:buClrTx/>
+              <a:buSzTx/>
+              <a:buFont typeface="+mj-lt"/>
+              <a:buAutoNum type="arabicPeriod"/>
+              <a:tabLst/>
+              <a:defRPr/>
+            </a:pPr>
+            <a:r>
+              <a:rPr lang="zh-CN" altLang="en-US" b="0" i="0" dirty="0">
+                <a:solidFill>
+                  <a:srgbClr val="FFFFFF"/>
+                </a:solidFill>
+                <a:effectLst/>
+                <a:latin typeface="-apple-system"/>
+              </a:rPr>
+              <a:t>中介组件（</a:t>
+            </a:r>
+            <a:r>
+              <a:rPr lang="en-US" altLang="zh-CN" b="0" i="0" dirty="0">
+                <a:solidFill>
+                  <a:srgbClr val="FFFFFF"/>
+                </a:solidFill>
+                <a:effectLst/>
+                <a:latin typeface="-apple-system"/>
+              </a:rPr>
+              <a:t>Event Bus / Message Queue</a:t>
+            </a:r>
+            <a:r>
+              <a:rPr lang="zh-CN" altLang="en-US" b="0" i="0" dirty="0">
+                <a:solidFill>
+                  <a:srgbClr val="FFFFFF"/>
+                </a:solidFill>
+                <a:effectLst/>
+                <a:latin typeface="-apple-system"/>
+              </a:rPr>
+              <a:t>）：中介组件是发布者和订阅者之间的桥梁，它负责接收发布者发布的消息或事件，并将其分发给订阅了相应消息或事件的订阅者。</a:t>
+            </a:r>
+          </a:p>
+          <a:p>
+            <a:pPr algn="l">
+              <a:buFont typeface="+mj-lt"/>
+              <a:buAutoNum type="arabicPeriod"/>
+            </a:pPr>
+            <a:r>
+              <a:rPr lang="zh-CN" altLang="en-US" b="0" i="0" dirty="0">
+                <a:solidFill>
+                  <a:srgbClr val="FFFFFF"/>
+                </a:solidFill>
+                <a:effectLst/>
+                <a:latin typeface="-apple-system"/>
+              </a:rPr>
+              <a:t>订阅者（</a:t>
+            </a:r>
+            <a:r>
+              <a:rPr lang="en-US" altLang="zh-CN" b="0" i="0" dirty="0">
+                <a:solidFill>
+                  <a:srgbClr val="FFFFFF"/>
+                </a:solidFill>
+                <a:effectLst/>
+                <a:latin typeface="-apple-system"/>
+              </a:rPr>
+              <a:t>Subscriber</a:t>
+            </a:r>
+            <a:r>
+              <a:rPr lang="zh-CN" altLang="en-US" b="0" i="0" dirty="0">
+                <a:solidFill>
+                  <a:srgbClr val="FFFFFF"/>
+                </a:solidFill>
+                <a:effectLst/>
+                <a:latin typeface="-apple-system"/>
+              </a:rPr>
+              <a:t>）：订阅者是感兴趣接收发布者发布的消息或事件的对象，它们从中介组件订阅感兴趣的消息或事件。</a:t>
+            </a:r>
+          </a:p>
+          <a:p>
+            <a:pPr algn="l"/>
+            <a:endParaRPr lang="zh-CN" altLang="en-US" b="0" i="0" dirty="0">
+              <a:solidFill>
+                <a:srgbClr val="FFFFFF"/>
+              </a:solidFill>
+              <a:effectLst/>
+              <a:latin typeface="-apple-system"/>
+            </a:endParaRPr>
           </a:p>
         </p:txBody>
       </p:sp>
@@ -25935,6 +26326,139 @@
           </a:p>
         </p:txBody>
       </p:sp>
+      <p:sp>
+        <p:nvSpPr>
+          <p:cNvPr id="4" name="Text Placeholder 6">
+            <a:extLst>
+              <a:ext uri="{FF2B5EF4-FFF2-40B4-BE49-F238E27FC236}">
+                <a16:creationId xmlns:a16="http://schemas.microsoft.com/office/drawing/2014/main" id="{A82CF6C8-3D37-FE26-FAA0-DB52AC8EF834}"/>
+              </a:ext>
+            </a:extLst>
+          </p:cNvPr>
+          <p:cNvSpPr>
+            <a:spLocks noGrp="1"/>
+          </p:cNvSpPr>
+          <p:nvPr>
+            <p:ph type="body" sz="quarter" idx="13"/>
+          </p:nvPr>
+        </p:nvSpPr>
+        <p:spPr>
+          <a:xfrm>
+            <a:off x="1079625" y="2105472"/>
+            <a:ext cx="22201232" cy="440298"/>
+          </a:xfrm>
+        </p:spPr>
+        <p:txBody>
+          <a:bodyPr/>
+          <a:lstStyle/>
+          <a:p>
+            <a:r>
+              <a:rPr lang="en-US" dirty="0"/>
+              <a:t>Observer Pattern </a:t>
+            </a:r>
+            <a:r>
+              <a:rPr lang="en-US" b="1" dirty="0"/>
+              <a:t>VS</a:t>
+            </a:r>
+            <a:r>
+              <a:rPr lang="en-US" dirty="0"/>
+              <a:t> Publish-Subscribe Pattern</a:t>
+            </a:r>
+          </a:p>
+        </p:txBody>
+      </p:sp>
+      <p:pic>
+        <p:nvPicPr>
+          <p:cNvPr id="1026" name="Picture 2">
+            <a:extLst>
+              <a:ext uri="{FF2B5EF4-FFF2-40B4-BE49-F238E27FC236}">
+                <a16:creationId xmlns:a16="http://schemas.microsoft.com/office/drawing/2014/main" id="{896F2FEB-409D-3404-52FC-EDB104E71DD7}"/>
+              </a:ext>
+            </a:extLst>
+          </p:cNvPr>
+          <p:cNvPicPr>
+            <a:picLocks noChangeAspect="1" noChangeArrowheads="1"/>
+          </p:cNvPicPr>
+          <p:nvPr/>
+        </p:nvPicPr>
+        <p:blipFill>
+          <a:blip r:embed="rId3">
+            <a:extLst>
+              <a:ext uri="{28A0092B-C50C-407E-A947-70E740481C1C}">
+                <a14:useLocalDpi xmlns:a14="http://schemas.microsoft.com/office/drawing/2010/main" val="0"/>
+              </a:ext>
+            </a:extLst>
+          </a:blip>
+          <a:srcRect/>
+          <a:stretch>
+            <a:fillRect/>
+          </a:stretch>
+        </p:blipFill>
+        <p:spPr bwMode="auto">
+          <a:xfrm>
+            <a:off x="1641223" y="4301736"/>
+            <a:ext cx="10567109" cy="4104456"/>
+          </a:xfrm>
+          <a:prstGeom prst="rect">
+            <a:avLst/>
+          </a:prstGeom>
+          <a:noFill/>
+          <a:extLst>
+            <a:ext uri="{909E8E84-426E-40DD-AFC4-6F175D3DCCD1}">
+              <a14:hiddenFill xmlns:a14="http://schemas.microsoft.com/office/drawing/2010/main">
+                <a:solidFill>
+                  <a:srgbClr val="FFFFFF"/>
+                </a:solidFill>
+              </a14:hiddenFill>
+            </a:ext>
+          </a:extLst>
+        </p:spPr>
+      </p:pic>
+      <p:pic>
+        <p:nvPicPr>
+          <p:cNvPr id="1028" name="Picture 4">
+            <a:extLst>
+              <a:ext uri="{FF2B5EF4-FFF2-40B4-BE49-F238E27FC236}">
+                <a16:creationId xmlns:a16="http://schemas.microsoft.com/office/drawing/2014/main" id="{7A2C8A84-AB05-AB36-FFC8-8371D2E5B1BC}"/>
+              </a:ext>
+            </a:extLst>
+          </p:cNvPr>
+          <p:cNvPicPr>
+            <a:picLocks noChangeAspect="1" noChangeArrowheads="1"/>
+          </p:cNvPicPr>
+          <p:nvPr/>
+        </p:nvPicPr>
+        <p:blipFill rotWithShape="1">
+          <a:blip r:embed="rId4">
+            <a:extLst>
+              <a:ext uri="{28A0092B-C50C-407E-A947-70E740481C1C}">
+                <a14:useLocalDpi xmlns:a14="http://schemas.microsoft.com/office/drawing/2010/main" val="0"/>
+              </a:ext>
+            </a:extLst>
+          </a:blip>
+          <a:srcRect b="5555"/>
+          <a:stretch/>
+        </p:blipFill>
+        <p:spPr bwMode="auto">
+          <a:xfrm>
+            <a:off x="12336016" y="4121697"/>
+            <a:ext cx="8496944" cy="4464496"/>
+          </a:xfrm>
+          <a:prstGeom prst="rect">
+            <a:avLst/>
+          </a:prstGeom>
+          <a:noFill/>
+          <a:extLst>
+            <a:ext uri="{909E8E84-426E-40DD-AFC4-6F175D3DCCD1}">
+              <a14:hiddenFill xmlns:a14="http://schemas.microsoft.com/office/drawing/2010/main">
+                <a:solidFill>
+                  <a:srgbClr val="FFFFFF"/>
+                </a:solidFill>
+              </a14:hiddenFill>
+            </a:ext>
+          </a:extLst>
+        </p:spPr>
+      </p:pic>
     </p:spTree>
     <p:extLst>
       <p:ext uri="{BB962C8B-B14F-4D97-AF65-F5344CB8AC3E}">
@@ -25945,6 +26469,216 @@
   <p:clrMapOvr>
     <a:masterClrMapping/>
   </p:clrMapOvr>
+  <p:timing>
+    <p:tnLst>
+      <p:par>
+        <p:cTn id="1" dur="indefinite" restart="never" nodeType="tmRoot">
+          <p:childTnLst>
+            <p:seq concurrent="1" nextAc="seek">
+              <p:cTn id="2" dur="indefinite" nodeType="mainSeq">
+                <p:childTnLst>
+                  <p:par>
+                    <p:cTn id="3" fill="hold">
+                      <p:stCondLst>
+                        <p:cond delay="indefinite"/>
+                      </p:stCondLst>
+                      <p:childTnLst>
+                        <p:par>
+                          <p:cTn id="4" fill="hold">
+                            <p:stCondLst>
+                              <p:cond delay="0"/>
+                            </p:stCondLst>
+                            <p:childTnLst>
+                              <p:par>
+                                <p:cTn id="5" presetID="42" presetClass="entr" presetSubtype="0" fill="hold" nodeType="clickEffect">
+                                  <p:stCondLst>
+                                    <p:cond delay="0"/>
+                                  </p:stCondLst>
+                                  <p:childTnLst>
+                                    <p:set>
+                                      <p:cBhvr>
+                                        <p:cTn id="6" dur="1" fill="hold">
+                                          <p:stCondLst>
+                                            <p:cond delay="0"/>
+                                          </p:stCondLst>
+                                        </p:cTn>
+                                        <p:tgtEl>
+                                          <p:spTgt spid="1026"/>
+                                        </p:tgtEl>
+                                        <p:attrNameLst>
+                                          <p:attrName>style.visibility</p:attrName>
+                                        </p:attrNameLst>
+                                      </p:cBhvr>
+                                      <p:to>
+                                        <p:strVal val="visible"/>
+                                      </p:to>
+                                    </p:set>
+                                    <p:animEffect transition="in" filter="fade">
+                                      <p:cBhvr>
+                                        <p:cTn id="7" dur="1000"/>
+                                        <p:tgtEl>
+                                          <p:spTgt spid="1026"/>
+                                        </p:tgtEl>
+                                      </p:cBhvr>
+                                    </p:animEffect>
+                                    <p:anim calcmode="lin" valueType="num">
+                                      <p:cBhvr>
+                                        <p:cTn id="8" dur="1000" fill="hold"/>
+                                        <p:tgtEl>
+                                          <p:spTgt spid="1026"/>
+                                        </p:tgtEl>
+                                        <p:attrNameLst>
+                                          <p:attrName>ppt_x</p:attrName>
+                                        </p:attrNameLst>
+                                      </p:cBhvr>
+                                      <p:tavLst>
+                                        <p:tav tm="0">
+                                          <p:val>
+                                            <p:strVal val="#ppt_x"/>
+                                          </p:val>
+                                        </p:tav>
+                                        <p:tav tm="100000">
+                                          <p:val>
+                                            <p:strVal val="#ppt_x"/>
+                                          </p:val>
+                                        </p:tav>
+                                      </p:tavLst>
+                                    </p:anim>
+                                    <p:anim calcmode="lin" valueType="num">
+                                      <p:cBhvr>
+                                        <p:cTn id="9" dur="1000" fill="hold"/>
+                                        <p:tgtEl>
+                                          <p:spTgt spid="1026"/>
+                                        </p:tgtEl>
+                                        <p:attrNameLst>
+                                          <p:attrName>ppt_y</p:attrName>
+                                        </p:attrNameLst>
+                                      </p:cBhvr>
+                                      <p:tavLst>
+                                        <p:tav tm="0">
+                                          <p:val>
+                                            <p:strVal val="#ppt_y+.1"/>
+                                          </p:val>
+                                        </p:tav>
+                                        <p:tav tm="100000">
+                                          <p:val>
+                                            <p:strVal val="#ppt_y"/>
+                                          </p:val>
+                                        </p:tav>
+                                      </p:tavLst>
+                                    </p:anim>
+                                  </p:childTnLst>
+                                </p:cTn>
+                              </p:par>
+                              <p:par>
+                                <p:cTn id="10" presetID="42" presetClass="entr" presetSubtype="0" fill="hold" nodeType="withEffect">
+                                  <p:stCondLst>
+                                    <p:cond delay="0"/>
+                                  </p:stCondLst>
+                                  <p:childTnLst>
+                                    <p:set>
+                                      <p:cBhvr>
+                                        <p:cTn id="11" dur="1" fill="hold">
+                                          <p:stCondLst>
+                                            <p:cond delay="0"/>
+                                          </p:stCondLst>
+                                        </p:cTn>
+                                        <p:tgtEl>
+                                          <p:spTgt spid="1028"/>
+                                        </p:tgtEl>
+                                        <p:attrNameLst>
+                                          <p:attrName>style.visibility</p:attrName>
+                                        </p:attrNameLst>
+                                      </p:cBhvr>
+                                      <p:to>
+                                        <p:strVal val="visible"/>
+                                      </p:to>
+                                    </p:set>
+                                    <p:animEffect transition="in" filter="fade">
+                                      <p:cBhvr>
+                                        <p:cTn id="12" dur="1000"/>
+                                        <p:tgtEl>
+                                          <p:spTgt spid="1028"/>
+                                        </p:tgtEl>
+                                      </p:cBhvr>
+                                    </p:animEffect>
+                                    <p:anim calcmode="lin" valueType="num">
+                                      <p:cBhvr>
+                                        <p:cTn id="13" dur="1000" fill="hold"/>
+                                        <p:tgtEl>
+                                          <p:spTgt spid="1028"/>
+                                        </p:tgtEl>
+                                        <p:attrNameLst>
+                                          <p:attrName>ppt_x</p:attrName>
+                                        </p:attrNameLst>
+                                      </p:cBhvr>
+                                      <p:tavLst>
+                                        <p:tav tm="0">
+                                          <p:val>
+                                            <p:strVal val="#ppt_x"/>
+                                          </p:val>
+                                        </p:tav>
+                                        <p:tav tm="100000">
+                                          <p:val>
+                                            <p:strVal val="#ppt_x"/>
+                                          </p:val>
+                                        </p:tav>
+                                      </p:tavLst>
+                                    </p:anim>
+                                    <p:anim calcmode="lin" valueType="num">
+                                      <p:cBhvr>
+                                        <p:cTn id="14" dur="1000" fill="hold"/>
+                                        <p:tgtEl>
+                                          <p:spTgt spid="1028"/>
+                                        </p:tgtEl>
+                                        <p:attrNameLst>
+                                          <p:attrName>ppt_y</p:attrName>
+                                        </p:attrNameLst>
+                                      </p:cBhvr>
+                                      <p:tavLst>
+                                        <p:tav tm="0">
+                                          <p:val>
+                                            <p:strVal val="#ppt_y+.1"/>
+                                          </p:val>
+                                        </p:tav>
+                                        <p:tav tm="100000">
+                                          <p:val>
+                                            <p:strVal val="#ppt_y"/>
+                                          </p:val>
+                                        </p:tav>
+                                      </p:tavLst>
+                                    </p:anim>
+                                  </p:childTnLst>
+                                </p:cTn>
+                              </p:par>
+                            </p:childTnLst>
+                          </p:cTn>
+                        </p:par>
+                      </p:childTnLst>
+                    </p:cTn>
+                  </p:par>
+                </p:childTnLst>
+              </p:cTn>
+              <p:prevCondLst>
+                <p:cond evt="onPrev" delay="0">
+                  <p:tgtEl>
+                    <p:sldTgt/>
+                  </p:tgtEl>
+                </p:cond>
+              </p:prevCondLst>
+              <p:nextCondLst>
+                <p:cond evt="onNext" delay="0">
+                  <p:tgtEl>
+                    <p:sldTgt/>
+                  </p:tgtEl>
+                </p:cond>
+              </p:nextCondLst>
+            </p:seq>
+          </p:childTnLst>
+        </p:cTn>
+      </p:par>
+    </p:tnLst>
+  </p:timing>
 </p:sld>
 </file>
 
@@ -27119,6 +27853,15 @@
 </file>
 
 <file path=customXml/item2.xml><?xml version="1.0" encoding="utf-8"?>
+<?mso-contentType ?>
+<FormTemplates xmlns="http://schemas.microsoft.com/sharepoint/v3/contenttype/forms">
+  <Display>DocumentLibraryForm</Display>
+  <Edit>DocumentLibraryForm</Edit>
+  <New>DocumentLibraryForm</New>
+</FormTemplates>
+</file>
+
+<file path=customXml/item3.xml><?xml version="1.0" encoding="utf-8"?>
 <ct:contentTypeSchema xmlns:ct="http://schemas.microsoft.com/office/2006/metadata/contentType" xmlns:ma="http://schemas.microsoft.com/office/2006/metadata/properties/metaAttributes" ct:_="" ma:_="" ma:contentTypeName="Document" ma:contentTypeID="0x010100EEBA5D7D688A8D40BC8134A23630083E" ma:contentTypeVersion="17" ma:contentTypeDescription="Create a new document." ma:contentTypeScope="" ma:versionID="6c9f025c4a6d5a921d1240212dd2136e">
   <xsd:schema xmlns:xsd="http://www.w3.org/2001/XMLSchema" xmlns:xs="http://www.w3.org/2001/XMLSchema" xmlns:p="http://schemas.microsoft.com/office/2006/metadata/properties" xmlns:ns2="5b887053-13c9-4ef0-8e1a-18d371f97b0f" xmlns:ns3="0cb0f8a9-a4a1-4c3c-bc15-be6ee1e258a4" targetNamespace="http://schemas.microsoft.com/office/2006/metadata/properties" ma:root="true" ma:fieldsID="76276428416178d444d5a49df65bd1b6" ns2:_="" ns3:_="">
     <xsd:import namespace="5b887053-13c9-4ef0-8e1a-18d371f97b0f"/>
@@ -27351,15 +28094,6 @@
 </ct:contentTypeSchema>
 </file>
 
-<file path=customXml/item3.xml><?xml version="1.0" encoding="utf-8"?>
-<?mso-contentType ?>
-<FormTemplates xmlns="http://schemas.microsoft.com/sharepoint/v3/contenttype/forms">
-  <Display>DocumentLibraryForm</Display>
-  <Edit>DocumentLibraryForm</Edit>
-  <New>DocumentLibraryForm</New>
-</FormTemplates>
-</file>
-
 <file path=customXml/itemProps1.xml><?xml version="1.0" encoding="utf-8"?>
 <ds:datastoreItem xmlns:ds="http://schemas.openxmlformats.org/officeDocument/2006/customXml" ds:itemID="{FDC47B46-8518-488D-ACE5-55099526A1A9}">
   <ds:schemaRefs>
@@ -27378,6 +28112,14 @@
 </file>
 
 <file path=customXml/itemProps2.xml><?xml version="1.0" encoding="utf-8"?>
+<ds:datastoreItem xmlns:ds="http://schemas.openxmlformats.org/officeDocument/2006/customXml" ds:itemID="{D703E6E5-489B-4004-B595-51B1421CF944}">
+  <ds:schemaRefs>
+    <ds:schemaRef ds:uri="http://schemas.microsoft.com/sharepoint/v3/contenttype/forms"/>
+  </ds:schemaRefs>
+</ds:datastoreItem>
+</file>
+
+<file path=customXml/itemProps3.xml><?xml version="1.0" encoding="utf-8"?>
 <ds:datastoreItem xmlns:ds="http://schemas.openxmlformats.org/officeDocument/2006/customXml" ds:itemID="{3ACBF87C-9E24-4F0A-85E5-D0AA1A6E191C}">
   <ds:schemaRefs>
     <ds:schemaRef ds:uri="http://schemas.microsoft.com/office/2006/metadata/contentType"/>
@@ -27394,12 +28136,4 @@
     <ds:schemaRef ds:uri="http://schemas.microsoft.com/internal/obd"/>
   </ds:schemaRefs>
 </ds:datastoreItem>
-</file>
-
-<file path=customXml/itemProps3.xml><?xml version="1.0" encoding="utf-8"?>
-<ds:datastoreItem xmlns:ds="http://schemas.openxmlformats.org/officeDocument/2006/customXml" ds:itemID="{D703E6E5-489B-4004-B595-51B1421CF944}">
-  <ds:schemaRefs>
-    <ds:schemaRef ds:uri="http://schemas.microsoft.com/sharepoint/v3/contenttype/forms"/>
-  </ds:schemaRefs>
-</ds:datastoreItem>
 </file>
--- a/DesignPatterns/Behavioral Design Patterns/Behavioral Design Patterns - WTG.pptx
+++ b/DesignPatterns/Behavioral Design Patterns/Behavioral Design Patterns - WTG.pptx
@@ -5,10 +5,10 @@
     <p:sldMasterId id="2147483648" r:id="rId4"/>
   </p:sldMasterIdLst>
   <p:notesMasterIdLst>
-    <p:notesMasterId r:id="rId22"/>
+    <p:notesMasterId r:id="rId25"/>
   </p:notesMasterIdLst>
   <p:handoutMasterIdLst>
-    <p:handoutMasterId r:id="rId23"/>
+    <p:handoutMasterId r:id="rId26"/>
   </p:handoutMasterIdLst>
   <p:sldIdLst>
     <p:sldId id="264" r:id="rId5"/>
@@ -23,11 +23,14 @@
     <p:sldId id="320" r:id="rId14"/>
     <p:sldId id="307" r:id="rId15"/>
     <p:sldId id="308" r:id="rId16"/>
-    <p:sldId id="321" r:id="rId17"/>
-    <p:sldId id="322" r:id="rId18"/>
-    <p:sldId id="290" r:id="rId19"/>
-    <p:sldId id="303" r:id="rId20"/>
-    <p:sldId id="304" r:id="rId21"/>
+    <p:sldId id="327" r:id="rId17"/>
+    <p:sldId id="329" r:id="rId18"/>
+    <p:sldId id="328" r:id="rId19"/>
+    <p:sldId id="321" r:id="rId20"/>
+    <p:sldId id="322" r:id="rId21"/>
+    <p:sldId id="290" r:id="rId22"/>
+    <p:sldId id="303" r:id="rId23"/>
+    <p:sldId id="304" r:id="rId24"/>
   </p:sldIdLst>
   <p:sldSz cx="24384000" cy="13716000"/>
   <p:notesSz cx="6858000" cy="9144000"/>
@@ -151,7 +154,7 @@
 <file path=ppt/revisionInfo.xml><?xml version="1.0" encoding="utf-8"?>
 <p1510:revInfo xmlns:a="http://schemas.openxmlformats.org/drawingml/2006/main" xmlns:r="http://schemas.openxmlformats.org/officeDocument/2006/relationships" xmlns:p1510="http://schemas.microsoft.com/office/powerpoint/2015/10/main">
   <p1510:revLst>
-    <p1510:client id="{7058694A-483B-403F-89BA-FD8C3FB39D35}" v="542" dt="2023-09-26T16:49:08.524"/>
+    <p1510:client id="{7058694A-483B-403F-89BA-FD8C3FB39D35}" v="550" dt="2023-09-26T17:27:23.917"/>
   </p1510:revLst>
 </p1510:revInfo>
 </file>
@@ -940,7 +943,7 @@
   <pc:docChgLst>
     <pc:chgData name="Nancy Li" userId="afc5209a-cf39-48d8-a57f-08cc8b772ec9" providerId="ADAL" clId="{7058694A-483B-403F-89BA-FD8C3FB39D35}"/>
     <pc:docChg chg="undo custSel addSld delSld modSld sldOrd">
-      <pc:chgData name="Nancy Li" userId="afc5209a-cf39-48d8-a57f-08cc8b772ec9" providerId="ADAL" clId="{7058694A-483B-403F-89BA-FD8C3FB39D35}" dt="2023-09-26T16:50:02.554" v="1830" actId="20577"/>
+      <pc:chgData name="Nancy Li" userId="afc5209a-cf39-48d8-a57f-08cc8b772ec9" providerId="ADAL" clId="{7058694A-483B-403F-89BA-FD8C3FB39D35}" dt="2023-09-26T17:34:08.451" v="1921" actId="14100"/>
       <pc:docMkLst>
         <pc:docMk/>
       </pc:docMkLst>
@@ -1025,7 +1028,7 @@
         </pc:graphicFrameChg>
       </pc:sldChg>
       <pc:sldChg chg="addSp delSp modSp mod modNotesTx">
-        <pc:chgData name="Nancy Li" userId="afc5209a-cf39-48d8-a57f-08cc8b772ec9" providerId="ADAL" clId="{7058694A-483B-403F-89BA-FD8C3FB39D35}" dt="2023-09-23T08:10:15.239" v="611" actId="20577"/>
+        <pc:chgData name="Nancy Li" userId="afc5209a-cf39-48d8-a57f-08cc8b772ec9" providerId="ADAL" clId="{7058694A-483B-403F-89BA-FD8C3FB39D35}" dt="2023-09-26T17:11:36.912" v="1849" actId="20577"/>
         <pc:sldMkLst>
           <pc:docMk/>
           <pc:sldMk cId="3284009479" sldId="308"/>
@@ -1350,7 +1353,7 @@
         </pc:picChg>
       </pc:sldChg>
       <pc:sldChg chg="addSp delSp modSp add mod modNotesTx">
-        <pc:chgData name="Nancy Li" userId="afc5209a-cf39-48d8-a57f-08cc8b772ec9" providerId="ADAL" clId="{7058694A-483B-403F-89BA-FD8C3FB39D35}" dt="2023-09-25T13:36:54.540" v="669" actId="1076"/>
+        <pc:chgData name="Nancy Li" userId="afc5209a-cf39-48d8-a57f-08cc8b772ec9" providerId="ADAL" clId="{7058694A-483B-403F-89BA-FD8C3FB39D35}" dt="2023-09-26T17:09:40.380" v="1848" actId="20577"/>
         <pc:sldMkLst>
           <pc:docMk/>
           <pc:sldMk cId="853015841" sldId="320"/>
@@ -1583,7 +1586,7 @@
         </pc:picChg>
       </pc:sldChg>
       <pc:sldChg chg="addSp delSp modSp add mod delAnim modAnim modNotesTx">
-        <pc:chgData name="Nancy Li" userId="afc5209a-cf39-48d8-a57f-08cc8b772ec9" providerId="ADAL" clId="{7058694A-483B-403F-89BA-FD8C3FB39D35}" dt="2023-09-26T16:40:38.532" v="1731"/>
+        <pc:chgData name="Nancy Li" userId="afc5209a-cf39-48d8-a57f-08cc8b772ec9" providerId="ADAL" clId="{7058694A-483B-403F-89BA-FD8C3FB39D35}" dt="2023-09-26T17:02:43.480" v="1847"/>
         <pc:sldMkLst>
           <pc:docMk/>
           <pc:sldMk cId="2485473194" sldId="325"/>
@@ -1646,7 +1649,7 @@
         </pc:picChg>
       </pc:sldChg>
       <pc:sldChg chg="addSp delSp modSp add mod delAnim modAnim modNotesTx">
-        <pc:chgData name="Nancy Li" userId="afc5209a-cf39-48d8-a57f-08cc8b772ec9" providerId="ADAL" clId="{7058694A-483B-403F-89BA-FD8C3FB39D35}" dt="2023-09-26T16:50:02.554" v="1830" actId="20577"/>
+        <pc:chgData name="Nancy Li" userId="afc5209a-cf39-48d8-a57f-08cc8b772ec9" providerId="ADAL" clId="{7058694A-483B-403F-89BA-FD8C3FB39D35}" dt="2023-09-26T16:55:48.472" v="1845" actId="20577"/>
         <pc:sldMkLst>
           <pc:docMk/>
           <pc:sldMk cId="528489567" sldId="326"/>
@@ -1714,6 +1717,131 @@
           <pc:docMk/>
           <pc:sldMk cId="1740867288" sldId="327"/>
         </pc:sldMkLst>
+      </pc:sldChg>
+      <pc:sldChg chg="addSp delSp modSp add del mod modNotesTx">
+        <pc:chgData name="Nancy Li" userId="afc5209a-cf39-48d8-a57f-08cc8b772ec9" providerId="ADAL" clId="{7058694A-483B-403F-89BA-FD8C3FB39D35}" dt="2023-09-26T17:34:08.451" v="1921" actId="14100"/>
+        <pc:sldMkLst>
+          <pc:docMk/>
+          <pc:sldMk cId="2125242884" sldId="327"/>
+        </pc:sldMkLst>
+        <pc:spChg chg="add mod">
+          <ac:chgData name="Nancy Li" userId="afc5209a-cf39-48d8-a57f-08cc8b772ec9" providerId="ADAL" clId="{7058694A-483B-403F-89BA-FD8C3FB39D35}" dt="2023-09-26T17:30:52.851" v="1902"/>
+          <ac:spMkLst>
+            <pc:docMk/>
+            <pc:sldMk cId="2125242884" sldId="327"/>
+            <ac:spMk id="7" creationId="{6E55B2E9-6C47-6659-3C86-A97F3803D3C3}"/>
+          </ac:spMkLst>
+        </pc:spChg>
+        <pc:picChg chg="add mod">
+          <ac:chgData name="Nancy Li" userId="afc5209a-cf39-48d8-a57f-08cc8b772ec9" providerId="ADAL" clId="{7058694A-483B-403F-89BA-FD8C3FB39D35}" dt="2023-09-26T17:34:08.451" v="1921" actId="14100"/>
+          <ac:picMkLst>
+            <pc:docMk/>
+            <pc:sldMk cId="2125242884" sldId="327"/>
+            <ac:picMk id="5" creationId="{4353D11F-E86B-1FA2-1B33-26669B61C443}"/>
+          </ac:picMkLst>
+        </pc:picChg>
+        <pc:picChg chg="del">
+          <ac:chgData name="Nancy Li" userId="afc5209a-cf39-48d8-a57f-08cc8b772ec9" providerId="ADAL" clId="{7058694A-483B-403F-89BA-FD8C3FB39D35}" dt="2023-09-26T17:12:12.900" v="1851" actId="478"/>
+          <ac:picMkLst>
+            <pc:docMk/>
+            <pc:sldMk cId="2125242884" sldId="327"/>
+            <ac:picMk id="6" creationId="{952EE121-739E-6861-D4C8-529556D1CEB3}"/>
+          </ac:picMkLst>
+        </pc:picChg>
+        <pc:picChg chg="add del mod">
+          <ac:chgData name="Nancy Li" userId="afc5209a-cf39-48d8-a57f-08cc8b772ec9" providerId="ADAL" clId="{7058694A-483B-403F-89BA-FD8C3FB39D35}" dt="2023-09-26T17:25:18.806" v="1874" actId="478"/>
+          <ac:picMkLst>
+            <pc:docMk/>
+            <pc:sldMk cId="2125242884" sldId="327"/>
+            <ac:picMk id="9" creationId="{D8EEFFBB-A22A-A73E-5048-D619FB767C50}"/>
+          </ac:picMkLst>
+        </pc:picChg>
+      </pc:sldChg>
+      <pc:sldChg chg="addSp delSp modSp add mod ord modNotesTx">
+        <pc:chgData name="Nancy Li" userId="afc5209a-cf39-48d8-a57f-08cc8b772ec9" providerId="ADAL" clId="{7058694A-483B-403F-89BA-FD8C3FB39D35}" dt="2023-09-26T17:31:10.297" v="1914" actId="20577"/>
+        <pc:sldMkLst>
+          <pc:docMk/>
+          <pc:sldMk cId="912381011" sldId="328"/>
+        </pc:sldMkLst>
+        <pc:spChg chg="mod">
+          <ac:chgData name="Nancy Li" userId="afc5209a-cf39-48d8-a57f-08cc8b772ec9" providerId="ADAL" clId="{7058694A-483B-403F-89BA-FD8C3FB39D35}" dt="2023-09-26T17:31:10.297" v="1914" actId="20577"/>
+          <ac:spMkLst>
+            <pc:docMk/>
+            <pc:sldMk cId="912381011" sldId="328"/>
+            <ac:spMk id="7" creationId="{6E55B2E9-6C47-6659-3C86-A97F3803D3C3}"/>
+          </ac:spMkLst>
+        </pc:spChg>
+        <pc:picChg chg="del">
+          <ac:chgData name="Nancy Li" userId="afc5209a-cf39-48d8-a57f-08cc8b772ec9" providerId="ADAL" clId="{7058694A-483B-403F-89BA-FD8C3FB39D35}" dt="2023-09-26T17:25:10.415" v="1871" actId="478"/>
+          <ac:picMkLst>
+            <pc:docMk/>
+            <pc:sldMk cId="912381011" sldId="328"/>
+            <ac:picMk id="5" creationId="{4353D11F-E86B-1FA2-1B33-26669B61C443}"/>
+          </ac:picMkLst>
+        </pc:picChg>
+        <pc:picChg chg="add mod">
+          <ac:chgData name="Nancy Li" userId="afc5209a-cf39-48d8-a57f-08cc8b772ec9" providerId="ADAL" clId="{7058694A-483B-403F-89BA-FD8C3FB39D35}" dt="2023-09-26T17:27:20.249" v="1881" actId="14100"/>
+          <ac:picMkLst>
+            <pc:docMk/>
+            <pc:sldMk cId="912381011" sldId="328"/>
+            <ac:picMk id="6" creationId="{FC7767CA-CF8E-0403-BDE8-85FAF21C3F4B}"/>
+          </ac:picMkLst>
+        </pc:picChg>
+        <pc:picChg chg="mod">
+          <ac:chgData name="Nancy Li" userId="afc5209a-cf39-48d8-a57f-08cc8b772ec9" providerId="ADAL" clId="{7058694A-483B-403F-89BA-FD8C3FB39D35}" dt="2023-09-26T17:27:14.952" v="1879" actId="1076"/>
+          <ac:picMkLst>
+            <pc:docMk/>
+            <pc:sldMk cId="912381011" sldId="328"/>
+            <ac:picMk id="9" creationId="{D8EEFFBB-A22A-A73E-5048-D619FB767C50}"/>
+          </ac:picMkLst>
+        </pc:picChg>
+      </pc:sldChg>
+      <pc:sldChg chg="addSp delSp modSp add mod ord modNotesTx">
+        <pc:chgData name="Nancy Li" userId="afc5209a-cf39-48d8-a57f-08cc8b772ec9" providerId="ADAL" clId="{7058694A-483B-403F-89BA-FD8C3FB39D35}" dt="2023-09-26T17:31:00.414" v="1908" actId="20577"/>
+        <pc:sldMkLst>
+          <pc:docMk/>
+          <pc:sldMk cId="1655742470" sldId="329"/>
+        </pc:sldMkLst>
+        <pc:spChg chg="mod">
+          <ac:chgData name="Nancy Li" userId="afc5209a-cf39-48d8-a57f-08cc8b772ec9" providerId="ADAL" clId="{7058694A-483B-403F-89BA-FD8C3FB39D35}" dt="2023-09-26T17:31:00.414" v="1908" actId="20577"/>
+          <ac:spMkLst>
+            <pc:docMk/>
+            <pc:sldMk cId="1655742470" sldId="329"/>
+            <ac:spMk id="7" creationId="{6E55B2E9-6C47-6659-3C86-A97F3803D3C3}"/>
+          </ac:spMkLst>
+        </pc:spChg>
+        <pc:picChg chg="add mod">
+          <ac:chgData name="Nancy Li" userId="afc5209a-cf39-48d8-a57f-08cc8b772ec9" providerId="ADAL" clId="{7058694A-483B-403F-89BA-FD8C3FB39D35}" dt="2023-09-26T17:29:20.512" v="1895" actId="1076"/>
+          <ac:picMkLst>
+            <pc:docMk/>
+            <pc:sldMk cId="1655742470" sldId="329"/>
+            <ac:picMk id="5" creationId="{852F8162-5236-BB8D-57FC-B36C1BA0BD35}"/>
+          </ac:picMkLst>
+        </pc:picChg>
+        <pc:picChg chg="del">
+          <ac:chgData name="Nancy Li" userId="afc5209a-cf39-48d8-a57f-08cc8b772ec9" providerId="ADAL" clId="{7058694A-483B-403F-89BA-FD8C3FB39D35}" dt="2023-09-26T17:27:37.152" v="1886" actId="478"/>
+          <ac:picMkLst>
+            <pc:docMk/>
+            <pc:sldMk cId="1655742470" sldId="329"/>
+            <ac:picMk id="6" creationId="{FC7767CA-CF8E-0403-BDE8-85FAF21C3F4B}"/>
+          </ac:picMkLst>
+        </pc:picChg>
+        <pc:picChg chg="del">
+          <ac:chgData name="Nancy Li" userId="afc5209a-cf39-48d8-a57f-08cc8b772ec9" providerId="ADAL" clId="{7058694A-483B-403F-89BA-FD8C3FB39D35}" dt="2023-09-26T17:27:35.707" v="1885" actId="478"/>
+          <ac:picMkLst>
+            <pc:docMk/>
+            <pc:sldMk cId="1655742470" sldId="329"/>
+            <ac:picMk id="9" creationId="{D8EEFFBB-A22A-A73E-5048-D619FB767C50}"/>
+          </ac:picMkLst>
+        </pc:picChg>
+        <pc:picChg chg="add mod">
+          <ac:chgData name="Nancy Li" userId="afc5209a-cf39-48d8-a57f-08cc8b772ec9" providerId="ADAL" clId="{7058694A-483B-403F-89BA-FD8C3FB39D35}" dt="2023-09-26T17:29:21.780" v="1896" actId="1076"/>
+          <ac:picMkLst>
+            <pc:docMk/>
+            <pc:sldMk cId="1655742470" sldId="329"/>
+            <ac:picMk id="10" creationId="{E438DA20-2D6E-D792-234D-9A8631A828BF}"/>
+          </ac:picMkLst>
+        </pc:picChg>
       </pc:sldChg>
     </pc:docChg>
   </pc:docChgLst>
@@ -15174,7 +15302,7 @@
             </a:pPr>
             <a:r>
               <a:rPr lang="zh-CN" altLang="en-US" dirty="0"/>
-              <a:t>在运行时，你可以根据需要选择并设置合适的策略对象，并将其传递给上下文类。上下文类将调用所选策略的方法来完成相应的操作。</a:t>
+              <a:t>在运行时，你可以根据需要选择并设置合适的策略对象，并将其注入给上下文类。上下文类将调用所选策略的方法来完成相应的操作。</a:t>
             </a:r>
             <a:endParaRPr lang="en-US" dirty="0"/>
           </a:p>
@@ -15580,11 +15708,8 @@
             </a:r>
             <a:r>
               <a:rPr lang="zh-CN" altLang="en-US" dirty="0"/>
-              <a:t>通过添加新的策略类，很容易地扩展系统的功能，而无需修改现有的代码</a:t>
-            </a:r>
-          </a:p>
-          <a:p>
-            <a:endParaRPr lang="zh-CN" altLang="en-US" dirty="0"/>
+              <a:t>通过添加新的策略类，很容易地扩展系统的功能</a:t>
+            </a:r>
           </a:p>
           <a:p>
             <a:r>
@@ -15705,104 +15830,79 @@
             <a:r>
               <a:rPr lang="zh-CN" altLang="en-US" b="0" i="0" dirty="0">
                 <a:solidFill>
+                  <a:srgbClr val="444444"/>
+                </a:solidFill>
+                <a:effectLst/>
+                <a:latin typeface="PT Sans" panose="020B0503020203020204" pitchFamily="34" charset="0"/>
+              </a:rPr>
+              <a:t>上下文不负责为作业选择适当的算法。相反，客户端将所需的策略传递给上下文。</a:t>
+            </a:r>
+            <a:endParaRPr lang="en-US" altLang="zh-CN" b="0" i="0" dirty="0">
+              <a:solidFill>
+                <a:srgbClr val="444444"/>
+              </a:solidFill>
+              <a:effectLst/>
+              <a:latin typeface="PT Sans" panose="020B0503020203020204" pitchFamily="34" charset="0"/>
+            </a:endParaRPr>
+          </a:p>
+          <a:p>
+            <a:endParaRPr lang="en-US" altLang="zh-CN" b="0" i="0" dirty="0">
+              <a:solidFill>
+                <a:srgbClr val="444444"/>
+              </a:solidFill>
+              <a:effectLst/>
+              <a:latin typeface="PT Sans" panose="020B0503020203020204" pitchFamily="34" charset="0"/>
+            </a:endParaRPr>
+          </a:p>
+          <a:p>
+            <a:r>
+              <a:rPr lang="zh-CN" altLang="en-US" b="0" i="0" dirty="0">
+                <a:solidFill>
+                  <a:srgbClr val="444444"/>
+                </a:solidFill>
+                <a:effectLst/>
+                <a:latin typeface="PT Sans" panose="020B0503020203020204" pitchFamily="34" charset="0"/>
+              </a:rPr>
+              <a:t>事实上，上下文对策略知之甚少。它通过同一个泛型接口处理所有策略，该接口仅公开单个方法来触发封装在所选策略中的算法。</a:t>
+            </a:r>
+            <a:endParaRPr lang="en-US" altLang="zh-CN" b="0" i="0" dirty="0">
+              <a:solidFill>
+                <a:srgbClr val="444444"/>
+              </a:solidFill>
+              <a:effectLst/>
+              <a:latin typeface="PT Sans" panose="020B0503020203020204" pitchFamily="34" charset="0"/>
+            </a:endParaRPr>
+          </a:p>
+          <a:p>
+            <a:endParaRPr lang="en-US" b="0" i="0" dirty="0">
+              <a:solidFill>
+                <a:srgbClr val="444444"/>
+              </a:solidFill>
+              <a:effectLst/>
+              <a:latin typeface="PT Sans" panose="020B0503020203020204" pitchFamily="34" charset="0"/>
+            </a:endParaRPr>
+          </a:p>
+          <a:p>
+            <a:endParaRPr lang="en-US" b="0" i="0" dirty="0">
+              <a:solidFill>
+                <a:srgbClr val="444444"/>
+              </a:solidFill>
+              <a:effectLst/>
+              <a:latin typeface="PT Sans" panose="020B0503020203020204" pitchFamily="34" charset="0"/>
+            </a:endParaRPr>
+          </a:p>
+          <a:p>
+            <a:pPr algn="l"/>
+            <a:r>
+              <a:rPr lang="zh-CN" altLang="en-US" b="0" i="0" dirty="0">
+                <a:solidFill>
                   <a:srgbClr val="FFFFFF"/>
                 </a:solidFill>
                 <a:effectLst/>
                 <a:latin typeface="-apple-system"/>
               </a:rPr>
-              <a:t>它定义了一个操作中的骨架，将某些步骤延迟到子类中实现。</a:t>
-            </a:r>
-            <a:endParaRPr lang="en-US" altLang="zh-CN" b="0" i="0" dirty="0">
-              <a:solidFill>
-                <a:srgbClr val="FFFFFF"/>
-              </a:solidFill>
-              <a:effectLst/>
-              <a:latin typeface="-apple-system"/>
-            </a:endParaRPr>
-          </a:p>
-          <a:p>
-            <a:r>
-              <a:rPr lang="zh-CN" altLang="en-US" b="0" i="0" dirty="0">
-                <a:solidFill>
-                  <a:srgbClr val="FFFFFF"/>
-                </a:solidFill>
-                <a:effectLst/>
-                <a:latin typeface="-apple-system"/>
-              </a:rPr>
-              <a:t>模板方法模式的核心思想是将算法的通用部分抽象出来，放在一个父类中作为模板方法，并将特定的实现细节延迟到子类中。</a:t>
-            </a:r>
-            <a:endParaRPr lang="en-US" altLang="zh-CN" b="0" i="0" dirty="0">
-              <a:solidFill>
-                <a:srgbClr val="FFFFFF"/>
-              </a:solidFill>
-              <a:effectLst/>
-              <a:latin typeface="-apple-system"/>
-            </a:endParaRPr>
-          </a:p>
-          <a:p>
-            <a:endParaRPr lang="en-US" altLang="zh-CN" b="0" i="0" dirty="0">
-              <a:solidFill>
-                <a:srgbClr val="FFFFFF"/>
-              </a:solidFill>
-              <a:effectLst/>
-              <a:latin typeface="-apple-system"/>
-            </a:endParaRPr>
-          </a:p>
-          <a:p>
-            <a:r>
-              <a:rPr lang="zh-CN" altLang="en-US" b="0" i="0" dirty="0">
-                <a:solidFill>
-                  <a:srgbClr val="FFFFFF"/>
-                </a:solidFill>
-                <a:effectLst/>
-                <a:latin typeface="-apple-system"/>
-              </a:rPr>
-              <a:t>这样做的好处是可以在不改变算法结构的情况下，通过子类的不同实现来达到不同的行为结果。</a:t>
-            </a:r>
-            <a:endParaRPr lang="en-US" altLang="zh-CN" b="0" i="0" dirty="0">
-              <a:solidFill>
-                <a:srgbClr val="FFFFFF"/>
-              </a:solidFill>
-              <a:effectLst/>
-              <a:latin typeface="-apple-system"/>
-            </a:endParaRPr>
-          </a:p>
-          <a:p>
-            <a:endParaRPr lang="en-US" altLang="zh-CN" b="0" i="0" dirty="0">
-              <a:solidFill>
-                <a:srgbClr val="FFFFFF"/>
-              </a:solidFill>
-              <a:effectLst/>
-              <a:latin typeface="-apple-system"/>
-            </a:endParaRPr>
-          </a:p>
-          <a:p>
-            <a:endParaRPr lang="en-US" altLang="zh-CN" b="0" i="0" dirty="0">
-              <a:solidFill>
-                <a:srgbClr val="FFFFFF"/>
-              </a:solidFill>
-              <a:effectLst/>
-              <a:latin typeface="-apple-system"/>
-            </a:endParaRPr>
-          </a:p>
-          <a:p>
-            <a:r>
-              <a:rPr lang="zh-CN" altLang="en-US" b="0" i="0" dirty="0">
-                <a:solidFill>
-                  <a:srgbClr val="FFFFFF"/>
-                </a:solidFill>
-                <a:effectLst/>
-                <a:latin typeface="-apple-system"/>
-              </a:rPr>
-              <a:t>以下是模板方法模式的一般结构：</a:t>
-            </a:r>
-            <a:endParaRPr lang="en-US" b="0" i="0" dirty="0">
-              <a:solidFill>
-                <a:srgbClr val="FFFFFF"/>
-              </a:solidFill>
-              <a:effectLst/>
-              <a:latin typeface="-apple-system"/>
-            </a:endParaRPr>
+              <a:t>将策略设置到上下文对象中有以下好处：</a:t>
+            </a:r>
           </a:p>
           <a:p>
             <a:pPr algn="l">
@@ -15817,27 +15917,7 @@
                 <a:effectLst/>
                 <a:latin typeface="-apple-system"/>
               </a:rPr>
-              <a:t>抽象类（</a:t>
-            </a:r>
-            <a:r>
-              <a:rPr lang="en-US" altLang="zh-CN" b="0" i="0" dirty="0">
-                <a:solidFill>
-                  <a:srgbClr val="FFFFFF"/>
-                </a:solidFill>
-                <a:effectLst/>
-                <a:latin typeface="-apple-system"/>
-              </a:rPr>
-              <a:t>Abstract Class</a:t>
-            </a:r>
-            <a:r>
-              <a:rPr lang="zh-CN" altLang="en-US" b="0" i="0" dirty="0">
-                <a:solidFill>
-                  <a:srgbClr val="FFFFFF"/>
-                </a:solidFill>
-                <a:effectLst/>
-                <a:latin typeface="-apple-system"/>
-              </a:rPr>
-              <a:t>）：定义模板方法和抽象方法，模板方法定义了算法的骨架，抽象方法由子类实现。</a:t>
+              <a:t>灵活性和可扩展性：通过将策略设置到上下文对象中，可以在运行时轻松地切换不同的策略。这种灵活性使系统更易于扩展和适应变化，而无需修改客户端代码。</a:t>
             </a:r>
           </a:p>
           <a:p>
@@ -15846,67 +15926,14 @@
               <a:buAutoNum type="arabicPeriod"/>
             </a:pPr>
             <a:r>
-              <a:rPr lang="zh-CN" altLang="en-US" b="0" i="0" dirty="0">
+              <a:rPr lang="zh-CN" altLang="en-US" b="1" i="0" dirty="0">
                 <a:solidFill>
                   <a:srgbClr val="FFFFFF"/>
                 </a:solidFill>
                 <a:effectLst/>
                 <a:latin typeface="-apple-system"/>
               </a:rPr>
-              <a:t>具体类（</a:t>
-            </a:r>
-            <a:r>
-              <a:rPr lang="en-US" altLang="zh-CN" b="0" i="0" dirty="0">
-                <a:solidFill>
-                  <a:srgbClr val="FFFFFF"/>
-                </a:solidFill>
-                <a:effectLst/>
-                <a:latin typeface="-apple-system"/>
-              </a:rPr>
-              <a:t>Concrete Class</a:t>
-            </a:r>
-            <a:r>
-              <a:rPr lang="zh-CN" altLang="en-US" b="0" i="0" dirty="0">
-                <a:solidFill>
-                  <a:srgbClr val="FFFFFF"/>
-                </a:solidFill>
-                <a:effectLst/>
-                <a:latin typeface="-apple-system"/>
-              </a:rPr>
-              <a:t>）：继承抽象类，实现抽象方法，完成算法中具体的实现细节。</a:t>
-            </a:r>
-            <a:endParaRPr lang="en-US" altLang="zh-CN" b="0" i="0" dirty="0">
-              <a:solidFill>
-                <a:srgbClr val="FFFFFF"/>
-              </a:solidFill>
-              <a:effectLst/>
-              <a:latin typeface="-apple-system"/>
-            </a:endParaRPr>
-          </a:p>
-          <a:p>
-            <a:pPr algn="l">
-              <a:buFont typeface="+mj-lt"/>
-              <a:buNone/>
-            </a:pPr>
-            <a:endParaRPr lang="en-US" altLang="zh-CN" b="0" i="0" dirty="0">
-              <a:solidFill>
-                <a:srgbClr val="FFFFFF"/>
-              </a:solidFill>
-              <a:effectLst/>
-              <a:latin typeface="-apple-system"/>
-            </a:endParaRPr>
-          </a:p>
-          <a:p>
-            <a:pPr algn="l"/>
-            <a:r>
-              <a:rPr lang="zh-CN" altLang="en-US" b="0" i="0" dirty="0">
-                <a:solidFill>
-                  <a:srgbClr val="FFFFFF"/>
-                </a:solidFill>
-                <a:effectLst/>
-                <a:latin typeface="-apple-system"/>
-              </a:rPr>
-              <a:t>模板方法模式的工作流程如下：</a:t>
+              <a:t>解耦和单一职责原则：将策略与上下文对象解耦，使得策略的变化不会影响到上下文对象的实现。上下文对象可以专注于管理策略的切换和执行，而不用关心具体的策略实现细节，符合单一职责原则。</a:t>
             </a:r>
           </a:p>
           <a:p>
@@ -15922,27 +15949,7 @@
                 <a:effectLst/>
                 <a:latin typeface="-apple-system"/>
               </a:rPr>
-              <a:t>定义一个抽象类，其中包含一个模板方法（</a:t>
-            </a:r>
-            <a:r>
-              <a:rPr lang="en-US" altLang="zh-CN" b="0" i="0" dirty="0">
-                <a:solidFill>
-                  <a:srgbClr val="FFFFFF"/>
-                </a:solidFill>
-                <a:effectLst/>
-                <a:latin typeface="-apple-system"/>
-              </a:rPr>
-              <a:t>Template Method</a:t>
-            </a:r>
-            <a:r>
-              <a:rPr lang="zh-CN" altLang="en-US" b="0" i="0" dirty="0">
-                <a:solidFill>
-                  <a:srgbClr val="FFFFFF"/>
-                </a:solidFill>
-                <a:effectLst/>
-                <a:latin typeface="-apple-system"/>
-              </a:rPr>
-              <a:t>），该方法定义了算法的骨架，包括一些基本的步骤，这些步骤可以是具体的实现或者是抽象方法。</a:t>
+              <a:t>可复用性：通过将策略设置到上下文对象中，可以在不同的上下文中重复使用相同的策略。这样可以避免重复编写相同的策略代码，提高代码的复用性。</a:t>
             </a:r>
           </a:p>
           <a:p>
@@ -15958,7 +15965,7 @@
                 <a:effectLst/>
                 <a:latin typeface="-apple-system"/>
               </a:rPr>
-              <a:t>在抽象类中，可以定义一些公共的方法，这些方法可以被模板方法调用，用于实现算法的某些具体步骤。</a:t>
+              <a:t>动态性和扩展性：由于策略是作为对象进行传递和设置的，可以在运行时动态地更改策略，从而实现动态的行为变化。还可以通过定义新的策略类来扩展系统的功能，而无需修改现有的代码。</a:t>
             </a:r>
           </a:p>
           <a:p>
@@ -15967,44 +15974,15 @@
               <a:buAutoNum type="arabicPeriod"/>
             </a:pPr>
             <a:r>
-              <a:rPr lang="zh-CN" altLang="en-US" b="0" i="0" dirty="0">
+              <a:rPr lang="zh-CN" altLang="en-US" b="1" i="0" dirty="0">
                 <a:solidFill>
                   <a:srgbClr val="FFFFFF"/>
                 </a:solidFill>
                 <a:effectLst/>
                 <a:latin typeface="-apple-system"/>
               </a:rPr>
-              <a:t>定义一个或多个具体类，继承抽象类，并实现抽象方法，完成算法中具体的实现细节。</a:t>
-            </a:r>
-          </a:p>
-          <a:p>
-            <a:pPr algn="l">
-              <a:buFont typeface="+mj-lt"/>
-              <a:buAutoNum type="arabicPeriod"/>
-            </a:pPr>
-            <a:r>
-              <a:rPr lang="zh-CN" altLang="en-US" b="0" i="0" dirty="0">
-                <a:solidFill>
-                  <a:srgbClr val="FFFFFF"/>
-                </a:solidFill>
-                <a:effectLst/>
-                <a:latin typeface="-apple-system"/>
-              </a:rPr>
-              <a:t>在具体类中，根据需要重写父类的方法，以实现自定义的行为。</a:t>
-            </a:r>
-          </a:p>
-          <a:p>
-            <a:pPr algn="l">
-              <a:buFont typeface="+mj-lt"/>
-              <a:buAutoNum type="arabicPeriod"/>
-            </a:pPr>
-            <a:endParaRPr lang="zh-CN" altLang="en-US" b="0" i="0" dirty="0">
-              <a:solidFill>
-                <a:srgbClr val="FFFFFF"/>
-              </a:solidFill>
-              <a:effectLst/>
-              <a:latin typeface="-apple-system"/>
-            </a:endParaRPr>
+              <a:t>可测试性：将策略设置到上下文对象中可以方便地进行单元测试。可以针对不同的策略编写相应的测试用例，测试每个策略的逻辑和行为，而不需要依赖于整个系统的其他部分。</a:t>
+            </a:r>
           </a:p>
           <a:p>
             <a:endParaRPr lang="en-US" dirty="0"/>
@@ -16037,7 +16015,7 @@
     </p:spTree>
     <p:extLst>
       <p:ext uri="{BB962C8B-B14F-4D97-AF65-F5344CB8AC3E}">
-        <p14:creationId xmlns:p14="http://schemas.microsoft.com/office/powerpoint/2010/main" val="484334021"/>
+        <p14:creationId xmlns:p14="http://schemas.microsoft.com/office/powerpoint/2010/main" val="3536266624"/>
       </p:ext>
     </p:extLst>
   </p:cSld>
@@ -16091,516 +16069,7 @@
           <a:bodyPr/>
           <a:lstStyle/>
           <a:p>
-            <a:pPr algn="l"/>
-            <a:r>
-              <a:rPr lang="zh-CN" altLang="en-US" b="0" i="0" dirty="0">
-                <a:solidFill>
-                  <a:srgbClr val="FFFFFF"/>
-                </a:solidFill>
-                <a:effectLst/>
-                <a:latin typeface="-apple-system"/>
-              </a:rPr>
-              <a:t>优点：</a:t>
-            </a:r>
-          </a:p>
-          <a:p>
-            <a:pPr algn="l">
-              <a:buFont typeface="+mj-lt"/>
-              <a:buAutoNum type="arabicPeriod"/>
-            </a:pPr>
-            <a:r>
-              <a:rPr lang="zh-CN" altLang="en-US" b="0" i="0" dirty="0">
-                <a:solidFill>
-                  <a:srgbClr val="FFFFFF"/>
-                </a:solidFill>
-                <a:effectLst/>
-                <a:latin typeface="-apple-system"/>
-              </a:rPr>
-              <a:t>代码复用 </a:t>
-            </a:r>
-            <a:r>
-              <a:rPr lang="en-US" b="0" i="0" dirty="0">
-                <a:solidFill>
-                  <a:srgbClr val="FFFFFF"/>
-                </a:solidFill>
-                <a:effectLst/>
-                <a:latin typeface="-apple-system"/>
-              </a:rPr>
-              <a:t>Code reuse</a:t>
-            </a:r>
-            <a:endParaRPr lang="en-US" altLang="zh-CN" b="0" i="0" dirty="0">
-              <a:solidFill>
-                <a:srgbClr val="FFFFFF"/>
-              </a:solidFill>
-              <a:effectLst/>
-              <a:latin typeface="-apple-system"/>
-            </a:endParaRPr>
-          </a:p>
-          <a:p>
-            <a:pPr algn="l">
-              <a:buFont typeface="+mj-lt"/>
-              <a:buNone/>
-            </a:pPr>
-            <a:r>
-              <a:rPr lang="zh-CN" altLang="en-US" b="0" i="0" dirty="0">
-                <a:solidFill>
-                  <a:srgbClr val="FFFFFF"/>
-                </a:solidFill>
-                <a:effectLst/>
-                <a:latin typeface="-apple-system"/>
-              </a:rPr>
-              <a:t>模板方法模式可以将算法的骨架代码放在父类中，子类只需要实现具体的细节部分，从而实现代码的复用。这样可以避免重复编写相似的代码，提高了代码的可维护性和可扩展性。</a:t>
-            </a:r>
-            <a:endParaRPr lang="en-US" altLang="zh-CN" b="0" i="0" dirty="0">
-              <a:solidFill>
-                <a:srgbClr val="FFFFFF"/>
-              </a:solidFill>
-              <a:effectLst/>
-              <a:latin typeface="-apple-system"/>
-            </a:endParaRPr>
-          </a:p>
-          <a:p>
-            <a:pPr algn="l">
-              <a:buFont typeface="+mj-lt"/>
-              <a:buNone/>
-            </a:pPr>
-            <a:endParaRPr lang="en-US" altLang="zh-CN" b="0" i="0" dirty="0">
-              <a:solidFill>
-                <a:srgbClr val="FFFFFF"/>
-              </a:solidFill>
-              <a:effectLst/>
-              <a:latin typeface="-apple-system"/>
-            </a:endParaRPr>
-          </a:p>
-          <a:p>
-            <a:pPr algn="l">
-              <a:buFont typeface="+mj-lt"/>
-              <a:buNone/>
-            </a:pPr>
-            <a:r>
-              <a:rPr lang="en-US" altLang="zh-CN" b="0" i="0" dirty="0">
-                <a:solidFill>
-                  <a:srgbClr val="FFFFFF"/>
-                </a:solidFill>
-                <a:effectLst/>
-                <a:latin typeface="-apple-system"/>
-              </a:rPr>
-              <a:t>2.</a:t>
-            </a:r>
-            <a:r>
-              <a:rPr lang="zh-CN" altLang="en-US" b="0" i="0" dirty="0">
-                <a:solidFill>
-                  <a:srgbClr val="FFFFFF"/>
-                </a:solidFill>
-                <a:effectLst/>
-                <a:latin typeface="-apple-system"/>
-              </a:rPr>
-              <a:t> 提高扩展性 </a:t>
-            </a:r>
-            <a:r>
-              <a:rPr lang="en-US" altLang="zh-CN" b="0" i="0" dirty="0">
-                <a:solidFill>
-                  <a:srgbClr val="FFFFFF"/>
-                </a:solidFill>
-                <a:effectLst/>
-                <a:latin typeface="-apple-system"/>
-              </a:rPr>
-              <a:t>Increased extensibility</a:t>
-            </a:r>
-          </a:p>
-          <a:p>
-            <a:pPr algn="l">
-              <a:buFont typeface="+mj-lt"/>
-              <a:buNone/>
-            </a:pPr>
-            <a:r>
-              <a:rPr lang="zh-CN" altLang="en-US" b="0" i="0" dirty="0">
-                <a:solidFill>
-                  <a:srgbClr val="FFFFFF"/>
-                </a:solidFill>
-                <a:effectLst/>
-                <a:latin typeface="-apple-system"/>
-              </a:rPr>
-              <a:t>由于算法的整体结构已经在父类中定义，子类可以通过扩展和重写父类的方法来改变算法的具体实现，从而实现不同的行为。这样的设计使得系统更具灵活性，易于扩展和修改。</a:t>
-            </a:r>
-            <a:endParaRPr lang="en-US" altLang="zh-CN" b="0" i="0" dirty="0">
-              <a:solidFill>
-                <a:srgbClr val="FFFFFF"/>
-              </a:solidFill>
-              <a:effectLst/>
-              <a:latin typeface="-apple-system"/>
-            </a:endParaRPr>
-          </a:p>
-          <a:p>
-            <a:pPr algn="l">
-              <a:buFont typeface="+mj-lt"/>
-              <a:buNone/>
-            </a:pPr>
-            <a:endParaRPr lang="en-US" altLang="zh-CN" b="0" i="0" dirty="0">
-              <a:solidFill>
-                <a:srgbClr val="FFFFFF"/>
-              </a:solidFill>
-              <a:effectLst/>
-              <a:latin typeface="-apple-system"/>
-            </a:endParaRPr>
-          </a:p>
-          <a:p>
-            <a:pPr algn="l">
-              <a:buFont typeface="+mj-lt"/>
-              <a:buNone/>
-            </a:pPr>
-            <a:r>
-              <a:rPr lang="en-US" altLang="zh-CN" b="0" i="0" dirty="0">
-                <a:solidFill>
-                  <a:srgbClr val="FFFFFF"/>
-                </a:solidFill>
-                <a:effectLst/>
-                <a:latin typeface="-apple-system"/>
-              </a:rPr>
-              <a:t>3.</a:t>
-            </a:r>
-            <a:r>
-              <a:rPr lang="zh-CN" altLang="en-US" b="0" i="0" dirty="0">
-                <a:solidFill>
-                  <a:srgbClr val="FFFFFF"/>
-                </a:solidFill>
-                <a:effectLst/>
-                <a:latin typeface="-apple-system"/>
-              </a:rPr>
-              <a:t> 统一算法结构 </a:t>
-            </a:r>
-            <a:r>
-              <a:rPr lang="en-US" altLang="zh-CN" b="0" i="0" dirty="0">
-                <a:solidFill>
-                  <a:srgbClr val="FFFFFF"/>
-                </a:solidFill>
-                <a:effectLst/>
-                <a:latin typeface="-apple-system"/>
-              </a:rPr>
-              <a:t>Unified algorithm structure</a:t>
-            </a:r>
-          </a:p>
-          <a:p>
-            <a:pPr algn="l">
-              <a:buFont typeface="+mj-lt"/>
-              <a:buNone/>
-            </a:pPr>
-            <a:r>
-              <a:rPr lang="zh-CN" altLang="en-US" b="0" i="0" dirty="0">
-                <a:solidFill>
-                  <a:srgbClr val="FFFFFF"/>
-                </a:solidFill>
-                <a:effectLst/>
-                <a:latin typeface="-apple-system"/>
-              </a:rPr>
-              <a:t> 通过模板方法模式，可以将算法的结构统一起来，使代码更加清晰易懂。父类中的模板方法定义了算法的骨架，具体步骤由子类实现，使得算法的执行流程更加明确，易于理解和维护。</a:t>
-            </a:r>
-            <a:endParaRPr lang="en-US" altLang="zh-CN" b="0" i="0" dirty="0">
-              <a:solidFill>
-                <a:srgbClr val="FFFFFF"/>
-              </a:solidFill>
-              <a:effectLst/>
-              <a:latin typeface="-apple-system"/>
-            </a:endParaRPr>
-          </a:p>
-          <a:p>
-            <a:pPr algn="l">
-              <a:buFont typeface="+mj-lt"/>
-              <a:buNone/>
-            </a:pPr>
-            <a:endParaRPr lang="zh-CN" altLang="en-US" b="0" i="0" dirty="0">
-              <a:solidFill>
-                <a:srgbClr val="FFFFFF"/>
-              </a:solidFill>
-              <a:effectLst/>
-              <a:latin typeface="-apple-system"/>
-            </a:endParaRPr>
-          </a:p>
-          <a:p>
-            <a:pPr algn="l"/>
-            <a:r>
-              <a:rPr lang="zh-CN" altLang="en-US" b="0" i="0" dirty="0">
-                <a:solidFill>
-                  <a:srgbClr val="FFFFFF"/>
-                </a:solidFill>
-                <a:effectLst/>
-                <a:latin typeface="-apple-system"/>
-              </a:rPr>
-              <a:t>缺点：</a:t>
-            </a:r>
-          </a:p>
-          <a:p>
-            <a:pPr algn="l">
-              <a:buFont typeface="+mj-lt"/>
-              <a:buAutoNum type="arabicPeriod"/>
-            </a:pPr>
-            <a:r>
-              <a:rPr lang="zh-CN" altLang="en-US" b="0" i="0" dirty="0">
-                <a:solidFill>
-                  <a:srgbClr val="FFFFFF"/>
-                </a:solidFill>
-                <a:effectLst/>
-                <a:latin typeface="-apple-system"/>
-              </a:rPr>
-              <a:t>父类与子类的紧耦合 </a:t>
-            </a:r>
-            <a:r>
-              <a:rPr lang="en-US" b="0" i="0" dirty="0">
-                <a:solidFill>
-                  <a:srgbClr val="FFFFFF"/>
-                </a:solidFill>
-                <a:effectLst/>
-                <a:latin typeface="-apple-system"/>
-              </a:rPr>
-              <a:t>Tight coupling between parent and subclasses</a:t>
-            </a:r>
-            <a:endParaRPr lang="en-US" altLang="zh-CN" b="0" i="0" dirty="0">
-              <a:solidFill>
-                <a:srgbClr val="FFFFFF"/>
-              </a:solidFill>
-              <a:effectLst/>
-              <a:latin typeface="-apple-system"/>
-            </a:endParaRPr>
-          </a:p>
-          <a:p>
-            <a:pPr algn="l">
-              <a:buFont typeface="+mj-lt"/>
-              <a:buNone/>
-            </a:pPr>
-            <a:r>
-              <a:rPr lang="en-US" altLang="zh-CN" b="0" i="0" dirty="0">
-                <a:solidFill>
-                  <a:srgbClr val="FFFFFF"/>
-                </a:solidFill>
-                <a:effectLst/>
-                <a:latin typeface="-apple-system"/>
-              </a:rPr>
-              <a:t>  </a:t>
-            </a:r>
-            <a:r>
-              <a:rPr lang="zh-CN" altLang="en-US" b="0" i="0" dirty="0">
-                <a:solidFill>
-                  <a:srgbClr val="FFFFFF"/>
-                </a:solidFill>
-                <a:effectLst/>
-                <a:latin typeface="-apple-system"/>
-              </a:rPr>
-              <a:t>模板方法模式要求子类必须遵循父类定义的算法结构，这导致了父类与子类之间的紧耦合关系。如果父类的模板方法需要修改，可能会影响到所有子类的实现，增加了系统的维护难度。</a:t>
-            </a:r>
-            <a:endParaRPr lang="en-US" altLang="zh-CN" b="0" i="0" dirty="0">
-              <a:solidFill>
-                <a:srgbClr val="FFFFFF"/>
-              </a:solidFill>
-              <a:effectLst/>
-              <a:latin typeface="-apple-system"/>
-            </a:endParaRPr>
-          </a:p>
-          <a:p>
-            <a:pPr algn="l">
-              <a:buFont typeface="+mj-lt"/>
-              <a:buNone/>
-            </a:pPr>
-            <a:endParaRPr lang="zh-CN" altLang="en-US" b="0" i="0" dirty="0">
-              <a:solidFill>
-                <a:srgbClr val="FFFFFF"/>
-              </a:solidFill>
-              <a:effectLst/>
-              <a:latin typeface="-apple-system"/>
-            </a:endParaRPr>
-          </a:p>
-          <a:p>
-            <a:pPr algn="l">
-              <a:buFont typeface="+mj-lt"/>
-              <a:buNone/>
-            </a:pPr>
-            <a:r>
-              <a:rPr lang="en-US" altLang="zh-CN" b="0" i="0" dirty="0">
-                <a:solidFill>
-                  <a:srgbClr val="FFFFFF"/>
-                </a:solidFill>
-                <a:effectLst/>
-                <a:latin typeface="-apple-system"/>
-              </a:rPr>
-              <a:t>2. </a:t>
-            </a:r>
-            <a:r>
-              <a:rPr lang="zh-CN" altLang="en-US" b="0" i="0" dirty="0">
-                <a:solidFill>
-                  <a:srgbClr val="FFFFFF"/>
-                </a:solidFill>
-                <a:effectLst/>
-                <a:latin typeface="-apple-system"/>
-              </a:rPr>
-              <a:t>限制子类的自由度</a:t>
-            </a:r>
-            <a:r>
-              <a:rPr lang="en-US" altLang="zh-CN" b="0" i="0" dirty="0">
-                <a:solidFill>
-                  <a:srgbClr val="FFFFFF"/>
-                </a:solidFill>
-                <a:effectLst/>
-                <a:latin typeface="-apple-system"/>
-              </a:rPr>
-              <a:t>/</a:t>
-            </a:r>
-            <a:r>
-              <a:rPr lang="zh-CN" altLang="en-US" b="0" i="0">
-                <a:solidFill>
-                  <a:srgbClr val="FFFFFF"/>
-                </a:solidFill>
-                <a:effectLst/>
-                <a:latin typeface="-apple-system"/>
-              </a:rPr>
-              <a:t>灵活性 </a:t>
-            </a:r>
-            <a:r>
-              <a:rPr lang="en-US" altLang="zh-CN" b="0" i="0" dirty="0">
-                <a:solidFill>
-                  <a:srgbClr val="FFFFFF"/>
-                </a:solidFill>
-                <a:effectLst/>
-                <a:latin typeface="-apple-system"/>
-              </a:rPr>
-              <a:t>Restricted flexibility for subclasses</a:t>
-            </a:r>
-          </a:p>
-          <a:p>
-            <a:pPr algn="l">
-              <a:buFont typeface="+mj-lt"/>
-              <a:buNone/>
-            </a:pPr>
-            <a:r>
-              <a:rPr lang="en-US" altLang="zh-CN" b="0" i="0" dirty="0">
-                <a:solidFill>
-                  <a:srgbClr val="FFFFFF"/>
-                </a:solidFill>
-                <a:effectLst/>
-                <a:latin typeface="-apple-system"/>
-              </a:rPr>
-              <a:t>  </a:t>
-            </a:r>
-            <a:r>
-              <a:rPr lang="zh-CN" altLang="en-US" b="0" i="0" dirty="0">
-                <a:solidFill>
-                  <a:srgbClr val="FFFFFF"/>
-                </a:solidFill>
-                <a:effectLst/>
-                <a:latin typeface="-apple-system"/>
-              </a:rPr>
-              <a:t>由于模板方法模式在父类中定义了算法的骨架，子类只能通过实现抽象方法来定制具体的细节部分。这导致子类的自由度受到一定的限制，可能无法满足一些特殊需求。</a:t>
-            </a:r>
-            <a:endParaRPr lang="en-US" altLang="zh-CN" b="0" i="0" dirty="0">
-              <a:solidFill>
-                <a:srgbClr val="FFFFFF"/>
-              </a:solidFill>
-              <a:effectLst/>
-              <a:latin typeface="-apple-system"/>
-            </a:endParaRPr>
-          </a:p>
-          <a:p>
-            <a:pPr algn="l">
-              <a:buFont typeface="+mj-lt"/>
-              <a:buNone/>
-            </a:pPr>
-            <a:endParaRPr lang="zh-CN" altLang="en-US" b="0" i="0" dirty="0">
-              <a:solidFill>
-                <a:srgbClr val="FFFFFF"/>
-              </a:solidFill>
-              <a:effectLst/>
-              <a:latin typeface="-apple-system"/>
-            </a:endParaRPr>
-          </a:p>
-          <a:p>
-            <a:pPr algn="l">
-              <a:buFont typeface="+mj-lt"/>
-              <a:buNone/>
-            </a:pPr>
-            <a:r>
-              <a:rPr lang="en-US" altLang="zh-CN" b="0" i="0" dirty="0">
-                <a:solidFill>
-                  <a:srgbClr val="FFFFFF"/>
-                </a:solidFill>
-                <a:effectLst/>
-                <a:latin typeface="-apple-system"/>
-              </a:rPr>
-              <a:t>3. </a:t>
-            </a:r>
-            <a:r>
-              <a:rPr lang="zh-CN" altLang="en-US" b="0" i="0" dirty="0">
-                <a:solidFill>
-                  <a:srgbClr val="FFFFFF"/>
-                </a:solidFill>
-                <a:effectLst/>
-                <a:latin typeface="-apple-system"/>
-              </a:rPr>
-              <a:t>潜在的复杂性 </a:t>
-            </a:r>
-            <a:r>
-              <a:rPr lang="en-US" b="0" i="0" dirty="0">
-                <a:solidFill>
-                  <a:srgbClr val="FFFFFF"/>
-                </a:solidFill>
-                <a:effectLst/>
-                <a:latin typeface="-apple-system"/>
-              </a:rPr>
-              <a:t>Potential complexity</a:t>
-            </a:r>
-            <a:endParaRPr lang="en-US" altLang="zh-CN" b="0" i="0" dirty="0">
-              <a:solidFill>
-                <a:srgbClr val="FFFFFF"/>
-              </a:solidFill>
-              <a:effectLst/>
-              <a:latin typeface="-apple-system"/>
-            </a:endParaRPr>
-          </a:p>
-          <a:p>
-            <a:pPr algn="l">
-              <a:buFont typeface="+mj-lt"/>
-              <a:buNone/>
-            </a:pPr>
-            <a:r>
-              <a:rPr lang="zh-CN" altLang="en-US" b="0" i="0" dirty="0">
-                <a:solidFill>
-                  <a:srgbClr val="FFFFFF"/>
-                </a:solidFill>
-                <a:effectLst/>
-                <a:latin typeface="-apple-system"/>
-              </a:rPr>
-              <a:t>  随着算法的复杂度增加，</a:t>
-            </a:r>
-            <a:r>
-              <a:rPr lang="en-US" altLang="zh-CN" b="0" i="0" dirty="0">
-                <a:solidFill>
-                  <a:srgbClr val="FFFFFF"/>
-                </a:solidFill>
-                <a:effectLst/>
-                <a:latin typeface="-apple-system"/>
-              </a:rPr>
-              <a:t>Concrete Class</a:t>
-            </a:r>
-            <a:r>
-              <a:rPr lang="zh-CN" altLang="en-US" b="0" i="0" dirty="0">
-                <a:solidFill>
-                  <a:srgbClr val="FFFFFF"/>
-                </a:solidFill>
-                <a:effectLst/>
-                <a:latin typeface="-apple-system"/>
-              </a:rPr>
-              <a:t>的数量增多，可能会导致代码结构变得复杂。特别是当算法中涉及到大量的可变步骤时，可能会增加代码的理解和维护难度。</a:t>
-            </a:r>
-          </a:p>
-          <a:p>
-            <a:pPr algn="l">
-              <a:buFont typeface="+mj-lt"/>
-              <a:buAutoNum type="arabicPeriod"/>
-            </a:pPr>
-            <a:endParaRPr lang="zh-CN" altLang="en-US" b="0" i="0" dirty="0">
-              <a:solidFill>
-                <a:srgbClr val="FFFFFF"/>
-              </a:solidFill>
-              <a:effectLst/>
-              <a:latin typeface="-apple-system"/>
-            </a:endParaRPr>
+            <a:endParaRPr lang="en-US" dirty="0"/>
           </a:p>
         </p:txBody>
       </p:sp>
@@ -16630,7 +16099,7 @@
     </p:spTree>
     <p:extLst>
       <p:ext uri="{BB962C8B-B14F-4D97-AF65-F5344CB8AC3E}">
-        <p14:creationId xmlns:p14="http://schemas.microsoft.com/office/powerpoint/2010/main" val="2192678123"/>
+        <p14:creationId xmlns:p14="http://schemas.microsoft.com/office/powerpoint/2010/main" val="3827620053"/>
       </p:ext>
     </p:extLst>
   </p:cSld>
@@ -16684,82 +16153,7 @@
           <a:bodyPr/>
           <a:lstStyle/>
           <a:p>
-            <a:pPr defTabSz="2438430">
-              <a:lnSpc>
-                <a:spcPct val="85000"/>
-              </a:lnSpc>
-              <a:spcBef>
-                <a:spcPct val="0"/>
-              </a:spcBef>
-              <a:spcAft>
-                <a:spcPts val="1200"/>
-              </a:spcAft>
-            </a:pPr>
-            <a:r>
-              <a:rPr lang="en-US" dirty="0"/>
-              <a:t>These are the five </a:t>
-            </a:r>
-            <a:r>
-              <a:rPr lang="en-US" sz="3200" b="1" spc="-50" dirty="0">
-                <a:solidFill>
-                  <a:schemeClr val="accent2"/>
-                </a:solidFill>
-                <a:latin typeface="+mj-lt"/>
-                <a:ea typeface="+mj-ea"/>
-                <a:cs typeface="+mj-cs"/>
-              </a:rPr>
-              <a:t>Structural</a:t>
-            </a:r>
-            <a:r>
-              <a:rPr lang="en-US" sz="3200" spc="-50" dirty="0">
-                <a:solidFill>
-                  <a:schemeClr val="accent2"/>
-                </a:solidFill>
-                <a:latin typeface="+mj-lt"/>
-                <a:ea typeface="+mj-ea"/>
-                <a:cs typeface="+mj-cs"/>
-              </a:rPr>
-              <a:t> </a:t>
-            </a:r>
-            <a:r>
-              <a:rPr lang="en-US" sz="3200" b="1" spc="-50" dirty="0">
-                <a:solidFill>
-                  <a:schemeClr val="accent2"/>
-                </a:solidFill>
-                <a:latin typeface="+mj-lt"/>
-                <a:ea typeface="+mj-ea"/>
-                <a:cs typeface="+mj-cs"/>
-              </a:rPr>
-              <a:t>Design</a:t>
-            </a:r>
-            <a:r>
-              <a:rPr lang="en-US" sz="3200" spc="-50" dirty="0">
-                <a:solidFill>
-                  <a:schemeClr val="accent2"/>
-                </a:solidFill>
-                <a:latin typeface="+mj-lt"/>
-                <a:ea typeface="+mj-ea"/>
-                <a:cs typeface="+mj-cs"/>
-              </a:rPr>
-              <a:t> </a:t>
-            </a:r>
-            <a:r>
-              <a:rPr lang="en-US" sz="3200" b="1" spc="-50" dirty="0">
-                <a:solidFill>
-                  <a:schemeClr val="accent2"/>
-                </a:solidFill>
-                <a:latin typeface="+mj-lt"/>
-                <a:ea typeface="+mj-ea"/>
-                <a:cs typeface="+mj-cs"/>
-              </a:rPr>
-              <a:t>Patterns.</a:t>
-            </a:r>
-          </a:p>
-          <a:p>
-            <a:r>
-              <a:rPr lang="en-US" dirty="0"/>
-              <a:t>I hope it can be helpful to everyone.</a:t>
-            </a:r>
+            <a:endParaRPr lang="en-US" dirty="0"/>
           </a:p>
         </p:txBody>
       </p:sp>
@@ -16778,18 +16172,18 @@
           <a:bodyPr/>
           <a:lstStyle/>
           <a:p>
-            <a:fld id="{3960260C-8853-4159-8854-5A6834041865}" type="slidenum">
-              <a:rPr lang="en-US" smtClean="0"/>
+            <a:fld id="{01420855-62A1-43EF-8815-D1313CE67D77}" type="slidenum">
+              <a:rPr lang="en-AU" smtClean="0"/>
               <a:t>15</a:t>
             </a:fld>
-            <a:endParaRPr lang="en-US"/>
+            <a:endParaRPr lang="en-AU"/>
           </a:p>
         </p:txBody>
       </p:sp>
     </p:spTree>
     <p:extLst>
       <p:ext uri="{BB962C8B-B14F-4D97-AF65-F5344CB8AC3E}">
-        <p14:creationId xmlns:p14="http://schemas.microsoft.com/office/powerpoint/2010/main" val="2268168259"/>
+        <p14:creationId xmlns:p14="http://schemas.microsoft.com/office/powerpoint/2010/main" val="2145959907"/>
       </p:ext>
     </p:extLst>
   </p:cSld>
@@ -16843,6 +16237,1147 @@
           <a:bodyPr/>
           <a:lstStyle/>
           <a:p>
+            <a:r>
+              <a:rPr lang="zh-CN" altLang="en-US" b="0" i="0" dirty="0">
+                <a:solidFill>
+                  <a:srgbClr val="FFFFFF"/>
+                </a:solidFill>
+                <a:effectLst/>
+                <a:latin typeface="-apple-system"/>
+              </a:rPr>
+              <a:t>它定义了一个操作中的骨架，将某些步骤延迟到子类中实现。</a:t>
+            </a:r>
+            <a:endParaRPr lang="en-US" altLang="zh-CN" b="0" i="0" dirty="0">
+              <a:solidFill>
+                <a:srgbClr val="FFFFFF"/>
+              </a:solidFill>
+              <a:effectLst/>
+              <a:latin typeface="-apple-system"/>
+            </a:endParaRPr>
+          </a:p>
+          <a:p>
+            <a:r>
+              <a:rPr lang="zh-CN" altLang="en-US" b="0" i="0" dirty="0">
+                <a:solidFill>
+                  <a:srgbClr val="FFFFFF"/>
+                </a:solidFill>
+                <a:effectLst/>
+                <a:latin typeface="-apple-system"/>
+              </a:rPr>
+              <a:t>模板方法模式的核心思想是将算法的通用部分抽象出来，放在一个父类中作为模板方法，并将特定的实现细节延迟到子类中。</a:t>
+            </a:r>
+            <a:endParaRPr lang="en-US" altLang="zh-CN" b="0" i="0" dirty="0">
+              <a:solidFill>
+                <a:srgbClr val="FFFFFF"/>
+              </a:solidFill>
+              <a:effectLst/>
+              <a:latin typeface="-apple-system"/>
+            </a:endParaRPr>
+          </a:p>
+          <a:p>
+            <a:endParaRPr lang="en-US" altLang="zh-CN" b="0" i="0" dirty="0">
+              <a:solidFill>
+                <a:srgbClr val="FFFFFF"/>
+              </a:solidFill>
+              <a:effectLst/>
+              <a:latin typeface="-apple-system"/>
+            </a:endParaRPr>
+          </a:p>
+          <a:p>
+            <a:r>
+              <a:rPr lang="zh-CN" altLang="en-US" b="0" i="0" dirty="0">
+                <a:solidFill>
+                  <a:srgbClr val="FFFFFF"/>
+                </a:solidFill>
+                <a:effectLst/>
+                <a:latin typeface="-apple-system"/>
+              </a:rPr>
+              <a:t>这样做的好处是可以在不改变算法结构的情况下，通过子类的不同实现来达到不同的行为结果。</a:t>
+            </a:r>
+            <a:endParaRPr lang="en-US" altLang="zh-CN" b="0" i="0" dirty="0">
+              <a:solidFill>
+                <a:srgbClr val="FFFFFF"/>
+              </a:solidFill>
+              <a:effectLst/>
+              <a:latin typeface="-apple-system"/>
+            </a:endParaRPr>
+          </a:p>
+          <a:p>
+            <a:endParaRPr lang="en-US" altLang="zh-CN" b="0" i="0" dirty="0">
+              <a:solidFill>
+                <a:srgbClr val="FFFFFF"/>
+              </a:solidFill>
+              <a:effectLst/>
+              <a:latin typeface="-apple-system"/>
+            </a:endParaRPr>
+          </a:p>
+          <a:p>
+            <a:endParaRPr lang="en-US" altLang="zh-CN" b="0" i="0" dirty="0">
+              <a:solidFill>
+                <a:srgbClr val="FFFFFF"/>
+              </a:solidFill>
+              <a:effectLst/>
+              <a:latin typeface="-apple-system"/>
+            </a:endParaRPr>
+          </a:p>
+          <a:p>
+            <a:r>
+              <a:rPr lang="zh-CN" altLang="en-US" b="0" i="0" dirty="0">
+                <a:solidFill>
+                  <a:srgbClr val="FFFFFF"/>
+                </a:solidFill>
+                <a:effectLst/>
+                <a:latin typeface="-apple-system"/>
+              </a:rPr>
+              <a:t>以下是模板方法模式的一般结构：</a:t>
+            </a:r>
+            <a:endParaRPr lang="en-US" b="0" i="0" dirty="0">
+              <a:solidFill>
+                <a:srgbClr val="FFFFFF"/>
+              </a:solidFill>
+              <a:effectLst/>
+              <a:latin typeface="-apple-system"/>
+            </a:endParaRPr>
+          </a:p>
+          <a:p>
+            <a:pPr algn="l">
+              <a:buFont typeface="+mj-lt"/>
+              <a:buAutoNum type="arabicPeriod"/>
+            </a:pPr>
+            <a:r>
+              <a:rPr lang="zh-CN" altLang="en-US" b="0" i="0" dirty="0">
+                <a:solidFill>
+                  <a:srgbClr val="FFFFFF"/>
+                </a:solidFill>
+                <a:effectLst/>
+                <a:latin typeface="-apple-system"/>
+              </a:rPr>
+              <a:t>抽象类（</a:t>
+            </a:r>
+            <a:r>
+              <a:rPr lang="en-US" altLang="zh-CN" b="0" i="0" dirty="0">
+                <a:solidFill>
+                  <a:srgbClr val="FFFFFF"/>
+                </a:solidFill>
+                <a:effectLst/>
+                <a:latin typeface="-apple-system"/>
+              </a:rPr>
+              <a:t>Abstract Class</a:t>
+            </a:r>
+            <a:r>
+              <a:rPr lang="zh-CN" altLang="en-US" b="0" i="0" dirty="0">
+                <a:solidFill>
+                  <a:srgbClr val="FFFFFF"/>
+                </a:solidFill>
+                <a:effectLst/>
+                <a:latin typeface="-apple-system"/>
+              </a:rPr>
+              <a:t>）：定义模板方法和抽象方法，模板方法定义了算法的骨架，抽象方法由子类实现。</a:t>
+            </a:r>
+          </a:p>
+          <a:p>
+            <a:pPr algn="l">
+              <a:buFont typeface="+mj-lt"/>
+              <a:buAutoNum type="arabicPeriod"/>
+            </a:pPr>
+            <a:r>
+              <a:rPr lang="zh-CN" altLang="en-US" b="0" i="0" dirty="0">
+                <a:solidFill>
+                  <a:srgbClr val="FFFFFF"/>
+                </a:solidFill>
+                <a:effectLst/>
+                <a:latin typeface="-apple-system"/>
+              </a:rPr>
+              <a:t>具体类（</a:t>
+            </a:r>
+            <a:r>
+              <a:rPr lang="en-US" altLang="zh-CN" b="0" i="0" dirty="0">
+                <a:solidFill>
+                  <a:srgbClr val="FFFFFF"/>
+                </a:solidFill>
+                <a:effectLst/>
+                <a:latin typeface="-apple-system"/>
+              </a:rPr>
+              <a:t>Concrete Class</a:t>
+            </a:r>
+            <a:r>
+              <a:rPr lang="zh-CN" altLang="en-US" b="0" i="0" dirty="0">
+                <a:solidFill>
+                  <a:srgbClr val="FFFFFF"/>
+                </a:solidFill>
+                <a:effectLst/>
+                <a:latin typeface="-apple-system"/>
+              </a:rPr>
+              <a:t>）：继承抽象类，实现抽象方法，完成算法中具体的实现细节。</a:t>
+            </a:r>
+            <a:endParaRPr lang="en-US" altLang="zh-CN" b="0" i="0" dirty="0">
+              <a:solidFill>
+                <a:srgbClr val="FFFFFF"/>
+              </a:solidFill>
+              <a:effectLst/>
+              <a:latin typeface="-apple-system"/>
+            </a:endParaRPr>
+          </a:p>
+          <a:p>
+            <a:pPr algn="l">
+              <a:buFont typeface="+mj-lt"/>
+              <a:buNone/>
+            </a:pPr>
+            <a:endParaRPr lang="en-US" altLang="zh-CN" b="0" i="0" dirty="0">
+              <a:solidFill>
+                <a:srgbClr val="FFFFFF"/>
+              </a:solidFill>
+              <a:effectLst/>
+              <a:latin typeface="-apple-system"/>
+            </a:endParaRPr>
+          </a:p>
+          <a:p>
+            <a:pPr algn="l"/>
+            <a:r>
+              <a:rPr lang="zh-CN" altLang="en-US" b="0" i="0" dirty="0">
+                <a:solidFill>
+                  <a:srgbClr val="FFFFFF"/>
+                </a:solidFill>
+                <a:effectLst/>
+                <a:latin typeface="-apple-system"/>
+              </a:rPr>
+              <a:t>模板方法模式的工作流程如下：</a:t>
+            </a:r>
+          </a:p>
+          <a:p>
+            <a:pPr algn="l">
+              <a:buFont typeface="+mj-lt"/>
+              <a:buAutoNum type="arabicPeriod"/>
+            </a:pPr>
+            <a:r>
+              <a:rPr lang="zh-CN" altLang="en-US" b="0" i="0" dirty="0">
+                <a:solidFill>
+                  <a:srgbClr val="FFFFFF"/>
+                </a:solidFill>
+                <a:effectLst/>
+                <a:latin typeface="-apple-system"/>
+              </a:rPr>
+              <a:t>定义一个抽象类，其中包含一个模板方法（</a:t>
+            </a:r>
+            <a:r>
+              <a:rPr lang="en-US" altLang="zh-CN" b="0" i="0" dirty="0">
+                <a:solidFill>
+                  <a:srgbClr val="FFFFFF"/>
+                </a:solidFill>
+                <a:effectLst/>
+                <a:latin typeface="-apple-system"/>
+              </a:rPr>
+              <a:t>Template Method</a:t>
+            </a:r>
+            <a:r>
+              <a:rPr lang="zh-CN" altLang="en-US" b="0" i="0" dirty="0">
+                <a:solidFill>
+                  <a:srgbClr val="FFFFFF"/>
+                </a:solidFill>
+                <a:effectLst/>
+                <a:latin typeface="-apple-system"/>
+              </a:rPr>
+              <a:t>），该方法定义了算法的骨架，包括一些基本的步骤，这些步骤可以是具体的实现或者是抽象方法。</a:t>
+            </a:r>
+          </a:p>
+          <a:p>
+            <a:pPr algn="l">
+              <a:buFont typeface="+mj-lt"/>
+              <a:buAutoNum type="arabicPeriod"/>
+            </a:pPr>
+            <a:r>
+              <a:rPr lang="zh-CN" altLang="en-US" b="0" i="0" dirty="0">
+                <a:solidFill>
+                  <a:srgbClr val="FFFFFF"/>
+                </a:solidFill>
+                <a:effectLst/>
+                <a:latin typeface="-apple-system"/>
+              </a:rPr>
+              <a:t>在抽象类中，可以定义一些公共的方法，这些方法可以被模板方法调用，用于实现算法的某些具体步骤。</a:t>
+            </a:r>
+          </a:p>
+          <a:p>
+            <a:pPr algn="l">
+              <a:buFont typeface="+mj-lt"/>
+              <a:buAutoNum type="arabicPeriod"/>
+            </a:pPr>
+            <a:r>
+              <a:rPr lang="zh-CN" altLang="en-US" b="0" i="0" dirty="0">
+                <a:solidFill>
+                  <a:srgbClr val="FFFFFF"/>
+                </a:solidFill>
+                <a:effectLst/>
+                <a:latin typeface="-apple-system"/>
+              </a:rPr>
+              <a:t>定义一个或多个具体类，继承抽象类，并实现抽象方法，完成算法中具体的实现细节。</a:t>
+            </a:r>
+          </a:p>
+          <a:p>
+            <a:pPr algn="l">
+              <a:buFont typeface="+mj-lt"/>
+              <a:buAutoNum type="arabicPeriod"/>
+            </a:pPr>
+            <a:r>
+              <a:rPr lang="zh-CN" altLang="en-US" b="0" i="0" dirty="0">
+                <a:solidFill>
+                  <a:srgbClr val="FFFFFF"/>
+                </a:solidFill>
+                <a:effectLst/>
+                <a:latin typeface="-apple-system"/>
+              </a:rPr>
+              <a:t>在具体类中，根据需要重写父类的方法，以实现自定义的行为。</a:t>
+            </a:r>
+          </a:p>
+          <a:p>
+            <a:pPr algn="l">
+              <a:buFont typeface="+mj-lt"/>
+              <a:buAutoNum type="arabicPeriod"/>
+            </a:pPr>
+            <a:endParaRPr lang="zh-CN" altLang="en-US" b="0" i="0" dirty="0">
+              <a:solidFill>
+                <a:srgbClr val="FFFFFF"/>
+              </a:solidFill>
+              <a:effectLst/>
+              <a:latin typeface="-apple-system"/>
+            </a:endParaRPr>
+          </a:p>
+          <a:p>
+            <a:endParaRPr lang="en-US" dirty="0"/>
+          </a:p>
+        </p:txBody>
+      </p:sp>
+      <p:sp>
+        <p:nvSpPr>
+          <p:cNvPr id="4" name="Slide Number Placeholder 3"/>
+          <p:cNvSpPr>
+            <a:spLocks noGrp="1"/>
+          </p:cNvSpPr>
+          <p:nvPr>
+            <p:ph type="sldNum" sz="quarter" idx="5"/>
+          </p:nvPr>
+        </p:nvSpPr>
+        <p:spPr/>
+        <p:txBody>
+          <a:bodyPr/>
+          <a:lstStyle/>
+          <a:p>
+            <a:fld id="{01420855-62A1-43EF-8815-D1313CE67D77}" type="slidenum">
+              <a:rPr lang="en-AU" smtClean="0"/>
+              <a:t>16</a:t>
+            </a:fld>
+            <a:endParaRPr lang="en-AU"/>
+          </a:p>
+        </p:txBody>
+      </p:sp>
+    </p:spTree>
+    <p:extLst>
+      <p:ext uri="{BB962C8B-B14F-4D97-AF65-F5344CB8AC3E}">
+        <p14:creationId xmlns:p14="http://schemas.microsoft.com/office/powerpoint/2010/main" val="484334021"/>
+      </p:ext>
+    </p:extLst>
+  </p:cSld>
+  <p:clrMapOvr>
+    <a:masterClrMapping/>
+  </p:clrMapOvr>
+</p:notes>
+</file>
+
+<file path=ppt/notesSlides/notesSlide17.xml><?xml version="1.0" encoding="utf-8"?>
+<p:notes xmlns:a="http://schemas.openxmlformats.org/drawingml/2006/main" xmlns:r="http://schemas.openxmlformats.org/officeDocument/2006/relationships" xmlns:p="http://schemas.openxmlformats.org/presentationml/2006/main">
+  <p:cSld>
+    <p:spTree>
+      <p:nvGrpSpPr>
+        <p:cNvPr id="1" name=""/>
+        <p:cNvGrpSpPr/>
+        <p:nvPr/>
+      </p:nvGrpSpPr>
+      <p:grpSpPr>
+        <a:xfrm>
+          <a:off x="0" y="0"/>
+          <a:ext cx="0" cy="0"/>
+          <a:chOff x="0" y="0"/>
+          <a:chExt cx="0" cy="0"/>
+        </a:xfrm>
+      </p:grpSpPr>
+      <p:sp>
+        <p:nvSpPr>
+          <p:cNvPr id="2" name="Slide Image Placeholder 1"/>
+          <p:cNvSpPr>
+            <a:spLocks noGrp="1" noRot="1" noChangeAspect="1"/>
+          </p:cNvSpPr>
+          <p:nvPr>
+            <p:ph type="sldImg"/>
+          </p:nvPr>
+        </p:nvSpPr>
+        <p:spPr/>
+      </p:sp>
+      <p:sp>
+        <p:nvSpPr>
+          <p:cNvPr id="3" name="Notes Placeholder 2"/>
+          <p:cNvSpPr>
+            <a:spLocks noGrp="1"/>
+          </p:cNvSpPr>
+          <p:nvPr>
+            <p:ph type="body" idx="1"/>
+          </p:nvPr>
+        </p:nvSpPr>
+        <p:spPr/>
+        <p:txBody>
+          <a:bodyPr/>
+          <a:lstStyle/>
+          <a:p>
+            <a:pPr algn="l"/>
+            <a:r>
+              <a:rPr lang="zh-CN" altLang="en-US" b="0" i="0" dirty="0">
+                <a:solidFill>
+                  <a:srgbClr val="FFFFFF"/>
+                </a:solidFill>
+                <a:effectLst/>
+                <a:latin typeface="-apple-system"/>
+              </a:rPr>
+              <a:t>优点：</a:t>
+            </a:r>
+          </a:p>
+          <a:p>
+            <a:pPr algn="l">
+              <a:buFont typeface="+mj-lt"/>
+              <a:buAutoNum type="arabicPeriod"/>
+            </a:pPr>
+            <a:r>
+              <a:rPr lang="zh-CN" altLang="en-US" b="0" i="0" dirty="0">
+                <a:solidFill>
+                  <a:srgbClr val="FFFFFF"/>
+                </a:solidFill>
+                <a:effectLst/>
+                <a:latin typeface="-apple-system"/>
+              </a:rPr>
+              <a:t>代码复用 </a:t>
+            </a:r>
+            <a:r>
+              <a:rPr lang="en-US" b="0" i="0" dirty="0">
+                <a:solidFill>
+                  <a:srgbClr val="FFFFFF"/>
+                </a:solidFill>
+                <a:effectLst/>
+                <a:latin typeface="-apple-system"/>
+              </a:rPr>
+              <a:t>Code reuse</a:t>
+            </a:r>
+            <a:endParaRPr lang="en-US" altLang="zh-CN" b="0" i="0" dirty="0">
+              <a:solidFill>
+                <a:srgbClr val="FFFFFF"/>
+              </a:solidFill>
+              <a:effectLst/>
+              <a:latin typeface="-apple-system"/>
+            </a:endParaRPr>
+          </a:p>
+          <a:p>
+            <a:pPr algn="l">
+              <a:buFont typeface="+mj-lt"/>
+              <a:buNone/>
+            </a:pPr>
+            <a:r>
+              <a:rPr lang="zh-CN" altLang="en-US" b="0" i="0" dirty="0">
+                <a:solidFill>
+                  <a:srgbClr val="FFFFFF"/>
+                </a:solidFill>
+                <a:effectLst/>
+                <a:latin typeface="-apple-system"/>
+              </a:rPr>
+              <a:t>模板方法模式可以将算法的骨架代码放在父类中，子类只需要实现具体的细节部分，从而实现代码的复用。这样可以避免重复编写相似的代码，提高了代码的可维护性和可扩展性。</a:t>
+            </a:r>
+            <a:endParaRPr lang="en-US" altLang="zh-CN" b="0" i="0" dirty="0">
+              <a:solidFill>
+                <a:srgbClr val="FFFFFF"/>
+              </a:solidFill>
+              <a:effectLst/>
+              <a:latin typeface="-apple-system"/>
+            </a:endParaRPr>
+          </a:p>
+          <a:p>
+            <a:pPr algn="l">
+              <a:buFont typeface="+mj-lt"/>
+              <a:buNone/>
+            </a:pPr>
+            <a:endParaRPr lang="en-US" altLang="zh-CN" b="0" i="0" dirty="0">
+              <a:solidFill>
+                <a:srgbClr val="FFFFFF"/>
+              </a:solidFill>
+              <a:effectLst/>
+              <a:latin typeface="-apple-system"/>
+            </a:endParaRPr>
+          </a:p>
+          <a:p>
+            <a:pPr algn="l">
+              <a:buFont typeface="+mj-lt"/>
+              <a:buNone/>
+            </a:pPr>
+            <a:r>
+              <a:rPr lang="en-US" altLang="zh-CN" b="0" i="0" dirty="0">
+                <a:solidFill>
+                  <a:srgbClr val="FFFFFF"/>
+                </a:solidFill>
+                <a:effectLst/>
+                <a:latin typeface="-apple-system"/>
+              </a:rPr>
+              <a:t>2.</a:t>
+            </a:r>
+            <a:r>
+              <a:rPr lang="zh-CN" altLang="en-US" b="0" i="0" dirty="0">
+                <a:solidFill>
+                  <a:srgbClr val="FFFFFF"/>
+                </a:solidFill>
+                <a:effectLst/>
+                <a:latin typeface="-apple-system"/>
+              </a:rPr>
+              <a:t> 提高扩展性 </a:t>
+            </a:r>
+            <a:r>
+              <a:rPr lang="en-US" altLang="zh-CN" b="0" i="0" dirty="0">
+                <a:solidFill>
+                  <a:srgbClr val="FFFFFF"/>
+                </a:solidFill>
+                <a:effectLst/>
+                <a:latin typeface="-apple-system"/>
+              </a:rPr>
+              <a:t>Increased extensibility</a:t>
+            </a:r>
+          </a:p>
+          <a:p>
+            <a:pPr algn="l">
+              <a:buFont typeface="+mj-lt"/>
+              <a:buNone/>
+            </a:pPr>
+            <a:r>
+              <a:rPr lang="zh-CN" altLang="en-US" b="0" i="0" dirty="0">
+                <a:solidFill>
+                  <a:srgbClr val="FFFFFF"/>
+                </a:solidFill>
+                <a:effectLst/>
+                <a:latin typeface="-apple-system"/>
+              </a:rPr>
+              <a:t>由于算法的整体结构已经在父类中定义，子类可以通过扩展和重写父类的方法来改变算法的具体实现，从而实现不同的行为。这样的设计使得系统更具灵活性，易于扩展和修改。</a:t>
+            </a:r>
+            <a:endParaRPr lang="en-US" altLang="zh-CN" b="0" i="0" dirty="0">
+              <a:solidFill>
+                <a:srgbClr val="FFFFFF"/>
+              </a:solidFill>
+              <a:effectLst/>
+              <a:latin typeface="-apple-system"/>
+            </a:endParaRPr>
+          </a:p>
+          <a:p>
+            <a:pPr algn="l">
+              <a:buFont typeface="+mj-lt"/>
+              <a:buNone/>
+            </a:pPr>
+            <a:endParaRPr lang="en-US" altLang="zh-CN" b="0" i="0" dirty="0">
+              <a:solidFill>
+                <a:srgbClr val="FFFFFF"/>
+              </a:solidFill>
+              <a:effectLst/>
+              <a:latin typeface="-apple-system"/>
+            </a:endParaRPr>
+          </a:p>
+          <a:p>
+            <a:pPr algn="l">
+              <a:buFont typeface="+mj-lt"/>
+              <a:buNone/>
+            </a:pPr>
+            <a:r>
+              <a:rPr lang="en-US" altLang="zh-CN" b="0" i="0" dirty="0">
+                <a:solidFill>
+                  <a:srgbClr val="FFFFFF"/>
+                </a:solidFill>
+                <a:effectLst/>
+                <a:latin typeface="-apple-system"/>
+              </a:rPr>
+              <a:t>3.</a:t>
+            </a:r>
+            <a:r>
+              <a:rPr lang="zh-CN" altLang="en-US" b="0" i="0" dirty="0">
+                <a:solidFill>
+                  <a:srgbClr val="FFFFFF"/>
+                </a:solidFill>
+                <a:effectLst/>
+                <a:latin typeface="-apple-system"/>
+              </a:rPr>
+              <a:t> 统一算法结构 </a:t>
+            </a:r>
+            <a:r>
+              <a:rPr lang="en-US" altLang="zh-CN" b="0" i="0" dirty="0">
+                <a:solidFill>
+                  <a:srgbClr val="FFFFFF"/>
+                </a:solidFill>
+                <a:effectLst/>
+                <a:latin typeface="-apple-system"/>
+              </a:rPr>
+              <a:t>Unified algorithm structure</a:t>
+            </a:r>
+          </a:p>
+          <a:p>
+            <a:pPr algn="l">
+              <a:buFont typeface="+mj-lt"/>
+              <a:buNone/>
+            </a:pPr>
+            <a:r>
+              <a:rPr lang="zh-CN" altLang="en-US" b="0" i="0" dirty="0">
+                <a:solidFill>
+                  <a:srgbClr val="FFFFFF"/>
+                </a:solidFill>
+                <a:effectLst/>
+                <a:latin typeface="-apple-system"/>
+              </a:rPr>
+              <a:t> 通过模板方法模式，可以将算法的结构统一起来，使代码更加清晰易懂。父类中的模板方法定义了算法的骨架，具体步骤由子类实现，使得算法的执行流程更加明确，易于理解和维护。</a:t>
+            </a:r>
+            <a:endParaRPr lang="en-US" altLang="zh-CN" b="0" i="0" dirty="0">
+              <a:solidFill>
+                <a:srgbClr val="FFFFFF"/>
+              </a:solidFill>
+              <a:effectLst/>
+              <a:latin typeface="-apple-system"/>
+            </a:endParaRPr>
+          </a:p>
+          <a:p>
+            <a:pPr algn="l">
+              <a:buFont typeface="+mj-lt"/>
+              <a:buNone/>
+            </a:pPr>
+            <a:endParaRPr lang="zh-CN" altLang="en-US" b="0" i="0" dirty="0">
+              <a:solidFill>
+                <a:srgbClr val="FFFFFF"/>
+              </a:solidFill>
+              <a:effectLst/>
+              <a:latin typeface="-apple-system"/>
+            </a:endParaRPr>
+          </a:p>
+          <a:p>
+            <a:pPr algn="l"/>
+            <a:r>
+              <a:rPr lang="zh-CN" altLang="en-US" b="0" i="0" dirty="0">
+                <a:solidFill>
+                  <a:srgbClr val="FFFFFF"/>
+                </a:solidFill>
+                <a:effectLst/>
+                <a:latin typeface="-apple-system"/>
+              </a:rPr>
+              <a:t>缺点：</a:t>
+            </a:r>
+          </a:p>
+          <a:p>
+            <a:pPr algn="l">
+              <a:buFont typeface="+mj-lt"/>
+              <a:buAutoNum type="arabicPeriod"/>
+            </a:pPr>
+            <a:r>
+              <a:rPr lang="zh-CN" altLang="en-US" b="0" i="0" dirty="0">
+                <a:solidFill>
+                  <a:srgbClr val="FFFFFF"/>
+                </a:solidFill>
+                <a:effectLst/>
+                <a:latin typeface="-apple-system"/>
+              </a:rPr>
+              <a:t>父类与子类的紧耦合 </a:t>
+            </a:r>
+            <a:r>
+              <a:rPr lang="en-US" b="0" i="0" dirty="0">
+                <a:solidFill>
+                  <a:srgbClr val="FFFFFF"/>
+                </a:solidFill>
+                <a:effectLst/>
+                <a:latin typeface="-apple-system"/>
+              </a:rPr>
+              <a:t>Tight coupling between parent and subclasses</a:t>
+            </a:r>
+            <a:endParaRPr lang="en-US" altLang="zh-CN" b="0" i="0" dirty="0">
+              <a:solidFill>
+                <a:srgbClr val="FFFFFF"/>
+              </a:solidFill>
+              <a:effectLst/>
+              <a:latin typeface="-apple-system"/>
+            </a:endParaRPr>
+          </a:p>
+          <a:p>
+            <a:pPr algn="l">
+              <a:buFont typeface="+mj-lt"/>
+              <a:buNone/>
+            </a:pPr>
+            <a:r>
+              <a:rPr lang="en-US" altLang="zh-CN" b="0" i="0" dirty="0">
+                <a:solidFill>
+                  <a:srgbClr val="FFFFFF"/>
+                </a:solidFill>
+                <a:effectLst/>
+                <a:latin typeface="-apple-system"/>
+              </a:rPr>
+              <a:t>  </a:t>
+            </a:r>
+            <a:r>
+              <a:rPr lang="zh-CN" altLang="en-US" b="0" i="0" dirty="0">
+                <a:solidFill>
+                  <a:srgbClr val="FFFFFF"/>
+                </a:solidFill>
+                <a:effectLst/>
+                <a:latin typeface="-apple-system"/>
+              </a:rPr>
+              <a:t>模板方法模式要求子类必须遵循父类定义的算法结构，这导致了父类与子类之间的紧耦合关系。如果父类的模板方法需要修改，可能会影响到所有子类的实现，增加了系统的维护难度。</a:t>
+            </a:r>
+            <a:endParaRPr lang="en-US" altLang="zh-CN" b="0" i="0" dirty="0">
+              <a:solidFill>
+                <a:srgbClr val="FFFFFF"/>
+              </a:solidFill>
+              <a:effectLst/>
+              <a:latin typeface="-apple-system"/>
+            </a:endParaRPr>
+          </a:p>
+          <a:p>
+            <a:pPr algn="l">
+              <a:buFont typeface="+mj-lt"/>
+              <a:buNone/>
+            </a:pPr>
+            <a:endParaRPr lang="zh-CN" altLang="en-US" b="0" i="0" dirty="0">
+              <a:solidFill>
+                <a:srgbClr val="FFFFFF"/>
+              </a:solidFill>
+              <a:effectLst/>
+              <a:latin typeface="-apple-system"/>
+            </a:endParaRPr>
+          </a:p>
+          <a:p>
+            <a:pPr algn="l">
+              <a:buFont typeface="+mj-lt"/>
+              <a:buNone/>
+            </a:pPr>
+            <a:r>
+              <a:rPr lang="en-US" altLang="zh-CN" b="0" i="0" dirty="0">
+                <a:solidFill>
+                  <a:srgbClr val="FFFFFF"/>
+                </a:solidFill>
+                <a:effectLst/>
+                <a:latin typeface="-apple-system"/>
+              </a:rPr>
+              <a:t>2. </a:t>
+            </a:r>
+            <a:r>
+              <a:rPr lang="zh-CN" altLang="en-US" b="0" i="0" dirty="0">
+                <a:solidFill>
+                  <a:srgbClr val="FFFFFF"/>
+                </a:solidFill>
+                <a:effectLst/>
+                <a:latin typeface="-apple-system"/>
+              </a:rPr>
+              <a:t>限制子类的自由度</a:t>
+            </a:r>
+            <a:r>
+              <a:rPr lang="en-US" altLang="zh-CN" b="0" i="0" dirty="0">
+                <a:solidFill>
+                  <a:srgbClr val="FFFFFF"/>
+                </a:solidFill>
+                <a:effectLst/>
+                <a:latin typeface="-apple-system"/>
+              </a:rPr>
+              <a:t>/</a:t>
+            </a:r>
+            <a:r>
+              <a:rPr lang="zh-CN" altLang="en-US" b="0" i="0">
+                <a:solidFill>
+                  <a:srgbClr val="FFFFFF"/>
+                </a:solidFill>
+                <a:effectLst/>
+                <a:latin typeface="-apple-system"/>
+              </a:rPr>
+              <a:t>灵活性 </a:t>
+            </a:r>
+            <a:r>
+              <a:rPr lang="en-US" altLang="zh-CN" b="0" i="0" dirty="0">
+                <a:solidFill>
+                  <a:srgbClr val="FFFFFF"/>
+                </a:solidFill>
+                <a:effectLst/>
+                <a:latin typeface="-apple-system"/>
+              </a:rPr>
+              <a:t>Restricted flexibility for subclasses</a:t>
+            </a:r>
+          </a:p>
+          <a:p>
+            <a:pPr algn="l">
+              <a:buFont typeface="+mj-lt"/>
+              <a:buNone/>
+            </a:pPr>
+            <a:r>
+              <a:rPr lang="en-US" altLang="zh-CN" b="0" i="0" dirty="0">
+                <a:solidFill>
+                  <a:srgbClr val="FFFFFF"/>
+                </a:solidFill>
+                <a:effectLst/>
+                <a:latin typeface="-apple-system"/>
+              </a:rPr>
+              <a:t>  </a:t>
+            </a:r>
+            <a:r>
+              <a:rPr lang="zh-CN" altLang="en-US" b="0" i="0" dirty="0">
+                <a:solidFill>
+                  <a:srgbClr val="FFFFFF"/>
+                </a:solidFill>
+                <a:effectLst/>
+                <a:latin typeface="-apple-system"/>
+              </a:rPr>
+              <a:t>由于模板方法模式在父类中定义了算法的骨架，子类只能通过实现抽象方法来定制具体的细节部分。这导致子类的自由度受到一定的限制，可能无法满足一些特殊需求。</a:t>
+            </a:r>
+            <a:endParaRPr lang="en-US" altLang="zh-CN" b="0" i="0" dirty="0">
+              <a:solidFill>
+                <a:srgbClr val="FFFFFF"/>
+              </a:solidFill>
+              <a:effectLst/>
+              <a:latin typeface="-apple-system"/>
+            </a:endParaRPr>
+          </a:p>
+          <a:p>
+            <a:pPr algn="l">
+              <a:buFont typeface="+mj-lt"/>
+              <a:buNone/>
+            </a:pPr>
+            <a:endParaRPr lang="zh-CN" altLang="en-US" b="0" i="0" dirty="0">
+              <a:solidFill>
+                <a:srgbClr val="FFFFFF"/>
+              </a:solidFill>
+              <a:effectLst/>
+              <a:latin typeface="-apple-system"/>
+            </a:endParaRPr>
+          </a:p>
+          <a:p>
+            <a:pPr algn="l">
+              <a:buFont typeface="+mj-lt"/>
+              <a:buNone/>
+            </a:pPr>
+            <a:r>
+              <a:rPr lang="en-US" altLang="zh-CN" b="0" i="0" dirty="0">
+                <a:solidFill>
+                  <a:srgbClr val="FFFFFF"/>
+                </a:solidFill>
+                <a:effectLst/>
+                <a:latin typeface="-apple-system"/>
+              </a:rPr>
+              <a:t>3. </a:t>
+            </a:r>
+            <a:r>
+              <a:rPr lang="zh-CN" altLang="en-US" b="0" i="0" dirty="0">
+                <a:solidFill>
+                  <a:srgbClr val="FFFFFF"/>
+                </a:solidFill>
+                <a:effectLst/>
+                <a:latin typeface="-apple-system"/>
+              </a:rPr>
+              <a:t>潜在的复杂性 </a:t>
+            </a:r>
+            <a:r>
+              <a:rPr lang="en-US" b="0" i="0" dirty="0">
+                <a:solidFill>
+                  <a:srgbClr val="FFFFFF"/>
+                </a:solidFill>
+                <a:effectLst/>
+                <a:latin typeface="-apple-system"/>
+              </a:rPr>
+              <a:t>Potential complexity</a:t>
+            </a:r>
+            <a:endParaRPr lang="en-US" altLang="zh-CN" b="0" i="0" dirty="0">
+              <a:solidFill>
+                <a:srgbClr val="FFFFFF"/>
+              </a:solidFill>
+              <a:effectLst/>
+              <a:latin typeface="-apple-system"/>
+            </a:endParaRPr>
+          </a:p>
+          <a:p>
+            <a:pPr algn="l">
+              <a:buFont typeface="+mj-lt"/>
+              <a:buNone/>
+            </a:pPr>
+            <a:r>
+              <a:rPr lang="zh-CN" altLang="en-US" b="0" i="0" dirty="0">
+                <a:solidFill>
+                  <a:srgbClr val="FFFFFF"/>
+                </a:solidFill>
+                <a:effectLst/>
+                <a:latin typeface="-apple-system"/>
+              </a:rPr>
+              <a:t>  随着算法的复杂度增加，</a:t>
+            </a:r>
+            <a:r>
+              <a:rPr lang="en-US" altLang="zh-CN" b="0" i="0" dirty="0">
+                <a:solidFill>
+                  <a:srgbClr val="FFFFFF"/>
+                </a:solidFill>
+                <a:effectLst/>
+                <a:latin typeface="-apple-system"/>
+              </a:rPr>
+              <a:t>Concrete Class</a:t>
+            </a:r>
+            <a:r>
+              <a:rPr lang="zh-CN" altLang="en-US" b="0" i="0" dirty="0">
+                <a:solidFill>
+                  <a:srgbClr val="FFFFFF"/>
+                </a:solidFill>
+                <a:effectLst/>
+                <a:latin typeface="-apple-system"/>
+              </a:rPr>
+              <a:t>的数量增多，可能会导致代码结构变得复杂。特别是当算法中涉及到大量的可变步骤时，可能会增加代码的理解和维护难度。</a:t>
+            </a:r>
+          </a:p>
+          <a:p>
+            <a:pPr algn="l">
+              <a:buFont typeface="+mj-lt"/>
+              <a:buAutoNum type="arabicPeriod"/>
+            </a:pPr>
+            <a:endParaRPr lang="zh-CN" altLang="en-US" b="0" i="0" dirty="0">
+              <a:solidFill>
+                <a:srgbClr val="FFFFFF"/>
+              </a:solidFill>
+              <a:effectLst/>
+              <a:latin typeface="-apple-system"/>
+            </a:endParaRPr>
+          </a:p>
+        </p:txBody>
+      </p:sp>
+      <p:sp>
+        <p:nvSpPr>
+          <p:cNvPr id="4" name="Slide Number Placeholder 3"/>
+          <p:cNvSpPr>
+            <a:spLocks noGrp="1"/>
+          </p:cNvSpPr>
+          <p:nvPr>
+            <p:ph type="sldNum" sz="quarter" idx="5"/>
+          </p:nvPr>
+        </p:nvSpPr>
+        <p:spPr/>
+        <p:txBody>
+          <a:bodyPr/>
+          <a:lstStyle/>
+          <a:p>
+            <a:fld id="{01420855-62A1-43EF-8815-D1313CE67D77}" type="slidenum">
+              <a:rPr lang="en-AU" smtClean="0"/>
+              <a:t>17</a:t>
+            </a:fld>
+            <a:endParaRPr lang="en-AU"/>
+          </a:p>
+        </p:txBody>
+      </p:sp>
+    </p:spTree>
+    <p:extLst>
+      <p:ext uri="{BB962C8B-B14F-4D97-AF65-F5344CB8AC3E}">
+        <p14:creationId xmlns:p14="http://schemas.microsoft.com/office/powerpoint/2010/main" val="2192678123"/>
+      </p:ext>
+    </p:extLst>
+  </p:cSld>
+  <p:clrMapOvr>
+    <a:masterClrMapping/>
+  </p:clrMapOvr>
+</p:notes>
+</file>
+
+<file path=ppt/notesSlides/notesSlide18.xml><?xml version="1.0" encoding="utf-8"?>
+<p:notes xmlns:a="http://schemas.openxmlformats.org/drawingml/2006/main" xmlns:r="http://schemas.openxmlformats.org/officeDocument/2006/relationships" xmlns:p="http://schemas.openxmlformats.org/presentationml/2006/main">
+  <p:cSld>
+    <p:spTree>
+      <p:nvGrpSpPr>
+        <p:cNvPr id="1" name=""/>
+        <p:cNvGrpSpPr/>
+        <p:nvPr/>
+      </p:nvGrpSpPr>
+      <p:grpSpPr>
+        <a:xfrm>
+          <a:off x="0" y="0"/>
+          <a:ext cx="0" cy="0"/>
+          <a:chOff x="0" y="0"/>
+          <a:chExt cx="0" cy="0"/>
+        </a:xfrm>
+      </p:grpSpPr>
+      <p:sp>
+        <p:nvSpPr>
+          <p:cNvPr id="2" name="Slide Image Placeholder 1"/>
+          <p:cNvSpPr>
+            <a:spLocks noGrp="1" noRot="1" noChangeAspect="1"/>
+          </p:cNvSpPr>
+          <p:nvPr>
+            <p:ph type="sldImg"/>
+          </p:nvPr>
+        </p:nvSpPr>
+        <p:spPr/>
+      </p:sp>
+      <p:sp>
+        <p:nvSpPr>
+          <p:cNvPr id="3" name="Notes Placeholder 2"/>
+          <p:cNvSpPr>
+            <a:spLocks noGrp="1"/>
+          </p:cNvSpPr>
+          <p:nvPr>
+            <p:ph type="body" idx="1"/>
+          </p:nvPr>
+        </p:nvSpPr>
+        <p:spPr/>
+        <p:txBody>
+          <a:bodyPr/>
+          <a:lstStyle/>
+          <a:p>
+            <a:pPr defTabSz="2438430">
+              <a:lnSpc>
+                <a:spcPct val="85000"/>
+              </a:lnSpc>
+              <a:spcBef>
+                <a:spcPct val="0"/>
+              </a:spcBef>
+              <a:spcAft>
+                <a:spcPts val="1200"/>
+              </a:spcAft>
+            </a:pPr>
+            <a:r>
+              <a:rPr lang="en-US" dirty="0"/>
+              <a:t>These are the five </a:t>
+            </a:r>
+            <a:r>
+              <a:rPr lang="en-US" sz="3200" b="1" spc="-50" dirty="0">
+                <a:solidFill>
+                  <a:schemeClr val="accent2"/>
+                </a:solidFill>
+                <a:latin typeface="+mj-lt"/>
+                <a:ea typeface="+mj-ea"/>
+                <a:cs typeface="+mj-cs"/>
+              </a:rPr>
+              <a:t>Structural</a:t>
+            </a:r>
+            <a:r>
+              <a:rPr lang="en-US" sz="3200" spc="-50" dirty="0">
+                <a:solidFill>
+                  <a:schemeClr val="accent2"/>
+                </a:solidFill>
+                <a:latin typeface="+mj-lt"/>
+                <a:ea typeface="+mj-ea"/>
+                <a:cs typeface="+mj-cs"/>
+              </a:rPr>
+              <a:t> </a:t>
+            </a:r>
+            <a:r>
+              <a:rPr lang="en-US" sz="3200" b="1" spc="-50" dirty="0">
+                <a:solidFill>
+                  <a:schemeClr val="accent2"/>
+                </a:solidFill>
+                <a:latin typeface="+mj-lt"/>
+                <a:ea typeface="+mj-ea"/>
+                <a:cs typeface="+mj-cs"/>
+              </a:rPr>
+              <a:t>Design</a:t>
+            </a:r>
+            <a:r>
+              <a:rPr lang="en-US" sz="3200" spc="-50" dirty="0">
+                <a:solidFill>
+                  <a:schemeClr val="accent2"/>
+                </a:solidFill>
+                <a:latin typeface="+mj-lt"/>
+                <a:ea typeface="+mj-ea"/>
+                <a:cs typeface="+mj-cs"/>
+              </a:rPr>
+              <a:t> </a:t>
+            </a:r>
+            <a:r>
+              <a:rPr lang="en-US" sz="3200" b="1" spc="-50" dirty="0">
+                <a:solidFill>
+                  <a:schemeClr val="accent2"/>
+                </a:solidFill>
+                <a:latin typeface="+mj-lt"/>
+                <a:ea typeface="+mj-ea"/>
+                <a:cs typeface="+mj-cs"/>
+              </a:rPr>
+              <a:t>Patterns.</a:t>
+            </a:r>
+          </a:p>
+          <a:p>
+            <a:r>
+              <a:rPr lang="en-US" dirty="0"/>
+              <a:t>I hope it can be helpful to everyone.</a:t>
+            </a:r>
+          </a:p>
+        </p:txBody>
+      </p:sp>
+      <p:sp>
+        <p:nvSpPr>
+          <p:cNvPr id="4" name="Slide Number Placeholder 3"/>
+          <p:cNvSpPr>
+            <a:spLocks noGrp="1"/>
+          </p:cNvSpPr>
+          <p:nvPr>
+            <p:ph type="sldNum" sz="quarter" idx="5"/>
+          </p:nvPr>
+        </p:nvSpPr>
+        <p:spPr/>
+        <p:txBody>
+          <a:bodyPr/>
+          <a:lstStyle/>
+          <a:p>
+            <a:fld id="{3960260C-8853-4159-8854-5A6834041865}" type="slidenum">
+              <a:rPr lang="en-US" smtClean="0"/>
+              <a:t>18</a:t>
+            </a:fld>
+            <a:endParaRPr lang="en-US"/>
+          </a:p>
+        </p:txBody>
+      </p:sp>
+    </p:spTree>
+    <p:extLst>
+      <p:ext uri="{BB962C8B-B14F-4D97-AF65-F5344CB8AC3E}">
+        <p14:creationId xmlns:p14="http://schemas.microsoft.com/office/powerpoint/2010/main" val="2268168259"/>
+      </p:ext>
+    </p:extLst>
+  </p:cSld>
+  <p:clrMapOvr>
+    <a:masterClrMapping/>
+  </p:clrMapOvr>
+</p:notes>
+</file>
+
+<file path=ppt/notesSlides/notesSlide19.xml><?xml version="1.0" encoding="utf-8"?>
+<p:notes xmlns:a="http://schemas.openxmlformats.org/drawingml/2006/main" xmlns:r="http://schemas.openxmlformats.org/officeDocument/2006/relationships" xmlns:p="http://schemas.openxmlformats.org/presentationml/2006/main">
+  <p:cSld>
+    <p:spTree>
+      <p:nvGrpSpPr>
+        <p:cNvPr id="1" name=""/>
+        <p:cNvGrpSpPr/>
+        <p:nvPr/>
+      </p:nvGrpSpPr>
+      <p:grpSpPr>
+        <a:xfrm>
+          <a:off x="0" y="0"/>
+          <a:ext cx="0" cy="0"/>
+          <a:chOff x="0" y="0"/>
+          <a:chExt cx="0" cy="0"/>
+        </a:xfrm>
+      </p:grpSpPr>
+      <p:sp>
+        <p:nvSpPr>
+          <p:cNvPr id="2" name="Slide Image Placeholder 1"/>
+          <p:cNvSpPr>
+            <a:spLocks noGrp="1" noRot="1" noChangeAspect="1"/>
+          </p:cNvSpPr>
+          <p:nvPr>
+            <p:ph type="sldImg"/>
+          </p:nvPr>
+        </p:nvSpPr>
+        <p:spPr/>
+      </p:sp>
+      <p:sp>
+        <p:nvSpPr>
+          <p:cNvPr id="3" name="Notes Placeholder 2"/>
+          <p:cNvSpPr>
+            <a:spLocks noGrp="1"/>
+          </p:cNvSpPr>
+          <p:nvPr>
+            <p:ph type="body" idx="1"/>
+          </p:nvPr>
+        </p:nvSpPr>
+        <p:spPr/>
+        <p:txBody>
+          <a:bodyPr/>
+          <a:lstStyle/>
+          <a:p>
             <a:endParaRPr lang="en-AU" dirty="0"/>
           </a:p>
         </p:txBody>
@@ -16864,7 +17399,7 @@
           <a:p>
             <a:fld id="{01420855-62A1-43EF-8815-D1313CE67D77}" type="slidenum">
               <a:rPr lang="en-AU" smtClean="0"/>
-              <a:t>17</a:t>
+              <a:t>20</a:t>
             </a:fld>
             <a:endParaRPr lang="en-AU" dirty="0"/>
           </a:p>
@@ -18406,25 +18941,8 @@
                 <a:effectLst/>
                 <a:latin typeface="-apple-system"/>
               </a:rPr>
-              <a:t>中的事件和委托提供了一种方便的方式来实现观察者模式的</a:t>
-            </a:r>
-            <a:r>
-              <a:rPr lang="zh-CN" altLang="en-US" b="0" i="0">
-                <a:solidFill>
-                  <a:srgbClr val="FFFFFF"/>
-                </a:solidFill>
-                <a:effectLst/>
-                <a:latin typeface="-apple-system"/>
-              </a:rPr>
-              <a:t>，即事件的绑定和触发</a:t>
-            </a:r>
-            <a:endParaRPr lang="zh-CN" altLang="en-US" b="0" i="0" dirty="0">
-              <a:solidFill>
-                <a:srgbClr val="FFFFFF"/>
-              </a:solidFill>
-              <a:effectLst/>
-              <a:latin typeface="-apple-system"/>
-            </a:endParaRPr>
+              <a:t>中的事件和委托提供了一种方便的方式来实现观察者模式的，即事件的绑定和触发</a:t>
+            </a:r>
           </a:p>
           <a:p>
             <a:pPr algn="l">
@@ -18467,6 +18985,49 @@
                 <a:latin typeface="-apple-system"/>
               </a:rPr>
               <a:t>操作符手动绑定事件处理程序</a:t>
+            </a:r>
+            <a:endParaRPr lang="en-US" altLang="zh-CN" b="0" i="0" dirty="0">
+              <a:solidFill>
+                <a:srgbClr val="FFFFFF"/>
+              </a:solidFill>
+              <a:effectLst/>
+              <a:latin typeface="-apple-system"/>
+            </a:endParaRPr>
+          </a:p>
+          <a:p>
+            <a:pPr algn="l">
+              <a:buFont typeface="+mj-lt"/>
+              <a:buNone/>
+            </a:pPr>
+            <a:r>
+              <a:rPr lang="zh-CN" altLang="en-US" b="0" i="0" dirty="0">
+                <a:solidFill>
+                  <a:srgbClr val="FFFFFF"/>
+                </a:solidFill>
+                <a:effectLst/>
+                <a:latin typeface="-apple-system"/>
+              </a:rPr>
+              <a:t>事件的</a:t>
+            </a:r>
+            <a:r>
+              <a:rPr lang="en-US" altLang="zh-CN" b="0" i="0" dirty="0">
+                <a:solidFill>
+                  <a:srgbClr val="FFFFFF"/>
+                </a:solidFill>
+                <a:effectLst/>
+                <a:latin typeface="-apple-system"/>
+              </a:rPr>
+              <a:t>Invoke</a:t>
+            </a:r>
+            <a:r>
+              <a:rPr lang="zh-CN" altLang="en-US" b="0" i="0" dirty="0">
+                <a:solidFill>
+                  <a:srgbClr val="FFFFFF"/>
+                </a:solidFill>
+                <a:effectLst/>
+                <a:latin typeface="-apple-system"/>
+              </a:rPr>
+              <a:t>方法或直接调用事件</a:t>
             </a:r>
             <a:endParaRPr lang="en-US" altLang="zh-CN" b="0" i="0" dirty="0">
               <a:solidFill>
@@ -18923,7 +19484,7 @@
               <a:buNone/>
             </a:pPr>
             <a:r>
-              <a:rPr lang="en-US" altLang="zh-CN" b="0" i="0">
+              <a:rPr lang="en-US" altLang="zh-CN" b="0" i="0" dirty="0">
                 <a:solidFill>
                   <a:srgbClr val="FFFFFF"/>
                 </a:solidFill>
@@ -18933,24 +19494,14 @@
               <a:t>2.</a:t>
             </a:r>
             <a:r>
-              <a:rPr lang="zh-CN" altLang="en-US" b="0" i="0">
+              <a:rPr lang="zh-CN" altLang="en-US" b="0" i="0" dirty="0">
                 <a:solidFill>
                   <a:srgbClr val="FFFFFF"/>
                 </a:solidFill>
                 <a:effectLst/>
                 <a:latin typeface="-apple-system"/>
               </a:rPr>
-              <a:t>观</a:t>
-            </a:r>
-            <a:r>
-              <a:rPr lang="zh-CN" altLang="en-US" b="0" i="0" dirty="0">
-                <a:solidFill>
-                  <a:srgbClr val="FFFFFF"/>
-                </a:solidFill>
-                <a:effectLst/>
-                <a:latin typeface="-apple-system"/>
-              </a:rPr>
-              <a:t>察者（</a:t>
+              <a:t>观察者（</a:t>
             </a:r>
             <a:r>
               <a:rPr lang="en-US" altLang="zh-CN" b="0" i="0" dirty="0">
@@ -19158,7 +19709,7 @@
                 <a:effectLst/>
                 <a:latin typeface="-apple-system"/>
               </a:rPr>
-              <a:t>Event Bus / Message Queue</a:t>
+              <a:t>Event Bus / Message Queue / Broker </a:t>
             </a:r>
             <a:r>
               <a:rPr lang="zh-CN" altLang="en-US" b="0" i="0" dirty="0">
@@ -19168,7 +19719,7 @@
                 <a:effectLst/>
                 <a:latin typeface="-apple-system"/>
               </a:rPr>
-              <a:t>）：中介组件是发布者和订阅者之间的桥梁，它负责接收发布者发布的消息或事件，并将其分发给订阅了相应消息或事件的订阅者。</a:t>
+              <a:t>中介人）：中介组件是发布者和订阅者之间的桥梁，它负责接收发布者发布的消息或事件，并将其分发给订阅了相应消息或事件的订阅者。</a:t>
             </a:r>
           </a:p>
           <a:p>
@@ -23844,6 +24395,654 @@
           <a:p>
             <a:r>
               <a:rPr lang="en-US" b="1" dirty="0"/>
+              <a:t>2. </a:t>
+            </a:r>
+            <a:r>
+              <a:rPr lang="en-US" b="1" kern="1200" dirty="0">
+                <a:latin typeface="Calibri" panose="020F0502020204030204"/>
+                <a:ea typeface="+mn-ea"/>
+                <a:cs typeface="+mn-cs"/>
+              </a:rPr>
+              <a:t>Strategy</a:t>
+            </a:r>
+            <a:br>
+              <a:rPr lang="en-US" dirty="0"/>
+            </a:br>
+            <a:endParaRPr lang="en-US" dirty="0"/>
+          </a:p>
+        </p:txBody>
+      </p:sp>
+      <p:pic>
+        <p:nvPicPr>
+          <p:cNvPr id="5" name="Picture 4">
+            <a:extLst>
+              <a:ext uri="{FF2B5EF4-FFF2-40B4-BE49-F238E27FC236}">
+                <a16:creationId xmlns:a16="http://schemas.microsoft.com/office/drawing/2014/main" id="{4353D11F-E86B-1FA2-1B33-26669B61C443}"/>
+              </a:ext>
+            </a:extLst>
+          </p:cNvPr>
+          <p:cNvPicPr>
+            <a:picLocks noChangeAspect="1"/>
+          </p:cNvPicPr>
+          <p:nvPr/>
+        </p:nvPicPr>
+        <p:blipFill>
+          <a:blip r:embed="rId3"/>
+          <a:stretch>
+            <a:fillRect/>
+          </a:stretch>
+        </p:blipFill>
+        <p:spPr>
+          <a:xfrm>
+            <a:off x="3118992" y="2896241"/>
+            <a:ext cx="15670104" cy="9694487"/>
+          </a:xfrm>
+          <a:prstGeom prst="rect">
+            <a:avLst/>
+          </a:prstGeom>
+        </p:spPr>
+      </p:pic>
+      <p:sp>
+        <p:nvSpPr>
+          <p:cNvPr id="7" name="Text Placeholder 6">
+            <a:extLst>
+              <a:ext uri="{FF2B5EF4-FFF2-40B4-BE49-F238E27FC236}">
+                <a16:creationId xmlns:a16="http://schemas.microsoft.com/office/drawing/2014/main" id="{6E55B2E9-6C47-6659-3C86-A97F3803D3C3}"/>
+              </a:ext>
+            </a:extLst>
+          </p:cNvPr>
+          <p:cNvSpPr>
+            <a:spLocks noGrp="1"/>
+          </p:cNvSpPr>
+          <p:nvPr>
+            <p:ph type="body" sz="quarter" idx="13"/>
+          </p:nvPr>
+        </p:nvSpPr>
+        <p:spPr>
+          <a:xfrm>
+            <a:off x="1079625" y="2105472"/>
+            <a:ext cx="22201232" cy="440298"/>
+          </a:xfrm>
+        </p:spPr>
+        <p:txBody>
+          <a:bodyPr/>
+          <a:lstStyle/>
+          <a:p>
+            <a:r>
+              <a:rPr lang="en-US" dirty="0"/>
+              <a:t>Strategy Pattern in CW1 - Example 1</a:t>
+            </a:r>
+          </a:p>
+        </p:txBody>
+      </p:sp>
+    </p:spTree>
+    <p:extLst>
+      <p:ext uri="{BB962C8B-B14F-4D97-AF65-F5344CB8AC3E}">
+        <p14:creationId xmlns:p14="http://schemas.microsoft.com/office/powerpoint/2010/main" val="2125242884"/>
+      </p:ext>
+    </p:extLst>
+  </p:cSld>
+  <p:clrMapOvr>
+    <a:masterClrMapping/>
+  </p:clrMapOvr>
+</p:sld>
+</file>
+
+<file path=ppt/slides/slide14.xml><?xml version="1.0" encoding="utf-8"?>
+<p:sld xmlns:a="http://schemas.openxmlformats.org/drawingml/2006/main" xmlns:r="http://schemas.openxmlformats.org/officeDocument/2006/relationships" xmlns:p="http://schemas.openxmlformats.org/presentationml/2006/main">
+  <p:cSld>
+    <p:spTree>
+      <p:nvGrpSpPr>
+        <p:cNvPr id="1" name=""/>
+        <p:cNvGrpSpPr/>
+        <p:nvPr/>
+      </p:nvGrpSpPr>
+      <p:grpSpPr>
+        <a:xfrm>
+          <a:off x="0" y="0"/>
+          <a:ext cx="0" cy="0"/>
+          <a:chOff x="0" y="0"/>
+          <a:chExt cx="0" cy="0"/>
+        </a:xfrm>
+      </p:grpSpPr>
+      <p:sp>
+        <p:nvSpPr>
+          <p:cNvPr id="2" name="Footer Placeholder 1">
+            <a:extLst>
+              <a:ext uri="{FF2B5EF4-FFF2-40B4-BE49-F238E27FC236}">
+                <a16:creationId xmlns:a16="http://schemas.microsoft.com/office/drawing/2014/main" id="{22DA5C28-F0FD-47D6-8E92-1C9E6EA87F96}"/>
+              </a:ext>
+            </a:extLst>
+          </p:cNvPr>
+          <p:cNvSpPr>
+            <a:spLocks noGrp="1"/>
+          </p:cNvSpPr>
+          <p:nvPr>
+            <p:ph type="ftr" sz="quarter" idx="3"/>
+          </p:nvPr>
+        </p:nvSpPr>
+        <p:spPr/>
+        <p:txBody>
+          <a:bodyPr/>
+          <a:lstStyle/>
+          <a:p>
+            <a:r>
+              <a:rPr lang="en-AU" dirty="0"/>
+              <a:t>© 2023 CargoWise</a:t>
+            </a:r>
+          </a:p>
+        </p:txBody>
+      </p:sp>
+      <p:sp>
+        <p:nvSpPr>
+          <p:cNvPr id="3" name="Slide Number Placeholder 2">
+            <a:extLst>
+              <a:ext uri="{FF2B5EF4-FFF2-40B4-BE49-F238E27FC236}">
+                <a16:creationId xmlns:a16="http://schemas.microsoft.com/office/drawing/2014/main" id="{15B20483-DDDA-4E06-872B-F88C31FDBA35}"/>
+              </a:ext>
+            </a:extLst>
+          </p:cNvPr>
+          <p:cNvSpPr>
+            <a:spLocks noGrp="1"/>
+          </p:cNvSpPr>
+          <p:nvPr>
+            <p:ph type="sldNum" sz="quarter" idx="4"/>
+          </p:nvPr>
+        </p:nvSpPr>
+        <p:spPr/>
+        <p:txBody>
+          <a:bodyPr/>
+          <a:lstStyle/>
+          <a:p>
+            <a:fld id="{67E7CB4E-0848-4774-9F85-B38117CB1B54}" type="slidenum">
+              <a:rPr lang="en-AU" smtClean="0"/>
+              <a:pPr/>
+              <a:t>14</a:t>
+            </a:fld>
+            <a:endParaRPr lang="en-AU"/>
+          </a:p>
+        </p:txBody>
+      </p:sp>
+      <p:sp>
+        <p:nvSpPr>
+          <p:cNvPr id="13" name="Title 9">
+            <a:extLst>
+              <a:ext uri="{FF2B5EF4-FFF2-40B4-BE49-F238E27FC236}">
+                <a16:creationId xmlns:a16="http://schemas.microsoft.com/office/drawing/2014/main" id="{3BAEBDBD-7B50-9F58-BD3C-27FF4C445264}"/>
+              </a:ext>
+            </a:extLst>
+          </p:cNvPr>
+          <p:cNvSpPr>
+            <a:spLocks noGrp="1"/>
+          </p:cNvSpPr>
+          <p:nvPr>
+            <p:ph type="title"/>
+          </p:nvPr>
+        </p:nvSpPr>
+        <p:spPr>
+          <a:xfrm>
+            <a:off x="1080000" y="1125271"/>
+            <a:ext cx="22201232" cy="701456"/>
+          </a:xfrm>
+        </p:spPr>
+        <p:txBody>
+          <a:bodyPr/>
+          <a:lstStyle/>
+          <a:p>
+            <a:r>
+              <a:rPr lang="en-US" b="1" dirty="0"/>
+              <a:t>2. </a:t>
+            </a:r>
+            <a:r>
+              <a:rPr lang="en-US" b="1" kern="1200" dirty="0">
+                <a:latin typeface="Calibri" panose="020F0502020204030204"/>
+                <a:ea typeface="+mn-ea"/>
+                <a:cs typeface="+mn-cs"/>
+              </a:rPr>
+              <a:t>Strategy</a:t>
+            </a:r>
+            <a:br>
+              <a:rPr lang="en-US" dirty="0"/>
+            </a:br>
+            <a:endParaRPr lang="en-US" dirty="0"/>
+          </a:p>
+        </p:txBody>
+      </p:sp>
+      <p:sp>
+        <p:nvSpPr>
+          <p:cNvPr id="7" name="Text Placeholder 6">
+            <a:extLst>
+              <a:ext uri="{FF2B5EF4-FFF2-40B4-BE49-F238E27FC236}">
+                <a16:creationId xmlns:a16="http://schemas.microsoft.com/office/drawing/2014/main" id="{6E55B2E9-6C47-6659-3C86-A97F3803D3C3}"/>
+              </a:ext>
+            </a:extLst>
+          </p:cNvPr>
+          <p:cNvSpPr>
+            <a:spLocks noGrp="1"/>
+          </p:cNvSpPr>
+          <p:nvPr>
+            <p:ph type="body" sz="quarter" idx="13"/>
+          </p:nvPr>
+        </p:nvSpPr>
+        <p:spPr>
+          <a:xfrm>
+            <a:off x="1079625" y="2105472"/>
+            <a:ext cx="22201232" cy="440298"/>
+          </a:xfrm>
+        </p:spPr>
+        <p:txBody>
+          <a:bodyPr/>
+          <a:lstStyle/>
+          <a:p>
+            <a:r>
+              <a:rPr lang="en-US" dirty="0"/>
+              <a:t>Strategy Pattern in CW1 - Example 2</a:t>
+            </a:r>
+          </a:p>
+        </p:txBody>
+      </p:sp>
+      <p:pic>
+        <p:nvPicPr>
+          <p:cNvPr id="5" name="Picture 4">
+            <a:extLst>
+              <a:ext uri="{FF2B5EF4-FFF2-40B4-BE49-F238E27FC236}">
+                <a16:creationId xmlns:a16="http://schemas.microsoft.com/office/drawing/2014/main" id="{852F8162-5236-BB8D-57FC-B36C1BA0BD35}"/>
+              </a:ext>
+            </a:extLst>
+          </p:cNvPr>
+          <p:cNvPicPr>
+            <a:picLocks noChangeAspect="1"/>
+          </p:cNvPicPr>
+          <p:nvPr/>
+        </p:nvPicPr>
+        <p:blipFill>
+          <a:blip r:embed="rId3"/>
+          <a:stretch>
+            <a:fillRect/>
+          </a:stretch>
+        </p:blipFill>
+        <p:spPr>
+          <a:xfrm>
+            <a:off x="2751747" y="3040155"/>
+            <a:ext cx="17586573" cy="3600400"/>
+          </a:xfrm>
+          <a:prstGeom prst="rect">
+            <a:avLst/>
+          </a:prstGeom>
+        </p:spPr>
+      </p:pic>
+      <p:pic>
+        <p:nvPicPr>
+          <p:cNvPr id="10" name="Picture 9">
+            <a:extLst>
+              <a:ext uri="{FF2B5EF4-FFF2-40B4-BE49-F238E27FC236}">
+                <a16:creationId xmlns:a16="http://schemas.microsoft.com/office/drawing/2014/main" id="{E438DA20-2D6E-D792-234D-9A8631A828BF}"/>
+              </a:ext>
+            </a:extLst>
+          </p:cNvPr>
+          <p:cNvPicPr>
+            <a:picLocks noChangeAspect="1"/>
+          </p:cNvPicPr>
+          <p:nvPr/>
+        </p:nvPicPr>
+        <p:blipFill>
+          <a:blip r:embed="rId4"/>
+          <a:stretch>
+            <a:fillRect/>
+          </a:stretch>
+        </p:blipFill>
+        <p:spPr>
+          <a:xfrm>
+            <a:off x="2766845" y="7057212"/>
+            <a:ext cx="17635228" cy="4553316"/>
+          </a:xfrm>
+          <a:prstGeom prst="rect">
+            <a:avLst/>
+          </a:prstGeom>
+        </p:spPr>
+      </p:pic>
+    </p:spTree>
+    <p:extLst>
+      <p:ext uri="{BB962C8B-B14F-4D97-AF65-F5344CB8AC3E}">
+        <p14:creationId xmlns:p14="http://schemas.microsoft.com/office/powerpoint/2010/main" val="1655742470"/>
+      </p:ext>
+    </p:extLst>
+  </p:cSld>
+  <p:clrMapOvr>
+    <a:masterClrMapping/>
+  </p:clrMapOvr>
+</p:sld>
+</file>
+
+<file path=ppt/slides/slide15.xml><?xml version="1.0" encoding="utf-8"?>
+<p:sld xmlns:a="http://schemas.openxmlformats.org/drawingml/2006/main" xmlns:r="http://schemas.openxmlformats.org/officeDocument/2006/relationships" xmlns:p="http://schemas.openxmlformats.org/presentationml/2006/main">
+  <p:cSld>
+    <p:spTree>
+      <p:nvGrpSpPr>
+        <p:cNvPr id="1" name=""/>
+        <p:cNvGrpSpPr/>
+        <p:nvPr/>
+      </p:nvGrpSpPr>
+      <p:grpSpPr>
+        <a:xfrm>
+          <a:off x="0" y="0"/>
+          <a:ext cx="0" cy="0"/>
+          <a:chOff x="0" y="0"/>
+          <a:chExt cx="0" cy="0"/>
+        </a:xfrm>
+      </p:grpSpPr>
+      <p:sp>
+        <p:nvSpPr>
+          <p:cNvPr id="2" name="Footer Placeholder 1">
+            <a:extLst>
+              <a:ext uri="{FF2B5EF4-FFF2-40B4-BE49-F238E27FC236}">
+                <a16:creationId xmlns:a16="http://schemas.microsoft.com/office/drawing/2014/main" id="{22DA5C28-F0FD-47D6-8E92-1C9E6EA87F96}"/>
+              </a:ext>
+            </a:extLst>
+          </p:cNvPr>
+          <p:cNvSpPr>
+            <a:spLocks noGrp="1"/>
+          </p:cNvSpPr>
+          <p:nvPr>
+            <p:ph type="ftr" sz="quarter" idx="3"/>
+          </p:nvPr>
+        </p:nvSpPr>
+        <p:spPr/>
+        <p:txBody>
+          <a:bodyPr/>
+          <a:lstStyle/>
+          <a:p>
+            <a:r>
+              <a:rPr lang="en-AU" dirty="0"/>
+              <a:t>© 2023 CargoWise</a:t>
+            </a:r>
+          </a:p>
+        </p:txBody>
+      </p:sp>
+      <p:sp>
+        <p:nvSpPr>
+          <p:cNvPr id="3" name="Slide Number Placeholder 2">
+            <a:extLst>
+              <a:ext uri="{FF2B5EF4-FFF2-40B4-BE49-F238E27FC236}">
+                <a16:creationId xmlns:a16="http://schemas.microsoft.com/office/drawing/2014/main" id="{15B20483-DDDA-4E06-872B-F88C31FDBA35}"/>
+              </a:ext>
+            </a:extLst>
+          </p:cNvPr>
+          <p:cNvSpPr>
+            <a:spLocks noGrp="1"/>
+          </p:cNvSpPr>
+          <p:nvPr>
+            <p:ph type="sldNum" sz="quarter" idx="4"/>
+          </p:nvPr>
+        </p:nvSpPr>
+        <p:spPr/>
+        <p:txBody>
+          <a:bodyPr/>
+          <a:lstStyle/>
+          <a:p>
+            <a:fld id="{67E7CB4E-0848-4774-9F85-B38117CB1B54}" type="slidenum">
+              <a:rPr lang="en-AU" smtClean="0"/>
+              <a:pPr/>
+              <a:t>15</a:t>
+            </a:fld>
+            <a:endParaRPr lang="en-AU"/>
+          </a:p>
+        </p:txBody>
+      </p:sp>
+      <p:sp>
+        <p:nvSpPr>
+          <p:cNvPr id="13" name="Title 9">
+            <a:extLst>
+              <a:ext uri="{FF2B5EF4-FFF2-40B4-BE49-F238E27FC236}">
+                <a16:creationId xmlns:a16="http://schemas.microsoft.com/office/drawing/2014/main" id="{3BAEBDBD-7B50-9F58-BD3C-27FF4C445264}"/>
+              </a:ext>
+            </a:extLst>
+          </p:cNvPr>
+          <p:cNvSpPr>
+            <a:spLocks noGrp="1"/>
+          </p:cNvSpPr>
+          <p:nvPr>
+            <p:ph type="title"/>
+          </p:nvPr>
+        </p:nvSpPr>
+        <p:spPr>
+          <a:xfrm>
+            <a:off x="1080000" y="1125271"/>
+            <a:ext cx="22201232" cy="701456"/>
+          </a:xfrm>
+        </p:spPr>
+        <p:txBody>
+          <a:bodyPr/>
+          <a:lstStyle/>
+          <a:p>
+            <a:r>
+              <a:rPr lang="en-US" b="1" dirty="0"/>
+              <a:t>2. </a:t>
+            </a:r>
+            <a:r>
+              <a:rPr lang="en-US" b="1" kern="1200" dirty="0">
+                <a:latin typeface="Calibri" panose="020F0502020204030204"/>
+                <a:ea typeface="+mn-ea"/>
+                <a:cs typeface="+mn-cs"/>
+              </a:rPr>
+              <a:t>Strategy</a:t>
+            </a:r>
+            <a:br>
+              <a:rPr lang="en-US" dirty="0"/>
+            </a:br>
+            <a:endParaRPr lang="en-US" dirty="0"/>
+          </a:p>
+        </p:txBody>
+      </p:sp>
+      <p:sp>
+        <p:nvSpPr>
+          <p:cNvPr id="7" name="Text Placeholder 6">
+            <a:extLst>
+              <a:ext uri="{FF2B5EF4-FFF2-40B4-BE49-F238E27FC236}">
+                <a16:creationId xmlns:a16="http://schemas.microsoft.com/office/drawing/2014/main" id="{6E55B2E9-6C47-6659-3C86-A97F3803D3C3}"/>
+              </a:ext>
+            </a:extLst>
+          </p:cNvPr>
+          <p:cNvSpPr>
+            <a:spLocks noGrp="1"/>
+          </p:cNvSpPr>
+          <p:nvPr>
+            <p:ph type="body" sz="quarter" idx="13"/>
+          </p:nvPr>
+        </p:nvSpPr>
+        <p:spPr>
+          <a:xfrm>
+            <a:off x="1079625" y="2105472"/>
+            <a:ext cx="22201232" cy="440298"/>
+          </a:xfrm>
+        </p:spPr>
+        <p:txBody>
+          <a:bodyPr/>
+          <a:lstStyle/>
+          <a:p>
+            <a:r>
+              <a:rPr lang="en-US" dirty="0"/>
+              <a:t>Strategy Pattern in CW1 - Example 3</a:t>
+            </a:r>
+          </a:p>
+        </p:txBody>
+      </p:sp>
+      <p:pic>
+        <p:nvPicPr>
+          <p:cNvPr id="9" name="Picture 8">
+            <a:extLst>
+              <a:ext uri="{FF2B5EF4-FFF2-40B4-BE49-F238E27FC236}">
+                <a16:creationId xmlns:a16="http://schemas.microsoft.com/office/drawing/2014/main" id="{D8EEFFBB-A22A-A73E-5048-D619FB767C50}"/>
+              </a:ext>
+            </a:extLst>
+          </p:cNvPr>
+          <p:cNvPicPr>
+            <a:picLocks noChangeAspect="1"/>
+          </p:cNvPicPr>
+          <p:nvPr/>
+        </p:nvPicPr>
+        <p:blipFill>
+          <a:blip r:embed="rId3"/>
+          <a:stretch>
+            <a:fillRect/>
+          </a:stretch>
+        </p:blipFill>
+        <p:spPr>
+          <a:xfrm>
+            <a:off x="2398911" y="2953133"/>
+            <a:ext cx="18833028" cy="3960440"/>
+          </a:xfrm>
+          <a:prstGeom prst="rect">
+            <a:avLst/>
+          </a:prstGeom>
+        </p:spPr>
+      </p:pic>
+      <p:pic>
+        <p:nvPicPr>
+          <p:cNvPr id="6" name="Picture 5">
+            <a:extLst>
+              <a:ext uri="{FF2B5EF4-FFF2-40B4-BE49-F238E27FC236}">
+                <a16:creationId xmlns:a16="http://schemas.microsoft.com/office/drawing/2014/main" id="{FC7767CA-CF8E-0403-BDE8-85FAF21C3F4B}"/>
+              </a:ext>
+            </a:extLst>
+          </p:cNvPr>
+          <p:cNvPicPr>
+            <a:picLocks noChangeAspect="1"/>
+          </p:cNvPicPr>
+          <p:nvPr/>
+        </p:nvPicPr>
+        <p:blipFill>
+          <a:blip r:embed="rId4"/>
+          <a:stretch>
+            <a:fillRect/>
+          </a:stretch>
+        </p:blipFill>
+        <p:spPr>
+          <a:xfrm>
+            <a:off x="2398911" y="7352026"/>
+            <a:ext cx="18842597" cy="3610430"/>
+          </a:xfrm>
+          <a:prstGeom prst="rect">
+            <a:avLst/>
+          </a:prstGeom>
+        </p:spPr>
+      </p:pic>
+    </p:spTree>
+    <p:extLst>
+      <p:ext uri="{BB962C8B-B14F-4D97-AF65-F5344CB8AC3E}">
+        <p14:creationId xmlns:p14="http://schemas.microsoft.com/office/powerpoint/2010/main" val="912381011"/>
+      </p:ext>
+    </p:extLst>
+  </p:cSld>
+  <p:clrMapOvr>
+    <a:masterClrMapping/>
+  </p:clrMapOvr>
+</p:sld>
+</file>
+
+<file path=ppt/slides/slide16.xml><?xml version="1.0" encoding="utf-8"?>
+<p:sld xmlns:a="http://schemas.openxmlformats.org/drawingml/2006/main" xmlns:r="http://schemas.openxmlformats.org/officeDocument/2006/relationships" xmlns:p="http://schemas.openxmlformats.org/presentationml/2006/main">
+  <p:cSld>
+    <p:spTree>
+      <p:nvGrpSpPr>
+        <p:cNvPr id="1" name=""/>
+        <p:cNvGrpSpPr/>
+        <p:nvPr/>
+      </p:nvGrpSpPr>
+      <p:grpSpPr>
+        <a:xfrm>
+          <a:off x="0" y="0"/>
+          <a:ext cx="0" cy="0"/>
+          <a:chOff x="0" y="0"/>
+          <a:chExt cx="0" cy="0"/>
+        </a:xfrm>
+      </p:grpSpPr>
+      <p:sp>
+        <p:nvSpPr>
+          <p:cNvPr id="2" name="Footer Placeholder 1">
+            <a:extLst>
+              <a:ext uri="{FF2B5EF4-FFF2-40B4-BE49-F238E27FC236}">
+                <a16:creationId xmlns:a16="http://schemas.microsoft.com/office/drawing/2014/main" id="{22DA5C28-F0FD-47D6-8E92-1C9E6EA87F96}"/>
+              </a:ext>
+            </a:extLst>
+          </p:cNvPr>
+          <p:cNvSpPr>
+            <a:spLocks noGrp="1"/>
+          </p:cNvSpPr>
+          <p:nvPr>
+            <p:ph type="ftr" sz="quarter" idx="3"/>
+          </p:nvPr>
+        </p:nvSpPr>
+        <p:spPr/>
+        <p:txBody>
+          <a:bodyPr/>
+          <a:lstStyle/>
+          <a:p>
+            <a:r>
+              <a:rPr lang="en-AU" dirty="0"/>
+              <a:t>© 2023 CargoWise</a:t>
+            </a:r>
+          </a:p>
+        </p:txBody>
+      </p:sp>
+      <p:sp>
+        <p:nvSpPr>
+          <p:cNvPr id="3" name="Slide Number Placeholder 2">
+            <a:extLst>
+              <a:ext uri="{FF2B5EF4-FFF2-40B4-BE49-F238E27FC236}">
+                <a16:creationId xmlns:a16="http://schemas.microsoft.com/office/drawing/2014/main" id="{15B20483-DDDA-4E06-872B-F88C31FDBA35}"/>
+              </a:ext>
+            </a:extLst>
+          </p:cNvPr>
+          <p:cNvSpPr>
+            <a:spLocks noGrp="1"/>
+          </p:cNvSpPr>
+          <p:nvPr>
+            <p:ph type="sldNum" sz="quarter" idx="4"/>
+          </p:nvPr>
+        </p:nvSpPr>
+        <p:spPr/>
+        <p:txBody>
+          <a:bodyPr/>
+          <a:lstStyle/>
+          <a:p>
+            <a:fld id="{67E7CB4E-0848-4774-9F85-B38117CB1B54}" type="slidenum">
+              <a:rPr lang="en-AU" smtClean="0"/>
+              <a:pPr/>
+              <a:t>16</a:t>
+            </a:fld>
+            <a:endParaRPr lang="en-AU"/>
+          </a:p>
+        </p:txBody>
+      </p:sp>
+      <p:sp>
+        <p:nvSpPr>
+          <p:cNvPr id="13" name="Title 9">
+            <a:extLst>
+              <a:ext uri="{FF2B5EF4-FFF2-40B4-BE49-F238E27FC236}">
+                <a16:creationId xmlns:a16="http://schemas.microsoft.com/office/drawing/2014/main" id="{3BAEBDBD-7B50-9F58-BD3C-27FF4C445264}"/>
+              </a:ext>
+            </a:extLst>
+          </p:cNvPr>
+          <p:cNvSpPr>
+            <a:spLocks noGrp="1"/>
+          </p:cNvSpPr>
+          <p:nvPr>
+            <p:ph type="title"/>
+          </p:nvPr>
+        </p:nvSpPr>
+        <p:spPr>
+          <a:xfrm>
+            <a:off x="1080000" y="1125271"/>
+            <a:ext cx="22201232" cy="701456"/>
+          </a:xfrm>
+        </p:spPr>
+        <p:txBody>
+          <a:bodyPr/>
+          <a:lstStyle/>
+          <a:p>
+            <a:r>
+              <a:rPr lang="en-US" b="1" dirty="0"/>
               <a:t>3. </a:t>
             </a:r>
             <a:r>
@@ -24026,7 +25225,7 @@
 </p:sld>
 </file>
 
-<file path=ppt/slides/slide14.xml><?xml version="1.0" encoding="utf-8"?>
+<file path=ppt/slides/slide17.xml><?xml version="1.0" encoding="utf-8"?>
 <p:sld xmlns:a="http://schemas.openxmlformats.org/drawingml/2006/main" xmlns:r="http://schemas.openxmlformats.org/officeDocument/2006/relationships" xmlns:p="http://schemas.openxmlformats.org/presentationml/2006/main">
   <p:cSld>
     <p:spTree>
@@ -24095,7 +25294,7 @@
             <a:fld id="{67E7CB4E-0848-4774-9F85-B38117CB1B54}" type="slidenum">
               <a:rPr lang="en-AU" smtClean="0"/>
               <a:pPr/>
-              <a:t>14</a:t>
+              <a:t>17</a:t>
             </a:fld>
             <a:endParaRPr lang="en-AU"/>
           </a:p>
@@ -24219,7 +25418,7 @@
 </p:sld>
 </file>
 
-<file path=ppt/slides/slide15.xml><?xml version="1.0" encoding="utf-8"?>
+<file path=ppt/slides/slide18.xml><?xml version="1.0" encoding="utf-8"?>
 <p:sld xmlns:a="http://schemas.openxmlformats.org/drawingml/2006/main" xmlns:r="http://schemas.openxmlformats.org/officeDocument/2006/relationships" xmlns:p="http://schemas.openxmlformats.org/presentationml/2006/main">
   <p:cSld>
     <p:spTree>
@@ -24413,7 +25612,7 @@
                   <a:spcPts val="600"/>
                 </a:spcAft>
               </a:pPr>
-              <a:t>15</a:t>
+              <a:t>18</a:t>
             </a:fld>
             <a:endParaRPr lang="en-AU"/>
           </a:p>
@@ -24490,7 +25689,7 @@
 </p:sld>
 </file>
 
-<file path=ppt/slides/slide16.xml><?xml version="1.0" encoding="utf-8"?>
+<file path=ppt/slides/slide19.xml><?xml version="1.0" encoding="utf-8"?>
 <p:sld xmlns:a="http://schemas.openxmlformats.org/drawingml/2006/main" xmlns:r="http://schemas.openxmlformats.org/officeDocument/2006/relationships" xmlns:p="http://schemas.openxmlformats.org/presentationml/2006/main">
   <p:cSld>
     <p:spTree>
@@ -24572,282 +25771,6 @@
     <p:extLst>
       <p:ext uri="{BB962C8B-B14F-4D97-AF65-F5344CB8AC3E}">
         <p14:creationId xmlns:p14="http://schemas.microsoft.com/office/powerpoint/2010/main" val="4119860341"/>
-      </p:ext>
-    </p:extLst>
-  </p:cSld>
-  <p:clrMapOvr>
-    <a:masterClrMapping/>
-  </p:clrMapOvr>
-</p:sld>
-</file>
-
-<file path=ppt/slides/slide17.xml><?xml version="1.0" encoding="utf-8"?>
-<p:sld xmlns:a="http://schemas.openxmlformats.org/drawingml/2006/main" xmlns:r="http://schemas.openxmlformats.org/officeDocument/2006/relationships" xmlns:p="http://schemas.openxmlformats.org/presentationml/2006/main">
-  <p:cSld>
-    <p:spTree>
-      <p:nvGrpSpPr>
-        <p:cNvPr id="1" name=""/>
-        <p:cNvGrpSpPr/>
-        <p:nvPr/>
-      </p:nvGrpSpPr>
-      <p:grpSpPr>
-        <a:xfrm>
-          <a:off x="0" y="0"/>
-          <a:ext cx="0" cy="0"/>
-          <a:chOff x="0" y="0"/>
-          <a:chExt cx="0" cy="0"/>
-        </a:xfrm>
-      </p:grpSpPr>
-      <p:sp>
-        <p:nvSpPr>
-          <p:cNvPr id="30" name="Footer Placeholder 29">
-            <a:extLst>
-              <a:ext uri="{FF2B5EF4-FFF2-40B4-BE49-F238E27FC236}">
-                <a16:creationId xmlns:a16="http://schemas.microsoft.com/office/drawing/2014/main" id="{62D608DF-2C21-42F8-B47A-E608979F4842}"/>
-              </a:ext>
-            </a:extLst>
-          </p:cNvPr>
-          <p:cNvSpPr>
-            <a:spLocks noGrp="1"/>
-          </p:cNvSpPr>
-          <p:nvPr>
-            <p:ph type="ftr" sz="quarter" idx="3"/>
-          </p:nvPr>
-        </p:nvSpPr>
-        <p:spPr/>
-        <p:txBody>
-          <a:bodyPr/>
-          <a:lstStyle/>
-          <a:p>
-            <a:r>
-              <a:rPr lang="en-AU" dirty="0"/>
-              <a:t>© 2023 CargoWise</a:t>
-            </a:r>
-          </a:p>
-        </p:txBody>
-      </p:sp>
-      <p:sp>
-        <p:nvSpPr>
-          <p:cNvPr id="4" name="Text Placeholder 3"/>
-          <p:cNvSpPr>
-            <a:spLocks noGrp="1"/>
-          </p:cNvSpPr>
-          <p:nvPr>
-            <p:ph type="body" sz="quarter" idx="10"/>
-          </p:nvPr>
-        </p:nvSpPr>
-        <p:spPr/>
-        <p:txBody>
-          <a:bodyPr/>
-          <a:lstStyle/>
-          <a:p>
-            <a:r>
-              <a:rPr lang="en-AU" dirty="0"/>
-              <a:t>Empowering and enabling the logistics industry globally.</a:t>
-            </a:r>
-          </a:p>
-        </p:txBody>
-      </p:sp>
-      <p:sp>
-        <p:nvSpPr>
-          <p:cNvPr id="5" name="Text Placeholder 1">
-            <a:extLst>
-              <a:ext uri="{FF2B5EF4-FFF2-40B4-BE49-F238E27FC236}">
-                <a16:creationId xmlns:a16="http://schemas.microsoft.com/office/drawing/2014/main" id="{D4B988F3-58D3-40E6-87BB-85DAF8116B68}"/>
-              </a:ext>
-            </a:extLst>
-          </p:cNvPr>
-          <p:cNvSpPr txBox="1">
-            <a:spLocks/>
-          </p:cNvSpPr>
-          <p:nvPr/>
-        </p:nvSpPr>
-        <p:spPr>
-          <a:xfrm>
-            <a:off x="1080000" y="6137920"/>
-            <a:ext cx="19032880" cy="2520280"/>
-          </a:xfrm>
-          <a:prstGeom prst="rect">
-            <a:avLst/>
-          </a:prstGeom>
-        </p:spPr>
-        <p:txBody>
-          <a:bodyPr vert="horz" lIns="0" tIns="0" rIns="0" bIns="0" rtlCol="0" anchor="b">
-            <a:normAutofit/>
-          </a:bodyPr>
-          <a:lstStyle>
-            <a:lvl1pPr marL="0" indent="0" algn="l" defTabSz="2438430" rtl="0" eaLnBrk="1" latinLnBrk="0" hangingPunct="1">
-              <a:spcBef>
-                <a:spcPts val="0"/>
-              </a:spcBef>
-              <a:spcAft>
-                <a:spcPts val="992"/>
-              </a:spcAft>
-              <a:buFont typeface="Arial" panose="020B0604020202020204" pitchFamily="34" charset="0"/>
-              <a:buNone/>
-              <a:defRPr sz="8000" b="0" kern="1200" spc="-50" baseline="0">
-                <a:solidFill>
-                  <a:schemeClr val="bg1"/>
-                </a:solidFill>
-                <a:latin typeface="+mn-lt"/>
-                <a:ea typeface="+mn-ea"/>
-                <a:cs typeface="+mn-cs"/>
-              </a:defRPr>
-            </a:lvl1pPr>
-            <a:lvl2pPr marL="0" indent="0" algn="l" defTabSz="2438430" rtl="0" eaLnBrk="1" latinLnBrk="0" hangingPunct="1">
-              <a:spcBef>
-                <a:spcPts val="600"/>
-              </a:spcBef>
-              <a:spcAft>
-                <a:spcPts val="600"/>
-              </a:spcAft>
-              <a:buFont typeface="Arial" panose="020B0604020202020204" pitchFamily="34" charset="0"/>
-              <a:buNone/>
-              <a:defRPr sz="3200" kern="1200" spc="-50" baseline="0">
-                <a:solidFill>
-                  <a:schemeClr val="bg1"/>
-                </a:solidFill>
-                <a:latin typeface="+mn-lt"/>
-                <a:ea typeface="+mn-ea"/>
-                <a:cs typeface="+mn-cs"/>
-              </a:defRPr>
-            </a:lvl2pPr>
-            <a:lvl3pPr marL="0" indent="0" algn="l" defTabSz="2438430" rtl="0" eaLnBrk="1" latinLnBrk="0" hangingPunct="1">
-              <a:spcBef>
-                <a:spcPts val="300"/>
-              </a:spcBef>
-              <a:spcAft>
-                <a:spcPts val="600"/>
-              </a:spcAft>
-              <a:buClr>
-                <a:schemeClr val="tx2"/>
-              </a:buClr>
-              <a:buFont typeface="Arial" panose="020B0604020202020204" pitchFamily="34" charset="0"/>
-              <a:buNone/>
-              <a:defRPr sz="2400" kern="1200" spc="-50" baseline="0">
-                <a:solidFill>
-                  <a:schemeClr val="bg1"/>
-                </a:solidFill>
-                <a:latin typeface="+mn-lt"/>
-                <a:ea typeface="+mn-ea"/>
-                <a:cs typeface="+mn-cs"/>
-              </a:defRPr>
-            </a:lvl3pPr>
-            <a:lvl4pPr marL="378000" indent="0" algn="l" defTabSz="2438430" rtl="0" eaLnBrk="1" latinLnBrk="0" hangingPunct="1">
-              <a:spcBef>
-                <a:spcPts val="300"/>
-              </a:spcBef>
-              <a:spcAft>
-                <a:spcPts val="600"/>
-              </a:spcAft>
-              <a:buClr>
-                <a:schemeClr val="tx2"/>
-              </a:buClr>
-              <a:buFont typeface="Arial" panose="020B0604020202020204" pitchFamily="34" charset="0"/>
-              <a:buNone/>
-              <a:defRPr sz="2400" kern="1200" spc="-50" baseline="0">
-                <a:solidFill>
-                  <a:schemeClr val="bg1"/>
-                </a:solidFill>
-                <a:latin typeface="+mn-lt"/>
-                <a:ea typeface="+mn-ea"/>
-                <a:cs typeface="+mn-cs"/>
-              </a:defRPr>
-            </a:lvl4pPr>
-            <a:lvl5pPr marL="1443586" indent="-482606" algn="l" defTabSz="2438430" rtl="0" eaLnBrk="1" latinLnBrk="0" hangingPunct="1">
-              <a:spcBef>
-                <a:spcPts val="300"/>
-              </a:spcBef>
-              <a:spcAft>
-                <a:spcPts val="600"/>
-              </a:spcAft>
-              <a:buClr>
-                <a:schemeClr val="tx2"/>
-              </a:buClr>
-              <a:buFont typeface="Arial" panose="020B0604020202020204" pitchFamily="34" charset="0"/>
-              <a:buChar char="‒"/>
-              <a:defRPr sz="2400" kern="1200" spc="-50" baseline="0">
-                <a:solidFill>
-                  <a:schemeClr val="tx2"/>
-                </a:solidFill>
-                <a:latin typeface="+mn-lt"/>
-                <a:ea typeface="+mn-ea"/>
-                <a:cs typeface="+mn-cs"/>
-              </a:defRPr>
-            </a:lvl5pPr>
-            <a:lvl6pPr marL="6705684" indent="-609608" algn="l" defTabSz="2438430" rtl="0" eaLnBrk="1" latinLnBrk="0" hangingPunct="1">
-              <a:spcBef>
-                <a:spcPct val="20000"/>
-              </a:spcBef>
-              <a:buFont typeface="Arial" panose="020B0604020202020204" pitchFamily="34" charset="0"/>
-              <a:buChar char="•"/>
-              <a:defRPr sz="5333" kern="1200">
-                <a:solidFill>
-                  <a:schemeClr val="tx1"/>
-                </a:solidFill>
-                <a:latin typeface="+mn-lt"/>
-                <a:ea typeface="+mn-ea"/>
-                <a:cs typeface="+mn-cs"/>
-              </a:defRPr>
-            </a:lvl6pPr>
-            <a:lvl7pPr marL="7924899" indent="-609608" algn="l" defTabSz="2438430" rtl="0" eaLnBrk="1" latinLnBrk="0" hangingPunct="1">
-              <a:spcBef>
-                <a:spcPct val="20000"/>
-              </a:spcBef>
-              <a:buFont typeface="Arial" panose="020B0604020202020204" pitchFamily="34" charset="0"/>
-              <a:buChar char="•"/>
-              <a:defRPr sz="5333" kern="1200">
-                <a:solidFill>
-                  <a:schemeClr val="tx1"/>
-                </a:solidFill>
-                <a:latin typeface="+mn-lt"/>
-                <a:ea typeface="+mn-ea"/>
-                <a:cs typeface="+mn-cs"/>
-              </a:defRPr>
-            </a:lvl7pPr>
-            <a:lvl8pPr marL="9144114" indent="-609608" algn="l" defTabSz="2438430" rtl="0" eaLnBrk="1" latinLnBrk="0" hangingPunct="1">
-              <a:spcBef>
-                <a:spcPct val="20000"/>
-              </a:spcBef>
-              <a:buFont typeface="Arial" panose="020B0604020202020204" pitchFamily="34" charset="0"/>
-              <a:buChar char="•"/>
-              <a:defRPr sz="5333" kern="1200">
-                <a:solidFill>
-                  <a:schemeClr val="tx1"/>
-                </a:solidFill>
-                <a:latin typeface="+mn-lt"/>
-                <a:ea typeface="+mn-ea"/>
-                <a:cs typeface="+mn-cs"/>
-              </a:defRPr>
-            </a:lvl8pPr>
-            <a:lvl9pPr marL="10363330" indent="-609608" algn="l" defTabSz="2438430" rtl="0" eaLnBrk="1" latinLnBrk="0" hangingPunct="1">
-              <a:spcBef>
-                <a:spcPct val="20000"/>
-              </a:spcBef>
-              <a:buFont typeface="Arial" panose="020B0604020202020204" pitchFamily="34" charset="0"/>
-              <a:buChar char="•"/>
-              <a:defRPr sz="5333" kern="1200">
-                <a:solidFill>
-                  <a:schemeClr val="tx1"/>
-                </a:solidFill>
-                <a:latin typeface="+mn-lt"/>
-                <a:ea typeface="+mn-ea"/>
-                <a:cs typeface="+mn-cs"/>
-              </a:defRPr>
-            </a:lvl9pPr>
-          </a:lstStyle>
-          <a:p>
-            <a:r>
-              <a:rPr lang="en-AU" dirty="0"/>
-              <a:t>Thank You!</a:t>
-            </a:r>
-          </a:p>
-        </p:txBody>
-      </p:sp>
-    </p:spTree>
-    <p:extLst>
-      <p:ext uri="{BB962C8B-B14F-4D97-AF65-F5344CB8AC3E}">
-        <p14:creationId xmlns:p14="http://schemas.microsoft.com/office/powerpoint/2010/main" val="1537924355"/>
       </p:ext>
     </p:extLst>
   </p:cSld>
@@ -25007,6 +25930,282 @@
     <p:extLst>
       <p:ext uri="{BB962C8B-B14F-4D97-AF65-F5344CB8AC3E}">
         <p14:creationId xmlns:p14="http://schemas.microsoft.com/office/powerpoint/2010/main" val="3391782854"/>
+      </p:ext>
+    </p:extLst>
+  </p:cSld>
+  <p:clrMapOvr>
+    <a:masterClrMapping/>
+  </p:clrMapOvr>
+</p:sld>
+</file>
+
+<file path=ppt/slides/slide20.xml><?xml version="1.0" encoding="utf-8"?>
+<p:sld xmlns:a="http://schemas.openxmlformats.org/drawingml/2006/main" xmlns:r="http://schemas.openxmlformats.org/officeDocument/2006/relationships" xmlns:p="http://schemas.openxmlformats.org/presentationml/2006/main">
+  <p:cSld>
+    <p:spTree>
+      <p:nvGrpSpPr>
+        <p:cNvPr id="1" name=""/>
+        <p:cNvGrpSpPr/>
+        <p:nvPr/>
+      </p:nvGrpSpPr>
+      <p:grpSpPr>
+        <a:xfrm>
+          <a:off x="0" y="0"/>
+          <a:ext cx="0" cy="0"/>
+          <a:chOff x="0" y="0"/>
+          <a:chExt cx="0" cy="0"/>
+        </a:xfrm>
+      </p:grpSpPr>
+      <p:sp>
+        <p:nvSpPr>
+          <p:cNvPr id="30" name="Footer Placeholder 29">
+            <a:extLst>
+              <a:ext uri="{FF2B5EF4-FFF2-40B4-BE49-F238E27FC236}">
+                <a16:creationId xmlns:a16="http://schemas.microsoft.com/office/drawing/2014/main" id="{62D608DF-2C21-42F8-B47A-E608979F4842}"/>
+              </a:ext>
+            </a:extLst>
+          </p:cNvPr>
+          <p:cNvSpPr>
+            <a:spLocks noGrp="1"/>
+          </p:cNvSpPr>
+          <p:nvPr>
+            <p:ph type="ftr" sz="quarter" idx="3"/>
+          </p:nvPr>
+        </p:nvSpPr>
+        <p:spPr/>
+        <p:txBody>
+          <a:bodyPr/>
+          <a:lstStyle/>
+          <a:p>
+            <a:r>
+              <a:rPr lang="en-AU" dirty="0"/>
+              <a:t>© 2023 CargoWise</a:t>
+            </a:r>
+          </a:p>
+        </p:txBody>
+      </p:sp>
+      <p:sp>
+        <p:nvSpPr>
+          <p:cNvPr id="4" name="Text Placeholder 3"/>
+          <p:cNvSpPr>
+            <a:spLocks noGrp="1"/>
+          </p:cNvSpPr>
+          <p:nvPr>
+            <p:ph type="body" sz="quarter" idx="10"/>
+          </p:nvPr>
+        </p:nvSpPr>
+        <p:spPr/>
+        <p:txBody>
+          <a:bodyPr/>
+          <a:lstStyle/>
+          <a:p>
+            <a:r>
+              <a:rPr lang="en-AU" dirty="0"/>
+              <a:t>Empowering and enabling the logistics industry globally.</a:t>
+            </a:r>
+          </a:p>
+        </p:txBody>
+      </p:sp>
+      <p:sp>
+        <p:nvSpPr>
+          <p:cNvPr id="5" name="Text Placeholder 1">
+            <a:extLst>
+              <a:ext uri="{FF2B5EF4-FFF2-40B4-BE49-F238E27FC236}">
+                <a16:creationId xmlns:a16="http://schemas.microsoft.com/office/drawing/2014/main" id="{D4B988F3-58D3-40E6-87BB-85DAF8116B68}"/>
+              </a:ext>
+            </a:extLst>
+          </p:cNvPr>
+          <p:cNvSpPr txBox="1">
+            <a:spLocks/>
+          </p:cNvSpPr>
+          <p:nvPr/>
+        </p:nvSpPr>
+        <p:spPr>
+          <a:xfrm>
+            <a:off x="1080000" y="6137920"/>
+            <a:ext cx="19032880" cy="2520280"/>
+          </a:xfrm>
+          <a:prstGeom prst="rect">
+            <a:avLst/>
+          </a:prstGeom>
+        </p:spPr>
+        <p:txBody>
+          <a:bodyPr vert="horz" lIns="0" tIns="0" rIns="0" bIns="0" rtlCol="0" anchor="b">
+            <a:normAutofit/>
+          </a:bodyPr>
+          <a:lstStyle>
+            <a:lvl1pPr marL="0" indent="0" algn="l" defTabSz="2438430" rtl="0" eaLnBrk="1" latinLnBrk="0" hangingPunct="1">
+              <a:spcBef>
+                <a:spcPts val="0"/>
+              </a:spcBef>
+              <a:spcAft>
+                <a:spcPts val="992"/>
+              </a:spcAft>
+              <a:buFont typeface="Arial" panose="020B0604020202020204" pitchFamily="34" charset="0"/>
+              <a:buNone/>
+              <a:defRPr sz="8000" b="0" kern="1200" spc="-50" baseline="0">
+                <a:solidFill>
+                  <a:schemeClr val="bg1"/>
+                </a:solidFill>
+                <a:latin typeface="+mn-lt"/>
+                <a:ea typeface="+mn-ea"/>
+                <a:cs typeface="+mn-cs"/>
+              </a:defRPr>
+            </a:lvl1pPr>
+            <a:lvl2pPr marL="0" indent="0" algn="l" defTabSz="2438430" rtl="0" eaLnBrk="1" latinLnBrk="0" hangingPunct="1">
+              <a:spcBef>
+                <a:spcPts val="600"/>
+              </a:spcBef>
+              <a:spcAft>
+                <a:spcPts val="600"/>
+              </a:spcAft>
+              <a:buFont typeface="Arial" panose="020B0604020202020204" pitchFamily="34" charset="0"/>
+              <a:buNone/>
+              <a:defRPr sz="3200" kern="1200" spc="-50" baseline="0">
+                <a:solidFill>
+                  <a:schemeClr val="bg1"/>
+                </a:solidFill>
+                <a:latin typeface="+mn-lt"/>
+                <a:ea typeface="+mn-ea"/>
+                <a:cs typeface="+mn-cs"/>
+              </a:defRPr>
+            </a:lvl2pPr>
+            <a:lvl3pPr marL="0" indent="0" algn="l" defTabSz="2438430" rtl="0" eaLnBrk="1" latinLnBrk="0" hangingPunct="1">
+              <a:spcBef>
+                <a:spcPts val="300"/>
+              </a:spcBef>
+              <a:spcAft>
+                <a:spcPts val="600"/>
+              </a:spcAft>
+              <a:buClr>
+                <a:schemeClr val="tx2"/>
+              </a:buClr>
+              <a:buFont typeface="Arial" panose="020B0604020202020204" pitchFamily="34" charset="0"/>
+              <a:buNone/>
+              <a:defRPr sz="2400" kern="1200" spc="-50" baseline="0">
+                <a:solidFill>
+                  <a:schemeClr val="bg1"/>
+                </a:solidFill>
+                <a:latin typeface="+mn-lt"/>
+                <a:ea typeface="+mn-ea"/>
+                <a:cs typeface="+mn-cs"/>
+              </a:defRPr>
+            </a:lvl3pPr>
+            <a:lvl4pPr marL="378000" indent="0" algn="l" defTabSz="2438430" rtl="0" eaLnBrk="1" latinLnBrk="0" hangingPunct="1">
+              <a:spcBef>
+                <a:spcPts val="300"/>
+              </a:spcBef>
+              <a:spcAft>
+                <a:spcPts val="600"/>
+              </a:spcAft>
+              <a:buClr>
+                <a:schemeClr val="tx2"/>
+              </a:buClr>
+              <a:buFont typeface="Arial" panose="020B0604020202020204" pitchFamily="34" charset="0"/>
+              <a:buNone/>
+              <a:defRPr sz="2400" kern="1200" spc="-50" baseline="0">
+                <a:solidFill>
+                  <a:schemeClr val="bg1"/>
+                </a:solidFill>
+                <a:latin typeface="+mn-lt"/>
+                <a:ea typeface="+mn-ea"/>
+                <a:cs typeface="+mn-cs"/>
+              </a:defRPr>
+            </a:lvl4pPr>
+            <a:lvl5pPr marL="1443586" indent="-482606" algn="l" defTabSz="2438430" rtl="0" eaLnBrk="1" latinLnBrk="0" hangingPunct="1">
+              <a:spcBef>
+                <a:spcPts val="300"/>
+              </a:spcBef>
+              <a:spcAft>
+                <a:spcPts val="600"/>
+              </a:spcAft>
+              <a:buClr>
+                <a:schemeClr val="tx2"/>
+              </a:buClr>
+              <a:buFont typeface="Arial" panose="020B0604020202020204" pitchFamily="34" charset="0"/>
+              <a:buChar char="‒"/>
+              <a:defRPr sz="2400" kern="1200" spc="-50" baseline="0">
+                <a:solidFill>
+                  <a:schemeClr val="tx2"/>
+                </a:solidFill>
+                <a:latin typeface="+mn-lt"/>
+                <a:ea typeface="+mn-ea"/>
+                <a:cs typeface="+mn-cs"/>
+              </a:defRPr>
+            </a:lvl5pPr>
+            <a:lvl6pPr marL="6705684" indent="-609608" algn="l" defTabSz="2438430" rtl="0" eaLnBrk="1" latinLnBrk="0" hangingPunct="1">
+              <a:spcBef>
+                <a:spcPct val="20000"/>
+              </a:spcBef>
+              <a:buFont typeface="Arial" panose="020B0604020202020204" pitchFamily="34" charset="0"/>
+              <a:buChar char="•"/>
+              <a:defRPr sz="5333" kern="1200">
+                <a:solidFill>
+                  <a:schemeClr val="tx1"/>
+                </a:solidFill>
+                <a:latin typeface="+mn-lt"/>
+                <a:ea typeface="+mn-ea"/>
+                <a:cs typeface="+mn-cs"/>
+              </a:defRPr>
+            </a:lvl6pPr>
+            <a:lvl7pPr marL="7924899" indent="-609608" algn="l" defTabSz="2438430" rtl="0" eaLnBrk="1" latinLnBrk="0" hangingPunct="1">
+              <a:spcBef>
+                <a:spcPct val="20000"/>
+              </a:spcBef>
+              <a:buFont typeface="Arial" panose="020B0604020202020204" pitchFamily="34" charset="0"/>
+              <a:buChar char="•"/>
+              <a:defRPr sz="5333" kern="1200">
+                <a:solidFill>
+                  <a:schemeClr val="tx1"/>
+                </a:solidFill>
+                <a:latin typeface="+mn-lt"/>
+                <a:ea typeface="+mn-ea"/>
+                <a:cs typeface="+mn-cs"/>
+              </a:defRPr>
+            </a:lvl7pPr>
+            <a:lvl8pPr marL="9144114" indent="-609608" algn="l" defTabSz="2438430" rtl="0" eaLnBrk="1" latinLnBrk="0" hangingPunct="1">
+              <a:spcBef>
+                <a:spcPct val="20000"/>
+              </a:spcBef>
+              <a:buFont typeface="Arial" panose="020B0604020202020204" pitchFamily="34" charset="0"/>
+              <a:buChar char="•"/>
+              <a:defRPr sz="5333" kern="1200">
+                <a:solidFill>
+                  <a:schemeClr val="tx1"/>
+                </a:solidFill>
+                <a:latin typeface="+mn-lt"/>
+                <a:ea typeface="+mn-ea"/>
+                <a:cs typeface="+mn-cs"/>
+              </a:defRPr>
+            </a:lvl8pPr>
+            <a:lvl9pPr marL="10363330" indent="-609608" algn="l" defTabSz="2438430" rtl="0" eaLnBrk="1" latinLnBrk="0" hangingPunct="1">
+              <a:spcBef>
+                <a:spcPct val="20000"/>
+              </a:spcBef>
+              <a:buFont typeface="Arial" panose="020B0604020202020204" pitchFamily="34" charset="0"/>
+              <a:buChar char="•"/>
+              <a:defRPr sz="5333" kern="1200">
+                <a:solidFill>
+                  <a:schemeClr val="tx1"/>
+                </a:solidFill>
+                <a:latin typeface="+mn-lt"/>
+                <a:ea typeface="+mn-ea"/>
+                <a:cs typeface="+mn-cs"/>
+              </a:defRPr>
+            </a:lvl9pPr>
+          </a:lstStyle>
+          <a:p>
+            <a:r>
+              <a:rPr lang="en-AU" dirty="0"/>
+              <a:t>Thank You!</a:t>
+            </a:r>
+          </a:p>
+        </p:txBody>
+      </p:sp>
+    </p:spTree>
+    <p:extLst>
+      <p:ext uri="{BB962C8B-B14F-4D97-AF65-F5344CB8AC3E}">
+        <p14:creationId xmlns:p14="http://schemas.microsoft.com/office/powerpoint/2010/main" val="1537924355"/>
       </p:ext>
     </p:extLst>
   </p:cSld>
@@ -27853,15 +29052,6 @@
 </file>
 
 <file path=customXml/item2.xml><?xml version="1.0" encoding="utf-8"?>
-<?mso-contentType ?>
-<FormTemplates xmlns="http://schemas.microsoft.com/sharepoint/v3/contenttype/forms">
-  <Display>DocumentLibraryForm</Display>
-  <Edit>DocumentLibraryForm</Edit>
-  <New>DocumentLibraryForm</New>
-</FormTemplates>
-</file>
-
-<file path=customXml/item3.xml><?xml version="1.0" encoding="utf-8"?>
 <ct:contentTypeSchema xmlns:ct="http://schemas.microsoft.com/office/2006/metadata/contentType" xmlns:ma="http://schemas.microsoft.com/office/2006/metadata/properties/metaAttributes" ct:_="" ma:_="" ma:contentTypeName="Document" ma:contentTypeID="0x010100EEBA5D7D688A8D40BC8134A23630083E" ma:contentTypeVersion="17" ma:contentTypeDescription="Create a new document." ma:contentTypeScope="" ma:versionID="6c9f025c4a6d5a921d1240212dd2136e">
   <xsd:schema xmlns:xsd="http://www.w3.org/2001/XMLSchema" xmlns:xs="http://www.w3.org/2001/XMLSchema" xmlns:p="http://schemas.microsoft.com/office/2006/metadata/properties" xmlns:ns2="5b887053-13c9-4ef0-8e1a-18d371f97b0f" xmlns:ns3="0cb0f8a9-a4a1-4c3c-bc15-be6ee1e258a4" targetNamespace="http://schemas.microsoft.com/office/2006/metadata/properties" ma:root="true" ma:fieldsID="76276428416178d444d5a49df65bd1b6" ns2:_="" ns3:_="">
     <xsd:import namespace="5b887053-13c9-4ef0-8e1a-18d371f97b0f"/>
@@ -28094,6 +29284,15 @@
 </ct:contentTypeSchema>
 </file>
 
+<file path=customXml/item3.xml><?xml version="1.0" encoding="utf-8"?>
+<?mso-contentType ?>
+<FormTemplates xmlns="http://schemas.microsoft.com/sharepoint/v3/contenttype/forms">
+  <Display>DocumentLibraryForm</Display>
+  <Edit>DocumentLibraryForm</Edit>
+  <New>DocumentLibraryForm</New>
+</FormTemplates>
+</file>
+
 <file path=customXml/itemProps1.xml><?xml version="1.0" encoding="utf-8"?>
 <ds:datastoreItem xmlns:ds="http://schemas.openxmlformats.org/officeDocument/2006/customXml" ds:itemID="{FDC47B46-8518-488D-ACE5-55099526A1A9}">
   <ds:schemaRefs>
@@ -28112,14 +29311,6 @@
 </file>
 
 <file path=customXml/itemProps2.xml><?xml version="1.0" encoding="utf-8"?>
-<ds:datastoreItem xmlns:ds="http://schemas.openxmlformats.org/officeDocument/2006/customXml" ds:itemID="{D703E6E5-489B-4004-B595-51B1421CF944}">
-  <ds:schemaRefs>
-    <ds:schemaRef ds:uri="http://schemas.microsoft.com/sharepoint/v3/contenttype/forms"/>
-  </ds:schemaRefs>
-</ds:datastoreItem>
-</file>
-
-<file path=customXml/itemProps3.xml><?xml version="1.0" encoding="utf-8"?>
 <ds:datastoreItem xmlns:ds="http://schemas.openxmlformats.org/officeDocument/2006/customXml" ds:itemID="{3ACBF87C-9E24-4F0A-85E5-D0AA1A6E191C}">
   <ds:schemaRefs>
     <ds:schemaRef ds:uri="http://schemas.microsoft.com/office/2006/metadata/contentType"/>
@@ -28136,4 +29327,12 @@
     <ds:schemaRef ds:uri="http://schemas.microsoft.com/internal/obd"/>
   </ds:schemaRefs>
 </ds:datastoreItem>
+</file>
+
+<file path=customXml/itemProps3.xml><?xml version="1.0" encoding="utf-8"?>
+<ds:datastoreItem xmlns:ds="http://schemas.openxmlformats.org/officeDocument/2006/customXml" ds:itemID="{D703E6E5-489B-4004-B595-51B1421CF944}">
+  <ds:schemaRefs>
+    <ds:schemaRef ds:uri="http://schemas.microsoft.com/sharepoint/v3/contenttype/forms"/>
+  </ds:schemaRefs>
+</ds:datastoreItem>
 </file>
--- a/DesignPatterns/Behavioral Design Patterns/Behavioral Design Patterns - WTG.pptx
+++ b/DesignPatterns/Behavioral Design Patterns/Behavioral Design Patterns - WTG.pptx
@@ -5,10 +5,10 @@
     <p:sldMasterId id="2147483648" r:id="rId4"/>
   </p:sldMasterIdLst>
   <p:notesMasterIdLst>
-    <p:notesMasterId r:id="rId25"/>
+    <p:notesMasterId r:id="rId28"/>
   </p:notesMasterIdLst>
   <p:handoutMasterIdLst>
-    <p:handoutMasterId r:id="rId26"/>
+    <p:handoutMasterId r:id="rId29"/>
   </p:handoutMasterIdLst>
   <p:sldIdLst>
     <p:sldId id="264" r:id="rId5"/>
@@ -28,9 +28,12 @@
     <p:sldId id="328" r:id="rId19"/>
     <p:sldId id="321" r:id="rId20"/>
     <p:sldId id="322" r:id="rId21"/>
-    <p:sldId id="290" r:id="rId22"/>
-    <p:sldId id="303" r:id="rId23"/>
-    <p:sldId id="304" r:id="rId24"/>
+    <p:sldId id="330" r:id="rId22"/>
+    <p:sldId id="331" r:id="rId23"/>
+    <p:sldId id="333" r:id="rId24"/>
+    <p:sldId id="290" r:id="rId25"/>
+    <p:sldId id="303" r:id="rId26"/>
+    <p:sldId id="304" r:id="rId27"/>
   </p:sldIdLst>
   <p:sldSz cx="24384000" cy="13716000"/>
   <p:notesSz cx="6858000" cy="9144000"/>
@@ -154,7 +157,7 @@
 <file path=ppt/revisionInfo.xml><?xml version="1.0" encoding="utf-8"?>
 <p1510:revInfo xmlns:a="http://schemas.openxmlformats.org/drawingml/2006/main" xmlns:r="http://schemas.openxmlformats.org/officeDocument/2006/relationships" xmlns:p1510="http://schemas.microsoft.com/office/powerpoint/2015/10/main">
   <p1510:revLst>
-    <p1510:client id="{7058694A-483B-403F-89BA-FD8C3FB39D35}" v="550" dt="2023-09-26T17:27:23.917"/>
+    <p1510:client id="{7058694A-483B-403F-89BA-FD8C3FB39D35}" v="556" dt="2023-09-26T17:57:28.190"/>
   </p1510:revLst>
 </p1510:revInfo>
 </file>
@@ -943,7 +946,7 @@
   <pc:docChgLst>
     <pc:chgData name="Nancy Li" userId="afc5209a-cf39-48d8-a57f-08cc8b772ec9" providerId="ADAL" clId="{7058694A-483B-403F-89BA-FD8C3FB39D35}"/>
     <pc:docChg chg="undo custSel addSld delSld modSld sldOrd">
-      <pc:chgData name="Nancy Li" userId="afc5209a-cf39-48d8-a57f-08cc8b772ec9" providerId="ADAL" clId="{7058694A-483B-403F-89BA-FD8C3FB39D35}" dt="2023-09-26T17:34:08.451" v="1921" actId="14100"/>
+      <pc:chgData name="Nancy Li" userId="afc5209a-cf39-48d8-a57f-08cc8b772ec9" providerId="ADAL" clId="{7058694A-483B-403F-89BA-FD8C3FB39D35}" dt="2023-09-26T18:00:14.651" v="2022" actId="1076"/>
       <pc:docMkLst>
         <pc:docMk/>
       </pc:docMkLst>
@@ -976,13 +979,13 @@
         </pc:sldMkLst>
       </pc:sldChg>
       <pc:sldChg chg="addSp delSp modSp mod ord">
-        <pc:chgData name="Nancy Li" userId="afc5209a-cf39-48d8-a57f-08cc8b772ec9" providerId="ADAL" clId="{7058694A-483B-403F-89BA-FD8C3FB39D35}" dt="2023-09-26T15:25:18.136" v="1635" actId="1076"/>
+        <pc:chgData name="Nancy Li" userId="afc5209a-cf39-48d8-a57f-08cc8b772ec9" providerId="ADAL" clId="{7058694A-483B-403F-89BA-FD8C3FB39D35}" dt="2023-09-26T18:00:14.651" v="2022" actId="1076"/>
         <pc:sldMkLst>
           <pc:docMk/>
           <pc:sldMk cId="291393146" sldId="290"/>
         </pc:sldMkLst>
         <pc:graphicFrameChg chg="mod">
-          <ac:chgData name="Nancy Li" userId="afc5209a-cf39-48d8-a57f-08cc8b772ec9" providerId="ADAL" clId="{7058694A-483B-403F-89BA-FD8C3FB39D35}" dt="2023-09-26T15:25:12.113" v="1634" actId="1076"/>
+          <ac:chgData name="Nancy Li" userId="afc5209a-cf39-48d8-a57f-08cc8b772ec9" providerId="ADAL" clId="{7058694A-483B-403F-89BA-FD8C3FB39D35}" dt="2023-09-26T18:00:14.651" v="2022" actId="1076"/>
           <ac:graphicFrameMkLst>
             <pc:docMk/>
             <pc:sldMk cId="291393146" sldId="290"/>
@@ -990,7 +993,7 @@
           </ac:graphicFrameMkLst>
         </pc:graphicFrameChg>
         <pc:picChg chg="add del mod">
-          <ac:chgData name="Nancy Li" userId="afc5209a-cf39-48d8-a57f-08cc8b772ec9" providerId="ADAL" clId="{7058694A-483B-403F-89BA-FD8C3FB39D35}" dt="2023-09-26T15:25:18.136" v="1635" actId="1076"/>
+          <ac:chgData name="Nancy Li" userId="afc5209a-cf39-48d8-a57f-08cc8b772ec9" providerId="ADAL" clId="{7058694A-483B-403F-89BA-FD8C3FB39D35}" dt="2023-09-26T18:00:10.474" v="2021" actId="478"/>
           <ac:picMkLst>
             <pc:docMk/>
             <pc:sldMk cId="291393146" sldId="290"/>
@@ -1840,6 +1843,178 @@
             <pc:docMk/>
             <pc:sldMk cId="1655742470" sldId="329"/>
             <ac:picMk id="10" creationId="{E438DA20-2D6E-D792-234D-9A8631A828BF}"/>
+          </ac:picMkLst>
+        </pc:picChg>
+      </pc:sldChg>
+      <pc:sldChg chg="addSp delSp modSp add mod modNotesTx">
+        <pc:chgData name="Nancy Li" userId="afc5209a-cf39-48d8-a57f-08cc8b772ec9" providerId="ADAL" clId="{7058694A-483B-403F-89BA-FD8C3FB39D35}" dt="2023-09-26T17:53:56.309" v="1981" actId="6549"/>
+        <pc:sldMkLst>
+          <pc:docMk/>
+          <pc:sldMk cId="3416471125" sldId="330"/>
+        </pc:sldMkLst>
+        <pc:spChg chg="add mod">
+          <ac:chgData name="Nancy Li" userId="afc5209a-cf39-48d8-a57f-08cc8b772ec9" providerId="ADAL" clId="{7058694A-483B-403F-89BA-FD8C3FB39D35}" dt="2023-09-26T17:45:03.699" v="1931" actId="20577"/>
+          <ac:spMkLst>
+            <pc:docMk/>
+            <pc:sldMk cId="3416471125" sldId="330"/>
+            <ac:spMk id="4" creationId="{0D0DC34D-D9C7-7D2D-DB7F-6B71969E0FB8}"/>
+          </ac:spMkLst>
+        </pc:spChg>
+        <pc:picChg chg="add del mod">
+          <ac:chgData name="Nancy Li" userId="afc5209a-cf39-48d8-a57f-08cc8b772ec9" providerId="ADAL" clId="{7058694A-483B-403F-89BA-FD8C3FB39D35}" dt="2023-09-26T17:48:47.359" v="1936" actId="478"/>
+          <ac:picMkLst>
+            <pc:docMk/>
+            <pc:sldMk cId="3416471125" sldId="330"/>
+            <ac:picMk id="6" creationId="{AC37E2D9-624A-6DBF-69D2-D2FAB04BAA5A}"/>
+          </ac:picMkLst>
+        </pc:picChg>
+        <pc:picChg chg="add mod ord modCrop">
+          <ac:chgData name="Nancy Li" userId="afc5209a-cf39-48d8-a57f-08cc8b772ec9" providerId="ADAL" clId="{7058694A-483B-403F-89BA-FD8C3FB39D35}" dt="2023-09-26T17:50:39.689" v="1965" actId="14100"/>
+          <ac:picMkLst>
+            <pc:docMk/>
+            <pc:sldMk cId="3416471125" sldId="330"/>
+            <ac:picMk id="8" creationId="{A4A6708E-8FD4-86FD-E368-05CAA3DBD47A}"/>
+          </ac:picMkLst>
+        </pc:picChg>
+        <pc:picChg chg="del">
+          <ac:chgData name="Nancy Li" userId="afc5209a-cf39-48d8-a57f-08cc8b772ec9" providerId="ADAL" clId="{7058694A-483B-403F-89BA-FD8C3FB39D35}" dt="2023-09-26T17:44:34.998" v="1924" actId="478"/>
+          <ac:picMkLst>
+            <pc:docMk/>
+            <pc:sldMk cId="3416471125" sldId="330"/>
+            <ac:picMk id="9" creationId="{6E959EB8-0E12-7DC5-3B57-7B25F1ED3847}"/>
+          </ac:picMkLst>
+        </pc:picChg>
+        <pc:picChg chg="del">
+          <ac:chgData name="Nancy Li" userId="afc5209a-cf39-48d8-a57f-08cc8b772ec9" providerId="ADAL" clId="{7058694A-483B-403F-89BA-FD8C3FB39D35}" dt="2023-09-26T17:44:32.635" v="1923" actId="478"/>
+          <ac:picMkLst>
+            <pc:docMk/>
+            <pc:sldMk cId="3416471125" sldId="330"/>
+            <ac:picMk id="10" creationId="{116C7115-D6DD-102C-9CEC-B38DF9957AFB}"/>
+          </ac:picMkLst>
+        </pc:picChg>
+        <pc:picChg chg="add mod">
+          <ac:chgData name="Nancy Li" userId="afc5209a-cf39-48d8-a57f-08cc8b772ec9" providerId="ADAL" clId="{7058694A-483B-403F-89BA-FD8C3FB39D35}" dt="2023-09-26T17:50:36.868" v="1964" actId="1076"/>
+          <ac:picMkLst>
+            <pc:docMk/>
+            <pc:sldMk cId="3416471125" sldId="330"/>
+            <ac:picMk id="12" creationId="{7E0630C0-4B51-DF8D-DB78-01BC3416BE90}"/>
+          </ac:picMkLst>
+        </pc:picChg>
+        <pc:picChg chg="add mod">
+          <ac:chgData name="Nancy Li" userId="afc5209a-cf39-48d8-a57f-08cc8b772ec9" providerId="ADAL" clId="{7058694A-483B-403F-89BA-FD8C3FB39D35}" dt="2023-09-26T17:50:32.131" v="1963" actId="1076"/>
+          <ac:picMkLst>
+            <pc:docMk/>
+            <pc:sldMk cId="3416471125" sldId="330"/>
+            <ac:picMk id="15" creationId="{ABD1A518-3319-B2CF-AED9-862FD5241917}"/>
+          </ac:picMkLst>
+        </pc:picChg>
+      </pc:sldChg>
+      <pc:sldChg chg="addSp delSp modSp add del mod modNotesTx">
+        <pc:chgData name="Nancy Li" userId="afc5209a-cf39-48d8-a57f-08cc8b772ec9" providerId="ADAL" clId="{7058694A-483B-403F-89BA-FD8C3FB39D35}" dt="2023-09-26T17:57:19.542" v="1995" actId="2696"/>
+        <pc:sldMkLst>
+          <pc:docMk/>
+          <pc:sldMk cId="3591911588" sldId="331"/>
+        </pc:sldMkLst>
+        <pc:spChg chg="mod">
+          <ac:chgData name="Nancy Li" userId="afc5209a-cf39-48d8-a57f-08cc8b772ec9" providerId="ADAL" clId="{7058694A-483B-403F-89BA-FD8C3FB39D35}" dt="2023-09-26T17:55:30.623" v="1989" actId="20577"/>
+          <ac:spMkLst>
+            <pc:docMk/>
+            <pc:sldMk cId="3591911588" sldId="331"/>
+            <ac:spMk id="4" creationId="{0D0DC34D-D9C7-7D2D-DB7F-6B71969E0FB8}"/>
+          </ac:spMkLst>
+        </pc:spChg>
+        <pc:picChg chg="add mod">
+          <ac:chgData name="Nancy Li" userId="afc5209a-cf39-48d8-a57f-08cc8b772ec9" providerId="ADAL" clId="{7058694A-483B-403F-89BA-FD8C3FB39D35}" dt="2023-09-26T17:55:39.666" v="1993" actId="1076"/>
+          <ac:picMkLst>
+            <pc:docMk/>
+            <pc:sldMk cId="3591911588" sldId="331"/>
+            <ac:picMk id="6" creationId="{3F500ACF-F999-CAE7-9586-8D504E1ACA33}"/>
+          </ac:picMkLst>
+        </pc:picChg>
+        <pc:picChg chg="del">
+          <ac:chgData name="Nancy Li" userId="afc5209a-cf39-48d8-a57f-08cc8b772ec9" providerId="ADAL" clId="{7058694A-483B-403F-89BA-FD8C3FB39D35}" dt="2023-09-26T17:54:08.249" v="1986" actId="478"/>
+          <ac:picMkLst>
+            <pc:docMk/>
+            <pc:sldMk cId="3591911588" sldId="331"/>
+            <ac:picMk id="8" creationId="{A4A6708E-8FD4-86FD-E368-05CAA3DBD47A}"/>
+          </ac:picMkLst>
+        </pc:picChg>
+        <pc:picChg chg="del">
+          <ac:chgData name="Nancy Li" userId="afc5209a-cf39-48d8-a57f-08cc8b772ec9" providerId="ADAL" clId="{7058694A-483B-403F-89BA-FD8C3FB39D35}" dt="2023-09-26T17:54:06.981" v="1985" actId="478"/>
+          <ac:picMkLst>
+            <pc:docMk/>
+            <pc:sldMk cId="3591911588" sldId="331"/>
+            <ac:picMk id="12" creationId="{7E0630C0-4B51-DF8D-DB78-01BC3416BE90}"/>
+          </ac:picMkLst>
+        </pc:picChg>
+        <pc:picChg chg="del">
+          <ac:chgData name="Nancy Li" userId="afc5209a-cf39-48d8-a57f-08cc8b772ec9" providerId="ADAL" clId="{7058694A-483B-403F-89BA-FD8C3FB39D35}" dt="2023-09-26T17:54:06.460" v="1984" actId="478"/>
+          <ac:picMkLst>
+            <pc:docMk/>
+            <pc:sldMk cId="3591911588" sldId="331"/>
+            <ac:picMk id="15" creationId="{ABD1A518-3319-B2CF-AED9-862FD5241917}"/>
+          </ac:picMkLst>
+        </pc:picChg>
+      </pc:sldChg>
+      <pc:sldChg chg="delSp add del mod">
+        <pc:chgData name="Nancy Li" userId="afc5209a-cf39-48d8-a57f-08cc8b772ec9" providerId="ADAL" clId="{7058694A-483B-403F-89BA-FD8C3FB39D35}" dt="2023-09-26T17:57:30.887" v="1999" actId="47"/>
+        <pc:sldMkLst>
+          <pc:docMk/>
+          <pc:sldMk cId="3530589402" sldId="332"/>
+        </pc:sldMkLst>
+        <pc:picChg chg="del">
+          <ac:chgData name="Nancy Li" userId="afc5209a-cf39-48d8-a57f-08cc8b772ec9" providerId="ADAL" clId="{7058694A-483B-403F-89BA-FD8C3FB39D35}" dt="2023-09-26T17:57:26.885" v="1997" actId="478"/>
+          <ac:picMkLst>
+            <pc:docMk/>
+            <pc:sldMk cId="3530589402" sldId="332"/>
+            <ac:picMk id="6" creationId="{3F500ACF-F999-CAE7-9586-8D504E1ACA33}"/>
+          </ac:picMkLst>
+        </pc:picChg>
+      </pc:sldChg>
+      <pc:sldChg chg="addSp delSp modSp add mod">
+        <pc:chgData name="Nancy Li" userId="afc5209a-cf39-48d8-a57f-08cc8b772ec9" providerId="ADAL" clId="{7058694A-483B-403F-89BA-FD8C3FB39D35}" dt="2023-09-26T17:59:31.579" v="2020" actId="14100"/>
+        <pc:sldMkLst>
+          <pc:docMk/>
+          <pc:sldMk cId="1400929125" sldId="333"/>
+        </pc:sldMkLst>
+        <pc:spChg chg="del mod">
+          <ac:chgData name="Nancy Li" userId="afc5209a-cf39-48d8-a57f-08cc8b772ec9" providerId="ADAL" clId="{7058694A-483B-403F-89BA-FD8C3FB39D35}" dt="2023-09-26T17:59:22.780" v="2017" actId="478"/>
+          <ac:spMkLst>
+            <pc:docMk/>
+            <pc:sldMk cId="1400929125" sldId="333"/>
+            <ac:spMk id="4" creationId="{0D0DC34D-D9C7-7D2D-DB7F-6B71969E0FB8}"/>
+          </ac:spMkLst>
+        </pc:spChg>
+        <pc:spChg chg="add del mod">
+          <ac:chgData name="Nancy Li" userId="afc5209a-cf39-48d8-a57f-08cc8b772ec9" providerId="ADAL" clId="{7058694A-483B-403F-89BA-FD8C3FB39D35}" dt="2023-09-26T17:59:27.267" v="2018" actId="478"/>
+          <ac:spMkLst>
+            <pc:docMk/>
+            <pc:sldMk cId="1400929125" sldId="333"/>
+            <ac:spMk id="11" creationId="{AFBAA7CE-5363-1F3F-E107-F5E70989F870}"/>
+          </ac:spMkLst>
+        </pc:spChg>
+        <pc:picChg chg="del">
+          <ac:chgData name="Nancy Li" userId="afc5209a-cf39-48d8-a57f-08cc8b772ec9" providerId="ADAL" clId="{7058694A-483B-403F-89BA-FD8C3FB39D35}" dt="2023-09-26T17:58:02.407" v="2004" actId="478"/>
+          <ac:picMkLst>
+            <pc:docMk/>
+            <pc:sldMk cId="1400929125" sldId="333"/>
+            <ac:picMk id="6" creationId="{3F500ACF-F999-CAE7-9586-8D504E1ACA33}"/>
+          </ac:picMkLst>
+        </pc:picChg>
+        <pc:picChg chg="add del mod">
+          <ac:chgData name="Nancy Li" userId="afc5209a-cf39-48d8-a57f-08cc8b772ec9" providerId="ADAL" clId="{7058694A-483B-403F-89BA-FD8C3FB39D35}" dt="2023-09-26T17:58:53.840" v="2010" actId="478"/>
+          <ac:picMkLst>
+            <pc:docMk/>
+            <pc:sldMk cId="1400929125" sldId="333"/>
+            <ac:picMk id="7" creationId="{5C72629C-A2CD-FB62-6289-620DBE5E29CA}"/>
+          </ac:picMkLst>
+        </pc:picChg>
+        <pc:picChg chg="add mod">
+          <ac:chgData name="Nancy Li" userId="afc5209a-cf39-48d8-a57f-08cc8b772ec9" providerId="ADAL" clId="{7058694A-483B-403F-89BA-FD8C3FB39D35}" dt="2023-09-26T17:59:31.579" v="2020" actId="14100"/>
+          <ac:picMkLst>
+            <pc:docMk/>
+            <pc:sldMk cId="1400929125" sldId="333"/>
+            <ac:picMk id="9" creationId="{54594209-4A01-3BD9-8A3D-B9DD9A531B55}"/>
           </ac:picMkLst>
         </pc:picChg>
       </pc:sldChg>
@@ -17219,82 +17394,196 @@
           <a:bodyPr/>
           <a:lstStyle/>
           <a:p>
-            <a:pPr defTabSz="2438430">
-              <a:lnSpc>
-                <a:spcPct val="85000"/>
-              </a:lnSpc>
-              <a:spcBef>
-                <a:spcPct val="0"/>
-              </a:spcBef>
-              <a:spcAft>
-                <a:spcPts val="1200"/>
-              </a:spcAft>
+            <a:pPr algn="l" fontAlgn="base"/>
+            <a:r>
+              <a:rPr lang="zh-CN" altLang="en-US" b="0" i="0" dirty="0">
+                <a:solidFill>
+                  <a:srgbClr val="333333"/>
+                </a:solidFill>
+                <a:effectLst/>
+                <a:latin typeface="PingFang SC"/>
+              </a:rPr>
+              <a:t>里氏替换原则通俗来讲就是：子类可以扩展父类的功能，但不能改变父类原有的功能。也就是说：子类继承父类时，除添加新的方法完成新增功能外，尽量不要重写父类的方法。</a:t>
+            </a:r>
+          </a:p>
+          <a:p>
+            <a:pPr algn="l" fontAlgn="base"/>
+            <a:r>
+              <a:rPr lang="zh-CN" altLang="en-US" b="0" i="0" dirty="0">
+                <a:solidFill>
+                  <a:srgbClr val="333333"/>
+                </a:solidFill>
+                <a:effectLst/>
+                <a:latin typeface="PingFang SC"/>
+              </a:rPr>
+              <a:t>根据上述理解，对里氏替换原则的定义可以总结如下：</a:t>
+            </a:r>
+          </a:p>
+          <a:p>
+            <a:pPr marL="514350" indent="-514350" algn="l" fontAlgn="base">
+              <a:buFont typeface="+mj-lt"/>
+              <a:buAutoNum type="arabicPeriod"/>
             </a:pPr>
             <a:r>
-              <a:rPr lang="en-US" dirty="0"/>
-              <a:t>These are the five </a:t>
-            </a:r>
-            <a:r>
-              <a:rPr lang="en-US" sz="3200" b="1" spc="-50" dirty="0">
-                <a:solidFill>
-                  <a:schemeClr val="accent2"/>
-                </a:solidFill>
-                <a:latin typeface="+mj-lt"/>
-                <a:ea typeface="+mj-ea"/>
-                <a:cs typeface="+mj-cs"/>
+              <a:rPr lang="zh-CN" altLang="en-US" b="0" i="0" dirty="0">
+                <a:solidFill>
+                  <a:srgbClr val="333333"/>
+                </a:solidFill>
+                <a:effectLst/>
+                <a:latin typeface="PingFang SC"/>
               </a:rPr>
-              <a:t>Structural</a:t>
-            </a:r>
-            <a:r>
-              <a:rPr lang="en-US" sz="3200" spc="-50" dirty="0">
-                <a:solidFill>
-                  <a:schemeClr val="accent2"/>
-                </a:solidFill>
-                <a:latin typeface="+mj-lt"/>
-                <a:ea typeface="+mj-ea"/>
-                <a:cs typeface="+mj-cs"/>
+              <a:t>子类可以实现父类的抽象方法，但不能覆盖父类的非抽象方法</a:t>
+            </a:r>
+          </a:p>
+          <a:p>
+            <a:pPr marL="514350" indent="-514350" algn="l" fontAlgn="base">
+              <a:buFont typeface="+mj-lt"/>
+              <a:buAutoNum type="arabicPeriod"/>
+            </a:pPr>
+            <a:r>
+              <a:rPr lang="zh-CN" altLang="en-US" b="0" i="0" dirty="0">
+                <a:solidFill>
+                  <a:srgbClr val="333333"/>
+                </a:solidFill>
+                <a:effectLst/>
+                <a:latin typeface="PingFang SC"/>
               </a:rPr>
-              <a:t> </a:t>
-            </a:r>
-            <a:r>
-              <a:rPr lang="en-US" sz="3200" b="1" spc="-50" dirty="0">
-                <a:solidFill>
-                  <a:schemeClr val="accent2"/>
-                </a:solidFill>
-                <a:latin typeface="+mj-lt"/>
-                <a:ea typeface="+mj-ea"/>
-                <a:cs typeface="+mj-cs"/>
+              <a:t>子类中可以增加自己特有的方法</a:t>
+            </a:r>
+          </a:p>
+          <a:p>
+            <a:pPr marL="514350" indent="-514350" algn="l" fontAlgn="base">
+              <a:buFont typeface="+mj-lt"/>
+              <a:buAutoNum type="arabicPeriod"/>
+            </a:pPr>
+            <a:r>
+              <a:rPr lang="zh-CN" altLang="en-US" b="0" i="0" dirty="0">
+                <a:solidFill>
+                  <a:srgbClr val="333333"/>
+                </a:solidFill>
+                <a:effectLst/>
+                <a:latin typeface="PingFang SC"/>
               </a:rPr>
-              <a:t>Design</a:t>
-            </a:r>
-            <a:r>
-              <a:rPr lang="en-US" sz="3200" spc="-50" dirty="0">
-                <a:solidFill>
-                  <a:schemeClr val="accent2"/>
-                </a:solidFill>
-                <a:latin typeface="+mj-lt"/>
-                <a:ea typeface="+mj-ea"/>
-                <a:cs typeface="+mj-cs"/>
+              <a:t>当子类的方法重载父类的方法时，方法的前置条件（即方法的输入参数）要比父类的方法更宽松</a:t>
+            </a:r>
+            <a:endParaRPr lang="en-US" altLang="zh-CN" b="0" i="0" dirty="0">
+              <a:solidFill>
+                <a:srgbClr val="333333"/>
+              </a:solidFill>
+              <a:effectLst/>
+              <a:latin typeface="PingFang SC"/>
+            </a:endParaRPr>
+          </a:p>
+          <a:p>
+            <a:pPr marL="514350" indent="-514350" algn="l" fontAlgn="base">
+              <a:buFont typeface="+mj-lt"/>
+              <a:buAutoNum type="arabicPeriod"/>
+            </a:pPr>
+            <a:endParaRPr lang="en-US" altLang="zh-CN" b="0" i="0" dirty="0">
+              <a:solidFill>
+                <a:srgbClr val="333333"/>
+              </a:solidFill>
+              <a:effectLst/>
+              <a:latin typeface="PingFang SC"/>
+            </a:endParaRPr>
+          </a:p>
+          <a:p>
+            <a:pPr marL="0" indent="0" algn="l" fontAlgn="base">
+              <a:buFont typeface="+mj-lt"/>
+              <a:buNone/>
+            </a:pPr>
+            <a:r>
+              <a:rPr lang="zh-CN" altLang="en-US" b="0" i="0" dirty="0">
+                <a:solidFill>
+                  <a:srgbClr val="333333"/>
+                </a:solidFill>
+                <a:effectLst/>
+                <a:latin typeface="PingFang SC"/>
               </a:rPr>
-              <a:t> </a:t>
-            </a:r>
-            <a:r>
-              <a:rPr lang="en-US" sz="3200" b="1" spc="-50" dirty="0">
-                <a:solidFill>
-                  <a:schemeClr val="accent2"/>
-                </a:solidFill>
-                <a:latin typeface="+mj-lt"/>
-                <a:ea typeface="+mj-ea"/>
-                <a:cs typeface="+mj-cs"/>
+              <a:t>关于里氏替换原则的例子，最有名的是“正方形不是长方形”。当然，生活中也有很多类似的例子，</a:t>
+            </a:r>
+            <a:endParaRPr lang="en-US" altLang="zh-CN" b="0" i="0" dirty="0">
+              <a:solidFill>
+                <a:srgbClr val="333333"/>
+              </a:solidFill>
+              <a:effectLst/>
+              <a:latin typeface="PingFang SC"/>
+            </a:endParaRPr>
+          </a:p>
+          <a:p>
+            <a:pPr marL="0" indent="0" algn="l" fontAlgn="base">
+              <a:buFont typeface="+mj-lt"/>
+              <a:buNone/>
+            </a:pPr>
+            <a:r>
+              <a:rPr lang="zh-CN" altLang="en-US" b="0" i="0" dirty="0">
+                <a:solidFill>
+                  <a:srgbClr val="333333"/>
+                </a:solidFill>
+                <a:effectLst/>
+                <a:latin typeface="PingFang SC"/>
               </a:rPr>
-              <a:t>Patterns.</a:t>
-            </a:r>
-          </a:p>
-          <a:p>
-            <a:r>
-              <a:rPr lang="en-US" dirty="0"/>
-              <a:t>I hope it can be helpful to everyone.</a:t>
-            </a:r>
+              <a:t>例如，企鹅、鸵鸟和几维鸟从生物学的角度来划分，它们属于鸟类；但从类的继承关系来看，由于它们不能继承“鸟”会飞的功能，所以它们不能定义成“鸟”的子类。</a:t>
+            </a:r>
+            <a:endParaRPr lang="en-US" altLang="zh-CN" b="0" i="0" dirty="0">
+              <a:solidFill>
+                <a:srgbClr val="333333"/>
+              </a:solidFill>
+              <a:effectLst/>
+              <a:latin typeface="PingFang SC"/>
+            </a:endParaRPr>
+          </a:p>
+          <a:p>
+            <a:pPr marL="0" indent="0" algn="l" fontAlgn="base">
+              <a:buFont typeface="+mj-lt"/>
+              <a:buNone/>
+            </a:pPr>
+            <a:r>
+              <a:rPr lang="zh-CN" altLang="en-US" b="0" i="0" dirty="0">
+                <a:solidFill>
+                  <a:srgbClr val="333333"/>
+                </a:solidFill>
+                <a:effectLst/>
+                <a:latin typeface="PingFang SC"/>
+              </a:rPr>
+              <a:t>同样，由于“气球鱼”不会游泳，所以不能定义成“鱼”的子类；、</a:t>
+            </a:r>
+            <a:endParaRPr lang="en-US" altLang="zh-CN" b="0" i="0" dirty="0">
+              <a:solidFill>
+                <a:srgbClr val="333333"/>
+              </a:solidFill>
+              <a:effectLst/>
+              <a:latin typeface="PingFang SC"/>
+            </a:endParaRPr>
+          </a:p>
+          <a:p>
+            <a:pPr marL="0" indent="0" algn="l" fontAlgn="base">
+              <a:buFont typeface="+mj-lt"/>
+              <a:buNone/>
+            </a:pPr>
+            <a:r>
+              <a:rPr lang="zh-CN" altLang="en-US" b="0" i="0" dirty="0">
+                <a:solidFill>
+                  <a:srgbClr val="333333"/>
+                </a:solidFill>
+                <a:effectLst/>
+                <a:latin typeface="PingFang SC"/>
+              </a:rPr>
+              <a:t>“玩具炮”炸不了敌人，所以不能定义成“炮”的子类等。</a:t>
+            </a:r>
+          </a:p>
+          <a:p>
+            <a:pPr algn="l">
+              <a:buFont typeface="+mj-lt"/>
+              <a:buNone/>
+            </a:pPr>
+            <a:endParaRPr lang="zh-CN" altLang="en-US" b="0" i="0" dirty="0">
+              <a:solidFill>
+                <a:srgbClr val="FFFFFF"/>
+              </a:solidFill>
+              <a:effectLst/>
+              <a:latin typeface="-apple-system"/>
+            </a:endParaRPr>
           </a:p>
         </p:txBody>
       </p:sp>
@@ -17313,18 +17602,18 @@
           <a:bodyPr/>
           <a:lstStyle/>
           <a:p>
-            <a:fld id="{3960260C-8853-4159-8854-5A6834041865}" type="slidenum">
-              <a:rPr lang="en-US" smtClean="0"/>
+            <a:fld id="{01420855-62A1-43EF-8815-D1313CE67D77}" type="slidenum">
+              <a:rPr lang="en-AU" smtClean="0"/>
               <a:t>18</a:t>
             </a:fld>
-            <a:endParaRPr lang="en-US"/>
+            <a:endParaRPr lang="en-AU"/>
           </a:p>
         </p:txBody>
       </p:sp>
     </p:spTree>
     <p:extLst>
       <p:ext uri="{BB962C8B-B14F-4D97-AF65-F5344CB8AC3E}">
-        <p14:creationId xmlns:p14="http://schemas.microsoft.com/office/powerpoint/2010/main" val="2268168259"/>
+        <p14:creationId xmlns:p14="http://schemas.microsoft.com/office/powerpoint/2010/main" val="3090369119"/>
       </p:ext>
     </p:extLst>
   </p:cSld>
@@ -17378,7 +17667,17 @@
           <a:bodyPr/>
           <a:lstStyle/>
           <a:p>
-            <a:endParaRPr lang="en-AU" dirty="0"/>
+            <a:pPr algn="l">
+              <a:buFont typeface="+mj-lt"/>
+              <a:buNone/>
+            </a:pPr>
+            <a:endParaRPr lang="zh-CN" altLang="en-US" b="0" i="0" dirty="0">
+              <a:solidFill>
+                <a:srgbClr val="FFFFFF"/>
+              </a:solidFill>
+              <a:effectLst/>
+              <a:latin typeface="-apple-system"/>
+            </a:endParaRPr>
           </a:p>
         </p:txBody>
       </p:sp>
@@ -17389,7 +17688,7 @@
             <a:spLocks noGrp="1"/>
           </p:cNvSpPr>
           <p:nvPr>
-            <p:ph type="sldNum" sz="quarter" idx="10"/>
+            <p:ph type="sldNum" sz="quarter" idx="5"/>
           </p:nvPr>
         </p:nvSpPr>
         <p:spPr/>
@@ -17399,16 +17698,16 @@
           <a:p>
             <a:fld id="{01420855-62A1-43EF-8815-D1313CE67D77}" type="slidenum">
               <a:rPr lang="en-AU" smtClean="0"/>
-              <a:t>20</a:t>
+              <a:t>19</a:t>
             </a:fld>
-            <a:endParaRPr lang="en-AU" dirty="0"/>
+            <a:endParaRPr lang="en-AU"/>
           </a:p>
         </p:txBody>
       </p:sp>
     </p:spTree>
     <p:extLst>
       <p:ext uri="{BB962C8B-B14F-4D97-AF65-F5344CB8AC3E}">
-        <p14:creationId xmlns:p14="http://schemas.microsoft.com/office/powerpoint/2010/main" val="1690349428"/>
+        <p14:creationId xmlns:p14="http://schemas.microsoft.com/office/powerpoint/2010/main" val="592340923"/>
       </p:ext>
     </p:extLst>
   </p:cSld>
@@ -18029,6 +18328,343 @@
     <p:extLst>
       <p:ext uri="{BB962C8B-B14F-4D97-AF65-F5344CB8AC3E}">
         <p14:creationId xmlns:p14="http://schemas.microsoft.com/office/powerpoint/2010/main" val="1963614690"/>
+      </p:ext>
+    </p:extLst>
+  </p:cSld>
+  <p:clrMapOvr>
+    <a:masterClrMapping/>
+  </p:clrMapOvr>
+</p:notes>
+</file>
+
+<file path=ppt/notesSlides/notesSlide20.xml><?xml version="1.0" encoding="utf-8"?>
+<p:notes xmlns:a="http://schemas.openxmlformats.org/drawingml/2006/main" xmlns:r="http://schemas.openxmlformats.org/officeDocument/2006/relationships" xmlns:p="http://schemas.openxmlformats.org/presentationml/2006/main">
+  <p:cSld>
+    <p:spTree>
+      <p:nvGrpSpPr>
+        <p:cNvPr id="1" name=""/>
+        <p:cNvGrpSpPr/>
+        <p:nvPr/>
+      </p:nvGrpSpPr>
+      <p:grpSpPr>
+        <a:xfrm>
+          <a:off x="0" y="0"/>
+          <a:ext cx="0" cy="0"/>
+          <a:chOff x="0" y="0"/>
+          <a:chExt cx="0" cy="0"/>
+        </a:xfrm>
+      </p:grpSpPr>
+      <p:sp>
+        <p:nvSpPr>
+          <p:cNvPr id="2" name="Slide Image Placeholder 1"/>
+          <p:cNvSpPr>
+            <a:spLocks noGrp="1" noRot="1" noChangeAspect="1"/>
+          </p:cNvSpPr>
+          <p:nvPr>
+            <p:ph type="sldImg"/>
+          </p:nvPr>
+        </p:nvSpPr>
+        <p:spPr/>
+      </p:sp>
+      <p:sp>
+        <p:nvSpPr>
+          <p:cNvPr id="3" name="Notes Placeholder 2"/>
+          <p:cNvSpPr>
+            <a:spLocks noGrp="1"/>
+          </p:cNvSpPr>
+          <p:nvPr>
+            <p:ph type="body" idx="1"/>
+          </p:nvPr>
+        </p:nvSpPr>
+        <p:spPr/>
+        <p:txBody>
+          <a:bodyPr/>
+          <a:lstStyle/>
+          <a:p>
+            <a:pPr algn="l">
+              <a:buFont typeface="+mj-lt"/>
+              <a:buNone/>
+            </a:pPr>
+            <a:endParaRPr lang="zh-CN" altLang="en-US" b="0" i="0" dirty="0">
+              <a:solidFill>
+                <a:srgbClr val="FFFFFF"/>
+              </a:solidFill>
+              <a:effectLst/>
+              <a:latin typeface="-apple-system"/>
+            </a:endParaRPr>
+          </a:p>
+        </p:txBody>
+      </p:sp>
+      <p:sp>
+        <p:nvSpPr>
+          <p:cNvPr id="4" name="Slide Number Placeholder 3"/>
+          <p:cNvSpPr>
+            <a:spLocks noGrp="1"/>
+          </p:cNvSpPr>
+          <p:nvPr>
+            <p:ph type="sldNum" sz="quarter" idx="5"/>
+          </p:nvPr>
+        </p:nvSpPr>
+        <p:spPr/>
+        <p:txBody>
+          <a:bodyPr/>
+          <a:lstStyle/>
+          <a:p>
+            <a:fld id="{01420855-62A1-43EF-8815-D1313CE67D77}" type="slidenum">
+              <a:rPr lang="en-AU" smtClean="0"/>
+              <a:t>20</a:t>
+            </a:fld>
+            <a:endParaRPr lang="en-AU"/>
+          </a:p>
+        </p:txBody>
+      </p:sp>
+    </p:spTree>
+    <p:extLst>
+      <p:ext uri="{BB962C8B-B14F-4D97-AF65-F5344CB8AC3E}">
+        <p14:creationId xmlns:p14="http://schemas.microsoft.com/office/powerpoint/2010/main" val="1040348547"/>
+      </p:ext>
+    </p:extLst>
+  </p:cSld>
+  <p:clrMapOvr>
+    <a:masterClrMapping/>
+  </p:clrMapOvr>
+</p:notes>
+</file>
+
+<file path=ppt/notesSlides/notesSlide21.xml><?xml version="1.0" encoding="utf-8"?>
+<p:notes xmlns:a="http://schemas.openxmlformats.org/drawingml/2006/main" xmlns:r="http://schemas.openxmlformats.org/officeDocument/2006/relationships" xmlns:p="http://schemas.openxmlformats.org/presentationml/2006/main">
+  <p:cSld>
+    <p:spTree>
+      <p:nvGrpSpPr>
+        <p:cNvPr id="1" name=""/>
+        <p:cNvGrpSpPr/>
+        <p:nvPr/>
+      </p:nvGrpSpPr>
+      <p:grpSpPr>
+        <a:xfrm>
+          <a:off x="0" y="0"/>
+          <a:ext cx="0" cy="0"/>
+          <a:chOff x="0" y="0"/>
+          <a:chExt cx="0" cy="0"/>
+        </a:xfrm>
+      </p:grpSpPr>
+      <p:sp>
+        <p:nvSpPr>
+          <p:cNvPr id="2" name="Slide Image Placeholder 1"/>
+          <p:cNvSpPr>
+            <a:spLocks noGrp="1" noRot="1" noChangeAspect="1"/>
+          </p:cNvSpPr>
+          <p:nvPr>
+            <p:ph type="sldImg"/>
+          </p:nvPr>
+        </p:nvSpPr>
+        <p:spPr/>
+      </p:sp>
+      <p:sp>
+        <p:nvSpPr>
+          <p:cNvPr id="3" name="Notes Placeholder 2"/>
+          <p:cNvSpPr>
+            <a:spLocks noGrp="1"/>
+          </p:cNvSpPr>
+          <p:nvPr>
+            <p:ph type="body" idx="1"/>
+          </p:nvPr>
+        </p:nvSpPr>
+        <p:spPr/>
+        <p:txBody>
+          <a:bodyPr/>
+          <a:lstStyle/>
+          <a:p>
+            <a:pPr defTabSz="2438430">
+              <a:lnSpc>
+                <a:spcPct val="85000"/>
+              </a:lnSpc>
+              <a:spcBef>
+                <a:spcPct val="0"/>
+              </a:spcBef>
+              <a:spcAft>
+                <a:spcPts val="1200"/>
+              </a:spcAft>
+            </a:pPr>
+            <a:r>
+              <a:rPr lang="en-US" dirty="0"/>
+              <a:t>These are the five </a:t>
+            </a:r>
+            <a:r>
+              <a:rPr lang="en-US" sz="3200" b="1" spc="-50" dirty="0">
+                <a:solidFill>
+                  <a:schemeClr val="accent2"/>
+                </a:solidFill>
+                <a:latin typeface="+mj-lt"/>
+                <a:ea typeface="+mj-ea"/>
+                <a:cs typeface="+mj-cs"/>
+              </a:rPr>
+              <a:t>Structural</a:t>
+            </a:r>
+            <a:r>
+              <a:rPr lang="en-US" sz="3200" spc="-50" dirty="0">
+                <a:solidFill>
+                  <a:schemeClr val="accent2"/>
+                </a:solidFill>
+                <a:latin typeface="+mj-lt"/>
+                <a:ea typeface="+mj-ea"/>
+                <a:cs typeface="+mj-cs"/>
+              </a:rPr>
+              <a:t> </a:t>
+            </a:r>
+            <a:r>
+              <a:rPr lang="en-US" sz="3200" b="1" spc="-50" dirty="0">
+                <a:solidFill>
+                  <a:schemeClr val="accent2"/>
+                </a:solidFill>
+                <a:latin typeface="+mj-lt"/>
+                <a:ea typeface="+mj-ea"/>
+                <a:cs typeface="+mj-cs"/>
+              </a:rPr>
+              <a:t>Design</a:t>
+            </a:r>
+            <a:r>
+              <a:rPr lang="en-US" sz="3200" spc="-50" dirty="0">
+                <a:solidFill>
+                  <a:schemeClr val="accent2"/>
+                </a:solidFill>
+                <a:latin typeface="+mj-lt"/>
+                <a:ea typeface="+mj-ea"/>
+                <a:cs typeface="+mj-cs"/>
+              </a:rPr>
+              <a:t> </a:t>
+            </a:r>
+            <a:r>
+              <a:rPr lang="en-US" sz="3200" b="1" spc="-50" dirty="0">
+                <a:solidFill>
+                  <a:schemeClr val="accent2"/>
+                </a:solidFill>
+                <a:latin typeface="+mj-lt"/>
+                <a:ea typeface="+mj-ea"/>
+                <a:cs typeface="+mj-cs"/>
+              </a:rPr>
+              <a:t>Patterns.</a:t>
+            </a:r>
+          </a:p>
+          <a:p>
+            <a:r>
+              <a:rPr lang="en-US" dirty="0"/>
+              <a:t>I hope it can be helpful to everyone.</a:t>
+            </a:r>
+          </a:p>
+        </p:txBody>
+      </p:sp>
+      <p:sp>
+        <p:nvSpPr>
+          <p:cNvPr id="4" name="Slide Number Placeholder 3"/>
+          <p:cNvSpPr>
+            <a:spLocks noGrp="1"/>
+          </p:cNvSpPr>
+          <p:nvPr>
+            <p:ph type="sldNum" sz="quarter" idx="5"/>
+          </p:nvPr>
+        </p:nvSpPr>
+        <p:spPr/>
+        <p:txBody>
+          <a:bodyPr/>
+          <a:lstStyle/>
+          <a:p>
+            <a:fld id="{3960260C-8853-4159-8854-5A6834041865}" type="slidenum">
+              <a:rPr lang="en-US" smtClean="0"/>
+              <a:t>21</a:t>
+            </a:fld>
+            <a:endParaRPr lang="en-US"/>
+          </a:p>
+        </p:txBody>
+      </p:sp>
+    </p:spTree>
+    <p:extLst>
+      <p:ext uri="{BB962C8B-B14F-4D97-AF65-F5344CB8AC3E}">
+        <p14:creationId xmlns:p14="http://schemas.microsoft.com/office/powerpoint/2010/main" val="2268168259"/>
+      </p:ext>
+    </p:extLst>
+  </p:cSld>
+  <p:clrMapOvr>
+    <a:masterClrMapping/>
+  </p:clrMapOvr>
+</p:notes>
+</file>
+
+<file path=ppt/notesSlides/notesSlide22.xml><?xml version="1.0" encoding="utf-8"?>
+<p:notes xmlns:a="http://schemas.openxmlformats.org/drawingml/2006/main" xmlns:r="http://schemas.openxmlformats.org/officeDocument/2006/relationships" xmlns:p="http://schemas.openxmlformats.org/presentationml/2006/main">
+  <p:cSld>
+    <p:spTree>
+      <p:nvGrpSpPr>
+        <p:cNvPr id="1" name=""/>
+        <p:cNvGrpSpPr/>
+        <p:nvPr/>
+      </p:nvGrpSpPr>
+      <p:grpSpPr>
+        <a:xfrm>
+          <a:off x="0" y="0"/>
+          <a:ext cx="0" cy="0"/>
+          <a:chOff x="0" y="0"/>
+          <a:chExt cx="0" cy="0"/>
+        </a:xfrm>
+      </p:grpSpPr>
+      <p:sp>
+        <p:nvSpPr>
+          <p:cNvPr id="2" name="Slide Image Placeholder 1"/>
+          <p:cNvSpPr>
+            <a:spLocks noGrp="1" noRot="1" noChangeAspect="1"/>
+          </p:cNvSpPr>
+          <p:nvPr>
+            <p:ph type="sldImg"/>
+          </p:nvPr>
+        </p:nvSpPr>
+        <p:spPr/>
+      </p:sp>
+      <p:sp>
+        <p:nvSpPr>
+          <p:cNvPr id="3" name="Notes Placeholder 2"/>
+          <p:cNvSpPr>
+            <a:spLocks noGrp="1"/>
+          </p:cNvSpPr>
+          <p:nvPr>
+            <p:ph type="body" idx="1"/>
+          </p:nvPr>
+        </p:nvSpPr>
+        <p:spPr/>
+        <p:txBody>
+          <a:bodyPr/>
+          <a:lstStyle/>
+          <a:p>
+            <a:endParaRPr lang="en-AU" dirty="0"/>
+          </a:p>
+        </p:txBody>
+      </p:sp>
+      <p:sp>
+        <p:nvSpPr>
+          <p:cNvPr id="4" name="Slide Number Placeholder 3"/>
+          <p:cNvSpPr>
+            <a:spLocks noGrp="1"/>
+          </p:cNvSpPr>
+          <p:nvPr>
+            <p:ph type="sldNum" sz="quarter" idx="10"/>
+          </p:nvPr>
+        </p:nvSpPr>
+        <p:spPr/>
+        <p:txBody>
+          <a:bodyPr/>
+          <a:lstStyle/>
+          <a:p>
+            <a:fld id="{01420855-62A1-43EF-8815-D1313CE67D77}" type="slidenum">
+              <a:rPr lang="en-AU" smtClean="0"/>
+              <a:t>23</a:t>
+            </a:fld>
+            <a:endParaRPr lang="en-AU" dirty="0"/>
+          </a:p>
+        </p:txBody>
+      </p:sp>
+    </p:spTree>
+    <p:extLst>
+      <p:ext uri="{BB962C8B-B14F-4D97-AF65-F5344CB8AC3E}">
+        <p14:creationId xmlns:p14="http://schemas.microsoft.com/office/powerpoint/2010/main" val="1690349428"/>
       </p:ext>
     </p:extLst>
   </p:cSld>
@@ -25437,106 +26073,10 @@
       </p:grpSpPr>
       <p:sp>
         <p:nvSpPr>
-          <p:cNvPr id="6" name="TextBox 5">
+          <p:cNvPr id="2" name="Footer Placeholder 1">
             <a:extLst>
               <a:ext uri="{FF2B5EF4-FFF2-40B4-BE49-F238E27FC236}">
-                <a16:creationId xmlns:a16="http://schemas.microsoft.com/office/drawing/2014/main" id="{3FB7BDD9-9B0E-E59D-891E-50C1F28334AE}"/>
-              </a:ext>
-            </a:extLst>
-          </p:cNvPr>
-          <p:cNvSpPr txBox="1"/>
-          <p:nvPr/>
-        </p:nvSpPr>
-        <p:spPr>
-          <a:xfrm>
-            <a:off x="1080000" y="1125271"/>
-            <a:ext cx="22201232" cy="701456"/>
-          </a:xfrm>
-          <a:prstGeom prst="rect">
-            <a:avLst/>
-          </a:prstGeom>
-        </p:spPr>
-        <p:txBody>
-          <a:bodyPr vert="horz" lIns="0" tIns="0" rIns="0" bIns="0" rtlCol="0" anchor="t">
-            <a:normAutofit lnSpcReduction="10000"/>
-          </a:bodyPr>
-          <a:lstStyle/>
-          <a:p>
-            <a:pPr defTabSz="2438430">
-              <a:lnSpc>
-                <a:spcPct val="85000"/>
-              </a:lnSpc>
-              <a:spcBef>
-                <a:spcPct val="0"/>
-              </a:spcBef>
-              <a:spcAft>
-                <a:spcPts val="1200"/>
-              </a:spcAft>
-            </a:pPr>
-            <a:r>
-              <a:rPr lang="en-US" sz="5400" b="1" spc="-50" dirty="0">
-                <a:solidFill>
-                  <a:schemeClr val="accent2"/>
-                </a:solidFill>
-                <a:latin typeface="+mj-lt"/>
-                <a:ea typeface="+mj-ea"/>
-                <a:cs typeface="+mj-cs"/>
-              </a:rPr>
-              <a:t>Behavioral</a:t>
-            </a:r>
-            <a:r>
-              <a:rPr lang="en-US" sz="5000" spc="-50" dirty="0">
-                <a:solidFill>
-                  <a:schemeClr val="accent2"/>
-                </a:solidFill>
-                <a:latin typeface="+mj-lt"/>
-                <a:ea typeface="+mj-ea"/>
-                <a:cs typeface="+mj-cs"/>
-              </a:rPr>
-              <a:t> </a:t>
-            </a:r>
-            <a:r>
-              <a:rPr lang="en-US" sz="5400" b="1" spc="-50" dirty="0">
-                <a:solidFill>
-                  <a:schemeClr val="accent2"/>
-                </a:solidFill>
-                <a:latin typeface="+mj-lt"/>
-                <a:ea typeface="+mj-ea"/>
-                <a:cs typeface="+mj-cs"/>
-              </a:rPr>
-              <a:t>Design</a:t>
-            </a:r>
-            <a:r>
-              <a:rPr lang="en-US" sz="5000" spc="-50" dirty="0">
-                <a:solidFill>
-                  <a:schemeClr val="accent2"/>
-                </a:solidFill>
-                <a:latin typeface="+mj-lt"/>
-                <a:ea typeface="+mj-ea"/>
-                <a:cs typeface="+mj-cs"/>
-              </a:rPr>
-              <a:t> </a:t>
-            </a:r>
-            <a:r>
-              <a:rPr lang="en-US" sz="5400" b="1" spc="-50" dirty="0">
-                <a:solidFill>
-                  <a:schemeClr val="accent2"/>
-                </a:solidFill>
-                <a:latin typeface="+mj-lt"/>
-                <a:ea typeface="+mj-ea"/>
-                <a:cs typeface="+mj-cs"/>
-              </a:rPr>
-              <a:t>Patterns</a:t>
-            </a:r>
-          </a:p>
-        </p:txBody>
-      </p:sp>
-      <p:sp>
-        <p:nvSpPr>
-          <p:cNvPr id="13" name="Footer Placeholder 4">
-            <a:extLst>
-              <a:ext uri="{FF2B5EF4-FFF2-40B4-BE49-F238E27FC236}">
-                <a16:creationId xmlns:a16="http://schemas.microsoft.com/office/drawing/2014/main" id="{3ECFF561-806D-930C-FF5C-2DB328C2407B}"/>
+                <a16:creationId xmlns:a16="http://schemas.microsoft.com/office/drawing/2014/main" id="{22DA5C28-F0FD-47D6-8E92-1C9E6EA87F96}"/>
               </a:ext>
             </a:extLst>
           </p:cNvPr>
@@ -25547,39 +26087,24 @@
             <p:ph type="ftr" sz="quarter" idx="3"/>
           </p:nvPr>
         </p:nvSpPr>
-        <p:spPr>
-          <a:xfrm>
-            <a:off x="1535016" y="12960000"/>
-            <a:ext cx="2016024" cy="180000"/>
-          </a:xfrm>
-        </p:spPr>
+        <p:spPr/>
         <p:txBody>
           <a:bodyPr/>
           <a:lstStyle/>
           <a:p>
-            <a:pPr>
-              <a:spcAft>
-                <a:spcPts val="600"/>
-              </a:spcAft>
-            </a:pPr>
             <a:r>
               <a:rPr lang="en-AU" dirty="0"/>
-              <a:t>© 2023 </a:t>
-            </a:r>
-            <a:r>
-              <a:rPr lang="en-AU" dirty="0" err="1"/>
-              <a:t>CargoWise</a:t>
-            </a:r>
-            <a:endParaRPr lang="en-AU" dirty="0"/>
+              <a:t>© 2023 CargoWise</a:t>
+            </a:r>
           </a:p>
         </p:txBody>
       </p:sp>
       <p:sp>
         <p:nvSpPr>
-          <p:cNvPr id="15" name="Slide Number Placeholder 5">
+          <p:cNvPr id="3" name="Slide Number Placeholder 2">
             <a:extLst>
               <a:ext uri="{FF2B5EF4-FFF2-40B4-BE49-F238E27FC236}">
-                <a16:creationId xmlns:a16="http://schemas.microsoft.com/office/drawing/2014/main" id="{7DA3C72D-E3B7-AFD2-2367-1B8758B57B30}"/>
+                <a16:creationId xmlns:a16="http://schemas.microsoft.com/office/drawing/2014/main" id="{15B20483-DDDA-4E06-872B-F88C31FDBA35}"/>
               </a:ext>
             </a:extLst>
           </p:cNvPr>
@@ -25590,68 +26115,104 @@
             <p:ph type="sldNum" sz="quarter" idx="4"/>
           </p:nvPr>
         </p:nvSpPr>
+        <p:spPr/>
+        <p:txBody>
+          <a:bodyPr/>
+          <a:lstStyle/>
+          <a:p>
+            <a:fld id="{67E7CB4E-0848-4774-9F85-B38117CB1B54}" type="slidenum">
+              <a:rPr lang="en-AU" smtClean="0"/>
+              <a:pPr/>
+              <a:t>18</a:t>
+            </a:fld>
+            <a:endParaRPr lang="en-AU"/>
+          </a:p>
+        </p:txBody>
+      </p:sp>
+      <p:sp>
+        <p:nvSpPr>
+          <p:cNvPr id="13" name="Title 9">
+            <a:extLst>
+              <a:ext uri="{FF2B5EF4-FFF2-40B4-BE49-F238E27FC236}">
+                <a16:creationId xmlns:a16="http://schemas.microsoft.com/office/drawing/2014/main" id="{3BAEBDBD-7B50-9F58-BD3C-27FF4C445264}"/>
+              </a:ext>
+            </a:extLst>
+          </p:cNvPr>
+          <p:cNvSpPr>
+            <a:spLocks noGrp="1"/>
+          </p:cNvSpPr>
+          <p:nvPr>
+            <p:ph type="title"/>
+          </p:nvPr>
+        </p:nvSpPr>
         <p:spPr>
           <a:xfrm>
-            <a:off x="1080000" y="12960000"/>
-            <a:ext cx="310800" cy="180000"/>
+            <a:off x="1080000" y="1125271"/>
+            <a:ext cx="22201232" cy="701456"/>
           </a:xfrm>
         </p:spPr>
         <p:txBody>
           <a:bodyPr/>
           <a:lstStyle/>
           <a:p>
-            <a:pPr>
-              <a:spcAft>
-                <a:spcPts val="600"/>
-              </a:spcAft>
-            </a:pPr>
-            <a:fld id="{67E7CB4E-0848-4774-9F85-B38117CB1B54}" type="slidenum">
-              <a:rPr lang="en-AU" smtClean="0"/>
-              <a:pPr>
-                <a:spcAft>
-                  <a:spcPts val="600"/>
-                </a:spcAft>
-              </a:pPr>
-              <a:t>18</a:t>
-            </a:fld>
-            <a:endParaRPr lang="en-AU"/>
+            <a:r>
+              <a:rPr lang="en-US" b="1" dirty="0"/>
+              <a:t>3. </a:t>
+            </a:r>
+            <a:r>
+              <a:rPr lang="en-US" b="1" kern="1200" dirty="0">
+                <a:latin typeface="Calibri" panose="020F0502020204030204"/>
+                <a:ea typeface="+mn-ea"/>
+                <a:cs typeface="+mn-cs"/>
+              </a:rPr>
+              <a:t>Template Method</a:t>
+            </a:r>
+            <a:br>
+              <a:rPr lang="en-US" dirty="0"/>
+            </a:br>
+            <a:endParaRPr lang="en-US" dirty="0"/>
           </a:p>
         </p:txBody>
       </p:sp>
-      <p:graphicFrame>
-        <p:nvGraphicFramePr>
-          <p:cNvPr id="4" name="Diagram 3">
+      <p:sp>
+        <p:nvSpPr>
+          <p:cNvPr id="4" name="Text Placeholder 6">
             <a:extLst>
               <a:ext uri="{FF2B5EF4-FFF2-40B4-BE49-F238E27FC236}">
-                <a16:creationId xmlns:a16="http://schemas.microsoft.com/office/drawing/2014/main" id="{F24AEBD7-4394-A74A-64EE-2AE4E6086DB6}"/>
+                <a16:creationId xmlns:a16="http://schemas.microsoft.com/office/drawing/2014/main" id="{0D0DC34D-D9C7-7D2D-DB7F-6B71969E0FB8}"/>
               </a:ext>
             </a:extLst>
           </p:cNvPr>
-          <p:cNvGraphicFramePr/>
+          <p:cNvSpPr>
+            <a:spLocks noGrp="1"/>
+          </p:cNvSpPr>
           <p:nvPr>
-            <p:extLst>
-              <p:ext uri="{D42A27DB-BD31-4B8C-83A1-F6EECF244321}">
-                <p14:modId xmlns:p14="http://schemas.microsoft.com/office/powerpoint/2010/main" val="3128136050"/>
-              </p:ext>
-            </p:extLst>
+            <p:ph type="body" sz="quarter" idx="13"/>
           </p:nvPr>
-        </p:nvGraphicFramePr>
-        <p:xfrm>
-          <a:off x="1532076" y="2573524"/>
-          <a:ext cx="5472608" cy="7776864"/>
-        </p:xfrm>
-        <a:graphic>
-          <a:graphicData uri="http://schemas.openxmlformats.org/drawingml/2006/diagram">
-            <dgm:relIds xmlns:dgm="http://schemas.openxmlformats.org/drawingml/2006/diagram" xmlns:r="http://schemas.openxmlformats.org/officeDocument/2006/relationships" r:dm="rId3" r:lo="rId4" r:qs="rId5" r:cs="rId6"/>
-          </a:graphicData>
-        </a:graphic>
-      </p:graphicFrame>
+        </p:nvSpPr>
+        <p:spPr>
+          <a:xfrm>
+            <a:off x="1079625" y="2105472"/>
+            <a:ext cx="22201232" cy="440298"/>
+          </a:xfrm>
+        </p:spPr>
+        <p:txBody>
+          <a:bodyPr/>
+          <a:lstStyle/>
+          <a:p>
+            <a:r>
+              <a:rPr lang="en-US" dirty="0"/>
+              <a:t>Template Method Pattern in CW1 - Example 1</a:t>
+            </a:r>
+          </a:p>
+        </p:txBody>
+      </p:sp>
       <p:pic>
         <p:nvPicPr>
-          <p:cNvPr id="3" name="Picture 2">
+          <p:cNvPr id="12" name="Picture 11">
             <a:extLst>
               <a:ext uri="{FF2B5EF4-FFF2-40B4-BE49-F238E27FC236}">
-                <a16:creationId xmlns:a16="http://schemas.microsoft.com/office/drawing/2014/main" id="{552CE9FF-59E2-CC3F-7035-3F593D620340}"/>
+                <a16:creationId xmlns:a16="http://schemas.microsoft.com/office/drawing/2014/main" id="{7E0630C0-4B51-DF8D-DB78-01BC3416BE90}"/>
               </a:ext>
             </a:extLst>
           </p:cNvPr>
@@ -25661,15 +26222,74 @@
           <p:nvPr/>
         </p:nvPicPr>
         <p:blipFill>
-          <a:blip r:embed="rId8"/>
+          <a:blip r:embed="rId3"/>
           <a:stretch>
             <a:fillRect/>
           </a:stretch>
         </p:blipFill>
         <p:spPr>
           <a:xfrm>
-            <a:off x="8447584" y="3473624"/>
-            <a:ext cx="13848910" cy="5976664"/>
+            <a:off x="3407024" y="7346921"/>
+            <a:ext cx="12292794" cy="2160240"/>
+          </a:xfrm>
+          <a:prstGeom prst="rect">
+            <a:avLst/>
+          </a:prstGeom>
+        </p:spPr>
+      </p:pic>
+      <p:pic>
+        <p:nvPicPr>
+          <p:cNvPr id="15" name="Picture 14">
+            <a:extLst>
+              <a:ext uri="{FF2B5EF4-FFF2-40B4-BE49-F238E27FC236}">
+                <a16:creationId xmlns:a16="http://schemas.microsoft.com/office/drawing/2014/main" id="{ABD1A518-3319-B2CF-AED9-862FD5241917}"/>
+              </a:ext>
+            </a:extLst>
+          </p:cNvPr>
+          <p:cNvPicPr>
+            <a:picLocks noChangeAspect="1"/>
+          </p:cNvPicPr>
+          <p:nvPr/>
+        </p:nvPicPr>
+        <p:blipFill>
+          <a:blip r:embed="rId4"/>
+          <a:stretch>
+            <a:fillRect/>
+          </a:stretch>
+        </p:blipFill>
+        <p:spPr>
+          <a:xfrm>
+            <a:off x="2832691" y="3032584"/>
+            <a:ext cx="11011919" cy="4329472"/>
+          </a:xfrm>
+          <a:prstGeom prst="rect">
+            <a:avLst/>
+          </a:prstGeom>
+        </p:spPr>
+      </p:pic>
+      <p:pic>
+        <p:nvPicPr>
+          <p:cNvPr id="8" name="Picture 7">
+            <a:extLst>
+              <a:ext uri="{FF2B5EF4-FFF2-40B4-BE49-F238E27FC236}">
+                <a16:creationId xmlns:a16="http://schemas.microsoft.com/office/drawing/2014/main" id="{A4A6708E-8FD4-86FD-E368-05CAA3DBD47A}"/>
+              </a:ext>
+            </a:extLst>
+          </p:cNvPr>
+          <p:cNvPicPr>
+            <a:picLocks noChangeAspect="1"/>
+          </p:cNvPicPr>
+          <p:nvPr/>
+        </p:nvPicPr>
+        <p:blipFill rotWithShape="1">
+          <a:blip r:embed="rId5"/>
+          <a:srcRect l="13965" t="22390"/>
+          <a:stretch/>
+        </p:blipFill>
+        <p:spPr>
+          <a:xfrm>
+            <a:off x="3767064" y="9513948"/>
+            <a:ext cx="13167896" cy="3626052"/>
           </a:xfrm>
           <a:prstGeom prst="rect">
             <a:avLst/>
@@ -25679,7 +26299,7 @@
     </p:spTree>
     <p:extLst>
       <p:ext uri="{BB962C8B-B14F-4D97-AF65-F5344CB8AC3E}">
-        <p14:creationId xmlns:p14="http://schemas.microsoft.com/office/powerpoint/2010/main" val="291393146"/>
+        <p14:creationId xmlns:p14="http://schemas.microsoft.com/office/powerpoint/2010/main" val="3416471125"/>
       </p:ext>
     </p:extLst>
   </p:cSld>
@@ -25708,38 +26328,10 @@
       </p:grpSpPr>
       <p:sp>
         <p:nvSpPr>
-          <p:cNvPr id="2" name="Text Placeholder 1">
+          <p:cNvPr id="2" name="Footer Placeholder 1">
             <a:extLst>
               <a:ext uri="{FF2B5EF4-FFF2-40B4-BE49-F238E27FC236}">
-                <a16:creationId xmlns:a16="http://schemas.microsoft.com/office/drawing/2014/main" id="{E0704F2D-9BCC-45BD-AB45-8AB3A276AA48}"/>
-              </a:ext>
-            </a:extLst>
-          </p:cNvPr>
-          <p:cNvSpPr>
-            <a:spLocks noGrp="1"/>
-          </p:cNvSpPr>
-          <p:nvPr>
-            <p:ph type="body" sz="quarter" idx="14"/>
-          </p:nvPr>
-        </p:nvSpPr>
-        <p:spPr/>
-        <p:txBody>
-          <a:bodyPr/>
-          <a:lstStyle/>
-          <a:p>
-            <a:r>
-              <a:rPr lang="en-AU" dirty="0"/>
-              <a:t>Q&amp;A</a:t>
-            </a:r>
-          </a:p>
-        </p:txBody>
-      </p:sp>
-      <p:sp>
-        <p:nvSpPr>
-          <p:cNvPr id="4" name="Footer Placeholder 3">
-            <a:extLst>
-              <a:ext uri="{FF2B5EF4-FFF2-40B4-BE49-F238E27FC236}">
-                <a16:creationId xmlns:a16="http://schemas.microsoft.com/office/drawing/2014/main" id="{702BB244-0143-46E9-AB0D-33C6D0BE5A90}"/>
+                <a16:creationId xmlns:a16="http://schemas.microsoft.com/office/drawing/2014/main" id="{22DA5C28-F0FD-47D6-8E92-1C9E6EA87F96}"/>
               </a:ext>
             </a:extLst>
           </p:cNvPr>
@@ -25757,20 +26349,153 @@
           <a:p>
             <a:r>
               <a:rPr lang="en-AU" dirty="0"/>
-              <a:t>© 2023 </a:t>
-            </a:r>
-            <a:r>
-              <a:rPr lang="en-AU" dirty="0" err="1"/>
-              <a:t>CargoWise</a:t>
-            </a:r>
-            <a:endParaRPr lang="en-AU" dirty="0"/>
+              <a:t>© 2023 CargoWise</a:t>
+            </a:r>
           </a:p>
         </p:txBody>
       </p:sp>
+      <p:sp>
+        <p:nvSpPr>
+          <p:cNvPr id="3" name="Slide Number Placeholder 2">
+            <a:extLst>
+              <a:ext uri="{FF2B5EF4-FFF2-40B4-BE49-F238E27FC236}">
+                <a16:creationId xmlns:a16="http://schemas.microsoft.com/office/drawing/2014/main" id="{15B20483-DDDA-4E06-872B-F88C31FDBA35}"/>
+              </a:ext>
+            </a:extLst>
+          </p:cNvPr>
+          <p:cNvSpPr>
+            <a:spLocks noGrp="1"/>
+          </p:cNvSpPr>
+          <p:nvPr>
+            <p:ph type="sldNum" sz="quarter" idx="4"/>
+          </p:nvPr>
+        </p:nvSpPr>
+        <p:spPr/>
+        <p:txBody>
+          <a:bodyPr/>
+          <a:lstStyle/>
+          <a:p>
+            <a:fld id="{67E7CB4E-0848-4774-9F85-B38117CB1B54}" type="slidenum">
+              <a:rPr lang="en-AU" smtClean="0"/>
+              <a:pPr/>
+              <a:t>19</a:t>
+            </a:fld>
+            <a:endParaRPr lang="en-AU"/>
+          </a:p>
+        </p:txBody>
+      </p:sp>
+      <p:sp>
+        <p:nvSpPr>
+          <p:cNvPr id="13" name="Title 9">
+            <a:extLst>
+              <a:ext uri="{FF2B5EF4-FFF2-40B4-BE49-F238E27FC236}">
+                <a16:creationId xmlns:a16="http://schemas.microsoft.com/office/drawing/2014/main" id="{3BAEBDBD-7B50-9F58-BD3C-27FF4C445264}"/>
+              </a:ext>
+            </a:extLst>
+          </p:cNvPr>
+          <p:cNvSpPr>
+            <a:spLocks noGrp="1"/>
+          </p:cNvSpPr>
+          <p:nvPr>
+            <p:ph type="title"/>
+          </p:nvPr>
+        </p:nvSpPr>
+        <p:spPr>
+          <a:xfrm>
+            <a:off x="1080000" y="1125271"/>
+            <a:ext cx="22201232" cy="701456"/>
+          </a:xfrm>
+        </p:spPr>
+        <p:txBody>
+          <a:bodyPr/>
+          <a:lstStyle/>
+          <a:p>
+            <a:r>
+              <a:rPr lang="en-US" b="1" dirty="0"/>
+              <a:t>3. </a:t>
+            </a:r>
+            <a:r>
+              <a:rPr lang="en-US" b="1" kern="1200" dirty="0">
+                <a:latin typeface="Calibri" panose="020F0502020204030204"/>
+                <a:ea typeface="+mn-ea"/>
+                <a:cs typeface="+mn-cs"/>
+              </a:rPr>
+              <a:t>Template Method</a:t>
+            </a:r>
+            <a:br>
+              <a:rPr lang="en-US" dirty="0"/>
+            </a:br>
+            <a:endParaRPr lang="en-US" dirty="0"/>
+          </a:p>
+        </p:txBody>
+      </p:sp>
+      <p:sp>
+        <p:nvSpPr>
+          <p:cNvPr id="4" name="Text Placeholder 6">
+            <a:extLst>
+              <a:ext uri="{FF2B5EF4-FFF2-40B4-BE49-F238E27FC236}">
+                <a16:creationId xmlns:a16="http://schemas.microsoft.com/office/drawing/2014/main" id="{0D0DC34D-D9C7-7D2D-DB7F-6B71969E0FB8}"/>
+              </a:ext>
+            </a:extLst>
+          </p:cNvPr>
+          <p:cNvSpPr>
+            <a:spLocks noGrp="1"/>
+          </p:cNvSpPr>
+          <p:nvPr>
+            <p:ph type="body" sz="quarter" idx="13"/>
+          </p:nvPr>
+        </p:nvSpPr>
+        <p:spPr>
+          <a:xfrm>
+            <a:off x="1079625" y="2105472"/>
+            <a:ext cx="22201232" cy="440298"/>
+          </a:xfrm>
+        </p:spPr>
+        <p:txBody>
+          <a:bodyPr/>
+          <a:lstStyle/>
+          <a:p>
+            <a:r>
+              <a:rPr lang="en-US" dirty="0"/>
+              <a:t>Template Method Pattern in CW1 - Example 2</a:t>
+            </a:r>
+          </a:p>
+        </p:txBody>
+      </p:sp>
+      <p:pic>
+        <p:nvPicPr>
+          <p:cNvPr id="6" name="Picture 5">
+            <a:extLst>
+              <a:ext uri="{FF2B5EF4-FFF2-40B4-BE49-F238E27FC236}">
+                <a16:creationId xmlns:a16="http://schemas.microsoft.com/office/drawing/2014/main" id="{3F500ACF-F999-CAE7-9586-8D504E1ACA33}"/>
+              </a:ext>
+            </a:extLst>
+          </p:cNvPr>
+          <p:cNvPicPr>
+            <a:picLocks noChangeAspect="1"/>
+          </p:cNvPicPr>
+          <p:nvPr/>
+        </p:nvPicPr>
+        <p:blipFill>
+          <a:blip r:embed="rId3"/>
+          <a:stretch>
+            <a:fillRect/>
+          </a:stretch>
+        </p:blipFill>
+        <p:spPr>
+          <a:xfrm>
+            <a:off x="4055096" y="3065166"/>
+            <a:ext cx="14771290" cy="8564507"/>
+          </a:xfrm>
+          <a:prstGeom prst="rect">
+            <a:avLst/>
+          </a:prstGeom>
+        </p:spPr>
+      </p:pic>
     </p:spTree>
     <p:extLst>
       <p:ext uri="{BB962C8B-B14F-4D97-AF65-F5344CB8AC3E}">
-        <p14:creationId xmlns:p14="http://schemas.microsoft.com/office/powerpoint/2010/main" val="4119860341"/>
+        <p14:creationId xmlns:p14="http://schemas.microsoft.com/office/powerpoint/2010/main" val="3591911588"/>
       </p:ext>
     </p:extLst>
   </p:cSld>
@@ -25940,6 +26665,501 @@
 </file>
 
 <file path=ppt/slides/slide20.xml><?xml version="1.0" encoding="utf-8"?>
+<p:sld xmlns:a="http://schemas.openxmlformats.org/drawingml/2006/main" xmlns:r="http://schemas.openxmlformats.org/officeDocument/2006/relationships" xmlns:p="http://schemas.openxmlformats.org/presentationml/2006/main">
+  <p:cSld>
+    <p:spTree>
+      <p:nvGrpSpPr>
+        <p:cNvPr id="1" name=""/>
+        <p:cNvGrpSpPr/>
+        <p:nvPr/>
+      </p:nvGrpSpPr>
+      <p:grpSpPr>
+        <a:xfrm>
+          <a:off x="0" y="0"/>
+          <a:ext cx="0" cy="0"/>
+          <a:chOff x="0" y="0"/>
+          <a:chExt cx="0" cy="0"/>
+        </a:xfrm>
+      </p:grpSpPr>
+      <p:sp>
+        <p:nvSpPr>
+          <p:cNvPr id="2" name="Footer Placeholder 1">
+            <a:extLst>
+              <a:ext uri="{FF2B5EF4-FFF2-40B4-BE49-F238E27FC236}">
+                <a16:creationId xmlns:a16="http://schemas.microsoft.com/office/drawing/2014/main" id="{22DA5C28-F0FD-47D6-8E92-1C9E6EA87F96}"/>
+              </a:ext>
+            </a:extLst>
+          </p:cNvPr>
+          <p:cNvSpPr>
+            <a:spLocks noGrp="1"/>
+          </p:cNvSpPr>
+          <p:nvPr>
+            <p:ph type="ftr" sz="quarter" idx="3"/>
+          </p:nvPr>
+        </p:nvSpPr>
+        <p:spPr/>
+        <p:txBody>
+          <a:bodyPr/>
+          <a:lstStyle/>
+          <a:p>
+            <a:r>
+              <a:rPr lang="en-AU" dirty="0"/>
+              <a:t>© 2023 CargoWise</a:t>
+            </a:r>
+          </a:p>
+        </p:txBody>
+      </p:sp>
+      <p:sp>
+        <p:nvSpPr>
+          <p:cNvPr id="3" name="Slide Number Placeholder 2">
+            <a:extLst>
+              <a:ext uri="{FF2B5EF4-FFF2-40B4-BE49-F238E27FC236}">
+                <a16:creationId xmlns:a16="http://schemas.microsoft.com/office/drawing/2014/main" id="{15B20483-DDDA-4E06-872B-F88C31FDBA35}"/>
+              </a:ext>
+            </a:extLst>
+          </p:cNvPr>
+          <p:cNvSpPr>
+            <a:spLocks noGrp="1"/>
+          </p:cNvSpPr>
+          <p:nvPr>
+            <p:ph type="sldNum" sz="quarter" idx="4"/>
+          </p:nvPr>
+        </p:nvSpPr>
+        <p:spPr/>
+        <p:txBody>
+          <a:bodyPr/>
+          <a:lstStyle/>
+          <a:p>
+            <a:fld id="{67E7CB4E-0848-4774-9F85-B38117CB1B54}" type="slidenum">
+              <a:rPr lang="en-AU" smtClean="0"/>
+              <a:pPr/>
+              <a:t>20</a:t>
+            </a:fld>
+            <a:endParaRPr lang="en-AU"/>
+          </a:p>
+        </p:txBody>
+      </p:sp>
+      <p:sp>
+        <p:nvSpPr>
+          <p:cNvPr id="13" name="Title 9">
+            <a:extLst>
+              <a:ext uri="{FF2B5EF4-FFF2-40B4-BE49-F238E27FC236}">
+                <a16:creationId xmlns:a16="http://schemas.microsoft.com/office/drawing/2014/main" id="{3BAEBDBD-7B50-9F58-BD3C-27FF4C445264}"/>
+              </a:ext>
+            </a:extLst>
+          </p:cNvPr>
+          <p:cNvSpPr>
+            <a:spLocks noGrp="1"/>
+          </p:cNvSpPr>
+          <p:nvPr>
+            <p:ph type="title"/>
+          </p:nvPr>
+        </p:nvSpPr>
+        <p:spPr>
+          <a:xfrm>
+            <a:off x="1080000" y="1125271"/>
+            <a:ext cx="22201232" cy="701456"/>
+          </a:xfrm>
+        </p:spPr>
+        <p:txBody>
+          <a:bodyPr/>
+          <a:lstStyle/>
+          <a:p>
+            <a:r>
+              <a:rPr lang="en-US" b="1" dirty="0"/>
+              <a:t>3. </a:t>
+            </a:r>
+            <a:r>
+              <a:rPr lang="en-US" b="1" kern="1200" dirty="0">
+                <a:latin typeface="Calibri" panose="020F0502020204030204"/>
+                <a:ea typeface="+mn-ea"/>
+                <a:cs typeface="+mn-cs"/>
+              </a:rPr>
+              <a:t>Template Method</a:t>
+            </a:r>
+            <a:br>
+              <a:rPr lang="en-US" dirty="0"/>
+            </a:br>
+            <a:endParaRPr lang="en-US" dirty="0"/>
+          </a:p>
+        </p:txBody>
+      </p:sp>
+      <p:pic>
+        <p:nvPicPr>
+          <p:cNvPr id="9" name="Picture 8">
+            <a:extLst>
+              <a:ext uri="{FF2B5EF4-FFF2-40B4-BE49-F238E27FC236}">
+                <a16:creationId xmlns:a16="http://schemas.microsoft.com/office/drawing/2014/main" id="{54594209-4A01-3BD9-8A3D-B9DD9A531B55}"/>
+              </a:ext>
+            </a:extLst>
+          </p:cNvPr>
+          <p:cNvPicPr>
+            <a:picLocks noChangeAspect="1"/>
+          </p:cNvPicPr>
+          <p:nvPr/>
+        </p:nvPicPr>
+        <p:blipFill>
+          <a:blip r:embed="rId3"/>
+          <a:stretch>
+            <a:fillRect/>
+          </a:stretch>
+        </p:blipFill>
+        <p:spPr>
+          <a:xfrm>
+            <a:off x="7727504" y="737320"/>
+            <a:ext cx="12430470" cy="12222680"/>
+          </a:xfrm>
+          <a:prstGeom prst="rect">
+            <a:avLst/>
+          </a:prstGeom>
+        </p:spPr>
+      </p:pic>
+    </p:spTree>
+    <p:extLst>
+      <p:ext uri="{BB962C8B-B14F-4D97-AF65-F5344CB8AC3E}">
+        <p14:creationId xmlns:p14="http://schemas.microsoft.com/office/powerpoint/2010/main" val="1400929125"/>
+      </p:ext>
+    </p:extLst>
+  </p:cSld>
+  <p:clrMapOvr>
+    <a:masterClrMapping/>
+  </p:clrMapOvr>
+</p:sld>
+</file>
+
+<file path=ppt/slides/slide21.xml><?xml version="1.0" encoding="utf-8"?>
+<p:sld xmlns:a="http://schemas.openxmlformats.org/drawingml/2006/main" xmlns:r="http://schemas.openxmlformats.org/officeDocument/2006/relationships" xmlns:p="http://schemas.openxmlformats.org/presentationml/2006/main">
+  <p:cSld>
+    <p:spTree>
+      <p:nvGrpSpPr>
+        <p:cNvPr id="1" name=""/>
+        <p:cNvGrpSpPr/>
+        <p:nvPr/>
+      </p:nvGrpSpPr>
+      <p:grpSpPr>
+        <a:xfrm>
+          <a:off x="0" y="0"/>
+          <a:ext cx="0" cy="0"/>
+          <a:chOff x="0" y="0"/>
+          <a:chExt cx="0" cy="0"/>
+        </a:xfrm>
+      </p:grpSpPr>
+      <p:sp>
+        <p:nvSpPr>
+          <p:cNvPr id="6" name="TextBox 5">
+            <a:extLst>
+              <a:ext uri="{FF2B5EF4-FFF2-40B4-BE49-F238E27FC236}">
+                <a16:creationId xmlns:a16="http://schemas.microsoft.com/office/drawing/2014/main" id="{3FB7BDD9-9B0E-E59D-891E-50C1F28334AE}"/>
+              </a:ext>
+            </a:extLst>
+          </p:cNvPr>
+          <p:cNvSpPr txBox="1"/>
+          <p:nvPr/>
+        </p:nvSpPr>
+        <p:spPr>
+          <a:xfrm>
+            <a:off x="1080000" y="1125271"/>
+            <a:ext cx="22201232" cy="701456"/>
+          </a:xfrm>
+          <a:prstGeom prst="rect">
+            <a:avLst/>
+          </a:prstGeom>
+        </p:spPr>
+        <p:txBody>
+          <a:bodyPr vert="horz" lIns="0" tIns="0" rIns="0" bIns="0" rtlCol="0" anchor="t">
+            <a:normAutofit lnSpcReduction="10000"/>
+          </a:bodyPr>
+          <a:lstStyle/>
+          <a:p>
+            <a:pPr defTabSz="2438430">
+              <a:lnSpc>
+                <a:spcPct val="85000"/>
+              </a:lnSpc>
+              <a:spcBef>
+                <a:spcPct val="0"/>
+              </a:spcBef>
+              <a:spcAft>
+                <a:spcPts val="1200"/>
+              </a:spcAft>
+            </a:pPr>
+            <a:r>
+              <a:rPr lang="en-US" sz="5400" b="1" spc="-50" dirty="0">
+                <a:solidFill>
+                  <a:schemeClr val="accent2"/>
+                </a:solidFill>
+                <a:latin typeface="+mj-lt"/>
+                <a:ea typeface="+mj-ea"/>
+                <a:cs typeface="+mj-cs"/>
+              </a:rPr>
+              <a:t>Behavioral</a:t>
+            </a:r>
+            <a:r>
+              <a:rPr lang="en-US" sz="5000" spc="-50" dirty="0">
+                <a:solidFill>
+                  <a:schemeClr val="accent2"/>
+                </a:solidFill>
+                <a:latin typeface="+mj-lt"/>
+                <a:ea typeface="+mj-ea"/>
+                <a:cs typeface="+mj-cs"/>
+              </a:rPr>
+              <a:t> </a:t>
+            </a:r>
+            <a:r>
+              <a:rPr lang="en-US" sz="5400" b="1" spc="-50" dirty="0">
+                <a:solidFill>
+                  <a:schemeClr val="accent2"/>
+                </a:solidFill>
+                <a:latin typeface="+mj-lt"/>
+                <a:ea typeface="+mj-ea"/>
+                <a:cs typeface="+mj-cs"/>
+              </a:rPr>
+              <a:t>Design</a:t>
+            </a:r>
+            <a:r>
+              <a:rPr lang="en-US" sz="5000" spc="-50" dirty="0">
+                <a:solidFill>
+                  <a:schemeClr val="accent2"/>
+                </a:solidFill>
+                <a:latin typeface="+mj-lt"/>
+                <a:ea typeface="+mj-ea"/>
+                <a:cs typeface="+mj-cs"/>
+              </a:rPr>
+              <a:t> </a:t>
+            </a:r>
+            <a:r>
+              <a:rPr lang="en-US" sz="5400" b="1" spc="-50" dirty="0">
+                <a:solidFill>
+                  <a:schemeClr val="accent2"/>
+                </a:solidFill>
+                <a:latin typeface="+mj-lt"/>
+                <a:ea typeface="+mj-ea"/>
+                <a:cs typeface="+mj-cs"/>
+              </a:rPr>
+              <a:t>Patterns</a:t>
+            </a:r>
+          </a:p>
+        </p:txBody>
+      </p:sp>
+      <p:sp>
+        <p:nvSpPr>
+          <p:cNvPr id="13" name="Footer Placeholder 4">
+            <a:extLst>
+              <a:ext uri="{FF2B5EF4-FFF2-40B4-BE49-F238E27FC236}">
+                <a16:creationId xmlns:a16="http://schemas.microsoft.com/office/drawing/2014/main" id="{3ECFF561-806D-930C-FF5C-2DB328C2407B}"/>
+              </a:ext>
+            </a:extLst>
+          </p:cNvPr>
+          <p:cNvSpPr>
+            <a:spLocks noGrp="1"/>
+          </p:cNvSpPr>
+          <p:nvPr>
+            <p:ph type="ftr" sz="quarter" idx="3"/>
+          </p:nvPr>
+        </p:nvSpPr>
+        <p:spPr>
+          <a:xfrm>
+            <a:off x="1535016" y="12960000"/>
+            <a:ext cx="2016024" cy="180000"/>
+          </a:xfrm>
+        </p:spPr>
+        <p:txBody>
+          <a:bodyPr/>
+          <a:lstStyle/>
+          <a:p>
+            <a:pPr>
+              <a:spcAft>
+                <a:spcPts val="600"/>
+              </a:spcAft>
+            </a:pPr>
+            <a:r>
+              <a:rPr lang="en-AU" dirty="0"/>
+              <a:t>© 2023 </a:t>
+            </a:r>
+            <a:r>
+              <a:rPr lang="en-AU" dirty="0" err="1"/>
+              <a:t>CargoWise</a:t>
+            </a:r>
+            <a:endParaRPr lang="en-AU" dirty="0"/>
+          </a:p>
+        </p:txBody>
+      </p:sp>
+      <p:sp>
+        <p:nvSpPr>
+          <p:cNvPr id="15" name="Slide Number Placeholder 5">
+            <a:extLst>
+              <a:ext uri="{FF2B5EF4-FFF2-40B4-BE49-F238E27FC236}">
+                <a16:creationId xmlns:a16="http://schemas.microsoft.com/office/drawing/2014/main" id="{7DA3C72D-E3B7-AFD2-2367-1B8758B57B30}"/>
+              </a:ext>
+            </a:extLst>
+          </p:cNvPr>
+          <p:cNvSpPr>
+            <a:spLocks noGrp="1"/>
+          </p:cNvSpPr>
+          <p:nvPr>
+            <p:ph type="sldNum" sz="quarter" idx="4"/>
+          </p:nvPr>
+        </p:nvSpPr>
+        <p:spPr>
+          <a:xfrm>
+            <a:off x="1080000" y="12960000"/>
+            <a:ext cx="310800" cy="180000"/>
+          </a:xfrm>
+        </p:spPr>
+        <p:txBody>
+          <a:bodyPr/>
+          <a:lstStyle/>
+          <a:p>
+            <a:pPr>
+              <a:spcAft>
+                <a:spcPts val="600"/>
+              </a:spcAft>
+            </a:pPr>
+            <a:fld id="{67E7CB4E-0848-4774-9F85-B38117CB1B54}" type="slidenum">
+              <a:rPr lang="en-AU" smtClean="0"/>
+              <a:pPr>
+                <a:spcAft>
+                  <a:spcPts val="600"/>
+                </a:spcAft>
+              </a:pPr>
+              <a:t>21</a:t>
+            </a:fld>
+            <a:endParaRPr lang="en-AU"/>
+          </a:p>
+        </p:txBody>
+      </p:sp>
+      <p:graphicFrame>
+        <p:nvGraphicFramePr>
+          <p:cNvPr id="4" name="Diagram 3">
+            <a:extLst>
+              <a:ext uri="{FF2B5EF4-FFF2-40B4-BE49-F238E27FC236}">
+                <a16:creationId xmlns:a16="http://schemas.microsoft.com/office/drawing/2014/main" id="{F24AEBD7-4394-A74A-64EE-2AE4E6086DB6}"/>
+              </a:ext>
+            </a:extLst>
+          </p:cNvPr>
+          <p:cNvGraphicFramePr/>
+          <p:nvPr>
+            <p:extLst>
+              <p:ext uri="{D42A27DB-BD31-4B8C-83A1-F6EECF244321}">
+                <p14:modId xmlns:p14="http://schemas.microsoft.com/office/powerpoint/2010/main" val="363978816"/>
+              </p:ext>
+            </p:extLst>
+          </p:nvPr>
+        </p:nvGraphicFramePr>
+        <p:xfrm>
+          <a:off x="8447584" y="2465512"/>
+          <a:ext cx="5472608" cy="7776864"/>
+        </p:xfrm>
+        <a:graphic>
+          <a:graphicData uri="http://schemas.openxmlformats.org/drawingml/2006/diagram">
+            <dgm:relIds xmlns:dgm="http://schemas.openxmlformats.org/drawingml/2006/diagram" xmlns:r="http://schemas.openxmlformats.org/officeDocument/2006/relationships" r:dm="rId3" r:lo="rId4" r:qs="rId5" r:cs="rId6"/>
+          </a:graphicData>
+        </a:graphic>
+      </p:graphicFrame>
+    </p:spTree>
+    <p:extLst>
+      <p:ext uri="{BB962C8B-B14F-4D97-AF65-F5344CB8AC3E}">
+        <p14:creationId xmlns:p14="http://schemas.microsoft.com/office/powerpoint/2010/main" val="291393146"/>
+      </p:ext>
+    </p:extLst>
+  </p:cSld>
+  <p:clrMapOvr>
+    <a:masterClrMapping/>
+  </p:clrMapOvr>
+</p:sld>
+</file>
+
+<file path=ppt/slides/slide22.xml><?xml version="1.0" encoding="utf-8"?>
+<p:sld xmlns:a="http://schemas.openxmlformats.org/drawingml/2006/main" xmlns:r="http://schemas.openxmlformats.org/officeDocument/2006/relationships" xmlns:p="http://schemas.openxmlformats.org/presentationml/2006/main">
+  <p:cSld>
+    <p:spTree>
+      <p:nvGrpSpPr>
+        <p:cNvPr id="1" name=""/>
+        <p:cNvGrpSpPr/>
+        <p:nvPr/>
+      </p:nvGrpSpPr>
+      <p:grpSpPr>
+        <a:xfrm>
+          <a:off x="0" y="0"/>
+          <a:ext cx="0" cy="0"/>
+          <a:chOff x="0" y="0"/>
+          <a:chExt cx="0" cy="0"/>
+        </a:xfrm>
+      </p:grpSpPr>
+      <p:sp>
+        <p:nvSpPr>
+          <p:cNvPr id="2" name="Text Placeholder 1">
+            <a:extLst>
+              <a:ext uri="{FF2B5EF4-FFF2-40B4-BE49-F238E27FC236}">
+                <a16:creationId xmlns:a16="http://schemas.microsoft.com/office/drawing/2014/main" id="{E0704F2D-9BCC-45BD-AB45-8AB3A276AA48}"/>
+              </a:ext>
+            </a:extLst>
+          </p:cNvPr>
+          <p:cNvSpPr>
+            <a:spLocks noGrp="1"/>
+          </p:cNvSpPr>
+          <p:nvPr>
+            <p:ph type="body" sz="quarter" idx="14"/>
+          </p:nvPr>
+        </p:nvSpPr>
+        <p:spPr/>
+        <p:txBody>
+          <a:bodyPr/>
+          <a:lstStyle/>
+          <a:p>
+            <a:r>
+              <a:rPr lang="en-AU" dirty="0"/>
+              <a:t>Q&amp;A</a:t>
+            </a:r>
+          </a:p>
+        </p:txBody>
+      </p:sp>
+      <p:sp>
+        <p:nvSpPr>
+          <p:cNvPr id="4" name="Footer Placeholder 3">
+            <a:extLst>
+              <a:ext uri="{FF2B5EF4-FFF2-40B4-BE49-F238E27FC236}">
+                <a16:creationId xmlns:a16="http://schemas.microsoft.com/office/drawing/2014/main" id="{702BB244-0143-46E9-AB0D-33C6D0BE5A90}"/>
+              </a:ext>
+            </a:extLst>
+          </p:cNvPr>
+          <p:cNvSpPr>
+            <a:spLocks noGrp="1"/>
+          </p:cNvSpPr>
+          <p:nvPr>
+            <p:ph type="ftr" sz="quarter" idx="3"/>
+          </p:nvPr>
+        </p:nvSpPr>
+        <p:spPr/>
+        <p:txBody>
+          <a:bodyPr/>
+          <a:lstStyle/>
+          <a:p>
+            <a:r>
+              <a:rPr lang="en-AU" dirty="0"/>
+              <a:t>© 2023 </a:t>
+            </a:r>
+            <a:r>
+              <a:rPr lang="en-AU" dirty="0" err="1"/>
+              <a:t>CargoWise</a:t>
+            </a:r>
+            <a:endParaRPr lang="en-AU" dirty="0"/>
+          </a:p>
+        </p:txBody>
+      </p:sp>
+    </p:spTree>
+    <p:extLst>
+      <p:ext uri="{BB962C8B-B14F-4D97-AF65-F5344CB8AC3E}">
+        <p14:creationId xmlns:p14="http://schemas.microsoft.com/office/powerpoint/2010/main" val="4119860341"/>
+      </p:ext>
+    </p:extLst>
+  </p:cSld>
+  <p:clrMapOvr>
+    <a:masterClrMapping/>
+  </p:clrMapOvr>
+</p:sld>
+</file>
+
+<file path=ppt/slides/slide23.xml><?xml version="1.0" encoding="utf-8"?>
 <p:sld xmlns:a="http://schemas.openxmlformats.org/drawingml/2006/main" xmlns:r="http://schemas.openxmlformats.org/officeDocument/2006/relationships" xmlns:p="http://schemas.openxmlformats.org/presentationml/2006/main">
   <p:cSld>
     <p:spTree>
@@ -29052,6 +30272,15 @@
 </file>
 
 <file path=customXml/item2.xml><?xml version="1.0" encoding="utf-8"?>
+<?mso-contentType ?>
+<FormTemplates xmlns="http://schemas.microsoft.com/sharepoint/v3/contenttype/forms">
+  <Display>DocumentLibraryForm</Display>
+  <Edit>DocumentLibraryForm</Edit>
+  <New>DocumentLibraryForm</New>
+</FormTemplates>
+</file>
+
+<file path=customXml/item3.xml><?xml version="1.0" encoding="utf-8"?>
 <ct:contentTypeSchema xmlns:ct="http://schemas.microsoft.com/office/2006/metadata/contentType" xmlns:ma="http://schemas.microsoft.com/office/2006/metadata/properties/metaAttributes" ct:_="" ma:_="" ma:contentTypeName="Document" ma:contentTypeID="0x010100EEBA5D7D688A8D40BC8134A23630083E" ma:contentTypeVersion="17" ma:contentTypeDescription="Create a new document." ma:contentTypeScope="" ma:versionID="6c9f025c4a6d5a921d1240212dd2136e">
   <xsd:schema xmlns:xsd="http://www.w3.org/2001/XMLSchema" xmlns:xs="http://www.w3.org/2001/XMLSchema" xmlns:p="http://schemas.microsoft.com/office/2006/metadata/properties" xmlns:ns2="5b887053-13c9-4ef0-8e1a-18d371f97b0f" xmlns:ns3="0cb0f8a9-a4a1-4c3c-bc15-be6ee1e258a4" targetNamespace="http://schemas.microsoft.com/office/2006/metadata/properties" ma:root="true" ma:fieldsID="76276428416178d444d5a49df65bd1b6" ns2:_="" ns3:_="">
     <xsd:import namespace="5b887053-13c9-4ef0-8e1a-18d371f97b0f"/>
@@ -29284,15 +30513,6 @@
 </ct:contentTypeSchema>
 </file>
 
-<file path=customXml/item3.xml><?xml version="1.0" encoding="utf-8"?>
-<?mso-contentType ?>
-<FormTemplates xmlns="http://schemas.microsoft.com/sharepoint/v3/contenttype/forms">
-  <Display>DocumentLibraryForm</Display>
-  <Edit>DocumentLibraryForm</Edit>
-  <New>DocumentLibraryForm</New>
-</FormTemplates>
-</file>
-
 <file path=customXml/itemProps1.xml><?xml version="1.0" encoding="utf-8"?>
 <ds:datastoreItem xmlns:ds="http://schemas.openxmlformats.org/officeDocument/2006/customXml" ds:itemID="{FDC47B46-8518-488D-ACE5-55099526A1A9}">
   <ds:schemaRefs>
@@ -29311,6 +30531,14 @@
 </file>
 
 <file path=customXml/itemProps2.xml><?xml version="1.0" encoding="utf-8"?>
+<ds:datastoreItem xmlns:ds="http://schemas.openxmlformats.org/officeDocument/2006/customXml" ds:itemID="{D703E6E5-489B-4004-B595-51B1421CF944}">
+  <ds:schemaRefs>
+    <ds:schemaRef ds:uri="http://schemas.microsoft.com/sharepoint/v3/contenttype/forms"/>
+  </ds:schemaRefs>
+</ds:datastoreItem>
+</file>
+
+<file path=customXml/itemProps3.xml><?xml version="1.0" encoding="utf-8"?>
 <ds:datastoreItem xmlns:ds="http://schemas.openxmlformats.org/officeDocument/2006/customXml" ds:itemID="{3ACBF87C-9E24-4F0A-85E5-D0AA1A6E191C}">
   <ds:schemaRefs>
     <ds:schemaRef ds:uri="http://schemas.microsoft.com/office/2006/metadata/contentType"/>
@@ -29327,12 +30555,4 @@
     <ds:schemaRef ds:uri="http://schemas.microsoft.com/internal/obd"/>
   </ds:schemaRefs>
 </ds:datastoreItem>
-</file>
-
-<file path=customXml/itemProps3.xml><?xml version="1.0" encoding="utf-8"?>
-<ds:datastoreItem xmlns:ds="http://schemas.openxmlformats.org/officeDocument/2006/customXml" ds:itemID="{D703E6E5-489B-4004-B595-51B1421CF944}">
-  <ds:schemaRefs>
-    <ds:schemaRef ds:uri="http://schemas.microsoft.com/sharepoint/v3/contenttype/forms"/>
-  </ds:schemaRefs>
-</ds:datastoreItem>
 </file>
--- a/DesignPatterns/Behavioral Design Patterns/Behavioral Design Patterns - WTG.pptx
+++ b/DesignPatterns/Behavioral Design Patterns/Behavioral Design Patterns - WTG.pptx
@@ -20,8 +20,8 @@
     <p:sldId id="326" r:id="rId11"/>
     <p:sldId id="319" r:id="rId12"/>
     <p:sldId id="306" r:id="rId13"/>
-    <p:sldId id="320" r:id="rId14"/>
-    <p:sldId id="307" r:id="rId15"/>
+    <p:sldId id="307" r:id="rId14"/>
+    <p:sldId id="320" r:id="rId15"/>
     <p:sldId id="308" r:id="rId16"/>
     <p:sldId id="327" r:id="rId17"/>
     <p:sldId id="329" r:id="rId18"/>
@@ -157,7 +157,7 @@
 <file path=ppt/revisionInfo.xml><?xml version="1.0" encoding="utf-8"?>
 <p1510:revInfo xmlns:a="http://schemas.openxmlformats.org/drawingml/2006/main" xmlns:r="http://schemas.openxmlformats.org/officeDocument/2006/relationships" xmlns:p1510="http://schemas.microsoft.com/office/powerpoint/2015/10/main">
   <p1510:revLst>
-    <p1510:client id="{7058694A-483B-403F-89BA-FD8C3FB39D35}" v="556" dt="2023-09-26T17:57:28.190"/>
+    <p1510:client id="{7058694A-483B-403F-89BA-FD8C3FB39D35}" v="567" dt="2023-09-26T18:18:14.135"/>
   </p1510:revLst>
 </p1510:revInfo>
 </file>
@@ -946,7 +946,7 @@
   <pc:docChgLst>
     <pc:chgData name="Nancy Li" userId="afc5209a-cf39-48d8-a57f-08cc8b772ec9" providerId="ADAL" clId="{7058694A-483B-403F-89BA-FD8C3FB39D35}"/>
     <pc:docChg chg="undo custSel addSld delSld modSld sldOrd">
-      <pc:chgData name="Nancy Li" userId="afc5209a-cf39-48d8-a57f-08cc8b772ec9" providerId="ADAL" clId="{7058694A-483B-403F-89BA-FD8C3FB39D35}" dt="2023-09-26T18:00:14.651" v="2022" actId="1076"/>
+      <pc:chgData name="Nancy Li" userId="afc5209a-cf39-48d8-a57f-08cc8b772ec9" providerId="ADAL" clId="{7058694A-483B-403F-89BA-FD8C3FB39D35}" dt="2023-09-26T18:26:14.481" v="2058" actId="6549"/>
       <pc:docMkLst>
         <pc:docMk/>
       </pc:docMkLst>
@@ -978,8 +978,8 @@
           <pc:sldMk cId="2895557782" sldId="275"/>
         </pc:sldMkLst>
       </pc:sldChg>
-      <pc:sldChg chg="addSp delSp modSp mod ord">
-        <pc:chgData name="Nancy Li" userId="afc5209a-cf39-48d8-a57f-08cc8b772ec9" providerId="ADAL" clId="{7058694A-483B-403F-89BA-FD8C3FB39D35}" dt="2023-09-26T18:00:14.651" v="2022" actId="1076"/>
+      <pc:sldChg chg="addSp delSp modSp mod ord modNotesTx">
+        <pc:chgData name="Nancy Li" userId="afc5209a-cf39-48d8-a57f-08cc8b772ec9" providerId="ADAL" clId="{7058694A-483B-403F-89BA-FD8C3FB39D35}" dt="2023-09-26T18:26:14.481" v="2058" actId="6549"/>
         <pc:sldMkLst>
           <pc:docMk/>
           <pc:sldMk cId="291393146" sldId="290"/>
@@ -1009,14 +1009,14 @@
         </pc:sldMkLst>
       </pc:sldChg>
       <pc:sldChg chg="modNotesTx">
-        <pc:chgData name="Nancy Li" userId="afc5209a-cf39-48d8-a57f-08cc8b772ec9" providerId="ADAL" clId="{7058694A-483B-403F-89BA-FD8C3FB39D35}" dt="2023-09-25T14:11:41.931" v="893" actId="20577"/>
+        <pc:chgData name="Nancy Li" userId="afc5209a-cf39-48d8-a57f-08cc8b772ec9" providerId="ADAL" clId="{7058694A-483B-403F-89BA-FD8C3FB39D35}" dt="2023-09-26T18:14:31.548" v="2028" actId="20577"/>
         <pc:sldMkLst>
           <pc:docMk/>
           <pc:sldMk cId="2615158704" sldId="306"/>
         </pc:sldMkLst>
       </pc:sldChg>
-      <pc:sldChg chg="modSp mod modNotesTx">
-        <pc:chgData name="Nancy Li" userId="afc5209a-cf39-48d8-a57f-08cc8b772ec9" providerId="ADAL" clId="{7058694A-483B-403F-89BA-FD8C3FB39D35}" dt="2023-09-25T14:13:59.963" v="894"/>
+      <pc:sldChg chg="modSp mod ord modNotesTx">
+        <pc:chgData name="Nancy Li" userId="afc5209a-cf39-48d8-a57f-08cc8b772ec9" providerId="ADAL" clId="{7058694A-483B-403F-89BA-FD8C3FB39D35}" dt="2023-09-26T18:17:06.282" v="2034"/>
         <pc:sldMkLst>
           <pc:docMk/>
           <pc:sldMk cId="4133899762" sldId="307"/>
@@ -1356,7 +1356,7 @@
         </pc:picChg>
       </pc:sldChg>
       <pc:sldChg chg="addSp delSp modSp add mod modNotesTx">
-        <pc:chgData name="Nancy Li" userId="afc5209a-cf39-48d8-a57f-08cc8b772ec9" providerId="ADAL" clId="{7058694A-483B-403F-89BA-FD8C3FB39D35}" dt="2023-09-26T17:09:40.380" v="1848" actId="20577"/>
+        <pc:chgData name="Nancy Li" userId="afc5209a-cf39-48d8-a57f-08cc8b772ec9" providerId="ADAL" clId="{7058694A-483B-403F-89BA-FD8C3FB39D35}" dt="2023-09-26T18:18:22.346" v="2046"/>
         <pc:sldMkLst>
           <pc:docMk/>
           <pc:sldMk cId="853015841" sldId="320"/>
@@ -1370,7 +1370,7 @@
           </ac:picMkLst>
         </pc:picChg>
         <pc:picChg chg="add mod">
-          <ac:chgData name="Nancy Li" userId="afc5209a-cf39-48d8-a57f-08cc8b772ec9" providerId="ADAL" clId="{7058694A-483B-403F-89BA-FD8C3FB39D35}" dt="2023-09-25T13:36:44.730" v="666" actId="1076"/>
+          <ac:chgData name="Nancy Li" userId="afc5209a-cf39-48d8-a57f-08cc8b772ec9" providerId="ADAL" clId="{7058694A-483B-403F-89BA-FD8C3FB39D35}" dt="2023-09-26T18:18:03.324" v="2041" actId="1076"/>
           <ac:picMkLst>
             <pc:docMk/>
             <pc:sldMk cId="853015841" sldId="320"/>
@@ -1378,7 +1378,7 @@
           </ac:picMkLst>
         </pc:picChg>
         <pc:picChg chg="add mod">
-          <ac:chgData name="Nancy Li" userId="afc5209a-cf39-48d8-a57f-08cc8b772ec9" providerId="ADAL" clId="{7058694A-483B-403F-89BA-FD8C3FB39D35}" dt="2023-09-25T13:36:54.540" v="669" actId="1076"/>
+          <ac:chgData name="Nancy Li" userId="afc5209a-cf39-48d8-a57f-08cc8b772ec9" providerId="ADAL" clId="{7058694A-483B-403F-89BA-FD8C3FB39D35}" dt="2023-09-26T18:18:02.434" v="2040" actId="1076"/>
           <ac:picMkLst>
             <pc:docMk/>
             <pc:sldMk cId="853015841" sldId="320"/>
@@ -1386,7 +1386,7 @@
           </ac:picMkLst>
         </pc:picChg>
         <pc:picChg chg="add mod modCrop">
-          <ac:chgData name="Nancy Li" userId="afc5209a-cf39-48d8-a57f-08cc8b772ec9" providerId="ADAL" clId="{7058694A-483B-403F-89BA-FD8C3FB39D35}" dt="2023-09-25T13:36:51.602" v="668" actId="732"/>
+          <ac:chgData name="Nancy Li" userId="afc5209a-cf39-48d8-a57f-08cc8b772ec9" providerId="ADAL" clId="{7058694A-483B-403F-89BA-FD8C3FB39D35}" dt="2023-09-26T18:18:00.635" v="2038" actId="1076"/>
           <ac:picMkLst>
             <pc:docMk/>
             <pc:sldMk cId="853015841" sldId="320"/>
@@ -1652,7 +1652,7 @@
         </pc:picChg>
       </pc:sldChg>
       <pc:sldChg chg="addSp delSp modSp add mod delAnim modAnim modNotesTx">
-        <pc:chgData name="Nancy Li" userId="afc5209a-cf39-48d8-a57f-08cc8b772ec9" providerId="ADAL" clId="{7058694A-483B-403F-89BA-FD8C3FB39D35}" dt="2023-09-26T16:55:48.472" v="1845" actId="20577"/>
+        <pc:chgData name="Nancy Li" userId="afc5209a-cf39-48d8-a57f-08cc8b772ec9" providerId="ADAL" clId="{7058694A-483B-403F-89BA-FD8C3FB39D35}" dt="2023-09-26T18:11:32.427" v="2027" actId="20577"/>
         <pc:sldMkLst>
           <pc:docMk/>
           <pc:sldMk cId="528489567" sldId="326"/>
@@ -15370,116 +15370,125 @@
           <a:bodyPr/>
           <a:lstStyle/>
           <a:p>
-            <a:pPr marL="0" marR="0" lvl="0" indent="0" algn="l" defTabSz="2438339" rtl="0" eaLnBrk="1" fontAlgn="auto" latinLnBrk="0" hangingPunct="1">
-              <a:lnSpc>
-                <a:spcPct val="100000"/>
-              </a:lnSpc>
-              <a:spcBef>
-                <a:spcPts val="0"/>
-              </a:spcBef>
-              <a:spcAft>
-                <a:spcPts val="0"/>
-              </a:spcAft>
-              <a:buClrTx/>
-              <a:buSzTx/>
-              <a:buFontTx/>
-              <a:buNone/>
-              <a:tabLst/>
-              <a:defRPr/>
+            <a:pPr algn="l"/>
+            <a:r>
+              <a:rPr lang="zh-CN" altLang="en-US" b="0" i="0" dirty="0">
+                <a:solidFill>
+                  <a:srgbClr val="FFFFFF"/>
+                </a:solidFill>
+                <a:effectLst/>
+                <a:latin typeface="-apple-system"/>
+              </a:rPr>
+              <a:t>策略模式通常包含三个主要的组成部分：</a:t>
+            </a:r>
+          </a:p>
+          <a:p>
+            <a:pPr algn="l">
+              <a:buFont typeface="Arial" panose="020B0604020202020204" pitchFamily="34" charset="0"/>
+              <a:buChar char="•"/>
             </a:pPr>
             <a:r>
-              <a:rPr lang="zh-CN" altLang="en-US" dirty="0"/>
-              <a:t>首先，你需要定义一个上下文类，该类包含一个策略接口的引用。</a:t>
-            </a:r>
-            <a:endParaRPr lang="en-US" altLang="zh-CN" dirty="0"/>
-          </a:p>
-          <a:p>
-            <a:pPr marL="0" marR="0" lvl="0" indent="0" algn="l" defTabSz="2438339" rtl="0" eaLnBrk="1" fontAlgn="auto" latinLnBrk="0" hangingPunct="1">
-              <a:lnSpc>
-                <a:spcPct val="100000"/>
-              </a:lnSpc>
-              <a:spcBef>
-                <a:spcPts val="0"/>
-              </a:spcBef>
-              <a:spcAft>
-                <a:spcPts val="0"/>
-              </a:spcAft>
-              <a:buClrTx/>
-              <a:buSzTx/>
-              <a:buFontTx/>
-              <a:buNone/>
-              <a:tabLst/>
-              <a:defRPr/>
+              <a:rPr lang="zh-CN" altLang="en-US" b="0" i="0" dirty="0">
+                <a:solidFill>
+                  <a:srgbClr val="FFFFFF"/>
+                </a:solidFill>
+                <a:effectLst/>
+                <a:latin typeface="-apple-system"/>
+              </a:rPr>
+              <a:t>上下文（</a:t>
+            </a:r>
+            <a:r>
+              <a:rPr lang="en-US" altLang="zh-CN" b="0" i="0" dirty="0">
+                <a:solidFill>
+                  <a:srgbClr val="FFFFFF"/>
+                </a:solidFill>
+                <a:effectLst/>
+                <a:latin typeface="-apple-system"/>
+              </a:rPr>
+              <a:t>Context</a:t>
+            </a:r>
+            <a:r>
+              <a:rPr lang="zh-CN" altLang="en-US" b="0" i="0" dirty="0">
+                <a:solidFill>
+                  <a:srgbClr val="FFFFFF"/>
+                </a:solidFill>
+                <a:effectLst/>
+                <a:latin typeface="-apple-system"/>
+              </a:rPr>
+              <a:t>）：上下文是策略模式的核心，它包含了策略的引用，并在运行时调用所选择的策略。</a:t>
+            </a:r>
+          </a:p>
+          <a:p>
+            <a:pPr algn="l">
+              <a:buFont typeface="Arial" panose="020B0604020202020204" pitchFamily="34" charset="0"/>
+              <a:buChar char="•"/>
             </a:pPr>
-            <a:endParaRPr lang="en-US" altLang="zh-CN" dirty="0"/>
-          </a:p>
-          <a:p>
-            <a:pPr marL="0" marR="0" lvl="0" indent="0" algn="l" defTabSz="2438339" rtl="0" eaLnBrk="1" fontAlgn="auto" latinLnBrk="0" hangingPunct="1">
-              <a:lnSpc>
-                <a:spcPct val="100000"/>
-              </a:lnSpc>
-              <a:spcBef>
-                <a:spcPts val="0"/>
-              </a:spcBef>
-              <a:spcAft>
-                <a:spcPts val="0"/>
-              </a:spcAft>
-              <a:buClrTx/>
-              <a:buSzTx/>
-              <a:buFontTx/>
-              <a:buNone/>
-              <a:tabLst/>
-              <a:defRPr/>
+            <a:r>
+              <a:rPr lang="zh-CN" altLang="en-US" b="0" i="0" dirty="0">
+                <a:solidFill>
+                  <a:srgbClr val="FFFFFF"/>
+                </a:solidFill>
+                <a:effectLst/>
+                <a:latin typeface="-apple-system"/>
+              </a:rPr>
+              <a:t>策略接口（</a:t>
+            </a:r>
+            <a:r>
+              <a:rPr lang="en-US" altLang="zh-CN" b="0" i="0" dirty="0">
+                <a:solidFill>
+                  <a:srgbClr val="FFFFFF"/>
+                </a:solidFill>
+                <a:effectLst/>
+                <a:latin typeface="-apple-system"/>
+              </a:rPr>
+              <a:t>Strategy Interface</a:t>
+            </a:r>
+            <a:r>
+              <a:rPr lang="zh-CN" altLang="en-US" b="0" i="0" dirty="0">
+                <a:solidFill>
+                  <a:srgbClr val="FFFFFF"/>
+                </a:solidFill>
+                <a:effectLst/>
+                <a:latin typeface="-apple-system"/>
+              </a:rPr>
+              <a:t>）：策略接口定义了所有具体策略类必须实现的方法，确保它们具有一致的行为。</a:t>
+            </a:r>
+          </a:p>
+          <a:p>
+            <a:pPr algn="l">
+              <a:buFont typeface="Arial" panose="020B0604020202020204" pitchFamily="34" charset="0"/>
+              <a:buChar char="•"/>
             </a:pPr>
             <a:r>
-              <a:rPr lang="zh-CN" altLang="en-US" dirty="0"/>
-              <a:t>然后，实现不同的具体策略类，每个类都实现了策略接口，并提供了自己的算法或策略。</a:t>
-            </a:r>
-            <a:endParaRPr lang="en-US" altLang="zh-CN" dirty="0"/>
-          </a:p>
-          <a:p>
-            <a:pPr marL="0" marR="0" lvl="0" indent="0" algn="l" defTabSz="2438339" rtl="0" eaLnBrk="1" fontAlgn="auto" latinLnBrk="0" hangingPunct="1">
-              <a:lnSpc>
-                <a:spcPct val="100000"/>
-              </a:lnSpc>
-              <a:spcBef>
-                <a:spcPts val="0"/>
-              </a:spcBef>
-              <a:spcAft>
-                <a:spcPts val="0"/>
-              </a:spcAft>
-              <a:buClrTx/>
-              <a:buSzTx/>
-              <a:buFontTx/>
-              <a:buNone/>
-              <a:tabLst/>
-              <a:defRPr/>
-            </a:pPr>
-            <a:endParaRPr lang="en-US" altLang="zh-CN" dirty="0"/>
-          </a:p>
-          <a:p>
-            <a:pPr marL="0" marR="0" lvl="0" indent="0" algn="l" defTabSz="2438339" rtl="0" eaLnBrk="1" fontAlgn="auto" latinLnBrk="0" hangingPunct="1">
-              <a:lnSpc>
-                <a:spcPct val="100000"/>
-              </a:lnSpc>
-              <a:spcBef>
-                <a:spcPts val="0"/>
-              </a:spcBef>
-              <a:spcAft>
-                <a:spcPts val="0"/>
-              </a:spcAft>
-              <a:buClrTx/>
-              <a:buSzTx/>
-              <a:buFontTx/>
-              <a:buNone/>
-              <a:tabLst/>
-              <a:defRPr/>
-            </a:pPr>
-            <a:r>
-              <a:rPr lang="zh-CN" altLang="en-US" dirty="0"/>
-              <a:t>在运行时，你可以根据需要选择并设置合适的策略对象，并将其注入给上下文类。上下文类将调用所选策略的方法来完成相应的操作。</a:t>
-            </a:r>
-            <a:endParaRPr lang="en-US" dirty="0"/>
+              <a:rPr lang="zh-CN" altLang="en-US" b="0" i="0" dirty="0">
+                <a:solidFill>
+                  <a:srgbClr val="FFFFFF"/>
+                </a:solidFill>
+                <a:effectLst/>
+                <a:latin typeface="-apple-system"/>
+              </a:rPr>
+              <a:t>具体策略类（</a:t>
+            </a:r>
+            <a:r>
+              <a:rPr lang="en-US" altLang="zh-CN" b="0" i="0" dirty="0">
+                <a:solidFill>
+                  <a:srgbClr val="FFFFFF"/>
+                </a:solidFill>
+                <a:effectLst/>
+                <a:latin typeface="-apple-system"/>
+              </a:rPr>
+              <a:t>Concrete Strategies</a:t>
+            </a:r>
+            <a:r>
+              <a:rPr lang="zh-CN" altLang="en-US" b="0" i="0" dirty="0">
+                <a:solidFill>
+                  <a:srgbClr val="FFFFFF"/>
+                </a:solidFill>
+                <a:effectLst/>
+                <a:latin typeface="-apple-system"/>
+              </a:rPr>
+              <a:t>）：每个具体策略类都实现了策略接口，并提供了具体的算法或策略的实现。</a:t>
+            </a:r>
           </a:p>
           <a:p>
             <a:endParaRPr lang="en-US" dirty="0"/>
@@ -15512,7 +15521,7 @@
     </p:spTree>
     <p:extLst>
       <p:ext uri="{BB962C8B-B14F-4D97-AF65-F5344CB8AC3E}">
-        <p14:creationId xmlns:p14="http://schemas.microsoft.com/office/powerpoint/2010/main" val="3793416727"/>
+        <p14:creationId xmlns:p14="http://schemas.microsoft.com/office/powerpoint/2010/main" val="3007327655"/>
       </p:ext>
     </p:extLst>
   </p:cSld>
@@ -15566,125 +15575,116 @@
           <a:bodyPr/>
           <a:lstStyle/>
           <a:p>
-            <a:pPr algn="l"/>
-            <a:r>
-              <a:rPr lang="zh-CN" altLang="en-US" b="0" i="0" dirty="0">
-                <a:solidFill>
-                  <a:srgbClr val="FFFFFF"/>
-                </a:solidFill>
-                <a:effectLst/>
-                <a:latin typeface="-apple-system"/>
-              </a:rPr>
-              <a:t>策略模式通常包含三个主要的组成部分：</a:t>
-            </a:r>
-          </a:p>
-          <a:p>
-            <a:pPr algn="l">
-              <a:buFont typeface="Arial" panose="020B0604020202020204" pitchFamily="34" charset="0"/>
-              <a:buChar char="•"/>
+            <a:pPr marL="0" marR="0" lvl="0" indent="0" algn="l" defTabSz="2438339" rtl="0" eaLnBrk="1" fontAlgn="auto" latinLnBrk="0" hangingPunct="1">
+              <a:lnSpc>
+                <a:spcPct val="100000"/>
+              </a:lnSpc>
+              <a:spcBef>
+                <a:spcPts val="0"/>
+              </a:spcBef>
+              <a:spcAft>
+                <a:spcPts val="0"/>
+              </a:spcAft>
+              <a:buClrTx/>
+              <a:buSzTx/>
+              <a:buFontTx/>
+              <a:buNone/>
+              <a:tabLst/>
+              <a:defRPr/>
             </a:pPr>
             <a:r>
-              <a:rPr lang="zh-CN" altLang="en-US" b="0" i="0" dirty="0">
-                <a:solidFill>
-                  <a:srgbClr val="FFFFFF"/>
-                </a:solidFill>
-                <a:effectLst/>
-                <a:latin typeface="-apple-system"/>
-              </a:rPr>
-              <a:t>上下文（</a:t>
-            </a:r>
-            <a:r>
-              <a:rPr lang="en-US" altLang="zh-CN" b="0" i="0" dirty="0">
-                <a:solidFill>
-                  <a:srgbClr val="FFFFFF"/>
-                </a:solidFill>
-                <a:effectLst/>
-                <a:latin typeface="-apple-system"/>
-              </a:rPr>
-              <a:t>Context</a:t>
-            </a:r>
-            <a:r>
-              <a:rPr lang="zh-CN" altLang="en-US" b="0" i="0" dirty="0">
-                <a:solidFill>
-                  <a:srgbClr val="FFFFFF"/>
-                </a:solidFill>
-                <a:effectLst/>
-                <a:latin typeface="-apple-system"/>
-              </a:rPr>
-              <a:t>）：上下文是策略模式的核心，它包含了策略的引用，并在运行时调用所选择的策略。</a:t>
-            </a:r>
-          </a:p>
-          <a:p>
-            <a:pPr algn="l">
-              <a:buFont typeface="Arial" panose="020B0604020202020204" pitchFamily="34" charset="0"/>
-              <a:buChar char="•"/>
+              <a:rPr lang="zh-CN" altLang="en-US" dirty="0"/>
+              <a:t>首先，你需要定义一个定义一个策略接口，实现不同的具体策略类，每个类都提供了自己的算法或策略。</a:t>
+            </a:r>
+            <a:endParaRPr lang="en-US" altLang="zh-CN" dirty="0"/>
+          </a:p>
+          <a:p>
+            <a:pPr marL="0" marR="0" lvl="0" indent="0" algn="l" defTabSz="2438339" rtl="0" eaLnBrk="1" fontAlgn="auto" latinLnBrk="0" hangingPunct="1">
+              <a:lnSpc>
+                <a:spcPct val="100000"/>
+              </a:lnSpc>
+              <a:spcBef>
+                <a:spcPts val="0"/>
+              </a:spcBef>
+              <a:spcAft>
+                <a:spcPts val="0"/>
+              </a:spcAft>
+              <a:buClrTx/>
+              <a:buSzTx/>
+              <a:buFontTx/>
+              <a:buNone/>
+              <a:tabLst/>
+              <a:defRPr/>
             </a:pPr>
-            <a:r>
-              <a:rPr lang="zh-CN" altLang="en-US" b="0" i="0" dirty="0">
-                <a:solidFill>
-                  <a:srgbClr val="FFFFFF"/>
-                </a:solidFill>
-                <a:effectLst/>
-                <a:latin typeface="-apple-system"/>
-              </a:rPr>
-              <a:t>策略接口（</a:t>
-            </a:r>
-            <a:r>
-              <a:rPr lang="en-US" altLang="zh-CN" b="0" i="0" dirty="0">
-                <a:solidFill>
-                  <a:srgbClr val="FFFFFF"/>
-                </a:solidFill>
-                <a:effectLst/>
-                <a:latin typeface="-apple-system"/>
-              </a:rPr>
-              <a:t>Strategy Interface</a:t>
-            </a:r>
-            <a:r>
-              <a:rPr lang="zh-CN" altLang="en-US" b="0" i="0" dirty="0">
-                <a:solidFill>
-                  <a:srgbClr val="FFFFFF"/>
-                </a:solidFill>
-                <a:effectLst/>
-                <a:latin typeface="-apple-system"/>
-              </a:rPr>
-              <a:t>）：策略接口定义了所有具体策略类必须实现的方法，确保它们具有一致的行为。</a:t>
-            </a:r>
-          </a:p>
-          <a:p>
-            <a:pPr algn="l">
-              <a:buFont typeface="Arial" panose="020B0604020202020204" pitchFamily="34" charset="0"/>
-              <a:buChar char="•"/>
+            <a:endParaRPr lang="en-US" altLang="zh-CN" dirty="0"/>
+          </a:p>
+          <a:p>
+            <a:pPr marL="0" marR="0" lvl="0" indent="0" algn="l" defTabSz="2438339" rtl="0" eaLnBrk="1" fontAlgn="auto" latinLnBrk="0" hangingPunct="1">
+              <a:lnSpc>
+                <a:spcPct val="100000"/>
+              </a:lnSpc>
+              <a:spcBef>
+                <a:spcPts val="0"/>
+              </a:spcBef>
+              <a:spcAft>
+                <a:spcPts val="0"/>
+              </a:spcAft>
+              <a:buClrTx/>
+              <a:buSzTx/>
+              <a:buFontTx/>
+              <a:buNone/>
+              <a:tabLst/>
+              <a:defRPr/>
             </a:pPr>
             <a:r>
-              <a:rPr lang="zh-CN" altLang="en-US" b="0" i="0" dirty="0">
-                <a:solidFill>
-                  <a:srgbClr val="FFFFFF"/>
-                </a:solidFill>
-                <a:effectLst/>
-                <a:latin typeface="-apple-system"/>
-              </a:rPr>
-              <a:t>具体策略类（</a:t>
-            </a:r>
-            <a:r>
-              <a:rPr lang="en-US" altLang="zh-CN" b="0" i="0" dirty="0">
-                <a:solidFill>
-                  <a:srgbClr val="FFFFFF"/>
-                </a:solidFill>
-                <a:effectLst/>
-                <a:latin typeface="-apple-system"/>
-              </a:rPr>
-              <a:t>Concrete Strategies</a:t>
-            </a:r>
-            <a:r>
-              <a:rPr lang="zh-CN" altLang="en-US" b="0" i="0" dirty="0">
-                <a:solidFill>
-                  <a:srgbClr val="FFFFFF"/>
-                </a:solidFill>
-                <a:effectLst/>
-                <a:latin typeface="-apple-system"/>
-              </a:rPr>
-              <a:t>）：每个具体策略类都实现了策略接口，并提供了具体的算法或策略的实现。</a:t>
-            </a:r>
+              <a:rPr lang="zh-CN" altLang="en-US" dirty="0"/>
+              <a:t>然后，定义上下文类，该类包含一个策略接口的引用。</a:t>
+            </a:r>
+            <a:endParaRPr lang="en-US" altLang="zh-CN" dirty="0"/>
+          </a:p>
+          <a:p>
+            <a:pPr marL="0" marR="0" lvl="0" indent="0" algn="l" defTabSz="2438339" rtl="0" eaLnBrk="1" fontAlgn="auto" latinLnBrk="0" hangingPunct="1">
+              <a:lnSpc>
+                <a:spcPct val="100000"/>
+              </a:lnSpc>
+              <a:spcBef>
+                <a:spcPts val="0"/>
+              </a:spcBef>
+              <a:spcAft>
+                <a:spcPts val="0"/>
+              </a:spcAft>
+              <a:buClrTx/>
+              <a:buSzTx/>
+              <a:buFontTx/>
+              <a:buNone/>
+              <a:tabLst/>
+              <a:defRPr/>
+            </a:pPr>
+            <a:endParaRPr lang="en-US" altLang="zh-CN" dirty="0"/>
+          </a:p>
+          <a:p>
+            <a:pPr marL="0" marR="0" lvl="0" indent="0" algn="l" defTabSz="2438339" rtl="0" eaLnBrk="1" fontAlgn="auto" latinLnBrk="0" hangingPunct="1">
+              <a:lnSpc>
+                <a:spcPct val="100000"/>
+              </a:lnSpc>
+              <a:spcBef>
+                <a:spcPts val="0"/>
+              </a:spcBef>
+              <a:spcAft>
+                <a:spcPts val="0"/>
+              </a:spcAft>
+              <a:buClrTx/>
+              <a:buSzTx/>
+              <a:buFontTx/>
+              <a:buNone/>
+              <a:tabLst/>
+              <a:defRPr/>
+            </a:pPr>
+            <a:r>
+              <a:rPr lang="zh-CN" altLang="en-US" dirty="0"/>
+              <a:t>在运行时，你可以根据需要选择并设置合适的策略对象，并将其注入给上下文类。上下文类将调用所选策略的方法来完成相应的操作。</a:t>
+            </a:r>
+            <a:endParaRPr lang="en-US" dirty="0"/>
           </a:p>
           <a:p>
             <a:endParaRPr lang="en-US" dirty="0"/>
@@ -15717,7 +15717,7 @@
     </p:spTree>
     <p:extLst>
       <p:ext uri="{BB962C8B-B14F-4D97-AF65-F5344CB8AC3E}">
-        <p14:creationId xmlns:p14="http://schemas.microsoft.com/office/powerpoint/2010/main" val="3007327655"/>
+        <p14:creationId xmlns:p14="http://schemas.microsoft.com/office/powerpoint/2010/main" val="3793416727"/>
       </p:ext>
     </p:extLst>
   </p:cSld>
@@ -18475,82 +18475,133 @@
           <a:bodyPr/>
           <a:lstStyle/>
           <a:p>
-            <a:pPr defTabSz="2438430">
-              <a:lnSpc>
-                <a:spcPct val="85000"/>
-              </a:lnSpc>
-              <a:spcBef>
-                <a:spcPct val="0"/>
-              </a:spcBef>
-              <a:spcAft>
-                <a:spcPts val="1200"/>
-              </a:spcAft>
-            </a:pPr>
-            <a:r>
-              <a:rPr lang="en-US" dirty="0"/>
-              <a:t>These are the five </a:t>
-            </a:r>
-            <a:r>
-              <a:rPr lang="en-US" sz="3200" b="1" spc="-50" dirty="0">
-                <a:solidFill>
-                  <a:schemeClr val="accent2"/>
-                </a:solidFill>
-                <a:latin typeface="+mj-lt"/>
-                <a:ea typeface="+mj-ea"/>
-                <a:cs typeface="+mj-cs"/>
-              </a:rPr>
-              <a:t>Structural</a:t>
-            </a:r>
-            <a:r>
-              <a:rPr lang="en-US" sz="3200" spc="-50" dirty="0">
-                <a:solidFill>
-                  <a:schemeClr val="accent2"/>
-                </a:solidFill>
-                <a:latin typeface="+mj-lt"/>
-                <a:ea typeface="+mj-ea"/>
-                <a:cs typeface="+mj-cs"/>
-              </a:rPr>
-              <a:t> </a:t>
-            </a:r>
-            <a:r>
-              <a:rPr lang="en-US" sz="3200" b="1" spc="-50" dirty="0">
-                <a:solidFill>
-                  <a:schemeClr val="accent2"/>
-                </a:solidFill>
-                <a:latin typeface="+mj-lt"/>
-                <a:ea typeface="+mj-ea"/>
-                <a:cs typeface="+mj-cs"/>
-              </a:rPr>
-              <a:t>Design</a:t>
-            </a:r>
-            <a:r>
-              <a:rPr lang="en-US" sz="3200" spc="-50" dirty="0">
-                <a:solidFill>
-                  <a:schemeClr val="accent2"/>
-                </a:solidFill>
-                <a:latin typeface="+mj-lt"/>
-                <a:ea typeface="+mj-ea"/>
-                <a:cs typeface="+mj-cs"/>
-              </a:rPr>
-              <a:t> </a:t>
-            </a:r>
-            <a:r>
-              <a:rPr lang="en-US" sz="3200" b="1" spc="-50" dirty="0">
-                <a:solidFill>
-                  <a:schemeClr val="accent2"/>
-                </a:solidFill>
-                <a:latin typeface="+mj-lt"/>
-                <a:ea typeface="+mj-ea"/>
-                <a:cs typeface="+mj-cs"/>
-              </a:rPr>
-              <a:t>Patterns.</a:t>
-            </a:r>
-          </a:p>
-          <a:p>
-            <a:r>
-              <a:rPr lang="en-US" dirty="0"/>
-              <a:t>I hope it can be helpful to everyone.</a:t>
-            </a:r>
+            <a:r>
+              <a:rPr lang="zh-CN" altLang="en-US"/>
+              <a:t>观</a:t>
+            </a:r>
+            <a:r>
+              <a:rPr lang="zh-CN" altLang="en-US" dirty="0"/>
+              <a:t>察者模式（</a:t>
+            </a:r>
+            <a:r>
+              <a:rPr lang="en-US" altLang="zh-CN" dirty="0"/>
+              <a:t>Observer Pattern</a:t>
+            </a:r>
+            <a:r>
+              <a:rPr lang="zh-CN" altLang="en-US" dirty="0"/>
+              <a:t>）：</a:t>
+            </a:r>
+          </a:p>
+          <a:p>
+            <a:r>
+              <a:rPr lang="zh-CN" altLang="en-US" dirty="0"/>
+              <a:t>观察者模式是一种行为设计模式，它定义了对象之间的一对多依赖关系，使得当一个对象的状态发生变化时，所有依赖于它的对象都会得到通知并自动更新。</a:t>
+            </a:r>
+            <a:endParaRPr lang="en-US" altLang="zh-CN" dirty="0"/>
+          </a:p>
+          <a:p>
+            <a:r>
+              <a:rPr lang="zh-CN" altLang="en-US" dirty="0"/>
+              <a:t>在观察者模式中，有两个核心角色：观察者（</a:t>
+            </a:r>
+            <a:r>
+              <a:rPr lang="en-US" altLang="zh-CN" dirty="0"/>
+              <a:t>Observers</a:t>
+            </a:r>
+            <a:r>
+              <a:rPr lang="zh-CN" altLang="en-US" dirty="0"/>
+              <a:t>）和被观察者（</a:t>
+            </a:r>
+            <a:r>
+              <a:rPr lang="en-US" altLang="zh-CN" dirty="0"/>
+              <a:t>Subject</a:t>
+            </a:r>
+            <a:r>
+              <a:rPr lang="zh-CN" altLang="en-US" dirty="0"/>
+              <a:t>）。</a:t>
+            </a:r>
+            <a:endParaRPr lang="en-US" altLang="zh-CN" dirty="0"/>
+          </a:p>
+          <a:p>
+            <a:r>
+              <a:rPr lang="zh-CN" altLang="en-US" dirty="0"/>
+              <a:t>观察者通过订阅或注册的方式与被观察者建立关联，当被观察者的状态发生变化时，会通知所有观察者进行相应的更新操作。这种模式可以实现松耦合，让对象之间的关系更加灵活。</a:t>
+            </a:r>
+          </a:p>
+          <a:p>
+            <a:endParaRPr lang="zh-CN" altLang="en-US" dirty="0"/>
+          </a:p>
+          <a:p>
+            <a:r>
+              <a:rPr lang="zh-CN" altLang="en-US" dirty="0"/>
+              <a:t>策略模式（</a:t>
+            </a:r>
+            <a:r>
+              <a:rPr lang="en-US" altLang="zh-CN" dirty="0"/>
+              <a:t>Strategy Pattern</a:t>
+            </a:r>
+            <a:r>
+              <a:rPr lang="zh-CN" altLang="en-US" dirty="0"/>
+              <a:t>）：</a:t>
+            </a:r>
+          </a:p>
+          <a:p>
+            <a:r>
+              <a:rPr lang="zh-CN" altLang="en-US" dirty="0"/>
+              <a:t>策略模式是一种行为设计模式，它定义了一系列算法或行为，并将每个算法封装在独立的策略类中，使得它们可以互相替换。</a:t>
+            </a:r>
+            <a:endParaRPr lang="en-US" altLang="zh-CN" dirty="0"/>
+          </a:p>
+          <a:p>
+            <a:r>
+              <a:rPr lang="zh-CN" altLang="en-US" dirty="0"/>
+              <a:t>策略模式提供了一种动态选择算法的方式，使得算法可以独立于使用它的客户端而变化。</a:t>
+            </a:r>
+            <a:endParaRPr lang="en-US" altLang="zh-CN" dirty="0"/>
+          </a:p>
+          <a:p>
+            <a:r>
+              <a:rPr lang="zh-CN" altLang="en-US" dirty="0"/>
+              <a:t>通过使用策略模式，客户端可以根据需要在运行时选择不同的策略，而无需修改其代码。这种模式可以提高代码的可扩展性和可维护性。</a:t>
+            </a:r>
+          </a:p>
+          <a:p>
+            <a:endParaRPr lang="zh-CN" altLang="en-US" dirty="0"/>
+          </a:p>
+          <a:p>
+            <a:r>
+              <a:rPr lang="zh-CN" altLang="en-US" dirty="0"/>
+              <a:t>模板方法（</a:t>
+            </a:r>
+            <a:r>
+              <a:rPr lang="en-US" altLang="zh-CN" dirty="0"/>
+              <a:t>Template Method</a:t>
+            </a:r>
+            <a:r>
+              <a:rPr lang="zh-CN" altLang="en-US" dirty="0"/>
+              <a:t>）：</a:t>
+            </a:r>
+          </a:p>
+          <a:p>
+            <a:r>
+              <a:rPr lang="zh-CN" altLang="en-US" dirty="0"/>
+              <a:t>模板方法是一种行为设计模式，它定义了一个算法的骨架，而将一些步骤的具体实现延迟到子类中。</a:t>
+            </a:r>
+            <a:endParaRPr lang="en-US" altLang="zh-CN" dirty="0"/>
+          </a:p>
+          <a:p>
+            <a:r>
+              <a:rPr lang="zh-CN" altLang="en-US" dirty="0"/>
+              <a:t>在模板方法模式中，有一个抽象类定义了一个模板方法，该方法包含了算法的骨架和一些可变的步骤，而具体的步骤实现则由子类提供。</a:t>
+            </a:r>
+            <a:endParaRPr lang="en-US" altLang="zh-CN" dirty="0"/>
+          </a:p>
+          <a:p>
+            <a:r>
+              <a:rPr lang="zh-CN" altLang="en-US" dirty="0"/>
+              <a:t>模板方法模式允许子类在不改变算法结构的情况下重新定义算法中的某些步骤。这种模式可以提高代码的复用性和扩展性，同时提供了一种标准化的算法实现方式。</a:t>
+            </a:r>
+            <a:endParaRPr lang="en-US" dirty="0"/>
           </a:p>
         </p:txBody>
       </p:sp>
@@ -19916,6 +19967,29 @@
             </a:endParaRPr>
           </a:p>
           <a:p>
+            <a:pPr algn="l">
+              <a:buFont typeface="+mj-lt"/>
+              <a:buNone/>
+            </a:pPr>
+            <a:r>
+              <a:rPr lang="zh-CN" altLang="en-US" b="0" i="0" dirty="0">
+                <a:solidFill>
+                  <a:srgbClr val="FFFFFF"/>
+                </a:solidFill>
+                <a:effectLst/>
+                <a:latin typeface="-apple-system"/>
+              </a:rPr>
+              <a:t>他们的区别在于</a:t>
+            </a:r>
+            <a:endParaRPr lang="en-US" altLang="zh-CN" b="0" i="0" dirty="0">
+              <a:solidFill>
+                <a:srgbClr val="FFFFFF"/>
+              </a:solidFill>
+              <a:effectLst/>
+              <a:latin typeface="-apple-system"/>
+            </a:endParaRPr>
+          </a:p>
+          <a:p>
             <a:pPr algn="l"/>
             <a:r>
               <a:rPr lang="zh-CN" altLang="en-US" b="0" i="0" dirty="0">
@@ -21121,7 +21195,7 @@
                 <a:effectLst/>
                 <a:latin typeface="-apple-system"/>
               </a:rPr>
-              <a:t>提供一个现实生活中的例子：以购物为例，假设你正在开发一个电子商务网站，用户可以选择不同的支付方式，如信用卡支付、支付宝、微信支付等。</a:t>
+              <a:t>提供一个现实生活中的例子：以购物为例，假设你正在开发一个购物网站，用户可以选择不同的支付方式，如信用卡支付、支付宝、微信支付等。</a:t>
             </a:r>
             <a:endParaRPr lang="en-US" altLang="zh-CN" b="0" i="0" dirty="0">
               <a:solidFill>
@@ -24410,228 +24484,6 @@
           </a:p>
         </p:txBody>
       </p:sp>
-      <p:sp>
-        <p:nvSpPr>
-          <p:cNvPr id="13" name="Title 9">
-            <a:extLst>
-              <a:ext uri="{FF2B5EF4-FFF2-40B4-BE49-F238E27FC236}">
-                <a16:creationId xmlns:a16="http://schemas.microsoft.com/office/drawing/2014/main" id="{3BAEBDBD-7B50-9F58-BD3C-27FF4C445264}"/>
-              </a:ext>
-            </a:extLst>
-          </p:cNvPr>
-          <p:cNvSpPr>
-            <a:spLocks noGrp="1"/>
-          </p:cNvSpPr>
-          <p:nvPr>
-            <p:ph type="title"/>
-          </p:nvPr>
-        </p:nvSpPr>
-        <p:spPr>
-          <a:xfrm>
-            <a:off x="1080000" y="1125271"/>
-            <a:ext cx="22201232" cy="701456"/>
-          </a:xfrm>
-        </p:spPr>
-        <p:txBody>
-          <a:bodyPr/>
-          <a:lstStyle/>
-          <a:p>
-            <a:r>
-              <a:rPr lang="en-US" b="1" dirty="0"/>
-              <a:t>2. </a:t>
-            </a:r>
-            <a:r>
-              <a:rPr lang="en-US" b="1" kern="1200" dirty="0">
-                <a:latin typeface="Calibri" panose="020F0502020204030204"/>
-                <a:ea typeface="+mn-ea"/>
-                <a:cs typeface="+mn-cs"/>
-              </a:rPr>
-              <a:t>Strategy</a:t>
-            </a:r>
-            <a:br>
-              <a:rPr lang="en-US" dirty="0"/>
-            </a:br>
-            <a:endParaRPr lang="en-US" dirty="0"/>
-          </a:p>
-        </p:txBody>
-      </p:sp>
-      <p:pic>
-        <p:nvPicPr>
-          <p:cNvPr id="6" name="Picture 5">
-            <a:extLst>
-              <a:ext uri="{FF2B5EF4-FFF2-40B4-BE49-F238E27FC236}">
-                <a16:creationId xmlns:a16="http://schemas.microsoft.com/office/drawing/2014/main" id="{16B37A08-3C2A-75B8-3DC9-57538F027321}"/>
-              </a:ext>
-            </a:extLst>
-          </p:cNvPr>
-          <p:cNvPicPr>
-            <a:picLocks noChangeAspect="1"/>
-          </p:cNvPicPr>
-          <p:nvPr/>
-        </p:nvPicPr>
-        <p:blipFill>
-          <a:blip r:embed="rId3"/>
-          <a:stretch>
-            <a:fillRect/>
-          </a:stretch>
-        </p:blipFill>
-        <p:spPr>
-          <a:xfrm>
-            <a:off x="8591600" y="1855218"/>
-            <a:ext cx="7605890" cy="7255064"/>
-          </a:xfrm>
-          <a:prstGeom prst="rect">
-            <a:avLst/>
-          </a:prstGeom>
-        </p:spPr>
-      </p:pic>
-      <p:pic>
-        <p:nvPicPr>
-          <p:cNvPr id="8" name="Picture 7">
-            <a:extLst>
-              <a:ext uri="{FF2B5EF4-FFF2-40B4-BE49-F238E27FC236}">
-                <a16:creationId xmlns:a16="http://schemas.microsoft.com/office/drawing/2014/main" id="{F2DD4AAC-7D24-0CFB-CC72-67AA7A835E53}"/>
-              </a:ext>
-            </a:extLst>
-          </p:cNvPr>
-          <p:cNvPicPr>
-            <a:picLocks noChangeAspect="1"/>
-          </p:cNvPicPr>
-          <p:nvPr/>
-        </p:nvPicPr>
-        <p:blipFill>
-          <a:blip r:embed="rId4"/>
-          <a:stretch>
-            <a:fillRect/>
-          </a:stretch>
-        </p:blipFill>
-        <p:spPr>
-          <a:xfrm>
-            <a:off x="1266849" y="2902203"/>
-            <a:ext cx="6973715" cy="4848799"/>
-          </a:xfrm>
-          <a:prstGeom prst="rect">
-            <a:avLst/>
-          </a:prstGeom>
-        </p:spPr>
-      </p:pic>
-      <p:pic>
-        <p:nvPicPr>
-          <p:cNvPr id="10" name="Picture 9">
-            <a:extLst>
-              <a:ext uri="{FF2B5EF4-FFF2-40B4-BE49-F238E27FC236}">
-                <a16:creationId xmlns:a16="http://schemas.microsoft.com/office/drawing/2014/main" id="{5BED62DA-CF45-4C4C-D43B-C111EDD3C398}"/>
-              </a:ext>
-            </a:extLst>
-          </p:cNvPr>
-          <p:cNvPicPr>
-            <a:picLocks noChangeAspect="1"/>
-          </p:cNvPicPr>
-          <p:nvPr/>
-        </p:nvPicPr>
-        <p:blipFill rotWithShape="1">
-          <a:blip r:embed="rId5"/>
-          <a:srcRect r="14132"/>
-          <a:stretch/>
-        </p:blipFill>
-        <p:spPr>
-          <a:xfrm>
-            <a:off x="16455225" y="3214498"/>
-            <a:ext cx="7605890" cy="4536504"/>
-          </a:xfrm>
-          <a:prstGeom prst="rect">
-            <a:avLst/>
-          </a:prstGeom>
-        </p:spPr>
-      </p:pic>
-    </p:spTree>
-    <p:extLst>
-      <p:ext uri="{BB962C8B-B14F-4D97-AF65-F5344CB8AC3E}">
-        <p14:creationId xmlns:p14="http://schemas.microsoft.com/office/powerpoint/2010/main" val="853015841"/>
-      </p:ext>
-    </p:extLst>
-  </p:cSld>
-  <p:clrMapOvr>
-    <a:masterClrMapping/>
-  </p:clrMapOvr>
-</p:sld>
-</file>
-
-<file path=ppt/slides/slide11.xml><?xml version="1.0" encoding="utf-8"?>
-<p:sld xmlns:a="http://schemas.openxmlformats.org/drawingml/2006/main" xmlns:r="http://schemas.openxmlformats.org/officeDocument/2006/relationships" xmlns:p="http://schemas.openxmlformats.org/presentationml/2006/main">
-  <p:cSld>
-    <p:spTree>
-      <p:nvGrpSpPr>
-        <p:cNvPr id="1" name=""/>
-        <p:cNvGrpSpPr/>
-        <p:nvPr/>
-      </p:nvGrpSpPr>
-      <p:grpSpPr>
-        <a:xfrm>
-          <a:off x="0" y="0"/>
-          <a:ext cx="0" cy="0"/>
-          <a:chOff x="0" y="0"/>
-          <a:chExt cx="0" cy="0"/>
-        </a:xfrm>
-      </p:grpSpPr>
-      <p:sp>
-        <p:nvSpPr>
-          <p:cNvPr id="2" name="Footer Placeholder 1">
-            <a:extLst>
-              <a:ext uri="{FF2B5EF4-FFF2-40B4-BE49-F238E27FC236}">
-                <a16:creationId xmlns:a16="http://schemas.microsoft.com/office/drawing/2014/main" id="{22DA5C28-F0FD-47D6-8E92-1C9E6EA87F96}"/>
-              </a:ext>
-            </a:extLst>
-          </p:cNvPr>
-          <p:cNvSpPr>
-            <a:spLocks noGrp="1"/>
-          </p:cNvSpPr>
-          <p:nvPr>
-            <p:ph type="ftr" sz="quarter" idx="3"/>
-          </p:nvPr>
-        </p:nvSpPr>
-        <p:spPr/>
-        <p:txBody>
-          <a:bodyPr/>
-          <a:lstStyle/>
-          <a:p>
-            <a:r>
-              <a:rPr lang="en-AU" dirty="0"/>
-              <a:t>© 2023 CargoWise</a:t>
-            </a:r>
-          </a:p>
-        </p:txBody>
-      </p:sp>
-      <p:sp>
-        <p:nvSpPr>
-          <p:cNvPr id="3" name="Slide Number Placeholder 2">
-            <a:extLst>
-              <a:ext uri="{FF2B5EF4-FFF2-40B4-BE49-F238E27FC236}">
-                <a16:creationId xmlns:a16="http://schemas.microsoft.com/office/drawing/2014/main" id="{15B20483-DDDA-4E06-872B-F88C31FDBA35}"/>
-              </a:ext>
-            </a:extLst>
-          </p:cNvPr>
-          <p:cNvSpPr>
-            <a:spLocks noGrp="1"/>
-          </p:cNvSpPr>
-          <p:nvPr>
-            <p:ph type="sldNum" sz="quarter" idx="4"/>
-          </p:nvPr>
-        </p:nvSpPr>
-        <p:spPr/>
-        <p:txBody>
-          <a:bodyPr/>
-          <a:lstStyle/>
-          <a:p>
-            <a:fld id="{67E7CB4E-0848-4774-9F85-B38117CB1B54}" type="slidenum">
-              <a:rPr lang="en-AU" smtClean="0"/>
-              <a:pPr/>
-              <a:t>11</a:t>
-            </a:fld>
-            <a:endParaRPr lang="en-AU"/>
-          </a:p>
-        </p:txBody>
-      </p:sp>
       <p:graphicFrame>
         <p:nvGraphicFramePr>
           <p:cNvPr id="6" name="Diagram 5">
@@ -24756,6 +24608,228 @@
     <p:extLst>
       <p:ext uri="{BB962C8B-B14F-4D97-AF65-F5344CB8AC3E}">
         <p14:creationId xmlns:p14="http://schemas.microsoft.com/office/powerpoint/2010/main" val="4133899762"/>
+      </p:ext>
+    </p:extLst>
+  </p:cSld>
+  <p:clrMapOvr>
+    <a:masterClrMapping/>
+  </p:clrMapOvr>
+</p:sld>
+</file>
+
+<file path=ppt/slides/slide11.xml><?xml version="1.0" encoding="utf-8"?>
+<p:sld xmlns:a="http://schemas.openxmlformats.org/drawingml/2006/main" xmlns:r="http://schemas.openxmlformats.org/officeDocument/2006/relationships" xmlns:p="http://schemas.openxmlformats.org/presentationml/2006/main">
+  <p:cSld>
+    <p:spTree>
+      <p:nvGrpSpPr>
+        <p:cNvPr id="1" name=""/>
+        <p:cNvGrpSpPr/>
+        <p:nvPr/>
+      </p:nvGrpSpPr>
+      <p:grpSpPr>
+        <a:xfrm>
+          <a:off x="0" y="0"/>
+          <a:ext cx="0" cy="0"/>
+          <a:chOff x="0" y="0"/>
+          <a:chExt cx="0" cy="0"/>
+        </a:xfrm>
+      </p:grpSpPr>
+      <p:sp>
+        <p:nvSpPr>
+          <p:cNvPr id="2" name="Footer Placeholder 1">
+            <a:extLst>
+              <a:ext uri="{FF2B5EF4-FFF2-40B4-BE49-F238E27FC236}">
+                <a16:creationId xmlns:a16="http://schemas.microsoft.com/office/drawing/2014/main" id="{22DA5C28-F0FD-47D6-8E92-1C9E6EA87F96}"/>
+              </a:ext>
+            </a:extLst>
+          </p:cNvPr>
+          <p:cNvSpPr>
+            <a:spLocks noGrp="1"/>
+          </p:cNvSpPr>
+          <p:nvPr>
+            <p:ph type="ftr" sz="quarter" idx="3"/>
+          </p:nvPr>
+        </p:nvSpPr>
+        <p:spPr/>
+        <p:txBody>
+          <a:bodyPr/>
+          <a:lstStyle/>
+          <a:p>
+            <a:r>
+              <a:rPr lang="en-AU" dirty="0"/>
+              <a:t>© 2023 CargoWise</a:t>
+            </a:r>
+          </a:p>
+        </p:txBody>
+      </p:sp>
+      <p:sp>
+        <p:nvSpPr>
+          <p:cNvPr id="3" name="Slide Number Placeholder 2">
+            <a:extLst>
+              <a:ext uri="{FF2B5EF4-FFF2-40B4-BE49-F238E27FC236}">
+                <a16:creationId xmlns:a16="http://schemas.microsoft.com/office/drawing/2014/main" id="{15B20483-DDDA-4E06-872B-F88C31FDBA35}"/>
+              </a:ext>
+            </a:extLst>
+          </p:cNvPr>
+          <p:cNvSpPr>
+            <a:spLocks noGrp="1"/>
+          </p:cNvSpPr>
+          <p:nvPr>
+            <p:ph type="sldNum" sz="quarter" idx="4"/>
+          </p:nvPr>
+        </p:nvSpPr>
+        <p:spPr/>
+        <p:txBody>
+          <a:bodyPr/>
+          <a:lstStyle/>
+          <a:p>
+            <a:fld id="{67E7CB4E-0848-4774-9F85-B38117CB1B54}" type="slidenum">
+              <a:rPr lang="en-AU" smtClean="0"/>
+              <a:pPr/>
+              <a:t>11</a:t>
+            </a:fld>
+            <a:endParaRPr lang="en-AU"/>
+          </a:p>
+        </p:txBody>
+      </p:sp>
+      <p:sp>
+        <p:nvSpPr>
+          <p:cNvPr id="13" name="Title 9">
+            <a:extLst>
+              <a:ext uri="{FF2B5EF4-FFF2-40B4-BE49-F238E27FC236}">
+                <a16:creationId xmlns:a16="http://schemas.microsoft.com/office/drawing/2014/main" id="{3BAEBDBD-7B50-9F58-BD3C-27FF4C445264}"/>
+              </a:ext>
+            </a:extLst>
+          </p:cNvPr>
+          <p:cNvSpPr>
+            <a:spLocks noGrp="1"/>
+          </p:cNvSpPr>
+          <p:nvPr>
+            <p:ph type="title"/>
+          </p:nvPr>
+        </p:nvSpPr>
+        <p:spPr>
+          <a:xfrm>
+            <a:off x="1080000" y="1125271"/>
+            <a:ext cx="22201232" cy="701456"/>
+          </a:xfrm>
+        </p:spPr>
+        <p:txBody>
+          <a:bodyPr/>
+          <a:lstStyle/>
+          <a:p>
+            <a:r>
+              <a:rPr lang="en-US" b="1" dirty="0"/>
+              <a:t>2. </a:t>
+            </a:r>
+            <a:r>
+              <a:rPr lang="en-US" b="1" kern="1200" dirty="0">
+                <a:latin typeface="Calibri" panose="020F0502020204030204"/>
+                <a:ea typeface="+mn-ea"/>
+                <a:cs typeface="+mn-cs"/>
+              </a:rPr>
+              <a:t>Strategy</a:t>
+            </a:r>
+            <a:br>
+              <a:rPr lang="en-US" dirty="0"/>
+            </a:br>
+            <a:endParaRPr lang="en-US" dirty="0"/>
+          </a:p>
+        </p:txBody>
+      </p:sp>
+      <p:pic>
+        <p:nvPicPr>
+          <p:cNvPr id="6" name="Picture 5">
+            <a:extLst>
+              <a:ext uri="{FF2B5EF4-FFF2-40B4-BE49-F238E27FC236}">
+                <a16:creationId xmlns:a16="http://schemas.microsoft.com/office/drawing/2014/main" id="{16B37A08-3C2A-75B8-3DC9-57538F027321}"/>
+              </a:ext>
+            </a:extLst>
+          </p:cNvPr>
+          <p:cNvPicPr>
+            <a:picLocks noChangeAspect="1"/>
+          </p:cNvPicPr>
+          <p:nvPr/>
+        </p:nvPicPr>
+        <p:blipFill>
+          <a:blip r:embed="rId3"/>
+          <a:stretch>
+            <a:fillRect/>
+          </a:stretch>
+        </p:blipFill>
+        <p:spPr>
+          <a:xfrm>
+            <a:off x="1535016" y="2609528"/>
+            <a:ext cx="7605890" cy="7255064"/>
+          </a:xfrm>
+          <a:prstGeom prst="rect">
+            <a:avLst/>
+          </a:prstGeom>
+        </p:spPr>
+      </p:pic>
+      <p:pic>
+        <p:nvPicPr>
+          <p:cNvPr id="8" name="Picture 7">
+            <a:extLst>
+              <a:ext uri="{FF2B5EF4-FFF2-40B4-BE49-F238E27FC236}">
+                <a16:creationId xmlns:a16="http://schemas.microsoft.com/office/drawing/2014/main" id="{F2DD4AAC-7D24-0CFB-CC72-67AA7A835E53}"/>
+              </a:ext>
+            </a:extLst>
+          </p:cNvPr>
+          <p:cNvPicPr>
+            <a:picLocks noChangeAspect="1"/>
+          </p:cNvPicPr>
+          <p:nvPr/>
+        </p:nvPicPr>
+        <p:blipFill>
+          <a:blip r:embed="rId4"/>
+          <a:stretch>
+            <a:fillRect/>
+          </a:stretch>
+        </p:blipFill>
+        <p:spPr>
+          <a:xfrm>
+            <a:off x="9450406" y="3473624"/>
+            <a:ext cx="6973715" cy="4848799"/>
+          </a:xfrm>
+          <a:prstGeom prst="rect">
+            <a:avLst/>
+          </a:prstGeom>
+        </p:spPr>
+      </p:pic>
+      <p:pic>
+        <p:nvPicPr>
+          <p:cNvPr id="10" name="Picture 9">
+            <a:extLst>
+              <a:ext uri="{FF2B5EF4-FFF2-40B4-BE49-F238E27FC236}">
+                <a16:creationId xmlns:a16="http://schemas.microsoft.com/office/drawing/2014/main" id="{5BED62DA-CF45-4C4C-D43B-C111EDD3C398}"/>
+              </a:ext>
+            </a:extLst>
+          </p:cNvPr>
+          <p:cNvPicPr>
+            <a:picLocks noChangeAspect="1"/>
+          </p:cNvPicPr>
+          <p:nvPr/>
+        </p:nvPicPr>
+        <p:blipFill rotWithShape="1">
+          <a:blip r:embed="rId5"/>
+          <a:srcRect r="14132"/>
+          <a:stretch/>
+        </p:blipFill>
+        <p:spPr>
+          <a:xfrm>
+            <a:off x="16766732" y="3331437"/>
+            <a:ext cx="7605890" cy="4536504"/>
+          </a:xfrm>
+          <a:prstGeom prst="rect">
+            <a:avLst/>
+          </a:prstGeom>
+        </p:spPr>
+      </p:pic>
+    </p:spTree>
+    <p:extLst>
+      <p:ext uri="{BB962C8B-B14F-4D97-AF65-F5344CB8AC3E}">
+        <p14:creationId xmlns:p14="http://schemas.microsoft.com/office/powerpoint/2010/main" val="853015841"/>
       </p:ext>
     </p:extLst>
   </p:cSld>
@@ -30272,15 +30346,6 @@
 </file>
 
 <file path=customXml/item2.xml><?xml version="1.0" encoding="utf-8"?>
-<?mso-contentType ?>
-<FormTemplates xmlns="http://schemas.microsoft.com/sharepoint/v3/contenttype/forms">
-  <Display>DocumentLibraryForm</Display>
-  <Edit>DocumentLibraryForm</Edit>
-  <New>DocumentLibraryForm</New>
-</FormTemplates>
-</file>
-
-<file path=customXml/item3.xml><?xml version="1.0" encoding="utf-8"?>
 <ct:contentTypeSchema xmlns:ct="http://schemas.microsoft.com/office/2006/metadata/contentType" xmlns:ma="http://schemas.microsoft.com/office/2006/metadata/properties/metaAttributes" ct:_="" ma:_="" ma:contentTypeName="Document" ma:contentTypeID="0x010100EEBA5D7D688A8D40BC8134A23630083E" ma:contentTypeVersion="17" ma:contentTypeDescription="Create a new document." ma:contentTypeScope="" ma:versionID="6c9f025c4a6d5a921d1240212dd2136e">
   <xsd:schema xmlns:xsd="http://www.w3.org/2001/XMLSchema" xmlns:xs="http://www.w3.org/2001/XMLSchema" xmlns:p="http://schemas.microsoft.com/office/2006/metadata/properties" xmlns:ns2="5b887053-13c9-4ef0-8e1a-18d371f97b0f" xmlns:ns3="0cb0f8a9-a4a1-4c3c-bc15-be6ee1e258a4" targetNamespace="http://schemas.microsoft.com/office/2006/metadata/properties" ma:root="true" ma:fieldsID="76276428416178d444d5a49df65bd1b6" ns2:_="" ns3:_="">
     <xsd:import namespace="5b887053-13c9-4ef0-8e1a-18d371f97b0f"/>
@@ -30513,6 +30578,15 @@
 </ct:contentTypeSchema>
 </file>
 
+<file path=customXml/item3.xml><?xml version="1.0" encoding="utf-8"?>
+<?mso-contentType ?>
+<FormTemplates xmlns="http://schemas.microsoft.com/sharepoint/v3/contenttype/forms">
+  <Display>DocumentLibraryForm</Display>
+  <Edit>DocumentLibraryForm</Edit>
+  <New>DocumentLibraryForm</New>
+</FormTemplates>
+</file>
+
 <file path=customXml/itemProps1.xml><?xml version="1.0" encoding="utf-8"?>
 <ds:datastoreItem xmlns:ds="http://schemas.openxmlformats.org/officeDocument/2006/customXml" ds:itemID="{FDC47B46-8518-488D-ACE5-55099526A1A9}">
   <ds:schemaRefs>
@@ -30531,14 +30605,6 @@
 </file>
 
 <file path=customXml/itemProps2.xml><?xml version="1.0" encoding="utf-8"?>
-<ds:datastoreItem xmlns:ds="http://schemas.openxmlformats.org/officeDocument/2006/customXml" ds:itemID="{D703E6E5-489B-4004-B595-51B1421CF944}">
-  <ds:schemaRefs>
-    <ds:schemaRef ds:uri="http://schemas.microsoft.com/sharepoint/v3/contenttype/forms"/>
-  </ds:schemaRefs>
-</ds:datastoreItem>
-</file>
-
-<file path=customXml/itemProps3.xml><?xml version="1.0" encoding="utf-8"?>
 <ds:datastoreItem xmlns:ds="http://schemas.openxmlformats.org/officeDocument/2006/customXml" ds:itemID="{3ACBF87C-9E24-4F0A-85E5-D0AA1A6E191C}">
   <ds:schemaRefs>
     <ds:schemaRef ds:uri="http://schemas.microsoft.com/office/2006/metadata/contentType"/>
@@ -30555,4 +30621,12 @@
     <ds:schemaRef ds:uri="http://schemas.microsoft.com/internal/obd"/>
   </ds:schemaRefs>
 </ds:datastoreItem>
+</file>
+
+<file path=customXml/itemProps3.xml><?xml version="1.0" encoding="utf-8"?>
+<ds:datastoreItem xmlns:ds="http://schemas.openxmlformats.org/officeDocument/2006/customXml" ds:itemID="{D703E6E5-489B-4004-B595-51B1421CF944}">
+  <ds:schemaRefs>
+    <ds:schemaRef ds:uri="http://schemas.microsoft.com/sharepoint/v3/contenttype/forms"/>
+  </ds:schemaRefs>
+</ds:datastoreItem>
 </file>